--- a/Data Engineering Using Free Tools/Learn Data Engineering For Free.pptx
+++ b/Data Engineering Using Free Tools/Learn Data Engineering For Free.pptx
@@ -5,7 +5,7 @@
     <p:sldMasterId id="2147483648" r:id="rId1"/>
   </p:sldMasterIdLst>
   <p:notesMasterIdLst>
-    <p:notesMasterId r:id="rId53"/>
+    <p:notesMasterId r:id="rId57"/>
   </p:notesMasterIdLst>
   <p:sldIdLst>
     <p:sldId id="256" r:id="rId2"/>
@@ -14,51 +14,55 @@
     <p:sldId id="264" r:id="rId5"/>
     <p:sldId id="308" r:id="rId6"/>
     <p:sldId id="306" r:id="rId7"/>
-    <p:sldId id="261" r:id="rId8"/>
-    <p:sldId id="307" r:id="rId9"/>
-    <p:sldId id="258" r:id="rId10"/>
-    <p:sldId id="292" r:id="rId11"/>
-    <p:sldId id="262" r:id="rId12"/>
-    <p:sldId id="309" r:id="rId13"/>
-    <p:sldId id="275" r:id="rId14"/>
-    <p:sldId id="276" r:id="rId15"/>
-    <p:sldId id="263" r:id="rId16"/>
-    <p:sldId id="259" r:id="rId17"/>
-    <p:sldId id="277" r:id="rId18"/>
-    <p:sldId id="278" r:id="rId19"/>
-    <p:sldId id="280" r:id="rId20"/>
-    <p:sldId id="281" r:id="rId21"/>
-    <p:sldId id="283" r:id="rId22"/>
-    <p:sldId id="284" r:id="rId23"/>
-    <p:sldId id="296" r:id="rId24"/>
-    <p:sldId id="285" r:id="rId25"/>
-    <p:sldId id="289" r:id="rId26"/>
-    <p:sldId id="290" r:id="rId27"/>
-    <p:sldId id="291" r:id="rId28"/>
-    <p:sldId id="294" r:id="rId29"/>
-    <p:sldId id="286" r:id="rId30"/>
-    <p:sldId id="287" r:id="rId31"/>
-    <p:sldId id="288" r:id="rId32"/>
-    <p:sldId id="295" r:id="rId33"/>
-    <p:sldId id="297" r:id="rId34"/>
-    <p:sldId id="298" r:id="rId35"/>
-    <p:sldId id="301" r:id="rId36"/>
-    <p:sldId id="302" r:id="rId37"/>
-    <p:sldId id="303" r:id="rId38"/>
-    <p:sldId id="304" r:id="rId39"/>
-    <p:sldId id="267" r:id="rId40"/>
-    <p:sldId id="270" r:id="rId41"/>
-    <p:sldId id="266" r:id="rId42"/>
-    <p:sldId id="293" r:id="rId43"/>
-    <p:sldId id="271" r:id="rId44"/>
-    <p:sldId id="272" r:id="rId45"/>
-    <p:sldId id="273" r:id="rId46"/>
-    <p:sldId id="282" r:id="rId47"/>
-    <p:sldId id="305" r:id="rId48"/>
-    <p:sldId id="299" r:id="rId49"/>
-    <p:sldId id="300" r:id="rId50"/>
-    <p:sldId id="257" r:id="rId51"/>
-    <p:sldId id="260" r:id="rId52"/>
+    <p:sldId id="310" r:id="rId8"/>
+    <p:sldId id="261" r:id="rId9"/>
+    <p:sldId id="307" r:id="rId10"/>
+    <p:sldId id="258" r:id="rId11"/>
+    <p:sldId id="292" r:id="rId12"/>
+    <p:sldId id="262" r:id="rId13"/>
+    <p:sldId id="309" r:id="rId14"/>
+    <p:sldId id="275" r:id="rId15"/>
+    <p:sldId id="276" r:id="rId16"/>
+    <p:sldId id="263" r:id="rId17"/>
+    <p:sldId id="259" r:id="rId18"/>
+    <p:sldId id="313" r:id="rId19"/>
+    <p:sldId id="277" r:id="rId20"/>
+    <p:sldId id="278" r:id="rId21"/>
+    <p:sldId id="284" r:id="rId22"/>
+    <p:sldId id="285" r:id="rId23"/>
+    <p:sldId id="290" r:id="rId24"/>
+    <p:sldId id="291" r:id="rId25"/>
+    <p:sldId id="312" r:id="rId26"/>
+    <p:sldId id="280" r:id="rId27"/>
+    <p:sldId id="281" r:id="rId28"/>
+    <p:sldId id="283" r:id="rId29"/>
+    <p:sldId id="296" r:id="rId30"/>
+    <p:sldId id="289" r:id="rId31"/>
+    <p:sldId id="294" r:id="rId32"/>
+    <p:sldId id="286" r:id="rId33"/>
+    <p:sldId id="287" r:id="rId34"/>
+    <p:sldId id="288" r:id="rId35"/>
+    <p:sldId id="295" r:id="rId36"/>
+    <p:sldId id="297" r:id="rId37"/>
+    <p:sldId id="298" r:id="rId38"/>
+    <p:sldId id="311" r:id="rId39"/>
+    <p:sldId id="301" r:id="rId40"/>
+    <p:sldId id="302" r:id="rId41"/>
+    <p:sldId id="303" r:id="rId42"/>
+    <p:sldId id="304" r:id="rId43"/>
+    <p:sldId id="267" r:id="rId44"/>
+    <p:sldId id="270" r:id="rId45"/>
+    <p:sldId id="266" r:id="rId46"/>
+    <p:sldId id="293" r:id="rId47"/>
+    <p:sldId id="271" r:id="rId48"/>
+    <p:sldId id="272" r:id="rId49"/>
+    <p:sldId id="273" r:id="rId50"/>
+    <p:sldId id="282" r:id="rId51"/>
+    <p:sldId id="305" r:id="rId52"/>
+    <p:sldId id="299" r:id="rId53"/>
+    <p:sldId id="300" r:id="rId54"/>
+    <p:sldId id="257" r:id="rId55"/>
+    <p:sldId id="260" r:id="rId56"/>
   </p:sldIdLst>
   <p:sldSz cx="12192000" cy="6858000"/>
   <p:notesSz cx="6858000" cy="9144000"/>
@@ -168,7 +172,7 @@
 <file path=ppt/revisionInfo.xml><?xml version="1.0" encoding="utf-8"?>
 <p1510:revInfo xmlns:a="http://schemas.openxmlformats.org/drawingml/2006/main" xmlns:r="http://schemas.openxmlformats.org/officeDocument/2006/relationships" xmlns:p1510="http://schemas.microsoft.com/office/powerpoint/2015/10/main">
   <p1510:revLst>
-    <p1510:client id="{8045750F-A766-48EF-9F9C-8A19365185C6}" v="11" dt="2024-09-15T14:54:32.126"/>
+    <p1510:client id="{8045750F-A766-48EF-9F9C-8A19365185C6}" v="12" dt="2024-09-17T17:41:57.628"/>
   </p1510:revLst>
 </p1510:revInfo>
 </file>
@@ -178,7 +182,7 @@
   <pc:docChgLst>
     <pc:chgData name="Phil Austin" userId="e8cb08a9-62eb-4c3a-858b-569f98079d08" providerId="ADAL" clId="{8045750F-A766-48EF-9F9C-8A19365185C6}"/>
     <pc:docChg chg="undo custSel addSld delSld modSld sldOrd">
-      <pc:chgData name="Phil Austin" userId="e8cb08a9-62eb-4c3a-858b-569f98079d08" providerId="ADAL" clId="{8045750F-A766-48EF-9F9C-8A19365185C6}" dt="2024-09-15T15:27:40.388" v="1045" actId="47"/>
+      <pc:chgData name="Phil Austin" userId="e8cb08a9-62eb-4c3a-858b-569f98079d08" providerId="ADAL" clId="{8045750F-A766-48EF-9F9C-8A19365185C6}" dt="2024-09-19T20:11:55.639" v="1094" actId="27636"/>
       <pc:docMkLst>
         <pc:docMk/>
       </pc:docMkLst>
@@ -942,7 +946,7 @@
         </pc:picChg>
       </pc:sldChg>
       <pc:sldChg chg="addSp delSp modSp new mod ord">
-        <pc:chgData name="Phil Austin" userId="e8cb08a9-62eb-4c3a-858b-569f98079d08" providerId="ADAL" clId="{8045750F-A766-48EF-9F9C-8A19365185C6}" dt="2024-09-15T15:25:22.725" v="1034"/>
+        <pc:chgData name="Phil Austin" userId="e8cb08a9-62eb-4c3a-858b-569f98079d08" providerId="ADAL" clId="{8045750F-A766-48EF-9F9C-8A19365185C6}" dt="2024-09-19T17:08:08.095" v="1058"/>
         <pc:sldMkLst>
           <pc:docMk/>
           <pc:sldMk cId="4274672877" sldId="283"/>
@@ -981,7 +985,7 @@
         </pc:picChg>
       </pc:sldChg>
       <pc:sldChg chg="addSp delSp modSp new mod ord">
-        <pc:chgData name="Phil Austin" userId="e8cb08a9-62eb-4c3a-858b-569f98079d08" providerId="ADAL" clId="{8045750F-A766-48EF-9F9C-8A19365185C6}" dt="2024-09-15T15:25:22.725" v="1034"/>
+        <pc:chgData name="Phil Austin" userId="e8cb08a9-62eb-4c3a-858b-569f98079d08" providerId="ADAL" clId="{8045750F-A766-48EF-9F9C-8A19365185C6}" dt="2024-09-19T17:09:11.971" v="1074"/>
         <pc:sldMkLst>
           <pc:docMk/>
           <pc:sldMk cId="497924248" sldId="284"/>
@@ -1012,7 +1016,7 @@
         </pc:picChg>
       </pc:sldChg>
       <pc:sldChg chg="addSp delSp modSp new mod ord">
-        <pc:chgData name="Phil Austin" userId="e8cb08a9-62eb-4c3a-858b-569f98079d08" providerId="ADAL" clId="{8045750F-A766-48EF-9F9C-8A19365185C6}" dt="2024-09-15T15:25:22.725" v="1034"/>
+        <pc:chgData name="Phil Austin" userId="e8cb08a9-62eb-4c3a-858b-569f98079d08" providerId="ADAL" clId="{8045750F-A766-48EF-9F9C-8A19365185C6}" dt="2024-09-19T17:09:05.081" v="1070"/>
         <pc:sldMkLst>
           <pc:docMk/>
           <pc:sldMk cId="711803047" sldId="285"/>
@@ -1175,11 +1179,19 @@
         </pc:picChg>
       </pc:sldChg>
       <pc:sldChg chg="addSp delSp modSp new mod ord">
-        <pc:chgData name="Phil Austin" userId="e8cb08a9-62eb-4c3a-858b-569f98079d08" providerId="ADAL" clId="{8045750F-A766-48EF-9F9C-8A19365185C6}" dt="2024-09-15T15:25:22.725" v="1034"/>
+        <pc:chgData name="Phil Austin" userId="e8cb08a9-62eb-4c3a-858b-569f98079d08" providerId="ADAL" clId="{8045750F-A766-48EF-9F9C-8A19365185C6}" dt="2024-09-19T20:10:29.490" v="1088" actId="14100"/>
         <pc:sldMkLst>
           <pc:docMk/>
           <pc:sldMk cId="2631230412" sldId="290"/>
         </pc:sldMkLst>
+        <pc:spChg chg="mod">
+          <ac:chgData name="Phil Austin" userId="e8cb08a9-62eb-4c3a-858b-569f98079d08" providerId="ADAL" clId="{8045750F-A766-48EF-9F9C-8A19365185C6}" dt="2024-09-19T20:10:29.490" v="1088" actId="14100"/>
+          <ac:spMkLst>
+            <pc:docMk/>
+            <pc:sldMk cId="2631230412" sldId="290"/>
+            <ac:spMk id="2" creationId="{A9BC8783-6E9D-F9AF-AB14-9E9E3094A2C0}"/>
+          </ac:spMkLst>
+        </pc:spChg>
         <pc:spChg chg="del">
           <ac:chgData name="Phil Austin" userId="e8cb08a9-62eb-4c3a-858b-569f98079d08" providerId="ADAL" clId="{8045750F-A766-48EF-9F9C-8A19365185C6}" dt="2024-09-08T11:39:48.916" v="621" actId="478"/>
           <ac:spMkLst>
@@ -1197,7 +1209,7 @@
           </ac:picMkLst>
         </pc:picChg>
         <pc:picChg chg="add mod">
-          <ac:chgData name="Phil Austin" userId="e8cb08a9-62eb-4c3a-858b-569f98079d08" providerId="ADAL" clId="{8045750F-A766-48EF-9F9C-8A19365185C6}" dt="2024-09-08T11:41:43.262" v="632" actId="1076"/>
+          <ac:chgData name="Phil Austin" userId="e8cb08a9-62eb-4c3a-858b-569f98079d08" providerId="ADAL" clId="{8045750F-A766-48EF-9F9C-8A19365185C6}" dt="2024-09-19T20:10:25.518" v="1087" actId="14100"/>
           <ac:picMkLst>
             <pc:docMk/>
             <pc:sldMk cId="2631230412" sldId="290"/>
@@ -1206,7 +1218,7 @@
         </pc:picChg>
       </pc:sldChg>
       <pc:sldChg chg="addSp delSp modSp new mod ord">
-        <pc:chgData name="Phil Austin" userId="e8cb08a9-62eb-4c3a-858b-569f98079d08" providerId="ADAL" clId="{8045750F-A766-48EF-9F9C-8A19365185C6}" dt="2024-09-15T15:25:22.725" v="1034"/>
+        <pc:chgData name="Phil Austin" userId="e8cb08a9-62eb-4c3a-858b-569f98079d08" providerId="ADAL" clId="{8045750F-A766-48EF-9F9C-8A19365185C6}" dt="2024-09-19T20:08:59.122" v="1086" actId="22"/>
         <pc:sldMkLst>
           <pc:docMk/>
           <pc:sldMk cId="1718911435" sldId="291"/>
@@ -1219,6 +1231,14 @@
             <ac:spMk id="3" creationId="{4C142AB6-0CF0-C1B6-F885-E91D39BD0623}"/>
           </ac:spMkLst>
         </pc:spChg>
+        <pc:picChg chg="add">
+          <ac:chgData name="Phil Austin" userId="e8cb08a9-62eb-4c3a-858b-569f98079d08" providerId="ADAL" clId="{8045750F-A766-48EF-9F9C-8A19365185C6}" dt="2024-09-19T20:08:59.122" v="1086" actId="22"/>
+          <ac:picMkLst>
+            <pc:docMk/>
+            <pc:sldMk cId="1718911435" sldId="291"/>
+            <ac:picMk id="4" creationId="{4F69654C-6DA8-2205-4B70-B0177BA26CE7}"/>
+          </ac:picMkLst>
+        </pc:picChg>
         <pc:picChg chg="add del mod">
           <ac:chgData name="Phil Austin" userId="e8cb08a9-62eb-4c3a-858b-569f98079d08" providerId="ADAL" clId="{8045750F-A766-48EF-9F9C-8A19365185C6}" dt="2024-09-08T11:44:39.186" v="637" actId="478"/>
           <ac:picMkLst>
@@ -1235,8 +1255,8 @@
             <ac:picMk id="7" creationId="{FE4CE226-F8C9-86F2-AF26-1670DE42F821}"/>
           </ac:picMkLst>
         </pc:picChg>
-        <pc:picChg chg="add mod">
-          <ac:chgData name="Phil Austin" userId="e8cb08a9-62eb-4c3a-858b-569f98079d08" providerId="ADAL" clId="{8045750F-A766-48EF-9F9C-8A19365185C6}" dt="2024-09-08T11:52:21.910" v="655" actId="1076"/>
+        <pc:picChg chg="add del mod">
+          <ac:chgData name="Phil Austin" userId="e8cb08a9-62eb-4c3a-858b-569f98079d08" providerId="ADAL" clId="{8045750F-A766-48EF-9F9C-8A19365185C6}" dt="2024-09-19T20:05:42.863" v="1085" actId="478"/>
           <ac:picMkLst>
             <pc:docMk/>
             <pc:sldMk cId="1718911435" sldId="291"/>
@@ -1769,6 +1789,75 @@
           <pc:docMk/>
           <pc:sldMk cId="4075518487" sldId="309"/>
         </pc:sldMkLst>
+      </pc:sldChg>
+      <pc:sldChg chg="addSp delSp modSp add mod">
+        <pc:chgData name="Phil Austin" userId="e8cb08a9-62eb-4c3a-858b-569f98079d08" providerId="ADAL" clId="{8045750F-A766-48EF-9F9C-8A19365185C6}" dt="2024-09-17T17:42:16.357" v="1053" actId="20577"/>
+        <pc:sldMkLst>
+          <pc:docMk/>
+          <pc:sldMk cId="439281930" sldId="310"/>
+        </pc:sldMkLst>
+        <pc:spChg chg="mod">
+          <ac:chgData name="Phil Austin" userId="e8cb08a9-62eb-4c3a-858b-569f98079d08" providerId="ADAL" clId="{8045750F-A766-48EF-9F9C-8A19365185C6}" dt="2024-09-17T17:42:16.357" v="1053" actId="20577"/>
+          <ac:spMkLst>
+            <pc:docMk/>
+            <pc:sldMk cId="439281930" sldId="310"/>
+            <ac:spMk id="2" creationId="{838AC0F5-5B6B-B939-FA3C-B663E317E445}"/>
+          </ac:spMkLst>
+        </pc:spChg>
+        <pc:spChg chg="del">
+          <ac:chgData name="Phil Austin" userId="e8cb08a9-62eb-4c3a-858b-569f98079d08" providerId="ADAL" clId="{8045750F-A766-48EF-9F9C-8A19365185C6}" dt="2024-09-17T17:42:08.182" v="1047" actId="478"/>
+          <ac:spMkLst>
+            <pc:docMk/>
+            <pc:sldMk cId="439281930" sldId="310"/>
+            <ac:spMk id="3" creationId="{F8A13E07-A759-E54C-79C1-64A09C31C106}"/>
+          </ac:spMkLst>
+        </pc:spChg>
+        <pc:spChg chg="add del mod">
+          <ac:chgData name="Phil Austin" userId="e8cb08a9-62eb-4c3a-858b-569f98079d08" providerId="ADAL" clId="{8045750F-A766-48EF-9F9C-8A19365185C6}" dt="2024-09-17T17:42:11.316" v="1048" actId="478"/>
+          <ac:spMkLst>
+            <pc:docMk/>
+            <pc:sldMk cId="439281930" sldId="310"/>
+            <ac:spMk id="5" creationId="{0D1C1B8B-1192-809F-CED6-DF41C521D2BB}"/>
+          </ac:spMkLst>
+        </pc:spChg>
+      </pc:sldChg>
+      <pc:sldChg chg="new">
+        <pc:chgData name="Phil Austin" userId="e8cb08a9-62eb-4c3a-858b-569f98079d08" providerId="ADAL" clId="{8045750F-A766-48EF-9F9C-8A19365185C6}" dt="2024-09-17T17:53:12.151" v="1054" actId="680"/>
+        <pc:sldMkLst>
+          <pc:docMk/>
+          <pc:sldMk cId="3703701476" sldId="311"/>
+        </pc:sldMkLst>
+      </pc:sldChg>
+      <pc:sldChg chg="addSp delSp modSp add mod">
+        <pc:chgData name="Phil Austin" userId="e8cb08a9-62eb-4c3a-858b-569f98079d08" providerId="ADAL" clId="{8045750F-A766-48EF-9F9C-8A19365185C6}" dt="2024-09-19T20:11:55.639" v="1094" actId="27636"/>
+        <pc:sldMkLst>
+          <pc:docMk/>
+          <pc:sldMk cId="3447463729" sldId="312"/>
+        </pc:sldMkLst>
+        <pc:spChg chg="mod">
+          <ac:chgData name="Phil Austin" userId="e8cb08a9-62eb-4c3a-858b-569f98079d08" providerId="ADAL" clId="{8045750F-A766-48EF-9F9C-8A19365185C6}" dt="2024-09-19T20:11:55.639" v="1094" actId="27636"/>
+          <ac:spMkLst>
+            <pc:docMk/>
+            <pc:sldMk cId="3447463729" sldId="312"/>
+            <ac:spMk id="2" creationId="{21017636-EA3E-8FEF-99A9-52E40CE4CEE3}"/>
+          </ac:spMkLst>
+        </pc:spChg>
+        <pc:picChg chg="del">
+          <ac:chgData name="Phil Austin" userId="e8cb08a9-62eb-4c3a-858b-569f98079d08" providerId="ADAL" clId="{8045750F-A766-48EF-9F9C-8A19365185C6}" dt="2024-09-19T20:11:16.148" v="1090" actId="478"/>
+          <ac:picMkLst>
+            <pc:docMk/>
+            <pc:sldMk cId="3447463729" sldId="312"/>
+            <ac:picMk id="4" creationId="{4F69654C-6DA8-2205-4B70-B0177BA26CE7}"/>
+          </ac:picMkLst>
+        </pc:picChg>
+        <pc:picChg chg="add mod">
+          <ac:chgData name="Phil Austin" userId="e8cb08a9-62eb-4c3a-858b-569f98079d08" providerId="ADAL" clId="{8045750F-A766-48EF-9F9C-8A19365185C6}" dt="2024-09-19T20:11:49.359" v="1092" actId="14100"/>
+          <ac:picMkLst>
+            <pc:docMk/>
+            <pc:sldMk cId="3447463729" sldId="312"/>
+            <ac:picMk id="5" creationId="{8F5E4456-8C4D-4A3F-7FEB-51C36B0663E7}"/>
+          </ac:picMkLst>
+        </pc:picChg>
       </pc:sldChg>
     </pc:docChg>
   </pc:docChgLst>
@@ -1857,7 +1946,7 @@
           <a:p>
             <a:fld id="{C49D3115-C41D-4930-8EF3-A657CFCC644E}" type="datetimeFigureOut">
               <a:rPr lang="en-GB" smtClean="0"/>
-              <a:t>15/09/2024</a:t>
+              <a:t>21/09/2024</a:t>
             </a:fld>
             <a:endParaRPr lang="en-GB"/>
           </a:p>
@@ -2190,7 +2279,7 @@
           <a:p>
             <a:fld id="{E7E8E24E-2DA5-414D-9B85-6ED9E2618CC6}" type="slidenum">
               <a:rPr lang="en-GB" smtClean="0"/>
-              <a:t>21</a:t>
+              <a:t>28</a:t>
             </a:fld>
             <a:endParaRPr lang="en-GB"/>
           </a:p>
@@ -2358,7 +2447,7 @@
           <a:p>
             <a:fld id="{35275B4F-5DE5-4D53-BD3B-F0C44FE589B2}" type="datetimeFigureOut">
               <a:rPr lang="en-GB" smtClean="0"/>
-              <a:t>15/09/2024</a:t>
+              <a:t>21/09/2024</a:t>
             </a:fld>
             <a:endParaRPr lang="en-GB"/>
           </a:p>
@@ -2558,7 +2647,7 @@
           <a:p>
             <a:fld id="{35275B4F-5DE5-4D53-BD3B-F0C44FE589B2}" type="datetimeFigureOut">
               <a:rPr lang="en-GB" smtClean="0"/>
-              <a:t>15/09/2024</a:t>
+              <a:t>21/09/2024</a:t>
             </a:fld>
             <a:endParaRPr lang="en-GB"/>
           </a:p>
@@ -2768,7 +2857,7 @@
           <a:p>
             <a:fld id="{35275B4F-5DE5-4D53-BD3B-F0C44FE589B2}" type="datetimeFigureOut">
               <a:rPr lang="en-GB" smtClean="0"/>
-              <a:t>15/09/2024</a:t>
+              <a:t>21/09/2024</a:t>
             </a:fld>
             <a:endParaRPr lang="en-GB"/>
           </a:p>
@@ -2968,7 +3057,7 @@
           <a:p>
             <a:fld id="{35275B4F-5DE5-4D53-BD3B-F0C44FE589B2}" type="datetimeFigureOut">
               <a:rPr lang="en-GB" smtClean="0"/>
-              <a:t>15/09/2024</a:t>
+              <a:t>21/09/2024</a:t>
             </a:fld>
             <a:endParaRPr lang="en-GB"/>
           </a:p>
@@ -3244,7 +3333,7 @@
           <a:p>
             <a:fld id="{35275B4F-5DE5-4D53-BD3B-F0C44FE589B2}" type="datetimeFigureOut">
               <a:rPr lang="en-GB" smtClean="0"/>
-              <a:t>15/09/2024</a:t>
+              <a:t>21/09/2024</a:t>
             </a:fld>
             <a:endParaRPr lang="en-GB"/>
           </a:p>
@@ -3512,7 +3601,7 @@
           <a:p>
             <a:fld id="{35275B4F-5DE5-4D53-BD3B-F0C44FE589B2}" type="datetimeFigureOut">
               <a:rPr lang="en-GB" smtClean="0"/>
-              <a:t>15/09/2024</a:t>
+              <a:t>21/09/2024</a:t>
             </a:fld>
             <a:endParaRPr lang="en-GB"/>
           </a:p>
@@ -3927,7 +4016,7 @@
           <a:p>
             <a:fld id="{35275B4F-5DE5-4D53-BD3B-F0C44FE589B2}" type="datetimeFigureOut">
               <a:rPr lang="en-GB" smtClean="0"/>
-              <a:t>15/09/2024</a:t>
+              <a:t>21/09/2024</a:t>
             </a:fld>
             <a:endParaRPr lang="en-GB"/>
           </a:p>
@@ -4069,7 +4158,7 @@
           <a:p>
             <a:fld id="{35275B4F-5DE5-4D53-BD3B-F0C44FE589B2}" type="datetimeFigureOut">
               <a:rPr lang="en-GB" smtClean="0"/>
-              <a:t>15/09/2024</a:t>
+              <a:t>21/09/2024</a:t>
             </a:fld>
             <a:endParaRPr lang="en-GB"/>
           </a:p>
@@ -4182,7 +4271,7 @@
           <a:p>
             <a:fld id="{35275B4F-5DE5-4D53-BD3B-F0C44FE589B2}" type="datetimeFigureOut">
               <a:rPr lang="en-GB" smtClean="0"/>
-              <a:t>15/09/2024</a:t>
+              <a:t>21/09/2024</a:t>
             </a:fld>
             <a:endParaRPr lang="en-GB"/>
           </a:p>
@@ -4495,7 +4584,7 @@
           <a:p>
             <a:fld id="{35275B4F-5DE5-4D53-BD3B-F0C44FE589B2}" type="datetimeFigureOut">
               <a:rPr lang="en-GB" smtClean="0"/>
-              <a:t>15/09/2024</a:t>
+              <a:t>21/09/2024</a:t>
             </a:fld>
             <a:endParaRPr lang="en-GB"/>
           </a:p>
@@ -4784,7 +4873,7 @@
           <a:p>
             <a:fld id="{35275B4F-5DE5-4D53-BD3B-F0C44FE589B2}" type="datetimeFigureOut">
               <a:rPr lang="en-GB" smtClean="0"/>
-              <a:t>15/09/2024</a:t>
+              <a:t>21/09/2024</a:t>
             </a:fld>
             <a:endParaRPr lang="en-GB"/>
           </a:p>
@@ -5027,7 +5116,7 @@
           <a:p>
             <a:fld id="{35275B4F-5DE5-4D53-BD3B-F0C44FE589B2}" type="datetimeFigureOut">
               <a:rPr lang="en-GB" smtClean="0"/>
-              <a:t>15/09/2024</a:t>
+              <a:t>21/09/2024</a:t>
             </a:fld>
             <a:endParaRPr lang="en-GB"/>
           </a:p>
@@ -5529,6 +5618,116 @@
           <p:cNvPr id="2" name="Title 1">
             <a:extLst>
               <a:ext uri="{FF2B5EF4-FFF2-40B4-BE49-F238E27FC236}">
+                <a16:creationId xmlns:a16="http://schemas.microsoft.com/office/drawing/2014/main" id="{17E4CBBF-6487-8E96-192F-A817DFB10918}"/>
+              </a:ext>
+            </a:extLst>
+          </p:cNvPr>
+          <p:cNvSpPr>
+            <a:spLocks noGrp="1"/>
+          </p:cNvSpPr>
+          <p:nvPr>
+            <p:ph type="title"/>
+          </p:nvPr>
+        </p:nvSpPr>
+        <p:spPr/>
+        <p:txBody>
+          <a:bodyPr/>
+          <a:lstStyle/>
+          <a:p>
+            <a:r>
+              <a:rPr lang="en-GB" dirty="0"/>
+              <a:t>Data &amp; Databases</a:t>
+            </a:r>
+          </a:p>
+        </p:txBody>
+      </p:sp>
+      <p:sp>
+        <p:nvSpPr>
+          <p:cNvPr id="3" name="Content Placeholder 2">
+            <a:extLst>
+              <a:ext uri="{FF2B5EF4-FFF2-40B4-BE49-F238E27FC236}">
+                <a16:creationId xmlns:a16="http://schemas.microsoft.com/office/drawing/2014/main" id="{4EA3B715-9AC1-E540-E1D0-85781B1B6F2D}"/>
+              </a:ext>
+            </a:extLst>
+          </p:cNvPr>
+          <p:cNvSpPr>
+            <a:spLocks noGrp="1"/>
+          </p:cNvSpPr>
+          <p:nvPr>
+            <p:ph idx="1"/>
+          </p:nvPr>
+        </p:nvSpPr>
+        <p:spPr/>
+        <p:txBody>
+          <a:bodyPr/>
+          <a:lstStyle/>
+          <a:p>
+            <a:r>
+              <a:rPr lang="en-GB" dirty="0"/>
+              <a:t>Concepts to Learn: Data types, databases (SQL and NoSQL), data structures.</a:t>
+            </a:r>
+          </a:p>
+          <a:p>
+            <a:endParaRPr lang="en-GB" dirty="0"/>
+          </a:p>
+          <a:p>
+            <a:r>
+              <a:rPr lang="en-GB" dirty="0"/>
+              <a:t>Tools/Resources:</a:t>
+            </a:r>
+          </a:p>
+          <a:p>
+            <a:r>
+              <a:rPr lang="en-GB" dirty="0"/>
+              <a:t>Azure SQL Database - free tier available</a:t>
+            </a:r>
+          </a:p>
+          <a:p>
+            <a:r>
+              <a:rPr lang="en-GB" dirty="0"/>
+              <a:t>Cosmos DB: Explore NoSQL databases with a limited free tier on Azure.</a:t>
+            </a:r>
+          </a:p>
+          <a:p>
+            <a:endParaRPr lang="en-GB" dirty="0"/>
+          </a:p>
+        </p:txBody>
+      </p:sp>
+    </p:spTree>
+    <p:extLst>
+      <p:ext uri="{BB962C8B-B14F-4D97-AF65-F5344CB8AC3E}">
+        <p14:creationId xmlns:p14="http://schemas.microsoft.com/office/powerpoint/2010/main" val="4098208133"/>
+      </p:ext>
+    </p:extLst>
+  </p:cSld>
+  <p:clrMapOvr>
+    <a:masterClrMapping/>
+  </p:clrMapOvr>
+</p:sld>
+</file>
+
+<file path=ppt/slides/slide11.xml><?xml version="1.0" encoding="utf-8"?>
+<p:sld xmlns:a="http://schemas.openxmlformats.org/drawingml/2006/main" xmlns:r="http://schemas.openxmlformats.org/officeDocument/2006/relationships" xmlns:p="http://schemas.openxmlformats.org/presentationml/2006/main">
+  <p:cSld>
+    <p:spTree>
+      <p:nvGrpSpPr>
+        <p:cNvPr id="1" name=""/>
+        <p:cNvGrpSpPr/>
+        <p:nvPr/>
+      </p:nvGrpSpPr>
+      <p:grpSpPr>
+        <a:xfrm>
+          <a:off x="0" y="0"/>
+          <a:ext cx="0" cy="0"/>
+          <a:chOff x="0" y="0"/>
+          <a:chExt cx="0" cy="0"/>
+        </a:xfrm>
+      </p:grpSpPr>
+      <p:sp>
+        <p:nvSpPr>
+          <p:cNvPr id="2" name="Title 1">
+            <a:extLst>
+              <a:ext uri="{FF2B5EF4-FFF2-40B4-BE49-F238E27FC236}">
                 <a16:creationId xmlns:a16="http://schemas.microsoft.com/office/drawing/2014/main" id="{3C83975B-EF01-7C43-08F4-D4643AE62A88}"/>
               </a:ext>
             </a:extLst>
@@ -5592,7 +5791,7 @@
 </p:sld>
 </file>
 
-<file path=ppt/slides/slide11.xml><?xml version="1.0" encoding="utf-8"?>
+<file path=ppt/slides/slide12.xml><?xml version="1.0" encoding="utf-8"?>
 <p:sld xmlns:a="http://schemas.openxmlformats.org/drawingml/2006/main" xmlns:r="http://schemas.openxmlformats.org/officeDocument/2006/relationships" xmlns:p="http://schemas.openxmlformats.org/presentationml/2006/main">
   <p:cSld>
     <p:spTree>
@@ -5708,7 +5907,7 @@
 </p:sld>
 </file>
 
-<file path=ppt/slides/slide12.xml><?xml version="1.0" encoding="utf-8"?>
+<file path=ppt/slides/slide13.xml><?xml version="1.0" encoding="utf-8"?>
 <p:sld xmlns:a="http://schemas.openxmlformats.org/drawingml/2006/main" xmlns:r="http://schemas.openxmlformats.org/officeDocument/2006/relationships" xmlns:p="http://schemas.openxmlformats.org/presentationml/2006/main">
   <p:cSld>
     <p:spTree>
@@ -5801,7 +6000,7 @@
 </p:sld>
 </file>
 
-<file path=ppt/slides/slide13.xml><?xml version="1.0" encoding="utf-8"?>
+<file path=ppt/slides/slide14.xml><?xml version="1.0" encoding="utf-8"?>
 <p:sld xmlns:a="http://schemas.openxmlformats.org/drawingml/2006/main" xmlns:r="http://schemas.openxmlformats.org/officeDocument/2006/relationships" xmlns:p="http://schemas.openxmlformats.org/presentationml/2006/main">
   <p:cSld>
     <p:spTree>
@@ -5894,7 +6093,7 @@
 </p:sld>
 </file>
 
-<file path=ppt/slides/slide14.xml><?xml version="1.0" encoding="utf-8"?>
+<file path=ppt/slides/slide15.xml><?xml version="1.0" encoding="utf-8"?>
 <p:sld xmlns:a="http://schemas.openxmlformats.org/drawingml/2006/main" xmlns:r="http://schemas.openxmlformats.org/officeDocument/2006/relationships" xmlns:p="http://schemas.openxmlformats.org/presentationml/2006/main">
   <p:cSld>
     <p:spTree>
@@ -5987,7 +6186,7 @@
 </p:sld>
 </file>
 
-<file path=ppt/slides/slide15.xml><?xml version="1.0" encoding="utf-8"?>
+<file path=ppt/slides/slide16.xml><?xml version="1.0" encoding="utf-8"?>
 <p:sld xmlns:a="http://schemas.openxmlformats.org/drawingml/2006/main" xmlns:r="http://schemas.openxmlformats.org/officeDocument/2006/relationships" xmlns:p="http://schemas.openxmlformats.org/presentationml/2006/main">
   <p:cSld>
     <p:spTree>
@@ -6108,7 +6307,7 @@
 </p:sld>
 </file>
 
-<file path=ppt/slides/slide16.xml><?xml version="1.0" encoding="utf-8"?>
+<file path=ppt/slides/slide17.xml><?xml version="1.0" encoding="utf-8"?>
 <p:sld xmlns:a="http://schemas.openxmlformats.org/drawingml/2006/main" xmlns:r="http://schemas.openxmlformats.org/officeDocument/2006/relationships" xmlns:p="http://schemas.openxmlformats.org/presentationml/2006/main">
   <p:cSld>
     <p:spTree>
@@ -6245,126 +6444,6 @@
 </p:sld>
 </file>
 
-<file path=ppt/slides/slide17.xml><?xml version="1.0" encoding="utf-8"?>
-<p:sld xmlns:a="http://schemas.openxmlformats.org/drawingml/2006/main" xmlns:r="http://schemas.openxmlformats.org/officeDocument/2006/relationships" xmlns:p="http://schemas.openxmlformats.org/presentationml/2006/main">
-  <p:cSld>
-    <p:spTree>
-      <p:nvGrpSpPr>
-        <p:cNvPr id="1" name=""/>
-        <p:cNvGrpSpPr/>
-        <p:nvPr/>
-      </p:nvGrpSpPr>
-      <p:grpSpPr>
-        <a:xfrm>
-          <a:off x="0" y="0"/>
-          <a:ext cx="0" cy="0"/>
-          <a:chOff x="0" y="0"/>
-          <a:chExt cx="0" cy="0"/>
-        </a:xfrm>
-      </p:grpSpPr>
-      <p:sp>
-        <p:nvSpPr>
-          <p:cNvPr id="2" name="Title 1">
-            <a:extLst>
-              <a:ext uri="{FF2B5EF4-FFF2-40B4-BE49-F238E27FC236}">
-                <a16:creationId xmlns:a16="http://schemas.microsoft.com/office/drawing/2014/main" id="{BFAC80B4-447D-E463-8661-F82BB0566396}"/>
-              </a:ext>
-            </a:extLst>
-          </p:cNvPr>
-          <p:cNvSpPr>
-            <a:spLocks noGrp="1"/>
-          </p:cNvSpPr>
-          <p:nvPr>
-            <p:ph type="title"/>
-          </p:nvPr>
-        </p:nvSpPr>
-        <p:spPr>
-          <a:xfrm>
-            <a:off x="838200" y="365125"/>
-            <a:ext cx="10515600" cy="911225"/>
-          </a:xfrm>
-        </p:spPr>
-        <p:txBody>
-          <a:bodyPr/>
-          <a:lstStyle/>
-          <a:p>
-            <a:endParaRPr lang="en-GB" dirty="0"/>
-          </a:p>
-        </p:txBody>
-      </p:sp>
-      <p:pic>
-        <p:nvPicPr>
-          <p:cNvPr id="5" name="Picture 4">
-            <a:extLst>
-              <a:ext uri="{FF2B5EF4-FFF2-40B4-BE49-F238E27FC236}">
-                <a16:creationId xmlns:a16="http://schemas.microsoft.com/office/drawing/2014/main" id="{201CED20-40B3-81D8-3E22-C3ED7D00E0AA}"/>
-              </a:ext>
-            </a:extLst>
-          </p:cNvPr>
-          <p:cNvPicPr>
-            <a:picLocks noChangeAspect="1"/>
-          </p:cNvPicPr>
-          <p:nvPr/>
-        </p:nvPicPr>
-        <p:blipFill>
-          <a:blip r:embed="rId2"/>
-          <a:stretch>
-            <a:fillRect/>
-          </a:stretch>
-        </p:blipFill>
-        <p:spPr>
-          <a:xfrm>
-            <a:off x="838200" y="1461845"/>
-            <a:ext cx="6232082" cy="2316405"/>
-          </a:xfrm>
-          <a:prstGeom prst="rect">
-            <a:avLst/>
-          </a:prstGeom>
-        </p:spPr>
-      </p:pic>
-      <p:pic>
-        <p:nvPicPr>
-          <p:cNvPr id="7" name="Picture 6">
-            <a:extLst>
-              <a:ext uri="{FF2B5EF4-FFF2-40B4-BE49-F238E27FC236}">
-                <a16:creationId xmlns:a16="http://schemas.microsoft.com/office/drawing/2014/main" id="{F4C98D34-33BF-17A3-51E1-241C734185DA}"/>
-              </a:ext>
-            </a:extLst>
-          </p:cNvPr>
-          <p:cNvPicPr>
-            <a:picLocks noChangeAspect="1"/>
-          </p:cNvPicPr>
-          <p:nvPr/>
-        </p:nvPicPr>
-        <p:blipFill>
-          <a:blip r:embed="rId3"/>
-          <a:stretch>
-            <a:fillRect/>
-          </a:stretch>
-        </p:blipFill>
-        <p:spPr>
-          <a:xfrm>
-            <a:off x="838200" y="4136867"/>
-            <a:ext cx="6232082" cy="1868055"/>
-          </a:xfrm>
-          <a:prstGeom prst="rect">
-            <a:avLst/>
-          </a:prstGeom>
-        </p:spPr>
-      </p:pic>
-    </p:spTree>
-    <p:extLst>
-      <p:ext uri="{BB962C8B-B14F-4D97-AF65-F5344CB8AC3E}">
-        <p14:creationId xmlns:p14="http://schemas.microsoft.com/office/powerpoint/2010/main" val="2078073998"/>
-      </p:ext>
-    </p:extLst>
-  </p:cSld>
-  <p:clrMapOvr>
-    <a:masterClrMapping/>
-  </p:clrMapOvr>
-</p:sld>
-</file>
-
 <file path=ppt/slides/slide18.xml><?xml version="1.0" encoding="utf-8"?>
 <p:sld xmlns:a="http://schemas.openxmlformats.org/drawingml/2006/main" xmlns:r="http://schemas.openxmlformats.org/officeDocument/2006/relationships" xmlns:p="http://schemas.openxmlformats.org/presentationml/2006/main">
   <p:cSld>
@@ -6387,7 +6466,7 @@
           <p:cNvPr id="2" name="Title 1">
             <a:extLst>
               <a:ext uri="{FF2B5EF4-FFF2-40B4-BE49-F238E27FC236}">
-                <a16:creationId xmlns:a16="http://schemas.microsoft.com/office/drawing/2014/main" id="{18E77E9E-521E-D666-1172-EA04863A7EE5}"/>
+                <a16:creationId xmlns:a16="http://schemas.microsoft.com/office/drawing/2014/main" id="{12485F72-3D84-4EED-32F6-699CF9A5F075}"/>
               </a:ext>
             </a:extLst>
           </p:cNvPr>
@@ -6398,7 +6477,12 @@
             <p:ph type="title"/>
           </p:nvPr>
         </p:nvSpPr>
-        <p:spPr/>
+        <p:spPr>
+          <a:xfrm>
+            <a:off x="838200" y="365125"/>
+            <a:ext cx="9616200" cy="894875"/>
+          </a:xfrm>
+        </p:spPr>
         <p:txBody>
           <a:bodyPr/>
           <a:lstStyle/>
@@ -6409,10 +6493,10 @@
       </p:sp>
       <p:pic>
         <p:nvPicPr>
-          <p:cNvPr id="5" name="Picture 4">
-            <a:extLst>
-              <a:ext uri="{FF2B5EF4-FFF2-40B4-BE49-F238E27FC236}">
-                <a16:creationId xmlns:a16="http://schemas.microsoft.com/office/drawing/2014/main" id="{7F29A0FD-412A-4FF6-269A-9279CA60F87E}"/>
+          <p:cNvPr id="4" name="Picture 3">
+            <a:extLst>
+              <a:ext uri="{FF2B5EF4-FFF2-40B4-BE49-F238E27FC236}">
+                <a16:creationId xmlns:a16="http://schemas.microsoft.com/office/drawing/2014/main" id="{40139D6D-6F1B-BA21-B499-E6B83E65CACB}"/>
               </a:ext>
             </a:extLst>
           </p:cNvPr>
@@ -6429,8 +6513,8 @@
         </p:blipFill>
         <p:spPr>
           <a:xfrm>
-            <a:off x="838200" y="1861257"/>
-            <a:ext cx="7687645" cy="3135485"/>
+            <a:off x="838200" y="1690688"/>
+            <a:ext cx="8844000" cy="4906476"/>
           </a:xfrm>
           <a:prstGeom prst="rect">
             <a:avLst/>
@@ -6440,7 +6524,7 @@
     </p:spTree>
     <p:extLst>
       <p:ext uri="{BB962C8B-B14F-4D97-AF65-F5344CB8AC3E}">
-        <p14:creationId xmlns:p14="http://schemas.microsoft.com/office/powerpoint/2010/main" val="1708826250"/>
+        <p14:creationId xmlns:p14="http://schemas.microsoft.com/office/powerpoint/2010/main" val="3973721547"/>
       </p:ext>
     </p:extLst>
   </p:cSld>
@@ -6472,7 +6556,7 @@
           <p:cNvPr id="2" name="Title 1">
             <a:extLst>
               <a:ext uri="{FF2B5EF4-FFF2-40B4-BE49-F238E27FC236}">
-                <a16:creationId xmlns:a16="http://schemas.microsoft.com/office/drawing/2014/main" id="{F34501D7-A5A1-B14C-9DF8-33D23D87D92F}"/>
+                <a16:creationId xmlns:a16="http://schemas.microsoft.com/office/drawing/2014/main" id="{BFAC80B4-447D-E463-8661-F82BB0566396}"/>
               </a:ext>
             </a:extLst>
           </p:cNvPr>
@@ -6483,21 +6567,26 @@
             <p:ph type="title"/>
           </p:nvPr>
         </p:nvSpPr>
-        <p:spPr/>
+        <p:spPr>
+          <a:xfrm>
+            <a:off x="838200" y="365125"/>
+            <a:ext cx="10515600" cy="911225"/>
+          </a:xfrm>
+        </p:spPr>
         <p:txBody>
           <a:bodyPr/>
           <a:lstStyle/>
           <a:p>
-            <a:endParaRPr lang="en-GB"/>
+            <a:endParaRPr lang="en-GB" dirty="0"/>
           </a:p>
         </p:txBody>
       </p:sp>
       <p:pic>
         <p:nvPicPr>
-          <p:cNvPr id="7" name="Picture 6">
-            <a:extLst>
-              <a:ext uri="{FF2B5EF4-FFF2-40B4-BE49-F238E27FC236}">
-                <a16:creationId xmlns:a16="http://schemas.microsoft.com/office/drawing/2014/main" id="{EA47DFE6-D2F8-294E-C3D2-1D0F0F663C9E}"/>
+          <p:cNvPr id="5" name="Picture 4">
+            <a:extLst>
+              <a:ext uri="{FF2B5EF4-FFF2-40B4-BE49-F238E27FC236}">
+                <a16:creationId xmlns:a16="http://schemas.microsoft.com/office/drawing/2014/main" id="{201CED20-40B3-81D8-3E22-C3ED7D00E0AA}"/>
               </a:ext>
             </a:extLst>
           </p:cNvPr>
@@ -6514,8 +6603,38 @@
         </p:blipFill>
         <p:spPr>
           <a:xfrm>
-            <a:off x="838200" y="1901595"/>
-            <a:ext cx="4620270" cy="3296110"/>
+            <a:off x="838200" y="1461845"/>
+            <a:ext cx="6232082" cy="2316405"/>
+          </a:xfrm>
+          <a:prstGeom prst="rect">
+            <a:avLst/>
+          </a:prstGeom>
+        </p:spPr>
+      </p:pic>
+      <p:pic>
+        <p:nvPicPr>
+          <p:cNvPr id="7" name="Picture 6">
+            <a:extLst>
+              <a:ext uri="{FF2B5EF4-FFF2-40B4-BE49-F238E27FC236}">
+                <a16:creationId xmlns:a16="http://schemas.microsoft.com/office/drawing/2014/main" id="{F4C98D34-33BF-17A3-51E1-241C734185DA}"/>
+              </a:ext>
+            </a:extLst>
+          </p:cNvPr>
+          <p:cNvPicPr>
+            <a:picLocks noChangeAspect="1"/>
+          </p:cNvPicPr>
+          <p:nvPr/>
+        </p:nvPicPr>
+        <p:blipFill>
+          <a:blip r:embed="rId3"/>
+          <a:stretch>
+            <a:fillRect/>
+          </a:stretch>
+        </p:blipFill>
+        <p:spPr>
+          <a:xfrm>
+            <a:off x="838200" y="4136867"/>
+            <a:ext cx="6232082" cy="1868055"/>
           </a:xfrm>
           <a:prstGeom prst="rect">
             <a:avLst/>
@@ -6525,7 +6644,7 @@
     </p:spTree>
     <p:extLst>
       <p:ext uri="{BB962C8B-B14F-4D97-AF65-F5344CB8AC3E}">
-        <p14:creationId xmlns:p14="http://schemas.microsoft.com/office/powerpoint/2010/main" val="421378720"/>
+        <p14:creationId xmlns:p14="http://schemas.microsoft.com/office/powerpoint/2010/main" val="2078073998"/>
       </p:ext>
     </p:extLst>
   </p:cSld>
@@ -6645,6 +6764,673 @@
           <p:cNvPr id="2" name="Title 1">
             <a:extLst>
               <a:ext uri="{FF2B5EF4-FFF2-40B4-BE49-F238E27FC236}">
+                <a16:creationId xmlns:a16="http://schemas.microsoft.com/office/drawing/2014/main" id="{18E77E9E-521E-D666-1172-EA04863A7EE5}"/>
+              </a:ext>
+            </a:extLst>
+          </p:cNvPr>
+          <p:cNvSpPr>
+            <a:spLocks noGrp="1"/>
+          </p:cNvSpPr>
+          <p:nvPr>
+            <p:ph type="title"/>
+          </p:nvPr>
+        </p:nvSpPr>
+        <p:spPr/>
+        <p:txBody>
+          <a:bodyPr/>
+          <a:lstStyle/>
+          <a:p>
+            <a:endParaRPr lang="en-GB"/>
+          </a:p>
+        </p:txBody>
+      </p:sp>
+      <p:pic>
+        <p:nvPicPr>
+          <p:cNvPr id="5" name="Picture 4">
+            <a:extLst>
+              <a:ext uri="{FF2B5EF4-FFF2-40B4-BE49-F238E27FC236}">
+                <a16:creationId xmlns:a16="http://schemas.microsoft.com/office/drawing/2014/main" id="{7F29A0FD-412A-4FF6-269A-9279CA60F87E}"/>
+              </a:ext>
+            </a:extLst>
+          </p:cNvPr>
+          <p:cNvPicPr>
+            <a:picLocks noChangeAspect="1"/>
+          </p:cNvPicPr>
+          <p:nvPr/>
+        </p:nvPicPr>
+        <p:blipFill>
+          <a:blip r:embed="rId2"/>
+          <a:stretch>
+            <a:fillRect/>
+          </a:stretch>
+        </p:blipFill>
+        <p:spPr>
+          <a:xfrm>
+            <a:off x="838200" y="1861257"/>
+            <a:ext cx="7687645" cy="3135485"/>
+          </a:xfrm>
+          <a:prstGeom prst="rect">
+            <a:avLst/>
+          </a:prstGeom>
+        </p:spPr>
+      </p:pic>
+    </p:spTree>
+    <p:extLst>
+      <p:ext uri="{BB962C8B-B14F-4D97-AF65-F5344CB8AC3E}">
+        <p14:creationId xmlns:p14="http://schemas.microsoft.com/office/powerpoint/2010/main" val="1708826250"/>
+      </p:ext>
+    </p:extLst>
+  </p:cSld>
+  <p:clrMapOvr>
+    <a:masterClrMapping/>
+  </p:clrMapOvr>
+</p:sld>
+</file>
+
+<file path=ppt/slides/slide21.xml><?xml version="1.0" encoding="utf-8"?>
+<p:sld xmlns:a="http://schemas.openxmlformats.org/drawingml/2006/main" xmlns:r="http://schemas.openxmlformats.org/officeDocument/2006/relationships" xmlns:p="http://schemas.openxmlformats.org/presentationml/2006/main">
+  <p:cSld>
+    <p:spTree>
+      <p:nvGrpSpPr>
+        <p:cNvPr id="1" name=""/>
+        <p:cNvGrpSpPr/>
+        <p:nvPr/>
+      </p:nvGrpSpPr>
+      <p:grpSpPr>
+        <a:xfrm>
+          <a:off x="0" y="0"/>
+          <a:ext cx="0" cy="0"/>
+          <a:chOff x="0" y="0"/>
+          <a:chExt cx="0" cy="0"/>
+        </a:xfrm>
+      </p:grpSpPr>
+      <p:sp>
+        <p:nvSpPr>
+          <p:cNvPr id="2" name="Title 1">
+            <a:extLst>
+              <a:ext uri="{FF2B5EF4-FFF2-40B4-BE49-F238E27FC236}">
+                <a16:creationId xmlns:a16="http://schemas.microsoft.com/office/drawing/2014/main" id="{7B0F8EF9-2F8A-D280-EAA2-35BAC51A2A4E}"/>
+              </a:ext>
+            </a:extLst>
+          </p:cNvPr>
+          <p:cNvSpPr>
+            <a:spLocks noGrp="1"/>
+          </p:cNvSpPr>
+          <p:nvPr>
+            <p:ph type="title"/>
+          </p:nvPr>
+        </p:nvSpPr>
+        <p:spPr/>
+        <p:txBody>
+          <a:bodyPr/>
+          <a:lstStyle/>
+          <a:p>
+            <a:endParaRPr lang="en-GB"/>
+          </a:p>
+        </p:txBody>
+      </p:sp>
+      <p:pic>
+        <p:nvPicPr>
+          <p:cNvPr id="5" name="Picture 4">
+            <a:extLst>
+              <a:ext uri="{FF2B5EF4-FFF2-40B4-BE49-F238E27FC236}">
+                <a16:creationId xmlns:a16="http://schemas.microsoft.com/office/drawing/2014/main" id="{E42CB9A0-0A1D-2247-2FB8-AB5F4B227001}"/>
+              </a:ext>
+            </a:extLst>
+          </p:cNvPr>
+          <p:cNvPicPr>
+            <a:picLocks noChangeAspect="1"/>
+          </p:cNvPicPr>
+          <p:nvPr/>
+        </p:nvPicPr>
+        <p:blipFill>
+          <a:blip r:embed="rId2"/>
+          <a:stretch>
+            <a:fillRect/>
+          </a:stretch>
+        </p:blipFill>
+        <p:spPr>
+          <a:xfrm>
+            <a:off x="838200" y="1833324"/>
+            <a:ext cx="3448531" cy="3419952"/>
+          </a:xfrm>
+          <a:prstGeom prst="rect">
+            <a:avLst/>
+          </a:prstGeom>
+        </p:spPr>
+      </p:pic>
+      <p:pic>
+        <p:nvPicPr>
+          <p:cNvPr id="7" name="Picture 6">
+            <a:extLst>
+              <a:ext uri="{FF2B5EF4-FFF2-40B4-BE49-F238E27FC236}">
+                <a16:creationId xmlns:a16="http://schemas.microsoft.com/office/drawing/2014/main" id="{22FBDBA8-7F16-79C5-84FF-B4B16E5DB3DB}"/>
+              </a:ext>
+            </a:extLst>
+          </p:cNvPr>
+          <p:cNvPicPr>
+            <a:picLocks noChangeAspect="1"/>
+          </p:cNvPicPr>
+          <p:nvPr/>
+        </p:nvPicPr>
+        <p:blipFill>
+          <a:blip r:embed="rId3"/>
+          <a:stretch>
+            <a:fillRect/>
+          </a:stretch>
+        </p:blipFill>
+        <p:spPr>
+          <a:xfrm>
+            <a:off x="5063397" y="1833324"/>
+            <a:ext cx="3790680" cy="4951789"/>
+          </a:xfrm>
+          <a:prstGeom prst="rect">
+            <a:avLst/>
+          </a:prstGeom>
+        </p:spPr>
+      </p:pic>
+    </p:spTree>
+    <p:extLst>
+      <p:ext uri="{BB962C8B-B14F-4D97-AF65-F5344CB8AC3E}">
+        <p14:creationId xmlns:p14="http://schemas.microsoft.com/office/powerpoint/2010/main" val="497924248"/>
+      </p:ext>
+    </p:extLst>
+  </p:cSld>
+  <p:clrMapOvr>
+    <a:masterClrMapping/>
+  </p:clrMapOvr>
+</p:sld>
+</file>
+
+<file path=ppt/slides/slide22.xml><?xml version="1.0" encoding="utf-8"?>
+<p:sld xmlns:a="http://schemas.openxmlformats.org/drawingml/2006/main" xmlns:r="http://schemas.openxmlformats.org/officeDocument/2006/relationships" xmlns:p="http://schemas.openxmlformats.org/presentationml/2006/main">
+  <p:cSld>
+    <p:spTree>
+      <p:nvGrpSpPr>
+        <p:cNvPr id="1" name=""/>
+        <p:cNvGrpSpPr/>
+        <p:nvPr/>
+      </p:nvGrpSpPr>
+      <p:grpSpPr>
+        <a:xfrm>
+          <a:off x="0" y="0"/>
+          <a:ext cx="0" cy="0"/>
+          <a:chOff x="0" y="0"/>
+          <a:chExt cx="0" cy="0"/>
+        </a:xfrm>
+      </p:grpSpPr>
+      <p:sp>
+        <p:nvSpPr>
+          <p:cNvPr id="2" name="Title 1">
+            <a:extLst>
+              <a:ext uri="{FF2B5EF4-FFF2-40B4-BE49-F238E27FC236}">
+                <a16:creationId xmlns:a16="http://schemas.microsoft.com/office/drawing/2014/main" id="{BADBA536-C8EA-CDEE-0412-CCBD65C8D699}"/>
+              </a:ext>
+            </a:extLst>
+          </p:cNvPr>
+          <p:cNvSpPr>
+            <a:spLocks noGrp="1"/>
+          </p:cNvSpPr>
+          <p:nvPr>
+            <p:ph type="title"/>
+          </p:nvPr>
+        </p:nvSpPr>
+        <p:spPr/>
+        <p:txBody>
+          <a:bodyPr/>
+          <a:lstStyle/>
+          <a:p>
+            <a:endParaRPr lang="en-GB"/>
+          </a:p>
+        </p:txBody>
+      </p:sp>
+      <p:pic>
+        <p:nvPicPr>
+          <p:cNvPr id="5" name="Picture 4">
+            <a:extLst>
+              <a:ext uri="{FF2B5EF4-FFF2-40B4-BE49-F238E27FC236}">
+                <a16:creationId xmlns:a16="http://schemas.microsoft.com/office/drawing/2014/main" id="{E3EE5837-9DE7-1C2A-DF3F-960FA55EC81F}"/>
+              </a:ext>
+            </a:extLst>
+          </p:cNvPr>
+          <p:cNvPicPr>
+            <a:picLocks noChangeAspect="1"/>
+          </p:cNvPicPr>
+          <p:nvPr/>
+        </p:nvPicPr>
+        <p:blipFill>
+          <a:blip r:embed="rId2"/>
+          <a:stretch>
+            <a:fillRect/>
+          </a:stretch>
+        </p:blipFill>
+        <p:spPr>
+          <a:xfrm>
+            <a:off x="838200" y="1957174"/>
+            <a:ext cx="5534797" cy="3057952"/>
+          </a:xfrm>
+          <a:prstGeom prst="rect">
+            <a:avLst/>
+          </a:prstGeom>
+        </p:spPr>
+      </p:pic>
+    </p:spTree>
+    <p:extLst>
+      <p:ext uri="{BB962C8B-B14F-4D97-AF65-F5344CB8AC3E}">
+        <p14:creationId xmlns:p14="http://schemas.microsoft.com/office/powerpoint/2010/main" val="711803047"/>
+      </p:ext>
+    </p:extLst>
+  </p:cSld>
+  <p:clrMapOvr>
+    <a:masterClrMapping/>
+  </p:clrMapOvr>
+</p:sld>
+</file>
+
+<file path=ppt/slides/slide23.xml><?xml version="1.0" encoding="utf-8"?>
+<p:sld xmlns:a="http://schemas.openxmlformats.org/drawingml/2006/main" xmlns:r="http://schemas.openxmlformats.org/officeDocument/2006/relationships" xmlns:p="http://schemas.openxmlformats.org/presentationml/2006/main">
+  <p:cSld>
+    <p:spTree>
+      <p:nvGrpSpPr>
+        <p:cNvPr id="1" name=""/>
+        <p:cNvGrpSpPr/>
+        <p:nvPr/>
+      </p:nvGrpSpPr>
+      <p:grpSpPr>
+        <a:xfrm>
+          <a:off x="0" y="0"/>
+          <a:ext cx="0" cy="0"/>
+          <a:chOff x="0" y="0"/>
+          <a:chExt cx="0" cy="0"/>
+        </a:xfrm>
+      </p:grpSpPr>
+      <p:sp>
+        <p:nvSpPr>
+          <p:cNvPr id="2" name="Title 1">
+            <a:extLst>
+              <a:ext uri="{FF2B5EF4-FFF2-40B4-BE49-F238E27FC236}">
+                <a16:creationId xmlns:a16="http://schemas.microsoft.com/office/drawing/2014/main" id="{A9BC8783-6E9D-F9AF-AB14-9E9E3094A2C0}"/>
+              </a:ext>
+            </a:extLst>
+          </p:cNvPr>
+          <p:cNvSpPr>
+            <a:spLocks noGrp="1"/>
+          </p:cNvSpPr>
+          <p:nvPr>
+            <p:ph type="title"/>
+          </p:nvPr>
+        </p:nvSpPr>
+        <p:spPr>
+          <a:xfrm>
+            <a:off x="838200" y="365126"/>
+            <a:ext cx="9913883" cy="742436"/>
+          </a:xfrm>
+        </p:spPr>
+        <p:txBody>
+          <a:bodyPr/>
+          <a:lstStyle/>
+          <a:p>
+            <a:endParaRPr lang="en-GB" dirty="0"/>
+          </a:p>
+        </p:txBody>
+      </p:sp>
+      <p:pic>
+        <p:nvPicPr>
+          <p:cNvPr id="5" name="Picture 4">
+            <a:extLst>
+              <a:ext uri="{FF2B5EF4-FFF2-40B4-BE49-F238E27FC236}">
+                <a16:creationId xmlns:a16="http://schemas.microsoft.com/office/drawing/2014/main" id="{B325228D-734D-34AB-D4A0-E0F5BD95DCAD}"/>
+              </a:ext>
+            </a:extLst>
+          </p:cNvPr>
+          <p:cNvPicPr>
+            <a:picLocks noChangeAspect="1"/>
+          </p:cNvPicPr>
+          <p:nvPr/>
+        </p:nvPicPr>
+        <p:blipFill>
+          <a:blip r:embed="rId2"/>
+          <a:stretch>
+            <a:fillRect/>
+          </a:stretch>
+        </p:blipFill>
+        <p:spPr>
+          <a:xfrm>
+            <a:off x="838200" y="2150805"/>
+            <a:ext cx="3991532" cy="3686689"/>
+          </a:xfrm>
+          <a:prstGeom prst="rect">
+            <a:avLst/>
+          </a:prstGeom>
+        </p:spPr>
+      </p:pic>
+      <p:pic>
+        <p:nvPicPr>
+          <p:cNvPr id="7" name="Picture 6">
+            <a:extLst>
+              <a:ext uri="{FF2B5EF4-FFF2-40B4-BE49-F238E27FC236}">
+                <a16:creationId xmlns:a16="http://schemas.microsoft.com/office/drawing/2014/main" id="{287A7ABC-D1AE-E170-A2A6-6470EE734A0D}"/>
+              </a:ext>
+            </a:extLst>
+          </p:cNvPr>
+          <p:cNvPicPr>
+            <a:picLocks noChangeAspect="1"/>
+          </p:cNvPicPr>
+          <p:nvPr/>
+        </p:nvPicPr>
+        <p:blipFill>
+          <a:blip r:embed="rId3"/>
+          <a:stretch>
+            <a:fillRect/>
+          </a:stretch>
+        </p:blipFill>
+        <p:spPr>
+          <a:xfrm>
+            <a:off x="5879816" y="1107561"/>
+            <a:ext cx="1695515" cy="5586608"/>
+          </a:xfrm>
+          <a:prstGeom prst="rect">
+            <a:avLst/>
+          </a:prstGeom>
+        </p:spPr>
+      </p:pic>
+    </p:spTree>
+    <p:extLst>
+      <p:ext uri="{BB962C8B-B14F-4D97-AF65-F5344CB8AC3E}">
+        <p14:creationId xmlns:p14="http://schemas.microsoft.com/office/powerpoint/2010/main" val="2631230412"/>
+      </p:ext>
+    </p:extLst>
+  </p:cSld>
+  <p:clrMapOvr>
+    <a:masterClrMapping/>
+  </p:clrMapOvr>
+</p:sld>
+</file>
+
+<file path=ppt/slides/slide24.xml><?xml version="1.0" encoding="utf-8"?>
+<p:sld xmlns:a="http://schemas.openxmlformats.org/drawingml/2006/main" xmlns:r="http://schemas.openxmlformats.org/officeDocument/2006/relationships" xmlns:p="http://schemas.openxmlformats.org/presentationml/2006/main">
+  <p:cSld>
+    <p:spTree>
+      <p:nvGrpSpPr>
+        <p:cNvPr id="1" name=""/>
+        <p:cNvGrpSpPr/>
+        <p:nvPr/>
+      </p:nvGrpSpPr>
+      <p:grpSpPr>
+        <a:xfrm>
+          <a:off x="0" y="0"/>
+          <a:ext cx="0" cy="0"/>
+          <a:chOff x="0" y="0"/>
+          <a:chExt cx="0" cy="0"/>
+        </a:xfrm>
+      </p:grpSpPr>
+      <p:sp>
+        <p:nvSpPr>
+          <p:cNvPr id="2" name="Title 1">
+            <a:extLst>
+              <a:ext uri="{FF2B5EF4-FFF2-40B4-BE49-F238E27FC236}">
+                <a16:creationId xmlns:a16="http://schemas.microsoft.com/office/drawing/2014/main" id="{21017636-EA3E-8FEF-99A9-52E40CE4CEE3}"/>
+              </a:ext>
+            </a:extLst>
+          </p:cNvPr>
+          <p:cNvSpPr>
+            <a:spLocks noGrp="1"/>
+          </p:cNvSpPr>
+          <p:nvPr>
+            <p:ph type="title"/>
+          </p:nvPr>
+        </p:nvSpPr>
+        <p:spPr/>
+        <p:txBody>
+          <a:bodyPr/>
+          <a:lstStyle/>
+          <a:p>
+            <a:endParaRPr lang="en-GB"/>
+          </a:p>
+        </p:txBody>
+      </p:sp>
+      <p:pic>
+        <p:nvPicPr>
+          <p:cNvPr id="4" name="Picture 3">
+            <a:extLst>
+              <a:ext uri="{FF2B5EF4-FFF2-40B4-BE49-F238E27FC236}">
+                <a16:creationId xmlns:a16="http://schemas.microsoft.com/office/drawing/2014/main" id="{4F69654C-6DA8-2205-4B70-B0177BA26CE7}"/>
+              </a:ext>
+            </a:extLst>
+          </p:cNvPr>
+          <p:cNvPicPr>
+            <a:picLocks noChangeAspect="1"/>
+          </p:cNvPicPr>
+          <p:nvPr/>
+        </p:nvPicPr>
+        <p:blipFill>
+          <a:blip r:embed="rId2"/>
+          <a:stretch>
+            <a:fillRect/>
+          </a:stretch>
+        </p:blipFill>
+        <p:spPr>
+          <a:xfrm>
+            <a:off x="3139923" y="2035103"/>
+            <a:ext cx="5912154" cy="2787793"/>
+          </a:xfrm>
+          <a:prstGeom prst="rect">
+            <a:avLst/>
+          </a:prstGeom>
+        </p:spPr>
+      </p:pic>
+    </p:spTree>
+    <p:extLst>
+      <p:ext uri="{BB962C8B-B14F-4D97-AF65-F5344CB8AC3E}">
+        <p14:creationId xmlns:p14="http://schemas.microsoft.com/office/powerpoint/2010/main" val="1718911435"/>
+      </p:ext>
+    </p:extLst>
+  </p:cSld>
+  <p:clrMapOvr>
+    <a:masterClrMapping/>
+  </p:clrMapOvr>
+</p:sld>
+</file>
+
+<file path=ppt/slides/slide25.xml><?xml version="1.0" encoding="utf-8"?>
+<p:sld xmlns:a="http://schemas.openxmlformats.org/drawingml/2006/main" xmlns:r="http://schemas.openxmlformats.org/officeDocument/2006/relationships" xmlns:p="http://schemas.openxmlformats.org/presentationml/2006/main">
+  <p:cSld>
+    <p:spTree>
+      <p:nvGrpSpPr>
+        <p:cNvPr id="1" name=""/>
+        <p:cNvGrpSpPr/>
+        <p:nvPr/>
+      </p:nvGrpSpPr>
+      <p:grpSpPr>
+        <a:xfrm>
+          <a:off x="0" y="0"/>
+          <a:ext cx="0" cy="0"/>
+          <a:chOff x="0" y="0"/>
+          <a:chExt cx="0" cy="0"/>
+        </a:xfrm>
+      </p:grpSpPr>
+      <p:sp>
+        <p:nvSpPr>
+          <p:cNvPr id="2" name="Title 1">
+            <a:extLst>
+              <a:ext uri="{FF2B5EF4-FFF2-40B4-BE49-F238E27FC236}">
+                <a16:creationId xmlns:a16="http://schemas.microsoft.com/office/drawing/2014/main" id="{21017636-EA3E-8FEF-99A9-52E40CE4CEE3}"/>
+              </a:ext>
+            </a:extLst>
+          </p:cNvPr>
+          <p:cNvSpPr>
+            <a:spLocks noGrp="1"/>
+          </p:cNvSpPr>
+          <p:nvPr>
+            <p:ph type="title"/>
+          </p:nvPr>
+        </p:nvSpPr>
+        <p:spPr>
+          <a:xfrm>
+            <a:off x="838200" y="365125"/>
+            <a:ext cx="9310991" cy="566593"/>
+          </a:xfrm>
+        </p:spPr>
+        <p:txBody>
+          <a:bodyPr>
+            <a:normAutofit fontScale="90000"/>
+          </a:bodyPr>
+          <a:lstStyle/>
+          <a:p>
+            <a:endParaRPr lang="en-GB" dirty="0"/>
+          </a:p>
+        </p:txBody>
+      </p:sp>
+      <p:pic>
+        <p:nvPicPr>
+          <p:cNvPr id="5" name="Picture 4">
+            <a:extLst>
+              <a:ext uri="{FF2B5EF4-FFF2-40B4-BE49-F238E27FC236}">
+                <a16:creationId xmlns:a16="http://schemas.microsoft.com/office/drawing/2014/main" id="{8F5E4456-8C4D-4A3F-7FEB-51C36B0663E7}"/>
+              </a:ext>
+            </a:extLst>
+          </p:cNvPr>
+          <p:cNvPicPr>
+            <a:picLocks noChangeAspect="1"/>
+          </p:cNvPicPr>
+          <p:nvPr/>
+        </p:nvPicPr>
+        <p:blipFill>
+          <a:blip r:embed="rId2"/>
+          <a:stretch>
+            <a:fillRect/>
+          </a:stretch>
+        </p:blipFill>
+        <p:spPr>
+          <a:xfrm>
+            <a:off x="1906620" y="931718"/>
+            <a:ext cx="8583805" cy="5116791"/>
+          </a:xfrm>
+          <a:prstGeom prst="rect">
+            <a:avLst/>
+          </a:prstGeom>
+        </p:spPr>
+      </p:pic>
+    </p:spTree>
+    <p:extLst>
+      <p:ext uri="{BB962C8B-B14F-4D97-AF65-F5344CB8AC3E}">
+        <p14:creationId xmlns:p14="http://schemas.microsoft.com/office/powerpoint/2010/main" val="3447463729"/>
+      </p:ext>
+    </p:extLst>
+  </p:cSld>
+  <p:clrMapOvr>
+    <a:masterClrMapping/>
+  </p:clrMapOvr>
+</p:sld>
+</file>
+
+<file path=ppt/slides/slide26.xml><?xml version="1.0" encoding="utf-8"?>
+<p:sld xmlns:a="http://schemas.openxmlformats.org/drawingml/2006/main" xmlns:r="http://schemas.openxmlformats.org/officeDocument/2006/relationships" xmlns:p="http://schemas.openxmlformats.org/presentationml/2006/main">
+  <p:cSld>
+    <p:spTree>
+      <p:nvGrpSpPr>
+        <p:cNvPr id="1" name=""/>
+        <p:cNvGrpSpPr/>
+        <p:nvPr/>
+      </p:nvGrpSpPr>
+      <p:grpSpPr>
+        <a:xfrm>
+          <a:off x="0" y="0"/>
+          <a:ext cx="0" cy="0"/>
+          <a:chOff x="0" y="0"/>
+          <a:chExt cx="0" cy="0"/>
+        </a:xfrm>
+      </p:grpSpPr>
+      <p:sp>
+        <p:nvSpPr>
+          <p:cNvPr id="2" name="Title 1">
+            <a:extLst>
+              <a:ext uri="{FF2B5EF4-FFF2-40B4-BE49-F238E27FC236}">
+                <a16:creationId xmlns:a16="http://schemas.microsoft.com/office/drawing/2014/main" id="{F34501D7-A5A1-B14C-9DF8-33D23D87D92F}"/>
+              </a:ext>
+            </a:extLst>
+          </p:cNvPr>
+          <p:cNvSpPr>
+            <a:spLocks noGrp="1"/>
+          </p:cNvSpPr>
+          <p:nvPr>
+            <p:ph type="title"/>
+          </p:nvPr>
+        </p:nvSpPr>
+        <p:spPr/>
+        <p:txBody>
+          <a:bodyPr/>
+          <a:lstStyle/>
+          <a:p>
+            <a:endParaRPr lang="en-GB"/>
+          </a:p>
+        </p:txBody>
+      </p:sp>
+      <p:pic>
+        <p:nvPicPr>
+          <p:cNvPr id="7" name="Picture 6">
+            <a:extLst>
+              <a:ext uri="{FF2B5EF4-FFF2-40B4-BE49-F238E27FC236}">
+                <a16:creationId xmlns:a16="http://schemas.microsoft.com/office/drawing/2014/main" id="{EA47DFE6-D2F8-294E-C3D2-1D0F0F663C9E}"/>
+              </a:ext>
+            </a:extLst>
+          </p:cNvPr>
+          <p:cNvPicPr>
+            <a:picLocks noChangeAspect="1"/>
+          </p:cNvPicPr>
+          <p:nvPr/>
+        </p:nvPicPr>
+        <p:blipFill>
+          <a:blip r:embed="rId2"/>
+          <a:stretch>
+            <a:fillRect/>
+          </a:stretch>
+        </p:blipFill>
+        <p:spPr>
+          <a:xfrm>
+            <a:off x="838200" y="1901595"/>
+            <a:ext cx="4620270" cy="3296110"/>
+          </a:xfrm>
+          <a:prstGeom prst="rect">
+            <a:avLst/>
+          </a:prstGeom>
+        </p:spPr>
+      </p:pic>
+    </p:spTree>
+    <p:extLst>
+      <p:ext uri="{BB962C8B-B14F-4D97-AF65-F5344CB8AC3E}">
+        <p14:creationId xmlns:p14="http://schemas.microsoft.com/office/powerpoint/2010/main" val="421378720"/>
+      </p:ext>
+    </p:extLst>
+  </p:cSld>
+  <p:clrMapOvr>
+    <a:masterClrMapping/>
+  </p:clrMapOvr>
+</p:sld>
+</file>
+
+<file path=ppt/slides/slide27.xml><?xml version="1.0" encoding="utf-8"?>
+<p:sld xmlns:a="http://schemas.openxmlformats.org/drawingml/2006/main" xmlns:r="http://schemas.openxmlformats.org/officeDocument/2006/relationships" xmlns:p="http://schemas.openxmlformats.org/presentationml/2006/main">
+  <p:cSld>
+    <p:spTree>
+      <p:nvGrpSpPr>
+        <p:cNvPr id="1" name=""/>
+        <p:cNvGrpSpPr/>
+        <p:nvPr/>
+      </p:nvGrpSpPr>
+      <p:grpSpPr>
+        <a:xfrm>
+          <a:off x="0" y="0"/>
+          <a:ext cx="0" cy="0"/>
+          <a:chOff x="0" y="0"/>
+          <a:chExt cx="0" cy="0"/>
+        </a:xfrm>
+      </p:grpSpPr>
+      <p:sp>
+        <p:nvSpPr>
+          <p:cNvPr id="2" name="Title 1">
+            <a:extLst>
+              <a:ext uri="{FF2B5EF4-FFF2-40B4-BE49-F238E27FC236}">
                 <a16:creationId xmlns:a16="http://schemas.microsoft.com/office/drawing/2014/main" id="{17BD5C91-DAB1-7FBB-913D-94307751905E}"/>
               </a:ext>
             </a:extLst>
@@ -6708,7 +7494,7 @@
 </p:sld>
 </file>
 
-<file path=ppt/slides/slide21.xml><?xml version="1.0" encoding="utf-8"?>
+<file path=ppt/slides/slide28.xml><?xml version="1.0" encoding="utf-8"?>
 <p:sld xmlns:a="http://schemas.openxmlformats.org/drawingml/2006/main" xmlns:r="http://schemas.openxmlformats.org/officeDocument/2006/relationships" xmlns:p="http://schemas.openxmlformats.org/presentationml/2006/main">
   <p:cSld>
     <p:spTree>
@@ -6798,122 +7584,7 @@
 </p:sld>
 </file>
 
-<file path=ppt/slides/slide22.xml><?xml version="1.0" encoding="utf-8"?>
-<p:sld xmlns:a="http://schemas.openxmlformats.org/drawingml/2006/main" xmlns:r="http://schemas.openxmlformats.org/officeDocument/2006/relationships" xmlns:p="http://schemas.openxmlformats.org/presentationml/2006/main">
-  <p:cSld>
-    <p:spTree>
-      <p:nvGrpSpPr>
-        <p:cNvPr id="1" name=""/>
-        <p:cNvGrpSpPr/>
-        <p:nvPr/>
-      </p:nvGrpSpPr>
-      <p:grpSpPr>
-        <a:xfrm>
-          <a:off x="0" y="0"/>
-          <a:ext cx="0" cy="0"/>
-          <a:chOff x="0" y="0"/>
-          <a:chExt cx="0" cy="0"/>
-        </a:xfrm>
-      </p:grpSpPr>
-      <p:sp>
-        <p:nvSpPr>
-          <p:cNvPr id="2" name="Title 1">
-            <a:extLst>
-              <a:ext uri="{FF2B5EF4-FFF2-40B4-BE49-F238E27FC236}">
-                <a16:creationId xmlns:a16="http://schemas.microsoft.com/office/drawing/2014/main" id="{7B0F8EF9-2F8A-D280-EAA2-35BAC51A2A4E}"/>
-              </a:ext>
-            </a:extLst>
-          </p:cNvPr>
-          <p:cNvSpPr>
-            <a:spLocks noGrp="1"/>
-          </p:cNvSpPr>
-          <p:nvPr>
-            <p:ph type="title"/>
-          </p:nvPr>
-        </p:nvSpPr>
-        <p:spPr/>
-        <p:txBody>
-          <a:bodyPr/>
-          <a:lstStyle/>
-          <a:p>
-            <a:endParaRPr lang="en-GB"/>
-          </a:p>
-        </p:txBody>
-      </p:sp>
-      <p:pic>
-        <p:nvPicPr>
-          <p:cNvPr id="5" name="Picture 4">
-            <a:extLst>
-              <a:ext uri="{FF2B5EF4-FFF2-40B4-BE49-F238E27FC236}">
-                <a16:creationId xmlns:a16="http://schemas.microsoft.com/office/drawing/2014/main" id="{E42CB9A0-0A1D-2247-2FB8-AB5F4B227001}"/>
-              </a:ext>
-            </a:extLst>
-          </p:cNvPr>
-          <p:cNvPicPr>
-            <a:picLocks noChangeAspect="1"/>
-          </p:cNvPicPr>
-          <p:nvPr/>
-        </p:nvPicPr>
-        <p:blipFill>
-          <a:blip r:embed="rId2"/>
-          <a:stretch>
-            <a:fillRect/>
-          </a:stretch>
-        </p:blipFill>
-        <p:spPr>
-          <a:xfrm>
-            <a:off x="838200" y="1833324"/>
-            <a:ext cx="3448531" cy="3419952"/>
-          </a:xfrm>
-          <a:prstGeom prst="rect">
-            <a:avLst/>
-          </a:prstGeom>
-        </p:spPr>
-      </p:pic>
-      <p:pic>
-        <p:nvPicPr>
-          <p:cNvPr id="7" name="Picture 6">
-            <a:extLst>
-              <a:ext uri="{FF2B5EF4-FFF2-40B4-BE49-F238E27FC236}">
-                <a16:creationId xmlns:a16="http://schemas.microsoft.com/office/drawing/2014/main" id="{22FBDBA8-7F16-79C5-84FF-B4B16E5DB3DB}"/>
-              </a:ext>
-            </a:extLst>
-          </p:cNvPr>
-          <p:cNvPicPr>
-            <a:picLocks noChangeAspect="1"/>
-          </p:cNvPicPr>
-          <p:nvPr/>
-        </p:nvPicPr>
-        <p:blipFill>
-          <a:blip r:embed="rId3"/>
-          <a:stretch>
-            <a:fillRect/>
-          </a:stretch>
-        </p:blipFill>
-        <p:spPr>
-          <a:xfrm>
-            <a:off x="5063397" y="1833324"/>
-            <a:ext cx="3790680" cy="4951789"/>
-          </a:xfrm>
-          <a:prstGeom prst="rect">
-            <a:avLst/>
-          </a:prstGeom>
-        </p:spPr>
-      </p:pic>
-    </p:spTree>
-    <p:extLst>
-      <p:ext uri="{BB962C8B-B14F-4D97-AF65-F5344CB8AC3E}">
-        <p14:creationId xmlns:p14="http://schemas.microsoft.com/office/powerpoint/2010/main" val="497924248"/>
-      </p:ext>
-    </p:extLst>
-  </p:cSld>
-  <p:clrMapOvr>
-    <a:masterClrMapping/>
-  </p:clrMapOvr>
-</p:sld>
-</file>
-
-<file path=ppt/slides/slide23.xml><?xml version="1.0" encoding="utf-8"?>
+<file path=ppt/slides/slide29.xml><?xml version="1.0" encoding="utf-8"?>
 <p:sld xmlns:a="http://schemas.openxmlformats.org/drawingml/2006/main" xmlns:r="http://schemas.openxmlformats.org/officeDocument/2006/relationships" xmlns:p="http://schemas.openxmlformats.org/presentationml/2006/main">
   <p:cSld>
     <p:spTree>
@@ -6989,641 +7660,6 @@
     <p:extLst>
       <p:ext uri="{BB962C8B-B14F-4D97-AF65-F5344CB8AC3E}">
         <p14:creationId xmlns:p14="http://schemas.microsoft.com/office/powerpoint/2010/main" val="1872683396"/>
-      </p:ext>
-    </p:extLst>
-  </p:cSld>
-  <p:clrMapOvr>
-    <a:masterClrMapping/>
-  </p:clrMapOvr>
-</p:sld>
-</file>
-
-<file path=ppt/slides/slide24.xml><?xml version="1.0" encoding="utf-8"?>
-<p:sld xmlns:a="http://schemas.openxmlformats.org/drawingml/2006/main" xmlns:r="http://schemas.openxmlformats.org/officeDocument/2006/relationships" xmlns:p="http://schemas.openxmlformats.org/presentationml/2006/main">
-  <p:cSld>
-    <p:spTree>
-      <p:nvGrpSpPr>
-        <p:cNvPr id="1" name=""/>
-        <p:cNvGrpSpPr/>
-        <p:nvPr/>
-      </p:nvGrpSpPr>
-      <p:grpSpPr>
-        <a:xfrm>
-          <a:off x="0" y="0"/>
-          <a:ext cx="0" cy="0"/>
-          <a:chOff x="0" y="0"/>
-          <a:chExt cx="0" cy="0"/>
-        </a:xfrm>
-      </p:grpSpPr>
-      <p:sp>
-        <p:nvSpPr>
-          <p:cNvPr id="2" name="Title 1">
-            <a:extLst>
-              <a:ext uri="{FF2B5EF4-FFF2-40B4-BE49-F238E27FC236}">
-                <a16:creationId xmlns:a16="http://schemas.microsoft.com/office/drawing/2014/main" id="{BADBA536-C8EA-CDEE-0412-CCBD65C8D699}"/>
-              </a:ext>
-            </a:extLst>
-          </p:cNvPr>
-          <p:cNvSpPr>
-            <a:spLocks noGrp="1"/>
-          </p:cNvSpPr>
-          <p:nvPr>
-            <p:ph type="title"/>
-          </p:nvPr>
-        </p:nvSpPr>
-        <p:spPr/>
-        <p:txBody>
-          <a:bodyPr/>
-          <a:lstStyle/>
-          <a:p>
-            <a:endParaRPr lang="en-GB"/>
-          </a:p>
-        </p:txBody>
-      </p:sp>
-      <p:pic>
-        <p:nvPicPr>
-          <p:cNvPr id="5" name="Picture 4">
-            <a:extLst>
-              <a:ext uri="{FF2B5EF4-FFF2-40B4-BE49-F238E27FC236}">
-                <a16:creationId xmlns:a16="http://schemas.microsoft.com/office/drawing/2014/main" id="{E3EE5837-9DE7-1C2A-DF3F-960FA55EC81F}"/>
-              </a:ext>
-            </a:extLst>
-          </p:cNvPr>
-          <p:cNvPicPr>
-            <a:picLocks noChangeAspect="1"/>
-          </p:cNvPicPr>
-          <p:nvPr/>
-        </p:nvPicPr>
-        <p:blipFill>
-          <a:blip r:embed="rId2"/>
-          <a:stretch>
-            <a:fillRect/>
-          </a:stretch>
-        </p:blipFill>
-        <p:spPr>
-          <a:xfrm>
-            <a:off x="838200" y="1957174"/>
-            <a:ext cx="5534797" cy="3057952"/>
-          </a:xfrm>
-          <a:prstGeom prst="rect">
-            <a:avLst/>
-          </a:prstGeom>
-        </p:spPr>
-      </p:pic>
-    </p:spTree>
-    <p:extLst>
-      <p:ext uri="{BB962C8B-B14F-4D97-AF65-F5344CB8AC3E}">
-        <p14:creationId xmlns:p14="http://schemas.microsoft.com/office/powerpoint/2010/main" val="711803047"/>
-      </p:ext>
-    </p:extLst>
-  </p:cSld>
-  <p:clrMapOvr>
-    <a:masterClrMapping/>
-  </p:clrMapOvr>
-</p:sld>
-</file>
-
-<file path=ppt/slides/slide25.xml><?xml version="1.0" encoding="utf-8"?>
-<p:sld xmlns:a="http://schemas.openxmlformats.org/drawingml/2006/main" xmlns:r="http://schemas.openxmlformats.org/officeDocument/2006/relationships" xmlns:p="http://schemas.openxmlformats.org/presentationml/2006/main">
-  <p:cSld>
-    <p:spTree>
-      <p:nvGrpSpPr>
-        <p:cNvPr id="1" name=""/>
-        <p:cNvGrpSpPr/>
-        <p:nvPr/>
-      </p:nvGrpSpPr>
-      <p:grpSpPr>
-        <a:xfrm>
-          <a:off x="0" y="0"/>
-          <a:ext cx="0" cy="0"/>
-          <a:chOff x="0" y="0"/>
-          <a:chExt cx="0" cy="0"/>
-        </a:xfrm>
-      </p:grpSpPr>
-      <p:sp>
-        <p:nvSpPr>
-          <p:cNvPr id="2" name="Title 1">
-            <a:extLst>
-              <a:ext uri="{FF2B5EF4-FFF2-40B4-BE49-F238E27FC236}">
-                <a16:creationId xmlns:a16="http://schemas.microsoft.com/office/drawing/2014/main" id="{CC9BC353-C438-5E40-C3FF-618D49D8A61E}"/>
-              </a:ext>
-            </a:extLst>
-          </p:cNvPr>
-          <p:cNvSpPr>
-            <a:spLocks noGrp="1"/>
-          </p:cNvSpPr>
-          <p:nvPr>
-            <p:ph type="title"/>
-          </p:nvPr>
-        </p:nvSpPr>
-        <p:spPr>
-          <a:xfrm>
-            <a:off x="838200" y="365125"/>
-            <a:ext cx="10515600" cy="720725"/>
-          </a:xfrm>
-        </p:spPr>
-        <p:txBody>
-          <a:bodyPr/>
-          <a:lstStyle/>
-          <a:p>
-            <a:endParaRPr lang="en-GB" dirty="0"/>
-          </a:p>
-        </p:txBody>
-      </p:sp>
-      <p:pic>
-        <p:nvPicPr>
-          <p:cNvPr id="5" name="Picture 4">
-            <a:extLst>
-              <a:ext uri="{FF2B5EF4-FFF2-40B4-BE49-F238E27FC236}">
-                <a16:creationId xmlns:a16="http://schemas.microsoft.com/office/drawing/2014/main" id="{98CF9533-BABB-55BB-1DB2-79C1ABB8F663}"/>
-              </a:ext>
-            </a:extLst>
-          </p:cNvPr>
-          <p:cNvPicPr>
-            <a:picLocks noChangeAspect="1"/>
-          </p:cNvPicPr>
-          <p:nvPr/>
-        </p:nvPicPr>
-        <p:blipFill>
-          <a:blip r:embed="rId2"/>
-          <a:stretch>
-            <a:fillRect/>
-          </a:stretch>
-        </p:blipFill>
-        <p:spPr>
-          <a:xfrm>
-            <a:off x="793750" y="1290395"/>
-            <a:ext cx="3886742" cy="3477110"/>
-          </a:xfrm>
-          <a:prstGeom prst="rect">
-            <a:avLst/>
-          </a:prstGeom>
-        </p:spPr>
-      </p:pic>
-      <p:pic>
-        <p:nvPicPr>
-          <p:cNvPr id="7" name="Picture 6">
-            <a:extLst>
-              <a:ext uri="{FF2B5EF4-FFF2-40B4-BE49-F238E27FC236}">
-                <a16:creationId xmlns:a16="http://schemas.microsoft.com/office/drawing/2014/main" id="{1B13D5C5-E8D9-73FE-CFFB-A0B0D2A8EF6A}"/>
-              </a:ext>
-            </a:extLst>
-          </p:cNvPr>
-          <p:cNvPicPr>
-            <a:picLocks noChangeAspect="1"/>
-          </p:cNvPicPr>
-          <p:nvPr/>
-        </p:nvPicPr>
-        <p:blipFill>
-          <a:blip r:embed="rId3"/>
-          <a:stretch>
-            <a:fillRect/>
-          </a:stretch>
-        </p:blipFill>
-        <p:spPr>
-          <a:xfrm>
-            <a:off x="5095613" y="1193157"/>
-            <a:ext cx="4082057" cy="5029200"/>
-          </a:xfrm>
-          <a:prstGeom prst="rect">
-            <a:avLst/>
-          </a:prstGeom>
-        </p:spPr>
-      </p:pic>
-      <p:pic>
-        <p:nvPicPr>
-          <p:cNvPr id="9" name="Picture 8">
-            <a:extLst>
-              <a:ext uri="{FF2B5EF4-FFF2-40B4-BE49-F238E27FC236}">
-                <a16:creationId xmlns:a16="http://schemas.microsoft.com/office/drawing/2014/main" id="{E2E29D80-8472-864F-1A14-6618E05E385A}"/>
-              </a:ext>
-            </a:extLst>
-          </p:cNvPr>
-          <p:cNvPicPr>
-            <a:picLocks noChangeAspect="1"/>
-          </p:cNvPicPr>
-          <p:nvPr/>
-        </p:nvPicPr>
-        <p:blipFill>
-          <a:blip r:embed="rId4"/>
-          <a:stretch>
-            <a:fillRect/>
-          </a:stretch>
-        </p:blipFill>
-        <p:spPr>
-          <a:xfrm>
-            <a:off x="5095613" y="6222357"/>
-            <a:ext cx="3985272" cy="635643"/>
-          </a:xfrm>
-          <a:prstGeom prst="rect">
-            <a:avLst/>
-          </a:prstGeom>
-        </p:spPr>
-      </p:pic>
-    </p:spTree>
-    <p:extLst>
-      <p:ext uri="{BB962C8B-B14F-4D97-AF65-F5344CB8AC3E}">
-        <p14:creationId xmlns:p14="http://schemas.microsoft.com/office/powerpoint/2010/main" val="3875996855"/>
-      </p:ext>
-    </p:extLst>
-  </p:cSld>
-  <p:clrMapOvr>
-    <a:masterClrMapping/>
-  </p:clrMapOvr>
-</p:sld>
-</file>
-
-<file path=ppt/slides/slide26.xml><?xml version="1.0" encoding="utf-8"?>
-<p:sld xmlns:a="http://schemas.openxmlformats.org/drawingml/2006/main" xmlns:r="http://schemas.openxmlformats.org/officeDocument/2006/relationships" xmlns:p="http://schemas.openxmlformats.org/presentationml/2006/main">
-  <p:cSld>
-    <p:spTree>
-      <p:nvGrpSpPr>
-        <p:cNvPr id="1" name=""/>
-        <p:cNvGrpSpPr/>
-        <p:nvPr/>
-      </p:nvGrpSpPr>
-      <p:grpSpPr>
-        <a:xfrm>
-          <a:off x="0" y="0"/>
-          <a:ext cx="0" cy="0"/>
-          <a:chOff x="0" y="0"/>
-          <a:chExt cx="0" cy="0"/>
-        </a:xfrm>
-      </p:grpSpPr>
-      <p:sp>
-        <p:nvSpPr>
-          <p:cNvPr id="2" name="Title 1">
-            <a:extLst>
-              <a:ext uri="{FF2B5EF4-FFF2-40B4-BE49-F238E27FC236}">
-                <a16:creationId xmlns:a16="http://schemas.microsoft.com/office/drawing/2014/main" id="{A9BC8783-6E9D-F9AF-AB14-9E9E3094A2C0}"/>
-              </a:ext>
-            </a:extLst>
-          </p:cNvPr>
-          <p:cNvSpPr>
-            <a:spLocks noGrp="1"/>
-          </p:cNvSpPr>
-          <p:nvPr>
-            <p:ph type="title"/>
-          </p:nvPr>
-        </p:nvSpPr>
-        <p:spPr/>
-        <p:txBody>
-          <a:bodyPr/>
-          <a:lstStyle/>
-          <a:p>
-            <a:endParaRPr lang="en-GB"/>
-          </a:p>
-        </p:txBody>
-      </p:sp>
-      <p:pic>
-        <p:nvPicPr>
-          <p:cNvPr id="5" name="Picture 4">
-            <a:extLst>
-              <a:ext uri="{FF2B5EF4-FFF2-40B4-BE49-F238E27FC236}">
-                <a16:creationId xmlns:a16="http://schemas.microsoft.com/office/drawing/2014/main" id="{B325228D-734D-34AB-D4A0-E0F5BD95DCAD}"/>
-              </a:ext>
-            </a:extLst>
-          </p:cNvPr>
-          <p:cNvPicPr>
-            <a:picLocks noChangeAspect="1"/>
-          </p:cNvPicPr>
-          <p:nvPr/>
-        </p:nvPicPr>
-        <p:blipFill>
-          <a:blip r:embed="rId2"/>
-          <a:stretch>
-            <a:fillRect/>
-          </a:stretch>
-        </p:blipFill>
-        <p:spPr>
-          <a:xfrm>
-            <a:off x="838200" y="2150805"/>
-            <a:ext cx="3991532" cy="3686689"/>
-          </a:xfrm>
-          <a:prstGeom prst="rect">
-            <a:avLst/>
-          </a:prstGeom>
-        </p:spPr>
-      </p:pic>
-      <p:pic>
-        <p:nvPicPr>
-          <p:cNvPr id="7" name="Picture 6">
-            <a:extLst>
-              <a:ext uri="{FF2B5EF4-FFF2-40B4-BE49-F238E27FC236}">
-                <a16:creationId xmlns:a16="http://schemas.microsoft.com/office/drawing/2014/main" id="{287A7ABC-D1AE-E170-A2A6-6470EE734A0D}"/>
-              </a:ext>
-            </a:extLst>
-          </p:cNvPr>
-          <p:cNvPicPr>
-            <a:picLocks noChangeAspect="1"/>
-          </p:cNvPicPr>
-          <p:nvPr/>
-        </p:nvPicPr>
-        <p:blipFill>
-          <a:blip r:embed="rId3"/>
-          <a:stretch>
-            <a:fillRect/>
-          </a:stretch>
-        </p:blipFill>
-        <p:spPr>
-          <a:xfrm>
-            <a:off x="5879816" y="1027906"/>
-            <a:ext cx="1719690" cy="5666263"/>
-          </a:xfrm>
-          <a:prstGeom prst="rect">
-            <a:avLst/>
-          </a:prstGeom>
-        </p:spPr>
-      </p:pic>
-    </p:spTree>
-    <p:extLst>
-      <p:ext uri="{BB962C8B-B14F-4D97-AF65-F5344CB8AC3E}">
-        <p14:creationId xmlns:p14="http://schemas.microsoft.com/office/powerpoint/2010/main" val="2631230412"/>
-      </p:ext>
-    </p:extLst>
-  </p:cSld>
-  <p:clrMapOvr>
-    <a:masterClrMapping/>
-  </p:clrMapOvr>
-</p:sld>
-</file>
-
-<file path=ppt/slides/slide27.xml><?xml version="1.0" encoding="utf-8"?>
-<p:sld xmlns:a="http://schemas.openxmlformats.org/drawingml/2006/main" xmlns:r="http://schemas.openxmlformats.org/officeDocument/2006/relationships" xmlns:p="http://schemas.openxmlformats.org/presentationml/2006/main">
-  <p:cSld>
-    <p:spTree>
-      <p:nvGrpSpPr>
-        <p:cNvPr id="1" name=""/>
-        <p:cNvGrpSpPr/>
-        <p:nvPr/>
-      </p:nvGrpSpPr>
-      <p:grpSpPr>
-        <a:xfrm>
-          <a:off x="0" y="0"/>
-          <a:ext cx="0" cy="0"/>
-          <a:chOff x="0" y="0"/>
-          <a:chExt cx="0" cy="0"/>
-        </a:xfrm>
-      </p:grpSpPr>
-      <p:sp>
-        <p:nvSpPr>
-          <p:cNvPr id="2" name="Title 1">
-            <a:extLst>
-              <a:ext uri="{FF2B5EF4-FFF2-40B4-BE49-F238E27FC236}">
-                <a16:creationId xmlns:a16="http://schemas.microsoft.com/office/drawing/2014/main" id="{21017636-EA3E-8FEF-99A9-52E40CE4CEE3}"/>
-              </a:ext>
-            </a:extLst>
-          </p:cNvPr>
-          <p:cNvSpPr>
-            <a:spLocks noGrp="1"/>
-          </p:cNvSpPr>
-          <p:nvPr>
-            <p:ph type="title"/>
-          </p:nvPr>
-        </p:nvSpPr>
-        <p:spPr/>
-        <p:txBody>
-          <a:bodyPr/>
-          <a:lstStyle/>
-          <a:p>
-            <a:endParaRPr lang="en-GB"/>
-          </a:p>
-        </p:txBody>
-      </p:sp>
-      <p:pic>
-        <p:nvPicPr>
-          <p:cNvPr id="9" name="Picture 8">
-            <a:extLst>
-              <a:ext uri="{FF2B5EF4-FFF2-40B4-BE49-F238E27FC236}">
-                <a16:creationId xmlns:a16="http://schemas.microsoft.com/office/drawing/2014/main" id="{B3204D20-B887-386C-3F7D-C12C24AFC23A}"/>
-              </a:ext>
-            </a:extLst>
-          </p:cNvPr>
-          <p:cNvPicPr>
-            <a:picLocks noChangeAspect="1"/>
-          </p:cNvPicPr>
-          <p:nvPr/>
-        </p:nvPicPr>
-        <p:blipFill>
-          <a:blip r:embed="rId2"/>
-          <a:stretch>
-            <a:fillRect/>
-          </a:stretch>
-        </p:blipFill>
-        <p:spPr>
-          <a:xfrm>
-            <a:off x="781050" y="1877670"/>
-            <a:ext cx="7493773" cy="4269130"/>
-          </a:xfrm>
-          <a:prstGeom prst="rect">
-            <a:avLst/>
-          </a:prstGeom>
-        </p:spPr>
-      </p:pic>
-    </p:spTree>
-    <p:extLst>
-      <p:ext uri="{BB962C8B-B14F-4D97-AF65-F5344CB8AC3E}">
-        <p14:creationId xmlns:p14="http://schemas.microsoft.com/office/powerpoint/2010/main" val="1718911435"/>
-      </p:ext>
-    </p:extLst>
-  </p:cSld>
-  <p:clrMapOvr>
-    <a:masterClrMapping/>
-  </p:clrMapOvr>
-</p:sld>
-</file>
-
-<file path=ppt/slides/slide28.xml><?xml version="1.0" encoding="utf-8"?>
-<p:sld xmlns:a="http://schemas.openxmlformats.org/drawingml/2006/main" xmlns:r="http://schemas.openxmlformats.org/officeDocument/2006/relationships" xmlns:p="http://schemas.openxmlformats.org/presentationml/2006/main">
-  <p:cSld>
-    <p:spTree>
-      <p:nvGrpSpPr>
-        <p:cNvPr id="1" name=""/>
-        <p:cNvGrpSpPr/>
-        <p:nvPr/>
-      </p:nvGrpSpPr>
-      <p:grpSpPr>
-        <a:xfrm>
-          <a:off x="0" y="0"/>
-          <a:ext cx="0" cy="0"/>
-          <a:chOff x="0" y="0"/>
-          <a:chExt cx="0" cy="0"/>
-        </a:xfrm>
-      </p:grpSpPr>
-      <p:sp>
-        <p:nvSpPr>
-          <p:cNvPr id="2" name="Title 1">
-            <a:extLst>
-              <a:ext uri="{FF2B5EF4-FFF2-40B4-BE49-F238E27FC236}">
-                <a16:creationId xmlns:a16="http://schemas.microsoft.com/office/drawing/2014/main" id="{5AD2B775-94F1-2712-63F2-C63C14F05B7E}"/>
-              </a:ext>
-            </a:extLst>
-          </p:cNvPr>
-          <p:cNvSpPr>
-            <a:spLocks noGrp="1"/>
-          </p:cNvSpPr>
-          <p:nvPr>
-            <p:ph type="title"/>
-          </p:nvPr>
-        </p:nvSpPr>
-        <p:spPr/>
-        <p:txBody>
-          <a:bodyPr/>
-          <a:lstStyle/>
-          <a:p>
-            <a:endParaRPr lang="en-GB"/>
-          </a:p>
-        </p:txBody>
-      </p:sp>
-      <p:pic>
-        <p:nvPicPr>
-          <p:cNvPr id="7" name="Picture 6">
-            <a:extLst>
-              <a:ext uri="{FF2B5EF4-FFF2-40B4-BE49-F238E27FC236}">
-                <a16:creationId xmlns:a16="http://schemas.microsoft.com/office/drawing/2014/main" id="{3B83AA5B-5185-2773-ECE3-5309334D99EA}"/>
-              </a:ext>
-            </a:extLst>
-          </p:cNvPr>
-          <p:cNvPicPr>
-            <a:picLocks noChangeAspect="1"/>
-          </p:cNvPicPr>
-          <p:nvPr/>
-        </p:nvPicPr>
-        <p:blipFill>
-          <a:blip r:embed="rId2"/>
-          <a:stretch>
-            <a:fillRect/>
-          </a:stretch>
-        </p:blipFill>
-        <p:spPr>
-          <a:xfrm>
-            <a:off x="946150" y="1690688"/>
-            <a:ext cx="7684755" cy="4737847"/>
-          </a:xfrm>
-          <a:prstGeom prst="rect">
-            <a:avLst/>
-          </a:prstGeom>
-        </p:spPr>
-      </p:pic>
-    </p:spTree>
-    <p:extLst>
-      <p:ext uri="{BB962C8B-B14F-4D97-AF65-F5344CB8AC3E}">
-        <p14:creationId xmlns:p14="http://schemas.microsoft.com/office/powerpoint/2010/main" val="1093725443"/>
-      </p:ext>
-    </p:extLst>
-  </p:cSld>
-  <p:clrMapOvr>
-    <a:masterClrMapping/>
-  </p:clrMapOvr>
-</p:sld>
-</file>
-
-<file path=ppt/slides/slide29.xml><?xml version="1.0" encoding="utf-8"?>
-<p:sld xmlns:a="http://schemas.openxmlformats.org/drawingml/2006/main" xmlns:r="http://schemas.openxmlformats.org/officeDocument/2006/relationships" xmlns:p="http://schemas.openxmlformats.org/presentationml/2006/main">
-  <p:cSld>
-    <p:spTree>
-      <p:nvGrpSpPr>
-        <p:cNvPr id="1" name=""/>
-        <p:cNvGrpSpPr/>
-        <p:nvPr/>
-      </p:nvGrpSpPr>
-      <p:grpSpPr>
-        <a:xfrm>
-          <a:off x="0" y="0"/>
-          <a:ext cx="0" cy="0"/>
-          <a:chOff x="0" y="0"/>
-          <a:chExt cx="0" cy="0"/>
-        </a:xfrm>
-      </p:grpSpPr>
-      <p:sp>
-        <p:nvSpPr>
-          <p:cNvPr id="2" name="Title 1">
-            <a:extLst>
-              <a:ext uri="{FF2B5EF4-FFF2-40B4-BE49-F238E27FC236}">
-                <a16:creationId xmlns:a16="http://schemas.microsoft.com/office/drawing/2014/main" id="{6DE57C0E-E6ED-0C5C-8A08-3A79DC12E791}"/>
-              </a:ext>
-            </a:extLst>
-          </p:cNvPr>
-          <p:cNvSpPr>
-            <a:spLocks noGrp="1"/>
-          </p:cNvSpPr>
-          <p:nvPr>
-            <p:ph type="title"/>
-          </p:nvPr>
-        </p:nvSpPr>
-        <p:spPr/>
-        <p:txBody>
-          <a:bodyPr/>
-          <a:lstStyle/>
-          <a:p>
-            <a:endParaRPr lang="en-GB"/>
-          </a:p>
-        </p:txBody>
-      </p:sp>
-      <p:pic>
-        <p:nvPicPr>
-          <p:cNvPr id="5" name="Picture 4">
-            <a:extLst>
-              <a:ext uri="{FF2B5EF4-FFF2-40B4-BE49-F238E27FC236}">
-                <a16:creationId xmlns:a16="http://schemas.microsoft.com/office/drawing/2014/main" id="{4E9E29CB-43C5-F6D1-3EB0-E21010287988}"/>
-              </a:ext>
-            </a:extLst>
-          </p:cNvPr>
-          <p:cNvPicPr>
-            <a:picLocks noChangeAspect="1"/>
-          </p:cNvPicPr>
-          <p:nvPr/>
-        </p:nvPicPr>
-        <p:blipFill>
-          <a:blip r:embed="rId2"/>
-          <a:stretch>
-            <a:fillRect/>
-          </a:stretch>
-        </p:blipFill>
-        <p:spPr>
-          <a:xfrm>
-            <a:off x="838200" y="1927008"/>
-            <a:ext cx="4534533" cy="3105583"/>
-          </a:xfrm>
-          <a:prstGeom prst="rect">
-            <a:avLst/>
-          </a:prstGeom>
-        </p:spPr>
-      </p:pic>
-      <p:pic>
-        <p:nvPicPr>
-          <p:cNvPr id="9" name="Picture 8">
-            <a:extLst>
-              <a:ext uri="{FF2B5EF4-FFF2-40B4-BE49-F238E27FC236}">
-                <a16:creationId xmlns:a16="http://schemas.microsoft.com/office/drawing/2014/main" id="{E05F283C-C78D-A7F1-4AA5-5C3C0BD0ABB2}"/>
-              </a:ext>
-            </a:extLst>
-          </p:cNvPr>
-          <p:cNvPicPr>
-            <a:picLocks noChangeAspect="1"/>
-          </p:cNvPicPr>
-          <p:nvPr/>
-        </p:nvPicPr>
-        <p:blipFill>
-          <a:blip r:embed="rId3"/>
-          <a:stretch>
-            <a:fillRect/>
-          </a:stretch>
-        </p:blipFill>
-        <p:spPr>
-          <a:xfrm>
-            <a:off x="5773505" y="1927008"/>
-            <a:ext cx="3324689" cy="2991267"/>
-          </a:xfrm>
-          <a:prstGeom prst="rect">
-            <a:avLst/>
-          </a:prstGeom>
-        </p:spPr>
-      </p:pic>
-    </p:spTree>
-    <p:extLst>
-      <p:ext uri="{BB962C8B-B14F-4D97-AF65-F5344CB8AC3E}">
-        <p14:creationId xmlns:p14="http://schemas.microsoft.com/office/powerpoint/2010/main" val="1176878744"/>
       </p:ext>
     </p:extLst>
   </p:cSld>
@@ -7743,6 +7779,356 @@
           <p:cNvPr id="2" name="Title 1">
             <a:extLst>
               <a:ext uri="{FF2B5EF4-FFF2-40B4-BE49-F238E27FC236}">
+                <a16:creationId xmlns:a16="http://schemas.microsoft.com/office/drawing/2014/main" id="{CC9BC353-C438-5E40-C3FF-618D49D8A61E}"/>
+              </a:ext>
+            </a:extLst>
+          </p:cNvPr>
+          <p:cNvSpPr>
+            <a:spLocks noGrp="1"/>
+          </p:cNvSpPr>
+          <p:nvPr>
+            <p:ph type="title"/>
+          </p:nvPr>
+        </p:nvSpPr>
+        <p:spPr>
+          <a:xfrm>
+            <a:off x="838200" y="365125"/>
+            <a:ext cx="10515600" cy="720725"/>
+          </a:xfrm>
+        </p:spPr>
+        <p:txBody>
+          <a:bodyPr/>
+          <a:lstStyle/>
+          <a:p>
+            <a:endParaRPr lang="en-GB" dirty="0"/>
+          </a:p>
+        </p:txBody>
+      </p:sp>
+      <p:pic>
+        <p:nvPicPr>
+          <p:cNvPr id="5" name="Picture 4">
+            <a:extLst>
+              <a:ext uri="{FF2B5EF4-FFF2-40B4-BE49-F238E27FC236}">
+                <a16:creationId xmlns:a16="http://schemas.microsoft.com/office/drawing/2014/main" id="{98CF9533-BABB-55BB-1DB2-79C1ABB8F663}"/>
+              </a:ext>
+            </a:extLst>
+          </p:cNvPr>
+          <p:cNvPicPr>
+            <a:picLocks noChangeAspect="1"/>
+          </p:cNvPicPr>
+          <p:nvPr/>
+        </p:nvPicPr>
+        <p:blipFill>
+          <a:blip r:embed="rId2"/>
+          <a:stretch>
+            <a:fillRect/>
+          </a:stretch>
+        </p:blipFill>
+        <p:spPr>
+          <a:xfrm>
+            <a:off x="793750" y="1290395"/>
+            <a:ext cx="3886742" cy="3477110"/>
+          </a:xfrm>
+          <a:prstGeom prst="rect">
+            <a:avLst/>
+          </a:prstGeom>
+        </p:spPr>
+      </p:pic>
+      <p:pic>
+        <p:nvPicPr>
+          <p:cNvPr id="7" name="Picture 6">
+            <a:extLst>
+              <a:ext uri="{FF2B5EF4-FFF2-40B4-BE49-F238E27FC236}">
+                <a16:creationId xmlns:a16="http://schemas.microsoft.com/office/drawing/2014/main" id="{1B13D5C5-E8D9-73FE-CFFB-A0B0D2A8EF6A}"/>
+              </a:ext>
+            </a:extLst>
+          </p:cNvPr>
+          <p:cNvPicPr>
+            <a:picLocks noChangeAspect="1"/>
+          </p:cNvPicPr>
+          <p:nvPr/>
+        </p:nvPicPr>
+        <p:blipFill>
+          <a:blip r:embed="rId3"/>
+          <a:stretch>
+            <a:fillRect/>
+          </a:stretch>
+        </p:blipFill>
+        <p:spPr>
+          <a:xfrm>
+            <a:off x="5095613" y="1193157"/>
+            <a:ext cx="4082057" cy="5029200"/>
+          </a:xfrm>
+          <a:prstGeom prst="rect">
+            <a:avLst/>
+          </a:prstGeom>
+        </p:spPr>
+      </p:pic>
+      <p:pic>
+        <p:nvPicPr>
+          <p:cNvPr id="9" name="Picture 8">
+            <a:extLst>
+              <a:ext uri="{FF2B5EF4-FFF2-40B4-BE49-F238E27FC236}">
+                <a16:creationId xmlns:a16="http://schemas.microsoft.com/office/drawing/2014/main" id="{E2E29D80-8472-864F-1A14-6618E05E385A}"/>
+              </a:ext>
+            </a:extLst>
+          </p:cNvPr>
+          <p:cNvPicPr>
+            <a:picLocks noChangeAspect="1"/>
+          </p:cNvPicPr>
+          <p:nvPr/>
+        </p:nvPicPr>
+        <p:blipFill>
+          <a:blip r:embed="rId4"/>
+          <a:stretch>
+            <a:fillRect/>
+          </a:stretch>
+        </p:blipFill>
+        <p:spPr>
+          <a:xfrm>
+            <a:off x="5095613" y="6222357"/>
+            <a:ext cx="3985272" cy="635643"/>
+          </a:xfrm>
+          <a:prstGeom prst="rect">
+            <a:avLst/>
+          </a:prstGeom>
+        </p:spPr>
+      </p:pic>
+    </p:spTree>
+    <p:extLst>
+      <p:ext uri="{BB962C8B-B14F-4D97-AF65-F5344CB8AC3E}">
+        <p14:creationId xmlns:p14="http://schemas.microsoft.com/office/powerpoint/2010/main" val="3875996855"/>
+      </p:ext>
+    </p:extLst>
+  </p:cSld>
+  <p:clrMapOvr>
+    <a:masterClrMapping/>
+  </p:clrMapOvr>
+</p:sld>
+</file>
+
+<file path=ppt/slides/slide31.xml><?xml version="1.0" encoding="utf-8"?>
+<p:sld xmlns:a="http://schemas.openxmlformats.org/drawingml/2006/main" xmlns:r="http://schemas.openxmlformats.org/officeDocument/2006/relationships" xmlns:p="http://schemas.openxmlformats.org/presentationml/2006/main">
+  <p:cSld>
+    <p:spTree>
+      <p:nvGrpSpPr>
+        <p:cNvPr id="1" name=""/>
+        <p:cNvGrpSpPr/>
+        <p:nvPr/>
+      </p:nvGrpSpPr>
+      <p:grpSpPr>
+        <a:xfrm>
+          <a:off x="0" y="0"/>
+          <a:ext cx="0" cy="0"/>
+          <a:chOff x="0" y="0"/>
+          <a:chExt cx="0" cy="0"/>
+        </a:xfrm>
+      </p:grpSpPr>
+      <p:sp>
+        <p:nvSpPr>
+          <p:cNvPr id="2" name="Title 1">
+            <a:extLst>
+              <a:ext uri="{FF2B5EF4-FFF2-40B4-BE49-F238E27FC236}">
+                <a16:creationId xmlns:a16="http://schemas.microsoft.com/office/drawing/2014/main" id="{5AD2B775-94F1-2712-63F2-C63C14F05B7E}"/>
+              </a:ext>
+            </a:extLst>
+          </p:cNvPr>
+          <p:cNvSpPr>
+            <a:spLocks noGrp="1"/>
+          </p:cNvSpPr>
+          <p:nvPr>
+            <p:ph type="title"/>
+          </p:nvPr>
+        </p:nvSpPr>
+        <p:spPr/>
+        <p:txBody>
+          <a:bodyPr/>
+          <a:lstStyle/>
+          <a:p>
+            <a:endParaRPr lang="en-GB"/>
+          </a:p>
+        </p:txBody>
+      </p:sp>
+      <p:pic>
+        <p:nvPicPr>
+          <p:cNvPr id="7" name="Picture 6">
+            <a:extLst>
+              <a:ext uri="{FF2B5EF4-FFF2-40B4-BE49-F238E27FC236}">
+                <a16:creationId xmlns:a16="http://schemas.microsoft.com/office/drawing/2014/main" id="{3B83AA5B-5185-2773-ECE3-5309334D99EA}"/>
+              </a:ext>
+            </a:extLst>
+          </p:cNvPr>
+          <p:cNvPicPr>
+            <a:picLocks noChangeAspect="1"/>
+          </p:cNvPicPr>
+          <p:nvPr/>
+        </p:nvPicPr>
+        <p:blipFill>
+          <a:blip r:embed="rId2"/>
+          <a:stretch>
+            <a:fillRect/>
+          </a:stretch>
+        </p:blipFill>
+        <p:spPr>
+          <a:xfrm>
+            <a:off x="946150" y="1690688"/>
+            <a:ext cx="7684755" cy="4737847"/>
+          </a:xfrm>
+          <a:prstGeom prst="rect">
+            <a:avLst/>
+          </a:prstGeom>
+        </p:spPr>
+      </p:pic>
+    </p:spTree>
+    <p:extLst>
+      <p:ext uri="{BB962C8B-B14F-4D97-AF65-F5344CB8AC3E}">
+        <p14:creationId xmlns:p14="http://schemas.microsoft.com/office/powerpoint/2010/main" val="1093725443"/>
+      </p:ext>
+    </p:extLst>
+  </p:cSld>
+  <p:clrMapOvr>
+    <a:masterClrMapping/>
+  </p:clrMapOvr>
+</p:sld>
+</file>
+
+<file path=ppt/slides/slide32.xml><?xml version="1.0" encoding="utf-8"?>
+<p:sld xmlns:a="http://schemas.openxmlformats.org/drawingml/2006/main" xmlns:r="http://schemas.openxmlformats.org/officeDocument/2006/relationships" xmlns:p="http://schemas.openxmlformats.org/presentationml/2006/main">
+  <p:cSld>
+    <p:spTree>
+      <p:nvGrpSpPr>
+        <p:cNvPr id="1" name=""/>
+        <p:cNvGrpSpPr/>
+        <p:nvPr/>
+      </p:nvGrpSpPr>
+      <p:grpSpPr>
+        <a:xfrm>
+          <a:off x="0" y="0"/>
+          <a:ext cx="0" cy="0"/>
+          <a:chOff x="0" y="0"/>
+          <a:chExt cx="0" cy="0"/>
+        </a:xfrm>
+      </p:grpSpPr>
+      <p:sp>
+        <p:nvSpPr>
+          <p:cNvPr id="2" name="Title 1">
+            <a:extLst>
+              <a:ext uri="{FF2B5EF4-FFF2-40B4-BE49-F238E27FC236}">
+                <a16:creationId xmlns:a16="http://schemas.microsoft.com/office/drawing/2014/main" id="{6DE57C0E-E6ED-0C5C-8A08-3A79DC12E791}"/>
+              </a:ext>
+            </a:extLst>
+          </p:cNvPr>
+          <p:cNvSpPr>
+            <a:spLocks noGrp="1"/>
+          </p:cNvSpPr>
+          <p:nvPr>
+            <p:ph type="title"/>
+          </p:nvPr>
+        </p:nvSpPr>
+        <p:spPr/>
+        <p:txBody>
+          <a:bodyPr/>
+          <a:lstStyle/>
+          <a:p>
+            <a:endParaRPr lang="en-GB"/>
+          </a:p>
+        </p:txBody>
+      </p:sp>
+      <p:pic>
+        <p:nvPicPr>
+          <p:cNvPr id="5" name="Picture 4">
+            <a:extLst>
+              <a:ext uri="{FF2B5EF4-FFF2-40B4-BE49-F238E27FC236}">
+                <a16:creationId xmlns:a16="http://schemas.microsoft.com/office/drawing/2014/main" id="{4E9E29CB-43C5-F6D1-3EB0-E21010287988}"/>
+              </a:ext>
+            </a:extLst>
+          </p:cNvPr>
+          <p:cNvPicPr>
+            <a:picLocks noChangeAspect="1"/>
+          </p:cNvPicPr>
+          <p:nvPr/>
+        </p:nvPicPr>
+        <p:blipFill>
+          <a:blip r:embed="rId2"/>
+          <a:stretch>
+            <a:fillRect/>
+          </a:stretch>
+        </p:blipFill>
+        <p:spPr>
+          <a:xfrm>
+            <a:off x="838200" y="1927008"/>
+            <a:ext cx="4534533" cy="3105583"/>
+          </a:xfrm>
+          <a:prstGeom prst="rect">
+            <a:avLst/>
+          </a:prstGeom>
+        </p:spPr>
+      </p:pic>
+      <p:pic>
+        <p:nvPicPr>
+          <p:cNvPr id="9" name="Picture 8">
+            <a:extLst>
+              <a:ext uri="{FF2B5EF4-FFF2-40B4-BE49-F238E27FC236}">
+                <a16:creationId xmlns:a16="http://schemas.microsoft.com/office/drawing/2014/main" id="{E05F283C-C78D-A7F1-4AA5-5C3C0BD0ABB2}"/>
+              </a:ext>
+            </a:extLst>
+          </p:cNvPr>
+          <p:cNvPicPr>
+            <a:picLocks noChangeAspect="1"/>
+          </p:cNvPicPr>
+          <p:nvPr/>
+        </p:nvPicPr>
+        <p:blipFill>
+          <a:blip r:embed="rId3"/>
+          <a:stretch>
+            <a:fillRect/>
+          </a:stretch>
+        </p:blipFill>
+        <p:spPr>
+          <a:xfrm>
+            <a:off x="5773505" y="1927008"/>
+            <a:ext cx="3324689" cy="2991267"/>
+          </a:xfrm>
+          <a:prstGeom prst="rect">
+            <a:avLst/>
+          </a:prstGeom>
+        </p:spPr>
+      </p:pic>
+    </p:spTree>
+    <p:extLst>
+      <p:ext uri="{BB962C8B-B14F-4D97-AF65-F5344CB8AC3E}">
+        <p14:creationId xmlns:p14="http://schemas.microsoft.com/office/powerpoint/2010/main" val="1176878744"/>
+      </p:ext>
+    </p:extLst>
+  </p:cSld>
+  <p:clrMapOvr>
+    <a:masterClrMapping/>
+  </p:clrMapOvr>
+</p:sld>
+</file>
+
+<file path=ppt/slides/slide33.xml><?xml version="1.0" encoding="utf-8"?>
+<p:sld xmlns:a="http://schemas.openxmlformats.org/drawingml/2006/main" xmlns:r="http://schemas.openxmlformats.org/officeDocument/2006/relationships" xmlns:p="http://schemas.openxmlformats.org/presentationml/2006/main">
+  <p:cSld>
+    <p:spTree>
+      <p:nvGrpSpPr>
+        <p:cNvPr id="1" name=""/>
+        <p:cNvGrpSpPr/>
+        <p:nvPr/>
+      </p:nvGrpSpPr>
+      <p:grpSpPr>
+        <a:xfrm>
+          <a:off x="0" y="0"/>
+          <a:ext cx="0" cy="0"/>
+          <a:chOff x="0" y="0"/>
+          <a:chExt cx="0" cy="0"/>
+        </a:xfrm>
+      </p:grpSpPr>
+      <p:sp>
+        <p:nvSpPr>
+          <p:cNvPr id="2" name="Title 1">
+            <a:extLst>
+              <a:ext uri="{FF2B5EF4-FFF2-40B4-BE49-F238E27FC236}">
                 <a16:creationId xmlns:a16="http://schemas.microsoft.com/office/drawing/2014/main" id="{01098F21-15EF-C2B8-A81B-F04DD58828E6}"/>
               </a:ext>
             </a:extLst>
@@ -7806,7 +8192,7 @@
 </p:sld>
 </file>
 
-<file path=ppt/slides/slide31.xml><?xml version="1.0" encoding="utf-8"?>
+<file path=ppt/slides/slide34.xml><?xml version="1.0" encoding="utf-8"?>
 <p:sld xmlns:a="http://schemas.openxmlformats.org/drawingml/2006/main" xmlns:r="http://schemas.openxmlformats.org/officeDocument/2006/relationships" xmlns:p="http://schemas.openxmlformats.org/presentationml/2006/main">
   <p:cSld>
     <p:spTree>
@@ -7891,7 +8277,7 @@
 </p:sld>
 </file>
 
-<file path=ppt/slides/slide32.xml><?xml version="1.0" encoding="utf-8"?>
+<file path=ppt/slides/slide35.xml><?xml version="1.0" encoding="utf-8"?>
 <p:sld xmlns:a="http://schemas.openxmlformats.org/drawingml/2006/main" xmlns:r="http://schemas.openxmlformats.org/officeDocument/2006/relationships" xmlns:p="http://schemas.openxmlformats.org/presentationml/2006/main">
   <p:cSld>
     <p:spTree>
@@ -7976,7 +8362,7 @@
 </p:sld>
 </file>
 
-<file path=ppt/slides/slide33.xml><?xml version="1.0" encoding="utf-8"?>
+<file path=ppt/slides/slide36.xml><?xml version="1.0" encoding="utf-8"?>
 <p:sld xmlns:a="http://schemas.openxmlformats.org/drawingml/2006/main" xmlns:r="http://schemas.openxmlformats.org/officeDocument/2006/relationships" xmlns:p="http://schemas.openxmlformats.org/presentationml/2006/main">
   <p:cSld>
     <p:spTree>
@@ -8066,7 +8452,7 @@
 </p:sld>
 </file>
 
-<file path=ppt/slides/slide34.xml><?xml version="1.0" encoding="utf-8"?>
+<file path=ppt/slides/slide37.xml><?xml version="1.0" encoding="utf-8"?>
 <p:sld xmlns:a="http://schemas.openxmlformats.org/drawingml/2006/main" xmlns:r="http://schemas.openxmlformats.org/officeDocument/2006/relationships" xmlns:p="http://schemas.openxmlformats.org/presentationml/2006/main">
   <p:cSld>
     <p:spTree>
@@ -8151,301 +8537,6 @@
 </p:sld>
 </file>
 
-<file path=ppt/slides/slide35.xml><?xml version="1.0" encoding="utf-8"?>
-<p:sld xmlns:a="http://schemas.openxmlformats.org/drawingml/2006/main" xmlns:r="http://schemas.openxmlformats.org/officeDocument/2006/relationships" xmlns:p="http://schemas.openxmlformats.org/presentationml/2006/main">
-  <p:cSld>
-    <p:spTree>
-      <p:nvGrpSpPr>
-        <p:cNvPr id="1" name=""/>
-        <p:cNvGrpSpPr/>
-        <p:nvPr/>
-      </p:nvGrpSpPr>
-      <p:grpSpPr>
-        <a:xfrm>
-          <a:off x="0" y="0"/>
-          <a:ext cx="0" cy="0"/>
-          <a:chOff x="0" y="0"/>
-          <a:chExt cx="0" cy="0"/>
-        </a:xfrm>
-      </p:grpSpPr>
-      <p:sp>
-        <p:nvSpPr>
-          <p:cNvPr id="2" name="Title 1">
-            <a:extLst>
-              <a:ext uri="{FF2B5EF4-FFF2-40B4-BE49-F238E27FC236}">
-                <a16:creationId xmlns:a16="http://schemas.microsoft.com/office/drawing/2014/main" id="{DCD86764-00F4-6C9A-2130-D553A9C0F19A}"/>
-              </a:ext>
-            </a:extLst>
-          </p:cNvPr>
-          <p:cNvSpPr>
-            <a:spLocks noGrp="1"/>
-          </p:cNvSpPr>
-          <p:nvPr>
-            <p:ph type="title"/>
-          </p:nvPr>
-        </p:nvSpPr>
-        <p:spPr/>
-        <p:txBody>
-          <a:bodyPr/>
-          <a:lstStyle/>
-          <a:p>
-            <a:endParaRPr lang="en-GB"/>
-          </a:p>
-        </p:txBody>
-      </p:sp>
-      <p:pic>
-        <p:nvPicPr>
-          <p:cNvPr id="4" name="Picture 3">
-            <a:extLst>
-              <a:ext uri="{FF2B5EF4-FFF2-40B4-BE49-F238E27FC236}">
-                <a16:creationId xmlns:a16="http://schemas.microsoft.com/office/drawing/2014/main" id="{20F3E66B-E246-EFCB-FFBE-25044944C469}"/>
-              </a:ext>
-            </a:extLst>
-          </p:cNvPr>
-          <p:cNvPicPr>
-            <a:picLocks noChangeAspect="1"/>
-          </p:cNvPicPr>
-          <p:nvPr/>
-        </p:nvPicPr>
-        <p:blipFill>
-          <a:blip r:embed="rId2"/>
-          <a:stretch>
-            <a:fillRect/>
-          </a:stretch>
-        </p:blipFill>
-        <p:spPr>
-          <a:xfrm>
-            <a:off x="838200" y="1242558"/>
-            <a:ext cx="4959605" cy="1517728"/>
-          </a:xfrm>
-          <a:prstGeom prst="rect">
-            <a:avLst/>
-          </a:prstGeom>
-        </p:spPr>
-      </p:pic>
-      <p:pic>
-        <p:nvPicPr>
-          <p:cNvPr id="7" name="Picture 6">
-            <a:extLst>
-              <a:ext uri="{FF2B5EF4-FFF2-40B4-BE49-F238E27FC236}">
-                <a16:creationId xmlns:a16="http://schemas.microsoft.com/office/drawing/2014/main" id="{A96C8C96-A6EA-2AE6-661D-FA50CC4E8CDA}"/>
-              </a:ext>
-            </a:extLst>
-          </p:cNvPr>
-          <p:cNvPicPr>
-            <a:picLocks noChangeAspect="1"/>
-          </p:cNvPicPr>
-          <p:nvPr/>
-        </p:nvPicPr>
-        <p:blipFill>
-          <a:blip r:embed="rId3"/>
-          <a:stretch>
-            <a:fillRect/>
-          </a:stretch>
-        </p:blipFill>
-        <p:spPr>
-          <a:xfrm>
-            <a:off x="6394197" y="1242558"/>
-            <a:ext cx="4511991" cy="5250317"/>
-          </a:xfrm>
-          <a:prstGeom prst="rect">
-            <a:avLst/>
-          </a:prstGeom>
-        </p:spPr>
-      </p:pic>
-    </p:spTree>
-    <p:extLst>
-      <p:ext uri="{BB962C8B-B14F-4D97-AF65-F5344CB8AC3E}">
-        <p14:creationId xmlns:p14="http://schemas.microsoft.com/office/powerpoint/2010/main" val="17736079"/>
-      </p:ext>
-    </p:extLst>
-  </p:cSld>
-  <p:clrMapOvr>
-    <a:masterClrMapping/>
-  </p:clrMapOvr>
-</p:sld>
-</file>
-
-<file path=ppt/slides/slide36.xml><?xml version="1.0" encoding="utf-8"?>
-<p:sld xmlns:a="http://schemas.openxmlformats.org/drawingml/2006/main" xmlns:r="http://schemas.openxmlformats.org/officeDocument/2006/relationships" xmlns:p="http://schemas.openxmlformats.org/presentationml/2006/main">
-  <p:cSld>
-    <p:spTree>
-      <p:nvGrpSpPr>
-        <p:cNvPr id="1" name=""/>
-        <p:cNvGrpSpPr/>
-        <p:nvPr/>
-      </p:nvGrpSpPr>
-      <p:grpSpPr>
-        <a:xfrm>
-          <a:off x="0" y="0"/>
-          <a:ext cx="0" cy="0"/>
-          <a:chOff x="0" y="0"/>
-          <a:chExt cx="0" cy="0"/>
-        </a:xfrm>
-      </p:grpSpPr>
-      <p:pic>
-        <p:nvPicPr>
-          <p:cNvPr id="8" name="Picture 7">
-            <a:extLst>
-              <a:ext uri="{FF2B5EF4-FFF2-40B4-BE49-F238E27FC236}">
-                <a16:creationId xmlns:a16="http://schemas.microsoft.com/office/drawing/2014/main" id="{267E26B0-ADE5-2D5A-201D-E7974C1FE8C8}"/>
-              </a:ext>
-            </a:extLst>
-          </p:cNvPr>
-          <p:cNvPicPr>
-            <a:picLocks noChangeAspect="1"/>
-          </p:cNvPicPr>
-          <p:nvPr/>
-        </p:nvPicPr>
-        <p:blipFill>
-          <a:blip r:embed="rId2"/>
-          <a:stretch>
-            <a:fillRect/>
-          </a:stretch>
-        </p:blipFill>
-        <p:spPr>
-          <a:xfrm>
-            <a:off x="497406" y="502516"/>
-            <a:ext cx="6401129" cy="5550185"/>
-          </a:xfrm>
-          <a:prstGeom prst="rect">
-            <a:avLst/>
-          </a:prstGeom>
-        </p:spPr>
-      </p:pic>
-      <p:pic>
-        <p:nvPicPr>
-          <p:cNvPr id="9" name="Picture 8">
-            <a:extLst>
-              <a:ext uri="{FF2B5EF4-FFF2-40B4-BE49-F238E27FC236}">
-                <a16:creationId xmlns:a16="http://schemas.microsoft.com/office/drawing/2014/main" id="{159E5FD2-985E-7690-3E2A-435134F3B0FE}"/>
-              </a:ext>
-            </a:extLst>
-          </p:cNvPr>
-          <p:cNvPicPr>
-            <a:picLocks noChangeAspect="1"/>
-          </p:cNvPicPr>
-          <p:nvPr/>
-        </p:nvPicPr>
-        <p:blipFill>
-          <a:blip r:embed="rId3"/>
-          <a:stretch>
-            <a:fillRect/>
-          </a:stretch>
-        </p:blipFill>
-        <p:spPr>
-          <a:xfrm>
-            <a:off x="7205188" y="923852"/>
-            <a:ext cx="4915153" cy="2006703"/>
-          </a:xfrm>
-          <a:prstGeom prst="rect">
-            <a:avLst/>
-          </a:prstGeom>
-        </p:spPr>
-      </p:pic>
-    </p:spTree>
-    <p:extLst>
-      <p:ext uri="{BB962C8B-B14F-4D97-AF65-F5344CB8AC3E}">
-        <p14:creationId xmlns:p14="http://schemas.microsoft.com/office/powerpoint/2010/main" val="3790276932"/>
-      </p:ext>
-    </p:extLst>
-  </p:cSld>
-  <p:clrMapOvr>
-    <a:masterClrMapping/>
-  </p:clrMapOvr>
-</p:sld>
-</file>
-
-<file path=ppt/slides/slide37.xml><?xml version="1.0" encoding="utf-8"?>
-<p:sld xmlns:a="http://schemas.openxmlformats.org/drawingml/2006/main" xmlns:r="http://schemas.openxmlformats.org/officeDocument/2006/relationships" xmlns:p="http://schemas.openxmlformats.org/presentationml/2006/main">
-  <p:cSld>
-    <p:spTree>
-      <p:nvGrpSpPr>
-        <p:cNvPr id="1" name=""/>
-        <p:cNvGrpSpPr/>
-        <p:nvPr/>
-      </p:nvGrpSpPr>
-      <p:grpSpPr>
-        <a:xfrm>
-          <a:off x="0" y="0"/>
-          <a:ext cx="0" cy="0"/>
-          <a:chOff x="0" y="0"/>
-          <a:chExt cx="0" cy="0"/>
-        </a:xfrm>
-      </p:grpSpPr>
-      <p:pic>
-        <p:nvPicPr>
-          <p:cNvPr id="5" name="Picture 4">
-            <a:extLst>
-              <a:ext uri="{FF2B5EF4-FFF2-40B4-BE49-F238E27FC236}">
-                <a16:creationId xmlns:a16="http://schemas.microsoft.com/office/drawing/2014/main" id="{D89C5F76-DE95-EF62-4BC4-CD0A02BDAAB6}"/>
-              </a:ext>
-            </a:extLst>
-          </p:cNvPr>
-          <p:cNvPicPr>
-            <a:picLocks noChangeAspect="1"/>
-          </p:cNvPicPr>
-          <p:nvPr/>
-        </p:nvPicPr>
-        <p:blipFill>
-          <a:blip r:embed="rId2"/>
-          <a:stretch>
-            <a:fillRect/>
-          </a:stretch>
-        </p:blipFill>
-        <p:spPr>
-          <a:xfrm>
-            <a:off x="564587" y="761453"/>
-            <a:ext cx="4680191" cy="3264068"/>
-          </a:xfrm>
-          <a:prstGeom prst="rect">
-            <a:avLst/>
-          </a:prstGeom>
-        </p:spPr>
-      </p:pic>
-      <p:pic>
-        <p:nvPicPr>
-          <p:cNvPr id="7" name="Picture 6">
-            <a:extLst>
-              <a:ext uri="{FF2B5EF4-FFF2-40B4-BE49-F238E27FC236}">
-                <a16:creationId xmlns:a16="http://schemas.microsoft.com/office/drawing/2014/main" id="{FE67BB66-D68E-91FC-1442-E45607E8A920}"/>
-              </a:ext>
-            </a:extLst>
-          </p:cNvPr>
-          <p:cNvPicPr>
-            <a:picLocks noChangeAspect="1"/>
-          </p:cNvPicPr>
-          <p:nvPr/>
-        </p:nvPicPr>
-        <p:blipFill>
-          <a:blip r:embed="rId3"/>
-          <a:stretch>
-            <a:fillRect/>
-          </a:stretch>
-        </p:blipFill>
-        <p:spPr>
-          <a:xfrm>
-            <a:off x="6858335" y="889174"/>
-            <a:ext cx="2508379" cy="3892750"/>
-          </a:xfrm>
-          <a:prstGeom prst="rect">
-            <a:avLst/>
-          </a:prstGeom>
-        </p:spPr>
-      </p:pic>
-    </p:spTree>
-    <p:extLst>
-      <p:ext uri="{BB962C8B-B14F-4D97-AF65-F5344CB8AC3E}">
-        <p14:creationId xmlns:p14="http://schemas.microsoft.com/office/powerpoint/2010/main" val="1708038266"/>
-      </p:ext>
-    </p:extLst>
-  </p:cSld>
-  <p:clrMapOvr>
-    <a:masterClrMapping/>
-  </p:clrMapOvr>
-</p:sld>
-</file>
-
 <file path=ppt/slides/slide38.xml><?xml version="1.0" encoding="utf-8"?>
 <p:sld xmlns:a="http://schemas.openxmlformats.org/drawingml/2006/main" xmlns:r="http://schemas.openxmlformats.org/officeDocument/2006/relationships" xmlns:p="http://schemas.openxmlformats.org/presentationml/2006/main">
   <p:cSld>
@@ -8463,40 +8554,60 @@
           <a:chExt cx="0" cy="0"/>
         </a:xfrm>
       </p:grpSpPr>
-      <p:pic>
-        <p:nvPicPr>
-          <p:cNvPr id="5" name="Picture 4">
-            <a:extLst>
-              <a:ext uri="{FF2B5EF4-FFF2-40B4-BE49-F238E27FC236}">
-                <a16:creationId xmlns:a16="http://schemas.microsoft.com/office/drawing/2014/main" id="{BC909FB5-6F06-559F-6D56-11877CAEF8ED}"/>
-              </a:ext>
-            </a:extLst>
-          </p:cNvPr>
-          <p:cNvPicPr>
-            <a:picLocks noChangeAspect="1"/>
-          </p:cNvPicPr>
-          <p:nvPr/>
-        </p:nvPicPr>
-        <p:blipFill>
-          <a:blip r:embed="rId2"/>
-          <a:stretch>
-            <a:fillRect/>
-          </a:stretch>
-        </p:blipFill>
-        <p:spPr>
-          <a:xfrm>
-            <a:off x="645176" y="794450"/>
-            <a:ext cx="9036514" cy="3016405"/>
-          </a:xfrm>
-          <a:prstGeom prst="rect">
-            <a:avLst/>
-          </a:prstGeom>
-        </p:spPr>
-      </p:pic>
+      <p:sp>
+        <p:nvSpPr>
+          <p:cNvPr id="2" name="Title 1">
+            <a:extLst>
+              <a:ext uri="{FF2B5EF4-FFF2-40B4-BE49-F238E27FC236}">
+                <a16:creationId xmlns:a16="http://schemas.microsoft.com/office/drawing/2014/main" id="{6461F12C-8296-BADA-FD56-149E96554D1E}"/>
+              </a:ext>
+            </a:extLst>
+          </p:cNvPr>
+          <p:cNvSpPr>
+            <a:spLocks noGrp="1"/>
+          </p:cNvSpPr>
+          <p:nvPr>
+            <p:ph type="title"/>
+          </p:nvPr>
+        </p:nvSpPr>
+        <p:spPr/>
+        <p:txBody>
+          <a:bodyPr/>
+          <a:lstStyle/>
+          <a:p>
+            <a:endParaRPr lang="en-GB"/>
+          </a:p>
+        </p:txBody>
+      </p:sp>
+      <p:sp>
+        <p:nvSpPr>
+          <p:cNvPr id="3" name="Content Placeholder 2">
+            <a:extLst>
+              <a:ext uri="{FF2B5EF4-FFF2-40B4-BE49-F238E27FC236}">
+                <a16:creationId xmlns:a16="http://schemas.microsoft.com/office/drawing/2014/main" id="{F53F936F-859F-7DDE-4B0E-4510115802B5}"/>
+              </a:ext>
+            </a:extLst>
+          </p:cNvPr>
+          <p:cNvSpPr>
+            <a:spLocks noGrp="1"/>
+          </p:cNvSpPr>
+          <p:nvPr>
+            <p:ph idx="1"/>
+          </p:nvPr>
+        </p:nvSpPr>
+        <p:spPr/>
+        <p:txBody>
+          <a:bodyPr/>
+          <a:lstStyle/>
+          <a:p>
+            <a:endParaRPr lang="en-GB"/>
+          </a:p>
+        </p:txBody>
+      </p:sp>
     </p:spTree>
     <p:extLst>
       <p:ext uri="{BB962C8B-B14F-4D97-AF65-F5344CB8AC3E}">
-        <p14:creationId xmlns:p14="http://schemas.microsoft.com/office/powerpoint/2010/main" val="3243554057"/>
+        <p14:creationId xmlns:p14="http://schemas.microsoft.com/office/powerpoint/2010/main" val="3703701476"/>
       </p:ext>
     </p:extLst>
   </p:cSld>
@@ -8528,7 +8639,7 @@
           <p:cNvPr id="2" name="Title 1">
             <a:extLst>
               <a:ext uri="{FF2B5EF4-FFF2-40B4-BE49-F238E27FC236}">
-                <a16:creationId xmlns:a16="http://schemas.microsoft.com/office/drawing/2014/main" id="{71DE5ED6-49D5-43EE-E52E-844BFD80D4AE}"/>
+                <a16:creationId xmlns:a16="http://schemas.microsoft.com/office/drawing/2014/main" id="{DCD86764-00F4-6C9A-2130-D553A9C0F19A}"/>
               </a:ext>
             </a:extLst>
           </p:cNvPr>
@@ -8544,19 +8655,16 @@
           <a:bodyPr/>
           <a:lstStyle/>
           <a:p>
-            <a:r>
-              <a:rPr lang="en-GB" dirty="0"/>
-              <a:t>Create storage account</a:t>
-            </a:r>
+            <a:endParaRPr lang="en-GB"/>
           </a:p>
         </p:txBody>
       </p:sp>
       <p:pic>
         <p:nvPicPr>
-          <p:cNvPr id="11" name="Picture 10">
-            <a:extLst>
-              <a:ext uri="{FF2B5EF4-FFF2-40B4-BE49-F238E27FC236}">
-                <a16:creationId xmlns:a16="http://schemas.microsoft.com/office/drawing/2014/main" id="{3268972B-32A1-31B9-A481-6C95F1501AAC}"/>
+          <p:cNvPr id="4" name="Picture 3">
+            <a:extLst>
+              <a:ext uri="{FF2B5EF4-FFF2-40B4-BE49-F238E27FC236}">
+                <a16:creationId xmlns:a16="http://schemas.microsoft.com/office/drawing/2014/main" id="{20F3E66B-E246-EFCB-FFBE-25044944C469}"/>
               </a:ext>
             </a:extLst>
           </p:cNvPr>
@@ -8573,8 +8681,38 @@
         </p:blipFill>
         <p:spPr>
           <a:xfrm>
-            <a:off x="2676047" y="2109603"/>
-            <a:ext cx="6839905" cy="2638793"/>
+            <a:off x="838200" y="1242558"/>
+            <a:ext cx="4959605" cy="1517728"/>
+          </a:xfrm>
+          <a:prstGeom prst="rect">
+            <a:avLst/>
+          </a:prstGeom>
+        </p:spPr>
+      </p:pic>
+      <p:pic>
+        <p:nvPicPr>
+          <p:cNvPr id="7" name="Picture 6">
+            <a:extLst>
+              <a:ext uri="{FF2B5EF4-FFF2-40B4-BE49-F238E27FC236}">
+                <a16:creationId xmlns:a16="http://schemas.microsoft.com/office/drawing/2014/main" id="{A96C8C96-A6EA-2AE6-661D-FA50CC4E8CDA}"/>
+              </a:ext>
+            </a:extLst>
+          </p:cNvPr>
+          <p:cNvPicPr>
+            <a:picLocks noChangeAspect="1"/>
+          </p:cNvPicPr>
+          <p:nvPr/>
+        </p:nvPicPr>
+        <p:blipFill>
+          <a:blip r:embed="rId3"/>
+          <a:stretch>
+            <a:fillRect/>
+          </a:stretch>
+        </p:blipFill>
+        <p:spPr>
+          <a:xfrm>
+            <a:off x="6394197" y="1242558"/>
+            <a:ext cx="4511991" cy="5250317"/>
           </a:xfrm>
           <a:prstGeom prst="rect">
             <a:avLst/>
@@ -8584,7 +8722,7 @@
     </p:spTree>
     <p:extLst>
       <p:ext uri="{BB962C8B-B14F-4D97-AF65-F5344CB8AC3E}">
-        <p14:creationId xmlns:p14="http://schemas.microsoft.com/office/powerpoint/2010/main" val="164542091"/>
+        <p14:creationId xmlns:p14="http://schemas.microsoft.com/office/powerpoint/2010/main" val="17736079"/>
       </p:ext>
     </p:extLst>
   </p:cSld>
@@ -8699,6 +8837,334 @@
           <a:chExt cx="0" cy="0"/>
         </a:xfrm>
       </p:grpSpPr>
+      <p:pic>
+        <p:nvPicPr>
+          <p:cNvPr id="8" name="Picture 7">
+            <a:extLst>
+              <a:ext uri="{FF2B5EF4-FFF2-40B4-BE49-F238E27FC236}">
+                <a16:creationId xmlns:a16="http://schemas.microsoft.com/office/drawing/2014/main" id="{267E26B0-ADE5-2D5A-201D-E7974C1FE8C8}"/>
+              </a:ext>
+            </a:extLst>
+          </p:cNvPr>
+          <p:cNvPicPr>
+            <a:picLocks noChangeAspect="1"/>
+          </p:cNvPicPr>
+          <p:nvPr/>
+        </p:nvPicPr>
+        <p:blipFill>
+          <a:blip r:embed="rId2"/>
+          <a:stretch>
+            <a:fillRect/>
+          </a:stretch>
+        </p:blipFill>
+        <p:spPr>
+          <a:xfrm>
+            <a:off x="497406" y="502516"/>
+            <a:ext cx="6401129" cy="5550185"/>
+          </a:xfrm>
+          <a:prstGeom prst="rect">
+            <a:avLst/>
+          </a:prstGeom>
+        </p:spPr>
+      </p:pic>
+      <p:pic>
+        <p:nvPicPr>
+          <p:cNvPr id="9" name="Picture 8">
+            <a:extLst>
+              <a:ext uri="{FF2B5EF4-FFF2-40B4-BE49-F238E27FC236}">
+                <a16:creationId xmlns:a16="http://schemas.microsoft.com/office/drawing/2014/main" id="{159E5FD2-985E-7690-3E2A-435134F3B0FE}"/>
+              </a:ext>
+            </a:extLst>
+          </p:cNvPr>
+          <p:cNvPicPr>
+            <a:picLocks noChangeAspect="1"/>
+          </p:cNvPicPr>
+          <p:nvPr/>
+        </p:nvPicPr>
+        <p:blipFill>
+          <a:blip r:embed="rId3"/>
+          <a:stretch>
+            <a:fillRect/>
+          </a:stretch>
+        </p:blipFill>
+        <p:spPr>
+          <a:xfrm>
+            <a:off x="7205188" y="923852"/>
+            <a:ext cx="4915153" cy="2006703"/>
+          </a:xfrm>
+          <a:prstGeom prst="rect">
+            <a:avLst/>
+          </a:prstGeom>
+        </p:spPr>
+      </p:pic>
+    </p:spTree>
+    <p:extLst>
+      <p:ext uri="{BB962C8B-B14F-4D97-AF65-F5344CB8AC3E}">
+        <p14:creationId xmlns:p14="http://schemas.microsoft.com/office/powerpoint/2010/main" val="3790276932"/>
+      </p:ext>
+    </p:extLst>
+  </p:cSld>
+  <p:clrMapOvr>
+    <a:masterClrMapping/>
+  </p:clrMapOvr>
+</p:sld>
+</file>
+
+<file path=ppt/slides/slide41.xml><?xml version="1.0" encoding="utf-8"?>
+<p:sld xmlns:a="http://schemas.openxmlformats.org/drawingml/2006/main" xmlns:r="http://schemas.openxmlformats.org/officeDocument/2006/relationships" xmlns:p="http://schemas.openxmlformats.org/presentationml/2006/main">
+  <p:cSld>
+    <p:spTree>
+      <p:nvGrpSpPr>
+        <p:cNvPr id="1" name=""/>
+        <p:cNvGrpSpPr/>
+        <p:nvPr/>
+      </p:nvGrpSpPr>
+      <p:grpSpPr>
+        <a:xfrm>
+          <a:off x="0" y="0"/>
+          <a:ext cx="0" cy="0"/>
+          <a:chOff x="0" y="0"/>
+          <a:chExt cx="0" cy="0"/>
+        </a:xfrm>
+      </p:grpSpPr>
+      <p:pic>
+        <p:nvPicPr>
+          <p:cNvPr id="5" name="Picture 4">
+            <a:extLst>
+              <a:ext uri="{FF2B5EF4-FFF2-40B4-BE49-F238E27FC236}">
+                <a16:creationId xmlns:a16="http://schemas.microsoft.com/office/drawing/2014/main" id="{D89C5F76-DE95-EF62-4BC4-CD0A02BDAAB6}"/>
+              </a:ext>
+            </a:extLst>
+          </p:cNvPr>
+          <p:cNvPicPr>
+            <a:picLocks noChangeAspect="1"/>
+          </p:cNvPicPr>
+          <p:nvPr/>
+        </p:nvPicPr>
+        <p:blipFill>
+          <a:blip r:embed="rId2"/>
+          <a:stretch>
+            <a:fillRect/>
+          </a:stretch>
+        </p:blipFill>
+        <p:spPr>
+          <a:xfrm>
+            <a:off x="564587" y="761453"/>
+            <a:ext cx="4680191" cy="3264068"/>
+          </a:xfrm>
+          <a:prstGeom prst="rect">
+            <a:avLst/>
+          </a:prstGeom>
+        </p:spPr>
+      </p:pic>
+      <p:pic>
+        <p:nvPicPr>
+          <p:cNvPr id="7" name="Picture 6">
+            <a:extLst>
+              <a:ext uri="{FF2B5EF4-FFF2-40B4-BE49-F238E27FC236}">
+                <a16:creationId xmlns:a16="http://schemas.microsoft.com/office/drawing/2014/main" id="{FE67BB66-D68E-91FC-1442-E45607E8A920}"/>
+              </a:ext>
+            </a:extLst>
+          </p:cNvPr>
+          <p:cNvPicPr>
+            <a:picLocks noChangeAspect="1"/>
+          </p:cNvPicPr>
+          <p:nvPr/>
+        </p:nvPicPr>
+        <p:blipFill>
+          <a:blip r:embed="rId3"/>
+          <a:stretch>
+            <a:fillRect/>
+          </a:stretch>
+        </p:blipFill>
+        <p:spPr>
+          <a:xfrm>
+            <a:off x="6858335" y="889174"/>
+            <a:ext cx="2508379" cy="3892750"/>
+          </a:xfrm>
+          <a:prstGeom prst="rect">
+            <a:avLst/>
+          </a:prstGeom>
+        </p:spPr>
+      </p:pic>
+    </p:spTree>
+    <p:extLst>
+      <p:ext uri="{BB962C8B-B14F-4D97-AF65-F5344CB8AC3E}">
+        <p14:creationId xmlns:p14="http://schemas.microsoft.com/office/powerpoint/2010/main" val="1708038266"/>
+      </p:ext>
+    </p:extLst>
+  </p:cSld>
+  <p:clrMapOvr>
+    <a:masterClrMapping/>
+  </p:clrMapOvr>
+</p:sld>
+</file>
+
+<file path=ppt/slides/slide42.xml><?xml version="1.0" encoding="utf-8"?>
+<p:sld xmlns:a="http://schemas.openxmlformats.org/drawingml/2006/main" xmlns:r="http://schemas.openxmlformats.org/officeDocument/2006/relationships" xmlns:p="http://schemas.openxmlformats.org/presentationml/2006/main">
+  <p:cSld>
+    <p:spTree>
+      <p:nvGrpSpPr>
+        <p:cNvPr id="1" name=""/>
+        <p:cNvGrpSpPr/>
+        <p:nvPr/>
+      </p:nvGrpSpPr>
+      <p:grpSpPr>
+        <a:xfrm>
+          <a:off x="0" y="0"/>
+          <a:ext cx="0" cy="0"/>
+          <a:chOff x="0" y="0"/>
+          <a:chExt cx="0" cy="0"/>
+        </a:xfrm>
+      </p:grpSpPr>
+      <p:pic>
+        <p:nvPicPr>
+          <p:cNvPr id="5" name="Picture 4">
+            <a:extLst>
+              <a:ext uri="{FF2B5EF4-FFF2-40B4-BE49-F238E27FC236}">
+                <a16:creationId xmlns:a16="http://schemas.microsoft.com/office/drawing/2014/main" id="{BC909FB5-6F06-559F-6D56-11877CAEF8ED}"/>
+              </a:ext>
+            </a:extLst>
+          </p:cNvPr>
+          <p:cNvPicPr>
+            <a:picLocks noChangeAspect="1"/>
+          </p:cNvPicPr>
+          <p:nvPr/>
+        </p:nvPicPr>
+        <p:blipFill>
+          <a:blip r:embed="rId2"/>
+          <a:stretch>
+            <a:fillRect/>
+          </a:stretch>
+        </p:blipFill>
+        <p:spPr>
+          <a:xfrm>
+            <a:off x="645176" y="794450"/>
+            <a:ext cx="9036514" cy="3016405"/>
+          </a:xfrm>
+          <a:prstGeom prst="rect">
+            <a:avLst/>
+          </a:prstGeom>
+        </p:spPr>
+      </p:pic>
+    </p:spTree>
+    <p:extLst>
+      <p:ext uri="{BB962C8B-B14F-4D97-AF65-F5344CB8AC3E}">
+        <p14:creationId xmlns:p14="http://schemas.microsoft.com/office/powerpoint/2010/main" val="3243554057"/>
+      </p:ext>
+    </p:extLst>
+  </p:cSld>
+  <p:clrMapOvr>
+    <a:masterClrMapping/>
+  </p:clrMapOvr>
+</p:sld>
+</file>
+
+<file path=ppt/slides/slide43.xml><?xml version="1.0" encoding="utf-8"?>
+<p:sld xmlns:a="http://schemas.openxmlformats.org/drawingml/2006/main" xmlns:r="http://schemas.openxmlformats.org/officeDocument/2006/relationships" xmlns:p="http://schemas.openxmlformats.org/presentationml/2006/main">
+  <p:cSld>
+    <p:spTree>
+      <p:nvGrpSpPr>
+        <p:cNvPr id="1" name=""/>
+        <p:cNvGrpSpPr/>
+        <p:nvPr/>
+      </p:nvGrpSpPr>
+      <p:grpSpPr>
+        <a:xfrm>
+          <a:off x="0" y="0"/>
+          <a:ext cx="0" cy="0"/>
+          <a:chOff x="0" y="0"/>
+          <a:chExt cx="0" cy="0"/>
+        </a:xfrm>
+      </p:grpSpPr>
+      <p:sp>
+        <p:nvSpPr>
+          <p:cNvPr id="2" name="Title 1">
+            <a:extLst>
+              <a:ext uri="{FF2B5EF4-FFF2-40B4-BE49-F238E27FC236}">
+                <a16:creationId xmlns:a16="http://schemas.microsoft.com/office/drawing/2014/main" id="{71DE5ED6-49D5-43EE-E52E-844BFD80D4AE}"/>
+              </a:ext>
+            </a:extLst>
+          </p:cNvPr>
+          <p:cNvSpPr>
+            <a:spLocks noGrp="1"/>
+          </p:cNvSpPr>
+          <p:nvPr>
+            <p:ph type="title"/>
+          </p:nvPr>
+        </p:nvSpPr>
+        <p:spPr/>
+        <p:txBody>
+          <a:bodyPr/>
+          <a:lstStyle/>
+          <a:p>
+            <a:r>
+              <a:rPr lang="en-GB" dirty="0"/>
+              <a:t>Create storage account</a:t>
+            </a:r>
+          </a:p>
+        </p:txBody>
+      </p:sp>
+      <p:pic>
+        <p:nvPicPr>
+          <p:cNvPr id="11" name="Picture 10">
+            <a:extLst>
+              <a:ext uri="{FF2B5EF4-FFF2-40B4-BE49-F238E27FC236}">
+                <a16:creationId xmlns:a16="http://schemas.microsoft.com/office/drawing/2014/main" id="{3268972B-32A1-31B9-A481-6C95F1501AAC}"/>
+              </a:ext>
+            </a:extLst>
+          </p:cNvPr>
+          <p:cNvPicPr>
+            <a:picLocks noChangeAspect="1"/>
+          </p:cNvPicPr>
+          <p:nvPr/>
+        </p:nvPicPr>
+        <p:blipFill>
+          <a:blip r:embed="rId2"/>
+          <a:stretch>
+            <a:fillRect/>
+          </a:stretch>
+        </p:blipFill>
+        <p:spPr>
+          <a:xfrm>
+            <a:off x="2676047" y="2109603"/>
+            <a:ext cx="6839905" cy="2638793"/>
+          </a:xfrm>
+          <a:prstGeom prst="rect">
+            <a:avLst/>
+          </a:prstGeom>
+        </p:spPr>
+      </p:pic>
+    </p:spTree>
+    <p:extLst>
+      <p:ext uri="{BB962C8B-B14F-4D97-AF65-F5344CB8AC3E}">
+        <p14:creationId xmlns:p14="http://schemas.microsoft.com/office/powerpoint/2010/main" val="164542091"/>
+      </p:ext>
+    </p:extLst>
+  </p:cSld>
+  <p:clrMapOvr>
+    <a:masterClrMapping/>
+  </p:clrMapOvr>
+</p:sld>
+</file>
+
+<file path=ppt/slides/slide44.xml><?xml version="1.0" encoding="utf-8"?>
+<p:sld xmlns:a="http://schemas.openxmlformats.org/drawingml/2006/main" xmlns:r="http://schemas.openxmlformats.org/officeDocument/2006/relationships" xmlns:p="http://schemas.openxmlformats.org/presentationml/2006/main">
+  <p:cSld>
+    <p:spTree>
+      <p:nvGrpSpPr>
+        <p:cNvPr id="1" name=""/>
+        <p:cNvGrpSpPr/>
+        <p:nvPr/>
+      </p:nvGrpSpPr>
+      <p:grpSpPr>
+        <a:xfrm>
+          <a:off x="0" y="0"/>
+          <a:ext cx="0" cy="0"/>
+          <a:chOff x="0" y="0"/>
+          <a:chExt cx="0" cy="0"/>
+        </a:xfrm>
+      </p:grpSpPr>
       <p:sp>
         <p:nvSpPr>
           <p:cNvPr id="2" name="Title 1">
@@ -8775,7 +9241,7 @@
 </p:sld>
 </file>
 
-<file path=ppt/slides/slide41.xml><?xml version="1.0" encoding="utf-8"?>
+<file path=ppt/slides/slide45.xml><?xml version="1.0" encoding="utf-8"?>
 <p:sld xmlns:a="http://schemas.openxmlformats.org/drawingml/2006/main" xmlns:r="http://schemas.openxmlformats.org/officeDocument/2006/relationships" xmlns:p="http://schemas.openxmlformats.org/presentationml/2006/main">
   <p:cSld>
     <p:spTree>
@@ -8862,7 +9328,7 @@
 </p:sld>
 </file>
 
-<file path=ppt/slides/slide42.xml><?xml version="1.0" encoding="utf-8"?>
+<file path=ppt/slides/slide46.xml><?xml version="1.0" encoding="utf-8"?>
 <p:sld xmlns:a="http://schemas.openxmlformats.org/drawingml/2006/main" xmlns:r="http://schemas.openxmlformats.org/officeDocument/2006/relationships" xmlns:p="http://schemas.openxmlformats.org/presentationml/2006/main">
   <p:cSld>
     <p:spTree>
@@ -8977,7 +9443,7 @@
 </p:sld>
 </file>
 
-<file path=ppt/slides/slide43.xml><?xml version="1.0" encoding="utf-8"?>
+<file path=ppt/slides/slide47.xml><?xml version="1.0" encoding="utf-8"?>
 <p:sld xmlns:a="http://schemas.openxmlformats.org/drawingml/2006/main" xmlns:r="http://schemas.openxmlformats.org/officeDocument/2006/relationships" xmlns:p="http://schemas.openxmlformats.org/presentationml/2006/main">
   <p:cSld>
     <p:spTree>
@@ -9095,7 +9561,7 @@
 </p:sld>
 </file>
 
-<file path=ppt/slides/slide44.xml><?xml version="1.0" encoding="utf-8"?>
+<file path=ppt/slides/slide48.xml><?xml version="1.0" encoding="utf-8"?>
 <p:sld xmlns:a="http://schemas.openxmlformats.org/drawingml/2006/main" xmlns:r="http://schemas.openxmlformats.org/officeDocument/2006/relationships" xmlns:p="http://schemas.openxmlformats.org/presentationml/2006/main">
   <p:cSld>
     <p:spTree>
@@ -9183,7 +9649,7 @@
 </p:sld>
 </file>
 
-<file path=ppt/slides/slide45.xml><?xml version="1.0" encoding="utf-8"?>
+<file path=ppt/slides/slide49.xml><?xml version="1.0" encoding="utf-8"?>
 <p:sld xmlns:a="http://schemas.openxmlformats.org/drawingml/2006/main" xmlns:r="http://schemas.openxmlformats.org/officeDocument/2006/relationships" xmlns:p="http://schemas.openxmlformats.org/presentationml/2006/main">
   <p:cSld>
     <p:spTree>
@@ -9271,7 +9737,90 @@
 </p:sld>
 </file>
 
-<file path=ppt/slides/slide46.xml><?xml version="1.0" encoding="utf-8"?>
+<file path=ppt/slides/slide5.xml><?xml version="1.0" encoding="utf-8"?>
+<p:sld xmlns:a="http://schemas.openxmlformats.org/drawingml/2006/main" xmlns:r="http://schemas.openxmlformats.org/officeDocument/2006/relationships" xmlns:p="http://schemas.openxmlformats.org/presentationml/2006/main">
+  <p:cSld>
+    <p:spTree>
+      <p:nvGrpSpPr>
+        <p:cNvPr id="1" name=""/>
+        <p:cNvGrpSpPr/>
+        <p:nvPr/>
+      </p:nvGrpSpPr>
+      <p:grpSpPr>
+        <a:xfrm>
+          <a:off x="0" y="0"/>
+          <a:ext cx="0" cy="0"/>
+          <a:chOff x="0" y="0"/>
+          <a:chExt cx="0" cy="0"/>
+        </a:xfrm>
+      </p:grpSpPr>
+      <p:sp>
+        <p:nvSpPr>
+          <p:cNvPr id="2" name="Title 1">
+            <a:extLst>
+              <a:ext uri="{FF2B5EF4-FFF2-40B4-BE49-F238E27FC236}">
+                <a16:creationId xmlns:a16="http://schemas.microsoft.com/office/drawing/2014/main" id="{9831B8CC-CE63-2632-A79B-DF312B723DB2}"/>
+              </a:ext>
+            </a:extLst>
+          </p:cNvPr>
+          <p:cNvSpPr>
+            <a:spLocks noGrp="1"/>
+          </p:cNvSpPr>
+          <p:nvPr>
+            <p:ph type="title"/>
+          </p:nvPr>
+        </p:nvSpPr>
+        <p:spPr/>
+        <p:txBody>
+          <a:bodyPr/>
+          <a:lstStyle/>
+          <a:p>
+            <a:r>
+              <a:rPr lang="en-GB" dirty="0"/>
+              <a:t>VS Code</a:t>
+            </a:r>
+          </a:p>
+        </p:txBody>
+      </p:sp>
+      <p:sp>
+        <p:nvSpPr>
+          <p:cNvPr id="3" name="Content Placeholder 2">
+            <a:extLst>
+              <a:ext uri="{FF2B5EF4-FFF2-40B4-BE49-F238E27FC236}">
+                <a16:creationId xmlns:a16="http://schemas.microsoft.com/office/drawing/2014/main" id="{B5E4477C-CAAB-ABF9-981B-11DA484523CD}"/>
+              </a:ext>
+            </a:extLst>
+          </p:cNvPr>
+          <p:cNvSpPr>
+            <a:spLocks noGrp="1"/>
+          </p:cNvSpPr>
+          <p:nvPr>
+            <p:ph idx="1"/>
+          </p:nvPr>
+        </p:nvSpPr>
+        <p:spPr/>
+        <p:txBody>
+          <a:bodyPr/>
+          <a:lstStyle/>
+          <a:p>
+            <a:endParaRPr lang="en-GB"/>
+          </a:p>
+        </p:txBody>
+      </p:sp>
+    </p:spTree>
+    <p:extLst>
+      <p:ext uri="{BB962C8B-B14F-4D97-AF65-F5344CB8AC3E}">
+        <p14:creationId xmlns:p14="http://schemas.microsoft.com/office/powerpoint/2010/main" val="3080502177"/>
+      </p:ext>
+    </p:extLst>
+  </p:cSld>
+  <p:clrMapOvr>
+    <a:masterClrMapping/>
+  </p:clrMapOvr>
+</p:sld>
+</file>
+
+<file path=ppt/slides/slide50.xml><?xml version="1.0" encoding="utf-8"?>
 <p:sld xmlns:a="http://schemas.openxmlformats.org/drawingml/2006/main" xmlns:r="http://schemas.openxmlformats.org/officeDocument/2006/relationships" xmlns:p="http://schemas.openxmlformats.org/presentationml/2006/main">
   <p:cSld>
     <p:spTree>
@@ -9361,7 +9910,7 @@
 </p:sld>
 </file>
 
-<file path=ppt/slides/slide47.xml><?xml version="1.0" encoding="utf-8"?>
+<file path=ppt/slides/slide51.xml><?xml version="1.0" encoding="utf-8"?>
 <p:sld xmlns:a="http://schemas.openxmlformats.org/drawingml/2006/main" xmlns:r="http://schemas.openxmlformats.org/officeDocument/2006/relationships" xmlns:p="http://schemas.openxmlformats.org/presentationml/2006/main">
   <p:cSld>
     <p:spTree>
@@ -9391,7 +9940,7 @@
 </p:sld>
 </file>
 
-<file path=ppt/slides/slide48.xml><?xml version="1.0" encoding="utf-8"?>
+<file path=ppt/slides/slide52.xml><?xml version="1.0" encoding="utf-8"?>
 <p:sld xmlns:a="http://schemas.openxmlformats.org/drawingml/2006/main" xmlns:r="http://schemas.openxmlformats.org/officeDocument/2006/relationships" xmlns:p="http://schemas.openxmlformats.org/presentationml/2006/main">
   <p:cSld>
     <p:spTree>
@@ -9476,7 +10025,7 @@
 </p:sld>
 </file>
 
-<file path=ppt/slides/slide49.xml><?xml version="1.0" encoding="utf-8"?>
+<file path=ppt/slides/slide53.xml><?xml version="1.0" encoding="utf-8"?>
 <p:sld xmlns:a="http://schemas.openxmlformats.org/drawingml/2006/main" xmlns:r="http://schemas.openxmlformats.org/officeDocument/2006/relationships" xmlns:p="http://schemas.openxmlformats.org/presentationml/2006/main">
   <p:cSld>
     <p:spTree>
@@ -9561,7 +10110,7 @@
 </p:sld>
 </file>
 
-<file path=ppt/slides/slide5.xml><?xml version="1.0" encoding="utf-8"?>
+<file path=ppt/slides/slide54.xml><?xml version="1.0" encoding="utf-8"?>
 <p:sld xmlns:a="http://schemas.openxmlformats.org/drawingml/2006/main" xmlns:r="http://schemas.openxmlformats.org/officeDocument/2006/relationships" xmlns:p="http://schemas.openxmlformats.org/presentationml/2006/main">
   <p:cSld>
     <p:spTree>
@@ -9583,89 +10132,6 @@
           <p:cNvPr id="2" name="Title 1">
             <a:extLst>
               <a:ext uri="{FF2B5EF4-FFF2-40B4-BE49-F238E27FC236}">
-                <a16:creationId xmlns:a16="http://schemas.microsoft.com/office/drawing/2014/main" id="{9831B8CC-CE63-2632-A79B-DF312B723DB2}"/>
-              </a:ext>
-            </a:extLst>
-          </p:cNvPr>
-          <p:cNvSpPr>
-            <a:spLocks noGrp="1"/>
-          </p:cNvSpPr>
-          <p:nvPr>
-            <p:ph type="title"/>
-          </p:nvPr>
-        </p:nvSpPr>
-        <p:spPr/>
-        <p:txBody>
-          <a:bodyPr/>
-          <a:lstStyle/>
-          <a:p>
-            <a:r>
-              <a:rPr lang="en-GB" dirty="0"/>
-              <a:t>VS Code</a:t>
-            </a:r>
-          </a:p>
-        </p:txBody>
-      </p:sp>
-      <p:sp>
-        <p:nvSpPr>
-          <p:cNvPr id="3" name="Content Placeholder 2">
-            <a:extLst>
-              <a:ext uri="{FF2B5EF4-FFF2-40B4-BE49-F238E27FC236}">
-                <a16:creationId xmlns:a16="http://schemas.microsoft.com/office/drawing/2014/main" id="{B5E4477C-CAAB-ABF9-981B-11DA484523CD}"/>
-              </a:ext>
-            </a:extLst>
-          </p:cNvPr>
-          <p:cNvSpPr>
-            <a:spLocks noGrp="1"/>
-          </p:cNvSpPr>
-          <p:nvPr>
-            <p:ph idx="1"/>
-          </p:nvPr>
-        </p:nvSpPr>
-        <p:spPr/>
-        <p:txBody>
-          <a:bodyPr/>
-          <a:lstStyle/>
-          <a:p>
-            <a:endParaRPr lang="en-GB"/>
-          </a:p>
-        </p:txBody>
-      </p:sp>
-    </p:spTree>
-    <p:extLst>
-      <p:ext uri="{BB962C8B-B14F-4D97-AF65-F5344CB8AC3E}">
-        <p14:creationId xmlns:p14="http://schemas.microsoft.com/office/powerpoint/2010/main" val="3080502177"/>
-      </p:ext>
-    </p:extLst>
-  </p:cSld>
-  <p:clrMapOvr>
-    <a:masterClrMapping/>
-  </p:clrMapOvr>
-</p:sld>
-</file>
-
-<file path=ppt/slides/slide50.xml><?xml version="1.0" encoding="utf-8"?>
-<p:sld xmlns:a="http://schemas.openxmlformats.org/drawingml/2006/main" xmlns:r="http://schemas.openxmlformats.org/officeDocument/2006/relationships" xmlns:p="http://schemas.openxmlformats.org/presentationml/2006/main">
-  <p:cSld>
-    <p:spTree>
-      <p:nvGrpSpPr>
-        <p:cNvPr id="1" name=""/>
-        <p:cNvGrpSpPr/>
-        <p:nvPr/>
-      </p:nvGrpSpPr>
-      <p:grpSpPr>
-        <a:xfrm>
-          <a:off x="0" y="0"/>
-          <a:ext cx="0" cy="0"/>
-          <a:chOff x="0" y="0"/>
-          <a:chExt cx="0" cy="0"/>
-        </a:xfrm>
-      </p:grpSpPr>
-      <p:sp>
-        <p:nvSpPr>
-          <p:cNvPr id="2" name="Title 1">
-            <a:extLst>
-              <a:ext uri="{FF2B5EF4-FFF2-40B4-BE49-F238E27FC236}">
                 <a16:creationId xmlns:a16="http://schemas.microsoft.com/office/drawing/2014/main" id="{A5469F7B-5F47-517F-D218-DF1E89BBB790}"/>
               </a:ext>
             </a:extLst>
@@ -9819,7 +10285,7 @@
 </p:sld>
 </file>
 
-<file path=ppt/slides/slide51.xml><?xml version="1.0" encoding="utf-8"?>
+<file path=ppt/slides/slide55.xml><?xml version="1.0" encoding="utf-8"?>
 <p:sld xmlns:a="http://schemas.openxmlformats.org/drawingml/2006/main" xmlns:r="http://schemas.openxmlformats.org/officeDocument/2006/relationships" xmlns:p="http://schemas.openxmlformats.org/presentationml/2006/main">
   <p:cSld>
     <p:spTree>
@@ -10065,7 +10531,7 @@
           <p:cNvPr id="2" name="Title 1">
             <a:extLst>
               <a:ext uri="{FF2B5EF4-FFF2-40B4-BE49-F238E27FC236}">
-                <a16:creationId xmlns:a16="http://schemas.microsoft.com/office/drawing/2014/main" id="{71DE5ED6-49D5-43EE-E52E-844BFD80D4AE}"/>
+                <a16:creationId xmlns:a16="http://schemas.microsoft.com/office/drawing/2014/main" id="{838AC0F5-5B6B-B939-FA3C-B663E317E445}"/>
               </a:ext>
             </a:extLst>
           </p:cNvPr>
@@ -10081,67 +10547,12 @@
           <a:bodyPr/>
           <a:lstStyle/>
           <a:p>
-            <a:r>
+            <a:br>
               <a:rPr lang="en-GB" dirty="0"/>
-              <a:t>Create storage account</a:t>
-            </a:r>
-          </a:p>
-        </p:txBody>
-      </p:sp>
-      <p:sp>
-        <p:nvSpPr>
-          <p:cNvPr id="3" name="Content Placeholder 2">
-            <a:extLst>
-              <a:ext uri="{FF2B5EF4-FFF2-40B4-BE49-F238E27FC236}">
-                <a16:creationId xmlns:a16="http://schemas.microsoft.com/office/drawing/2014/main" id="{0813FB62-FE46-CC92-2C0B-3D25E2B93615}"/>
-              </a:ext>
-            </a:extLst>
-          </p:cNvPr>
-          <p:cNvSpPr>
-            <a:spLocks noGrp="1"/>
-          </p:cNvSpPr>
-          <p:nvPr>
-            <p:ph idx="1"/>
-          </p:nvPr>
-        </p:nvSpPr>
-        <p:spPr/>
-        <p:txBody>
-          <a:bodyPr/>
-          <a:lstStyle/>
-          <a:p>
+            </a:br>
             <a:r>
               <a:rPr lang="en-GB" dirty="0"/>
-              <a:t>Create in same region as RG</a:t>
-            </a:r>
-          </a:p>
-          <a:p>
-            <a:r>
-              <a:rPr lang="en-GB" dirty="0"/>
-              <a:t>Primary service is ADLS Gen 2</a:t>
-            </a:r>
-          </a:p>
-          <a:p>
-            <a:r>
-              <a:rPr lang="en-GB" dirty="0"/>
-              <a:t>Primary workload Big Data Analytics</a:t>
-            </a:r>
-          </a:p>
-          <a:p>
-            <a:r>
-              <a:rPr lang="en-GB" dirty="0"/>
-              <a:t>Performance: Standard</a:t>
-            </a:r>
-          </a:p>
-          <a:p>
-            <a:r>
-              <a:rPr lang="en-GB" dirty="0"/>
-              <a:t>Redundancy: LRS</a:t>
-            </a:r>
-          </a:p>
-          <a:p>
-            <a:r>
-              <a:rPr lang="en-GB" dirty="0"/>
-              <a:t>Add container &gt; RAW directory</a:t>
+              <a:t>Azure CLI Demo</a:t>
             </a:r>
           </a:p>
         </p:txBody>
@@ -10149,7 +10560,7 @@
     </p:spTree>
     <p:extLst>
       <p:ext uri="{BB962C8B-B14F-4D97-AF65-F5344CB8AC3E}">
-        <p14:creationId xmlns:p14="http://schemas.microsoft.com/office/powerpoint/2010/main" val="3539444653"/>
+        <p14:creationId xmlns:p14="http://schemas.microsoft.com/office/powerpoint/2010/main" val="439281930"/>
       </p:ext>
     </p:extLst>
   </p:cSld>
@@ -10176,82 +10587,26 @@
           <a:chExt cx="0" cy="0"/>
         </a:xfrm>
       </p:grpSpPr>
-      <p:pic>
-        <p:nvPicPr>
-          <p:cNvPr id="7" name="Picture 6">
-            <a:extLst>
-              <a:ext uri="{FF2B5EF4-FFF2-40B4-BE49-F238E27FC236}">
-                <a16:creationId xmlns:a16="http://schemas.microsoft.com/office/drawing/2014/main" id="{F76B43E2-150F-DC80-8BA0-E8EF77942310}"/>
-              </a:ext>
-            </a:extLst>
-          </p:cNvPr>
-          <p:cNvPicPr>
-            <a:picLocks noChangeAspect="1"/>
-          </p:cNvPicPr>
-          <p:nvPr/>
-        </p:nvPicPr>
-        <p:blipFill>
-          <a:blip r:embed="rId2"/>
-          <a:stretch>
-            <a:fillRect/>
-          </a:stretch>
-        </p:blipFill>
-        <p:spPr>
-          <a:xfrm>
-            <a:off x="804124" y="2390630"/>
-            <a:ext cx="10583752" cy="2076740"/>
-          </a:xfrm>
-          <a:prstGeom prst="rect">
-            <a:avLst/>
-          </a:prstGeom>
-        </p:spPr>
-      </p:pic>
-      <p:sp>
-        <p:nvSpPr>
-          <p:cNvPr id="10" name="Title 1">
-            <a:extLst>
-              <a:ext uri="{FF2B5EF4-FFF2-40B4-BE49-F238E27FC236}">
-                <a16:creationId xmlns:a16="http://schemas.microsoft.com/office/drawing/2014/main" id="{F76196A7-FDB1-76F9-0DAF-649BCDEE61A3}"/>
-              </a:ext>
-            </a:extLst>
-          </p:cNvPr>
-          <p:cNvSpPr txBox="1">
-            <a:spLocks/>
-          </p:cNvSpPr>
-          <p:nvPr/>
-        </p:nvSpPr>
-        <p:spPr>
-          <a:xfrm>
-            <a:off x="804124" y="822325"/>
-            <a:ext cx="10515600" cy="1325563"/>
-          </a:xfrm>
-          <a:prstGeom prst="rect">
-            <a:avLst/>
-          </a:prstGeom>
-        </p:spPr>
-        <p:txBody>
-          <a:bodyPr vert="horz" lIns="91440" tIns="45720" rIns="91440" bIns="45720" rtlCol="0" anchor="ctr">
-            <a:normAutofit/>
-          </a:bodyPr>
-          <a:lstStyle>
-            <a:lvl1pPr algn="l" defTabSz="914400" rtl="0" eaLnBrk="1" latinLnBrk="0" hangingPunct="1">
-              <a:lnSpc>
-                <a:spcPct val="90000"/>
-              </a:lnSpc>
-              <a:spcBef>
-                <a:spcPct val="0"/>
-              </a:spcBef>
-              <a:buNone/>
-              <a:defRPr sz="4400" kern="1200">
-                <a:solidFill>
-                  <a:schemeClr val="tx1"/>
-                </a:solidFill>
-                <a:latin typeface="+mj-lt"/>
-                <a:ea typeface="+mj-ea"/>
-                <a:cs typeface="+mj-cs"/>
-              </a:defRPr>
-            </a:lvl1pPr>
-          </a:lstStyle>
+      <p:sp>
+        <p:nvSpPr>
+          <p:cNvPr id="2" name="Title 1">
+            <a:extLst>
+              <a:ext uri="{FF2B5EF4-FFF2-40B4-BE49-F238E27FC236}">
+                <a16:creationId xmlns:a16="http://schemas.microsoft.com/office/drawing/2014/main" id="{71DE5ED6-49D5-43EE-E52E-844BFD80D4AE}"/>
+              </a:ext>
+            </a:extLst>
+          </p:cNvPr>
+          <p:cNvSpPr>
+            <a:spLocks noGrp="1"/>
+          </p:cNvSpPr>
+          <p:nvPr>
+            <p:ph type="title"/>
+          </p:nvPr>
+        </p:nvSpPr>
+        <p:spPr/>
+        <p:txBody>
+          <a:bodyPr/>
+          <a:lstStyle/>
           <a:p>
             <a:r>
               <a:rPr lang="en-GB" dirty="0"/>
@@ -10260,40 +10615,68 @@
           </a:p>
         </p:txBody>
       </p:sp>
-      <p:pic>
-        <p:nvPicPr>
-          <p:cNvPr id="12" name="Picture 11">
-            <a:extLst>
-              <a:ext uri="{FF2B5EF4-FFF2-40B4-BE49-F238E27FC236}">
-                <a16:creationId xmlns:a16="http://schemas.microsoft.com/office/drawing/2014/main" id="{89545FC7-CFBB-FEB8-B2C2-A775C4B20B91}"/>
-              </a:ext>
-            </a:extLst>
-          </p:cNvPr>
-          <p:cNvPicPr>
-            <a:picLocks noChangeAspect="1"/>
-          </p:cNvPicPr>
-          <p:nvPr/>
-        </p:nvPicPr>
-        <p:blipFill>
-          <a:blip r:embed="rId3"/>
-          <a:stretch>
-            <a:fillRect/>
-          </a:stretch>
-        </p:blipFill>
-        <p:spPr>
-          <a:xfrm>
-            <a:off x="804124" y="4171874"/>
-            <a:ext cx="8202170" cy="1076475"/>
-          </a:xfrm>
-          <a:prstGeom prst="rect">
-            <a:avLst/>
-          </a:prstGeom>
-        </p:spPr>
-      </p:pic>
+      <p:sp>
+        <p:nvSpPr>
+          <p:cNvPr id="3" name="Content Placeholder 2">
+            <a:extLst>
+              <a:ext uri="{FF2B5EF4-FFF2-40B4-BE49-F238E27FC236}">
+                <a16:creationId xmlns:a16="http://schemas.microsoft.com/office/drawing/2014/main" id="{0813FB62-FE46-CC92-2C0B-3D25E2B93615}"/>
+              </a:ext>
+            </a:extLst>
+          </p:cNvPr>
+          <p:cNvSpPr>
+            <a:spLocks noGrp="1"/>
+          </p:cNvSpPr>
+          <p:nvPr>
+            <p:ph idx="1"/>
+          </p:nvPr>
+        </p:nvSpPr>
+        <p:spPr/>
+        <p:txBody>
+          <a:bodyPr/>
+          <a:lstStyle/>
+          <a:p>
+            <a:r>
+              <a:rPr lang="en-GB" dirty="0"/>
+              <a:t>Create in same region as RG</a:t>
+            </a:r>
+          </a:p>
+          <a:p>
+            <a:r>
+              <a:rPr lang="en-GB" dirty="0"/>
+              <a:t>Primary service is ADLS Gen 2</a:t>
+            </a:r>
+          </a:p>
+          <a:p>
+            <a:r>
+              <a:rPr lang="en-GB" dirty="0"/>
+              <a:t>Primary workload Big Data Analytics</a:t>
+            </a:r>
+          </a:p>
+          <a:p>
+            <a:r>
+              <a:rPr lang="en-GB" dirty="0"/>
+              <a:t>Performance: Standard</a:t>
+            </a:r>
+          </a:p>
+          <a:p>
+            <a:r>
+              <a:rPr lang="en-GB" dirty="0"/>
+              <a:t>Redundancy: LRS</a:t>
+            </a:r>
+          </a:p>
+          <a:p>
+            <a:r>
+              <a:rPr lang="en-GB" dirty="0"/>
+              <a:t>Add container &gt; RAW directory</a:t>
+            </a:r>
+          </a:p>
+        </p:txBody>
+      </p:sp>
     </p:spTree>
     <p:extLst>
       <p:ext uri="{BB962C8B-B14F-4D97-AF65-F5344CB8AC3E}">
-        <p14:creationId xmlns:p14="http://schemas.microsoft.com/office/powerpoint/2010/main" val="1439316186"/>
+        <p14:creationId xmlns:p14="http://schemas.microsoft.com/office/powerpoint/2010/main" val="3539444653"/>
       </p:ext>
     </p:extLst>
   </p:cSld>
@@ -10320,90 +10703,124 @@
           <a:chExt cx="0" cy="0"/>
         </a:xfrm>
       </p:grpSpPr>
-      <p:sp>
-        <p:nvSpPr>
-          <p:cNvPr id="2" name="Title 1">
-            <a:extLst>
-              <a:ext uri="{FF2B5EF4-FFF2-40B4-BE49-F238E27FC236}">
-                <a16:creationId xmlns:a16="http://schemas.microsoft.com/office/drawing/2014/main" id="{17E4CBBF-6487-8E96-192F-A817DFB10918}"/>
-              </a:ext>
-            </a:extLst>
-          </p:cNvPr>
-          <p:cNvSpPr>
-            <a:spLocks noGrp="1"/>
-          </p:cNvSpPr>
-          <p:nvPr>
-            <p:ph type="title"/>
-          </p:nvPr>
-        </p:nvSpPr>
-        <p:spPr/>
-        <p:txBody>
-          <a:bodyPr/>
-          <a:lstStyle/>
+      <p:pic>
+        <p:nvPicPr>
+          <p:cNvPr id="7" name="Picture 6">
+            <a:extLst>
+              <a:ext uri="{FF2B5EF4-FFF2-40B4-BE49-F238E27FC236}">
+                <a16:creationId xmlns:a16="http://schemas.microsoft.com/office/drawing/2014/main" id="{F76B43E2-150F-DC80-8BA0-E8EF77942310}"/>
+              </a:ext>
+            </a:extLst>
+          </p:cNvPr>
+          <p:cNvPicPr>
+            <a:picLocks noChangeAspect="1"/>
+          </p:cNvPicPr>
+          <p:nvPr/>
+        </p:nvPicPr>
+        <p:blipFill>
+          <a:blip r:embed="rId2"/>
+          <a:stretch>
+            <a:fillRect/>
+          </a:stretch>
+        </p:blipFill>
+        <p:spPr>
+          <a:xfrm>
+            <a:off x="804124" y="2390630"/>
+            <a:ext cx="10583752" cy="2076740"/>
+          </a:xfrm>
+          <a:prstGeom prst="rect">
+            <a:avLst/>
+          </a:prstGeom>
+        </p:spPr>
+      </p:pic>
+      <p:sp>
+        <p:nvSpPr>
+          <p:cNvPr id="10" name="Title 1">
+            <a:extLst>
+              <a:ext uri="{FF2B5EF4-FFF2-40B4-BE49-F238E27FC236}">
+                <a16:creationId xmlns:a16="http://schemas.microsoft.com/office/drawing/2014/main" id="{F76196A7-FDB1-76F9-0DAF-649BCDEE61A3}"/>
+              </a:ext>
+            </a:extLst>
+          </p:cNvPr>
+          <p:cNvSpPr txBox="1">
+            <a:spLocks/>
+          </p:cNvSpPr>
+          <p:nvPr/>
+        </p:nvSpPr>
+        <p:spPr>
+          <a:xfrm>
+            <a:off x="804124" y="822325"/>
+            <a:ext cx="10515600" cy="1325563"/>
+          </a:xfrm>
+          <a:prstGeom prst="rect">
+            <a:avLst/>
+          </a:prstGeom>
+        </p:spPr>
+        <p:txBody>
+          <a:bodyPr vert="horz" lIns="91440" tIns="45720" rIns="91440" bIns="45720" rtlCol="0" anchor="ctr">
+            <a:normAutofit/>
+          </a:bodyPr>
+          <a:lstStyle>
+            <a:lvl1pPr algn="l" defTabSz="914400" rtl="0" eaLnBrk="1" latinLnBrk="0" hangingPunct="1">
+              <a:lnSpc>
+                <a:spcPct val="90000"/>
+              </a:lnSpc>
+              <a:spcBef>
+                <a:spcPct val="0"/>
+              </a:spcBef>
+              <a:buNone/>
+              <a:defRPr sz="4400" kern="1200">
+                <a:solidFill>
+                  <a:schemeClr val="tx1"/>
+                </a:solidFill>
+                <a:latin typeface="+mj-lt"/>
+                <a:ea typeface="+mj-ea"/>
+                <a:cs typeface="+mj-cs"/>
+              </a:defRPr>
+            </a:lvl1pPr>
+          </a:lstStyle>
           <a:p>
             <a:r>
               <a:rPr lang="en-GB" dirty="0"/>
-              <a:t>Data &amp; Databases</a:t>
-            </a:r>
-          </a:p>
-        </p:txBody>
-      </p:sp>
-      <p:sp>
-        <p:nvSpPr>
-          <p:cNvPr id="3" name="Content Placeholder 2">
-            <a:extLst>
-              <a:ext uri="{FF2B5EF4-FFF2-40B4-BE49-F238E27FC236}">
-                <a16:creationId xmlns:a16="http://schemas.microsoft.com/office/drawing/2014/main" id="{4EA3B715-9AC1-E540-E1D0-85781B1B6F2D}"/>
-              </a:ext>
-            </a:extLst>
-          </p:cNvPr>
-          <p:cNvSpPr>
-            <a:spLocks noGrp="1"/>
-          </p:cNvSpPr>
-          <p:nvPr>
-            <p:ph idx="1"/>
-          </p:nvPr>
-        </p:nvSpPr>
-        <p:spPr/>
-        <p:txBody>
-          <a:bodyPr/>
-          <a:lstStyle/>
-          <a:p>
-            <a:r>
-              <a:rPr lang="en-GB" dirty="0"/>
-              <a:t>Concepts to Learn: Data types, databases (SQL and NoSQL), data structures.</a:t>
-            </a:r>
-          </a:p>
-          <a:p>
-            <a:endParaRPr lang="en-GB" dirty="0"/>
-          </a:p>
-          <a:p>
-            <a:r>
-              <a:rPr lang="en-GB" dirty="0"/>
-              <a:t>Tools/Resources:</a:t>
-            </a:r>
-          </a:p>
-          <a:p>
-            <a:r>
-              <a:rPr lang="en-GB" dirty="0"/>
-              <a:t>Azure SQL Database - free tier available</a:t>
-            </a:r>
-          </a:p>
-          <a:p>
-            <a:r>
-              <a:rPr lang="en-GB" dirty="0"/>
-              <a:t>Cosmos DB: Explore NoSQL databases with a limited free tier on Azure.</a:t>
-            </a:r>
-          </a:p>
-          <a:p>
-            <a:endParaRPr lang="en-GB" dirty="0"/>
-          </a:p>
-        </p:txBody>
-      </p:sp>
+              <a:t>Create storage account</a:t>
+            </a:r>
+          </a:p>
+        </p:txBody>
+      </p:sp>
+      <p:pic>
+        <p:nvPicPr>
+          <p:cNvPr id="12" name="Picture 11">
+            <a:extLst>
+              <a:ext uri="{FF2B5EF4-FFF2-40B4-BE49-F238E27FC236}">
+                <a16:creationId xmlns:a16="http://schemas.microsoft.com/office/drawing/2014/main" id="{89545FC7-CFBB-FEB8-B2C2-A775C4B20B91}"/>
+              </a:ext>
+            </a:extLst>
+          </p:cNvPr>
+          <p:cNvPicPr>
+            <a:picLocks noChangeAspect="1"/>
+          </p:cNvPicPr>
+          <p:nvPr/>
+        </p:nvPicPr>
+        <p:blipFill>
+          <a:blip r:embed="rId3"/>
+          <a:stretch>
+            <a:fillRect/>
+          </a:stretch>
+        </p:blipFill>
+        <p:spPr>
+          <a:xfrm>
+            <a:off x="804124" y="4171874"/>
+            <a:ext cx="8202170" cy="1076475"/>
+          </a:xfrm>
+          <a:prstGeom prst="rect">
+            <a:avLst/>
+          </a:prstGeom>
+        </p:spPr>
+      </p:pic>
     </p:spTree>
     <p:extLst>
       <p:ext uri="{BB962C8B-B14F-4D97-AF65-F5344CB8AC3E}">
-        <p14:creationId xmlns:p14="http://schemas.microsoft.com/office/powerpoint/2010/main" val="4098208133"/>
+        <p14:creationId xmlns:p14="http://schemas.microsoft.com/office/powerpoint/2010/main" val="1439316186"/>
       </p:ext>
     </p:extLst>
   </p:cSld>

--- a/Data Engineering Using Free Tools/Learn Data Engineering For Free.pptx
+++ b/Data Engineering Using Free Tools/Learn Data Engineering For Free.pptx
@@ -5,7 +5,7 @@
     <p:sldMasterId id="2147483648" r:id="rId1"/>
   </p:sldMasterIdLst>
   <p:notesMasterIdLst>
-    <p:notesMasterId r:id="rId57"/>
+    <p:notesMasterId r:id="rId60"/>
   </p:notesMasterIdLst>
   <p:sldIdLst>
     <p:sldId id="256" r:id="rId2"/>
@@ -36,33 +36,36 @@
     <p:sldId id="280" r:id="rId27"/>
     <p:sldId id="281" r:id="rId28"/>
     <p:sldId id="283" r:id="rId29"/>
-    <p:sldId id="296" r:id="rId30"/>
-    <p:sldId id="289" r:id="rId31"/>
-    <p:sldId id="294" r:id="rId32"/>
-    <p:sldId id="286" r:id="rId33"/>
-    <p:sldId id="287" r:id="rId34"/>
+    <p:sldId id="289" r:id="rId30"/>
+    <p:sldId id="294" r:id="rId31"/>
+    <p:sldId id="286" r:id="rId32"/>
+    <p:sldId id="287" r:id="rId33"/>
+    <p:sldId id="296" r:id="rId34"/>
     <p:sldId id="288" r:id="rId35"/>
     <p:sldId id="295" r:id="rId36"/>
     <p:sldId id="297" r:id="rId37"/>
     <p:sldId id="298" r:id="rId38"/>
-    <p:sldId id="311" r:id="rId39"/>
-    <p:sldId id="301" r:id="rId40"/>
-    <p:sldId id="302" r:id="rId41"/>
-    <p:sldId id="303" r:id="rId42"/>
-    <p:sldId id="304" r:id="rId43"/>
-    <p:sldId id="267" r:id="rId44"/>
-    <p:sldId id="270" r:id="rId45"/>
-    <p:sldId id="266" r:id="rId46"/>
-    <p:sldId id="293" r:id="rId47"/>
-    <p:sldId id="271" r:id="rId48"/>
-    <p:sldId id="272" r:id="rId49"/>
-    <p:sldId id="273" r:id="rId50"/>
-    <p:sldId id="282" r:id="rId51"/>
-    <p:sldId id="305" r:id="rId52"/>
-    <p:sldId id="299" r:id="rId53"/>
-    <p:sldId id="300" r:id="rId54"/>
-    <p:sldId id="257" r:id="rId55"/>
-    <p:sldId id="260" r:id="rId56"/>
+    <p:sldId id="299" r:id="rId39"/>
+    <p:sldId id="300" r:id="rId40"/>
+    <p:sldId id="316" r:id="rId41"/>
+    <p:sldId id="257" r:id="rId42"/>
+    <p:sldId id="314" r:id="rId43"/>
+    <p:sldId id="315" r:id="rId44"/>
+    <p:sldId id="311" r:id="rId45"/>
+    <p:sldId id="301" r:id="rId46"/>
+    <p:sldId id="302" r:id="rId47"/>
+    <p:sldId id="303" r:id="rId48"/>
+    <p:sldId id="304" r:id="rId49"/>
+    <p:sldId id="267" r:id="rId50"/>
+    <p:sldId id="270" r:id="rId51"/>
+    <p:sldId id="266" r:id="rId52"/>
+    <p:sldId id="293" r:id="rId53"/>
+    <p:sldId id="271" r:id="rId54"/>
+    <p:sldId id="272" r:id="rId55"/>
+    <p:sldId id="273" r:id="rId56"/>
+    <p:sldId id="282" r:id="rId57"/>
+    <p:sldId id="305" r:id="rId58"/>
+    <p:sldId id="260" r:id="rId59"/>
   </p:sldIdLst>
   <p:sldSz cx="12192000" cy="6858000"/>
   <p:notesSz cx="6858000" cy="9144000"/>
@@ -1946,7 +1949,7 @@
           <a:p>
             <a:fld id="{C49D3115-C41D-4930-8EF3-A657CFCC644E}" type="datetimeFigureOut">
               <a:rPr lang="en-GB" smtClean="0"/>
-              <a:t>21/09/2024</a:t>
+              <a:t>22/09/2024</a:t>
             </a:fld>
             <a:endParaRPr lang="en-GB"/>
           </a:p>
@@ -2447,7 +2450,7 @@
           <a:p>
             <a:fld id="{35275B4F-5DE5-4D53-BD3B-F0C44FE589B2}" type="datetimeFigureOut">
               <a:rPr lang="en-GB" smtClean="0"/>
-              <a:t>21/09/2024</a:t>
+              <a:t>22/09/2024</a:t>
             </a:fld>
             <a:endParaRPr lang="en-GB"/>
           </a:p>
@@ -2647,7 +2650,7 @@
           <a:p>
             <a:fld id="{35275B4F-5DE5-4D53-BD3B-F0C44FE589B2}" type="datetimeFigureOut">
               <a:rPr lang="en-GB" smtClean="0"/>
-              <a:t>21/09/2024</a:t>
+              <a:t>22/09/2024</a:t>
             </a:fld>
             <a:endParaRPr lang="en-GB"/>
           </a:p>
@@ -2857,7 +2860,7 @@
           <a:p>
             <a:fld id="{35275B4F-5DE5-4D53-BD3B-F0C44FE589B2}" type="datetimeFigureOut">
               <a:rPr lang="en-GB" smtClean="0"/>
-              <a:t>21/09/2024</a:t>
+              <a:t>22/09/2024</a:t>
             </a:fld>
             <a:endParaRPr lang="en-GB"/>
           </a:p>
@@ -3057,7 +3060,7 @@
           <a:p>
             <a:fld id="{35275B4F-5DE5-4D53-BD3B-F0C44FE589B2}" type="datetimeFigureOut">
               <a:rPr lang="en-GB" smtClean="0"/>
-              <a:t>21/09/2024</a:t>
+              <a:t>22/09/2024</a:t>
             </a:fld>
             <a:endParaRPr lang="en-GB"/>
           </a:p>
@@ -3333,7 +3336,7 @@
           <a:p>
             <a:fld id="{35275B4F-5DE5-4D53-BD3B-F0C44FE589B2}" type="datetimeFigureOut">
               <a:rPr lang="en-GB" smtClean="0"/>
-              <a:t>21/09/2024</a:t>
+              <a:t>22/09/2024</a:t>
             </a:fld>
             <a:endParaRPr lang="en-GB"/>
           </a:p>
@@ -3601,7 +3604,7 @@
           <a:p>
             <a:fld id="{35275B4F-5DE5-4D53-BD3B-F0C44FE589B2}" type="datetimeFigureOut">
               <a:rPr lang="en-GB" smtClean="0"/>
-              <a:t>21/09/2024</a:t>
+              <a:t>22/09/2024</a:t>
             </a:fld>
             <a:endParaRPr lang="en-GB"/>
           </a:p>
@@ -4016,7 +4019,7 @@
           <a:p>
             <a:fld id="{35275B4F-5DE5-4D53-BD3B-F0C44FE589B2}" type="datetimeFigureOut">
               <a:rPr lang="en-GB" smtClean="0"/>
-              <a:t>21/09/2024</a:t>
+              <a:t>22/09/2024</a:t>
             </a:fld>
             <a:endParaRPr lang="en-GB"/>
           </a:p>
@@ -4158,7 +4161,7 @@
           <a:p>
             <a:fld id="{35275B4F-5DE5-4D53-BD3B-F0C44FE589B2}" type="datetimeFigureOut">
               <a:rPr lang="en-GB" smtClean="0"/>
-              <a:t>21/09/2024</a:t>
+              <a:t>22/09/2024</a:t>
             </a:fld>
             <a:endParaRPr lang="en-GB"/>
           </a:p>
@@ -4271,7 +4274,7 @@
           <a:p>
             <a:fld id="{35275B4F-5DE5-4D53-BD3B-F0C44FE589B2}" type="datetimeFigureOut">
               <a:rPr lang="en-GB" smtClean="0"/>
-              <a:t>21/09/2024</a:t>
+              <a:t>22/09/2024</a:t>
             </a:fld>
             <a:endParaRPr lang="en-GB"/>
           </a:p>
@@ -4584,7 +4587,7 @@
           <a:p>
             <a:fld id="{35275B4F-5DE5-4D53-BD3B-F0C44FE589B2}" type="datetimeFigureOut">
               <a:rPr lang="en-GB" smtClean="0"/>
-              <a:t>21/09/2024</a:t>
+              <a:t>22/09/2024</a:t>
             </a:fld>
             <a:endParaRPr lang="en-GB"/>
           </a:p>
@@ -4873,7 +4876,7 @@
           <a:p>
             <a:fld id="{35275B4F-5DE5-4D53-BD3B-F0C44FE589B2}" type="datetimeFigureOut">
               <a:rPr lang="en-GB" smtClean="0"/>
-              <a:t>21/09/2024</a:t>
+              <a:t>22/09/2024</a:t>
             </a:fld>
             <a:endParaRPr lang="en-GB"/>
           </a:p>
@@ -5116,7 +5119,7 @@
           <a:p>
             <a:fld id="{35275B4F-5DE5-4D53-BD3B-F0C44FE589B2}" type="datetimeFigureOut">
               <a:rPr lang="en-GB" smtClean="0"/>
-              <a:t>21/09/2024</a:t>
+              <a:t>22/09/2024</a:t>
             </a:fld>
             <a:endParaRPr lang="en-GB"/>
           </a:p>
@@ -7606,7 +7609,7 @@
           <p:cNvPr id="2" name="Title 1">
             <a:extLst>
               <a:ext uri="{FF2B5EF4-FFF2-40B4-BE49-F238E27FC236}">
-                <a16:creationId xmlns:a16="http://schemas.microsoft.com/office/drawing/2014/main" id="{B6BC1C70-057F-734E-9C24-C01B4041B371}"/>
+                <a16:creationId xmlns:a16="http://schemas.microsoft.com/office/drawing/2014/main" id="{CC9BC353-C438-5E40-C3FF-618D49D8A61E}"/>
               </a:ext>
             </a:extLst>
           </p:cNvPr>
@@ -7617,12 +7620,17 @@
             <p:ph type="title"/>
           </p:nvPr>
         </p:nvSpPr>
-        <p:spPr/>
+        <p:spPr>
+          <a:xfrm>
+            <a:off x="838200" y="365125"/>
+            <a:ext cx="10515600" cy="720725"/>
+          </a:xfrm>
+        </p:spPr>
         <p:txBody>
           <a:bodyPr/>
           <a:lstStyle/>
           <a:p>
-            <a:endParaRPr lang="en-GB"/>
+            <a:endParaRPr lang="en-GB" dirty="0"/>
           </a:p>
         </p:txBody>
       </p:sp>
@@ -7631,7 +7639,7 @@
           <p:cNvPr id="5" name="Picture 4">
             <a:extLst>
               <a:ext uri="{FF2B5EF4-FFF2-40B4-BE49-F238E27FC236}">
-                <a16:creationId xmlns:a16="http://schemas.microsoft.com/office/drawing/2014/main" id="{2DA5FC5E-D499-8485-A95C-FDE0C63A4EAA}"/>
+                <a16:creationId xmlns:a16="http://schemas.microsoft.com/office/drawing/2014/main" id="{98CF9533-BABB-55BB-1DB2-79C1ABB8F663}"/>
               </a:ext>
             </a:extLst>
           </p:cNvPr>
@@ -7648,8 +7656,68 @@
         </p:blipFill>
         <p:spPr>
           <a:xfrm>
-            <a:off x="838200" y="2003216"/>
-            <a:ext cx="7925906" cy="2991267"/>
+            <a:off x="793750" y="1290395"/>
+            <a:ext cx="3886742" cy="3477110"/>
+          </a:xfrm>
+          <a:prstGeom prst="rect">
+            <a:avLst/>
+          </a:prstGeom>
+        </p:spPr>
+      </p:pic>
+      <p:pic>
+        <p:nvPicPr>
+          <p:cNvPr id="7" name="Picture 6">
+            <a:extLst>
+              <a:ext uri="{FF2B5EF4-FFF2-40B4-BE49-F238E27FC236}">
+                <a16:creationId xmlns:a16="http://schemas.microsoft.com/office/drawing/2014/main" id="{1B13D5C5-E8D9-73FE-CFFB-A0B0D2A8EF6A}"/>
+              </a:ext>
+            </a:extLst>
+          </p:cNvPr>
+          <p:cNvPicPr>
+            <a:picLocks noChangeAspect="1"/>
+          </p:cNvPicPr>
+          <p:nvPr/>
+        </p:nvPicPr>
+        <p:blipFill>
+          <a:blip r:embed="rId3"/>
+          <a:stretch>
+            <a:fillRect/>
+          </a:stretch>
+        </p:blipFill>
+        <p:spPr>
+          <a:xfrm>
+            <a:off x="5095613" y="1193157"/>
+            <a:ext cx="4082057" cy="5029200"/>
+          </a:xfrm>
+          <a:prstGeom prst="rect">
+            <a:avLst/>
+          </a:prstGeom>
+        </p:spPr>
+      </p:pic>
+      <p:pic>
+        <p:nvPicPr>
+          <p:cNvPr id="9" name="Picture 8">
+            <a:extLst>
+              <a:ext uri="{FF2B5EF4-FFF2-40B4-BE49-F238E27FC236}">
+                <a16:creationId xmlns:a16="http://schemas.microsoft.com/office/drawing/2014/main" id="{E2E29D80-8472-864F-1A14-6618E05E385A}"/>
+              </a:ext>
+            </a:extLst>
+          </p:cNvPr>
+          <p:cNvPicPr>
+            <a:picLocks noChangeAspect="1"/>
+          </p:cNvPicPr>
+          <p:nvPr/>
+        </p:nvPicPr>
+        <p:blipFill>
+          <a:blip r:embed="rId4"/>
+          <a:stretch>
+            <a:fillRect/>
+          </a:stretch>
+        </p:blipFill>
+        <p:spPr>
+          <a:xfrm>
+            <a:off x="5095613" y="6222357"/>
+            <a:ext cx="3985272" cy="635643"/>
           </a:xfrm>
           <a:prstGeom prst="rect">
             <a:avLst/>
@@ -7659,7 +7727,7 @@
     </p:spTree>
     <p:extLst>
       <p:ext uri="{BB962C8B-B14F-4D97-AF65-F5344CB8AC3E}">
-        <p14:creationId xmlns:p14="http://schemas.microsoft.com/office/powerpoint/2010/main" val="1872683396"/>
+        <p14:creationId xmlns:p14="http://schemas.microsoft.com/office/powerpoint/2010/main" val="3875996855"/>
       </p:ext>
     </p:extLst>
   </p:cSld>
@@ -7779,156 +7847,6 @@
           <p:cNvPr id="2" name="Title 1">
             <a:extLst>
               <a:ext uri="{FF2B5EF4-FFF2-40B4-BE49-F238E27FC236}">
-                <a16:creationId xmlns:a16="http://schemas.microsoft.com/office/drawing/2014/main" id="{CC9BC353-C438-5E40-C3FF-618D49D8A61E}"/>
-              </a:ext>
-            </a:extLst>
-          </p:cNvPr>
-          <p:cNvSpPr>
-            <a:spLocks noGrp="1"/>
-          </p:cNvSpPr>
-          <p:nvPr>
-            <p:ph type="title"/>
-          </p:nvPr>
-        </p:nvSpPr>
-        <p:spPr>
-          <a:xfrm>
-            <a:off x="838200" y="365125"/>
-            <a:ext cx="10515600" cy="720725"/>
-          </a:xfrm>
-        </p:spPr>
-        <p:txBody>
-          <a:bodyPr/>
-          <a:lstStyle/>
-          <a:p>
-            <a:endParaRPr lang="en-GB" dirty="0"/>
-          </a:p>
-        </p:txBody>
-      </p:sp>
-      <p:pic>
-        <p:nvPicPr>
-          <p:cNvPr id="5" name="Picture 4">
-            <a:extLst>
-              <a:ext uri="{FF2B5EF4-FFF2-40B4-BE49-F238E27FC236}">
-                <a16:creationId xmlns:a16="http://schemas.microsoft.com/office/drawing/2014/main" id="{98CF9533-BABB-55BB-1DB2-79C1ABB8F663}"/>
-              </a:ext>
-            </a:extLst>
-          </p:cNvPr>
-          <p:cNvPicPr>
-            <a:picLocks noChangeAspect="1"/>
-          </p:cNvPicPr>
-          <p:nvPr/>
-        </p:nvPicPr>
-        <p:blipFill>
-          <a:blip r:embed="rId2"/>
-          <a:stretch>
-            <a:fillRect/>
-          </a:stretch>
-        </p:blipFill>
-        <p:spPr>
-          <a:xfrm>
-            <a:off x="793750" y="1290395"/>
-            <a:ext cx="3886742" cy="3477110"/>
-          </a:xfrm>
-          <a:prstGeom prst="rect">
-            <a:avLst/>
-          </a:prstGeom>
-        </p:spPr>
-      </p:pic>
-      <p:pic>
-        <p:nvPicPr>
-          <p:cNvPr id="7" name="Picture 6">
-            <a:extLst>
-              <a:ext uri="{FF2B5EF4-FFF2-40B4-BE49-F238E27FC236}">
-                <a16:creationId xmlns:a16="http://schemas.microsoft.com/office/drawing/2014/main" id="{1B13D5C5-E8D9-73FE-CFFB-A0B0D2A8EF6A}"/>
-              </a:ext>
-            </a:extLst>
-          </p:cNvPr>
-          <p:cNvPicPr>
-            <a:picLocks noChangeAspect="1"/>
-          </p:cNvPicPr>
-          <p:nvPr/>
-        </p:nvPicPr>
-        <p:blipFill>
-          <a:blip r:embed="rId3"/>
-          <a:stretch>
-            <a:fillRect/>
-          </a:stretch>
-        </p:blipFill>
-        <p:spPr>
-          <a:xfrm>
-            <a:off x="5095613" y="1193157"/>
-            <a:ext cx="4082057" cy="5029200"/>
-          </a:xfrm>
-          <a:prstGeom prst="rect">
-            <a:avLst/>
-          </a:prstGeom>
-        </p:spPr>
-      </p:pic>
-      <p:pic>
-        <p:nvPicPr>
-          <p:cNvPr id="9" name="Picture 8">
-            <a:extLst>
-              <a:ext uri="{FF2B5EF4-FFF2-40B4-BE49-F238E27FC236}">
-                <a16:creationId xmlns:a16="http://schemas.microsoft.com/office/drawing/2014/main" id="{E2E29D80-8472-864F-1A14-6618E05E385A}"/>
-              </a:ext>
-            </a:extLst>
-          </p:cNvPr>
-          <p:cNvPicPr>
-            <a:picLocks noChangeAspect="1"/>
-          </p:cNvPicPr>
-          <p:nvPr/>
-        </p:nvPicPr>
-        <p:blipFill>
-          <a:blip r:embed="rId4"/>
-          <a:stretch>
-            <a:fillRect/>
-          </a:stretch>
-        </p:blipFill>
-        <p:spPr>
-          <a:xfrm>
-            <a:off x="5095613" y="6222357"/>
-            <a:ext cx="3985272" cy="635643"/>
-          </a:xfrm>
-          <a:prstGeom prst="rect">
-            <a:avLst/>
-          </a:prstGeom>
-        </p:spPr>
-      </p:pic>
-    </p:spTree>
-    <p:extLst>
-      <p:ext uri="{BB962C8B-B14F-4D97-AF65-F5344CB8AC3E}">
-        <p14:creationId xmlns:p14="http://schemas.microsoft.com/office/powerpoint/2010/main" val="3875996855"/>
-      </p:ext>
-    </p:extLst>
-  </p:cSld>
-  <p:clrMapOvr>
-    <a:masterClrMapping/>
-  </p:clrMapOvr>
-</p:sld>
-</file>
-
-<file path=ppt/slides/slide31.xml><?xml version="1.0" encoding="utf-8"?>
-<p:sld xmlns:a="http://schemas.openxmlformats.org/drawingml/2006/main" xmlns:r="http://schemas.openxmlformats.org/officeDocument/2006/relationships" xmlns:p="http://schemas.openxmlformats.org/presentationml/2006/main">
-  <p:cSld>
-    <p:spTree>
-      <p:nvGrpSpPr>
-        <p:cNvPr id="1" name=""/>
-        <p:cNvGrpSpPr/>
-        <p:nvPr/>
-      </p:nvGrpSpPr>
-      <p:grpSpPr>
-        <a:xfrm>
-          <a:off x="0" y="0"/>
-          <a:ext cx="0" cy="0"/>
-          <a:chOff x="0" y="0"/>
-          <a:chExt cx="0" cy="0"/>
-        </a:xfrm>
-      </p:grpSpPr>
-      <p:sp>
-        <p:nvSpPr>
-          <p:cNvPr id="2" name="Title 1">
-            <a:extLst>
-              <a:ext uri="{FF2B5EF4-FFF2-40B4-BE49-F238E27FC236}">
                 <a16:creationId xmlns:a16="http://schemas.microsoft.com/office/drawing/2014/main" id="{5AD2B775-94F1-2712-63F2-C63C14F05B7E}"/>
               </a:ext>
             </a:extLst>
@@ -7992,7 +7910,7 @@
 </p:sld>
 </file>
 
-<file path=ppt/slides/slide32.xml><?xml version="1.0" encoding="utf-8"?>
+<file path=ppt/slides/slide31.xml><?xml version="1.0" encoding="utf-8"?>
 <p:sld xmlns:a="http://schemas.openxmlformats.org/drawingml/2006/main" xmlns:r="http://schemas.openxmlformats.org/officeDocument/2006/relationships" xmlns:p="http://schemas.openxmlformats.org/presentationml/2006/main">
   <p:cSld>
     <p:spTree>
@@ -8107,7 +8025,7 @@
 </p:sld>
 </file>
 
-<file path=ppt/slides/slide33.xml><?xml version="1.0" encoding="utf-8"?>
+<file path=ppt/slides/slide32.xml><?xml version="1.0" encoding="utf-8"?>
 <p:sld xmlns:a="http://schemas.openxmlformats.org/drawingml/2006/main" xmlns:r="http://schemas.openxmlformats.org/officeDocument/2006/relationships" xmlns:p="http://schemas.openxmlformats.org/presentationml/2006/main">
   <p:cSld>
     <p:spTree>
@@ -8183,6 +8101,91 @@
     <p:extLst>
       <p:ext uri="{BB962C8B-B14F-4D97-AF65-F5344CB8AC3E}">
         <p14:creationId xmlns:p14="http://schemas.microsoft.com/office/powerpoint/2010/main" val="790943487"/>
+      </p:ext>
+    </p:extLst>
+  </p:cSld>
+  <p:clrMapOvr>
+    <a:masterClrMapping/>
+  </p:clrMapOvr>
+</p:sld>
+</file>
+
+<file path=ppt/slides/slide33.xml><?xml version="1.0" encoding="utf-8"?>
+<p:sld xmlns:a="http://schemas.openxmlformats.org/drawingml/2006/main" xmlns:r="http://schemas.openxmlformats.org/officeDocument/2006/relationships" xmlns:p="http://schemas.openxmlformats.org/presentationml/2006/main">
+  <p:cSld>
+    <p:spTree>
+      <p:nvGrpSpPr>
+        <p:cNvPr id="1" name=""/>
+        <p:cNvGrpSpPr/>
+        <p:nvPr/>
+      </p:nvGrpSpPr>
+      <p:grpSpPr>
+        <a:xfrm>
+          <a:off x="0" y="0"/>
+          <a:ext cx="0" cy="0"/>
+          <a:chOff x="0" y="0"/>
+          <a:chExt cx="0" cy="0"/>
+        </a:xfrm>
+      </p:grpSpPr>
+      <p:sp>
+        <p:nvSpPr>
+          <p:cNvPr id="2" name="Title 1">
+            <a:extLst>
+              <a:ext uri="{FF2B5EF4-FFF2-40B4-BE49-F238E27FC236}">
+                <a16:creationId xmlns:a16="http://schemas.microsoft.com/office/drawing/2014/main" id="{B6BC1C70-057F-734E-9C24-C01B4041B371}"/>
+              </a:ext>
+            </a:extLst>
+          </p:cNvPr>
+          <p:cNvSpPr>
+            <a:spLocks noGrp="1"/>
+          </p:cNvSpPr>
+          <p:nvPr>
+            <p:ph type="title"/>
+          </p:nvPr>
+        </p:nvSpPr>
+        <p:spPr/>
+        <p:txBody>
+          <a:bodyPr/>
+          <a:lstStyle/>
+          <a:p>
+            <a:endParaRPr lang="en-GB"/>
+          </a:p>
+        </p:txBody>
+      </p:sp>
+      <p:pic>
+        <p:nvPicPr>
+          <p:cNvPr id="5" name="Picture 4">
+            <a:extLst>
+              <a:ext uri="{FF2B5EF4-FFF2-40B4-BE49-F238E27FC236}">
+                <a16:creationId xmlns:a16="http://schemas.microsoft.com/office/drawing/2014/main" id="{2DA5FC5E-D499-8485-A95C-FDE0C63A4EAA}"/>
+              </a:ext>
+            </a:extLst>
+          </p:cNvPr>
+          <p:cNvPicPr>
+            <a:picLocks noChangeAspect="1"/>
+          </p:cNvPicPr>
+          <p:nvPr/>
+        </p:nvPicPr>
+        <p:blipFill>
+          <a:blip r:embed="rId2"/>
+          <a:stretch>
+            <a:fillRect/>
+          </a:stretch>
+        </p:blipFill>
+        <p:spPr>
+          <a:xfrm>
+            <a:off x="838200" y="2003216"/>
+            <a:ext cx="7925906" cy="2991267"/>
+          </a:xfrm>
+          <a:prstGeom prst="rect">
+            <a:avLst/>
+          </a:prstGeom>
+        </p:spPr>
+      </p:pic>
+    </p:spTree>
+    <p:extLst>
+      <p:ext uri="{BB962C8B-B14F-4D97-AF65-F5344CB8AC3E}">
+        <p14:creationId xmlns:p14="http://schemas.microsoft.com/office/powerpoint/2010/main" val="1872683396"/>
       </p:ext>
     </p:extLst>
   </p:cSld>
@@ -8559,7 +8562,7 @@
           <p:cNvPr id="2" name="Title 1">
             <a:extLst>
               <a:ext uri="{FF2B5EF4-FFF2-40B4-BE49-F238E27FC236}">
-                <a16:creationId xmlns:a16="http://schemas.microsoft.com/office/drawing/2014/main" id="{6461F12C-8296-BADA-FD56-149E96554D1E}"/>
+                <a16:creationId xmlns:a16="http://schemas.microsoft.com/office/drawing/2014/main" id="{DCD86764-00F4-6C9A-2130-D553A9C0F19A}"/>
               </a:ext>
             </a:extLst>
           </p:cNvPr>
@@ -8579,35 +8582,40 @@
           </a:p>
         </p:txBody>
       </p:sp>
-      <p:sp>
-        <p:nvSpPr>
-          <p:cNvPr id="3" name="Content Placeholder 2">
-            <a:extLst>
-              <a:ext uri="{FF2B5EF4-FFF2-40B4-BE49-F238E27FC236}">
-                <a16:creationId xmlns:a16="http://schemas.microsoft.com/office/drawing/2014/main" id="{F53F936F-859F-7DDE-4B0E-4510115802B5}"/>
-              </a:ext>
-            </a:extLst>
-          </p:cNvPr>
-          <p:cNvSpPr>
-            <a:spLocks noGrp="1"/>
-          </p:cNvSpPr>
-          <p:nvPr>
-            <p:ph idx="1"/>
-          </p:nvPr>
-        </p:nvSpPr>
-        <p:spPr/>
-        <p:txBody>
-          <a:bodyPr/>
-          <a:lstStyle/>
-          <a:p>
-            <a:endParaRPr lang="en-GB"/>
-          </a:p>
-        </p:txBody>
-      </p:sp>
+      <p:pic>
+        <p:nvPicPr>
+          <p:cNvPr id="6" name="Picture 5">
+            <a:extLst>
+              <a:ext uri="{FF2B5EF4-FFF2-40B4-BE49-F238E27FC236}">
+                <a16:creationId xmlns:a16="http://schemas.microsoft.com/office/drawing/2014/main" id="{47C005FD-6EF0-7A3C-6393-F6C7EBDD05A8}"/>
+              </a:ext>
+            </a:extLst>
+          </p:cNvPr>
+          <p:cNvPicPr>
+            <a:picLocks noChangeAspect="1"/>
+          </p:cNvPicPr>
+          <p:nvPr/>
+        </p:nvPicPr>
+        <p:blipFill>
+          <a:blip r:embed="rId2"/>
+          <a:stretch>
+            <a:fillRect/>
+          </a:stretch>
+        </p:blipFill>
+        <p:spPr>
+          <a:xfrm>
+            <a:off x="371181" y="958723"/>
+            <a:ext cx="11449638" cy="4940554"/>
+          </a:xfrm>
+          <a:prstGeom prst="rect">
+            <a:avLst/>
+          </a:prstGeom>
+        </p:spPr>
+      </p:pic>
     </p:spTree>
     <p:extLst>
       <p:ext uri="{BB962C8B-B14F-4D97-AF65-F5344CB8AC3E}">
-        <p14:creationId xmlns:p14="http://schemas.microsoft.com/office/powerpoint/2010/main" val="3703701476"/>
+        <p14:creationId xmlns:p14="http://schemas.microsoft.com/office/powerpoint/2010/main" val="224514564"/>
       </p:ext>
     </p:extLst>
   </p:cSld>
@@ -8664,7 +8672,7 @@
           <p:cNvPr id="4" name="Picture 3">
             <a:extLst>
               <a:ext uri="{FF2B5EF4-FFF2-40B4-BE49-F238E27FC236}">
-                <a16:creationId xmlns:a16="http://schemas.microsoft.com/office/drawing/2014/main" id="{20F3E66B-E246-EFCB-FFBE-25044944C469}"/>
+                <a16:creationId xmlns:a16="http://schemas.microsoft.com/office/drawing/2014/main" id="{1228FCC1-0C76-DB22-35FF-1D59981CB3E8}"/>
               </a:ext>
             </a:extLst>
           </p:cNvPr>
@@ -8681,38 +8689,8 @@
         </p:blipFill>
         <p:spPr>
           <a:xfrm>
-            <a:off x="838200" y="1242558"/>
-            <a:ext cx="4959605" cy="1517728"/>
-          </a:xfrm>
-          <a:prstGeom prst="rect">
-            <a:avLst/>
-          </a:prstGeom>
-        </p:spPr>
-      </p:pic>
-      <p:pic>
-        <p:nvPicPr>
-          <p:cNvPr id="7" name="Picture 6">
-            <a:extLst>
-              <a:ext uri="{FF2B5EF4-FFF2-40B4-BE49-F238E27FC236}">
-                <a16:creationId xmlns:a16="http://schemas.microsoft.com/office/drawing/2014/main" id="{A96C8C96-A6EA-2AE6-661D-FA50CC4E8CDA}"/>
-              </a:ext>
-            </a:extLst>
-          </p:cNvPr>
-          <p:cNvPicPr>
-            <a:picLocks noChangeAspect="1"/>
-          </p:cNvPicPr>
-          <p:nvPr/>
-        </p:nvPicPr>
-        <p:blipFill>
-          <a:blip r:embed="rId3"/>
-          <a:stretch>
-            <a:fillRect/>
-          </a:stretch>
-        </p:blipFill>
-        <p:spPr>
-          <a:xfrm>
-            <a:off x="6394197" y="1242558"/>
-            <a:ext cx="4511991" cy="5250317"/>
+            <a:off x="838200" y="2026892"/>
+            <a:ext cx="3968954" cy="2101958"/>
           </a:xfrm>
           <a:prstGeom prst="rect">
             <a:avLst/>
@@ -8722,7 +8700,7 @@
     </p:spTree>
     <p:extLst>
       <p:ext uri="{BB962C8B-B14F-4D97-AF65-F5344CB8AC3E}">
-        <p14:creationId xmlns:p14="http://schemas.microsoft.com/office/powerpoint/2010/main" val="17736079"/>
+        <p14:creationId xmlns:p14="http://schemas.microsoft.com/office/powerpoint/2010/main" val="460359469"/>
       </p:ext>
     </p:extLst>
   </p:cSld>
@@ -8837,6 +8815,730 @@
           <a:chExt cx="0" cy="0"/>
         </a:xfrm>
       </p:grpSpPr>
+      <p:sp>
+        <p:nvSpPr>
+          <p:cNvPr id="2" name="Title 1">
+            <a:extLst>
+              <a:ext uri="{FF2B5EF4-FFF2-40B4-BE49-F238E27FC236}">
+                <a16:creationId xmlns:a16="http://schemas.microsoft.com/office/drawing/2014/main" id="{DCD86764-00F4-6C9A-2130-D553A9C0F19A}"/>
+              </a:ext>
+            </a:extLst>
+          </p:cNvPr>
+          <p:cNvSpPr>
+            <a:spLocks noGrp="1"/>
+          </p:cNvSpPr>
+          <p:nvPr>
+            <p:ph type="title"/>
+          </p:nvPr>
+        </p:nvSpPr>
+        <p:spPr/>
+        <p:txBody>
+          <a:bodyPr/>
+          <a:lstStyle/>
+          <a:p>
+            <a:r>
+              <a:rPr lang="en-GB" dirty="0"/>
+              <a:t>Python pre-</a:t>
+            </a:r>
+            <a:r>
+              <a:rPr lang="en-GB" dirty="0" err="1"/>
+              <a:t>reqs</a:t>
+            </a:r>
+            <a:endParaRPr lang="en-GB" dirty="0"/>
+          </a:p>
+        </p:txBody>
+      </p:sp>
+      <p:pic>
+        <p:nvPicPr>
+          <p:cNvPr id="5" name="Picture 4">
+            <a:extLst>
+              <a:ext uri="{FF2B5EF4-FFF2-40B4-BE49-F238E27FC236}">
+                <a16:creationId xmlns:a16="http://schemas.microsoft.com/office/drawing/2014/main" id="{C663F566-F2F6-4996-C066-E71C1013515E}"/>
+              </a:ext>
+            </a:extLst>
+          </p:cNvPr>
+          <p:cNvPicPr>
+            <a:picLocks noChangeAspect="1"/>
+          </p:cNvPicPr>
+          <p:nvPr/>
+        </p:nvPicPr>
+        <p:blipFill>
+          <a:blip r:embed="rId2"/>
+          <a:stretch>
+            <a:fillRect/>
+          </a:stretch>
+        </p:blipFill>
+        <p:spPr>
+          <a:xfrm>
+            <a:off x="838200" y="1431753"/>
+            <a:ext cx="9392961" cy="2457793"/>
+          </a:xfrm>
+          <a:prstGeom prst="rect">
+            <a:avLst/>
+          </a:prstGeom>
+        </p:spPr>
+      </p:pic>
+      <p:pic>
+        <p:nvPicPr>
+          <p:cNvPr id="8" name="Picture 7">
+            <a:extLst>
+              <a:ext uri="{FF2B5EF4-FFF2-40B4-BE49-F238E27FC236}">
+                <a16:creationId xmlns:a16="http://schemas.microsoft.com/office/drawing/2014/main" id="{0DA08BAC-BAA2-E123-3A0B-E202C41AC238}"/>
+              </a:ext>
+            </a:extLst>
+          </p:cNvPr>
+          <p:cNvPicPr>
+            <a:picLocks noChangeAspect="1"/>
+          </p:cNvPicPr>
+          <p:nvPr/>
+        </p:nvPicPr>
+        <p:blipFill>
+          <a:blip r:embed="rId3"/>
+          <a:stretch>
+            <a:fillRect/>
+          </a:stretch>
+        </p:blipFill>
+        <p:spPr>
+          <a:xfrm>
+            <a:off x="838200" y="4217883"/>
+            <a:ext cx="4934639" cy="1476581"/>
+          </a:xfrm>
+          <a:prstGeom prst="rect">
+            <a:avLst/>
+          </a:prstGeom>
+        </p:spPr>
+      </p:pic>
+    </p:spTree>
+    <p:extLst>
+      <p:ext uri="{BB962C8B-B14F-4D97-AF65-F5344CB8AC3E}">
+        <p14:creationId xmlns:p14="http://schemas.microsoft.com/office/powerpoint/2010/main" val="2091675727"/>
+      </p:ext>
+    </p:extLst>
+  </p:cSld>
+  <p:clrMapOvr>
+    <a:masterClrMapping/>
+  </p:clrMapOvr>
+</p:sld>
+</file>
+
+<file path=ppt/slides/slide41.xml><?xml version="1.0" encoding="utf-8"?>
+<p:sld xmlns:a="http://schemas.openxmlformats.org/drawingml/2006/main" xmlns:r="http://schemas.openxmlformats.org/officeDocument/2006/relationships" xmlns:p="http://schemas.openxmlformats.org/presentationml/2006/main">
+  <p:cSld>
+    <p:spTree>
+      <p:nvGrpSpPr>
+        <p:cNvPr id="1" name=""/>
+        <p:cNvGrpSpPr/>
+        <p:nvPr/>
+      </p:nvGrpSpPr>
+      <p:grpSpPr>
+        <a:xfrm>
+          <a:off x="0" y="0"/>
+          <a:ext cx="0" cy="0"/>
+          <a:chOff x="0" y="0"/>
+          <a:chExt cx="0" cy="0"/>
+        </a:xfrm>
+      </p:grpSpPr>
+      <p:sp>
+        <p:nvSpPr>
+          <p:cNvPr id="2" name="Title 1">
+            <a:extLst>
+              <a:ext uri="{FF2B5EF4-FFF2-40B4-BE49-F238E27FC236}">
+                <a16:creationId xmlns:a16="http://schemas.microsoft.com/office/drawing/2014/main" id="{A5469F7B-5F47-517F-D218-DF1E89BBB790}"/>
+              </a:ext>
+            </a:extLst>
+          </p:cNvPr>
+          <p:cNvSpPr>
+            <a:spLocks noGrp="1"/>
+          </p:cNvSpPr>
+          <p:nvPr>
+            <p:ph type="title"/>
+          </p:nvPr>
+        </p:nvSpPr>
+        <p:spPr/>
+        <p:txBody>
+          <a:bodyPr/>
+          <a:lstStyle/>
+          <a:p>
+            <a:r>
+              <a:rPr lang="en-GB" dirty="0"/>
+              <a:t>Python Demo</a:t>
+            </a:r>
+          </a:p>
+        </p:txBody>
+      </p:sp>
+      <p:sp>
+        <p:nvSpPr>
+          <p:cNvPr id="3" name="Content Placeholder 2">
+            <a:extLst>
+              <a:ext uri="{FF2B5EF4-FFF2-40B4-BE49-F238E27FC236}">
+                <a16:creationId xmlns:a16="http://schemas.microsoft.com/office/drawing/2014/main" id="{D887FE72-3475-5DF9-893F-927B7A1BBC5F}"/>
+              </a:ext>
+            </a:extLst>
+          </p:cNvPr>
+          <p:cNvSpPr>
+            <a:spLocks noGrp="1"/>
+          </p:cNvSpPr>
+          <p:nvPr>
+            <p:ph idx="1"/>
+          </p:nvPr>
+        </p:nvSpPr>
+        <p:spPr/>
+        <p:txBody>
+          <a:bodyPr>
+            <a:normAutofit fontScale="32500" lnSpcReduction="20000"/>
+          </a:bodyPr>
+          <a:lstStyle/>
+          <a:p>
+            <a:r>
+              <a:rPr lang="en-GB" dirty="0"/>
+              <a:t>Install Python</a:t>
+            </a:r>
+          </a:p>
+          <a:p>
+            <a:endParaRPr lang="en-GB" dirty="0"/>
+          </a:p>
+          <a:p>
+            <a:r>
+              <a:rPr lang="en-GB" dirty="0"/>
+              <a:t>Set path</a:t>
+            </a:r>
+          </a:p>
+          <a:p>
+            <a:endParaRPr lang="en-GB" dirty="0"/>
+          </a:p>
+          <a:p>
+            <a:r>
+              <a:rPr lang="en-GB" dirty="0"/>
+              <a:t>open Windows Terminal</a:t>
+            </a:r>
+          </a:p>
+          <a:p>
+            <a:r>
+              <a:rPr lang="en-GB" dirty="0"/>
+              <a:t>	- cd to user folder</a:t>
+            </a:r>
+          </a:p>
+          <a:p>
+            <a:r>
+              <a:rPr lang="en-GB" dirty="0"/>
+              <a:t>	- create folder &amp; python file - hello-world.py</a:t>
+            </a:r>
+          </a:p>
+          <a:p>
+            <a:r>
+              <a:rPr lang="en-GB" dirty="0"/>
+              <a:t>	- open python file in notepad</a:t>
+            </a:r>
+          </a:p>
+          <a:p>
+            <a:r>
+              <a:rPr lang="en-GB" dirty="0"/>
+              <a:t>	- print('hello world')</a:t>
+            </a:r>
+          </a:p>
+          <a:p>
+            <a:r>
+              <a:rPr lang="en-GB" dirty="0"/>
+              <a:t>	- from terminal python hello-world.py</a:t>
+            </a:r>
+          </a:p>
+          <a:p>
+            <a:endParaRPr lang="en-GB" dirty="0"/>
+          </a:p>
+          <a:p>
+            <a:r>
+              <a:rPr lang="en-GB" dirty="0"/>
+              <a:t>Run hello-world.py from VS Code in debug</a:t>
+            </a:r>
+          </a:p>
+          <a:p>
+            <a:r>
+              <a:rPr lang="en-GB" dirty="0"/>
+              <a:t>Demo editing file and running in debug</a:t>
+            </a:r>
+          </a:p>
+          <a:p>
+            <a:endParaRPr lang="en-GB" dirty="0"/>
+          </a:p>
+          <a:p>
+            <a:r>
+              <a:rPr lang="en-GB" dirty="0"/>
+              <a:t>Demo python from shell</a:t>
+            </a:r>
+          </a:p>
+          <a:p>
+            <a:endParaRPr lang="en-GB" dirty="0"/>
+          </a:p>
+          <a:p>
+            <a:r>
+              <a:rPr lang="en-GB" dirty="0"/>
+              <a:t>Install Pip</a:t>
+            </a:r>
+          </a:p>
+          <a:p>
+            <a:r>
+              <a:rPr lang="en-GB" dirty="0"/>
+              <a:t>Install Spark from Pip</a:t>
+            </a:r>
+          </a:p>
+        </p:txBody>
+      </p:sp>
+    </p:spTree>
+    <p:extLst>
+      <p:ext uri="{BB962C8B-B14F-4D97-AF65-F5344CB8AC3E}">
+        <p14:creationId xmlns:p14="http://schemas.microsoft.com/office/powerpoint/2010/main" val="3256889448"/>
+      </p:ext>
+    </p:extLst>
+  </p:cSld>
+  <p:clrMapOvr>
+    <a:masterClrMapping/>
+  </p:clrMapOvr>
+</p:sld>
+</file>
+
+<file path=ppt/slides/slide42.xml><?xml version="1.0" encoding="utf-8"?>
+<p:sld xmlns:a="http://schemas.openxmlformats.org/drawingml/2006/main" xmlns:r="http://schemas.openxmlformats.org/officeDocument/2006/relationships" xmlns:p="http://schemas.openxmlformats.org/presentationml/2006/main">
+  <p:cSld>
+    <p:spTree>
+      <p:nvGrpSpPr>
+        <p:cNvPr id="1" name=""/>
+        <p:cNvGrpSpPr/>
+        <p:nvPr/>
+      </p:nvGrpSpPr>
+      <p:grpSpPr>
+        <a:xfrm>
+          <a:off x="0" y="0"/>
+          <a:ext cx="0" cy="0"/>
+          <a:chOff x="0" y="0"/>
+          <a:chExt cx="0" cy="0"/>
+        </a:xfrm>
+      </p:grpSpPr>
+      <p:sp>
+        <p:nvSpPr>
+          <p:cNvPr id="2" name="Title 1">
+            <a:extLst>
+              <a:ext uri="{FF2B5EF4-FFF2-40B4-BE49-F238E27FC236}">
+                <a16:creationId xmlns:a16="http://schemas.microsoft.com/office/drawing/2014/main" id="{A5469F7B-5F47-517F-D218-DF1E89BBB790}"/>
+              </a:ext>
+            </a:extLst>
+          </p:cNvPr>
+          <p:cNvSpPr>
+            <a:spLocks noGrp="1"/>
+          </p:cNvSpPr>
+          <p:nvPr>
+            <p:ph type="title"/>
+          </p:nvPr>
+        </p:nvSpPr>
+        <p:spPr/>
+        <p:txBody>
+          <a:bodyPr/>
+          <a:lstStyle/>
+          <a:p>
+            <a:r>
+              <a:rPr lang="en-GB" dirty="0" err="1"/>
+              <a:t>PySpark</a:t>
+            </a:r>
+            <a:r>
+              <a:rPr lang="en-GB" dirty="0"/>
+              <a:t> Pre-requisites</a:t>
+            </a:r>
+          </a:p>
+        </p:txBody>
+      </p:sp>
+      <p:sp>
+        <p:nvSpPr>
+          <p:cNvPr id="3" name="Content Placeholder 2">
+            <a:extLst>
+              <a:ext uri="{FF2B5EF4-FFF2-40B4-BE49-F238E27FC236}">
+                <a16:creationId xmlns:a16="http://schemas.microsoft.com/office/drawing/2014/main" id="{D887FE72-3475-5DF9-893F-927B7A1BBC5F}"/>
+              </a:ext>
+            </a:extLst>
+          </p:cNvPr>
+          <p:cNvSpPr>
+            <a:spLocks noGrp="1"/>
+          </p:cNvSpPr>
+          <p:nvPr>
+            <p:ph idx="1"/>
+          </p:nvPr>
+        </p:nvSpPr>
+        <p:spPr/>
+        <p:txBody>
+          <a:bodyPr>
+            <a:normAutofit/>
+          </a:bodyPr>
+          <a:lstStyle/>
+          <a:p>
+            <a:r>
+              <a:rPr lang="en-GB" dirty="0"/>
+              <a:t>Install Java</a:t>
+            </a:r>
+          </a:p>
+          <a:p>
+            <a:r>
+              <a:rPr lang="en-GB" dirty="0"/>
+              <a:t>Set paths</a:t>
+            </a:r>
+          </a:p>
+          <a:p>
+            <a:pPr lvl="1"/>
+            <a:r>
+              <a:rPr lang="en-GB" dirty="0"/>
+              <a:t>JAVA_HOME</a:t>
+            </a:r>
+          </a:p>
+          <a:p>
+            <a:pPr lvl="1"/>
+            <a:r>
+              <a:rPr lang="en-GB" dirty="0"/>
+              <a:t>PATH</a:t>
+            </a:r>
+          </a:p>
+          <a:p>
+            <a:pPr lvl="1"/>
+            <a:endParaRPr lang="en-GB" dirty="0"/>
+          </a:p>
+          <a:p>
+            <a:r>
+              <a:rPr lang="en-GB" dirty="0"/>
+              <a:t>Install Apache Spark</a:t>
+            </a:r>
+          </a:p>
+          <a:p>
+            <a:r>
+              <a:rPr lang="en-GB" dirty="0"/>
+              <a:t>Install winutils.exe</a:t>
+            </a:r>
+          </a:p>
+          <a:p>
+            <a:endParaRPr lang="en-GB" dirty="0"/>
+          </a:p>
+        </p:txBody>
+      </p:sp>
+    </p:spTree>
+    <p:extLst>
+      <p:ext uri="{BB962C8B-B14F-4D97-AF65-F5344CB8AC3E}">
+        <p14:creationId xmlns:p14="http://schemas.microsoft.com/office/powerpoint/2010/main" val="662787998"/>
+      </p:ext>
+    </p:extLst>
+  </p:cSld>
+  <p:clrMapOvr>
+    <a:masterClrMapping/>
+  </p:clrMapOvr>
+</p:sld>
+</file>
+
+<file path=ppt/slides/slide43.xml><?xml version="1.0" encoding="utf-8"?>
+<p:sld xmlns:a="http://schemas.openxmlformats.org/drawingml/2006/main" xmlns:r="http://schemas.openxmlformats.org/officeDocument/2006/relationships" xmlns:p="http://schemas.openxmlformats.org/presentationml/2006/main">
+  <p:cSld>
+    <p:spTree>
+      <p:nvGrpSpPr>
+        <p:cNvPr id="1" name=""/>
+        <p:cNvGrpSpPr/>
+        <p:nvPr/>
+      </p:nvGrpSpPr>
+      <p:grpSpPr>
+        <a:xfrm>
+          <a:off x="0" y="0"/>
+          <a:ext cx="0" cy="0"/>
+          <a:chOff x="0" y="0"/>
+          <a:chExt cx="0" cy="0"/>
+        </a:xfrm>
+      </p:grpSpPr>
+      <p:sp>
+        <p:nvSpPr>
+          <p:cNvPr id="2" name="Title 1">
+            <a:extLst>
+              <a:ext uri="{FF2B5EF4-FFF2-40B4-BE49-F238E27FC236}">
+                <a16:creationId xmlns:a16="http://schemas.microsoft.com/office/drawing/2014/main" id="{A5469F7B-5F47-517F-D218-DF1E89BBB790}"/>
+              </a:ext>
+            </a:extLst>
+          </p:cNvPr>
+          <p:cNvSpPr>
+            <a:spLocks noGrp="1"/>
+          </p:cNvSpPr>
+          <p:nvPr>
+            <p:ph type="title"/>
+          </p:nvPr>
+        </p:nvSpPr>
+        <p:spPr/>
+        <p:txBody>
+          <a:bodyPr/>
+          <a:lstStyle/>
+          <a:p>
+            <a:r>
+              <a:rPr lang="en-GB" dirty="0" err="1"/>
+              <a:t>PySpark</a:t>
+            </a:r>
+            <a:r>
+              <a:rPr lang="en-GB" dirty="0"/>
+              <a:t> Demo</a:t>
+            </a:r>
+          </a:p>
+        </p:txBody>
+      </p:sp>
+      <p:sp>
+        <p:nvSpPr>
+          <p:cNvPr id="3" name="Content Placeholder 2">
+            <a:extLst>
+              <a:ext uri="{FF2B5EF4-FFF2-40B4-BE49-F238E27FC236}">
+                <a16:creationId xmlns:a16="http://schemas.microsoft.com/office/drawing/2014/main" id="{D887FE72-3475-5DF9-893F-927B7A1BBC5F}"/>
+              </a:ext>
+            </a:extLst>
+          </p:cNvPr>
+          <p:cNvSpPr>
+            <a:spLocks noGrp="1"/>
+          </p:cNvSpPr>
+          <p:nvPr>
+            <p:ph idx="1"/>
+          </p:nvPr>
+        </p:nvSpPr>
+        <p:spPr/>
+        <p:txBody>
+          <a:bodyPr>
+            <a:normAutofit/>
+          </a:bodyPr>
+          <a:lstStyle/>
+          <a:p>
+            <a:r>
+              <a:rPr lang="en-GB" dirty="0" err="1"/>
+              <a:t>PySpark</a:t>
+            </a:r>
+            <a:r>
+              <a:rPr lang="en-GB" dirty="0"/>
+              <a:t> validation</a:t>
+            </a:r>
+          </a:p>
+          <a:p>
+            <a:r>
+              <a:rPr lang="en-GB" dirty="0"/>
+              <a:t>Web UI</a:t>
+            </a:r>
+          </a:p>
+          <a:p>
+            <a:r>
+              <a:rPr lang="en-GB" dirty="0"/>
+              <a:t>VS Code</a:t>
+            </a:r>
+          </a:p>
+          <a:p>
+            <a:r>
+              <a:rPr lang="en-GB" dirty="0"/>
+              <a:t>Visualisation?</a:t>
+            </a:r>
+          </a:p>
+        </p:txBody>
+      </p:sp>
+    </p:spTree>
+    <p:extLst>
+      <p:ext uri="{BB962C8B-B14F-4D97-AF65-F5344CB8AC3E}">
+        <p14:creationId xmlns:p14="http://schemas.microsoft.com/office/powerpoint/2010/main" val="3082836330"/>
+      </p:ext>
+    </p:extLst>
+  </p:cSld>
+  <p:clrMapOvr>
+    <a:masterClrMapping/>
+  </p:clrMapOvr>
+</p:sld>
+</file>
+
+<file path=ppt/slides/slide44.xml><?xml version="1.0" encoding="utf-8"?>
+<p:sld xmlns:a="http://schemas.openxmlformats.org/drawingml/2006/main" xmlns:r="http://schemas.openxmlformats.org/officeDocument/2006/relationships" xmlns:p="http://schemas.openxmlformats.org/presentationml/2006/main">
+  <p:cSld>
+    <p:spTree>
+      <p:nvGrpSpPr>
+        <p:cNvPr id="1" name=""/>
+        <p:cNvGrpSpPr/>
+        <p:nvPr/>
+      </p:nvGrpSpPr>
+      <p:grpSpPr>
+        <a:xfrm>
+          <a:off x="0" y="0"/>
+          <a:ext cx="0" cy="0"/>
+          <a:chOff x="0" y="0"/>
+          <a:chExt cx="0" cy="0"/>
+        </a:xfrm>
+      </p:grpSpPr>
+      <p:sp>
+        <p:nvSpPr>
+          <p:cNvPr id="2" name="Title 1">
+            <a:extLst>
+              <a:ext uri="{FF2B5EF4-FFF2-40B4-BE49-F238E27FC236}">
+                <a16:creationId xmlns:a16="http://schemas.microsoft.com/office/drawing/2014/main" id="{6461F12C-8296-BADA-FD56-149E96554D1E}"/>
+              </a:ext>
+            </a:extLst>
+          </p:cNvPr>
+          <p:cNvSpPr>
+            <a:spLocks noGrp="1"/>
+          </p:cNvSpPr>
+          <p:nvPr>
+            <p:ph type="title"/>
+          </p:nvPr>
+        </p:nvSpPr>
+        <p:spPr>
+          <a:xfrm>
+            <a:off x="838200" y="365125"/>
+            <a:ext cx="10439400" cy="5940425"/>
+          </a:xfrm>
+        </p:spPr>
+        <p:txBody>
+          <a:bodyPr>
+            <a:normAutofit/>
+          </a:bodyPr>
+          <a:lstStyle/>
+          <a:p>
+            <a:pPr algn="ctr"/>
+            <a:r>
+              <a:rPr lang="en-GB" sz="8800" dirty="0"/>
+              <a:t>END</a:t>
+            </a:r>
+          </a:p>
+        </p:txBody>
+      </p:sp>
+    </p:spTree>
+    <p:extLst>
+      <p:ext uri="{BB962C8B-B14F-4D97-AF65-F5344CB8AC3E}">
+        <p14:creationId xmlns:p14="http://schemas.microsoft.com/office/powerpoint/2010/main" val="3703701476"/>
+      </p:ext>
+    </p:extLst>
+  </p:cSld>
+  <p:clrMapOvr>
+    <a:masterClrMapping/>
+  </p:clrMapOvr>
+</p:sld>
+</file>
+
+<file path=ppt/slides/slide45.xml><?xml version="1.0" encoding="utf-8"?>
+<p:sld xmlns:a="http://schemas.openxmlformats.org/drawingml/2006/main" xmlns:r="http://schemas.openxmlformats.org/officeDocument/2006/relationships" xmlns:p="http://schemas.openxmlformats.org/presentationml/2006/main">
+  <p:cSld>
+    <p:spTree>
+      <p:nvGrpSpPr>
+        <p:cNvPr id="1" name=""/>
+        <p:cNvGrpSpPr/>
+        <p:nvPr/>
+      </p:nvGrpSpPr>
+      <p:grpSpPr>
+        <a:xfrm>
+          <a:off x="0" y="0"/>
+          <a:ext cx="0" cy="0"/>
+          <a:chOff x="0" y="0"/>
+          <a:chExt cx="0" cy="0"/>
+        </a:xfrm>
+      </p:grpSpPr>
+      <p:sp>
+        <p:nvSpPr>
+          <p:cNvPr id="2" name="Title 1">
+            <a:extLst>
+              <a:ext uri="{FF2B5EF4-FFF2-40B4-BE49-F238E27FC236}">
+                <a16:creationId xmlns:a16="http://schemas.microsoft.com/office/drawing/2014/main" id="{DCD86764-00F4-6C9A-2130-D553A9C0F19A}"/>
+              </a:ext>
+            </a:extLst>
+          </p:cNvPr>
+          <p:cNvSpPr>
+            <a:spLocks noGrp="1"/>
+          </p:cNvSpPr>
+          <p:nvPr>
+            <p:ph type="title"/>
+          </p:nvPr>
+        </p:nvSpPr>
+        <p:spPr/>
+        <p:txBody>
+          <a:bodyPr/>
+          <a:lstStyle/>
+          <a:p>
+            <a:endParaRPr lang="en-GB"/>
+          </a:p>
+        </p:txBody>
+      </p:sp>
+      <p:pic>
+        <p:nvPicPr>
+          <p:cNvPr id="4" name="Picture 3">
+            <a:extLst>
+              <a:ext uri="{FF2B5EF4-FFF2-40B4-BE49-F238E27FC236}">
+                <a16:creationId xmlns:a16="http://schemas.microsoft.com/office/drawing/2014/main" id="{20F3E66B-E246-EFCB-FFBE-25044944C469}"/>
+              </a:ext>
+            </a:extLst>
+          </p:cNvPr>
+          <p:cNvPicPr>
+            <a:picLocks noChangeAspect="1"/>
+          </p:cNvPicPr>
+          <p:nvPr/>
+        </p:nvPicPr>
+        <p:blipFill>
+          <a:blip r:embed="rId2"/>
+          <a:stretch>
+            <a:fillRect/>
+          </a:stretch>
+        </p:blipFill>
+        <p:spPr>
+          <a:xfrm>
+            <a:off x="838200" y="1242558"/>
+            <a:ext cx="4959605" cy="1517728"/>
+          </a:xfrm>
+          <a:prstGeom prst="rect">
+            <a:avLst/>
+          </a:prstGeom>
+        </p:spPr>
+      </p:pic>
+      <p:pic>
+        <p:nvPicPr>
+          <p:cNvPr id="7" name="Picture 6">
+            <a:extLst>
+              <a:ext uri="{FF2B5EF4-FFF2-40B4-BE49-F238E27FC236}">
+                <a16:creationId xmlns:a16="http://schemas.microsoft.com/office/drawing/2014/main" id="{A96C8C96-A6EA-2AE6-661D-FA50CC4E8CDA}"/>
+              </a:ext>
+            </a:extLst>
+          </p:cNvPr>
+          <p:cNvPicPr>
+            <a:picLocks noChangeAspect="1"/>
+          </p:cNvPicPr>
+          <p:nvPr/>
+        </p:nvPicPr>
+        <p:blipFill>
+          <a:blip r:embed="rId3"/>
+          <a:stretch>
+            <a:fillRect/>
+          </a:stretch>
+        </p:blipFill>
+        <p:spPr>
+          <a:xfrm>
+            <a:off x="6394197" y="1242558"/>
+            <a:ext cx="4511991" cy="5250317"/>
+          </a:xfrm>
+          <a:prstGeom prst="rect">
+            <a:avLst/>
+          </a:prstGeom>
+        </p:spPr>
+      </p:pic>
+    </p:spTree>
+    <p:extLst>
+      <p:ext uri="{BB962C8B-B14F-4D97-AF65-F5344CB8AC3E}">
+        <p14:creationId xmlns:p14="http://schemas.microsoft.com/office/powerpoint/2010/main" val="17736079"/>
+      </p:ext>
+    </p:extLst>
+  </p:cSld>
+  <p:clrMapOvr>
+    <a:masterClrMapping/>
+  </p:clrMapOvr>
+</p:sld>
+</file>
+
+<file path=ppt/slides/slide46.xml><?xml version="1.0" encoding="utf-8"?>
+<p:sld xmlns:a="http://schemas.openxmlformats.org/drawingml/2006/main" xmlns:r="http://schemas.openxmlformats.org/officeDocument/2006/relationships" xmlns:p="http://schemas.openxmlformats.org/presentationml/2006/main">
+  <p:cSld>
+    <p:spTree>
+      <p:nvGrpSpPr>
+        <p:cNvPr id="1" name=""/>
+        <p:cNvGrpSpPr/>
+        <p:nvPr/>
+      </p:nvGrpSpPr>
+      <p:grpSpPr>
+        <a:xfrm>
+          <a:off x="0" y="0"/>
+          <a:ext cx="0" cy="0"/>
+          <a:chOff x="0" y="0"/>
+          <a:chExt cx="0" cy="0"/>
+        </a:xfrm>
+      </p:grpSpPr>
       <p:pic>
         <p:nvPicPr>
           <p:cNvPr id="8" name="Picture 7">
@@ -8910,7 +9612,7 @@
 </p:sld>
 </file>
 
-<file path=ppt/slides/slide41.xml><?xml version="1.0" encoding="utf-8"?>
+<file path=ppt/slides/slide47.xml><?xml version="1.0" encoding="utf-8"?>
 <p:sld xmlns:a="http://schemas.openxmlformats.org/drawingml/2006/main" xmlns:r="http://schemas.openxmlformats.org/officeDocument/2006/relationships" xmlns:p="http://schemas.openxmlformats.org/presentationml/2006/main">
   <p:cSld>
     <p:spTree>
@@ -9000,7 +9702,7 @@
 </p:sld>
 </file>
 
-<file path=ppt/slides/slide42.xml><?xml version="1.0" encoding="utf-8"?>
+<file path=ppt/slides/slide48.xml><?xml version="1.0" encoding="utf-8"?>
 <p:sld xmlns:a="http://schemas.openxmlformats.org/drawingml/2006/main" xmlns:r="http://schemas.openxmlformats.org/officeDocument/2006/relationships" xmlns:p="http://schemas.openxmlformats.org/presentationml/2006/main">
   <p:cSld>
     <p:spTree>
@@ -9060,7 +9762,7 @@
 </p:sld>
 </file>
 
-<file path=ppt/slides/slide43.xml><?xml version="1.0" encoding="utf-8"?>
+<file path=ppt/slides/slide49.xml><?xml version="1.0" encoding="utf-8"?>
 <p:sld xmlns:a="http://schemas.openxmlformats.org/drawingml/2006/main" xmlns:r="http://schemas.openxmlformats.org/officeDocument/2006/relationships" xmlns:p="http://schemas.openxmlformats.org/presentationml/2006/main">
   <p:cSld>
     <p:spTree>
@@ -9148,7 +9850,90 @@
 </p:sld>
 </file>
 
-<file path=ppt/slides/slide44.xml><?xml version="1.0" encoding="utf-8"?>
+<file path=ppt/slides/slide5.xml><?xml version="1.0" encoding="utf-8"?>
+<p:sld xmlns:a="http://schemas.openxmlformats.org/drawingml/2006/main" xmlns:r="http://schemas.openxmlformats.org/officeDocument/2006/relationships" xmlns:p="http://schemas.openxmlformats.org/presentationml/2006/main">
+  <p:cSld>
+    <p:spTree>
+      <p:nvGrpSpPr>
+        <p:cNvPr id="1" name=""/>
+        <p:cNvGrpSpPr/>
+        <p:nvPr/>
+      </p:nvGrpSpPr>
+      <p:grpSpPr>
+        <a:xfrm>
+          <a:off x="0" y="0"/>
+          <a:ext cx="0" cy="0"/>
+          <a:chOff x="0" y="0"/>
+          <a:chExt cx="0" cy="0"/>
+        </a:xfrm>
+      </p:grpSpPr>
+      <p:sp>
+        <p:nvSpPr>
+          <p:cNvPr id="2" name="Title 1">
+            <a:extLst>
+              <a:ext uri="{FF2B5EF4-FFF2-40B4-BE49-F238E27FC236}">
+                <a16:creationId xmlns:a16="http://schemas.microsoft.com/office/drawing/2014/main" id="{9831B8CC-CE63-2632-A79B-DF312B723DB2}"/>
+              </a:ext>
+            </a:extLst>
+          </p:cNvPr>
+          <p:cNvSpPr>
+            <a:spLocks noGrp="1"/>
+          </p:cNvSpPr>
+          <p:nvPr>
+            <p:ph type="title"/>
+          </p:nvPr>
+        </p:nvSpPr>
+        <p:spPr/>
+        <p:txBody>
+          <a:bodyPr/>
+          <a:lstStyle/>
+          <a:p>
+            <a:r>
+              <a:rPr lang="en-GB" dirty="0"/>
+              <a:t>VS Code</a:t>
+            </a:r>
+          </a:p>
+        </p:txBody>
+      </p:sp>
+      <p:sp>
+        <p:nvSpPr>
+          <p:cNvPr id="3" name="Content Placeholder 2">
+            <a:extLst>
+              <a:ext uri="{FF2B5EF4-FFF2-40B4-BE49-F238E27FC236}">
+                <a16:creationId xmlns:a16="http://schemas.microsoft.com/office/drawing/2014/main" id="{B5E4477C-CAAB-ABF9-981B-11DA484523CD}"/>
+              </a:ext>
+            </a:extLst>
+          </p:cNvPr>
+          <p:cNvSpPr>
+            <a:spLocks noGrp="1"/>
+          </p:cNvSpPr>
+          <p:nvPr>
+            <p:ph idx="1"/>
+          </p:nvPr>
+        </p:nvSpPr>
+        <p:spPr/>
+        <p:txBody>
+          <a:bodyPr/>
+          <a:lstStyle/>
+          <a:p>
+            <a:endParaRPr lang="en-GB"/>
+          </a:p>
+        </p:txBody>
+      </p:sp>
+    </p:spTree>
+    <p:extLst>
+      <p:ext uri="{BB962C8B-B14F-4D97-AF65-F5344CB8AC3E}">
+        <p14:creationId xmlns:p14="http://schemas.microsoft.com/office/powerpoint/2010/main" val="3080502177"/>
+      </p:ext>
+    </p:extLst>
+  </p:cSld>
+  <p:clrMapOvr>
+    <a:masterClrMapping/>
+  </p:clrMapOvr>
+</p:sld>
+</file>
+
+<file path=ppt/slides/slide50.xml><?xml version="1.0" encoding="utf-8"?>
 <p:sld xmlns:a="http://schemas.openxmlformats.org/drawingml/2006/main" xmlns:r="http://schemas.openxmlformats.org/officeDocument/2006/relationships" xmlns:p="http://schemas.openxmlformats.org/presentationml/2006/main">
   <p:cSld>
     <p:spTree>
@@ -9241,7 +10026,7 @@
 </p:sld>
 </file>
 
-<file path=ppt/slides/slide45.xml><?xml version="1.0" encoding="utf-8"?>
+<file path=ppt/slides/slide51.xml><?xml version="1.0" encoding="utf-8"?>
 <p:sld xmlns:a="http://schemas.openxmlformats.org/drawingml/2006/main" xmlns:r="http://schemas.openxmlformats.org/officeDocument/2006/relationships" xmlns:p="http://schemas.openxmlformats.org/presentationml/2006/main">
   <p:cSld>
     <p:spTree>
@@ -9328,7 +10113,7 @@
 </p:sld>
 </file>
 
-<file path=ppt/slides/slide46.xml><?xml version="1.0" encoding="utf-8"?>
+<file path=ppt/slides/slide52.xml><?xml version="1.0" encoding="utf-8"?>
 <p:sld xmlns:a="http://schemas.openxmlformats.org/drawingml/2006/main" xmlns:r="http://schemas.openxmlformats.org/officeDocument/2006/relationships" xmlns:p="http://schemas.openxmlformats.org/presentationml/2006/main">
   <p:cSld>
     <p:spTree>
@@ -9443,7 +10228,7 @@
 </p:sld>
 </file>
 
-<file path=ppt/slides/slide47.xml><?xml version="1.0" encoding="utf-8"?>
+<file path=ppt/slides/slide53.xml><?xml version="1.0" encoding="utf-8"?>
 <p:sld xmlns:a="http://schemas.openxmlformats.org/drawingml/2006/main" xmlns:r="http://schemas.openxmlformats.org/officeDocument/2006/relationships" xmlns:p="http://schemas.openxmlformats.org/presentationml/2006/main">
   <p:cSld>
     <p:spTree>
@@ -9561,7 +10346,7 @@
 </p:sld>
 </file>
 
-<file path=ppt/slides/slide48.xml><?xml version="1.0" encoding="utf-8"?>
+<file path=ppt/slides/slide54.xml><?xml version="1.0" encoding="utf-8"?>
 <p:sld xmlns:a="http://schemas.openxmlformats.org/drawingml/2006/main" xmlns:r="http://schemas.openxmlformats.org/officeDocument/2006/relationships" xmlns:p="http://schemas.openxmlformats.org/presentationml/2006/main">
   <p:cSld>
     <p:spTree>
@@ -9649,7 +10434,7 @@
 </p:sld>
 </file>
 
-<file path=ppt/slides/slide49.xml><?xml version="1.0" encoding="utf-8"?>
+<file path=ppt/slides/slide55.xml><?xml version="1.0" encoding="utf-8"?>
 <p:sld xmlns:a="http://schemas.openxmlformats.org/drawingml/2006/main" xmlns:r="http://schemas.openxmlformats.org/officeDocument/2006/relationships" xmlns:p="http://schemas.openxmlformats.org/presentationml/2006/main">
   <p:cSld>
     <p:spTree>
@@ -9737,90 +10522,7 @@
 </p:sld>
 </file>
 
-<file path=ppt/slides/slide5.xml><?xml version="1.0" encoding="utf-8"?>
-<p:sld xmlns:a="http://schemas.openxmlformats.org/drawingml/2006/main" xmlns:r="http://schemas.openxmlformats.org/officeDocument/2006/relationships" xmlns:p="http://schemas.openxmlformats.org/presentationml/2006/main">
-  <p:cSld>
-    <p:spTree>
-      <p:nvGrpSpPr>
-        <p:cNvPr id="1" name=""/>
-        <p:cNvGrpSpPr/>
-        <p:nvPr/>
-      </p:nvGrpSpPr>
-      <p:grpSpPr>
-        <a:xfrm>
-          <a:off x="0" y="0"/>
-          <a:ext cx="0" cy="0"/>
-          <a:chOff x="0" y="0"/>
-          <a:chExt cx="0" cy="0"/>
-        </a:xfrm>
-      </p:grpSpPr>
-      <p:sp>
-        <p:nvSpPr>
-          <p:cNvPr id="2" name="Title 1">
-            <a:extLst>
-              <a:ext uri="{FF2B5EF4-FFF2-40B4-BE49-F238E27FC236}">
-                <a16:creationId xmlns:a16="http://schemas.microsoft.com/office/drawing/2014/main" id="{9831B8CC-CE63-2632-A79B-DF312B723DB2}"/>
-              </a:ext>
-            </a:extLst>
-          </p:cNvPr>
-          <p:cNvSpPr>
-            <a:spLocks noGrp="1"/>
-          </p:cNvSpPr>
-          <p:nvPr>
-            <p:ph type="title"/>
-          </p:nvPr>
-        </p:nvSpPr>
-        <p:spPr/>
-        <p:txBody>
-          <a:bodyPr/>
-          <a:lstStyle/>
-          <a:p>
-            <a:r>
-              <a:rPr lang="en-GB" dirty="0"/>
-              <a:t>VS Code</a:t>
-            </a:r>
-          </a:p>
-        </p:txBody>
-      </p:sp>
-      <p:sp>
-        <p:nvSpPr>
-          <p:cNvPr id="3" name="Content Placeholder 2">
-            <a:extLst>
-              <a:ext uri="{FF2B5EF4-FFF2-40B4-BE49-F238E27FC236}">
-                <a16:creationId xmlns:a16="http://schemas.microsoft.com/office/drawing/2014/main" id="{B5E4477C-CAAB-ABF9-981B-11DA484523CD}"/>
-              </a:ext>
-            </a:extLst>
-          </p:cNvPr>
-          <p:cNvSpPr>
-            <a:spLocks noGrp="1"/>
-          </p:cNvSpPr>
-          <p:nvPr>
-            <p:ph idx="1"/>
-          </p:nvPr>
-        </p:nvSpPr>
-        <p:spPr/>
-        <p:txBody>
-          <a:bodyPr/>
-          <a:lstStyle/>
-          <a:p>
-            <a:endParaRPr lang="en-GB"/>
-          </a:p>
-        </p:txBody>
-      </p:sp>
-    </p:spTree>
-    <p:extLst>
-      <p:ext uri="{BB962C8B-B14F-4D97-AF65-F5344CB8AC3E}">
-        <p14:creationId xmlns:p14="http://schemas.microsoft.com/office/powerpoint/2010/main" val="3080502177"/>
-      </p:ext>
-    </p:extLst>
-  </p:cSld>
-  <p:clrMapOvr>
-    <a:masterClrMapping/>
-  </p:clrMapOvr>
-</p:sld>
-</file>
-
-<file path=ppt/slides/slide50.xml><?xml version="1.0" encoding="utf-8"?>
+<file path=ppt/slides/slide56.xml><?xml version="1.0" encoding="utf-8"?>
 <p:sld xmlns:a="http://schemas.openxmlformats.org/drawingml/2006/main" xmlns:r="http://schemas.openxmlformats.org/officeDocument/2006/relationships" xmlns:p="http://schemas.openxmlformats.org/presentationml/2006/main">
   <p:cSld>
     <p:spTree>
@@ -9910,7 +10612,7 @@
 </p:sld>
 </file>
 
-<file path=ppt/slides/slide51.xml><?xml version="1.0" encoding="utf-8"?>
+<file path=ppt/slides/slide57.xml><?xml version="1.0" encoding="utf-8"?>
 <p:sld xmlns:a="http://schemas.openxmlformats.org/drawingml/2006/main" xmlns:r="http://schemas.openxmlformats.org/officeDocument/2006/relationships" xmlns:p="http://schemas.openxmlformats.org/presentationml/2006/main">
   <p:cSld>
     <p:spTree>
@@ -9940,352 +10642,7 @@
 </p:sld>
 </file>
 
-<file path=ppt/slides/slide52.xml><?xml version="1.0" encoding="utf-8"?>
-<p:sld xmlns:a="http://schemas.openxmlformats.org/drawingml/2006/main" xmlns:r="http://schemas.openxmlformats.org/officeDocument/2006/relationships" xmlns:p="http://schemas.openxmlformats.org/presentationml/2006/main">
-  <p:cSld>
-    <p:spTree>
-      <p:nvGrpSpPr>
-        <p:cNvPr id="1" name=""/>
-        <p:cNvGrpSpPr/>
-        <p:nvPr/>
-      </p:nvGrpSpPr>
-      <p:grpSpPr>
-        <a:xfrm>
-          <a:off x="0" y="0"/>
-          <a:ext cx="0" cy="0"/>
-          <a:chOff x="0" y="0"/>
-          <a:chExt cx="0" cy="0"/>
-        </a:xfrm>
-      </p:grpSpPr>
-      <p:sp>
-        <p:nvSpPr>
-          <p:cNvPr id="2" name="Title 1">
-            <a:extLst>
-              <a:ext uri="{FF2B5EF4-FFF2-40B4-BE49-F238E27FC236}">
-                <a16:creationId xmlns:a16="http://schemas.microsoft.com/office/drawing/2014/main" id="{DCD86764-00F4-6C9A-2130-D553A9C0F19A}"/>
-              </a:ext>
-            </a:extLst>
-          </p:cNvPr>
-          <p:cNvSpPr>
-            <a:spLocks noGrp="1"/>
-          </p:cNvSpPr>
-          <p:nvPr>
-            <p:ph type="title"/>
-          </p:nvPr>
-        </p:nvSpPr>
-        <p:spPr/>
-        <p:txBody>
-          <a:bodyPr/>
-          <a:lstStyle/>
-          <a:p>
-            <a:endParaRPr lang="en-GB"/>
-          </a:p>
-        </p:txBody>
-      </p:sp>
-      <p:pic>
-        <p:nvPicPr>
-          <p:cNvPr id="6" name="Picture 5">
-            <a:extLst>
-              <a:ext uri="{FF2B5EF4-FFF2-40B4-BE49-F238E27FC236}">
-                <a16:creationId xmlns:a16="http://schemas.microsoft.com/office/drawing/2014/main" id="{47C005FD-6EF0-7A3C-6393-F6C7EBDD05A8}"/>
-              </a:ext>
-            </a:extLst>
-          </p:cNvPr>
-          <p:cNvPicPr>
-            <a:picLocks noChangeAspect="1"/>
-          </p:cNvPicPr>
-          <p:nvPr/>
-        </p:nvPicPr>
-        <p:blipFill>
-          <a:blip r:embed="rId2"/>
-          <a:stretch>
-            <a:fillRect/>
-          </a:stretch>
-        </p:blipFill>
-        <p:spPr>
-          <a:xfrm>
-            <a:off x="371181" y="958723"/>
-            <a:ext cx="11449638" cy="4940554"/>
-          </a:xfrm>
-          <a:prstGeom prst="rect">
-            <a:avLst/>
-          </a:prstGeom>
-        </p:spPr>
-      </p:pic>
-    </p:spTree>
-    <p:extLst>
-      <p:ext uri="{BB962C8B-B14F-4D97-AF65-F5344CB8AC3E}">
-        <p14:creationId xmlns:p14="http://schemas.microsoft.com/office/powerpoint/2010/main" val="224514564"/>
-      </p:ext>
-    </p:extLst>
-  </p:cSld>
-  <p:clrMapOvr>
-    <a:masterClrMapping/>
-  </p:clrMapOvr>
-</p:sld>
-</file>
-
-<file path=ppt/slides/slide53.xml><?xml version="1.0" encoding="utf-8"?>
-<p:sld xmlns:a="http://schemas.openxmlformats.org/drawingml/2006/main" xmlns:r="http://schemas.openxmlformats.org/officeDocument/2006/relationships" xmlns:p="http://schemas.openxmlformats.org/presentationml/2006/main">
-  <p:cSld>
-    <p:spTree>
-      <p:nvGrpSpPr>
-        <p:cNvPr id="1" name=""/>
-        <p:cNvGrpSpPr/>
-        <p:nvPr/>
-      </p:nvGrpSpPr>
-      <p:grpSpPr>
-        <a:xfrm>
-          <a:off x="0" y="0"/>
-          <a:ext cx="0" cy="0"/>
-          <a:chOff x="0" y="0"/>
-          <a:chExt cx="0" cy="0"/>
-        </a:xfrm>
-      </p:grpSpPr>
-      <p:sp>
-        <p:nvSpPr>
-          <p:cNvPr id="2" name="Title 1">
-            <a:extLst>
-              <a:ext uri="{FF2B5EF4-FFF2-40B4-BE49-F238E27FC236}">
-                <a16:creationId xmlns:a16="http://schemas.microsoft.com/office/drawing/2014/main" id="{DCD86764-00F4-6C9A-2130-D553A9C0F19A}"/>
-              </a:ext>
-            </a:extLst>
-          </p:cNvPr>
-          <p:cNvSpPr>
-            <a:spLocks noGrp="1"/>
-          </p:cNvSpPr>
-          <p:nvPr>
-            <p:ph type="title"/>
-          </p:nvPr>
-        </p:nvSpPr>
-        <p:spPr/>
-        <p:txBody>
-          <a:bodyPr/>
-          <a:lstStyle/>
-          <a:p>
-            <a:endParaRPr lang="en-GB"/>
-          </a:p>
-        </p:txBody>
-      </p:sp>
-      <p:pic>
-        <p:nvPicPr>
-          <p:cNvPr id="4" name="Picture 3">
-            <a:extLst>
-              <a:ext uri="{FF2B5EF4-FFF2-40B4-BE49-F238E27FC236}">
-                <a16:creationId xmlns:a16="http://schemas.microsoft.com/office/drawing/2014/main" id="{1228FCC1-0C76-DB22-35FF-1D59981CB3E8}"/>
-              </a:ext>
-            </a:extLst>
-          </p:cNvPr>
-          <p:cNvPicPr>
-            <a:picLocks noChangeAspect="1"/>
-          </p:cNvPicPr>
-          <p:nvPr/>
-        </p:nvPicPr>
-        <p:blipFill>
-          <a:blip r:embed="rId2"/>
-          <a:stretch>
-            <a:fillRect/>
-          </a:stretch>
-        </p:blipFill>
-        <p:spPr>
-          <a:xfrm>
-            <a:off x="838200" y="2026892"/>
-            <a:ext cx="3968954" cy="2101958"/>
-          </a:xfrm>
-          <a:prstGeom prst="rect">
-            <a:avLst/>
-          </a:prstGeom>
-        </p:spPr>
-      </p:pic>
-    </p:spTree>
-    <p:extLst>
-      <p:ext uri="{BB962C8B-B14F-4D97-AF65-F5344CB8AC3E}">
-        <p14:creationId xmlns:p14="http://schemas.microsoft.com/office/powerpoint/2010/main" val="460359469"/>
-      </p:ext>
-    </p:extLst>
-  </p:cSld>
-  <p:clrMapOvr>
-    <a:masterClrMapping/>
-  </p:clrMapOvr>
-</p:sld>
-</file>
-
-<file path=ppt/slides/slide54.xml><?xml version="1.0" encoding="utf-8"?>
-<p:sld xmlns:a="http://schemas.openxmlformats.org/drawingml/2006/main" xmlns:r="http://schemas.openxmlformats.org/officeDocument/2006/relationships" xmlns:p="http://schemas.openxmlformats.org/presentationml/2006/main">
-  <p:cSld>
-    <p:spTree>
-      <p:nvGrpSpPr>
-        <p:cNvPr id="1" name=""/>
-        <p:cNvGrpSpPr/>
-        <p:nvPr/>
-      </p:nvGrpSpPr>
-      <p:grpSpPr>
-        <a:xfrm>
-          <a:off x="0" y="0"/>
-          <a:ext cx="0" cy="0"/>
-          <a:chOff x="0" y="0"/>
-          <a:chExt cx="0" cy="0"/>
-        </a:xfrm>
-      </p:grpSpPr>
-      <p:sp>
-        <p:nvSpPr>
-          <p:cNvPr id="2" name="Title 1">
-            <a:extLst>
-              <a:ext uri="{FF2B5EF4-FFF2-40B4-BE49-F238E27FC236}">
-                <a16:creationId xmlns:a16="http://schemas.microsoft.com/office/drawing/2014/main" id="{A5469F7B-5F47-517F-D218-DF1E89BBB790}"/>
-              </a:ext>
-            </a:extLst>
-          </p:cNvPr>
-          <p:cNvSpPr>
-            <a:spLocks noGrp="1"/>
-          </p:cNvSpPr>
-          <p:nvPr>
-            <p:ph type="title"/>
-          </p:nvPr>
-        </p:nvSpPr>
-        <p:spPr/>
-        <p:txBody>
-          <a:bodyPr/>
-          <a:lstStyle/>
-          <a:p>
-            <a:r>
-              <a:rPr lang="en-GB" dirty="0"/>
-              <a:t>Python</a:t>
-            </a:r>
-          </a:p>
-        </p:txBody>
-      </p:sp>
-      <p:sp>
-        <p:nvSpPr>
-          <p:cNvPr id="3" name="Content Placeholder 2">
-            <a:extLst>
-              <a:ext uri="{FF2B5EF4-FFF2-40B4-BE49-F238E27FC236}">
-                <a16:creationId xmlns:a16="http://schemas.microsoft.com/office/drawing/2014/main" id="{D887FE72-3475-5DF9-893F-927B7A1BBC5F}"/>
-              </a:ext>
-            </a:extLst>
-          </p:cNvPr>
-          <p:cNvSpPr>
-            <a:spLocks noGrp="1"/>
-          </p:cNvSpPr>
-          <p:nvPr>
-            <p:ph idx="1"/>
-          </p:nvPr>
-        </p:nvSpPr>
-        <p:spPr/>
-        <p:txBody>
-          <a:bodyPr>
-            <a:normAutofit fontScale="32500" lnSpcReduction="20000"/>
-          </a:bodyPr>
-          <a:lstStyle/>
-          <a:p>
-            <a:r>
-              <a:rPr lang="en-GB" dirty="0"/>
-              <a:t>Install Python</a:t>
-            </a:r>
-          </a:p>
-          <a:p>
-            <a:endParaRPr lang="en-GB" dirty="0"/>
-          </a:p>
-          <a:p>
-            <a:r>
-              <a:rPr lang="en-GB" dirty="0"/>
-              <a:t>Set path</a:t>
-            </a:r>
-          </a:p>
-          <a:p>
-            <a:endParaRPr lang="en-GB" dirty="0"/>
-          </a:p>
-          <a:p>
-            <a:r>
-              <a:rPr lang="en-GB" dirty="0"/>
-              <a:t>open Windows Terminal</a:t>
-            </a:r>
-          </a:p>
-          <a:p>
-            <a:r>
-              <a:rPr lang="en-GB" dirty="0"/>
-              <a:t>	- cd to user folder</a:t>
-            </a:r>
-          </a:p>
-          <a:p>
-            <a:r>
-              <a:rPr lang="en-GB" dirty="0"/>
-              <a:t>	- create folder &amp; python file - hello-world.py</a:t>
-            </a:r>
-          </a:p>
-          <a:p>
-            <a:r>
-              <a:rPr lang="en-GB" dirty="0"/>
-              <a:t>	- open python file in notepad</a:t>
-            </a:r>
-          </a:p>
-          <a:p>
-            <a:r>
-              <a:rPr lang="en-GB" dirty="0"/>
-              <a:t>	- print('hello world')</a:t>
-            </a:r>
-          </a:p>
-          <a:p>
-            <a:r>
-              <a:rPr lang="en-GB" dirty="0"/>
-              <a:t>	- from terminal python hello-world.py</a:t>
-            </a:r>
-          </a:p>
-          <a:p>
-            <a:endParaRPr lang="en-GB" dirty="0"/>
-          </a:p>
-          <a:p>
-            <a:r>
-              <a:rPr lang="en-GB" dirty="0"/>
-              <a:t>Run hello-world.py from VS Code in debug</a:t>
-            </a:r>
-          </a:p>
-          <a:p>
-            <a:r>
-              <a:rPr lang="en-GB" dirty="0"/>
-              <a:t>Demo editing file and running in debug</a:t>
-            </a:r>
-          </a:p>
-          <a:p>
-            <a:endParaRPr lang="en-GB" dirty="0"/>
-          </a:p>
-          <a:p>
-            <a:r>
-              <a:rPr lang="en-GB" dirty="0"/>
-              <a:t>Demo python from shell</a:t>
-            </a:r>
-          </a:p>
-          <a:p>
-            <a:endParaRPr lang="en-GB" dirty="0"/>
-          </a:p>
-          <a:p>
-            <a:r>
-              <a:rPr lang="en-GB" dirty="0"/>
-              <a:t>Install Pip</a:t>
-            </a:r>
-          </a:p>
-          <a:p>
-            <a:r>
-              <a:rPr lang="en-GB" dirty="0"/>
-              <a:t>Install Spark from Pip</a:t>
-            </a:r>
-          </a:p>
-        </p:txBody>
-      </p:sp>
-    </p:spTree>
-    <p:extLst>
-      <p:ext uri="{BB962C8B-B14F-4D97-AF65-F5344CB8AC3E}">
-        <p14:creationId xmlns:p14="http://schemas.microsoft.com/office/powerpoint/2010/main" val="3256889448"/>
-      </p:ext>
-    </p:extLst>
-  </p:cSld>
-  <p:clrMapOvr>
-    <a:masterClrMapping/>
-  </p:clrMapOvr>
-</p:sld>
-</file>
-
-<file path=ppt/slides/slide55.xml><?xml version="1.0" encoding="utf-8"?>
+<file path=ppt/slides/slide58.xml><?xml version="1.0" encoding="utf-8"?>
 <p:sld xmlns:a="http://schemas.openxmlformats.org/drawingml/2006/main" xmlns:r="http://schemas.openxmlformats.org/officeDocument/2006/relationships" xmlns:p="http://schemas.openxmlformats.org/presentationml/2006/main">
   <p:cSld>
     <p:spTree>

--- a/Data Engineering Using Free Tools/Learn Data Engineering For Free.pptx
+++ b/Data Engineering Using Free Tools/Learn Data Engineering For Free.pptx
@@ -5,7 +5,7 @@
     <p:sldMasterId id="2147483648" r:id="rId1"/>
   </p:sldMasterIdLst>
   <p:notesMasterIdLst>
-    <p:notesMasterId r:id="rId60"/>
+    <p:notesMasterId r:id="rId61"/>
   </p:notesMasterIdLst>
   <p:sldIdLst>
     <p:sldId id="256" r:id="rId2"/>
@@ -49,23 +49,24 @@
     <p:sldId id="300" r:id="rId40"/>
     <p:sldId id="316" r:id="rId41"/>
     <p:sldId id="257" r:id="rId42"/>
-    <p:sldId id="314" r:id="rId43"/>
-    <p:sldId id="315" r:id="rId44"/>
-    <p:sldId id="311" r:id="rId45"/>
-    <p:sldId id="301" r:id="rId46"/>
-    <p:sldId id="302" r:id="rId47"/>
-    <p:sldId id="303" r:id="rId48"/>
-    <p:sldId id="304" r:id="rId49"/>
-    <p:sldId id="267" r:id="rId50"/>
-    <p:sldId id="270" r:id="rId51"/>
-    <p:sldId id="266" r:id="rId52"/>
-    <p:sldId id="293" r:id="rId53"/>
-    <p:sldId id="271" r:id="rId54"/>
-    <p:sldId id="272" r:id="rId55"/>
-    <p:sldId id="273" r:id="rId56"/>
-    <p:sldId id="282" r:id="rId57"/>
-    <p:sldId id="305" r:id="rId58"/>
-    <p:sldId id="260" r:id="rId59"/>
+    <p:sldId id="317" r:id="rId43"/>
+    <p:sldId id="314" r:id="rId44"/>
+    <p:sldId id="315" r:id="rId45"/>
+    <p:sldId id="311" r:id="rId46"/>
+    <p:sldId id="301" r:id="rId47"/>
+    <p:sldId id="302" r:id="rId48"/>
+    <p:sldId id="303" r:id="rId49"/>
+    <p:sldId id="304" r:id="rId50"/>
+    <p:sldId id="267" r:id="rId51"/>
+    <p:sldId id="270" r:id="rId52"/>
+    <p:sldId id="266" r:id="rId53"/>
+    <p:sldId id="293" r:id="rId54"/>
+    <p:sldId id="271" r:id="rId55"/>
+    <p:sldId id="272" r:id="rId56"/>
+    <p:sldId id="273" r:id="rId57"/>
+    <p:sldId id="282" r:id="rId58"/>
+    <p:sldId id="305" r:id="rId59"/>
+    <p:sldId id="260" r:id="rId60"/>
   </p:sldIdLst>
   <p:sldSz cx="12192000" cy="6858000"/>
   <p:notesSz cx="6858000" cy="9144000"/>
@@ -1949,7 +1950,7 @@
           <a:p>
             <a:fld id="{C49D3115-C41D-4930-8EF3-A657CFCC644E}" type="datetimeFigureOut">
               <a:rPr lang="en-GB" smtClean="0"/>
-              <a:t>22/09/2024</a:t>
+              <a:t>25/09/2024</a:t>
             </a:fld>
             <a:endParaRPr lang="en-GB"/>
           </a:p>
@@ -2450,7 +2451,7 @@
           <a:p>
             <a:fld id="{35275B4F-5DE5-4D53-BD3B-F0C44FE589B2}" type="datetimeFigureOut">
               <a:rPr lang="en-GB" smtClean="0"/>
-              <a:t>22/09/2024</a:t>
+              <a:t>25/09/2024</a:t>
             </a:fld>
             <a:endParaRPr lang="en-GB"/>
           </a:p>
@@ -2650,7 +2651,7 @@
           <a:p>
             <a:fld id="{35275B4F-5DE5-4D53-BD3B-F0C44FE589B2}" type="datetimeFigureOut">
               <a:rPr lang="en-GB" smtClean="0"/>
-              <a:t>22/09/2024</a:t>
+              <a:t>25/09/2024</a:t>
             </a:fld>
             <a:endParaRPr lang="en-GB"/>
           </a:p>
@@ -2860,7 +2861,7 @@
           <a:p>
             <a:fld id="{35275B4F-5DE5-4D53-BD3B-F0C44FE589B2}" type="datetimeFigureOut">
               <a:rPr lang="en-GB" smtClean="0"/>
-              <a:t>22/09/2024</a:t>
+              <a:t>25/09/2024</a:t>
             </a:fld>
             <a:endParaRPr lang="en-GB"/>
           </a:p>
@@ -3060,7 +3061,7 @@
           <a:p>
             <a:fld id="{35275B4F-5DE5-4D53-BD3B-F0C44FE589B2}" type="datetimeFigureOut">
               <a:rPr lang="en-GB" smtClean="0"/>
-              <a:t>22/09/2024</a:t>
+              <a:t>25/09/2024</a:t>
             </a:fld>
             <a:endParaRPr lang="en-GB"/>
           </a:p>
@@ -3336,7 +3337,7 @@
           <a:p>
             <a:fld id="{35275B4F-5DE5-4D53-BD3B-F0C44FE589B2}" type="datetimeFigureOut">
               <a:rPr lang="en-GB" smtClean="0"/>
-              <a:t>22/09/2024</a:t>
+              <a:t>25/09/2024</a:t>
             </a:fld>
             <a:endParaRPr lang="en-GB"/>
           </a:p>
@@ -3604,7 +3605,7 @@
           <a:p>
             <a:fld id="{35275B4F-5DE5-4D53-BD3B-F0C44FE589B2}" type="datetimeFigureOut">
               <a:rPr lang="en-GB" smtClean="0"/>
-              <a:t>22/09/2024</a:t>
+              <a:t>25/09/2024</a:t>
             </a:fld>
             <a:endParaRPr lang="en-GB"/>
           </a:p>
@@ -4019,7 +4020,7 @@
           <a:p>
             <a:fld id="{35275B4F-5DE5-4D53-BD3B-F0C44FE589B2}" type="datetimeFigureOut">
               <a:rPr lang="en-GB" smtClean="0"/>
-              <a:t>22/09/2024</a:t>
+              <a:t>25/09/2024</a:t>
             </a:fld>
             <a:endParaRPr lang="en-GB"/>
           </a:p>
@@ -4161,7 +4162,7 @@
           <a:p>
             <a:fld id="{35275B4F-5DE5-4D53-BD3B-F0C44FE589B2}" type="datetimeFigureOut">
               <a:rPr lang="en-GB" smtClean="0"/>
-              <a:t>22/09/2024</a:t>
+              <a:t>25/09/2024</a:t>
             </a:fld>
             <a:endParaRPr lang="en-GB"/>
           </a:p>
@@ -4274,7 +4275,7 @@
           <a:p>
             <a:fld id="{35275B4F-5DE5-4D53-BD3B-F0C44FE589B2}" type="datetimeFigureOut">
               <a:rPr lang="en-GB" smtClean="0"/>
-              <a:t>22/09/2024</a:t>
+              <a:t>25/09/2024</a:t>
             </a:fld>
             <a:endParaRPr lang="en-GB"/>
           </a:p>
@@ -4587,7 +4588,7 @@
           <a:p>
             <a:fld id="{35275B4F-5DE5-4D53-BD3B-F0C44FE589B2}" type="datetimeFigureOut">
               <a:rPr lang="en-GB" smtClean="0"/>
-              <a:t>22/09/2024</a:t>
+              <a:t>25/09/2024</a:t>
             </a:fld>
             <a:endParaRPr lang="en-GB"/>
           </a:p>
@@ -4876,7 +4877,7 @@
           <a:p>
             <a:fld id="{35275B4F-5DE5-4D53-BD3B-F0C44FE589B2}" type="datetimeFigureOut">
               <a:rPr lang="en-GB" smtClean="0"/>
-              <a:t>22/09/2024</a:t>
+              <a:t>25/09/2024</a:t>
             </a:fld>
             <a:endParaRPr lang="en-GB"/>
           </a:p>
@@ -5119,7 +5120,7 @@
           <a:p>
             <a:fld id="{35275B4F-5DE5-4D53-BD3B-F0C44FE589B2}" type="datetimeFigureOut">
               <a:rPr lang="en-GB" smtClean="0"/>
-              <a:t>22/09/2024</a:t>
+              <a:t>25/09/2024</a:t>
             </a:fld>
             <a:endParaRPr lang="en-GB"/>
           </a:p>
@@ -9118,7 +9119,7 @@
           <p:cNvPr id="2" name="Title 1">
             <a:extLst>
               <a:ext uri="{FF2B5EF4-FFF2-40B4-BE49-F238E27FC236}">
-                <a16:creationId xmlns:a16="http://schemas.microsoft.com/office/drawing/2014/main" id="{A5469F7B-5F47-517F-D218-DF1E89BBB790}"/>
+                <a16:creationId xmlns:a16="http://schemas.microsoft.com/office/drawing/2014/main" id="{A46B4437-F99E-881D-8C11-C63B2CC3EA49}"/>
               </a:ext>
             </a:extLst>
           </p:cNvPr>
@@ -9134,90 +9135,44 @@
           <a:bodyPr/>
           <a:lstStyle/>
           <a:p>
-            <a:r>
-              <a:rPr lang="en-GB" dirty="0" err="1"/>
-              <a:t>PySpark</a:t>
-            </a:r>
-            <a:r>
-              <a:rPr lang="en-GB" dirty="0"/>
-              <a:t> Pre-requisites</a:t>
-            </a:r>
-          </a:p>
-        </p:txBody>
-      </p:sp>
-      <p:sp>
-        <p:nvSpPr>
-          <p:cNvPr id="3" name="Content Placeholder 2">
-            <a:extLst>
-              <a:ext uri="{FF2B5EF4-FFF2-40B4-BE49-F238E27FC236}">
-                <a16:creationId xmlns:a16="http://schemas.microsoft.com/office/drawing/2014/main" id="{D887FE72-3475-5DF9-893F-927B7A1BBC5F}"/>
-              </a:ext>
-            </a:extLst>
-          </p:cNvPr>
-          <p:cNvSpPr>
-            <a:spLocks noGrp="1"/>
-          </p:cNvSpPr>
-          <p:nvPr>
-            <p:ph idx="1"/>
-          </p:nvPr>
-        </p:nvSpPr>
-        <p:spPr/>
-        <p:txBody>
-          <a:bodyPr>
-            <a:normAutofit/>
-          </a:bodyPr>
-          <a:lstStyle/>
-          <a:p>
-            <a:r>
-              <a:rPr lang="en-GB" dirty="0"/>
-              <a:t>Install Java</a:t>
-            </a:r>
-          </a:p>
-          <a:p>
-            <a:r>
-              <a:rPr lang="en-GB" dirty="0"/>
-              <a:t>Set paths</a:t>
-            </a:r>
-          </a:p>
-          <a:p>
-            <a:pPr lvl="1"/>
-            <a:r>
-              <a:rPr lang="en-GB" dirty="0"/>
-              <a:t>JAVA_HOME</a:t>
-            </a:r>
-          </a:p>
-          <a:p>
-            <a:pPr lvl="1"/>
-            <a:r>
-              <a:rPr lang="en-GB" dirty="0"/>
-              <a:t>PATH</a:t>
-            </a:r>
-          </a:p>
-          <a:p>
-            <a:pPr lvl="1"/>
-            <a:endParaRPr lang="en-GB" dirty="0"/>
-          </a:p>
-          <a:p>
-            <a:r>
-              <a:rPr lang="en-GB" dirty="0"/>
-              <a:t>Install Apache Spark</a:t>
-            </a:r>
-          </a:p>
-          <a:p>
-            <a:r>
-              <a:rPr lang="en-GB" dirty="0"/>
-              <a:t>Install winutils.exe</a:t>
-            </a:r>
-          </a:p>
-          <a:p>
-            <a:endParaRPr lang="en-GB" dirty="0"/>
-          </a:p>
-        </p:txBody>
-      </p:sp>
+            <a:endParaRPr lang="en-GB"/>
+          </a:p>
+        </p:txBody>
+      </p:sp>
+      <p:pic>
+        <p:nvPicPr>
+          <p:cNvPr id="5" name="Picture 4">
+            <a:extLst>
+              <a:ext uri="{FF2B5EF4-FFF2-40B4-BE49-F238E27FC236}">
+                <a16:creationId xmlns:a16="http://schemas.microsoft.com/office/drawing/2014/main" id="{3E636616-F386-FFD4-F9FB-6B28F76C082E}"/>
+              </a:ext>
+            </a:extLst>
+          </p:cNvPr>
+          <p:cNvPicPr>
+            <a:picLocks noChangeAspect="1"/>
+          </p:cNvPicPr>
+          <p:nvPr/>
+        </p:nvPicPr>
+        <p:blipFill>
+          <a:blip r:embed="rId2"/>
+          <a:stretch>
+            <a:fillRect/>
+          </a:stretch>
+        </p:blipFill>
+        <p:spPr>
+          <a:xfrm>
+            <a:off x="1701475" y="2249242"/>
+            <a:ext cx="4648849" cy="3515216"/>
+          </a:xfrm>
+          <a:prstGeom prst="rect">
+            <a:avLst/>
+          </a:prstGeom>
+        </p:spPr>
+      </p:pic>
     </p:spTree>
     <p:extLst>
       <p:ext uri="{BB962C8B-B14F-4D97-AF65-F5344CB8AC3E}">
-        <p14:creationId xmlns:p14="http://schemas.microsoft.com/office/powerpoint/2010/main" val="662787998"/>
+        <p14:creationId xmlns:p14="http://schemas.microsoft.com/office/powerpoint/2010/main" val="1102189768"/>
       </p:ext>
     </p:extLst>
   </p:cSld>
@@ -9271,7 +9226,7 @@
             </a:r>
             <a:r>
               <a:rPr lang="en-GB" dirty="0"/>
-              <a:t> Demo</a:t>
+              <a:t> Pre-requisites</a:t>
             </a:r>
           </a:p>
         </p:txBody>
@@ -9300,38 +9255,71 @@
           <a:lstStyle/>
           <a:p>
             <a:r>
-              <a:rPr lang="en-GB" dirty="0" err="1"/>
-              <a:t>PySpark</a:t>
-            </a:r>
-            <a:r>
               <a:rPr lang="en-GB" dirty="0"/>
-              <a:t> validation</a:t>
+              <a:t>Install Java (not v 21</a:t>
             </a:r>
           </a:p>
           <a:p>
             <a:r>
               <a:rPr lang="en-GB" dirty="0"/>
-              <a:t>Web UI</a:t>
-            </a:r>
-          </a:p>
-          <a:p>
+              <a:t>Set paths</a:t>
+            </a:r>
+          </a:p>
+          <a:p>
+            <a:pPr lvl="1"/>
             <a:r>
               <a:rPr lang="en-GB" dirty="0"/>
-              <a:t>VS Code</a:t>
-            </a:r>
-          </a:p>
-          <a:p>
+              <a:t>JAVA_HOME</a:t>
+            </a:r>
+          </a:p>
+          <a:p>
+            <a:pPr lvl="1"/>
             <a:r>
               <a:rPr lang="en-GB" dirty="0"/>
-              <a:t>Visualisation?</a:t>
-            </a:r>
+              <a:t>PATH</a:t>
+            </a:r>
+          </a:p>
+          <a:p>
+            <a:pPr lvl="1"/>
+            <a:endParaRPr lang="en-GB" dirty="0"/>
+          </a:p>
+          <a:p>
+            <a:r>
+              <a:rPr lang="en-GB" dirty="0"/>
+              <a:t>Install Apache Spark</a:t>
+            </a:r>
+          </a:p>
+          <a:p>
+            <a:r>
+              <a:rPr lang="en-GB" dirty="0"/>
+              <a:t>Install winutils.exe</a:t>
+            </a:r>
+          </a:p>
+          <a:p>
+            <a:r>
+              <a:rPr lang="en-GB"/>
+              <a:t>Instructions: </a:t>
+            </a:r>
+            <a:r>
+              <a:rPr lang="en-GB">
+                <a:hlinkClick r:id="rId2"/>
+              </a:rPr>
+              <a:t>https://sparkbyexamples.com/pyspark-tutorial/</a:t>
+            </a:r>
+            <a:endParaRPr lang="en-GB"/>
+          </a:p>
+          <a:p>
+            <a:pPr marL="0" indent="0">
+              <a:buNone/>
+            </a:pPr>
+            <a:endParaRPr lang="en-GB" dirty="0"/>
           </a:p>
         </p:txBody>
       </p:sp>
     </p:spTree>
     <p:extLst>
       <p:ext uri="{BB962C8B-B14F-4D97-AF65-F5344CB8AC3E}">
-        <p14:creationId xmlns:p14="http://schemas.microsoft.com/office/powerpoint/2010/main" val="3082836330"/>
+        <p14:creationId xmlns:p14="http://schemas.microsoft.com/office/powerpoint/2010/main" val="662787998"/>
       </p:ext>
     </p:extLst>
   </p:cSld>
@@ -9363,6 +9351,120 @@
           <p:cNvPr id="2" name="Title 1">
             <a:extLst>
               <a:ext uri="{FF2B5EF4-FFF2-40B4-BE49-F238E27FC236}">
+                <a16:creationId xmlns:a16="http://schemas.microsoft.com/office/drawing/2014/main" id="{A5469F7B-5F47-517F-D218-DF1E89BBB790}"/>
+              </a:ext>
+            </a:extLst>
+          </p:cNvPr>
+          <p:cNvSpPr>
+            <a:spLocks noGrp="1"/>
+          </p:cNvSpPr>
+          <p:nvPr>
+            <p:ph type="title"/>
+          </p:nvPr>
+        </p:nvSpPr>
+        <p:spPr/>
+        <p:txBody>
+          <a:bodyPr/>
+          <a:lstStyle/>
+          <a:p>
+            <a:r>
+              <a:rPr lang="en-GB" dirty="0" err="1"/>
+              <a:t>PySpark</a:t>
+            </a:r>
+            <a:r>
+              <a:rPr lang="en-GB" dirty="0"/>
+              <a:t> Demo</a:t>
+            </a:r>
+          </a:p>
+        </p:txBody>
+      </p:sp>
+      <p:sp>
+        <p:nvSpPr>
+          <p:cNvPr id="3" name="Content Placeholder 2">
+            <a:extLst>
+              <a:ext uri="{FF2B5EF4-FFF2-40B4-BE49-F238E27FC236}">
+                <a16:creationId xmlns:a16="http://schemas.microsoft.com/office/drawing/2014/main" id="{D887FE72-3475-5DF9-893F-927B7A1BBC5F}"/>
+              </a:ext>
+            </a:extLst>
+          </p:cNvPr>
+          <p:cNvSpPr>
+            <a:spLocks noGrp="1"/>
+          </p:cNvSpPr>
+          <p:nvPr>
+            <p:ph idx="1"/>
+          </p:nvPr>
+        </p:nvSpPr>
+        <p:spPr/>
+        <p:txBody>
+          <a:bodyPr>
+            <a:normAutofit/>
+          </a:bodyPr>
+          <a:lstStyle/>
+          <a:p>
+            <a:r>
+              <a:rPr lang="en-GB" dirty="0" err="1"/>
+              <a:t>PySpark</a:t>
+            </a:r>
+            <a:r>
+              <a:rPr lang="en-GB" dirty="0"/>
+              <a:t> validation</a:t>
+            </a:r>
+          </a:p>
+          <a:p>
+            <a:r>
+              <a:rPr lang="en-GB" dirty="0"/>
+              <a:t>Web UI</a:t>
+            </a:r>
+          </a:p>
+          <a:p>
+            <a:r>
+              <a:rPr lang="en-GB" dirty="0"/>
+              <a:t>VS Code</a:t>
+            </a:r>
+          </a:p>
+          <a:p>
+            <a:r>
+              <a:rPr lang="en-GB" dirty="0"/>
+              <a:t>Visualisation?</a:t>
+            </a:r>
+          </a:p>
+        </p:txBody>
+      </p:sp>
+    </p:spTree>
+    <p:extLst>
+      <p:ext uri="{BB962C8B-B14F-4D97-AF65-F5344CB8AC3E}">
+        <p14:creationId xmlns:p14="http://schemas.microsoft.com/office/powerpoint/2010/main" val="3082836330"/>
+      </p:ext>
+    </p:extLst>
+  </p:cSld>
+  <p:clrMapOvr>
+    <a:masterClrMapping/>
+  </p:clrMapOvr>
+</p:sld>
+</file>
+
+<file path=ppt/slides/slide45.xml><?xml version="1.0" encoding="utf-8"?>
+<p:sld xmlns:a="http://schemas.openxmlformats.org/drawingml/2006/main" xmlns:r="http://schemas.openxmlformats.org/officeDocument/2006/relationships" xmlns:p="http://schemas.openxmlformats.org/presentationml/2006/main">
+  <p:cSld>
+    <p:spTree>
+      <p:nvGrpSpPr>
+        <p:cNvPr id="1" name=""/>
+        <p:cNvGrpSpPr/>
+        <p:nvPr/>
+      </p:nvGrpSpPr>
+      <p:grpSpPr>
+        <a:xfrm>
+          <a:off x="0" y="0"/>
+          <a:ext cx="0" cy="0"/>
+          <a:chOff x="0" y="0"/>
+          <a:chExt cx="0" cy="0"/>
+        </a:xfrm>
+      </p:grpSpPr>
+      <p:sp>
+        <p:nvSpPr>
+          <p:cNvPr id="2" name="Title 1">
+            <a:extLst>
+              <a:ext uri="{FF2B5EF4-FFF2-40B4-BE49-F238E27FC236}">
                 <a16:creationId xmlns:a16="http://schemas.microsoft.com/office/drawing/2014/main" id="{6461F12C-8296-BADA-FD56-149E96554D1E}"/>
               </a:ext>
             </a:extLst>
@@ -9407,7 +9509,7 @@
 </p:sld>
 </file>
 
-<file path=ppt/slides/slide45.xml><?xml version="1.0" encoding="utf-8"?>
+<file path=ppt/slides/slide46.xml><?xml version="1.0" encoding="utf-8"?>
 <p:sld xmlns:a="http://schemas.openxmlformats.org/drawingml/2006/main" xmlns:r="http://schemas.openxmlformats.org/officeDocument/2006/relationships" xmlns:p="http://schemas.openxmlformats.org/presentationml/2006/main">
   <p:cSld>
     <p:spTree>
@@ -9522,7 +9624,7 @@
 </p:sld>
 </file>
 
-<file path=ppt/slides/slide46.xml><?xml version="1.0" encoding="utf-8"?>
+<file path=ppt/slides/slide47.xml><?xml version="1.0" encoding="utf-8"?>
 <p:sld xmlns:a="http://schemas.openxmlformats.org/drawingml/2006/main" xmlns:r="http://schemas.openxmlformats.org/officeDocument/2006/relationships" xmlns:p="http://schemas.openxmlformats.org/presentationml/2006/main">
   <p:cSld>
     <p:spTree>
@@ -9612,7 +9714,7 @@
 </p:sld>
 </file>
 
-<file path=ppt/slides/slide47.xml><?xml version="1.0" encoding="utf-8"?>
+<file path=ppt/slides/slide48.xml><?xml version="1.0" encoding="utf-8"?>
 <p:sld xmlns:a="http://schemas.openxmlformats.org/drawingml/2006/main" xmlns:r="http://schemas.openxmlformats.org/officeDocument/2006/relationships" xmlns:p="http://schemas.openxmlformats.org/presentationml/2006/main">
   <p:cSld>
     <p:spTree>
@@ -9702,7 +9804,7 @@
 </p:sld>
 </file>
 
-<file path=ppt/slides/slide48.xml><?xml version="1.0" encoding="utf-8"?>
+<file path=ppt/slides/slide49.xml><?xml version="1.0" encoding="utf-8"?>
 <p:sld xmlns:a="http://schemas.openxmlformats.org/drawingml/2006/main" xmlns:r="http://schemas.openxmlformats.org/officeDocument/2006/relationships" xmlns:p="http://schemas.openxmlformats.org/presentationml/2006/main">
   <p:cSld>
     <p:spTree>
@@ -9762,7 +9864,90 @@
 </p:sld>
 </file>
 
-<file path=ppt/slides/slide49.xml><?xml version="1.0" encoding="utf-8"?>
+<file path=ppt/slides/slide5.xml><?xml version="1.0" encoding="utf-8"?>
+<p:sld xmlns:a="http://schemas.openxmlformats.org/drawingml/2006/main" xmlns:r="http://schemas.openxmlformats.org/officeDocument/2006/relationships" xmlns:p="http://schemas.openxmlformats.org/presentationml/2006/main">
+  <p:cSld>
+    <p:spTree>
+      <p:nvGrpSpPr>
+        <p:cNvPr id="1" name=""/>
+        <p:cNvGrpSpPr/>
+        <p:nvPr/>
+      </p:nvGrpSpPr>
+      <p:grpSpPr>
+        <a:xfrm>
+          <a:off x="0" y="0"/>
+          <a:ext cx="0" cy="0"/>
+          <a:chOff x="0" y="0"/>
+          <a:chExt cx="0" cy="0"/>
+        </a:xfrm>
+      </p:grpSpPr>
+      <p:sp>
+        <p:nvSpPr>
+          <p:cNvPr id="2" name="Title 1">
+            <a:extLst>
+              <a:ext uri="{FF2B5EF4-FFF2-40B4-BE49-F238E27FC236}">
+                <a16:creationId xmlns:a16="http://schemas.microsoft.com/office/drawing/2014/main" id="{9831B8CC-CE63-2632-A79B-DF312B723DB2}"/>
+              </a:ext>
+            </a:extLst>
+          </p:cNvPr>
+          <p:cNvSpPr>
+            <a:spLocks noGrp="1"/>
+          </p:cNvSpPr>
+          <p:nvPr>
+            <p:ph type="title"/>
+          </p:nvPr>
+        </p:nvSpPr>
+        <p:spPr/>
+        <p:txBody>
+          <a:bodyPr/>
+          <a:lstStyle/>
+          <a:p>
+            <a:r>
+              <a:rPr lang="en-GB" dirty="0"/>
+              <a:t>VS Code</a:t>
+            </a:r>
+          </a:p>
+        </p:txBody>
+      </p:sp>
+      <p:sp>
+        <p:nvSpPr>
+          <p:cNvPr id="3" name="Content Placeholder 2">
+            <a:extLst>
+              <a:ext uri="{FF2B5EF4-FFF2-40B4-BE49-F238E27FC236}">
+                <a16:creationId xmlns:a16="http://schemas.microsoft.com/office/drawing/2014/main" id="{B5E4477C-CAAB-ABF9-981B-11DA484523CD}"/>
+              </a:ext>
+            </a:extLst>
+          </p:cNvPr>
+          <p:cNvSpPr>
+            <a:spLocks noGrp="1"/>
+          </p:cNvSpPr>
+          <p:nvPr>
+            <p:ph idx="1"/>
+          </p:nvPr>
+        </p:nvSpPr>
+        <p:spPr/>
+        <p:txBody>
+          <a:bodyPr/>
+          <a:lstStyle/>
+          <a:p>
+            <a:endParaRPr lang="en-GB"/>
+          </a:p>
+        </p:txBody>
+      </p:sp>
+    </p:spTree>
+    <p:extLst>
+      <p:ext uri="{BB962C8B-B14F-4D97-AF65-F5344CB8AC3E}">
+        <p14:creationId xmlns:p14="http://schemas.microsoft.com/office/powerpoint/2010/main" val="3080502177"/>
+      </p:ext>
+    </p:extLst>
+  </p:cSld>
+  <p:clrMapOvr>
+    <a:masterClrMapping/>
+  </p:clrMapOvr>
+</p:sld>
+</file>
+
+<file path=ppt/slides/slide50.xml><?xml version="1.0" encoding="utf-8"?>
 <p:sld xmlns:a="http://schemas.openxmlformats.org/drawingml/2006/main" xmlns:r="http://schemas.openxmlformats.org/officeDocument/2006/relationships" xmlns:p="http://schemas.openxmlformats.org/presentationml/2006/main">
   <p:cSld>
     <p:spTree>
@@ -9850,90 +10035,7 @@
 </p:sld>
 </file>
 
-<file path=ppt/slides/slide5.xml><?xml version="1.0" encoding="utf-8"?>
-<p:sld xmlns:a="http://schemas.openxmlformats.org/drawingml/2006/main" xmlns:r="http://schemas.openxmlformats.org/officeDocument/2006/relationships" xmlns:p="http://schemas.openxmlformats.org/presentationml/2006/main">
-  <p:cSld>
-    <p:spTree>
-      <p:nvGrpSpPr>
-        <p:cNvPr id="1" name=""/>
-        <p:cNvGrpSpPr/>
-        <p:nvPr/>
-      </p:nvGrpSpPr>
-      <p:grpSpPr>
-        <a:xfrm>
-          <a:off x="0" y="0"/>
-          <a:ext cx="0" cy="0"/>
-          <a:chOff x="0" y="0"/>
-          <a:chExt cx="0" cy="0"/>
-        </a:xfrm>
-      </p:grpSpPr>
-      <p:sp>
-        <p:nvSpPr>
-          <p:cNvPr id="2" name="Title 1">
-            <a:extLst>
-              <a:ext uri="{FF2B5EF4-FFF2-40B4-BE49-F238E27FC236}">
-                <a16:creationId xmlns:a16="http://schemas.microsoft.com/office/drawing/2014/main" id="{9831B8CC-CE63-2632-A79B-DF312B723DB2}"/>
-              </a:ext>
-            </a:extLst>
-          </p:cNvPr>
-          <p:cNvSpPr>
-            <a:spLocks noGrp="1"/>
-          </p:cNvSpPr>
-          <p:nvPr>
-            <p:ph type="title"/>
-          </p:nvPr>
-        </p:nvSpPr>
-        <p:spPr/>
-        <p:txBody>
-          <a:bodyPr/>
-          <a:lstStyle/>
-          <a:p>
-            <a:r>
-              <a:rPr lang="en-GB" dirty="0"/>
-              <a:t>VS Code</a:t>
-            </a:r>
-          </a:p>
-        </p:txBody>
-      </p:sp>
-      <p:sp>
-        <p:nvSpPr>
-          <p:cNvPr id="3" name="Content Placeholder 2">
-            <a:extLst>
-              <a:ext uri="{FF2B5EF4-FFF2-40B4-BE49-F238E27FC236}">
-                <a16:creationId xmlns:a16="http://schemas.microsoft.com/office/drawing/2014/main" id="{B5E4477C-CAAB-ABF9-981B-11DA484523CD}"/>
-              </a:ext>
-            </a:extLst>
-          </p:cNvPr>
-          <p:cNvSpPr>
-            <a:spLocks noGrp="1"/>
-          </p:cNvSpPr>
-          <p:nvPr>
-            <p:ph idx="1"/>
-          </p:nvPr>
-        </p:nvSpPr>
-        <p:spPr/>
-        <p:txBody>
-          <a:bodyPr/>
-          <a:lstStyle/>
-          <a:p>
-            <a:endParaRPr lang="en-GB"/>
-          </a:p>
-        </p:txBody>
-      </p:sp>
-    </p:spTree>
-    <p:extLst>
-      <p:ext uri="{BB962C8B-B14F-4D97-AF65-F5344CB8AC3E}">
-        <p14:creationId xmlns:p14="http://schemas.microsoft.com/office/powerpoint/2010/main" val="3080502177"/>
-      </p:ext>
-    </p:extLst>
-  </p:cSld>
-  <p:clrMapOvr>
-    <a:masterClrMapping/>
-  </p:clrMapOvr>
-</p:sld>
-</file>
-
-<file path=ppt/slides/slide50.xml><?xml version="1.0" encoding="utf-8"?>
+<file path=ppt/slides/slide51.xml><?xml version="1.0" encoding="utf-8"?>
 <p:sld xmlns:a="http://schemas.openxmlformats.org/drawingml/2006/main" xmlns:r="http://schemas.openxmlformats.org/officeDocument/2006/relationships" xmlns:p="http://schemas.openxmlformats.org/presentationml/2006/main">
   <p:cSld>
     <p:spTree>
@@ -10026,7 +10128,7 @@
 </p:sld>
 </file>
 
-<file path=ppt/slides/slide51.xml><?xml version="1.0" encoding="utf-8"?>
+<file path=ppt/slides/slide52.xml><?xml version="1.0" encoding="utf-8"?>
 <p:sld xmlns:a="http://schemas.openxmlformats.org/drawingml/2006/main" xmlns:r="http://schemas.openxmlformats.org/officeDocument/2006/relationships" xmlns:p="http://schemas.openxmlformats.org/presentationml/2006/main">
   <p:cSld>
     <p:spTree>
@@ -10113,7 +10215,7 @@
 </p:sld>
 </file>
 
-<file path=ppt/slides/slide52.xml><?xml version="1.0" encoding="utf-8"?>
+<file path=ppt/slides/slide53.xml><?xml version="1.0" encoding="utf-8"?>
 <p:sld xmlns:a="http://schemas.openxmlformats.org/drawingml/2006/main" xmlns:r="http://schemas.openxmlformats.org/officeDocument/2006/relationships" xmlns:p="http://schemas.openxmlformats.org/presentationml/2006/main">
   <p:cSld>
     <p:spTree>
@@ -10228,7 +10330,7 @@
 </p:sld>
 </file>
 
-<file path=ppt/slides/slide53.xml><?xml version="1.0" encoding="utf-8"?>
+<file path=ppt/slides/slide54.xml><?xml version="1.0" encoding="utf-8"?>
 <p:sld xmlns:a="http://schemas.openxmlformats.org/drawingml/2006/main" xmlns:r="http://schemas.openxmlformats.org/officeDocument/2006/relationships" xmlns:p="http://schemas.openxmlformats.org/presentationml/2006/main">
   <p:cSld>
     <p:spTree>
@@ -10346,7 +10448,7 @@
 </p:sld>
 </file>
 
-<file path=ppt/slides/slide54.xml><?xml version="1.0" encoding="utf-8"?>
+<file path=ppt/slides/slide55.xml><?xml version="1.0" encoding="utf-8"?>
 <p:sld xmlns:a="http://schemas.openxmlformats.org/drawingml/2006/main" xmlns:r="http://schemas.openxmlformats.org/officeDocument/2006/relationships" xmlns:p="http://schemas.openxmlformats.org/presentationml/2006/main">
   <p:cSld>
     <p:spTree>
@@ -10434,7 +10536,7 @@
 </p:sld>
 </file>
 
-<file path=ppt/slides/slide55.xml><?xml version="1.0" encoding="utf-8"?>
+<file path=ppt/slides/slide56.xml><?xml version="1.0" encoding="utf-8"?>
 <p:sld xmlns:a="http://schemas.openxmlformats.org/drawingml/2006/main" xmlns:r="http://schemas.openxmlformats.org/officeDocument/2006/relationships" xmlns:p="http://schemas.openxmlformats.org/presentationml/2006/main">
   <p:cSld>
     <p:spTree>
@@ -10522,7 +10624,7 @@
 </p:sld>
 </file>
 
-<file path=ppt/slides/slide56.xml><?xml version="1.0" encoding="utf-8"?>
+<file path=ppt/slides/slide57.xml><?xml version="1.0" encoding="utf-8"?>
 <p:sld xmlns:a="http://schemas.openxmlformats.org/drawingml/2006/main" xmlns:r="http://schemas.openxmlformats.org/officeDocument/2006/relationships" xmlns:p="http://schemas.openxmlformats.org/presentationml/2006/main">
   <p:cSld>
     <p:spTree>
@@ -10612,7 +10714,7 @@
 </p:sld>
 </file>
 
-<file path=ppt/slides/slide57.xml><?xml version="1.0" encoding="utf-8"?>
+<file path=ppt/slides/slide58.xml><?xml version="1.0" encoding="utf-8"?>
 <p:sld xmlns:a="http://schemas.openxmlformats.org/drawingml/2006/main" xmlns:r="http://schemas.openxmlformats.org/officeDocument/2006/relationships" xmlns:p="http://schemas.openxmlformats.org/presentationml/2006/main">
   <p:cSld>
     <p:spTree>
@@ -10642,7 +10744,7 @@
 </p:sld>
 </file>
 
-<file path=ppt/slides/slide58.xml><?xml version="1.0" encoding="utf-8"?>
+<file path=ppt/slides/slide59.xml><?xml version="1.0" encoding="utf-8"?>
 <p:sld xmlns:a="http://schemas.openxmlformats.org/drawingml/2006/main" xmlns:r="http://schemas.openxmlformats.org/officeDocument/2006/relationships" xmlns:p="http://schemas.openxmlformats.org/presentationml/2006/main">
   <p:cSld>
     <p:spTree>

--- a/Data Engineering Using Free Tools/Learn Data Engineering For Free.pptx
+++ b/Data Engineering Using Free Tools/Learn Data Engineering For Free.pptx
@@ -5,7 +5,7 @@
     <p:sldMasterId id="2147483648" r:id="rId1"/>
   </p:sldMasterIdLst>
   <p:notesMasterIdLst>
-    <p:notesMasterId r:id="rId61"/>
+    <p:notesMasterId r:id="rId62"/>
   </p:notesMasterIdLst>
   <p:sldIdLst>
     <p:sldId id="256" r:id="rId2"/>
@@ -52,21 +52,22 @@
     <p:sldId id="317" r:id="rId43"/>
     <p:sldId id="314" r:id="rId44"/>
     <p:sldId id="315" r:id="rId45"/>
-    <p:sldId id="311" r:id="rId46"/>
-    <p:sldId id="301" r:id="rId47"/>
-    <p:sldId id="302" r:id="rId48"/>
-    <p:sldId id="303" r:id="rId49"/>
-    <p:sldId id="304" r:id="rId50"/>
-    <p:sldId id="267" r:id="rId51"/>
-    <p:sldId id="270" r:id="rId52"/>
-    <p:sldId id="266" r:id="rId53"/>
-    <p:sldId id="293" r:id="rId54"/>
-    <p:sldId id="271" r:id="rId55"/>
-    <p:sldId id="272" r:id="rId56"/>
-    <p:sldId id="273" r:id="rId57"/>
-    <p:sldId id="282" r:id="rId58"/>
-    <p:sldId id="305" r:id="rId59"/>
-    <p:sldId id="260" r:id="rId60"/>
+    <p:sldId id="318" r:id="rId46"/>
+    <p:sldId id="311" r:id="rId47"/>
+    <p:sldId id="301" r:id="rId48"/>
+    <p:sldId id="302" r:id="rId49"/>
+    <p:sldId id="303" r:id="rId50"/>
+    <p:sldId id="304" r:id="rId51"/>
+    <p:sldId id="267" r:id="rId52"/>
+    <p:sldId id="270" r:id="rId53"/>
+    <p:sldId id="266" r:id="rId54"/>
+    <p:sldId id="293" r:id="rId55"/>
+    <p:sldId id="271" r:id="rId56"/>
+    <p:sldId id="272" r:id="rId57"/>
+    <p:sldId id="273" r:id="rId58"/>
+    <p:sldId id="282" r:id="rId59"/>
+    <p:sldId id="305" r:id="rId60"/>
+    <p:sldId id="260" r:id="rId61"/>
   </p:sldIdLst>
   <p:sldSz cx="12192000" cy="6858000"/>
   <p:notesSz cx="6858000" cy="9144000"/>
@@ -1950,7 +1951,7 @@
           <a:p>
             <a:fld id="{C49D3115-C41D-4930-8EF3-A657CFCC644E}" type="datetimeFigureOut">
               <a:rPr lang="en-GB" smtClean="0"/>
-              <a:t>25/09/2024</a:t>
+              <a:t>27/09/2024</a:t>
             </a:fld>
             <a:endParaRPr lang="en-GB"/>
           </a:p>
@@ -2302,6 +2303,203 @@
 </p:notes>
 </file>
 
+<file path=ppt/notesSlides/notesSlide2.xml><?xml version="1.0" encoding="utf-8"?>
+<p:notes xmlns:a="http://schemas.openxmlformats.org/drawingml/2006/main" xmlns:r="http://schemas.openxmlformats.org/officeDocument/2006/relationships" xmlns:p="http://schemas.openxmlformats.org/presentationml/2006/main">
+  <p:cSld>
+    <p:spTree>
+      <p:nvGrpSpPr>
+        <p:cNvPr id="1" name=""/>
+        <p:cNvGrpSpPr/>
+        <p:nvPr/>
+      </p:nvGrpSpPr>
+      <p:grpSpPr>
+        <a:xfrm>
+          <a:off x="0" y="0"/>
+          <a:ext cx="0" cy="0"/>
+          <a:chOff x="0" y="0"/>
+          <a:chExt cx="0" cy="0"/>
+        </a:xfrm>
+      </p:grpSpPr>
+      <p:sp>
+        <p:nvSpPr>
+          <p:cNvPr id="2" name="Slide Image Placeholder 1"/>
+          <p:cNvSpPr>
+            <a:spLocks noGrp="1" noRot="1" noChangeAspect="1"/>
+          </p:cNvSpPr>
+          <p:nvPr>
+            <p:ph type="sldImg"/>
+          </p:nvPr>
+        </p:nvSpPr>
+        <p:spPr/>
+      </p:sp>
+      <p:sp>
+        <p:nvSpPr>
+          <p:cNvPr id="3" name="Notes Placeholder 2"/>
+          <p:cNvSpPr>
+            <a:spLocks noGrp="1"/>
+          </p:cNvSpPr>
+          <p:nvPr>
+            <p:ph type="body" idx="1"/>
+          </p:nvPr>
+        </p:nvSpPr>
+        <p:spPr/>
+        <p:txBody>
+          <a:bodyPr/>
+          <a:lstStyle/>
+          <a:p>
+            <a:r>
+              <a:rPr lang="en-GB" dirty="0" err="1"/>
+              <a:t>PySpark</a:t>
+            </a:r>
+            <a:r>
+              <a:rPr lang="en-GB" dirty="0"/>
+              <a:t> validation</a:t>
+            </a:r>
+          </a:p>
+          <a:p>
+            <a:r>
+              <a:rPr lang="en-GB" dirty="0"/>
+              <a:t>Web UI</a:t>
+            </a:r>
+          </a:p>
+          <a:p>
+            <a:r>
+              <a:rPr lang="en-GB" dirty="0"/>
+              <a:t>VS Code</a:t>
+            </a:r>
+          </a:p>
+          <a:p>
+            <a:r>
+              <a:rPr lang="en-GB" dirty="0"/>
+              <a:t>	- to run Jupiter notebooks needs </a:t>
+            </a:r>
+            <a:r>
+              <a:rPr lang="en-GB" dirty="0" err="1"/>
+              <a:t>ipykernel</a:t>
+            </a:r>
+            <a:r>
+              <a:rPr lang="en-GB" dirty="0"/>
+              <a:t> installed</a:t>
+            </a:r>
+          </a:p>
+          <a:p>
+            <a:r>
+              <a:rPr lang="en-GB" dirty="0"/>
+              <a:t>	- from </a:t>
+            </a:r>
+            <a:r>
+              <a:rPr lang="en-GB" dirty="0" err="1"/>
+              <a:t>vscode</a:t>
+            </a:r>
+            <a:r>
+              <a:rPr lang="en-GB" dirty="0"/>
+              <a:t> run </a:t>
+            </a:r>
+            <a:r>
+              <a:rPr lang="en-GB" b="1" i="0" dirty="0" err="1">
+                <a:solidFill>
+                  <a:srgbClr val="CD3131"/>
+                </a:solidFill>
+                <a:effectLst/>
+                <a:latin typeface="Consolas" panose="020B0609020204030204" pitchFamily="49" charset="0"/>
+              </a:rPr>
+              <a:t>conda</a:t>
+            </a:r>
+            <a:r>
+              <a:rPr lang="en-GB" b="1" i="0" dirty="0">
+                <a:solidFill>
+                  <a:srgbClr val="CD3131"/>
+                </a:solidFill>
+                <a:effectLst/>
+                <a:latin typeface="Consolas" panose="020B0609020204030204" pitchFamily="49" charset="0"/>
+              </a:rPr>
+              <a:t> install -n </a:t>
+            </a:r>
+            <a:r>
+              <a:rPr lang="en-GB" b="1" i="0" dirty="0" err="1">
+                <a:solidFill>
+                  <a:srgbClr val="CD3131"/>
+                </a:solidFill>
+                <a:effectLst/>
+                <a:latin typeface="Consolas" panose="020B0609020204030204" pitchFamily="49" charset="0"/>
+              </a:rPr>
+              <a:t>dataengforfree_env</a:t>
+            </a:r>
+            <a:r>
+              <a:rPr lang="en-GB" b="1" i="0" dirty="0">
+                <a:solidFill>
+                  <a:srgbClr val="CD3131"/>
+                </a:solidFill>
+                <a:effectLst/>
+                <a:latin typeface="Consolas" panose="020B0609020204030204" pitchFamily="49" charset="0"/>
+              </a:rPr>
+              <a:t> </a:t>
+            </a:r>
+            <a:r>
+              <a:rPr lang="en-GB" b="1" i="0" dirty="0" err="1">
+                <a:solidFill>
+                  <a:srgbClr val="CD3131"/>
+                </a:solidFill>
+                <a:effectLst/>
+                <a:latin typeface="Consolas" panose="020B0609020204030204" pitchFamily="49" charset="0"/>
+              </a:rPr>
+              <a:t>ipykernel</a:t>
+            </a:r>
+            <a:endParaRPr lang="en-GB" dirty="0"/>
+          </a:p>
+          <a:p>
+            <a:r>
+              <a:rPr lang="en-GB" dirty="0"/>
+              <a:t>	- copy python.exe &gt; python3.exe</a:t>
+            </a:r>
+          </a:p>
+          <a:p>
+            <a:r>
+              <a:rPr lang="en-GB" dirty="0"/>
+              <a:t>Visualisation? </a:t>
+            </a:r>
+          </a:p>
+          <a:p>
+            <a:endParaRPr lang="en-GB" dirty="0"/>
+          </a:p>
+        </p:txBody>
+      </p:sp>
+      <p:sp>
+        <p:nvSpPr>
+          <p:cNvPr id="4" name="Slide Number Placeholder 3"/>
+          <p:cNvSpPr>
+            <a:spLocks noGrp="1"/>
+          </p:cNvSpPr>
+          <p:nvPr>
+            <p:ph type="sldNum" sz="quarter" idx="5"/>
+          </p:nvPr>
+        </p:nvSpPr>
+        <p:spPr/>
+        <p:txBody>
+          <a:bodyPr/>
+          <a:lstStyle/>
+          <a:p>
+            <a:fld id="{E7E8E24E-2DA5-414D-9B85-6ED9E2618CC6}" type="slidenum">
+              <a:rPr lang="en-GB" smtClean="0"/>
+              <a:t>44</a:t>
+            </a:fld>
+            <a:endParaRPr lang="en-GB"/>
+          </a:p>
+        </p:txBody>
+      </p:sp>
+    </p:spTree>
+    <p:extLst>
+      <p:ext uri="{BB962C8B-B14F-4D97-AF65-F5344CB8AC3E}">
+        <p14:creationId xmlns:p14="http://schemas.microsoft.com/office/powerpoint/2010/main" val="400731075"/>
+      </p:ext>
+    </p:extLst>
+  </p:cSld>
+  <p:clrMapOvr>
+    <a:masterClrMapping/>
+  </p:clrMapOvr>
+</p:notes>
+</file>
+
 <file path=ppt/slideLayouts/slideLayout1.xml><?xml version="1.0" encoding="utf-8"?>
 <p:sldLayout xmlns:a="http://schemas.openxmlformats.org/drawingml/2006/main" xmlns:r="http://schemas.openxmlformats.org/officeDocument/2006/relationships" xmlns:p="http://schemas.openxmlformats.org/presentationml/2006/main" type="title" preserve="1">
   <p:cSld name="Title Slide">
@@ -2451,7 +2649,7 @@
           <a:p>
             <a:fld id="{35275B4F-5DE5-4D53-BD3B-F0C44FE589B2}" type="datetimeFigureOut">
               <a:rPr lang="en-GB" smtClean="0"/>
-              <a:t>25/09/2024</a:t>
+              <a:t>27/09/2024</a:t>
             </a:fld>
             <a:endParaRPr lang="en-GB"/>
           </a:p>
@@ -2651,7 +2849,7 @@
           <a:p>
             <a:fld id="{35275B4F-5DE5-4D53-BD3B-F0C44FE589B2}" type="datetimeFigureOut">
               <a:rPr lang="en-GB" smtClean="0"/>
-              <a:t>25/09/2024</a:t>
+              <a:t>27/09/2024</a:t>
             </a:fld>
             <a:endParaRPr lang="en-GB"/>
           </a:p>
@@ -2861,7 +3059,7 @@
           <a:p>
             <a:fld id="{35275B4F-5DE5-4D53-BD3B-F0C44FE589B2}" type="datetimeFigureOut">
               <a:rPr lang="en-GB" smtClean="0"/>
-              <a:t>25/09/2024</a:t>
+              <a:t>27/09/2024</a:t>
             </a:fld>
             <a:endParaRPr lang="en-GB"/>
           </a:p>
@@ -3061,7 +3259,7 @@
           <a:p>
             <a:fld id="{35275B4F-5DE5-4D53-BD3B-F0C44FE589B2}" type="datetimeFigureOut">
               <a:rPr lang="en-GB" smtClean="0"/>
-              <a:t>25/09/2024</a:t>
+              <a:t>27/09/2024</a:t>
             </a:fld>
             <a:endParaRPr lang="en-GB"/>
           </a:p>
@@ -3337,7 +3535,7 @@
           <a:p>
             <a:fld id="{35275B4F-5DE5-4D53-BD3B-F0C44FE589B2}" type="datetimeFigureOut">
               <a:rPr lang="en-GB" smtClean="0"/>
-              <a:t>25/09/2024</a:t>
+              <a:t>27/09/2024</a:t>
             </a:fld>
             <a:endParaRPr lang="en-GB"/>
           </a:p>
@@ -3605,7 +3803,7 @@
           <a:p>
             <a:fld id="{35275B4F-5DE5-4D53-BD3B-F0C44FE589B2}" type="datetimeFigureOut">
               <a:rPr lang="en-GB" smtClean="0"/>
-              <a:t>25/09/2024</a:t>
+              <a:t>27/09/2024</a:t>
             </a:fld>
             <a:endParaRPr lang="en-GB"/>
           </a:p>
@@ -4020,7 +4218,7 @@
           <a:p>
             <a:fld id="{35275B4F-5DE5-4D53-BD3B-F0C44FE589B2}" type="datetimeFigureOut">
               <a:rPr lang="en-GB" smtClean="0"/>
-              <a:t>25/09/2024</a:t>
+              <a:t>27/09/2024</a:t>
             </a:fld>
             <a:endParaRPr lang="en-GB"/>
           </a:p>
@@ -4162,7 +4360,7 @@
           <a:p>
             <a:fld id="{35275B4F-5DE5-4D53-BD3B-F0C44FE589B2}" type="datetimeFigureOut">
               <a:rPr lang="en-GB" smtClean="0"/>
-              <a:t>25/09/2024</a:t>
+              <a:t>27/09/2024</a:t>
             </a:fld>
             <a:endParaRPr lang="en-GB"/>
           </a:p>
@@ -4275,7 +4473,7 @@
           <a:p>
             <a:fld id="{35275B4F-5DE5-4D53-BD3B-F0C44FE589B2}" type="datetimeFigureOut">
               <a:rPr lang="en-GB" smtClean="0"/>
-              <a:t>25/09/2024</a:t>
+              <a:t>27/09/2024</a:t>
             </a:fld>
             <a:endParaRPr lang="en-GB"/>
           </a:p>
@@ -4588,7 +4786,7 @@
           <a:p>
             <a:fld id="{35275B4F-5DE5-4D53-BD3B-F0C44FE589B2}" type="datetimeFigureOut">
               <a:rPr lang="en-GB" smtClean="0"/>
-              <a:t>25/09/2024</a:t>
+              <a:t>27/09/2024</a:t>
             </a:fld>
             <a:endParaRPr lang="en-GB"/>
           </a:p>
@@ -4877,7 +5075,7 @@
           <a:p>
             <a:fld id="{35275B4F-5DE5-4D53-BD3B-F0C44FE589B2}" type="datetimeFigureOut">
               <a:rPr lang="en-GB" smtClean="0"/>
-              <a:t>25/09/2024</a:t>
+              <a:t>27/09/2024</a:t>
             </a:fld>
             <a:endParaRPr lang="en-GB"/>
           </a:p>
@@ -5120,7 +5318,7 @@
           <a:p>
             <a:fld id="{35275B4F-5DE5-4D53-BD3B-F0C44FE589B2}" type="datetimeFigureOut">
               <a:rPr lang="en-GB" smtClean="0"/>
-              <a:t>25/09/2024</a:t>
+              <a:t>27/09/2024</a:t>
             </a:fld>
             <a:endParaRPr lang="en-GB"/>
           </a:p>
@@ -8986,100 +9184,27 @@
         <p:spPr/>
         <p:txBody>
           <a:bodyPr>
-            <a:normAutofit fontScale="32500" lnSpcReduction="20000"/>
+            <a:normAutofit/>
           </a:bodyPr>
           <a:lstStyle/>
           <a:p>
             <a:r>
               <a:rPr lang="en-GB" dirty="0"/>
-              <a:t>Install Python</a:t>
-            </a:r>
-          </a:p>
-          <a:p>
-            <a:endParaRPr lang="en-GB" dirty="0"/>
+              <a:t>Install Anaconda</a:t>
+            </a:r>
           </a:p>
           <a:p>
             <a:r>
               <a:rPr lang="en-GB" dirty="0"/>
-              <a:t>Set path</a:t>
-            </a:r>
-          </a:p>
-          <a:p>
-            <a:endParaRPr lang="en-GB" dirty="0"/>
-          </a:p>
-          <a:p>
+              <a:t>Use </a:t>
+            </a:r>
+            <a:r>
+              <a:rPr lang="en-GB" dirty="0" err="1"/>
+              <a:t>conda</a:t>
+            </a:r>
             <a:r>
               <a:rPr lang="en-GB" dirty="0"/>
-              <a:t>open Windows Terminal</a:t>
-            </a:r>
-          </a:p>
-          <a:p>
-            <a:r>
-              <a:rPr lang="en-GB" dirty="0"/>
-              <a:t>	- cd to user folder</a:t>
-            </a:r>
-          </a:p>
-          <a:p>
-            <a:r>
-              <a:rPr lang="en-GB" dirty="0"/>
-              <a:t>	- create folder &amp; python file - hello-world.py</a:t>
-            </a:r>
-          </a:p>
-          <a:p>
-            <a:r>
-              <a:rPr lang="en-GB" dirty="0"/>
-              <a:t>	- open python file in notepad</a:t>
-            </a:r>
-          </a:p>
-          <a:p>
-            <a:r>
-              <a:rPr lang="en-GB" dirty="0"/>
-              <a:t>	- print('hello world')</a:t>
-            </a:r>
-          </a:p>
-          <a:p>
-            <a:r>
-              <a:rPr lang="en-GB" dirty="0"/>
-              <a:t>	- from terminal python hello-world.py</a:t>
-            </a:r>
-          </a:p>
-          <a:p>
-            <a:endParaRPr lang="en-GB" dirty="0"/>
-          </a:p>
-          <a:p>
-            <a:r>
-              <a:rPr lang="en-GB" dirty="0"/>
-              <a:t>Run hello-world.py from VS Code in debug</a:t>
-            </a:r>
-          </a:p>
-          <a:p>
-            <a:r>
-              <a:rPr lang="en-GB" dirty="0"/>
-              <a:t>Demo editing file and running in debug</a:t>
-            </a:r>
-          </a:p>
-          <a:p>
-            <a:endParaRPr lang="en-GB" dirty="0"/>
-          </a:p>
-          <a:p>
-            <a:r>
-              <a:rPr lang="en-GB" dirty="0"/>
-              <a:t>Demo python from shell</a:t>
-            </a:r>
-          </a:p>
-          <a:p>
-            <a:endParaRPr lang="en-GB" dirty="0"/>
-          </a:p>
-          <a:p>
-            <a:r>
-              <a:rPr lang="en-GB" dirty="0"/>
-              <a:t>Install Pip</a:t>
-            </a:r>
-          </a:p>
-          <a:p>
-            <a:r>
-              <a:rPr lang="en-GB" dirty="0"/>
-              <a:t>Install Spark from Pip</a:t>
+              <a:t> to create</a:t>
             </a:r>
           </a:p>
         </p:txBody>
@@ -9256,7 +9381,7 @@
           <a:p>
             <a:r>
               <a:rPr lang="en-GB" dirty="0"/>
-              <a:t>Install Java (not v 21</a:t>
+              <a:t>Install Java (not v 21)</a:t>
             </a:r>
           </a:p>
           <a:p>
@@ -9297,16 +9422,22 @@
           </a:p>
           <a:p>
             <a:r>
-              <a:rPr lang="en-GB"/>
+              <a:rPr lang="en-GB" dirty="0"/>
+              <a:t>Create virtual environment</a:t>
+            </a:r>
+          </a:p>
+          <a:p>
+            <a:r>
+              <a:rPr lang="en-GB" dirty="0"/>
               <a:t>Instructions: </a:t>
             </a:r>
             <a:r>
-              <a:rPr lang="en-GB">
+              <a:rPr lang="en-GB" dirty="0">
                 <a:hlinkClick r:id="rId2"/>
               </a:rPr>
               <a:t>https://sparkbyexamples.com/pyspark-tutorial/</a:t>
             </a:r>
-            <a:endParaRPr lang="en-GB"/>
+            <a:endParaRPr lang="en-GB" dirty="0"/>
           </a:p>
           <a:p>
             <a:pPr marL="0" indent="0">
@@ -9401,32 +9532,7 @@
           </a:bodyPr>
           <a:lstStyle/>
           <a:p>
-            <a:r>
-              <a:rPr lang="en-GB" dirty="0" err="1"/>
-              <a:t>PySpark</a:t>
-            </a:r>
-            <a:r>
-              <a:rPr lang="en-GB" dirty="0"/>
-              <a:t> validation</a:t>
-            </a:r>
-          </a:p>
-          <a:p>
-            <a:r>
-              <a:rPr lang="en-GB" dirty="0"/>
-              <a:t>Web UI</a:t>
-            </a:r>
-          </a:p>
-          <a:p>
-            <a:r>
-              <a:rPr lang="en-GB" dirty="0"/>
-              <a:t>VS Code</a:t>
-            </a:r>
-          </a:p>
-          <a:p>
-            <a:r>
-              <a:rPr lang="en-GB" dirty="0"/>
-              <a:t>Visualisation?</a:t>
-            </a:r>
+            <a:endParaRPr lang="en-GB" dirty="0"/>
           </a:p>
         </p:txBody>
       </p:sp>
@@ -9465,6 +9571,91 @@
           <p:cNvPr id="2" name="Title 1">
             <a:extLst>
               <a:ext uri="{FF2B5EF4-FFF2-40B4-BE49-F238E27FC236}">
+                <a16:creationId xmlns:a16="http://schemas.microsoft.com/office/drawing/2014/main" id="{E44CED87-DE61-C816-A3B2-E63F5185A2FF}"/>
+              </a:ext>
+            </a:extLst>
+          </p:cNvPr>
+          <p:cNvSpPr>
+            <a:spLocks noGrp="1"/>
+          </p:cNvSpPr>
+          <p:nvPr>
+            <p:ph type="title"/>
+          </p:nvPr>
+        </p:nvSpPr>
+        <p:spPr/>
+        <p:txBody>
+          <a:bodyPr/>
+          <a:lstStyle/>
+          <a:p>
+            <a:endParaRPr lang="en-GB"/>
+          </a:p>
+        </p:txBody>
+      </p:sp>
+      <p:pic>
+        <p:nvPicPr>
+          <p:cNvPr id="5" name="Picture 4">
+            <a:extLst>
+              <a:ext uri="{FF2B5EF4-FFF2-40B4-BE49-F238E27FC236}">
+                <a16:creationId xmlns:a16="http://schemas.microsoft.com/office/drawing/2014/main" id="{BBCCA8A9-2EA6-13E9-862D-2FC11BA269AD}"/>
+              </a:ext>
+            </a:extLst>
+          </p:cNvPr>
+          <p:cNvPicPr>
+            <a:picLocks noChangeAspect="1"/>
+          </p:cNvPicPr>
+          <p:nvPr/>
+        </p:nvPicPr>
+        <p:blipFill>
+          <a:blip r:embed="rId2"/>
+          <a:stretch>
+            <a:fillRect/>
+          </a:stretch>
+        </p:blipFill>
+        <p:spPr>
+          <a:xfrm>
+            <a:off x="3976391" y="2519235"/>
+            <a:ext cx="4239217" cy="1819529"/>
+          </a:xfrm>
+          <a:prstGeom prst="rect">
+            <a:avLst/>
+          </a:prstGeom>
+        </p:spPr>
+      </p:pic>
+    </p:spTree>
+    <p:extLst>
+      <p:ext uri="{BB962C8B-B14F-4D97-AF65-F5344CB8AC3E}">
+        <p14:creationId xmlns:p14="http://schemas.microsoft.com/office/powerpoint/2010/main" val="1601142253"/>
+      </p:ext>
+    </p:extLst>
+  </p:cSld>
+  <p:clrMapOvr>
+    <a:masterClrMapping/>
+  </p:clrMapOvr>
+</p:sld>
+</file>
+
+<file path=ppt/slides/slide46.xml><?xml version="1.0" encoding="utf-8"?>
+<p:sld xmlns:a="http://schemas.openxmlformats.org/drawingml/2006/main" xmlns:r="http://schemas.openxmlformats.org/officeDocument/2006/relationships" xmlns:p="http://schemas.openxmlformats.org/presentationml/2006/main">
+  <p:cSld>
+    <p:spTree>
+      <p:nvGrpSpPr>
+        <p:cNvPr id="1" name=""/>
+        <p:cNvGrpSpPr/>
+        <p:nvPr/>
+      </p:nvGrpSpPr>
+      <p:grpSpPr>
+        <a:xfrm>
+          <a:off x="0" y="0"/>
+          <a:ext cx="0" cy="0"/>
+          <a:chOff x="0" y="0"/>
+          <a:chExt cx="0" cy="0"/>
+        </a:xfrm>
+      </p:grpSpPr>
+      <p:sp>
+        <p:nvSpPr>
+          <p:cNvPr id="2" name="Title 1">
+            <a:extLst>
+              <a:ext uri="{FF2B5EF4-FFF2-40B4-BE49-F238E27FC236}">
                 <a16:creationId xmlns:a16="http://schemas.microsoft.com/office/drawing/2014/main" id="{6461F12C-8296-BADA-FD56-149E96554D1E}"/>
               </a:ext>
             </a:extLst>
@@ -9509,7 +9700,7 @@
 </p:sld>
 </file>
 
-<file path=ppt/slides/slide46.xml><?xml version="1.0" encoding="utf-8"?>
+<file path=ppt/slides/slide47.xml><?xml version="1.0" encoding="utf-8"?>
 <p:sld xmlns:a="http://schemas.openxmlformats.org/drawingml/2006/main" xmlns:r="http://schemas.openxmlformats.org/officeDocument/2006/relationships" xmlns:p="http://schemas.openxmlformats.org/presentationml/2006/main">
   <p:cSld>
     <p:spTree>
@@ -9624,7 +9815,7 @@
 </p:sld>
 </file>
 
-<file path=ppt/slides/slide47.xml><?xml version="1.0" encoding="utf-8"?>
+<file path=ppt/slides/slide48.xml><?xml version="1.0" encoding="utf-8"?>
 <p:sld xmlns:a="http://schemas.openxmlformats.org/drawingml/2006/main" xmlns:r="http://schemas.openxmlformats.org/officeDocument/2006/relationships" xmlns:p="http://schemas.openxmlformats.org/presentationml/2006/main">
   <p:cSld>
     <p:spTree>
@@ -9714,7 +9905,7 @@
 </p:sld>
 </file>
 
-<file path=ppt/slides/slide48.xml><?xml version="1.0" encoding="utf-8"?>
+<file path=ppt/slides/slide49.xml><?xml version="1.0" encoding="utf-8"?>
 <p:sld xmlns:a="http://schemas.openxmlformats.org/drawingml/2006/main" xmlns:r="http://schemas.openxmlformats.org/officeDocument/2006/relationships" xmlns:p="http://schemas.openxmlformats.org/presentationml/2006/main">
   <p:cSld>
     <p:spTree>
@@ -9804,7 +9995,90 @@
 </p:sld>
 </file>
 
-<file path=ppt/slides/slide49.xml><?xml version="1.0" encoding="utf-8"?>
+<file path=ppt/slides/slide5.xml><?xml version="1.0" encoding="utf-8"?>
+<p:sld xmlns:a="http://schemas.openxmlformats.org/drawingml/2006/main" xmlns:r="http://schemas.openxmlformats.org/officeDocument/2006/relationships" xmlns:p="http://schemas.openxmlformats.org/presentationml/2006/main">
+  <p:cSld>
+    <p:spTree>
+      <p:nvGrpSpPr>
+        <p:cNvPr id="1" name=""/>
+        <p:cNvGrpSpPr/>
+        <p:nvPr/>
+      </p:nvGrpSpPr>
+      <p:grpSpPr>
+        <a:xfrm>
+          <a:off x="0" y="0"/>
+          <a:ext cx="0" cy="0"/>
+          <a:chOff x="0" y="0"/>
+          <a:chExt cx="0" cy="0"/>
+        </a:xfrm>
+      </p:grpSpPr>
+      <p:sp>
+        <p:nvSpPr>
+          <p:cNvPr id="2" name="Title 1">
+            <a:extLst>
+              <a:ext uri="{FF2B5EF4-FFF2-40B4-BE49-F238E27FC236}">
+                <a16:creationId xmlns:a16="http://schemas.microsoft.com/office/drawing/2014/main" id="{9831B8CC-CE63-2632-A79B-DF312B723DB2}"/>
+              </a:ext>
+            </a:extLst>
+          </p:cNvPr>
+          <p:cNvSpPr>
+            <a:spLocks noGrp="1"/>
+          </p:cNvSpPr>
+          <p:nvPr>
+            <p:ph type="title"/>
+          </p:nvPr>
+        </p:nvSpPr>
+        <p:spPr/>
+        <p:txBody>
+          <a:bodyPr/>
+          <a:lstStyle/>
+          <a:p>
+            <a:r>
+              <a:rPr lang="en-GB" dirty="0"/>
+              <a:t>VS Code</a:t>
+            </a:r>
+          </a:p>
+        </p:txBody>
+      </p:sp>
+      <p:sp>
+        <p:nvSpPr>
+          <p:cNvPr id="3" name="Content Placeholder 2">
+            <a:extLst>
+              <a:ext uri="{FF2B5EF4-FFF2-40B4-BE49-F238E27FC236}">
+                <a16:creationId xmlns:a16="http://schemas.microsoft.com/office/drawing/2014/main" id="{B5E4477C-CAAB-ABF9-981B-11DA484523CD}"/>
+              </a:ext>
+            </a:extLst>
+          </p:cNvPr>
+          <p:cNvSpPr>
+            <a:spLocks noGrp="1"/>
+          </p:cNvSpPr>
+          <p:nvPr>
+            <p:ph idx="1"/>
+          </p:nvPr>
+        </p:nvSpPr>
+        <p:spPr/>
+        <p:txBody>
+          <a:bodyPr/>
+          <a:lstStyle/>
+          <a:p>
+            <a:endParaRPr lang="en-GB"/>
+          </a:p>
+        </p:txBody>
+      </p:sp>
+    </p:spTree>
+    <p:extLst>
+      <p:ext uri="{BB962C8B-B14F-4D97-AF65-F5344CB8AC3E}">
+        <p14:creationId xmlns:p14="http://schemas.microsoft.com/office/powerpoint/2010/main" val="3080502177"/>
+      </p:ext>
+    </p:extLst>
+  </p:cSld>
+  <p:clrMapOvr>
+    <a:masterClrMapping/>
+  </p:clrMapOvr>
+</p:sld>
+</file>
+
+<file path=ppt/slides/slide50.xml><?xml version="1.0" encoding="utf-8"?>
 <p:sld xmlns:a="http://schemas.openxmlformats.org/drawingml/2006/main" xmlns:r="http://schemas.openxmlformats.org/officeDocument/2006/relationships" xmlns:p="http://schemas.openxmlformats.org/presentationml/2006/main">
   <p:cSld>
     <p:spTree>
@@ -9864,90 +10138,7 @@
 </p:sld>
 </file>
 
-<file path=ppt/slides/slide5.xml><?xml version="1.0" encoding="utf-8"?>
-<p:sld xmlns:a="http://schemas.openxmlformats.org/drawingml/2006/main" xmlns:r="http://schemas.openxmlformats.org/officeDocument/2006/relationships" xmlns:p="http://schemas.openxmlformats.org/presentationml/2006/main">
-  <p:cSld>
-    <p:spTree>
-      <p:nvGrpSpPr>
-        <p:cNvPr id="1" name=""/>
-        <p:cNvGrpSpPr/>
-        <p:nvPr/>
-      </p:nvGrpSpPr>
-      <p:grpSpPr>
-        <a:xfrm>
-          <a:off x="0" y="0"/>
-          <a:ext cx="0" cy="0"/>
-          <a:chOff x="0" y="0"/>
-          <a:chExt cx="0" cy="0"/>
-        </a:xfrm>
-      </p:grpSpPr>
-      <p:sp>
-        <p:nvSpPr>
-          <p:cNvPr id="2" name="Title 1">
-            <a:extLst>
-              <a:ext uri="{FF2B5EF4-FFF2-40B4-BE49-F238E27FC236}">
-                <a16:creationId xmlns:a16="http://schemas.microsoft.com/office/drawing/2014/main" id="{9831B8CC-CE63-2632-A79B-DF312B723DB2}"/>
-              </a:ext>
-            </a:extLst>
-          </p:cNvPr>
-          <p:cNvSpPr>
-            <a:spLocks noGrp="1"/>
-          </p:cNvSpPr>
-          <p:nvPr>
-            <p:ph type="title"/>
-          </p:nvPr>
-        </p:nvSpPr>
-        <p:spPr/>
-        <p:txBody>
-          <a:bodyPr/>
-          <a:lstStyle/>
-          <a:p>
-            <a:r>
-              <a:rPr lang="en-GB" dirty="0"/>
-              <a:t>VS Code</a:t>
-            </a:r>
-          </a:p>
-        </p:txBody>
-      </p:sp>
-      <p:sp>
-        <p:nvSpPr>
-          <p:cNvPr id="3" name="Content Placeholder 2">
-            <a:extLst>
-              <a:ext uri="{FF2B5EF4-FFF2-40B4-BE49-F238E27FC236}">
-                <a16:creationId xmlns:a16="http://schemas.microsoft.com/office/drawing/2014/main" id="{B5E4477C-CAAB-ABF9-981B-11DA484523CD}"/>
-              </a:ext>
-            </a:extLst>
-          </p:cNvPr>
-          <p:cNvSpPr>
-            <a:spLocks noGrp="1"/>
-          </p:cNvSpPr>
-          <p:nvPr>
-            <p:ph idx="1"/>
-          </p:nvPr>
-        </p:nvSpPr>
-        <p:spPr/>
-        <p:txBody>
-          <a:bodyPr/>
-          <a:lstStyle/>
-          <a:p>
-            <a:endParaRPr lang="en-GB"/>
-          </a:p>
-        </p:txBody>
-      </p:sp>
-    </p:spTree>
-    <p:extLst>
-      <p:ext uri="{BB962C8B-B14F-4D97-AF65-F5344CB8AC3E}">
-        <p14:creationId xmlns:p14="http://schemas.microsoft.com/office/powerpoint/2010/main" val="3080502177"/>
-      </p:ext>
-    </p:extLst>
-  </p:cSld>
-  <p:clrMapOvr>
-    <a:masterClrMapping/>
-  </p:clrMapOvr>
-</p:sld>
-</file>
-
-<file path=ppt/slides/slide50.xml><?xml version="1.0" encoding="utf-8"?>
+<file path=ppt/slides/slide51.xml><?xml version="1.0" encoding="utf-8"?>
 <p:sld xmlns:a="http://schemas.openxmlformats.org/drawingml/2006/main" xmlns:r="http://schemas.openxmlformats.org/officeDocument/2006/relationships" xmlns:p="http://schemas.openxmlformats.org/presentationml/2006/main">
   <p:cSld>
     <p:spTree>
@@ -10035,7 +10226,7 @@
 </p:sld>
 </file>
 
-<file path=ppt/slides/slide51.xml><?xml version="1.0" encoding="utf-8"?>
+<file path=ppt/slides/slide52.xml><?xml version="1.0" encoding="utf-8"?>
 <p:sld xmlns:a="http://schemas.openxmlformats.org/drawingml/2006/main" xmlns:r="http://schemas.openxmlformats.org/officeDocument/2006/relationships" xmlns:p="http://schemas.openxmlformats.org/presentationml/2006/main">
   <p:cSld>
     <p:spTree>
@@ -10128,7 +10319,7 @@
 </p:sld>
 </file>
 
-<file path=ppt/slides/slide52.xml><?xml version="1.0" encoding="utf-8"?>
+<file path=ppt/slides/slide53.xml><?xml version="1.0" encoding="utf-8"?>
 <p:sld xmlns:a="http://schemas.openxmlformats.org/drawingml/2006/main" xmlns:r="http://schemas.openxmlformats.org/officeDocument/2006/relationships" xmlns:p="http://schemas.openxmlformats.org/presentationml/2006/main">
   <p:cSld>
     <p:spTree>
@@ -10215,7 +10406,7 @@
 </p:sld>
 </file>
 
-<file path=ppt/slides/slide53.xml><?xml version="1.0" encoding="utf-8"?>
+<file path=ppt/slides/slide54.xml><?xml version="1.0" encoding="utf-8"?>
 <p:sld xmlns:a="http://schemas.openxmlformats.org/drawingml/2006/main" xmlns:r="http://schemas.openxmlformats.org/officeDocument/2006/relationships" xmlns:p="http://schemas.openxmlformats.org/presentationml/2006/main">
   <p:cSld>
     <p:spTree>
@@ -10330,7 +10521,7 @@
 </p:sld>
 </file>
 
-<file path=ppt/slides/slide54.xml><?xml version="1.0" encoding="utf-8"?>
+<file path=ppt/slides/slide55.xml><?xml version="1.0" encoding="utf-8"?>
 <p:sld xmlns:a="http://schemas.openxmlformats.org/drawingml/2006/main" xmlns:r="http://schemas.openxmlformats.org/officeDocument/2006/relationships" xmlns:p="http://schemas.openxmlformats.org/presentationml/2006/main">
   <p:cSld>
     <p:spTree>
@@ -10448,7 +10639,7 @@
 </p:sld>
 </file>
 
-<file path=ppt/slides/slide55.xml><?xml version="1.0" encoding="utf-8"?>
+<file path=ppt/slides/slide56.xml><?xml version="1.0" encoding="utf-8"?>
 <p:sld xmlns:a="http://schemas.openxmlformats.org/drawingml/2006/main" xmlns:r="http://schemas.openxmlformats.org/officeDocument/2006/relationships" xmlns:p="http://schemas.openxmlformats.org/presentationml/2006/main">
   <p:cSld>
     <p:spTree>
@@ -10536,7 +10727,7 @@
 </p:sld>
 </file>
 
-<file path=ppt/slides/slide56.xml><?xml version="1.0" encoding="utf-8"?>
+<file path=ppt/slides/slide57.xml><?xml version="1.0" encoding="utf-8"?>
 <p:sld xmlns:a="http://schemas.openxmlformats.org/drawingml/2006/main" xmlns:r="http://schemas.openxmlformats.org/officeDocument/2006/relationships" xmlns:p="http://schemas.openxmlformats.org/presentationml/2006/main">
   <p:cSld>
     <p:spTree>
@@ -10624,7 +10815,7 @@
 </p:sld>
 </file>
 
-<file path=ppt/slides/slide57.xml><?xml version="1.0" encoding="utf-8"?>
+<file path=ppt/slides/slide58.xml><?xml version="1.0" encoding="utf-8"?>
 <p:sld xmlns:a="http://schemas.openxmlformats.org/drawingml/2006/main" xmlns:r="http://schemas.openxmlformats.org/officeDocument/2006/relationships" xmlns:p="http://schemas.openxmlformats.org/presentationml/2006/main">
   <p:cSld>
     <p:spTree>
@@ -10714,7 +10905,7 @@
 </p:sld>
 </file>
 
-<file path=ppt/slides/slide58.xml><?xml version="1.0" encoding="utf-8"?>
+<file path=ppt/slides/slide59.xml><?xml version="1.0" encoding="utf-8"?>
 <p:sld xmlns:a="http://schemas.openxmlformats.org/drawingml/2006/main" xmlns:r="http://schemas.openxmlformats.org/officeDocument/2006/relationships" xmlns:p="http://schemas.openxmlformats.org/presentationml/2006/main">
   <p:cSld>
     <p:spTree>
@@ -10744,90 +10935,6 @@
 </p:sld>
 </file>
 
-<file path=ppt/slides/slide59.xml><?xml version="1.0" encoding="utf-8"?>
-<p:sld xmlns:a="http://schemas.openxmlformats.org/drawingml/2006/main" xmlns:r="http://schemas.openxmlformats.org/officeDocument/2006/relationships" xmlns:p="http://schemas.openxmlformats.org/presentationml/2006/main">
-  <p:cSld>
-    <p:spTree>
-      <p:nvGrpSpPr>
-        <p:cNvPr id="1" name=""/>
-        <p:cNvGrpSpPr/>
-        <p:nvPr/>
-      </p:nvGrpSpPr>
-      <p:grpSpPr>
-        <a:xfrm>
-          <a:off x="0" y="0"/>
-          <a:ext cx="0" cy="0"/>
-          <a:chOff x="0" y="0"/>
-          <a:chExt cx="0" cy="0"/>
-        </a:xfrm>
-      </p:grpSpPr>
-      <p:sp>
-        <p:nvSpPr>
-          <p:cNvPr id="2" name="Title 1">
-            <a:extLst>
-              <a:ext uri="{FF2B5EF4-FFF2-40B4-BE49-F238E27FC236}">
-                <a16:creationId xmlns:a16="http://schemas.microsoft.com/office/drawing/2014/main" id="{2EA7A9B8-5D1F-EEF7-133A-D74F7FD68BA6}"/>
-              </a:ext>
-            </a:extLst>
-          </p:cNvPr>
-          <p:cNvSpPr>
-            <a:spLocks noGrp="1"/>
-          </p:cNvSpPr>
-          <p:nvPr>
-            <p:ph type="title"/>
-          </p:nvPr>
-        </p:nvSpPr>
-        <p:spPr/>
-        <p:txBody>
-          <a:bodyPr/>
-          <a:lstStyle/>
-          <a:p>
-            <a:r>
-              <a:rPr lang="en-GB" dirty="0" err="1"/>
-              <a:t>PySpark</a:t>
-            </a:r>
-            <a:endParaRPr lang="en-GB" dirty="0"/>
-          </a:p>
-        </p:txBody>
-      </p:sp>
-      <p:sp>
-        <p:nvSpPr>
-          <p:cNvPr id="3" name="Content Placeholder 2">
-            <a:extLst>
-              <a:ext uri="{FF2B5EF4-FFF2-40B4-BE49-F238E27FC236}">
-                <a16:creationId xmlns:a16="http://schemas.microsoft.com/office/drawing/2014/main" id="{C40C2E14-BFE4-C9DF-C194-89994D9EB591}"/>
-              </a:ext>
-            </a:extLst>
-          </p:cNvPr>
-          <p:cNvSpPr>
-            <a:spLocks noGrp="1"/>
-          </p:cNvSpPr>
-          <p:nvPr>
-            <p:ph idx="1"/>
-          </p:nvPr>
-        </p:nvSpPr>
-        <p:spPr/>
-        <p:txBody>
-          <a:bodyPr/>
-          <a:lstStyle/>
-          <a:p>
-            <a:endParaRPr lang="en-GB" dirty="0"/>
-          </a:p>
-        </p:txBody>
-      </p:sp>
-    </p:spTree>
-    <p:extLst>
-      <p:ext uri="{BB962C8B-B14F-4D97-AF65-F5344CB8AC3E}">
-        <p14:creationId xmlns:p14="http://schemas.microsoft.com/office/powerpoint/2010/main" val="317081444"/>
-      </p:ext>
-    </p:extLst>
-  </p:cSld>
-  <p:clrMapOvr>
-    <a:masterClrMapping/>
-  </p:clrMapOvr>
-</p:sld>
-</file>
-
 <file path=ppt/slides/slide6.xml><?xml version="1.0" encoding="utf-8"?>
 <p:sld xmlns:a="http://schemas.openxmlformats.org/drawingml/2006/main" xmlns:r="http://schemas.openxmlformats.org/officeDocument/2006/relationships" xmlns:p="http://schemas.openxmlformats.org/presentationml/2006/main">
   <p:cSld>
@@ -10959,6 +11066,90 @@
     <p:extLst>
       <p:ext uri="{BB962C8B-B14F-4D97-AF65-F5344CB8AC3E}">
         <p14:creationId xmlns:p14="http://schemas.microsoft.com/office/powerpoint/2010/main" val="2113534899"/>
+      </p:ext>
+    </p:extLst>
+  </p:cSld>
+  <p:clrMapOvr>
+    <a:masterClrMapping/>
+  </p:clrMapOvr>
+</p:sld>
+</file>
+
+<file path=ppt/slides/slide60.xml><?xml version="1.0" encoding="utf-8"?>
+<p:sld xmlns:a="http://schemas.openxmlformats.org/drawingml/2006/main" xmlns:r="http://schemas.openxmlformats.org/officeDocument/2006/relationships" xmlns:p="http://schemas.openxmlformats.org/presentationml/2006/main">
+  <p:cSld>
+    <p:spTree>
+      <p:nvGrpSpPr>
+        <p:cNvPr id="1" name=""/>
+        <p:cNvGrpSpPr/>
+        <p:nvPr/>
+      </p:nvGrpSpPr>
+      <p:grpSpPr>
+        <a:xfrm>
+          <a:off x="0" y="0"/>
+          <a:ext cx="0" cy="0"/>
+          <a:chOff x="0" y="0"/>
+          <a:chExt cx="0" cy="0"/>
+        </a:xfrm>
+      </p:grpSpPr>
+      <p:sp>
+        <p:nvSpPr>
+          <p:cNvPr id="2" name="Title 1">
+            <a:extLst>
+              <a:ext uri="{FF2B5EF4-FFF2-40B4-BE49-F238E27FC236}">
+                <a16:creationId xmlns:a16="http://schemas.microsoft.com/office/drawing/2014/main" id="{2EA7A9B8-5D1F-EEF7-133A-D74F7FD68BA6}"/>
+              </a:ext>
+            </a:extLst>
+          </p:cNvPr>
+          <p:cNvSpPr>
+            <a:spLocks noGrp="1"/>
+          </p:cNvSpPr>
+          <p:nvPr>
+            <p:ph type="title"/>
+          </p:nvPr>
+        </p:nvSpPr>
+        <p:spPr/>
+        <p:txBody>
+          <a:bodyPr/>
+          <a:lstStyle/>
+          <a:p>
+            <a:r>
+              <a:rPr lang="en-GB" dirty="0" err="1"/>
+              <a:t>PySpark</a:t>
+            </a:r>
+            <a:endParaRPr lang="en-GB" dirty="0"/>
+          </a:p>
+        </p:txBody>
+      </p:sp>
+      <p:sp>
+        <p:nvSpPr>
+          <p:cNvPr id="3" name="Content Placeholder 2">
+            <a:extLst>
+              <a:ext uri="{FF2B5EF4-FFF2-40B4-BE49-F238E27FC236}">
+                <a16:creationId xmlns:a16="http://schemas.microsoft.com/office/drawing/2014/main" id="{C40C2E14-BFE4-C9DF-C194-89994D9EB591}"/>
+              </a:ext>
+            </a:extLst>
+          </p:cNvPr>
+          <p:cNvSpPr>
+            <a:spLocks noGrp="1"/>
+          </p:cNvSpPr>
+          <p:nvPr>
+            <p:ph idx="1"/>
+          </p:nvPr>
+        </p:nvSpPr>
+        <p:spPr/>
+        <p:txBody>
+          <a:bodyPr/>
+          <a:lstStyle/>
+          <a:p>
+            <a:endParaRPr lang="en-GB" dirty="0"/>
+          </a:p>
+        </p:txBody>
+      </p:sp>
+    </p:spTree>
+    <p:extLst>
+      <p:ext uri="{BB962C8B-B14F-4D97-AF65-F5344CB8AC3E}">
+        <p14:creationId xmlns:p14="http://schemas.microsoft.com/office/powerpoint/2010/main" val="317081444"/>
       </p:ext>
     </p:extLst>
   </p:cSld>

--- a/Data Engineering Using Free Tools/Learn Data Engineering For Free.pptx
+++ b/Data Engineering Using Free Tools/Learn Data Engineering For Free.pptx
@@ -5,7 +5,7 @@
     <p:sldMasterId id="2147483648" r:id="rId1"/>
   </p:sldMasterIdLst>
   <p:notesMasterIdLst>
-    <p:notesMasterId r:id="rId62"/>
+    <p:notesMasterId r:id="rId68"/>
   </p:notesMasterIdLst>
   <p:sldIdLst>
     <p:sldId id="256" r:id="rId2"/>
@@ -47,27 +47,33 @@
     <p:sldId id="298" r:id="rId38"/>
     <p:sldId id="299" r:id="rId39"/>
     <p:sldId id="300" r:id="rId40"/>
-    <p:sldId id="316" r:id="rId41"/>
-    <p:sldId id="257" r:id="rId42"/>
-    <p:sldId id="317" r:id="rId43"/>
+    <p:sldId id="257" r:id="rId41"/>
+    <p:sldId id="317" r:id="rId42"/>
+    <p:sldId id="324" r:id="rId43"/>
     <p:sldId id="314" r:id="rId44"/>
     <p:sldId id="315" r:id="rId45"/>
     <p:sldId id="318" r:id="rId46"/>
-    <p:sldId id="311" r:id="rId47"/>
-    <p:sldId id="301" r:id="rId48"/>
-    <p:sldId id="302" r:id="rId49"/>
-    <p:sldId id="303" r:id="rId50"/>
-    <p:sldId id="304" r:id="rId51"/>
-    <p:sldId id="267" r:id="rId52"/>
-    <p:sldId id="270" r:id="rId53"/>
-    <p:sldId id="266" r:id="rId54"/>
-    <p:sldId id="293" r:id="rId55"/>
-    <p:sldId id="271" r:id="rId56"/>
-    <p:sldId id="272" r:id="rId57"/>
-    <p:sldId id="273" r:id="rId58"/>
-    <p:sldId id="282" r:id="rId59"/>
-    <p:sldId id="305" r:id="rId60"/>
-    <p:sldId id="260" r:id="rId61"/>
+    <p:sldId id="319" r:id="rId47"/>
+    <p:sldId id="320" r:id="rId48"/>
+    <p:sldId id="321" r:id="rId49"/>
+    <p:sldId id="322" r:id="rId50"/>
+    <p:sldId id="323" r:id="rId51"/>
+    <p:sldId id="311" r:id="rId52"/>
+    <p:sldId id="316" r:id="rId53"/>
+    <p:sldId id="301" r:id="rId54"/>
+    <p:sldId id="302" r:id="rId55"/>
+    <p:sldId id="303" r:id="rId56"/>
+    <p:sldId id="304" r:id="rId57"/>
+    <p:sldId id="267" r:id="rId58"/>
+    <p:sldId id="270" r:id="rId59"/>
+    <p:sldId id="266" r:id="rId60"/>
+    <p:sldId id="293" r:id="rId61"/>
+    <p:sldId id="271" r:id="rId62"/>
+    <p:sldId id="272" r:id="rId63"/>
+    <p:sldId id="273" r:id="rId64"/>
+    <p:sldId id="282" r:id="rId65"/>
+    <p:sldId id="305" r:id="rId66"/>
+    <p:sldId id="260" r:id="rId67"/>
   </p:sldIdLst>
   <p:sldSz cx="12192000" cy="6858000"/>
   <p:notesSz cx="6858000" cy="9144000"/>
@@ -1951,7 +1957,7 @@
           <a:p>
             <a:fld id="{C49D3115-C41D-4930-8EF3-A657CFCC644E}" type="datetimeFigureOut">
               <a:rPr lang="en-GB" smtClean="0"/>
-              <a:t>27/09/2024</a:t>
+              <a:t>07/10/2024</a:t>
             </a:fld>
             <a:endParaRPr lang="en-GB"/>
           </a:p>
@@ -2500,6 +2506,90 @@
 </p:notes>
 </file>
 
+<file path=ppt/notesSlides/notesSlide3.xml><?xml version="1.0" encoding="utf-8"?>
+<p:notes xmlns:a="http://schemas.openxmlformats.org/drawingml/2006/main" xmlns:r="http://schemas.openxmlformats.org/officeDocument/2006/relationships" xmlns:p="http://schemas.openxmlformats.org/presentationml/2006/main">
+  <p:cSld>
+    <p:spTree>
+      <p:nvGrpSpPr>
+        <p:cNvPr id="1" name=""/>
+        <p:cNvGrpSpPr/>
+        <p:nvPr/>
+      </p:nvGrpSpPr>
+      <p:grpSpPr>
+        <a:xfrm>
+          <a:off x="0" y="0"/>
+          <a:ext cx="0" cy="0"/>
+          <a:chOff x="0" y="0"/>
+          <a:chExt cx="0" cy="0"/>
+        </a:xfrm>
+      </p:grpSpPr>
+      <p:sp>
+        <p:nvSpPr>
+          <p:cNvPr id="2" name="Slide Image Placeholder 1"/>
+          <p:cNvSpPr>
+            <a:spLocks noGrp="1" noRot="1" noChangeAspect="1"/>
+          </p:cNvSpPr>
+          <p:nvPr>
+            <p:ph type="sldImg"/>
+          </p:nvPr>
+        </p:nvSpPr>
+        <p:spPr/>
+      </p:sp>
+      <p:sp>
+        <p:nvSpPr>
+          <p:cNvPr id="3" name="Notes Placeholder 2"/>
+          <p:cNvSpPr>
+            <a:spLocks noGrp="1"/>
+          </p:cNvSpPr>
+          <p:nvPr>
+            <p:ph type="body" idx="1"/>
+          </p:nvPr>
+        </p:nvSpPr>
+        <p:spPr/>
+        <p:txBody>
+          <a:bodyPr/>
+          <a:lstStyle/>
+          <a:p>
+            <a:endParaRPr lang="en-GB" dirty="0"/>
+          </a:p>
+        </p:txBody>
+      </p:sp>
+      <p:sp>
+        <p:nvSpPr>
+          <p:cNvPr id="4" name="Slide Number Placeholder 3"/>
+          <p:cNvSpPr>
+            <a:spLocks noGrp="1"/>
+          </p:cNvSpPr>
+          <p:nvPr>
+            <p:ph type="sldNum" sz="quarter" idx="5"/>
+          </p:nvPr>
+        </p:nvSpPr>
+        <p:spPr/>
+        <p:txBody>
+          <a:bodyPr/>
+          <a:lstStyle/>
+          <a:p>
+            <a:fld id="{E7E8E24E-2DA5-414D-9B85-6ED9E2618CC6}" type="slidenum">
+              <a:rPr lang="en-GB" smtClean="0"/>
+              <a:t>48</a:t>
+            </a:fld>
+            <a:endParaRPr lang="en-GB"/>
+          </a:p>
+        </p:txBody>
+      </p:sp>
+    </p:spTree>
+    <p:extLst>
+      <p:ext uri="{BB962C8B-B14F-4D97-AF65-F5344CB8AC3E}">
+        <p14:creationId xmlns:p14="http://schemas.microsoft.com/office/powerpoint/2010/main" val="201077094"/>
+      </p:ext>
+    </p:extLst>
+  </p:cSld>
+  <p:clrMapOvr>
+    <a:masterClrMapping/>
+  </p:clrMapOvr>
+</p:notes>
+</file>
+
 <file path=ppt/slideLayouts/slideLayout1.xml><?xml version="1.0" encoding="utf-8"?>
 <p:sldLayout xmlns:a="http://schemas.openxmlformats.org/drawingml/2006/main" xmlns:r="http://schemas.openxmlformats.org/officeDocument/2006/relationships" xmlns:p="http://schemas.openxmlformats.org/presentationml/2006/main" type="title" preserve="1">
   <p:cSld name="Title Slide">
@@ -2649,7 +2739,7 @@
           <a:p>
             <a:fld id="{35275B4F-5DE5-4D53-BD3B-F0C44FE589B2}" type="datetimeFigureOut">
               <a:rPr lang="en-GB" smtClean="0"/>
-              <a:t>27/09/2024</a:t>
+              <a:t>07/10/2024</a:t>
             </a:fld>
             <a:endParaRPr lang="en-GB"/>
           </a:p>
@@ -2849,7 +2939,7 @@
           <a:p>
             <a:fld id="{35275B4F-5DE5-4D53-BD3B-F0C44FE589B2}" type="datetimeFigureOut">
               <a:rPr lang="en-GB" smtClean="0"/>
-              <a:t>27/09/2024</a:t>
+              <a:t>07/10/2024</a:t>
             </a:fld>
             <a:endParaRPr lang="en-GB"/>
           </a:p>
@@ -3059,7 +3149,7 @@
           <a:p>
             <a:fld id="{35275B4F-5DE5-4D53-BD3B-F0C44FE589B2}" type="datetimeFigureOut">
               <a:rPr lang="en-GB" smtClean="0"/>
-              <a:t>27/09/2024</a:t>
+              <a:t>07/10/2024</a:t>
             </a:fld>
             <a:endParaRPr lang="en-GB"/>
           </a:p>
@@ -3259,7 +3349,7 @@
           <a:p>
             <a:fld id="{35275B4F-5DE5-4D53-BD3B-F0C44FE589B2}" type="datetimeFigureOut">
               <a:rPr lang="en-GB" smtClean="0"/>
-              <a:t>27/09/2024</a:t>
+              <a:t>07/10/2024</a:t>
             </a:fld>
             <a:endParaRPr lang="en-GB"/>
           </a:p>
@@ -3535,7 +3625,7 @@
           <a:p>
             <a:fld id="{35275B4F-5DE5-4D53-BD3B-F0C44FE589B2}" type="datetimeFigureOut">
               <a:rPr lang="en-GB" smtClean="0"/>
-              <a:t>27/09/2024</a:t>
+              <a:t>07/10/2024</a:t>
             </a:fld>
             <a:endParaRPr lang="en-GB"/>
           </a:p>
@@ -3803,7 +3893,7 @@
           <a:p>
             <a:fld id="{35275B4F-5DE5-4D53-BD3B-F0C44FE589B2}" type="datetimeFigureOut">
               <a:rPr lang="en-GB" smtClean="0"/>
-              <a:t>27/09/2024</a:t>
+              <a:t>07/10/2024</a:t>
             </a:fld>
             <a:endParaRPr lang="en-GB"/>
           </a:p>
@@ -4218,7 +4308,7 @@
           <a:p>
             <a:fld id="{35275B4F-5DE5-4D53-BD3B-F0C44FE589B2}" type="datetimeFigureOut">
               <a:rPr lang="en-GB" smtClean="0"/>
-              <a:t>27/09/2024</a:t>
+              <a:t>07/10/2024</a:t>
             </a:fld>
             <a:endParaRPr lang="en-GB"/>
           </a:p>
@@ -4360,7 +4450,7 @@
           <a:p>
             <a:fld id="{35275B4F-5DE5-4D53-BD3B-F0C44FE589B2}" type="datetimeFigureOut">
               <a:rPr lang="en-GB" smtClean="0"/>
-              <a:t>27/09/2024</a:t>
+              <a:t>07/10/2024</a:t>
             </a:fld>
             <a:endParaRPr lang="en-GB"/>
           </a:p>
@@ -4473,7 +4563,7 @@
           <a:p>
             <a:fld id="{35275B4F-5DE5-4D53-BD3B-F0C44FE589B2}" type="datetimeFigureOut">
               <a:rPr lang="en-GB" smtClean="0"/>
-              <a:t>27/09/2024</a:t>
+              <a:t>07/10/2024</a:t>
             </a:fld>
             <a:endParaRPr lang="en-GB"/>
           </a:p>
@@ -4786,7 +4876,7 @@
           <a:p>
             <a:fld id="{35275B4F-5DE5-4D53-BD3B-F0C44FE589B2}" type="datetimeFigureOut">
               <a:rPr lang="en-GB" smtClean="0"/>
-              <a:t>27/09/2024</a:t>
+              <a:t>07/10/2024</a:t>
             </a:fld>
             <a:endParaRPr lang="en-GB"/>
           </a:p>
@@ -5075,7 +5165,7 @@
           <a:p>
             <a:fld id="{35275B4F-5DE5-4D53-BD3B-F0C44FE589B2}" type="datetimeFigureOut">
               <a:rPr lang="en-GB" smtClean="0"/>
-              <a:t>27/09/2024</a:t>
+              <a:t>07/10/2024</a:t>
             </a:fld>
             <a:endParaRPr lang="en-GB"/>
           </a:p>
@@ -5318,7 +5408,7 @@
           <a:p>
             <a:fld id="{35275B4F-5DE5-4D53-BD3B-F0C44FE589B2}" type="datetimeFigureOut">
               <a:rPr lang="en-GB" smtClean="0"/>
-              <a:t>27/09/2024</a:t>
+              <a:t>07/10/2024</a:t>
             </a:fld>
             <a:endParaRPr lang="en-GB"/>
           </a:p>
@@ -9019,7 +9109,7 @@
           <p:cNvPr id="2" name="Title 1">
             <a:extLst>
               <a:ext uri="{FF2B5EF4-FFF2-40B4-BE49-F238E27FC236}">
-                <a16:creationId xmlns:a16="http://schemas.microsoft.com/office/drawing/2014/main" id="{DCD86764-00F4-6C9A-2130-D553A9C0F19A}"/>
+                <a16:creationId xmlns:a16="http://schemas.microsoft.com/office/drawing/2014/main" id="{A5469F7B-5F47-517F-D218-DF1E89BBB790}"/>
               </a:ext>
             </a:extLst>
           </p:cNvPr>
@@ -9037,80 +9127,65 @@
           <a:p>
             <a:r>
               <a:rPr lang="en-GB" dirty="0"/>
-              <a:t>Python pre-</a:t>
+              <a:t>Python</a:t>
+            </a:r>
+          </a:p>
+        </p:txBody>
+      </p:sp>
+      <p:sp>
+        <p:nvSpPr>
+          <p:cNvPr id="3" name="Content Placeholder 2">
+            <a:extLst>
+              <a:ext uri="{FF2B5EF4-FFF2-40B4-BE49-F238E27FC236}">
+                <a16:creationId xmlns:a16="http://schemas.microsoft.com/office/drawing/2014/main" id="{D887FE72-3475-5DF9-893F-927B7A1BBC5F}"/>
+              </a:ext>
+            </a:extLst>
+          </p:cNvPr>
+          <p:cNvSpPr>
+            <a:spLocks noGrp="1"/>
+          </p:cNvSpPr>
+          <p:nvPr>
+            <p:ph idx="1"/>
+          </p:nvPr>
+        </p:nvSpPr>
+        <p:spPr/>
+        <p:txBody>
+          <a:bodyPr>
+            <a:normAutofit/>
+          </a:bodyPr>
+          <a:lstStyle/>
+          <a:p>
+            <a:r>
+              <a:rPr lang="en-GB" dirty="0"/>
+              <a:t>Use Anaconda</a:t>
+            </a:r>
+          </a:p>
+          <a:p>
+            <a:r>
+              <a:rPr lang="en-GB" dirty="0"/>
+              <a:t>Use </a:t>
             </a:r>
             <a:r>
               <a:rPr lang="en-GB" dirty="0" err="1"/>
-              <a:t>reqs</a:t>
-            </a:r>
-            <a:endParaRPr lang="en-GB" dirty="0"/>
-          </a:p>
-        </p:txBody>
-      </p:sp>
-      <p:pic>
-        <p:nvPicPr>
-          <p:cNvPr id="5" name="Picture 4">
-            <a:extLst>
-              <a:ext uri="{FF2B5EF4-FFF2-40B4-BE49-F238E27FC236}">
-                <a16:creationId xmlns:a16="http://schemas.microsoft.com/office/drawing/2014/main" id="{C663F566-F2F6-4996-C066-E71C1013515E}"/>
-              </a:ext>
-            </a:extLst>
-          </p:cNvPr>
-          <p:cNvPicPr>
-            <a:picLocks noChangeAspect="1"/>
-          </p:cNvPicPr>
-          <p:nvPr/>
-        </p:nvPicPr>
-        <p:blipFill>
-          <a:blip r:embed="rId2"/>
-          <a:stretch>
-            <a:fillRect/>
-          </a:stretch>
-        </p:blipFill>
-        <p:spPr>
-          <a:xfrm>
-            <a:off x="838200" y="1431753"/>
-            <a:ext cx="9392961" cy="2457793"/>
-          </a:xfrm>
-          <a:prstGeom prst="rect">
-            <a:avLst/>
-          </a:prstGeom>
-        </p:spPr>
-      </p:pic>
-      <p:pic>
-        <p:nvPicPr>
-          <p:cNvPr id="8" name="Picture 7">
-            <a:extLst>
-              <a:ext uri="{FF2B5EF4-FFF2-40B4-BE49-F238E27FC236}">
-                <a16:creationId xmlns:a16="http://schemas.microsoft.com/office/drawing/2014/main" id="{0DA08BAC-BAA2-E123-3A0B-E202C41AC238}"/>
-              </a:ext>
-            </a:extLst>
-          </p:cNvPr>
-          <p:cNvPicPr>
-            <a:picLocks noChangeAspect="1"/>
-          </p:cNvPicPr>
-          <p:nvPr/>
-        </p:nvPicPr>
-        <p:blipFill>
-          <a:blip r:embed="rId3"/>
-          <a:stretch>
-            <a:fillRect/>
-          </a:stretch>
-        </p:blipFill>
-        <p:spPr>
-          <a:xfrm>
-            <a:off x="838200" y="4217883"/>
-            <a:ext cx="4934639" cy="1476581"/>
-          </a:xfrm>
-          <a:prstGeom prst="rect">
-            <a:avLst/>
-          </a:prstGeom>
-        </p:spPr>
-      </p:pic>
+              <a:t>conda</a:t>
+            </a:r>
+            <a:r>
+              <a:rPr lang="en-GB" dirty="0"/>
+              <a:t> to create environment</a:t>
+            </a:r>
+          </a:p>
+          <a:p>
+            <a:r>
+              <a:rPr lang="en-GB" dirty="0"/>
+              <a:t>Might need to enable Long Paths</a:t>
+            </a:r>
+          </a:p>
+        </p:txBody>
+      </p:sp>
     </p:spTree>
     <p:extLst>
       <p:ext uri="{BB962C8B-B14F-4D97-AF65-F5344CB8AC3E}">
-        <p14:creationId xmlns:p14="http://schemas.microsoft.com/office/powerpoint/2010/main" val="2091675727"/>
+        <p14:creationId xmlns:p14="http://schemas.microsoft.com/office/powerpoint/2010/main" val="3256889448"/>
       </p:ext>
     </p:extLst>
   </p:cSld>
@@ -9142,7 +9217,7 @@
           <p:cNvPr id="2" name="Title 1">
             <a:extLst>
               <a:ext uri="{FF2B5EF4-FFF2-40B4-BE49-F238E27FC236}">
-                <a16:creationId xmlns:a16="http://schemas.microsoft.com/office/drawing/2014/main" id="{A5469F7B-5F47-517F-D218-DF1E89BBB790}"/>
+                <a16:creationId xmlns:a16="http://schemas.microsoft.com/office/drawing/2014/main" id="{A46B4437-F99E-881D-8C11-C63B2CC3EA49}"/>
               </a:ext>
             </a:extLst>
           </p:cNvPr>
@@ -9160,59 +9235,45 @@
           <a:p>
             <a:r>
               <a:rPr lang="en-GB" dirty="0"/>
-              <a:t>Python Demo</a:t>
-            </a:r>
-          </a:p>
-        </p:txBody>
-      </p:sp>
-      <p:sp>
-        <p:nvSpPr>
-          <p:cNvPr id="3" name="Content Placeholder 2">
-            <a:extLst>
-              <a:ext uri="{FF2B5EF4-FFF2-40B4-BE49-F238E27FC236}">
-                <a16:creationId xmlns:a16="http://schemas.microsoft.com/office/drawing/2014/main" id="{D887FE72-3475-5DF9-893F-927B7A1BBC5F}"/>
-              </a:ext>
-            </a:extLst>
-          </p:cNvPr>
-          <p:cNvSpPr>
-            <a:spLocks noGrp="1"/>
-          </p:cNvSpPr>
-          <p:nvPr>
-            <p:ph idx="1"/>
-          </p:nvPr>
-        </p:nvSpPr>
-        <p:spPr/>
-        <p:txBody>
-          <a:bodyPr>
-            <a:normAutofit/>
-          </a:bodyPr>
-          <a:lstStyle/>
-          <a:p>
-            <a:r>
-              <a:rPr lang="en-GB" dirty="0"/>
-              <a:t>Install Anaconda</a:t>
-            </a:r>
-          </a:p>
-          <a:p>
-            <a:r>
-              <a:rPr lang="en-GB" dirty="0"/>
-              <a:t>Use </a:t>
-            </a:r>
-            <a:r>
-              <a:rPr lang="en-GB" dirty="0" err="1"/>
-              <a:t>conda</a:t>
-            </a:r>
-            <a:r>
-              <a:rPr lang="en-GB" dirty="0"/>
-              <a:t> to create</a:t>
-            </a:r>
-          </a:p>
-        </p:txBody>
-      </p:sp>
+              <a:t>Anaconda install</a:t>
+            </a:r>
+          </a:p>
+        </p:txBody>
+      </p:sp>
+      <p:pic>
+        <p:nvPicPr>
+          <p:cNvPr id="5" name="Picture 4">
+            <a:extLst>
+              <a:ext uri="{FF2B5EF4-FFF2-40B4-BE49-F238E27FC236}">
+                <a16:creationId xmlns:a16="http://schemas.microsoft.com/office/drawing/2014/main" id="{3E636616-F386-FFD4-F9FB-6B28F76C082E}"/>
+              </a:ext>
+            </a:extLst>
+          </p:cNvPr>
+          <p:cNvPicPr>
+            <a:picLocks noChangeAspect="1"/>
+          </p:cNvPicPr>
+          <p:nvPr/>
+        </p:nvPicPr>
+        <p:blipFill>
+          <a:blip r:embed="rId2"/>
+          <a:stretch>
+            <a:fillRect/>
+          </a:stretch>
+        </p:blipFill>
+        <p:spPr>
+          <a:xfrm>
+            <a:off x="1701475" y="2249242"/>
+            <a:ext cx="4648849" cy="3515216"/>
+          </a:xfrm>
+          <a:prstGeom prst="rect">
+            <a:avLst/>
+          </a:prstGeom>
+        </p:spPr>
+      </p:pic>
     </p:spTree>
     <p:extLst>
       <p:ext uri="{BB962C8B-B14F-4D97-AF65-F5344CB8AC3E}">
-        <p14:creationId xmlns:p14="http://schemas.microsoft.com/office/powerpoint/2010/main" val="3256889448"/>
+        <p14:creationId xmlns:p14="http://schemas.microsoft.com/office/powerpoint/2010/main" val="1102189768"/>
       </p:ext>
     </p:extLst>
   </p:cSld>
@@ -9244,7 +9305,7 @@
           <p:cNvPr id="2" name="Title 1">
             <a:extLst>
               <a:ext uri="{FF2B5EF4-FFF2-40B4-BE49-F238E27FC236}">
-                <a16:creationId xmlns:a16="http://schemas.microsoft.com/office/drawing/2014/main" id="{A46B4437-F99E-881D-8C11-C63B2CC3EA49}"/>
+                <a16:creationId xmlns:a16="http://schemas.microsoft.com/office/drawing/2014/main" id="{08BA6218-7C2E-0654-E7FF-890943A38659}"/>
               </a:ext>
             </a:extLst>
           </p:cNvPr>
@@ -9260,44 +9321,21 @@
           <a:bodyPr/>
           <a:lstStyle/>
           <a:p>
-            <a:endParaRPr lang="en-GB"/>
-          </a:p>
-        </p:txBody>
-      </p:sp>
-      <p:pic>
-        <p:nvPicPr>
-          <p:cNvPr id="5" name="Picture 4">
-            <a:extLst>
-              <a:ext uri="{FF2B5EF4-FFF2-40B4-BE49-F238E27FC236}">
-                <a16:creationId xmlns:a16="http://schemas.microsoft.com/office/drawing/2014/main" id="{3E636616-F386-FFD4-F9FB-6B28F76C082E}"/>
-              </a:ext>
-            </a:extLst>
-          </p:cNvPr>
-          <p:cNvPicPr>
-            <a:picLocks noChangeAspect="1"/>
-          </p:cNvPicPr>
-          <p:nvPr/>
-        </p:nvPicPr>
-        <p:blipFill>
-          <a:blip r:embed="rId2"/>
-          <a:stretch>
-            <a:fillRect/>
-          </a:stretch>
-        </p:blipFill>
-        <p:spPr>
-          <a:xfrm>
-            <a:off x="1701475" y="2249242"/>
-            <a:ext cx="4648849" cy="3515216"/>
-          </a:xfrm>
-          <a:prstGeom prst="rect">
-            <a:avLst/>
-          </a:prstGeom>
-        </p:spPr>
-      </p:pic>
+            <a:r>
+              <a:rPr lang="en-GB" dirty="0" err="1"/>
+              <a:t>Conda</a:t>
+            </a:r>
+            <a:r>
+              <a:rPr lang="en-GB" dirty="0"/>
+              <a:t> demo</a:t>
+            </a:r>
+          </a:p>
+        </p:txBody>
+      </p:sp>
     </p:spTree>
     <p:extLst>
       <p:ext uri="{BB962C8B-B14F-4D97-AF65-F5344CB8AC3E}">
-        <p14:creationId xmlns:p14="http://schemas.microsoft.com/office/powerpoint/2010/main" val="1102189768"/>
+        <p14:creationId xmlns:p14="http://schemas.microsoft.com/office/powerpoint/2010/main" val="349260128"/>
       </p:ext>
     </p:extLst>
   </p:cSld>
@@ -9656,6 +9694,621 @@
           <p:cNvPr id="2" name="Title 1">
             <a:extLst>
               <a:ext uri="{FF2B5EF4-FFF2-40B4-BE49-F238E27FC236}">
+                <a16:creationId xmlns:a16="http://schemas.microsoft.com/office/drawing/2014/main" id="{721D1864-1AA2-D6DD-A480-FBC15302FDFD}"/>
+              </a:ext>
+            </a:extLst>
+          </p:cNvPr>
+          <p:cNvSpPr>
+            <a:spLocks noGrp="1"/>
+          </p:cNvSpPr>
+          <p:nvPr>
+            <p:ph type="title"/>
+          </p:nvPr>
+        </p:nvSpPr>
+        <p:spPr/>
+        <p:txBody>
+          <a:bodyPr/>
+          <a:lstStyle/>
+          <a:p>
+            <a:r>
+              <a:rPr lang="en-GB" dirty="0"/>
+              <a:t>SQL Express!</a:t>
+            </a:r>
+          </a:p>
+        </p:txBody>
+      </p:sp>
+      <p:pic>
+        <p:nvPicPr>
+          <p:cNvPr id="5" name="Picture 4">
+            <a:extLst>
+              <a:ext uri="{FF2B5EF4-FFF2-40B4-BE49-F238E27FC236}">
+                <a16:creationId xmlns:a16="http://schemas.microsoft.com/office/drawing/2014/main" id="{448D210F-2791-BB01-3E4C-209625B18617}"/>
+              </a:ext>
+            </a:extLst>
+          </p:cNvPr>
+          <p:cNvPicPr>
+            <a:picLocks noChangeAspect="1"/>
+          </p:cNvPicPr>
+          <p:nvPr/>
+        </p:nvPicPr>
+        <p:blipFill>
+          <a:blip r:embed="rId2"/>
+          <a:stretch>
+            <a:fillRect/>
+          </a:stretch>
+        </p:blipFill>
+        <p:spPr>
+          <a:xfrm>
+            <a:off x="838200" y="2620727"/>
+            <a:ext cx="7525137" cy="2076557"/>
+          </a:xfrm>
+          <a:prstGeom prst="rect">
+            <a:avLst/>
+          </a:prstGeom>
+        </p:spPr>
+      </p:pic>
+      <p:sp>
+        <p:nvSpPr>
+          <p:cNvPr id="7" name="TextBox 6">
+            <a:extLst>
+              <a:ext uri="{FF2B5EF4-FFF2-40B4-BE49-F238E27FC236}">
+                <a16:creationId xmlns:a16="http://schemas.microsoft.com/office/drawing/2014/main" id="{C2A7AA09-D58C-3AA6-7B91-08BDBC8B6CF0}"/>
+              </a:ext>
+            </a:extLst>
+          </p:cNvPr>
+          <p:cNvSpPr txBox="1"/>
+          <p:nvPr/>
+        </p:nvSpPr>
+        <p:spPr>
+          <a:xfrm>
+            <a:off x="838200" y="1791385"/>
+            <a:ext cx="9296787" cy="369332"/>
+          </a:xfrm>
+          <a:prstGeom prst="rect">
+            <a:avLst/>
+          </a:prstGeom>
+          <a:noFill/>
+        </p:spPr>
+        <p:txBody>
+          <a:bodyPr wrap="square">
+            <a:spAutoFit/>
+          </a:bodyPr>
+          <a:lstStyle/>
+          <a:p>
+            <a:r>
+              <a:rPr lang="en-GB" dirty="0"/>
+              <a:t>https://www.microsoft.com/en-us/download/details.aspx?id=104781&amp;lc=1033</a:t>
+            </a:r>
+          </a:p>
+        </p:txBody>
+      </p:sp>
+    </p:spTree>
+    <p:extLst>
+      <p:ext uri="{BB962C8B-B14F-4D97-AF65-F5344CB8AC3E}">
+        <p14:creationId xmlns:p14="http://schemas.microsoft.com/office/powerpoint/2010/main" val="309386999"/>
+      </p:ext>
+    </p:extLst>
+  </p:cSld>
+  <p:clrMapOvr>
+    <a:masterClrMapping/>
+  </p:clrMapOvr>
+</p:sld>
+</file>
+
+<file path=ppt/slides/slide47.xml><?xml version="1.0" encoding="utf-8"?>
+<p:sld xmlns:a="http://schemas.openxmlformats.org/drawingml/2006/main" xmlns:r="http://schemas.openxmlformats.org/officeDocument/2006/relationships" xmlns:p="http://schemas.openxmlformats.org/presentationml/2006/main">
+  <p:cSld>
+    <p:spTree>
+      <p:nvGrpSpPr>
+        <p:cNvPr id="1" name=""/>
+        <p:cNvGrpSpPr/>
+        <p:nvPr/>
+      </p:nvGrpSpPr>
+      <p:grpSpPr>
+        <a:xfrm>
+          <a:off x="0" y="0"/>
+          <a:ext cx="0" cy="0"/>
+          <a:chOff x="0" y="0"/>
+          <a:chExt cx="0" cy="0"/>
+        </a:xfrm>
+      </p:grpSpPr>
+      <p:sp>
+        <p:nvSpPr>
+          <p:cNvPr id="2" name="Title 1">
+            <a:extLst>
+              <a:ext uri="{FF2B5EF4-FFF2-40B4-BE49-F238E27FC236}">
+                <a16:creationId xmlns:a16="http://schemas.microsoft.com/office/drawing/2014/main" id="{E54C7220-D4E8-C4CE-9F41-17CBBA3E9D1F}"/>
+              </a:ext>
+            </a:extLst>
+          </p:cNvPr>
+          <p:cNvSpPr>
+            <a:spLocks noGrp="1"/>
+          </p:cNvSpPr>
+          <p:nvPr>
+            <p:ph type="title"/>
+          </p:nvPr>
+        </p:nvSpPr>
+        <p:spPr/>
+        <p:txBody>
+          <a:bodyPr/>
+          <a:lstStyle/>
+          <a:p>
+            <a:endParaRPr lang="en-GB"/>
+          </a:p>
+        </p:txBody>
+      </p:sp>
+      <p:pic>
+        <p:nvPicPr>
+          <p:cNvPr id="5" name="Picture 4">
+            <a:extLst>
+              <a:ext uri="{FF2B5EF4-FFF2-40B4-BE49-F238E27FC236}">
+                <a16:creationId xmlns:a16="http://schemas.microsoft.com/office/drawing/2014/main" id="{1DE6EA73-5C07-A441-9C79-2FAF0206876C}"/>
+              </a:ext>
+            </a:extLst>
+          </p:cNvPr>
+          <p:cNvPicPr>
+            <a:picLocks noChangeAspect="1"/>
+          </p:cNvPicPr>
+          <p:nvPr/>
+        </p:nvPicPr>
+        <p:blipFill>
+          <a:blip r:embed="rId2"/>
+          <a:stretch>
+            <a:fillRect/>
+          </a:stretch>
+        </p:blipFill>
+        <p:spPr>
+          <a:xfrm>
+            <a:off x="2197359" y="1549342"/>
+            <a:ext cx="7550538" cy="2235315"/>
+          </a:xfrm>
+          <a:prstGeom prst="rect">
+            <a:avLst/>
+          </a:prstGeom>
+        </p:spPr>
+      </p:pic>
+      <p:pic>
+        <p:nvPicPr>
+          <p:cNvPr id="7" name="Picture 6">
+            <a:extLst>
+              <a:ext uri="{FF2B5EF4-FFF2-40B4-BE49-F238E27FC236}">
+                <a16:creationId xmlns:a16="http://schemas.microsoft.com/office/drawing/2014/main" id="{357DCD06-D3F9-B3E6-6147-8B555688ED76}"/>
+              </a:ext>
+            </a:extLst>
+          </p:cNvPr>
+          <p:cNvPicPr>
+            <a:picLocks noChangeAspect="1"/>
+          </p:cNvPicPr>
+          <p:nvPr/>
+        </p:nvPicPr>
+        <p:blipFill>
+          <a:blip r:embed="rId3"/>
+          <a:stretch>
+            <a:fillRect/>
+          </a:stretch>
+        </p:blipFill>
+        <p:spPr>
+          <a:xfrm>
+            <a:off x="2197359" y="4302102"/>
+            <a:ext cx="2921150" cy="895396"/>
+          </a:xfrm>
+          <a:prstGeom prst="rect">
+            <a:avLst/>
+          </a:prstGeom>
+        </p:spPr>
+      </p:pic>
+      <p:pic>
+        <p:nvPicPr>
+          <p:cNvPr id="9" name="Picture 8">
+            <a:extLst>
+              <a:ext uri="{FF2B5EF4-FFF2-40B4-BE49-F238E27FC236}">
+                <a16:creationId xmlns:a16="http://schemas.microsoft.com/office/drawing/2014/main" id="{C0E1A8B2-FE52-27DA-F7DB-CAD822372C31}"/>
+              </a:ext>
+            </a:extLst>
+          </p:cNvPr>
+          <p:cNvPicPr>
+            <a:picLocks noChangeAspect="1"/>
+          </p:cNvPicPr>
+          <p:nvPr/>
+        </p:nvPicPr>
+        <p:blipFill>
+          <a:blip r:embed="rId4"/>
+          <a:stretch>
+            <a:fillRect/>
+          </a:stretch>
+        </p:blipFill>
+        <p:spPr>
+          <a:xfrm>
+            <a:off x="2197359" y="5714943"/>
+            <a:ext cx="2254366" cy="806491"/>
+          </a:xfrm>
+          <a:prstGeom prst="rect">
+            <a:avLst/>
+          </a:prstGeom>
+        </p:spPr>
+      </p:pic>
+    </p:spTree>
+    <p:extLst>
+      <p:ext uri="{BB962C8B-B14F-4D97-AF65-F5344CB8AC3E}">
+        <p14:creationId xmlns:p14="http://schemas.microsoft.com/office/powerpoint/2010/main" val="2308371639"/>
+      </p:ext>
+    </p:extLst>
+  </p:cSld>
+  <p:clrMapOvr>
+    <a:masterClrMapping/>
+  </p:clrMapOvr>
+</p:sld>
+</file>
+
+<file path=ppt/slides/slide48.xml><?xml version="1.0" encoding="utf-8"?>
+<p:sld xmlns:a="http://schemas.openxmlformats.org/drawingml/2006/main" xmlns:r="http://schemas.openxmlformats.org/officeDocument/2006/relationships" xmlns:p="http://schemas.openxmlformats.org/presentationml/2006/main">
+  <p:cSld>
+    <p:spTree>
+      <p:nvGrpSpPr>
+        <p:cNvPr id="1" name=""/>
+        <p:cNvGrpSpPr/>
+        <p:nvPr/>
+      </p:nvGrpSpPr>
+      <p:grpSpPr>
+        <a:xfrm>
+          <a:off x="0" y="0"/>
+          <a:ext cx="0" cy="0"/>
+          <a:chOff x="0" y="0"/>
+          <a:chExt cx="0" cy="0"/>
+        </a:xfrm>
+      </p:grpSpPr>
+      <p:sp>
+        <p:nvSpPr>
+          <p:cNvPr id="2" name="Title 1">
+            <a:extLst>
+              <a:ext uri="{FF2B5EF4-FFF2-40B4-BE49-F238E27FC236}">
+                <a16:creationId xmlns:a16="http://schemas.microsoft.com/office/drawing/2014/main" id="{C3969D66-3483-9BE2-7840-401EA06DCA64}"/>
+              </a:ext>
+            </a:extLst>
+          </p:cNvPr>
+          <p:cNvSpPr>
+            <a:spLocks noGrp="1"/>
+          </p:cNvSpPr>
+          <p:nvPr>
+            <p:ph type="title"/>
+          </p:nvPr>
+        </p:nvSpPr>
+        <p:spPr/>
+        <p:txBody>
+          <a:bodyPr/>
+          <a:lstStyle/>
+          <a:p>
+            <a:endParaRPr lang="en-GB"/>
+          </a:p>
+        </p:txBody>
+      </p:sp>
+      <p:pic>
+        <p:nvPicPr>
+          <p:cNvPr id="5" name="Picture 4">
+            <a:extLst>
+              <a:ext uri="{FF2B5EF4-FFF2-40B4-BE49-F238E27FC236}">
+                <a16:creationId xmlns:a16="http://schemas.microsoft.com/office/drawing/2014/main" id="{2A36F57A-EBEF-472A-C1FC-9EA3E640B70A}"/>
+              </a:ext>
+            </a:extLst>
+          </p:cNvPr>
+          <p:cNvPicPr>
+            <a:picLocks noChangeAspect="1"/>
+          </p:cNvPicPr>
+          <p:nvPr/>
+        </p:nvPicPr>
+        <p:blipFill>
+          <a:blip r:embed="rId3"/>
+          <a:stretch>
+            <a:fillRect/>
+          </a:stretch>
+        </p:blipFill>
+        <p:spPr>
+          <a:xfrm>
+            <a:off x="838200" y="2042237"/>
+            <a:ext cx="2959252" cy="3187864"/>
+          </a:xfrm>
+          <a:prstGeom prst="rect">
+            <a:avLst/>
+          </a:prstGeom>
+        </p:spPr>
+      </p:pic>
+    </p:spTree>
+    <p:extLst>
+      <p:ext uri="{BB962C8B-B14F-4D97-AF65-F5344CB8AC3E}">
+        <p14:creationId xmlns:p14="http://schemas.microsoft.com/office/powerpoint/2010/main" val="2682671986"/>
+      </p:ext>
+    </p:extLst>
+  </p:cSld>
+  <p:clrMapOvr>
+    <a:masterClrMapping/>
+  </p:clrMapOvr>
+</p:sld>
+</file>
+
+<file path=ppt/slides/slide49.xml><?xml version="1.0" encoding="utf-8"?>
+<p:sld xmlns:a="http://schemas.openxmlformats.org/drawingml/2006/main" xmlns:r="http://schemas.openxmlformats.org/officeDocument/2006/relationships" xmlns:p="http://schemas.openxmlformats.org/presentationml/2006/main">
+  <p:cSld>
+    <p:spTree>
+      <p:nvGrpSpPr>
+        <p:cNvPr id="1" name=""/>
+        <p:cNvGrpSpPr/>
+        <p:nvPr/>
+      </p:nvGrpSpPr>
+      <p:grpSpPr>
+        <a:xfrm>
+          <a:off x="0" y="0"/>
+          <a:ext cx="0" cy="0"/>
+          <a:chOff x="0" y="0"/>
+          <a:chExt cx="0" cy="0"/>
+        </a:xfrm>
+      </p:grpSpPr>
+      <p:sp>
+        <p:nvSpPr>
+          <p:cNvPr id="2" name="Title 1">
+            <a:extLst>
+              <a:ext uri="{FF2B5EF4-FFF2-40B4-BE49-F238E27FC236}">
+                <a16:creationId xmlns:a16="http://schemas.microsoft.com/office/drawing/2014/main" id="{F9730C1D-834B-610B-0E29-AE24F94D4143}"/>
+              </a:ext>
+            </a:extLst>
+          </p:cNvPr>
+          <p:cNvSpPr>
+            <a:spLocks noGrp="1"/>
+          </p:cNvSpPr>
+          <p:nvPr>
+            <p:ph type="title"/>
+          </p:nvPr>
+        </p:nvSpPr>
+        <p:spPr/>
+        <p:txBody>
+          <a:bodyPr/>
+          <a:lstStyle/>
+          <a:p>
+            <a:endParaRPr lang="en-GB"/>
+          </a:p>
+        </p:txBody>
+      </p:sp>
+      <p:pic>
+        <p:nvPicPr>
+          <p:cNvPr id="7" name="Picture 6">
+            <a:extLst>
+              <a:ext uri="{FF2B5EF4-FFF2-40B4-BE49-F238E27FC236}">
+                <a16:creationId xmlns:a16="http://schemas.microsoft.com/office/drawing/2014/main" id="{84D8D550-260F-0F03-0F0E-8FB1893DB52E}"/>
+              </a:ext>
+            </a:extLst>
+          </p:cNvPr>
+          <p:cNvPicPr>
+            <a:picLocks noChangeAspect="1"/>
+          </p:cNvPicPr>
+          <p:nvPr/>
+        </p:nvPicPr>
+        <p:blipFill>
+          <a:blip r:embed="rId2"/>
+          <a:stretch>
+            <a:fillRect/>
+          </a:stretch>
+        </p:blipFill>
+        <p:spPr>
+          <a:xfrm>
+            <a:off x="3685605" y="1366482"/>
+            <a:ext cx="4559534" cy="5010407"/>
+          </a:xfrm>
+          <a:prstGeom prst="rect">
+            <a:avLst/>
+          </a:prstGeom>
+        </p:spPr>
+      </p:pic>
+    </p:spTree>
+    <p:extLst>
+      <p:ext uri="{BB962C8B-B14F-4D97-AF65-F5344CB8AC3E}">
+        <p14:creationId xmlns:p14="http://schemas.microsoft.com/office/powerpoint/2010/main" val="3024344180"/>
+      </p:ext>
+    </p:extLst>
+  </p:cSld>
+  <p:clrMapOvr>
+    <a:masterClrMapping/>
+  </p:clrMapOvr>
+</p:sld>
+</file>
+
+<file path=ppt/slides/slide5.xml><?xml version="1.0" encoding="utf-8"?>
+<p:sld xmlns:a="http://schemas.openxmlformats.org/drawingml/2006/main" xmlns:r="http://schemas.openxmlformats.org/officeDocument/2006/relationships" xmlns:p="http://schemas.openxmlformats.org/presentationml/2006/main">
+  <p:cSld>
+    <p:spTree>
+      <p:nvGrpSpPr>
+        <p:cNvPr id="1" name=""/>
+        <p:cNvGrpSpPr/>
+        <p:nvPr/>
+      </p:nvGrpSpPr>
+      <p:grpSpPr>
+        <a:xfrm>
+          <a:off x="0" y="0"/>
+          <a:ext cx="0" cy="0"/>
+          <a:chOff x="0" y="0"/>
+          <a:chExt cx="0" cy="0"/>
+        </a:xfrm>
+      </p:grpSpPr>
+      <p:sp>
+        <p:nvSpPr>
+          <p:cNvPr id="2" name="Title 1">
+            <a:extLst>
+              <a:ext uri="{FF2B5EF4-FFF2-40B4-BE49-F238E27FC236}">
+                <a16:creationId xmlns:a16="http://schemas.microsoft.com/office/drawing/2014/main" id="{9831B8CC-CE63-2632-A79B-DF312B723DB2}"/>
+              </a:ext>
+            </a:extLst>
+          </p:cNvPr>
+          <p:cNvSpPr>
+            <a:spLocks noGrp="1"/>
+          </p:cNvSpPr>
+          <p:nvPr>
+            <p:ph type="title"/>
+          </p:nvPr>
+        </p:nvSpPr>
+        <p:spPr/>
+        <p:txBody>
+          <a:bodyPr/>
+          <a:lstStyle/>
+          <a:p>
+            <a:r>
+              <a:rPr lang="en-GB" dirty="0"/>
+              <a:t>VS Code</a:t>
+            </a:r>
+          </a:p>
+        </p:txBody>
+      </p:sp>
+      <p:sp>
+        <p:nvSpPr>
+          <p:cNvPr id="3" name="Content Placeholder 2">
+            <a:extLst>
+              <a:ext uri="{FF2B5EF4-FFF2-40B4-BE49-F238E27FC236}">
+                <a16:creationId xmlns:a16="http://schemas.microsoft.com/office/drawing/2014/main" id="{B5E4477C-CAAB-ABF9-981B-11DA484523CD}"/>
+              </a:ext>
+            </a:extLst>
+          </p:cNvPr>
+          <p:cNvSpPr>
+            <a:spLocks noGrp="1"/>
+          </p:cNvSpPr>
+          <p:nvPr>
+            <p:ph idx="1"/>
+          </p:nvPr>
+        </p:nvSpPr>
+        <p:spPr/>
+        <p:txBody>
+          <a:bodyPr/>
+          <a:lstStyle/>
+          <a:p>
+            <a:endParaRPr lang="en-GB"/>
+          </a:p>
+        </p:txBody>
+      </p:sp>
+    </p:spTree>
+    <p:extLst>
+      <p:ext uri="{BB962C8B-B14F-4D97-AF65-F5344CB8AC3E}">
+        <p14:creationId xmlns:p14="http://schemas.microsoft.com/office/powerpoint/2010/main" val="3080502177"/>
+      </p:ext>
+    </p:extLst>
+  </p:cSld>
+  <p:clrMapOvr>
+    <a:masterClrMapping/>
+  </p:clrMapOvr>
+</p:sld>
+</file>
+
+<file path=ppt/slides/slide50.xml><?xml version="1.0" encoding="utf-8"?>
+<p:sld xmlns:a="http://schemas.openxmlformats.org/drawingml/2006/main" xmlns:r="http://schemas.openxmlformats.org/officeDocument/2006/relationships" xmlns:p="http://schemas.openxmlformats.org/presentationml/2006/main">
+  <p:cSld>
+    <p:spTree>
+      <p:nvGrpSpPr>
+        <p:cNvPr id="1" name=""/>
+        <p:cNvGrpSpPr/>
+        <p:nvPr/>
+      </p:nvGrpSpPr>
+      <p:grpSpPr>
+        <a:xfrm>
+          <a:off x="0" y="0"/>
+          <a:ext cx="0" cy="0"/>
+          <a:chOff x="0" y="0"/>
+          <a:chExt cx="0" cy="0"/>
+        </a:xfrm>
+      </p:grpSpPr>
+      <p:sp>
+        <p:nvSpPr>
+          <p:cNvPr id="2" name="Title 1">
+            <a:extLst>
+              <a:ext uri="{FF2B5EF4-FFF2-40B4-BE49-F238E27FC236}">
+                <a16:creationId xmlns:a16="http://schemas.microsoft.com/office/drawing/2014/main" id="{E4048C8B-7E17-501E-E69D-E0441C9CC7E9}"/>
+              </a:ext>
+            </a:extLst>
+          </p:cNvPr>
+          <p:cNvSpPr>
+            <a:spLocks noGrp="1"/>
+          </p:cNvSpPr>
+          <p:nvPr>
+            <p:ph type="title"/>
+          </p:nvPr>
+        </p:nvSpPr>
+        <p:spPr/>
+        <p:txBody>
+          <a:bodyPr/>
+          <a:lstStyle/>
+          <a:p>
+            <a:endParaRPr lang="en-GB"/>
+          </a:p>
+        </p:txBody>
+      </p:sp>
+      <p:sp>
+        <p:nvSpPr>
+          <p:cNvPr id="3" name="Content Placeholder 2">
+            <a:extLst>
+              <a:ext uri="{FF2B5EF4-FFF2-40B4-BE49-F238E27FC236}">
+                <a16:creationId xmlns:a16="http://schemas.microsoft.com/office/drawing/2014/main" id="{06C03778-3C7D-68FE-3C89-CE3F1EFD313F}"/>
+              </a:ext>
+            </a:extLst>
+          </p:cNvPr>
+          <p:cNvSpPr>
+            <a:spLocks noGrp="1"/>
+          </p:cNvSpPr>
+          <p:nvPr>
+            <p:ph idx="1"/>
+          </p:nvPr>
+        </p:nvSpPr>
+        <p:spPr/>
+        <p:txBody>
+          <a:bodyPr/>
+          <a:lstStyle/>
+          <a:p>
+            <a:r>
+              <a:rPr lang="en-GB" dirty="0"/>
+              <a:t>Download JDBC driver</a:t>
+            </a:r>
+            <a:r>
+              <a:rPr lang="en-GB"/>
+              <a:t>: https://repo1.maven.org/maven2/com/microsoft/azure/spark-mssql-connector_2.12/1.2.0/spark-mssql-connector_2.12-1.2.0.jar</a:t>
+            </a:r>
+            <a:endParaRPr lang="en-GB" dirty="0"/>
+          </a:p>
+          <a:p>
+            <a:r>
+              <a:rPr lang="en-GB" dirty="0"/>
+              <a:t>Copy jar file to anaconda jars folder</a:t>
+            </a:r>
+          </a:p>
+        </p:txBody>
+      </p:sp>
+    </p:spTree>
+    <p:extLst>
+      <p:ext uri="{BB962C8B-B14F-4D97-AF65-F5344CB8AC3E}">
+        <p14:creationId xmlns:p14="http://schemas.microsoft.com/office/powerpoint/2010/main" val="4018909052"/>
+      </p:ext>
+    </p:extLst>
+  </p:cSld>
+  <p:clrMapOvr>
+    <a:masterClrMapping/>
+  </p:clrMapOvr>
+</p:sld>
+</file>
+
+<file path=ppt/slides/slide51.xml><?xml version="1.0" encoding="utf-8"?>
+<p:sld xmlns:a="http://schemas.openxmlformats.org/drawingml/2006/main" xmlns:r="http://schemas.openxmlformats.org/officeDocument/2006/relationships" xmlns:p="http://schemas.openxmlformats.org/presentationml/2006/main">
+  <p:cSld>
+    <p:spTree>
+      <p:nvGrpSpPr>
+        <p:cNvPr id="1" name=""/>
+        <p:cNvGrpSpPr/>
+        <p:nvPr/>
+      </p:nvGrpSpPr>
+      <p:grpSpPr>
+        <a:xfrm>
+          <a:off x="0" y="0"/>
+          <a:ext cx="0" cy="0"/>
+          <a:chOff x="0" y="0"/>
+          <a:chExt cx="0" cy="0"/>
+        </a:xfrm>
+      </p:grpSpPr>
+      <p:sp>
+        <p:nvSpPr>
+          <p:cNvPr id="2" name="Title 1">
+            <a:extLst>
+              <a:ext uri="{FF2B5EF4-FFF2-40B4-BE49-F238E27FC236}">
                 <a16:creationId xmlns:a16="http://schemas.microsoft.com/office/drawing/2014/main" id="{6461F12C-8296-BADA-FD56-149E96554D1E}"/>
               </a:ext>
             </a:extLst>
@@ -9700,7 +10353,130 @@
 </p:sld>
 </file>
 
-<file path=ppt/slides/slide47.xml><?xml version="1.0" encoding="utf-8"?>
+<file path=ppt/slides/slide52.xml><?xml version="1.0" encoding="utf-8"?>
+<p:sld xmlns:a="http://schemas.openxmlformats.org/drawingml/2006/main" xmlns:r="http://schemas.openxmlformats.org/officeDocument/2006/relationships" xmlns:p="http://schemas.openxmlformats.org/presentationml/2006/main">
+  <p:cSld>
+    <p:spTree>
+      <p:nvGrpSpPr>
+        <p:cNvPr id="1" name=""/>
+        <p:cNvGrpSpPr/>
+        <p:nvPr/>
+      </p:nvGrpSpPr>
+      <p:grpSpPr>
+        <a:xfrm>
+          <a:off x="0" y="0"/>
+          <a:ext cx="0" cy="0"/>
+          <a:chOff x="0" y="0"/>
+          <a:chExt cx="0" cy="0"/>
+        </a:xfrm>
+      </p:grpSpPr>
+      <p:sp>
+        <p:nvSpPr>
+          <p:cNvPr id="2" name="Title 1">
+            <a:extLst>
+              <a:ext uri="{FF2B5EF4-FFF2-40B4-BE49-F238E27FC236}">
+                <a16:creationId xmlns:a16="http://schemas.microsoft.com/office/drawing/2014/main" id="{DCD86764-00F4-6C9A-2130-D553A9C0F19A}"/>
+              </a:ext>
+            </a:extLst>
+          </p:cNvPr>
+          <p:cNvSpPr>
+            <a:spLocks noGrp="1"/>
+          </p:cNvSpPr>
+          <p:nvPr>
+            <p:ph type="title"/>
+          </p:nvPr>
+        </p:nvSpPr>
+        <p:spPr/>
+        <p:txBody>
+          <a:bodyPr/>
+          <a:lstStyle/>
+          <a:p>
+            <a:r>
+              <a:rPr lang="en-GB" dirty="0"/>
+              <a:t>Python pre-</a:t>
+            </a:r>
+            <a:r>
+              <a:rPr lang="en-GB" dirty="0" err="1"/>
+              <a:t>reqs</a:t>
+            </a:r>
+            <a:endParaRPr lang="en-GB" dirty="0"/>
+          </a:p>
+        </p:txBody>
+      </p:sp>
+      <p:pic>
+        <p:nvPicPr>
+          <p:cNvPr id="5" name="Picture 4">
+            <a:extLst>
+              <a:ext uri="{FF2B5EF4-FFF2-40B4-BE49-F238E27FC236}">
+                <a16:creationId xmlns:a16="http://schemas.microsoft.com/office/drawing/2014/main" id="{C663F566-F2F6-4996-C066-E71C1013515E}"/>
+              </a:ext>
+            </a:extLst>
+          </p:cNvPr>
+          <p:cNvPicPr>
+            <a:picLocks noChangeAspect="1"/>
+          </p:cNvPicPr>
+          <p:nvPr/>
+        </p:nvPicPr>
+        <p:blipFill>
+          <a:blip r:embed="rId2"/>
+          <a:stretch>
+            <a:fillRect/>
+          </a:stretch>
+        </p:blipFill>
+        <p:spPr>
+          <a:xfrm>
+            <a:off x="838200" y="1431753"/>
+            <a:ext cx="9392961" cy="2457793"/>
+          </a:xfrm>
+          <a:prstGeom prst="rect">
+            <a:avLst/>
+          </a:prstGeom>
+        </p:spPr>
+      </p:pic>
+      <p:pic>
+        <p:nvPicPr>
+          <p:cNvPr id="8" name="Picture 7">
+            <a:extLst>
+              <a:ext uri="{FF2B5EF4-FFF2-40B4-BE49-F238E27FC236}">
+                <a16:creationId xmlns:a16="http://schemas.microsoft.com/office/drawing/2014/main" id="{0DA08BAC-BAA2-E123-3A0B-E202C41AC238}"/>
+              </a:ext>
+            </a:extLst>
+          </p:cNvPr>
+          <p:cNvPicPr>
+            <a:picLocks noChangeAspect="1"/>
+          </p:cNvPicPr>
+          <p:nvPr/>
+        </p:nvPicPr>
+        <p:blipFill>
+          <a:blip r:embed="rId3"/>
+          <a:stretch>
+            <a:fillRect/>
+          </a:stretch>
+        </p:blipFill>
+        <p:spPr>
+          <a:xfrm>
+            <a:off x="838200" y="4217883"/>
+            <a:ext cx="4934639" cy="1476581"/>
+          </a:xfrm>
+          <a:prstGeom prst="rect">
+            <a:avLst/>
+          </a:prstGeom>
+        </p:spPr>
+      </p:pic>
+    </p:spTree>
+    <p:extLst>
+      <p:ext uri="{BB962C8B-B14F-4D97-AF65-F5344CB8AC3E}">
+        <p14:creationId xmlns:p14="http://schemas.microsoft.com/office/powerpoint/2010/main" val="2091675727"/>
+      </p:ext>
+    </p:extLst>
+  </p:cSld>
+  <p:clrMapOvr>
+    <a:masterClrMapping/>
+  </p:clrMapOvr>
+</p:sld>
+</file>
+
+<file path=ppt/slides/slide53.xml><?xml version="1.0" encoding="utf-8"?>
 <p:sld xmlns:a="http://schemas.openxmlformats.org/drawingml/2006/main" xmlns:r="http://schemas.openxmlformats.org/officeDocument/2006/relationships" xmlns:p="http://schemas.openxmlformats.org/presentationml/2006/main">
   <p:cSld>
     <p:spTree>
@@ -9815,7 +10591,7 @@
 </p:sld>
 </file>
 
-<file path=ppt/slides/slide48.xml><?xml version="1.0" encoding="utf-8"?>
+<file path=ppt/slides/slide54.xml><?xml version="1.0" encoding="utf-8"?>
 <p:sld xmlns:a="http://schemas.openxmlformats.org/drawingml/2006/main" xmlns:r="http://schemas.openxmlformats.org/officeDocument/2006/relationships" xmlns:p="http://schemas.openxmlformats.org/presentationml/2006/main">
   <p:cSld>
     <p:spTree>
@@ -9905,7 +10681,7 @@
 </p:sld>
 </file>
 
-<file path=ppt/slides/slide49.xml><?xml version="1.0" encoding="utf-8"?>
+<file path=ppt/slides/slide55.xml><?xml version="1.0" encoding="utf-8"?>
 <p:sld xmlns:a="http://schemas.openxmlformats.org/drawingml/2006/main" xmlns:r="http://schemas.openxmlformats.org/officeDocument/2006/relationships" xmlns:p="http://schemas.openxmlformats.org/presentationml/2006/main">
   <p:cSld>
     <p:spTree>
@@ -9995,90 +10771,7 @@
 </p:sld>
 </file>
 
-<file path=ppt/slides/slide5.xml><?xml version="1.0" encoding="utf-8"?>
-<p:sld xmlns:a="http://schemas.openxmlformats.org/drawingml/2006/main" xmlns:r="http://schemas.openxmlformats.org/officeDocument/2006/relationships" xmlns:p="http://schemas.openxmlformats.org/presentationml/2006/main">
-  <p:cSld>
-    <p:spTree>
-      <p:nvGrpSpPr>
-        <p:cNvPr id="1" name=""/>
-        <p:cNvGrpSpPr/>
-        <p:nvPr/>
-      </p:nvGrpSpPr>
-      <p:grpSpPr>
-        <a:xfrm>
-          <a:off x="0" y="0"/>
-          <a:ext cx="0" cy="0"/>
-          <a:chOff x="0" y="0"/>
-          <a:chExt cx="0" cy="0"/>
-        </a:xfrm>
-      </p:grpSpPr>
-      <p:sp>
-        <p:nvSpPr>
-          <p:cNvPr id="2" name="Title 1">
-            <a:extLst>
-              <a:ext uri="{FF2B5EF4-FFF2-40B4-BE49-F238E27FC236}">
-                <a16:creationId xmlns:a16="http://schemas.microsoft.com/office/drawing/2014/main" id="{9831B8CC-CE63-2632-A79B-DF312B723DB2}"/>
-              </a:ext>
-            </a:extLst>
-          </p:cNvPr>
-          <p:cNvSpPr>
-            <a:spLocks noGrp="1"/>
-          </p:cNvSpPr>
-          <p:nvPr>
-            <p:ph type="title"/>
-          </p:nvPr>
-        </p:nvSpPr>
-        <p:spPr/>
-        <p:txBody>
-          <a:bodyPr/>
-          <a:lstStyle/>
-          <a:p>
-            <a:r>
-              <a:rPr lang="en-GB" dirty="0"/>
-              <a:t>VS Code</a:t>
-            </a:r>
-          </a:p>
-        </p:txBody>
-      </p:sp>
-      <p:sp>
-        <p:nvSpPr>
-          <p:cNvPr id="3" name="Content Placeholder 2">
-            <a:extLst>
-              <a:ext uri="{FF2B5EF4-FFF2-40B4-BE49-F238E27FC236}">
-                <a16:creationId xmlns:a16="http://schemas.microsoft.com/office/drawing/2014/main" id="{B5E4477C-CAAB-ABF9-981B-11DA484523CD}"/>
-              </a:ext>
-            </a:extLst>
-          </p:cNvPr>
-          <p:cNvSpPr>
-            <a:spLocks noGrp="1"/>
-          </p:cNvSpPr>
-          <p:nvPr>
-            <p:ph idx="1"/>
-          </p:nvPr>
-        </p:nvSpPr>
-        <p:spPr/>
-        <p:txBody>
-          <a:bodyPr/>
-          <a:lstStyle/>
-          <a:p>
-            <a:endParaRPr lang="en-GB"/>
-          </a:p>
-        </p:txBody>
-      </p:sp>
-    </p:spTree>
-    <p:extLst>
-      <p:ext uri="{BB962C8B-B14F-4D97-AF65-F5344CB8AC3E}">
-        <p14:creationId xmlns:p14="http://schemas.microsoft.com/office/powerpoint/2010/main" val="3080502177"/>
-      </p:ext>
-    </p:extLst>
-  </p:cSld>
-  <p:clrMapOvr>
-    <a:masterClrMapping/>
-  </p:clrMapOvr>
-</p:sld>
-</file>
-
-<file path=ppt/slides/slide50.xml><?xml version="1.0" encoding="utf-8"?>
+<file path=ppt/slides/slide56.xml><?xml version="1.0" encoding="utf-8"?>
 <p:sld xmlns:a="http://schemas.openxmlformats.org/drawingml/2006/main" xmlns:r="http://schemas.openxmlformats.org/officeDocument/2006/relationships" xmlns:p="http://schemas.openxmlformats.org/presentationml/2006/main">
   <p:cSld>
     <p:spTree>
@@ -10138,7 +10831,7 @@
 </p:sld>
 </file>
 
-<file path=ppt/slides/slide51.xml><?xml version="1.0" encoding="utf-8"?>
+<file path=ppt/slides/slide57.xml><?xml version="1.0" encoding="utf-8"?>
 <p:sld xmlns:a="http://schemas.openxmlformats.org/drawingml/2006/main" xmlns:r="http://schemas.openxmlformats.org/officeDocument/2006/relationships" xmlns:p="http://schemas.openxmlformats.org/presentationml/2006/main">
   <p:cSld>
     <p:spTree>
@@ -10226,7 +10919,7 @@
 </p:sld>
 </file>
 
-<file path=ppt/slides/slide52.xml><?xml version="1.0" encoding="utf-8"?>
+<file path=ppt/slides/slide58.xml><?xml version="1.0" encoding="utf-8"?>
 <p:sld xmlns:a="http://schemas.openxmlformats.org/drawingml/2006/main" xmlns:r="http://schemas.openxmlformats.org/officeDocument/2006/relationships" xmlns:p="http://schemas.openxmlformats.org/presentationml/2006/main">
   <p:cSld>
     <p:spTree>
@@ -10319,7 +11012,7 @@
 </p:sld>
 </file>
 
-<file path=ppt/slides/slide53.xml><?xml version="1.0" encoding="utf-8"?>
+<file path=ppt/slides/slide59.xml><?xml version="1.0" encoding="utf-8"?>
 <p:sld xmlns:a="http://schemas.openxmlformats.org/drawingml/2006/main" xmlns:r="http://schemas.openxmlformats.org/officeDocument/2006/relationships" xmlns:p="http://schemas.openxmlformats.org/presentationml/2006/main">
   <p:cSld>
     <p:spTree>
@@ -10406,7 +11099,147 @@
 </p:sld>
 </file>
 
-<file path=ppt/slides/slide54.xml><?xml version="1.0" encoding="utf-8"?>
+<file path=ppt/slides/slide6.xml><?xml version="1.0" encoding="utf-8"?>
+<p:sld xmlns:a="http://schemas.openxmlformats.org/drawingml/2006/main" xmlns:r="http://schemas.openxmlformats.org/officeDocument/2006/relationships" xmlns:p="http://schemas.openxmlformats.org/presentationml/2006/main">
+  <p:cSld>
+    <p:spTree>
+      <p:nvGrpSpPr>
+        <p:cNvPr id="1" name=""/>
+        <p:cNvGrpSpPr/>
+        <p:nvPr/>
+      </p:nvGrpSpPr>
+      <p:grpSpPr>
+        <a:xfrm>
+          <a:off x="0" y="0"/>
+          <a:ext cx="0" cy="0"/>
+          <a:chOff x="0" y="0"/>
+          <a:chExt cx="0" cy="0"/>
+        </a:xfrm>
+      </p:grpSpPr>
+      <p:sp>
+        <p:nvSpPr>
+          <p:cNvPr id="2" name="Title 1">
+            <a:extLst>
+              <a:ext uri="{FF2B5EF4-FFF2-40B4-BE49-F238E27FC236}">
+                <a16:creationId xmlns:a16="http://schemas.microsoft.com/office/drawing/2014/main" id="{838AC0F5-5B6B-B939-FA3C-B663E317E445}"/>
+              </a:ext>
+            </a:extLst>
+          </p:cNvPr>
+          <p:cNvSpPr>
+            <a:spLocks noGrp="1"/>
+          </p:cNvSpPr>
+          <p:nvPr>
+            <p:ph type="title"/>
+          </p:nvPr>
+        </p:nvSpPr>
+        <p:spPr/>
+        <p:txBody>
+          <a:bodyPr/>
+          <a:lstStyle/>
+          <a:p>
+            <a:br>
+              <a:rPr lang="en-GB" dirty="0"/>
+            </a:br>
+            <a:r>
+              <a:rPr lang="en-GB" dirty="0"/>
+              <a:t>Azure CLI</a:t>
+            </a:r>
+          </a:p>
+        </p:txBody>
+      </p:sp>
+      <p:sp>
+        <p:nvSpPr>
+          <p:cNvPr id="3" name="Content Placeholder 2">
+            <a:extLst>
+              <a:ext uri="{FF2B5EF4-FFF2-40B4-BE49-F238E27FC236}">
+                <a16:creationId xmlns:a16="http://schemas.microsoft.com/office/drawing/2014/main" id="{F8A13E07-A759-E54C-79C1-64A09C31C106}"/>
+              </a:ext>
+            </a:extLst>
+          </p:cNvPr>
+          <p:cNvSpPr>
+            <a:spLocks noGrp="1"/>
+          </p:cNvSpPr>
+          <p:nvPr>
+            <p:ph idx="1"/>
+          </p:nvPr>
+        </p:nvSpPr>
+        <p:spPr/>
+        <p:txBody>
+          <a:bodyPr/>
+          <a:lstStyle/>
+          <a:p>
+            <a:r>
+              <a:rPr lang="en-GB" dirty="0"/>
+              <a:t>Install by following links from: </a:t>
+            </a:r>
+            <a:r>
+              <a:rPr lang="en-GB" dirty="0">
+                <a:hlinkClick r:id="rId2"/>
+              </a:rPr>
+              <a:t>https://learn.microsoft.com/en-us/cli/azure/install-azure-cli</a:t>
+            </a:r>
+            <a:endParaRPr lang="en-GB" dirty="0"/>
+          </a:p>
+          <a:p>
+            <a:r>
+              <a:rPr lang="en-GB" dirty="0"/>
+              <a:t>For </a:t>
+            </a:r>
+            <a:r>
+              <a:rPr lang="en-GB" dirty="0" err="1"/>
+              <a:t>VSCode</a:t>
+            </a:r>
+            <a:r>
+              <a:rPr lang="en-GB" dirty="0"/>
+              <a:t>:</a:t>
+            </a:r>
+          </a:p>
+          <a:p>
+            <a:pPr lvl="1"/>
+            <a:r>
+              <a:rPr lang="en-GB" dirty="0"/>
+              <a:t>Azure CLI Tools</a:t>
+            </a:r>
+          </a:p>
+          <a:p>
+            <a:pPr lvl="1"/>
+            <a:r>
+              <a:rPr lang="en-GB" dirty="0"/>
+              <a:t>Azure Developer CLI</a:t>
+            </a:r>
+          </a:p>
+          <a:p>
+            <a:r>
+              <a:rPr lang="en-GB" dirty="0"/>
+              <a:t>CLI will require extensions for some commands</a:t>
+            </a:r>
+          </a:p>
+          <a:p>
+            <a:pPr lvl="1"/>
+            <a:r>
+              <a:rPr lang="en-GB" dirty="0"/>
+              <a:t>Automatically downloaded</a:t>
+            </a:r>
+          </a:p>
+          <a:p>
+            <a:endParaRPr lang="en-GB" dirty="0"/>
+          </a:p>
+        </p:txBody>
+      </p:sp>
+    </p:spTree>
+    <p:extLst>
+      <p:ext uri="{BB962C8B-B14F-4D97-AF65-F5344CB8AC3E}">
+        <p14:creationId xmlns:p14="http://schemas.microsoft.com/office/powerpoint/2010/main" val="2113534899"/>
+      </p:ext>
+    </p:extLst>
+  </p:cSld>
+  <p:clrMapOvr>
+    <a:masterClrMapping/>
+  </p:clrMapOvr>
+</p:sld>
+</file>
+
+<file path=ppt/slides/slide60.xml><?xml version="1.0" encoding="utf-8"?>
 <p:sld xmlns:a="http://schemas.openxmlformats.org/drawingml/2006/main" xmlns:r="http://schemas.openxmlformats.org/officeDocument/2006/relationships" xmlns:p="http://schemas.openxmlformats.org/presentationml/2006/main">
   <p:cSld>
     <p:spTree>
@@ -10521,7 +11354,7 @@
 </p:sld>
 </file>
 
-<file path=ppt/slides/slide55.xml><?xml version="1.0" encoding="utf-8"?>
+<file path=ppt/slides/slide61.xml><?xml version="1.0" encoding="utf-8"?>
 <p:sld xmlns:a="http://schemas.openxmlformats.org/drawingml/2006/main" xmlns:r="http://schemas.openxmlformats.org/officeDocument/2006/relationships" xmlns:p="http://schemas.openxmlformats.org/presentationml/2006/main">
   <p:cSld>
     <p:spTree>
@@ -10639,7 +11472,7 @@
 </p:sld>
 </file>
 
-<file path=ppt/slides/slide56.xml><?xml version="1.0" encoding="utf-8"?>
+<file path=ppt/slides/slide62.xml><?xml version="1.0" encoding="utf-8"?>
 <p:sld xmlns:a="http://schemas.openxmlformats.org/drawingml/2006/main" xmlns:r="http://schemas.openxmlformats.org/officeDocument/2006/relationships" xmlns:p="http://schemas.openxmlformats.org/presentationml/2006/main">
   <p:cSld>
     <p:spTree>
@@ -10727,7 +11560,7 @@
 </p:sld>
 </file>
 
-<file path=ppt/slides/slide57.xml><?xml version="1.0" encoding="utf-8"?>
+<file path=ppt/slides/slide63.xml><?xml version="1.0" encoding="utf-8"?>
 <p:sld xmlns:a="http://schemas.openxmlformats.org/drawingml/2006/main" xmlns:r="http://schemas.openxmlformats.org/officeDocument/2006/relationships" xmlns:p="http://schemas.openxmlformats.org/presentationml/2006/main">
   <p:cSld>
     <p:spTree>
@@ -10815,7 +11648,7 @@
 </p:sld>
 </file>
 
-<file path=ppt/slides/slide58.xml><?xml version="1.0" encoding="utf-8"?>
+<file path=ppt/slides/slide64.xml><?xml version="1.0" encoding="utf-8"?>
 <p:sld xmlns:a="http://schemas.openxmlformats.org/drawingml/2006/main" xmlns:r="http://schemas.openxmlformats.org/officeDocument/2006/relationships" xmlns:p="http://schemas.openxmlformats.org/presentationml/2006/main">
   <p:cSld>
     <p:spTree>
@@ -10905,7 +11738,7 @@
 </p:sld>
 </file>
 
-<file path=ppt/slides/slide59.xml><?xml version="1.0" encoding="utf-8"?>
+<file path=ppt/slides/slide65.xml><?xml version="1.0" encoding="utf-8"?>
 <p:sld xmlns:a="http://schemas.openxmlformats.org/drawingml/2006/main" xmlns:r="http://schemas.openxmlformats.org/officeDocument/2006/relationships" xmlns:p="http://schemas.openxmlformats.org/presentationml/2006/main">
   <p:cSld>
     <p:spTree>
@@ -10935,147 +11768,7 @@
 </p:sld>
 </file>
 
-<file path=ppt/slides/slide6.xml><?xml version="1.0" encoding="utf-8"?>
-<p:sld xmlns:a="http://schemas.openxmlformats.org/drawingml/2006/main" xmlns:r="http://schemas.openxmlformats.org/officeDocument/2006/relationships" xmlns:p="http://schemas.openxmlformats.org/presentationml/2006/main">
-  <p:cSld>
-    <p:spTree>
-      <p:nvGrpSpPr>
-        <p:cNvPr id="1" name=""/>
-        <p:cNvGrpSpPr/>
-        <p:nvPr/>
-      </p:nvGrpSpPr>
-      <p:grpSpPr>
-        <a:xfrm>
-          <a:off x="0" y="0"/>
-          <a:ext cx="0" cy="0"/>
-          <a:chOff x="0" y="0"/>
-          <a:chExt cx="0" cy="0"/>
-        </a:xfrm>
-      </p:grpSpPr>
-      <p:sp>
-        <p:nvSpPr>
-          <p:cNvPr id="2" name="Title 1">
-            <a:extLst>
-              <a:ext uri="{FF2B5EF4-FFF2-40B4-BE49-F238E27FC236}">
-                <a16:creationId xmlns:a16="http://schemas.microsoft.com/office/drawing/2014/main" id="{838AC0F5-5B6B-B939-FA3C-B663E317E445}"/>
-              </a:ext>
-            </a:extLst>
-          </p:cNvPr>
-          <p:cNvSpPr>
-            <a:spLocks noGrp="1"/>
-          </p:cNvSpPr>
-          <p:nvPr>
-            <p:ph type="title"/>
-          </p:nvPr>
-        </p:nvSpPr>
-        <p:spPr/>
-        <p:txBody>
-          <a:bodyPr/>
-          <a:lstStyle/>
-          <a:p>
-            <a:br>
-              <a:rPr lang="en-GB" dirty="0"/>
-            </a:br>
-            <a:r>
-              <a:rPr lang="en-GB" dirty="0"/>
-              <a:t>Azure CLI</a:t>
-            </a:r>
-          </a:p>
-        </p:txBody>
-      </p:sp>
-      <p:sp>
-        <p:nvSpPr>
-          <p:cNvPr id="3" name="Content Placeholder 2">
-            <a:extLst>
-              <a:ext uri="{FF2B5EF4-FFF2-40B4-BE49-F238E27FC236}">
-                <a16:creationId xmlns:a16="http://schemas.microsoft.com/office/drawing/2014/main" id="{F8A13E07-A759-E54C-79C1-64A09C31C106}"/>
-              </a:ext>
-            </a:extLst>
-          </p:cNvPr>
-          <p:cNvSpPr>
-            <a:spLocks noGrp="1"/>
-          </p:cNvSpPr>
-          <p:nvPr>
-            <p:ph idx="1"/>
-          </p:nvPr>
-        </p:nvSpPr>
-        <p:spPr/>
-        <p:txBody>
-          <a:bodyPr/>
-          <a:lstStyle/>
-          <a:p>
-            <a:r>
-              <a:rPr lang="en-GB" dirty="0"/>
-              <a:t>Install by following links from: </a:t>
-            </a:r>
-            <a:r>
-              <a:rPr lang="en-GB" dirty="0">
-                <a:hlinkClick r:id="rId2"/>
-              </a:rPr>
-              <a:t>https://learn.microsoft.com/en-us/cli/azure/install-azure-cli</a:t>
-            </a:r>
-            <a:endParaRPr lang="en-GB" dirty="0"/>
-          </a:p>
-          <a:p>
-            <a:r>
-              <a:rPr lang="en-GB" dirty="0"/>
-              <a:t>For </a:t>
-            </a:r>
-            <a:r>
-              <a:rPr lang="en-GB" dirty="0" err="1"/>
-              <a:t>VSCode</a:t>
-            </a:r>
-            <a:r>
-              <a:rPr lang="en-GB" dirty="0"/>
-              <a:t>:</a:t>
-            </a:r>
-          </a:p>
-          <a:p>
-            <a:pPr lvl="1"/>
-            <a:r>
-              <a:rPr lang="en-GB" dirty="0"/>
-              <a:t>Azure CLI Tools</a:t>
-            </a:r>
-          </a:p>
-          <a:p>
-            <a:pPr lvl="1"/>
-            <a:r>
-              <a:rPr lang="en-GB" dirty="0"/>
-              <a:t>Azure Developer CLI</a:t>
-            </a:r>
-          </a:p>
-          <a:p>
-            <a:r>
-              <a:rPr lang="en-GB" dirty="0"/>
-              <a:t>CLI will require extensions for some commands</a:t>
-            </a:r>
-          </a:p>
-          <a:p>
-            <a:pPr lvl="1"/>
-            <a:r>
-              <a:rPr lang="en-GB" dirty="0"/>
-              <a:t>Automatically downloaded</a:t>
-            </a:r>
-          </a:p>
-          <a:p>
-            <a:endParaRPr lang="en-GB" dirty="0"/>
-          </a:p>
-        </p:txBody>
-      </p:sp>
-    </p:spTree>
-    <p:extLst>
-      <p:ext uri="{BB962C8B-B14F-4D97-AF65-F5344CB8AC3E}">
-        <p14:creationId xmlns:p14="http://schemas.microsoft.com/office/powerpoint/2010/main" val="2113534899"/>
-      </p:ext>
-    </p:extLst>
-  </p:cSld>
-  <p:clrMapOvr>
-    <a:masterClrMapping/>
-  </p:clrMapOvr>
-</p:sld>
-</file>
-
-<file path=ppt/slides/slide60.xml><?xml version="1.0" encoding="utf-8"?>
+<file path=ppt/slides/slide66.xml><?xml version="1.0" encoding="utf-8"?>
 <p:sld xmlns:a="http://schemas.openxmlformats.org/drawingml/2006/main" xmlns:r="http://schemas.openxmlformats.org/officeDocument/2006/relationships" xmlns:p="http://schemas.openxmlformats.org/presentationml/2006/main">
   <p:cSld>
     <p:spTree>

--- a/Data Engineering Using Free Tools/Learn Data Engineering For Free.pptx
+++ b/Data Engineering Using Free Tools/Learn Data Engineering For Free.pptx
@@ -5,75 +5,77 @@
     <p:sldMasterId id="2147483648" r:id="rId1"/>
   </p:sldMasterIdLst>
   <p:notesMasterIdLst>
-    <p:notesMasterId r:id="rId68"/>
+    <p:notesMasterId r:id="rId70"/>
   </p:notesMasterIdLst>
   <p:sldIdLst>
     <p:sldId id="256" r:id="rId2"/>
-    <p:sldId id="268" r:id="rId3"/>
-    <p:sldId id="265" r:id="rId4"/>
-    <p:sldId id="264" r:id="rId5"/>
-    <p:sldId id="308" r:id="rId6"/>
-    <p:sldId id="306" r:id="rId7"/>
-    <p:sldId id="310" r:id="rId8"/>
-    <p:sldId id="261" r:id="rId9"/>
-    <p:sldId id="307" r:id="rId10"/>
-    <p:sldId id="258" r:id="rId11"/>
-    <p:sldId id="292" r:id="rId12"/>
-    <p:sldId id="262" r:id="rId13"/>
-    <p:sldId id="309" r:id="rId14"/>
-    <p:sldId id="275" r:id="rId15"/>
-    <p:sldId id="276" r:id="rId16"/>
-    <p:sldId id="263" r:id="rId17"/>
-    <p:sldId id="259" r:id="rId18"/>
-    <p:sldId id="313" r:id="rId19"/>
-    <p:sldId id="277" r:id="rId20"/>
-    <p:sldId id="278" r:id="rId21"/>
-    <p:sldId id="284" r:id="rId22"/>
-    <p:sldId id="285" r:id="rId23"/>
-    <p:sldId id="290" r:id="rId24"/>
-    <p:sldId id="291" r:id="rId25"/>
-    <p:sldId id="312" r:id="rId26"/>
-    <p:sldId id="280" r:id="rId27"/>
-    <p:sldId id="281" r:id="rId28"/>
-    <p:sldId id="283" r:id="rId29"/>
-    <p:sldId id="289" r:id="rId30"/>
-    <p:sldId id="294" r:id="rId31"/>
-    <p:sldId id="286" r:id="rId32"/>
-    <p:sldId id="287" r:id="rId33"/>
-    <p:sldId id="296" r:id="rId34"/>
-    <p:sldId id="288" r:id="rId35"/>
-    <p:sldId id="295" r:id="rId36"/>
-    <p:sldId id="297" r:id="rId37"/>
-    <p:sldId id="298" r:id="rId38"/>
-    <p:sldId id="299" r:id="rId39"/>
-    <p:sldId id="300" r:id="rId40"/>
-    <p:sldId id="257" r:id="rId41"/>
-    <p:sldId id="317" r:id="rId42"/>
-    <p:sldId id="324" r:id="rId43"/>
-    <p:sldId id="314" r:id="rId44"/>
-    <p:sldId id="315" r:id="rId45"/>
-    <p:sldId id="318" r:id="rId46"/>
-    <p:sldId id="319" r:id="rId47"/>
-    <p:sldId id="320" r:id="rId48"/>
-    <p:sldId id="321" r:id="rId49"/>
-    <p:sldId id="322" r:id="rId50"/>
-    <p:sldId id="323" r:id="rId51"/>
-    <p:sldId id="311" r:id="rId52"/>
-    <p:sldId id="316" r:id="rId53"/>
-    <p:sldId id="301" r:id="rId54"/>
-    <p:sldId id="302" r:id="rId55"/>
-    <p:sldId id="303" r:id="rId56"/>
-    <p:sldId id="304" r:id="rId57"/>
-    <p:sldId id="267" r:id="rId58"/>
-    <p:sldId id="270" r:id="rId59"/>
-    <p:sldId id="266" r:id="rId60"/>
-    <p:sldId id="293" r:id="rId61"/>
-    <p:sldId id="271" r:id="rId62"/>
-    <p:sldId id="272" r:id="rId63"/>
-    <p:sldId id="273" r:id="rId64"/>
-    <p:sldId id="282" r:id="rId65"/>
-    <p:sldId id="305" r:id="rId66"/>
-    <p:sldId id="260" r:id="rId67"/>
+    <p:sldId id="325" r:id="rId3"/>
+    <p:sldId id="308" r:id="rId4"/>
+    <p:sldId id="268" r:id="rId5"/>
+    <p:sldId id="265" r:id="rId6"/>
+    <p:sldId id="264" r:id="rId7"/>
+    <p:sldId id="306" r:id="rId8"/>
+    <p:sldId id="310" r:id="rId9"/>
+    <p:sldId id="261" r:id="rId10"/>
+    <p:sldId id="307" r:id="rId11"/>
+    <p:sldId id="258" r:id="rId12"/>
+    <p:sldId id="292" r:id="rId13"/>
+    <p:sldId id="262" r:id="rId14"/>
+    <p:sldId id="309" r:id="rId15"/>
+    <p:sldId id="275" r:id="rId16"/>
+    <p:sldId id="276" r:id="rId17"/>
+    <p:sldId id="263" r:id="rId18"/>
+    <p:sldId id="259" r:id="rId19"/>
+    <p:sldId id="313" r:id="rId20"/>
+    <p:sldId id="277" r:id="rId21"/>
+    <p:sldId id="278" r:id="rId22"/>
+    <p:sldId id="284" r:id="rId23"/>
+    <p:sldId id="285" r:id="rId24"/>
+    <p:sldId id="290" r:id="rId25"/>
+    <p:sldId id="291" r:id="rId26"/>
+    <p:sldId id="312" r:id="rId27"/>
+    <p:sldId id="280" r:id="rId28"/>
+    <p:sldId id="281" r:id="rId29"/>
+    <p:sldId id="283" r:id="rId30"/>
+    <p:sldId id="289" r:id="rId31"/>
+    <p:sldId id="294" r:id="rId32"/>
+    <p:sldId id="286" r:id="rId33"/>
+    <p:sldId id="287" r:id="rId34"/>
+    <p:sldId id="296" r:id="rId35"/>
+    <p:sldId id="288" r:id="rId36"/>
+    <p:sldId id="295" r:id="rId37"/>
+    <p:sldId id="297" r:id="rId38"/>
+    <p:sldId id="298" r:id="rId39"/>
+    <p:sldId id="299" r:id="rId40"/>
+    <p:sldId id="300" r:id="rId41"/>
+    <p:sldId id="257" r:id="rId42"/>
+    <p:sldId id="317" r:id="rId43"/>
+    <p:sldId id="324" r:id="rId44"/>
+    <p:sldId id="314" r:id="rId45"/>
+    <p:sldId id="315" r:id="rId46"/>
+    <p:sldId id="318" r:id="rId47"/>
+    <p:sldId id="326" r:id="rId48"/>
+    <p:sldId id="311" r:id="rId49"/>
+    <p:sldId id="321" r:id="rId50"/>
+    <p:sldId id="320" r:id="rId51"/>
+    <p:sldId id="319" r:id="rId52"/>
+    <p:sldId id="322" r:id="rId53"/>
+    <p:sldId id="323" r:id="rId54"/>
+    <p:sldId id="316" r:id="rId55"/>
+    <p:sldId id="301" r:id="rId56"/>
+    <p:sldId id="302" r:id="rId57"/>
+    <p:sldId id="303" r:id="rId58"/>
+    <p:sldId id="304" r:id="rId59"/>
+    <p:sldId id="267" r:id="rId60"/>
+    <p:sldId id="270" r:id="rId61"/>
+    <p:sldId id="266" r:id="rId62"/>
+    <p:sldId id="293" r:id="rId63"/>
+    <p:sldId id="271" r:id="rId64"/>
+    <p:sldId id="272" r:id="rId65"/>
+    <p:sldId id="273" r:id="rId66"/>
+    <p:sldId id="282" r:id="rId67"/>
+    <p:sldId id="305" r:id="rId68"/>
+    <p:sldId id="260" r:id="rId69"/>
   </p:sldIdLst>
   <p:sldSz cx="12192000" cy="6858000"/>
   <p:notesSz cx="6858000" cy="9144000"/>
@@ -1957,7 +1959,7 @@
           <a:p>
             <a:fld id="{C49D3115-C41D-4930-8EF3-A657CFCC644E}" type="datetimeFigureOut">
               <a:rPr lang="en-GB" smtClean="0"/>
-              <a:t>07/10/2024</a:t>
+              <a:t>13/10/2024</a:t>
             </a:fld>
             <a:endParaRPr lang="en-GB"/>
           </a:p>
@@ -2269,7 +2271,10 @@
           <a:bodyPr/>
           <a:lstStyle/>
           <a:p>
-            <a:endParaRPr lang="en-GB" dirty="0"/>
+            <a:r>
+              <a:rPr lang="en-GB" dirty="0"/>
+              <a:t>DON’T FORGET TO START DATABRICKS CLUSTER!!!!!</a:t>
+            </a:r>
           </a:p>
         </p:txBody>
       </p:sp>
@@ -2290,7 +2295,7 @@
           <a:p>
             <a:fld id="{E7E8E24E-2DA5-414D-9B85-6ED9E2618CC6}" type="slidenum">
               <a:rPr lang="en-GB" smtClean="0"/>
-              <a:t>28</a:t>
+              <a:t>1</a:t>
             </a:fld>
             <a:endParaRPr lang="en-GB"/>
           </a:p>
@@ -2299,7 +2304,7 @@
     </p:spTree>
     <p:extLst>
       <p:ext uri="{BB962C8B-B14F-4D97-AF65-F5344CB8AC3E}">
-        <p14:creationId xmlns:p14="http://schemas.microsoft.com/office/powerpoint/2010/main" val="758448733"/>
+        <p14:creationId xmlns:p14="http://schemas.microsoft.com/office/powerpoint/2010/main" val="3446682418"/>
       </p:ext>
     </p:extLst>
   </p:cSld>
@@ -2353,119 +2358,6 @@
           <a:bodyPr/>
           <a:lstStyle/>
           <a:p>
-            <a:r>
-              <a:rPr lang="en-GB" dirty="0" err="1"/>
-              <a:t>PySpark</a:t>
-            </a:r>
-            <a:r>
-              <a:rPr lang="en-GB" dirty="0"/>
-              <a:t> validation</a:t>
-            </a:r>
-          </a:p>
-          <a:p>
-            <a:r>
-              <a:rPr lang="en-GB" dirty="0"/>
-              <a:t>Web UI</a:t>
-            </a:r>
-          </a:p>
-          <a:p>
-            <a:r>
-              <a:rPr lang="en-GB" dirty="0"/>
-              <a:t>VS Code</a:t>
-            </a:r>
-          </a:p>
-          <a:p>
-            <a:r>
-              <a:rPr lang="en-GB" dirty="0"/>
-              <a:t>	- to run Jupiter notebooks needs </a:t>
-            </a:r>
-            <a:r>
-              <a:rPr lang="en-GB" dirty="0" err="1"/>
-              <a:t>ipykernel</a:t>
-            </a:r>
-            <a:r>
-              <a:rPr lang="en-GB" dirty="0"/>
-              <a:t> installed</a:t>
-            </a:r>
-          </a:p>
-          <a:p>
-            <a:r>
-              <a:rPr lang="en-GB" dirty="0"/>
-              <a:t>	- from </a:t>
-            </a:r>
-            <a:r>
-              <a:rPr lang="en-GB" dirty="0" err="1"/>
-              <a:t>vscode</a:t>
-            </a:r>
-            <a:r>
-              <a:rPr lang="en-GB" dirty="0"/>
-              <a:t> run </a:t>
-            </a:r>
-            <a:r>
-              <a:rPr lang="en-GB" b="1" i="0" dirty="0" err="1">
-                <a:solidFill>
-                  <a:srgbClr val="CD3131"/>
-                </a:solidFill>
-                <a:effectLst/>
-                <a:latin typeface="Consolas" panose="020B0609020204030204" pitchFamily="49" charset="0"/>
-              </a:rPr>
-              <a:t>conda</a:t>
-            </a:r>
-            <a:r>
-              <a:rPr lang="en-GB" b="1" i="0" dirty="0">
-                <a:solidFill>
-                  <a:srgbClr val="CD3131"/>
-                </a:solidFill>
-                <a:effectLst/>
-                <a:latin typeface="Consolas" panose="020B0609020204030204" pitchFamily="49" charset="0"/>
-              </a:rPr>
-              <a:t> install -n </a:t>
-            </a:r>
-            <a:r>
-              <a:rPr lang="en-GB" b="1" i="0" dirty="0" err="1">
-                <a:solidFill>
-                  <a:srgbClr val="CD3131"/>
-                </a:solidFill>
-                <a:effectLst/>
-                <a:latin typeface="Consolas" panose="020B0609020204030204" pitchFamily="49" charset="0"/>
-              </a:rPr>
-              <a:t>dataengforfree_env</a:t>
-            </a:r>
-            <a:r>
-              <a:rPr lang="en-GB" b="1" i="0" dirty="0">
-                <a:solidFill>
-                  <a:srgbClr val="CD3131"/>
-                </a:solidFill>
-                <a:effectLst/>
-                <a:latin typeface="Consolas" panose="020B0609020204030204" pitchFamily="49" charset="0"/>
-              </a:rPr>
-              <a:t> </a:t>
-            </a:r>
-            <a:r>
-              <a:rPr lang="en-GB" b="1" i="0" dirty="0" err="1">
-                <a:solidFill>
-                  <a:srgbClr val="CD3131"/>
-                </a:solidFill>
-                <a:effectLst/>
-                <a:latin typeface="Consolas" panose="020B0609020204030204" pitchFamily="49" charset="0"/>
-              </a:rPr>
-              <a:t>ipykernel</a:t>
-            </a:r>
-            <a:endParaRPr lang="en-GB" dirty="0"/>
-          </a:p>
-          <a:p>
-            <a:r>
-              <a:rPr lang="en-GB" dirty="0"/>
-              <a:t>	- copy python.exe &gt; python3.exe</a:t>
-            </a:r>
-          </a:p>
-          <a:p>
-            <a:r>
-              <a:rPr lang="en-GB" dirty="0"/>
-              <a:t>Visualisation? </a:t>
-            </a:r>
-          </a:p>
-          <a:p>
             <a:endParaRPr lang="en-GB" dirty="0"/>
           </a:p>
         </p:txBody>
@@ -2487,7 +2379,7 @@
           <a:p>
             <a:fld id="{E7E8E24E-2DA5-414D-9B85-6ED9E2618CC6}" type="slidenum">
               <a:rPr lang="en-GB" smtClean="0"/>
-              <a:t>44</a:t>
+              <a:t>29</a:t>
             </a:fld>
             <a:endParaRPr lang="en-GB"/>
           </a:p>
@@ -2496,7 +2388,7 @@
     </p:spTree>
     <p:extLst>
       <p:ext uri="{BB962C8B-B14F-4D97-AF65-F5344CB8AC3E}">
-        <p14:creationId xmlns:p14="http://schemas.microsoft.com/office/powerpoint/2010/main" val="400731075"/>
+        <p14:creationId xmlns:p14="http://schemas.microsoft.com/office/powerpoint/2010/main" val="758448733"/>
       </p:ext>
     </p:extLst>
   </p:cSld>
@@ -2550,6 +2442,119 @@
           <a:bodyPr/>
           <a:lstStyle/>
           <a:p>
+            <a:r>
+              <a:rPr lang="en-GB" dirty="0" err="1"/>
+              <a:t>PySpark</a:t>
+            </a:r>
+            <a:r>
+              <a:rPr lang="en-GB" dirty="0"/>
+              <a:t> validation</a:t>
+            </a:r>
+          </a:p>
+          <a:p>
+            <a:r>
+              <a:rPr lang="en-GB" dirty="0"/>
+              <a:t>Web UI</a:t>
+            </a:r>
+          </a:p>
+          <a:p>
+            <a:r>
+              <a:rPr lang="en-GB" dirty="0"/>
+              <a:t>VS Code</a:t>
+            </a:r>
+          </a:p>
+          <a:p>
+            <a:r>
+              <a:rPr lang="en-GB" dirty="0"/>
+              <a:t>	- to run Jupiter notebooks needs </a:t>
+            </a:r>
+            <a:r>
+              <a:rPr lang="en-GB" dirty="0" err="1"/>
+              <a:t>ipykernel</a:t>
+            </a:r>
+            <a:r>
+              <a:rPr lang="en-GB" dirty="0"/>
+              <a:t> installed</a:t>
+            </a:r>
+          </a:p>
+          <a:p>
+            <a:r>
+              <a:rPr lang="en-GB" dirty="0"/>
+              <a:t>	- from </a:t>
+            </a:r>
+            <a:r>
+              <a:rPr lang="en-GB" dirty="0" err="1"/>
+              <a:t>vscode</a:t>
+            </a:r>
+            <a:r>
+              <a:rPr lang="en-GB" dirty="0"/>
+              <a:t> run </a:t>
+            </a:r>
+            <a:r>
+              <a:rPr lang="en-GB" b="1" i="0" dirty="0" err="1">
+                <a:solidFill>
+                  <a:srgbClr val="CD3131"/>
+                </a:solidFill>
+                <a:effectLst/>
+                <a:latin typeface="Consolas" panose="020B0609020204030204" pitchFamily="49" charset="0"/>
+              </a:rPr>
+              <a:t>conda</a:t>
+            </a:r>
+            <a:r>
+              <a:rPr lang="en-GB" b="1" i="0" dirty="0">
+                <a:solidFill>
+                  <a:srgbClr val="CD3131"/>
+                </a:solidFill>
+                <a:effectLst/>
+                <a:latin typeface="Consolas" panose="020B0609020204030204" pitchFamily="49" charset="0"/>
+              </a:rPr>
+              <a:t> install -n </a:t>
+            </a:r>
+            <a:r>
+              <a:rPr lang="en-GB" b="1" i="0" dirty="0" err="1">
+                <a:solidFill>
+                  <a:srgbClr val="CD3131"/>
+                </a:solidFill>
+                <a:effectLst/>
+                <a:latin typeface="Consolas" panose="020B0609020204030204" pitchFamily="49" charset="0"/>
+              </a:rPr>
+              <a:t>dataengforfree_env</a:t>
+            </a:r>
+            <a:r>
+              <a:rPr lang="en-GB" b="1" i="0" dirty="0">
+                <a:solidFill>
+                  <a:srgbClr val="CD3131"/>
+                </a:solidFill>
+                <a:effectLst/>
+                <a:latin typeface="Consolas" panose="020B0609020204030204" pitchFamily="49" charset="0"/>
+              </a:rPr>
+              <a:t> </a:t>
+            </a:r>
+            <a:r>
+              <a:rPr lang="en-GB" b="1" i="0" dirty="0" err="1">
+                <a:solidFill>
+                  <a:srgbClr val="CD3131"/>
+                </a:solidFill>
+                <a:effectLst/>
+                <a:latin typeface="Consolas" panose="020B0609020204030204" pitchFamily="49" charset="0"/>
+              </a:rPr>
+              <a:t>ipykernel</a:t>
+            </a:r>
+            <a:endParaRPr lang="en-GB" dirty="0"/>
+          </a:p>
+          <a:p>
+            <a:r>
+              <a:rPr lang="en-GB" dirty="0"/>
+              <a:t>	- copy python.exe &gt; python3.exe</a:t>
+            </a:r>
+          </a:p>
+          <a:p>
+            <a:r>
+              <a:rPr lang="en-GB" dirty="0"/>
+              <a:t>Visualisation? </a:t>
+            </a:r>
+          </a:p>
+          <a:p>
             <a:endParaRPr lang="en-GB" dirty="0"/>
           </a:p>
         </p:txBody>
@@ -2571,7 +2576,91 @@
           <a:p>
             <a:fld id="{E7E8E24E-2DA5-414D-9B85-6ED9E2618CC6}" type="slidenum">
               <a:rPr lang="en-GB" smtClean="0"/>
-              <a:t>48</a:t>
+              <a:t>45</a:t>
+            </a:fld>
+            <a:endParaRPr lang="en-GB"/>
+          </a:p>
+        </p:txBody>
+      </p:sp>
+    </p:spTree>
+    <p:extLst>
+      <p:ext uri="{BB962C8B-B14F-4D97-AF65-F5344CB8AC3E}">
+        <p14:creationId xmlns:p14="http://schemas.microsoft.com/office/powerpoint/2010/main" val="400731075"/>
+      </p:ext>
+    </p:extLst>
+  </p:cSld>
+  <p:clrMapOvr>
+    <a:masterClrMapping/>
+  </p:clrMapOvr>
+</p:notes>
+</file>
+
+<file path=ppt/notesSlides/notesSlide4.xml><?xml version="1.0" encoding="utf-8"?>
+<p:notes xmlns:a="http://schemas.openxmlformats.org/drawingml/2006/main" xmlns:r="http://schemas.openxmlformats.org/officeDocument/2006/relationships" xmlns:p="http://schemas.openxmlformats.org/presentationml/2006/main">
+  <p:cSld>
+    <p:spTree>
+      <p:nvGrpSpPr>
+        <p:cNvPr id="1" name=""/>
+        <p:cNvGrpSpPr/>
+        <p:nvPr/>
+      </p:nvGrpSpPr>
+      <p:grpSpPr>
+        <a:xfrm>
+          <a:off x="0" y="0"/>
+          <a:ext cx="0" cy="0"/>
+          <a:chOff x="0" y="0"/>
+          <a:chExt cx="0" cy="0"/>
+        </a:xfrm>
+      </p:grpSpPr>
+      <p:sp>
+        <p:nvSpPr>
+          <p:cNvPr id="2" name="Slide Image Placeholder 1"/>
+          <p:cNvSpPr>
+            <a:spLocks noGrp="1" noRot="1" noChangeAspect="1"/>
+          </p:cNvSpPr>
+          <p:nvPr>
+            <p:ph type="sldImg"/>
+          </p:nvPr>
+        </p:nvSpPr>
+        <p:spPr/>
+      </p:sp>
+      <p:sp>
+        <p:nvSpPr>
+          <p:cNvPr id="3" name="Notes Placeholder 2"/>
+          <p:cNvSpPr>
+            <a:spLocks noGrp="1"/>
+          </p:cNvSpPr>
+          <p:nvPr>
+            <p:ph type="body" idx="1"/>
+          </p:nvPr>
+        </p:nvSpPr>
+        <p:spPr/>
+        <p:txBody>
+          <a:bodyPr/>
+          <a:lstStyle/>
+          <a:p>
+            <a:endParaRPr lang="en-GB" dirty="0"/>
+          </a:p>
+        </p:txBody>
+      </p:sp>
+      <p:sp>
+        <p:nvSpPr>
+          <p:cNvPr id="4" name="Slide Number Placeholder 3"/>
+          <p:cNvSpPr>
+            <a:spLocks noGrp="1"/>
+          </p:cNvSpPr>
+          <p:nvPr>
+            <p:ph type="sldNum" sz="quarter" idx="5"/>
+          </p:nvPr>
+        </p:nvSpPr>
+        <p:spPr/>
+        <p:txBody>
+          <a:bodyPr/>
+          <a:lstStyle/>
+          <a:p>
+            <a:fld id="{E7E8E24E-2DA5-414D-9B85-6ED9E2618CC6}" type="slidenum">
+              <a:rPr lang="en-GB" smtClean="0"/>
+              <a:t>49</a:t>
             </a:fld>
             <a:endParaRPr lang="en-GB"/>
           </a:p>
@@ -2739,7 +2828,7 @@
           <a:p>
             <a:fld id="{35275B4F-5DE5-4D53-BD3B-F0C44FE589B2}" type="datetimeFigureOut">
               <a:rPr lang="en-GB" smtClean="0"/>
-              <a:t>07/10/2024</a:t>
+              <a:t>13/10/2024</a:t>
             </a:fld>
             <a:endParaRPr lang="en-GB"/>
           </a:p>
@@ -2939,7 +3028,7 @@
           <a:p>
             <a:fld id="{35275B4F-5DE5-4D53-BD3B-F0C44FE589B2}" type="datetimeFigureOut">
               <a:rPr lang="en-GB" smtClean="0"/>
-              <a:t>07/10/2024</a:t>
+              <a:t>13/10/2024</a:t>
             </a:fld>
             <a:endParaRPr lang="en-GB"/>
           </a:p>
@@ -3149,7 +3238,7 @@
           <a:p>
             <a:fld id="{35275B4F-5DE5-4D53-BD3B-F0C44FE589B2}" type="datetimeFigureOut">
               <a:rPr lang="en-GB" smtClean="0"/>
-              <a:t>07/10/2024</a:t>
+              <a:t>13/10/2024</a:t>
             </a:fld>
             <a:endParaRPr lang="en-GB"/>
           </a:p>
@@ -3349,7 +3438,7 @@
           <a:p>
             <a:fld id="{35275B4F-5DE5-4D53-BD3B-F0C44FE589B2}" type="datetimeFigureOut">
               <a:rPr lang="en-GB" smtClean="0"/>
-              <a:t>07/10/2024</a:t>
+              <a:t>13/10/2024</a:t>
             </a:fld>
             <a:endParaRPr lang="en-GB"/>
           </a:p>
@@ -3625,7 +3714,7 @@
           <a:p>
             <a:fld id="{35275B4F-5DE5-4D53-BD3B-F0C44FE589B2}" type="datetimeFigureOut">
               <a:rPr lang="en-GB" smtClean="0"/>
-              <a:t>07/10/2024</a:t>
+              <a:t>13/10/2024</a:t>
             </a:fld>
             <a:endParaRPr lang="en-GB"/>
           </a:p>
@@ -3893,7 +3982,7 @@
           <a:p>
             <a:fld id="{35275B4F-5DE5-4D53-BD3B-F0C44FE589B2}" type="datetimeFigureOut">
               <a:rPr lang="en-GB" smtClean="0"/>
-              <a:t>07/10/2024</a:t>
+              <a:t>13/10/2024</a:t>
             </a:fld>
             <a:endParaRPr lang="en-GB"/>
           </a:p>
@@ -4308,7 +4397,7 @@
           <a:p>
             <a:fld id="{35275B4F-5DE5-4D53-BD3B-F0C44FE589B2}" type="datetimeFigureOut">
               <a:rPr lang="en-GB" smtClean="0"/>
-              <a:t>07/10/2024</a:t>
+              <a:t>13/10/2024</a:t>
             </a:fld>
             <a:endParaRPr lang="en-GB"/>
           </a:p>
@@ -4450,7 +4539,7 @@
           <a:p>
             <a:fld id="{35275B4F-5DE5-4D53-BD3B-F0C44FE589B2}" type="datetimeFigureOut">
               <a:rPr lang="en-GB" smtClean="0"/>
-              <a:t>07/10/2024</a:t>
+              <a:t>13/10/2024</a:t>
             </a:fld>
             <a:endParaRPr lang="en-GB"/>
           </a:p>
@@ -4563,7 +4652,7 @@
           <a:p>
             <a:fld id="{35275B4F-5DE5-4D53-BD3B-F0C44FE589B2}" type="datetimeFigureOut">
               <a:rPr lang="en-GB" smtClean="0"/>
-              <a:t>07/10/2024</a:t>
+              <a:t>13/10/2024</a:t>
             </a:fld>
             <a:endParaRPr lang="en-GB"/>
           </a:p>
@@ -4876,7 +4965,7 @@
           <a:p>
             <a:fld id="{35275B4F-5DE5-4D53-BD3B-F0C44FE589B2}" type="datetimeFigureOut">
               <a:rPr lang="en-GB" smtClean="0"/>
-              <a:t>07/10/2024</a:t>
+              <a:t>13/10/2024</a:t>
             </a:fld>
             <a:endParaRPr lang="en-GB"/>
           </a:p>
@@ -5165,7 +5254,7 @@
           <a:p>
             <a:fld id="{35275B4F-5DE5-4D53-BD3B-F0C44FE589B2}" type="datetimeFigureOut">
               <a:rPr lang="en-GB" smtClean="0"/>
-              <a:t>07/10/2024</a:t>
+              <a:t>13/10/2024</a:t>
             </a:fld>
             <a:endParaRPr lang="en-GB"/>
           </a:p>
@@ -5408,7 +5497,7 @@
           <a:p>
             <a:fld id="{35275B4F-5DE5-4D53-BD3B-F0C44FE589B2}" type="datetimeFigureOut">
               <a:rPr lang="en-GB" smtClean="0"/>
-              <a:t>07/10/2024</a:t>
+              <a:t>13/10/2024</a:t>
             </a:fld>
             <a:endParaRPr lang="en-GB"/>
           </a:p>
@@ -5905,6 +5994,150 @@
           <a:chExt cx="0" cy="0"/>
         </a:xfrm>
       </p:grpSpPr>
+      <p:pic>
+        <p:nvPicPr>
+          <p:cNvPr id="7" name="Picture 6">
+            <a:extLst>
+              <a:ext uri="{FF2B5EF4-FFF2-40B4-BE49-F238E27FC236}">
+                <a16:creationId xmlns:a16="http://schemas.microsoft.com/office/drawing/2014/main" id="{F76B43E2-150F-DC80-8BA0-E8EF77942310}"/>
+              </a:ext>
+            </a:extLst>
+          </p:cNvPr>
+          <p:cNvPicPr>
+            <a:picLocks noChangeAspect="1"/>
+          </p:cNvPicPr>
+          <p:nvPr/>
+        </p:nvPicPr>
+        <p:blipFill>
+          <a:blip r:embed="rId2"/>
+          <a:stretch>
+            <a:fillRect/>
+          </a:stretch>
+        </p:blipFill>
+        <p:spPr>
+          <a:xfrm>
+            <a:off x="804124" y="2390630"/>
+            <a:ext cx="10583752" cy="2076740"/>
+          </a:xfrm>
+          <a:prstGeom prst="rect">
+            <a:avLst/>
+          </a:prstGeom>
+        </p:spPr>
+      </p:pic>
+      <p:sp>
+        <p:nvSpPr>
+          <p:cNvPr id="10" name="Title 1">
+            <a:extLst>
+              <a:ext uri="{FF2B5EF4-FFF2-40B4-BE49-F238E27FC236}">
+                <a16:creationId xmlns:a16="http://schemas.microsoft.com/office/drawing/2014/main" id="{F76196A7-FDB1-76F9-0DAF-649BCDEE61A3}"/>
+              </a:ext>
+            </a:extLst>
+          </p:cNvPr>
+          <p:cNvSpPr txBox="1">
+            <a:spLocks/>
+          </p:cNvSpPr>
+          <p:nvPr/>
+        </p:nvSpPr>
+        <p:spPr>
+          <a:xfrm>
+            <a:off x="804124" y="822325"/>
+            <a:ext cx="10515600" cy="1325563"/>
+          </a:xfrm>
+          <a:prstGeom prst="rect">
+            <a:avLst/>
+          </a:prstGeom>
+        </p:spPr>
+        <p:txBody>
+          <a:bodyPr vert="horz" lIns="91440" tIns="45720" rIns="91440" bIns="45720" rtlCol="0" anchor="ctr">
+            <a:normAutofit/>
+          </a:bodyPr>
+          <a:lstStyle>
+            <a:lvl1pPr algn="l" defTabSz="914400" rtl="0" eaLnBrk="1" latinLnBrk="0" hangingPunct="1">
+              <a:lnSpc>
+                <a:spcPct val="90000"/>
+              </a:lnSpc>
+              <a:spcBef>
+                <a:spcPct val="0"/>
+              </a:spcBef>
+              <a:buNone/>
+              <a:defRPr sz="4400" kern="1200">
+                <a:solidFill>
+                  <a:schemeClr val="tx1"/>
+                </a:solidFill>
+                <a:latin typeface="+mj-lt"/>
+                <a:ea typeface="+mj-ea"/>
+                <a:cs typeface="+mj-cs"/>
+              </a:defRPr>
+            </a:lvl1pPr>
+          </a:lstStyle>
+          <a:p>
+            <a:r>
+              <a:rPr lang="en-GB" dirty="0"/>
+              <a:t>Create storage account</a:t>
+            </a:r>
+          </a:p>
+        </p:txBody>
+      </p:sp>
+      <p:pic>
+        <p:nvPicPr>
+          <p:cNvPr id="12" name="Picture 11">
+            <a:extLst>
+              <a:ext uri="{FF2B5EF4-FFF2-40B4-BE49-F238E27FC236}">
+                <a16:creationId xmlns:a16="http://schemas.microsoft.com/office/drawing/2014/main" id="{89545FC7-CFBB-FEB8-B2C2-A775C4B20B91}"/>
+              </a:ext>
+            </a:extLst>
+          </p:cNvPr>
+          <p:cNvPicPr>
+            <a:picLocks noChangeAspect="1"/>
+          </p:cNvPicPr>
+          <p:nvPr/>
+        </p:nvPicPr>
+        <p:blipFill>
+          <a:blip r:embed="rId3"/>
+          <a:stretch>
+            <a:fillRect/>
+          </a:stretch>
+        </p:blipFill>
+        <p:spPr>
+          <a:xfrm>
+            <a:off x="804124" y="4171874"/>
+            <a:ext cx="8202170" cy="1076475"/>
+          </a:xfrm>
+          <a:prstGeom prst="rect">
+            <a:avLst/>
+          </a:prstGeom>
+        </p:spPr>
+      </p:pic>
+    </p:spTree>
+    <p:extLst>
+      <p:ext uri="{BB962C8B-B14F-4D97-AF65-F5344CB8AC3E}">
+        <p14:creationId xmlns:p14="http://schemas.microsoft.com/office/powerpoint/2010/main" val="1439316186"/>
+      </p:ext>
+    </p:extLst>
+  </p:cSld>
+  <p:clrMapOvr>
+    <a:masterClrMapping/>
+  </p:clrMapOvr>
+</p:sld>
+</file>
+
+<file path=ppt/slides/slide11.xml><?xml version="1.0" encoding="utf-8"?>
+<p:sld xmlns:a="http://schemas.openxmlformats.org/drawingml/2006/main" xmlns:r="http://schemas.openxmlformats.org/officeDocument/2006/relationships" xmlns:p="http://schemas.openxmlformats.org/presentationml/2006/main">
+  <p:cSld>
+    <p:spTree>
+      <p:nvGrpSpPr>
+        <p:cNvPr id="1" name=""/>
+        <p:cNvGrpSpPr/>
+        <p:nvPr/>
+      </p:nvGrpSpPr>
+      <p:grpSpPr>
+        <a:xfrm>
+          <a:off x="0" y="0"/>
+          <a:ext cx="0" cy="0"/>
+          <a:chOff x="0" y="0"/>
+          <a:chExt cx="0" cy="0"/>
+        </a:xfrm>
+      </p:grpSpPr>
       <p:sp>
         <p:nvSpPr>
           <p:cNvPr id="2" name="Title 1">
@@ -5998,7 +6231,7 @@
 </p:sld>
 </file>
 
-<file path=ppt/slides/slide11.xml><?xml version="1.0" encoding="utf-8"?>
+<file path=ppt/slides/slide12.xml><?xml version="1.0" encoding="utf-8"?>
 <p:sld xmlns:a="http://schemas.openxmlformats.org/drawingml/2006/main" xmlns:r="http://schemas.openxmlformats.org/officeDocument/2006/relationships" xmlns:p="http://schemas.openxmlformats.org/presentationml/2006/main">
   <p:cSld>
     <p:spTree>
@@ -6083,7 +6316,7 @@
 </p:sld>
 </file>
 
-<file path=ppt/slides/slide12.xml><?xml version="1.0" encoding="utf-8"?>
+<file path=ppt/slides/slide13.xml><?xml version="1.0" encoding="utf-8"?>
 <p:sld xmlns:a="http://schemas.openxmlformats.org/drawingml/2006/main" xmlns:r="http://schemas.openxmlformats.org/officeDocument/2006/relationships" xmlns:p="http://schemas.openxmlformats.org/presentationml/2006/main">
   <p:cSld>
     <p:spTree>
@@ -6199,7 +6432,7 @@
 </p:sld>
 </file>
 
-<file path=ppt/slides/slide13.xml><?xml version="1.0" encoding="utf-8"?>
+<file path=ppt/slides/slide14.xml><?xml version="1.0" encoding="utf-8"?>
 <p:sld xmlns:a="http://schemas.openxmlformats.org/drawingml/2006/main" xmlns:r="http://schemas.openxmlformats.org/officeDocument/2006/relationships" xmlns:p="http://schemas.openxmlformats.org/presentationml/2006/main">
   <p:cSld>
     <p:spTree>
@@ -6292,7 +6525,7 @@
 </p:sld>
 </file>
 
-<file path=ppt/slides/slide14.xml><?xml version="1.0" encoding="utf-8"?>
+<file path=ppt/slides/slide15.xml><?xml version="1.0" encoding="utf-8"?>
 <p:sld xmlns:a="http://schemas.openxmlformats.org/drawingml/2006/main" xmlns:r="http://schemas.openxmlformats.org/officeDocument/2006/relationships" xmlns:p="http://schemas.openxmlformats.org/presentationml/2006/main">
   <p:cSld>
     <p:spTree>
@@ -6385,7 +6618,7 @@
 </p:sld>
 </file>
 
-<file path=ppt/slides/slide15.xml><?xml version="1.0" encoding="utf-8"?>
+<file path=ppt/slides/slide16.xml><?xml version="1.0" encoding="utf-8"?>
 <p:sld xmlns:a="http://schemas.openxmlformats.org/drawingml/2006/main" xmlns:r="http://schemas.openxmlformats.org/officeDocument/2006/relationships" xmlns:p="http://schemas.openxmlformats.org/presentationml/2006/main">
   <p:cSld>
     <p:spTree>
@@ -6478,7 +6711,7 @@
 </p:sld>
 </file>
 
-<file path=ppt/slides/slide16.xml><?xml version="1.0" encoding="utf-8"?>
+<file path=ppt/slides/slide17.xml><?xml version="1.0" encoding="utf-8"?>
 <p:sld xmlns:a="http://schemas.openxmlformats.org/drawingml/2006/main" xmlns:r="http://schemas.openxmlformats.org/officeDocument/2006/relationships" xmlns:p="http://schemas.openxmlformats.org/presentationml/2006/main">
   <p:cSld>
     <p:spTree>
@@ -6599,7 +6832,7 @@
 </p:sld>
 </file>
 
-<file path=ppt/slides/slide17.xml><?xml version="1.0" encoding="utf-8"?>
+<file path=ppt/slides/slide18.xml><?xml version="1.0" encoding="utf-8"?>
 <p:sld xmlns:a="http://schemas.openxmlformats.org/drawingml/2006/main" xmlns:r="http://schemas.openxmlformats.org/officeDocument/2006/relationships" xmlns:p="http://schemas.openxmlformats.org/presentationml/2006/main">
   <p:cSld>
     <p:spTree>
@@ -6736,7 +6969,7 @@
 </p:sld>
 </file>
 
-<file path=ppt/slides/slide18.xml><?xml version="1.0" encoding="utf-8"?>
+<file path=ppt/slides/slide19.xml><?xml version="1.0" encoding="utf-8"?>
 <p:sld xmlns:a="http://schemas.openxmlformats.org/drawingml/2006/main" xmlns:r="http://schemas.openxmlformats.org/officeDocument/2006/relationships" xmlns:p="http://schemas.openxmlformats.org/presentationml/2006/main">
   <p:cSld>
     <p:spTree>
@@ -6826,7 +7059,144 @@
 </p:sld>
 </file>
 
-<file path=ppt/slides/slide19.xml><?xml version="1.0" encoding="utf-8"?>
+<file path=ppt/slides/slide2.xml><?xml version="1.0" encoding="utf-8"?>
+<p:sld xmlns:a="http://schemas.openxmlformats.org/drawingml/2006/main" xmlns:r="http://schemas.openxmlformats.org/officeDocument/2006/relationships" xmlns:p="http://schemas.openxmlformats.org/presentationml/2006/main">
+  <p:cSld>
+    <p:spTree>
+      <p:nvGrpSpPr>
+        <p:cNvPr id="1" name=""/>
+        <p:cNvGrpSpPr/>
+        <p:nvPr/>
+      </p:nvGrpSpPr>
+      <p:grpSpPr>
+        <a:xfrm>
+          <a:off x="0" y="0"/>
+          <a:ext cx="0" cy="0"/>
+          <a:chOff x="0" y="0"/>
+          <a:chExt cx="0" cy="0"/>
+        </a:xfrm>
+      </p:grpSpPr>
+      <p:sp>
+        <p:nvSpPr>
+          <p:cNvPr id="2" name="Title 1">
+            <a:extLst>
+              <a:ext uri="{FF2B5EF4-FFF2-40B4-BE49-F238E27FC236}">
+                <a16:creationId xmlns:a16="http://schemas.microsoft.com/office/drawing/2014/main" id="{41FED174-0F29-0519-4A7D-F626ED8E0B95}"/>
+              </a:ext>
+            </a:extLst>
+          </p:cNvPr>
+          <p:cNvSpPr>
+            <a:spLocks noGrp="1"/>
+          </p:cNvSpPr>
+          <p:nvPr>
+            <p:ph type="title"/>
+          </p:nvPr>
+        </p:nvSpPr>
+        <p:spPr/>
+        <p:txBody>
+          <a:bodyPr/>
+          <a:lstStyle/>
+          <a:p>
+            <a:r>
+              <a:rPr lang="en-GB" dirty="0"/>
+              <a:t>Azure</a:t>
+            </a:r>
+          </a:p>
+        </p:txBody>
+      </p:sp>
+      <p:sp>
+        <p:nvSpPr>
+          <p:cNvPr id="3" name="Content Placeholder 2">
+            <a:extLst>
+              <a:ext uri="{FF2B5EF4-FFF2-40B4-BE49-F238E27FC236}">
+                <a16:creationId xmlns:a16="http://schemas.microsoft.com/office/drawing/2014/main" id="{A59D69EC-AC16-7028-1C0A-B82335C10F0B}"/>
+              </a:ext>
+            </a:extLst>
+          </p:cNvPr>
+          <p:cNvSpPr>
+            <a:spLocks noGrp="1"/>
+          </p:cNvSpPr>
+          <p:nvPr>
+            <p:ph idx="1"/>
+          </p:nvPr>
+        </p:nvSpPr>
+        <p:spPr/>
+        <p:txBody>
+          <a:bodyPr/>
+          <a:lstStyle/>
+          <a:p>
+            <a:r>
+              <a:rPr lang="en-GB" dirty="0"/>
+              <a:t>Go to Azure.com</a:t>
+            </a:r>
+          </a:p>
+          <a:p>
+            <a:r>
+              <a:rPr lang="en-GB" dirty="0"/>
+              <a:t>Click ‘Try Azure for free’</a:t>
+            </a:r>
+          </a:p>
+          <a:p>
+            <a:r>
+              <a:rPr lang="en-GB" dirty="0"/>
+              <a:t>You will need:</a:t>
+            </a:r>
+          </a:p>
+          <a:p>
+            <a:pPr lvl="1"/>
+            <a:r>
+              <a:rPr lang="en-GB" dirty="0"/>
+              <a:t>An email address</a:t>
+            </a:r>
+          </a:p>
+          <a:p>
+            <a:pPr lvl="1"/>
+            <a:r>
+              <a:rPr lang="en-GB" dirty="0"/>
+              <a:t>A mobile phone</a:t>
+            </a:r>
+          </a:p>
+          <a:p>
+            <a:pPr lvl="1"/>
+            <a:r>
+              <a:rPr lang="en-GB" dirty="0"/>
+              <a:t>A credit/debit card – don’t worry you won’t be charged!</a:t>
+            </a:r>
+          </a:p>
+          <a:p>
+            <a:r>
+              <a:rPr lang="en-GB" dirty="0"/>
+              <a:t>Choose United Kingdom or US region</a:t>
+            </a:r>
+          </a:p>
+          <a:p>
+            <a:r>
+              <a:rPr lang="en-GB" dirty="0"/>
+              <a:t>$200 credit / 30 days</a:t>
+            </a:r>
+          </a:p>
+          <a:p>
+            <a:r>
+              <a:rPr lang="en-GB" dirty="0"/>
+              <a:t>Some resources are free longer / permanently</a:t>
+            </a:r>
+          </a:p>
+        </p:txBody>
+      </p:sp>
+    </p:spTree>
+    <p:extLst>
+      <p:ext uri="{BB962C8B-B14F-4D97-AF65-F5344CB8AC3E}">
+        <p14:creationId xmlns:p14="http://schemas.microsoft.com/office/powerpoint/2010/main" val="859955558"/>
+      </p:ext>
+    </p:extLst>
+  </p:cSld>
+  <p:clrMapOvr>
+    <a:masterClrMapping/>
+  </p:clrMapOvr>
+</p:sld>
+</file>
+
+<file path=ppt/slides/slide20.xml><?xml version="1.0" encoding="utf-8"?>
 <p:sld xmlns:a="http://schemas.openxmlformats.org/drawingml/2006/main" xmlns:r="http://schemas.openxmlformats.org/officeDocument/2006/relationships" xmlns:p="http://schemas.openxmlformats.org/presentationml/2006/main">
   <p:cSld>
     <p:spTree>
@@ -6946,7 +7316,1891 @@
 </p:sld>
 </file>
 
-<file path=ppt/slides/slide2.xml><?xml version="1.0" encoding="utf-8"?>
+<file path=ppt/slides/slide21.xml><?xml version="1.0" encoding="utf-8"?>
+<p:sld xmlns:a="http://schemas.openxmlformats.org/drawingml/2006/main" xmlns:r="http://schemas.openxmlformats.org/officeDocument/2006/relationships" xmlns:p="http://schemas.openxmlformats.org/presentationml/2006/main">
+  <p:cSld>
+    <p:spTree>
+      <p:nvGrpSpPr>
+        <p:cNvPr id="1" name=""/>
+        <p:cNvGrpSpPr/>
+        <p:nvPr/>
+      </p:nvGrpSpPr>
+      <p:grpSpPr>
+        <a:xfrm>
+          <a:off x="0" y="0"/>
+          <a:ext cx="0" cy="0"/>
+          <a:chOff x="0" y="0"/>
+          <a:chExt cx="0" cy="0"/>
+        </a:xfrm>
+      </p:grpSpPr>
+      <p:sp>
+        <p:nvSpPr>
+          <p:cNvPr id="2" name="Title 1">
+            <a:extLst>
+              <a:ext uri="{FF2B5EF4-FFF2-40B4-BE49-F238E27FC236}">
+                <a16:creationId xmlns:a16="http://schemas.microsoft.com/office/drawing/2014/main" id="{18E77E9E-521E-D666-1172-EA04863A7EE5}"/>
+              </a:ext>
+            </a:extLst>
+          </p:cNvPr>
+          <p:cNvSpPr>
+            <a:spLocks noGrp="1"/>
+          </p:cNvSpPr>
+          <p:nvPr>
+            <p:ph type="title"/>
+          </p:nvPr>
+        </p:nvSpPr>
+        <p:spPr/>
+        <p:txBody>
+          <a:bodyPr/>
+          <a:lstStyle/>
+          <a:p>
+            <a:endParaRPr lang="en-GB"/>
+          </a:p>
+        </p:txBody>
+      </p:sp>
+      <p:pic>
+        <p:nvPicPr>
+          <p:cNvPr id="5" name="Picture 4">
+            <a:extLst>
+              <a:ext uri="{FF2B5EF4-FFF2-40B4-BE49-F238E27FC236}">
+                <a16:creationId xmlns:a16="http://schemas.microsoft.com/office/drawing/2014/main" id="{7F29A0FD-412A-4FF6-269A-9279CA60F87E}"/>
+              </a:ext>
+            </a:extLst>
+          </p:cNvPr>
+          <p:cNvPicPr>
+            <a:picLocks noChangeAspect="1"/>
+          </p:cNvPicPr>
+          <p:nvPr/>
+        </p:nvPicPr>
+        <p:blipFill>
+          <a:blip r:embed="rId2"/>
+          <a:stretch>
+            <a:fillRect/>
+          </a:stretch>
+        </p:blipFill>
+        <p:spPr>
+          <a:xfrm>
+            <a:off x="838200" y="1861257"/>
+            <a:ext cx="7687645" cy="3135485"/>
+          </a:xfrm>
+          <a:prstGeom prst="rect">
+            <a:avLst/>
+          </a:prstGeom>
+        </p:spPr>
+      </p:pic>
+    </p:spTree>
+    <p:extLst>
+      <p:ext uri="{BB962C8B-B14F-4D97-AF65-F5344CB8AC3E}">
+        <p14:creationId xmlns:p14="http://schemas.microsoft.com/office/powerpoint/2010/main" val="1708826250"/>
+      </p:ext>
+    </p:extLst>
+  </p:cSld>
+  <p:clrMapOvr>
+    <a:masterClrMapping/>
+  </p:clrMapOvr>
+</p:sld>
+</file>
+
+<file path=ppt/slides/slide22.xml><?xml version="1.0" encoding="utf-8"?>
+<p:sld xmlns:a="http://schemas.openxmlformats.org/drawingml/2006/main" xmlns:r="http://schemas.openxmlformats.org/officeDocument/2006/relationships" xmlns:p="http://schemas.openxmlformats.org/presentationml/2006/main">
+  <p:cSld>
+    <p:spTree>
+      <p:nvGrpSpPr>
+        <p:cNvPr id="1" name=""/>
+        <p:cNvGrpSpPr/>
+        <p:nvPr/>
+      </p:nvGrpSpPr>
+      <p:grpSpPr>
+        <a:xfrm>
+          <a:off x="0" y="0"/>
+          <a:ext cx="0" cy="0"/>
+          <a:chOff x="0" y="0"/>
+          <a:chExt cx="0" cy="0"/>
+        </a:xfrm>
+      </p:grpSpPr>
+      <p:sp>
+        <p:nvSpPr>
+          <p:cNvPr id="2" name="Title 1">
+            <a:extLst>
+              <a:ext uri="{FF2B5EF4-FFF2-40B4-BE49-F238E27FC236}">
+                <a16:creationId xmlns:a16="http://schemas.microsoft.com/office/drawing/2014/main" id="{7B0F8EF9-2F8A-D280-EAA2-35BAC51A2A4E}"/>
+              </a:ext>
+            </a:extLst>
+          </p:cNvPr>
+          <p:cNvSpPr>
+            <a:spLocks noGrp="1"/>
+          </p:cNvSpPr>
+          <p:nvPr>
+            <p:ph type="title"/>
+          </p:nvPr>
+        </p:nvSpPr>
+        <p:spPr/>
+        <p:txBody>
+          <a:bodyPr/>
+          <a:lstStyle/>
+          <a:p>
+            <a:endParaRPr lang="en-GB"/>
+          </a:p>
+        </p:txBody>
+      </p:sp>
+      <p:pic>
+        <p:nvPicPr>
+          <p:cNvPr id="5" name="Picture 4">
+            <a:extLst>
+              <a:ext uri="{FF2B5EF4-FFF2-40B4-BE49-F238E27FC236}">
+                <a16:creationId xmlns:a16="http://schemas.microsoft.com/office/drawing/2014/main" id="{E42CB9A0-0A1D-2247-2FB8-AB5F4B227001}"/>
+              </a:ext>
+            </a:extLst>
+          </p:cNvPr>
+          <p:cNvPicPr>
+            <a:picLocks noChangeAspect="1"/>
+          </p:cNvPicPr>
+          <p:nvPr/>
+        </p:nvPicPr>
+        <p:blipFill>
+          <a:blip r:embed="rId2"/>
+          <a:stretch>
+            <a:fillRect/>
+          </a:stretch>
+        </p:blipFill>
+        <p:spPr>
+          <a:xfrm>
+            <a:off x="838200" y="1833324"/>
+            <a:ext cx="3448531" cy="3419952"/>
+          </a:xfrm>
+          <a:prstGeom prst="rect">
+            <a:avLst/>
+          </a:prstGeom>
+        </p:spPr>
+      </p:pic>
+      <p:pic>
+        <p:nvPicPr>
+          <p:cNvPr id="7" name="Picture 6">
+            <a:extLst>
+              <a:ext uri="{FF2B5EF4-FFF2-40B4-BE49-F238E27FC236}">
+                <a16:creationId xmlns:a16="http://schemas.microsoft.com/office/drawing/2014/main" id="{22FBDBA8-7F16-79C5-84FF-B4B16E5DB3DB}"/>
+              </a:ext>
+            </a:extLst>
+          </p:cNvPr>
+          <p:cNvPicPr>
+            <a:picLocks noChangeAspect="1"/>
+          </p:cNvPicPr>
+          <p:nvPr/>
+        </p:nvPicPr>
+        <p:blipFill>
+          <a:blip r:embed="rId3"/>
+          <a:stretch>
+            <a:fillRect/>
+          </a:stretch>
+        </p:blipFill>
+        <p:spPr>
+          <a:xfrm>
+            <a:off x="5063397" y="1833324"/>
+            <a:ext cx="3790680" cy="4951789"/>
+          </a:xfrm>
+          <a:prstGeom prst="rect">
+            <a:avLst/>
+          </a:prstGeom>
+        </p:spPr>
+      </p:pic>
+    </p:spTree>
+    <p:extLst>
+      <p:ext uri="{BB962C8B-B14F-4D97-AF65-F5344CB8AC3E}">
+        <p14:creationId xmlns:p14="http://schemas.microsoft.com/office/powerpoint/2010/main" val="497924248"/>
+      </p:ext>
+    </p:extLst>
+  </p:cSld>
+  <p:clrMapOvr>
+    <a:masterClrMapping/>
+  </p:clrMapOvr>
+</p:sld>
+</file>
+
+<file path=ppt/slides/slide23.xml><?xml version="1.0" encoding="utf-8"?>
+<p:sld xmlns:a="http://schemas.openxmlformats.org/drawingml/2006/main" xmlns:r="http://schemas.openxmlformats.org/officeDocument/2006/relationships" xmlns:p="http://schemas.openxmlformats.org/presentationml/2006/main">
+  <p:cSld>
+    <p:spTree>
+      <p:nvGrpSpPr>
+        <p:cNvPr id="1" name=""/>
+        <p:cNvGrpSpPr/>
+        <p:nvPr/>
+      </p:nvGrpSpPr>
+      <p:grpSpPr>
+        <a:xfrm>
+          <a:off x="0" y="0"/>
+          <a:ext cx="0" cy="0"/>
+          <a:chOff x="0" y="0"/>
+          <a:chExt cx="0" cy="0"/>
+        </a:xfrm>
+      </p:grpSpPr>
+      <p:sp>
+        <p:nvSpPr>
+          <p:cNvPr id="2" name="Title 1">
+            <a:extLst>
+              <a:ext uri="{FF2B5EF4-FFF2-40B4-BE49-F238E27FC236}">
+                <a16:creationId xmlns:a16="http://schemas.microsoft.com/office/drawing/2014/main" id="{BADBA536-C8EA-CDEE-0412-CCBD65C8D699}"/>
+              </a:ext>
+            </a:extLst>
+          </p:cNvPr>
+          <p:cNvSpPr>
+            <a:spLocks noGrp="1"/>
+          </p:cNvSpPr>
+          <p:nvPr>
+            <p:ph type="title"/>
+          </p:nvPr>
+        </p:nvSpPr>
+        <p:spPr/>
+        <p:txBody>
+          <a:bodyPr/>
+          <a:lstStyle/>
+          <a:p>
+            <a:endParaRPr lang="en-GB"/>
+          </a:p>
+        </p:txBody>
+      </p:sp>
+      <p:pic>
+        <p:nvPicPr>
+          <p:cNvPr id="5" name="Picture 4">
+            <a:extLst>
+              <a:ext uri="{FF2B5EF4-FFF2-40B4-BE49-F238E27FC236}">
+                <a16:creationId xmlns:a16="http://schemas.microsoft.com/office/drawing/2014/main" id="{E3EE5837-9DE7-1C2A-DF3F-960FA55EC81F}"/>
+              </a:ext>
+            </a:extLst>
+          </p:cNvPr>
+          <p:cNvPicPr>
+            <a:picLocks noChangeAspect="1"/>
+          </p:cNvPicPr>
+          <p:nvPr/>
+        </p:nvPicPr>
+        <p:blipFill>
+          <a:blip r:embed="rId2"/>
+          <a:stretch>
+            <a:fillRect/>
+          </a:stretch>
+        </p:blipFill>
+        <p:spPr>
+          <a:xfrm>
+            <a:off x="838200" y="1957174"/>
+            <a:ext cx="5534797" cy="3057952"/>
+          </a:xfrm>
+          <a:prstGeom prst="rect">
+            <a:avLst/>
+          </a:prstGeom>
+        </p:spPr>
+      </p:pic>
+    </p:spTree>
+    <p:extLst>
+      <p:ext uri="{BB962C8B-B14F-4D97-AF65-F5344CB8AC3E}">
+        <p14:creationId xmlns:p14="http://schemas.microsoft.com/office/powerpoint/2010/main" val="711803047"/>
+      </p:ext>
+    </p:extLst>
+  </p:cSld>
+  <p:clrMapOvr>
+    <a:masterClrMapping/>
+  </p:clrMapOvr>
+</p:sld>
+</file>
+
+<file path=ppt/slides/slide24.xml><?xml version="1.0" encoding="utf-8"?>
+<p:sld xmlns:a="http://schemas.openxmlformats.org/drawingml/2006/main" xmlns:r="http://schemas.openxmlformats.org/officeDocument/2006/relationships" xmlns:p="http://schemas.openxmlformats.org/presentationml/2006/main">
+  <p:cSld>
+    <p:spTree>
+      <p:nvGrpSpPr>
+        <p:cNvPr id="1" name=""/>
+        <p:cNvGrpSpPr/>
+        <p:nvPr/>
+      </p:nvGrpSpPr>
+      <p:grpSpPr>
+        <a:xfrm>
+          <a:off x="0" y="0"/>
+          <a:ext cx="0" cy="0"/>
+          <a:chOff x="0" y="0"/>
+          <a:chExt cx="0" cy="0"/>
+        </a:xfrm>
+      </p:grpSpPr>
+      <p:sp>
+        <p:nvSpPr>
+          <p:cNvPr id="2" name="Title 1">
+            <a:extLst>
+              <a:ext uri="{FF2B5EF4-FFF2-40B4-BE49-F238E27FC236}">
+                <a16:creationId xmlns:a16="http://schemas.microsoft.com/office/drawing/2014/main" id="{A9BC8783-6E9D-F9AF-AB14-9E9E3094A2C0}"/>
+              </a:ext>
+            </a:extLst>
+          </p:cNvPr>
+          <p:cNvSpPr>
+            <a:spLocks noGrp="1"/>
+          </p:cNvSpPr>
+          <p:nvPr>
+            <p:ph type="title"/>
+          </p:nvPr>
+        </p:nvSpPr>
+        <p:spPr>
+          <a:xfrm>
+            <a:off x="838200" y="365126"/>
+            <a:ext cx="9913883" cy="742436"/>
+          </a:xfrm>
+        </p:spPr>
+        <p:txBody>
+          <a:bodyPr/>
+          <a:lstStyle/>
+          <a:p>
+            <a:endParaRPr lang="en-GB" dirty="0"/>
+          </a:p>
+        </p:txBody>
+      </p:sp>
+      <p:pic>
+        <p:nvPicPr>
+          <p:cNvPr id="5" name="Picture 4">
+            <a:extLst>
+              <a:ext uri="{FF2B5EF4-FFF2-40B4-BE49-F238E27FC236}">
+                <a16:creationId xmlns:a16="http://schemas.microsoft.com/office/drawing/2014/main" id="{B325228D-734D-34AB-D4A0-E0F5BD95DCAD}"/>
+              </a:ext>
+            </a:extLst>
+          </p:cNvPr>
+          <p:cNvPicPr>
+            <a:picLocks noChangeAspect="1"/>
+          </p:cNvPicPr>
+          <p:nvPr/>
+        </p:nvPicPr>
+        <p:blipFill>
+          <a:blip r:embed="rId2"/>
+          <a:stretch>
+            <a:fillRect/>
+          </a:stretch>
+        </p:blipFill>
+        <p:spPr>
+          <a:xfrm>
+            <a:off x="838200" y="2150805"/>
+            <a:ext cx="3991532" cy="3686689"/>
+          </a:xfrm>
+          <a:prstGeom prst="rect">
+            <a:avLst/>
+          </a:prstGeom>
+        </p:spPr>
+      </p:pic>
+      <p:pic>
+        <p:nvPicPr>
+          <p:cNvPr id="7" name="Picture 6">
+            <a:extLst>
+              <a:ext uri="{FF2B5EF4-FFF2-40B4-BE49-F238E27FC236}">
+                <a16:creationId xmlns:a16="http://schemas.microsoft.com/office/drawing/2014/main" id="{287A7ABC-D1AE-E170-A2A6-6470EE734A0D}"/>
+              </a:ext>
+            </a:extLst>
+          </p:cNvPr>
+          <p:cNvPicPr>
+            <a:picLocks noChangeAspect="1"/>
+          </p:cNvPicPr>
+          <p:nvPr/>
+        </p:nvPicPr>
+        <p:blipFill>
+          <a:blip r:embed="rId3"/>
+          <a:stretch>
+            <a:fillRect/>
+          </a:stretch>
+        </p:blipFill>
+        <p:spPr>
+          <a:xfrm>
+            <a:off x="5879816" y="1107561"/>
+            <a:ext cx="1695515" cy="5586608"/>
+          </a:xfrm>
+          <a:prstGeom prst="rect">
+            <a:avLst/>
+          </a:prstGeom>
+        </p:spPr>
+      </p:pic>
+    </p:spTree>
+    <p:extLst>
+      <p:ext uri="{BB962C8B-B14F-4D97-AF65-F5344CB8AC3E}">
+        <p14:creationId xmlns:p14="http://schemas.microsoft.com/office/powerpoint/2010/main" val="2631230412"/>
+      </p:ext>
+    </p:extLst>
+  </p:cSld>
+  <p:clrMapOvr>
+    <a:masterClrMapping/>
+  </p:clrMapOvr>
+</p:sld>
+</file>
+
+<file path=ppt/slides/slide25.xml><?xml version="1.0" encoding="utf-8"?>
+<p:sld xmlns:a="http://schemas.openxmlformats.org/drawingml/2006/main" xmlns:r="http://schemas.openxmlformats.org/officeDocument/2006/relationships" xmlns:p="http://schemas.openxmlformats.org/presentationml/2006/main">
+  <p:cSld>
+    <p:spTree>
+      <p:nvGrpSpPr>
+        <p:cNvPr id="1" name=""/>
+        <p:cNvGrpSpPr/>
+        <p:nvPr/>
+      </p:nvGrpSpPr>
+      <p:grpSpPr>
+        <a:xfrm>
+          <a:off x="0" y="0"/>
+          <a:ext cx="0" cy="0"/>
+          <a:chOff x="0" y="0"/>
+          <a:chExt cx="0" cy="0"/>
+        </a:xfrm>
+      </p:grpSpPr>
+      <p:sp>
+        <p:nvSpPr>
+          <p:cNvPr id="2" name="Title 1">
+            <a:extLst>
+              <a:ext uri="{FF2B5EF4-FFF2-40B4-BE49-F238E27FC236}">
+                <a16:creationId xmlns:a16="http://schemas.microsoft.com/office/drawing/2014/main" id="{21017636-EA3E-8FEF-99A9-52E40CE4CEE3}"/>
+              </a:ext>
+            </a:extLst>
+          </p:cNvPr>
+          <p:cNvSpPr>
+            <a:spLocks noGrp="1"/>
+          </p:cNvSpPr>
+          <p:nvPr>
+            <p:ph type="title"/>
+          </p:nvPr>
+        </p:nvSpPr>
+        <p:spPr/>
+        <p:txBody>
+          <a:bodyPr/>
+          <a:lstStyle/>
+          <a:p>
+            <a:endParaRPr lang="en-GB"/>
+          </a:p>
+        </p:txBody>
+      </p:sp>
+      <p:pic>
+        <p:nvPicPr>
+          <p:cNvPr id="4" name="Picture 3">
+            <a:extLst>
+              <a:ext uri="{FF2B5EF4-FFF2-40B4-BE49-F238E27FC236}">
+                <a16:creationId xmlns:a16="http://schemas.microsoft.com/office/drawing/2014/main" id="{4F69654C-6DA8-2205-4B70-B0177BA26CE7}"/>
+              </a:ext>
+            </a:extLst>
+          </p:cNvPr>
+          <p:cNvPicPr>
+            <a:picLocks noChangeAspect="1"/>
+          </p:cNvPicPr>
+          <p:nvPr/>
+        </p:nvPicPr>
+        <p:blipFill>
+          <a:blip r:embed="rId2"/>
+          <a:stretch>
+            <a:fillRect/>
+          </a:stretch>
+        </p:blipFill>
+        <p:spPr>
+          <a:xfrm>
+            <a:off x="3139923" y="2035103"/>
+            <a:ext cx="5912154" cy="2787793"/>
+          </a:xfrm>
+          <a:prstGeom prst="rect">
+            <a:avLst/>
+          </a:prstGeom>
+        </p:spPr>
+      </p:pic>
+    </p:spTree>
+    <p:extLst>
+      <p:ext uri="{BB962C8B-B14F-4D97-AF65-F5344CB8AC3E}">
+        <p14:creationId xmlns:p14="http://schemas.microsoft.com/office/powerpoint/2010/main" val="1718911435"/>
+      </p:ext>
+    </p:extLst>
+  </p:cSld>
+  <p:clrMapOvr>
+    <a:masterClrMapping/>
+  </p:clrMapOvr>
+</p:sld>
+</file>
+
+<file path=ppt/slides/slide26.xml><?xml version="1.0" encoding="utf-8"?>
+<p:sld xmlns:a="http://schemas.openxmlformats.org/drawingml/2006/main" xmlns:r="http://schemas.openxmlformats.org/officeDocument/2006/relationships" xmlns:p="http://schemas.openxmlformats.org/presentationml/2006/main">
+  <p:cSld>
+    <p:spTree>
+      <p:nvGrpSpPr>
+        <p:cNvPr id="1" name=""/>
+        <p:cNvGrpSpPr/>
+        <p:nvPr/>
+      </p:nvGrpSpPr>
+      <p:grpSpPr>
+        <a:xfrm>
+          <a:off x="0" y="0"/>
+          <a:ext cx="0" cy="0"/>
+          <a:chOff x="0" y="0"/>
+          <a:chExt cx="0" cy="0"/>
+        </a:xfrm>
+      </p:grpSpPr>
+      <p:sp>
+        <p:nvSpPr>
+          <p:cNvPr id="2" name="Title 1">
+            <a:extLst>
+              <a:ext uri="{FF2B5EF4-FFF2-40B4-BE49-F238E27FC236}">
+                <a16:creationId xmlns:a16="http://schemas.microsoft.com/office/drawing/2014/main" id="{21017636-EA3E-8FEF-99A9-52E40CE4CEE3}"/>
+              </a:ext>
+            </a:extLst>
+          </p:cNvPr>
+          <p:cNvSpPr>
+            <a:spLocks noGrp="1"/>
+          </p:cNvSpPr>
+          <p:nvPr>
+            <p:ph type="title"/>
+          </p:nvPr>
+        </p:nvSpPr>
+        <p:spPr>
+          <a:xfrm>
+            <a:off x="838200" y="365125"/>
+            <a:ext cx="9310991" cy="566593"/>
+          </a:xfrm>
+        </p:spPr>
+        <p:txBody>
+          <a:bodyPr>
+            <a:normAutofit fontScale="90000"/>
+          </a:bodyPr>
+          <a:lstStyle/>
+          <a:p>
+            <a:endParaRPr lang="en-GB" dirty="0"/>
+          </a:p>
+        </p:txBody>
+      </p:sp>
+      <p:pic>
+        <p:nvPicPr>
+          <p:cNvPr id="5" name="Picture 4">
+            <a:extLst>
+              <a:ext uri="{FF2B5EF4-FFF2-40B4-BE49-F238E27FC236}">
+                <a16:creationId xmlns:a16="http://schemas.microsoft.com/office/drawing/2014/main" id="{8F5E4456-8C4D-4A3F-7FEB-51C36B0663E7}"/>
+              </a:ext>
+            </a:extLst>
+          </p:cNvPr>
+          <p:cNvPicPr>
+            <a:picLocks noChangeAspect="1"/>
+          </p:cNvPicPr>
+          <p:nvPr/>
+        </p:nvPicPr>
+        <p:blipFill>
+          <a:blip r:embed="rId2"/>
+          <a:stretch>
+            <a:fillRect/>
+          </a:stretch>
+        </p:blipFill>
+        <p:spPr>
+          <a:xfrm>
+            <a:off x="1906620" y="931718"/>
+            <a:ext cx="8583805" cy="5116791"/>
+          </a:xfrm>
+          <a:prstGeom prst="rect">
+            <a:avLst/>
+          </a:prstGeom>
+        </p:spPr>
+      </p:pic>
+    </p:spTree>
+    <p:extLst>
+      <p:ext uri="{BB962C8B-B14F-4D97-AF65-F5344CB8AC3E}">
+        <p14:creationId xmlns:p14="http://schemas.microsoft.com/office/powerpoint/2010/main" val="3447463729"/>
+      </p:ext>
+    </p:extLst>
+  </p:cSld>
+  <p:clrMapOvr>
+    <a:masterClrMapping/>
+  </p:clrMapOvr>
+</p:sld>
+</file>
+
+<file path=ppt/slides/slide27.xml><?xml version="1.0" encoding="utf-8"?>
+<p:sld xmlns:a="http://schemas.openxmlformats.org/drawingml/2006/main" xmlns:r="http://schemas.openxmlformats.org/officeDocument/2006/relationships" xmlns:p="http://schemas.openxmlformats.org/presentationml/2006/main">
+  <p:cSld>
+    <p:spTree>
+      <p:nvGrpSpPr>
+        <p:cNvPr id="1" name=""/>
+        <p:cNvGrpSpPr/>
+        <p:nvPr/>
+      </p:nvGrpSpPr>
+      <p:grpSpPr>
+        <a:xfrm>
+          <a:off x="0" y="0"/>
+          <a:ext cx="0" cy="0"/>
+          <a:chOff x="0" y="0"/>
+          <a:chExt cx="0" cy="0"/>
+        </a:xfrm>
+      </p:grpSpPr>
+      <p:sp>
+        <p:nvSpPr>
+          <p:cNvPr id="2" name="Title 1">
+            <a:extLst>
+              <a:ext uri="{FF2B5EF4-FFF2-40B4-BE49-F238E27FC236}">
+                <a16:creationId xmlns:a16="http://schemas.microsoft.com/office/drawing/2014/main" id="{F34501D7-A5A1-B14C-9DF8-33D23D87D92F}"/>
+              </a:ext>
+            </a:extLst>
+          </p:cNvPr>
+          <p:cNvSpPr>
+            <a:spLocks noGrp="1"/>
+          </p:cNvSpPr>
+          <p:nvPr>
+            <p:ph type="title"/>
+          </p:nvPr>
+        </p:nvSpPr>
+        <p:spPr/>
+        <p:txBody>
+          <a:bodyPr/>
+          <a:lstStyle/>
+          <a:p>
+            <a:endParaRPr lang="en-GB"/>
+          </a:p>
+        </p:txBody>
+      </p:sp>
+      <p:pic>
+        <p:nvPicPr>
+          <p:cNvPr id="7" name="Picture 6">
+            <a:extLst>
+              <a:ext uri="{FF2B5EF4-FFF2-40B4-BE49-F238E27FC236}">
+                <a16:creationId xmlns:a16="http://schemas.microsoft.com/office/drawing/2014/main" id="{EA47DFE6-D2F8-294E-C3D2-1D0F0F663C9E}"/>
+              </a:ext>
+            </a:extLst>
+          </p:cNvPr>
+          <p:cNvPicPr>
+            <a:picLocks noChangeAspect="1"/>
+          </p:cNvPicPr>
+          <p:nvPr/>
+        </p:nvPicPr>
+        <p:blipFill>
+          <a:blip r:embed="rId2"/>
+          <a:stretch>
+            <a:fillRect/>
+          </a:stretch>
+        </p:blipFill>
+        <p:spPr>
+          <a:xfrm>
+            <a:off x="838200" y="1901595"/>
+            <a:ext cx="4620270" cy="3296110"/>
+          </a:xfrm>
+          <a:prstGeom prst="rect">
+            <a:avLst/>
+          </a:prstGeom>
+        </p:spPr>
+      </p:pic>
+    </p:spTree>
+    <p:extLst>
+      <p:ext uri="{BB962C8B-B14F-4D97-AF65-F5344CB8AC3E}">
+        <p14:creationId xmlns:p14="http://schemas.microsoft.com/office/powerpoint/2010/main" val="421378720"/>
+      </p:ext>
+    </p:extLst>
+  </p:cSld>
+  <p:clrMapOvr>
+    <a:masterClrMapping/>
+  </p:clrMapOvr>
+</p:sld>
+</file>
+
+<file path=ppt/slides/slide28.xml><?xml version="1.0" encoding="utf-8"?>
+<p:sld xmlns:a="http://schemas.openxmlformats.org/drawingml/2006/main" xmlns:r="http://schemas.openxmlformats.org/officeDocument/2006/relationships" xmlns:p="http://schemas.openxmlformats.org/presentationml/2006/main">
+  <p:cSld>
+    <p:spTree>
+      <p:nvGrpSpPr>
+        <p:cNvPr id="1" name=""/>
+        <p:cNvGrpSpPr/>
+        <p:nvPr/>
+      </p:nvGrpSpPr>
+      <p:grpSpPr>
+        <a:xfrm>
+          <a:off x="0" y="0"/>
+          <a:ext cx="0" cy="0"/>
+          <a:chOff x="0" y="0"/>
+          <a:chExt cx="0" cy="0"/>
+        </a:xfrm>
+      </p:grpSpPr>
+      <p:sp>
+        <p:nvSpPr>
+          <p:cNvPr id="2" name="Title 1">
+            <a:extLst>
+              <a:ext uri="{FF2B5EF4-FFF2-40B4-BE49-F238E27FC236}">
+                <a16:creationId xmlns:a16="http://schemas.microsoft.com/office/drawing/2014/main" id="{17BD5C91-DAB1-7FBB-913D-94307751905E}"/>
+              </a:ext>
+            </a:extLst>
+          </p:cNvPr>
+          <p:cNvSpPr>
+            <a:spLocks noGrp="1"/>
+          </p:cNvSpPr>
+          <p:nvPr>
+            <p:ph type="title"/>
+          </p:nvPr>
+        </p:nvSpPr>
+        <p:spPr/>
+        <p:txBody>
+          <a:bodyPr/>
+          <a:lstStyle/>
+          <a:p>
+            <a:endParaRPr lang="en-GB"/>
+          </a:p>
+        </p:txBody>
+      </p:sp>
+      <p:pic>
+        <p:nvPicPr>
+          <p:cNvPr id="5" name="Picture 4">
+            <a:extLst>
+              <a:ext uri="{FF2B5EF4-FFF2-40B4-BE49-F238E27FC236}">
+                <a16:creationId xmlns:a16="http://schemas.microsoft.com/office/drawing/2014/main" id="{2D893F72-E3F8-15FB-AECC-87A573F8324B}"/>
+              </a:ext>
+            </a:extLst>
+          </p:cNvPr>
+          <p:cNvPicPr>
+            <a:picLocks noChangeAspect="1"/>
+          </p:cNvPicPr>
+          <p:nvPr/>
+        </p:nvPicPr>
+        <p:blipFill>
+          <a:blip r:embed="rId2"/>
+          <a:stretch>
+            <a:fillRect/>
+          </a:stretch>
+        </p:blipFill>
+        <p:spPr>
+          <a:xfrm>
+            <a:off x="838200" y="1765300"/>
+            <a:ext cx="4785329" cy="4727575"/>
+          </a:xfrm>
+          <a:prstGeom prst="rect">
+            <a:avLst/>
+          </a:prstGeom>
+        </p:spPr>
+      </p:pic>
+    </p:spTree>
+    <p:extLst>
+      <p:ext uri="{BB962C8B-B14F-4D97-AF65-F5344CB8AC3E}">
+        <p14:creationId xmlns:p14="http://schemas.microsoft.com/office/powerpoint/2010/main" val="1072295273"/>
+      </p:ext>
+    </p:extLst>
+  </p:cSld>
+  <p:clrMapOvr>
+    <a:masterClrMapping/>
+  </p:clrMapOvr>
+</p:sld>
+</file>
+
+<file path=ppt/slides/slide29.xml><?xml version="1.0" encoding="utf-8"?>
+<p:sld xmlns:a="http://schemas.openxmlformats.org/drawingml/2006/main" xmlns:r="http://schemas.openxmlformats.org/officeDocument/2006/relationships" xmlns:p="http://schemas.openxmlformats.org/presentationml/2006/main">
+  <p:cSld>
+    <p:spTree>
+      <p:nvGrpSpPr>
+        <p:cNvPr id="1" name=""/>
+        <p:cNvGrpSpPr/>
+        <p:nvPr/>
+      </p:nvGrpSpPr>
+      <p:grpSpPr>
+        <a:xfrm>
+          <a:off x="0" y="0"/>
+          <a:ext cx="0" cy="0"/>
+          <a:chOff x="0" y="0"/>
+          <a:chExt cx="0" cy="0"/>
+        </a:xfrm>
+      </p:grpSpPr>
+      <p:sp>
+        <p:nvSpPr>
+          <p:cNvPr id="2" name="Title 1">
+            <a:extLst>
+              <a:ext uri="{FF2B5EF4-FFF2-40B4-BE49-F238E27FC236}">
+                <a16:creationId xmlns:a16="http://schemas.microsoft.com/office/drawing/2014/main" id="{C728E01E-BAF5-6A80-20F1-087955496E37}"/>
+              </a:ext>
+            </a:extLst>
+          </p:cNvPr>
+          <p:cNvSpPr>
+            <a:spLocks noGrp="1"/>
+          </p:cNvSpPr>
+          <p:nvPr>
+            <p:ph type="title"/>
+          </p:nvPr>
+        </p:nvSpPr>
+        <p:spPr>
+          <a:xfrm>
+            <a:off x="838200" y="365125"/>
+            <a:ext cx="10515600" cy="733425"/>
+          </a:xfrm>
+        </p:spPr>
+        <p:txBody>
+          <a:bodyPr/>
+          <a:lstStyle/>
+          <a:p>
+            <a:endParaRPr lang="en-GB" dirty="0"/>
+          </a:p>
+        </p:txBody>
+      </p:sp>
+      <p:pic>
+        <p:nvPicPr>
+          <p:cNvPr id="7" name="Picture 6">
+            <a:extLst>
+              <a:ext uri="{FF2B5EF4-FFF2-40B4-BE49-F238E27FC236}">
+                <a16:creationId xmlns:a16="http://schemas.microsoft.com/office/drawing/2014/main" id="{EDA007C6-36BF-6222-5B1A-03A1BE3F57A1}"/>
+              </a:ext>
+            </a:extLst>
+          </p:cNvPr>
+          <p:cNvPicPr>
+            <a:picLocks noChangeAspect="1"/>
+          </p:cNvPicPr>
+          <p:nvPr/>
+        </p:nvPicPr>
+        <p:blipFill>
+          <a:blip r:embed="rId3"/>
+          <a:stretch>
+            <a:fillRect/>
+          </a:stretch>
+        </p:blipFill>
+        <p:spPr>
+          <a:xfrm>
+            <a:off x="838200" y="1098550"/>
+            <a:ext cx="2711450" cy="5440198"/>
+          </a:xfrm>
+          <a:prstGeom prst="rect">
+            <a:avLst/>
+          </a:prstGeom>
+        </p:spPr>
+      </p:pic>
+    </p:spTree>
+    <p:extLst>
+      <p:ext uri="{BB962C8B-B14F-4D97-AF65-F5344CB8AC3E}">
+        <p14:creationId xmlns:p14="http://schemas.microsoft.com/office/powerpoint/2010/main" val="4274672877"/>
+      </p:ext>
+    </p:extLst>
+  </p:cSld>
+  <p:clrMapOvr>
+    <a:masterClrMapping/>
+  </p:clrMapOvr>
+</p:sld>
+</file>
+
+<file path=ppt/slides/slide3.xml><?xml version="1.0" encoding="utf-8"?>
+<p:sld xmlns:a="http://schemas.openxmlformats.org/drawingml/2006/main" xmlns:r="http://schemas.openxmlformats.org/officeDocument/2006/relationships" xmlns:p="http://schemas.openxmlformats.org/presentationml/2006/main">
+  <p:cSld>
+    <p:spTree>
+      <p:nvGrpSpPr>
+        <p:cNvPr id="1" name=""/>
+        <p:cNvGrpSpPr/>
+        <p:nvPr/>
+      </p:nvGrpSpPr>
+      <p:grpSpPr>
+        <a:xfrm>
+          <a:off x="0" y="0"/>
+          <a:ext cx="0" cy="0"/>
+          <a:chOff x="0" y="0"/>
+          <a:chExt cx="0" cy="0"/>
+        </a:xfrm>
+      </p:grpSpPr>
+      <p:sp>
+        <p:nvSpPr>
+          <p:cNvPr id="2" name="Title 1">
+            <a:extLst>
+              <a:ext uri="{FF2B5EF4-FFF2-40B4-BE49-F238E27FC236}">
+                <a16:creationId xmlns:a16="http://schemas.microsoft.com/office/drawing/2014/main" id="{9831B8CC-CE63-2632-A79B-DF312B723DB2}"/>
+              </a:ext>
+            </a:extLst>
+          </p:cNvPr>
+          <p:cNvSpPr>
+            <a:spLocks noGrp="1"/>
+          </p:cNvSpPr>
+          <p:nvPr>
+            <p:ph type="title"/>
+          </p:nvPr>
+        </p:nvSpPr>
+        <p:spPr/>
+        <p:txBody>
+          <a:bodyPr/>
+          <a:lstStyle/>
+          <a:p>
+            <a:r>
+              <a:rPr lang="en-GB" dirty="0"/>
+              <a:t>VS Code</a:t>
+            </a:r>
+          </a:p>
+        </p:txBody>
+      </p:sp>
+      <p:sp>
+        <p:nvSpPr>
+          <p:cNvPr id="3" name="Content Placeholder 2">
+            <a:extLst>
+              <a:ext uri="{FF2B5EF4-FFF2-40B4-BE49-F238E27FC236}">
+                <a16:creationId xmlns:a16="http://schemas.microsoft.com/office/drawing/2014/main" id="{B5E4477C-CAAB-ABF9-981B-11DA484523CD}"/>
+              </a:ext>
+            </a:extLst>
+          </p:cNvPr>
+          <p:cNvSpPr>
+            <a:spLocks noGrp="1"/>
+          </p:cNvSpPr>
+          <p:nvPr>
+            <p:ph idx="1"/>
+          </p:nvPr>
+        </p:nvSpPr>
+        <p:spPr/>
+        <p:txBody>
+          <a:bodyPr/>
+          <a:lstStyle/>
+          <a:p>
+            <a:r>
+              <a:rPr lang="en-GB" dirty="0"/>
+              <a:t>Free download</a:t>
+            </a:r>
+          </a:p>
+          <a:p>
+            <a:r>
+              <a:rPr lang="en-GB" dirty="0"/>
+              <a:t>Very large number of plug-ins/extensions – most free</a:t>
+            </a:r>
+          </a:p>
+        </p:txBody>
+      </p:sp>
+    </p:spTree>
+    <p:extLst>
+      <p:ext uri="{BB962C8B-B14F-4D97-AF65-F5344CB8AC3E}">
+        <p14:creationId xmlns:p14="http://schemas.microsoft.com/office/powerpoint/2010/main" val="3080502177"/>
+      </p:ext>
+    </p:extLst>
+  </p:cSld>
+  <p:clrMapOvr>
+    <a:masterClrMapping/>
+  </p:clrMapOvr>
+</p:sld>
+</file>
+
+<file path=ppt/slides/slide30.xml><?xml version="1.0" encoding="utf-8"?>
+<p:sld xmlns:a="http://schemas.openxmlformats.org/drawingml/2006/main" xmlns:r="http://schemas.openxmlformats.org/officeDocument/2006/relationships" xmlns:p="http://schemas.openxmlformats.org/presentationml/2006/main">
+  <p:cSld>
+    <p:spTree>
+      <p:nvGrpSpPr>
+        <p:cNvPr id="1" name=""/>
+        <p:cNvGrpSpPr/>
+        <p:nvPr/>
+      </p:nvGrpSpPr>
+      <p:grpSpPr>
+        <a:xfrm>
+          <a:off x="0" y="0"/>
+          <a:ext cx="0" cy="0"/>
+          <a:chOff x="0" y="0"/>
+          <a:chExt cx="0" cy="0"/>
+        </a:xfrm>
+      </p:grpSpPr>
+      <p:sp>
+        <p:nvSpPr>
+          <p:cNvPr id="2" name="Title 1">
+            <a:extLst>
+              <a:ext uri="{FF2B5EF4-FFF2-40B4-BE49-F238E27FC236}">
+                <a16:creationId xmlns:a16="http://schemas.microsoft.com/office/drawing/2014/main" id="{CC9BC353-C438-5E40-C3FF-618D49D8A61E}"/>
+              </a:ext>
+            </a:extLst>
+          </p:cNvPr>
+          <p:cNvSpPr>
+            <a:spLocks noGrp="1"/>
+          </p:cNvSpPr>
+          <p:nvPr>
+            <p:ph type="title"/>
+          </p:nvPr>
+        </p:nvSpPr>
+        <p:spPr>
+          <a:xfrm>
+            <a:off x="838200" y="365125"/>
+            <a:ext cx="10515600" cy="720725"/>
+          </a:xfrm>
+        </p:spPr>
+        <p:txBody>
+          <a:bodyPr/>
+          <a:lstStyle/>
+          <a:p>
+            <a:endParaRPr lang="en-GB" dirty="0"/>
+          </a:p>
+        </p:txBody>
+      </p:sp>
+      <p:pic>
+        <p:nvPicPr>
+          <p:cNvPr id="5" name="Picture 4">
+            <a:extLst>
+              <a:ext uri="{FF2B5EF4-FFF2-40B4-BE49-F238E27FC236}">
+                <a16:creationId xmlns:a16="http://schemas.microsoft.com/office/drawing/2014/main" id="{98CF9533-BABB-55BB-1DB2-79C1ABB8F663}"/>
+              </a:ext>
+            </a:extLst>
+          </p:cNvPr>
+          <p:cNvPicPr>
+            <a:picLocks noChangeAspect="1"/>
+          </p:cNvPicPr>
+          <p:nvPr/>
+        </p:nvPicPr>
+        <p:blipFill>
+          <a:blip r:embed="rId2"/>
+          <a:stretch>
+            <a:fillRect/>
+          </a:stretch>
+        </p:blipFill>
+        <p:spPr>
+          <a:xfrm>
+            <a:off x="793750" y="1290395"/>
+            <a:ext cx="3886742" cy="3477110"/>
+          </a:xfrm>
+          <a:prstGeom prst="rect">
+            <a:avLst/>
+          </a:prstGeom>
+        </p:spPr>
+      </p:pic>
+      <p:pic>
+        <p:nvPicPr>
+          <p:cNvPr id="7" name="Picture 6">
+            <a:extLst>
+              <a:ext uri="{FF2B5EF4-FFF2-40B4-BE49-F238E27FC236}">
+                <a16:creationId xmlns:a16="http://schemas.microsoft.com/office/drawing/2014/main" id="{1B13D5C5-E8D9-73FE-CFFB-A0B0D2A8EF6A}"/>
+              </a:ext>
+            </a:extLst>
+          </p:cNvPr>
+          <p:cNvPicPr>
+            <a:picLocks noChangeAspect="1"/>
+          </p:cNvPicPr>
+          <p:nvPr/>
+        </p:nvPicPr>
+        <p:blipFill>
+          <a:blip r:embed="rId3"/>
+          <a:stretch>
+            <a:fillRect/>
+          </a:stretch>
+        </p:blipFill>
+        <p:spPr>
+          <a:xfrm>
+            <a:off x="5095613" y="1193157"/>
+            <a:ext cx="4082057" cy="5029200"/>
+          </a:xfrm>
+          <a:prstGeom prst="rect">
+            <a:avLst/>
+          </a:prstGeom>
+        </p:spPr>
+      </p:pic>
+      <p:pic>
+        <p:nvPicPr>
+          <p:cNvPr id="9" name="Picture 8">
+            <a:extLst>
+              <a:ext uri="{FF2B5EF4-FFF2-40B4-BE49-F238E27FC236}">
+                <a16:creationId xmlns:a16="http://schemas.microsoft.com/office/drawing/2014/main" id="{E2E29D80-8472-864F-1A14-6618E05E385A}"/>
+              </a:ext>
+            </a:extLst>
+          </p:cNvPr>
+          <p:cNvPicPr>
+            <a:picLocks noChangeAspect="1"/>
+          </p:cNvPicPr>
+          <p:nvPr/>
+        </p:nvPicPr>
+        <p:blipFill>
+          <a:blip r:embed="rId4"/>
+          <a:stretch>
+            <a:fillRect/>
+          </a:stretch>
+        </p:blipFill>
+        <p:spPr>
+          <a:xfrm>
+            <a:off x="5095613" y="6222357"/>
+            <a:ext cx="3985272" cy="635643"/>
+          </a:xfrm>
+          <a:prstGeom prst="rect">
+            <a:avLst/>
+          </a:prstGeom>
+        </p:spPr>
+      </p:pic>
+    </p:spTree>
+    <p:extLst>
+      <p:ext uri="{BB962C8B-B14F-4D97-AF65-F5344CB8AC3E}">
+        <p14:creationId xmlns:p14="http://schemas.microsoft.com/office/powerpoint/2010/main" val="3875996855"/>
+      </p:ext>
+    </p:extLst>
+  </p:cSld>
+  <p:clrMapOvr>
+    <a:masterClrMapping/>
+  </p:clrMapOvr>
+</p:sld>
+</file>
+
+<file path=ppt/slides/slide31.xml><?xml version="1.0" encoding="utf-8"?>
+<p:sld xmlns:a="http://schemas.openxmlformats.org/drawingml/2006/main" xmlns:r="http://schemas.openxmlformats.org/officeDocument/2006/relationships" xmlns:p="http://schemas.openxmlformats.org/presentationml/2006/main">
+  <p:cSld>
+    <p:spTree>
+      <p:nvGrpSpPr>
+        <p:cNvPr id="1" name=""/>
+        <p:cNvGrpSpPr/>
+        <p:nvPr/>
+      </p:nvGrpSpPr>
+      <p:grpSpPr>
+        <a:xfrm>
+          <a:off x="0" y="0"/>
+          <a:ext cx="0" cy="0"/>
+          <a:chOff x="0" y="0"/>
+          <a:chExt cx="0" cy="0"/>
+        </a:xfrm>
+      </p:grpSpPr>
+      <p:sp>
+        <p:nvSpPr>
+          <p:cNvPr id="2" name="Title 1">
+            <a:extLst>
+              <a:ext uri="{FF2B5EF4-FFF2-40B4-BE49-F238E27FC236}">
+                <a16:creationId xmlns:a16="http://schemas.microsoft.com/office/drawing/2014/main" id="{5AD2B775-94F1-2712-63F2-C63C14F05B7E}"/>
+              </a:ext>
+            </a:extLst>
+          </p:cNvPr>
+          <p:cNvSpPr>
+            <a:spLocks noGrp="1"/>
+          </p:cNvSpPr>
+          <p:nvPr>
+            <p:ph type="title"/>
+          </p:nvPr>
+        </p:nvSpPr>
+        <p:spPr/>
+        <p:txBody>
+          <a:bodyPr/>
+          <a:lstStyle/>
+          <a:p>
+            <a:endParaRPr lang="en-GB"/>
+          </a:p>
+        </p:txBody>
+      </p:sp>
+      <p:pic>
+        <p:nvPicPr>
+          <p:cNvPr id="7" name="Picture 6">
+            <a:extLst>
+              <a:ext uri="{FF2B5EF4-FFF2-40B4-BE49-F238E27FC236}">
+                <a16:creationId xmlns:a16="http://schemas.microsoft.com/office/drawing/2014/main" id="{3B83AA5B-5185-2773-ECE3-5309334D99EA}"/>
+              </a:ext>
+            </a:extLst>
+          </p:cNvPr>
+          <p:cNvPicPr>
+            <a:picLocks noChangeAspect="1"/>
+          </p:cNvPicPr>
+          <p:nvPr/>
+        </p:nvPicPr>
+        <p:blipFill>
+          <a:blip r:embed="rId2"/>
+          <a:stretch>
+            <a:fillRect/>
+          </a:stretch>
+        </p:blipFill>
+        <p:spPr>
+          <a:xfrm>
+            <a:off x="946150" y="1690688"/>
+            <a:ext cx="7684755" cy="4737847"/>
+          </a:xfrm>
+          <a:prstGeom prst="rect">
+            <a:avLst/>
+          </a:prstGeom>
+        </p:spPr>
+      </p:pic>
+    </p:spTree>
+    <p:extLst>
+      <p:ext uri="{BB962C8B-B14F-4D97-AF65-F5344CB8AC3E}">
+        <p14:creationId xmlns:p14="http://schemas.microsoft.com/office/powerpoint/2010/main" val="1093725443"/>
+      </p:ext>
+    </p:extLst>
+  </p:cSld>
+  <p:clrMapOvr>
+    <a:masterClrMapping/>
+  </p:clrMapOvr>
+</p:sld>
+</file>
+
+<file path=ppt/slides/slide32.xml><?xml version="1.0" encoding="utf-8"?>
+<p:sld xmlns:a="http://schemas.openxmlformats.org/drawingml/2006/main" xmlns:r="http://schemas.openxmlformats.org/officeDocument/2006/relationships" xmlns:p="http://schemas.openxmlformats.org/presentationml/2006/main">
+  <p:cSld>
+    <p:spTree>
+      <p:nvGrpSpPr>
+        <p:cNvPr id="1" name=""/>
+        <p:cNvGrpSpPr/>
+        <p:nvPr/>
+      </p:nvGrpSpPr>
+      <p:grpSpPr>
+        <a:xfrm>
+          <a:off x="0" y="0"/>
+          <a:ext cx="0" cy="0"/>
+          <a:chOff x="0" y="0"/>
+          <a:chExt cx="0" cy="0"/>
+        </a:xfrm>
+      </p:grpSpPr>
+      <p:sp>
+        <p:nvSpPr>
+          <p:cNvPr id="2" name="Title 1">
+            <a:extLst>
+              <a:ext uri="{FF2B5EF4-FFF2-40B4-BE49-F238E27FC236}">
+                <a16:creationId xmlns:a16="http://schemas.microsoft.com/office/drawing/2014/main" id="{6DE57C0E-E6ED-0C5C-8A08-3A79DC12E791}"/>
+              </a:ext>
+            </a:extLst>
+          </p:cNvPr>
+          <p:cNvSpPr>
+            <a:spLocks noGrp="1"/>
+          </p:cNvSpPr>
+          <p:nvPr>
+            <p:ph type="title"/>
+          </p:nvPr>
+        </p:nvSpPr>
+        <p:spPr/>
+        <p:txBody>
+          <a:bodyPr/>
+          <a:lstStyle/>
+          <a:p>
+            <a:endParaRPr lang="en-GB"/>
+          </a:p>
+        </p:txBody>
+      </p:sp>
+      <p:pic>
+        <p:nvPicPr>
+          <p:cNvPr id="5" name="Picture 4">
+            <a:extLst>
+              <a:ext uri="{FF2B5EF4-FFF2-40B4-BE49-F238E27FC236}">
+                <a16:creationId xmlns:a16="http://schemas.microsoft.com/office/drawing/2014/main" id="{4E9E29CB-43C5-F6D1-3EB0-E21010287988}"/>
+              </a:ext>
+            </a:extLst>
+          </p:cNvPr>
+          <p:cNvPicPr>
+            <a:picLocks noChangeAspect="1"/>
+          </p:cNvPicPr>
+          <p:nvPr/>
+        </p:nvPicPr>
+        <p:blipFill>
+          <a:blip r:embed="rId2"/>
+          <a:stretch>
+            <a:fillRect/>
+          </a:stretch>
+        </p:blipFill>
+        <p:spPr>
+          <a:xfrm>
+            <a:off x="838200" y="1927008"/>
+            <a:ext cx="4534533" cy="3105583"/>
+          </a:xfrm>
+          <a:prstGeom prst="rect">
+            <a:avLst/>
+          </a:prstGeom>
+        </p:spPr>
+      </p:pic>
+      <p:pic>
+        <p:nvPicPr>
+          <p:cNvPr id="9" name="Picture 8">
+            <a:extLst>
+              <a:ext uri="{FF2B5EF4-FFF2-40B4-BE49-F238E27FC236}">
+                <a16:creationId xmlns:a16="http://schemas.microsoft.com/office/drawing/2014/main" id="{E05F283C-C78D-A7F1-4AA5-5C3C0BD0ABB2}"/>
+              </a:ext>
+            </a:extLst>
+          </p:cNvPr>
+          <p:cNvPicPr>
+            <a:picLocks noChangeAspect="1"/>
+          </p:cNvPicPr>
+          <p:nvPr/>
+        </p:nvPicPr>
+        <p:blipFill>
+          <a:blip r:embed="rId3"/>
+          <a:stretch>
+            <a:fillRect/>
+          </a:stretch>
+        </p:blipFill>
+        <p:spPr>
+          <a:xfrm>
+            <a:off x="5773505" y="1927008"/>
+            <a:ext cx="3324689" cy="2991267"/>
+          </a:xfrm>
+          <a:prstGeom prst="rect">
+            <a:avLst/>
+          </a:prstGeom>
+        </p:spPr>
+      </p:pic>
+    </p:spTree>
+    <p:extLst>
+      <p:ext uri="{BB962C8B-B14F-4D97-AF65-F5344CB8AC3E}">
+        <p14:creationId xmlns:p14="http://schemas.microsoft.com/office/powerpoint/2010/main" val="1176878744"/>
+      </p:ext>
+    </p:extLst>
+  </p:cSld>
+  <p:clrMapOvr>
+    <a:masterClrMapping/>
+  </p:clrMapOvr>
+</p:sld>
+</file>
+
+<file path=ppt/slides/slide33.xml><?xml version="1.0" encoding="utf-8"?>
+<p:sld xmlns:a="http://schemas.openxmlformats.org/drawingml/2006/main" xmlns:r="http://schemas.openxmlformats.org/officeDocument/2006/relationships" xmlns:p="http://schemas.openxmlformats.org/presentationml/2006/main">
+  <p:cSld>
+    <p:spTree>
+      <p:nvGrpSpPr>
+        <p:cNvPr id="1" name=""/>
+        <p:cNvGrpSpPr/>
+        <p:nvPr/>
+      </p:nvGrpSpPr>
+      <p:grpSpPr>
+        <a:xfrm>
+          <a:off x="0" y="0"/>
+          <a:ext cx="0" cy="0"/>
+          <a:chOff x="0" y="0"/>
+          <a:chExt cx="0" cy="0"/>
+        </a:xfrm>
+      </p:grpSpPr>
+      <p:sp>
+        <p:nvSpPr>
+          <p:cNvPr id="2" name="Title 1">
+            <a:extLst>
+              <a:ext uri="{FF2B5EF4-FFF2-40B4-BE49-F238E27FC236}">
+                <a16:creationId xmlns:a16="http://schemas.microsoft.com/office/drawing/2014/main" id="{01098F21-15EF-C2B8-A81B-F04DD58828E6}"/>
+              </a:ext>
+            </a:extLst>
+          </p:cNvPr>
+          <p:cNvSpPr>
+            <a:spLocks noGrp="1"/>
+          </p:cNvSpPr>
+          <p:nvPr>
+            <p:ph type="title"/>
+          </p:nvPr>
+        </p:nvSpPr>
+        <p:spPr/>
+        <p:txBody>
+          <a:bodyPr/>
+          <a:lstStyle/>
+          <a:p>
+            <a:endParaRPr lang="en-GB"/>
+          </a:p>
+        </p:txBody>
+      </p:sp>
+      <p:pic>
+        <p:nvPicPr>
+          <p:cNvPr id="7" name="Picture 6">
+            <a:extLst>
+              <a:ext uri="{FF2B5EF4-FFF2-40B4-BE49-F238E27FC236}">
+                <a16:creationId xmlns:a16="http://schemas.microsoft.com/office/drawing/2014/main" id="{F96E66AB-08F9-1B4E-D669-B5E75AED9749}"/>
+              </a:ext>
+            </a:extLst>
+          </p:cNvPr>
+          <p:cNvPicPr>
+            <a:picLocks noChangeAspect="1"/>
+          </p:cNvPicPr>
+          <p:nvPr/>
+        </p:nvPicPr>
+        <p:blipFill>
+          <a:blip r:embed="rId2"/>
+          <a:stretch>
+            <a:fillRect/>
+          </a:stretch>
+        </p:blipFill>
+        <p:spPr>
+          <a:xfrm>
+            <a:off x="735365" y="1919077"/>
+            <a:ext cx="7792537" cy="3019846"/>
+          </a:xfrm>
+          <a:prstGeom prst="rect">
+            <a:avLst/>
+          </a:prstGeom>
+        </p:spPr>
+      </p:pic>
+    </p:spTree>
+    <p:extLst>
+      <p:ext uri="{BB962C8B-B14F-4D97-AF65-F5344CB8AC3E}">
+        <p14:creationId xmlns:p14="http://schemas.microsoft.com/office/powerpoint/2010/main" val="790943487"/>
+      </p:ext>
+    </p:extLst>
+  </p:cSld>
+  <p:clrMapOvr>
+    <a:masterClrMapping/>
+  </p:clrMapOvr>
+</p:sld>
+</file>
+
+<file path=ppt/slides/slide34.xml><?xml version="1.0" encoding="utf-8"?>
+<p:sld xmlns:a="http://schemas.openxmlformats.org/drawingml/2006/main" xmlns:r="http://schemas.openxmlformats.org/officeDocument/2006/relationships" xmlns:p="http://schemas.openxmlformats.org/presentationml/2006/main">
+  <p:cSld>
+    <p:spTree>
+      <p:nvGrpSpPr>
+        <p:cNvPr id="1" name=""/>
+        <p:cNvGrpSpPr/>
+        <p:nvPr/>
+      </p:nvGrpSpPr>
+      <p:grpSpPr>
+        <a:xfrm>
+          <a:off x="0" y="0"/>
+          <a:ext cx="0" cy="0"/>
+          <a:chOff x="0" y="0"/>
+          <a:chExt cx="0" cy="0"/>
+        </a:xfrm>
+      </p:grpSpPr>
+      <p:sp>
+        <p:nvSpPr>
+          <p:cNvPr id="2" name="Title 1">
+            <a:extLst>
+              <a:ext uri="{FF2B5EF4-FFF2-40B4-BE49-F238E27FC236}">
+                <a16:creationId xmlns:a16="http://schemas.microsoft.com/office/drawing/2014/main" id="{B6BC1C70-057F-734E-9C24-C01B4041B371}"/>
+              </a:ext>
+            </a:extLst>
+          </p:cNvPr>
+          <p:cNvSpPr>
+            <a:spLocks noGrp="1"/>
+          </p:cNvSpPr>
+          <p:nvPr>
+            <p:ph type="title"/>
+          </p:nvPr>
+        </p:nvSpPr>
+        <p:spPr/>
+        <p:txBody>
+          <a:bodyPr/>
+          <a:lstStyle/>
+          <a:p>
+            <a:endParaRPr lang="en-GB"/>
+          </a:p>
+        </p:txBody>
+      </p:sp>
+      <p:pic>
+        <p:nvPicPr>
+          <p:cNvPr id="5" name="Picture 4">
+            <a:extLst>
+              <a:ext uri="{FF2B5EF4-FFF2-40B4-BE49-F238E27FC236}">
+                <a16:creationId xmlns:a16="http://schemas.microsoft.com/office/drawing/2014/main" id="{2DA5FC5E-D499-8485-A95C-FDE0C63A4EAA}"/>
+              </a:ext>
+            </a:extLst>
+          </p:cNvPr>
+          <p:cNvPicPr>
+            <a:picLocks noChangeAspect="1"/>
+          </p:cNvPicPr>
+          <p:nvPr/>
+        </p:nvPicPr>
+        <p:blipFill>
+          <a:blip r:embed="rId2"/>
+          <a:stretch>
+            <a:fillRect/>
+          </a:stretch>
+        </p:blipFill>
+        <p:spPr>
+          <a:xfrm>
+            <a:off x="838200" y="2003216"/>
+            <a:ext cx="7925906" cy="2991267"/>
+          </a:xfrm>
+          <a:prstGeom prst="rect">
+            <a:avLst/>
+          </a:prstGeom>
+        </p:spPr>
+      </p:pic>
+    </p:spTree>
+    <p:extLst>
+      <p:ext uri="{BB962C8B-B14F-4D97-AF65-F5344CB8AC3E}">
+        <p14:creationId xmlns:p14="http://schemas.microsoft.com/office/powerpoint/2010/main" val="1872683396"/>
+      </p:ext>
+    </p:extLst>
+  </p:cSld>
+  <p:clrMapOvr>
+    <a:masterClrMapping/>
+  </p:clrMapOvr>
+</p:sld>
+</file>
+
+<file path=ppt/slides/slide35.xml><?xml version="1.0" encoding="utf-8"?>
+<p:sld xmlns:a="http://schemas.openxmlformats.org/drawingml/2006/main" xmlns:r="http://schemas.openxmlformats.org/officeDocument/2006/relationships" xmlns:p="http://schemas.openxmlformats.org/presentationml/2006/main">
+  <p:cSld>
+    <p:spTree>
+      <p:nvGrpSpPr>
+        <p:cNvPr id="1" name=""/>
+        <p:cNvGrpSpPr/>
+        <p:nvPr/>
+      </p:nvGrpSpPr>
+      <p:grpSpPr>
+        <a:xfrm>
+          <a:off x="0" y="0"/>
+          <a:ext cx="0" cy="0"/>
+          <a:chOff x="0" y="0"/>
+          <a:chExt cx="0" cy="0"/>
+        </a:xfrm>
+      </p:grpSpPr>
+      <p:sp>
+        <p:nvSpPr>
+          <p:cNvPr id="2" name="Title 1">
+            <a:extLst>
+              <a:ext uri="{FF2B5EF4-FFF2-40B4-BE49-F238E27FC236}">
+                <a16:creationId xmlns:a16="http://schemas.microsoft.com/office/drawing/2014/main" id="{1F47DEB6-EF01-3120-24A4-8BBD1FB57578}"/>
+              </a:ext>
+            </a:extLst>
+          </p:cNvPr>
+          <p:cNvSpPr>
+            <a:spLocks noGrp="1"/>
+          </p:cNvSpPr>
+          <p:nvPr>
+            <p:ph type="title"/>
+          </p:nvPr>
+        </p:nvSpPr>
+        <p:spPr/>
+        <p:txBody>
+          <a:bodyPr/>
+          <a:lstStyle/>
+          <a:p>
+            <a:endParaRPr lang="en-GB"/>
+          </a:p>
+        </p:txBody>
+      </p:sp>
+      <p:pic>
+        <p:nvPicPr>
+          <p:cNvPr id="5" name="Picture 4">
+            <a:extLst>
+              <a:ext uri="{FF2B5EF4-FFF2-40B4-BE49-F238E27FC236}">
+                <a16:creationId xmlns:a16="http://schemas.microsoft.com/office/drawing/2014/main" id="{11ECF972-327A-4F97-74A0-05253F85A127}"/>
+              </a:ext>
+            </a:extLst>
+          </p:cNvPr>
+          <p:cNvPicPr>
+            <a:picLocks noChangeAspect="1"/>
+          </p:cNvPicPr>
+          <p:nvPr/>
+        </p:nvPicPr>
+        <p:blipFill>
+          <a:blip r:embed="rId2"/>
+          <a:stretch>
+            <a:fillRect/>
+          </a:stretch>
+        </p:blipFill>
+        <p:spPr>
+          <a:xfrm>
+            <a:off x="838200" y="1790285"/>
+            <a:ext cx="5989552" cy="4572416"/>
+          </a:xfrm>
+          <a:prstGeom prst="rect">
+            <a:avLst/>
+          </a:prstGeom>
+        </p:spPr>
+      </p:pic>
+    </p:spTree>
+    <p:extLst>
+      <p:ext uri="{BB962C8B-B14F-4D97-AF65-F5344CB8AC3E}">
+        <p14:creationId xmlns:p14="http://schemas.microsoft.com/office/powerpoint/2010/main" val="2560391071"/>
+      </p:ext>
+    </p:extLst>
+  </p:cSld>
+  <p:clrMapOvr>
+    <a:masterClrMapping/>
+  </p:clrMapOvr>
+</p:sld>
+</file>
+
+<file path=ppt/slides/slide36.xml><?xml version="1.0" encoding="utf-8"?>
+<p:sld xmlns:a="http://schemas.openxmlformats.org/drawingml/2006/main" xmlns:r="http://schemas.openxmlformats.org/officeDocument/2006/relationships" xmlns:p="http://schemas.openxmlformats.org/presentationml/2006/main">
+  <p:cSld>
+    <p:spTree>
+      <p:nvGrpSpPr>
+        <p:cNvPr id="1" name=""/>
+        <p:cNvGrpSpPr/>
+        <p:nvPr/>
+      </p:nvGrpSpPr>
+      <p:grpSpPr>
+        <a:xfrm>
+          <a:off x="0" y="0"/>
+          <a:ext cx="0" cy="0"/>
+          <a:chOff x="0" y="0"/>
+          <a:chExt cx="0" cy="0"/>
+        </a:xfrm>
+      </p:grpSpPr>
+      <p:sp>
+        <p:nvSpPr>
+          <p:cNvPr id="2" name="Title 1">
+            <a:extLst>
+              <a:ext uri="{FF2B5EF4-FFF2-40B4-BE49-F238E27FC236}">
+                <a16:creationId xmlns:a16="http://schemas.microsoft.com/office/drawing/2014/main" id="{52608B92-6DB7-0E6B-5B32-CD7D5D3FB6F2}"/>
+              </a:ext>
+            </a:extLst>
+          </p:cNvPr>
+          <p:cNvSpPr>
+            <a:spLocks noGrp="1"/>
+          </p:cNvSpPr>
+          <p:nvPr>
+            <p:ph type="title"/>
+          </p:nvPr>
+        </p:nvSpPr>
+        <p:spPr/>
+        <p:txBody>
+          <a:bodyPr/>
+          <a:lstStyle/>
+          <a:p>
+            <a:endParaRPr lang="en-GB"/>
+          </a:p>
+        </p:txBody>
+      </p:sp>
+      <p:pic>
+        <p:nvPicPr>
+          <p:cNvPr id="5" name="Picture 4">
+            <a:extLst>
+              <a:ext uri="{FF2B5EF4-FFF2-40B4-BE49-F238E27FC236}">
+                <a16:creationId xmlns:a16="http://schemas.microsoft.com/office/drawing/2014/main" id="{61339789-8B29-75CD-AFA6-7EC8F667E8AC}"/>
+              </a:ext>
+            </a:extLst>
+          </p:cNvPr>
+          <p:cNvPicPr>
+            <a:picLocks noChangeAspect="1"/>
+          </p:cNvPicPr>
+          <p:nvPr/>
+        </p:nvPicPr>
+        <p:blipFill>
+          <a:blip r:embed="rId2"/>
+          <a:stretch>
+            <a:fillRect/>
+          </a:stretch>
+        </p:blipFill>
+        <p:spPr>
+          <a:xfrm>
+            <a:off x="838200" y="1815599"/>
+            <a:ext cx="5522843" cy="4624957"/>
+          </a:xfrm>
+          <a:prstGeom prst="rect">
+            <a:avLst/>
+          </a:prstGeom>
+        </p:spPr>
+      </p:pic>
+    </p:spTree>
+    <p:extLst>
+      <p:ext uri="{BB962C8B-B14F-4D97-AF65-F5344CB8AC3E}">
+        <p14:creationId xmlns:p14="http://schemas.microsoft.com/office/powerpoint/2010/main" val="3867661675"/>
+      </p:ext>
+    </p:extLst>
+  </p:cSld>
+  <p:clrMapOvr>
+    <a:masterClrMapping/>
+  </p:clrMapOvr>
+</p:sld>
+</file>
+
+<file path=ppt/slides/slide37.xml><?xml version="1.0" encoding="utf-8"?>
+<p:sld xmlns:a="http://schemas.openxmlformats.org/drawingml/2006/main" xmlns:r="http://schemas.openxmlformats.org/officeDocument/2006/relationships" xmlns:p="http://schemas.openxmlformats.org/presentationml/2006/main">
+  <p:cSld>
+    <p:spTree>
+      <p:nvGrpSpPr>
+        <p:cNvPr id="1" name=""/>
+        <p:cNvGrpSpPr/>
+        <p:nvPr/>
+      </p:nvGrpSpPr>
+      <p:grpSpPr>
+        <a:xfrm>
+          <a:off x="0" y="0"/>
+          <a:ext cx="0" cy="0"/>
+          <a:chOff x="0" y="0"/>
+          <a:chExt cx="0" cy="0"/>
+        </a:xfrm>
+      </p:grpSpPr>
+      <p:pic>
+        <p:nvPicPr>
+          <p:cNvPr id="4" name="Picture 3">
+            <a:extLst>
+              <a:ext uri="{FF2B5EF4-FFF2-40B4-BE49-F238E27FC236}">
+                <a16:creationId xmlns:a16="http://schemas.microsoft.com/office/drawing/2014/main" id="{C620F762-982D-B558-D5F3-56E373D721E2}"/>
+              </a:ext>
+            </a:extLst>
+          </p:cNvPr>
+          <p:cNvPicPr>
+            <a:picLocks noChangeAspect="1"/>
+          </p:cNvPicPr>
+          <p:nvPr/>
+        </p:nvPicPr>
+        <p:blipFill>
+          <a:blip r:embed="rId2"/>
+          <a:stretch>
+            <a:fillRect/>
+          </a:stretch>
+        </p:blipFill>
+        <p:spPr>
+          <a:xfrm>
+            <a:off x="769961" y="746801"/>
+            <a:ext cx="6125430" cy="4667901"/>
+          </a:xfrm>
+          <a:prstGeom prst="rect">
+            <a:avLst/>
+          </a:prstGeom>
+        </p:spPr>
+      </p:pic>
+      <p:pic>
+        <p:nvPicPr>
+          <p:cNvPr id="7" name="Picture 6">
+            <a:extLst>
+              <a:ext uri="{FF2B5EF4-FFF2-40B4-BE49-F238E27FC236}">
+                <a16:creationId xmlns:a16="http://schemas.microsoft.com/office/drawing/2014/main" id="{96010772-6395-544A-4139-63C997FE9452}"/>
+              </a:ext>
+            </a:extLst>
+          </p:cNvPr>
+          <p:cNvPicPr>
+            <a:picLocks noChangeAspect="1"/>
+          </p:cNvPicPr>
+          <p:nvPr/>
+        </p:nvPicPr>
+        <p:blipFill>
+          <a:blip r:embed="rId3"/>
+          <a:stretch>
+            <a:fillRect/>
+          </a:stretch>
+        </p:blipFill>
+        <p:spPr>
+          <a:xfrm>
+            <a:off x="830447" y="5763488"/>
+            <a:ext cx="4143953" cy="695422"/>
+          </a:xfrm>
+          <a:prstGeom prst="rect">
+            <a:avLst/>
+          </a:prstGeom>
+        </p:spPr>
+      </p:pic>
+    </p:spTree>
+    <p:extLst>
+      <p:ext uri="{BB962C8B-B14F-4D97-AF65-F5344CB8AC3E}">
+        <p14:creationId xmlns:p14="http://schemas.microsoft.com/office/powerpoint/2010/main" val="643992851"/>
+      </p:ext>
+    </p:extLst>
+  </p:cSld>
+  <p:clrMapOvr>
+    <a:masterClrMapping/>
+  </p:clrMapOvr>
+</p:sld>
+</file>
+
+<file path=ppt/slides/slide38.xml><?xml version="1.0" encoding="utf-8"?>
+<p:sld xmlns:a="http://schemas.openxmlformats.org/drawingml/2006/main" xmlns:r="http://schemas.openxmlformats.org/officeDocument/2006/relationships" xmlns:p="http://schemas.openxmlformats.org/presentationml/2006/main">
+  <p:cSld>
+    <p:spTree>
+      <p:nvGrpSpPr>
+        <p:cNvPr id="1" name=""/>
+        <p:cNvGrpSpPr/>
+        <p:nvPr/>
+      </p:nvGrpSpPr>
+      <p:grpSpPr>
+        <a:xfrm>
+          <a:off x="0" y="0"/>
+          <a:ext cx="0" cy="0"/>
+          <a:chOff x="0" y="0"/>
+          <a:chExt cx="0" cy="0"/>
+        </a:xfrm>
+      </p:grpSpPr>
+      <p:sp>
+        <p:nvSpPr>
+          <p:cNvPr id="2" name="Title 1">
+            <a:extLst>
+              <a:ext uri="{FF2B5EF4-FFF2-40B4-BE49-F238E27FC236}">
+                <a16:creationId xmlns:a16="http://schemas.microsoft.com/office/drawing/2014/main" id="{DCD86764-00F4-6C9A-2130-D553A9C0F19A}"/>
+              </a:ext>
+            </a:extLst>
+          </p:cNvPr>
+          <p:cNvSpPr>
+            <a:spLocks noGrp="1"/>
+          </p:cNvSpPr>
+          <p:nvPr>
+            <p:ph type="title"/>
+          </p:nvPr>
+        </p:nvSpPr>
+        <p:spPr/>
+        <p:txBody>
+          <a:bodyPr/>
+          <a:lstStyle/>
+          <a:p>
+            <a:endParaRPr lang="en-GB"/>
+          </a:p>
+        </p:txBody>
+      </p:sp>
+      <p:pic>
+        <p:nvPicPr>
+          <p:cNvPr id="5" name="Picture 4">
+            <a:extLst>
+              <a:ext uri="{FF2B5EF4-FFF2-40B4-BE49-F238E27FC236}">
+                <a16:creationId xmlns:a16="http://schemas.microsoft.com/office/drawing/2014/main" id="{01F14550-5C09-F373-F95E-3C987FFBF0B3}"/>
+              </a:ext>
+            </a:extLst>
+          </p:cNvPr>
+          <p:cNvPicPr>
+            <a:picLocks noChangeAspect="1"/>
+          </p:cNvPicPr>
+          <p:nvPr/>
+        </p:nvPicPr>
+        <p:blipFill>
+          <a:blip r:embed="rId2"/>
+          <a:stretch>
+            <a:fillRect/>
+          </a:stretch>
+        </p:blipFill>
+        <p:spPr>
+          <a:xfrm>
+            <a:off x="2458156" y="2101572"/>
+            <a:ext cx="6064562" cy="4229317"/>
+          </a:xfrm>
+          <a:prstGeom prst="rect">
+            <a:avLst/>
+          </a:prstGeom>
+        </p:spPr>
+      </p:pic>
+    </p:spTree>
+    <p:extLst>
+      <p:ext uri="{BB962C8B-B14F-4D97-AF65-F5344CB8AC3E}">
+        <p14:creationId xmlns:p14="http://schemas.microsoft.com/office/powerpoint/2010/main" val="703544363"/>
+      </p:ext>
+    </p:extLst>
+  </p:cSld>
+  <p:clrMapOvr>
+    <a:masterClrMapping/>
+  </p:clrMapOvr>
+</p:sld>
+</file>
+
+<file path=ppt/slides/slide39.xml><?xml version="1.0" encoding="utf-8"?>
+<p:sld xmlns:a="http://schemas.openxmlformats.org/drawingml/2006/main" xmlns:r="http://schemas.openxmlformats.org/officeDocument/2006/relationships" xmlns:p="http://schemas.openxmlformats.org/presentationml/2006/main">
+  <p:cSld>
+    <p:spTree>
+      <p:nvGrpSpPr>
+        <p:cNvPr id="1" name=""/>
+        <p:cNvGrpSpPr/>
+        <p:nvPr/>
+      </p:nvGrpSpPr>
+      <p:grpSpPr>
+        <a:xfrm>
+          <a:off x="0" y="0"/>
+          <a:ext cx="0" cy="0"/>
+          <a:chOff x="0" y="0"/>
+          <a:chExt cx="0" cy="0"/>
+        </a:xfrm>
+      </p:grpSpPr>
+      <p:sp>
+        <p:nvSpPr>
+          <p:cNvPr id="2" name="Title 1">
+            <a:extLst>
+              <a:ext uri="{FF2B5EF4-FFF2-40B4-BE49-F238E27FC236}">
+                <a16:creationId xmlns:a16="http://schemas.microsoft.com/office/drawing/2014/main" id="{DCD86764-00F4-6C9A-2130-D553A9C0F19A}"/>
+              </a:ext>
+            </a:extLst>
+          </p:cNvPr>
+          <p:cNvSpPr>
+            <a:spLocks noGrp="1"/>
+          </p:cNvSpPr>
+          <p:nvPr>
+            <p:ph type="title"/>
+          </p:nvPr>
+        </p:nvSpPr>
+        <p:spPr/>
+        <p:txBody>
+          <a:bodyPr/>
+          <a:lstStyle/>
+          <a:p>
+            <a:endParaRPr lang="en-GB"/>
+          </a:p>
+        </p:txBody>
+      </p:sp>
+      <p:pic>
+        <p:nvPicPr>
+          <p:cNvPr id="6" name="Picture 5">
+            <a:extLst>
+              <a:ext uri="{FF2B5EF4-FFF2-40B4-BE49-F238E27FC236}">
+                <a16:creationId xmlns:a16="http://schemas.microsoft.com/office/drawing/2014/main" id="{47C005FD-6EF0-7A3C-6393-F6C7EBDD05A8}"/>
+              </a:ext>
+            </a:extLst>
+          </p:cNvPr>
+          <p:cNvPicPr>
+            <a:picLocks noChangeAspect="1"/>
+          </p:cNvPicPr>
+          <p:nvPr/>
+        </p:nvPicPr>
+        <p:blipFill>
+          <a:blip r:embed="rId2"/>
+          <a:stretch>
+            <a:fillRect/>
+          </a:stretch>
+        </p:blipFill>
+        <p:spPr>
+          <a:xfrm>
+            <a:off x="371181" y="958723"/>
+            <a:ext cx="11449638" cy="4940554"/>
+          </a:xfrm>
+          <a:prstGeom prst="rect">
+            <a:avLst/>
+          </a:prstGeom>
+        </p:spPr>
+      </p:pic>
+    </p:spTree>
+    <p:extLst>
+      <p:ext uri="{BB962C8B-B14F-4D97-AF65-F5344CB8AC3E}">
+        <p14:creationId xmlns:p14="http://schemas.microsoft.com/office/powerpoint/2010/main" val="224514564"/>
+      </p:ext>
+    </p:extLst>
+  </p:cSld>
+  <p:clrMapOvr>
+    <a:masterClrMapping/>
+  </p:clrMapOvr>
+</p:sld>
+</file>
+
+<file path=ppt/slides/slide4.xml><?xml version="1.0" encoding="utf-8"?>
 <p:sld xmlns:a="http://schemas.openxmlformats.org/drawingml/2006/main" xmlns:r="http://schemas.openxmlformats.org/officeDocument/2006/relationships" xmlns:p="http://schemas.openxmlformats.org/presentationml/2006/main">
   <p:cSld>
     <p:spTree>
@@ -7034,7 +9288,7 @@
 </p:sld>
 </file>
 
-<file path=ppt/slides/slide20.xml><?xml version="1.0" encoding="utf-8"?>
+<file path=ppt/slides/slide40.xml><?xml version="1.0" encoding="utf-8"?>
 <p:sld xmlns:a="http://schemas.openxmlformats.org/drawingml/2006/main" xmlns:r="http://schemas.openxmlformats.org/officeDocument/2006/relationships" xmlns:p="http://schemas.openxmlformats.org/presentationml/2006/main">
   <p:cSld>
     <p:spTree>
@@ -7056,7 +9310,7 @@
           <p:cNvPr id="2" name="Title 1">
             <a:extLst>
               <a:ext uri="{FF2B5EF4-FFF2-40B4-BE49-F238E27FC236}">
-                <a16:creationId xmlns:a16="http://schemas.microsoft.com/office/drawing/2014/main" id="{18E77E9E-521E-D666-1172-EA04863A7EE5}"/>
+                <a16:creationId xmlns:a16="http://schemas.microsoft.com/office/drawing/2014/main" id="{DCD86764-00F4-6C9A-2130-D553A9C0F19A}"/>
               </a:ext>
             </a:extLst>
           </p:cNvPr>
@@ -7078,10 +9332,10 @@
       </p:sp>
       <p:pic>
         <p:nvPicPr>
-          <p:cNvPr id="5" name="Picture 4">
-            <a:extLst>
-              <a:ext uri="{FF2B5EF4-FFF2-40B4-BE49-F238E27FC236}">
-                <a16:creationId xmlns:a16="http://schemas.microsoft.com/office/drawing/2014/main" id="{7F29A0FD-412A-4FF6-269A-9279CA60F87E}"/>
+          <p:cNvPr id="4" name="Picture 3">
+            <a:extLst>
+              <a:ext uri="{FF2B5EF4-FFF2-40B4-BE49-F238E27FC236}">
+                <a16:creationId xmlns:a16="http://schemas.microsoft.com/office/drawing/2014/main" id="{1228FCC1-0C76-DB22-35FF-1D59981CB3E8}"/>
               </a:ext>
             </a:extLst>
           </p:cNvPr>
@@ -7098,8 +9352,8 @@
         </p:blipFill>
         <p:spPr>
           <a:xfrm>
-            <a:off x="838200" y="1861257"/>
-            <a:ext cx="7687645" cy="3135485"/>
+            <a:off x="838200" y="2026892"/>
+            <a:ext cx="3968954" cy="2101958"/>
           </a:xfrm>
           <a:prstGeom prst="rect">
             <a:avLst/>
@@ -7109,7 +9363,7 @@
     </p:spTree>
     <p:extLst>
       <p:ext uri="{BB962C8B-B14F-4D97-AF65-F5344CB8AC3E}">
-        <p14:creationId xmlns:p14="http://schemas.microsoft.com/office/powerpoint/2010/main" val="1708826250"/>
+        <p14:creationId xmlns:p14="http://schemas.microsoft.com/office/powerpoint/2010/main" val="460359469"/>
       </p:ext>
     </p:extLst>
   </p:cSld>
@@ -7119,7 +9373,7 @@
 </p:sld>
 </file>
 
-<file path=ppt/slides/slide21.xml><?xml version="1.0" encoding="utf-8"?>
+<file path=ppt/slides/slide41.xml><?xml version="1.0" encoding="utf-8"?>
 <p:sld xmlns:a="http://schemas.openxmlformats.org/drawingml/2006/main" xmlns:r="http://schemas.openxmlformats.org/officeDocument/2006/relationships" xmlns:p="http://schemas.openxmlformats.org/presentationml/2006/main">
   <p:cSld>
     <p:spTree>
@@ -7141,7 +9395,7 @@
           <p:cNvPr id="2" name="Title 1">
             <a:extLst>
               <a:ext uri="{FF2B5EF4-FFF2-40B4-BE49-F238E27FC236}">
-                <a16:creationId xmlns:a16="http://schemas.microsoft.com/office/drawing/2014/main" id="{7B0F8EF9-2F8A-D280-EAA2-35BAC51A2A4E}"/>
+                <a16:creationId xmlns:a16="http://schemas.microsoft.com/office/drawing/2014/main" id="{A5469F7B-5F47-517F-D218-DF1E89BBB790}"/>
               </a:ext>
             </a:extLst>
           </p:cNvPr>
@@ -7157,74 +9411,67 @@
           <a:bodyPr/>
           <a:lstStyle/>
           <a:p>
-            <a:endParaRPr lang="en-GB"/>
-          </a:p>
-        </p:txBody>
-      </p:sp>
-      <p:pic>
-        <p:nvPicPr>
-          <p:cNvPr id="5" name="Picture 4">
-            <a:extLst>
-              <a:ext uri="{FF2B5EF4-FFF2-40B4-BE49-F238E27FC236}">
-                <a16:creationId xmlns:a16="http://schemas.microsoft.com/office/drawing/2014/main" id="{E42CB9A0-0A1D-2247-2FB8-AB5F4B227001}"/>
-              </a:ext>
-            </a:extLst>
-          </p:cNvPr>
-          <p:cNvPicPr>
-            <a:picLocks noChangeAspect="1"/>
-          </p:cNvPicPr>
-          <p:nvPr/>
-        </p:nvPicPr>
-        <p:blipFill>
-          <a:blip r:embed="rId2"/>
-          <a:stretch>
-            <a:fillRect/>
-          </a:stretch>
-        </p:blipFill>
-        <p:spPr>
-          <a:xfrm>
-            <a:off x="838200" y="1833324"/>
-            <a:ext cx="3448531" cy="3419952"/>
-          </a:xfrm>
-          <a:prstGeom prst="rect">
-            <a:avLst/>
-          </a:prstGeom>
-        </p:spPr>
-      </p:pic>
-      <p:pic>
-        <p:nvPicPr>
-          <p:cNvPr id="7" name="Picture 6">
-            <a:extLst>
-              <a:ext uri="{FF2B5EF4-FFF2-40B4-BE49-F238E27FC236}">
-                <a16:creationId xmlns:a16="http://schemas.microsoft.com/office/drawing/2014/main" id="{22FBDBA8-7F16-79C5-84FF-B4B16E5DB3DB}"/>
-              </a:ext>
-            </a:extLst>
-          </p:cNvPr>
-          <p:cNvPicPr>
-            <a:picLocks noChangeAspect="1"/>
-          </p:cNvPicPr>
-          <p:nvPr/>
-        </p:nvPicPr>
-        <p:blipFill>
-          <a:blip r:embed="rId3"/>
-          <a:stretch>
-            <a:fillRect/>
-          </a:stretch>
-        </p:blipFill>
-        <p:spPr>
-          <a:xfrm>
-            <a:off x="5063397" y="1833324"/>
-            <a:ext cx="3790680" cy="4951789"/>
-          </a:xfrm>
-          <a:prstGeom prst="rect">
-            <a:avLst/>
-          </a:prstGeom>
-        </p:spPr>
-      </p:pic>
+            <a:r>
+              <a:rPr lang="en-GB" dirty="0"/>
+              <a:t>Python</a:t>
+            </a:r>
+          </a:p>
+        </p:txBody>
+      </p:sp>
+      <p:sp>
+        <p:nvSpPr>
+          <p:cNvPr id="3" name="Content Placeholder 2">
+            <a:extLst>
+              <a:ext uri="{FF2B5EF4-FFF2-40B4-BE49-F238E27FC236}">
+                <a16:creationId xmlns:a16="http://schemas.microsoft.com/office/drawing/2014/main" id="{D887FE72-3475-5DF9-893F-927B7A1BBC5F}"/>
+              </a:ext>
+            </a:extLst>
+          </p:cNvPr>
+          <p:cNvSpPr>
+            <a:spLocks noGrp="1"/>
+          </p:cNvSpPr>
+          <p:nvPr>
+            <p:ph idx="1"/>
+          </p:nvPr>
+        </p:nvSpPr>
+        <p:spPr/>
+        <p:txBody>
+          <a:bodyPr>
+            <a:normAutofit/>
+          </a:bodyPr>
+          <a:lstStyle/>
+          <a:p>
+            <a:r>
+              <a:rPr lang="en-GB" dirty="0"/>
+              <a:t>Use Anaconda</a:t>
+            </a:r>
+          </a:p>
+          <a:p>
+            <a:r>
+              <a:rPr lang="en-GB" dirty="0"/>
+              <a:t>Use </a:t>
+            </a:r>
+            <a:r>
+              <a:rPr lang="en-GB" dirty="0" err="1"/>
+              <a:t>conda</a:t>
+            </a:r>
+            <a:r>
+              <a:rPr lang="en-GB" dirty="0"/>
+              <a:t> to create environment</a:t>
+            </a:r>
+          </a:p>
+          <a:p>
+            <a:r>
+              <a:rPr lang="en-GB" dirty="0"/>
+              <a:t>Might need to enable Long Paths</a:t>
+            </a:r>
+          </a:p>
+        </p:txBody>
+      </p:sp>
     </p:spTree>
     <p:extLst>
       <p:ext uri="{BB962C8B-B14F-4D97-AF65-F5344CB8AC3E}">
-        <p14:creationId xmlns:p14="http://schemas.microsoft.com/office/powerpoint/2010/main" val="497924248"/>
+        <p14:creationId xmlns:p14="http://schemas.microsoft.com/office/powerpoint/2010/main" val="3256889448"/>
       </p:ext>
     </p:extLst>
   </p:cSld>
@@ -7234,7 +9481,7 @@
 </p:sld>
 </file>
 
-<file path=ppt/slides/slide22.xml><?xml version="1.0" encoding="utf-8"?>
+<file path=ppt/slides/slide42.xml><?xml version="1.0" encoding="utf-8"?>
 <p:sld xmlns:a="http://schemas.openxmlformats.org/drawingml/2006/main" xmlns:r="http://schemas.openxmlformats.org/officeDocument/2006/relationships" xmlns:p="http://schemas.openxmlformats.org/presentationml/2006/main">
   <p:cSld>
     <p:spTree>
@@ -7256,7 +9503,7 @@
           <p:cNvPr id="2" name="Title 1">
             <a:extLst>
               <a:ext uri="{FF2B5EF4-FFF2-40B4-BE49-F238E27FC236}">
-                <a16:creationId xmlns:a16="http://schemas.microsoft.com/office/drawing/2014/main" id="{BADBA536-C8EA-CDEE-0412-CCBD65C8D699}"/>
+                <a16:creationId xmlns:a16="http://schemas.microsoft.com/office/drawing/2014/main" id="{A46B4437-F99E-881D-8C11-C63B2CC3EA49}"/>
               </a:ext>
             </a:extLst>
           </p:cNvPr>
@@ -7272,7 +9519,10 @@
           <a:bodyPr/>
           <a:lstStyle/>
           <a:p>
-            <a:endParaRPr lang="en-GB"/>
+            <a:r>
+              <a:rPr lang="en-GB" dirty="0"/>
+              <a:t>Anaconda install</a:t>
+            </a:r>
           </a:p>
         </p:txBody>
       </p:sp>
@@ -7281,7 +9531,7 @@
           <p:cNvPr id="5" name="Picture 4">
             <a:extLst>
               <a:ext uri="{FF2B5EF4-FFF2-40B4-BE49-F238E27FC236}">
-                <a16:creationId xmlns:a16="http://schemas.microsoft.com/office/drawing/2014/main" id="{E3EE5837-9DE7-1C2A-DF3F-960FA55EC81F}"/>
+                <a16:creationId xmlns:a16="http://schemas.microsoft.com/office/drawing/2014/main" id="{3E636616-F386-FFD4-F9FB-6B28F76C082E}"/>
               </a:ext>
             </a:extLst>
           </p:cNvPr>
@@ -7298,8 +9548,8 @@
         </p:blipFill>
         <p:spPr>
           <a:xfrm>
-            <a:off x="838200" y="1957174"/>
-            <a:ext cx="5534797" cy="3057952"/>
+            <a:off x="1701475" y="2249242"/>
+            <a:ext cx="4648849" cy="3515216"/>
           </a:xfrm>
           <a:prstGeom prst="rect">
             <a:avLst/>
@@ -7309,7 +9559,7 @@
     </p:spTree>
     <p:extLst>
       <p:ext uri="{BB962C8B-B14F-4D97-AF65-F5344CB8AC3E}">
-        <p14:creationId xmlns:p14="http://schemas.microsoft.com/office/powerpoint/2010/main" val="711803047"/>
+        <p14:creationId xmlns:p14="http://schemas.microsoft.com/office/powerpoint/2010/main" val="1102189768"/>
       </p:ext>
     </p:extLst>
   </p:cSld>
@@ -7319,7 +9569,7 @@
 </p:sld>
 </file>
 
-<file path=ppt/slides/slide23.xml><?xml version="1.0" encoding="utf-8"?>
+<file path=ppt/slides/slide43.xml><?xml version="1.0" encoding="utf-8"?>
 <p:sld xmlns:a="http://schemas.openxmlformats.org/drawingml/2006/main" xmlns:r="http://schemas.openxmlformats.org/officeDocument/2006/relationships" xmlns:p="http://schemas.openxmlformats.org/presentationml/2006/main">
   <p:cSld>
     <p:spTree>
@@ -7341,7 +9591,7 @@
           <p:cNvPr id="2" name="Title 1">
             <a:extLst>
               <a:ext uri="{FF2B5EF4-FFF2-40B4-BE49-F238E27FC236}">
-                <a16:creationId xmlns:a16="http://schemas.microsoft.com/office/drawing/2014/main" id="{A9BC8783-6E9D-F9AF-AB14-9E9E3094A2C0}"/>
+                <a16:creationId xmlns:a16="http://schemas.microsoft.com/office/drawing/2014/main" id="{08BA6218-7C2E-0654-E7FF-890943A38659}"/>
               </a:ext>
             </a:extLst>
           </p:cNvPr>
@@ -7352,84 +9602,26 @@
             <p:ph type="title"/>
           </p:nvPr>
         </p:nvSpPr>
-        <p:spPr>
-          <a:xfrm>
-            <a:off x="838200" y="365126"/>
-            <a:ext cx="9913883" cy="742436"/>
-          </a:xfrm>
-        </p:spPr>
+        <p:spPr/>
         <p:txBody>
           <a:bodyPr/>
           <a:lstStyle/>
           <a:p>
-            <a:endParaRPr lang="en-GB" dirty="0"/>
-          </a:p>
-        </p:txBody>
-      </p:sp>
-      <p:pic>
-        <p:nvPicPr>
-          <p:cNvPr id="5" name="Picture 4">
-            <a:extLst>
-              <a:ext uri="{FF2B5EF4-FFF2-40B4-BE49-F238E27FC236}">
-                <a16:creationId xmlns:a16="http://schemas.microsoft.com/office/drawing/2014/main" id="{B325228D-734D-34AB-D4A0-E0F5BD95DCAD}"/>
-              </a:ext>
-            </a:extLst>
-          </p:cNvPr>
-          <p:cNvPicPr>
-            <a:picLocks noChangeAspect="1"/>
-          </p:cNvPicPr>
-          <p:nvPr/>
-        </p:nvPicPr>
-        <p:blipFill>
-          <a:blip r:embed="rId2"/>
-          <a:stretch>
-            <a:fillRect/>
-          </a:stretch>
-        </p:blipFill>
-        <p:spPr>
-          <a:xfrm>
-            <a:off x="838200" y="2150805"/>
-            <a:ext cx="3991532" cy="3686689"/>
-          </a:xfrm>
-          <a:prstGeom prst="rect">
-            <a:avLst/>
-          </a:prstGeom>
-        </p:spPr>
-      </p:pic>
-      <p:pic>
-        <p:nvPicPr>
-          <p:cNvPr id="7" name="Picture 6">
-            <a:extLst>
-              <a:ext uri="{FF2B5EF4-FFF2-40B4-BE49-F238E27FC236}">
-                <a16:creationId xmlns:a16="http://schemas.microsoft.com/office/drawing/2014/main" id="{287A7ABC-D1AE-E170-A2A6-6470EE734A0D}"/>
-              </a:ext>
-            </a:extLst>
-          </p:cNvPr>
-          <p:cNvPicPr>
-            <a:picLocks noChangeAspect="1"/>
-          </p:cNvPicPr>
-          <p:nvPr/>
-        </p:nvPicPr>
-        <p:blipFill>
-          <a:blip r:embed="rId3"/>
-          <a:stretch>
-            <a:fillRect/>
-          </a:stretch>
-        </p:blipFill>
-        <p:spPr>
-          <a:xfrm>
-            <a:off x="5879816" y="1107561"/>
-            <a:ext cx="1695515" cy="5586608"/>
-          </a:xfrm>
-          <a:prstGeom prst="rect">
-            <a:avLst/>
-          </a:prstGeom>
-        </p:spPr>
-      </p:pic>
+            <a:r>
+              <a:rPr lang="en-GB" dirty="0" err="1"/>
+              <a:t>Conda</a:t>
+            </a:r>
+            <a:r>
+              <a:rPr lang="en-GB" dirty="0"/>
+              <a:t> demo</a:t>
+            </a:r>
+          </a:p>
+        </p:txBody>
+      </p:sp>
     </p:spTree>
     <p:extLst>
       <p:ext uri="{BB962C8B-B14F-4D97-AF65-F5344CB8AC3E}">
-        <p14:creationId xmlns:p14="http://schemas.microsoft.com/office/powerpoint/2010/main" val="2631230412"/>
+        <p14:creationId xmlns:p14="http://schemas.microsoft.com/office/powerpoint/2010/main" val="349260128"/>
       </p:ext>
     </p:extLst>
   </p:cSld>
@@ -7439,7 +9631,7 @@
 </p:sld>
 </file>
 
-<file path=ppt/slides/slide24.xml><?xml version="1.0" encoding="utf-8"?>
+<file path=ppt/slides/slide44.xml><?xml version="1.0" encoding="utf-8"?>
 <p:sld xmlns:a="http://schemas.openxmlformats.org/drawingml/2006/main" xmlns:r="http://schemas.openxmlformats.org/officeDocument/2006/relationships" xmlns:p="http://schemas.openxmlformats.org/presentationml/2006/main">
   <p:cSld>
     <p:spTree>
@@ -7461,7 +9653,7 @@
           <p:cNvPr id="2" name="Title 1">
             <a:extLst>
               <a:ext uri="{FF2B5EF4-FFF2-40B4-BE49-F238E27FC236}">
-                <a16:creationId xmlns:a16="http://schemas.microsoft.com/office/drawing/2014/main" id="{21017636-EA3E-8FEF-99A9-52E40CE4CEE3}"/>
+                <a16:creationId xmlns:a16="http://schemas.microsoft.com/office/drawing/2014/main" id="{A5469F7B-5F47-517F-D218-DF1E89BBB790}"/>
               </a:ext>
             </a:extLst>
           </p:cNvPr>
@@ -7477,44 +9669,112 @@
           <a:bodyPr/>
           <a:lstStyle/>
           <a:p>
-            <a:endParaRPr lang="en-GB"/>
-          </a:p>
-        </p:txBody>
-      </p:sp>
-      <p:pic>
-        <p:nvPicPr>
-          <p:cNvPr id="4" name="Picture 3">
-            <a:extLst>
-              <a:ext uri="{FF2B5EF4-FFF2-40B4-BE49-F238E27FC236}">
-                <a16:creationId xmlns:a16="http://schemas.microsoft.com/office/drawing/2014/main" id="{4F69654C-6DA8-2205-4B70-B0177BA26CE7}"/>
-              </a:ext>
-            </a:extLst>
-          </p:cNvPr>
-          <p:cNvPicPr>
-            <a:picLocks noChangeAspect="1"/>
-          </p:cNvPicPr>
-          <p:nvPr/>
-        </p:nvPicPr>
-        <p:blipFill>
-          <a:blip r:embed="rId2"/>
-          <a:stretch>
-            <a:fillRect/>
-          </a:stretch>
-        </p:blipFill>
-        <p:spPr>
-          <a:xfrm>
-            <a:off x="3139923" y="2035103"/>
-            <a:ext cx="5912154" cy="2787793"/>
-          </a:xfrm>
-          <a:prstGeom prst="rect">
-            <a:avLst/>
-          </a:prstGeom>
-        </p:spPr>
-      </p:pic>
+            <a:r>
+              <a:rPr lang="en-GB" dirty="0" err="1"/>
+              <a:t>PySpark</a:t>
+            </a:r>
+            <a:r>
+              <a:rPr lang="en-GB" dirty="0"/>
+              <a:t> Pre-requisites</a:t>
+            </a:r>
+          </a:p>
+        </p:txBody>
+      </p:sp>
+      <p:sp>
+        <p:nvSpPr>
+          <p:cNvPr id="3" name="Content Placeholder 2">
+            <a:extLst>
+              <a:ext uri="{FF2B5EF4-FFF2-40B4-BE49-F238E27FC236}">
+                <a16:creationId xmlns:a16="http://schemas.microsoft.com/office/drawing/2014/main" id="{D887FE72-3475-5DF9-893F-927B7A1BBC5F}"/>
+              </a:ext>
+            </a:extLst>
+          </p:cNvPr>
+          <p:cNvSpPr>
+            <a:spLocks noGrp="1"/>
+          </p:cNvSpPr>
+          <p:nvPr>
+            <p:ph idx="1"/>
+          </p:nvPr>
+        </p:nvSpPr>
+        <p:spPr/>
+        <p:txBody>
+          <a:bodyPr>
+            <a:normAutofit/>
+          </a:bodyPr>
+          <a:lstStyle/>
+          <a:p>
+            <a:r>
+              <a:rPr lang="en-GB" dirty="0"/>
+              <a:t>Install Java (not v 21)</a:t>
+            </a:r>
+          </a:p>
+          <a:p>
+            <a:r>
+              <a:rPr lang="en-GB" dirty="0"/>
+              <a:t>Set paths</a:t>
+            </a:r>
+          </a:p>
+          <a:p>
+            <a:pPr lvl="1"/>
+            <a:r>
+              <a:rPr lang="en-GB" dirty="0"/>
+              <a:t>JAVA_HOME</a:t>
+            </a:r>
+          </a:p>
+          <a:p>
+            <a:pPr lvl="1"/>
+            <a:r>
+              <a:rPr lang="en-GB" dirty="0"/>
+              <a:t>PATH</a:t>
+            </a:r>
+          </a:p>
+          <a:p>
+            <a:pPr lvl="1"/>
+            <a:endParaRPr lang="en-GB" dirty="0"/>
+          </a:p>
+          <a:p>
+            <a:r>
+              <a:rPr lang="en-GB" dirty="0"/>
+              <a:t>Install Apache Spark</a:t>
+            </a:r>
+          </a:p>
+          <a:p>
+            <a:r>
+              <a:rPr lang="en-GB" dirty="0"/>
+              <a:t>Install winutils.exe</a:t>
+            </a:r>
+          </a:p>
+          <a:p>
+            <a:r>
+              <a:rPr lang="en-GB" dirty="0"/>
+              <a:t>Create virtual environment</a:t>
+            </a:r>
+          </a:p>
+          <a:p>
+            <a:r>
+              <a:rPr lang="en-GB" dirty="0"/>
+              <a:t>Instructions: </a:t>
+            </a:r>
+            <a:r>
+              <a:rPr lang="en-GB" dirty="0">
+                <a:hlinkClick r:id="rId2"/>
+              </a:rPr>
+              <a:t>https://sparkbyexamples.com/pyspark-tutorial/</a:t>
+            </a:r>
+            <a:endParaRPr lang="en-GB" dirty="0"/>
+          </a:p>
+          <a:p>
+            <a:pPr marL="0" indent="0">
+              <a:buNone/>
+            </a:pPr>
+            <a:endParaRPr lang="en-GB" dirty="0"/>
+          </a:p>
+        </p:txBody>
+      </p:sp>
     </p:spTree>
     <p:extLst>
       <p:ext uri="{BB962C8B-B14F-4D97-AF65-F5344CB8AC3E}">
-        <p14:creationId xmlns:p14="http://schemas.microsoft.com/office/powerpoint/2010/main" val="1718911435"/>
+        <p14:creationId xmlns:p14="http://schemas.microsoft.com/office/powerpoint/2010/main" val="662787998"/>
       </p:ext>
     </p:extLst>
   </p:cSld>
@@ -7524,7 +9784,7 @@
 </p:sld>
 </file>
 
-<file path=ppt/slides/slide25.xml><?xml version="1.0" encoding="utf-8"?>
+<file path=ppt/slides/slide45.xml><?xml version="1.0" encoding="utf-8"?>
 <p:sld xmlns:a="http://schemas.openxmlformats.org/drawingml/2006/main" xmlns:r="http://schemas.openxmlformats.org/officeDocument/2006/relationships" xmlns:p="http://schemas.openxmlformats.org/presentationml/2006/main">
   <p:cSld>
     <p:spTree>
@@ -7546,7 +9806,7 @@
           <p:cNvPr id="2" name="Title 1">
             <a:extLst>
               <a:ext uri="{FF2B5EF4-FFF2-40B4-BE49-F238E27FC236}">
-                <a16:creationId xmlns:a16="http://schemas.microsoft.com/office/drawing/2014/main" id="{21017636-EA3E-8FEF-99A9-52E40CE4CEE3}"/>
+                <a16:creationId xmlns:a16="http://schemas.microsoft.com/office/drawing/2014/main" id="{A5469F7B-5F47-517F-D218-DF1E89BBB790}"/>
               </a:ext>
             </a:extLst>
           </p:cNvPr>
@@ -7557,15 +9817,42 @@
             <p:ph type="title"/>
           </p:nvPr>
         </p:nvSpPr>
-        <p:spPr>
-          <a:xfrm>
-            <a:off x="838200" y="365125"/>
-            <a:ext cx="9310991" cy="566593"/>
-          </a:xfrm>
-        </p:spPr>
+        <p:spPr/>
+        <p:txBody>
+          <a:bodyPr/>
+          <a:lstStyle/>
+          <a:p>
+            <a:r>
+              <a:rPr lang="en-GB" dirty="0" err="1"/>
+              <a:t>PySpark</a:t>
+            </a:r>
+            <a:r>
+              <a:rPr lang="en-GB" dirty="0"/>
+              <a:t> Demo</a:t>
+            </a:r>
+          </a:p>
+        </p:txBody>
+      </p:sp>
+      <p:sp>
+        <p:nvSpPr>
+          <p:cNvPr id="3" name="Content Placeholder 2">
+            <a:extLst>
+              <a:ext uri="{FF2B5EF4-FFF2-40B4-BE49-F238E27FC236}">
+                <a16:creationId xmlns:a16="http://schemas.microsoft.com/office/drawing/2014/main" id="{D887FE72-3475-5DF9-893F-927B7A1BBC5F}"/>
+              </a:ext>
+            </a:extLst>
+          </p:cNvPr>
+          <p:cNvSpPr>
+            <a:spLocks noGrp="1"/>
+          </p:cNvSpPr>
+          <p:nvPr>
+            <p:ph idx="1"/>
+          </p:nvPr>
+        </p:nvSpPr>
+        <p:spPr/>
         <p:txBody>
           <a:bodyPr>
-            <a:normAutofit fontScale="90000"/>
+            <a:normAutofit/>
           </a:bodyPr>
           <a:lstStyle/>
           <a:p>
@@ -7573,40 +9860,10 @@
           </a:p>
         </p:txBody>
       </p:sp>
-      <p:pic>
-        <p:nvPicPr>
-          <p:cNvPr id="5" name="Picture 4">
-            <a:extLst>
-              <a:ext uri="{FF2B5EF4-FFF2-40B4-BE49-F238E27FC236}">
-                <a16:creationId xmlns:a16="http://schemas.microsoft.com/office/drawing/2014/main" id="{8F5E4456-8C4D-4A3F-7FEB-51C36B0663E7}"/>
-              </a:ext>
-            </a:extLst>
-          </p:cNvPr>
-          <p:cNvPicPr>
-            <a:picLocks noChangeAspect="1"/>
-          </p:cNvPicPr>
-          <p:nvPr/>
-        </p:nvPicPr>
-        <p:blipFill>
-          <a:blip r:embed="rId2"/>
-          <a:stretch>
-            <a:fillRect/>
-          </a:stretch>
-        </p:blipFill>
-        <p:spPr>
-          <a:xfrm>
-            <a:off x="1906620" y="931718"/>
-            <a:ext cx="8583805" cy="5116791"/>
-          </a:xfrm>
-          <a:prstGeom prst="rect">
-            <a:avLst/>
-          </a:prstGeom>
-        </p:spPr>
-      </p:pic>
     </p:spTree>
     <p:extLst>
       <p:ext uri="{BB962C8B-B14F-4D97-AF65-F5344CB8AC3E}">
-        <p14:creationId xmlns:p14="http://schemas.microsoft.com/office/powerpoint/2010/main" val="3447463729"/>
+        <p14:creationId xmlns:p14="http://schemas.microsoft.com/office/powerpoint/2010/main" val="3082836330"/>
       </p:ext>
     </p:extLst>
   </p:cSld>
@@ -7616,7 +9873,7 @@
 </p:sld>
 </file>
 
-<file path=ppt/slides/slide26.xml><?xml version="1.0" encoding="utf-8"?>
+<file path=ppt/slides/slide46.xml><?xml version="1.0" encoding="utf-8"?>
 <p:sld xmlns:a="http://schemas.openxmlformats.org/drawingml/2006/main" xmlns:r="http://schemas.openxmlformats.org/officeDocument/2006/relationships" xmlns:p="http://schemas.openxmlformats.org/presentationml/2006/main">
   <p:cSld>
     <p:spTree>
@@ -7638,7 +9895,7 @@
           <p:cNvPr id="2" name="Title 1">
             <a:extLst>
               <a:ext uri="{FF2B5EF4-FFF2-40B4-BE49-F238E27FC236}">
-                <a16:creationId xmlns:a16="http://schemas.microsoft.com/office/drawing/2014/main" id="{F34501D7-A5A1-B14C-9DF8-33D23D87D92F}"/>
+                <a16:creationId xmlns:a16="http://schemas.microsoft.com/office/drawing/2014/main" id="{E44CED87-DE61-C816-A3B2-E63F5185A2FF}"/>
               </a:ext>
             </a:extLst>
           </p:cNvPr>
@@ -7660,10 +9917,10 @@
       </p:sp>
       <p:pic>
         <p:nvPicPr>
-          <p:cNvPr id="7" name="Picture 6">
-            <a:extLst>
-              <a:ext uri="{FF2B5EF4-FFF2-40B4-BE49-F238E27FC236}">
-                <a16:creationId xmlns:a16="http://schemas.microsoft.com/office/drawing/2014/main" id="{EA47DFE6-D2F8-294E-C3D2-1D0F0F663C9E}"/>
+          <p:cNvPr id="5" name="Picture 4">
+            <a:extLst>
+              <a:ext uri="{FF2B5EF4-FFF2-40B4-BE49-F238E27FC236}">
+                <a16:creationId xmlns:a16="http://schemas.microsoft.com/office/drawing/2014/main" id="{BBCCA8A9-2EA6-13E9-862D-2FC11BA269AD}"/>
               </a:ext>
             </a:extLst>
           </p:cNvPr>
@@ -7680,8 +9937,8 @@
         </p:blipFill>
         <p:spPr>
           <a:xfrm>
-            <a:off x="838200" y="1901595"/>
-            <a:ext cx="4620270" cy="3296110"/>
+            <a:off x="1207931" y="2120132"/>
+            <a:ext cx="4239217" cy="1819529"/>
           </a:xfrm>
           <a:prstGeom prst="rect">
             <a:avLst/>
@@ -7691,7 +9948,7 @@
     </p:spTree>
     <p:extLst>
       <p:ext uri="{BB962C8B-B14F-4D97-AF65-F5344CB8AC3E}">
-        <p14:creationId xmlns:p14="http://schemas.microsoft.com/office/powerpoint/2010/main" val="421378720"/>
+        <p14:creationId xmlns:p14="http://schemas.microsoft.com/office/powerpoint/2010/main" val="1601142253"/>
       </p:ext>
     </p:extLst>
   </p:cSld>
@@ -7701,7 +9958,7 @@
 </p:sld>
 </file>
 
-<file path=ppt/slides/slide27.xml><?xml version="1.0" encoding="utf-8"?>
+<file path=ppt/slides/slide47.xml><?xml version="1.0" encoding="utf-8"?>
 <p:sld xmlns:a="http://schemas.openxmlformats.org/drawingml/2006/main" xmlns:r="http://schemas.openxmlformats.org/officeDocument/2006/relationships" xmlns:p="http://schemas.openxmlformats.org/presentationml/2006/main">
   <p:cSld>
     <p:spTree>
@@ -7723,7 +9980,7 @@
           <p:cNvPr id="2" name="Title 1">
             <a:extLst>
               <a:ext uri="{FF2B5EF4-FFF2-40B4-BE49-F238E27FC236}">
-                <a16:creationId xmlns:a16="http://schemas.microsoft.com/office/drawing/2014/main" id="{17BD5C91-DAB1-7FBB-913D-94307751905E}"/>
+                <a16:creationId xmlns:a16="http://schemas.microsoft.com/office/drawing/2014/main" id="{C28F207F-86B4-1AD4-474C-5449AA952C4B}"/>
               </a:ext>
             </a:extLst>
           </p:cNvPr>
@@ -7739,44 +9996,59 @@
           <a:bodyPr/>
           <a:lstStyle/>
           <a:p>
-            <a:endParaRPr lang="en-GB"/>
-          </a:p>
-        </p:txBody>
-      </p:sp>
-      <p:pic>
-        <p:nvPicPr>
-          <p:cNvPr id="5" name="Picture 4">
-            <a:extLst>
-              <a:ext uri="{FF2B5EF4-FFF2-40B4-BE49-F238E27FC236}">
-                <a16:creationId xmlns:a16="http://schemas.microsoft.com/office/drawing/2014/main" id="{2D893F72-E3F8-15FB-AECC-87A573F8324B}"/>
-              </a:ext>
-            </a:extLst>
-          </p:cNvPr>
-          <p:cNvPicPr>
-            <a:picLocks noChangeAspect="1"/>
-          </p:cNvPicPr>
-          <p:nvPr/>
-        </p:nvPicPr>
-        <p:blipFill>
-          <a:blip r:embed="rId2"/>
-          <a:stretch>
-            <a:fillRect/>
-          </a:stretch>
-        </p:blipFill>
-        <p:spPr>
-          <a:xfrm>
-            <a:off x="838200" y="1765300"/>
-            <a:ext cx="4785329" cy="4727575"/>
-          </a:xfrm>
-          <a:prstGeom prst="rect">
-            <a:avLst/>
-          </a:prstGeom>
-        </p:spPr>
-      </p:pic>
+            <a:r>
+              <a:rPr lang="en-GB" dirty="0"/>
+              <a:t>Follow-up Resources</a:t>
+            </a:r>
+          </a:p>
+        </p:txBody>
+      </p:sp>
+      <p:sp>
+        <p:nvSpPr>
+          <p:cNvPr id="3" name="Content Placeholder 2">
+            <a:extLst>
+              <a:ext uri="{FF2B5EF4-FFF2-40B4-BE49-F238E27FC236}">
+                <a16:creationId xmlns:a16="http://schemas.microsoft.com/office/drawing/2014/main" id="{15D17D37-C8BB-FEFD-88D1-4110C76AEF74}"/>
+              </a:ext>
+            </a:extLst>
+          </p:cNvPr>
+          <p:cNvSpPr>
+            <a:spLocks noGrp="1"/>
+          </p:cNvSpPr>
+          <p:nvPr>
+            <p:ph idx="1"/>
+          </p:nvPr>
+        </p:nvSpPr>
+        <p:spPr/>
+        <p:txBody>
+          <a:bodyPr>
+            <a:normAutofit/>
+          </a:bodyPr>
+          <a:lstStyle/>
+          <a:p>
+            <a:r>
+              <a:rPr lang="en-GB" sz="1800" dirty="0"/>
+              <a:t>Repo: https://github.com/phil-a10/Talks/tree/main/Data%20Engineering%20Using%20Free%20Tools</a:t>
+            </a:r>
+          </a:p>
+          <a:p>
+            <a:r>
+              <a:rPr lang="en-GB" sz="1800" dirty="0"/>
+              <a:t>Microsoft Learn: https://learn.microsoft.com/en-us/training/career-paths/data-engineer</a:t>
+            </a:r>
+          </a:p>
+          <a:p>
+            <a:r>
+              <a:rPr lang="en-GB" sz="1800" dirty="0"/>
+              <a:t>Kimball books</a:t>
+            </a:r>
+          </a:p>
+        </p:txBody>
+      </p:sp>
     </p:spTree>
     <p:extLst>
       <p:ext uri="{BB962C8B-B14F-4D97-AF65-F5344CB8AC3E}">
-        <p14:creationId xmlns:p14="http://schemas.microsoft.com/office/powerpoint/2010/main" val="1072295273"/>
+        <p14:creationId xmlns:p14="http://schemas.microsoft.com/office/powerpoint/2010/main" val="558925432"/>
       </p:ext>
     </p:extLst>
   </p:cSld>
@@ -7786,7 +10058,7 @@
 </p:sld>
 </file>
 
-<file path=ppt/slides/slide28.xml><?xml version="1.0" encoding="utf-8"?>
+<file path=ppt/slides/slide48.xml><?xml version="1.0" encoding="utf-8"?>
 <p:sld xmlns:a="http://schemas.openxmlformats.org/drawingml/2006/main" xmlns:r="http://schemas.openxmlformats.org/officeDocument/2006/relationships" xmlns:p="http://schemas.openxmlformats.org/presentationml/2006/main">
   <p:cSld>
     <p:spTree>
@@ -7808,7 +10080,7 @@
           <p:cNvPr id="2" name="Title 1">
             <a:extLst>
               <a:ext uri="{FF2B5EF4-FFF2-40B4-BE49-F238E27FC236}">
-                <a16:creationId xmlns:a16="http://schemas.microsoft.com/office/drawing/2014/main" id="{C728E01E-BAF5-6A80-20F1-087955496E37}"/>
+                <a16:creationId xmlns:a16="http://schemas.microsoft.com/office/drawing/2014/main" id="{6461F12C-8296-BADA-FD56-149E96554D1E}"/>
               </a:ext>
             </a:extLst>
           </p:cNvPr>
@@ -7822,51 +10094,27 @@
         <p:spPr>
           <a:xfrm>
             <a:off x="838200" y="365125"/>
-            <a:ext cx="10515600" cy="733425"/>
+            <a:ext cx="10439400" cy="5940425"/>
           </a:xfrm>
         </p:spPr>
         <p:txBody>
-          <a:bodyPr/>
-          <a:lstStyle/>
-          <a:p>
-            <a:endParaRPr lang="en-GB" dirty="0"/>
-          </a:p>
-        </p:txBody>
-      </p:sp>
-      <p:pic>
-        <p:nvPicPr>
-          <p:cNvPr id="7" name="Picture 6">
-            <a:extLst>
-              <a:ext uri="{FF2B5EF4-FFF2-40B4-BE49-F238E27FC236}">
-                <a16:creationId xmlns:a16="http://schemas.microsoft.com/office/drawing/2014/main" id="{EDA007C6-36BF-6222-5B1A-03A1BE3F57A1}"/>
-              </a:ext>
-            </a:extLst>
-          </p:cNvPr>
-          <p:cNvPicPr>
-            <a:picLocks noChangeAspect="1"/>
-          </p:cNvPicPr>
-          <p:nvPr/>
-        </p:nvPicPr>
-        <p:blipFill>
-          <a:blip r:embed="rId3"/>
-          <a:stretch>
-            <a:fillRect/>
-          </a:stretch>
-        </p:blipFill>
-        <p:spPr>
-          <a:xfrm>
-            <a:off x="838200" y="1098550"/>
-            <a:ext cx="2711450" cy="5440198"/>
-          </a:xfrm>
-          <a:prstGeom prst="rect">
-            <a:avLst/>
-          </a:prstGeom>
-        </p:spPr>
-      </p:pic>
+          <a:bodyPr>
+            <a:normAutofit/>
+          </a:bodyPr>
+          <a:lstStyle/>
+          <a:p>
+            <a:pPr algn="ctr"/>
+            <a:r>
+              <a:rPr lang="en-GB" sz="8800" dirty="0"/>
+              <a:t>END</a:t>
+            </a:r>
+          </a:p>
+        </p:txBody>
+      </p:sp>
     </p:spTree>
     <p:extLst>
       <p:ext uri="{BB962C8B-B14F-4D97-AF65-F5344CB8AC3E}">
-        <p14:creationId xmlns:p14="http://schemas.microsoft.com/office/powerpoint/2010/main" val="4274672877"/>
+        <p14:creationId xmlns:p14="http://schemas.microsoft.com/office/powerpoint/2010/main" val="3703701476"/>
       </p:ext>
     </p:extLst>
   </p:cSld>
@@ -7876,7 +10124,7 @@
 </p:sld>
 </file>
 
-<file path=ppt/slides/slide29.xml><?xml version="1.0" encoding="utf-8"?>
+<file path=ppt/slides/slide49.xml><?xml version="1.0" encoding="utf-8"?>
 <p:sld xmlns:a="http://schemas.openxmlformats.org/drawingml/2006/main" xmlns:r="http://schemas.openxmlformats.org/officeDocument/2006/relationships" xmlns:p="http://schemas.openxmlformats.org/presentationml/2006/main">
   <p:cSld>
     <p:spTree>
@@ -7898,7 +10146,7 @@
           <p:cNvPr id="2" name="Title 1">
             <a:extLst>
               <a:ext uri="{FF2B5EF4-FFF2-40B4-BE49-F238E27FC236}">
-                <a16:creationId xmlns:a16="http://schemas.microsoft.com/office/drawing/2014/main" id="{CC9BC353-C438-5E40-C3FF-618D49D8A61E}"/>
+                <a16:creationId xmlns:a16="http://schemas.microsoft.com/office/drawing/2014/main" id="{C3969D66-3483-9BE2-7840-401EA06DCA64}"/>
               </a:ext>
             </a:extLst>
           </p:cNvPr>
@@ -7909,17 +10157,12 @@
             <p:ph type="title"/>
           </p:nvPr>
         </p:nvSpPr>
-        <p:spPr>
-          <a:xfrm>
-            <a:off x="838200" y="365125"/>
-            <a:ext cx="10515600" cy="720725"/>
-          </a:xfrm>
-        </p:spPr>
+        <p:spPr/>
         <p:txBody>
           <a:bodyPr/>
           <a:lstStyle/>
           <a:p>
-            <a:endParaRPr lang="en-GB" dirty="0"/>
+            <a:endParaRPr lang="en-GB"/>
           </a:p>
         </p:txBody>
       </p:sp>
@@ -7928,37 +10171,7 @@
           <p:cNvPr id="5" name="Picture 4">
             <a:extLst>
               <a:ext uri="{FF2B5EF4-FFF2-40B4-BE49-F238E27FC236}">
-                <a16:creationId xmlns:a16="http://schemas.microsoft.com/office/drawing/2014/main" id="{98CF9533-BABB-55BB-1DB2-79C1ABB8F663}"/>
-              </a:ext>
-            </a:extLst>
-          </p:cNvPr>
-          <p:cNvPicPr>
-            <a:picLocks noChangeAspect="1"/>
-          </p:cNvPicPr>
-          <p:nvPr/>
-        </p:nvPicPr>
-        <p:blipFill>
-          <a:blip r:embed="rId2"/>
-          <a:stretch>
-            <a:fillRect/>
-          </a:stretch>
-        </p:blipFill>
-        <p:spPr>
-          <a:xfrm>
-            <a:off x="793750" y="1290395"/>
-            <a:ext cx="3886742" cy="3477110"/>
-          </a:xfrm>
-          <a:prstGeom prst="rect">
-            <a:avLst/>
-          </a:prstGeom>
-        </p:spPr>
-      </p:pic>
-      <p:pic>
-        <p:nvPicPr>
-          <p:cNvPr id="7" name="Picture 6">
-            <a:extLst>
-              <a:ext uri="{FF2B5EF4-FFF2-40B4-BE49-F238E27FC236}">
-                <a16:creationId xmlns:a16="http://schemas.microsoft.com/office/drawing/2014/main" id="{1B13D5C5-E8D9-73FE-CFFB-A0B0D2A8EF6A}"/>
+                <a16:creationId xmlns:a16="http://schemas.microsoft.com/office/drawing/2014/main" id="{2A36F57A-EBEF-472A-C1FC-9EA3E640B70A}"/>
               </a:ext>
             </a:extLst>
           </p:cNvPr>
@@ -7975,38 +10188,8 @@
         </p:blipFill>
         <p:spPr>
           <a:xfrm>
-            <a:off x="5095613" y="1193157"/>
-            <a:ext cx="4082057" cy="5029200"/>
-          </a:xfrm>
-          <a:prstGeom prst="rect">
-            <a:avLst/>
-          </a:prstGeom>
-        </p:spPr>
-      </p:pic>
-      <p:pic>
-        <p:nvPicPr>
-          <p:cNvPr id="9" name="Picture 8">
-            <a:extLst>
-              <a:ext uri="{FF2B5EF4-FFF2-40B4-BE49-F238E27FC236}">
-                <a16:creationId xmlns:a16="http://schemas.microsoft.com/office/drawing/2014/main" id="{E2E29D80-8472-864F-1A14-6618E05E385A}"/>
-              </a:ext>
-            </a:extLst>
-          </p:cNvPr>
-          <p:cNvPicPr>
-            <a:picLocks noChangeAspect="1"/>
-          </p:cNvPicPr>
-          <p:nvPr/>
-        </p:nvPicPr>
-        <p:blipFill>
-          <a:blip r:embed="rId4"/>
-          <a:stretch>
-            <a:fillRect/>
-          </a:stretch>
-        </p:blipFill>
-        <p:spPr>
-          <a:xfrm>
-            <a:off x="5095613" y="6222357"/>
-            <a:ext cx="3985272" cy="635643"/>
+            <a:off x="838200" y="2042237"/>
+            <a:ext cx="2959252" cy="3187864"/>
           </a:xfrm>
           <a:prstGeom prst="rect">
             <a:avLst/>
@@ -8016,7 +10199,7 @@
     </p:spTree>
     <p:extLst>
       <p:ext uri="{BB962C8B-B14F-4D97-AF65-F5344CB8AC3E}">
-        <p14:creationId xmlns:p14="http://schemas.microsoft.com/office/powerpoint/2010/main" val="3875996855"/>
+        <p14:creationId xmlns:p14="http://schemas.microsoft.com/office/powerpoint/2010/main" val="2682671986"/>
       </p:ext>
     </p:extLst>
   </p:cSld>
@@ -8026,7 +10209,7 @@
 </p:sld>
 </file>
 
-<file path=ppt/slides/slide3.xml><?xml version="1.0" encoding="utf-8"?>
+<file path=ppt/slides/slide5.xml><?xml version="1.0" encoding="utf-8"?>
 <p:sld xmlns:a="http://schemas.openxmlformats.org/drawingml/2006/main" xmlns:r="http://schemas.openxmlformats.org/officeDocument/2006/relationships" xmlns:p="http://schemas.openxmlformats.org/presentationml/2006/main">
   <p:cSld>
     <p:spTree>
@@ -8114,7 +10297,7 @@
 </p:sld>
 </file>
 
-<file path=ppt/slides/slide30.xml><?xml version="1.0" encoding="utf-8"?>
+<file path=ppt/slides/slide50.xml><?xml version="1.0" encoding="utf-8"?>
 <p:sld xmlns:a="http://schemas.openxmlformats.org/drawingml/2006/main" xmlns:r="http://schemas.openxmlformats.org/officeDocument/2006/relationships" xmlns:p="http://schemas.openxmlformats.org/presentationml/2006/main">
   <p:cSld>
     <p:spTree>
@@ -8136,7 +10319,7 @@
           <p:cNvPr id="2" name="Title 1">
             <a:extLst>
               <a:ext uri="{FF2B5EF4-FFF2-40B4-BE49-F238E27FC236}">
-                <a16:creationId xmlns:a16="http://schemas.microsoft.com/office/drawing/2014/main" id="{5AD2B775-94F1-2712-63F2-C63C14F05B7E}"/>
+                <a16:creationId xmlns:a16="http://schemas.microsoft.com/office/drawing/2014/main" id="{E54C7220-D4E8-C4CE-9F41-17CBBA3E9D1F}"/>
               </a:ext>
             </a:extLst>
           </p:cNvPr>
@@ -8158,10 +10341,10 @@
       </p:sp>
       <p:pic>
         <p:nvPicPr>
-          <p:cNvPr id="7" name="Picture 6">
-            <a:extLst>
-              <a:ext uri="{FF2B5EF4-FFF2-40B4-BE49-F238E27FC236}">
-                <a16:creationId xmlns:a16="http://schemas.microsoft.com/office/drawing/2014/main" id="{3B83AA5B-5185-2773-ECE3-5309334D99EA}"/>
+          <p:cNvPr id="5" name="Picture 4">
+            <a:extLst>
+              <a:ext uri="{FF2B5EF4-FFF2-40B4-BE49-F238E27FC236}">
+                <a16:creationId xmlns:a16="http://schemas.microsoft.com/office/drawing/2014/main" id="{1DE6EA73-5C07-A441-9C79-2FAF0206876C}"/>
               </a:ext>
             </a:extLst>
           </p:cNvPr>
@@ -8178,8 +10361,68 @@
         </p:blipFill>
         <p:spPr>
           <a:xfrm>
-            <a:off x="946150" y="1690688"/>
-            <a:ext cx="7684755" cy="4737847"/>
+            <a:off x="2197359" y="1549342"/>
+            <a:ext cx="7550538" cy="2235315"/>
+          </a:xfrm>
+          <a:prstGeom prst="rect">
+            <a:avLst/>
+          </a:prstGeom>
+        </p:spPr>
+      </p:pic>
+      <p:pic>
+        <p:nvPicPr>
+          <p:cNvPr id="7" name="Picture 6">
+            <a:extLst>
+              <a:ext uri="{FF2B5EF4-FFF2-40B4-BE49-F238E27FC236}">
+                <a16:creationId xmlns:a16="http://schemas.microsoft.com/office/drawing/2014/main" id="{357DCD06-D3F9-B3E6-6147-8B555688ED76}"/>
+              </a:ext>
+            </a:extLst>
+          </p:cNvPr>
+          <p:cNvPicPr>
+            <a:picLocks noChangeAspect="1"/>
+          </p:cNvPicPr>
+          <p:nvPr/>
+        </p:nvPicPr>
+        <p:blipFill>
+          <a:blip r:embed="rId3"/>
+          <a:stretch>
+            <a:fillRect/>
+          </a:stretch>
+        </p:blipFill>
+        <p:spPr>
+          <a:xfrm>
+            <a:off x="2197359" y="4302102"/>
+            <a:ext cx="2921150" cy="895396"/>
+          </a:xfrm>
+          <a:prstGeom prst="rect">
+            <a:avLst/>
+          </a:prstGeom>
+        </p:spPr>
+      </p:pic>
+      <p:pic>
+        <p:nvPicPr>
+          <p:cNvPr id="9" name="Picture 8">
+            <a:extLst>
+              <a:ext uri="{FF2B5EF4-FFF2-40B4-BE49-F238E27FC236}">
+                <a16:creationId xmlns:a16="http://schemas.microsoft.com/office/drawing/2014/main" id="{C0E1A8B2-FE52-27DA-F7DB-CAD822372C31}"/>
+              </a:ext>
+            </a:extLst>
+          </p:cNvPr>
+          <p:cNvPicPr>
+            <a:picLocks noChangeAspect="1"/>
+          </p:cNvPicPr>
+          <p:nvPr/>
+        </p:nvPicPr>
+        <p:blipFill>
+          <a:blip r:embed="rId4"/>
+          <a:stretch>
+            <a:fillRect/>
+          </a:stretch>
+        </p:blipFill>
+        <p:spPr>
+          <a:xfrm>
+            <a:off x="2197359" y="5714943"/>
+            <a:ext cx="2254366" cy="806491"/>
           </a:xfrm>
           <a:prstGeom prst="rect">
             <a:avLst/>
@@ -8189,7 +10432,7 @@
     </p:spTree>
     <p:extLst>
       <p:ext uri="{BB962C8B-B14F-4D97-AF65-F5344CB8AC3E}">
-        <p14:creationId xmlns:p14="http://schemas.microsoft.com/office/powerpoint/2010/main" val="1093725443"/>
+        <p14:creationId xmlns:p14="http://schemas.microsoft.com/office/powerpoint/2010/main" val="2308371639"/>
       </p:ext>
     </p:extLst>
   </p:cSld>
@@ -8199,7 +10442,7 @@
 </p:sld>
 </file>
 
-<file path=ppt/slides/slide31.xml><?xml version="1.0" encoding="utf-8"?>
+<file path=ppt/slides/slide51.xml><?xml version="1.0" encoding="utf-8"?>
 <p:sld xmlns:a="http://schemas.openxmlformats.org/drawingml/2006/main" xmlns:r="http://schemas.openxmlformats.org/officeDocument/2006/relationships" xmlns:p="http://schemas.openxmlformats.org/presentationml/2006/main">
   <p:cSld>
     <p:spTree>
@@ -8221,7 +10464,7 @@
           <p:cNvPr id="2" name="Title 1">
             <a:extLst>
               <a:ext uri="{FF2B5EF4-FFF2-40B4-BE49-F238E27FC236}">
-                <a16:creationId xmlns:a16="http://schemas.microsoft.com/office/drawing/2014/main" id="{6DE57C0E-E6ED-0C5C-8A08-3A79DC12E791}"/>
+                <a16:creationId xmlns:a16="http://schemas.microsoft.com/office/drawing/2014/main" id="{721D1864-1AA2-D6DD-A480-FBC15302FDFD}"/>
               </a:ext>
             </a:extLst>
           </p:cNvPr>
@@ -8237,7 +10480,10 @@
           <a:bodyPr/>
           <a:lstStyle/>
           <a:p>
-            <a:endParaRPr lang="en-GB"/>
+            <a:r>
+              <a:rPr lang="en-GB" dirty="0"/>
+              <a:t>SQL Express!</a:t>
+            </a:r>
           </a:p>
         </p:txBody>
       </p:sp>
@@ -8246,7 +10492,7 @@
           <p:cNvPr id="5" name="Picture 4">
             <a:extLst>
               <a:ext uri="{FF2B5EF4-FFF2-40B4-BE49-F238E27FC236}">
-                <a16:creationId xmlns:a16="http://schemas.microsoft.com/office/drawing/2014/main" id="{4E9E29CB-43C5-F6D1-3EB0-E21010287988}"/>
+                <a16:creationId xmlns:a16="http://schemas.microsoft.com/office/drawing/2014/main" id="{448D210F-2791-BB01-3E4C-209625B18617}"/>
               </a:ext>
             </a:extLst>
           </p:cNvPr>
@@ -8263,48 +10509,53 @@
         </p:blipFill>
         <p:spPr>
           <a:xfrm>
-            <a:off x="838200" y="1927008"/>
-            <a:ext cx="4534533" cy="3105583"/>
+            <a:off x="838200" y="2620727"/>
+            <a:ext cx="7525137" cy="2076557"/>
           </a:xfrm>
           <a:prstGeom prst="rect">
             <a:avLst/>
           </a:prstGeom>
         </p:spPr>
       </p:pic>
-      <p:pic>
-        <p:nvPicPr>
-          <p:cNvPr id="9" name="Picture 8">
-            <a:extLst>
-              <a:ext uri="{FF2B5EF4-FFF2-40B4-BE49-F238E27FC236}">
-                <a16:creationId xmlns:a16="http://schemas.microsoft.com/office/drawing/2014/main" id="{E05F283C-C78D-A7F1-4AA5-5C3C0BD0ABB2}"/>
-              </a:ext>
-            </a:extLst>
-          </p:cNvPr>
-          <p:cNvPicPr>
-            <a:picLocks noChangeAspect="1"/>
-          </p:cNvPicPr>
+      <p:sp>
+        <p:nvSpPr>
+          <p:cNvPr id="7" name="TextBox 6">
+            <a:extLst>
+              <a:ext uri="{FF2B5EF4-FFF2-40B4-BE49-F238E27FC236}">
+                <a16:creationId xmlns:a16="http://schemas.microsoft.com/office/drawing/2014/main" id="{C2A7AA09-D58C-3AA6-7B91-08BDBC8B6CF0}"/>
+              </a:ext>
+            </a:extLst>
+          </p:cNvPr>
+          <p:cNvSpPr txBox="1"/>
           <p:nvPr/>
-        </p:nvPicPr>
-        <p:blipFill>
-          <a:blip r:embed="rId3"/>
-          <a:stretch>
-            <a:fillRect/>
-          </a:stretch>
-        </p:blipFill>
+        </p:nvSpPr>
         <p:spPr>
           <a:xfrm>
-            <a:off x="5773505" y="1927008"/>
-            <a:ext cx="3324689" cy="2991267"/>
+            <a:off x="838200" y="1791385"/>
+            <a:ext cx="9296787" cy="369332"/>
           </a:xfrm>
           <a:prstGeom prst="rect">
             <a:avLst/>
           </a:prstGeom>
+          <a:noFill/>
         </p:spPr>
-      </p:pic>
+        <p:txBody>
+          <a:bodyPr wrap="square">
+            <a:spAutoFit/>
+          </a:bodyPr>
+          <a:lstStyle/>
+          <a:p>
+            <a:r>
+              <a:rPr lang="en-GB" dirty="0"/>
+              <a:t>https://www.microsoft.com/en-us/download/details.aspx?id=104781&amp;lc=1033</a:t>
+            </a:r>
+          </a:p>
+        </p:txBody>
+      </p:sp>
     </p:spTree>
     <p:extLst>
       <p:ext uri="{BB962C8B-B14F-4D97-AF65-F5344CB8AC3E}">
-        <p14:creationId xmlns:p14="http://schemas.microsoft.com/office/powerpoint/2010/main" val="1176878744"/>
+        <p14:creationId xmlns:p14="http://schemas.microsoft.com/office/powerpoint/2010/main" val="309386999"/>
       </p:ext>
     </p:extLst>
   </p:cSld>
@@ -8314,7 +10565,7 @@
 </p:sld>
 </file>
 
-<file path=ppt/slides/slide32.xml><?xml version="1.0" encoding="utf-8"?>
+<file path=ppt/slides/slide52.xml><?xml version="1.0" encoding="utf-8"?>
 <p:sld xmlns:a="http://schemas.openxmlformats.org/drawingml/2006/main" xmlns:r="http://schemas.openxmlformats.org/officeDocument/2006/relationships" xmlns:p="http://schemas.openxmlformats.org/presentationml/2006/main">
   <p:cSld>
     <p:spTree>
@@ -8336,7 +10587,7 @@
           <p:cNvPr id="2" name="Title 1">
             <a:extLst>
               <a:ext uri="{FF2B5EF4-FFF2-40B4-BE49-F238E27FC236}">
-                <a16:creationId xmlns:a16="http://schemas.microsoft.com/office/drawing/2014/main" id="{01098F21-15EF-C2B8-A81B-F04DD58828E6}"/>
+                <a16:creationId xmlns:a16="http://schemas.microsoft.com/office/drawing/2014/main" id="{F9730C1D-834B-610B-0E29-AE24F94D4143}"/>
               </a:ext>
             </a:extLst>
           </p:cNvPr>
@@ -8361,7 +10612,7 @@
           <p:cNvPr id="7" name="Picture 6">
             <a:extLst>
               <a:ext uri="{FF2B5EF4-FFF2-40B4-BE49-F238E27FC236}">
-                <a16:creationId xmlns:a16="http://schemas.microsoft.com/office/drawing/2014/main" id="{F96E66AB-08F9-1B4E-D669-B5E75AED9749}"/>
+                <a16:creationId xmlns:a16="http://schemas.microsoft.com/office/drawing/2014/main" id="{84D8D550-260F-0F03-0F0E-8FB1893DB52E}"/>
               </a:ext>
             </a:extLst>
           </p:cNvPr>
@@ -8378,8 +10629,8 @@
         </p:blipFill>
         <p:spPr>
           <a:xfrm>
-            <a:off x="735365" y="1919077"/>
-            <a:ext cx="7792537" cy="3019846"/>
+            <a:off x="3685605" y="1366482"/>
+            <a:ext cx="4559534" cy="5010407"/>
           </a:xfrm>
           <a:prstGeom prst="rect">
             <a:avLst/>
@@ -8389,7 +10640,7 @@
     </p:spTree>
     <p:extLst>
       <p:ext uri="{BB962C8B-B14F-4D97-AF65-F5344CB8AC3E}">
-        <p14:creationId xmlns:p14="http://schemas.microsoft.com/office/powerpoint/2010/main" val="790943487"/>
+        <p14:creationId xmlns:p14="http://schemas.microsoft.com/office/powerpoint/2010/main" val="3024344180"/>
       </p:ext>
     </p:extLst>
   </p:cSld>
@@ -8399,7 +10650,7 @@
 </p:sld>
 </file>
 
-<file path=ppt/slides/slide33.xml><?xml version="1.0" encoding="utf-8"?>
+<file path=ppt/slides/slide53.xml><?xml version="1.0" encoding="utf-8"?>
 <p:sld xmlns:a="http://schemas.openxmlformats.org/drawingml/2006/main" xmlns:r="http://schemas.openxmlformats.org/officeDocument/2006/relationships" xmlns:p="http://schemas.openxmlformats.org/presentationml/2006/main">
   <p:cSld>
     <p:spTree>
@@ -8421,7 +10672,7 @@
           <p:cNvPr id="2" name="Title 1">
             <a:extLst>
               <a:ext uri="{FF2B5EF4-FFF2-40B4-BE49-F238E27FC236}">
-                <a16:creationId xmlns:a16="http://schemas.microsoft.com/office/drawing/2014/main" id="{B6BC1C70-057F-734E-9C24-C01B4041B371}"/>
+                <a16:creationId xmlns:a16="http://schemas.microsoft.com/office/drawing/2014/main" id="{E4048C8B-7E17-501E-E69D-E0441C9CC7E9}"/>
               </a:ext>
             </a:extLst>
           </p:cNvPr>
@@ -8441,40 +10692,49 @@
           </a:p>
         </p:txBody>
       </p:sp>
-      <p:pic>
-        <p:nvPicPr>
-          <p:cNvPr id="5" name="Picture 4">
-            <a:extLst>
-              <a:ext uri="{FF2B5EF4-FFF2-40B4-BE49-F238E27FC236}">
-                <a16:creationId xmlns:a16="http://schemas.microsoft.com/office/drawing/2014/main" id="{2DA5FC5E-D499-8485-A95C-FDE0C63A4EAA}"/>
-              </a:ext>
-            </a:extLst>
-          </p:cNvPr>
-          <p:cNvPicPr>
-            <a:picLocks noChangeAspect="1"/>
-          </p:cNvPicPr>
-          <p:nvPr/>
-        </p:nvPicPr>
-        <p:blipFill>
-          <a:blip r:embed="rId2"/>
-          <a:stretch>
-            <a:fillRect/>
-          </a:stretch>
-        </p:blipFill>
-        <p:spPr>
-          <a:xfrm>
-            <a:off x="838200" y="2003216"/>
-            <a:ext cx="7925906" cy="2991267"/>
-          </a:xfrm>
-          <a:prstGeom prst="rect">
-            <a:avLst/>
-          </a:prstGeom>
-        </p:spPr>
-      </p:pic>
+      <p:sp>
+        <p:nvSpPr>
+          <p:cNvPr id="3" name="Content Placeholder 2">
+            <a:extLst>
+              <a:ext uri="{FF2B5EF4-FFF2-40B4-BE49-F238E27FC236}">
+                <a16:creationId xmlns:a16="http://schemas.microsoft.com/office/drawing/2014/main" id="{06C03778-3C7D-68FE-3C89-CE3F1EFD313F}"/>
+              </a:ext>
+            </a:extLst>
+          </p:cNvPr>
+          <p:cNvSpPr>
+            <a:spLocks noGrp="1"/>
+          </p:cNvSpPr>
+          <p:nvPr>
+            <p:ph idx="1"/>
+          </p:nvPr>
+        </p:nvSpPr>
+        <p:spPr/>
+        <p:txBody>
+          <a:bodyPr/>
+          <a:lstStyle/>
+          <a:p>
+            <a:r>
+              <a:rPr lang="en-GB" dirty="0"/>
+              <a:t>Download JDBC driver</a:t>
+            </a:r>
+            <a:r>
+              <a:rPr lang="en-GB"/>
+              <a:t>: https://repo1.maven.org/maven2/com/microsoft/azure/spark-mssql-connector_2.12/1.2.0/spark-mssql-connector_2.12-1.2.0.jar</a:t>
+            </a:r>
+            <a:endParaRPr lang="en-GB" dirty="0"/>
+          </a:p>
+          <a:p>
+            <a:r>
+              <a:rPr lang="en-GB" dirty="0"/>
+              <a:t>Copy jar file to anaconda jars folder</a:t>
+            </a:r>
+          </a:p>
+        </p:txBody>
+      </p:sp>
     </p:spTree>
     <p:extLst>
       <p:ext uri="{BB962C8B-B14F-4D97-AF65-F5344CB8AC3E}">
-        <p14:creationId xmlns:p14="http://schemas.microsoft.com/office/powerpoint/2010/main" val="1872683396"/>
+        <p14:creationId xmlns:p14="http://schemas.microsoft.com/office/powerpoint/2010/main" val="4018909052"/>
       </p:ext>
     </p:extLst>
   </p:cSld>
@@ -8484,7 +10744,7 @@
 </p:sld>
 </file>
 
-<file path=ppt/slides/slide34.xml><?xml version="1.0" encoding="utf-8"?>
+<file path=ppt/slides/slide54.xml><?xml version="1.0" encoding="utf-8"?>
 <p:sld xmlns:a="http://schemas.openxmlformats.org/drawingml/2006/main" xmlns:r="http://schemas.openxmlformats.org/officeDocument/2006/relationships" xmlns:p="http://schemas.openxmlformats.org/presentationml/2006/main">
   <p:cSld>
     <p:spTree>
@@ -8506,7 +10766,7 @@
           <p:cNvPr id="2" name="Title 1">
             <a:extLst>
               <a:ext uri="{FF2B5EF4-FFF2-40B4-BE49-F238E27FC236}">
-                <a16:creationId xmlns:a16="http://schemas.microsoft.com/office/drawing/2014/main" id="{1F47DEB6-EF01-3120-24A4-8BBD1FB57578}"/>
+                <a16:creationId xmlns:a16="http://schemas.microsoft.com/office/drawing/2014/main" id="{DCD86764-00F4-6C9A-2130-D553A9C0F19A}"/>
               </a:ext>
             </a:extLst>
           </p:cNvPr>
@@ -8522,7 +10782,15 @@
           <a:bodyPr/>
           <a:lstStyle/>
           <a:p>
-            <a:endParaRPr lang="en-GB"/>
+            <a:r>
+              <a:rPr lang="en-GB" dirty="0"/>
+              <a:t>Python pre-</a:t>
+            </a:r>
+            <a:r>
+              <a:rPr lang="en-GB" dirty="0" err="1"/>
+              <a:t>reqs</a:t>
+            </a:r>
+            <a:endParaRPr lang="en-GB" dirty="0"/>
           </a:p>
         </p:txBody>
       </p:sp>
@@ -8531,7 +10799,7 @@
           <p:cNvPr id="5" name="Picture 4">
             <a:extLst>
               <a:ext uri="{FF2B5EF4-FFF2-40B4-BE49-F238E27FC236}">
-                <a16:creationId xmlns:a16="http://schemas.microsoft.com/office/drawing/2014/main" id="{11ECF972-327A-4F97-74A0-05253F85A127}"/>
+                <a16:creationId xmlns:a16="http://schemas.microsoft.com/office/drawing/2014/main" id="{C663F566-F2F6-4996-C066-E71C1013515E}"/>
               </a:ext>
             </a:extLst>
           </p:cNvPr>
@@ -8548,8 +10816,38 @@
         </p:blipFill>
         <p:spPr>
           <a:xfrm>
-            <a:off x="838200" y="1790285"/>
-            <a:ext cx="5989552" cy="4572416"/>
+            <a:off x="838200" y="1431753"/>
+            <a:ext cx="9392961" cy="2457793"/>
+          </a:xfrm>
+          <a:prstGeom prst="rect">
+            <a:avLst/>
+          </a:prstGeom>
+        </p:spPr>
+      </p:pic>
+      <p:pic>
+        <p:nvPicPr>
+          <p:cNvPr id="8" name="Picture 7">
+            <a:extLst>
+              <a:ext uri="{FF2B5EF4-FFF2-40B4-BE49-F238E27FC236}">
+                <a16:creationId xmlns:a16="http://schemas.microsoft.com/office/drawing/2014/main" id="{0DA08BAC-BAA2-E123-3A0B-E202C41AC238}"/>
+              </a:ext>
+            </a:extLst>
+          </p:cNvPr>
+          <p:cNvPicPr>
+            <a:picLocks noChangeAspect="1"/>
+          </p:cNvPicPr>
+          <p:nvPr/>
+        </p:nvPicPr>
+        <p:blipFill>
+          <a:blip r:embed="rId3"/>
+          <a:stretch>
+            <a:fillRect/>
+          </a:stretch>
+        </p:blipFill>
+        <p:spPr>
+          <a:xfrm>
+            <a:off x="838200" y="4217883"/>
+            <a:ext cx="4934639" cy="1476581"/>
           </a:xfrm>
           <a:prstGeom prst="rect">
             <a:avLst/>
@@ -8559,7 +10857,7 @@
     </p:spTree>
     <p:extLst>
       <p:ext uri="{BB962C8B-B14F-4D97-AF65-F5344CB8AC3E}">
-        <p14:creationId xmlns:p14="http://schemas.microsoft.com/office/powerpoint/2010/main" val="2560391071"/>
+        <p14:creationId xmlns:p14="http://schemas.microsoft.com/office/powerpoint/2010/main" val="2091675727"/>
       </p:ext>
     </p:extLst>
   </p:cSld>
@@ -8569,7 +10867,7 @@
 </p:sld>
 </file>
 
-<file path=ppt/slides/slide35.xml><?xml version="1.0" encoding="utf-8"?>
+<file path=ppt/slides/slide55.xml><?xml version="1.0" encoding="utf-8"?>
 <p:sld xmlns:a="http://schemas.openxmlformats.org/drawingml/2006/main" xmlns:r="http://schemas.openxmlformats.org/officeDocument/2006/relationships" xmlns:p="http://schemas.openxmlformats.org/presentationml/2006/main">
   <p:cSld>
     <p:spTree>
@@ -8591,7 +10889,7 @@
           <p:cNvPr id="2" name="Title 1">
             <a:extLst>
               <a:ext uri="{FF2B5EF4-FFF2-40B4-BE49-F238E27FC236}">
-                <a16:creationId xmlns:a16="http://schemas.microsoft.com/office/drawing/2014/main" id="{52608B92-6DB7-0E6B-5B32-CD7D5D3FB6F2}"/>
+                <a16:creationId xmlns:a16="http://schemas.microsoft.com/office/drawing/2014/main" id="{DCD86764-00F4-6C9A-2130-D553A9C0F19A}"/>
               </a:ext>
             </a:extLst>
           </p:cNvPr>
@@ -8613,10 +10911,10 @@
       </p:sp>
       <p:pic>
         <p:nvPicPr>
-          <p:cNvPr id="5" name="Picture 4">
-            <a:extLst>
-              <a:ext uri="{FF2B5EF4-FFF2-40B4-BE49-F238E27FC236}">
-                <a16:creationId xmlns:a16="http://schemas.microsoft.com/office/drawing/2014/main" id="{61339789-8B29-75CD-AFA6-7EC8F667E8AC}"/>
+          <p:cNvPr id="4" name="Picture 3">
+            <a:extLst>
+              <a:ext uri="{FF2B5EF4-FFF2-40B4-BE49-F238E27FC236}">
+                <a16:creationId xmlns:a16="http://schemas.microsoft.com/office/drawing/2014/main" id="{20F3E66B-E246-EFCB-FFBE-25044944C469}"/>
               </a:ext>
             </a:extLst>
           </p:cNvPr>
@@ -8633,8 +10931,38 @@
         </p:blipFill>
         <p:spPr>
           <a:xfrm>
-            <a:off x="838200" y="1815599"/>
-            <a:ext cx="5522843" cy="4624957"/>
+            <a:off x="838200" y="1242558"/>
+            <a:ext cx="4959605" cy="1517728"/>
+          </a:xfrm>
+          <a:prstGeom prst="rect">
+            <a:avLst/>
+          </a:prstGeom>
+        </p:spPr>
+      </p:pic>
+      <p:pic>
+        <p:nvPicPr>
+          <p:cNvPr id="7" name="Picture 6">
+            <a:extLst>
+              <a:ext uri="{FF2B5EF4-FFF2-40B4-BE49-F238E27FC236}">
+                <a16:creationId xmlns:a16="http://schemas.microsoft.com/office/drawing/2014/main" id="{A96C8C96-A6EA-2AE6-661D-FA50CC4E8CDA}"/>
+              </a:ext>
+            </a:extLst>
+          </p:cNvPr>
+          <p:cNvPicPr>
+            <a:picLocks noChangeAspect="1"/>
+          </p:cNvPicPr>
+          <p:nvPr/>
+        </p:nvPicPr>
+        <p:blipFill>
+          <a:blip r:embed="rId3"/>
+          <a:stretch>
+            <a:fillRect/>
+          </a:stretch>
+        </p:blipFill>
+        <p:spPr>
+          <a:xfrm>
+            <a:off x="6394197" y="1242558"/>
+            <a:ext cx="4511991" cy="5250317"/>
           </a:xfrm>
           <a:prstGeom prst="rect">
             <a:avLst/>
@@ -8644,7 +10972,7 @@
     </p:spTree>
     <p:extLst>
       <p:ext uri="{BB962C8B-B14F-4D97-AF65-F5344CB8AC3E}">
-        <p14:creationId xmlns:p14="http://schemas.microsoft.com/office/powerpoint/2010/main" val="3867661675"/>
+        <p14:creationId xmlns:p14="http://schemas.microsoft.com/office/powerpoint/2010/main" val="17736079"/>
       </p:ext>
     </p:extLst>
   </p:cSld>
@@ -8654,7 +10982,7 @@
 </p:sld>
 </file>
 
-<file path=ppt/slides/slide36.xml><?xml version="1.0" encoding="utf-8"?>
+<file path=ppt/slides/slide56.xml><?xml version="1.0" encoding="utf-8"?>
 <p:sld xmlns:a="http://schemas.openxmlformats.org/drawingml/2006/main" xmlns:r="http://schemas.openxmlformats.org/officeDocument/2006/relationships" xmlns:p="http://schemas.openxmlformats.org/presentationml/2006/main">
   <p:cSld>
     <p:spTree>
@@ -8673,10 +11001,10 @@
       </p:grpSpPr>
       <p:pic>
         <p:nvPicPr>
-          <p:cNvPr id="4" name="Picture 3">
-            <a:extLst>
-              <a:ext uri="{FF2B5EF4-FFF2-40B4-BE49-F238E27FC236}">
-                <a16:creationId xmlns:a16="http://schemas.microsoft.com/office/drawing/2014/main" id="{C620F762-982D-B558-D5F3-56E373D721E2}"/>
+          <p:cNvPr id="8" name="Picture 7">
+            <a:extLst>
+              <a:ext uri="{FF2B5EF4-FFF2-40B4-BE49-F238E27FC236}">
+                <a16:creationId xmlns:a16="http://schemas.microsoft.com/office/drawing/2014/main" id="{267E26B0-ADE5-2D5A-201D-E7974C1FE8C8}"/>
               </a:ext>
             </a:extLst>
           </p:cNvPr>
@@ -8693,8 +11021,8 @@
         </p:blipFill>
         <p:spPr>
           <a:xfrm>
-            <a:off x="769961" y="746801"/>
-            <a:ext cx="6125430" cy="4667901"/>
+            <a:off x="497406" y="502516"/>
+            <a:ext cx="6401129" cy="5550185"/>
           </a:xfrm>
           <a:prstGeom prst="rect">
             <a:avLst/>
@@ -8703,10 +11031,10 @@
       </p:pic>
       <p:pic>
         <p:nvPicPr>
-          <p:cNvPr id="7" name="Picture 6">
-            <a:extLst>
-              <a:ext uri="{FF2B5EF4-FFF2-40B4-BE49-F238E27FC236}">
-                <a16:creationId xmlns:a16="http://schemas.microsoft.com/office/drawing/2014/main" id="{96010772-6395-544A-4139-63C997FE9452}"/>
+          <p:cNvPr id="9" name="Picture 8">
+            <a:extLst>
+              <a:ext uri="{FF2B5EF4-FFF2-40B4-BE49-F238E27FC236}">
+                <a16:creationId xmlns:a16="http://schemas.microsoft.com/office/drawing/2014/main" id="{159E5FD2-985E-7690-3E2A-435134F3B0FE}"/>
               </a:ext>
             </a:extLst>
           </p:cNvPr>
@@ -8723,8 +11051,8 @@
         </p:blipFill>
         <p:spPr>
           <a:xfrm>
-            <a:off x="830447" y="5763488"/>
-            <a:ext cx="4143953" cy="695422"/>
+            <a:off x="7205188" y="923852"/>
+            <a:ext cx="4915153" cy="2006703"/>
           </a:xfrm>
           <a:prstGeom prst="rect">
             <a:avLst/>
@@ -8734,7 +11062,7 @@
     </p:spTree>
     <p:extLst>
       <p:ext uri="{BB962C8B-B14F-4D97-AF65-F5344CB8AC3E}">
-        <p14:creationId xmlns:p14="http://schemas.microsoft.com/office/powerpoint/2010/main" val="643992851"/>
+        <p14:creationId xmlns:p14="http://schemas.microsoft.com/office/powerpoint/2010/main" val="3790276932"/>
       </p:ext>
     </p:extLst>
   </p:cSld>
@@ -8744,7 +11072,7 @@
 </p:sld>
 </file>
 
-<file path=ppt/slides/slide37.xml><?xml version="1.0" encoding="utf-8"?>
+<file path=ppt/slides/slide57.xml><?xml version="1.0" encoding="utf-8"?>
 <p:sld xmlns:a="http://schemas.openxmlformats.org/drawingml/2006/main" xmlns:r="http://schemas.openxmlformats.org/officeDocument/2006/relationships" xmlns:p="http://schemas.openxmlformats.org/presentationml/2006/main">
   <p:cSld>
     <p:spTree>
@@ -8761,37 +11089,12 @@
           <a:chExt cx="0" cy="0"/>
         </a:xfrm>
       </p:grpSpPr>
-      <p:sp>
-        <p:nvSpPr>
-          <p:cNvPr id="2" name="Title 1">
-            <a:extLst>
-              <a:ext uri="{FF2B5EF4-FFF2-40B4-BE49-F238E27FC236}">
-                <a16:creationId xmlns:a16="http://schemas.microsoft.com/office/drawing/2014/main" id="{DCD86764-00F4-6C9A-2130-D553A9C0F19A}"/>
-              </a:ext>
-            </a:extLst>
-          </p:cNvPr>
-          <p:cNvSpPr>
-            <a:spLocks noGrp="1"/>
-          </p:cNvSpPr>
-          <p:nvPr>
-            <p:ph type="title"/>
-          </p:nvPr>
-        </p:nvSpPr>
-        <p:spPr/>
-        <p:txBody>
-          <a:bodyPr/>
-          <a:lstStyle/>
-          <a:p>
-            <a:endParaRPr lang="en-GB"/>
-          </a:p>
-        </p:txBody>
-      </p:sp>
       <p:pic>
         <p:nvPicPr>
           <p:cNvPr id="5" name="Picture 4">
             <a:extLst>
               <a:ext uri="{FF2B5EF4-FFF2-40B4-BE49-F238E27FC236}">
-                <a16:creationId xmlns:a16="http://schemas.microsoft.com/office/drawing/2014/main" id="{01F14550-5C09-F373-F95E-3C987FFBF0B3}"/>
+                <a16:creationId xmlns:a16="http://schemas.microsoft.com/office/drawing/2014/main" id="{D89C5F76-DE95-EF62-4BC4-CD0A02BDAAB6}"/>
               </a:ext>
             </a:extLst>
           </p:cNvPr>
@@ -8808,8 +11111,38 @@
         </p:blipFill>
         <p:spPr>
           <a:xfrm>
-            <a:off x="2458156" y="2101572"/>
-            <a:ext cx="6064562" cy="4229317"/>
+            <a:off x="564587" y="761453"/>
+            <a:ext cx="4680191" cy="3264068"/>
+          </a:xfrm>
+          <a:prstGeom prst="rect">
+            <a:avLst/>
+          </a:prstGeom>
+        </p:spPr>
+      </p:pic>
+      <p:pic>
+        <p:nvPicPr>
+          <p:cNvPr id="7" name="Picture 6">
+            <a:extLst>
+              <a:ext uri="{FF2B5EF4-FFF2-40B4-BE49-F238E27FC236}">
+                <a16:creationId xmlns:a16="http://schemas.microsoft.com/office/drawing/2014/main" id="{FE67BB66-D68E-91FC-1442-E45607E8A920}"/>
+              </a:ext>
+            </a:extLst>
+          </p:cNvPr>
+          <p:cNvPicPr>
+            <a:picLocks noChangeAspect="1"/>
+          </p:cNvPicPr>
+          <p:nvPr/>
+        </p:nvPicPr>
+        <p:blipFill>
+          <a:blip r:embed="rId3"/>
+          <a:stretch>
+            <a:fillRect/>
+          </a:stretch>
+        </p:blipFill>
+        <p:spPr>
+          <a:xfrm>
+            <a:off x="6858335" y="889174"/>
+            <a:ext cx="2508379" cy="3892750"/>
           </a:xfrm>
           <a:prstGeom prst="rect">
             <a:avLst/>
@@ -8819,7 +11152,7 @@
     </p:spTree>
     <p:extLst>
       <p:ext uri="{BB962C8B-B14F-4D97-AF65-F5344CB8AC3E}">
-        <p14:creationId xmlns:p14="http://schemas.microsoft.com/office/powerpoint/2010/main" val="703544363"/>
+        <p14:creationId xmlns:p14="http://schemas.microsoft.com/office/powerpoint/2010/main" val="1708038266"/>
       </p:ext>
     </p:extLst>
   </p:cSld>
@@ -8829,7 +11162,7 @@
 </p:sld>
 </file>
 
-<file path=ppt/slides/slide38.xml><?xml version="1.0" encoding="utf-8"?>
+<file path=ppt/slides/slide58.xml><?xml version="1.0" encoding="utf-8"?>
 <p:sld xmlns:a="http://schemas.openxmlformats.org/drawingml/2006/main" xmlns:r="http://schemas.openxmlformats.org/officeDocument/2006/relationships" xmlns:p="http://schemas.openxmlformats.org/presentationml/2006/main">
   <p:cSld>
     <p:spTree>
@@ -8846,37 +11179,12 @@
           <a:chExt cx="0" cy="0"/>
         </a:xfrm>
       </p:grpSpPr>
-      <p:sp>
-        <p:nvSpPr>
-          <p:cNvPr id="2" name="Title 1">
-            <a:extLst>
-              <a:ext uri="{FF2B5EF4-FFF2-40B4-BE49-F238E27FC236}">
-                <a16:creationId xmlns:a16="http://schemas.microsoft.com/office/drawing/2014/main" id="{DCD86764-00F4-6C9A-2130-D553A9C0F19A}"/>
-              </a:ext>
-            </a:extLst>
-          </p:cNvPr>
-          <p:cNvSpPr>
-            <a:spLocks noGrp="1"/>
-          </p:cNvSpPr>
-          <p:nvPr>
-            <p:ph type="title"/>
-          </p:nvPr>
-        </p:nvSpPr>
-        <p:spPr/>
-        <p:txBody>
-          <a:bodyPr/>
-          <a:lstStyle/>
-          <a:p>
-            <a:endParaRPr lang="en-GB"/>
-          </a:p>
-        </p:txBody>
-      </p:sp>
       <p:pic>
         <p:nvPicPr>
-          <p:cNvPr id="6" name="Picture 5">
-            <a:extLst>
-              <a:ext uri="{FF2B5EF4-FFF2-40B4-BE49-F238E27FC236}">
-                <a16:creationId xmlns:a16="http://schemas.microsoft.com/office/drawing/2014/main" id="{47C005FD-6EF0-7A3C-6393-F6C7EBDD05A8}"/>
+          <p:cNvPr id="5" name="Picture 4">
+            <a:extLst>
+              <a:ext uri="{FF2B5EF4-FFF2-40B4-BE49-F238E27FC236}">
+                <a16:creationId xmlns:a16="http://schemas.microsoft.com/office/drawing/2014/main" id="{BC909FB5-6F06-559F-6D56-11877CAEF8ED}"/>
               </a:ext>
             </a:extLst>
           </p:cNvPr>
@@ -8893,8 +11201,8 @@
         </p:blipFill>
         <p:spPr>
           <a:xfrm>
-            <a:off x="371181" y="958723"/>
-            <a:ext cx="11449638" cy="4940554"/>
+            <a:off x="645176" y="794450"/>
+            <a:ext cx="9036514" cy="3016405"/>
           </a:xfrm>
           <a:prstGeom prst="rect">
             <a:avLst/>
@@ -8904,7 +11212,7 @@
     </p:spTree>
     <p:extLst>
       <p:ext uri="{BB962C8B-B14F-4D97-AF65-F5344CB8AC3E}">
-        <p14:creationId xmlns:p14="http://schemas.microsoft.com/office/powerpoint/2010/main" val="224514564"/>
+        <p14:creationId xmlns:p14="http://schemas.microsoft.com/office/powerpoint/2010/main" val="3243554057"/>
       </p:ext>
     </p:extLst>
   </p:cSld>
@@ -8914,7 +11222,7 @@
 </p:sld>
 </file>
 
-<file path=ppt/slides/slide39.xml><?xml version="1.0" encoding="utf-8"?>
+<file path=ppt/slides/slide59.xml><?xml version="1.0" encoding="utf-8"?>
 <p:sld xmlns:a="http://schemas.openxmlformats.org/drawingml/2006/main" xmlns:r="http://schemas.openxmlformats.org/officeDocument/2006/relationships" xmlns:p="http://schemas.openxmlformats.org/presentationml/2006/main">
   <p:cSld>
     <p:spTree>
@@ -8936,7 +11244,7 @@
           <p:cNvPr id="2" name="Title 1">
             <a:extLst>
               <a:ext uri="{FF2B5EF4-FFF2-40B4-BE49-F238E27FC236}">
-                <a16:creationId xmlns:a16="http://schemas.microsoft.com/office/drawing/2014/main" id="{DCD86764-00F4-6C9A-2130-D553A9C0F19A}"/>
+                <a16:creationId xmlns:a16="http://schemas.microsoft.com/office/drawing/2014/main" id="{71DE5ED6-49D5-43EE-E52E-844BFD80D4AE}"/>
               </a:ext>
             </a:extLst>
           </p:cNvPr>
@@ -8952,16 +11260,19 @@
           <a:bodyPr/>
           <a:lstStyle/>
           <a:p>
-            <a:endParaRPr lang="en-GB"/>
+            <a:r>
+              <a:rPr lang="en-GB" dirty="0"/>
+              <a:t>Create storage account</a:t>
+            </a:r>
           </a:p>
         </p:txBody>
       </p:sp>
       <p:pic>
         <p:nvPicPr>
-          <p:cNvPr id="4" name="Picture 3">
-            <a:extLst>
-              <a:ext uri="{FF2B5EF4-FFF2-40B4-BE49-F238E27FC236}">
-                <a16:creationId xmlns:a16="http://schemas.microsoft.com/office/drawing/2014/main" id="{1228FCC1-0C76-DB22-35FF-1D59981CB3E8}"/>
+          <p:cNvPr id="11" name="Picture 10">
+            <a:extLst>
+              <a:ext uri="{FF2B5EF4-FFF2-40B4-BE49-F238E27FC236}">
+                <a16:creationId xmlns:a16="http://schemas.microsoft.com/office/drawing/2014/main" id="{3268972B-32A1-31B9-A481-6C95F1501AAC}"/>
               </a:ext>
             </a:extLst>
           </p:cNvPr>
@@ -8978,8 +11289,8 @@
         </p:blipFill>
         <p:spPr>
           <a:xfrm>
-            <a:off x="838200" y="2026892"/>
-            <a:ext cx="3968954" cy="2101958"/>
+            <a:off x="2676047" y="2109603"/>
+            <a:ext cx="6839905" cy="2638793"/>
           </a:xfrm>
           <a:prstGeom prst="rect">
             <a:avLst/>
@@ -8989,7 +11300,7 @@
     </p:spTree>
     <p:extLst>
       <p:ext uri="{BB962C8B-B14F-4D97-AF65-F5344CB8AC3E}">
-        <p14:creationId xmlns:p14="http://schemas.microsoft.com/office/powerpoint/2010/main" val="460359469"/>
+        <p14:creationId xmlns:p14="http://schemas.microsoft.com/office/powerpoint/2010/main" val="164542091"/>
       </p:ext>
     </p:extLst>
   </p:cSld>
@@ -8999,7 +11310,7 @@
 </p:sld>
 </file>
 
-<file path=ppt/slides/slide4.xml><?xml version="1.0" encoding="utf-8"?>
+<file path=ppt/slides/slide6.xml><?xml version="1.0" encoding="utf-8"?>
 <p:sld xmlns:a="http://schemas.openxmlformats.org/drawingml/2006/main" xmlns:r="http://schemas.openxmlformats.org/officeDocument/2006/relationships" xmlns:p="http://schemas.openxmlformats.org/presentationml/2006/main">
   <p:cSld>
     <p:spTree>
@@ -9087,1839 +11398,7 @@
 </p:sld>
 </file>
 
-<file path=ppt/slides/slide40.xml><?xml version="1.0" encoding="utf-8"?>
-<p:sld xmlns:a="http://schemas.openxmlformats.org/drawingml/2006/main" xmlns:r="http://schemas.openxmlformats.org/officeDocument/2006/relationships" xmlns:p="http://schemas.openxmlformats.org/presentationml/2006/main">
-  <p:cSld>
-    <p:spTree>
-      <p:nvGrpSpPr>
-        <p:cNvPr id="1" name=""/>
-        <p:cNvGrpSpPr/>
-        <p:nvPr/>
-      </p:nvGrpSpPr>
-      <p:grpSpPr>
-        <a:xfrm>
-          <a:off x="0" y="0"/>
-          <a:ext cx="0" cy="0"/>
-          <a:chOff x="0" y="0"/>
-          <a:chExt cx="0" cy="0"/>
-        </a:xfrm>
-      </p:grpSpPr>
-      <p:sp>
-        <p:nvSpPr>
-          <p:cNvPr id="2" name="Title 1">
-            <a:extLst>
-              <a:ext uri="{FF2B5EF4-FFF2-40B4-BE49-F238E27FC236}">
-                <a16:creationId xmlns:a16="http://schemas.microsoft.com/office/drawing/2014/main" id="{A5469F7B-5F47-517F-D218-DF1E89BBB790}"/>
-              </a:ext>
-            </a:extLst>
-          </p:cNvPr>
-          <p:cNvSpPr>
-            <a:spLocks noGrp="1"/>
-          </p:cNvSpPr>
-          <p:nvPr>
-            <p:ph type="title"/>
-          </p:nvPr>
-        </p:nvSpPr>
-        <p:spPr/>
-        <p:txBody>
-          <a:bodyPr/>
-          <a:lstStyle/>
-          <a:p>
-            <a:r>
-              <a:rPr lang="en-GB" dirty="0"/>
-              <a:t>Python</a:t>
-            </a:r>
-          </a:p>
-        </p:txBody>
-      </p:sp>
-      <p:sp>
-        <p:nvSpPr>
-          <p:cNvPr id="3" name="Content Placeholder 2">
-            <a:extLst>
-              <a:ext uri="{FF2B5EF4-FFF2-40B4-BE49-F238E27FC236}">
-                <a16:creationId xmlns:a16="http://schemas.microsoft.com/office/drawing/2014/main" id="{D887FE72-3475-5DF9-893F-927B7A1BBC5F}"/>
-              </a:ext>
-            </a:extLst>
-          </p:cNvPr>
-          <p:cNvSpPr>
-            <a:spLocks noGrp="1"/>
-          </p:cNvSpPr>
-          <p:nvPr>
-            <p:ph idx="1"/>
-          </p:nvPr>
-        </p:nvSpPr>
-        <p:spPr/>
-        <p:txBody>
-          <a:bodyPr>
-            <a:normAutofit/>
-          </a:bodyPr>
-          <a:lstStyle/>
-          <a:p>
-            <a:r>
-              <a:rPr lang="en-GB" dirty="0"/>
-              <a:t>Use Anaconda</a:t>
-            </a:r>
-          </a:p>
-          <a:p>
-            <a:r>
-              <a:rPr lang="en-GB" dirty="0"/>
-              <a:t>Use </a:t>
-            </a:r>
-            <a:r>
-              <a:rPr lang="en-GB" dirty="0" err="1"/>
-              <a:t>conda</a:t>
-            </a:r>
-            <a:r>
-              <a:rPr lang="en-GB" dirty="0"/>
-              <a:t> to create environment</a:t>
-            </a:r>
-          </a:p>
-          <a:p>
-            <a:r>
-              <a:rPr lang="en-GB" dirty="0"/>
-              <a:t>Might need to enable Long Paths</a:t>
-            </a:r>
-          </a:p>
-        </p:txBody>
-      </p:sp>
-    </p:spTree>
-    <p:extLst>
-      <p:ext uri="{BB962C8B-B14F-4D97-AF65-F5344CB8AC3E}">
-        <p14:creationId xmlns:p14="http://schemas.microsoft.com/office/powerpoint/2010/main" val="3256889448"/>
-      </p:ext>
-    </p:extLst>
-  </p:cSld>
-  <p:clrMapOvr>
-    <a:masterClrMapping/>
-  </p:clrMapOvr>
-</p:sld>
-</file>
-
-<file path=ppt/slides/slide41.xml><?xml version="1.0" encoding="utf-8"?>
-<p:sld xmlns:a="http://schemas.openxmlformats.org/drawingml/2006/main" xmlns:r="http://schemas.openxmlformats.org/officeDocument/2006/relationships" xmlns:p="http://schemas.openxmlformats.org/presentationml/2006/main">
-  <p:cSld>
-    <p:spTree>
-      <p:nvGrpSpPr>
-        <p:cNvPr id="1" name=""/>
-        <p:cNvGrpSpPr/>
-        <p:nvPr/>
-      </p:nvGrpSpPr>
-      <p:grpSpPr>
-        <a:xfrm>
-          <a:off x="0" y="0"/>
-          <a:ext cx="0" cy="0"/>
-          <a:chOff x="0" y="0"/>
-          <a:chExt cx="0" cy="0"/>
-        </a:xfrm>
-      </p:grpSpPr>
-      <p:sp>
-        <p:nvSpPr>
-          <p:cNvPr id="2" name="Title 1">
-            <a:extLst>
-              <a:ext uri="{FF2B5EF4-FFF2-40B4-BE49-F238E27FC236}">
-                <a16:creationId xmlns:a16="http://schemas.microsoft.com/office/drawing/2014/main" id="{A46B4437-F99E-881D-8C11-C63B2CC3EA49}"/>
-              </a:ext>
-            </a:extLst>
-          </p:cNvPr>
-          <p:cNvSpPr>
-            <a:spLocks noGrp="1"/>
-          </p:cNvSpPr>
-          <p:nvPr>
-            <p:ph type="title"/>
-          </p:nvPr>
-        </p:nvSpPr>
-        <p:spPr/>
-        <p:txBody>
-          <a:bodyPr/>
-          <a:lstStyle/>
-          <a:p>
-            <a:r>
-              <a:rPr lang="en-GB" dirty="0"/>
-              <a:t>Anaconda install</a:t>
-            </a:r>
-          </a:p>
-        </p:txBody>
-      </p:sp>
-      <p:pic>
-        <p:nvPicPr>
-          <p:cNvPr id="5" name="Picture 4">
-            <a:extLst>
-              <a:ext uri="{FF2B5EF4-FFF2-40B4-BE49-F238E27FC236}">
-                <a16:creationId xmlns:a16="http://schemas.microsoft.com/office/drawing/2014/main" id="{3E636616-F386-FFD4-F9FB-6B28F76C082E}"/>
-              </a:ext>
-            </a:extLst>
-          </p:cNvPr>
-          <p:cNvPicPr>
-            <a:picLocks noChangeAspect="1"/>
-          </p:cNvPicPr>
-          <p:nvPr/>
-        </p:nvPicPr>
-        <p:blipFill>
-          <a:blip r:embed="rId2"/>
-          <a:stretch>
-            <a:fillRect/>
-          </a:stretch>
-        </p:blipFill>
-        <p:spPr>
-          <a:xfrm>
-            <a:off x="1701475" y="2249242"/>
-            <a:ext cx="4648849" cy="3515216"/>
-          </a:xfrm>
-          <a:prstGeom prst="rect">
-            <a:avLst/>
-          </a:prstGeom>
-        </p:spPr>
-      </p:pic>
-    </p:spTree>
-    <p:extLst>
-      <p:ext uri="{BB962C8B-B14F-4D97-AF65-F5344CB8AC3E}">
-        <p14:creationId xmlns:p14="http://schemas.microsoft.com/office/powerpoint/2010/main" val="1102189768"/>
-      </p:ext>
-    </p:extLst>
-  </p:cSld>
-  <p:clrMapOvr>
-    <a:masterClrMapping/>
-  </p:clrMapOvr>
-</p:sld>
-</file>
-
-<file path=ppt/slides/slide42.xml><?xml version="1.0" encoding="utf-8"?>
-<p:sld xmlns:a="http://schemas.openxmlformats.org/drawingml/2006/main" xmlns:r="http://schemas.openxmlformats.org/officeDocument/2006/relationships" xmlns:p="http://schemas.openxmlformats.org/presentationml/2006/main">
-  <p:cSld>
-    <p:spTree>
-      <p:nvGrpSpPr>
-        <p:cNvPr id="1" name=""/>
-        <p:cNvGrpSpPr/>
-        <p:nvPr/>
-      </p:nvGrpSpPr>
-      <p:grpSpPr>
-        <a:xfrm>
-          <a:off x="0" y="0"/>
-          <a:ext cx="0" cy="0"/>
-          <a:chOff x="0" y="0"/>
-          <a:chExt cx="0" cy="0"/>
-        </a:xfrm>
-      </p:grpSpPr>
-      <p:sp>
-        <p:nvSpPr>
-          <p:cNvPr id="2" name="Title 1">
-            <a:extLst>
-              <a:ext uri="{FF2B5EF4-FFF2-40B4-BE49-F238E27FC236}">
-                <a16:creationId xmlns:a16="http://schemas.microsoft.com/office/drawing/2014/main" id="{08BA6218-7C2E-0654-E7FF-890943A38659}"/>
-              </a:ext>
-            </a:extLst>
-          </p:cNvPr>
-          <p:cNvSpPr>
-            <a:spLocks noGrp="1"/>
-          </p:cNvSpPr>
-          <p:nvPr>
-            <p:ph type="title"/>
-          </p:nvPr>
-        </p:nvSpPr>
-        <p:spPr/>
-        <p:txBody>
-          <a:bodyPr/>
-          <a:lstStyle/>
-          <a:p>
-            <a:r>
-              <a:rPr lang="en-GB" dirty="0" err="1"/>
-              <a:t>Conda</a:t>
-            </a:r>
-            <a:r>
-              <a:rPr lang="en-GB" dirty="0"/>
-              <a:t> demo</a:t>
-            </a:r>
-          </a:p>
-        </p:txBody>
-      </p:sp>
-    </p:spTree>
-    <p:extLst>
-      <p:ext uri="{BB962C8B-B14F-4D97-AF65-F5344CB8AC3E}">
-        <p14:creationId xmlns:p14="http://schemas.microsoft.com/office/powerpoint/2010/main" val="349260128"/>
-      </p:ext>
-    </p:extLst>
-  </p:cSld>
-  <p:clrMapOvr>
-    <a:masterClrMapping/>
-  </p:clrMapOvr>
-</p:sld>
-</file>
-
-<file path=ppt/slides/slide43.xml><?xml version="1.0" encoding="utf-8"?>
-<p:sld xmlns:a="http://schemas.openxmlformats.org/drawingml/2006/main" xmlns:r="http://schemas.openxmlformats.org/officeDocument/2006/relationships" xmlns:p="http://schemas.openxmlformats.org/presentationml/2006/main">
-  <p:cSld>
-    <p:spTree>
-      <p:nvGrpSpPr>
-        <p:cNvPr id="1" name=""/>
-        <p:cNvGrpSpPr/>
-        <p:nvPr/>
-      </p:nvGrpSpPr>
-      <p:grpSpPr>
-        <a:xfrm>
-          <a:off x="0" y="0"/>
-          <a:ext cx="0" cy="0"/>
-          <a:chOff x="0" y="0"/>
-          <a:chExt cx="0" cy="0"/>
-        </a:xfrm>
-      </p:grpSpPr>
-      <p:sp>
-        <p:nvSpPr>
-          <p:cNvPr id="2" name="Title 1">
-            <a:extLst>
-              <a:ext uri="{FF2B5EF4-FFF2-40B4-BE49-F238E27FC236}">
-                <a16:creationId xmlns:a16="http://schemas.microsoft.com/office/drawing/2014/main" id="{A5469F7B-5F47-517F-D218-DF1E89BBB790}"/>
-              </a:ext>
-            </a:extLst>
-          </p:cNvPr>
-          <p:cNvSpPr>
-            <a:spLocks noGrp="1"/>
-          </p:cNvSpPr>
-          <p:nvPr>
-            <p:ph type="title"/>
-          </p:nvPr>
-        </p:nvSpPr>
-        <p:spPr/>
-        <p:txBody>
-          <a:bodyPr/>
-          <a:lstStyle/>
-          <a:p>
-            <a:r>
-              <a:rPr lang="en-GB" dirty="0" err="1"/>
-              <a:t>PySpark</a:t>
-            </a:r>
-            <a:r>
-              <a:rPr lang="en-GB" dirty="0"/>
-              <a:t> Pre-requisites</a:t>
-            </a:r>
-          </a:p>
-        </p:txBody>
-      </p:sp>
-      <p:sp>
-        <p:nvSpPr>
-          <p:cNvPr id="3" name="Content Placeholder 2">
-            <a:extLst>
-              <a:ext uri="{FF2B5EF4-FFF2-40B4-BE49-F238E27FC236}">
-                <a16:creationId xmlns:a16="http://schemas.microsoft.com/office/drawing/2014/main" id="{D887FE72-3475-5DF9-893F-927B7A1BBC5F}"/>
-              </a:ext>
-            </a:extLst>
-          </p:cNvPr>
-          <p:cNvSpPr>
-            <a:spLocks noGrp="1"/>
-          </p:cNvSpPr>
-          <p:nvPr>
-            <p:ph idx="1"/>
-          </p:nvPr>
-        </p:nvSpPr>
-        <p:spPr/>
-        <p:txBody>
-          <a:bodyPr>
-            <a:normAutofit/>
-          </a:bodyPr>
-          <a:lstStyle/>
-          <a:p>
-            <a:r>
-              <a:rPr lang="en-GB" dirty="0"/>
-              <a:t>Install Java (not v 21)</a:t>
-            </a:r>
-          </a:p>
-          <a:p>
-            <a:r>
-              <a:rPr lang="en-GB" dirty="0"/>
-              <a:t>Set paths</a:t>
-            </a:r>
-          </a:p>
-          <a:p>
-            <a:pPr lvl="1"/>
-            <a:r>
-              <a:rPr lang="en-GB" dirty="0"/>
-              <a:t>JAVA_HOME</a:t>
-            </a:r>
-          </a:p>
-          <a:p>
-            <a:pPr lvl="1"/>
-            <a:r>
-              <a:rPr lang="en-GB" dirty="0"/>
-              <a:t>PATH</a:t>
-            </a:r>
-          </a:p>
-          <a:p>
-            <a:pPr lvl="1"/>
-            <a:endParaRPr lang="en-GB" dirty="0"/>
-          </a:p>
-          <a:p>
-            <a:r>
-              <a:rPr lang="en-GB" dirty="0"/>
-              <a:t>Install Apache Spark</a:t>
-            </a:r>
-          </a:p>
-          <a:p>
-            <a:r>
-              <a:rPr lang="en-GB" dirty="0"/>
-              <a:t>Install winutils.exe</a:t>
-            </a:r>
-          </a:p>
-          <a:p>
-            <a:r>
-              <a:rPr lang="en-GB" dirty="0"/>
-              <a:t>Create virtual environment</a:t>
-            </a:r>
-          </a:p>
-          <a:p>
-            <a:r>
-              <a:rPr lang="en-GB" dirty="0"/>
-              <a:t>Instructions: </a:t>
-            </a:r>
-            <a:r>
-              <a:rPr lang="en-GB" dirty="0">
-                <a:hlinkClick r:id="rId2"/>
-              </a:rPr>
-              <a:t>https://sparkbyexamples.com/pyspark-tutorial/</a:t>
-            </a:r>
-            <a:endParaRPr lang="en-GB" dirty="0"/>
-          </a:p>
-          <a:p>
-            <a:pPr marL="0" indent="0">
-              <a:buNone/>
-            </a:pPr>
-            <a:endParaRPr lang="en-GB" dirty="0"/>
-          </a:p>
-        </p:txBody>
-      </p:sp>
-    </p:spTree>
-    <p:extLst>
-      <p:ext uri="{BB962C8B-B14F-4D97-AF65-F5344CB8AC3E}">
-        <p14:creationId xmlns:p14="http://schemas.microsoft.com/office/powerpoint/2010/main" val="662787998"/>
-      </p:ext>
-    </p:extLst>
-  </p:cSld>
-  <p:clrMapOvr>
-    <a:masterClrMapping/>
-  </p:clrMapOvr>
-</p:sld>
-</file>
-
-<file path=ppt/slides/slide44.xml><?xml version="1.0" encoding="utf-8"?>
-<p:sld xmlns:a="http://schemas.openxmlformats.org/drawingml/2006/main" xmlns:r="http://schemas.openxmlformats.org/officeDocument/2006/relationships" xmlns:p="http://schemas.openxmlformats.org/presentationml/2006/main">
-  <p:cSld>
-    <p:spTree>
-      <p:nvGrpSpPr>
-        <p:cNvPr id="1" name=""/>
-        <p:cNvGrpSpPr/>
-        <p:nvPr/>
-      </p:nvGrpSpPr>
-      <p:grpSpPr>
-        <a:xfrm>
-          <a:off x="0" y="0"/>
-          <a:ext cx="0" cy="0"/>
-          <a:chOff x="0" y="0"/>
-          <a:chExt cx="0" cy="0"/>
-        </a:xfrm>
-      </p:grpSpPr>
-      <p:sp>
-        <p:nvSpPr>
-          <p:cNvPr id="2" name="Title 1">
-            <a:extLst>
-              <a:ext uri="{FF2B5EF4-FFF2-40B4-BE49-F238E27FC236}">
-                <a16:creationId xmlns:a16="http://schemas.microsoft.com/office/drawing/2014/main" id="{A5469F7B-5F47-517F-D218-DF1E89BBB790}"/>
-              </a:ext>
-            </a:extLst>
-          </p:cNvPr>
-          <p:cNvSpPr>
-            <a:spLocks noGrp="1"/>
-          </p:cNvSpPr>
-          <p:nvPr>
-            <p:ph type="title"/>
-          </p:nvPr>
-        </p:nvSpPr>
-        <p:spPr/>
-        <p:txBody>
-          <a:bodyPr/>
-          <a:lstStyle/>
-          <a:p>
-            <a:r>
-              <a:rPr lang="en-GB" dirty="0" err="1"/>
-              <a:t>PySpark</a:t>
-            </a:r>
-            <a:r>
-              <a:rPr lang="en-GB" dirty="0"/>
-              <a:t> Demo</a:t>
-            </a:r>
-          </a:p>
-        </p:txBody>
-      </p:sp>
-      <p:sp>
-        <p:nvSpPr>
-          <p:cNvPr id="3" name="Content Placeholder 2">
-            <a:extLst>
-              <a:ext uri="{FF2B5EF4-FFF2-40B4-BE49-F238E27FC236}">
-                <a16:creationId xmlns:a16="http://schemas.microsoft.com/office/drawing/2014/main" id="{D887FE72-3475-5DF9-893F-927B7A1BBC5F}"/>
-              </a:ext>
-            </a:extLst>
-          </p:cNvPr>
-          <p:cNvSpPr>
-            <a:spLocks noGrp="1"/>
-          </p:cNvSpPr>
-          <p:nvPr>
-            <p:ph idx="1"/>
-          </p:nvPr>
-        </p:nvSpPr>
-        <p:spPr/>
-        <p:txBody>
-          <a:bodyPr>
-            <a:normAutofit/>
-          </a:bodyPr>
-          <a:lstStyle/>
-          <a:p>
-            <a:endParaRPr lang="en-GB" dirty="0"/>
-          </a:p>
-        </p:txBody>
-      </p:sp>
-    </p:spTree>
-    <p:extLst>
-      <p:ext uri="{BB962C8B-B14F-4D97-AF65-F5344CB8AC3E}">
-        <p14:creationId xmlns:p14="http://schemas.microsoft.com/office/powerpoint/2010/main" val="3082836330"/>
-      </p:ext>
-    </p:extLst>
-  </p:cSld>
-  <p:clrMapOvr>
-    <a:masterClrMapping/>
-  </p:clrMapOvr>
-</p:sld>
-</file>
-
-<file path=ppt/slides/slide45.xml><?xml version="1.0" encoding="utf-8"?>
-<p:sld xmlns:a="http://schemas.openxmlformats.org/drawingml/2006/main" xmlns:r="http://schemas.openxmlformats.org/officeDocument/2006/relationships" xmlns:p="http://schemas.openxmlformats.org/presentationml/2006/main">
-  <p:cSld>
-    <p:spTree>
-      <p:nvGrpSpPr>
-        <p:cNvPr id="1" name=""/>
-        <p:cNvGrpSpPr/>
-        <p:nvPr/>
-      </p:nvGrpSpPr>
-      <p:grpSpPr>
-        <a:xfrm>
-          <a:off x="0" y="0"/>
-          <a:ext cx="0" cy="0"/>
-          <a:chOff x="0" y="0"/>
-          <a:chExt cx="0" cy="0"/>
-        </a:xfrm>
-      </p:grpSpPr>
-      <p:sp>
-        <p:nvSpPr>
-          <p:cNvPr id="2" name="Title 1">
-            <a:extLst>
-              <a:ext uri="{FF2B5EF4-FFF2-40B4-BE49-F238E27FC236}">
-                <a16:creationId xmlns:a16="http://schemas.microsoft.com/office/drawing/2014/main" id="{E44CED87-DE61-C816-A3B2-E63F5185A2FF}"/>
-              </a:ext>
-            </a:extLst>
-          </p:cNvPr>
-          <p:cNvSpPr>
-            <a:spLocks noGrp="1"/>
-          </p:cNvSpPr>
-          <p:nvPr>
-            <p:ph type="title"/>
-          </p:nvPr>
-        </p:nvSpPr>
-        <p:spPr/>
-        <p:txBody>
-          <a:bodyPr/>
-          <a:lstStyle/>
-          <a:p>
-            <a:endParaRPr lang="en-GB"/>
-          </a:p>
-        </p:txBody>
-      </p:sp>
-      <p:pic>
-        <p:nvPicPr>
-          <p:cNvPr id="5" name="Picture 4">
-            <a:extLst>
-              <a:ext uri="{FF2B5EF4-FFF2-40B4-BE49-F238E27FC236}">
-                <a16:creationId xmlns:a16="http://schemas.microsoft.com/office/drawing/2014/main" id="{BBCCA8A9-2EA6-13E9-862D-2FC11BA269AD}"/>
-              </a:ext>
-            </a:extLst>
-          </p:cNvPr>
-          <p:cNvPicPr>
-            <a:picLocks noChangeAspect="1"/>
-          </p:cNvPicPr>
-          <p:nvPr/>
-        </p:nvPicPr>
-        <p:blipFill>
-          <a:blip r:embed="rId2"/>
-          <a:stretch>
-            <a:fillRect/>
-          </a:stretch>
-        </p:blipFill>
-        <p:spPr>
-          <a:xfrm>
-            <a:off x="3976391" y="2519235"/>
-            <a:ext cx="4239217" cy="1819529"/>
-          </a:xfrm>
-          <a:prstGeom prst="rect">
-            <a:avLst/>
-          </a:prstGeom>
-        </p:spPr>
-      </p:pic>
-    </p:spTree>
-    <p:extLst>
-      <p:ext uri="{BB962C8B-B14F-4D97-AF65-F5344CB8AC3E}">
-        <p14:creationId xmlns:p14="http://schemas.microsoft.com/office/powerpoint/2010/main" val="1601142253"/>
-      </p:ext>
-    </p:extLst>
-  </p:cSld>
-  <p:clrMapOvr>
-    <a:masterClrMapping/>
-  </p:clrMapOvr>
-</p:sld>
-</file>
-
-<file path=ppt/slides/slide46.xml><?xml version="1.0" encoding="utf-8"?>
-<p:sld xmlns:a="http://schemas.openxmlformats.org/drawingml/2006/main" xmlns:r="http://schemas.openxmlformats.org/officeDocument/2006/relationships" xmlns:p="http://schemas.openxmlformats.org/presentationml/2006/main">
-  <p:cSld>
-    <p:spTree>
-      <p:nvGrpSpPr>
-        <p:cNvPr id="1" name=""/>
-        <p:cNvGrpSpPr/>
-        <p:nvPr/>
-      </p:nvGrpSpPr>
-      <p:grpSpPr>
-        <a:xfrm>
-          <a:off x="0" y="0"/>
-          <a:ext cx="0" cy="0"/>
-          <a:chOff x="0" y="0"/>
-          <a:chExt cx="0" cy="0"/>
-        </a:xfrm>
-      </p:grpSpPr>
-      <p:sp>
-        <p:nvSpPr>
-          <p:cNvPr id="2" name="Title 1">
-            <a:extLst>
-              <a:ext uri="{FF2B5EF4-FFF2-40B4-BE49-F238E27FC236}">
-                <a16:creationId xmlns:a16="http://schemas.microsoft.com/office/drawing/2014/main" id="{721D1864-1AA2-D6DD-A480-FBC15302FDFD}"/>
-              </a:ext>
-            </a:extLst>
-          </p:cNvPr>
-          <p:cNvSpPr>
-            <a:spLocks noGrp="1"/>
-          </p:cNvSpPr>
-          <p:nvPr>
-            <p:ph type="title"/>
-          </p:nvPr>
-        </p:nvSpPr>
-        <p:spPr/>
-        <p:txBody>
-          <a:bodyPr/>
-          <a:lstStyle/>
-          <a:p>
-            <a:r>
-              <a:rPr lang="en-GB" dirty="0"/>
-              <a:t>SQL Express!</a:t>
-            </a:r>
-          </a:p>
-        </p:txBody>
-      </p:sp>
-      <p:pic>
-        <p:nvPicPr>
-          <p:cNvPr id="5" name="Picture 4">
-            <a:extLst>
-              <a:ext uri="{FF2B5EF4-FFF2-40B4-BE49-F238E27FC236}">
-                <a16:creationId xmlns:a16="http://schemas.microsoft.com/office/drawing/2014/main" id="{448D210F-2791-BB01-3E4C-209625B18617}"/>
-              </a:ext>
-            </a:extLst>
-          </p:cNvPr>
-          <p:cNvPicPr>
-            <a:picLocks noChangeAspect="1"/>
-          </p:cNvPicPr>
-          <p:nvPr/>
-        </p:nvPicPr>
-        <p:blipFill>
-          <a:blip r:embed="rId2"/>
-          <a:stretch>
-            <a:fillRect/>
-          </a:stretch>
-        </p:blipFill>
-        <p:spPr>
-          <a:xfrm>
-            <a:off x="838200" y="2620727"/>
-            <a:ext cx="7525137" cy="2076557"/>
-          </a:xfrm>
-          <a:prstGeom prst="rect">
-            <a:avLst/>
-          </a:prstGeom>
-        </p:spPr>
-      </p:pic>
-      <p:sp>
-        <p:nvSpPr>
-          <p:cNvPr id="7" name="TextBox 6">
-            <a:extLst>
-              <a:ext uri="{FF2B5EF4-FFF2-40B4-BE49-F238E27FC236}">
-                <a16:creationId xmlns:a16="http://schemas.microsoft.com/office/drawing/2014/main" id="{C2A7AA09-D58C-3AA6-7B91-08BDBC8B6CF0}"/>
-              </a:ext>
-            </a:extLst>
-          </p:cNvPr>
-          <p:cNvSpPr txBox="1"/>
-          <p:nvPr/>
-        </p:nvSpPr>
-        <p:spPr>
-          <a:xfrm>
-            <a:off x="838200" y="1791385"/>
-            <a:ext cx="9296787" cy="369332"/>
-          </a:xfrm>
-          <a:prstGeom prst="rect">
-            <a:avLst/>
-          </a:prstGeom>
-          <a:noFill/>
-        </p:spPr>
-        <p:txBody>
-          <a:bodyPr wrap="square">
-            <a:spAutoFit/>
-          </a:bodyPr>
-          <a:lstStyle/>
-          <a:p>
-            <a:r>
-              <a:rPr lang="en-GB" dirty="0"/>
-              <a:t>https://www.microsoft.com/en-us/download/details.aspx?id=104781&amp;lc=1033</a:t>
-            </a:r>
-          </a:p>
-        </p:txBody>
-      </p:sp>
-    </p:spTree>
-    <p:extLst>
-      <p:ext uri="{BB962C8B-B14F-4D97-AF65-F5344CB8AC3E}">
-        <p14:creationId xmlns:p14="http://schemas.microsoft.com/office/powerpoint/2010/main" val="309386999"/>
-      </p:ext>
-    </p:extLst>
-  </p:cSld>
-  <p:clrMapOvr>
-    <a:masterClrMapping/>
-  </p:clrMapOvr>
-</p:sld>
-</file>
-
-<file path=ppt/slides/slide47.xml><?xml version="1.0" encoding="utf-8"?>
-<p:sld xmlns:a="http://schemas.openxmlformats.org/drawingml/2006/main" xmlns:r="http://schemas.openxmlformats.org/officeDocument/2006/relationships" xmlns:p="http://schemas.openxmlformats.org/presentationml/2006/main">
-  <p:cSld>
-    <p:spTree>
-      <p:nvGrpSpPr>
-        <p:cNvPr id="1" name=""/>
-        <p:cNvGrpSpPr/>
-        <p:nvPr/>
-      </p:nvGrpSpPr>
-      <p:grpSpPr>
-        <a:xfrm>
-          <a:off x="0" y="0"/>
-          <a:ext cx="0" cy="0"/>
-          <a:chOff x="0" y="0"/>
-          <a:chExt cx="0" cy="0"/>
-        </a:xfrm>
-      </p:grpSpPr>
-      <p:sp>
-        <p:nvSpPr>
-          <p:cNvPr id="2" name="Title 1">
-            <a:extLst>
-              <a:ext uri="{FF2B5EF4-FFF2-40B4-BE49-F238E27FC236}">
-                <a16:creationId xmlns:a16="http://schemas.microsoft.com/office/drawing/2014/main" id="{E54C7220-D4E8-C4CE-9F41-17CBBA3E9D1F}"/>
-              </a:ext>
-            </a:extLst>
-          </p:cNvPr>
-          <p:cNvSpPr>
-            <a:spLocks noGrp="1"/>
-          </p:cNvSpPr>
-          <p:nvPr>
-            <p:ph type="title"/>
-          </p:nvPr>
-        </p:nvSpPr>
-        <p:spPr/>
-        <p:txBody>
-          <a:bodyPr/>
-          <a:lstStyle/>
-          <a:p>
-            <a:endParaRPr lang="en-GB"/>
-          </a:p>
-        </p:txBody>
-      </p:sp>
-      <p:pic>
-        <p:nvPicPr>
-          <p:cNvPr id="5" name="Picture 4">
-            <a:extLst>
-              <a:ext uri="{FF2B5EF4-FFF2-40B4-BE49-F238E27FC236}">
-                <a16:creationId xmlns:a16="http://schemas.microsoft.com/office/drawing/2014/main" id="{1DE6EA73-5C07-A441-9C79-2FAF0206876C}"/>
-              </a:ext>
-            </a:extLst>
-          </p:cNvPr>
-          <p:cNvPicPr>
-            <a:picLocks noChangeAspect="1"/>
-          </p:cNvPicPr>
-          <p:nvPr/>
-        </p:nvPicPr>
-        <p:blipFill>
-          <a:blip r:embed="rId2"/>
-          <a:stretch>
-            <a:fillRect/>
-          </a:stretch>
-        </p:blipFill>
-        <p:spPr>
-          <a:xfrm>
-            <a:off x="2197359" y="1549342"/>
-            <a:ext cx="7550538" cy="2235315"/>
-          </a:xfrm>
-          <a:prstGeom prst="rect">
-            <a:avLst/>
-          </a:prstGeom>
-        </p:spPr>
-      </p:pic>
-      <p:pic>
-        <p:nvPicPr>
-          <p:cNvPr id="7" name="Picture 6">
-            <a:extLst>
-              <a:ext uri="{FF2B5EF4-FFF2-40B4-BE49-F238E27FC236}">
-                <a16:creationId xmlns:a16="http://schemas.microsoft.com/office/drawing/2014/main" id="{357DCD06-D3F9-B3E6-6147-8B555688ED76}"/>
-              </a:ext>
-            </a:extLst>
-          </p:cNvPr>
-          <p:cNvPicPr>
-            <a:picLocks noChangeAspect="1"/>
-          </p:cNvPicPr>
-          <p:nvPr/>
-        </p:nvPicPr>
-        <p:blipFill>
-          <a:blip r:embed="rId3"/>
-          <a:stretch>
-            <a:fillRect/>
-          </a:stretch>
-        </p:blipFill>
-        <p:spPr>
-          <a:xfrm>
-            <a:off x="2197359" y="4302102"/>
-            <a:ext cx="2921150" cy="895396"/>
-          </a:xfrm>
-          <a:prstGeom prst="rect">
-            <a:avLst/>
-          </a:prstGeom>
-        </p:spPr>
-      </p:pic>
-      <p:pic>
-        <p:nvPicPr>
-          <p:cNvPr id="9" name="Picture 8">
-            <a:extLst>
-              <a:ext uri="{FF2B5EF4-FFF2-40B4-BE49-F238E27FC236}">
-                <a16:creationId xmlns:a16="http://schemas.microsoft.com/office/drawing/2014/main" id="{C0E1A8B2-FE52-27DA-F7DB-CAD822372C31}"/>
-              </a:ext>
-            </a:extLst>
-          </p:cNvPr>
-          <p:cNvPicPr>
-            <a:picLocks noChangeAspect="1"/>
-          </p:cNvPicPr>
-          <p:nvPr/>
-        </p:nvPicPr>
-        <p:blipFill>
-          <a:blip r:embed="rId4"/>
-          <a:stretch>
-            <a:fillRect/>
-          </a:stretch>
-        </p:blipFill>
-        <p:spPr>
-          <a:xfrm>
-            <a:off x="2197359" y="5714943"/>
-            <a:ext cx="2254366" cy="806491"/>
-          </a:xfrm>
-          <a:prstGeom prst="rect">
-            <a:avLst/>
-          </a:prstGeom>
-        </p:spPr>
-      </p:pic>
-    </p:spTree>
-    <p:extLst>
-      <p:ext uri="{BB962C8B-B14F-4D97-AF65-F5344CB8AC3E}">
-        <p14:creationId xmlns:p14="http://schemas.microsoft.com/office/powerpoint/2010/main" val="2308371639"/>
-      </p:ext>
-    </p:extLst>
-  </p:cSld>
-  <p:clrMapOvr>
-    <a:masterClrMapping/>
-  </p:clrMapOvr>
-</p:sld>
-</file>
-
-<file path=ppt/slides/slide48.xml><?xml version="1.0" encoding="utf-8"?>
-<p:sld xmlns:a="http://schemas.openxmlformats.org/drawingml/2006/main" xmlns:r="http://schemas.openxmlformats.org/officeDocument/2006/relationships" xmlns:p="http://schemas.openxmlformats.org/presentationml/2006/main">
-  <p:cSld>
-    <p:spTree>
-      <p:nvGrpSpPr>
-        <p:cNvPr id="1" name=""/>
-        <p:cNvGrpSpPr/>
-        <p:nvPr/>
-      </p:nvGrpSpPr>
-      <p:grpSpPr>
-        <a:xfrm>
-          <a:off x="0" y="0"/>
-          <a:ext cx="0" cy="0"/>
-          <a:chOff x="0" y="0"/>
-          <a:chExt cx="0" cy="0"/>
-        </a:xfrm>
-      </p:grpSpPr>
-      <p:sp>
-        <p:nvSpPr>
-          <p:cNvPr id="2" name="Title 1">
-            <a:extLst>
-              <a:ext uri="{FF2B5EF4-FFF2-40B4-BE49-F238E27FC236}">
-                <a16:creationId xmlns:a16="http://schemas.microsoft.com/office/drawing/2014/main" id="{C3969D66-3483-9BE2-7840-401EA06DCA64}"/>
-              </a:ext>
-            </a:extLst>
-          </p:cNvPr>
-          <p:cNvSpPr>
-            <a:spLocks noGrp="1"/>
-          </p:cNvSpPr>
-          <p:nvPr>
-            <p:ph type="title"/>
-          </p:nvPr>
-        </p:nvSpPr>
-        <p:spPr/>
-        <p:txBody>
-          <a:bodyPr/>
-          <a:lstStyle/>
-          <a:p>
-            <a:endParaRPr lang="en-GB"/>
-          </a:p>
-        </p:txBody>
-      </p:sp>
-      <p:pic>
-        <p:nvPicPr>
-          <p:cNvPr id="5" name="Picture 4">
-            <a:extLst>
-              <a:ext uri="{FF2B5EF4-FFF2-40B4-BE49-F238E27FC236}">
-                <a16:creationId xmlns:a16="http://schemas.microsoft.com/office/drawing/2014/main" id="{2A36F57A-EBEF-472A-C1FC-9EA3E640B70A}"/>
-              </a:ext>
-            </a:extLst>
-          </p:cNvPr>
-          <p:cNvPicPr>
-            <a:picLocks noChangeAspect="1"/>
-          </p:cNvPicPr>
-          <p:nvPr/>
-        </p:nvPicPr>
-        <p:blipFill>
-          <a:blip r:embed="rId3"/>
-          <a:stretch>
-            <a:fillRect/>
-          </a:stretch>
-        </p:blipFill>
-        <p:spPr>
-          <a:xfrm>
-            <a:off x="838200" y="2042237"/>
-            <a:ext cx="2959252" cy="3187864"/>
-          </a:xfrm>
-          <a:prstGeom prst="rect">
-            <a:avLst/>
-          </a:prstGeom>
-        </p:spPr>
-      </p:pic>
-    </p:spTree>
-    <p:extLst>
-      <p:ext uri="{BB962C8B-B14F-4D97-AF65-F5344CB8AC3E}">
-        <p14:creationId xmlns:p14="http://schemas.microsoft.com/office/powerpoint/2010/main" val="2682671986"/>
-      </p:ext>
-    </p:extLst>
-  </p:cSld>
-  <p:clrMapOvr>
-    <a:masterClrMapping/>
-  </p:clrMapOvr>
-</p:sld>
-</file>
-
-<file path=ppt/slides/slide49.xml><?xml version="1.0" encoding="utf-8"?>
-<p:sld xmlns:a="http://schemas.openxmlformats.org/drawingml/2006/main" xmlns:r="http://schemas.openxmlformats.org/officeDocument/2006/relationships" xmlns:p="http://schemas.openxmlformats.org/presentationml/2006/main">
-  <p:cSld>
-    <p:spTree>
-      <p:nvGrpSpPr>
-        <p:cNvPr id="1" name=""/>
-        <p:cNvGrpSpPr/>
-        <p:nvPr/>
-      </p:nvGrpSpPr>
-      <p:grpSpPr>
-        <a:xfrm>
-          <a:off x="0" y="0"/>
-          <a:ext cx="0" cy="0"/>
-          <a:chOff x="0" y="0"/>
-          <a:chExt cx="0" cy="0"/>
-        </a:xfrm>
-      </p:grpSpPr>
-      <p:sp>
-        <p:nvSpPr>
-          <p:cNvPr id="2" name="Title 1">
-            <a:extLst>
-              <a:ext uri="{FF2B5EF4-FFF2-40B4-BE49-F238E27FC236}">
-                <a16:creationId xmlns:a16="http://schemas.microsoft.com/office/drawing/2014/main" id="{F9730C1D-834B-610B-0E29-AE24F94D4143}"/>
-              </a:ext>
-            </a:extLst>
-          </p:cNvPr>
-          <p:cNvSpPr>
-            <a:spLocks noGrp="1"/>
-          </p:cNvSpPr>
-          <p:nvPr>
-            <p:ph type="title"/>
-          </p:nvPr>
-        </p:nvSpPr>
-        <p:spPr/>
-        <p:txBody>
-          <a:bodyPr/>
-          <a:lstStyle/>
-          <a:p>
-            <a:endParaRPr lang="en-GB"/>
-          </a:p>
-        </p:txBody>
-      </p:sp>
-      <p:pic>
-        <p:nvPicPr>
-          <p:cNvPr id="7" name="Picture 6">
-            <a:extLst>
-              <a:ext uri="{FF2B5EF4-FFF2-40B4-BE49-F238E27FC236}">
-                <a16:creationId xmlns:a16="http://schemas.microsoft.com/office/drawing/2014/main" id="{84D8D550-260F-0F03-0F0E-8FB1893DB52E}"/>
-              </a:ext>
-            </a:extLst>
-          </p:cNvPr>
-          <p:cNvPicPr>
-            <a:picLocks noChangeAspect="1"/>
-          </p:cNvPicPr>
-          <p:nvPr/>
-        </p:nvPicPr>
-        <p:blipFill>
-          <a:blip r:embed="rId2"/>
-          <a:stretch>
-            <a:fillRect/>
-          </a:stretch>
-        </p:blipFill>
-        <p:spPr>
-          <a:xfrm>
-            <a:off x="3685605" y="1366482"/>
-            <a:ext cx="4559534" cy="5010407"/>
-          </a:xfrm>
-          <a:prstGeom prst="rect">
-            <a:avLst/>
-          </a:prstGeom>
-        </p:spPr>
-      </p:pic>
-    </p:spTree>
-    <p:extLst>
-      <p:ext uri="{BB962C8B-B14F-4D97-AF65-F5344CB8AC3E}">
-        <p14:creationId xmlns:p14="http://schemas.microsoft.com/office/powerpoint/2010/main" val="3024344180"/>
-      </p:ext>
-    </p:extLst>
-  </p:cSld>
-  <p:clrMapOvr>
-    <a:masterClrMapping/>
-  </p:clrMapOvr>
-</p:sld>
-</file>
-
-<file path=ppt/slides/slide5.xml><?xml version="1.0" encoding="utf-8"?>
-<p:sld xmlns:a="http://schemas.openxmlformats.org/drawingml/2006/main" xmlns:r="http://schemas.openxmlformats.org/officeDocument/2006/relationships" xmlns:p="http://schemas.openxmlformats.org/presentationml/2006/main">
-  <p:cSld>
-    <p:spTree>
-      <p:nvGrpSpPr>
-        <p:cNvPr id="1" name=""/>
-        <p:cNvGrpSpPr/>
-        <p:nvPr/>
-      </p:nvGrpSpPr>
-      <p:grpSpPr>
-        <a:xfrm>
-          <a:off x="0" y="0"/>
-          <a:ext cx="0" cy="0"/>
-          <a:chOff x="0" y="0"/>
-          <a:chExt cx="0" cy="0"/>
-        </a:xfrm>
-      </p:grpSpPr>
-      <p:sp>
-        <p:nvSpPr>
-          <p:cNvPr id="2" name="Title 1">
-            <a:extLst>
-              <a:ext uri="{FF2B5EF4-FFF2-40B4-BE49-F238E27FC236}">
-                <a16:creationId xmlns:a16="http://schemas.microsoft.com/office/drawing/2014/main" id="{9831B8CC-CE63-2632-A79B-DF312B723DB2}"/>
-              </a:ext>
-            </a:extLst>
-          </p:cNvPr>
-          <p:cNvSpPr>
-            <a:spLocks noGrp="1"/>
-          </p:cNvSpPr>
-          <p:nvPr>
-            <p:ph type="title"/>
-          </p:nvPr>
-        </p:nvSpPr>
-        <p:spPr/>
-        <p:txBody>
-          <a:bodyPr/>
-          <a:lstStyle/>
-          <a:p>
-            <a:r>
-              <a:rPr lang="en-GB" dirty="0"/>
-              <a:t>VS Code</a:t>
-            </a:r>
-          </a:p>
-        </p:txBody>
-      </p:sp>
-      <p:sp>
-        <p:nvSpPr>
-          <p:cNvPr id="3" name="Content Placeholder 2">
-            <a:extLst>
-              <a:ext uri="{FF2B5EF4-FFF2-40B4-BE49-F238E27FC236}">
-                <a16:creationId xmlns:a16="http://schemas.microsoft.com/office/drawing/2014/main" id="{B5E4477C-CAAB-ABF9-981B-11DA484523CD}"/>
-              </a:ext>
-            </a:extLst>
-          </p:cNvPr>
-          <p:cNvSpPr>
-            <a:spLocks noGrp="1"/>
-          </p:cNvSpPr>
-          <p:nvPr>
-            <p:ph idx="1"/>
-          </p:nvPr>
-        </p:nvSpPr>
-        <p:spPr/>
-        <p:txBody>
-          <a:bodyPr/>
-          <a:lstStyle/>
-          <a:p>
-            <a:endParaRPr lang="en-GB"/>
-          </a:p>
-        </p:txBody>
-      </p:sp>
-    </p:spTree>
-    <p:extLst>
-      <p:ext uri="{BB962C8B-B14F-4D97-AF65-F5344CB8AC3E}">
-        <p14:creationId xmlns:p14="http://schemas.microsoft.com/office/powerpoint/2010/main" val="3080502177"/>
-      </p:ext>
-    </p:extLst>
-  </p:cSld>
-  <p:clrMapOvr>
-    <a:masterClrMapping/>
-  </p:clrMapOvr>
-</p:sld>
-</file>
-
-<file path=ppt/slides/slide50.xml><?xml version="1.0" encoding="utf-8"?>
-<p:sld xmlns:a="http://schemas.openxmlformats.org/drawingml/2006/main" xmlns:r="http://schemas.openxmlformats.org/officeDocument/2006/relationships" xmlns:p="http://schemas.openxmlformats.org/presentationml/2006/main">
-  <p:cSld>
-    <p:spTree>
-      <p:nvGrpSpPr>
-        <p:cNvPr id="1" name=""/>
-        <p:cNvGrpSpPr/>
-        <p:nvPr/>
-      </p:nvGrpSpPr>
-      <p:grpSpPr>
-        <a:xfrm>
-          <a:off x="0" y="0"/>
-          <a:ext cx="0" cy="0"/>
-          <a:chOff x="0" y="0"/>
-          <a:chExt cx="0" cy="0"/>
-        </a:xfrm>
-      </p:grpSpPr>
-      <p:sp>
-        <p:nvSpPr>
-          <p:cNvPr id="2" name="Title 1">
-            <a:extLst>
-              <a:ext uri="{FF2B5EF4-FFF2-40B4-BE49-F238E27FC236}">
-                <a16:creationId xmlns:a16="http://schemas.microsoft.com/office/drawing/2014/main" id="{E4048C8B-7E17-501E-E69D-E0441C9CC7E9}"/>
-              </a:ext>
-            </a:extLst>
-          </p:cNvPr>
-          <p:cNvSpPr>
-            <a:spLocks noGrp="1"/>
-          </p:cNvSpPr>
-          <p:nvPr>
-            <p:ph type="title"/>
-          </p:nvPr>
-        </p:nvSpPr>
-        <p:spPr/>
-        <p:txBody>
-          <a:bodyPr/>
-          <a:lstStyle/>
-          <a:p>
-            <a:endParaRPr lang="en-GB"/>
-          </a:p>
-        </p:txBody>
-      </p:sp>
-      <p:sp>
-        <p:nvSpPr>
-          <p:cNvPr id="3" name="Content Placeholder 2">
-            <a:extLst>
-              <a:ext uri="{FF2B5EF4-FFF2-40B4-BE49-F238E27FC236}">
-                <a16:creationId xmlns:a16="http://schemas.microsoft.com/office/drawing/2014/main" id="{06C03778-3C7D-68FE-3C89-CE3F1EFD313F}"/>
-              </a:ext>
-            </a:extLst>
-          </p:cNvPr>
-          <p:cNvSpPr>
-            <a:spLocks noGrp="1"/>
-          </p:cNvSpPr>
-          <p:nvPr>
-            <p:ph idx="1"/>
-          </p:nvPr>
-        </p:nvSpPr>
-        <p:spPr/>
-        <p:txBody>
-          <a:bodyPr/>
-          <a:lstStyle/>
-          <a:p>
-            <a:r>
-              <a:rPr lang="en-GB" dirty="0"/>
-              <a:t>Download JDBC driver</a:t>
-            </a:r>
-            <a:r>
-              <a:rPr lang="en-GB"/>
-              <a:t>: https://repo1.maven.org/maven2/com/microsoft/azure/spark-mssql-connector_2.12/1.2.0/spark-mssql-connector_2.12-1.2.0.jar</a:t>
-            </a:r>
-            <a:endParaRPr lang="en-GB" dirty="0"/>
-          </a:p>
-          <a:p>
-            <a:r>
-              <a:rPr lang="en-GB" dirty="0"/>
-              <a:t>Copy jar file to anaconda jars folder</a:t>
-            </a:r>
-          </a:p>
-        </p:txBody>
-      </p:sp>
-    </p:spTree>
-    <p:extLst>
-      <p:ext uri="{BB962C8B-B14F-4D97-AF65-F5344CB8AC3E}">
-        <p14:creationId xmlns:p14="http://schemas.microsoft.com/office/powerpoint/2010/main" val="4018909052"/>
-      </p:ext>
-    </p:extLst>
-  </p:cSld>
-  <p:clrMapOvr>
-    <a:masterClrMapping/>
-  </p:clrMapOvr>
-</p:sld>
-</file>
-
-<file path=ppt/slides/slide51.xml><?xml version="1.0" encoding="utf-8"?>
-<p:sld xmlns:a="http://schemas.openxmlformats.org/drawingml/2006/main" xmlns:r="http://schemas.openxmlformats.org/officeDocument/2006/relationships" xmlns:p="http://schemas.openxmlformats.org/presentationml/2006/main">
-  <p:cSld>
-    <p:spTree>
-      <p:nvGrpSpPr>
-        <p:cNvPr id="1" name=""/>
-        <p:cNvGrpSpPr/>
-        <p:nvPr/>
-      </p:nvGrpSpPr>
-      <p:grpSpPr>
-        <a:xfrm>
-          <a:off x="0" y="0"/>
-          <a:ext cx="0" cy="0"/>
-          <a:chOff x="0" y="0"/>
-          <a:chExt cx="0" cy="0"/>
-        </a:xfrm>
-      </p:grpSpPr>
-      <p:sp>
-        <p:nvSpPr>
-          <p:cNvPr id="2" name="Title 1">
-            <a:extLst>
-              <a:ext uri="{FF2B5EF4-FFF2-40B4-BE49-F238E27FC236}">
-                <a16:creationId xmlns:a16="http://schemas.microsoft.com/office/drawing/2014/main" id="{6461F12C-8296-BADA-FD56-149E96554D1E}"/>
-              </a:ext>
-            </a:extLst>
-          </p:cNvPr>
-          <p:cNvSpPr>
-            <a:spLocks noGrp="1"/>
-          </p:cNvSpPr>
-          <p:nvPr>
-            <p:ph type="title"/>
-          </p:nvPr>
-        </p:nvSpPr>
-        <p:spPr>
-          <a:xfrm>
-            <a:off x="838200" y="365125"/>
-            <a:ext cx="10439400" cy="5940425"/>
-          </a:xfrm>
-        </p:spPr>
-        <p:txBody>
-          <a:bodyPr>
-            <a:normAutofit/>
-          </a:bodyPr>
-          <a:lstStyle/>
-          <a:p>
-            <a:pPr algn="ctr"/>
-            <a:r>
-              <a:rPr lang="en-GB" sz="8800" dirty="0"/>
-              <a:t>END</a:t>
-            </a:r>
-          </a:p>
-        </p:txBody>
-      </p:sp>
-    </p:spTree>
-    <p:extLst>
-      <p:ext uri="{BB962C8B-B14F-4D97-AF65-F5344CB8AC3E}">
-        <p14:creationId xmlns:p14="http://schemas.microsoft.com/office/powerpoint/2010/main" val="3703701476"/>
-      </p:ext>
-    </p:extLst>
-  </p:cSld>
-  <p:clrMapOvr>
-    <a:masterClrMapping/>
-  </p:clrMapOvr>
-</p:sld>
-</file>
-
-<file path=ppt/slides/slide52.xml><?xml version="1.0" encoding="utf-8"?>
-<p:sld xmlns:a="http://schemas.openxmlformats.org/drawingml/2006/main" xmlns:r="http://schemas.openxmlformats.org/officeDocument/2006/relationships" xmlns:p="http://schemas.openxmlformats.org/presentationml/2006/main">
-  <p:cSld>
-    <p:spTree>
-      <p:nvGrpSpPr>
-        <p:cNvPr id="1" name=""/>
-        <p:cNvGrpSpPr/>
-        <p:nvPr/>
-      </p:nvGrpSpPr>
-      <p:grpSpPr>
-        <a:xfrm>
-          <a:off x="0" y="0"/>
-          <a:ext cx="0" cy="0"/>
-          <a:chOff x="0" y="0"/>
-          <a:chExt cx="0" cy="0"/>
-        </a:xfrm>
-      </p:grpSpPr>
-      <p:sp>
-        <p:nvSpPr>
-          <p:cNvPr id="2" name="Title 1">
-            <a:extLst>
-              <a:ext uri="{FF2B5EF4-FFF2-40B4-BE49-F238E27FC236}">
-                <a16:creationId xmlns:a16="http://schemas.microsoft.com/office/drawing/2014/main" id="{DCD86764-00F4-6C9A-2130-D553A9C0F19A}"/>
-              </a:ext>
-            </a:extLst>
-          </p:cNvPr>
-          <p:cNvSpPr>
-            <a:spLocks noGrp="1"/>
-          </p:cNvSpPr>
-          <p:nvPr>
-            <p:ph type="title"/>
-          </p:nvPr>
-        </p:nvSpPr>
-        <p:spPr/>
-        <p:txBody>
-          <a:bodyPr/>
-          <a:lstStyle/>
-          <a:p>
-            <a:r>
-              <a:rPr lang="en-GB" dirty="0"/>
-              <a:t>Python pre-</a:t>
-            </a:r>
-            <a:r>
-              <a:rPr lang="en-GB" dirty="0" err="1"/>
-              <a:t>reqs</a:t>
-            </a:r>
-            <a:endParaRPr lang="en-GB" dirty="0"/>
-          </a:p>
-        </p:txBody>
-      </p:sp>
-      <p:pic>
-        <p:nvPicPr>
-          <p:cNvPr id="5" name="Picture 4">
-            <a:extLst>
-              <a:ext uri="{FF2B5EF4-FFF2-40B4-BE49-F238E27FC236}">
-                <a16:creationId xmlns:a16="http://schemas.microsoft.com/office/drawing/2014/main" id="{C663F566-F2F6-4996-C066-E71C1013515E}"/>
-              </a:ext>
-            </a:extLst>
-          </p:cNvPr>
-          <p:cNvPicPr>
-            <a:picLocks noChangeAspect="1"/>
-          </p:cNvPicPr>
-          <p:nvPr/>
-        </p:nvPicPr>
-        <p:blipFill>
-          <a:blip r:embed="rId2"/>
-          <a:stretch>
-            <a:fillRect/>
-          </a:stretch>
-        </p:blipFill>
-        <p:spPr>
-          <a:xfrm>
-            <a:off x="838200" y="1431753"/>
-            <a:ext cx="9392961" cy="2457793"/>
-          </a:xfrm>
-          <a:prstGeom prst="rect">
-            <a:avLst/>
-          </a:prstGeom>
-        </p:spPr>
-      </p:pic>
-      <p:pic>
-        <p:nvPicPr>
-          <p:cNvPr id="8" name="Picture 7">
-            <a:extLst>
-              <a:ext uri="{FF2B5EF4-FFF2-40B4-BE49-F238E27FC236}">
-                <a16:creationId xmlns:a16="http://schemas.microsoft.com/office/drawing/2014/main" id="{0DA08BAC-BAA2-E123-3A0B-E202C41AC238}"/>
-              </a:ext>
-            </a:extLst>
-          </p:cNvPr>
-          <p:cNvPicPr>
-            <a:picLocks noChangeAspect="1"/>
-          </p:cNvPicPr>
-          <p:nvPr/>
-        </p:nvPicPr>
-        <p:blipFill>
-          <a:blip r:embed="rId3"/>
-          <a:stretch>
-            <a:fillRect/>
-          </a:stretch>
-        </p:blipFill>
-        <p:spPr>
-          <a:xfrm>
-            <a:off x="838200" y="4217883"/>
-            <a:ext cx="4934639" cy="1476581"/>
-          </a:xfrm>
-          <a:prstGeom prst="rect">
-            <a:avLst/>
-          </a:prstGeom>
-        </p:spPr>
-      </p:pic>
-    </p:spTree>
-    <p:extLst>
-      <p:ext uri="{BB962C8B-B14F-4D97-AF65-F5344CB8AC3E}">
-        <p14:creationId xmlns:p14="http://schemas.microsoft.com/office/powerpoint/2010/main" val="2091675727"/>
-      </p:ext>
-    </p:extLst>
-  </p:cSld>
-  <p:clrMapOvr>
-    <a:masterClrMapping/>
-  </p:clrMapOvr>
-</p:sld>
-</file>
-
-<file path=ppt/slides/slide53.xml><?xml version="1.0" encoding="utf-8"?>
-<p:sld xmlns:a="http://schemas.openxmlformats.org/drawingml/2006/main" xmlns:r="http://schemas.openxmlformats.org/officeDocument/2006/relationships" xmlns:p="http://schemas.openxmlformats.org/presentationml/2006/main">
-  <p:cSld>
-    <p:spTree>
-      <p:nvGrpSpPr>
-        <p:cNvPr id="1" name=""/>
-        <p:cNvGrpSpPr/>
-        <p:nvPr/>
-      </p:nvGrpSpPr>
-      <p:grpSpPr>
-        <a:xfrm>
-          <a:off x="0" y="0"/>
-          <a:ext cx="0" cy="0"/>
-          <a:chOff x="0" y="0"/>
-          <a:chExt cx="0" cy="0"/>
-        </a:xfrm>
-      </p:grpSpPr>
-      <p:sp>
-        <p:nvSpPr>
-          <p:cNvPr id="2" name="Title 1">
-            <a:extLst>
-              <a:ext uri="{FF2B5EF4-FFF2-40B4-BE49-F238E27FC236}">
-                <a16:creationId xmlns:a16="http://schemas.microsoft.com/office/drawing/2014/main" id="{DCD86764-00F4-6C9A-2130-D553A9C0F19A}"/>
-              </a:ext>
-            </a:extLst>
-          </p:cNvPr>
-          <p:cNvSpPr>
-            <a:spLocks noGrp="1"/>
-          </p:cNvSpPr>
-          <p:nvPr>
-            <p:ph type="title"/>
-          </p:nvPr>
-        </p:nvSpPr>
-        <p:spPr/>
-        <p:txBody>
-          <a:bodyPr/>
-          <a:lstStyle/>
-          <a:p>
-            <a:endParaRPr lang="en-GB"/>
-          </a:p>
-        </p:txBody>
-      </p:sp>
-      <p:pic>
-        <p:nvPicPr>
-          <p:cNvPr id="4" name="Picture 3">
-            <a:extLst>
-              <a:ext uri="{FF2B5EF4-FFF2-40B4-BE49-F238E27FC236}">
-                <a16:creationId xmlns:a16="http://schemas.microsoft.com/office/drawing/2014/main" id="{20F3E66B-E246-EFCB-FFBE-25044944C469}"/>
-              </a:ext>
-            </a:extLst>
-          </p:cNvPr>
-          <p:cNvPicPr>
-            <a:picLocks noChangeAspect="1"/>
-          </p:cNvPicPr>
-          <p:nvPr/>
-        </p:nvPicPr>
-        <p:blipFill>
-          <a:blip r:embed="rId2"/>
-          <a:stretch>
-            <a:fillRect/>
-          </a:stretch>
-        </p:blipFill>
-        <p:spPr>
-          <a:xfrm>
-            <a:off x="838200" y="1242558"/>
-            <a:ext cx="4959605" cy="1517728"/>
-          </a:xfrm>
-          <a:prstGeom prst="rect">
-            <a:avLst/>
-          </a:prstGeom>
-        </p:spPr>
-      </p:pic>
-      <p:pic>
-        <p:nvPicPr>
-          <p:cNvPr id="7" name="Picture 6">
-            <a:extLst>
-              <a:ext uri="{FF2B5EF4-FFF2-40B4-BE49-F238E27FC236}">
-                <a16:creationId xmlns:a16="http://schemas.microsoft.com/office/drawing/2014/main" id="{A96C8C96-A6EA-2AE6-661D-FA50CC4E8CDA}"/>
-              </a:ext>
-            </a:extLst>
-          </p:cNvPr>
-          <p:cNvPicPr>
-            <a:picLocks noChangeAspect="1"/>
-          </p:cNvPicPr>
-          <p:nvPr/>
-        </p:nvPicPr>
-        <p:blipFill>
-          <a:blip r:embed="rId3"/>
-          <a:stretch>
-            <a:fillRect/>
-          </a:stretch>
-        </p:blipFill>
-        <p:spPr>
-          <a:xfrm>
-            <a:off x="6394197" y="1242558"/>
-            <a:ext cx="4511991" cy="5250317"/>
-          </a:xfrm>
-          <a:prstGeom prst="rect">
-            <a:avLst/>
-          </a:prstGeom>
-        </p:spPr>
-      </p:pic>
-    </p:spTree>
-    <p:extLst>
-      <p:ext uri="{BB962C8B-B14F-4D97-AF65-F5344CB8AC3E}">
-        <p14:creationId xmlns:p14="http://schemas.microsoft.com/office/powerpoint/2010/main" val="17736079"/>
-      </p:ext>
-    </p:extLst>
-  </p:cSld>
-  <p:clrMapOvr>
-    <a:masterClrMapping/>
-  </p:clrMapOvr>
-</p:sld>
-</file>
-
-<file path=ppt/slides/slide54.xml><?xml version="1.0" encoding="utf-8"?>
-<p:sld xmlns:a="http://schemas.openxmlformats.org/drawingml/2006/main" xmlns:r="http://schemas.openxmlformats.org/officeDocument/2006/relationships" xmlns:p="http://schemas.openxmlformats.org/presentationml/2006/main">
-  <p:cSld>
-    <p:spTree>
-      <p:nvGrpSpPr>
-        <p:cNvPr id="1" name=""/>
-        <p:cNvGrpSpPr/>
-        <p:nvPr/>
-      </p:nvGrpSpPr>
-      <p:grpSpPr>
-        <a:xfrm>
-          <a:off x="0" y="0"/>
-          <a:ext cx="0" cy="0"/>
-          <a:chOff x="0" y="0"/>
-          <a:chExt cx="0" cy="0"/>
-        </a:xfrm>
-      </p:grpSpPr>
-      <p:pic>
-        <p:nvPicPr>
-          <p:cNvPr id="8" name="Picture 7">
-            <a:extLst>
-              <a:ext uri="{FF2B5EF4-FFF2-40B4-BE49-F238E27FC236}">
-                <a16:creationId xmlns:a16="http://schemas.microsoft.com/office/drawing/2014/main" id="{267E26B0-ADE5-2D5A-201D-E7974C1FE8C8}"/>
-              </a:ext>
-            </a:extLst>
-          </p:cNvPr>
-          <p:cNvPicPr>
-            <a:picLocks noChangeAspect="1"/>
-          </p:cNvPicPr>
-          <p:nvPr/>
-        </p:nvPicPr>
-        <p:blipFill>
-          <a:blip r:embed="rId2"/>
-          <a:stretch>
-            <a:fillRect/>
-          </a:stretch>
-        </p:blipFill>
-        <p:spPr>
-          <a:xfrm>
-            <a:off x="497406" y="502516"/>
-            <a:ext cx="6401129" cy="5550185"/>
-          </a:xfrm>
-          <a:prstGeom prst="rect">
-            <a:avLst/>
-          </a:prstGeom>
-        </p:spPr>
-      </p:pic>
-      <p:pic>
-        <p:nvPicPr>
-          <p:cNvPr id="9" name="Picture 8">
-            <a:extLst>
-              <a:ext uri="{FF2B5EF4-FFF2-40B4-BE49-F238E27FC236}">
-                <a16:creationId xmlns:a16="http://schemas.microsoft.com/office/drawing/2014/main" id="{159E5FD2-985E-7690-3E2A-435134F3B0FE}"/>
-              </a:ext>
-            </a:extLst>
-          </p:cNvPr>
-          <p:cNvPicPr>
-            <a:picLocks noChangeAspect="1"/>
-          </p:cNvPicPr>
-          <p:nvPr/>
-        </p:nvPicPr>
-        <p:blipFill>
-          <a:blip r:embed="rId3"/>
-          <a:stretch>
-            <a:fillRect/>
-          </a:stretch>
-        </p:blipFill>
-        <p:spPr>
-          <a:xfrm>
-            <a:off x="7205188" y="923852"/>
-            <a:ext cx="4915153" cy="2006703"/>
-          </a:xfrm>
-          <a:prstGeom prst="rect">
-            <a:avLst/>
-          </a:prstGeom>
-        </p:spPr>
-      </p:pic>
-    </p:spTree>
-    <p:extLst>
-      <p:ext uri="{BB962C8B-B14F-4D97-AF65-F5344CB8AC3E}">
-        <p14:creationId xmlns:p14="http://schemas.microsoft.com/office/powerpoint/2010/main" val="3790276932"/>
-      </p:ext>
-    </p:extLst>
-  </p:cSld>
-  <p:clrMapOvr>
-    <a:masterClrMapping/>
-  </p:clrMapOvr>
-</p:sld>
-</file>
-
-<file path=ppt/slides/slide55.xml><?xml version="1.0" encoding="utf-8"?>
-<p:sld xmlns:a="http://schemas.openxmlformats.org/drawingml/2006/main" xmlns:r="http://schemas.openxmlformats.org/officeDocument/2006/relationships" xmlns:p="http://schemas.openxmlformats.org/presentationml/2006/main">
-  <p:cSld>
-    <p:spTree>
-      <p:nvGrpSpPr>
-        <p:cNvPr id="1" name=""/>
-        <p:cNvGrpSpPr/>
-        <p:nvPr/>
-      </p:nvGrpSpPr>
-      <p:grpSpPr>
-        <a:xfrm>
-          <a:off x="0" y="0"/>
-          <a:ext cx="0" cy="0"/>
-          <a:chOff x="0" y="0"/>
-          <a:chExt cx="0" cy="0"/>
-        </a:xfrm>
-      </p:grpSpPr>
-      <p:pic>
-        <p:nvPicPr>
-          <p:cNvPr id="5" name="Picture 4">
-            <a:extLst>
-              <a:ext uri="{FF2B5EF4-FFF2-40B4-BE49-F238E27FC236}">
-                <a16:creationId xmlns:a16="http://schemas.microsoft.com/office/drawing/2014/main" id="{D89C5F76-DE95-EF62-4BC4-CD0A02BDAAB6}"/>
-              </a:ext>
-            </a:extLst>
-          </p:cNvPr>
-          <p:cNvPicPr>
-            <a:picLocks noChangeAspect="1"/>
-          </p:cNvPicPr>
-          <p:nvPr/>
-        </p:nvPicPr>
-        <p:blipFill>
-          <a:blip r:embed="rId2"/>
-          <a:stretch>
-            <a:fillRect/>
-          </a:stretch>
-        </p:blipFill>
-        <p:spPr>
-          <a:xfrm>
-            <a:off x="564587" y="761453"/>
-            <a:ext cx="4680191" cy="3264068"/>
-          </a:xfrm>
-          <a:prstGeom prst="rect">
-            <a:avLst/>
-          </a:prstGeom>
-        </p:spPr>
-      </p:pic>
-      <p:pic>
-        <p:nvPicPr>
-          <p:cNvPr id="7" name="Picture 6">
-            <a:extLst>
-              <a:ext uri="{FF2B5EF4-FFF2-40B4-BE49-F238E27FC236}">
-                <a16:creationId xmlns:a16="http://schemas.microsoft.com/office/drawing/2014/main" id="{FE67BB66-D68E-91FC-1442-E45607E8A920}"/>
-              </a:ext>
-            </a:extLst>
-          </p:cNvPr>
-          <p:cNvPicPr>
-            <a:picLocks noChangeAspect="1"/>
-          </p:cNvPicPr>
-          <p:nvPr/>
-        </p:nvPicPr>
-        <p:blipFill>
-          <a:blip r:embed="rId3"/>
-          <a:stretch>
-            <a:fillRect/>
-          </a:stretch>
-        </p:blipFill>
-        <p:spPr>
-          <a:xfrm>
-            <a:off x="6858335" y="889174"/>
-            <a:ext cx="2508379" cy="3892750"/>
-          </a:xfrm>
-          <a:prstGeom prst="rect">
-            <a:avLst/>
-          </a:prstGeom>
-        </p:spPr>
-      </p:pic>
-    </p:spTree>
-    <p:extLst>
-      <p:ext uri="{BB962C8B-B14F-4D97-AF65-F5344CB8AC3E}">
-        <p14:creationId xmlns:p14="http://schemas.microsoft.com/office/powerpoint/2010/main" val="1708038266"/>
-      </p:ext>
-    </p:extLst>
-  </p:cSld>
-  <p:clrMapOvr>
-    <a:masterClrMapping/>
-  </p:clrMapOvr>
-</p:sld>
-</file>
-
-<file path=ppt/slides/slide56.xml><?xml version="1.0" encoding="utf-8"?>
-<p:sld xmlns:a="http://schemas.openxmlformats.org/drawingml/2006/main" xmlns:r="http://schemas.openxmlformats.org/officeDocument/2006/relationships" xmlns:p="http://schemas.openxmlformats.org/presentationml/2006/main">
-  <p:cSld>
-    <p:spTree>
-      <p:nvGrpSpPr>
-        <p:cNvPr id="1" name=""/>
-        <p:cNvGrpSpPr/>
-        <p:nvPr/>
-      </p:nvGrpSpPr>
-      <p:grpSpPr>
-        <a:xfrm>
-          <a:off x="0" y="0"/>
-          <a:ext cx="0" cy="0"/>
-          <a:chOff x="0" y="0"/>
-          <a:chExt cx="0" cy="0"/>
-        </a:xfrm>
-      </p:grpSpPr>
-      <p:pic>
-        <p:nvPicPr>
-          <p:cNvPr id="5" name="Picture 4">
-            <a:extLst>
-              <a:ext uri="{FF2B5EF4-FFF2-40B4-BE49-F238E27FC236}">
-                <a16:creationId xmlns:a16="http://schemas.microsoft.com/office/drawing/2014/main" id="{BC909FB5-6F06-559F-6D56-11877CAEF8ED}"/>
-              </a:ext>
-            </a:extLst>
-          </p:cNvPr>
-          <p:cNvPicPr>
-            <a:picLocks noChangeAspect="1"/>
-          </p:cNvPicPr>
-          <p:nvPr/>
-        </p:nvPicPr>
-        <p:blipFill>
-          <a:blip r:embed="rId2"/>
-          <a:stretch>
-            <a:fillRect/>
-          </a:stretch>
-        </p:blipFill>
-        <p:spPr>
-          <a:xfrm>
-            <a:off x="645176" y="794450"/>
-            <a:ext cx="9036514" cy="3016405"/>
-          </a:xfrm>
-          <a:prstGeom prst="rect">
-            <a:avLst/>
-          </a:prstGeom>
-        </p:spPr>
-      </p:pic>
-    </p:spTree>
-    <p:extLst>
-      <p:ext uri="{BB962C8B-B14F-4D97-AF65-F5344CB8AC3E}">
-        <p14:creationId xmlns:p14="http://schemas.microsoft.com/office/powerpoint/2010/main" val="3243554057"/>
-      </p:ext>
-    </p:extLst>
-  </p:cSld>
-  <p:clrMapOvr>
-    <a:masterClrMapping/>
-  </p:clrMapOvr>
-</p:sld>
-</file>
-
-<file path=ppt/slides/slide57.xml><?xml version="1.0" encoding="utf-8"?>
-<p:sld xmlns:a="http://schemas.openxmlformats.org/drawingml/2006/main" xmlns:r="http://schemas.openxmlformats.org/officeDocument/2006/relationships" xmlns:p="http://schemas.openxmlformats.org/presentationml/2006/main">
-  <p:cSld>
-    <p:spTree>
-      <p:nvGrpSpPr>
-        <p:cNvPr id="1" name=""/>
-        <p:cNvGrpSpPr/>
-        <p:nvPr/>
-      </p:nvGrpSpPr>
-      <p:grpSpPr>
-        <a:xfrm>
-          <a:off x="0" y="0"/>
-          <a:ext cx="0" cy="0"/>
-          <a:chOff x="0" y="0"/>
-          <a:chExt cx="0" cy="0"/>
-        </a:xfrm>
-      </p:grpSpPr>
-      <p:sp>
-        <p:nvSpPr>
-          <p:cNvPr id="2" name="Title 1">
-            <a:extLst>
-              <a:ext uri="{FF2B5EF4-FFF2-40B4-BE49-F238E27FC236}">
-                <a16:creationId xmlns:a16="http://schemas.microsoft.com/office/drawing/2014/main" id="{71DE5ED6-49D5-43EE-E52E-844BFD80D4AE}"/>
-              </a:ext>
-            </a:extLst>
-          </p:cNvPr>
-          <p:cNvSpPr>
-            <a:spLocks noGrp="1"/>
-          </p:cNvSpPr>
-          <p:nvPr>
-            <p:ph type="title"/>
-          </p:nvPr>
-        </p:nvSpPr>
-        <p:spPr/>
-        <p:txBody>
-          <a:bodyPr/>
-          <a:lstStyle/>
-          <a:p>
-            <a:r>
-              <a:rPr lang="en-GB" dirty="0"/>
-              <a:t>Create storage account</a:t>
-            </a:r>
-          </a:p>
-        </p:txBody>
-      </p:sp>
-      <p:pic>
-        <p:nvPicPr>
-          <p:cNvPr id="11" name="Picture 10">
-            <a:extLst>
-              <a:ext uri="{FF2B5EF4-FFF2-40B4-BE49-F238E27FC236}">
-                <a16:creationId xmlns:a16="http://schemas.microsoft.com/office/drawing/2014/main" id="{3268972B-32A1-31B9-A481-6C95F1501AAC}"/>
-              </a:ext>
-            </a:extLst>
-          </p:cNvPr>
-          <p:cNvPicPr>
-            <a:picLocks noChangeAspect="1"/>
-          </p:cNvPicPr>
-          <p:nvPr/>
-        </p:nvPicPr>
-        <p:blipFill>
-          <a:blip r:embed="rId2"/>
-          <a:stretch>
-            <a:fillRect/>
-          </a:stretch>
-        </p:blipFill>
-        <p:spPr>
-          <a:xfrm>
-            <a:off x="2676047" y="2109603"/>
-            <a:ext cx="6839905" cy="2638793"/>
-          </a:xfrm>
-          <a:prstGeom prst="rect">
-            <a:avLst/>
-          </a:prstGeom>
-        </p:spPr>
-      </p:pic>
-    </p:spTree>
-    <p:extLst>
-      <p:ext uri="{BB962C8B-B14F-4D97-AF65-F5344CB8AC3E}">
-        <p14:creationId xmlns:p14="http://schemas.microsoft.com/office/powerpoint/2010/main" val="164542091"/>
-      </p:ext>
-    </p:extLst>
-  </p:cSld>
-  <p:clrMapOvr>
-    <a:masterClrMapping/>
-  </p:clrMapOvr>
-</p:sld>
-</file>
-
-<file path=ppt/slides/slide58.xml><?xml version="1.0" encoding="utf-8"?>
+<file path=ppt/slides/slide60.xml><?xml version="1.0" encoding="utf-8"?>
 <p:sld xmlns:a="http://schemas.openxmlformats.org/drawingml/2006/main" xmlns:r="http://schemas.openxmlformats.org/officeDocument/2006/relationships" xmlns:p="http://schemas.openxmlformats.org/presentationml/2006/main">
   <p:cSld>
     <p:spTree>
@@ -11012,7 +11491,7 @@
 </p:sld>
 </file>
 
-<file path=ppt/slides/slide59.xml><?xml version="1.0" encoding="utf-8"?>
+<file path=ppt/slides/slide61.xml><?xml version="1.0" encoding="utf-8"?>
 <p:sld xmlns:a="http://schemas.openxmlformats.org/drawingml/2006/main" xmlns:r="http://schemas.openxmlformats.org/officeDocument/2006/relationships" xmlns:p="http://schemas.openxmlformats.org/presentationml/2006/main">
   <p:cSld>
     <p:spTree>
@@ -11099,147 +11578,7 @@
 </p:sld>
 </file>
 
-<file path=ppt/slides/slide6.xml><?xml version="1.0" encoding="utf-8"?>
-<p:sld xmlns:a="http://schemas.openxmlformats.org/drawingml/2006/main" xmlns:r="http://schemas.openxmlformats.org/officeDocument/2006/relationships" xmlns:p="http://schemas.openxmlformats.org/presentationml/2006/main">
-  <p:cSld>
-    <p:spTree>
-      <p:nvGrpSpPr>
-        <p:cNvPr id="1" name=""/>
-        <p:cNvGrpSpPr/>
-        <p:nvPr/>
-      </p:nvGrpSpPr>
-      <p:grpSpPr>
-        <a:xfrm>
-          <a:off x="0" y="0"/>
-          <a:ext cx="0" cy="0"/>
-          <a:chOff x="0" y="0"/>
-          <a:chExt cx="0" cy="0"/>
-        </a:xfrm>
-      </p:grpSpPr>
-      <p:sp>
-        <p:nvSpPr>
-          <p:cNvPr id="2" name="Title 1">
-            <a:extLst>
-              <a:ext uri="{FF2B5EF4-FFF2-40B4-BE49-F238E27FC236}">
-                <a16:creationId xmlns:a16="http://schemas.microsoft.com/office/drawing/2014/main" id="{838AC0F5-5B6B-B939-FA3C-B663E317E445}"/>
-              </a:ext>
-            </a:extLst>
-          </p:cNvPr>
-          <p:cNvSpPr>
-            <a:spLocks noGrp="1"/>
-          </p:cNvSpPr>
-          <p:nvPr>
-            <p:ph type="title"/>
-          </p:nvPr>
-        </p:nvSpPr>
-        <p:spPr/>
-        <p:txBody>
-          <a:bodyPr/>
-          <a:lstStyle/>
-          <a:p>
-            <a:br>
-              <a:rPr lang="en-GB" dirty="0"/>
-            </a:br>
-            <a:r>
-              <a:rPr lang="en-GB" dirty="0"/>
-              <a:t>Azure CLI</a:t>
-            </a:r>
-          </a:p>
-        </p:txBody>
-      </p:sp>
-      <p:sp>
-        <p:nvSpPr>
-          <p:cNvPr id="3" name="Content Placeholder 2">
-            <a:extLst>
-              <a:ext uri="{FF2B5EF4-FFF2-40B4-BE49-F238E27FC236}">
-                <a16:creationId xmlns:a16="http://schemas.microsoft.com/office/drawing/2014/main" id="{F8A13E07-A759-E54C-79C1-64A09C31C106}"/>
-              </a:ext>
-            </a:extLst>
-          </p:cNvPr>
-          <p:cNvSpPr>
-            <a:spLocks noGrp="1"/>
-          </p:cNvSpPr>
-          <p:nvPr>
-            <p:ph idx="1"/>
-          </p:nvPr>
-        </p:nvSpPr>
-        <p:spPr/>
-        <p:txBody>
-          <a:bodyPr/>
-          <a:lstStyle/>
-          <a:p>
-            <a:r>
-              <a:rPr lang="en-GB" dirty="0"/>
-              <a:t>Install by following links from: </a:t>
-            </a:r>
-            <a:r>
-              <a:rPr lang="en-GB" dirty="0">
-                <a:hlinkClick r:id="rId2"/>
-              </a:rPr>
-              <a:t>https://learn.microsoft.com/en-us/cli/azure/install-azure-cli</a:t>
-            </a:r>
-            <a:endParaRPr lang="en-GB" dirty="0"/>
-          </a:p>
-          <a:p>
-            <a:r>
-              <a:rPr lang="en-GB" dirty="0"/>
-              <a:t>For </a:t>
-            </a:r>
-            <a:r>
-              <a:rPr lang="en-GB" dirty="0" err="1"/>
-              <a:t>VSCode</a:t>
-            </a:r>
-            <a:r>
-              <a:rPr lang="en-GB" dirty="0"/>
-              <a:t>:</a:t>
-            </a:r>
-          </a:p>
-          <a:p>
-            <a:pPr lvl="1"/>
-            <a:r>
-              <a:rPr lang="en-GB" dirty="0"/>
-              <a:t>Azure CLI Tools</a:t>
-            </a:r>
-          </a:p>
-          <a:p>
-            <a:pPr lvl="1"/>
-            <a:r>
-              <a:rPr lang="en-GB" dirty="0"/>
-              <a:t>Azure Developer CLI</a:t>
-            </a:r>
-          </a:p>
-          <a:p>
-            <a:r>
-              <a:rPr lang="en-GB" dirty="0"/>
-              <a:t>CLI will require extensions for some commands</a:t>
-            </a:r>
-          </a:p>
-          <a:p>
-            <a:pPr lvl="1"/>
-            <a:r>
-              <a:rPr lang="en-GB" dirty="0"/>
-              <a:t>Automatically downloaded</a:t>
-            </a:r>
-          </a:p>
-          <a:p>
-            <a:endParaRPr lang="en-GB" dirty="0"/>
-          </a:p>
-        </p:txBody>
-      </p:sp>
-    </p:spTree>
-    <p:extLst>
-      <p:ext uri="{BB962C8B-B14F-4D97-AF65-F5344CB8AC3E}">
-        <p14:creationId xmlns:p14="http://schemas.microsoft.com/office/powerpoint/2010/main" val="2113534899"/>
-      </p:ext>
-    </p:extLst>
-  </p:cSld>
-  <p:clrMapOvr>
-    <a:masterClrMapping/>
-  </p:clrMapOvr>
-</p:sld>
-</file>
-
-<file path=ppt/slides/slide60.xml><?xml version="1.0" encoding="utf-8"?>
+<file path=ppt/slides/slide62.xml><?xml version="1.0" encoding="utf-8"?>
 <p:sld xmlns:a="http://schemas.openxmlformats.org/drawingml/2006/main" xmlns:r="http://schemas.openxmlformats.org/officeDocument/2006/relationships" xmlns:p="http://schemas.openxmlformats.org/presentationml/2006/main">
   <p:cSld>
     <p:spTree>
@@ -11354,7 +11693,7 @@
 </p:sld>
 </file>
 
-<file path=ppt/slides/slide61.xml><?xml version="1.0" encoding="utf-8"?>
+<file path=ppt/slides/slide63.xml><?xml version="1.0" encoding="utf-8"?>
 <p:sld xmlns:a="http://schemas.openxmlformats.org/drawingml/2006/main" xmlns:r="http://schemas.openxmlformats.org/officeDocument/2006/relationships" xmlns:p="http://schemas.openxmlformats.org/presentationml/2006/main">
   <p:cSld>
     <p:spTree>
@@ -11472,7 +11811,7 @@
 </p:sld>
 </file>
 
-<file path=ppt/slides/slide62.xml><?xml version="1.0" encoding="utf-8"?>
+<file path=ppt/slides/slide64.xml><?xml version="1.0" encoding="utf-8"?>
 <p:sld xmlns:a="http://schemas.openxmlformats.org/drawingml/2006/main" xmlns:r="http://schemas.openxmlformats.org/officeDocument/2006/relationships" xmlns:p="http://schemas.openxmlformats.org/presentationml/2006/main">
   <p:cSld>
     <p:spTree>
@@ -11560,7 +11899,7 @@
 </p:sld>
 </file>
 
-<file path=ppt/slides/slide63.xml><?xml version="1.0" encoding="utf-8"?>
+<file path=ppt/slides/slide65.xml><?xml version="1.0" encoding="utf-8"?>
 <p:sld xmlns:a="http://schemas.openxmlformats.org/drawingml/2006/main" xmlns:r="http://schemas.openxmlformats.org/officeDocument/2006/relationships" xmlns:p="http://schemas.openxmlformats.org/presentationml/2006/main">
   <p:cSld>
     <p:spTree>
@@ -11648,7 +11987,7 @@
 </p:sld>
 </file>
 
-<file path=ppt/slides/slide64.xml><?xml version="1.0" encoding="utf-8"?>
+<file path=ppt/slides/slide66.xml><?xml version="1.0" encoding="utf-8"?>
 <p:sld xmlns:a="http://schemas.openxmlformats.org/drawingml/2006/main" xmlns:r="http://schemas.openxmlformats.org/officeDocument/2006/relationships" xmlns:p="http://schemas.openxmlformats.org/presentationml/2006/main">
   <p:cSld>
     <p:spTree>
@@ -11738,7 +12077,7 @@
 </p:sld>
 </file>
 
-<file path=ppt/slides/slide65.xml><?xml version="1.0" encoding="utf-8"?>
+<file path=ppt/slides/slide67.xml><?xml version="1.0" encoding="utf-8"?>
 <p:sld xmlns:a="http://schemas.openxmlformats.org/drawingml/2006/main" xmlns:r="http://schemas.openxmlformats.org/officeDocument/2006/relationships" xmlns:p="http://schemas.openxmlformats.org/presentationml/2006/main">
   <p:cSld>
     <p:spTree>
@@ -11768,7 +12107,7 @@
 </p:sld>
 </file>
 
-<file path=ppt/slides/slide66.xml><?xml version="1.0" encoding="utf-8"?>
+<file path=ppt/slides/slide68.xml><?xml version="1.0" encoding="utf-8"?>
 <p:sld xmlns:a="http://schemas.openxmlformats.org/drawingml/2006/main" xmlns:r="http://schemas.openxmlformats.org/officeDocument/2006/relationships" xmlns:p="http://schemas.openxmlformats.org/presentationml/2006/main">
   <p:cSld>
     <p:spTree>
@@ -11895,15 +12234,94 @@
             </a:br>
             <a:r>
               <a:rPr lang="en-GB" dirty="0"/>
-              <a:t>Azure CLI Demo</a:t>
-            </a:r>
+              <a:t>Azure CLI</a:t>
+            </a:r>
+          </a:p>
+        </p:txBody>
+      </p:sp>
+      <p:sp>
+        <p:nvSpPr>
+          <p:cNvPr id="3" name="Content Placeholder 2">
+            <a:extLst>
+              <a:ext uri="{FF2B5EF4-FFF2-40B4-BE49-F238E27FC236}">
+                <a16:creationId xmlns:a16="http://schemas.microsoft.com/office/drawing/2014/main" id="{F8A13E07-A759-E54C-79C1-64A09C31C106}"/>
+              </a:ext>
+            </a:extLst>
+          </p:cNvPr>
+          <p:cNvSpPr>
+            <a:spLocks noGrp="1"/>
+          </p:cNvSpPr>
+          <p:nvPr>
+            <p:ph idx="1"/>
+          </p:nvPr>
+        </p:nvSpPr>
+        <p:spPr/>
+        <p:txBody>
+          <a:bodyPr/>
+          <a:lstStyle/>
+          <a:p>
+            <a:r>
+              <a:rPr lang="en-GB" dirty="0"/>
+              <a:t>Install by following links from: </a:t>
+            </a:r>
+            <a:r>
+              <a:rPr lang="en-GB" dirty="0">
+                <a:hlinkClick r:id="rId2"/>
+              </a:rPr>
+              <a:t>https://learn.microsoft.com/en-us/cli/azure/install-azure-cli</a:t>
+            </a:r>
+            <a:endParaRPr lang="en-GB" dirty="0"/>
+          </a:p>
+          <a:p>
+            <a:r>
+              <a:rPr lang="en-GB" dirty="0"/>
+              <a:t>For </a:t>
+            </a:r>
+            <a:r>
+              <a:rPr lang="en-GB" dirty="0" err="1"/>
+              <a:t>VSCode</a:t>
+            </a:r>
+            <a:r>
+              <a:rPr lang="en-GB" dirty="0"/>
+              <a:t>:</a:t>
+            </a:r>
+          </a:p>
+          <a:p>
+            <a:pPr lvl="1"/>
+            <a:r>
+              <a:rPr lang="en-GB" dirty="0"/>
+              <a:t>Azure CLI Tools</a:t>
+            </a:r>
+          </a:p>
+          <a:p>
+            <a:pPr lvl="1"/>
+            <a:r>
+              <a:rPr lang="en-GB" dirty="0"/>
+              <a:t>Azure Developer CLI</a:t>
+            </a:r>
+          </a:p>
+          <a:p>
+            <a:r>
+              <a:rPr lang="en-GB" dirty="0"/>
+              <a:t>CLI will require extensions for some commands</a:t>
+            </a:r>
+          </a:p>
+          <a:p>
+            <a:pPr lvl="1"/>
+            <a:r>
+              <a:rPr lang="en-GB" dirty="0"/>
+              <a:t>Automatically downloaded</a:t>
+            </a:r>
+          </a:p>
+          <a:p>
+            <a:endParaRPr lang="en-GB" dirty="0"/>
           </a:p>
         </p:txBody>
       </p:sp>
     </p:spTree>
     <p:extLst>
       <p:ext uri="{BB962C8B-B14F-4D97-AF65-F5344CB8AC3E}">
-        <p14:creationId xmlns:p14="http://schemas.microsoft.com/office/powerpoint/2010/main" val="439281930"/>
+        <p14:creationId xmlns:p14="http://schemas.microsoft.com/office/powerpoint/2010/main" val="2113534899"/>
       </p:ext>
     </p:extLst>
   </p:cSld>
@@ -11935,7 +12353,7 @@
           <p:cNvPr id="2" name="Title 1">
             <a:extLst>
               <a:ext uri="{FF2B5EF4-FFF2-40B4-BE49-F238E27FC236}">
-                <a16:creationId xmlns:a16="http://schemas.microsoft.com/office/drawing/2014/main" id="{71DE5ED6-49D5-43EE-E52E-844BFD80D4AE}"/>
+                <a16:creationId xmlns:a16="http://schemas.microsoft.com/office/drawing/2014/main" id="{838AC0F5-5B6B-B939-FA3C-B663E317E445}"/>
               </a:ext>
             </a:extLst>
           </p:cNvPr>
@@ -11951,67 +12369,12 @@
           <a:bodyPr/>
           <a:lstStyle/>
           <a:p>
-            <a:r>
+            <a:br>
               <a:rPr lang="en-GB" dirty="0"/>
-              <a:t>Create storage account</a:t>
-            </a:r>
-          </a:p>
-        </p:txBody>
-      </p:sp>
-      <p:sp>
-        <p:nvSpPr>
-          <p:cNvPr id="3" name="Content Placeholder 2">
-            <a:extLst>
-              <a:ext uri="{FF2B5EF4-FFF2-40B4-BE49-F238E27FC236}">
-                <a16:creationId xmlns:a16="http://schemas.microsoft.com/office/drawing/2014/main" id="{0813FB62-FE46-CC92-2C0B-3D25E2B93615}"/>
-              </a:ext>
-            </a:extLst>
-          </p:cNvPr>
-          <p:cNvSpPr>
-            <a:spLocks noGrp="1"/>
-          </p:cNvSpPr>
-          <p:nvPr>
-            <p:ph idx="1"/>
-          </p:nvPr>
-        </p:nvSpPr>
-        <p:spPr/>
-        <p:txBody>
-          <a:bodyPr/>
-          <a:lstStyle/>
-          <a:p>
+            </a:br>
             <a:r>
               <a:rPr lang="en-GB" dirty="0"/>
-              <a:t>Create in same region as RG</a:t>
-            </a:r>
-          </a:p>
-          <a:p>
-            <a:r>
-              <a:rPr lang="en-GB" dirty="0"/>
-              <a:t>Primary service is ADLS Gen 2</a:t>
-            </a:r>
-          </a:p>
-          <a:p>
-            <a:r>
-              <a:rPr lang="en-GB" dirty="0"/>
-              <a:t>Primary workload Big Data Analytics</a:t>
-            </a:r>
-          </a:p>
-          <a:p>
-            <a:r>
-              <a:rPr lang="en-GB" dirty="0"/>
-              <a:t>Performance: Standard</a:t>
-            </a:r>
-          </a:p>
-          <a:p>
-            <a:r>
-              <a:rPr lang="en-GB" dirty="0"/>
-              <a:t>Redundancy: LRS</a:t>
-            </a:r>
-          </a:p>
-          <a:p>
-            <a:r>
-              <a:rPr lang="en-GB" dirty="0"/>
-              <a:t>Add container &gt; RAW directory</a:t>
+              <a:t>Azure CLI Demo</a:t>
             </a:r>
           </a:p>
         </p:txBody>
@@ -12019,7 +12382,7 @@
     </p:spTree>
     <p:extLst>
       <p:ext uri="{BB962C8B-B14F-4D97-AF65-F5344CB8AC3E}">
-        <p14:creationId xmlns:p14="http://schemas.microsoft.com/office/powerpoint/2010/main" val="3539444653"/>
+        <p14:creationId xmlns:p14="http://schemas.microsoft.com/office/powerpoint/2010/main" val="439281930"/>
       </p:ext>
     </p:extLst>
   </p:cSld>
@@ -12046,82 +12409,26 @@
           <a:chExt cx="0" cy="0"/>
         </a:xfrm>
       </p:grpSpPr>
-      <p:pic>
-        <p:nvPicPr>
-          <p:cNvPr id="7" name="Picture 6">
-            <a:extLst>
-              <a:ext uri="{FF2B5EF4-FFF2-40B4-BE49-F238E27FC236}">
-                <a16:creationId xmlns:a16="http://schemas.microsoft.com/office/drawing/2014/main" id="{F76B43E2-150F-DC80-8BA0-E8EF77942310}"/>
-              </a:ext>
-            </a:extLst>
-          </p:cNvPr>
-          <p:cNvPicPr>
-            <a:picLocks noChangeAspect="1"/>
-          </p:cNvPicPr>
-          <p:nvPr/>
-        </p:nvPicPr>
-        <p:blipFill>
-          <a:blip r:embed="rId2"/>
-          <a:stretch>
-            <a:fillRect/>
-          </a:stretch>
-        </p:blipFill>
-        <p:spPr>
-          <a:xfrm>
-            <a:off x="804124" y="2390630"/>
-            <a:ext cx="10583752" cy="2076740"/>
-          </a:xfrm>
-          <a:prstGeom prst="rect">
-            <a:avLst/>
-          </a:prstGeom>
-        </p:spPr>
-      </p:pic>
-      <p:sp>
-        <p:nvSpPr>
-          <p:cNvPr id="10" name="Title 1">
-            <a:extLst>
-              <a:ext uri="{FF2B5EF4-FFF2-40B4-BE49-F238E27FC236}">
-                <a16:creationId xmlns:a16="http://schemas.microsoft.com/office/drawing/2014/main" id="{F76196A7-FDB1-76F9-0DAF-649BCDEE61A3}"/>
-              </a:ext>
-            </a:extLst>
-          </p:cNvPr>
-          <p:cNvSpPr txBox="1">
-            <a:spLocks/>
-          </p:cNvSpPr>
-          <p:nvPr/>
-        </p:nvSpPr>
-        <p:spPr>
-          <a:xfrm>
-            <a:off x="804124" y="822325"/>
-            <a:ext cx="10515600" cy="1325563"/>
-          </a:xfrm>
-          <a:prstGeom prst="rect">
-            <a:avLst/>
-          </a:prstGeom>
-        </p:spPr>
-        <p:txBody>
-          <a:bodyPr vert="horz" lIns="91440" tIns="45720" rIns="91440" bIns="45720" rtlCol="0" anchor="ctr">
-            <a:normAutofit/>
-          </a:bodyPr>
-          <a:lstStyle>
-            <a:lvl1pPr algn="l" defTabSz="914400" rtl="0" eaLnBrk="1" latinLnBrk="0" hangingPunct="1">
-              <a:lnSpc>
-                <a:spcPct val="90000"/>
-              </a:lnSpc>
-              <a:spcBef>
-                <a:spcPct val="0"/>
-              </a:spcBef>
-              <a:buNone/>
-              <a:defRPr sz="4400" kern="1200">
-                <a:solidFill>
-                  <a:schemeClr val="tx1"/>
-                </a:solidFill>
-                <a:latin typeface="+mj-lt"/>
-                <a:ea typeface="+mj-ea"/>
-                <a:cs typeface="+mj-cs"/>
-              </a:defRPr>
-            </a:lvl1pPr>
-          </a:lstStyle>
+      <p:sp>
+        <p:nvSpPr>
+          <p:cNvPr id="2" name="Title 1">
+            <a:extLst>
+              <a:ext uri="{FF2B5EF4-FFF2-40B4-BE49-F238E27FC236}">
+                <a16:creationId xmlns:a16="http://schemas.microsoft.com/office/drawing/2014/main" id="{71DE5ED6-49D5-43EE-E52E-844BFD80D4AE}"/>
+              </a:ext>
+            </a:extLst>
+          </p:cNvPr>
+          <p:cNvSpPr>
+            <a:spLocks noGrp="1"/>
+          </p:cNvSpPr>
+          <p:nvPr>
+            <p:ph type="title"/>
+          </p:nvPr>
+        </p:nvSpPr>
+        <p:spPr/>
+        <p:txBody>
+          <a:bodyPr/>
+          <a:lstStyle/>
           <a:p>
             <a:r>
               <a:rPr lang="en-GB" dirty="0"/>
@@ -12130,40 +12437,68 @@
           </a:p>
         </p:txBody>
       </p:sp>
-      <p:pic>
-        <p:nvPicPr>
-          <p:cNvPr id="12" name="Picture 11">
-            <a:extLst>
-              <a:ext uri="{FF2B5EF4-FFF2-40B4-BE49-F238E27FC236}">
-                <a16:creationId xmlns:a16="http://schemas.microsoft.com/office/drawing/2014/main" id="{89545FC7-CFBB-FEB8-B2C2-A775C4B20B91}"/>
-              </a:ext>
-            </a:extLst>
-          </p:cNvPr>
-          <p:cNvPicPr>
-            <a:picLocks noChangeAspect="1"/>
-          </p:cNvPicPr>
-          <p:nvPr/>
-        </p:nvPicPr>
-        <p:blipFill>
-          <a:blip r:embed="rId3"/>
-          <a:stretch>
-            <a:fillRect/>
-          </a:stretch>
-        </p:blipFill>
-        <p:spPr>
-          <a:xfrm>
-            <a:off x="804124" y="4171874"/>
-            <a:ext cx="8202170" cy="1076475"/>
-          </a:xfrm>
-          <a:prstGeom prst="rect">
-            <a:avLst/>
-          </a:prstGeom>
-        </p:spPr>
-      </p:pic>
+      <p:sp>
+        <p:nvSpPr>
+          <p:cNvPr id="3" name="Content Placeholder 2">
+            <a:extLst>
+              <a:ext uri="{FF2B5EF4-FFF2-40B4-BE49-F238E27FC236}">
+                <a16:creationId xmlns:a16="http://schemas.microsoft.com/office/drawing/2014/main" id="{0813FB62-FE46-CC92-2C0B-3D25E2B93615}"/>
+              </a:ext>
+            </a:extLst>
+          </p:cNvPr>
+          <p:cNvSpPr>
+            <a:spLocks noGrp="1"/>
+          </p:cNvSpPr>
+          <p:nvPr>
+            <p:ph idx="1"/>
+          </p:nvPr>
+        </p:nvSpPr>
+        <p:spPr/>
+        <p:txBody>
+          <a:bodyPr/>
+          <a:lstStyle/>
+          <a:p>
+            <a:r>
+              <a:rPr lang="en-GB" dirty="0"/>
+              <a:t>Create in same region as RG</a:t>
+            </a:r>
+          </a:p>
+          <a:p>
+            <a:r>
+              <a:rPr lang="en-GB" dirty="0"/>
+              <a:t>Primary service is ADLS Gen 2</a:t>
+            </a:r>
+          </a:p>
+          <a:p>
+            <a:r>
+              <a:rPr lang="en-GB" dirty="0"/>
+              <a:t>Primary workload Big Data Analytics</a:t>
+            </a:r>
+          </a:p>
+          <a:p>
+            <a:r>
+              <a:rPr lang="en-GB" dirty="0"/>
+              <a:t>Performance: Standard</a:t>
+            </a:r>
+          </a:p>
+          <a:p>
+            <a:r>
+              <a:rPr lang="en-GB" dirty="0"/>
+              <a:t>Redundancy: LRS</a:t>
+            </a:r>
+          </a:p>
+          <a:p>
+            <a:r>
+              <a:rPr lang="en-GB" dirty="0"/>
+              <a:t>Add container &gt; RAW directory</a:t>
+            </a:r>
+          </a:p>
+        </p:txBody>
+      </p:sp>
     </p:spTree>
     <p:extLst>
       <p:ext uri="{BB962C8B-B14F-4D97-AF65-F5344CB8AC3E}">
-        <p14:creationId xmlns:p14="http://schemas.microsoft.com/office/powerpoint/2010/main" val="1439316186"/>
+        <p14:creationId xmlns:p14="http://schemas.microsoft.com/office/powerpoint/2010/main" val="3539444653"/>
       </p:ext>
     </p:extLst>
   </p:cSld>

--- a/Data Engineering Using Free Tools/Learn Data Engineering For Free.pptx
+++ b/Data Engineering Using Free Tools/Learn Data Engineering For Free.pptx
@@ -5,77 +5,78 @@
     <p:sldMasterId id="2147483648" r:id="rId1"/>
   </p:sldMasterIdLst>
   <p:notesMasterIdLst>
-    <p:notesMasterId r:id="rId70"/>
+    <p:notesMasterId r:id="rId71"/>
   </p:notesMasterIdLst>
   <p:sldIdLst>
     <p:sldId id="256" r:id="rId2"/>
-    <p:sldId id="325" r:id="rId3"/>
-    <p:sldId id="308" r:id="rId4"/>
-    <p:sldId id="268" r:id="rId5"/>
-    <p:sldId id="265" r:id="rId6"/>
-    <p:sldId id="264" r:id="rId7"/>
-    <p:sldId id="306" r:id="rId8"/>
-    <p:sldId id="310" r:id="rId9"/>
-    <p:sldId id="261" r:id="rId10"/>
-    <p:sldId id="307" r:id="rId11"/>
-    <p:sldId id="258" r:id="rId12"/>
-    <p:sldId id="292" r:id="rId13"/>
-    <p:sldId id="262" r:id="rId14"/>
-    <p:sldId id="309" r:id="rId15"/>
-    <p:sldId id="275" r:id="rId16"/>
-    <p:sldId id="276" r:id="rId17"/>
-    <p:sldId id="263" r:id="rId18"/>
-    <p:sldId id="259" r:id="rId19"/>
-    <p:sldId id="313" r:id="rId20"/>
-    <p:sldId id="277" r:id="rId21"/>
-    <p:sldId id="278" r:id="rId22"/>
-    <p:sldId id="284" r:id="rId23"/>
-    <p:sldId id="285" r:id="rId24"/>
-    <p:sldId id="290" r:id="rId25"/>
-    <p:sldId id="291" r:id="rId26"/>
-    <p:sldId id="312" r:id="rId27"/>
-    <p:sldId id="280" r:id="rId28"/>
-    <p:sldId id="281" r:id="rId29"/>
-    <p:sldId id="283" r:id="rId30"/>
-    <p:sldId id="289" r:id="rId31"/>
-    <p:sldId id="294" r:id="rId32"/>
-    <p:sldId id="286" r:id="rId33"/>
-    <p:sldId id="287" r:id="rId34"/>
-    <p:sldId id="296" r:id="rId35"/>
-    <p:sldId id="288" r:id="rId36"/>
-    <p:sldId id="295" r:id="rId37"/>
-    <p:sldId id="297" r:id="rId38"/>
-    <p:sldId id="298" r:id="rId39"/>
-    <p:sldId id="299" r:id="rId40"/>
-    <p:sldId id="300" r:id="rId41"/>
-    <p:sldId id="257" r:id="rId42"/>
-    <p:sldId id="317" r:id="rId43"/>
-    <p:sldId id="324" r:id="rId44"/>
-    <p:sldId id="314" r:id="rId45"/>
-    <p:sldId id="315" r:id="rId46"/>
-    <p:sldId id="318" r:id="rId47"/>
-    <p:sldId id="326" r:id="rId48"/>
-    <p:sldId id="311" r:id="rId49"/>
-    <p:sldId id="321" r:id="rId50"/>
-    <p:sldId id="320" r:id="rId51"/>
-    <p:sldId id="319" r:id="rId52"/>
-    <p:sldId id="322" r:id="rId53"/>
-    <p:sldId id="323" r:id="rId54"/>
-    <p:sldId id="316" r:id="rId55"/>
-    <p:sldId id="301" r:id="rId56"/>
-    <p:sldId id="302" r:id="rId57"/>
-    <p:sldId id="303" r:id="rId58"/>
-    <p:sldId id="304" r:id="rId59"/>
-    <p:sldId id="267" r:id="rId60"/>
-    <p:sldId id="270" r:id="rId61"/>
-    <p:sldId id="266" r:id="rId62"/>
-    <p:sldId id="293" r:id="rId63"/>
-    <p:sldId id="271" r:id="rId64"/>
-    <p:sldId id="272" r:id="rId65"/>
-    <p:sldId id="273" r:id="rId66"/>
-    <p:sldId id="282" r:id="rId67"/>
-    <p:sldId id="305" r:id="rId68"/>
-    <p:sldId id="260" r:id="rId69"/>
+    <p:sldId id="2147478973" r:id="rId3"/>
+    <p:sldId id="325" r:id="rId4"/>
+    <p:sldId id="308" r:id="rId5"/>
+    <p:sldId id="268" r:id="rId6"/>
+    <p:sldId id="265" r:id="rId7"/>
+    <p:sldId id="264" r:id="rId8"/>
+    <p:sldId id="306" r:id="rId9"/>
+    <p:sldId id="310" r:id="rId10"/>
+    <p:sldId id="261" r:id="rId11"/>
+    <p:sldId id="307" r:id="rId12"/>
+    <p:sldId id="258" r:id="rId13"/>
+    <p:sldId id="292" r:id="rId14"/>
+    <p:sldId id="262" r:id="rId15"/>
+    <p:sldId id="309" r:id="rId16"/>
+    <p:sldId id="275" r:id="rId17"/>
+    <p:sldId id="276" r:id="rId18"/>
+    <p:sldId id="263" r:id="rId19"/>
+    <p:sldId id="259" r:id="rId20"/>
+    <p:sldId id="313" r:id="rId21"/>
+    <p:sldId id="277" r:id="rId22"/>
+    <p:sldId id="278" r:id="rId23"/>
+    <p:sldId id="284" r:id="rId24"/>
+    <p:sldId id="285" r:id="rId25"/>
+    <p:sldId id="290" r:id="rId26"/>
+    <p:sldId id="291" r:id="rId27"/>
+    <p:sldId id="312" r:id="rId28"/>
+    <p:sldId id="280" r:id="rId29"/>
+    <p:sldId id="281" r:id="rId30"/>
+    <p:sldId id="283" r:id="rId31"/>
+    <p:sldId id="289" r:id="rId32"/>
+    <p:sldId id="294" r:id="rId33"/>
+    <p:sldId id="286" r:id="rId34"/>
+    <p:sldId id="287" r:id="rId35"/>
+    <p:sldId id="296" r:id="rId36"/>
+    <p:sldId id="288" r:id="rId37"/>
+    <p:sldId id="295" r:id="rId38"/>
+    <p:sldId id="297" r:id="rId39"/>
+    <p:sldId id="298" r:id="rId40"/>
+    <p:sldId id="299" r:id="rId41"/>
+    <p:sldId id="300" r:id="rId42"/>
+    <p:sldId id="257" r:id="rId43"/>
+    <p:sldId id="317" r:id="rId44"/>
+    <p:sldId id="324" r:id="rId45"/>
+    <p:sldId id="314" r:id="rId46"/>
+    <p:sldId id="315" r:id="rId47"/>
+    <p:sldId id="318" r:id="rId48"/>
+    <p:sldId id="326" r:id="rId49"/>
+    <p:sldId id="311" r:id="rId50"/>
+    <p:sldId id="321" r:id="rId51"/>
+    <p:sldId id="320" r:id="rId52"/>
+    <p:sldId id="319" r:id="rId53"/>
+    <p:sldId id="322" r:id="rId54"/>
+    <p:sldId id="323" r:id="rId55"/>
+    <p:sldId id="316" r:id="rId56"/>
+    <p:sldId id="301" r:id="rId57"/>
+    <p:sldId id="302" r:id="rId58"/>
+    <p:sldId id="303" r:id="rId59"/>
+    <p:sldId id="304" r:id="rId60"/>
+    <p:sldId id="267" r:id="rId61"/>
+    <p:sldId id="270" r:id="rId62"/>
+    <p:sldId id="266" r:id="rId63"/>
+    <p:sldId id="293" r:id="rId64"/>
+    <p:sldId id="271" r:id="rId65"/>
+    <p:sldId id="272" r:id="rId66"/>
+    <p:sldId id="273" r:id="rId67"/>
+    <p:sldId id="282" r:id="rId68"/>
+    <p:sldId id="305" r:id="rId69"/>
+    <p:sldId id="260" r:id="rId70"/>
   </p:sldIdLst>
   <p:sldSz cx="12192000" cy="6858000"/>
   <p:notesSz cx="6858000" cy="9144000"/>
@@ -1959,7 +1960,7 @@
           <a:p>
             <a:fld id="{C49D3115-C41D-4930-8EF3-A657CFCC644E}" type="datetimeFigureOut">
               <a:rPr lang="en-GB" smtClean="0"/>
-              <a:t>13/10/2024</a:t>
+              <a:t>16/10/2024</a:t>
             </a:fld>
             <a:endParaRPr lang="en-GB"/>
           </a:p>
@@ -2379,7 +2380,7 @@
           <a:p>
             <a:fld id="{E7E8E24E-2DA5-414D-9B85-6ED9E2618CC6}" type="slidenum">
               <a:rPr lang="en-GB" smtClean="0"/>
-              <a:t>29</a:t>
+              <a:t>30</a:t>
             </a:fld>
             <a:endParaRPr lang="en-GB"/>
           </a:p>
@@ -2576,7 +2577,7 @@
           <a:p>
             <a:fld id="{E7E8E24E-2DA5-414D-9B85-6ED9E2618CC6}" type="slidenum">
               <a:rPr lang="en-GB" smtClean="0"/>
-              <a:t>45</a:t>
+              <a:t>46</a:t>
             </a:fld>
             <a:endParaRPr lang="en-GB"/>
           </a:p>
@@ -2660,7 +2661,7 @@
           <a:p>
             <a:fld id="{E7E8E24E-2DA5-414D-9B85-6ED9E2618CC6}" type="slidenum">
               <a:rPr lang="en-GB" smtClean="0"/>
-              <a:t>49</a:t>
+              <a:t>50</a:t>
             </a:fld>
             <a:endParaRPr lang="en-GB"/>
           </a:p>
@@ -2828,7 +2829,7 @@
           <a:p>
             <a:fld id="{35275B4F-5DE5-4D53-BD3B-F0C44FE589B2}" type="datetimeFigureOut">
               <a:rPr lang="en-GB" smtClean="0"/>
-              <a:t>13/10/2024</a:t>
+              <a:t>16/10/2024</a:t>
             </a:fld>
             <a:endParaRPr lang="en-GB"/>
           </a:p>
@@ -3028,7 +3029,7 @@
           <a:p>
             <a:fld id="{35275B4F-5DE5-4D53-BD3B-F0C44FE589B2}" type="datetimeFigureOut">
               <a:rPr lang="en-GB" smtClean="0"/>
-              <a:t>13/10/2024</a:t>
+              <a:t>16/10/2024</a:t>
             </a:fld>
             <a:endParaRPr lang="en-GB"/>
           </a:p>
@@ -3238,7 +3239,7 @@
           <a:p>
             <a:fld id="{35275B4F-5DE5-4D53-BD3B-F0C44FE589B2}" type="datetimeFigureOut">
               <a:rPr lang="en-GB" smtClean="0"/>
-              <a:t>13/10/2024</a:t>
+              <a:t>16/10/2024</a:t>
             </a:fld>
             <a:endParaRPr lang="en-GB"/>
           </a:p>
@@ -3302,6 +3303,540 @@
     <p:extLst>
       <p:ext uri="{BB962C8B-B14F-4D97-AF65-F5344CB8AC3E}">
         <p14:creationId xmlns:p14="http://schemas.microsoft.com/office/powerpoint/2010/main" val="2909684731"/>
+      </p:ext>
+    </p:extLst>
+  </p:cSld>
+  <p:clrMapOvr>
+    <a:masterClrMapping/>
+  </p:clrMapOvr>
+</p:sldLayout>
+</file>
+
+<file path=ppt/slideLayouts/slideLayout12.xml><?xml version="1.0" encoding="utf-8"?>
+<p:sldLayout xmlns:a="http://schemas.openxmlformats.org/drawingml/2006/main" xmlns:r="http://schemas.openxmlformats.org/officeDocument/2006/relationships" xmlns:p="http://schemas.openxmlformats.org/presentationml/2006/main" userDrawn="1">
+  <p:cSld name="TitleSlide02">
+    <p:spTree>
+      <p:nvGrpSpPr>
+        <p:cNvPr id="1" name=""/>
+        <p:cNvGrpSpPr/>
+        <p:nvPr/>
+      </p:nvGrpSpPr>
+      <p:grpSpPr>
+        <a:xfrm>
+          <a:off x="0" y="0"/>
+          <a:ext cx="0" cy="0"/>
+          <a:chOff x="0" y="0"/>
+          <a:chExt cx="0" cy="0"/>
+        </a:xfrm>
+      </p:grpSpPr>
+      <p:sp>
+        <p:nvSpPr>
+          <p:cNvPr id="33" name="Rectangle 32">
+            <a:extLst>
+              <a:ext uri="{FF2B5EF4-FFF2-40B4-BE49-F238E27FC236}">
+                <a16:creationId xmlns:a16="http://schemas.microsoft.com/office/drawing/2014/main" id="{BFBECF4F-EF8E-48E5-A01F-44ABBE0A2DD9}"/>
+              </a:ext>
+            </a:extLst>
+          </p:cNvPr>
+          <p:cNvSpPr>
+            <a:spLocks noGrp="1" noRot="1" noMove="1" noResize="1" noEditPoints="1" noAdjustHandles="1" noChangeArrowheads="1" noChangeShapeType="1"/>
+          </p:cNvSpPr>
+          <p:nvPr userDrawn="1"/>
+        </p:nvSpPr>
+        <p:spPr>
+          <a:xfrm rot="10800000" flipH="1" flipV="1">
+            <a:off x="-1" y="0"/>
+            <a:ext cx="12192000" cy="6858000"/>
+          </a:xfrm>
+          <a:prstGeom prst="rect">
+            <a:avLst/>
+          </a:prstGeom>
+          <a:solidFill>
+            <a:srgbClr val="031A34"/>
+          </a:solidFill>
+          <a:ln>
+            <a:noFill/>
+          </a:ln>
+        </p:spPr>
+        <p:style>
+          <a:lnRef idx="2">
+            <a:schemeClr val="accent1">
+              <a:shade val="50000"/>
+            </a:schemeClr>
+          </a:lnRef>
+          <a:fillRef idx="1">
+            <a:schemeClr val="accent1"/>
+          </a:fillRef>
+          <a:effectRef idx="0">
+            <a:schemeClr val="accent1"/>
+          </a:effectRef>
+          <a:fontRef idx="minor">
+            <a:schemeClr val="lt1"/>
+          </a:fontRef>
+        </p:style>
+        <p:txBody>
+          <a:bodyPr wrap="square" rtlCol="0" anchor="ctr">
+            <a:noAutofit/>
+          </a:bodyPr>
+          <a:lstStyle/>
+          <a:p>
+            <a:pPr algn="ctr"/>
+            <a:endParaRPr lang="en-ID" b="0" i="0">
+              <a:latin typeface="Telefonica Sans Light" panose="02000003020000060003" pitchFamily="2" charset="0"/>
+            </a:endParaRPr>
+          </a:p>
+        </p:txBody>
+      </p:sp>
+      <p:sp>
+        <p:nvSpPr>
+          <p:cNvPr id="42" name="Freeform: Shape 41">
+            <a:extLst>
+              <a:ext uri="{FF2B5EF4-FFF2-40B4-BE49-F238E27FC236}">
+                <a16:creationId xmlns:a16="http://schemas.microsoft.com/office/drawing/2014/main" id="{57BF9F65-A85D-4DE0-ABF4-4BC5779634B0}"/>
+              </a:ext>
+            </a:extLst>
+          </p:cNvPr>
+          <p:cNvSpPr/>
+          <p:nvPr userDrawn="1"/>
+        </p:nvSpPr>
+        <p:spPr>
+          <a:xfrm>
+            <a:off x="5654400" y="2377442"/>
+            <a:ext cx="6537600" cy="4480558"/>
+          </a:xfrm>
+          <a:custGeom>
+            <a:avLst/>
+            <a:gdLst>
+              <a:gd name="connsiteX0" fmla="*/ 6049041 w 6647913"/>
+              <a:gd name="connsiteY0" fmla="*/ 177 h 4555968"/>
+              <a:gd name="connsiteX1" fmla="*/ 53283 w 6647913"/>
+              <a:gd name="connsiteY1" fmla="*/ 4330525 h 4555968"/>
+              <a:gd name="connsiteX2" fmla="*/ 0 w 6647913"/>
+              <a:gd name="connsiteY2" fmla="*/ 4555968 h 4555968"/>
+              <a:gd name="connsiteX3" fmla="*/ 6647913 w 6647913"/>
+              <a:gd name="connsiteY3" fmla="*/ 4555968 h 4555968"/>
+              <a:gd name="connsiteX4" fmla="*/ 6647913 w 6647913"/>
+              <a:gd name="connsiteY4" fmla="*/ 25170 h 4555968"/>
+              <a:gd name="connsiteX5" fmla="*/ 6348491 w 6647913"/>
+              <a:gd name="connsiteY5" fmla="*/ 5238 h 4555968"/>
+              <a:gd name="connsiteX6" fmla="*/ 6049041 w 6647913"/>
+              <a:gd name="connsiteY6" fmla="*/ 177 h 4555968"/>
+            </a:gdLst>
+            <a:ahLst/>
+            <a:cxnLst>
+              <a:cxn ang="0">
+                <a:pos x="connsiteX0" y="connsiteY0"/>
+              </a:cxn>
+              <a:cxn ang="0">
+                <a:pos x="connsiteX1" y="connsiteY1"/>
+              </a:cxn>
+              <a:cxn ang="0">
+                <a:pos x="connsiteX2" y="connsiteY2"/>
+              </a:cxn>
+              <a:cxn ang="0">
+                <a:pos x="connsiteX3" y="connsiteY3"/>
+              </a:cxn>
+              <a:cxn ang="0">
+                <a:pos x="connsiteX4" y="connsiteY4"/>
+              </a:cxn>
+              <a:cxn ang="0">
+                <a:pos x="connsiteX5" y="connsiteY5"/>
+              </a:cxn>
+              <a:cxn ang="0">
+                <a:pos x="connsiteX6" y="connsiteY6"/>
+              </a:cxn>
+            </a:cxnLst>
+            <a:rect l="l" t="t" r="r" b="b"/>
+            <a:pathLst>
+              <a:path w="6647913" h="4555968">
+                <a:moveTo>
+                  <a:pt x="6049041" y="177"/>
+                </a:moveTo>
+                <a:cubicBezTo>
+                  <a:pt x="3355584" y="20605"/>
+                  <a:pt x="728558" y="1809516"/>
+                  <a:pt x="53283" y="4330525"/>
+                </a:cubicBezTo>
+                <a:lnTo>
+                  <a:pt x="0" y="4555968"/>
+                </a:lnTo>
+                <a:lnTo>
+                  <a:pt x="6647913" y="4555968"/>
+                </a:lnTo>
+                <a:lnTo>
+                  <a:pt x="6647913" y="25170"/>
+                </a:lnTo>
+                <a:lnTo>
+                  <a:pt x="6348491" y="5238"/>
+                </a:lnTo>
+                <a:cubicBezTo>
+                  <a:pt x="6248647" y="1090"/>
+                  <a:pt x="6148798" y="-580"/>
+                  <a:pt x="6049041" y="177"/>
+                </a:cubicBezTo>
+                <a:close/>
+              </a:path>
+            </a:pathLst>
+          </a:custGeom>
+          <a:gradFill>
+            <a:gsLst>
+              <a:gs pos="100000">
+                <a:srgbClr val="0066FF"/>
+              </a:gs>
+              <a:gs pos="31000">
+                <a:srgbClr val="031A34"/>
+              </a:gs>
+            </a:gsLst>
+            <a:lin ang="2700000" scaled="1"/>
+          </a:gradFill>
+          <a:ln w="12700" cap="flat">
+            <a:noFill/>
+            <a:prstDash val="solid"/>
+            <a:miter/>
+          </a:ln>
+        </p:spPr>
+        <p:txBody>
+          <a:bodyPr rtlCol="0" anchor="ctr"/>
+          <a:lstStyle/>
+          <a:p>
+            <a:endParaRPr lang="en-US" b="0" i="0">
+              <a:latin typeface="Telefonica Sans Light" panose="02000003020000060003" pitchFamily="2" charset="0"/>
+            </a:endParaRPr>
+          </a:p>
+        </p:txBody>
+      </p:sp>
+      <p:sp>
+        <p:nvSpPr>
+          <p:cNvPr id="41" name="Picture Placeholder 40">
+            <a:extLst>
+              <a:ext uri="{FF2B5EF4-FFF2-40B4-BE49-F238E27FC236}">
+                <a16:creationId xmlns:a16="http://schemas.microsoft.com/office/drawing/2014/main" id="{42EC8ED9-54C4-4FFF-B996-4FB68A7BA4F7}"/>
+              </a:ext>
+            </a:extLst>
+          </p:cNvPr>
+          <p:cNvSpPr>
+            <a:spLocks noGrp="1"/>
+          </p:cNvSpPr>
+          <p:nvPr>
+            <p:ph type="pic" sz="quarter" idx="12"/>
+          </p:nvPr>
+        </p:nvSpPr>
+        <p:spPr>
+          <a:xfrm>
+            <a:off x="7439850" y="1924050"/>
+            <a:ext cx="3009900" cy="3009900"/>
+          </a:xfrm>
+          <a:custGeom>
+            <a:avLst/>
+            <a:gdLst>
+              <a:gd name="connsiteX0" fmla="*/ 1504950 w 3009900"/>
+              <a:gd name="connsiteY0" fmla="*/ 0 h 3009900"/>
+              <a:gd name="connsiteX1" fmla="*/ 3009900 w 3009900"/>
+              <a:gd name="connsiteY1" fmla="*/ 1504950 h 3009900"/>
+              <a:gd name="connsiteX2" fmla="*/ 1504950 w 3009900"/>
+              <a:gd name="connsiteY2" fmla="*/ 3009900 h 3009900"/>
+              <a:gd name="connsiteX3" fmla="*/ 0 w 3009900"/>
+              <a:gd name="connsiteY3" fmla="*/ 1504950 h 3009900"/>
+              <a:gd name="connsiteX4" fmla="*/ 1504950 w 3009900"/>
+              <a:gd name="connsiteY4" fmla="*/ 0 h 3009900"/>
+            </a:gdLst>
+            <a:ahLst/>
+            <a:cxnLst>
+              <a:cxn ang="0">
+                <a:pos x="connsiteX0" y="connsiteY0"/>
+              </a:cxn>
+              <a:cxn ang="0">
+                <a:pos x="connsiteX1" y="connsiteY1"/>
+              </a:cxn>
+              <a:cxn ang="0">
+                <a:pos x="connsiteX2" y="connsiteY2"/>
+              </a:cxn>
+              <a:cxn ang="0">
+                <a:pos x="connsiteX3" y="connsiteY3"/>
+              </a:cxn>
+              <a:cxn ang="0">
+                <a:pos x="connsiteX4" y="connsiteY4"/>
+              </a:cxn>
+            </a:cxnLst>
+            <a:rect l="l" t="t" r="r" b="b"/>
+            <a:pathLst>
+              <a:path w="3009900" h="3009900">
+                <a:moveTo>
+                  <a:pt x="1504950" y="0"/>
+                </a:moveTo>
+                <a:cubicBezTo>
+                  <a:pt x="2336111" y="0"/>
+                  <a:pt x="3009900" y="673789"/>
+                  <a:pt x="3009900" y="1504950"/>
+                </a:cubicBezTo>
+                <a:cubicBezTo>
+                  <a:pt x="3009900" y="2336111"/>
+                  <a:pt x="2336111" y="3009900"/>
+                  <a:pt x="1504950" y="3009900"/>
+                </a:cubicBezTo>
+                <a:cubicBezTo>
+                  <a:pt x="673789" y="3009900"/>
+                  <a:pt x="0" y="2336111"/>
+                  <a:pt x="0" y="1504950"/>
+                </a:cubicBezTo>
+                <a:cubicBezTo>
+                  <a:pt x="0" y="673789"/>
+                  <a:pt x="673789" y="0"/>
+                  <a:pt x="1504950" y="0"/>
+                </a:cubicBezTo>
+                <a:close/>
+              </a:path>
+            </a:pathLst>
+          </a:custGeom>
+          <a:pattFill prst="wave">
+            <a:fgClr>
+              <a:schemeClr val="accent1"/>
+            </a:fgClr>
+            <a:bgClr>
+              <a:schemeClr val="bg1"/>
+            </a:bgClr>
+          </a:pattFill>
+          <a:ln w="76200">
+            <a:noFill/>
+          </a:ln>
+          <a:effectLst/>
+        </p:spPr>
+        <p:txBody>
+          <a:bodyPr wrap="square">
+            <a:noAutofit/>
+          </a:bodyPr>
+          <a:lstStyle>
+            <a:lvl1pPr algn="ctr">
+              <a:defRPr sz="2000" b="0" i="0">
+                <a:latin typeface="Telefonica Sans Light" panose="02000003020000060003" pitchFamily="2" charset="0"/>
+                <a:cs typeface="Arial" panose="020B0604020202020204" pitchFamily="34" charset="0"/>
+              </a:defRPr>
+            </a:lvl1pPr>
+          </a:lstStyle>
+          <a:p>
+            <a:r>
+              <a:rPr lang="en-US"/>
+              <a:t>Click icon to add picture</a:t>
+            </a:r>
+            <a:endParaRPr lang="en-ID"/>
+          </a:p>
+        </p:txBody>
+      </p:sp>
+      <p:pic>
+        <p:nvPicPr>
+          <p:cNvPr id="3" name="Picture 2" descr="A black and white logo&#10;&#10;Description automatically generated">
+            <a:extLst>
+              <a:ext uri="{FF2B5EF4-FFF2-40B4-BE49-F238E27FC236}">
+                <a16:creationId xmlns:a16="http://schemas.microsoft.com/office/drawing/2014/main" id="{08424830-C326-C294-D183-6933F283871F}"/>
+              </a:ext>
+            </a:extLst>
+          </p:cNvPr>
+          <p:cNvPicPr>
+            <a:picLocks noChangeAspect="1"/>
+          </p:cNvPicPr>
+          <p:nvPr userDrawn="1"/>
+        </p:nvPicPr>
+        <p:blipFill rotWithShape="1">
+          <a:blip r:embed="rId2">
+            <a:extLst>
+              <a:ext uri="{28A0092B-C50C-407E-A947-70E740481C1C}">
+                <a14:useLocalDpi xmlns:a14="http://schemas.microsoft.com/office/drawing/2010/main" val="0"/>
+              </a:ext>
+            </a:extLst>
+          </a:blip>
+          <a:srcRect l="7495" t="26037" b="23537"/>
+          <a:stretch/>
+        </p:blipFill>
+        <p:spPr>
+          <a:xfrm>
+            <a:off x="479266" y="6434205"/>
+            <a:ext cx="1200309" cy="213393"/>
+          </a:xfrm>
+          <a:prstGeom prst="rect">
+            <a:avLst/>
+          </a:prstGeom>
+        </p:spPr>
+      </p:pic>
+      <p:sp>
+        <p:nvSpPr>
+          <p:cNvPr id="5" name="Slide Number Placeholder 4">
+            <a:extLst>
+              <a:ext uri="{FF2B5EF4-FFF2-40B4-BE49-F238E27FC236}">
+                <a16:creationId xmlns:a16="http://schemas.microsoft.com/office/drawing/2014/main" id="{0E2B4A33-FFE3-8CC8-CD2F-756995160848}"/>
+              </a:ext>
+            </a:extLst>
+          </p:cNvPr>
+          <p:cNvSpPr>
+            <a:spLocks noGrp="1"/>
+          </p:cNvSpPr>
+          <p:nvPr>
+            <p:ph type="sldNum" sz="quarter" idx="13"/>
+          </p:nvPr>
+        </p:nvSpPr>
+        <p:spPr/>
+        <p:txBody>
+          <a:bodyPr/>
+          <a:lstStyle/>
+          <a:p>
+            <a:fld id="{FE752E54-FB2F-FE40-9170-C3C78E9953FC}" type="slidenum">
+              <a:rPr lang="en-GB" smtClean="0"/>
+              <a:pPr/>
+              <a:t>‹#›</a:t>
+            </a:fld>
+            <a:endParaRPr lang="en-GB"/>
+          </a:p>
+        </p:txBody>
+      </p:sp>
+      <p:sp>
+        <p:nvSpPr>
+          <p:cNvPr id="7" name="Text Placeholder 6">
+            <a:extLst>
+              <a:ext uri="{FF2B5EF4-FFF2-40B4-BE49-F238E27FC236}">
+                <a16:creationId xmlns:a16="http://schemas.microsoft.com/office/drawing/2014/main" id="{F2CC33A3-F6D2-1309-A522-9C4477D6B1D6}"/>
+              </a:ext>
+            </a:extLst>
+          </p:cNvPr>
+          <p:cNvSpPr>
+            <a:spLocks noGrp="1"/>
+          </p:cNvSpPr>
+          <p:nvPr>
+            <p:ph type="body" sz="quarter" idx="14" hasCustomPrompt="1"/>
+          </p:nvPr>
+        </p:nvSpPr>
+        <p:spPr>
+          <a:xfrm>
+            <a:off x="1311330" y="2578299"/>
+            <a:ext cx="4494213" cy="638803"/>
+          </a:xfrm>
+          <a:prstGeom prst="rect">
+            <a:avLst/>
+          </a:prstGeom>
+        </p:spPr>
+        <p:txBody>
+          <a:bodyPr/>
+          <a:lstStyle>
+            <a:lvl1pPr>
+              <a:defRPr sz="4000">
+                <a:solidFill>
+                  <a:schemeClr val="bg2"/>
+                </a:solidFill>
+              </a:defRPr>
+            </a:lvl1pPr>
+            <a:lvl2pPr>
+              <a:defRPr sz="4000">
+                <a:solidFill>
+                  <a:schemeClr val="bg2"/>
+                </a:solidFill>
+              </a:defRPr>
+            </a:lvl2pPr>
+            <a:lvl3pPr>
+              <a:defRPr sz="4000">
+                <a:solidFill>
+                  <a:schemeClr val="bg2"/>
+                </a:solidFill>
+              </a:defRPr>
+            </a:lvl3pPr>
+            <a:lvl4pPr>
+              <a:defRPr sz="4000">
+                <a:solidFill>
+                  <a:schemeClr val="bg2"/>
+                </a:solidFill>
+              </a:defRPr>
+            </a:lvl4pPr>
+            <a:lvl5pPr>
+              <a:defRPr sz="4000">
+                <a:solidFill>
+                  <a:schemeClr val="bg2"/>
+                </a:solidFill>
+              </a:defRPr>
+            </a:lvl5pPr>
+          </a:lstStyle>
+          <a:p>
+            <a:pPr lvl="0"/>
+            <a:r>
+              <a:rPr lang="en-GB" dirty="0"/>
+              <a:t>Section Title</a:t>
+            </a:r>
+          </a:p>
+        </p:txBody>
+      </p:sp>
+      <p:sp>
+        <p:nvSpPr>
+          <p:cNvPr id="10" name="Text Placeholder 6">
+            <a:extLst>
+              <a:ext uri="{FF2B5EF4-FFF2-40B4-BE49-F238E27FC236}">
+                <a16:creationId xmlns:a16="http://schemas.microsoft.com/office/drawing/2014/main" id="{1A6B5A06-0698-4C55-2DAE-81CC8B0044E2}"/>
+              </a:ext>
+            </a:extLst>
+          </p:cNvPr>
+          <p:cNvSpPr>
+            <a:spLocks noGrp="1"/>
+          </p:cNvSpPr>
+          <p:nvPr>
+            <p:ph type="body" sz="quarter" idx="15" hasCustomPrompt="1"/>
+          </p:nvPr>
+        </p:nvSpPr>
+        <p:spPr>
+          <a:xfrm>
+            <a:off x="1311330" y="3429000"/>
+            <a:ext cx="4494213" cy="638803"/>
+          </a:xfrm>
+          <a:prstGeom prst="rect">
+            <a:avLst/>
+          </a:prstGeom>
+        </p:spPr>
+        <p:txBody>
+          <a:bodyPr/>
+          <a:lstStyle>
+            <a:lvl1pPr>
+              <a:defRPr sz="2000">
+                <a:solidFill>
+                  <a:schemeClr val="bg2"/>
+                </a:solidFill>
+              </a:defRPr>
+            </a:lvl1pPr>
+            <a:lvl2pPr>
+              <a:defRPr sz="4000">
+                <a:solidFill>
+                  <a:schemeClr val="bg2"/>
+                </a:solidFill>
+              </a:defRPr>
+            </a:lvl2pPr>
+            <a:lvl3pPr>
+              <a:defRPr sz="4000">
+                <a:solidFill>
+                  <a:schemeClr val="bg2"/>
+                </a:solidFill>
+              </a:defRPr>
+            </a:lvl3pPr>
+            <a:lvl4pPr>
+              <a:defRPr sz="4000">
+                <a:solidFill>
+                  <a:schemeClr val="bg2"/>
+                </a:solidFill>
+              </a:defRPr>
+            </a:lvl4pPr>
+            <a:lvl5pPr>
+              <a:defRPr sz="4000">
+                <a:solidFill>
+                  <a:schemeClr val="bg2"/>
+                </a:solidFill>
+              </a:defRPr>
+            </a:lvl5pPr>
+          </a:lstStyle>
+          <a:p>
+            <a:pPr lvl="0"/>
+            <a:r>
+              <a:rPr lang="en-GB" dirty="0"/>
+              <a:t>Section Subtitle</a:t>
+            </a:r>
+          </a:p>
+        </p:txBody>
+      </p:sp>
+    </p:spTree>
+    <p:extLst>
+      <p:ext uri="{BB962C8B-B14F-4D97-AF65-F5344CB8AC3E}">
+        <p14:creationId xmlns:p14="http://schemas.microsoft.com/office/powerpoint/2010/main" val="2008571933"/>
       </p:ext>
     </p:extLst>
   </p:cSld>
@@ -3438,7 +3973,7 @@
           <a:p>
             <a:fld id="{35275B4F-5DE5-4D53-BD3B-F0C44FE589B2}" type="datetimeFigureOut">
               <a:rPr lang="en-GB" smtClean="0"/>
-              <a:t>13/10/2024</a:t>
+              <a:t>16/10/2024</a:t>
             </a:fld>
             <a:endParaRPr lang="en-GB"/>
           </a:p>
@@ -3714,7 +4249,7 @@
           <a:p>
             <a:fld id="{35275B4F-5DE5-4D53-BD3B-F0C44FE589B2}" type="datetimeFigureOut">
               <a:rPr lang="en-GB" smtClean="0"/>
-              <a:t>13/10/2024</a:t>
+              <a:t>16/10/2024</a:t>
             </a:fld>
             <a:endParaRPr lang="en-GB"/>
           </a:p>
@@ -3982,7 +4517,7 @@
           <a:p>
             <a:fld id="{35275B4F-5DE5-4D53-BD3B-F0C44FE589B2}" type="datetimeFigureOut">
               <a:rPr lang="en-GB" smtClean="0"/>
-              <a:t>13/10/2024</a:t>
+              <a:t>16/10/2024</a:t>
             </a:fld>
             <a:endParaRPr lang="en-GB"/>
           </a:p>
@@ -4397,7 +4932,7 @@
           <a:p>
             <a:fld id="{35275B4F-5DE5-4D53-BD3B-F0C44FE589B2}" type="datetimeFigureOut">
               <a:rPr lang="en-GB" smtClean="0"/>
-              <a:t>13/10/2024</a:t>
+              <a:t>16/10/2024</a:t>
             </a:fld>
             <a:endParaRPr lang="en-GB"/>
           </a:p>
@@ -4539,7 +5074,7 @@
           <a:p>
             <a:fld id="{35275B4F-5DE5-4D53-BD3B-F0C44FE589B2}" type="datetimeFigureOut">
               <a:rPr lang="en-GB" smtClean="0"/>
-              <a:t>13/10/2024</a:t>
+              <a:t>16/10/2024</a:t>
             </a:fld>
             <a:endParaRPr lang="en-GB"/>
           </a:p>
@@ -4652,7 +5187,7 @@
           <a:p>
             <a:fld id="{35275B4F-5DE5-4D53-BD3B-F0C44FE589B2}" type="datetimeFigureOut">
               <a:rPr lang="en-GB" smtClean="0"/>
-              <a:t>13/10/2024</a:t>
+              <a:t>16/10/2024</a:t>
             </a:fld>
             <a:endParaRPr lang="en-GB"/>
           </a:p>
@@ -4965,7 +5500,7 @@
           <a:p>
             <a:fld id="{35275B4F-5DE5-4D53-BD3B-F0C44FE589B2}" type="datetimeFigureOut">
               <a:rPr lang="en-GB" smtClean="0"/>
-              <a:t>13/10/2024</a:t>
+              <a:t>16/10/2024</a:t>
             </a:fld>
             <a:endParaRPr lang="en-GB"/>
           </a:p>
@@ -5254,7 +5789,7 @@
           <a:p>
             <a:fld id="{35275B4F-5DE5-4D53-BD3B-F0C44FE589B2}" type="datetimeFigureOut">
               <a:rPr lang="en-GB" smtClean="0"/>
-              <a:t>13/10/2024</a:t>
+              <a:t>16/10/2024</a:t>
             </a:fld>
             <a:endParaRPr lang="en-GB"/>
           </a:p>
@@ -5497,7 +6032,7 @@
           <a:p>
             <a:fld id="{35275B4F-5DE5-4D53-BD3B-F0C44FE589B2}" type="datetimeFigureOut">
               <a:rPr lang="en-GB" smtClean="0"/>
-              <a:t>13/10/2024</a:t>
+              <a:t>16/10/2024</a:t>
             </a:fld>
             <a:endParaRPr lang="en-GB"/>
           </a:p>
@@ -5613,6 +6148,7 @@
     <p:sldLayoutId id="2147483657" r:id="rId9"/>
     <p:sldLayoutId id="2147483658" r:id="rId10"/>
     <p:sldLayoutId id="2147483659" r:id="rId11"/>
+    <p:sldLayoutId id="2147483660" r:id="rId12"/>
   </p:sldLayoutIdLst>
   <p:txStyles>
     <p:titleStyle>
@@ -5994,6 +6530,122 @@
           <a:chExt cx="0" cy="0"/>
         </a:xfrm>
       </p:grpSpPr>
+      <p:sp>
+        <p:nvSpPr>
+          <p:cNvPr id="2" name="Title 1">
+            <a:extLst>
+              <a:ext uri="{FF2B5EF4-FFF2-40B4-BE49-F238E27FC236}">
+                <a16:creationId xmlns:a16="http://schemas.microsoft.com/office/drawing/2014/main" id="{71DE5ED6-49D5-43EE-E52E-844BFD80D4AE}"/>
+              </a:ext>
+            </a:extLst>
+          </p:cNvPr>
+          <p:cNvSpPr>
+            <a:spLocks noGrp="1"/>
+          </p:cNvSpPr>
+          <p:nvPr>
+            <p:ph type="title"/>
+          </p:nvPr>
+        </p:nvSpPr>
+        <p:spPr/>
+        <p:txBody>
+          <a:bodyPr/>
+          <a:lstStyle/>
+          <a:p>
+            <a:r>
+              <a:rPr lang="en-GB" dirty="0"/>
+              <a:t>Create storage account</a:t>
+            </a:r>
+          </a:p>
+        </p:txBody>
+      </p:sp>
+      <p:sp>
+        <p:nvSpPr>
+          <p:cNvPr id="3" name="Content Placeholder 2">
+            <a:extLst>
+              <a:ext uri="{FF2B5EF4-FFF2-40B4-BE49-F238E27FC236}">
+                <a16:creationId xmlns:a16="http://schemas.microsoft.com/office/drawing/2014/main" id="{0813FB62-FE46-CC92-2C0B-3D25E2B93615}"/>
+              </a:ext>
+            </a:extLst>
+          </p:cNvPr>
+          <p:cNvSpPr>
+            <a:spLocks noGrp="1"/>
+          </p:cNvSpPr>
+          <p:nvPr>
+            <p:ph idx="1"/>
+          </p:nvPr>
+        </p:nvSpPr>
+        <p:spPr/>
+        <p:txBody>
+          <a:bodyPr/>
+          <a:lstStyle/>
+          <a:p>
+            <a:r>
+              <a:rPr lang="en-GB" dirty="0"/>
+              <a:t>Create in same region as RG</a:t>
+            </a:r>
+          </a:p>
+          <a:p>
+            <a:r>
+              <a:rPr lang="en-GB" dirty="0"/>
+              <a:t>Primary service is ADLS Gen 2</a:t>
+            </a:r>
+          </a:p>
+          <a:p>
+            <a:r>
+              <a:rPr lang="en-GB" dirty="0"/>
+              <a:t>Primary workload Big Data Analytics</a:t>
+            </a:r>
+          </a:p>
+          <a:p>
+            <a:r>
+              <a:rPr lang="en-GB" dirty="0"/>
+              <a:t>Performance: Standard</a:t>
+            </a:r>
+          </a:p>
+          <a:p>
+            <a:r>
+              <a:rPr lang="en-GB" dirty="0"/>
+              <a:t>Redundancy: LRS</a:t>
+            </a:r>
+          </a:p>
+          <a:p>
+            <a:r>
+              <a:rPr lang="en-GB" dirty="0"/>
+              <a:t>Add container &gt; RAW directory</a:t>
+            </a:r>
+          </a:p>
+        </p:txBody>
+      </p:sp>
+    </p:spTree>
+    <p:extLst>
+      <p:ext uri="{BB962C8B-B14F-4D97-AF65-F5344CB8AC3E}">
+        <p14:creationId xmlns:p14="http://schemas.microsoft.com/office/powerpoint/2010/main" val="3539444653"/>
+      </p:ext>
+    </p:extLst>
+  </p:cSld>
+  <p:clrMapOvr>
+    <a:masterClrMapping/>
+  </p:clrMapOvr>
+</p:sld>
+</file>
+
+<file path=ppt/slides/slide11.xml><?xml version="1.0" encoding="utf-8"?>
+<p:sld xmlns:a="http://schemas.openxmlformats.org/drawingml/2006/main" xmlns:r="http://schemas.openxmlformats.org/officeDocument/2006/relationships" xmlns:p="http://schemas.openxmlformats.org/presentationml/2006/main">
+  <p:cSld>
+    <p:spTree>
+      <p:nvGrpSpPr>
+        <p:cNvPr id="1" name=""/>
+        <p:cNvGrpSpPr/>
+        <p:nvPr/>
+      </p:nvGrpSpPr>
+      <p:grpSpPr>
+        <a:xfrm>
+          <a:off x="0" y="0"/>
+          <a:ext cx="0" cy="0"/>
+          <a:chOff x="0" y="0"/>
+          <a:chExt cx="0" cy="0"/>
+        </a:xfrm>
+      </p:grpSpPr>
       <p:pic>
         <p:nvPicPr>
           <p:cNvPr id="7" name="Picture 6">
@@ -6121,7 +6773,7 @@
 </p:sld>
 </file>
 
-<file path=ppt/slides/slide11.xml><?xml version="1.0" encoding="utf-8"?>
+<file path=ppt/slides/slide12.xml><?xml version="1.0" encoding="utf-8"?>
 <p:sld xmlns:a="http://schemas.openxmlformats.org/drawingml/2006/main" xmlns:r="http://schemas.openxmlformats.org/officeDocument/2006/relationships" xmlns:p="http://schemas.openxmlformats.org/presentationml/2006/main">
   <p:cSld>
     <p:spTree>
@@ -6231,7 +6883,7 @@
 </p:sld>
 </file>
 
-<file path=ppt/slides/slide12.xml><?xml version="1.0" encoding="utf-8"?>
+<file path=ppt/slides/slide13.xml><?xml version="1.0" encoding="utf-8"?>
 <p:sld xmlns:a="http://schemas.openxmlformats.org/drawingml/2006/main" xmlns:r="http://schemas.openxmlformats.org/officeDocument/2006/relationships" xmlns:p="http://schemas.openxmlformats.org/presentationml/2006/main">
   <p:cSld>
     <p:spTree>
@@ -6316,7 +6968,7 @@
 </p:sld>
 </file>
 
-<file path=ppt/slides/slide13.xml><?xml version="1.0" encoding="utf-8"?>
+<file path=ppt/slides/slide14.xml><?xml version="1.0" encoding="utf-8"?>
 <p:sld xmlns:a="http://schemas.openxmlformats.org/drawingml/2006/main" xmlns:r="http://schemas.openxmlformats.org/officeDocument/2006/relationships" xmlns:p="http://schemas.openxmlformats.org/presentationml/2006/main">
   <p:cSld>
     <p:spTree>
@@ -6432,7 +7084,7 @@
 </p:sld>
 </file>
 
-<file path=ppt/slides/slide14.xml><?xml version="1.0" encoding="utf-8"?>
+<file path=ppt/slides/slide15.xml><?xml version="1.0" encoding="utf-8"?>
 <p:sld xmlns:a="http://schemas.openxmlformats.org/drawingml/2006/main" xmlns:r="http://schemas.openxmlformats.org/officeDocument/2006/relationships" xmlns:p="http://schemas.openxmlformats.org/presentationml/2006/main">
   <p:cSld>
     <p:spTree>
@@ -6525,7 +7177,7 @@
 </p:sld>
 </file>
 
-<file path=ppt/slides/slide15.xml><?xml version="1.0" encoding="utf-8"?>
+<file path=ppt/slides/slide16.xml><?xml version="1.0" encoding="utf-8"?>
 <p:sld xmlns:a="http://schemas.openxmlformats.org/drawingml/2006/main" xmlns:r="http://schemas.openxmlformats.org/officeDocument/2006/relationships" xmlns:p="http://schemas.openxmlformats.org/presentationml/2006/main">
   <p:cSld>
     <p:spTree>
@@ -6618,7 +7270,7 @@
 </p:sld>
 </file>
 
-<file path=ppt/slides/slide16.xml><?xml version="1.0" encoding="utf-8"?>
+<file path=ppt/slides/slide17.xml><?xml version="1.0" encoding="utf-8"?>
 <p:sld xmlns:a="http://schemas.openxmlformats.org/drawingml/2006/main" xmlns:r="http://schemas.openxmlformats.org/officeDocument/2006/relationships" xmlns:p="http://schemas.openxmlformats.org/presentationml/2006/main">
   <p:cSld>
     <p:spTree>
@@ -6711,7 +7363,7 @@
 </p:sld>
 </file>
 
-<file path=ppt/slides/slide17.xml><?xml version="1.0" encoding="utf-8"?>
+<file path=ppt/slides/slide18.xml><?xml version="1.0" encoding="utf-8"?>
 <p:sld xmlns:a="http://schemas.openxmlformats.org/drawingml/2006/main" xmlns:r="http://schemas.openxmlformats.org/officeDocument/2006/relationships" xmlns:p="http://schemas.openxmlformats.org/presentationml/2006/main">
   <p:cSld>
     <p:spTree>
@@ -6832,7 +7484,7 @@
 </p:sld>
 </file>
 
-<file path=ppt/slides/slide18.xml><?xml version="1.0" encoding="utf-8"?>
+<file path=ppt/slides/slide19.xml><?xml version="1.0" encoding="utf-8"?>
 <p:sld xmlns:a="http://schemas.openxmlformats.org/drawingml/2006/main" xmlns:r="http://schemas.openxmlformats.org/officeDocument/2006/relationships" xmlns:p="http://schemas.openxmlformats.org/presentationml/2006/main">
   <p:cSld>
     <p:spTree>
@@ -6969,7 +7621,207 @@
 </p:sld>
 </file>
 
-<file path=ppt/slides/slide19.xml><?xml version="1.0" encoding="utf-8"?>
+<file path=ppt/slides/slide2.xml><?xml version="1.0" encoding="utf-8"?>
+<p:sld xmlns:a="http://schemas.openxmlformats.org/drawingml/2006/main" xmlns:r="http://schemas.openxmlformats.org/officeDocument/2006/relationships" xmlns:p="http://schemas.openxmlformats.org/presentationml/2006/main">
+  <p:cSld>
+    <p:spTree>
+      <p:nvGrpSpPr>
+        <p:cNvPr id="1" name=""/>
+        <p:cNvGrpSpPr/>
+        <p:nvPr/>
+      </p:nvGrpSpPr>
+      <p:grpSpPr>
+        <a:xfrm>
+          <a:off x="0" y="0"/>
+          <a:ext cx="0" cy="0"/>
+          <a:chOff x="0" y="0"/>
+          <a:chExt cx="0" cy="0"/>
+        </a:xfrm>
+      </p:grpSpPr>
+      <p:pic>
+        <p:nvPicPr>
+          <p:cNvPr id="5" name="Picture Placeholder 4" descr="A person standing in front of a large screen&#10;&#10;Description automatically generated">
+            <a:extLst>
+              <a:ext uri="{FF2B5EF4-FFF2-40B4-BE49-F238E27FC236}">
+                <a16:creationId xmlns:a16="http://schemas.microsoft.com/office/drawing/2014/main" id="{1A1F15A2-1E86-89D7-437D-9574D8B6E150}"/>
+              </a:ext>
+            </a:extLst>
+          </p:cNvPr>
+          <p:cNvPicPr>
+            <a:picLocks noGrp="1" noChangeAspect="1"/>
+          </p:cNvPicPr>
+          <p:nvPr>
+            <p:ph type="pic" sz="quarter" idx="12"/>
+          </p:nvPr>
+        </p:nvPicPr>
+        <p:blipFill>
+          <a:blip r:embed="rId2">
+            <a:extLst>
+              <a:ext uri="{28A0092B-C50C-407E-A947-70E740481C1C}">
+                <a14:useLocalDpi xmlns:a14="http://schemas.microsoft.com/office/drawing/2010/main" val="0"/>
+              </a:ext>
+            </a:extLst>
+          </a:blip>
+          <a:srcRect t="3193" b="3193"/>
+          <a:stretch>
+            <a:fillRect/>
+          </a:stretch>
+        </p:blipFill>
+        <p:spPr>
+          <a:xfrm>
+            <a:off x="6966445" y="1343849"/>
+            <a:ext cx="4063505" cy="4063505"/>
+          </a:xfrm>
+        </p:spPr>
+      </p:pic>
+      <p:sp>
+        <p:nvSpPr>
+          <p:cNvPr id="2" name="Slide Number Placeholder 1">
+            <a:extLst>
+              <a:ext uri="{FF2B5EF4-FFF2-40B4-BE49-F238E27FC236}">
+                <a16:creationId xmlns:a16="http://schemas.microsoft.com/office/drawing/2014/main" id="{FA9CF63D-CA73-E57F-32B1-A6FED502C29D}"/>
+              </a:ext>
+            </a:extLst>
+          </p:cNvPr>
+          <p:cNvSpPr>
+            <a:spLocks noGrp="1"/>
+          </p:cNvSpPr>
+          <p:nvPr>
+            <p:ph type="sldNum" sz="quarter" idx="13"/>
+          </p:nvPr>
+        </p:nvSpPr>
+        <p:spPr/>
+        <p:txBody>
+          <a:bodyPr/>
+          <a:lstStyle/>
+          <a:p>
+            <a:fld id="{FE752E54-FB2F-FE40-9170-C3C78E9953FC}" type="slidenum">
+              <a:rPr lang="en-GB" smtClean="0"/>
+              <a:pPr/>
+              <a:t>2</a:t>
+            </a:fld>
+            <a:endParaRPr lang="en-GB"/>
+          </a:p>
+        </p:txBody>
+      </p:sp>
+      <p:sp>
+        <p:nvSpPr>
+          <p:cNvPr id="13" name="Text Placeholder 12">
+            <a:extLst>
+              <a:ext uri="{FF2B5EF4-FFF2-40B4-BE49-F238E27FC236}">
+                <a16:creationId xmlns:a16="http://schemas.microsoft.com/office/drawing/2014/main" id="{5B4A1490-FA16-F74D-6CCD-89419249FBC4}"/>
+              </a:ext>
+            </a:extLst>
+          </p:cNvPr>
+          <p:cNvSpPr>
+            <a:spLocks noGrp="1"/>
+          </p:cNvSpPr>
+          <p:nvPr>
+            <p:ph type="body" sz="quarter" idx="14"/>
+          </p:nvPr>
+        </p:nvSpPr>
+        <p:spPr>
+          <a:xfrm>
+            <a:off x="1243317" y="1285247"/>
+            <a:ext cx="4494213" cy="638803"/>
+          </a:xfrm>
+        </p:spPr>
+        <p:txBody>
+          <a:bodyPr>
+            <a:normAutofit lnSpcReduction="10000"/>
+          </a:bodyPr>
+          <a:lstStyle/>
+          <a:p>
+            <a:r>
+              <a:rPr lang="en-GB" dirty="0"/>
+              <a:t>Phil Austin</a:t>
+            </a:r>
+          </a:p>
+        </p:txBody>
+      </p:sp>
+      <p:sp>
+        <p:nvSpPr>
+          <p:cNvPr id="14" name="Text Placeholder 13">
+            <a:extLst>
+              <a:ext uri="{FF2B5EF4-FFF2-40B4-BE49-F238E27FC236}">
+                <a16:creationId xmlns:a16="http://schemas.microsoft.com/office/drawing/2014/main" id="{71AEC6E4-01D8-BFEA-BDEB-482A15AE7A37}"/>
+              </a:ext>
+            </a:extLst>
+          </p:cNvPr>
+          <p:cNvSpPr>
+            <a:spLocks noGrp="1"/>
+          </p:cNvSpPr>
+          <p:nvPr>
+            <p:ph type="body" sz="quarter" idx="15"/>
+          </p:nvPr>
+        </p:nvSpPr>
+        <p:spPr>
+          <a:xfrm>
+            <a:off x="1243317" y="2000250"/>
+            <a:ext cx="4494213" cy="428625"/>
+          </a:xfrm>
+        </p:spPr>
+        <p:txBody>
+          <a:bodyPr/>
+          <a:lstStyle/>
+          <a:p>
+            <a:r>
+              <a:rPr lang="en-GB" dirty="0"/>
+              <a:t>Senior Consultant</a:t>
+            </a:r>
+          </a:p>
+        </p:txBody>
+      </p:sp>
+      <p:pic>
+        <p:nvPicPr>
+          <p:cNvPr id="3" name="Imagen 8" descr="Imagen que contiene Texto&#10;&#10;Descripción generada automáticamente">
+            <a:extLst>
+              <a:ext uri="{FF2B5EF4-FFF2-40B4-BE49-F238E27FC236}">
+                <a16:creationId xmlns:a16="http://schemas.microsoft.com/office/drawing/2014/main" id="{05A6024B-C3B2-108C-FB4B-B3BB51024C36}"/>
+              </a:ext>
+            </a:extLst>
+          </p:cNvPr>
+          <p:cNvPicPr>
+            <a:picLocks noChangeAspect="1"/>
+          </p:cNvPicPr>
+          <p:nvPr/>
+        </p:nvPicPr>
+        <p:blipFill>
+          <a:blip r:embed="rId3" cstate="screen">
+            <a:extLst>
+              <a:ext uri="{28A0092B-C50C-407E-A947-70E740481C1C}">
+                <a14:useLocalDpi xmlns:a14="http://schemas.microsoft.com/office/drawing/2010/main"/>
+              </a:ext>
+            </a:extLst>
+          </a:blip>
+          <a:stretch>
+            <a:fillRect/>
+          </a:stretch>
+        </p:blipFill>
+        <p:spPr>
+          <a:xfrm>
+            <a:off x="1243317" y="2710441"/>
+            <a:ext cx="4063505" cy="1078074"/>
+          </a:xfrm>
+          <a:prstGeom prst="rect">
+            <a:avLst/>
+          </a:prstGeom>
+        </p:spPr>
+      </p:pic>
+    </p:spTree>
+    <p:extLst>
+      <p:ext uri="{BB962C8B-B14F-4D97-AF65-F5344CB8AC3E}">
+        <p14:creationId xmlns:p14="http://schemas.microsoft.com/office/powerpoint/2010/main" val="855130418"/>
+      </p:ext>
+    </p:extLst>
+  </p:cSld>
+  <p:clrMapOvr>
+    <a:masterClrMapping/>
+  </p:clrMapOvr>
+</p:sld>
+</file>
+
+<file path=ppt/slides/slide20.xml><?xml version="1.0" encoding="utf-8"?>
 <p:sld xmlns:a="http://schemas.openxmlformats.org/drawingml/2006/main" xmlns:r="http://schemas.openxmlformats.org/officeDocument/2006/relationships" xmlns:p="http://schemas.openxmlformats.org/presentationml/2006/main">
   <p:cSld>
     <p:spTree>
@@ -7059,144 +7911,7 @@
 </p:sld>
 </file>
 
-<file path=ppt/slides/slide2.xml><?xml version="1.0" encoding="utf-8"?>
-<p:sld xmlns:a="http://schemas.openxmlformats.org/drawingml/2006/main" xmlns:r="http://schemas.openxmlformats.org/officeDocument/2006/relationships" xmlns:p="http://schemas.openxmlformats.org/presentationml/2006/main">
-  <p:cSld>
-    <p:spTree>
-      <p:nvGrpSpPr>
-        <p:cNvPr id="1" name=""/>
-        <p:cNvGrpSpPr/>
-        <p:nvPr/>
-      </p:nvGrpSpPr>
-      <p:grpSpPr>
-        <a:xfrm>
-          <a:off x="0" y="0"/>
-          <a:ext cx="0" cy="0"/>
-          <a:chOff x="0" y="0"/>
-          <a:chExt cx="0" cy="0"/>
-        </a:xfrm>
-      </p:grpSpPr>
-      <p:sp>
-        <p:nvSpPr>
-          <p:cNvPr id="2" name="Title 1">
-            <a:extLst>
-              <a:ext uri="{FF2B5EF4-FFF2-40B4-BE49-F238E27FC236}">
-                <a16:creationId xmlns:a16="http://schemas.microsoft.com/office/drawing/2014/main" id="{41FED174-0F29-0519-4A7D-F626ED8E0B95}"/>
-              </a:ext>
-            </a:extLst>
-          </p:cNvPr>
-          <p:cNvSpPr>
-            <a:spLocks noGrp="1"/>
-          </p:cNvSpPr>
-          <p:nvPr>
-            <p:ph type="title"/>
-          </p:nvPr>
-        </p:nvSpPr>
-        <p:spPr/>
-        <p:txBody>
-          <a:bodyPr/>
-          <a:lstStyle/>
-          <a:p>
-            <a:r>
-              <a:rPr lang="en-GB" dirty="0"/>
-              <a:t>Azure</a:t>
-            </a:r>
-          </a:p>
-        </p:txBody>
-      </p:sp>
-      <p:sp>
-        <p:nvSpPr>
-          <p:cNvPr id="3" name="Content Placeholder 2">
-            <a:extLst>
-              <a:ext uri="{FF2B5EF4-FFF2-40B4-BE49-F238E27FC236}">
-                <a16:creationId xmlns:a16="http://schemas.microsoft.com/office/drawing/2014/main" id="{A59D69EC-AC16-7028-1C0A-B82335C10F0B}"/>
-              </a:ext>
-            </a:extLst>
-          </p:cNvPr>
-          <p:cNvSpPr>
-            <a:spLocks noGrp="1"/>
-          </p:cNvSpPr>
-          <p:nvPr>
-            <p:ph idx="1"/>
-          </p:nvPr>
-        </p:nvSpPr>
-        <p:spPr/>
-        <p:txBody>
-          <a:bodyPr/>
-          <a:lstStyle/>
-          <a:p>
-            <a:r>
-              <a:rPr lang="en-GB" dirty="0"/>
-              <a:t>Go to Azure.com</a:t>
-            </a:r>
-          </a:p>
-          <a:p>
-            <a:r>
-              <a:rPr lang="en-GB" dirty="0"/>
-              <a:t>Click ‘Try Azure for free’</a:t>
-            </a:r>
-          </a:p>
-          <a:p>
-            <a:r>
-              <a:rPr lang="en-GB" dirty="0"/>
-              <a:t>You will need:</a:t>
-            </a:r>
-          </a:p>
-          <a:p>
-            <a:pPr lvl="1"/>
-            <a:r>
-              <a:rPr lang="en-GB" dirty="0"/>
-              <a:t>An email address</a:t>
-            </a:r>
-          </a:p>
-          <a:p>
-            <a:pPr lvl="1"/>
-            <a:r>
-              <a:rPr lang="en-GB" dirty="0"/>
-              <a:t>A mobile phone</a:t>
-            </a:r>
-          </a:p>
-          <a:p>
-            <a:pPr lvl="1"/>
-            <a:r>
-              <a:rPr lang="en-GB" dirty="0"/>
-              <a:t>A credit/debit card – don’t worry you won’t be charged!</a:t>
-            </a:r>
-          </a:p>
-          <a:p>
-            <a:r>
-              <a:rPr lang="en-GB" dirty="0"/>
-              <a:t>Choose United Kingdom or US region</a:t>
-            </a:r>
-          </a:p>
-          <a:p>
-            <a:r>
-              <a:rPr lang="en-GB" dirty="0"/>
-              <a:t>$200 credit / 30 days</a:t>
-            </a:r>
-          </a:p>
-          <a:p>
-            <a:r>
-              <a:rPr lang="en-GB" dirty="0"/>
-              <a:t>Some resources are free longer / permanently</a:t>
-            </a:r>
-          </a:p>
-        </p:txBody>
-      </p:sp>
-    </p:spTree>
-    <p:extLst>
-      <p:ext uri="{BB962C8B-B14F-4D97-AF65-F5344CB8AC3E}">
-        <p14:creationId xmlns:p14="http://schemas.microsoft.com/office/powerpoint/2010/main" val="859955558"/>
-      </p:ext>
-    </p:extLst>
-  </p:cSld>
-  <p:clrMapOvr>
-    <a:masterClrMapping/>
-  </p:clrMapOvr>
-</p:sld>
-</file>
-
-<file path=ppt/slides/slide20.xml><?xml version="1.0" encoding="utf-8"?>
+<file path=ppt/slides/slide21.xml><?xml version="1.0" encoding="utf-8"?>
 <p:sld xmlns:a="http://schemas.openxmlformats.org/drawingml/2006/main" xmlns:r="http://schemas.openxmlformats.org/officeDocument/2006/relationships" xmlns:p="http://schemas.openxmlformats.org/presentationml/2006/main">
   <p:cSld>
     <p:spTree>
@@ -7316,7 +8031,7 @@
 </p:sld>
 </file>
 
-<file path=ppt/slides/slide21.xml><?xml version="1.0" encoding="utf-8"?>
+<file path=ppt/slides/slide22.xml><?xml version="1.0" encoding="utf-8"?>
 <p:sld xmlns:a="http://schemas.openxmlformats.org/drawingml/2006/main" xmlns:r="http://schemas.openxmlformats.org/officeDocument/2006/relationships" xmlns:p="http://schemas.openxmlformats.org/presentationml/2006/main">
   <p:cSld>
     <p:spTree>
@@ -7401,7 +8116,7 @@
 </p:sld>
 </file>
 
-<file path=ppt/slides/slide22.xml><?xml version="1.0" encoding="utf-8"?>
+<file path=ppt/slides/slide23.xml><?xml version="1.0" encoding="utf-8"?>
 <p:sld xmlns:a="http://schemas.openxmlformats.org/drawingml/2006/main" xmlns:r="http://schemas.openxmlformats.org/officeDocument/2006/relationships" xmlns:p="http://schemas.openxmlformats.org/presentationml/2006/main">
   <p:cSld>
     <p:spTree>
@@ -7516,7 +8231,7 @@
 </p:sld>
 </file>
 
-<file path=ppt/slides/slide23.xml><?xml version="1.0" encoding="utf-8"?>
+<file path=ppt/slides/slide24.xml><?xml version="1.0" encoding="utf-8"?>
 <p:sld xmlns:a="http://schemas.openxmlformats.org/drawingml/2006/main" xmlns:r="http://schemas.openxmlformats.org/officeDocument/2006/relationships" xmlns:p="http://schemas.openxmlformats.org/presentationml/2006/main">
   <p:cSld>
     <p:spTree>
@@ -7601,7 +8316,7 @@
 </p:sld>
 </file>
 
-<file path=ppt/slides/slide24.xml><?xml version="1.0" encoding="utf-8"?>
+<file path=ppt/slides/slide25.xml><?xml version="1.0" encoding="utf-8"?>
 <p:sld xmlns:a="http://schemas.openxmlformats.org/drawingml/2006/main" xmlns:r="http://schemas.openxmlformats.org/officeDocument/2006/relationships" xmlns:p="http://schemas.openxmlformats.org/presentationml/2006/main">
   <p:cSld>
     <p:spTree>
@@ -7721,7 +8436,7 @@
 </p:sld>
 </file>
 
-<file path=ppt/slides/slide25.xml><?xml version="1.0" encoding="utf-8"?>
+<file path=ppt/slides/slide26.xml><?xml version="1.0" encoding="utf-8"?>
 <p:sld xmlns:a="http://schemas.openxmlformats.org/drawingml/2006/main" xmlns:r="http://schemas.openxmlformats.org/officeDocument/2006/relationships" xmlns:p="http://schemas.openxmlformats.org/presentationml/2006/main">
   <p:cSld>
     <p:spTree>
@@ -7806,7 +8521,7 @@
 </p:sld>
 </file>
 
-<file path=ppt/slides/slide26.xml><?xml version="1.0" encoding="utf-8"?>
+<file path=ppt/slides/slide27.xml><?xml version="1.0" encoding="utf-8"?>
 <p:sld xmlns:a="http://schemas.openxmlformats.org/drawingml/2006/main" xmlns:r="http://schemas.openxmlformats.org/officeDocument/2006/relationships" xmlns:p="http://schemas.openxmlformats.org/presentationml/2006/main">
   <p:cSld>
     <p:spTree>
@@ -7898,7 +8613,7 @@
 </p:sld>
 </file>
 
-<file path=ppt/slides/slide27.xml><?xml version="1.0" encoding="utf-8"?>
+<file path=ppt/slides/slide28.xml><?xml version="1.0" encoding="utf-8"?>
 <p:sld xmlns:a="http://schemas.openxmlformats.org/drawingml/2006/main" xmlns:r="http://schemas.openxmlformats.org/officeDocument/2006/relationships" xmlns:p="http://schemas.openxmlformats.org/presentationml/2006/main">
   <p:cSld>
     <p:spTree>
@@ -7983,7 +8698,7 @@
 </p:sld>
 </file>
 
-<file path=ppt/slides/slide28.xml><?xml version="1.0" encoding="utf-8"?>
+<file path=ppt/slides/slide29.xml><?xml version="1.0" encoding="utf-8"?>
 <p:sld xmlns:a="http://schemas.openxmlformats.org/drawingml/2006/main" xmlns:r="http://schemas.openxmlformats.org/officeDocument/2006/relationships" xmlns:p="http://schemas.openxmlformats.org/presentationml/2006/main">
   <p:cSld>
     <p:spTree>
@@ -8068,7 +8783,144 @@
 </p:sld>
 </file>
 
-<file path=ppt/slides/slide29.xml><?xml version="1.0" encoding="utf-8"?>
+<file path=ppt/slides/slide3.xml><?xml version="1.0" encoding="utf-8"?>
+<p:sld xmlns:a="http://schemas.openxmlformats.org/drawingml/2006/main" xmlns:r="http://schemas.openxmlformats.org/officeDocument/2006/relationships" xmlns:p="http://schemas.openxmlformats.org/presentationml/2006/main">
+  <p:cSld>
+    <p:spTree>
+      <p:nvGrpSpPr>
+        <p:cNvPr id="1" name=""/>
+        <p:cNvGrpSpPr/>
+        <p:nvPr/>
+      </p:nvGrpSpPr>
+      <p:grpSpPr>
+        <a:xfrm>
+          <a:off x="0" y="0"/>
+          <a:ext cx="0" cy="0"/>
+          <a:chOff x="0" y="0"/>
+          <a:chExt cx="0" cy="0"/>
+        </a:xfrm>
+      </p:grpSpPr>
+      <p:sp>
+        <p:nvSpPr>
+          <p:cNvPr id="2" name="Title 1">
+            <a:extLst>
+              <a:ext uri="{FF2B5EF4-FFF2-40B4-BE49-F238E27FC236}">
+                <a16:creationId xmlns:a16="http://schemas.microsoft.com/office/drawing/2014/main" id="{41FED174-0F29-0519-4A7D-F626ED8E0B95}"/>
+              </a:ext>
+            </a:extLst>
+          </p:cNvPr>
+          <p:cNvSpPr>
+            <a:spLocks noGrp="1"/>
+          </p:cNvSpPr>
+          <p:nvPr>
+            <p:ph type="title"/>
+          </p:nvPr>
+        </p:nvSpPr>
+        <p:spPr/>
+        <p:txBody>
+          <a:bodyPr/>
+          <a:lstStyle/>
+          <a:p>
+            <a:r>
+              <a:rPr lang="en-GB" dirty="0"/>
+              <a:t>Azure</a:t>
+            </a:r>
+          </a:p>
+        </p:txBody>
+      </p:sp>
+      <p:sp>
+        <p:nvSpPr>
+          <p:cNvPr id="3" name="Content Placeholder 2">
+            <a:extLst>
+              <a:ext uri="{FF2B5EF4-FFF2-40B4-BE49-F238E27FC236}">
+                <a16:creationId xmlns:a16="http://schemas.microsoft.com/office/drawing/2014/main" id="{A59D69EC-AC16-7028-1C0A-B82335C10F0B}"/>
+              </a:ext>
+            </a:extLst>
+          </p:cNvPr>
+          <p:cNvSpPr>
+            <a:spLocks noGrp="1"/>
+          </p:cNvSpPr>
+          <p:nvPr>
+            <p:ph idx="1"/>
+          </p:nvPr>
+        </p:nvSpPr>
+        <p:spPr/>
+        <p:txBody>
+          <a:bodyPr/>
+          <a:lstStyle/>
+          <a:p>
+            <a:r>
+              <a:rPr lang="en-GB" dirty="0"/>
+              <a:t>Go to Azure.com</a:t>
+            </a:r>
+          </a:p>
+          <a:p>
+            <a:r>
+              <a:rPr lang="en-GB" dirty="0"/>
+              <a:t>Click ‘Try Azure for free’</a:t>
+            </a:r>
+          </a:p>
+          <a:p>
+            <a:r>
+              <a:rPr lang="en-GB" dirty="0"/>
+              <a:t>You will need:</a:t>
+            </a:r>
+          </a:p>
+          <a:p>
+            <a:pPr lvl="1"/>
+            <a:r>
+              <a:rPr lang="en-GB" dirty="0"/>
+              <a:t>An email address</a:t>
+            </a:r>
+          </a:p>
+          <a:p>
+            <a:pPr lvl="1"/>
+            <a:r>
+              <a:rPr lang="en-GB" dirty="0"/>
+              <a:t>A mobile phone</a:t>
+            </a:r>
+          </a:p>
+          <a:p>
+            <a:pPr lvl="1"/>
+            <a:r>
+              <a:rPr lang="en-GB" dirty="0"/>
+              <a:t>A credit/debit card – don’t worry you won’t be charged!</a:t>
+            </a:r>
+          </a:p>
+          <a:p>
+            <a:r>
+              <a:rPr lang="en-GB" dirty="0"/>
+              <a:t>Choose United Kingdom or US region</a:t>
+            </a:r>
+          </a:p>
+          <a:p>
+            <a:r>
+              <a:rPr lang="en-GB" dirty="0"/>
+              <a:t>$200 credit / 30 days</a:t>
+            </a:r>
+          </a:p>
+          <a:p>
+            <a:r>
+              <a:rPr lang="en-GB" dirty="0"/>
+              <a:t>Some resources are free longer / permanently</a:t>
+            </a:r>
+          </a:p>
+        </p:txBody>
+      </p:sp>
+    </p:spTree>
+    <p:extLst>
+      <p:ext uri="{BB962C8B-B14F-4D97-AF65-F5344CB8AC3E}">
+        <p14:creationId xmlns:p14="http://schemas.microsoft.com/office/powerpoint/2010/main" val="859955558"/>
+      </p:ext>
+    </p:extLst>
+  </p:cSld>
+  <p:clrMapOvr>
+    <a:masterClrMapping/>
+  </p:clrMapOvr>
+</p:sld>
+</file>
+
+<file path=ppt/slides/slide30.xml><?xml version="1.0" encoding="utf-8"?>
 <p:sld xmlns:a="http://schemas.openxmlformats.org/drawingml/2006/main" xmlns:r="http://schemas.openxmlformats.org/officeDocument/2006/relationships" xmlns:p="http://schemas.openxmlformats.org/presentationml/2006/main">
   <p:cSld>
     <p:spTree>
@@ -8158,99 +9010,7 @@
 </p:sld>
 </file>
 
-<file path=ppt/slides/slide3.xml><?xml version="1.0" encoding="utf-8"?>
-<p:sld xmlns:a="http://schemas.openxmlformats.org/drawingml/2006/main" xmlns:r="http://schemas.openxmlformats.org/officeDocument/2006/relationships" xmlns:p="http://schemas.openxmlformats.org/presentationml/2006/main">
-  <p:cSld>
-    <p:spTree>
-      <p:nvGrpSpPr>
-        <p:cNvPr id="1" name=""/>
-        <p:cNvGrpSpPr/>
-        <p:nvPr/>
-      </p:nvGrpSpPr>
-      <p:grpSpPr>
-        <a:xfrm>
-          <a:off x="0" y="0"/>
-          <a:ext cx="0" cy="0"/>
-          <a:chOff x="0" y="0"/>
-          <a:chExt cx="0" cy="0"/>
-        </a:xfrm>
-      </p:grpSpPr>
-      <p:sp>
-        <p:nvSpPr>
-          <p:cNvPr id="2" name="Title 1">
-            <a:extLst>
-              <a:ext uri="{FF2B5EF4-FFF2-40B4-BE49-F238E27FC236}">
-                <a16:creationId xmlns:a16="http://schemas.microsoft.com/office/drawing/2014/main" id="{9831B8CC-CE63-2632-A79B-DF312B723DB2}"/>
-              </a:ext>
-            </a:extLst>
-          </p:cNvPr>
-          <p:cNvSpPr>
-            <a:spLocks noGrp="1"/>
-          </p:cNvSpPr>
-          <p:nvPr>
-            <p:ph type="title"/>
-          </p:nvPr>
-        </p:nvSpPr>
-        <p:spPr/>
-        <p:txBody>
-          <a:bodyPr/>
-          <a:lstStyle/>
-          <a:p>
-            <a:r>
-              <a:rPr lang="en-GB" dirty="0"/>
-              <a:t>VS Code</a:t>
-            </a:r>
-          </a:p>
-        </p:txBody>
-      </p:sp>
-      <p:sp>
-        <p:nvSpPr>
-          <p:cNvPr id="3" name="Content Placeholder 2">
-            <a:extLst>
-              <a:ext uri="{FF2B5EF4-FFF2-40B4-BE49-F238E27FC236}">
-                <a16:creationId xmlns:a16="http://schemas.microsoft.com/office/drawing/2014/main" id="{B5E4477C-CAAB-ABF9-981B-11DA484523CD}"/>
-              </a:ext>
-            </a:extLst>
-          </p:cNvPr>
-          <p:cNvSpPr>
-            <a:spLocks noGrp="1"/>
-          </p:cNvSpPr>
-          <p:nvPr>
-            <p:ph idx="1"/>
-          </p:nvPr>
-        </p:nvSpPr>
-        <p:spPr/>
-        <p:txBody>
-          <a:bodyPr/>
-          <a:lstStyle/>
-          <a:p>
-            <a:r>
-              <a:rPr lang="en-GB" dirty="0"/>
-              <a:t>Free download</a:t>
-            </a:r>
-          </a:p>
-          <a:p>
-            <a:r>
-              <a:rPr lang="en-GB" dirty="0"/>
-              <a:t>Very large number of plug-ins/extensions – most free</a:t>
-            </a:r>
-          </a:p>
-        </p:txBody>
-      </p:sp>
-    </p:spTree>
-    <p:extLst>
-      <p:ext uri="{BB962C8B-B14F-4D97-AF65-F5344CB8AC3E}">
-        <p14:creationId xmlns:p14="http://schemas.microsoft.com/office/powerpoint/2010/main" val="3080502177"/>
-      </p:ext>
-    </p:extLst>
-  </p:cSld>
-  <p:clrMapOvr>
-    <a:masterClrMapping/>
-  </p:clrMapOvr>
-</p:sld>
-</file>
-
-<file path=ppt/slides/slide30.xml><?xml version="1.0" encoding="utf-8"?>
+<file path=ppt/slides/slide31.xml><?xml version="1.0" encoding="utf-8"?>
 <p:sld xmlns:a="http://schemas.openxmlformats.org/drawingml/2006/main" xmlns:r="http://schemas.openxmlformats.org/officeDocument/2006/relationships" xmlns:p="http://schemas.openxmlformats.org/presentationml/2006/main">
   <p:cSld>
     <p:spTree>
@@ -8400,7 +9160,7 @@
 </p:sld>
 </file>
 
-<file path=ppt/slides/slide31.xml><?xml version="1.0" encoding="utf-8"?>
+<file path=ppt/slides/slide32.xml><?xml version="1.0" encoding="utf-8"?>
 <p:sld xmlns:a="http://schemas.openxmlformats.org/drawingml/2006/main" xmlns:r="http://schemas.openxmlformats.org/officeDocument/2006/relationships" xmlns:p="http://schemas.openxmlformats.org/presentationml/2006/main">
   <p:cSld>
     <p:spTree>
@@ -8485,7 +9245,7 @@
 </p:sld>
 </file>
 
-<file path=ppt/slides/slide32.xml><?xml version="1.0" encoding="utf-8"?>
+<file path=ppt/slides/slide33.xml><?xml version="1.0" encoding="utf-8"?>
 <p:sld xmlns:a="http://schemas.openxmlformats.org/drawingml/2006/main" xmlns:r="http://schemas.openxmlformats.org/officeDocument/2006/relationships" xmlns:p="http://schemas.openxmlformats.org/presentationml/2006/main">
   <p:cSld>
     <p:spTree>
@@ -8600,7 +9360,7 @@
 </p:sld>
 </file>
 
-<file path=ppt/slides/slide33.xml><?xml version="1.0" encoding="utf-8"?>
+<file path=ppt/slides/slide34.xml><?xml version="1.0" encoding="utf-8"?>
 <p:sld xmlns:a="http://schemas.openxmlformats.org/drawingml/2006/main" xmlns:r="http://schemas.openxmlformats.org/officeDocument/2006/relationships" xmlns:p="http://schemas.openxmlformats.org/presentationml/2006/main">
   <p:cSld>
     <p:spTree>
@@ -8685,7 +9445,7 @@
 </p:sld>
 </file>
 
-<file path=ppt/slides/slide34.xml><?xml version="1.0" encoding="utf-8"?>
+<file path=ppt/slides/slide35.xml><?xml version="1.0" encoding="utf-8"?>
 <p:sld xmlns:a="http://schemas.openxmlformats.org/drawingml/2006/main" xmlns:r="http://schemas.openxmlformats.org/officeDocument/2006/relationships" xmlns:p="http://schemas.openxmlformats.org/presentationml/2006/main">
   <p:cSld>
     <p:spTree>
@@ -8770,7 +9530,7 @@
 </p:sld>
 </file>
 
-<file path=ppt/slides/slide35.xml><?xml version="1.0" encoding="utf-8"?>
+<file path=ppt/slides/slide36.xml><?xml version="1.0" encoding="utf-8"?>
 <p:sld xmlns:a="http://schemas.openxmlformats.org/drawingml/2006/main" xmlns:r="http://schemas.openxmlformats.org/officeDocument/2006/relationships" xmlns:p="http://schemas.openxmlformats.org/presentationml/2006/main">
   <p:cSld>
     <p:spTree>
@@ -8855,7 +9615,7 @@
 </p:sld>
 </file>
 
-<file path=ppt/slides/slide36.xml><?xml version="1.0" encoding="utf-8"?>
+<file path=ppt/slides/slide37.xml><?xml version="1.0" encoding="utf-8"?>
 <p:sld xmlns:a="http://schemas.openxmlformats.org/drawingml/2006/main" xmlns:r="http://schemas.openxmlformats.org/officeDocument/2006/relationships" xmlns:p="http://schemas.openxmlformats.org/presentationml/2006/main">
   <p:cSld>
     <p:spTree>
@@ -8940,7 +9700,7 @@
 </p:sld>
 </file>
 
-<file path=ppt/slides/slide37.xml><?xml version="1.0" encoding="utf-8"?>
+<file path=ppt/slides/slide38.xml><?xml version="1.0" encoding="utf-8"?>
 <p:sld xmlns:a="http://schemas.openxmlformats.org/drawingml/2006/main" xmlns:r="http://schemas.openxmlformats.org/officeDocument/2006/relationships" xmlns:p="http://schemas.openxmlformats.org/presentationml/2006/main">
   <p:cSld>
     <p:spTree>
@@ -9030,7 +9790,7 @@
 </p:sld>
 </file>
 
-<file path=ppt/slides/slide38.xml><?xml version="1.0" encoding="utf-8"?>
+<file path=ppt/slides/slide39.xml><?xml version="1.0" encoding="utf-8"?>
 <p:sld xmlns:a="http://schemas.openxmlformats.org/drawingml/2006/main" xmlns:r="http://schemas.openxmlformats.org/officeDocument/2006/relationships" xmlns:p="http://schemas.openxmlformats.org/presentationml/2006/main">
   <p:cSld>
     <p:spTree>
@@ -9115,7 +9875,99 @@
 </p:sld>
 </file>
 
-<file path=ppt/slides/slide39.xml><?xml version="1.0" encoding="utf-8"?>
+<file path=ppt/slides/slide4.xml><?xml version="1.0" encoding="utf-8"?>
+<p:sld xmlns:a="http://schemas.openxmlformats.org/drawingml/2006/main" xmlns:r="http://schemas.openxmlformats.org/officeDocument/2006/relationships" xmlns:p="http://schemas.openxmlformats.org/presentationml/2006/main">
+  <p:cSld>
+    <p:spTree>
+      <p:nvGrpSpPr>
+        <p:cNvPr id="1" name=""/>
+        <p:cNvGrpSpPr/>
+        <p:nvPr/>
+      </p:nvGrpSpPr>
+      <p:grpSpPr>
+        <a:xfrm>
+          <a:off x="0" y="0"/>
+          <a:ext cx="0" cy="0"/>
+          <a:chOff x="0" y="0"/>
+          <a:chExt cx="0" cy="0"/>
+        </a:xfrm>
+      </p:grpSpPr>
+      <p:sp>
+        <p:nvSpPr>
+          <p:cNvPr id="2" name="Title 1">
+            <a:extLst>
+              <a:ext uri="{FF2B5EF4-FFF2-40B4-BE49-F238E27FC236}">
+                <a16:creationId xmlns:a16="http://schemas.microsoft.com/office/drawing/2014/main" id="{9831B8CC-CE63-2632-A79B-DF312B723DB2}"/>
+              </a:ext>
+            </a:extLst>
+          </p:cNvPr>
+          <p:cNvSpPr>
+            <a:spLocks noGrp="1"/>
+          </p:cNvSpPr>
+          <p:nvPr>
+            <p:ph type="title"/>
+          </p:nvPr>
+        </p:nvSpPr>
+        <p:spPr/>
+        <p:txBody>
+          <a:bodyPr/>
+          <a:lstStyle/>
+          <a:p>
+            <a:r>
+              <a:rPr lang="en-GB" dirty="0"/>
+              <a:t>VS Code</a:t>
+            </a:r>
+          </a:p>
+        </p:txBody>
+      </p:sp>
+      <p:sp>
+        <p:nvSpPr>
+          <p:cNvPr id="3" name="Content Placeholder 2">
+            <a:extLst>
+              <a:ext uri="{FF2B5EF4-FFF2-40B4-BE49-F238E27FC236}">
+                <a16:creationId xmlns:a16="http://schemas.microsoft.com/office/drawing/2014/main" id="{B5E4477C-CAAB-ABF9-981B-11DA484523CD}"/>
+              </a:ext>
+            </a:extLst>
+          </p:cNvPr>
+          <p:cNvSpPr>
+            <a:spLocks noGrp="1"/>
+          </p:cNvSpPr>
+          <p:nvPr>
+            <p:ph idx="1"/>
+          </p:nvPr>
+        </p:nvSpPr>
+        <p:spPr/>
+        <p:txBody>
+          <a:bodyPr/>
+          <a:lstStyle/>
+          <a:p>
+            <a:r>
+              <a:rPr lang="en-GB" dirty="0"/>
+              <a:t>Free download</a:t>
+            </a:r>
+          </a:p>
+          <a:p>
+            <a:r>
+              <a:rPr lang="en-GB" dirty="0"/>
+              <a:t>Very large number of plug-ins/extensions – most free</a:t>
+            </a:r>
+          </a:p>
+        </p:txBody>
+      </p:sp>
+    </p:spTree>
+    <p:extLst>
+      <p:ext uri="{BB962C8B-B14F-4D97-AF65-F5344CB8AC3E}">
+        <p14:creationId xmlns:p14="http://schemas.microsoft.com/office/powerpoint/2010/main" val="3080502177"/>
+      </p:ext>
+    </p:extLst>
+  </p:cSld>
+  <p:clrMapOvr>
+    <a:masterClrMapping/>
+  </p:clrMapOvr>
+</p:sld>
+</file>
+
+<file path=ppt/slides/slide40.xml><?xml version="1.0" encoding="utf-8"?>
 <p:sld xmlns:a="http://schemas.openxmlformats.org/drawingml/2006/main" xmlns:r="http://schemas.openxmlformats.org/officeDocument/2006/relationships" xmlns:p="http://schemas.openxmlformats.org/presentationml/2006/main">
   <p:cSld>
     <p:spTree>
@@ -9200,7 +10052,843 @@
 </p:sld>
 </file>
 
-<file path=ppt/slides/slide4.xml><?xml version="1.0" encoding="utf-8"?>
+<file path=ppt/slides/slide41.xml><?xml version="1.0" encoding="utf-8"?>
+<p:sld xmlns:a="http://schemas.openxmlformats.org/drawingml/2006/main" xmlns:r="http://schemas.openxmlformats.org/officeDocument/2006/relationships" xmlns:p="http://schemas.openxmlformats.org/presentationml/2006/main">
+  <p:cSld>
+    <p:spTree>
+      <p:nvGrpSpPr>
+        <p:cNvPr id="1" name=""/>
+        <p:cNvGrpSpPr/>
+        <p:nvPr/>
+      </p:nvGrpSpPr>
+      <p:grpSpPr>
+        <a:xfrm>
+          <a:off x="0" y="0"/>
+          <a:ext cx="0" cy="0"/>
+          <a:chOff x="0" y="0"/>
+          <a:chExt cx="0" cy="0"/>
+        </a:xfrm>
+      </p:grpSpPr>
+      <p:sp>
+        <p:nvSpPr>
+          <p:cNvPr id="2" name="Title 1">
+            <a:extLst>
+              <a:ext uri="{FF2B5EF4-FFF2-40B4-BE49-F238E27FC236}">
+                <a16:creationId xmlns:a16="http://schemas.microsoft.com/office/drawing/2014/main" id="{DCD86764-00F4-6C9A-2130-D553A9C0F19A}"/>
+              </a:ext>
+            </a:extLst>
+          </p:cNvPr>
+          <p:cNvSpPr>
+            <a:spLocks noGrp="1"/>
+          </p:cNvSpPr>
+          <p:nvPr>
+            <p:ph type="title"/>
+          </p:nvPr>
+        </p:nvSpPr>
+        <p:spPr/>
+        <p:txBody>
+          <a:bodyPr/>
+          <a:lstStyle/>
+          <a:p>
+            <a:endParaRPr lang="en-GB"/>
+          </a:p>
+        </p:txBody>
+      </p:sp>
+      <p:pic>
+        <p:nvPicPr>
+          <p:cNvPr id="4" name="Picture 3">
+            <a:extLst>
+              <a:ext uri="{FF2B5EF4-FFF2-40B4-BE49-F238E27FC236}">
+                <a16:creationId xmlns:a16="http://schemas.microsoft.com/office/drawing/2014/main" id="{1228FCC1-0C76-DB22-35FF-1D59981CB3E8}"/>
+              </a:ext>
+            </a:extLst>
+          </p:cNvPr>
+          <p:cNvPicPr>
+            <a:picLocks noChangeAspect="1"/>
+          </p:cNvPicPr>
+          <p:nvPr/>
+        </p:nvPicPr>
+        <p:blipFill>
+          <a:blip r:embed="rId2"/>
+          <a:stretch>
+            <a:fillRect/>
+          </a:stretch>
+        </p:blipFill>
+        <p:spPr>
+          <a:xfrm>
+            <a:off x="838200" y="2026892"/>
+            <a:ext cx="3968954" cy="2101958"/>
+          </a:xfrm>
+          <a:prstGeom prst="rect">
+            <a:avLst/>
+          </a:prstGeom>
+        </p:spPr>
+      </p:pic>
+    </p:spTree>
+    <p:extLst>
+      <p:ext uri="{BB962C8B-B14F-4D97-AF65-F5344CB8AC3E}">
+        <p14:creationId xmlns:p14="http://schemas.microsoft.com/office/powerpoint/2010/main" val="460359469"/>
+      </p:ext>
+    </p:extLst>
+  </p:cSld>
+  <p:clrMapOvr>
+    <a:masterClrMapping/>
+  </p:clrMapOvr>
+</p:sld>
+</file>
+
+<file path=ppt/slides/slide42.xml><?xml version="1.0" encoding="utf-8"?>
+<p:sld xmlns:a="http://schemas.openxmlformats.org/drawingml/2006/main" xmlns:r="http://schemas.openxmlformats.org/officeDocument/2006/relationships" xmlns:p="http://schemas.openxmlformats.org/presentationml/2006/main">
+  <p:cSld>
+    <p:spTree>
+      <p:nvGrpSpPr>
+        <p:cNvPr id="1" name=""/>
+        <p:cNvGrpSpPr/>
+        <p:nvPr/>
+      </p:nvGrpSpPr>
+      <p:grpSpPr>
+        <a:xfrm>
+          <a:off x="0" y="0"/>
+          <a:ext cx="0" cy="0"/>
+          <a:chOff x="0" y="0"/>
+          <a:chExt cx="0" cy="0"/>
+        </a:xfrm>
+      </p:grpSpPr>
+      <p:sp>
+        <p:nvSpPr>
+          <p:cNvPr id="2" name="Title 1">
+            <a:extLst>
+              <a:ext uri="{FF2B5EF4-FFF2-40B4-BE49-F238E27FC236}">
+                <a16:creationId xmlns:a16="http://schemas.microsoft.com/office/drawing/2014/main" id="{A5469F7B-5F47-517F-D218-DF1E89BBB790}"/>
+              </a:ext>
+            </a:extLst>
+          </p:cNvPr>
+          <p:cNvSpPr>
+            <a:spLocks noGrp="1"/>
+          </p:cNvSpPr>
+          <p:nvPr>
+            <p:ph type="title"/>
+          </p:nvPr>
+        </p:nvSpPr>
+        <p:spPr/>
+        <p:txBody>
+          <a:bodyPr/>
+          <a:lstStyle/>
+          <a:p>
+            <a:r>
+              <a:rPr lang="en-GB" dirty="0"/>
+              <a:t>Python</a:t>
+            </a:r>
+          </a:p>
+        </p:txBody>
+      </p:sp>
+      <p:sp>
+        <p:nvSpPr>
+          <p:cNvPr id="3" name="Content Placeholder 2">
+            <a:extLst>
+              <a:ext uri="{FF2B5EF4-FFF2-40B4-BE49-F238E27FC236}">
+                <a16:creationId xmlns:a16="http://schemas.microsoft.com/office/drawing/2014/main" id="{D887FE72-3475-5DF9-893F-927B7A1BBC5F}"/>
+              </a:ext>
+            </a:extLst>
+          </p:cNvPr>
+          <p:cNvSpPr>
+            <a:spLocks noGrp="1"/>
+          </p:cNvSpPr>
+          <p:nvPr>
+            <p:ph idx="1"/>
+          </p:nvPr>
+        </p:nvSpPr>
+        <p:spPr/>
+        <p:txBody>
+          <a:bodyPr>
+            <a:normAutofit/>
+          </a:bodyPr>
+          <a:lstStyle/>
+          <a:p>
+            <a:r>
+              <a:rPr lang="en-GB" dirty="0"/>
+              <a:t>Use Anaconda</a:t>
+            </a:r>
+          </a:p>
+          <a:p>
+            <a:r>
+              <a:rPr lang="en-GB" dirty="0"/>
+              <a:t>Use </a:t>
+            </a:r>
+            <a:r>
+              <a:rPr lang="en-GB" dirty="0" err="1"/>
+              <a:t>conda</a:t>
+            </a:r>
+            <a:r>
+              <a:rPr lang="en-GB" dirty="0"/>
+              <a:t> to create environment</a:t>
+            </a:r>
+          </a:p>
+          <a:p>
+            <a:r>
+              <a:rPr lang="en-GB" dirty="0"/>
+              <a:t>Might need to enable Long Paths</a:t>
+            </a:r>
+          </a:p>
+        </p:txBody>
+      </p:sp>
+    </p:spTree>
+    <p:extLst>
+      <p:ext uri="{BB962C8B-B14F-4D97-AF65-F5344CB8AC3E}">
+        <p14:creationId xmlns:p14="http://schemas.microsoft.com/office/powerpoint/2010/main" val="3256889448"/>
+      </p:ext>
+    </p:extLst>
+  </p:cSld>
+  <p:clrMapOvr>
+    <a:masterClrMapping/>
+  </p:clrMapOvr>
+</p:sld>
+</file>
+
+<file path=ppt/slides/slide43.xml><?xml version="1.0" encoding="utf-8"?>
+<p:sld xmlns:a="http://schemas.openxmlformats.org/drawingml/2006/main" xmlns:r="http://schemas.openxmlformats.org/officeDocument/2006/relationships" xmlns:p="http://schemas.openxmlformats.org/presentationml/2006/main">
+  <p:cSld>
+    <p:spTree>
+      <p:nvGrpSpPr>
+        <p:cNvPr id="1" name=""/>
+        <p:cNvGrpSpPr/>
+        <p:nvPr/>
+      </p:nvGrpSpPr>
+      <p:grpSpPr>
+        <a:xfrm>
+          <a:off x="0" y="0"/>
+          <a:ext cx="0" cy="0"/>
+          <a:chOff x="0" y="0"/>
+          <a:chExt cx="0" cy="0"/>
+        </a:xfrm>
+      </p:grpSpPr>
+      <p:sp>
+        <p:nvSpPr>
+          <p:cNvPr id="2" name="Title 1">
+            <a:extLst>
+              <a:ext uri="{FF2B5EF4-FFF2-40B4-BE49-F238E27FC236}">
+                <a16:creationId xmlns:a16="http://schemas.microsoft.com/office/drawing/2014/main" id="{A46B4437-F99E-881D-8C11-C63B2CC3EA49}"/>
+              </a:ext>
+            </a:extLst>
+          </p:cNvPr>
+          <p:cNvSpPr>
+            <a:spLocks noGrp="1"/>
+          </p:cNvSpPr>
+          <p:nvPr>
+            <p:ph type="title"/>
+          </p:nvPr>
+        </p:nvSpPr>
+        <p:spPr/>
+        <p:txBody>
+          <a:bodyPr/>
+          <a:lstStyle/>
+          <a:p>
+            <a:r>
+              <a:rPr lang="en-GB" dirty="0"/>
+              <a:t>Anaconda install</a:t>
+            </a:r>
+          </a:p>
+        </p:txBody>
+      </p:sp>
+      <p:pic>
+        <p:nvPicPr>
+          <p:cNvPr id="5" name="Picture 4">
+            <a:extLst>
+              <a:ext uri="{FF2B5EF4-FFF2-40B4-BE49-F238E27FC236}">
+                <a16:creationId xmlns:a16="http://schemas.microsoft.com/office/drawing/2014/main" id="{3E636616-F386-FFD4-F9FB-6B28F76C082E}"/>
+              </a:ext>
+            </a:extLst>
+          </p:cNvPr>
+          <p:cNvPicPr>
+            <a:picLocks noChangeAspect="1"/>
+          </p:cNvPicPr>
+          <p:nvPr/>
+        </p:nvPicPr>
+        <p:blipFill>
+          <a:blip r:embed="rId2"/>
+          <a:stretch>
+            <a:fillRect/>
+          </a:stretch>
+        </p:blipFill>
+        <p:spPr>
+          <a:xfrm>
+            <a:off x="1701475" y="2249242"/>
+            <a:ext cx="4648849" cy="3515216"/>
+          </a:xfrm>
+          <a:prstGeom prst="rect">
+            <a:avLst/>
+          </a:prstGeom>
+        </p:spPr>
+      </p:pic>
+    </p:spTree>
+    <p:extLst>
+      <p:ext uri="{BB962C8B-B14F-4D97-AF65-F5344CB8AC3E}">
+        <p14:creationId xmlns:p14="http://schemas.microsoft.com/office/powerpoint/2010/main" val="1102189768"/>
+      </p:ext>
+    </p:extLst>
+  </p:cSld>
+  <p:clrMapOvr>
+    <a:masterClrMapping/>
+  </p:clrMapOvr>
+</p:sld>
+</file>
+
+<file path=ppt/slides/slide44.xml><?xml version="1.0" encoding="utf-8"?>
+<p:sld xmlns:a="http://schemas.openxmlformats.org/drawingml/2006/main" xmlns:r="http://schemas.openxmlformats.org/officeDocument/2006/relationships" xmlns:p="http://schemas.openxmlformats.org/presentationml/2006/main">
+  <p:cSld>
+    <p:spTree>
+      <p:nvGrpSpPr>
+        <p:cNvPr id="1" name=""/>
+        <p:cNvGrpSpPr/>
+        <p:nvPr/>
+      </p:nvGrpSpPr>
+      <p:grpSpPr>
+        <a:xfrm>
+          <a:off x="0" y="0"/>
+          <a:ext cx="0" cy="0"/>
+          <a:chOff x="0" y="0"/>
+          <a:chExt cx="0" cy="0"/>
+        </a:xfrm>
+      </p:grpSpPr>
+      <p:sp>
+        <p:nvSpPr>
+          <p:cNvPr id="2" name="Title 1">
+            <a:extLst>
+              <a:ext uri="{FF2B5EF4-FFF2-40B4-BE49-F238E27FC236}">
+                <a16:creationId xmlns:a16="http://schemas.microsoft.com/office/drawing/2014/main" id="{08BA6218-7C2E-0654-E7FF-890943A38659}"/>
+              </a:ext>
+            </a:extLst>
+          </p:cNvPr>
+          <p:cNvSpPr>
+            <a:spLocks noGrp="1"/>
+          </p:cNvSpPr>
+          <p:nvPr>
+            <p:ph type="title"/>
+          </p:nvPr>
+        </p:nvSpPr>
+        <p:spPr/>
+        <p:txBody>
+          <a:bodyPr/>
+          <a:lstStyle/>
+          <a:p>
+            <a:r>
+              <a:rPr lang="en-GB" dirty="0" err="1"/>
+              <a:t>Conda</a:t>
+            </a:r>
+            <a:r>
+              <a:rPr lang="en-GB" dirty="0"/>
+              <a:t> demo</a:t>
+            </a:r>
+          </a:p>
+        </p:txBody>
+      </p:sp>
+    </p:spTree>
+    <p:extLst>
+      <p:ext uri="{BB962C8B-B14F-4D97-AF65-F5344CB8AC3E}">
+        <p14:creationId xmlns:p14="http://schemas.microsoft.com/office/powerpoint/2010/main" val="349260128"/>
+      </p:ext>
+    </p:extLst>
+  </p:cSld>
+  <p:clrMapOvr>
+    <a:masterClrMapping/>
+  </p:clrMapOvr>
+</p:sld>
+</file>
+
+<file path=ppt/slides/slide45.xml><?xml version="1.0" encoding="utf-8"?>
+<p:sld xmlns:a="http://schemas.openxmlformats.org/drawingml/2006/main" xmlns:r="http://schemas.openxmlformats.org/officeDocument/2006/relationships" xmlns:p="http://schemas.openxmlformats.org/presentationml/2006/main">
+  <p:cSld>
+    <p:spTree>
+      <p:nvGrpSpPr>
+        <p:cNvPr id="1" name=""/>
+        <p:cNvGrpSpPr/>
+        <p:nvPr/>
+      </p:nvGrpSpPr>
+      <p:grpSpPr>
+        <a:xfrm>
+          <a:off x="0" y="0"/>
+          <a:ext cx="0" cy="0"/>
+          <a:chOff x="0" y="0"/>
+          <a:chExt cx="0" cy="0"/>
+        </a:xfrm>
+      </p:grpSpPr>
+      <p:sp>
+        <p:nvSpPr>
+          <p:cNvPr id="2" name="Title 1">
+            <a:extLst>
+              <a:ext uri="{FF2B5EF4-FFF2-40B4-BE49-F238E27FC236}">
+                <a16:creationId xmlns:a16="http://schemas.microsoft.com/office/drawing/2014/main" id="{A5469F7B-5F47-517F-D218-DF1E89BBB790}"/>
+              </a:ext>
+            </a:extLst>
+          </p:cNvPr>
+          <p:cNvSpPr>
+            <a:spLocks noGrp="1"/>
+          </p:cNvSpPr>
+          <p:nvPr>
+            <p:ph type="title"/>
+          </p:nvPr>
+        </p:nvSpPr>
+        <p:spPr/>
+        <p:txBody>
+          <a:bodyPr/>
+          <a:lstStyle/>
+          <a:p>
+            <a:r>
+              <a:rPr lang="en-GB" dirty="0" err="1"/>
+              <a:t>PySpark</a:t>
+            </a:r>
+            <a:r>
+              <a:rPr lang="en-GB" dirty="0"/>
+              <a:t> Pre-requisites</a:t>
+            </a:r>
+          </a:p>
+        </p:txBody>
+      </p:sp>
+      <p:sp>
+        <p:nvSpPr>
+          <p:cNvPr id="3" name="Content Placeholder 2">
+            <a:extLst>
+              <a:ext uri="{FF2B5EF4-FFF2-40B4-BE49-F238E27FC236}">
+                <a16:creationId xmlns:a16="http://schemas.microsoft.com/office/drawing/2014/main" id="{D887FE72-3475-5DF9-893F-927B7A1BBC5F}"/>
+              </a:ext>
+            </a:extLst>
+          </p:cNvPr>
+          <p:cNvSpPr>
+            <a:spLocks noGrp="1"/>
+          </p:cNvSpPr>
+          <p:nvPr>
+            <p:ph idx="1"/>
+          </p:nvPr>
+        </p:nvSpPr>
+        <p:spPr/>
+        <p:txBody>
+          <a:bodyPr>
+            <a:normAutofit/>
+          </a:bodyPr>
+          <a:lstStyle/>
+          <a:p>
+            <a:r>
+              <a:rPr lang="en-GB" dirty="0"/>
+              <a:t>Install Java (not v 21)</a:t>
+            </a:r>
+          </a:p>
+          <a:p>
+            <a:r>
+              <a:rPr lang="en-GB" dirty="0"/>
+              <a:t>Set paths</a:t>
+            </a:r>
+          </a:p>
+          <a:p>
+            <a:pPr lvl="1"/>
+            <a:r>
+              <a:rPr lang="en-GB" dirty="0"/>
+              <a:t>JAVA_HOME</a:t>
+            </a:r>
+          </a:p>
+          <a:p>
+            <a:pPr lvl="1"/>
+            <a:r>
+              <a:rPr lang="en-GB" dirty="0"/>
+              <a:t>PATH</a:t>
+            </a:r>
+          </a:p>
+          <a:p>
+            <a:pPr lvl="1"/>
+            <a:endParaRPr lang="en-GB" dirty="0"/>
+          </a:p>
+          <a:p>
+            <a:r>
+              <a:rPr lang="en-GB" dirty="0"/>
+              <a:t>Install Apache Spark</a:t>
+            </a:r>
+          </a:p>
+          <a:p>
+            <a:r>
+              <a:rPr lang="en-GB" dirty="0"/>
+              <a:t>Install winutils.exe</a:t>
+            </a:r>
+          </a:p>
+          <a:p>
+            <a:r>
+              <a:rPr lang="en-GB" dirty="0"/>
+              <a:t>Create virtual environment</a:t>
+            </a:r>
+          </a:p>
+          <a:p>
+            <a:r>
+              <a:rPr lang="en-GB" dirty="0"/>
+              <a:t>Instructions: </a:t>
+            </a:r>
+            <a:r>
+              <a:rPr lang="en-GB" dirty="0">
+                <a:hlinkClick r:id="rId2"/>
+              </a:rPr>
+              <a:t>https://sparkbyexamples.com/pyspark-tutorial/</a:t>
+            </a:r>
+            <a:endParaRPr lang="en-GB" dirty="0"/>
+          </a:p>
+          <a:p>
+            <a:pPr marL="0" indent="0">
+              <a:buNone/>
+            </a:pPr>
+            <a:endParaRPr lang="en-GB" dirty="0"/>
+          </a:p>
+        </p:txBody>
+      </p:sp>
+    </p:spTree>
+    <p:extLst>
+      <p:ext uri="{BB962C8B-B14F-4D97-AF65-F5344CB8AC3E}">
+        <p14:creationId xmlns:p14="http://schemas.microsoft.com/office/powerpoint/2010/main" val="662787998"/>
+      </p:ext>
+    </p:extLst>
+  </p:cSld>
+  <p:clrMapOvr>
+    <a:masterClrMapping/>
+  </p:clrMapOvr>
+</p:sld>
+</file>
+
+<file path=ppt/slides/slide46.xml><?xml version="1.0" encoding="utf-8"?>
+<p:sld xmlns:a="http://schemas.openxmlformats.org/drawingml/2006/main" xmlns:r="http://schemas.openxmlformats.org/officeDocument/2006/relationships" xmlns:p="http://schemas.openxmlformats.org/presentationml/2006/main">
+  <p:cSld>
+    <p:spTree>
+      <p:nvGrpSpPr>
+        <p:cNvPr id="1" name=""/>
+        <p:cNvGrpSpPr/>
+        <p:nvPr/>
+      </p:nvGrpSpPr>
+      <p:grpSpPr>
+        <a:xfrm>
+          <a:off x="0" y="0"/>
+          <a:ext cx="0" cy="0"/>
+          <a:chOff x="0" y="0"/>
+          <a:chExt cx="0" cy="0"/>
+        </a:xfrm>
+      </p:grpSpPr>
+      <p:sp>
+        <p:nvSpPr>
+          <p:cNvPr id="2" name="Title 1">
+            <a:extLst>
+              <a:ext uri="{FF2B5EF4-FFF2-40B4-BE49-F238E27FC236}">
+                <a16:creationId xmlns:a16="http://schemas.microsoft.com/office/drawing/2014/main" id="{A5469F7B-5F47-517F-D218-DF1E89BBB790}"/>
+              </a:ext>
+            </a:extLst>
+          </p:cNvPr>
+          <p:cNvSpPr>
+            <a:spLocks noGrp="1"/>
+          </p:cNvSpPr>
+          <p:nvPr>
+            <p:ph type="title"/>
+          </p:nvPr>
+        </p:nvSpPr>
+        <p:spPr/>
+        <p:txBody>
+          <a:bodyPr/>
+          <a:lstStyle/>
+          <a:p>
+            <a:r>
+              <a:rPr lang="en-GB" dirty="0" err="1"/>
+              <a:t>PySpark</a:t>
+            </a:r>
+            <a:r>
+              <a:rPr lang="en-GB" dirty="0"/>
+              <a:t> Demo</a:t>
+            </a:r>
+          </a:p>
+        </p:txBody>
+      </p:sp>
+      <p:sp>
+        <p:nvSpPr>
+          <p:cNvPr id="3" name="Content Placeholder 2">
+            <a:extLst>
+              <a:ext uri="{FF2B5EF4-FFF2-40B4-BE49-F238E27FC236}">
+                <a16:creationId xmlns:a16="http://schemas.microsoft.com/office/drawing/2014/main" id="{D887FE72-3475-5DF9-893F-927B7A1BBC5F}"/>
+              </a:ext>
+            </a:extLst>
+          </p:cNvPr>
+          <p:cNvSpPr>
+            <a:spLocks noGrp="1"/>
+          </p:cNvSpPr>
+          <p:nvPr>
+            <p:ph idx="1"/>
+          </p:nvPr>
+        </p:nvSpPr>
+        <p:spPr/>
+        <p:txBody>
+          <a:bodyPr>
+            <a:normAutofit/>
+          </a:bodyPr>
+          <a:lstStyle/>
+          <a:p>
+            <a:endParaRPr lang="en-GB" dirty="0"/>
+          </a:p>
+        </p:txBody>
+      </p:sp>
+    </p:spTree>
+    <p:extLst>
+      <p:ext uri="{BB962C8B-B14F-4D97-AF65-F5344CB8AC3E}">
+        <p14:creationId xmlns:p14="http://schemas.microsoft.com/office/powerpoint/2010/main" val="3082836330"/>
+      </p:ext>
+    </p:extLst>
+  </p:cSld>
+  <p:clrMapOvr>
+    <a:masterClrMapping/>
+  </p:clrMapOvr>
+</p:sld>
+</file>
+
+<file path=ppt/slides/slide47.xml><?xml version="1.0" encoding="utf-8"?>
+<p:sld xmlns:a="http://schemas.openxmlformats.org/drawingml/2006/main" xmlns:r="http://schemas.openxmlformats.org/officeDocument/2006/relationships" xmlns:p="http://schemas.openxmlformats.org/presentationml/2006/main">
+  <p:cSld>
+    <p:spTree>
+      <p:nvGrpSpPr>
+        <p:cNvPr id="1" name=""/>
+        <p:cNvGrpSpPr/>
+        <p:nvPr/>
+      </p:nvGrpSpPr>
+      <p:grpSpPr>
+        <a:xfrm>
+          <a:off x="0" y="0"/>
+          <a:ext cx="0" cy="0"/>
+          <a:chOff x="0" y="0"/>
+          <a:chExt cx="0" cy="0"/>
+        </a:xfrm>
+      </p:grpSpPr>
+      <p:sp>
+        <p:nvSpPr>
+          <p:cNvPr id="2" name="Title 1">
+            <a:extLst>
+              <a:ext uri="{FF2B5EF4-FFF2-40B4-BE49-F238E27FC236}">
+                <a16:creationId xmlns:a16="http://schemas.microsoft.com/office/drawing/2014/main" id="{E44CED87-DE61-C816-A3B2-E63F5185A2FF}"/>
+              </a:ext>
+            </a:extLst>
+          </p:cNvPr>
+          <p:cNvSpPr>
+            <a:spLocks noGrp="1"/>
+          </p:cNvSpPr>
+          <p:nvPr>
+            <p:ph type="title"/>
+          </p:nvPr>
+        </p:nvSpPr>
+        <p:spPr/>
+        <p:txBody>
+          <a:bodyPr/>
+          <a:lstStyle/>
+          <a:p>
+            <a:endParaRPr lang="en-GB"/>
+          </a:p>
+        </p:txBody>
+      </p:sp>
+      <p:pic>
+        <p:nvPicPr>
+          <p:cNvPr id="5" name="Picture 4">
+            <a:extLst>
+              <a:ext uri="{FF2B5EF4-FFF2-40B4-BE49-F238E27FC236}">
+                <a16:creationId xmlns:a16="http://schemas.microsoft.com/office/drawing/2014/main" id="{BBCCA8A9-2EA6-13E9-862D-2FC11BA269AD}"/>
+              </a:ext>
+            </a:extLst>
+          </p:cNvPr>
+          <p:cNvPicPr>
+            <a:picLocks noChangeAspect="1"/>
+          </p:cNvPicPr>
+          <p:nvPr/>
+        </p:nvPicPr>
+        <p:blipFill>
+          <a:blip r:embed="rId2"/>
+          <a:stretch>
+            <a:fillRect/>
+          </a:stretch>
+        </p:blipFill>
+        <p:spPr>
+          <a:xfrm>
+            <a:off x="1207931" y="2120132"/>
+            <a:ext cx="4239217" cy="1819529"/>
+          </a:xfrm>
+          <a:prstGeom prst="rect">
+            <a:avLst/>
+          </a:prstGeom>
+        </p:spPr>
+      </p:pic>
+    </p:spTree>
+    <p:extLst>
+      <p:ext uri="{BB962C8B-B14F-4D97-AF65-F5344CB8AC3E}">
+        <p14:creationId xmlns:p14="http://schemas.microsoft.com/office/powerpoint/2010/main" val="1601142253"/>
+      </p:ext>
+    </p:extLst>
+  </p:cSld>
+  <p:clrMapOvr>
+    <a:masterClrMapping/>
+  </p:clrMapOvr>
+</p:sld>
+</file>
+
+<file path=ppt/slides/slide48.xml><?xml version="1.0" encoding="utf-8"?>
+<p:sld xmlns:a="http://schemas.openxmlformats.org/drawingml/2006/main" xmlns:r="http://schemas.openxmlformats.org/officeDocument/2006/relationships" xmlns:p="http://schemas.openxmlformats.org/presentationml/2006/main">
+  <p:cSld>
+    <p:spTree>
+      <p:nvGrpSpPr>
+        <p:cNvPr id="1" name=""/>
+        <p:cNvGrpSpPr/>
+        <p:nvPr/>
+      </p:nvGrpSpPr>
+      <p:grpSpPr>
+        <a:xfrm>
+          <a:off x="0" y="0"/>
+          <a:ext cx="0" cy="0"/>
+          <a:chOff x="0" y="0"/>
+          <a:chExt cx="0" cy="0"/>
+        </a:xfrm>
+      </p:grpSpPr>
+      <p:sp>
+        <p:nvSpPr>
+          <p:cNvPr id="2" name="Title 1">
+            <a:extLst>
+              <a:ext uri="{FF2B5EF4-FFF2-40B4-BE49-F238E27FC236}">
+                <a16:creationId xmlns:a16="http://schemas.microsoft.com/office/drawing/2014/main" id="{C28F207F-86B4-1AD4-474C-5449AA952C4B}"/>
+              </a:ext>
+            </a:extLst>
+          </p:cNvPr>
+          <p:cNvSpPr>
+            <a:spLocks noGrp="1"/>
+          </p:cNvSpPr>
+          <p:nvPr>
+            <p:ph type="title"/>
+          </p:nvPr>
+        </p:nvSpPr>
+        <p:spPr/>
+        <p:txBody>
+          <a:bodyPr/>
+          <a:lstStyle/>
+          <a:p>
+            <a:r>
+              <a:rPr lang="en-GB" dirty="0"/>
+              <a:t>Follow-up Resources</a:t>
+            </a:r>
+          </a:p>
+        </p:txBody>
+      </p:sp>
+      <p:sp>
+        <p:nvSpPr>
+          <p:cNvPr id="3" name="Content Placeholder 2">
+            <a:extLst>
+              <a:ext uri="{FF2B5EF4-FFF2-40B4-BE49-F238E27FC236}">
+                <a16:creationId xmlns:a16="http://schemas.microsoft.com/office/drawing/2014/main" id="{15D17D37-C8BB-FEFD-88D1-4110C76AEF74}"/>
+              </a:ext>
+            </a:extLst>
+          </p:cNvPr>
+          <p:cNvSpPr>
+            <a:spLocks noGrp="1"/>
+          </p:cNvSpPr>
+          <p:nvPr>
+            <p:ph idx="1"/>
+          </p:nvPr>
+        </p:nvSpPr>
+        <p:spPr/>
+        <p:txBody>
+          <a:bodyPr>
+            <a:normAutofit/>
+          </a:bodyPr>
+          <a:lstStyle/>
+          <a:p>
+            <a:r>
+              <a:rPr lang="en-GB" sz="1800" dirty="0"/>
+              <a:t>Repo: https://github.com/phil-a10/Talks/tree/main/Data%20Engineering%20Using%20Free%20Tools</a:t>
+            </a:r>
+          </a:p>
+          <a:p>
+            <a:r>
+              <a:rPr lang="en-GB" sz="1800" dirty="0"/>
+              <a:t>Microsoft Learn: https://learn.microsoft.com/en-us/training/career-paths/data-engineer</a:t>
+            </a:r>
+          </a:p>
+          <a:p>
+            <a:r>
+              <a:rPr lang="en-GB" sz="1800" dirty="0"/>
+              <a:t>Kimball books</a:t>
+            </a:r>
+          </a:p>
+        </p:txBody>
+      </p:sp>
+    </p:spTree>
+    <p:extLst>
+      <p:ext uri="{BB962C8B-B14F-4D97-AF65-F5344CB8AC3E}">
+        <p14:creationId xmlns:p14="http://schemas.microsoft.com/office/powerpoint/2010/main" val="558925432"/>
+      </p:ext>
+    </p:extLst>
+  </p:cSld>
+  <p:clrMapOvr>
+    <a:masterClrMapping/>
+  </p:clrMapOvr>
+</p:sld>
+</file>
+
+<file path=ppt/slides/slide49.xml><?xml version="1.0" encoding="utf-8"?>
+<p:sld xmlns:a="http://schemas.openxmlformats.org/drawingml/2006/main" xmlns:r="http://schemas.openxmlformats.org/officeDocument/2006/relationships" xmlns:p="http://schemas.openxmlformats.org/presentationml/2006/main">
+  <p:cSld>
+    <p:spTree>
+      <p:nvGrpSpPr>
+        <p:cNvPr id="1" name=""/>
+        <p:cNvGrpSpPr/>
+        <p:nvPr/>
+      </p:nvGrpSpPr>
+      <p:grpSpPr>
+        <a:xfrm>
+          <a:off x="0" y="0"/>
+          <a:ext cx="0" cy="0"/>
+          <a:chOff x="0" y="0"/>
+          <a:chExt cx="0" cy="0"/>
+        </a:xfrm>
+      </p:grpSpPr>
+      <p:sp>
+        <p:nvSpPr>
+          <p:cNvPr id="2" name="Title 1">
+            <a:extLst>
+              <a:ext uri="{FF2B5EF4-FFF2-40B4-BE49-F238E27FC236}">
+                <a16:creationId xmlns:a16="http://schemas.microsoft.com/office/drawing/2014/main" id="{6461F12C-8296-BADA-FD56-149E96554D1E}"/>
+              </a:ext>
+            </a:extLst>
+          </p:cNvPr>
+          <p:cNvSpPr>
+            <a:spLocks noGrp="1"/>
+          </p:cNvSpPr>
+          <p:nvPr>
+            <p:ph type="title"/>
+          </p:nvPr>
+        </p:nvSpPr>
+        <p:spPr>
+          <a:xfrm>
+            <a:off x="838200" y="365125"/>
+            <a:ext cx="10439400" cy="5940425"/>
+          </a:xfrm>
+        </p:spPr>
+        <p:txBody>
+          <a:bodyPr>
+            <a:normAutofit/>
+          </a:bodyPr>
+          <a:lstStyle/>
+          <a:p>
+            <a:pPr algn="ctr"/>
+            <a:r>
+              <a:rPr lang="en-GB" sz="8800" dirty="0"/>
+              <a:t>END</a:t>
+            </a:r>
+          </a:p>
+        </p:txBody>
+      </p:sp>
+    </p:spTree>
+    <p:extLst>
+      <p:ext uri="{BB962C8B-B14F-4D97-AF65-F5344CB8AC3E}">
+        <p14:creationId xmlns:p14="http://schemas.microsoft.com/office/powerpoint/2010/main" val="3703701476"/>
+      </p:ext>
+    </p:extLst>
+  </p:cSld>
+  <p:clrMapOvr>
+    <a:masterClrMapping/>
+  </p:clrMapOvr>
+</p:sld>
+</file>
+
+<file path=ppt/slides/slide5.xml><?xml version="1.0" encoding="utf-8"?>
 <p:sld xmlns:a="http://schemas.openxmlformats.org/drawingml/2006/main" xmlns:r="http://schemas.openxmlformats.org/officeDocument/2006/relationships" xmlns:p="http://schemas.openxmlformats.org/presentationml/2006/main">
   <p:cSld>
     <p:spTree>
@@ -9288,843 +10976,7 @@
 </p:sld>
 </file>
 
-<file path=ppt/slides/slide40.xml><?xml version="1.0" encoding="utf-8"?>
-<p:sld xmlns:a="http://schemas.openxmlformats.org/drawingml/2006/main" xmlns:r="http://schemas.openxmlformats.org/officeDocument/2006/relationships" xmlns:p="http://schemas.openxmlformats.org/presentationml/2006/main">
-  <p:cSld>
-    <p:spTree>
-      <p:nvGrpSpPr>
-        <p:cNvPr id="1" name=""/>
-        <p:cNvGrpSpPr/>
-        <p:nvPr/>
-      </p:nvGrpSpPr>
-      <p:grpSpPr>
-        <a:xfrm>
-          <a:off x="0" y="0"/>
-          <a:ext cx="0" cy="0"/>
-          <a:chOff x="0" y="0"/>
-          <a:chExt cx="0" cy="0"/>
-        </a:xfrm>
-      </p:grpSpPr>
-      <p:sp>
-        <p:nvSpPr>
-          <p:cNvPr id="2" name="Title 1">
-            <a:extLst>
-              <a:ext uri="{FF2B5EF4-FFF2-40B4-BE49-F238E27FC236}">
-                <a16:creationId xmlns:a16="http://schemas.microsoft.com/office/drawing/2014/main" id="{DCD86764-00F4-6C9A-2130-D553A9C0F19A}"/>
-              </a:ext>
-            </a:extLst>
-          </p:cNvPr>
-          <p:cNvSpPr>
-            <a:spLocks noGrp="1"/>
-          </p:cNvSpPr>
-          <p:nvPr>
-            <p:ph type="title"/>
-          </p:nvPr>
-        </p:nvSpPr>
-        <p:spPr/>
-        <p:txBody>
-          <a:bodyPr/>
-          <a:lstStyle/>
-          <a:p>
-            <a:endParaRPr lang="en-GB"/>
-          </a:p>
-        </p:txBody>
-      </p:sp>
-      <p:pic>
-        <p:nvPicPr>
-          <p:cNvPr id="4" name="Picture 3">
-            <a:extLst>
-              <a:ext uri="{FF2B5EF4-FFF2-40B4-BE49-F238E27FC236}">
-                <a16:creationId xmlns:a16="http://schemas.microsoft.com/office/drawing/2014/main" id="{1228FCC1-0C76-DB22-35FF-1D59981CB3E8}"/>
-              </a:ext>
-            </a:extLst>
-          </p:cNvPr>
-          <p:cNvPicPr>
-            <a:picLocks noChangeAspect="1"/>
-          </p:cNvPicPr>
-          <p:nvPr/>
-        </p:nvPicPr>
-        <p:blipFill>
-          <a:blip r:embed="rId2"/>
-          <a:stretch>
-            <a:fillRect/>
-          </a:stretch>
-        </p:blipFill>
-        <p:spPr>
-          <a:xfrm>
-            <a:off x="838200" y="2026892"/>
-            <a:ext cx="3968954" cy="2101958"/>
-          </a:xfrm>
-          <a:prstGeom prst="rect">
-            <a:avLst/>
-          </a:prstGeom>
-        </p:spPr>
-      </p:pic>
-    </p:spTree>
-    <p:extLst>
-      <p:ext uri="{BB962C8B-B14F-4D97-AF65-F5344CB8AC3E}">
-        <p14:creationId xmlns:p14="http://schemas.microsoft.com/office/powerpoint/2010/main" val="460359469"/>
-      </p:ext>
-    </p:extLst>
-  </p:cSld>
-  <p:clrMapOvr>
-    <a:masterClrMapping/>
-  </p:clrMapOvr>
-</p:sld>
-</file>
-
-<file path=ppt/slides/slide41.xml><?xml version="1.0" encoding="utf-8"?>
-<p:sld xmlns:a="http://schemas.openxmlformats.org/drawingml/2006/main" xmlns:r="http://schemas.openxmlformats.org/officeDocument/2006/relationships" xmlns:p="http://schemas.openxmlformats.org/presentationml/2006/main">
-  <p:cSld>
-    <p:spTree>
-      <p:nvGrpSpPr>
-        <p:cNvPr id="1" name=""/>
-        <p:cNvGrpSpPr/>
-        <p:nvPr/>
-      </p:nvGrpSpPr>
-      <p:grpSpPr>
-        <a:xfrm>
-          <a:off x="0" y="0"/>
-          <a:ext cx="0" cy="0"/>
-          <a:chOff x="0" y="0"/>
-          <a:chExt cx="0" cy="0"/>
-        </a:xfrm>
-      </p:grpSpPr>
-      <p:sp>
-        <p:nvSpPr>
-          <p:cNvPr id="2" name="Title 1">
-            <a:extLst>
-              <a:ext uri="{FF2B5EF4-FFF2-40B4-BE49-F238E27FC236}">
-                <a16:creationId xmlns:a16="http://schemas.microsoft.com/office/drawing/2014/main" id="{A5469F7B-5F47-517F-D218-DF1E89BBB790}"/>
-              </a:ext>
-            </a:extLst>
-          </p:cNvPr>
-          <p:cNvSpPr>
-            <a:spLocks noGrp="1"/>
-          </p:cNvSpPr>
-          <p:nvPr>
-            <p:ph type="title"/>
-          </p:nvPr>
-        </p:nvSpPr>
-        <p:spPr/>
-        <p:txBody>
-          <a:bodyPr/>
-          <a:lstStyle/>
-          <a:p>
-            <a:r>
-              <a:rPr lang="en-GB" dirty="0"/>
-              <a:t>Python</a:t>
-            </a:r>
-          </a:p>
-        </p:txBody>
-      </p:sp>
-      <p:sp>
-        <p:nvSpPr>
-          <p:cNvPr id="3" name="Content Placeholder 2">
-            <a:extLst>
-              <a:ext uri="{FF2B5EF4-FFF2-40B4-BE49-F238E27FC236}">
-                <a16:creationId xmlns:a16="http://schemas.microsoft.com/office/drawing/2014/main" id="{D887FE72-3475-5DF9-893F-927B7A1BBC5F}"/>
-              </a:ext>
-            </a:extLst>
-          </p:cNvPr>
-          <p:cNvSpPr>
-            <a:spLocks noGrp="1"/>
-          </p:cNvSpPr>
-          <p:nvPr>
-            <p:ph idx="1"/>
-          </p:nvPr>
-        </p:nvSpPr>
-        <p:spPr/>
-        <p:txBody>
-          <a:bodyPr>
-            <a:normAutofit/>
-          </a:bodyPr>
-          <a:lstStyle/>
-          <a:p>
-            <a:r>
-              <a:rPr lang="en-GB" dirty="0"/>
-              <a:t>Use Anaconda</a:t>
-            </a:r>
-          </a:p>
-          <a:p>
-            <a:r>
-              <a:rPr lang="en-GB" dirty="0"/>
-              <a:t>Use </a:t>
-            </a:r>
-            <a:r>
-              <a:rPr lang="en-GB" dirty="0" err="1"/>
-              <a:t>conda</a:t>
-            </a:r>
-            <a:r>
-              <a:rPr lang="en-GB" dirty="0"/>
-              <a:t> to create environment</a:t>
-            </a:r>
-          </a:p>
-          <a:p>
-            <a:r>
-              <a:rPr lang="en-GB" dirty="0"/>
-              <a:t>Might need to enable Long Paths</a:t>
-            </a:r>
-          </a:p>
-        </p:txBody>
-      </p:sp>
-    </p:spTree>
-    <p:extLst>
-      <p:ext uri="{BB962C8B-B14F-4D97-AF65-F5344CB8AC3E}">
-        <p14:creationId xmlns:p14="http://schemas.microsoft.com/office/powerpoint/2010/main" val="3256889448"/>
-      </p:ext>
-    </p:extLst>
-  </p:cSld>
-  <p:clrMapOvr>
-    <a:masterClrMapping/>
-  </p:clrMapOvr>
-</p:sld>
-</file>
-
-<file path=ppt/slides/slide42.xml><?xml version="1.0" encoding="utf-8"?>
-<p:sld xmlns:a="http://schemas.openxmlformats.org/drawingml/2006/main" xmlns:r="http://schemas.openxmlformats.org/officeDocument/2006/relationships" xmlns:p="http://schemas.openxmlformats.org/presentationml/2006/main">
-  <p:cSld>
-    <p:spTree>
-      <p:nvGrpSpPr>
-        <p:cNvPr id="1" name=""/>
-        <p:cNvGrpSpPr/>
-        <p:nvPr/>
-      </p:nvGrpSpPr>
-      <p:grpSpPr>
-        <a:xfrm>
-          <a:off x="0" y="0"/>
-          <a:ext cx="0" cy="0"/>
-          <a:chOff x="0" y="0"/>
-          <a:chExt cx="0" cy="0"/>
-        </a:xfrm>
-      </p:grpSpPr>
-      <p:sp>
-        <p:nvSpPr>
-          <p:cNvPr id="2" name="Title 1">
-            <a:extLst>
-              <a:ext uri="{FF2B5EF4-FFF2-40B4-BE49-F238E27FC236}">
-                <a16:creationId xmlns:a16="http://schemas.microsoft.com/office/drawing/2014/main" id="{A46B4437-F99E-881D-8C11-C63B2CC3EA49}"/>
-              </a:ext>
-            </a:extLst>
-          </p:cNvPr>
-          <p:cNvSpPr>
-            <a:spLocks noGrp="1"/>
-          </p:cNvSpPr>
-          <p:nvPr>
-            <p:ph type="title"/>
-          </p:nvPr>
-        </p:nvSpPr>
-        <p:spPr/>
-        <p:txBody>
-          <a:bodyPr/>
-          <a:lstStyle/>
-          <a:p>
-            <a:r>
-              <a:rPr lang="en-GB" dirty="0"/>
-              <a:t>Anaconda install</a:t>
-            </a:r>
-          </a:p>
-        </p:txBody>
-      </p:sp>
-      <p:pic>
-        <p:nvPicPr>
-          <p:cNvPr id="5" name="Picture 4">
-            <a:extLst>
-              <a:ext uri="{FF2B5EF4-FFF2-40B4-BE49-F238E27FC236}">
-                <a16:creationId xmlns:a16="http://schemas.microsoft.com/office/drawing/2014/main" id="{3E636616-F386-FFD4-F9FB-6B28F76C082E}"/>
-              </a:ext>
-            </a:extLst>
-          </p:cNvPr>
-          <p:cNvPicPr>
-            <a:picLocks noChangeAspect="1"/>
-          </p:cNvPicPr>
-          <p:nvPr/>
-        </p:nvPicPr>
-        <p:blipFill>
-          <a:blip r:embed="rId2"/>
-          <a:stretch>
-            <a:fillRect/>
-          </a:stretch>
-        </p:blipFill>
-        <p:spPr>
-          <a:xfrm>
-            <a:off x="1701475" y="2249242"/>
-            <a:ext cx="4648849" cy="3515216"/>
-          </a:xfrm>
-          <a:prstGeom prst="rect">
-            <a:avLst/>
-          </a:prstGeom>
-        </p:spPr>
-      </p:pic>
-    </p:spTree>
-    <p:extLst>
-      <p:ext uri="{BB962C8B-B14F-4D97-AF65-F5344CB8AC3E}">
-        <p14:creationId xmlns:p14="http://schemas.microsoft.com/office/powerpoint/2010/main" val="1102189768"/>
-      </p:ext>
-    </p:extLst>
-  </p:cSld>
-  <p:clrMapOvr>
-    <a:masterClrMapping/>
-  </p:clrMapOvr>
-</p:sld>
-</file>
-
-<file path=ppt/slides/slide43.xml><?xml version="1.0" encoding="utf-8"?>
-<p:sld xmlns:a="http://schemas.openxmlformats.org/drawingml/2006/main" xmlns:r="http://schemas.openxmlformats.org/officeDocument/2006/relationships" xmlns:p="http://schemas.openxmlformats.org/presentationml/2006/main">
-  <p:cSld>
-    <p:spTree>
-      <p:nvGrpSpPr>
-        <p:cNvPr id="1" name=""/>
-        <p:cNvGrpSpPr/>
-        <p:nvPr/>
-      </p:nvGrpSpPr>
-      <p:grpSpPr>
-        <a:xfrm>
-          <a:off x="0" y="0"/>
-          <a:ext cx="0" cy="0"/>
-          <a:chOff x="0" y="0"/>
-          <a:chExt cx="0" cy="0"/>
-        </a:xfrm>
-      </p:grpSpPr>
-      <p:sp>
-        <p:nvSpPr>
-          <p:cNvPr id="2" name="Title 1">
-            <a:extLst>
-              <a:ext uri="{FF2B5EF4-FFF2-40B4-BE49-F238E27FC236}">
-                <a16:creationId xmlns:a16="http://schemas.microsoft.com/office/drawing/2014/main" id="{08BA6218-7C2E-0654-E7FF-890943A38659}"/>
-              </a:ext>
-            </a:extLst>
-          </p:cNvPr>
-          <p:cNvSpPr>
-            <a:spLocks noGrp="1"/>
-          </p:cNvSpPr>
-          <p:nvPr>
-            <p:ph type="title"/>
-          </p:nvPr>
-        </p:nvSpPr>
-        <p:spPr/>
-        <p:txBody>
-          <a:bodyPr/>
-          <a:lstStyle/>
-          <a:p>
-            <a:r>
-              <a:rPr lang="en-GB" dirty="0" err="1"/>
-              <a:t>Conda</a:t>
-            </a:r>
-            <a:r>
-              <a:rPr lang="en-GB" dirty="0"/>
-              <a:t> demo</a:t>
-            </a:r>
-          </a:p>
-        </p:txBody>
-      </p:sp>
-    </p:spTree>
-    <p:extLst>
-      <p:ext uri="{BB962C8B-B14F-4D97-AF65-F5344CB8AC3E}">
-        <p14:creationId xmlns:p14="http://schemas.microsoft.com/office/powerpoint/2010/main" val="349260128"/>
-      </p:ext>
-    </p:extLst>
-  </p:cSld>
-  <p:clrMapOvr>
-    <a:masterClrMapping/>
-  </p:clrMapOvr>
-</p:sld>
-</file>
-
-<file path=ppt/slides/slide44.xml><?xml version="1.0" encoding="utf-8"?>
-<p:sld xmlns:a="http://schemas.openxmlformats.org/drawingml/2006/main" xmlns:r="http://schemas.openxmlformats.org/officeDocument/2006/relationships" xmlns:p="http://schemas.openxmlformats.org/presentationml/2006/main">
-  <p:cSld>
-    <p:spTree>
-      <p:nvGrpSpPr>
-        <p:cNvPr id="1" name=""/>
-        <p:cNvGrpSpPr/>
-        <p:nvPr/>
-      </p:nvGrpSpPr>
-      <p:grpSpPr>
-        <a:xfrm>
-          <a:off x="0" y="0"/>
-          <a:ext cx="0" cy="0"/>
-          <a:chOff x="0" y="0"/>
-          <a:chExt cx="0" cy="0"/>
-        </a:xfrm>
-      </p:grpSpPr>
-      <p:sp>
-        <p:nvSpPr>
-          <p:cNvPr id="2" name="Title 1">
-            <a:extLst>
-              <a:ext uri="{FF2B5EF4-FFF2-40B4-BE49-F238E27FC236}">
-                <a16:creationId xmlns:a16="http://schemas.microsoft.com/office/drawing/2014/main" id="{A5469F7B-5F47-517F-D218-DF1E89BBB790}"/>
-              </a:ext>
-            </a:extLst>
-          </p:cNvPr>
-          <p:cNvSpPr>
-            <a:spLocks noGrp="1"/>
-          </p:cNvSpPr>
-          <p:nvPr>
-            <p:ph type="title"/>
-          </p:nvPr>
-        </p:nvSpPr>
-        <p:spPr/>
-        <p:txBody>
-          <a:bodyPr/>
-          <a:lstStyle/>
-          <a:p>
-            <a:r>
-              <a:rPr lang="en-GB" dirty="0" err="1"/>
-              <a:t>PySpark</a:t>
-            </a:r>
-            <a:r>
-              <a:rPr lang="en-GB" dirty="0"/>
-              <a:t> Pre-requisites</a:t>
-            </a:r>
-          </a:p>
-        </p:txBody>
-      </p:sp>
-      <p:sp>
-        <p:nvSpPr>
-          <p:cNvPr id="3" name="Content Placeholder 2">
-            <a:extLst>
-              <a:ext uri="{FF2B5EF4-FFF2-40B4-BE49-F238E27FC236}">
-                <a16:creationId xmlns:a16="http://schemas.microsoft.com/office/drawing/2014/main" id="{D887FE72-3475-5DF9-893F-927B7A1BBC5F}"/>
-              </a:ext>
-            </a:extLst>
-          </p:cNvPr>
-          <p:cNvSpPr>
-            <a:spLocks noGrp="1"/>
-          </p:cNvSpPr>
-          <p:nvPr>
-            <p:ph idx="1"/>
-          </p:nvPr>
-        </p:nvSpPr>
-        <p:spPr/>
-        <p:txBody>
-          <a:bodyPr>
-            <a:normAutofit/>
-          </a:bodyPr>
-          <a:lstStyle/>
-          <a:p>
-            <a:r>
-              <a:rPr lang="en-GB" dirty="0"/>
-              <a:t>Install Java (not v 21)</a:t>
-            </a:r>
-          </a:p>
-          <a:p>
-            <a:r>
-              <a:rPr lang="en-GB" dirty="0"/>
-              <a:t>Set paths</a:t>
-            </a:r>
-          </a:p>
-          <a:p>
-            <a:pPr lvl="1"/>
-            <a:r>
-              <a:rPr lang="en-GB" dirty="0"/>
-              <a:t>JAVA_HOME</a:t>
-            </a:r>
-          </a:p>
-          <a:p>
-            <a:pPr lvl="1"/>
-            <a:r>
-              <a:rPr lang="en-GB" dirty="0"/>
-              <a:t>PATH</a:t>
-            </a:r>
-          </a:p>
-          <a:p>
-            <a:pPr lvl="1"/>
-            <a:endParaRPr lang="en-GB" dirty="0"/>
-          </a:p>
-          <a:p>
-            <a:r>
-              <a:rPr lang="en-GB" dirty="0"/>
-              <a:t>Install Apache Spark</a:t>
-            </a:r>
-          </a:p>
-          <a:p>
-            <a:r>
-              <a:rPr lang="en-GB" dirty="0"/>
-              <a:t>Install winutils.exe</a:t>
-            </a:r>
-          </a:p>
-          <a:p>
-            <a:r>
-              <a:rPr lang="en-GB" dirty="0"/>
-              <a:t>Create virtual environment</a:t>
-            </a:r>
-          </a:p>
-          <a:p>
-            <a:r>
-              <a:rPr lang="en-GB" dirty="0"/>
-              <a:t>Instructions: </a:t>
-            </a:r>
-            <a:r>
-              <a:rPr lang="en-GB" dirty="0">
-                <a:hlinkClick r:id="rId2"/>
-              </a:rPr>
-              <a:t>https://sparkbyexamples.com/pyspark-tutorial/</a:t>
-            </a:r>
-            <a:endParaRPr lang="en-GB" dirty="0"/>
-          </a:p>
-          <a:p>
-            <a:pPr marL="0" indent="0">
-              <a:buNone/>
-            </a:pPr>
-            <a:endParaRPr lang="en-GB" dirty="0"/>
-          </a:p>
-        </p:txBody>
-      </p:sp>
-    </p:spTree>
-    <p:extLst>
-      <p:ext uri="{BB962C8B-B14F-4D97-AF65-F5344CB8AC3E}">
-        <p14:creationId xmlns:p14="http://schemas.microsoft.com/office/powerpoint/2010/main" val="662787998"/>
-      </p:ext>
-    </p:extLst>
-  </p:cSld>
-  <p:clrMapOvr>
-    <a:masterClrMapping/>
-  </p:clrMapOvr>
-</p:sld>
-</file>
-
-<file path=ppt/slides/slide45.xml><?xml version="1.0" encoding="utf-8"?>
-<p:sld xmlns:a="http://schemas.openxmlformats.org/drawingml/2006/main" xmlns:r="http://schemas.openxmlformats.org/officeDocument/2006/relationships" xmlns:p="http://schemas.openxmlformats.org/presentationml/2006/main">
-  <p:cSld>
-    <p:spTree>
-      <p:nvGrpSpPr>
-        <p:cNvPr id="1" name=""/>
-        <p:cNvGrpSpPr/>
-        <p:nvPr/>
-      </p:nvGrpSpPr>
-      <p:grpSpPr>
-        <a:xfrm>
-          <a:off x="0" y="0"/>
-          <a:ext cx="0" cy="0"/>
-          <a:chOff x="0" y="0"/>
-          <a:chExt cx="0" cy="0"/>
-        </a:xfrm>
-      </p:grpSpPr>
-      <p:sp>
-        <p:nvSpPr>
-          <p:cNvPr id="2" name="Title 1">
-            <a:extLst>
-              <a:ext uri="{FF2B5EF4-FFF2-40B4-BE49-F238E27FC236}">
-                <a16:creationId xmlns:a16="http://schemas.microsoft.com/office/drawing/2014/main" id="{A5469F7B-5F47-517F-D218-DF1E89BBB790}"/>
-              </a:ext>
-            </a:extLst>
-          </p:cNvPr>
-          <p:cNvSpPr>
-            <a:spLocks noGrp="1"/>
-          </p:cNvSpPr>
-          <p:nvPr>
-            <p:ph type="title"/>
-          </p:nvPr>
-        </p:nvSpPr>
-        <p:spPr/>
-        <p:txBody>
-          <a:bodyPr/>
-          <a:lstStyle/>
-          <a:p>
-            <a:r>
-              <a:rPr lang="en-GB" dirty="0" err="1"/>
-              <a:t>PySpark</a:t>
-            </a:r>
-            <a:r>
-              <a:rPr lang="en-GB" dirty="0"/>
-              <a:t> Demo</a:t>
-            </a:r>
-          </a:p>
-        </p:txBody>
-      </p:sp>
-      <p:sp>
-        <p:nvSpPr>
-          <p:cNvPr id="3" name="Content Placeholder 2">
-            <a:extLst>
-              <a:ext uri="{FF2B5EF4-FFF2-40B4-BE49-F238E27FC236}">
-                <a16:creationId xmlns:a16="http://schemas.microsoft.com/office/drawing/2014/main" id="{D887FE72-3475-5DF9-893F-927B7A1BBC5F}"/>
-              </a:ext>
-            </a:extLst>
-          </p:cNvPr>
-          <p:cNvSpPr>
-            <a:spLocks noGrp="1"/>
-          </p:cNvSpPr>
-          <p:nvPr>
-            <p:ph idx="1"/>
-          </p:nvPr>
-        </p:nvSpPr>
-        <p:spPr/>
-        <p:txBody>
-          <a:bodyPr>
-            <a:normAutofit/>
-          </a:bodyPr>
-          <a:lstStyle/>
-          <a:p>
-            <a:endParaRPr lang="en-GB" dirty="0"/>
-          </a:p>
-        </p:txBody>
-      </p:sp>
-    </p:spTree>
-    <p:extLst>
-      <p:ext uri="{BB962C8B-B14F-4D97-AF65-F5344CB8AC3E}">
-        <p14:creationId xmlns:p14="http://schemas.microsoft.com/office/powerpoint/2010/main" val="3082836330"/>
-      </p:ext>
-    </p:extLst>
-  </p:cSld>
-  <p:clrMapOvr>
-    <a:masterClrMapping/>
-  </p:clrMapOvr>
-</p:sld>
-</file>
-
-<file path=ppt/slides/slide46.xml><?xml version="1.0" encoding="utf-8"?>
-<p:sld xmlns:a="http://schemas.openxmlformats.org/drawingml/2006/main" xmlns:r="http://schemas.openxmlformats.org/officeDocument/2006/relationships" xmlns:p="http://schemas.openxmlformats.org/presentationml/2006/main">
-  <p:cSld>
-    <p:spTree>
-      <p:nvGrpSpPr>
-        <p:cNvPr id="1" name=""/>
-        <p:cNvGrpSpPr/>
-        <p:nvPr/>
-      </p:nvGrpSpPr>
-      <p:grpSpPr>
-        <a:xfrm>
-          <a:off x="0" y="0"/>
-          <a:ext cx="0" cy="0"/>
-          <a:chOff x="0" y="0"/>
-          <a:chExt cx="0" cy="0"/>
-        </a:xfrm>
-      </p:grpSpPr>
-      <p:sp>
-        <p:nvSpPr>
-          <p:cNvPr id="2" name="Title 1">
-            <a:extLst>
-              <a:ext uri="{FF2B5EF4-FFF2-40B4-BE49-F238E27FC236}">
-                <a16:creationId xmlns:a16="http://schemas.microsoft.com/office/drawing/2014/main" id="{E44CED87-DE61-C816-A3B2-E63F5185A2FF}"/>
-              </a:ext>
-            </a:extLst>
-          </p:cNvPr>
-          <p:cNvSpPr>
-            <a:spLocks noGrp="1"/>
-          </p:cNvSpPr>
-          <p:nvPr>
-            <p:ph type="title"/>
-          </p:nvPr>
-        </p:nvSpPr>
-        <p:spPr/>
-        <p:txBody>
-          <a:bodyPr/>
-          <a:lstStyle/>
-          <a:p>
-            <a:endParaRPr lang="en-GB"/>
-          </a:p>
-        </p:txBody>
-      </p:sp>
-      <p:pic>
-        <p:nvPicPr>
-          <p:cNvPr id="5" name="Picture 4">
-            <a:extLst>
-              <a:ext uri="{FF2B5EF4-FFF2-40B4-BE49-F238E27FC236}">
-                <a16:creationId xmlns:a16="http://schemas.microsoft.com/office/drawing/2014/main" id="{BBCCA8A9-2EA6-13E9-862D-2FC11BA269AD}"/>
-              </a:ext>
-            </a:extLst>
-          </p:cNvPr>
-          <p:cNvPicPr>
-            <a:picLocks noChangeAspect="1"/>
-          </p:cNvPicPr>
-          <p:nvPr/>
-        </p:nvPicPr>
-        <p:blipFill>
-          <a:blip r:embed="rId2"/>
-          <a:stretch>
-            <a:fillRect/>
-          </a:stretch>
-        </p:blipFill>
-        <p:spPr>
-          <a:xfrm>
-            <a:off x="1207931" y="2120132"/>
-            <a:ext cx="4239217" cy="1819529"/>
-          </a:xfrm>
-          <a:prstGeom prst="rect">
-            <a:avLst/>
-          </a:prstGeom>
-        </p:spPr>
-      </p:pic>
-    </p:spTree>
-    <p:extLst>
-      <p:ext uri="{BB962C8B-B14F-4D97-AF65-F5344CB8AC3E}">
-        <p14:creationId xmlns:p14="http://schemas.microsoft.com/office/powerpoint/2010/main" val="1601142253"/>
-      </p:ext>
-    </p:extLst>
-  </p:cSld>
-  <p:clrMapOvr>
-    <a:masterClrMapping/>
-  </p:clrMapOvr>
-</p:sld>
-</file>
-
-<file path=ppt/slides/slide47.xml><?xml version="1.0" encoding="utf-8"?>
-<p:sld xmlns:a="http://schemas.openxmlformats.org/drawingml/2006/main" xmlns:r="http://schemas.openxmlformats.org/officeDocument/2006/relationships" xmlns:p="http://schemas.openxmlformats.org/presentationml/2006/main">
-  <p:cSld>
-    <p:spTree>
-      <p:nvGrpSpPr>
-        <p:cNvPr id="1" name=""/>
-        <p:cNvGrpSpPr/>
-        <p:nvPr/>
-      </p:nvGrpSpPr>
-      <p:grpSpPr>
-        <a:xfrm>
-          <a:off x="0" y="0"/>
-          <a:ext cx="0" cy="0"/>
-          <a:chOff x="0" y="0"/>
-          <a:chExt cx="0" cy="0"/>
-        </a:xfrm>
-      </p:grpSpPr>
-      <p:sp>
-        <p:nvSpPr>
-          <p:cNvPr id="2" name="Title 1">
-            <a:extLst>
-              <a:ext uri="{FF2B5EF4-FFF2-40B4-BE49-F238E27FC236}">
-                <a16:creationId xmlns:a16="http://schemas.microsoft.com/office/drawing/2014/main" id="{C28F207F-86B4-1AD4-474C-5449AA952C4B}"/>
-              </a:ext>
-            </a:extLst>
-          </p:cNvPr>
-          <p:cNvSpPr>
-            <a:spLocks noGrp="1"/>
-          </p:cNvSpPr>
-          <p:nvPr>
-            <p:ph type="title"/>
-          </p:nvPr>
-        </p:nvSpPr>
-        <p:spPr/>
-        <p:txBody>
-          <a:bodyPr/>
-          <a:lstStyle/>
-          <a:p>
-            <a:r>
-              <a:rPr lang="en-GB" dirty="0"/>
-              <a:t>Follow-up Resources</a:t>
-            </a:r>
-          </a:p>
-        </p:txBody>
-      </p:sp>
-      <p:sp>
-        <p:nvSpPr>
-          <p:cNvPr id="3" name="Content Placeholder 2">
-            <a:extLst>
-              <a:ext uri="{FF2B5EF4-FFF2-40B4-BE49-F238E27FC236}">
-                <a16:creationId xmlns:a16="http://schemas.microsoft.com/office/drawing/2014/main" id="{15D17D37-C8BB-FEFD-88D1-4110C76AEF74}"/>
-              </a:ext>
-            </a:extLst>
-          </p:cNvPr>
-          <p:cNvSpPr>
-            <a:spLocks noGrp="1"/>
-          </p:cNvSpPr>
-          <p:nvPr>
-            <p:ph idx="1"/>
-          </p:nvPr>
-        </p:nvSpPr>
-        <p:spPr/>
-        <p:txBody>
-          <a:bodyPr>
-            <a:normAutofit/>
-          </a:bodyPr>
-          <a:lstStyle/>
-          <a:p>
-            <a:r>
-              <a:rPr lang="en-GB" sz="1800" dirty="0"/>
-              <a:t>Repo: https://github.com/phil-a10/Talks/tree/main/Data%20Engineering%20Using%20Free%20Tools</a:t>
-            </a:r>
-          </a:p>
-          <a:p>
-            <a:r>
-              <a:rPr lang="en-GB" sz="1800" dirty="0"/>
-              <a:t>Microsoft Learn: https://learn.microsoft.com/en-us/training/career-paths/data-engineer</a:t>
-            </a:r>
-          </a:p>
-          <a:p>
-            <a:r>
-              <a:rPr lang="en-GB" sz="1800" dirty="0"/>
-              <a:t>Kimball books</a:t>
-            </a:r>
-          </a:p>
-        </p:txBody>
-      </p:sp>
-    </p:spTree>
-    <p:extLst>
-      <p:ext uri="{BB962C8B-B14F-4D97-AF65-F5344CB8AC3E}">
-        <p14:creationId xmlns:p14="http://schemas.microsoft.com/office/powerpoint/2010/main" val="558925432"/>
-      </p:ext>
-    </p:extLst>
-  </p:cSld>
-  <p:clrMapOvr>
-    <a:masterClrMapping/>
-  </p:clrMapOvr>
-</p:sld>
-</file>
-
-<file path=ppt/slides/slide48.xml><?xml version="1.0" encoding="utf-8"?>
-<p:sld xmlns:a="http://schemas.openxmlformats.org/drawingml/2006/main" xmlns:r="http://schemas.openxmlformats.org/officeDocument/2006/relationships" xmlns:p="http://schemas.openxmlformats.org/presentationml/2006/main">
-  <p:cSld>
-    <p:spTree>
-      <p:nvGrpSpPr>
-        <p:cNvPr id="1" name=""/>
-        <p:cNvGrpSpPr/>
-        <p:nvPr/>
-      </p:nvGrpSpPr>
-      <p:grpSpPr>
-        <a:xfrm>
-          <a:off x="0" y="0"/>
-          <a:ext cx="0" cy="0"/>
-          <a:chOff x="0" y="0"/>
-          <a:chExt cx="0" cy="0"/>
-        </a:xfrm>
-      </p:grpSpPr>
-      <p:sp>
-        <p:nvSpPr>
-          <p:cNvPr id="2" name="Title 1">
-            <a:extLst>
-              <a:ext uri="{FF2B5EF4-FFF2-40B4-BE49-F238E27FC236}">
-                <a16:creationId xmlns:a16="http://schemas.microsoft.com/office/drawing/2014/main" id="{6461F12C-8296-BADA-FD56-149E96554D1E}"/>
-              </a:ext>
-            </a:extLst>
-          </p:cNvPr>
-          <p:cNvSpPr>
-            <a:spLocks noGrp="1"/>
-          </p:cNvSpPr>
-          <p:nvPr>
-            <p:ph type="title"/>
-          </p:nvPr>
-        </p:nvSpPr>
-        <p:spPr>
-          <a:xfrm>
-            <a:off x="838200" y="365125"/>
-            <a:ext cx="10439400" cy="5940425"/>
-          </a:xfrm>
-        </p:spPr>
-        <p:txBody>
-          <a:bodyPr>
-            <a:normAutofit/>
-          </a:bodyPr>
-          <a:lstStyle/>
-          <a:p>
-            <a:pPr algn="ctr"/>
-            <a:r>
-              <a:rPr lang="en-GB" sz="8800" dirty="0"/>
-              <a:t>END</a:t>
-            </a:r>
-          </a:p>
-        </p:txBody>
-      </p:sp>
-    </p:spTree>
-    <p:extLst>
-      <p:ext uri="{BB962C8B-B14F-4D97-AF65-F5344CB8AC3E}">
-        <p14:creationId xmlns:p14="http://schemas.microsoft.com/office/powerpoint/2010/main" val="3703701476"/>
-      </p:ext>
-    </p:extLst>
-  </p:cSld>
-  <p:clrMapOvr>
-    <a:masterClrMapping/>
-  </p:clrMapOvr>
-</p:sld>
-</file>
-
-<file path=ppt/slides/slide49.xml><?xml version="1.0" encoding="utf-8"?>
+<file path=ppt/slides/slide50.xml><?xml version="1.0" encoding="utf-8"?>
 <p:sld xmlns:a="http://schemas.openxmlformats.org/drawingml/2006/main" xmlns:r="http://schemas.openxmlformats.org/officeDocument/2006/relationships" xmlns:p="http://schemas.openxmlformats.org/presentationml/2006/main">
   <p:cSld>
     <p:spTree>
@@ -10209,7 +11061,932 @@
 </p:sld>
 </file>
 
-<file path=ppt/slides/slide5.xml><?xml version="1.0" encoding="utf-8"?>
+<file path=ppt/slides/slide51.xml><?xml version="1.0" encoding="utf-8"?>
+<p:sld xmlns:a="http://schemas.openxmlformats.org/drawingml/2006/main" xmlns:r="http://schemas.openxmlformats.org/officeDocument/2006/relationships" xmlns:p="http://schemas.openxmlformats.org/presentationml/2006/main">
+  <p:cSld>
+    <p:spTree>
+      <p:nvGrpSpPr>
+        <p:cNvPr id="1" name=""/>
+        <p:cNvGrpSpPr/>
+        <p:nvPr/>
+      </p:nvGrpSpPr>
+      <p:grpSpPr>
+        <a:xfrm>
+          <a:off x="0" y="0"/>
+          <a:ext cx="0" cy="0"/>
+          <a:chOff x="0" y="0"/>
+          <a:chExt cx="0" cy="0"/>
+        </a:xfrm>
+      </p:grpSpPr>
+      <p:sp>
+        <p:nvSpPr>
+          <p:cNvPr id="2" name="Title 1">
+            <a:extLst>
+              <a:ext uri="{FF2B5EF4-FFF2-40B4-BE49-F238E27FC236}">
+                <a16:creationId xmlns:a16="http://schemas.microsoft.com/office/drawing/2014/main" id="{E54C7220-D4E8-C4CE-9F41-17CBBA3E9D1F}"/>
+              </a:ext>
+            </a:extLst>
+          </p:cNvPr>
+          <p:cNvSpPr>
+            <a:spLocks noGrp="1"/>
+          </p:cNvSpPr>
+          <p:nvPr>
+            <p:ph type="title"/>
+          </p:nvPr>
+        </p:nvSpPr>
+        <p:spPr/>
+        <p:txBody>
+          <a:bodyPr/>
+          <a:lstStyle/>
+          <a:p>
+            <a:endParaRPr lang="en-GB"/>
+          </a:p>
+        </p:txBody>
+      </p:sp>
+      <p:pic>
+        <p:nvPicPr>
+          <p:cNvPr id="5" name="Picture 4">
+            <a:extLst>
+              <a:ext uri="{FF2B5EF4-FFF2-40B4-BE49-F238E27FC236}">
+                <a16:creationId xmlns:a16="http://schemas.microsoft.com/office/drawing/2014/main" id="{1DE6EA73-5C07-A441-9C79-2FAF0206876C}"/>
+              </a:ext>
+            </a:extLst>
+          </p:cNvPr>
+          <p:cNvPicPr>
+            <a:picLocks noChangeAspect="1"/>
+          </p:cNvPicPr>
+          <p:nvPr/>
+        </p:nvPicPr>
+        <p:blipFill>
+          <a:blip r:embed="rId2"/>
+          <a:stretch>
+            <a:fillRect/>
+          </a:stretch>
+        </p:blipFill>
+        <p:spPr>
+          <a:xfrm>
+            <a:off x="2197359" y="1549342"/>
+            <a:ext cx="7550538" cy="2235315"/>
+          </a:xfrm>
+          <a:prstGeom prst="rect">
+            <a:avLst/>
+          </a:prstGeom>
+        </p:spPr>
+      </p:pic>
+      <p:pic>
+        <p:nvPicPr>
+          <p:cNvPr id="7" name="Picture 6">
+            <a:extLst>
+              <a:ext uri="{FF2B5EF4-FFF2-40B4-BE49-F238E27FC236}">
+                <a16:creationId xmlns:a16="http://schemas.microsoft.com/office/drawing/2014/main" id="{357DCD06-D3F9-B3E6-6147-8B555688ED76}"/>
+              </a:ext>
+            </a:extLst>
+          </p:cNvPr>
+          <p:cNvPicPr>
+            <a:picLocks noChangeAspect="1"/>
+          </p:cNvPicPr>
+          <p:nvPr/>
+        </p:nvPicPr>
+        <p:blipFill>
+          <a:blip r:embed="rId3"/>
+          <a:stretch>
+            <a:fillRect/>
+          </a:stretch>
+        </p:blipFill>
+        <p:spPr>
+          <a:xfrm>
+            <a:off x="2197359" y="4302102"/>
+            <a:ext cx="2921150" cy="895396"/>
+          </a:xfrm>
+          <a:prstGeom prst="rect">
+            <a:avLst/>
+          </a:prstGeom>
+        </p:spPr>
+      </p:pic>
+      <p:pic>
+        <p:nvPicPr>
+          <p:cNvPr id="9" name="Picture 8">
+            <a:extLst>
+              <a:ext uri="{FF2B5EF4-FFF2-40B4-BE49-F238E27FC236}">
+                <a16:creationId xmlns:a16="http://schemas.microsoft.com/office/drawing/2014/main" id="{C0E1A8B2-FE52-27DA-F7DB-CAD822372C31}"/>
+              </a:ext>
+            </a:extLst>
+          </p:cNvPr>
+          <p:cNvPicPr>
+            <a:picLocks noChangeAspect="1"/>
+          </p:cNvPicPr>
+          <p:nvPr/>
+        </p:nvPicPr>
+        <p:blipFill>
+          <a:blip r:embed="rId4"/>
+          <a:stretch>
+            <a:fillRect/>
+          </a:stretch>
+        </p:blipFill>
+        <p:spPr>
+          <a:xfrm>
+            <a:off x="2197359" y="5714943"/>
+            <a:ext cx="2254366" cy="806491"/>
+          </a:xfrm>
+          <a:prstGeom prst="rect">
+            <a:avLst/>
+          </a:prstGeom>
+        </p:spPr>
+      </p:pic>
+    </p:spTree>
+    <p:extLst>
+      <p:ext uri="{BB962C8B-B14F-4D97-AF65-F5344CB8AC3E}">
+        <p14:creationId xmlns:p14="http://schemas.microsoft.com/office/powerpoint/2010/main" val="2308371639"/>
+      </p:ext>
+    </p:extLst>
+  </p:cSld>
+  <p:clrMapOvr>
+    <a:masterClrMapping/>
+  </p:clrMapOvr>
+</p:sld>
+</file>
+
+<file path=ppt/slides/slide52.xml><?xml version="1.0" encoding="utf-8"?>
+<p:sld xmlns:a="http://schemas.openxmlformats.org/drawingml/2006/main" xmlns:r="http://schemas.openxmlformats.org/officeDocument/2006/relationships" xmlns:p="http://schemas.openxmlformats.org/presentationml/2006/main">
+  <p:cSld>
+    <p:spTree>
+      <p:nvGrpSpPr>
+        <p:cNvPr id="1" name=""/>
+        <p:cNvGrpSpPr/>
+        <p:nvPr/>
+      </p:nvGrpSpPr>
+      <p:grpSpPr>
+        <a:xfrm>
+          <a:off x="0" y="0"/>
+          <a:ext cx="0" cy="0"/>
+          <a:chOff x="0" y="0"/>
+          <a:chExt cx="0" cy="0"/>
+        </a:xfrm>
+      </p:grpSpPr>
+      <p:sp>
+        <p:nvSpPr>
+          <p:cNvPr id="2" name="Title 1">
+            <a:extLst>
+              <a:ext uri="{FF2B5EF4-FFF2-40B4-BE49-F238E27FC236}">
+                <a16:creationId xmlns:a16="http://schemas.microsoft.com/office/drawing/2014/main" id="{721D1864-1AA2-D6DD-A480-FBC15302FDFD}"/>
+              </a:ext>
+            </a:extLst>
+          </p:cNvPr>
+          <p:cNvSpPr>
+            <a:spLocks noGrp="1"/>
+          </p:cNvSpPr>
+          <p:nvPr>
+            <p:ph type="title"/>
+          </p:nvPr>
+        </p:nvSpPr>
+        <p:spPr/>
+        <p:txBody>
+          <a:bodyPr/>
+          <a:lstStyle/>
+          <a:p>
+            <a:r>
+              <a:rPr lang="en-GB" dirty="0"/>
+              <a:t>SQL Express!</a:t>
+            </a:r>
+          </a:p>
+        </p:txBody>
+      </p:sp>
+      <p:pic>
+        <p:nvPicPr>
+          <p:cNvPr id="5" name="Picture 4">
+            <a:extLst>
+              <a:ext uri="{FF2B5EF4-FFF2-40B4-BE49-F238E27FC236}">
+                <a16:creationId xmlns:a16="http://schemas.microsoft.com/office/drawing/2014/main" id="{448D210F-2791-BB01-3E4C-209625B18617}"/>
+              </a:ext>
+            </a:extLst>
+          </p:cNvPr>
+          <p:cNvPicPr>
+            <a:picLocks noChangeAspect="1"/>
+          </p:cNvPicPr>
+          <p:nvPr/>
+        </p:nvPicPr>
+        <p:blipFill>
+          <a:blip r:embed="rId2"/>
+          <a:stretch>
+            <a:fillRect/>
+          </a:stretch>
+        </p:blipFill>
+        <p:spPr>
+          <a:xfrm>
+            <a:off x="838200" y="2620727"/>
+            <a:ext cx="7525137" cy="2076557"/>
+          </a:xfrm>
+          <a:prstGeom prst="rect">
+            <a:avLst/>
+          </a:prstGeom>
+        </p:spPr>
+      </p:pic>
+      <p:sp>
+        <p:nvSpPr>
+          <p:cNvPr id="7" name="TextBox 6">
+            <a:extLst>
+              <a:ext uri="{FF2B5EF4-FFF2-40B4-BE49-F238E27FC236}">
+                <a16:creationId xmlns:a16="http://schemas.microsoft.com/office/drawing/2014/main" id="{C2A7AA09-D58C-3AA6-7B91-08BDBC8B6CF0}"/>
+              </a:ext>
+            </a:extLst>
+          </p:cNvPr>
+          <p:cNvSpPr txBox="1"/>
+          <p:nvPr/>
+        </p:nvSpPr>
+        <p:spPr>
+          <a:xfrm>
+            <a:off x="838200" y="1791385"/>
+            <a:ext cx="9296787" cy="369332"/>
+          </a:xfrm>
+          <a:prstGeom prst="rect">
+            <a:avLst/>
+          </a:prstGeom>
+          <a:noFill/>
+        </p:spPr>
+        <p:txBody>
+          <a:bodyPr wrap="square">
+            <a:spAutoFit/>
+          </a:bodyPr>
+          <a:lstStyle/>
+          <a:p>
+            <a:r>
+              <a:rPr lang="en-GB" dirty="0"/>
+              <a:t>https://www.microsoft.com/en-us/download/details.aspx?id=104781&amp;lc=1033</a:t>
+            </a:r>
+          </a:p>
+        </p:txBody>
+      </p:sp>
+    </p:spTree>
+    <p:extLst>
+      <p:ext uri="{BB962C8B-B14F-4D97-AF65-F5344CB8AC3E}">
+        <p14:creationId xmlns:p14="http://schemas.microsoft.com/office/powerpoint/2010/main" val="309386999"/>
+      </p:ext>
+    </p:extLst>
+  </p:cSld>
+  <p:clrMapOvr>
+    <a:masterClrMapping/>
+  </p:clrMapOvr>
+</p:sld>
+</file>
+
+<file path=ppt/slides/slide53.xml><?xml version="1.0" encoding="utf-8"?>
+<p:sld xmlns:a="http://schemas.openxmlformats.org/drawingml/2006/main" xmlns:r="http://schemas.openxmlformats.org/officeDocument/2006/relationships" xmlns:p="http://schemas.openxmlformats.org/presentationml/2006/main">
+  <p:cSld>
+    <p:spTree>
+      <p:nvGrpSpPr>
+        <p:cNvPr id="1" name=""/>
+        <p:cNvGrpSpPr/>
+        <p:nvPr/>
+      </p:nvGrpSpPr>
+      <p:grpSpPr>
+        <a:xfrm>
+          <a:off x="0" y="0"/>
+          <a:ext cx="0" cy="0"/>
+          <a:chOff x="0" y="0"/>
+          <a:chExt cx="0" cy="0"/>
+        </a:xfrm>
+      </p:grpSpPr>
+      <p:sp>
+        <p:nvSpPr>
+          <p:cNvPr id="2" name="Title 1">
+            <a:extLst>
+              <a:ext uri="{FF2B5EF4-FFF2-40B4-BE49-F238E27FC236}">
+                <a16:creationId xmlns:a16="http://schemas.microsoft.com/office/drawing/2014/main" id="{F9730C1D-834B-610B-0E29-AE24F94D4143}"/>
+              </a:ext>
+            </a:extLst>
+          </p:cNvPr>
+          <p:cNvSpPr>
+            <a:spLocks noGrp="1"/>
+          </p:cNvSpPr>
+          <p:nvPr>
+            <p:ph type="title"/>
+          </p:nvPr>
+        </p:nvSpPr>
+        <p:spPr/>
+        <p:txBody>
+          <a:bodyPr/>
+          <a:lstStyle/>
+          <a:p>
+            <a:endParaRPr lang="en-GB"/>
+          </a:p>
+        </p:txBody>
+      </p:sp>
+      <p:pic>
+        <p:nvPicPr>
+          <p:cNvPr id="7" name="Picture 6">
+            <a:extLst>
+              <a:ext uri="{FF2B5EF4-FFF2-40B4-BE49-F238E27FC236}">
+                <a16:creationId xmlns:a16="http://schemas.microsoft.com/office/drawing/2014/main" id="{84D8D550-260F-0F03-0F0E-8FB1893DB52E}"/>
+              </a:ext>
+            </a:extLst>
+          </p:cNvPr>
+          <p:cNvPicPr>
+            <a:picLocks noChangeAspect="1"/>
+          </p:cNvPicPr>
+          <p:nvPr/>
+        </p:nvPicPr>
+        <p:blipFill>
+          <a:blip r:embed="rId2"/>
+          <a:stretch>
+            <a:fillRect/>
+          </a:stretch>
+        </p:blipFill>
+        <p:spPr>
+          <a:xfrm>
+            <a:off x="3685605" y="1366482"/>
+            <a:ext cx="4559534" cy="5010407"/>
+          </a:xfrm>
+          <a:prstGeom prst="rect">
+            <a:avLst/>
+          </a:prstGeom>
+        </p:spPr>
+      </p:pic>
+    </p:spTree>
+    <p:extLst>
+      <p:ext uri="{BB962C8B-B14F-4D97-AF65-F5344CB8AC3E}">
+        <p14:creationId xmlns:p14="http://schemas.microsoft.com/office/powerpoint/2010/main" val="3024344180"/>
+      </p:ext>
+    </p:extLst>
+  </p:cSld>
+  <p:clrMapOvr>
+    <a:masterClrMapping/>
+  </p:clrMapOvr>
+</p:sld>
+</file>
+
+<file path=ppt/slides/slide54.xml><?xml version="1.0" encoding="utf-8"?>
+<p:sld xmlns:a="http://schemas.openxmlformats.org/drawingml/2006/main" xmlns:r="http://schemas.openxmlformats.org/officeDocument/2006/relationships" xmlns:p="http://schemas.openxmlformats.org/presentationml/2006/main">
+  <p:cSld>
+    <p:spTree>
+      <p:nvGrpSpPr>
+        <p:cNvPr id="1" name=""/>
+        <p:cNvGrpSpPr/>
+        <p:nvPr/>
+      </p:nvGrpSpPr>
+      <p:grpSpPr>
+        <a:xfrm>
+          <a:off x="0" y="0"/>
+          <a:ext cx="0" cy="0"/>
+          <a:chOff x="0" y="0"/>
+          <a:chExt cx="0" cy="0"/>
+        </a:xfrm>
+      </p:grpSpPr>
+      <p:sp>
+        <p:nvSpPr>
+          <p:cNvPr id="2" name="Title 1">
+            <a:extLst>
+              <a:ext uri="{FF2B5EF4-FFF2-40B4-BE49-F238E27FC236}">
+                <a16:creationId xmlns:a16="http://schemas.microsoft.com/office/drawing/2014/main" id="{E4048C8B-7E17-501E-E69D-E0441C9CC7E9}"/>
+              </a:ext>
+            </a:extLst>
+          </p:cNvPr>
+          <p:cNvSpPr>
+            <a:spLocks noGrp="1"/>
+          </p:cNvSpPr>
+          <p:nvPr>
+            <p:ph type="title"/>
+          </p:nvPr>
+        </p:nvSpPr>
+        <p:spPr/>
+        <p:txBody>
+          <a:bodyPr/>
+          <a:lstStyle/>
+          <a:p>
+            <a:endParaRPr lang="en-GB"/>
+          </a:p>
+        </p:txBody>
+      </p:sp>
+      <p:sp>
+        <p:nvSpPr>
+          <p:cNvPr id="3" name="Content Placeholder 2">
+            <a:extLst>
+              <a:ext uri="{FF2B5EF4-FFF2-40B4-BE49-F238E27FC236}">
+                <a16:creationId xmlns:a16="http://schemas.microsoft.com/office/drawing/2014/main" id="{06C03778-3C7D-68FE-3C89-CE3F1EFD313F}"/>
+              </a:ext>
+            </a:extLst>
+          </p:cNvPr>
+          <p:cNvSpPr>
+            <a:spLocks noGrp="1"/>
+          </p:cNvSpPr>
+          <p:nvPr>
+            <p:ph idx="1"/>
+          </p:nvPr>
+        </p:nvSpPr>
+        <p:spPr/>
+        <p:txBody>
+          <a:bodyPr/>
+          <a:lstStyle/>
+          <a:p>
+            <a:r>
+              <a:rPr lang="en-GB" dirty="0"/>
+              <a:t>Download JDBC driver</a:t>
+            </a:r>
+            <a:r>
+              <a:rPr lang="en-GB"/>
+              <a:t>: https://repo1.maven.org/maven2/com/microsoft/azure/spark-mssql-connector_2.12/1.2.0/spark-mssql-connector_2.12-1.2.0.jar</a:t>
+            </a:r>
+            <a:endParaRPr lang="en-GB" dirty="0"/>
+          </a:p>
+          <a:p>
+            <a:r>
+              <a:rPr lang="en-GB" dirty="0"/>
+              <a:t>Copy jar file to anaconda jars folder</a:t>
+            </a:r>
+          </a:p>
+        </p:txBody>
+      </p:sp>
+    </p:spTree>
+    <p:extLst>
+      <p:ext uri="{BB962C8B-B14F-4D97-AF65-F5344CB8AC3E}">
+        <p14:creationId xmlns:p14="http://schemas.microsoft.com/office/powerpoint/2010/main" val="4018909052"/>
+      </p:ext>
+    </p:extLst>
+  </p:cSld>
+  <p:clrMapOvr>
+    <a:masterClrMapping/>
+  </p:clrMapOvr>
+</p:sld>
+</file>
+
+<file path=ppt/slides/slide55.xml><?xml version="1.0" encoding="utf-8"?>
+<p:sld xmlns:a="http://schemas.openxmlformats.org/drawingml/2006/main" xmlns:r="http://schemas.openxmlformats.org/officeDocument/2006/relationships" xmlns:p="http://schemas.openxmlformats.org/presentationml/2006/main">
+  <p:cSld>
+    <p:spTree>
+      <p:nvGrpSpPr>
+        <p:cNvPr id="1" name=""/>
+        <p:cNvGrpSpPr/>
+        <p:nvPr/>
+      </p:nvGrpSpPr>
+      <p:grpSpPr>
+        <a:xfrm>
+          <a:off x="0" y="0"/>
+          <a:ext cx="0" cy="0"/>
+          <a:chOff x="0" y="0"/>
+          <a:chExt cx="0" cy="0"/>
+        </a:xfrm>
+      </p:grpSpPr>
+      <p:sp>
+        <p:nvSpPr>
+          <p:cNvPr id="2" name="Title 1">
+            <a:extLst>
+              <a:ext uri="{FF2B5EF4-FFF2-40B4-BE49-F238E27FC236}">
+                <a16:creationId xmlns:a16="http://schemas.microsoft.com/office/drawing/2014/main" id="{DCD86764-00F4-6C9A-2130-D553A9C0F19A}"/>
+              </a:ext>
+            </a:extLst>
+          </p:cNvPr>
+          <p:cNvSpPr>
+            <a:spLocks noGrp="1"/>
+          </p:cNvSpPr>
+          <p:nvPr>
+            <p:ph type="title"/>
+          </p:nvPr>
+        </p:nvSpPr>
+        <p:spPr/>
+        <p:txBody>
+          <a:bodyPr/>
+          <a:lstStyle/>
+          <a:p>
+            <a:r>
+              <a:rPr lang="en-GB" dirty="0"/>
+              <a:t>Python pre-</a:t>
+            </a:r>
+            <a:r>
+              <a:rPr lang="en-GB" dirty="0" err="1"/>
+              <a:t>reqs</a:t>
+            </a:r>
+            <a:endParaRPr lang="en-GB" dirty="0"/>
+          </a:p>
+        </p:txBody>
+      </p:sp>
+      <p:pic>
+        <p:nvPicPr>
+          <p:cNvPr id="5" name="Picture 4">
+            <a:extLst>
+              <a:ext uri="{FF2B5EF4-FFF2-40B4-BE49-F238E27FC236}">
+                <a16:creationId xmlns:a16="http://schemas.microsoft.com/office/drawing/2014/main" id="{C663F566-F2F6-4996-C066-E71C1013515E}"/>
+              </a:ext>
+            </a:extLst>
+          </p:cNvPr>
+          <p:cNvPicPr>
+            <a:picLocks noChangeAspect="1"/>
+          </p:cNvPicPr>
+          <p:nvPr/>
+        </p:nvPicPr>
+        <p:blipFill>
+          <a:blip r:embed="rId2"/>
+          <a:stretch>
+            <a:fillRect/>
+          </a:stretch>
+        </p:blipFill>
+        <p:spPr>
+          <a:xfrm>
+            <a:off x="838200" y="1431753"/>
+            <a:ext cx="9392961" cy="2457793"/>
+          </a:xfrm>
+          <a:prstGeom prst="rect">
+            <a:avLst/>
+          </a:prstGeom>
+        </p:spPr>
+      </p:pic>
+      <p:pic>
+        <p:nvPicPr>
+          <p:cNvPr id="8" name="Picture 7">
+            <a:extLst>
+              <a:ext uri="{FF2B5EF4-FFF2-40B4-BE49-F238E27FC236}">
+                <a16:creationId xmlns:a16="http://schemas.microsoft.com/office/drawing/2014/main" id="{0DA08BAC-BAA2-E123-3A0B-E202C41AC238}"/>
+              </a:ext>
+            </a:extLst>
+          </p:cNvPr>
+          <p:cNvPicPr>
+            <a:picLocks noChangeAspect="1"/>
+          </p:cNvPicPr>
+          <p:nvPr/>
+        </p:nvPicPr>
+        <p:blipFill>
+          <a:blip r:embed="rId3"/>
+          <a:stretch>
+            <a:fillRect/>
+          </a:stretch>
+        </p:blipFill>
+        <p:spPr>
+          <a:xfrm>
+            <a:off x="838200" y="4217883"/>
+            <a:ext cx="4934639" cy="1476581"/>
+          </a:xfrm>
+          <a:prstGeom prst="rect">
+            <a:avLst/>
+          </a:prstGeom>
+        </p:spPr>
+      </p:pic>
+    </p:spTree>
+    <p:extLst>
+      <p:ext uri="{BB962C8B-B14F-4D97-AF65-F5344CB8AC3E}">
+        <p14:creationId xmlns:p14="http://schemas.microsoft.com/office/powerpoint/2010/main" val="2091675727"/>
+      </p:ext>
+    </p:extLst>
+  </p:cSld>
+  <p:clrMapOvr>
+    <a:masterClrMapping/>
+  </p:clrMapOvr>
+</p:sld>
+</file>
+
+<file path=ppt/slides/slide56.xml><?xml version="1.0" encoding="utf-8"?>
+<p:sld xmlns:a="http://schemas.openxmlformats.org/drawingml/2006/main" xmlns:r="http://schemas.openxmlformats.org/officeDocument/2006/relationships" xmlns:p="http://schemas.openxmlformats.org/presentationml/2006/main">
+  <p:cSld>
+    <p:spTree>
+      <p:nvGrpSpPr>
+        <p:cNvPr id="1" name=""/>
+        <p:cNvGrpSpPr/>
+        <p:nvPr/>
+      </p:nvGrpSpPr>
+      <p:grpSpPr>
+        <a:xfrm>
+          <a:off x="0" y="0"/>
+          <a:ext cx="0" cy="0"/>
+          <a:chOff x="0" y="0"/>
+          <a:chExt cx="0" cy="0"/>
+        </a:xfrm>
+      </p:grpSpPr>
+      <p:sp>
+        <p:nvSpPr>
+          <p:cNvPr id="2" name="Title 1">
+            <a:extLst>
+              <a:ext uri="{FF2B5EF4-FFF2-40B4-BE49-F238E27FC236}">
+                <a16:creationId xmlns:a16="http://schemas.microsoft.com/office/drawing/2014/main" id="{DCD86764-00F4-6C9A-2130-D553A9C0F19A}"/>
+              </a:ext>
+            </a:extLst>
+          </p:cNvPr>
+          <p:cNvSpPr>
+            <a:spLocks noGrp="1"/>
+          </p:cNvSpPr>
+          <p:nvPr>
+            <p:ph type="title"/>
+          </p:nvPr>
+        </p:nvSpPr>
+        <p:spPr/>
+        <p:txBody>
+          <a:bodyPr/>
+          <a:lstStyle/>
+          <a:p>
+            <a:endParaRPr lang="en-GB"/>
+          </a:p>
+        </p:txBody>
+      </p:sp>
+      <p:pic>
+        <p:nvPicPr>
+          <p:cNvPr id="4" name="Picture 3">
+            <a:extLst>
+              <a:ext uri="{FF2B5EF4-FFF2-40B4-BE49-F238E27FC236}">
+                <a16:creationId xmlns:a16="http://schemas.microsoft.com/office/drawing/2014/main" id="{20F3E66B-E246-EFCB-FFBE-25044944C469}"/>
+              </a:ext>
+            </a:extLst>
+          </p:cNvPr>
+          <p:cNvPicPr>
+            <a:picLocks noChangeAspect="1"/>
+          </p:cNvPicPr>
+          <p:nvPr/>
+        </p:nvPicPr>
+        <p:blipFill>
+          <a:blip r:embed="rId2"/>
+          <a:stretch>
+            <a:fillRect/>
+          </a:stretch>
+        </p:blipFill>
+        <p:spPr>
+          <a:xfrm>
+            <a:off x="838200" y="1242558"/>
+            <a:ext cx="4959605" cy="1517728"/>
+          </a:xfrm>
+          <a:prstGeom prst="rect">
+            <a:avLst/>
+          </a:prstGeom>
+        </p:spPr>
+      </p:pic>
+      <p:pic>
+        <p:nvPicPr>
+          <p:cNvPr id="7" name="Picture 6">
+            <a:extLst>
+              <a:ext uri="{FF2B5EF4-FFF2-40B4-BE49-F238E27FC236}">
+                <a16:creationId xmlns:a16="http://schemas.microsoft.com/office/drawing/2014/main" id="{A96C8C96-A6EA-2AE6-661D-FA50CC4E8CDA}"/>
+              </a:ext>
+            </a:extLst>
+          </p:cNvPr>
+          <p:cNvPicPr>
+            <a:picLocks noChangeAspect="1"/>
+          </p:cNvPicPr>
+          <p:nvPr/>
+        </p:nvPicPr>
+        <p:blipFill>
+          <a:blip r:embed="rId3"/>
+          <a:stretch>
+            <a:fillRect/>
+          </a:stretch>
+        </p:blipFill>
+        <p:spPr>
+          <a:xfrm>
+            <a:off x="6394197" y="1242558"/>
+            <a:ext cx="4511991" cy="5250317"/>
+          </a:xfrm>
+          <a:prstGeom prst="rect">
+            <a:avLst/>
+          </a:prstGeom>
+        </p:spPr>
+      </p:pic>
+    </p:spTree>
+    <p:extLst>
+      <p:ext uri="{BB962C8B-B14F-4D97-AF65-F5344CB8AC3E}">
+        <p14:creationId xmlns:p14="http://schemas.microsoft.com/office/powerpoint/2010/main" val="17736079"/>
+      </p:ext>
+    </p:extLst>
+  </p:cSld>
+  <p:clrMapOvr>
+    <a:masterClrMapping/>
+  </p:clrMapOvr>
+</p:sld>
+</file>
+
+<file path=ppt/slides/slide57.xml><?xml version="1.0" encoding="utf-8"?>
+<p:sld xmlns:a="http://schemas.openxmlformats.org/drawingml/2006/main" xmlns:r="http://schemas.openxmlformats.org/officeDocument/2006/relationships" xmlns:p="http://schemas.openxmlformats.org/presentationml/2006/main">
+  <p:cSld>
+    <p:spTree>
+      <p:nvGrpSpPr>
+        <p:cNvPr id="1" name=""/>
+        <p:cNvGrpSpPr/>
+        <p:nvPr/>
+      </p:nvGrpSpPr>
+      <p:grpSpPr>
+        <a:xfrm>
+          <a:off x="0" y="0"/>
+          <a:ext cx="0" cy="0"/>
+          <a:chOff x="0" y="0"/>
+          <a:chExt cx="0" cy="0"/>
+        </a:xfrm>
+      </p:grpSpPr>
+      <p:pic>
+        <p:nvPicPr>
+          <p:cNvPr id="8" name="Picture 7">
+            <a:extLst>
+              <a:ext uri="{FF2B5EF4-FFF2-40B4-BE49-F238E27FC236}">
+                <a16:creationId xmlns:a16="http://schemas.microsoft.com/office/drawing/2014/main" id="{267E26B0-ADE5-2D5A-201D-E7974C1FE8C8}"/>
+              </a:ext>
+            </a:extLst>
+          </p:cNvPr>
+          <p:cNvPicPr>
+            <a:picLocks noChangeAspect="1"/>
+          </p:cNvPicPr>
+          <p:nvPr/>
+        </p:nvPicPr>
+        <p:blipFill>
+          <a:blip r:embed="rId2"/>
+          <a:stretch>
+            <a:fillRect/>
+          </a:stretch>
+        </p:blipFill>
+        <p:spPr>
+          <a:xfrm>
+            <a:off x="497406" y="502516"/>
+            <a:ext cx="6401129" cy="5550185"/>
+          </a:xfrm>
+          <a:prstGeom prst="rect">
+            <a:avLst/>
+          </a:prstGeom>
+        </p:spPr>
+      </p:pic>
+      <p:pic>
+        <p:nvPicPr>
+          <p:cNvPr id="9" name="Picture 8">
+            <a:extLst>
+              <a:ext uri="{FF2B5EF4-FFF2-40B4-BE49-F238E27FC236}">
+                <a16:creationId xmlns:a16="http://schemas.microsoft.com/office/drawing/2014/main" id="{159E5FD2-985E-7690-3E2A-435134F3B0FE}"/>
+              </a:ext>
+            </a:extLst>
+          </p:cNvPr>
+          <p:cNvPicPr>
+            <a:picLocks noChangeAspect="1"/>
+          </p:cNvPicPr>
+          <p:nvPr/>
+        </p:nvPicPr>
+        <p:blipFill>
+          <a:blip r:embed="rId3"/>
+          <a:stretch>
+            <a:fillRect/>
+          </a:stretch>
+        </p:blipFill>
+        <p:spPr>
+          <a:xfrm>
+            <a:off x="7205188" y="923852"/>
+            <a:ext cx="4915153" cy="2006703"/>
+          </a:xfrm>
+          <a:prstGeom prst="rect">
+            <a:avLst/>
+          </a:prstGeom>
+        </p:spPr>
+      </p:pic>
+    </p:spTree>
+    <p:extLst>
+      <p:ext uri="{BB962C8B-B14F-4D97-AF65-F5344CB8AC3E}">
+        <p14:creationId xmlns:p14="http://schemas.microsoft.com/office/powerpoint/2010/main" val="3790276932"/>
+      </p:ext>
+    </p:extLst>
+  </p:cSld>
+  <p:clrMapOvr>
+    <a:masterClrMapping/>
+  </p:clrMapOvr>
+</p:sld>
+</file>
+
+<file path=ppt/slides/slide58.xml><?xml version="1.0" encoding="utf-8"?>
+<p:sld xmlns:a="http://schemas.openxmlformats.org/drawingml/2006/main" xmlns:r="http://schemas.openxmlformats.org/officeDocument/2006/relationships" xmlns:p="http://schemas.openxmlformats.org/presentationml/2006/main">
+  <p:cSld>
+    <p:spTree>
+      <p:nvGrpSpPr>
+        <p:cNvPr id="1" name=""/>
+        <p:cNvGrpSpPr/>
+        <p:nvPr/>
+      </p:nvGrpSpPr>
+      <p:grpSpPr>
+        <a:xfrm>
+          <a:off x="0" y="0"/>
+          <a:ext cx="0" cy="0"/>
+          <a:chOff x="0" y="0"/>
+          <a:chExt cx="0" cy="0"/>
+        </a:xfrm>
+      </p:grpSpPr>
+      <p:pic>
+        <p:nvPicPr>
+          <p:cNvPr id="5" name="Picture 4">
+            <a:extLst>
+              <a:ext uri="{FF2B5EF4-FFF2-40B4-BE49-F238E27FC236}">
+                <a16:creationId xmlns:a16="http://schemas.microsoft.com/office/drawing/2014/main" id="{D89C5F76-DE95-EF62-4BC4-CD0A02BDAAB6}"/>
+              </a:ext>
+            </a:extLst>
+          </p:cNvPr>
+          <p:cNvPicPr>
+            <a:picLocks noChangeAspect="1"/>
+          </p:cNvPicPr>
+          <p:nvPr/>
+        </p:nvPicPr>
+        <p:blipFill>
+          <a:blip r:embed="rId2"/>
+          <a:stretch>
+            <a:fillRect/>
+          </a:stretch>
+        </p:blipFill>
+        <p:spPr>
+          <a:xfrm>
+            <a:off x="564587" y="761453"/>
+            <a:ext cx="4680191" cy="3264068"/>
+          </a:xfrm>
+          <a:prstGeom prst="rect">
+            <a:avLst/>
+          </a:prstGeom>
+        </p:spPr>
+      </p:pic>
+      <p:pic>
+        <p:nvPicPr>
+          <p:cNvPr id="7" name="Picture 6">
+            <a:extLst>
+              <a:ext uri="{FF2B5EF4-FFF2-40B4-BE49-F238E27FC236}">
+                <a16:creationId xmlns:a16="http://schemas.microsoft.com/office/drawing/2014/main" id="{FE67BB66-D68E-91FC-1442-E45607E8A920}"/>
+              </a:ext>
+            </a:extLst>
+          </p:cNvPr>
+          <p:cNvPicPr>
+            <a:picLocks noChangeAspect="1"/>
+          </p:cNvPicPr>
+          <p:nvPr/>
+        </p:nvPicPr>
+        <p:blipFill>
+          <a:blip r:embed="rId3"/>
+          <a:stretch>
+            <a:fillRect/>
+          </a:stretch>
+        </p:blipFill>
+        <p:spPr>
+          <a:xfrm>
+            <a:off x="6858335" y="889174"/>
+            <a:ext cx="2508379" cy="3892750"/>
+          </a:xfrm>
+          <a:prstGeom prst="rect">
+            <a:avLst/>
+          </a:prstGeom>
+        </p:spPr>
+      </p:pic>
+    </p:spTree>
+    <p:extLst>
+      <p:ext uri="{BB962C8B-B14F-4D97-AF65-F5344CB8AC3E}">
+        <p14:creationId xmlns:p14="http://schemas.microsoft.com/office/powerpoint/2010/main" val="1708038266"/>
+      </p:ext>
+    </p:extLst>
+  </p:cSld>
+  <p:clrMapOvr>
+    <a:masterClrMapping/>
+  </p:clrMapOvr>
+</p:sld>
+</file>
+
+<file path=ppt/slides/slide59.xml><?xml version="1.0" encoding="utf-8"?>
+<p:sld xmlns:a="http://schemas.openxmlformats.org/drawingml/2006/main" xmlns:r="http://schemas.openxmlformats.org/officeDocument/2006/relationships" xmlns:p="http://schemas.openxmlformats.org/presentationml/2006/main">
+  <p:cSld>
+    <p:spTree>
+      <p:nvGrpSpPr>
+        <p:cNvPr id="1" name=""/>
+        <p:cNvGrpSpPr/>
+        <p:nvPr/>
+      </p:nvGrpSpPr>
+      <p:grpSpPr>
+        <a:xfrm>
+          <a:off x="0" y="0"/>
+          <a:ext cx="0" cy="0"/>
+          <a:chOff x="0" y="0"/>
+          <a:chExt cx="0" cy="0"/>
+        </a:xfrm>
+      </p:grpSpPr>
+      <p:pic>
+        <p:nvPicPr>
+          <p:cNvPr id="5" name="Picture 4">
+            <a:extLst>
+              <a:ext uri="{FF2B5EF4-FFF2-40B4-BE49-F238E27FC236}">
+                <a16:creationId xmlns:a16="http://schemas.microsoft.com/office/drawing/2014/main" id="{BC909FB5-6F06-559F-6D56-11877CAEF8ED}"/>
+              </a:ext>
+            </a:extLst>
+          </p:cNvPr>
+          <p:cNvPicPr>
+            <a:picLocks noChangeAspect="1"/>
+          </p:cNvPicPr>
+          <p:nvPr/>
+        </p:nvPicPr>
+        <p:blipFill>
+          <a:blip r:embed="rId2"/>
+          <a:stretch>
+            <a:fillRect/>
+          </a:stretch>
+        </p:blipFill>
+        <p:spPr>
+          <a:xfrm>
+            <a:off x="645176" y="794450"/>
+            <a:ext cx="9036514" cy="3016405"/>
+          </a:xfrm>
+          <a:prstGeom prst="rect">
+            <a:avLst/>
+          </a:prstGeom>
+        </p:spPr>
+      </p:pic>
+    </p:spTree>
+    <p:extLst>
+      <p:ext uri="{BB962C8B-B14F-4D97-AF65-F5344CB8AC3E}">
+        <p14:creationId xmlns:p14="http://schemas.microsoft.com/office/powerpoint/2010/main" val="3243554057"/>
+      </p:ext>
+    </p:extLst>
+  </p:cSld>
+  <p:clrMapOvr>
+    <a:masterClrMapping/>
+  </p:clrMapOvr>
+</p:sld>
+</file>
+
+<file path=ppt/slides/slide6.xml><?xml version="1.0" encoding="utf-8"?>
 <p:sld xmlns:a="http://schemas.openxmlformats.org/drawingml/2006/main" xmlns:r="http://schemas.openxmlformats.org/officeDocument/2006/relationships" xmlns:p="http://schemas.openxmlformats.org/presentationml/2006/main">
   <p:cSld>
     <p:spTree>
@@ -10297,932 +12074,7 @@
 </p:sld>
 </file>
 
-<file path=ppt/slides/slide50.xml><?xml version="1.0" encoding="utf-8"?>
-<p:sld xmlns:a="http://schemas.openxmlformats.org/drawingml/2006/main" xmlns:r="http://schemas.openxmlformats.org/officeDocument/2006/relationships" xmlns:p="http://schemas.openxmlformats.org/presentationml/2006/main">
-  <p:cSld>
-    <p:spTree>
-      <p:nvGrpSpPr>
-        <p:cNvPr id="1" name=""/>
-        <p:cNvGrpSpPr/>
-        <p:nvPr/>
-      </p:nvGrpSpPr>
-      <p:grpSpPr>
-        <a:xfrm>
-          <a:off x="0" y="0"/>
-          <a:ext cx="0" cy="0"/>
-          <a:chOff x="0" y="0"/>
-          <a:chExt cx="0" cy="0"/>
-        </a:xfrm>
-      </p:grpSpPr>
-      <p:sp>
-        <p:nvSpPr>
-          <p:cNvPr id="2" name="Title 1">
-            <a:extLst>
-              <a:ext uri="{FF2B5EF4-FFF2-40B4-BE49-F238E27FC236}">
-                <a16:creationId xmlns:a16="http://schemas.microsoft.com/office/drawing/2014/main" id="{E54C7220-D4E8-C4CE-9F41-17CBBA3E9D1F}"/>
-              </a:ext>
-            </a:extLst>
-          </p:cNvPr>
-          <p:cNvSpPr>
-            <a:spLocks noGrp="1"/>
-          </p:cNvSpPr>
-          <p:nvPr>
-            <p:ph type="title"/>
-          </p:nvPr>
-        </p:nvSpPr>
-        <p:spPr/>
-        <p:txBody>
-          <a:bodyPr/>
-          <a:lstStyle/>
-          <a:p>
-            <a:endParaRPr lang="en-GB"/>
-          </a:p>
-        </p:txBody>
-      </p:sp>
-      <p:pic>
-        <p:nvPicPr>
-          <p:cNvPr id="5" name="Picture 4">
-            <a:extLst>
-              <a:ext uri="{FF2B5EF4-FFF2-40B4-BE49-F238E27FC236}">
-                <a16:creationId xmlns:a16="http://schemas.microsoft.com/office/drawing/2014/main" id="{1DE6EA73-5C07-A441-9C79-2FAF0206876C}"/>
-              </a:ext>
-            </a:extLst>
-          </p:cNvPr>
-          <p:cNvPicPr>
-            <a:picLocks noChangeAspect="1"/>
-          </p:cNvPicPr>
-          <p:nvPr/>
-        </p:nvPicPr>
-        <p:blipFill>
-          <a:blip r:embed="rId2"/>
-          <a:stretch>
-            <a:fillRect/>
-          </a:stretch>
-        </p:blipFill>
-        <p:spPr>
-          <a:xfrm>
-            <a:off x="2197359" y="1549342"/>
-            <a:ext cx="7550538" cy="2235315"/>
-          </a:xfrm>
-          <a:prstGeom prst="rect">
-            <a:avLst/>
-          </a:prstGeom>
-        </p:spPr>
-      </p:pic>
-      <p:pic>
-        <p:nvPicPr>
-          <p:cNvPr id="7" name="Picture 6">
-            <a:extLst>
-              <a:ext uri="{FF2B5EF4-FFF2-40B4-BE49-F238E27FC236}">
-                <a16:creationId xmlns:a16="http://schemas.microsoft.com/office/drawing/2014/main" id="{357DCD06-D3F9-B3E6-6147-8B555688ED76}"/>
-              </a:ext>
-            </a:extLst>
-          </p:cNvPr>
-          <p:cNvPicPr>
-            <a:picLocks noChangeAspect="1"/>
-          </p:cNvPicPr>
-          <p:nvPr/>
-        </p:nvPicPr>
-        <p:blipFill>
-          <a:blip r:embed="rId3"/>
-          <a:stretch>
-            <a:fillRect/>
-          </a:stretch>
-        </p:blipFill>
-        <p:spPr>
-          <a:xfrm>
-            <a:off x="2197359" y="4302102"/>
-            <a:ext cx="2921150" cy="895396"/>
-          </a:xfrm>
-          <a:prstGeom prst="rect">
-            <a:avLst/>
-          </a:prstGeom>
-        </p:spPr>
-      </p:pic>
-      <p:pic>
-        <p:nvPicPr>
-          <p:cNvPr id="9" name="Picture 8">
-            <a:extLst>
-              <a:ext uri="{FF2B5EF4-FFF2-40B4-BE49-F238E27FC236}">
-                <a16:creationId xmlns:a16="http://schemas.microsoft.com/office/drawing/2014/main" id="{C0E1A8B2-FE52-27DA-F7DB-CAD822372C31}"/>
-              </a:ext>
-            </a:extLst>
-          </p:cNvPr>
-          <p:cNvPicPr>
-            <a:picLocks noChangeAspect="1"/>
-          </p:cNvPicPr>
-          <p:nvPr/>
-        </p:nvPicPr>
-        <p:blipFill>
-          <a:blip r:embed="rId4"/>
-          <a:stretch>
-            <a:fillRect/>
-          </a:stretch>
-        </p:blipFill>
-        <p:spPr>
-          <a:xfrm>
-            <a:off x="2197359" y="5714943"/>
-            <a:ext cx="2254366" cy="806491"/>
-          </a:xfrm>
-          <a:prstGeom prst="rect">
-            <a:avLst/>
-          </a:prstGeom>
-        </p:spPr>
-      </p:pic>
-    </p:spTree>
-    <p:extLst>
-      <p:ext uri="{BB962C8B-B14F-4D97-AF65-F5344CB8AC3E}">
-        <p14:creationId xmlns:p14="http://schemas.microsoft.com/office/powerpoint/2010/main" val="2308371639"/>
-      </p:ext>
-    </p:extLst>
-  </p:cSld>
-  <p:clrMapOvr>
-    <a:masterClrMapping/>
-  </p:clrMapOvr>
-</p:sld>
-</file>
-
-<file path=ppt/slides/slide51.xml><?xml version="1.0" encoding="utf-8"?>
-<p:sld xmlns:a="http://schemas.openxmlformats.org/drawingml/2006/main" xmlns:r="http://schemas.openxmlformats.org/officeDocument/2006/relationships" xmlns:p="http://schemas.openxmlformats.org/presentationml/2006/main">
-  <p:cSld>
-    <p:spTree>
-      <p:nvGrpSpPr>
-        <p:cNvPr id="1" name=""/>
-        <p:cNvGrpSpPr/>
-        <p:nvPr/>
-      </p:nvGrpSpPr>
-      <p:grpSpPr>
-        <a:xfrm>
-          <a:off x="0" y="0"/>
-          <a:ext cx="0" cy="0"/>
-          <a:chOff x="0" y="0"/>
-          <a:chExt cx="0" cy="0"/>
-        </a:xfrm>
-      </p:grpSpPr>
-      <p:sp>
-        <p:nvSpPr>
-          <p:cNvPr id="2" name="Title 1">
-            <a:extLst>
-              <a:ext uri="{FF2B5EF4-FFF2-40B4-BE49-F238E27FC236}">
-                <a16:creationId xmlns:a16="http://schemas.microsoft.com/office/drawing/2014/main" id="{721D1864-1AA2-D6DD-A480-FBC15302FDFD}"/>
-              </a:ext>
-            </a:extLst>
-          </p:cNvPr>
-          <p:cNvSpPr>
-            <a:spLocks noGrp="1"/>
-          </p:cNvSpPr>
-          <p:nvPr>
-            <p:ph type="title"/>
-          </p:nvPr>
-        </p:nvSpPr>
-        <p:spPr/>
-        <p:txBody>
-          <a:bodyPr/>
-          <a:lstStyle/>
-          <a:p>
-            <a:r>
-              <a:rPr lang="en-GB" dirty="0"/>
-              <a:t>SQL Express!</a:t>
-            </a:r>
-          </a:p>
-        </p:txBody>
-      </p:sp>
-      <p:pic>
-        <p:nvPicPr>
-          <p:cNvPr id="5" name="Picture 4">
-            <a:extLst>
-              <a:ext uri="{FF2B5EF4-FFF2-40B4-BE49-F238E27FC236}">
-                <a16:creationId xmlns:a16="http://schemas.microsoft.com/office/drawing/2014/main" id="{448D210F-2791-BB01-3E4C-209625B18617}"/>
-              </a:ext>
-            </a:extLst>
-          </p:cNvPr>
-          <p:cNvPicPr>
-            <a:picLocks noChangeAspect="1"/>
-          </p:cNvPicPr>
-          <p:nvPr/>
-        </p:nvPicPr>
-        <p:blipFill>
-          <a:blip r:embed="rId2"/>
-          <a:stretch>
-            <a:fillRect/>
-          </a:stretch>
-        </p:blipFill>
-        <p:spPr>
-          <a:xfrm>
-            <a:off x="838200" y="2620727"/>
-            <a:ext cx="7525137" cy="2076557"/>
-          </a:xfrm>
-          <a:prstGeom prst="rect">
-            <a:avLst/>
-          </a:prstGeom>
-        </p:spPr>
-      </p:pic>
-      <p:sp>
-        <p:nvSpPr>
-          <p:cNvPr id="7" name="TextBox 6">
-            <a:extLst>
-              <a:ext uri="{FF2B5EF4-FFF2-40B4-BE49-F238E27FC236}">
-                <a16:creationId xmlns:a16="http://schemas.microsoft.com/office/drawing/2014/main" id="{C2A7AA09-D58C-3AA6-7B91-08BDBC8B6CF0}"/>
-              </a:ext>
-            </a:extLst>
-          </p:cNvPr>
-          <p:cNvSpPr txBox="1"/>
-          <p:nvPr/>
-        </p:nvSpPr>
-        <p:spPr>
-          <a:xfrm>
-            <a:off x="838200" y="1791385"/>
-            <a:ext cx="9296787" cy="369332"/>
-          </a:xfrm>
-          <a:prstGeom prst="rect">
-            <a:avLst/>
-          </a:prstGeom>
-          <a:noFill/>
-        </p:spPr>
-        <p:txBody>
-          <a:bodyPr wrap="square">
-            <a:spAutoFit/>
-          </a:bodyPr>
-          <a:lstStyle/>
-          <a:p>
-            <a:r>
-              <a:rPr lang="en-GB" dirty="0"/>
-              <a:t>https://www.microsoft.com/en-us/download/details.aspx?id=104781&amp;lc=1033</a:t>
-            </a:r>
-          </a:p>
-        </p:txBody>
-      </p:sp>
-    </p:spTree>
-    <p:extLst>
-      <p:ext uri="{BB962C8B-B14F-4D97-AF65-F5344CB8AC3E}">
-        <p14:creationId xmlns:p14="http://schemas.microsoft.com/office/powerpoint/2010/main" val="309386999"/>
-      </p:ext>
-    </p:extLst>
-  </p:cSld>
-  <p:clrMapOvr>
-    <a:masterClrMapping/>
-  </p:clrMapOvr>
-</p:sld>
-</file>
-
-<file path=ppt/slides/slide52.xml><?xml version="1.0" encoding="utf-8"?>
-<p:sld xmlns:a="http://schemas.openxmlformats.org/drawingml/2006/main" xmlns:r="http://schemas.openxmlformats.org/officeDocument/2006/relationships" xmlns:p="http://schemas.openxmlformats.org/presentationml/2006/main">
-  <p:cSld>
-    <p:spTree>
-      <p:nvGrpSpPr>
-        <p:cNvPr id="1" name=""/>
-        <p:cNvGrpSpPr/>
-        <p:nvPr/>
-      </p:nvGrpSpPr>
-      <p:grpSpPr>
-        <a:xfrm>
-          <a:off x="0" y="0"/>
-          <a:ext cx="0" cy="0"/>
-          <a:chOff x="0" y="0"/>
-          <a:chExt cx="0" cy="0"/>
-        </a:xfrm>
-      </p:grpSpPr>
-      <p:sp>
-        <p:nvSpPr>
-          <p:cNvPr id="2" name="Title 1">
-            <a:extLst>
-              <a:ext uri="{FF2B5EF4-FFF2-40B4-BE49-F238E27FC236}">
-                <a16:creationId xmlns:a16="http://schemas.microsoft.com/office/drawing/2014/main" id="{F9730C1D-834B-610B-0E29-AE24F94D4143}"/>
-              </a:ext>
-            </a:extLst>
-          </p:cNvPr>
-          <p:cNvSpPr>
-            <a:spLocks noGrp="1"/>
-          </p:cNvSpPr>
-          <p:nvPr>
-            <p:ph type="title"/>
-          </p:nvPr>
-        </p:nvSpPr>
-        <p:spPr/>
-        <p:txBody>
-          <a:bodyPr/>
-          <a:lstStyle/>
-          <a:p>
-            <a:endParaRPr lang="en-GB"/>
-          </a:p>
-        </p:txBody>
-      </p:sp>
-      <p:pic>
-        <p:nvPicPr>
-          <p:cNvPr id="7" name="Picture 6">
-            <a:extLst>
-              <a:ext uri="{FF2B5EF4-FFF2-40B4-BE49-F238E27FC236}">
-                <a16:creationId xmlns:a16="http://schemas.microsoft.com/office/drawing/2014/main" id="{84D8D550-260F-0F03-0F0E-8FB1893DB52E}"/>
-              </a:ext>
-            </a:extLst>
-          </p:cNvPr>
-          <p:cNvPicPr>
-            <a:picLocks noChangeAspect="1"/>
-          </p:cNvPicPr>
-          <p:nvPr/>
-        </p:nvPicPr>
-        <p:blipFill>
-          <a:blip r:embed="rId2"/>
-          <a:stretch>
-            <a:fillRect/>
-          </a:stretch>
-        </p:blipFill>
-        <p:spPr>
-          <a:xfrm>
-            <a:off x="3685605" y="1366482"/>
-            <a:ext cx="4559534" cy="5010407"/>
-          </a:xfrm>
-          <a:prstGeom prst="rect">
-            <a:avLst/>
-          </a:prstGeom>
-        </p:spPr>
-      </p:pic>
-    </p:spTree>
-    <p:extLst>
-      <p:ext uri="{BB962C8B-B14F-4D97-AF65-F5344CB8AC3E}">
-        <p14:creationId xmlns:p14="http://schemas.microsoft.com/office/powerpoint/2010/main" val="3024344180"/>
-      </p:ext>
-    </p:extLst>
-  </p:cSld>
-  <p:clrMapOvr>
-    <a:masterClrMapping/>
-  </p:clrMapOvr>
-</p:sld>
-</file>
-
-<file path=ppt/slides/slide53.xml><?xml version="1.0" encoding="utf-8"?>
-<p:sld xmlns:a="http://schemas.openxmlformats.org/drawingml/2006/main" xmlns:r="http://schemas.openxmlformats.org/officeDocument/2006/relationships" xmlns:p="http://schemas.openxmlformats.org/presentationml/2006/main">
-  <p:cSld>
-    <p:spTree>
-      <p:nvGrpSpPr>
-        <p:cNvPr id="1" name=""/>
-        <p:cNvGrpSpPr/>
-        <p:nvPr/>
-      </p:nvGrpSpPr>
-      <p:grpSpPr>
-        <a:xfrm>
-          <a:off x="0" y="0"/>
-          <a:ext cx="0" cy="0"/>
-          <a:chOff x="0" y="0"/>
-          <a:chExt cx="0" cy="0"/>
-        </a:xfrm>
-      </p:grpSpPr>
-      <p:sp>
-        <p:nvSpPr>
-          <p:cNvPr id="2" name="Title 1">
-            <a:extLst>
-              <a:ext uri="{FF2B5EF4-FFF2-40B4-BE49-F238E27FC236}">
-                <a16:creationId xmlns:a16="http://schemas.microsoft.com/office/drawing/2014/main" id="{E4048C8B-7E17-501E-E69D-E0441C9CC7E9}"/>
-              </a:ext>
-            </a:extLst>
-          </p:cNvPr>
-          <p:cNvSpPr>
-            <a:spLocks noGrp="1"/>
-          </p:cNvSpPr>
-          <p:nvPr>
-            <p:ph type="title"/>
-          </p:nvPr>
-        </p:nvSpPr>
-        <p:spPr/>
-        <p:txBody>
-          <a:bodyPr/>
-          <a:lstStyle/>
-          <a:p>
-            <a:endParaRPr lang="en-GB"/>
-          </a:p>
-        </p:txBody>
-      </p:sp>
-      <p:sp>
-        <p:nvSpPr>
-          <p:cNvPr id="3" name="Content Placeholder 2">
-            <a:extLst>
-              <a:ext uri="{FF2B5EF4-FFF2-40B4-BE49-F238E27FC236}">
-                <a16:creationId xmlns:a16="http://schemas.microsoft.com/office/drawing/2014/main" id="{06C03778-3C7D-68FE-3C89-CE3F1EFD313F}"/>
-              </a:ext>
-            </a:extLst>
-          </p:cNvPr>
-          <p:cNvSpPr>
-            <a:spLocks noGrp="1"/>
-          </p:cNvSpPr>
-          <p:nvPr>
-            <p:ph idx="1"/>
-          </p:nvPr>
-        </p:nvSpPr>
-        <p:spPr/>
-        <p:txBody>
-          <a:bodyPr/>
-          <a:lstStyle/>
-          <a:p>
-            <a:r>
-              <a:rPr lang="en-GB" dirty="0"/>
-              <a:t>Download JDBC driver</a:t>
-            </a:r>
-            <a:r>
-              <a:rPr lang="en-GB"/>
-              <a:t>: https://repo1.maven.org/maven2/com/microsoft/azure/spark-mssql-connector_2.12/1.2.0/spark-mssql-connector_2.12-1.2.0.jar</a:t>
-            </a:r>
-            <a:endParaRPr lang="en-GB" dirty="0"/>
-          </a:p>
-          <a:p>
-            <a:r>
-              <a:rPr lang="en-GB" dirty="0"/>
-              <a:t>Copy jar file to anaconda jars folder</a:t>
-            </a:r>
-          </a:p>
-        </p:txBody>
-      </p:sp>
-    </p:spTree>
-    <p:extLst>
-      <p:ext uri="{BB962C8B-B14F-4D97-AF65-F5344CB8AC3E}">
-        <p14:creationId xmlns:p14="http://schemas.microsoft.com/office/powerpoint/2010/main" val="4018909052"/>
-      </p:ext>
-    </p:extLst>
-  </p:cSld>
-  <p:clrMapOvr>
-    <a:masterClrMapping/>
-  </p:clrMapOvr>
-</p:sld>
-</file>
-
-<file path=ppt/slides/slide54.xml><?xml version="1.0" encoding="utf-8"?>
-<p:sld xmlns:a="http://schemas.openxmlformats.org/drawingml/2006/main" xmlns:r="http://schemas.openxmlformats.org/officeDocument/2006/relationships" xmlns:p="http://schemas.openxmlformats.org/presentationml/2006/main">
-  <p:cSld>
-    <p:spTree>
-      <p:nvGrpSpPr>
-        <p:cNvPr id="1" name=""/>
-        <p:cNvGrpSpPr/>
-        <p:nvPr/>
-      </p:nvGrpSpPr>
-      <p:grpSpPr>
-        <a:xfrm>
-          <a:off x="0" y="0"/>
-          <a:ext cx="0" cy="0"/>
-          <a:chOff x="0" y="0"/>
-          <a:chExt cx="0" cy="0"/>
-        </a:xfrm>
-      </p:grpSpPr>
-      <p:sp>
-        <p:nvSpPr>
-          <p:cNvPr id="2" name="Title 1">
-            <a:extLst>
-              <a:ext uri="{FF2B5EF4-FFF2-40B4-BE49-F238E27FC236}">
-                <a16:creationId xmlns:a16="http://schemas.microsoft.com/office/drawing/2014/main" id="{DCD86764-00F4-6C9A-2130-D553A9C0F19A}"/>
-              </a:ext>
-            </a:extLst>
-          </p:cNvPr>
-          <p:cNvSpPr>
-            <a:spLocks noGrp="1"/>
-          </p:cNvSpPr>
-          <p:nvPr>
-            <p:ph type="title"/>
-          </p:nvPr>
-        </p:nvSpPr>
-        <p:spPr/>
-        <p:txBody>
-          <a:bodyPr/>
-          <a:lstStyle/>
-          <a:p>
-            <a:r>
-              <a:rPr lang="en-GB" dirty="0"/>
-              <a:t>Python pre-</a:t>
-            </a:r>
-            <a:r>
-              <a:rPr lang="en-GB" dirty="0" err="1"/>
-              <a:t>reqs</a:t>
-            </a:r>
-            <a:endParaRPr lang="en-GB" dirty="0"/>
-          </a:p>
-        </p:txBody>
-      </p:sp>
-      <p:pic>
-        <p:nvPicPr>
-          <p:cNvPr id="5" name="Picture 4">
-            <a:extLst>
-              <a:ext uri="{FF2B5EF4-FFF2-40B4-BE49-F238E27FC236}">
-                <a16:creationId xmlns:a16="http://schemas.microsoft.com/office/drawing/2014/main" id="{C663F566-F2F6-4996-C066-E71C1013515E}"/>
-              </a:ext>
-            </a:extLst>
-          </p:cNvPr>
-          <p:cNvPicPr>
-            <a:picLocks noChangeAspect="1"/>
-          </p:cNvPicPr>
-          <p:nvPr/>
-        </p:nvPicPr>
-        <p:blipFill>
-          <a:blip r:embed="rId2"/>
-          <a:stretch>
-            <a:fillRect/>
-          </a:stretch>
-        </p:blipFill>
-        <p:spPr>
-          <a:xfrm>
-            <a:off x="838200" y="1431753"/>
-            <a:ext cx="9392961" cy="2457793"/>
-          </a:xfrm>
-          <a:prstGeom prst="rect">
-            <a:avLst/>
-          </a:prstGeom>
-        </p:spPr>
-      </p:pic>
-      <p:pic>
-        <p:nvPicPr>
-          <p:cNvPr id="8" name="Picture 7">
-            <a:extLst>
-              <a:ext uri="{FF2B5EF4-FFF2-40B4-BE49-F238E27FC236}">
-                <a16:creationId xmlns:a16="http://schemas.microsoft.com/office/drawing/2014/main" id="{0DA08BAC-BAA2-E123-3A0B-E202C41AC238}"/>
-              </a:ext>
-            </a:extLst>
-          </p:cNvPr>
-          <p:cNvPicPr>
-            <a:picLocks noChangeAspect="1"/>
-          </p:cNvPicPr>
-          <p:nvPr/>
-        </p:nvPicPr>
-        <p:blipFill>
-          <a:blip r:embed="rId3"/>
-          <a:stretch>
-            <a:fillRect/>
-          </a:stretch>
-        </p:blipFill>
-        <p:spPr>
-          <a:xfrm>
-            <a:off x="838200" y="4217883"/>
-            <a:ext cx="4934639" cy="1476581"/>
-          </a:xfrm>
-          <a:prstGeom prst="rect">
-            <a:avLst/>
-          </a:prstGeom>
-        </p:spPr>
-      </p:pic>
-    </p:spTree>
-    <p:extLst>
-      <p:ext uri="{BB962C8B-B14F-4D97-AF65-F5344CB8AC3E}">
-        <p14:creationId xmlns:p14="http://schemas.microsoft.com/office/powerpoint/2010/main" val="2091675727"/>
-      </p:ext>
-    </p:extLst>
-  </p:cSld>
-  <p:clrMapOvr>
-    <a:masterClrMapping/>
-  </p:clrMapOvr>
-</p:sld>
-</file>
-
-<file path=ppt/slides/slide55.xml><?xml version="1.0" encoding="utf-8"?>
-<p:sld xmlns:a="http://schemas.openxmlformats.org/drawingml/2006/main" xmlns:r="http://schemas.openxmlformats.org/officeDocument/2006/relationships" xmlns:p="http://schemas.openxmlformats.org/presentationml/2006/main">
-  <p:cSld>
-    <p:spTree>
-      <p:nvGrpSpPr>
-        <p:cNvPr id="1" name=""/>
-        <p:cNvGrpSpPr/>
-        <p:nvPr/>
-      </p:nvGrpSpPr>
-      <p:grpSpPr>
-        <a:xfrm>
-          <a:off x="0" y="0"/>
-          <a:ext cx="0" cy="0"/>
-          <a:chOff x="0" y="0"/>
-          <a:chExt cx="0" cy="0"/>
-        </a:xfrm>
-      </p:grpSpPr>
-      <p:sp>
-        <p:nvSpPr>
-          <p:cNvPr id="2" name="Title 1">
-            <a:extLst>
-              <a:ext uri="{FF2B5EF4-FFF2-40B4-BE49-F238E27FC236}">
-                <a16:creationId xmlns:a16="http://schemas.microsoft.com/office/drawing/2014/main" id="{DCD86764-00F4-6C9A-2130-D553A9C0F19A}"/>
-              </a:ext>
-            </a:extLst>
-          </p:cNvPr>
-          <p:cNvSpPr>
-            <a:spLocks noGrp="1"/>
-          </p:cNvSpPr>
-          <p:nvPr>
-            <p:ph type="title"/>
-          </p:nvPr>
-        </p:nvSpPr>
-        <p:spPr/>
-        <p:txBody>
-          <a:bodyPr/>
-          <a:lstStyle/>
-          <a:p>
-            <a:endParaRPr lang="en-GB"/>
-          </a:p>
-        </p:txBody>
-      </p:sp>
-      <p:pic>
-        <p:nvPicPr>
-          <p:cNvPr id="4" name="Picture 3">
-            <a:extLst>
-              <a:ext uri="{FF2B5EF4-FFF2-40B4-BE49-F238E27FC236}">
-                <a16:creationId xmlns:a16="http://schemas.microsoft.com/office/drawing/2014/main" id="{20F3E66B-E246-EFCB-FFBE-25044944C469}"/>
-              </a:ext>
-            </a:extLst>
-          </p:cNvPr>
-          <p:cNvPicPr>
-            <a:picLocks noChangeAspect="1"/>
-          </p:cNvPicPr>
-          <p:nvPr/>
-        </p:nvPicPr>
-        <p:blipFill>
-          <a:blip r:embed="rId2"/>
-          <a:stretch>
-            <a:fillRect/>
-          </a:stretch>
-        </p:blipFill>
-        <p:spPr>
-          <a:xfrm>
-            <a:off x="838200" y="1242558"/>
-            <a:ext cx="4959605" cy="1517728"/>
-          </a:xfrm>
-          <a:prstGeom prst="rect">
-            <a:avLst/>
-          </a:prstGeom>
-        </p:spPr>
-      </p:pic>
-      <p:pic>
-        <p:nvPicPr>
-          <p:cNvPr id="7" name="Picture 6">
-            <a:extLst>
-              <a:ext uri="{FF2B5EF4-FFF2-40B4-BE49-F238E27FC236}">
-                <a16:creationId xmlns:a16="http://schemas.microsoft.com/office/drawing/2014/main" id="{A96C8C96-A6EA-2AE6-661D-FA50CC4E8CDA}"/>
-              </a:ext>
-            </a:extLst>
-          </p:cNvPr>
-          <p:cNvPicPr>
-            <a:picLocks noChangeAspect="1"/>
-          </p:cNvPicPr>
-          <p:nvPr/>
-        </p:nvPicPr>
-        <p:blipFill>
-          <a:blip r:embed="rId3"/>
-          <a:stretch>
-            <a:fillRect/>
-          </a:stretch>
-        </p:blipFill>
-        <p:spPr>
-          <a:xfrm>
-            <a:off x="6394197" y="1242558"/>
-            <a:ext cx="4511991" cy="5250317"/>
-          </a:xfrm>
-          <a:prstGeom prst="rect">
-            <a:avLst/>
-          </a:prstGeom>
-        </p:spPr>
-      </p:pic>
-    </p:spTree>
-    <p:extLst>
-      <p:ext uri="{BB962C8B-B14F-4D97-AF65-F5344CB8AC3E}">
-        <p14:creationId xmlns:p14="http://schemas.microsoft.com/office/powerpoint/2010/main" val="17736079"/>
-      </p:ext>
-    </p:extLst>
-  </p:cSld>
-  <p:clrMapOvr>
-    <a:masterClrMapping/>
-  </p:clrMapOvr>
-</p:sld>
-</file>
-
-<file path=ppt/slides/slide56.xml><?xml version="1.0" encoding="utf-8"?>
-<p:sld xmlns:a="http://schemas.openxmlformats.org/drawingml/2006/main" xmlns:r="http://schemas.openxmlformats.org/officeDocument/2006/relationships" xmlns:p="http://schemas.openxmlformats.org/presentationml/2006/main">
-  <p:cSld>
-    <p:spTree>
-      <p:nvGrpSpPr>
-        <p:cNvPr id="1" name=""/>
-        <p:cNvGrpSpPr/>
-        <p:nvPr/>
-      </p:nvGrpSpPr>
-      <p:grpSpPr>
-        <a:xfrm>
-          <a:off x="0" y="0"/>
-          <a:ext cx="0" cy="0"/>
-          <a:chOff x="0" y="0"/>
-          <a:chExt cx="0" cy="0"/>
-        </a:xfrm>
-      </p:grpSpPr>
-      <p:pic>
-        <p:nvPicPr>
-          <p:cNvPr id="8" name="Picture 7">
-            <a:extLst>
-              <a:ext uri="{FF2B5EF4-FFF2-40B4-BE49-F238E27FC236}">
-                <a16:creationId xmlns:a16="http://schemas.microsoft.com/office/drawing/2014/main" id="{267E26B0-ADE5-2D5A-201D-E7974C1FE8C8}"/>
-              </a:ext>
-            </a:extLst>
-          </p:cNvPr>
-          <p:cNvPicPr>
-            <a:picLocks noChangeAspect="1"/>
-          </p:cNvPicPr>
-          <p:nvPr/>
-        </p:nvPicPr>
-        <p:blipFill>
-          <a:blip r:embed="rId2"/>
-          <a:stretch>
-            <a:fillRect/>
-          </a:stretch>
-        </p:blipFill>
-        <p:spPr>
-          <a:xfrm>
-            <a:off x="497406" y="502516"/>
-            <a:ext cx="6401129" cy="5550185"/>
-          </a:xfrm>
-          <a:prstGeom prst="rect">
-            <a:avLst/>
-          </a:prstGeom>
-        </p:spPr>
-      </p:pic>
-      <p:pic>
-        <p:nvPicPr>
-          <p:cNvPr id="9" name="Picture 8">
-            <a:extLst>
-              <a:ext uri="{FF2B5EF4-FFF2-40B4-BE49-F238E27FC236}">
-                <a16:creationId xmlns:a16="http://schemas.microsoft.com/office/drawing/2014/main" id="{159E5FD2-985E-7690-3E2A-435134F3B0FE}"/>
-              </a:ext>
-            </a:extLst>
-          </p:cNvPr>
-          <p:cNvPicPr>
-            <a:picLocks noChangeAspect="1"/>
-          </p:cNvPicPr>
-          <p:nvPr/>
-        </p:nvPicPr>
-        <p:blipFill>
-          <a:blip r:embed="rId3"/>
-          <a:stretch>
-            <a:fillRect/>
-          </a:stretch>
-        </p:blipFill>
-        <p:spPr>
-          <a:xfrm>
-            <a:off x="7205188" y="923852"/>
-            <a:ext cx="4915153" cy="2006703"/>
-          </a:xfrm>
-          <a:prstGeom prst="rect">
-            <a:avLst/>
-          </a:prstGeom>
-        </p:spPr>
-      </p:pic>
-    </p:spTree>
-    <p:extLst>
-      <p:ext uri="{BB962C8B-B14F-4D97-AF65-F5344CB8AC3E}">
-        <p14:creationId xmlns:p14="http://schemas.microsoft.com/office/powerpoint/2010/main" val="3790276932"/>
-      </p:ext>
-    </p:extLst>
-  </p:cSld>
-  <p:clrMapOvr>
-    <a:masterClrMapping/>
-  </p:clrMapOvr>
-</p:sld>
-</file>
-
-<file path=ppt/slides/slide57.xml><?xml version="1.0" encoding="utf-8"?>
-<p:sld xmlns:a="http://schemas.openxmlformats.org/drawingml/2006/main" xmlns:r="http://schemas.openxmlformats.org/officeDocument/2006/relationships" xmlns:p="http://schemas.openxmlformats.org/presentationml/2006/main">
-  <p:cSld>
-    <p:spTree>
-      <p:nvGrpSpPr>
-        <p:cNvPr id="1" name=""/>
-        <p:cNvGrpSpPr/>
-        <p:nvPr/>
-      </p:nvGrpSpPr>
-      <p:grpSpPr>
-        <a:xfrm>
-          <a:off x="0" y="0"/>
-          <a:ext cx="0" cy="0"/>
-          <a:chOff x="0" y="0"/>
-          <a:chExt cx="0" cy="0"/>
-        </a:xfrm>
-      </p:grpSpPr>
-      <p:pic>
-        <p:nvPicPr>
-          <p:cNvPr id="5" name="Picture 4">
-            <a:extLst>
-              <a:ext uri="{FF2B5EF4-FFF2-40B4-BE49-F238E27FC236}">
-                <a16:creationId xmlns:a16="http://schemas.microsoft.com/office/drawing/2014/main" id="{D89C5F76-DE95-EF62-4BC4-CD0A02BDAAB6}"/>
-              </a:ext>
-            </a:extLst>
-          </p:cNvPr>
-          <p:cNvPicPr>
-            <a:picLocks noChangeAspect="1"/>
-          </p:cNvPicPr>
-          <p:nvPr/>
-        </p:nvPicPr>
-        <p:blipFill>
-          <a:blip r:embed="rId2"/>
-          <a:stretch>
-            <a:fillRect/>
-          </a:stretch>
-        </p:blipFill>
-        <p:spPr>
-          <a:xfrm>
-            <a:off x="564587" y="761453"/>
-            <a:ext cx="4680191" cy="3264068"/>
-          </a:xfrm>
-          <a:prstGeom prst="rect">
-            <a:avLst/>
-          </a:prstGeom>
-        </p:spPr>
-      </p:pic>
-      <p:pic>
-        <p:nvPicPr>
-          <p:cNvPr id="7" name="Picture 6">
-            <a:extLst>
-              <a:ext uri="{FF2B5EF4-FFF2-40B4-BE49-F238E27FC236}">
-                <a16:creationId xmlns:a16="http://schemas.microsoft.com/office/drawing/2014/main" id="{FE67BB66-D68E-91FC-1442-E45607E8A920}"/>
-              </a:ext>
-            </a:extLst>
-          </p:cNvPr>
-          <p:cNvPicPr>
-            <a:picLocks noChangeAspect="1"/>
-          </p:cNvPicPr>
-          <p:nvPr/>
-        </p:nvPicPr>
-        <p:blipFill>
-          <a:blip r:embed="rId3"/>
-          <a:stretch>
-            <a:fillRect/>
-          </a:stretch>
-        </p:blipFill>
-        <p:spPr>
-          <a:xfrm>
-            <a:off x="6858335" y="889174"/>
-            <a:ext cx="2508379" cy="3892750"/>
-          </a:xfrm>
-          <a:prstGeom prst="rect">
-            <a:avLst/>
-          </a:prstGeom>
-        </p:spPr>
-      </p:pic>
-    </p:spTree>
-    <p:extLst>
-      <p:ext uri="{BB962C8B-B14F-4D97-AF65-F5344CB8AC3E}">
-        <p14:creationId xmlns:p14="http://schemas.microsoft.com/office/powerpoint/2010/main" val="1708038266"/>
-      </p:ext>
-    </p:extLst>
-  </p:cSld>
-  <p:clrMapOvr>
-    <a:masterClrMapping/>
-  </p:clrMapOvr>
-</p:sld>
-</file>
-
-<file path=ppt/slides/slide58.xml><?xml version="1.0" encoding="utf-8"?>
-<p:sld xmlns:a="http://schemas.openxmlformats.org/drawingml/2006/main" xmlns:r="http://schemas.openxmlformats.org/officeDocument/2006/relationships" xmlns:p="http://schemas.openxmlformats.org/presentationml/2006/main">
-  <p:cSld>
-    <p:spTree>
-      <p:nvGrpSpPr>
-        <p:cNvPr id="1" name=""/>
-        <p:cNvGrpSpPr/>
-        <p:nvPr/>
-      </p:nvGrpSpPr>
-      <p:grpSpPr>
-        <a:xfrm>
-          <a:off x="0" y="0"/>
-          <a:ext cx="0" cy="0"/>
-          <a:chOff x="0" y="0"/>
-          <a:chExt cx="0" cy="0"/>
-        </a:xfrm>
-      </p:grpSpPr>
-      <p:pic>
-        <p:nvPicPr>
-          <p:cNvPr id="5" name="Picture 4">
-            <a:extLst>
-              <a:ext uri="{FF2B5EF4-FFF2-40B4-BE49-F238E27FC236}">
-                <a16:creationId xmlns:a16="http://schemas.microsoft.com/office/drawing/2014/main" id="{BC909FB5-6F06-559F-6D56-11877CAEF8ED}"/>
-              </a:ext>
-            </a:extLst>
-          </p:cNvPr>
-          <p:cNvPicPr>
-            <a:picLocks noChangeAspect="1"/>
-          </p:cNvPicPr>
-          <p:nvPr/>
-        </p:nvPicPr>
-        <p:blipFill>
-          <a:blip r:embed="rId2"/>
-          <a:stretch>
-            <a:fillRect/>
-          </a:stretch>
-        </p:blipFill>
-        <p:spPr>
-          <a:xfrm>
-            <a:off x="645176" y="794450"/>
-            <a:ext cx="9036514" cy="3016405"/>
-          </a:xfrm>
-          <a:prstGeom prst="rect">
-            <a:avLst/>
-          </a:prstGeom>
-        </p:spPr>
-      </p:pic>
-    </p:spTree>
-    <p:extLst>
-      <p:ext uri="{BB962C8B-B14F-4D97-AF65-F5344CB8AC3E}">
-        <p14:creationId xmlns:p14="http://schemas.microsoft.com/office/powerpoint/2010/main" val="3243554057"/>
-      </p:ext>
-    </p:extLst>
-  </p:cSld>
-  <p:clrMapOvr>
-    <a:masterClrMapping/>
-  </p:clrMapOvr>
-</p:sld>
-</file>
-
-<file path=ppt/slides/slide59.xml><?xml version="1.0" encoding="utf-8"?>
+<file path=ppt/slides/slide60.xml><?xml version="1.0" encoding="utf-8"?>
 <p:sld xmlns:a="http://schemas.openxmlformats.org/drawingml/2006/main" xmlns:r="http://schemas.openxmlformats.org/officeDocument/2006/relationships" xmlns:p="http://schemas.openxmlformats.org/presentationml/2006/main">
   <p:cSld>
     <p:spTree>
@@ -11310,7 +12162,800 @@
 </p:sld>
 </file>
 
-<file path=ppt/slides/slide6.xml><?xml version="1.0" encoding="utf-8"?>
+<file path=ppt/slides/slide61.xml><?xml version="1.0" encoding="utf-8"?>
+<p:sld xmlns:a="http://schemas.openxmlformats.org/drawingml/2006/main" xmlns:r="http://schemas.openxmlformats.org/officeDocument/2006/relationships" xmlns:p="http://schemas.openxmlformats.org/presentationml/2006/main">
+  <p:cSld>
+    <p:spTree>
+      <p:nvGrpSpPr>
+        <p:cNvPr id="1" name=""/>
+        <p:cNvGrpSpPr/>
+        <p:nvPr/>
+      </p:nvGrpSpPr>
+      <p:grpSpPr>
+        <a:xfrm>
+          <a:off x="0" y="0"/>
+          <a:ext cx="0" cy="0"/>
+          <a:chOff x="0" y="0"/>
+          <a:chExt cx="0" cy="0"/>
+        </a:xfrm>
+      </p:grpSpPr>
+      <p:sp>
+        <p:nvSpPr>
+          <p:cNvPr id="2" name="Title 1">
+            <a:extLst>
+              <a:ext uri="{FF2B5EF4-FFF2-40B4-BE49-F238E27FC236}">
+                <a16:creationId xmlns:a16="http://schemas.microsoft.com/office/drawing/2014/main" id="{71DE5ED6-49D5-43EE-E52E-844BFD80D4AE}"/>
+              </a:ext>
+            </a:extLst>
+          </p:cNvPr>
+          <p:cNvSpPr>
+            <a:spLocks noGrp="1"/>
+          </p:cNvSpPr>
+          <p:nvPr>
+            <p:ph type="title"/>
+          </p:nvPr>
+        </p:nvSpPr>
+        <p:spPr>
+          <a:xfrm>
+            <a:off x="493644" y="0"/>
+            <a:ext cx="10515600" cy="993913"/>
+          </a:xfrm>
+        </p:spPr>
+        <p:txBody>
+          <a:bodyPr/>
+          <a:lstStyle/>
+          <a:p>
+            <a:r>
+              <a:rPr lang="en-GB" dirty="0"/>
+              <a:t>Create storage account</a:t>
+            </a:r>
+          </a:p>
+        </p:txBody>
+      </p:sp>
+      <p:pic>
+        <p:nvPicPr>
+          <p:cNvPr id="4" name="Picture 3">
+            <a:extLst>
+              <a:ext uri="{FF2B5EF4-FFF2-40B4-BE49-F238E27FC236}">
+                <a16:creationId xmlns:a16="http://schemas.microsoft.com/office/drawing/2014/main" id="{4AA5BF6B-C24C-1D45-3336-F3EA65CFDD5B}"/>
+              </a:ext>
+            </a:extLst>
+          </p:cNvPr>
+          <p:cNvPicPr>
+            <a:picLocks noChangeAspect="1"/>
+          </p:cNvPicPr>
+          <p:nvPr/>
+        </p:nvPicPr>
+        <p:blipFill>
+          <a:blip r:embed="rId2"/>
+          <a:stretch>
+            <a:fillRect/>
+          </a:stretch>
+        </p:blipFill>
+        <p:spPr>
+          <a:xfrm>
+            <a:off x="2948782" y="1139688"/>
+            <a:ext cx="5248404" cy="5718312"/>
+          </a:xfrm>
+          <a:prstGeom prst="rect">
+            <a:avLst/>
+          </a:prstGeom>
+        </p:spPr>
+      </p:pic>
+    </p:spTree>
+    <p:extLst>
+      <p:ext uri="{BB962C8B-B14F-4D97-AF65-F5344CB8AC3E}">
+        <p14:creationId xmlns:p14="http://schemas.microsoft.com/office/powerpoint/2010/main" val="2560816649"/>
+      </p:ext>
+    </p:extLst>
+  </p:cSld>
+  <p:clrMapOvr>
+    <a:masterClrMapping/>
+  </p:clrMapOvr>
+</p:sld>
+</file>
+
+<file path=ppt/slides/slide62.xml><?xml version="1.0" encoding="utf-8"?>
+<p:sld xmlns:a="http://schemas.openxmlformats.org/drawingml/2006/main" xmlns:r="http://schemas.openxmlformats.org/officeDocument/2006/relationships" xmlns:p="http://schemas.openxmlformats.org/presentationml/2006/main">
+  <p:cSld>
+    <p:spTree>
+      <p:nvGrpSpPr>
+        <p:cNvPr id="1" name=""/>
+        <p:cNvGrpSpPr/>
+        <p:nvPr/>
+      </p:nvGrpSpPr>
+      <p:grpSpPr>
+        <a:xfrm>
+          <a:off x="0" y="0"/>
+          <a:ext cx="0" cy="0"/>
+          <a:chOff x="0" y="0"/>
+          <a:chExt cx="0" cy="0"/>
+        </a:xfrm>
+      </p:grpSpPr>
+      <p:sp>
+        <p:nvSpPr>
+          <p:cNvPr id="2" name="Title 1">
+            <a:extLst>
+              <a:ext uri="{FF2B5EF4-FFF2-40B4-BE49-F238E27FC236}">
+                <a16:creationId xmlns:a16="http://schemas.microsoft.com/office/drawing/2014/main" id="{D98458D0-E1F0-10C1-6C5E-8B96093F9386}"/>
+              </a:ext>
+            </a:extLst>
+          </p:cNvPr>
+          <p:cNvSpPr>
+            <a:spLocks noGrp="1"/>
+          </p:cNvSpPr>
+          <p:nvPr>
+            <p:ph type="title"/>
+          </p:nvPr>
+        </p:nvSpPr>
+        <p:spPr/>
+        <p:txBody>
+          <a:bodyPr/>
+          <a:lstStyle/>
+          <a:p>
+            <a:r>
+              <a:rPr lang="en-GB" dirty="0"/>
+              <a:t>Create storage account</a:t>
+            </a:r>
+          </a:p>
+        </p:txBody>
+      </p:sp>
+      <p:pic>
+        <p:nvPicPr>
+          <p:cNvPr id="5" name="Content Placeholder 4">
+            <a:extLst>
+              <a:ext uri="{FF2B5EF4-FFF2-40B4-BE49-F238E27FC236}">
+                <a16:creationId xmlns:a16="http://schemas.microsoft.com/office/drawing/2014/main" id="{124BE7D9-AF93-EE5B-E2E6-9F33994C2CCD}"/>
+              </a:ext>
+            </a:extLst>
+          </p:cNvPr>
+          <p:cNvPicPr>
+            <a:picLocks noGrp="1" noChangeAspect="1"/>
+          </p:cNvPicPr>
+          <p:nvPr>
+            <p:ph idx="1"/>
+          </p:nvPr>
+        </p:nvPicPr>
+        <p:blipFill>
+          <a:blip r:embed="rId2"/>
+          <a:stretch>
+            <a:fillRect/>
+          </a:stretch>
+        </p:blipFill>
+        <p:spPr>
+          <a:xfrm>
+            <a:off x="4043010" y="1825625"/>
+            <a:ext cx="4105980" cy="4351338"/>
+          </a:xfrm>
+        </p:spPr>
+      </p:pic>
+    </p:spTree>
+    <p:extLst>
+      <p:ext uri="{BB962C8B-B14F-4D97-AF65-F5344CB8AC3E}">
+        <p14:creationId xmlns:p14="http://schemas.microsoft.com/office/powerpoint/2010/main" val="1089022972"/>
+      </p:ext>
+    </p:extLst>
+  </p:cSld>
+  <p:clrMapOvr>
+    <a:masterClrMapping/>
+  </p:clrMapOvr>
+</p:sld>
+</file>
+
+<file path=ppt/slides/slide63.xml><?xml version="1.0" encoding="utf-8"?>
+<p:sld xmlns:a="http://schemas.openxmlformats.org/drawingml/2006/main" xmlns:r="http://schemas.openxmlformats.org/officeDocument/2006/relationships" xmlns:p="http://schemas.openxmlformats.org/presentationml/2006/main">
+  <p:cSld>
+    <p:spTree>
+      <p:nvGrpSpPr>
+        <p:cNvPr id="1" name=""/>
+        <p:cNvGrpSpPr/>
+        <p:nvPr/>
+      </p:nvGrpSpPr>
+      <p:grpSpPr>
+        <a:xfrm>
+          <a:off x="0" y="0"/>
+          <a:ext cx="0" cy="0"/>
+          <a:chOff x="0" y="0"/>
+          <a:chExt cx="0" cy="0"/>
+        </a:xfrm>
+      </p:grpSpPr>
+      <p:sp>
+        <p:nvSpPr>
+          <p:cNvPr id="2" name="Title 1">
+            <a:extLst>
+              <a:ext uri="{FF2B5EF4-FFF2-40B4-BE49-F238E27FC236}">
+                <a16:creationId xmlns:a16="http://schemas.microsoft.com/office/drawing/2014/main" id="{A9855EB4-231A-B2BB-23D8-C79A11CF751E}"/>
+              </a:ext>
+            </a:extLst>
+          </p:cNvPr>
+          <p:cNvSpPr>
+            <a:spLocks noGrp="1"/>
+          </p:cNvSpPr>
+          <p:nvPr>
+            <p:ph type="title"/>
+          </p:nvPr>
+        </p:nvSpPr>
+        <p:spPr/>
+        <p:txBody>
+          <a:bodyPr/>
+          <a:lstStyle/>
+          <a:p>
+            <a:endParaRPr lang="en-GB"/>
+          </a:p>
+        </p:txBody>
+      </p:sp>
+      <p:pic>
+        <p:nvPicPr>
+          <p:cNvPr id="5" name="Picture 4">
+            <a:extLst>
+              <a:ext uri="{FF2B5EF4-FFF2-40B4-BE49-F238E27FC236}">
+                <a16:creationId xmlns:a16="http://schemas.microsoft.com/office/drawing/2014/main" id="{089D11D6-27A8-3832-4579-600DF8174797}"/>
+              </a:ext>
+            </a:extLst>
+          </p:cNvPr>
+          <p:cNvPicPr>
+            <a:picLocks noChangeAspect="1"/>
+          </p:cNvPicPr>
+          <p:nvPr/>
+        </p:nvPicPr>
+        <p:blipFill>
+          <a:blip r:embed="rId2"/>
+          <a:stretch>
+            <a:fillRect/>
+          </a:stretch>
+        </p:blipFill>
+        <p:spPr>
+          <a:xfrm>
+            <a:off x="838200" y="1341107"/>
+            <a:ext cx="4039164" cy="4734586"/>
+          </a:xfrm>
+          <a:prstGeom prst="rect">
+            <a:avLst/>
+          </a:prstGeom>
+        </p:spPr>
+      </p:pic>
+      <p:pic>
+        <p:nvPicPr>
+          <p:cNvPr id="7" name="Picture 6">
+            <a:extLst>
+              <a:ext uri="{FF2B5EF4-FFF2-40B4-BE49-F238E27FC236}">
+                <a16:creationId xmlns:a16="http://schemas.microsoft.com/office/drawing/2014/main" id="{E549190D-56FB-0FD9-281C-B653ECB693F8}"/>
+              </a:ext>
+            </a:extLst>
+          </p:cNvPr>
+          <p:cNvPicPr>
+            <a:picLocks noChangeAspect="1"/>
+          </p:cNvPicPr>
+          <p:nvPr/>
+        </p:nvPicPr>
+        <p:blipFill>
+          <a:blip r:embed="rId3"/>
+          <a:stretch>
+            <a:fillRect/>
+          </a:stretch>
+        </p:blipFill>
+        <p:spPr>
+          <a:xfrm>
+            <a:off x="5154318" y="1341107"/>
+            <a:ext cx="4220164" cy="2448267"/>
+          </a:xfrm>
+          <a:prstGeom prst="rect">
+            <a:avLst/>
+          </a:prstGeom>
+        </p:spPr>
+      </p:pic>
+    </p:spTree>
+    <p:extLst>
+      <p:ext uri="{BB962C8B-B14F-4D97-AF65-F5344CB8AC3E}">
+        <p14:creationId xmlns:p14="http://schemas.microsoft.com/office/powerpoint/2010/main" val="3413111184"/>
+      </p:ext>
+    </p:extLst>
+  </p:cSld>
+  <p:clrMapOvr>
+    <a:masterClrMapping/>
+  </p:clrMapOvr>
+</p:sld>
+</file>
+
+<file path=ppt/slides/slide64.xml><?xml version="1.0" encoding="utf-8"?>
+<p:sld xmlns:a="http://schemas.openxmlformats.org/drawingml/2006/main" xmlns:r="http://schemas.openxmlformats.org/officeDocument/2006/relationships" xmlns:p="http://schemas.openxmlformats.org/presentationml/2006/main">
+  <p:cSld>
+    <p:spTree>
+      <p:nvGrpSpPr>
+        <p:cNvPr id="1" name=""/>
+        <p:cNvGrpSpPr/>
+        <p:nvPr/>
+      </p:nvGrpSpPr>
+      <p:grpSpPr>
+        <a:xfrm>
+          <a:off x="0" y="0"/>
+          <a:ext cx="0" cy="0"/>
+          <a:chOff x="0" y="0"/>
+          <a:chExt cx="0" cy="0"/>
+        </a:xfrm>
+      </p:grpSpPr>
+      <p:sp>
+        <p:nvSpPr>
+          <p:cNvPr id="2" name="Title 1">
+            <a:extLst>
+              <a:ext uri="{FF2B5EF4-FFF2-40B4-BE49-F238E27FC236}">
+                <a16:creationId xmlns:a16="http://schemas.microsoft.com/office/drawing/2014/main" id="{4B8040E2-6B5A-FA8B-4D52-723252A920C1}"/>
+              </a:ext>
+            </a:extLst>
+          </p:cNvPr>
+          <p:cNvSpPr>
+            <a:spLocks noGrp="1"/>
+          </p:cNvSpPr>
+          <p:nvPr>
+            <p:ph type="title"/>
+          </p:nvPr>
+        </p:nvSpPr>
+        <p:spPr/>
+        <p:txBody>
+          <a:bodyPr/>
+          <a:lstStyle/>
+          <a:p>
+            <a:r>
+              <a:rPr lang="en-GB" dirty="0"/>
+              <a:t>Create Azure Data Factory (ADF)</a:t>
+            </a:r>
+          </a:p>
+        </p:txBody>
+      </p:sp>
+      <p:pic>
+        <p:nvPicPr>
+          <p:cNvPr id="7" name="Picture 6">
+            <a:extLst>
+              <a:ext uri="{FF2B5EF4-FFF2-40B4-BE49-F238E27FC236}">
+                <a16:creationId xmlns:a16="http://schemas.microsoft.com/office/drawing/2014/main" id="{16BAAA67-2AB1-6738-A98A-DB6F55F1E904}"/>
+              </a:ext>
+            </a:extLst>
+          </p:cNvPr>
+          <p:cNvPicPr>
+            <a:picLocks noChangeAspect="1"/>
+          </p:cNvPicPr>
+          <p:nvPr/>
+        </p:nvPicPr>
+        <p:blipFill>
+          <a:blip r:embed="rId2"/>
+          <a:stretch>
+            <a:fillRect/>
+          </a:stretch>
+        </p:blipFill>
+        <p:spPr>
+          <a:xfrm>
+            <a:off x="1567992" y="2066735"/>
+            <a:ext cx="6554115" cy="2724530"/>
+          </a:xfrm>
+          <a:prstGeom prst="rect">
+            <a:avLst/>
+          </a:prstGeom>
+        </p:spPr>
+      </p:pic>
+      <p:pic>
+        <p:nvPicPr>
+          <p:cNvPr id="9" name="Picture 8">
+            <a:extLst>
+              <a:ext uri="{FF2B5EF4-FFF2-40B4-BE49-F238E27FC236}">
+                <a16:creationId xmlns:a16="http://schemas.microsoft.com/office/drawing/2014/main" id="{E73A28CD-647B-8CCC-361C-593CEC1732D5}"/>
+              </a:ext>
+            </a:extLst>
+          </p:cNvPr>
+          <p:cNvPicPr>
+            <a:picLocks noChangeAspect="1"/>
+          </p:cNvPicPr>
+          <p:nvPr/>
+        </p:nvPicPr>
+        <p:blipFill>
+          <a:blip r:embed="rId3"/>
+          <a:stretch>
+            <a:fillRect/>
+          </a:stretch>
+        </p:blipFill>
+        <p:spPr>
+          <a:xfrm>
+            <a:off x="4466997" y="2219156"/>
+            <a:ext cx="3258005" cy="2419688"/>
+          </a:xfrm>
+          <a:prstGeom prst="rect">
+            <a:avLst/>
+          </a:prstGeom>
+        </p:spPr>
+      </p:pic>
+    </p:spTree>
+    <p:extLst>
+      <p:ext uri="{BB962C8B-B14F-4D97-AF65-F5344CB8AC3E}">
+        <p14:creationId xmlns:p14="http://schemas.microsoft.com/office/powerpoint/2010/main" val="2761438542"/>
+      </p:ext>
+    </p:extLst>
+  </p:cSld>
+  <p:clrMapOvr>
+    <a:masterClrMapping/>
+  </p:clrMapOvr>
+</p:sld>
+</file>
+
+<file path=ppt/slides/slide65.xml><?xml version="1.0" encoding="utf-8"?>
+<p:sld xmlns:a="http://schemas.openxmlformats.org/drawingml/2006/main" xmlns:r="http://schemas.openxmlformats.org/officeDocument/2006/relationships" xmlns:p="http://schemas.openxmlformats.org/presentationml/2006/main">
+  <p:cSld>
+    <p:spTree>
+      <p:nvGrpSpPr>
+        <p:cNvPr id="1" name=""/>
+        <p:cNvGrpSpPr/>
+        <p:nvPr/>
+      </p:nvGrpSpPr>
+      <p:grpSpPr>
+        <a:xfrm>
+          <a:off x="0" y="0"/>
+          <a:ext cx="0" cy="0"/>
+          <a:chOff x="0" y="0"/>
+          <a:chExt cx="0" cy="0"/>
+        </a:xfrm>
+      </p:grpSpPr>
+      <p:sp>
+        <p:nvSpPr>
+          <p:cNvPr id="2" name="Title 1">
+            <a:extLst>
+              <a:ext uri="{FF2B5EF4-FFF2-40B4-BE49-F238E27FC236}">
+                <a16:creationId xmlns:a16="http://schemas.microsoft.com/office/drawing/2014/main" id="{4B8040E2-6B5A-FA8B-4D52-723252A920C1}"/>
+              </a:ext>
+            </a:extLst>
+          </p:cNvPr>
+          <p:cNvSpPr>
+            <a:spLocks noGrp="1"/>
+          </p:cNvSpPr>
+          <p:nvPr>
+            <p:ph type="title"/>
+          </p:nvPr>
+        </p:nvSpPr>
+        <p:spPr/>
+        <p:txBody>
+          <a:bodyPr/>
+          <a:lstStyle/>
+          <a:p>
+            <a:r>
+              <a:rPr lang="en-GB" dirty="0"/>
+              <a:t>Create Azure Data Factory (ADF)</a:t>
+            </a:r>
+          </a:p>
+        </p:txBody>
+      </p:sp>
+      <p:pic>
+        <p:nvPicPr>
+          <p:cNvPr id="9" name="Picture 8">
+            <a:extLst>
+              <a:ext uri="{FF2B5EF4-FFF2-40B4-BE49-F238E27FC236}">
+                <a16:creationId xmlns:a16="http://schemas.microsoft.com/office/drawing/2014/main" id="{E73A28CD-647B-8CCC-361C-593CEC1732D5}"/>
+              </a:ext>
+            </a:extLst>
+          </p:cNvPr>
+          <p:cNvPicPr>
+            <a:picLocks noChangeAspect="1"/>
+          </p:cNvPicPr>
+          <p:nvPr/>
+        </p:nvPicPr>
+        <p:blipFill>
+          <a:blip r:embed="rId2"/>
+          <a:stretch>
+            <a:fillRect/>
+          </a:stretch>
+        </p:blipFill>
+        <p:spPr>
+          <a:xfrm>
+            <a:off x="2301647" y="2219156"/>
+            <a:ext cx="3258005" cy="2419688"/>
+          </a:xfrm>
+          <a:prstGeom prst="rect">
+            <a:avLst/>
+          </a:prstGeom>
+        </p:spPr>
+      </p:pic>
+    </p:spTree>
+    <p:extLst>
+      <p:ext uri="{BB962C8B-B14F-4D97-AF65-F5344CB8AC3E}">
+        <p14:creationId xmlns:p14="http://schemas.microsoft.com/office/powerpoint/2010/main" val="444765943"/>
+      </p:ext>
+    </p:extLst>
+  </p:cSld>
+  <p:clrMapOvr>
+    <a:masterClrMapping/>
+  </p:clrMapOvr>
+</p:sld>
+</file>
+
+<file path=ppt/slides/slide66.xml><?xml version="1.0" encoding="utf-8"?>
+<p:sld xmlns:a="http://schemas.openxmlformats.org/drawingml/2006/main" xmlns:r="http://schemas.openxmlformats.org/officeDocument/2006/relationships" xmlns:p="http://schemas.openxmlformats.org/presentationml/2006/main">
+  <p:cSld>
+    <p:spTree>
+      <p:nvGrpSpPr>
+        <p:cNvPr id="1" name=""/>
+        <p:cNvGrpSpPr/>
+        <p:nvPr/>
+      </p:nvGrpSpPr>
+      <p:grpSpPr>
+        <a:xfrm>
+          <a:off x="0" y="0"/>
+          <a:ext cx="0" cy="0"/>
+          <a:chOff x="0" y="0"/>
+          <a:chExt cx="0" cy="0"/>
+        </a:xfrm>
+      </p:grpSpPr>
+      <p:sp>
+        <p:nvSpPr>
+          <p:cNvPr id="2" name="Title 1">
+            <a:extLst>
+              <a:ext uri="{FF2B5EF4-FFF2-40B4-BE49-F238E27FC236}">
+                <a16:creationId xmlns:a16="http://schemas.microsoft.com/office/drawing/2014/main" id="{4B8040E2-6B5A-FA8B-4D52-723252A920C1}"/>
+              </a:ext>
+            </a:extLst>
+          </p:cNvPr>
+          <p:cNvSpPr>
+            <a:spLocks noGrp="1"/>
+          </p:cNvSpPr>
+          <p:nvPr>
+            <p:ph type="title"/>
+          </p:nvPr>
+        </p:nvSpPr>
+        <p:spPr/>
+        <p:txBody>
+          <a:bodyPr/>
+          <a:lstStyle/>
+          <a:p>
+            <a:r>
+              <a:rPr lang="en-GB" dirty="0"/>
+              <a:t>Create Azure Data Factory (ADF)</a:t>
+            </a:r>
+          </a:p>
+        </p:txBody>
+      </p:sp>
+      <p:pic>
+        <p:nvPicPr>
+          <p:cNvPr id="6" name="Picture 5">
+            <a:extLst>
+              <a:ext uri="{FF2B5EF4-FFF2-40B4-BE49-F238E27FC236}">
+                <a16:creationId xmlns:a16="http://schemas.microsoft.com/office/drawing/2014/main" id="{A3EE72BE-7E6D-0EB3-68E3-15226B7C0E10}"/>
+              </a:ext>
+            </a:extLst>
+          </p:cNvPr>
+          <p:cNvPicPr>
+            <a:picLocks noChangeAspect="1"/>
+          </p:cNvPicPr>
+          <p:nvPr/>
+        </p:nvPicPr>
+        <p:blipFill>
+          <a:blip r:embed="rId2"/>
+          <a:stretch>
+            <a:fillRect/>
+          </a:stretch>
+        </p:blipFill>
+        <p:spPr>
+          <a:xfrm>
+            <a:off x="2330450" y="1241679"/>
+            <a:ext cx="5939310" cy="5103964"/>
+          </a:xfrm>
+          <a:prstGeom prst="rect">
+            <a:avLst/>
+          </a:prstGeom>
+        </p:spPr>
+      </p:pic>
+    </p:spTree>
+    <p:extLst>
+      <p:ext uri="{BB962C8B-B14F-4D97-AF65-F5344CB8AC3E}">
+        <p14:creationId xmlns:p14="http://schemas.microsoft.com/office/powerpoint/2010/main" val="120758956"/>
+      </p:ext>
+    </p:extLst>
+  </p:cSld>
+  <p:clrMapOvr>
+    <a:masterClrMapping/>
+  </p:clrMapOvr>
+</p:sld>
+</file>
+
+<file path=ppt/slides/slide67.xml><?xml version="1.0" encoding="utf-8"?>
+<p:sld xmlns:a="http://schemas.openxmlformats.org/drawingml/2006/main" xmlns:r="http://schemas.openxmlformats.org/officeDocument/2006/relationships" xmlns:p="http://schemas.openxmlformats.org/presentationml/2006/main">
+  <p:cSld>
+    <p:spTree>
+      <p:nvGrpSpPr>
+        <p:cNvPr id="1" name=""/>
+        <p:cNvGrpSpPr/>
+        <p:nvPr/>
+      </p:nvGrpSpPr>
+      <p:grpSpPr>
+        <a:xfrm>
+          <a:off x="0" y="0"/>
+          <a:ext cx="0" cy="0"/>
+          <a:chOff x="0" y="0"/>
+          <a:chExt cx="0" cy="0"/>
+        </a:xfrm>
+      </p:grpSpPr>
+      <p:sp>
+        <p:nvSpPr>
+          <p:cNvPr id="2" name="Title 1">
+            <a:extLst>
+              <a:ext uri="{FF2B5EF4-FFF2-40B4-BE49-F238E27FC236}">
+                <a16:creationId xmlns:a16="http://schemas.microsoft.com/office/drawing/2014/main" id="{767D3F27-60C0-A37F-763F-F30EC96BFF76}"/>
+              </a:ext>
+            </a:extLst>
+          </p:cNvPr>
+          <p:cNvSpPr>
+            <a:spLocks noGrp="1"/>
+          </p:cNvSpPr>
+          <p:nvPr>
+            <p:ph type="title"/>
+          </p:nvPr>
+        </p:nvSpPr>
+        <p:spPr>
+          <a:xfrm>
+            <a:off x="838200" y="365126"/>
+            <a:ext cx="10101470" cy="1092614"/>
+          </a:xfrm>
+        </p:spPr>
+        <p:txBody>
+          <a:bodyPr/>
+          <a:lstStyle/>
+          <a:p>
+            <a:endParaRPr lang="en-GB" dirty="0"/>
+          </a:p>
+        </p:txBody>
+      </p:sp>
+      <p:pic>
+        <p:nvPicPr>
+          <p:cNvPr id="7" name="Picture 6">
+            <a:extLst>
+              <a:ext uri="{FF2B5EF4-FFF2-40B4-BE49-F238E27FC236}">
+                <a16:creationId xmlns:a16="http://schemas.microsoft.com/office/drawing/2014/main" id="{63363270-92B1-CA00-235B-6F5FBFBB4DA7}"/>
+              </a:ext>
+            </a:extLst>
+          </p:cNvPr>
+          <p:cNvPicPr>
+            <a:picLocks noChangeAspect="1"/>
+          </p:cNvPicPr>
+          <p:nvPr/>
+        </p:nvPicPr>
+        <p:blipFill>
+          <a:blip r:embed="rId2"/>
+          <a:stretch>
+            <a:fillRect/>
+          </a:stretch>
+        </p:blipFill>
+        <p:spPr>
+          <a:xfrm>
+            <a:off x="838200" y="1603639"/>
+            <a:ext cx="6207345" cy="5108588"/>
+          </a:xfrm>
+          <a:prstGeom prst="rect">
+            <a:avLst/>
+          </a:prstGeom>
+        </p:spPr>
+      </p:pic>
+    </p:spTree>
+    <p:extLst>
+      <p:ext uri="{BB962C8B-B14F-4D97-AF65-F5344CB8AC3E}">
+        <p14:creationId xmlns:p14="http://schemas.microsoft.com/office/powerpoint/2010/main" val="12475657"/>
+      </p:ext>
+    </p:extLst>
+  </p:cSld>
+  <p:clrMapOvr>
+    <a:masterClrMapping/>
+  </p:clrMapOvr>
+</p:sld>
+</file>
+
+<file path=ppt/slides/slide68.xml><?xml version="1.0" encoding="utf-8"?>
+<p:sld xmlns:a="http://schemas.openxmlformats.org/drawingml/2006/main" xmlns:r="http://schemas.openxmlformats.org/officeDocument/2006/relationships" xmlns:p="http://schemas.openxmlformats.org/presentationml/2006/main">
+  <p:cSld>
+    <p:spTree>
+      <p:nvGrpSpPr>
+        <p:cNvPr id="1" name=""/>
+        <p:cNvGrpSpPr/>
+        <p:nvPr/>
+      </p:nvGrpSpPr>
+      <p:grpSpPr>
+        <a:xfrm>
+          <a:off x="0" y="0"/>
+          <a:ext cx="0" cy="0"/>
+          <a:chOff x="0" y="0"/>
+          <a:chExt cx="0" cy="0"/>
+        </a:xfrm>
+      </p:grpSpPr>
+    </p:spTree>
+    <p:extLst>
+      <p:ext uri="{BB962C8B-B14F-4D97-AF65-F5344CB8AC3E}">
+        <p14:creationId xmlns:p14="http://schemas.microsoft.com/office/powerpoint/2010/main" val="226605963"/>
+      </p:ext>
+    </p:extLst>
+  </p:cSld>
+  <p:clrMapOvr>
+    <a:masterClrMapping/>
+  </p:clrMapOvr>
+</p:sld>
+</file>
+
+<file path=ppt/slides/slide69.xml><?xml version="1.0" encoding="utf-8"?>
+<p:sld xmlns:a="http://schemas.openxmlformats.org/drawingml/2006/main" xmlns:r="http://schemas.openxmlformats.org/officeDocument/2006/relationships" xmlns:p="http://schemas.openxmlformats.org/presentationml/2006/main">
+  <p:cSld>
+    <p:spTree>
+      <p:nvGrpSpPr>
+        <p:cNvPr id="1" name=""/>
+        <p:cNvGrpSpPr/>
+        <p:nvPr/>
+      </p:nvGrpSpPr>
+      <p:grpSpPr>
+        <a:xfrm>
+          <a:off x="0" y="0"/>
+          <a:ext cx="0" cy="0"/>
+          <a:chOff x="0" y="0"/>
+          <a:chExt cx="0" cy="0"/>
+        </a:xfrm>
+      </p:grpSpPr>
+      <p:sp>
+        <p:nvSpPr>
+          <p:cNvPr id="2" name="Title 1">
+            <a:extLst>
+              <a:ext uri="{FF2B5EF4-FFF2-40B4-BE49-F238E27FC236}">
+                <a16:creationId xmlns:a16="http://schemas.microsoft.com/office/drawing/2014/main" id="{2EA7A9B8-5D1F-EEF7-133A-D74F7FD68BA6}"/>
+              </a:ext>
+            </a:extLst>
+          </p:cNvPr>
+          <p:cNvSpPr>
+            <a:spLocks noGrp="1"/>
+          </p:cNvSpPr>
+          <p:nvPr>
+            <p:ph type="title"/>
+          </p:nvPr>
+        </p:nvSpPr>
+        <p:spPr/>
+        <p:txBody>
+          <a:bodyPr/>
+          <a:lstStyle/>
+          <a:p>
+            <a:r>
+              <a:rPr lang="en-GB" dirty="0" err="1"/>
+              <a:t>PySpark</a:t>
+            </a:r>
+            <a:endParaRPr lang="en-GB" dirty="0"/>
+          </a:p>
+        </p:txBody>
+      </p:sp>
+      <p:sp>
+        <p:nvSpPr>
+          <p:cNvPr id="3" name="Content Placeholder 2">
+            <a:extLst>
+              <a:ext uri="{FF2B5EF4-FFF2-40B4-BE49-F238E27FC236}">
+                <a16:creationId xmlns:a16="http://schemas.microsoft.com/office/drawing/2014/main" id="{C40C2E14-BFE4-C9DF-C194-89994D9EB591}"/>
+              </a:ext>
+            </a:extLst>
+          </p:cNvPr>
+          <p:cNvSpPr>
+            <a:spLocks noGrp="1"/>
+          </p:cNvSpPr>
+          <p:nvPr>
+            <p:ph idx="1"/>
+          </p:nvPr>
+        </p:nvSpPr>
+        <p:spPr/>
+        <p:txBody>
+          <a:bodyPr/>
+          <a:lstStyle/>
+          <a:p>
+            <a:endParaRPr lang="en-GB" dirty="0"/>
+          </a:p>
+        </p:txBody>
+      </p:sp>
+    </p:spTree>
+    <p:extLst>
+      <p:ext uri="{BB962C8B-B14F-4D97-AF65-F5344CB8AC3E}">
+        <p14:creationId xmlns:p14="http://schemas.microsoft.com/office/powerpoint/2010/main" val="317081444"/>
+      </p:ext>
+    </p:extLst>
+  </p:cSld>
+  <p:clrMapOvr>
+    <a:masterClrMapping/>
+  </p:clrMapOvr>
+</p:sld>
+</file>
+
+<file path=ppt/slides/slide7.xml><?xml version="1.0" encoding="utf-8"?>
 <p:sld xmlns:a="http://schemas.openxmlformats.org/drawingml/2006/main" xmlns:r="http://schemas.openxmlformats.org/officeDocument/2006/relationships" xmlns:p="http://schemas.openxmlformats.org/presentationml/2006/main">
   <p:cSld>
     <p:spTree>
@@ -11398,939 +13043,6 @@
 </p:sld>
 </file>
 
-<file path=ppt/slides/slide60.xml><?xml version="1.0" encoding="utf-8"?>
-<p:sld xmlns:a="http://schemas.openxmlformats.org/drawingml/2006/main" xmlns:r="http://schemas.openxmlformats.org/officeDocument/2006/relationships" xmlns:p="http://schemas.openxmlformats.org/presentationml/2006/main">
-  <p:cSld>
-    <p:spTree>
-      <p:nvGrpSpPr>
-        <p:cNvPr id="1" name=""/>
-        <p:cNvGrpSpPr/>
-        <p:nvPr/>
-      </p:nvGrpSpPr>
-      <p:grpSpPr>
-        <a:xfrm>
-          <a:off x="0" y="0"/>
-          <a:ext cx="0" cy="0"/>
-          <a:chOff x="0" y="0"/>
-          <a:chExt cx="0" cy="0"/>
-        </a:xfrm>
-      </p:grpSpPr>
-      <p:sp>
-        <p:nvSpPr>
-          <p:cNvPr id="2" name="Title 1">
-            <a:extLst>
-              <a:ext uri="{FF2B5EF4-FFF2-40B4-BE49-F238E27FC236}">
-                <a16:creationId xmlns:a16="http://schemas.microsoft.com/office/drawing/2014/main" id="{71DE5ED6-49D5-43EE-E52E-844BFD80D4AE}"/>
-              </a:ext>
-            </a:extLst>
-          </p:cNvPr>
-          <p:cNvSpPr>
-            <a:spLocks noGrp="1"/>
-          </p:cNvSpPr>
-          <p:nvPr>
-            <p:ph type="title"/>
-          </p:nvPr>
-        </p:nvSpPr>
-        <p:spPr>
-          <a:xfrm>
-            <a:off x="493644" y="0"/>
-            <a:ext cx="10515600" cy="993913"/>
-          </a:xfrm>
-        </p:spPr>
-        <p:txBody>
-          <a:bodyPr/>
-          <a:lstStyle/>
-          <a:p>
-            <a:r>
-              <a:rPr lang="en-GB" dirty="0"/>
-              <a:t>Create storage account</a:t>
-            </a:r>
-          </a:p>
-        </p:txBody>
-      </p:sp>
-      <p:pic>
-        <p:nvPicPr>
-          <p:cNvPr id="4" name="Picture 3">
-            <a:extLst>
-              <a:ext uri="{FF2B5EF4-FFF2-40B4-BE49-F238E27FC236}">
-                <a16:creationId xmlns:a16="http://schemas.microsoft.com/office/drawing/2014/main" id="{4AA5BF6B-C24C-1D45-3336-F3EA65CFDD5B}"/>
-              </a:ext>
-            </a:extLst>
-          </p:cNvPr>
-          <p:cNvPicPr>
-            <a:picLocks noChangeAspect="1"/>
-          </p:cNvPicPr>
-          <p:nvPr/>
-        </p:nvPicPr>
-        <p:blipFill>
-          <a:blip r:embed="rId2"/>
-          <a:stretch>
-            <a:fillRect/>
-          </a:stretch>
-        </p:blipFill>
-        <p:spPr>
-          <a:xfrm>
-            <a:off x="2948782" y="1139688"/>
-            <a:ext cx="5248404" cy="5718312"/>
-          </a:xfrm>
-          <a:prstGeom prst="rect">
-            <a:avLst/>
-          </a:prstGeom>
-        </p:spPr>
-      </p:pic>
-    </p:spTree>
-    <p:extLst>
-      <p:ext uri="{BB962C8B-B14F-4D97-AF65-F5344CB8AC3E}">
-        <p14:creationId xmlns:p14="http://schemas.microsoft.com/office/powerpoint/2010/main" val="2560816649"/>
-      </p:ext>
-    </p:extLst>
-  </p:cSld>
-  <p:clrMapOvr>
-    <a:masterClrMapping/>
-  </p:clrMapOvr>
-</p:sld>
-</file>
-
-<file path=ppt/slides/slide61.xml><?xml version="1.0" encoding="utf-8"?>
-<p:sld xmlns:a="http://schemas.openxmlformats.org/drawingml/2006/main" xmlns:r="http://schemas.openxmlformats.org/officeDocument/2006/relationships" xmlns:p="http://schemas.openxmlformats.org/presentationml/2006/main">
-  <p:cSld>
-    <p:spTree>
-      <p:nvGrpSpPr>
-        <p:cNvPr id="1" name=""/>
-        <p:cNvGrpSpPr/>
-        <p:nvPr/>
-      </p:nvGrpSpPr>
-      <p:grpSpPr>
-        <a:xfrm>
-          <a:off x="0" y="0"/>
-          <a:ext cx="0" cy="0"/>
-          <a:chOff x="0" y="0"/>
-          <a:chExt cx="0" cy="0"/>
-        </a:xfrm>
-      </p:grpSpPr>
-      <p:sp>
-        <p:nvSpPr>
-          <p:cNvPr id="2" name="Title 1">
-            <a:extLst>
-              <a:ext uri="{FF2B5EF4-FFF2-40B4-BE49-F238E27FC236}">
-                <a16:creationId xmlns:a16="http://schemas.microsoft.com/office/drawing/2014/main" id="{D98458D0-E1F0-10C1-6C5E-8B96093F9386}"/>
-              </a:ext>
-            </a:extLst>
-          </p:cNvPr>
-          <p:cNvSpPr>
-            <a:spLocks noGrp="1"/>
-          </p:cNvSpPr>
-          <p:nvPr>
-            <p:ph type="title"/>
-          </p:nvPr>
-        </p:nvSpPr>
-        <p:spPr/>
-        <p:txBody>
-          <a:bodyPr/>
-          <a:lstStyle/>
-          <a:p>
-            <a:r>
-              <a:rPr lang="en-GB" dirty="0"/>
-              <a:t>Create storage account</a:t>
-            </a:r>
-          </a:p>
-        </p:txBody>
-      </p:sp>
-      <p:pic>
-        <p:nvPicPr>
-          <p:cNvPr id="5" name="Content Placeholder 4">
-            <a:extLst>
-              <a:ext uri="{FF2B5EF4-FFF2-40B4-BE49-F238E27FC236}">
-                <a16:creationId xmlns:a16="http://schemas.microsoft.com/office/drawing/2014/main" id="{124BE7D9-AF93-EE5B-E2E6-9F33994C2CCD}"/>
-              </a:ext>
-            </a:extLst>
-          </p:cNvPr>
-          <p:cNvPicPr>
-            <a:picLocks noGrp="1" noChangeAspect="1"/>
-          </p:cNvPicPr>
-          <p:nvPr>
-            <p:ph idx="1"/>
-          </p:nvPr>
-        </p:nvPicPr>
-        <p:blipFill>
-          <a:blip r:embed="rId2"/>
-          <a:stretch>
-            <a:fillRect/>
-          </a:stretch>
-        </p:blipFill>
-        <p:spPr>
-          <a:xfrm>
-            <a:off x="4043010" y="1825625"/>
-            <a:ext cx="4105980" cy="4351338"/>
-          </a:xfrm>
-        </p:spPr>
-      </p:pic>
-    </p:spTree>
-    <p:extLst>
-      <p:ext uri="{BB962C8B-B14F-4D97-AF65-F5344CB8AC3E}">
-        <p14:creationId xmlns:p14="http://schemas.microsoft.com/office/powerpoint/2010/main" val="1089022972"/>
-      </p:ext>
-    </p:extLst>
-  </p:cSld>
-  <p:clrMapOvr>
-    <a:masterClrMapping/>
-  </p:clrMapOvr>
-</p:sld>
-</file>
-
-<file path=ppt/slides/slide62.xml><?xml version="1.0" encoding="utf-8"?>
-<p:sld xmlns:a="http://schemas.openxmlformats.org/drawingml/2006/main" xmlns:r="http://schemas.openxmlformats.org/officeDocument/2006/relationships" xmlns:p="http://schemas.openxmlformats.org/presentationml/2006/main">
-  <p:cSld>
-    <p:spTree>
-      <p:nvGrpSpPr>
-        <p:cNvPr id="1" name=""/>
-        <p:cNvGrpSpPr/>
-        <p:nvPr/>
-      </p:nvGrpSpPr>
-      <p:grpSpPr>
-        <a:xfrm>
-          <a:off x="0" y="0"/>
-          <a:ext cx="0" cy="0"/>
-          <a:chOff x="0" y="0"/>
-          <a:chExt cx="0" cy="0"/>
-        </a:xfrm>
-      </p:grpSpPr>
-      <p:sp>
-        <p:nvSpPr>
-          <p:cNvPr id="2" name="Title 1">
-            <a:extLst>
-              <a:ext uri="{FF2B5EF4-FFF2-40B4-BE49-F238E27FC236}">
-                <a16:creationId xmlns:a16="http://schemas.microsoft.com/office/drawing/2014/main" id="{A9855EB4-231A-B2BB-23D8-C79A11CF751E}"/>
-              </a:ext>
-            </a:extLst>
-          </p:cNvPr>
-          <p:cNvSpPr>
-            <a:spLocks noGrp="1"/>
-          </p:cNvSpPr>
-          <p:nvPr>
-            <p:ph type="title"/>
-          </p:nvPr>
-        </p:nvSpPr>
-        <p:spPr/>
-        <p:txBody>
-          <a:bodyPr/>
-          <a:lstStyle/>
-          <a:p>
-            <a:endParaRPr lang="en-GB"/>
-          </a:p>
-        </p:txBody>
-      </p:sp>
-      <p:pic>
-        <p:nvPicPr>
-          <p:cNvPr id="5" name="Picture 4">
-            <a:extLst>
-              <a:ext uri="{FF2B5EF4-FFF2-40B4-BE49-F238E27FC236}">
-                <a16:creationId xmlns:a16="http://schemas.microsoft.com/office/drawing/2014/main" id="{089D11D6-27A8-3832-4579-600DF8174797}"/>
-              </a:ext>
-            </a:extLst>
-          </p:cNvPr>
-          <p:cNvPicPr>
-            <a:picLocks noChangeAspect="1"/>
-          </p:cNvPicPr>
-          <p:nvPr/>
-        </p:nvPicPr>
-        <p:blipFill>
-          <a:blip r:embed="rId2"/>
-          <a:stretch>
-            <a:fillRect/>
-          </a:stretch>
-        </p:blipFill>
-        <p:spPr>
-          <a:xfrm>
-            <a:off x="838200" y="1341107"/>
-            <a:ext cx="4039164" cy="4734586"/>
-          </a:xfrm>
-          <a:prstGeom prst="rect">
-            <a:avLst/>
-          </a:prstGeom>
-        </p:spPr>
-      </p:pic>
-      <p:pic>
-        <p:nvPicPr>
-          <p:cNvPr id="7" name="Picture 6">
-            <a:extLst>
-              <a:ext uri="{FF2B5EF4-FFF2-40B4-BE49-F238E27FC236}">
-                <a16:creationId xmlns:a16="http://schemas.microsoft.com/office/drawing/2014/main" id="{E549190D-56FB-0FD9-281C-B653ECB693F8}"/>
-              </a:ext>
-            </a:extLst>
-          </p:cNvPr>
-          <p:cNvPicPr>
-            <a:picLocks noChangeAspect="1"/>
-          </p:cNvPicPr>
-          <p:nvPr/>
-        </p:nvPicPr>
-        <p:blipFill>
-          <a:blip r:embed="rId3"/>
-          <a:stretch>
-            <a:fillRect/>
-          </a:stretch>
-        </p:blipFill>
-        <p:spPr>
-          <a:xfrm>
-            <a:off x="5154318" y="1341107"/>
-            <a:ext cx="4220164" cy="2448267"/>
-          </a:xfrm>
-          <a:prstGeom prst="rect">
-            <a:avLst/>
-          </a:prstGeom>
-        </p:spPr>
-      </p:pic>
-    </p:spTree>
-    <p:extLst>
-      <p:ext uri="{BB962C8B-B14F-4D97-AF65-F5344CB8AC3E}">
-        <p14:creationId xmlns:p14="http://schemas.microsoft.com/office/powerpoint/2010/main" val="3413111184"/>
-      </p:ext>
-    </p:extLst>
-  </p:cSld>
-  <p:clrMapOvr>
-    <a:masterClrMapping/>
-  </p:clrMapOvr>
-</p:sld>
-</file>
-
-<file path=ppt/slides/slide63.xml><?xml version="1.0" encoding="utf-8"?>
-<p:sld xmlns:a="http://schemas.openxmlformats.org/drawingml/2006/main" xmlns:r="http://schemas.openxmlformats.org/officeDocument/2006/relationships" xmlns:p="http://schemas.openxmlformats.org/presentationml/2006/main">
-  <p:cSld>
-    <p:spTree>
-      <p:nvGrpSpPr>
-        <p:cNvPr id="1" name=""/>
-        <p:cNvGrpSpPr/>
-        <p:nvPr/>
-      </p:nvGrpSpPr>
-      <p:grpSpPr>
-        <a:xfrm>
-          <a:off x="0" y="0"/>
-          <a:ext cx="0" cy="0"/>
-          <a:chOff x="0" y="0"/>
-          <a:chExt cx="0" cy="0"/>
-        </a:xfrm>
-      </p:grpSpPr>
-      <p:sp>
-        <p:nvSpPr>
-          <p:cNvPr id="2" name="Title 1">
-            <a:extLst>
-              <a:ext uri="{FF2B5EF4-FFF2-40B4-BE49-F238E27FC236}">
-                <a16:creationId xmlns:a16="http://schemas.microsoft.com/office/drawing/2014/main" id="{4B8040E2-6B5A-FA8B-4D52-723252A920C1}"/>
-              </a:ext>
-            </a:extLst>
-          </p:cNvPr>
-          <p:cNvSpPr>
-            <a:spLocks noGrp="1"/>
-          </p:cNvSpPr>
-          <p:nvPr>
-            <p:ph type="title"/>
-          </p:nvPr>
-        </p:nvSpPr>
-        <p:spPr/>
-        <p:txBody>
-          <a:bodyPr/>
-          <a:lstStyle/>
-          <a:p>
-            <a:r>
-              <a:rPr lang="en-GB" dirty="0"/>
-              <a:t>Create Azure Data Factory (ADF)</a:t>
-            </a:r>
-          </a:p>
-        </p:txBody>
-      </p:sp>
-      <p:pic>
-        <p:nvPicPr>
-          <p:cNvPr id="7" name="Picture 6">
-            <a:extLst>
-              <a:ext uri="{FF2B5EF4-FFF2-40B4-BE49-F238E27FC236}">
-                <a16:creationId xmlns:a16="http://schemas.microsoft.com/office/drawing/2014/main" id="{16BAAA67-2AB1-6738-A98A-DB6F55F1E904}"/>
-              </a:ext>
-            </a:extLst>
-          </p:cNvPr>
-          <p:cNvPicPr>
-            <a:picLocks noChangeAspect="1"/>
-          </p:cNvPicPr>
-          <p:nvPr/>
-        </p:nvPicPr>
-        <p:blipFill>
-          <a:blip r:embed="rId2"/>
-          <a:stretch>
-            <a:fillRect/>
-          </a:stretch>
-        </p:blipFill>
-        <p:spPr>
-          <a:xfrm>
-            <a:off x="1567992" y="2066735"/>
-            <a:ext cx="6554115" cy="2724530"/>
-          </a:xfrm>
-          <a:prstGeom prst="rect">
-            <a:avLst/>
-          </a:prstGeom>
-        </p:spPr>
-      </p:pic>
-      <p:pic>
-        <p:nvPicPr>
-          <p:cNvPr id="9" name="Picture 8">
-            <a:extLst>
-              <a:ext uri="{FF2B5EF4-FFF2-40B4-BE49-F238E27FC236}">
-                <a16:creationId xmlns:a16="http://schemas.microsoft.com/office/drawing/2014/main" id="{E73A28CD-647B-8CCC-361C-593CEC1732D5}"/>
-              </a:ext>
-            </a:extLst>
-          </p:cNvPr>
-          <p:cNvPicPr>
-            <a:picLocks noChangeAspect="1"/>
-          </p:cNvPicPr>
-          <p:nvPr/>
-        </p:nvPicPr>
-        <p:blipFill>
-          <a:blip r:embed="rId3"/>
-          <a:stretch>
-            <a:fillRect/>
-          </a:stretch>
-        </p:blipFill>
-        <p:spPr>
-          <a:xfrm>
-            <a:off x="4466997" y="2219156"/>
-            <a:ext cx="3258005" cy="2419688"/>
-          </a:xfrm>
-          <a:prstGeom prst="rect">
-            <a:avLst/>
-          </a:prstGeom>
-        </p:spPr>
-      </p:pic>
-    </p:spTree>
-    <p:extLst>
-      <p:ext uri="{BB962C8B-B14F-4D97-AF65-F5344CB8AC3E}">
-        <p14:creationId xmlns:p14="http://schemas.microsoft.com/office/powerpoint/2010/main" val="2761438542"/>
-      </p:ext>
-    </p:extLst>
-  </p:cSld>
-  <p:clrMapOvr>
-    <a:masterClrMapping/>
-  </p:clrMapOvr>
-</p:sld>
-</file>
-
-<file path=ppt/slides/slide64.xml><?xml version="1.0" encoding="utf-8"?>
-<p:sld xmlns:a="http://schemas.openxmlformats.org/drawingml/2006/main" xmlns:r="http://schemas.openxmlformats.org/officeDocument/2006/relationships" xmlns:p="http://schemas.openxmlformats.org/presentationml/2006/main">
-  <p:cSld>
-    <p:spTree>
-      <p:nvGrpSpPr>
-        <p:cNvPr id="1" name=""/>
-        <p:cNvGrpSpPr/>
-        <p:nvPr/>
-      </p:nvGrpSpPr>
-      <p:grpSpPr>
-        <a:xfrm>
-          <a:off x="0" y="0"/>
-          <a:ext cx="0" cy="0"/>
-          <a:chOff x="0" y="0"/>
-          <a:chExt cx="0" cy="0"/>
-        </a:xfrm>
-      </p:grpSpPr>
-      <p:sp>
-        <p:nvSpPr>
-          <p:cNvPr id="2" name="Title 1">
-            <a:extLst>
-              <a:ext uri="{FF2B5EF4-FFF2-40B4-BE49-F238E27FC236}">
-                <a16:creationId xmlns:a16="http://schemas.microsoft.com/office/drawing/2014/main" id="{4B8040E2-6B5A-FA8B-4D52-723252A920C1}"/>
-              </a:ext>
-            </a:extLst>
-          </p:cNvPr>
-          <p:cNvSpPr>
-            <a:spLocks noGrp="1"/>
-          </p:cNvSpPr>
-          <p:nvPr>
-            <p:ph type="title"/>
-          </p:nvPr>
-        </p:nvSpPr>
-        <p:spPr/>
-        <p:txBody>
-          <a:bodyPr/>
-          <a:lstStyle/>
-          <a:p>
-            <a:r>
-              <a:rPr lang="en-GB" dirty="0"/>
-              <a:t>Create Azure Data Factory (ADF)</a:t>
-            </a:r>
-          </a:p>
-        </p:txBody>
-      </p:sp>
-      <p:pic>
-        <p:nvPicPr>
-          <p:cNvPr id="9" name="Picture 8">
-            <a:extLst>
-              <a:ext uri="{FF2B5EF4-FFF2-40B4-BE49-F238E27FC236}">
-                <a16:creationId xmlns:a16="http://schemas.microsoft.com/office/drawing/2014/main" id="{E73A28CD-647B-8CCC-361C-593CEC1732D5}"/>
-              </a:ext>
-            </a:extLst>
-          </p:cNvPr>
-          <p:cNvPicPr>
-            <a:picLocks noChangeAspect="1"/>
-          </p:cNvPicPr>
-          <p:nvPr/>
-        </p:nvPicPr>
-        <p:blipFill>
-          <a:blip r:embed="rId2"/>
-          <a:stretch>
-            <a:fillRect/>
-          </a:stretch>
-        </p:blipFill>
-        <p:spPr>
-          <a:xfrm>
-            <a:off x="2301647" y="2219156"/>
-            <a:ext cx="3258005" cy="2419688"/>
-          </a:xfrm>
-          <a:prstGeom prst="rect">
-            <a:avLst/>
-          </a:prstGeom>
-        </p:spPr>
-      </p:pic>
-    </p:spTree>
-    <p:extLst>
-      <p:ext uri="{BB962C8B-B14F-4D97-AF65-F5344CB8AC3E}">
-        <p14:creationId xmlns:p14="http://schemas.microsoft.com/office/powerpoint/2010/main" val="444765943"/>
-      </p:ext>
-    </p:extLst>
-  </p:cSld>
-  <p:clrMapOvr>
-    <a:masterClrMapping/>
-  </p:clrMapOvr>
-</p:sld>
-</file>
-
-<file path=ppt/slides/slide65.xml><?xml version="1.0" encoding="utf-8"?>
-<p:sld xmlns:a="http://schemas.openxmlformats.org/drawingml/2006/main" xmlns:r="http://schemas.openxmlformats.org/officeDocument/2006/relationships" xmlns:p="http://schemas.openxmlformats.org/presentationml/2006/main">
-  <p:cSld>
-    <p:spTree>
-      <p:nvGrpSpPr>
-        <p:cNvPr id="1" name=""/>
-        <p:cNvGrpSpPr/>
-        <p:nvPr/>
-      </p:nvGrpSpPr>
-      <p:grpSpPr>
-        <a:xfrm>
-          <a:off x="0" y="0"/>
-          <a:ext cx="0" cy="0"/>
-          <a:chOff x="0" y="0"/>
-          <a:chExt cx="0" cy="0"/>
-        </a:xfrm>
-      </p:grpSpPr>
-      <p:sp>
-        <p:nvSpPr>
-          <p:cNvPr id="2" name="Title 1">
-            <a:extLst>
-              <a:ext uri="{FF2B5EF4-FFF2-40B4-BE49-F238E27FC236}">
-                <a16:creationId xmlns:a16="http://schemas.microsoft.com/office/drawing/2014/main" id="{4B8040E2-6B5A-FA8B-4D52-723252A920C1}"/>
-              </a:ext>
-            </a:extLst>
-          </p:cNvPr>
-          <p:cNvSpPr>
-            <a:spLocks noGrp="1"/>
-          </p:cNvSpPr>
-          <p:nvPr>
-            <p:ph type="title"/>
-          </p:nvPr>
-        </p:nvSpPr>
-        <p:spPr/>
-        <p:txBody>
-          <a:bodyPr/>
-          <a:lstStyle/>
-          <a:p>
-            <a:r>
-              <a:rPr lang="en-GB" dirty="0"/>
-              <a:t>Create Azure Data Factory (ADF)</a:t>
-            </a:r>
-          </a:p>
-        </p:txBody>
-      </p:sp>
-      <p:pic>
-        <p:nvPicPr>
-          <p:cNvPr id="6" name="Picture 5">
-            <a:extLst>
-              <a:ext uri="{FF2B5EF4-FFF2-40B4-BE49-F238E27FC236}">
-                <a16:creationId xmlns:a16="http://schemas.microsoft.com/office/drawing/2014/main" id="{A3EE72BE-7E6D-0EB3-68E3-15226B7C0E10}"/>
-              </a:ext>
-            </a:extLst>
-          </p:cNvPr>
-          <p:cNvPicPr>
-            <a:picLocks noChangeAspect="1"/>
-          </p:cNvPicPr>
-          <p:nvPr/>
-        </p:nvPicPr>
-        <p:blipFill>
-          <a:blip r:embed="rId2"/>
-          <a:stretch>
-            <a:fillRect/>
-          </a:stretch>
-        </p:blipFill>
-        <p:spPr>
-          <a:xfrm>
-            <a:off x="2330450" y="1241679"/>
-            <a:ext cx="5939310" cy="5103964"/>
-          </a:xfrm>
-          <a:prstGeom prst="rect">
-            <a:avLst/>
-          </a:prstGeom>
-        </p:spPr>
-      </p:pic>
-    </p:spTree>
-    <p:extLst>
-      <p:ext uri="{BB962C8B-B14F-4D97-AF65-F5344CB8AC3E}">
-        <p14:creationId xmlns:p14="http://schemas.microsoft.com/office/powerpoint/2010/main" val="120758956"/>
-      </p:ext>
-    </p:extLst>
-  </p:cSld>
-  <p:clrMapOvr>
-    <a:masterClrMapping/>
-  </p:clrMapOvr>
-</p:sld>
-</file>
-
-<file path=ppt/slides/slide66.xml><?xml version="1.0" encoding="utf-8"?>
-<p:sld xmlns:a="http://schemas.openxmlformats.org/drawingml/2006/main" xmlns:r="http://schemas.openxmlformats.org/officeDocument/2006/relationships" xmlns:p="http://schemas.openxmlformats.org/presentationml/2006/main">
-  <p:cSld>
-    <p:spTree>
-      <p:nvGrpSpPr>
-        <p:cNvPr id="1" name=""/>
-        <p:cNvGrpSpPr/>
-        <p:nvPr/>
-      </p:nvGrpSpPr>
-      <p:grpSpPr>
-        <a:xfrm>
-          <a:off x="0" y="0"/>
-          <a:ext cx="0" cy="0"/>
-          <a:chOff x="0" y="0"/>
-          <a:chExt cx="0" cy="0"/>
-        </a:xfrm>
-      </p:grpSpPr>
-      <p:sp>
-        <p:nvSpPr>
-          <p:cNvPr id="2" name="Title 1">
-            <a:extLst>
-              <a:ext uri="{FF2B5EF4-FFF2-40B4-BE49-F238E27FC236}">
-                <a16:creationId xmlns:a16="http://schemas.microsoft.com/office/drawing/2014/main" id="{767D3F27-60C0-A37F-763F-F30EC96BFF76}"/>
-              </a:ext>
-            </a:extLst>
-          </p:cNvPr>
-          <p:cNvSpPr>
-            <a:spLocks noGrp="1"/>
-          </p:cNvSpPr>
-          <p:nvPr>
-            <p:ph type="title"/>
-          </p:nvPr>
-        </p:nvSpPr>
-        <p:spPr>
-          <a:xfrm>
-            <a:off x="838200" y="365126"/>
-            <a:ext cx="10101470" cy="1092614"/>
-          </a:xfrm>
-        </p:spPr>
-        <p:txBody>
-          <a:bodyPr/>
-          <a:lstStyle/>
-          <a:p>
-            <a:endParaRPr lang="en-GB" dirty="0"/>
-          </a:p>
-        </p:txBody>
-      </p:sp>
-      <p:pic>
-        <p:nvPicPr>
-          <p:cNvPr id="7" name="Picture 6">
-            <a:extLst>
-              <a:ext uri="{FF2B5EF4-FFF2-40B4-BE49-F238E27FC236}">
-                <a16:creationId xmlns:a16="http://schemas.microsoft.com/office/drawing/2014/main" id="{63363270-92B1-CA00-235B-6F5FBFBB4DA7}"/>
-              </a:ext>
-            </a:extLst>
-          </p:cNvPr>
-          <p:cNvPicPr>
-            <a:picLocks noChangeAspect="1"/>
-          </p:cNvPicPr>
-          <p:nvPr/>
-        </p:nvPicPr>
-        <p:blipFill>
-          <a:blip r:embed="rId2"/>
-          <a:stretch>
-            <a:fillRect/>
-          </a:stretch>
-        </p:blipFill>
-        <p:spPr>
-          <a:xfrm>
-            <a:off x="838200" y="1603639"/>
-            <a:ext cx="6207345" cy="5108588"/>
-          </a:xfrm>
-          <a:prstGeom prst="rect">
-            <a:avLst/>
-          </a:prstGeom>
-        </p:spPr>
-      </p:pic>
-    </p:spTree>
-    <p:extLst>
-      <p:ext uri="{BB962C8B-B14F-4D97-AF65-F5344CB8AC3E}">
-        <p14:creationId xmlns:p14="http://schemas.microsoft.com/office/powerpoint/2010/main" val="12475657"/>
-      </p:ext>
-    </p:extLst>
-  </p:cSld>
-  <p:clrMapOvr>
-    <a:masterClrMapping/>
-  </p:clrMapOvr>
-</p:sld>
-</file>
-
-<file path=ppt/slides/slide67.xml><?xml version="1.0" encoding="utf-8"?>
-<p:sld xmlns:a="http://schemas.openxmlformats.org/drawingml/2006/main" xmlns:r="http://schemas.openxmlformats.org/officeDocument/2006/relationships" xmlns:p="http://schemas.openxmlformats.org/presentationml/2006/main">
-  <p:cSld>
-    <p:spTree>
-      <p:nvGrpSpPr>
-        <p:cNvPr id="1" name=""/>
-        <p:cNvGrpSpPr/>
-        <p:nvPr/>
-      </p:nvGrpSpPr>
-      <p:grpSpPr>
-        <a:xfrm>
-          <a:off x="0" y="0"/>
-          <a:ext cx="0" cy="0"/>
-          <a:chOff x="0" y="0"/>
-          <a:chExt cx="0" cy="0"/>
-        </a:xfrm>
-      </p:grpSpPr>
-    </p:spTree>
-    <p:extLst>
-      <p:ext uri="{BB962C8B-B14F-4D97-AF65-F5344CB8AC3E}">
-        <p14:creationId xmlns:p14="http://schemas.microsoft.com/office/powerpoint/2010/main" val="226605963"/>
-      </p:ext>
-    </p:extLst>
-  </p:cSld>
-  <p:clrMapOvr>
-    <a:masterClrMapping/>
-  </p:clrMapOvr>
-</p:sld>
-</file>
-
-<file path=ppt/slides/slide68.xml><?xml version="1.0" encoding="utf-8"?>
-<p:sld xmlns:a="http://schemas.openxmlformats.org/drawingml/2006/main" xmlns:r="http://schemas.openxmlformats.org/officeDocument/2006/relationships" xmlns:p="http://schemas.openxmlformats.org/presentationml/2006/main">
-  <p:cSld>
-    <p:spTree>
-      <p:nvGrpSpPr>
-        <p:cNvPr id="1" name=""/>
-        <p:cNvGrpSpPr/>
-        <p:nvPr/>
-      </p:nvGrpSpPr>
-      <p:grpSpPr>
-        <a:xfrm>
-          <a:off x="0" y="0"/>
-          <a:ext cx="0" cy="0"/>
-          <a:chOff x="0" y="0"/>
-          <a:chExt cx="0" cy="0"/>
-        </a:xfrm>
-      </p:grpSpPr>
-      <p:sp>
-        <p:nvSpPr>
-          <p:cNvPr id="2" name="Title 1">
-            <a:extLst>
-              <a:ext uri="{FF2B5EF4-FFF2-40B4-BE49-F238E27FC236}">
-                <a16:creationId xmlns:a16="http://schemas.microsoft.com/office/drawing/2014/main" id="{2EA7A9B8-5D1F-EEF7-133A-D74F7FD68BA6}"/>
-              </a:ext>
-            </a:extLst>
-          </p:cNvPr>
-          <p:cNvSpPr>
-            <a:spLocks noGrp="1"/>
-          </p:cNvSpPr>
-          <p:nvPr>
-            <p:ph type="title"/>
-          </p:nvPr>
-        </p:nvSpPr>
-        <p:spPr/>
-        <p:txBody>
-          <a:bodyPr/>
-          <a:lstStyle/>
-          <a:p>
-            <a:r>
-              <a:rPr lang="en-GB" dirty="0" err="1"/>
-              <a:t>PySpark</a:t>
-            </a:r>
-            <a:endParaRPr lang="en-GB" dirty="0"/>
-          </a:p>
-        </p:txBody>
-      </p:sp>
-      <p:sp>
-        <p:nvSpPr>
-          <p:cNvPr id="3" name="Content Placeholder 2">
-            <a:extLst>
-              <a:ext uri="{FF2B5EF4-FFF2-40B4-BE49-F238E27FC236}">
-                <a16:creationId xmlns:a16="http://schemas.microsoft.com/office/drawing/2014/main" id="{C40C2E14-BFE4-C9DF-C194-89994D9EB591}"/>
-              </a:ext>
-            </a:extLst>
-          </p:cNvPr>
-          <p:cNvSpPr>
-            <a:spLocks noGrp="1"/>
-          </p:cNvSpPr>
-          <p:nvPr>
-            <p:ph idx="1"/>
-          </p:nvPr>
-        </p:nvSpPr>
-        <p:spPr/>
-        <p:txBody>
-          <a:bodyPr/>
-          <a:lstStyle/>
-          <a:p>
-            <a:endParaRPr lang="en-GB" dirty="0"/>
-          </a:p>
-        </p:txBody>
-      </p:sp>
-    </p:spTree>
-    <p:extLst>
-      <p:ext uri="{BB962C8B-B14F-4D97-AF65-F5344CB8AC3E}">
-        <p14:creationId xmlns:p14="http://schemas.microsoft.com/office/powerpoint/2010/main" val="317081444"/>
-      </p:ext>
-    </p:extLst>
-  </p:cSld>
-  <p:clrMapOvr>
-    <a:masterClrMapping/>
-  </p:clrMapOvr>
-</p:sld>
-</file>
-
-<file path=ppt/slides/slide7.xml><?xml version="1.0" encoding="utf-8"?>
-<p:sld xmlns:a="http://schemas.openxmlformats.org/drawingml/2006/main" xmlns:r="http://schemas.openxmlformats.org/officeDocument/2006/relationships" xmlns:p="http://schemas.openxmlformats.org/presentationml/2006/main">
-  <p:cSld>
-    <p:spTree>
-      <p:nvGrpSpPr>
-        <p:cNvPr id="1" name=""/>
-        <p:cNvGrpSpPr/>
-        <p:nvPr/>
-      </p:nvGrpSpPr>
-      <p:grpSpPr>
-        <a:xfrm>
-          <a:off x="0" y="0"/>
-          <a:ext cx="0" cy="0"/>
-          <a:chOff x="0" y="0"/>
-          <a:chExt cx="0" cy="0"/>
-        </a:xfrm>
-      </p:grpSpPr>
-      <p:sp>
-        <p:nvSpPr>
-          <p:cNvPr id="2" name="Title 1">
-            <a:extLst>
-              <a:ext uri="{FF2B5EF4-FFF2-40B4-BE49-F238E27FC236}">
-                <a16:creationId xmlns:a16="http://schemas.microsoft.com/office/drawing/2014/main" id="{838AC0F5-5B6B-B939-FA3C-B663E317E445}"/>
-              </a:ext>
-            </a:extLst>
-          </p:cNvPr>
-          <p:cNvSpPr>
-            <a:spLocks noGrp="1"/>
-          </p:cNvSpPr>
-          <p:nvPr>
-            <p:ph type="title"/>
-          </p:nvPr>
-        </p:nvSpPr>
-        <p:spPr/>
-        <p:txBody>
-          <a:bodyPr/>
-          <a:lstStyle/>
-          <a:p>
-            <a:br>
-              <a:rPr lang="en-GB" dirty="0"/>
-            </a:br>
-            <a:r>
-              <a:rPr lang="en-GB" dirty="0"/>
-              <a:t>Azure CLI</a:t>
-            </a:r>
-          </a:p>
-        </p:txBody>
-      </p:sp>
-      <p:sp>
-        <p:nvSpPr>
-          <p:cNvPr id="3" name="Content Placeholder 2">
-            <a:extLst>
-              <a:ext uri="{FF2B5EF4-FFF2-40B4-BE49-F238E27FC236}">
-                <a16:creationId xmlns:a16="http://schemas.microsoft.com/office/drawing/2014/main" id="{F8A13E07-A759-E54C-79C1-64A09C31C106}"/>
-              </a:ext>
-            </a:extLst>
-          </p:cNvPr>
-          <p:cNvSpPr>
-            <a:spLocks noGrp="1"/>
-          </p:cNvSpPr>
-          <p:nvPr>
-            <p:ph idx="1"/>
-          </p:nvPr>
-        </p:nvSpPr>
-        <p:spPr/>
-        <p:txBody>
-          <a:bodyPr/>
-          <a:lstStyle/>
-          <a:p>
-            <a:r>
-              <a:rPr lang="en-GB" dirty="0"/>
-              <a:t>Install by following links from: </a:t>
-            </a:r>
-            <a:r>
-              <a:rPr lang="en-GB" dirty="0">
-                <a:hlinkClick r:id="rId2"/>
-              </a:rPr>
-              <a:t>https://learn.microsoft.com/en-us/cli/azure/install-azure-cli</a:t>
-            </a:r>
-            <a:endParaRPr lang="en-GB" dirty="0"/>
-          </a:p>
-          <a:p>
-            <a:r>
-              <a:rPr lang="en-GB" dirty="0"/>
-              <a:t>For </a:t>
-            </a:r>
-            <a:r>
-              <a:rPr lang="en-GB" dirty="0" err="1"/>
-              <a:t>VSCode</a:t>
-            </a:r>
-            <a:r>
-              <a:rPr lang="en-GB" dirty="0"/>
-              <a:t>:</a:t>
-            </a:r>
-          </a:p>
-          <a:p>
-            <a:pPr lvl="1"/>
-            <a:r>
-              <a:rPr lang="en-GB" dirty="0"/>
-              <a:t>Azure CLI Tools</a:t>
-            </a:r>
-          </a:p>
-          <a:p>
-            <a:pPr lvl="1"/>
-            <a:r>
-              <a:rPr lang="en-GB" dirty="0"/>
-              <a:t>Azure Developer CLI</a:t>
-            </a:r>
-          </a:p>
-          <a:p>
-            <a:r>
-              <a:rPr lang="en-GB" dirty="0"/>
-              <a:t>CLI will require extensions for some commands</a:t>
-            </a:r>
-          </a:p>
-          <a:p>
-            <a:pPr lvl="1"/>
-            <a:r>
-              <a:rPr lang="en-GB" dirty="0"/>
-              <a:t>Automatically downloaded</a:t>
-            </a:r>
-          </a:p>
-          <a:p>
-            <a:endParaRPr lang="en-GB" dirty="0"/>
-          </a:p>
-        </p:txBody>
-      </p:sp>
-    </p:spTree>
-    <p:extLst>
-      <p:ext uri="{BB962C8B-B14F-4D97-AF65-F5344CB8AC3E}">
-        <p14:creationId xmlns:p14="http://schemas.microsoft.com/office/powerpoint/2010/main" val="2113534899"/>
-      </p:ext>
-    </p:extLst>
-  </p:cSld>
-  <p:clrMapOvr>
-    <a:masterClrMapping/>
-  </p:clrMapOvr>
-</p:sld>
-</file>
-
 <file path=ppt/slides/slide8.xml><?xml version="1.0" encoding="utf-8"?>
 <p:sld xmlns:a="http://schemas.openxmlformats.org/drawingml/2006/main" xmlns:r="http://schemas.openxmlformats.org/officeDocument/2006/relationships" xmlns:p="http://schemas.openxmlformats.org/presentationml/2006/main">
   <p:cSld>
@@ -12374,15 +13086,94 @@
             </a:br>
             <a:r>
               <a:rPr lang="en-GB" dirty="0"/>
-              <a:t>Azure CLI Demo</a:t>
-            </a:r>
+              <a:t>Azure CLI</a:t>
+            </a:r>
+          </a:p>
+        </p:txBody>
+      </p:sp>
+      <p:sp>
+        <p:nvSpPr>
+          <p:cNvPr id="3" name="Content Placeholder 2">
+            <a:extLst>
+              <a:ext uri="{FF2B5EF4-FFF2-40B4-BE49-F238E27FC236}">
+                <a16:creationId xmlns:a16="http://schemas.microsoft.com/office/drawing/2014/main" id="{F8A13E07-A759-E54C-79C1-64A09C31C106}"/>
+              </a:ext>
+            </a:extLst>
+          </p:cNvPr>
+          <p:cNvSpPr>
+            <a:spLocks noGrp="1"/>
+          </p:cNvSpPr>
+          <p:nvPr>
+            <p:ph idx="1"/>
+          </p:nvPr>
+        </p:nvSpPr>
+        <p:spPr/>
+        <p:txBody>
+          <a:bodyPr/>
+          <a:lstStyle/>
+          <a:p>
+            <a:r>
+              <a:rPr lang="en-GB" dirty="0"/>
+              <a:t>Install by following links from: </a:t>
+            </a:r>
+            <a:r>
+              <a:rPr lang="en-GB" dirty="0">
+                <a:hlinkClick r:id="rId2"/>
+              </a:rPr>
+              <a:t>https://learn.microsoft.com/en-us/cli/azure/install-azure-cli</a:t>
+            </a:r>
+            <a:endParaRPr lang="en-GB" dirty="0"/>
+          </a:p>
+          <a:p>
+            <a:r>
+              <a:rPr lang="en-GB" dirty="0"/>
+              <a:t>For </a:t>
+            </a:r>
+            <a:r>
+              <a:rPr lang="en-GB" dirty="0" err="1"/>
+              <a:t>VSCode</a:t>
+            </a:r>
+            <a:r>
+              <a:rPr lang="en-GB" dirty="0"/>
+              <a:t>:</a:t>
+            </a:r>
+          </a:p>
+          <a:p>
+            <a:pPr lvl="1"/>
+            <a:r>
+              <a:rPr lang="en-GB" dirty="0"/>
+              <a:t>Azure CLI Tools</a:t>
+            </a:r>
+          </a:p>
+          <a:p>
+            <a:pPr lvl="1"/>
+            <a:r>
+              <a:rPr lang="en-GB" dirty="0"/>
+              <a:t>Azure Developer CLI</a:t>
+            </a:r>
+          </a:p>
+          <a:p>
+            <a:r>
+              <a:rPr lang="en-GB" dirty="0"/>
+              <a:t>CLI will require extensions for some commands</a:t>
+            </a:r>
+          </a:p>
+          <a:p>
+            <a:pPr lvl="1"/>
+            <a:r>
+              <a:rPr lang="en-GB" dirty="0"/>
+              <a:t>Automatically downloaded</a:t>
+            </a:r>
+          </a:p>
+          <a:p>
+            <a:endParaRPr lang="en-GB" dirty="0"/>
           </a:p>
         </p:txBody>
       </p:sp>
     </p:spTree>
     <p:extLst>
       <p:ext uri="{BB962C8B-B14F-4D97-AF65-F5344CB8AC3E}">
-        <p14:creationId xmlns:p14="http://schemas.microsoft.com/office/powerpoint/2010/main" val="439281930"/>
+        <p14:creationId xmlns:p14="http://schemas.microsoft.com/office/powerpoint/2010/main" val="2113534899"/>
       </p:ext>
     </p:extLst>
   </p:cSld>
@@ -12414,7 +13205,7 @@
           <p:cNvPr id="2" name="Title 1">
             <a:extLst>
               <a:ext uri="{FF2B5EF4-FFF2-40B4-BE49-F238E27FC236}">
-                <a16:creationId xmlns:a16="http://schemas.microsoft.com/office/drawing/2014/main" id="{71DE5ED6-49D5-43EE-E52E-844BFD80D4AE}"/>
+                <a16:creationId xmlns:a16="http://schemas.microsoft.com/office/drawing/2014/main" id="{838AC0F5-5B6B-B939-FA3C-B663E317E445}"/>
               </a:ext>
             </a:extLst>
           </p:cNvPr>
@@ -12430,67 +13221,12 @@
           <a:bodyPr/>
           <a:lstStyle/>
           <a:p>
-            <a:r>
+            <a:br>
               <a:rPr lang="en-GB" dirty="0"/>
-              <a:t>Create storage account</a:t>
-            </a:r>
-          </a:p>
-        </p:txBody>
-      </p:sp>
-      <p:sp>
-        <p:nvSpPr>
-          <p:cNvPr id="3" name="Content Placeholder 2">
-            <a:extLst>
-              <a:ext uri="{FF2B5EF4-FFF2-40B4-BE49-F238E27FC236}">
-                <a16:creationId xmlns:a16="http://schemas.microsoft.com/office/drawing/2014/main" id="{0813FB62-FE46-CC92-2C0B-3D25E2B93615}"/>
-              </a:ext>
-            </a:extLst>
-          </p:cNvPr>
-          <p:cNvSpPr>
-            <a:spLocks noGrp="1"/>
-          </p:cNvSpPr>
-          <p:nvPr>
-            <p:ph idx="1"/>
-          </p:nvPr>
-        </p:nvSpPr>
-        <p:spPr/>
-        <p:txBody>
-          <a:bodyPr/>
-          <a:lstStyle/>
-          <a:p>
+            </a:br>
             <a:r>
               <a:rPr lang="en-GB" dirty="0"/>
-              <a:t>Create in same region as RG</a:t>
-            </a:r>
-          </a:p>
-          <a:p>
-            <a:r>
-              <a:rPr lang="en-GB" dirty="0"/>
-              <a:t>Primary service is ADLS Gen 2</a:t>
-            </a:r>
-          </a:p>
-          <a:p>
-            <a:r>
-              <a:rPr lang="en-GB" dirty="0"/>
-              <a:t>Primary workload Big Data Analytics</a:t>
-            </a:r>
-          </a:p>
-          <a:p>
-            <a:r>
-              <a:rPr lang="en-GB" dirty="0"/>
-              <a:t>Performance: Standard</a:t>
-            </a:r>
-          </a:p>
-          <a:p>
-            <a:r>
-              <a:rPr lang="en-GB" dirty="0"/>
-              <a:t>Redundancy: LRS</a:t>
-            </a:r>
-          </a:p>
-          <a:p>
-            <a:r>
-              <a:rPr lang="en-GB" dirty="0"/>
-              <a:t>Add container &gt; RAW directory</a:t>
+              <a:t>Azure CLI Demo</a:t>
             </a:r>
           </a:p>
         </p:txBody>
@@ -12498,7 +13234,7 @@
     </p:spTree>
     <p:extLst>
       <p:ext uri="{BB962C8B-B14F-4D97-AF65-F5344CB8AC3E}">
-        <p14:creationId xmlns:p14="http://schemas.microsoft.com/office/powerpoint/2010/main" val="3539444653"/>
+        <p14:creationId xmlns:p14="http://schemas.microsoft.com/office/powerpoint/2010/main" val="439281930"/>
       </p:ext>
     </p:extLst>
   </p:cSld>

--- a/Data Engineering Using Free Tools/Learn Data Engineering For Free.pptx
+++ b/Data Engineering Using Free Tools/Learn Data Engineering For Free.pptx
@@ -5,60 +5,60 @@
     <p:sldMasterId id="2147483648" r:id="rId1"/>
   </p:sldMasterIdLst>
   <p:notesMasterIdLst>
-    <p:notesMasterId r:id="rId71"/>
+    <p:notesMasterId r:id="rId73"/>
   </p:notesMasterIdLst>
   <p:sldIdLst>
     <p:sldId id="256" r:id="rId2"/>
     <p:sldId id="2147478973" r:id="rId3"/>
     <p:sldId id="325" r:id="rId4"/>
-    <p:sldId id="308" r:id="rId5"/>
+    <p:sldId id="2147478974" r:id="rId5"/>
     <p:sldId id="268" r:id="rId6"/>
     <p:sldId id="265" r:id="rId7"/>
     <p:sldId id="264" r:id="rId8"/>
-    <p:sldId id="306" r:id="rId9"/>
-    <p:sldId id="310" r:id="rId10"/>
-    <p:sldId id="261" r:id="rId11"/>
-    <p:sldId id="307" r:id="rId12"/>
-    <p:sldId id="258" r:id="rId13"/>
-    <p:sldId id="292" r:id="rId14"/>
-    <p:sldId id="262" r:id="rId15"/>
-    <p:sldId id="309" r:id="rId16"/>
-    <p:sldId id="275" r:id="rId17"/>
-    <p:sldId id="276" r:id="rId18"/>
-    <p:sldId id="263" r:id="rId19"/>
-    <p:sldId id="259" r:id="rId20"/>
-    <p:sldId id="313" r:id="rId21"/>
-    <p:sldId id="277" r:id="rId22"/>
-    <p:sldId id="278" r:id="rId23"/>
-    <p:sldId id="284" r:id="rId24"/>
-    <p:sldId id="285" r:id="rId25"/>
-    <p:sldId id="290" r:id="rId26"/>
-    <p:sldId id="291" r:id="rId27"/>
-    <p:sldId id="312" r:id="rId28"/>
-    <p:sldId id="280" r:id="rId29"/>
-    <p:sldId id="281" r:id="rId30"/>
-    <p:sldId id="283" r:id="rId31"/>
-    <p:sldId id="289" r:id="rId32"/>
-    <p:sldId id="294" r:id="rId33"/>
-    <p:sldId id="286" r:id="rId34"/>
-    <p:sldId id="287" r:id="rId35"/>
-    <p:sldId id="296" r:id="rId36"/>
-    <p:sldId id="288" r:id="rId37"/>
-    <p:sldId id="295" r:id="rId38"/>
-    <p:sldId id="297" r:id="rId39"/>
-    <p:sldId id="298" r:id="rId40"/>
-    <p:sldId id="299" r:id="rId41"/>
-    <p:sldId id="300" r:id="rId42"/>
-    <p:sldId id="257" r:id="rId43"/>
-    <p:sldId id="317" r:id="rId44"/>
-    <p:sldId id="324" r:id="rId45"/>
-    <p:sldId id="314" r:id="rId46"/>
-    <p:sldId id="315" r:id="rId47"/>
-    <p:sldId id="318" r:id="rId48"/>
-    <p:sldId id="326" r:id="rId49"/>
-    <p:sldId id="311" r:id="rId50"/>
-    <p:sldId id="321" r:id="rId51"/>
-    <p:sldId id="320" r:id="rId52"/>
+    <p:sldId id="308" r:id="rId9"/>
+    <p:sldId id="306" r:id="rId10"/>
+    <p:sldId id="258" r:id="rId11"/>
+    <p:sldId id="309" r:id="rId12"/>
+    <p:sldId id="275" r:id="rId13"/>
+    <p:sldId id="276" r:id="rId14"/>
+    <p:sldId id="263" r:id="rId15"/>
+    <p:sldId id="313" r:id="rId16"/>
+    <p:sldId id="277" r:id="rId17"/>
+    <p:sldId id="278" r:id="rId18"/>
+    <p:sldId id="280" r:id="rId19"/>
+    <p:sldId id="281" r:id="rId20"/>
+    <p:sldId id="283" r:id="rId21"/>
+    <p:sldId id="284" r:id="rId22"/>
+    <p:sldId id="285" r:id="rId23"/>
+    <p:sldId id="289" r:id="rId24"/>
+    <p:sldId id="290" r:id="rId25"/>
+    <p:sldId id="294" r:id="rId26"/>
+    <p:sldId id="286" r:id="rId27"/>
+    <p:sldId id="287" r:id="rId28"/>
+    <p:sldId id="288" r:id="rId29"/>
+    <p:sldId id="2147478975" r:id="rId30"/>
+    <p:sldId id="295" r:id="rId31"/>
+    <p:sldId id="296" r:id="rId32"/>
+    <p:sldId id="297" r:id="rId33"/>
+    <p:sldId id="298" r:id="rId34"/>
+    <p:sldId id="299" r:id="rId35"/>
+    <p:sldId id="300" r:id="rId36"/>
+    <p:sldId id="257" r:id="rId37"/>
+    <p:sldId id="317" r:id="rId38"/>
+    <p:sldId id="324" r:id="rId39"/>
+    <p:sldId id="314" r:id="rId40"/>
+    <p:sldId id="315" r:id="rId41"/>
+    <p:sldId id="318" r:id="rId42"/>
+    <p:sldId id="326" r:id="rId43"/>
+    <p:sldId id="311" r:id="rId44"/>
+    <p:sldId id="310" r:id="rId45"/>
+    <p:sldId id="261" r:id="rId46"/>
+    <p:sldId id="307" r:id="rId47"/>
+    <p:sldId id="292" r:id="rId48"/>
+    <p:sldId id="321" r:id="rId49"/>
+    <p:sldId id="262" r:id="rId50"/>
+    <p:sldId id="320" r:id="rId51"/>
+    <p:sldId id="259" r:id="rId52"/>
     <p:sldId id="319" r:id="rId53"/>
     <p:sldId id="322" r:id="rId54"/>
     <p:sldId id="323" r:id="rId55"/>
@@ -75,8 +75,10 @@
     <p:sldId id="272" r:id="rId66"/>
     <p:sldId id="273" r:id="rId67"/>
     <p:sldId id="282" r:id="rId68"/>
-    <p:sldId id="305" r:id="rId69"/>
-    <p:sldId id="260" r:id="rId70"/>
+    <p:sldId id="291" r:id="rId69"/>
+    <p:sldId id="312" r:id="rId70"/>
+    <p:sldId id="305" r:id="rId71"/>
+    <p:sldId id="260" r:id="rId72"/>
   </p:sldIdLst>
   <p:sldSz cx="12192000" cy="6858000"/>
   <p:notesSz cx="6858000" cy="9144000"/>
@@ -2380,7 +2382,7 @@
           <a:p>
             <a:fld id="{E7E8E24E-2DA5-414D-9B85-6ED9E2618CC6}" type="slidenum">
               <a:rPr lang="en-GB" smtClean="0"/>
-              <a:t>30</a:t>
+              <a:t>4</a:t>
             </a:fld>
             <a:endParaRPr lang="en-GB"/>
           </a:p>
@@ -2389,7 +2391,7 @@
     </p:spTree>
     <p:extLst>
       <p:ext uri="{BB962C8B-B14F-4D97-AF65-F5344CB8AC3E}">
-        <p14:creationId xmlns:p14="http://schemas.microsoft.com/office/powerpoint/2010/main" val="758448733"/>
+        <p14:creationId xmlns:p14="http://schemas.microsoft.com/office/powerpoint/2010/main" val="1201527956"/>
       </p:ext>
     </p:extLst>
   </p:cSld>
@@ -2443,119 +2445,6 @@
           <a:bodyPr/>
           <a:lstStyle/>
           <a:p>
-            <a:r>
-              <a:rPr lang="en-GB" dirty="0" err="1"/>
-              <a:t>PySpark</a:t>
-            </a:r>
-            <a:r>
-              <a:rPr lang="en-GB" dirty="0"/>
-              <a:t> validation</a:t>
-            </a:r>
-          </a:p>
-          <a:p>
-            <a:r>
-              <a:rPr lang="en-GB" dirty="0"/>
-              <a:t>Web UI</a:t>
-            </a:r>
-          </a:p>
-          <a:p>
-            <a:r>
-              <a:rPr lang="en-GB" dirty="0"/>
-              <a:t>VS Code</a:t>
-            </a:r>
-          </a:p>
-          <a:p>
-            <a:r>
-              <a:rPr lang="en-GB" dirty="0"/>
-              <a:t>	- to run Jupiter notebooks needs </a:t>
-            </a:r>
-            <a:r>
-              <a:rPr lang="en-GB" dirty="0" err="1"/>
-              <a:t>ipykernel</a:t>
-            </a:r>
-            <a:r>
-              <a:rPr lang="en-GB" dirty="0"/>
-              <a:t> installed</a:t>
-            </a:r>
-          </a:p>
-          <a:p>
-            <a:r>
-              <a:rPr lang="en-GB" dirty="0"/>
-              <a:t>	- from </a:t>
-            </a:r>
-            <a:r>
-              <a:rPr lang="en-GB" dirty="0" err="1"/>
-              <a:t>vscode</a:t>
-            </a:r>
-            <a:r>
-              <a:rPr lang="en-GB" dirty="0"/>
-              <a:t> run </a:t>
-            </a:r>
-            <a:r>
-              <a:rPr lang="en-GB" b="1" i="0" dirty="0" err="1">
-                <a:solidFill>
-                  <a:srgbClr val="CD3131"/>
-                </a:solidFill>
-                <a:effectLst/>
-                <a:latin typeface="Consolas" panose="020B0609020204030204" pitchFamily="49" charset="0"/>
-              </a:rPr>
-              <a:t>conda</a:t>
-            </a:r>
-            <a:r>
-              <a:rPr lang="en-GB" b="1" i="0" dirty="0">
-                <a:solidFill>
-                  <a:srgbClr val="CD3131"/>
-                </a:solidFill>
-                <a:effectLst/>
-                <a:latin typeface="Consolas" panose="020B0609020204030204" pitchFamily="49" charset="0"/>
-              </a:rPr>
-              <a:t> install -n </a:t>
-            </a:r>
-            <a:r>
-              <a:rPr lang="en-GB" b="1" i="0" dirty="0" err="1">
-                <a:solidFill>
-                  <a:srgbClr val="CD3131"/>
-                </a:solidFill>
-                <a:effectLst/>
-                <a:latin typeface="Consolas" panose="020B0609020204030204" pitchFamily="49" charset="0"/>
-              </a:rPr>
-              <a:t>dataengforfree_env</a:t>
-            </a:r>
-            <a:r>
-              <a:rPr lang="en-GB" b="1" i="0" dirty="0">
-                <a:solidFill>
-                  <a:srgbClr val="CD3131"/>
-                </a:solidFill>
-                <a:effectLst/>
-                <a:latin typeface="Consolas" panose="020B0609020204030204" pitchFamily="49" charset="0"/>
-              </a:rPr>
-              <a:t> </a:t>
-            </a:r>
-            <a:r>
-              <a:rPr lang="en-GB" b="1" i="0" dirty="0" err="1">
-                <a:solidFill>
-                  <a:srgbClr val="CD3131"/>
-                </a:solidFill>
-                <a:effectLst/>
-                <a:latin typeface="Consolas" panose="020B0609020204030204" pitchFamily="49" charset="0"/>
-              </a:rPr>
-              <a:t>ipykernel</a:t>
-            </a:r>
-            <a:endParaRPr lang="en-GB" dirty="0"/>
-          </a:p>
-          <a:p>
-            <a:r>
-              <a:rPr lang="en-GB" dirty="0"/>
-              <a:t>	- copy python.exe &gt; python3.exe</a:t>
-            </a:r>
-          </a:p>
-          <a:p>
-            <a:r>
-              <a:rPr lang="en-GB" dirty="0"/>
-              <a:t>Visualisation? </a:t>
-            </a:r>
-          </a:p>
-          <a:p>
             <a:endParaRPr lang="en-GB" dirty="0"/>
           </a:p>
         </p:txBody>
@@ -2577,7 +2466,7 @@
           <a:p>
             <a:fld id="{E7E8E24E-2DA5-414D-9B85-6ED9E2618CC6}" type="slidenum">
               <a:rPr lang="en-GB" smtClean="0"/>
-              <a:t>46</a:t>
+              <a:t>20</a:t>
             </a:fld>
             <a:endParaRPr lang="en-GB"/>
           </a:p>
@@ -2586,7 +2475,7 @@
     </p:spTree>
     <p:extLst>
       <p:ext uri="{BB962C8B-B14F-4D97-AF65-F5344CB8AC3E}">
-        <p14:creationId xmlns:p14="http://schemas.microsoft.com/office/powerpoint/2010/main" val="400731075"/>
+        <p14:creationId xmlns:p14="http://schemas.microsoft.com/office/powerpoint/2010/main" val="454411347"/>
       </p:ext>
     </p:extLst>
   </p:cSld>
@@ -2640,6 +2529,119 @@
           <a:bodyPr/>
           <a:lstStyle/>
           <a:p>
+            <a:r>
+              <a:rPr lang="en-GB" dirty="0" err="1"/>
+              <a:t>PySpark</a:t>
+            </a:r>
+            <a:r>
+              <a:rPr lang="en-GB" dirty="0"/>
+              <a:t> validation</a:t>
+            </a:r>
+          </a:p>
+          <a:p>
+            <a:r>
+              <a:rPr lang="en-GB" dirty="0"/>
+              <a:t>Web UI</a:t>
+            </a:r>
+          </a:p>
+          <a:p>
+            <a:r>
+              <a:rPr lang="en-GB" dirty="0"/>
+              <a:t>VS Code</a:t>
+            </a:r>
+          </a:p>
+          <a:p>
+            <a:r>
+              <a:rPr lang="en-GB" dirty="0"/>
+              <a:t>	- to run Jupiter notebooks needs </a:t>
+            </a:r>
+            <a:r>
+              <a:rPr lang="en-GB" dirty="0" err="1"/>
+              <a:t>ipykernel</a:t>
+            </a:r>
+            <a:r>
+              <a:rPr lang="en-GB" dirty="0"/>
+              <a:t> installed</a:t>
+            </a:r>
+          </a:p>
+          <a:p>
+            <a:r>
+              <a:rPr lang="en-GB" dirty="0"/>
+              <a:t>	- from </a:t>
+            </a:r>
+            <a:r>
+              <a:rPr lang="en-GB" dirty="0" err="1"/>
+              <a:t>vscode</a:t>
+            </a:r>
+            <a:r>
+              <a:rPr lang="en-GB" dirty="0"/>
+              <a:t> run </a:t>
+            </a:r>
+            <a:r>
+              <a:rPr lang="en-GB" b="1" i="0" dirty="0" err="1">
+                <a:solidFill>
+                  <a:srgbClr val="CD3131"/>
+                </a:solidFill>
+                <a:effectLst/>
+                <a:latin typeface="Consolas" panose="020B0609020204030204" pitchFamily="49" charset="0"/>
+              </a:rPr>
+              <a:t>conda</a:t>
+            </a:r>
+            <a:r>
+              <a:rPr lang="en-GB" b="1" i="0" dirty="0">
+                <a:solidFill>
+                  <a:srgbClr val="CD3131"/>
+                </a:solidFill>
+                <a:effectLst/>
+                <a:latin typeface="Consolas" panose="020B0609020204030204" pitchFamily="49" charset="0"/>
+              </a:rPr>
+              <a:t> install -n </a:t>
+            </a:r>
+            <a:r>
+              <a:rPr lang="en-GB" b="1" i="0" dirty="0" err="1">
+                <a:solidFill>
+                  <a:srgbClr val="CD3131"/>
+                </a:solidFill>
+                <a:effectLst/>
+                <a:latin typeface="Consolas" panose="020B0609020204030204" pitchFamily="49" charset="0"/>
+              </a:rPr>
+              <a:t>dataengforfree_env</a:t>
+            </a:r>
+            <a:r>
+              <a:rPr lang="en-GB" b="1" i="0" dirty="0">
+                <a:solidFill>
+                  <a:srgbClr val="CD3131"/>
+                </a:solidFill>
+                <a:effectLst/>
+                <a:latin typeface="Consolas" panose="020B0609020204030204" pitchFamily="49" charset="0"/>
+              </a:rPr>
+              <a:t> </a:t>
+            </a:r>
+            <a:r>
+              <a:rPr lang="en-GB" b="1" i="0" dirty="0" err="1">
+                <a:solidFill>
+                  <a:srgbClr val="CD3131"/>
+                </a:solidFill>
+                <a:effectLst/>
+                <a:latin typeface="Consolas" panose="020B0609020204030204" pitchFamily="49" charset="0"/>
+              </a:rPr>
+              <a:t>ipykernel</a:t>
+            </a:r>
+            <a:endParaRPr lang="en-GB" dirty="0"/>
+          </a:p>
+          <a:p>
+            <a:r>
+              <a:rPr lang="en-GB" dirty="0"/>
+              <a:t>	- copy python.exe &gt; python3.exe</a:t>
+            </a:r>
+          </a:p>
+          <a:p>
+            <a:r>
+              <a:rPr lang="en-GB" dirty="0"/>
+              <a:t>Visualisation? </a:t>
+            </a:r>
+          </a:p>
+          <a:p>
             <a:endParaRPr lang="en-GB" dirty="0"/>
           </a:p>
         </p:txBody>
@@ -2661,7 +2663,91 @@
           <a:p>
             <a:fld id="{E7E8E24E-2DA5-414D-9B85-6ED9E2618CC6}" type="slidenum">
               <a:rPr lang="en-GB" smtClean="0"/>
-              <a:t>50</a:t>
+              <a:t>40</a:t>
+            </a:fld>
+            <a:endParaRPr lang="en-GB"/>
+          </a:p>
+        </p:txBody>
+      </p:sp>
+    </p:spTree>
+    <p:extLst>
+      <p:ext uri="{BB962C8B-B14F-4D97-AF65-F5344CB8AC3E}">
+        <p14:creationId xmlns:p14="http://schemas.microsoft.com/office/powerpoint/2010/main" val="400731075"/>
+      </p:ext>
+    </p:extLst>
+  </p:cSld>
+  <p:clrMapOvr>
+    <a:masterClrMapping/>
+  </p:clrMapOvr>
+</p:notes>
+</file>
+
+<file path=ppt/notesSlides/notesSlide5.xml><?xml version="1.0" encoding="utf-8"?>
+<p:notes xmlns:a="http://schemas.openxmlformats.org/drawingml/2006/main" xmlns:r="http://schemas.openxmlformats.org/officeDocument/2006/relationships" xmlns:p="http://schemas.openxmlformats.org/presentationml/2006/main">
+  <p:cSld>
+    <p:spTree>
+      <p:nvGrpSpPr>
+        <p:cNvPr id="1" name=""/>
+        <p:cNvGrpSpPr/>
+        <p:nvPr/>
+      </p:nvGrpSpPr>
+      <p:grpSpPr>
+        <a:xfrm>
+          <a:off x="0" y="0"/>
+          <a:ext cx="0" cy="0"/>
+          <a:chOff x="0" y="0"/>
+          <a:chExt cx="0" cy="0"/>
+        </a:xfrm>
+      </p:grpSpPr>
+      <p:sp>
+        <p:nvSpPr>
+          <p:cNvPr id="2" name="Slide Image Placeholder 1"/>
+          <p:cNvSpPr>
+            <a:spLocks noGrp="1" noRot="1" noChangeAspect="1"/>
+          </p:cNvSpPr>
+          <p:nvPr>
+            <p:ph type="sldImg"/>
+          </p:nvPr>
+        </p:nvSpPr>
+        <p:spPr/>
+      </p:sp>
+      <p:sp>
+        <p:nvSpPr>
+          <p:cNvPr id="3" name="Notes Placeholder 2"/>
+          <p:cNvSpPr>
+            <a:spLocks noGrp="1"/>
+          </p:cNvSpPr>
+          <p:nvPr>
+            <p:ph type="body" idx="1"/>
+          </p:nvPr>
+        </p:nvSpPr>
+        <p:spPr/>
+        <p:txBody>
+          <a:bodyPr/>
+          <a:lstStyle/>
+          <a:p>
+            <a:endParaRPr lang="en-GB" dirty="0"/>
+          </a:p>
+        </p:txBody>
+      </p:sp>
+      <p:sp>
+        <p:nvSpPr>
+          <p:cNvPr id="4" name="Slide Number Placeholder 3"/>
+          <p:cNvSpPr>
+            <a:spLocks noGrp="1"/>
+          </p:cNvSpPr>
+          <p:nvPr>
+            <p:ph type="sldNum" sz="quarter" idx="5"/>
+          </p:nvPr>
+        </p:nvSpPr>
+        <p:spPr/>
+        <p:txBody>
+          <a:bodyPr/>
+          <a:lstStyle/>
+          <a:p>
+            <a:fld id="{E7E8E24E-2DA5-414D-9B85-6ED9E2618CC6}" type="slidenum">
+              <a:rPr lang="en-GB" smtClean="0"/>
+              <a:t>48</a:t>
             </a:fld>
             <a:endParaRPr lang="en-GB"/>
           </a:p>
@@ -6535,7 +6621,7 @@
           <p:cNvPr id="2" name="Title 1">
             <a:extLst>
               <a:ext uri="{FF2B5EF4-FFF2-40B4-BE49-F238E27FC236}">
-                <a16:creationId xmlns:a16="http://schemas.microsoft.com/office/drawing/2014/main" id="{71DE5ED6-49D5-43EE-E52E-844BFD80D4AE}"/>
+                <a16:creationId xmlns:a16="http://schemas.microsoft.com/office/drawing/2014/main" id="{17E4CBBF-6487-8E96-192F-A817DFB10918}"/>
               </a:ext>
             </a:extLst>
           </p:cNvPr>
@@ -6553,7 +6639,7 @@
           <a:p>
             <a:r>
               <a:rPr lang="en-GB" dirty="0"/>
-              <a:t>Create storage account</a:t>
+              <a:t>Data &amp; Databases</a:t>
             </a:r>
           </a:p>
         </p:txBody>
@@ -6563,7 +6649,7 @@
           <p:cNvPr id="3" name="Content Placeholder 2">
             <a:extLst>
               <a:ext uri="{FF2B5EF4-FFF2-40B4-BE49-F238E27FC236}">
-                <a16:creationId xmlns:a16="http://schemas.microsoft.com/office/drawing/2014/main" id="{0813FB62-FE46-CC92-2C0B-3D25E2B93615}"/>
+                <a16:creationId xmlns:a16="http://schemas.microsoft.com/office/drawing/2014/main" id="{4EA3B715-9AC1-E540-E1D0-85781B1B6F2D}"/>
               </a:ext>
             </a:extLst>
           </p:cNvPr>
@@ -6581,45 +6667,39 @@
           <a:p>
             <a:r>
               <a:rPr lang="en-GB" dirty="0"/>
-              <a:t>Create in same region as RG</a:t>
-            </a:r>
+              <a:t>Concepts to Learn: Data types, databases (SQL and NoSQL), data structures.</a:t>
+            </a:r>
+          </a:p>
+          <a:p>
+            <a:endParaRPr lang="en-GB" dirty="0"/>
           </a:p>
           <a:p>
             <a:r>
               <a:rPr lang="en-GB" dirty="0"/>
-              <a:t>Primary service is ADLS Gen 2</a:t>
+              <a:t>Tools/Resources:</a:t>
             </a:r>
           </a:p>
           <a:p>
             <a:r>
               <a:rPr lang="en-GB" dirty="0"/>
-              <a:t>Primary workload Big Data Analytics</a:t>
+              <a:t>Azure SQL Database - free tier available</a:t>
             </a:r>
           </a:p>
           <a:p>
             <a:r>
               <a:rPr lang="en-GB" dirty="0"/>
-              <a:t>Performance: Standard</a:t>
-            </a:r>
-          </a:p>
-          <a:p>
-            <a:r>
-              <a:rPr lang="en-GB" dirty="0"/>
-              <a:t>Redundancy: LRS</a:t>
-            </a:r>
-          </a:p>
-          <a:p>
-            <a:r>
-              <a:rPr lang="en-GB" dirty="0"/>
-              <a:t>Add container &gt; RAW directory</a:t>
-            </a:r>
+              <a:t>Cosmos DB: Explore NoSQL databases with a limited free tier on Azure.</a:t>
+            </a:r>
+          </a:p>
+          <a:p>
+            <a:endParaRPr lang="en-GB" dirty="0"/>
           </a:p>
         </p:txBody>
       </p:sp>
     </p:spTree>
     <p:extLst>
       <p:ext uri="{BB962C8B-B14F-4D97-AF65-F5344CB8AC3E}">
-        <p14:creationId xmlns:p14="http://schemas.microsoft.com/office/powerpoint/2010/main" val="3539444653"/>
+        <p14:creationId xmlns:p14="http://schemas.microsoft.com/office/powerpoint/2010/main" val="4098208133"/>
       </p:ext>
     </p:extLst>
   </p:cSld>
@@ -6648,10 +6728,10 @@
       </p:grpSpPr>
       <p:pic>
         <p:nvPicPr>
-          <p:cNvPr id="7" name="Picture 6">
-            <a:extLst>
-              <a:ext uri="{FF2B5EF4-FFF2-40B4-BE49-F238E27FC236}">
-                <a16:creationId xmlns:a16="http://schemas.microsoft.com/office/drawing/2014/main" id="{F76B43E2-150F-DC80-8BA0-E8EF77942310}"/>
+          <p:cNvPr id="4" name="Picture 3">
+            <a:extLst>
+              <a:ext uri="{FF2B5EF4-FFF2-40B4-BE49-F238E27FC236}">
+                <a16:creationId xmlns:a16="http://schemas.microsoft.com/office/drawing/2014/main" id="{95878B79-9308-C3D5-CEA8-2F84428D70EE}"/>
               </a:ext>
             </a:extLst>
           </p:cNvPr>
@@ -6668,8 +6748,8 @@
         </p:blipFill>
         <p:spPr>
           <a:xfrm>
-            <a:off x="804124" y="2390630"/>
-            <a:ext cx="10583752" cy="2076740"/>
+            <a:off x="3300022" y="2147708"/>
+            <a:ext cx="5591955" cy="2562583"/>
           </a:xfrm>
           <a:prstGeom prst="rect">
             <a:avLst/>
@@ -6678,92 +6758,41 @@
       </p:pic>
       <p:sp>
         <p:nvSpPr>
-          <p:cNvPr id="10" name="Title 1">
-            <a:extLst>
-              <a:ext uri="{FF2B5EF4-FFF2-40B4-BE49-F238E27FC236}">
-                <a16:creationId xmlns:a16="http://schemas.microsoft.com/office/drawing/2014/main" id="{F76196A7-FDB1-76F9-0DAF-649BCDEE61A3}"/>
-              </a:ext>
-            </a:extLst>
-          </p:cNvPr>
-          <p:cNvSpPr txBox="1">
-            <a:spLocks/>
-          </p:cNvSpPr>
-          <p:nvPr/>
+          <p:cNvPr id="6" name="Title 1">
+            <a:extLst>
+              <a:ext uri="{FF2B5EF4-FFF2-40B4-BE49-F238E27FC236}">
+                <a16:creationId xmlns:a16="http://schemas.microsoft.com/office/drawing/2014/main" id="{03EE852E-4A7A-F367-9509-616CE2A9626F}"/>
+              </a:ext>
+            </a:extLst>
+          </p:cNvPr>
+          <p:cNvSpPr>
+            <a:spLocks noGrp="1"/>
+          </p:cNvSpPr>
+          <p:nvPr>
+            <p:ph type="title"/>
+          </p:nvPr>
         </p:nvSpPr>
         <p:spPr>
           <a:xfrm>
-            <a:off x="804124" y="822325"/>
+            <a:off x="838200" y="365125"/>
             <a:ext cx="10515600" cy="1325563"/>
           </a:xfrm>
-          <a:prstGeom prst="rect">
-            <a:avLst/>
-          </a:prstGeom>
         </p:spPr>
         <p:txBody>
-          <a:bodyPr vert="horz" lIns="91440" tIns="45720" rIns="91440" bIns="45720" rtlCol="0" anchor="ctr">
-            <a:normAutofit/>
-          </a:bodyPr>
-          <a:lstStyle>
-            <a:lvl1pPr algn="l" defTabSz="914400" rtl="0" eaLnBrk="1" latinLnBrk="0" hangingPunct="1">
-              <a:lnSpc>
-                <a:spcPct val="90000"/>
-              </a:lnSpc>
-              <a:spcBef>
-                <a:spcPct val="0"/>
-              </a:spcBef>
-              <a:buNone/>
-              <a:defRPr sz="4400" kern="1200">
-                <a:solidFill>
-                  <a:schemeClr val="tx1"/>
-                </a:solidFill>
-                <a:latin typeface="+mj-lt"/>
-                <a:ea typeface="+mj-ea"/>
-                <a:cs typeface="+mj-cs"/>
-              </a:defRPr>
-            </a:lvl1pPr>
-          </a:lstStyle>
+          <a:bodyPr/>
+          <a:lstStyle/>
           <a:p>
             <a:r>
               <a:rPr lang="en-GB" dirty="0"/>
-              <a:t>Create storage account</a:t>
-            </a:r>
-          </a:p>
-        </p:txBody>
-      </p:sp>
-      <p:pic>
-        <p:nvPicPr>
-          <p:cNvPr id="12" name="Picture 11">
-            <a:extLst>
-              <a:ext uri="{FF2B5EF4-FFF2-40B4-BE49-F238E27FC236}">
-                <a16:creationId xmlns:a16="http://schemas.microsoft.com/office/drawing/2014/main" id="{89545FC7-CFBB-FEB8-B2C2-A775C4B20B91}"/>
-              </a:ext>
-            </a:extLst>
-          </p:cNvPr>
-          <p:cNvPicPr>
-            <a:picLocks noChangeAspect="1"/>
-          </p:cNvPicPr>
-          <p:nvPr/>
-        </p:nvPicPr>
-        <p:blipFill>
-          <a:blip r:embed="rId3"/>
-          <a:stretch>
-            <a:fillRect/>
-          </a:stretch>
-        </p:blipFill>
-        <p:spPr>
-          <a:xfrm>
-            <a:off x="804124" y="4171874"/>
-            <a:ext cx="8202170" cy="1076475"/>
-          </a:xfrm>
-          <a:prstGeom prst="rect">
-            <a:avLst/>
-          </a:prstGeom>
-        </p:spPr>
-      </p:pic>
+              <a:t>Create SQL database</a:t>
+            </a:r>
+          </a:p>
+        </p:txBody>
+      </p:sp>
     </p:spTree>
     <p:extLst>
       <p:ext uri="{BB962C8B-B14F-4D97-AF65-F5344CB8AC3E}">
-        <p14:creationId xmlns:p14="http://schemas.microsoft.com/office/powerpoint/2010/main" val="1439316186"/>
+        <p14:creationId xmlns:p14="http://schemas.microsoft.com/office/powerpoint/2010/main" val="4075518487"/>
       </p:ext>
     </p:extLst>
   </p:cSld>
@@ -6792,10 +6821,10 @@
       </p:grpSpPr>
       <p:sp>
         <p:nvSpPr>
-          <p:cNvPr id="2" name="Title 1">
-            <a:extLst>
-              <a:ext uri="{FF2B5EF4-FFF2-40B4-BE49-F238E27FC236}">
-                <a16:creationId xmlns:a16="http://schemas.microsoft.com/office/drawing/2014/main" id="{17E4CBBF-6487-8E96-192F-A817DFB10918}"/>
+          <p:cNvPr id="6" name="Title 1">
+            <a:extLst>
+              <a:ext uri="{FF2B5EF4-FFF2-40B4-BE49-F238E27FC236}">
+                <a16:creationId xmlns:a16="http://schemas.microsoft.com/office/drawing/2014/main" id="{03EE852E-4A7A-F367-9509-616CE2A9626F}"/>
               </a:ext>
             </a:extLst>
           </p:cNvPr>
@@ -6806,131 +6835,29 @@
             <p:ph type="title"/>
           </p:nvPr>
         </p:nvSpPr>
-        <p:spPr/>
+        <p:spPr>
+          <a:xfrm>
+            <a:off x="838200" y="365125"/>
+            <a:ext cx="10515600" cy="1325563"/>
+          </a:xfrm>
+        </p:spPr>
         <p:txBody>
           <a:bodyPr/>
           <a:lstStyle/>
           <a:p>
             <a:r>
               <a:rPr lang="en-GB" dirty="0"/>
-              <a:t>Data &amp; Databases</a:t>
-            </a:r>
-          </a:p>
-        </p:txBody>
-      </p:sp>
-      <p:sp>
-        <p:nvSpPr>
-          <p:cNvPr id="3" name="Content Placeholder 2">
-            <a:extLst>
-              <a:ext uri="{FF2B5EF4-FFF2-40B4-BE49-F238E27FC236}">
-                <a16:creationId xmlns:a16="http://schemas.microsoft.com/office/drawing/2014/main" id="{4EA3B715-9AC1-E540-E1D0-85781B1B6F2D}"/>
-              </a:ext>
-            </a:extLst>
-          </p:cNvPr>
-          <p:cNvSpPr>
-            <a:spLocks noGrp="1"/>
-          </p:cNvSpPr>
-          <p:nvPr>
-            <p:ph idx="1"/>
-          </p:nvPr>
-        </p:nvSpPr>
-        <p:spPr/>
-        <p:txBody>
-          <a:bodyPr/>
-          <a:lstStyle/>
-          <a:p>
-            <a:r>
-              <a:rPr lang="en-GB" dirty="0"/>
-              <a:t>Concepts to Learn: Data types, databases (SQL and NoSQL), data structures.</a:t>
-            </a:r>
-          </a:p>
-          <a:p>
-            <a:endParaRPr lang="en-GB" dirty="0"/>
-          </a:p>
-          <a:p>
-            <a:r>
-              <a:rPr lang="en-GB" dirty="0"/>
-              <a:t>Tools/Resources:</a:t>
-            </a:r>
-          </a:p>
-          <a:p>
-            <a:r>
-              <a:rPr lang="en-GB" dirty="0"/>
-              <a:t>Azure SQL Database - free tier available</a:t>
-            </a:r>
-          </a:p>
-          <a:p>
-            <a:r>
-              <a:rPr lang="en-GB" dirty="0"/>
-              <a:t>Cosmos DB: Explore NoSQL databases with a limited free tier on Azure.</a:t>
-            </a:r>
-          </a:p>
-          <a:p>
-            <a:endParaRPr lang="en-GB" dirty="0"/>
-          </a:p>
-        </p:txBody>
-      </p:sp>
-    </p:spTree>
-    <p:extLst>
-      <p:ext uri="{BB962C8B-B14F-4D97-AF65-F5344CB8AC3E}">
-        <p14:creationId xmlns:p14="http://schemas.microsoft.com/office/powerpoint/2010/main" val="4098208133"/>
-      </p:ext>
-    </p:extLst>
-  </p:cSld>
-  <p:clrMapOvr>
-    <a:masterClrMapping/>
-  </p:clrMapOvr>
-</p:sld>
-</file>
-
-<file path=ppt/slides/slide13.xml><?xml version="1.0" encoding="utf-8"?>
-<p:sld xmlns:a="http://schemas.openxmlformats.org/drawingml/2006/main" xmlns:r="http://schemas.openxmlformats.org/officeDocument/2006/relationships" xmlns:p="http://schemas.openxmlformats.org/presentationml/2006/main">
-  <p:cSld>
-    <p:spTree>
-      <p:nvGrpSpPr>
-        <p:cNvPr id="1" name=""/>
-        <p:cNvGrpSpPr/>
-        <p:nvPr/>
-      </p:nvGrpSpPr>
-      <p:grpSpPr>
-        <a:xfrm>
-          <a:off x="0" y="0"/>
-          <a:ext cx="0" cy="0"/>
-          <a:chOff x="0" y="0"/>
-          <a:chExt cx="0" cy="0"/>
-        </a:xfrm>
-      </p:grpSpPr>
-      <p:sp>
-        <p:nvSpPr>
-          <p:cNvPr id="2" name="Title 1">
-            <a:extLst>
-              <a:ext uri="{FF2B5EF4-FFF2-40B4-BE49-F238E27FC236}">
-                <a16:creationId xmlns:a16="http://schemas.microsoft.com/office/drawing/2014/main" id="{3C83975B-EF01-7C43-08F4-D4643AE62A88}"/>
-              </a:ext>
-            </a:extLst>
-          </p:cNvPr>
-          <p:cNvSpPr>
-            <a:spLocks noGrp="1"/>
-          </p:cNvSpPr>
-          <p:nvPr>
-            <p:ph type="title"/>
-          </p:nvPr>
-        </p:nvSpPr>
-        <p:spPr/>
-        <p:txBody>
-          <a:bodyPr/>
-          <a:lstStyle/>
-          <a:p>
-            <a:endParaRPr lang="en-GB" dirty="0"/>
+              <a:t>Create SQL database</a:t>
+            </a:r>
           </a:p>
         </p:txBody>
       </p:sp>
       <p:pic>
         <p:nvPicPr>
-          <p:cNvPr id="5" name="Picture 4">
-            <a:extLst>
-              <a:ext uri="{FF2B5EF4-FFF2-40B4-BE49-F238E27FC236}">
-                <a16:creationId xmlns:a16="http://schemas.microsoft.com/office/drawing/2014/main" id="{629AFA2E-500C-8F35-6317-A5C59279B742}"/>
+          <p:cNvPr id="3" name="Picture 2">
+            <a:extLst>
+              <a:ext uri="{FF2B5EF4-FFF2-40B4-BE49-F238E27FC236}">
+                <a16:creationId xmlns:a16="http://schemas.microsoft.com/office/drawing/2014/main" id="{BE1C3196-F371-5063-CABF-B309F4D0E737}"/>
               </a:ext>
             </a:extLst>
           </p:cNvPr>
@@ -6947,309 +6874,7 @@
         </p:blipFill>
         <p:spPr>
           <a:xfrm>
-            <a:off x="838200" y="1961321"/>
-            <a:ext cx="6801390" cy="2702439"/>
-          </a:xfrm>
-          <a:prstGeom prst="rect">
-            <a:avLst/>
-          </a:prstGeom>
-        </p:spPr>
-      </p:pic>
-    </p:spTree>
-    <p:extLst>
-      <p:ext uri="{BB962C8B-B14F-4D97-AF65-F5344CB8AC3E}">
-        <p14:creationId xmlns:p14="http://schemas.microsoft.com/office/powerpoint/2010/main" val="2210880653"/>
-      </p:ext>
-    </p:extLst>
-  </p:cSld>
-  <p:clrMapOvr>
-    <a:masterClrMapping/>
-  </p:clrMapOvr>
-</p:sld>
-</file>
-
-<file path=ppt/slides/slide14.xml><?xml version="1.0" encoding="utf-8"?>
-<p:sld xmlns:a="http://schemas.openxmlformats.org/drawingml/2006/main" xmlns:r="http://schemas.openxmlformats.org/officeDocument/2006/relationships" xmlns:p="http://schemas.openxmlformats.org/presentationml/2006/main">
-  <p:cSld>
-    <p:spTree>
-      <p:nvGrpSpPr>
-        <p:cNvPr id="1" name=""/>
-        <p:cNvGrpSpPr/>
-        <p:nvPr/>
-      </p:nvGrpSpPr>
-      <p:grpSpPr>
-        <a:xfrm>
-          <a:off x="0" y="0"/>
-          <a:ext cx="0" cy="0"/>
-          <a:chOff x="0" y="0"/>
-          <a:chExt cx="0" cy="0"/>
-        </a:xfrm>
-      </p:grpSpPr>
-      <p:sp>
-        <p:nvSpPr>
-          <p:cNvPr id="2" name="Title 1">
-            <a:extLst>
-              <a:ext uri="{FF2B5EF4-FFF2-40B4-BE49-F238E27FC236}">
-                <a16:creationId xmlns:a16="http://schemas.microsoft.com/office/drawing/2014/main" id="{D7CAE69D-6CF6-31EC-8A49-0AA2ECC861D8}"/>
-              </a:ext>
-            </a:extLst>
-          </p:cNvPr>
-          <p:cNvSpPr>
-            <a:spLocks noGrp="1"/>
-          </p:cNvSpPr>
-          <p:nvPr>
-            <p:ph type="title"/>
-          </p:nvPr>
-        </p:nvSpPr>
-        <p:spPr/>
-        <p:txBody>
-          <a:bodyPr/>
-          <a:lstStyle/>
-          <a:p>
-            <a:r>
-              <a:rPr lang="en-GB" dirty="0"/>
-              <a:t>Create Azure Data Factory</a:t>
-            </a:r>
-          </a:p>
-        </p:txBody>
-      </p:sp>
-      <p:sp>
-        <p:nvSpPr>
-          <p:cNvPr id="3" name="Content Placeholder 2">
-            <a:extLst>
-              <a:ext uri="{FF2B5EF4-FFF2-40B4-BE49-F238E27FC236}">
-                <a16:creationId xmlns:a16="http://schemas.microsoft.com/office/drawing/2014/main" id="{13AEF5C3-2254-AC57-977E-759A7B556F1B}"/>
-              </a:ext>
-            </a:extLst>
-          </p:cNvPr>
-          <p:cNvSpPr>
-            <a:spLocks noGrp="1"/>
-          </p:cNvSpPr>
-          <p:nvPr>
-            <p:ph idx="1"/>
-          </p:nvPr>
-        </p:nvSpPr>
-        <p:spPr/>
-        <p:txBody>
-          <a:bodyPr/>
-          <a:lstStyle/>
-          <a:p>
-            <a:r>
-              <a:rPr lang="en-GB" dirty="0"/>
-              <a:t>Create in same region as RG</a:t>
-            </a:r>
-          </a:p>
-        </p:txBody>
-      </p:sp>
-      <p:pic>
-        <p:nvPicPr>
-          <p:cNvPr id="5" name="Picture 4">
-            <a:extLst>
-              <a:ext uri="{FF2B5EF4-FFF2-40B4-BE49-F238E27FC236}">
-                <a16:creationId xmlns:a16="http://schemas.microsoft.com/office/drawing/2014/main" id="{5B4FE1FE-4962-1974-21AC-63462D0D2ECA}"/>
-              </a:ext>
-            </a:extLst>
-          </p:cNvPr>
-          <p:cNvPicPr>
-            <a:picLocks noChangeAspect="1"/>
-          </p:cNvPicPr>
-          <p:nvPr/>
-        </p:nvPicPr>
-        <p:blipFill>
-          <a:blip r:embed="rId2"/>
-          <a:stretch>
-            <a:fillRect/>
-          </a:stretch>
-        </p:blipFill>
-        <p:spPr>
-          <a:xfrm>
-            <a:off x="1780573" y="3105105"/>
-            <a:ext cx="8630854" cy="647790"/>
-          </a:xfrm>
-          <a:prstGeom prst="rect">
-            <a:avLst/>
-          </a:prstGeom>
-        </p:spPr>
-      </p:pic>
-    </p:spTree>
-    <p:extLst>
-      <p:ext uri="{BB962C8B-B14F-4D97-AF65-F5344CB8AC3E}">
-        <p14:creationId xmlns:p14="http://schemas.microsoft.com/office/powerpoint/2010/main" val="247652491"/>
-      </p:ext>
-    </p:extLst>
-  </p:cSld>
-  <p:clrMapOvr>
-    <a:masterClrMapping/>
-  </p:clrMapOvr>
-</p:sld>
-</file>
-
-<file path=ppt/slides/slide15.xml><?xml version="1.0" encoding="utf-8"?>
-<p:sld xmlns:a="http://schemas.openxmlformats.org/drawingml/2006/main" xmlns:r="http://schemas.openxmlformats.org/officeDocument/2006/relationships" xmlns:p="http://schemas.openxmlformats.org/presentationml/2006/main">
-  <p:cSld>
-    <p:spTree>
-      <p:nvGrpSpPr>
-        <p:cNvPr id="1" name=""/>
-        <p:cNvGrpSpPr/>
-        <p:nvPr/>
-      </p:nvGrpSpPr>
-      <p:grpSpPr>
-        <a:xfrm>
-          <a:off x="0" y="0"/>
-          <a:ext cx="0" cy="0"/>
-          <a:chOff x="0" y="0"/>
-          <a:chExt cx="0" cy="0"/>
-        </a:xfrm>
-      </p:grpSpPr>
-      <p:pic>
-        <p:nvPicPr>
-          <p:cNvPr id="4" name="Picture 3">
-            <a:extLst>
-              <a:ext uri="{FF2B5EF4-FFF2-40B4-BE49-F238E27FC236}">
-                <a16:creationId xmlns:a16="http://schemas.microsoft.com/office/drawing/2014/main" id="{95878B79-9308-C3D5-CEA8-2F84428D70EE}"/>
-              </a:ext>
-            </a:extLst>
-          </p:cNvPr>
-          <p:cNvPicPr>
-            <a:picLocks noChangeAspect="1"/>
-          </p:cNvPicPr>
-          <p:nvPr/>
-        </p:nvPicPr>
-        <p:blipFill>
-          <a:blip r:embed="rId2"/>
-          <a:stretch>
-            <a:fillRect/>
-          </a:stretch>
-        </p:blipFill>
-        <p:spPr>
-          <a:xfrm>
-            <a:off x="3300022" y="2147708"/>
-            <a:ext cx="5591955" cy="2562583"/>
-          </a:xfrm>
-          <a:prstGeom prst="rect">
-            <a:avLst/>
-          </a:prstGeom>
-        </p:spPr>
-      </p:pic>
-      <p:sp>
-        <p:nvSpPr>
-          <p:cNvPr id="6" name="Title 1">
-            <a:extLst>
-              <a:ext uri="{FF2B5EF4-FFF2-40B4-BE49-F238E27FC236}">
-                <a16:creationId xmlns:a16="http://schemas.microsoft.com/office/drawing/2014/main" id="{03EE852E-4A7A-F367-9509-616CE2A9626F}"/>
-              </a:ext>
-            </a:extLst>
-          </p:cNvPr>
-          <p:cNvSpPr>
-            <a:spLocks noGrp="1"/>
-          </p:cNvSpPr>
-          <p:nvPr>
-            <p:ph type="title"/>
-          </p:nvPr>
-        </p:nvSpPr>
-        <p:spPr>
-          <a:xfrm>
-            <a:off x="838200" y="365125"/>
-            <a:ext cx="10515600" cy="1325563"/>
-          </a:xfrm>
-        </p:spPr>
-        <p:txBody>
-          <a:bodyPr/>
-          <a:lstStyle/>
-          <a:p>
-            <a:r>
-              <a:rPr lang="en-GB" dirty="0"/>
-              <a:t>Create SQL database</a:t>
-            </a:r>
-          </a:p>
-        </p:txBody>
-      </p:sp>
-    </p:spTree>
-    <p:extLst>
-      <p:ext uri="{BB962C8B-B14F-4D97-AF65-F5344CB8AC3E}">
-        <p14:creationId xmlns:p14="http://schemas.microsoft.com/office/powerpoint/2010/main" val="4075518487"/>
-      </p:ext>
-    </p:extLst>
-  </p:cSld>
-  <p:clrMapOvr>
-    <a:masterClrMapping/>
-  </p:clrMapOvr>
-</p:sld>
-</file>
-
-<file path=ppt/slides/slide16.xml><?xml version="1.0" encoding="utf-8"?>
-<p:sld xmlns:a="http://schemas.openxmlformats.org/drawingml/2006/main" xmlns:r="http://schemas.openxmlformats.org/officeDocument/2006/relationships" xmlns:p="http://schemas.openxmlformats.org/presentationml/2006/main">
-  <p:cSld>
-    <p:spTree>
-      <p:nvGrpSpPr>
-        <p:cNvPr id="1" name=""/>
-        <p:cNvGrpSpPr/>
-        <p:nvPr/>
-      </p:nvGrpSpPr>
-      <p:grpSpPr>
-        <a:xfrm>
-          <a:off x="0" y="0"/>
-          <a:ext cx="0" cy="0"/>
-          <a:chOff x="0" y="0"/>
-          <a:chExt cx="0" cy="0"/>
-        </a:xfrm>
-      </p:grpSpPr>
-      <p:sp>
-        <p:nvSpPr>
-          <p:cNvPr id="6" name="Title 1">
-            <a:extLst>
-              <a:ext uri="{FF2B5EF4-FFF2-40B4-BE49-F238E27FC236}">
-                <a16:creationId xmlns:a16="http://schemas.microsoft.com/office/drawing/2014/main" id="{03EE852E-4A7A-F367-9509-616CE2A9626F}"/>
-              </a:ext>
-            </a:extLst>
-          </p:cNvPr>
-          <p:cNvSpPr>
-            <a:spLocks noGrp="1"/>
-          </p:cNvSpPr>
-          <p:nvPr>
-            <p:ph type="title"/>
-          </p:nvPr>
-        </p:nvSpPr>
-        <p:spPr>
-          <a:xfrm>
-            <a:off x="838200" y="365125"/>
-            <a:ext cx="10515600" cy="1325563"/>
-          </a:xfrm>
-        </p:spPr>
-        <p:txBody>
-          <a:bodyPr/>
-          <a:lstStyle/>
-          <a:p>
-            <a:r>
-              <a:rPr lang="en-GB" dirty="0"/>
-              <a:t>Create SQL database</a:t>
-            </a:r>
-          </a:p>
-        </p:txBody>
-      </p:sp>
-      <p:pic>
-        <p:nvPicPr>
-          <p:cNvPr id="3" name="Picture 2">
-            <a:extLst>
-              <a:ext uri="{FF2B5EF4-FFF2-40B4-BE49-F238E27FC236}">
-                <a16:creationId xmlns:a16="http://schemas.microsoft.com/office/drawing/2014/main" id="{BE1C3196-F371-5063-CABF-B309F4D0E737}"/>
-              </a:ext>
-            </a:extLst>
-          </p:cNvPr>
-          <p:cNvPicPr>
-            <a:picLocks noChangeAspect="1"/>
-          </p:cNvPicPr>
-          <p:nvPr/>
-        </p:nvPicPr>
-        <p:blipFill>
-          <a:blip r:embed="rId2"/>
-          <a:stretch>
-            <a:fillRect/>
-          </a:stretch>
-        </p:blipFill>
-        <p:spPr>
-          <a:xfrm>
-            <a:off x="5951590" y="198783"/>
+            <a:off x="5951590" y="192519"/>
             <a:ext cx="5140480" cy="6525739"/>
           </a:xfrm>
           <a:prstGeom prst="rect">
@@ -7270,7 +6895,7 @@
 </p:sld>
 </file>
 
-<file path=ppt/slides/slide17.xml><?xml version="1.0" encoding="utf-8"?>
+<file path=ppt/slides/slide13.xml><?xml version="1.0" encoding="utf-8"?>
 <p:sld xmlns:a="http://schemas.openxmlformats.org/drawingml/2006/main" xmlns:r="http://schemas.openxmlformats.org/officeDocument/2006/relationships" xmlns:p="http://schemas.openxmlformats.org/presentationml/2006/main">
   <p:cSld>
     <p:spTree>
@@ -7363,7 +6988,7 @@
 </p:sld>
 </file>
 
-<file path=ppt/slides/slide18.xml><?xml version="1.0" encoding="utf-8"?>
+<file path=ppt/slides/slide14.xml><?xml version="1.0" encoding="utf-8"?>
 <p:sld xmlns:a="http://schemas.openxmlformats.org/drawingml/2006/main" xmlns:r="http://schemas.openxmlformats.org/officeDocument/2006/relationships" xmlns:p="http://schemas.openxmlformats.org/presentationml/2006/main">
   <p:cSld>
     <p:spTree>
@@ -7484,6 +7109,386 @@
 </p:sld>
 </file>
 
+<file path=ppt/slides/slide15.xml><?xml version="1.0" encoding="utf-8"?>
+<p:sld xmlns:a="http://schemas.openxmlformats.org/drawingml/2006/main" xmlns:r="http://schemas.openxmlformats.org/officeDocument/2006/relationships" xmlns:p="http://schemas.openxmlformats.org/presentationml/2006/main">
+  <p:cSld>
+    <p:spTree>
+      <p:nvGrpSpPr>
+        <p:cNvPr id="1" name=""/>
+        <p:cNvGrpSpPr/>
+        <p:nvPr/>
+      </p:nvGrpSpPr>
+      <p:grpSpPr>
+        <a:xfrm>
+          <a:off x="0" y="0"/>
+          <a:ext cx="0" cy="0"/>
+          <a:chOff x="0" y="0"/>
+          <a:chExt cx="0" cy="0"/>
+        </a:xfrm>
+      </p:grpSpPr>
+      <p:sp>
+        <p:nvSpPr>
+          <p:cNvPr id="2" name="Title 1">
+            <a:extLst>
+              <a:ext uri="{FF2B5EF4-FFF2-40B4-BE49-F238E27FC236}">
+                <a16:creationId xmlns:a16="http://schemas.microsoft.com/office/drawing/2014/main" id="{12485F72-3D84-4EED-32F6-699CF9A5F075}"/>
+              </a:ext>
+            </a:extLst>
+          </p:cNvPr>
+          <p:cNvSpPr>
+            <a:spLocks noGrp="1"/>
+          </p:cNvSpPr>
+          <p:nvPr>
+            <p:ph type="title"/>
+          </p:nvPr>
+        </p:nvSpPr>
+        <p:spPr>
+          <a:xfrm>
+            <a:off x="838200" y="365125"/>
+            <a:ext cx="9616200" cy="894875"/>
+          </a:xfrm>
+        </p:spPr>
+        <p:txBody>
+          <a:bodyPr/>
+          <a:lstStyle/>
+          <a:p>
+            <a:endParaRPr lang="en-GB"/>
+          </a:p>
+        </p:txBody>
+      </p:sp>
+      <p:pic>
+        <p:nvPicPr>
+          <p:cNvPr id="4" name="Picture 3">
+            <a:extLst>
+              <a:ext uri="{FF2B5EF4-FFF2-40B4-BE49-F238E27FC236}">
+                <a16:creationId xmlns:a16="http://schemas.microsoft.com/office/drawing/2014/main" id="{40139D6D-6F1B-BA21-B499-E6B83E65CACB}"/>
+              </a:ext>
+            </a:extLst>
+          </p:cNvPr>
+          <p:cNvPicPr>
+            <a:picLocks noChangeAspect="1"/>
+          </p:cNvPicPr>
+          <p:nvPr/>
+        </p:nvPicPr>
+        <p:blipFill>
+          <a:blip r:embed="rId2"/>
+          <a:stretch>
+            <a:fillRect/>
+          </a:stretch>
+        </p:blipFill>
+        <p:spPr>
+          <a:xfrm>
+            <a:off x="838200" y="1690688"/>
+            <a:ext cx="8844000" cy="4906476"/>
+          </a:xfrm>
+          <a:prstGeom prst="rect">
+            <a:avLst/>
+          </a:prstGeom>
+        </p:spPr>
+      </p:pic>
+    </p:spTree>
+    <p:extLst>
+      <p:ext uri="{BB962C8B-B14F-4D97-AF65-F5344CB8AC3E}">
+        <p14:creationId xmlns:p14="http://schemas.microsoft.com/office/powerpoint/2010/main" val="3973721547"/>
+      </p:ext>
+    </p:extLst>
+  </p:cSld>
+  <p:clrMapOvr>
+    <a:masterClrMapping/>
+  </p:clrMapOvr>
+</p:sld>
+</file>
+
+<file path=ppt/slides/slide16.xml><?xml version="1.0" encoding="utf-8"?>
+<p:sld xmlns:a="http://schemas.openxmlformats.org/drawingml/2006/main" xmlns:r="http://schemas.openxmlformats.org/officeDocument/2006/relationships" xmlns:p="http://schemas.openxmlformats.org/presentationml/2006/main">
+  <p:cSld>
+    <p:spTree>
+      <p:nvGrpSpPr>
+        <p:cNvPr id="1" name=""/>
+        <p:cNvGrpSpPr/>
+        <p:nvPr/>
+      </p:nvGrpSpPr>
+      <p:grpSpPr>
+        <a:xfrm>
+          <a:off x="0" y="0"/>
+          <a:ext cx="0" cy="0"/>
+          <a:chOff x="0" y="0"/>
+          <a:chExt cx="0" cy="0"/>
+        </a:xfrm>
+      </p:grpSpPr>
+      <p:sp>
+        <p:nvSpPr>
+          <p:cNvPr id="2" name="Title 1">
+            <a:extLst>
+              <a:ext uri="{FF2B5EF4-FFF2-40B4-BE49-F238E27FC236}">
+                <a16:creationId xmlns:a16="http://schemas.microsoft.com/office/drawing/2014/main" id="{BFAC80B4-447D-E463-8661-F82BB0566396}"/>
+              </a:ext>
+            </a:extLst>
+          </p:cNvPr>
+          <p:cNvSpPr>
+            <a:spLocks noGrp="1"/>
+          </p:cNvSpPr>
+          <p:nvPr>
+            <p:ph type="title"/>
+          </p:nvPr>
+        </p:nvSpPr>
+        <p:spPr>
+          <a:xfrm>
+            <a:off x="838200" y="365125"/>
+            <a:ext cx="10515600" cy="911225"/>
+          </a:xfrm>
+        </p:spPr>
+        <p:txBody>
+          <a:bodyPr/>
+          <a:lstStyle/>
+          <a:p>
+            <a:endParaRPr lang="en-GB" dirty="0"/>
+          </a:p>
+        </p:txBody>
+      </p:sp>
+      <p:pic>
+        <p:nvPicPr>
+          <p:cNvPr id="5" name="Picture 4">
+            <a:extLst>
+              <a:ext uri="{FF2B5EF4-FFF2-40B4-BE49-F238E27FC236}">
+                <a16:creationId xmlns:a16="http://schemas.microsoft.com/office/drawing/2014/main" id="{201CED20-40B3-81D8-3E22-C3ED7D00E0AA}"/>
+              </a:ext>
+            </a:extLst>
+          </p:cNvPr>
+          <p:cNvPicPr>
+            <a:picLocks noChangeAspect="1"/>
+          </p:cNvPicPr>
+          <p:nvPr/>
+        </p:nvPicPr>
+        <p:blipFill>
+          <a:blip r:embed="rId2"/>
+          <a:stretch>
+            <a:fillRect/>
+          </a:stretch>
+        </p:blipFill>
+        <p:spPr>
+          <a:xfrm>
+            <a:off x="838200" y="1461845"/>
+            <a:ext cx="6232082" cy="2316405"/>
+          </a:xfrm>
+          <a:prstGeom prst="rect">
+            <a:avLst/>
+          </a:prstGeom>
+        </p:spPr>
+      </p:pic>
+      <p:pic>
+        <p:nvPicPr>
+          <p:cNvPr id="7" name="Picture 6">
+            <a:extLst>
+              <a:ext uri="{FF2B5EF4-FFF2-40B4-BE49-F238E27FC236}">
+                <a16:creationId xmlns:a16="http://schemas.microsoft.com/office/drawing/2014/main" id="{F4C98D34-33BF-17A3-51E1-241C734185DA}"/>
+              </a:ext>
+            </a:extLst>
+          </p:cNvPr>
+          <p:cNvPicPr>
+            <a:picLocks noChangeAspect="1"/>
+          </p:cNvPicPr>
+          <p:nvPr/>
+        </p:nvPicPr>
+        <p:blipFill>
+          <a:blip r:embed="rId3"/>
+          <a:stretch>
+            <a:fillRect/>
+          </a:stretch>
+        </p:blipFill>
+        <p:spPr>
+          <a:xfrm>
+            <a:off x="838200" y="4136867"/>
+            <a:ext cx="6232082" cy="1868055"/>
+          </a:xfrm>
+          <a:prstGeom prst="rect">
+            <a:avLst/>
+          </a:prstGeom>
+        </p:spPr>
+      </p:pic>
+    </p:spTree>
+    <p:extLst>
+      <p:ext uri="{BB962C8B-B14F-4D97-AF65-F5344CB8AC3E}">
+        <p14:creationId xmlns:p14="http://schemas.microsoft.com/office/powerpoint/2010/main" val="2078073998"/>
+      </p:ext>
+    </p:extLst>
+  </p:cSld>
+  <p:clrMapOvr>
+    <a:masterClrMapping/>
+  </p:clrMapOvr>
+</p:sld>
+</file>
+
+<file path=ppt/slides/slide17.xml><?xml version="1.0" encoding="utf-8"?>
+<p:sld xmlns:a="http://schemas.openxmlformats.org/drawingml/2006/main" xmlns:r="http://schemas.openxmlformats.org/officeDocument/2006/relationships" xmlns:p="http://schemas.openxmlformats.org/presentationml/2006/main">
+  <p:cSld>
+    <p:spTree>
+      <p:nvGrpSpPr>
+        <p:cNvPr id="1" name=""/>
+        <p:cNvGrpSpPr/>
+        <p:nvPr/>
+      </p:nvGrpSpPr>
+      <p:grpSpPr>
+        <a:xfrm>
+          <a:off x="0" y="0"/>
+          <a:ext cx="0" cy="0"/>
+          <a:chOff x="0" y="0"/>
+          <a:chExt cx="0" cy="0"/>
+        </a:xfrm>
+      </p:grpSpPr>
+      <p:sp>
+        <p:nvSpPr>
+          <p:cNvPr id="2" name="Title 1">
+            <a:extLst>
+              <a:ext uri="{FF2B5EF4-FFF2-40B4-BE49-F238E27FC236}">
+                <a16:creationId xmlns:a16="http://schemas.microsoft.com/office/drawing/2014/main" id="{18E77E9E-521E-D666-1172-EA04863A7EE5}"/>
+              </a:ext>
+            </a:extLst>
+          </p:cNvPr>
+          <p:cNvSpPr>
+            <a:spLocks noGrp="1"/>
+          </p:cNvSpPr>
+          <p:nvPr>
+            <p:ph type="title"/>
+          </p:nvPr>
+        </p:nvSpPr>
+        <p:spPr/>
+        <p:txBody>
+          <a:bodyPr/>
+          <a:lstStyle/>
+          <a:p>
+            <a:endParaRPr lang="en-GB"/>
+          </a:p>
+        </p:txBody>
+      </p:sp>
+      <p:pic>
+        <p:nvPicPr>
+          <p:cNvPr id="5" name="Picture 4">
+            <a:extLst>
+              <a:ext uri="{FF2B5EF4-FFF2-40B4-BE49-F238E27FC236}">
+                <a16:creationId xmlns:a16="http://schemas.microsoft.com/office/drawing/2014/main" id="{7F29A0FD-412A-4FF6-269A-9279CA60F87E}"/>
+              </a:ext>
+            </a:extLst>
+          </p:cNvPr>
+          <p:cNvPicPr>
+            <a:picLocks noChangeAspect="1"/>
+          </p:cNvPicPr>
+          <p:nvPr/>
+        </p:nvPicPr>
+        <p:blipFill>
+          <a:blip r:embed="rId2"/>
+          <a:stretch>
+            <a:fillRect/>
+          </a:stretch>
+        </p:blipFill>
+        <p:spPr>
+          <a:xfrm>
+            <a:off x="838200" y="1861257"/>
+            <a:ext cx="7687645" cy="3135485"/>
+          </a:xfrm>
+          <a:prstGeom prst="rect">
+            <a:avLst/>
+          </a:prstGeom>
+        </p:spPr>
+      </p:pic>
+    </p:spTree>
+    <p:extLst>
+      <p:ext uri="{BB962C8B-B14F-4D97-AF65-F5344CB8AC3E}">
+        <p14:creationId xmlns:p14="http://schemas.microsoft.com/office/powerpoint/2010/main" val="1708826250"/>
+      </p:ext>
+    </p:extLst>
+  </p:cSld>
+  <p:clrMapOvr>
+    <a:masterClrMapping/>
+  </p:clrMapOvr>
+</p:sld>
+</file>
+
+<file path=ppt/slides/slide18.xml><?xml version="1.0" encoding="utf-8"?>
+<p:sld xmlns:a="http://schemas.openxmlformats.org/drawingml/2006/main" xmlns:r="http://schemas.openxmlformats.org/officeDocument/2006/relationships" xmlns:p="http://schemas.openxmlformats.org/presentationml/2006/main">
+  <p:cSld>
+    <p:spTree>
+      <p:nvGrpSpPr>
+        <p:cNvPr id="1" name=""/>
+        <p:cNvGrpSpPr/>
+        <p:nvPr/>
+      </p:nvGrpSpPr>
+      <p:grpSpPr>
+        <a:xfrm>
+          <a:off x="0" y="0"/>
+          <a:ext cx="0" cy="0"/>
+          <a:chOff x="0" y="0"/>
+          <a:chExt cx="0" cy="0"/>
+        </a:xfrm>
+      </p:grpSpPr>
+      <p:sp>
+        <p:nvSpPr>
+          <p:cNvPr id="2" name="Title 1">
+            <a:extLst>
+              <a:ext uri="{FF2B5EF4-FFF2-40B4-BE49-F238E27FC236}">
+                <a16:creationId xmlns:a16="http://schemas.microsoft.com/office/drawing/2014/main" id="{F34501D7-A5A1-B14C-9DF8-33D23D87D92F}"/>
+              </a:ext>
+            </a:extLst>
+          </p:cNvPr>
+          <p:cNvSpPr>
+            <a:spLocks noGrp="1"/>
+          </p:cNvSpPr>
+          <p:nvPr>
+            <p:ph type="title"/>
+          </p:nvPr>
+        </p:nvSpPr>
+        <p:spPr/>
+        <p:txBody>
+          <a:bodyPr/>
+          <a:lstStyle/>
+          <a:p>
+            <a:endParaRPr lang="en-GB"/>
+          </a:p>
+        </p:txBody>
+      </p:sp>
+      <p:pic>
+        <p:nvPicPr>
+          <p:cNvPr id="7" name="Picture 6">
+            <a:extLst>
+              <a:ext uri="{FF2B5EF4-FFF2-40B4-BE49-F238E27FC236}">
+                <a16:creationId xmlns:a16="http://schemas.microsoft.com/office/drawing/2014/main" id="{EA47DFE6-D2F8-294E-C3D2-1D0F0F663C9E}"/>
+              </a:ext>
+            </a:extLst>
+          </p:cNvPr>
+          <p:cNvPicPr>
+            <a:picLocks noChangeAspect="1"/>
+          </p:cNvPicPr>
+          <p:nvPr/>
+        </p:nvPicPr>
+        <p:blipFill>
+          <a:blip r:embed="rId2"/>
+          <a:stretch>
+            <a:fillRect/>
+          </a:stretch>
+        </p:blipFill>
+        <p:spPr>
+          <a:xfrm>
+            <a:off x="838200" y="1901595"/>
+            <a:ext cx="4620270" cy="3296110"/>
+          </a:xfrm>
+          <a:prstGeom prst="rect">
+            <a:avLst/>
+          </a:prstGeom>
+        </p:spPr>
+      </p:pic>
+    </p:spTree>
+    <p:extLst>
+      <p:ext uri="{BB962C8B-B14F-4D97-AF65-F5344CB8AC3E}">
+        <p14:creationId xmlns:p14="http://schemas.microsoft.com/office/powerpoint/2010/main" val="416867598"/>
+      </p:ext>
+    </p:extLst>
+  </p:cSld>
+  <p:clrMapOvr>
+    <a:masterClrMapping/>
+  </p:clrMapOvr>
+</p:sld>
+</file>
+
 <file path=ppt/slides/slide19.xml><?xml version="1.0" encoding="utf-8"?>
 <p:sld xmlns:a="http://schemas.openxmlformats.org/drawingml/2006/main" xmlns:r="http://schemas.openxmlformats.org/officeDocument/2006/relationships" xmlns:p="http://schemas.openxmlformats.org/presentationml/2006/main">
   <p:cSld>
@@ -7506,7 +7511,7 @@
           <p:cNvPr id="2" name="Title 1">
             <a:extLst>
               <a:ext uri="{FF2B5EF4-FFF2-40B4-BE49-F238E27FC236}">
-                <a16:creationId xmlns:a16="http://schemas.microsoft.com/office/drawing/2014/main" id="{12485F72-3D84-4EED-32F6-699CF9A5F075}"/>
+                <a16:creationId xmlns:a16="http://schemas.microsoft.com/office/drawing/2014/main" id="{17BD5C91-DAB1-7FBB-913D-94307751905E}"/>
               </a:ext>
             </a:extLst>
           </p:cNvPr>
@@ -7531,7 +7536,7 @@
           <p:cNvPr id="5" name="Picture 4">
             <a:extLst>
               <a:ext uri="{FF2B5EF4-FFF2-40B4-BE49-F238E27FC236}">
-                <a16:creationId xmlns:a16="http://schemas.microsoft.com/office/drawing/2014/main" id="{646C3EE8-194C-9110-9B67-951A4E19A958}"/>
+                <a16:creationId xmlns:a16="http://schemas.microsoft.com/office/drawing/2014/main" id="{2D893F72-E3F8-15FB-AECC-87A573F8324B}"/>
               </a:ext>
             </a:extLst>
           </p:cNvPr>
@@ -7548,70 +7553,18 @@
         </p:blipFill>
         <p:spPr>
           <a:xfrm>
-            <a:off x="838200" y="1906776"/>
-            <a:ext cx="9935962" cy="4210638"/>
+            <a:off x="838200" y="1765300"/>
+            <a:ext cx="4785329" cy="4727575"/>
           </a:xfrm>
           <a:prstGeom prst="rect">
             <a:avLst/>
           </a:prstGeom>
         </p:spPr>
       </p:pic>
-      <p:sp>
-        <p:nvSpPr>
-          <p:cNvPr id="7" name="Rectangle: Rounded Corners 6">
-            <a:extLst>
-              <a:ext uri="{FF2B5EF4-FFF2-40B4-BE49-F238E27FC236}">
-                <a16:creationId xmlns:a16="http://schemas.microsoft.com/office/drawing/2014/main" id="{D4469F5D-E711-E066-D4B2-4EDA12D27FF8}"/>
-              </a:ext>
-            </a:extLst>
-          </p:cNvPr>
-          <p:cNvSpPr/>
-          <p:nvPr/>
-        </p:nvSpPr>
-        <p:spPr>
-          <a:xfrm>
-            <a:off x="838200" y="3790950"/>
-            <a:ext cx="6851650" cy="1111250"/>
-          </a:xfrm>
-          <a:prstGeom prst="roundRect">
-            <a:avLst/>
-          </a:prstGeom>
-          <a:noFill/>
-          <a:ln>
-            <a:solidFill>
-              <a:srgbClr val="FF0000"/>
-            </a:solidFill>
-          </a:ln>
-        </p:spPr>
-        <p:style>
-          <a:lnRef idx="2">
-            <a:schemeClr val="accent1">
-              <a:shade val="15000"/>
-            </a:schemeClr>
-          </a:lnRef>
-          <a:fillRef idx="1">
-            <a:schemeClr val="accent1"/>
-          </a:fillRef>
-          <a:effectRef idx="0">
-            <a:schemeClr val="accent1"/>
-          </a:effectRef>
-          <a:fontRef idx="minor">
-            <a:schemeClr val="lt1"/>
-          </a:fontRef>
-        </p:style>
-        <p:txBody>
-          <a:bodyPr rtlCol="0" anchor="ctr"/>
-          <a:lstStyle/>
-          <a:p>
-            <a:pPr algn="ctr"/>
-            <a:endParaRPr lang="en-GB"/>
-          </a:p>
-        </p:txBody>
-      </p:sp>
     </p:spTree>
     <p:extLst>
       <p:ext uri="{BB962C8B-B14F-4D97-AF65-F5344CB8AC3E}">
-        <p14:creationId xmlns:p14="http://schemas.microsoft.com/office/powerpoint/2010/main" val="2157642099"/>
+        <p14:creationId xmlns:p14="http://schemas.microsoft.com/office/powerpoint/2010/main" val="584242794"/>
       </p:ext>
     </p:extLst>
   </p:cSld>
@@ -7843,7 +7796,7 @@
           <p:cNvPr id="2" name="Title 1">
             <a:extLst>
               <a:ext uri="{FF2B5EF4-FFF2-40B4-BE49-F238E27FC236}">
-                <a16:creationId xmlns:a16="http://schemas.microsoft.com/office/drawing/2014/main" id="{12485F72-3D84-4EED-32F6-699CF9A5F075}"/>
+                <a16:creationId xmlns:a16="http://schemas.microsoft.com/office/drawing/2014/main" id="{C728E01E-BAF5-6A80-20F1-087955496E37}"/>
               </a:ext>
             </a:extLst>
           </p:cNvPr>
@@ -7857,143 +7810,23 @@
         <p:spPr>
           <a:xfrm>
             <a:off x="838200" y="365125"/>
-            <a:ext cx="9616200" cy="894875"/>
+            <a:ext cx="10515600" cy="733425"/>
           </a:xfrm>
         </p:spPr>
         <p:txBody>
           <a:bodyPr/>
           <a:lstStyle/>
           <a:p>
-            <a:endParaRPr lang="en-GB"/>
-          </a:p>
-        </p:txBody>
-      </p:sp>
-      <p:pic>
-        <p:nvPicPr>
-          <p:cNvPr id="4" name="Picture 3">
-            <a:extLst>
-              <a:ext uri="{FF2B5EF4-FFF2-40B4-BE49-F238E27FC236}">
-                <a16:creationId xmlns:a16="http://schemas.microsoft.com/office/drawing/2014/main" id="{40139D6D-6F1B-BA21-B499-E6B83E65CACB}"/>
-              </a:ext>
-            </a:extLst>
-          </p:cNvPr>
-          <p:cNvPicPr>
-            <a:picLocks noChangeAspect="1"/>
-          </p:cNvPicPr>
-          <p:nvPr/>
-        </p:nvPicPr>
-        <p:blipFill>
-          <a:blip r:embed="rId2"/>
-          <a:stretch>
-            <a:fillRect/>
-          </a:stretch>
-        </p:blipFill>
-        <p:spPr>
-          <a:xfrm>
-            <a:off x="838200" y="1690688"/>
-            <a:ext cx="8844000" cy="4906476"/>
-          </a:xfrm>
-          <a:prstGeom prst="rect">
-            <a:avLst/>
-          </a:prstGeom>
-        </p:spPr>
-      </p:pic>
-    </p:spTree>
-    <p:extLst>
-      <p:ext uri="{BB962C8B-B14F-4D97-AF65-F5344CB8AC3E}">
-        <p14:creationId xmlns:p14="http://schemas.microsoft.com/office/powerpoint/2010/main" val="3973721547"/>
-      </p:ext>
-    </p:extLst>
-  </p:cSld>
-  <p:clrMapOvr>
-    <a:masterClrMapping/>
-  </p:clrMapOvr>
-</p:sld>
-</file>
-
-<file path=ppt/slides/slide21.xml><?xml version="1.0" encoding="utf-8"?>
-<p:sld xmlns:a="http://schemas.openxmlformats.org/drawingml/2006/main" xmlns:r="http://schemas.openxmlformats.org/officeDocument/2006/relationships" xmlns:p="http://schemas.openxmlformats.org/presentationml/2006/main">
-  <p:cSld>
-    <p:spTree>
-      <p:nvGrpSpPr>
-        <p:cNvPr id="1" name=""/>
-        <p:cNvGrpSpPr/>
-        <p:nvPr/>
-      </p:nvGrpSpPr>
-      <p:grpSpPr>
-        <a:xfrm>
-          <a:off x="0" y="0"/>
-          <a:ext cx="0" cy="0"/>
-          <a:chOff x="0" y="0"/>
-          <a:chExt cx="0" cy="0"/>
-        </a:xfrm>
-      </p:grpSpPr>
-      <p:sp>
-        <p:nvSpPr>
-          <p:cNvPr id="2" name="Title 1">
-            <a:extLst>
-              <a:ext uri="{FF2B5EF4-FFF2-40B4-BE49-F238E27FC236}">
-                <a16:creationId xmlns:a16="http://schemas.microsoft.com/office/drawing/2014/main" id="{BFAC80B4-447D-E463-8661-F82BB0566396}"/>
-              </a:ext>
-            </a:extLst>
-          </p:cNvPr>
-          <p:cNvSpPr>
-            <a:spLocks noGrp="1"/>
-          </p:cNvSpPr>
-          <p:nvPr>
-            <p:ph type="title"/>
-          </p:nvPr>
-        </p:nvSpPr>
-        <p:spPr>
-          <a:xfrm>
-            <a:off x="838200" y="365125"/>
-            <a:ext cx="10515600" cy="911225"/>
-          </a:xfrm>
-        </p:spPr>
-        <p:txBody>
-          <a:bodyPr/>
-          <a:lstStyle/>
-          <a:p>
             <a:endParaRPr lang="en-GB" dirty="0"/>
           </a:p>
         </p:txBody>
       </p:sp>
-      <p:pic>
-        <p:nvPicPr>
-          <p:cNvPr id="5" name="Picture 4">
-            <a:extLst>
-              <a:ext uri="{FF2B5EF4-FFF2-40B4-BE49-F238E27FC236}">
-                <a16:creationId xmlns:a16="http://schemas.microsoft.com/office/drawing/2014/main" id="{201CED20-40B3-81D8-3E22-C3ED7D00E0AA}"/>
-              </a:ext>
-            </a:extLst>
-          </p:cNvPr>
-          <p:cNvPicPr>
-            <a:picLocks noChangeAspect="1"/>
-          </p:cNvPicPr>
-          <p:nvPr/>
-        </p:nvPicPr>
-        <p:blipFill>
-          <a:blip r:embed="rId2"/>
-          <a:stretch>
-            <a:fillRect/>
-          </a:stretch>
-        </p:blipFill>
-        <p:spPr>
-          <a:xfrm>
-            <a:off x="838200" y="1461845"/>
-            <a:ext cx="6232082" cy="2316405"/>
-          </a:xfrm>
-          <a:prstGeom prst="rect">
-            <a:avLst/>
-          </a:prstGeom>
-        </p:spPr>
-      </p:pic>
       <p:pic>
         <p:nvPicPr>
           <p:cNvPr id="7" name="Picture 6">
             <a:extLst>
               <a:ext uri="{FF2B5EF4-FFF2-40B4-BE49-F238E27FC236}">
-                <a16:creationId xmlns:a16="http://schemas.microsoft.com/office/drawing/2014/main" id="{F4C98D34-33BF-17A3-51E1-241C734185DA}"/>
+                <a16:creationId xmlns:a16="http://schemas.microsoft.com/office/drawing/2014/main" id="{EDA007C6-36BF-6222-5B1A-03A1BE3F57A1}"/>
               </a:ext>
             </a:extLst>
           </p:cNvPr>
@@ -8010,8 +7843,8 @@
         </p:blipFill>
         <p:spPr>
           <a:xfrm>
-            <a:off x="838200" y="4136867"/>
-            <a:ext cx="6232082" cy="1868055"/>
+            <a:off x="838200" y="1098550"/>
+            <a:ext cx="2711450" cy="5440198"/>
           </a:xfrm>
           <a:prstGeom prst="rect">
             <a:avLst/>
@@ -8021,7 +7854,7 @@
     </p:spTree>
     <p:extLst>
       <p:ext uri="{BB962C8B-B14F-4D97-AF65-F5344CB8AC3E}">
-        <p14:creationId xmlns:p14="http://schemas.microsoft.com/office/powerpoint/2010/main" val="2078073998"/>
+        <p14:creationId xmlns:p14="http://schemas.microsoft.com/office/powerpoint/2010/main" val="1843512060"/>
       </p:ext>
     </p:extLst>
   </p:cSld>
@@ -8031,92 +7864,7 @@
 </p:sld>
 </file>
 
-<file path=ppt/slides/slide22.xml><?xml version="1.0" encoding="utf-8"?>
-<p:sld xmlns:a="http://schemas.openxmlformats.org/drawingml/2006/main" xmlns:r="http://schemas.openxmlformats.org/officeDocument/2006/relationships" xmlns:p="http://schemas.openxmlformats.org/presentationml/2006/main">
-  <p:cSld>
-    <p:spTree>
-      <p:nvGrpSpPr>
-        <p:cNvPr id="1" name=""/>
-        <p:cNvGrpSpPr/>
-        <p:nvPr/>
-      </p:nvGrpSpPr>
-      <p:grpSpPr>
-        <a:xfrm>
-          <a:off x="0" y="0"/>
-          <a:ext cx="0" cy="0"/>
-          <a:chOff x="0" y="0"/>
-          <a:chExt cx="0" cy="0"/>
-        </a:xfrm>
-      </p:grpSpPr>
-      <p:sp>
-        <p:nvSpPr>
-          <p:cNvPr id="2" name="Title 1">
-            <a:extLst>
-              <a:ext uri="{FF2B5EF4-FFF2-40B4-BE49-F238E27FC236}">
-                <a16:creationId xmlns:a16="http://schemas.microsoft.com/office/drawing/2014/main" id="{18E77E9E-521E-D666-1172-EA04863A7EE5}"/>
-              </a:ext>
-            </a:extLst>
-          </p:cNvPr>
-          <p:cNvSpPr>
-            <a:spLocks noGrp="1"/>
-          </p:cNvSpPr>
-          <p:nvPr>
-            <p:ph type="title"/>
-          </p:nvPr>
-        </p:nvSpPr>
-        <p:spPr/>
-        <p:txBody>
-          <a:bodyPr/>
-          <a:lstStyle/>
-          <a:p>
-            <a:endParaRPr lang="en-GB"/>
-          </a:p>
-        </p:txBody>
-      </p:sp>
-      <p:pic>
-        <p:nvPicPr>
-          <p:cNvPr id="5" name="Picture 4">
-            <a:extLst>
-              <a:ext uri="{FF2B5EF4-FFF2-40B4-BE49-F238E27FC236}">
-                <a16:creationId xmlns:a16="http://schemas.microsoft.com/office/drawing/2014/main" id="{7F29A0FD-412A-4FF6-269A-9279CA60F87E}"/>
-              </a:ext>
-            </a:extLst>
-          </p:cNvPr>
-          <p:cNvPicPr>
-            <a:picLocks noChangeAspect="1"/>
-          </p:cNvPicPr>
-          <p:nvPr/>
-        </p:nvPicPr>
-        <p:blipFill>
-          <a:blip r:embed="rId2"/>
-          <a:stretch>
-            <a:fillRect/>
-          </a:stretch>
-        </p:blipFill>
-        <p:spPr>
-          <a:xfrm>
-            <a:off x="838200" y="1861257"/>
-            <a:ext cx="7687645" cy="3135485"/>
-          </a:xfrm>
-          <a:prstGeom prst="rect">
-            <a:avLst/>
-          </a:prstGeom>
-        </p:spPr>
-      </p:pic>
-    </p:spTree>
-    <p:extLst>
-      <p:ext uri="{BB962C8B-B14F-4D97-AF65-F5344CB8AC3E}">
-        <p14:creationId xmlns:p14="http://schemas.microsoft.com/office/powerpoint/2010/main" val="1708826250"/>
-      </p:ext>
-    </p:extLst>
-  </p:cSld>
-  <p:clrMapOvr>
-    <a:masterClrMapping/>
-  </p:clrMapOvr>
-</p:sld>
-</file>
-
-<file path=ppt/slides/slide23.xml><?xml version="1.0" encoding="utf-8"?>
+<file path=ppt/slides/slide21.xml><?xml version="1.0" encoding="utf-8"?>
 <p:sld xmlns:a="http://schemas.openxmlformats.org/drawingml/2006/main" xmlns:r="http://schemas.openxmlformats.org/officeDocument/2006/relationships" xmlns:p="http://schemas.openxmlformats.org/presentationml/2006/main">
   <p:cSld>
     <p:spTree>
@@ -8231,7 +7979,7 @@
 </p:sld>
 </file>
 
-<file path=ppt/slides/slide24.xml><?xml version="1.0" encoding="utf-8"?>
+<file path=ppt/slides/slide22.xml><?xml version="1.0" encoding="utf-8"?>
 <p:sld xmlns:a="http://schemas.openxmlformats.org/drawingml/2006/main" xmlns:r="http://schemas.openxmlformats.org/officeDocument/2006/relationships" xmlns:p="http://schemas.openxmlformats.org/presentationml/2006/main">
   <p:cSld>
     <p:spTree>
@@ -8316,7 +8064,157 @@
 </p:sld>
 </file>
 
-<file path=ppt/slides/slide25.xml><?xml version="1.0" encoding="utf-8"?>
+<file path=ppt/slides/slide23.xml><?xml version="1.0" encoding="utf-8"?>
+<p:sld xmlns:a="http://schemas.openxmlformats.org/drawingml/2006/main" xmlns:r="http://schemas.openxmlformats.org/officeDocument/2006/relationships" xmlns:p="http://schemas.openxmlformats.org/presentationml/2006/main">
+  <p:cSld>
+    <p:spTree>
+      <p:nvGrpSpPr>
+        <p:cNvPr id="1" name=""/>
+        <p:cNvGrpSpPr/>
+        <p:nvPr/>
+      </p:nvGrpSpPr>
+      <p:grpSpPr>
+        <a:xfrm>
+          <a:off x="0" y="0"/>
+          <a:ext cx="0" cy="0"/>
+          <a:chOff x="0" y="0"/>
+          <a:chExt cx="0" cy="0"/>
+        </a:xfrm>
+      </p:grpSpPr>
+      <p:sp>
+        <p:nvSpPr>
+          <p:cNvPr id="2" name="Title 1">
+            <a:extLst>
+              <a:ext uri="{FF2B5EF4-FFF2-40B4-BE49-F238E27FC236}">
+                <a16:creationId xmlns:a16="http://schemas.microsoft.com/office/drawing/2014/main" id="{CC9BC353-C438-5E40-C3FF-618D49D8A61E}"/>
+              </a:ext>
+            </a:extLst>
+          </p:cNvPr>
+          <p:cNvSpPr>
+            <a:spLocks noGrp="1"/>
+          </p:cNvSpPr>
+          <p:nvPr>
+            <p:ph type="title"/>
+          </p:nvPr>
+        </p:nvSpPr>
+        <p:spPr>
+          <a:xfrm>
+            <a:off x="838200" y="365125"/>
+            <a:ext cx="10515600" cy="720725"/>
+          </a:xfrm>
+        </p:spPr>
+        <p:txBody>
+          <a:bodyPr/>
+          <a:lstStyle/>
+          <a:p>
+            <a:endParaRPr lang="en-GB" dirty="0"/>
+          </a:p>
+        </p:txBody>
+      </p:sp>
+      <p:pic>
+        <p:nvPicPr>
+          <p:cNvPr id="5" name="Picture 4">
+            <a:extLst>
+              <a:ext uri="{FF2B5EF4-FFF2-40B4-BE49-F238E27FC236}">
+                <a16:creationId xmlns:a16="http://schemas.microsoft.com/office/drawing/2014/main" id="{98CF9533-BABB-55BB-1DB2-79C1ABB8F663}"/>
+              </a:ext>
+            </a:extLst>
+          </p:cNvPr>
+          <p:cNvPicPr>
+            <a:picLocks noChangeAspect="1"/>
+          </p:cNvPicPr>
+          <p:nvPr/>
+        </p:nvPicPr>
+        <p:blipFill>
+          <a:blip r:embed="rId2"/>
+          <a:stretch>
+            <a:fillRect/>
+          </a:stretch>
+        </p:blipFill>
+        <p:spPr>
+          <a:xfrm>
+            <a:off x="793750" y="1290395"/>
+            <a:ext cx="3886742" cy="3477110"/>
+          </a:xfrm>
+          <a:prstGeom prst="rect">
+            <a:avLst/>
+          </a:prstGeom>
+        </p:spPr>
+      </p:pic>
+      <p:pic>
+        <p:nvPicPr>
+          <p:cNvPr id="7" name="Picture 6">
+            <a:extLst>
+              <a:ext uri="{FF2B5EF4-FFF2-40B4-BE49-F238E27FC236}">
+                <a16:creationId xmlns:a16="http://schemas.microsoft.com/office/drawing/2014/main" id="{1B13D5C5-E8D9-73FE-CFFB-A0B0D2A8EF6A}"/>
+              </a:ext>
+            </a:extLst>
+          </p:cNvPr>
+          <p:cNvPicPr>
+            <a:picLocks noChangeAspect="1"/>
+          </p:cNvPicPr>
+          <p:nvPr/>
+        </p:nvPicPr>
+        <p:blipFill>
+          <a:blip r:embed="rId3"/>
+          <a:stretch>
+            <a:fillRect/>
+          </a:stretch>
+        </p:blipFill>
+        <p:spPr>
+          <a:xfrm>
+            <a:off x="5095613" y="1193157"/>
+            <a:ext cx="4082057" cy="5029200"/>
+          </a:xfrm>
+          <a:prstGeom prst="rect">
+            <a:avLst/>
+          </a:prstGeom>
+        </p:spPr>
+      </p:pic>
+      <p:pic>
+        <p:nvPicPr>
+          <p:cNvPr id="9" name="Picture 8">
+            <a:extLst>
+              <a:ext uri="{FF2B5EF4-FFF2-40B4-BE49-F238E27FC236}">
+                <a16:creationId xmlns:a16="http://schemas.microsoft.com/office/drawing/2014/main" id="{E2E29D80-8472-864F-1A14-6618E05E385A}"/>
+              </a:ext>
+            </a:extLst>
+          </p:cNvPr>
+          <p:cNvPicPr>
+            <a:picLocks noChangeAspect="1"/>
+          </p:cNvPicPr>
+          <p:nvPr/>
+        </p:nvPicPr>
+        <p:blipFill>
+          <a:blip r:embed="rId4"/>
+          <a:stretch>
+            <a:fillRect/>
+          </a:stretch>
+        </p:blipFill>
+        <p:spPr>
+          <a:xfrm>
+            <a:off x="5095613" y="6222357"/>
+            <a:ext cx="3985272" cy="635643"/>
+          </a:xfrm>
+          <a:prstGeom prst="rect">
+            <a:avLst/>
+          </a:prstGeom>
+        </p:spPr>
+      </p:pic>
+    </p:spTree>
+    <p:extLst>
+      <p:ext uri="{BB962C8B-B14F-4D97-AF65-F5344CB8AC3E}">
+        <p14:creationId xmlns:p14="http://schemas.microsoft.com/office/powerpoint/2010/main" val="3875996855"/>
+      </p:ext>
+    </p:extLst>
+  </p:cSld>
+  <p:clrMapOvr>
+    <a:masterClrMapping/>
+  </p:clrMapOvr>
+</p:sld>
+</file>
+
+<file path=ppt/slides/slide24.xml><?xml version="1.0" encoding="utf-8"?>
 <p:sld xmlns:a="http://schemas.openxmlformats.org/drawingml/2006/main" xmlns:r="http://schemas.openxmlformats.org/officeDocument/2006/relationships" xmlns:p="http://schemas.openxmlformats.org/presentationml/2006/main">
   <p:cSld>
     <p:spTree>
@@ -8436,7 +8334,7 @@
 </p:sld>
 </file>
 
-<file path=ppt/slides/slide26.xml><?xml version="1.0" encoding="utf-8"?>
+<file path=ppt/slides/slide25.xml><?xml version="1.0" encoding="utf-8"?>
 <p:sld xmlns:a="http://schemas.openxmlformats.org/drawingml/2006/main" xmlns:r="http://schemas.openxmlformats.org/officeDocument/2006/relationships" xmlns:p="http://schemas.openxmlformats.org/presentationml/2006/main">
   <p:cSld>
     <p:spTree>
@@ -8458,7 +8356,7 @@
           <p:cNvPr id="2" name="Title 1">
             <a:extLst>
               <a:ext uri="{FF2B5EF4-FFF2-40B4-BE49-F238E27FC236}">
-                <a16:creationId xmlns:a16="http://schemas.microsoft.com/office/drawing/2014/main" id="{21017636-EA3E-8FEF-99A9-52E40CE4CEE3}"/>
+                <a16:creationId xmlns:a16="http://schemas.microsoft.com/office/drawing/2014/main" id="{5AD2B775-94F1-2712-63F2-C63C14F05B7E}"/>
               </a:ext>
             </a:extLst>
           </p:cNvPr>
@@ -8474,16 +8372,16 @@
           <a:bodyPr/>
           <a:lstStyle/>
           <a:p>
-            <a:endParaRPr lang="en-GB"/>
+            <a:endParaRPr lang="en-GB" dirty="0"/>
           </a:p>
         </p:txBody>
       </p:sp>
       <p:pic>
         <p:nvPicPr>
-          <p:cNvPr id="4" name="Picture 3">
-            <a:extLst>
-              <a:ext uri="{FF2B5EF4-FFF2-40B4-BE49-F238E27FC236}">
-                <a16:creationId xmlns:a16="http://schemas.microsoft.com/office/drawing/2014/main" id="{4F69654C-6DA8-2205-4B70-B0177BA26CE7}"/>
+          <p:cNvPr id="7" name="Picture 6">
+            <a:extLst>
+              <a:ext uri="{FF2B5EF4-FFF2-40B4-BE49-F238E27FC236}">
+                <a16:creationId xmlns:a16="http://schemas.microsoft.com/office/drawing/2014/main" id="{3B83AA5B-5185-2773-ECE3-5309334D99EA}"/>
               </a:ext>
             </a:extLst>
           </p:cNvPr>
@@ -8500,731 +8398,7 @@
         </p:blipFill>
         <p:spPr>
           <a:xfrm>
-            <a:off x="3139923" y="2035103"/>
-            <a:ext cx="5912154" cy="2787793"/>
-          </a:xfrm>
-          <a:prstGeom prst="rect">
-            <a:avLst/>
-          </a:prstGeom>
-        </p:spPr>
-      </p:pic>
-    </p:spTree>
-    <p:extLst>
-      <p:ext uri="{BB962C8B-B14F-4D97-AF65-F5344CB8AC3E}">
-        <p14:creationId xmlns:p14="http://schemas.microsoft.com/office/powerpoint/2010/main" val="1718911435"/>
-      </p:ext>
-    </p:extLst>
-  </p:cSld>
-  <p:clrMapOvr>
-    <a:masterClrMapping/>
-  </p:clrMapOvr>
-</p:sld>
-</file>
-
-<file path=ppt/slides/slide27.xml><?xml version="1.0" encoding="utf-8"?>
-<p:sld xmlns:a="http://schemas.openxmlformats.org/drawingml/2006/main" xmlns:r="http://schemas.openxmlformats.org/officeDocument/2006/relationships" xmlns:p="http://schemas.openxmlformats.org/presentationml/2006/main">
-  <p:cSld>
-    <p:spTree>
-      <p:nvGrpSpPr>
-        <p:cNvPr id="1" name=""/>
-        <p:cNvGrpSpPr/>
-        <p:nvPr/>
-      </p:nvGrpSpPr>
-      <p:grpSpPr>
-        <a:xfrm>
-          <a:off x="0" y="0"/>
-          <a:ext cx="0" cy="0"/>
-          <a:chOff x="0" y="0"/>
-          <a:chExt cx="0" cy="0"/>
-        </a:xfrm>
-      </p:grpSpPr>
-      <p:sp>
-        <p:nvSpPr>
-          <p:cNvPr id="2" name="Title 1">
-            <a:extLst>
-              <a:ext uri="{FF2B5EF4-FFF2-40B4-BE49-F238E27FC236}">
-                <a16:creationId xmlns:a16="http://schemas.microsoft.com/office/drawing/2014/main" id="{21017636-EA3E-8FEF-99A9-52E40CE4CEE3}"/>
-              </a:ext>
-            </a:extLst>
-          </p:cNvPr>
-          <p:cNvSpPr>
-            <a:spLocks noGrp="1"/>
-          </p:cNvSpPr>
-          <p:nvPr>
-            <p:ph type="title"/>
-          </p:nvPr>
-        </p:nvSpPr>
-        <p:spPr>
-          <a:xfrm>
-            <a:off x="838200" y="365125"/>
-            <a:ext cx="9310991" cy="566593"/>
-          </a:xfrm>
-        </p:spPr>
-        <p:txBody>
-          <a:bodyPr>
-            <a:normAutofit fontScale="90000"/>
-          </a:bodyPr>
-          <a:lstStyle/>
-          <a:p>
-            <a:endParaRPr lang="en-GB" dirty="0"/>
-          </a:p>
-        </p:txBody>
-      </p:sp>
-      <p:pic>
-        <p:nvPicPr>
-          <p:cNvPr id="5" name="Picture 4">
-            <a:extLst>
-              <a:ext uri="{FF2B5EF4-FFF2-40B4-BE49-F238E27FC236}">
-                <a16:creationId xmlns:a16="http://schemas.microsoft.com/office/drawing/2014/main" id="{8F5E4456-8C4D-4A3F-7FEB-51C36B0663E7}"/>
-              </a:ext>
-            </a:extLst>
-          </p:cNvPr>
-          <p:cNvPicPr>
-            <a:picLocks noChangeAspect="1"/>
-          </p:cNvPicPr>
-          <p:nvPr/>
-        </p:nvPicPr>
-        <p:blipFill>
-          <a:blip r:embed="rId2"/>
-          <a:stretch>
-            <a:fillRect/>
-          </a:stretch>
-        </p:blipFill>
-        <p:spPr>
-          <a:xfrm>
-            <a:off x="1906620" y="931718"/>
-            <a:ext cx="8583805" cy="5116791"/>
-          </a:xfrm>
-          <a:prstGeom prst="rect">
-            <a:avLst/>
-          </a:prstGeom>
-        </p:spPr>
-      </p:pic>
-    </p:spTree>
-    <p:extLst>
-      <p:ext uri="{BB962C8B-B14F-4D97-AF65-F5344CB8AC3E}">
-        <p14:creationId xmlns:p14="http://schemas.microsoft.com/office/powerpoint/2010/main" val="3447463729"/>
-      </p:ext>
-    </p:extLst>
-  </p:cSld>
-  <p:clrMapOvr>
-    <a:masterClrMapping/>
-  </p:clrMapOvr>
-</p:sld>
-</file>
-
-<file path=ppt/slides/slide28.xml><?xml version="1.0" encoding="utf-8"?>
-<p:sld xmlns:a="http://schemas.openxmlformats.org/drawingml/2006/main" xmlns:r="http://schemas.openxmlformats.org/officeDocument/2006/relationships" xmlns:p="http://schemas.openxmlformats.org/presentationml/2006/main">
-  <p:cSld>
-    <p:spTree>
-      <p:nvGrpSpPr>
-        <p:cNvPr id="1" name=""/>
-        <p:cNvGrpSpPr/>
-        <p:nvPr/>
-      </p:nvGrpSpPr>
-      <p:grpSpPr>
-        <a:xfrm>
-          <a:off x="0" y="0"/>
-          <a:ext cx="0" cy="0"/>
-          <a:chOff x="0" y="0"/>
-          <a:chExt cx="0" cy="0"/>
-        </a:xfrm>
-      </p:grpSpPr>
-      <p:sp>
-        <p:nvSpPr>
-          <p:cNvPr id="2" name="Title 1">
-            <a:extLst>
-              <a:ext uri="{FF2B5EF4-FFF2-40B4-BE49-F238E27FC236}">
-                <a16:creationId xmlns:a16="http://schemas.microsoft.com/office/drawing/2014/main" id="{F34501D7-A5A1-B14C-9DF8-33D23D87D92F}"/>
-              </a:ext>
-            </a:extLst>
-          </p:cNvPr>
-          <p:cNvSpPr>
-            <a:spLocks noGrp="1"/>
-          </p:cNvSpPr>
-          <p:nvPr>
-            <p:ph type="title"/>
-          </p:nvPr>
-        </p:nvSpPr>
-        <p:spPr/>
-        <p:txBody>
-          <a:bodyPr/>
-          <a:lstStyle/>
-          <a:p>
-            <a:endParaRPr lang="en-GB"/>
-          </a:p>
-        </p:txBody>
-      </p:sp>
-      <p:pic>
-        <p:nvPicPr>
-          <p:cNvPr id="7" name="Picture 6">
-            <a:extLst>
-              <a:ext uri="{FF2B5EF4-FFF2-40B4-BE49-F238E27FC236}">
-                <a16:creationId xmlns:a16="http://schemas.microsoft.com/office/drawing/2014/main" id="{EA47DFE6-D2F8-294E-C3D2-1D0F0F663C9E}"/>
-              </a:ext>
-            </a:extLst>
-          </p:cNvPr>
-          <p:cNvPicPr>
-            <a:picLocks noChangeAspect="1"/>
-          </p:cNvPicPr>
-          <p:nvPr/>
-        </p:nvPicPr>
-        <p:blipFill>
-          <a:blip r:embed="rId2"/>
-          <a:stretch>
-            <a:fillRect/>
-          </a:stretch>
-        </p:blipFill>
-        <p:spPr>
-          <a:xfrm>
-            <a:off x="838200" y="1901595"/>
-            <a:ext cx="4620270" cy="3296110"/>
-          </a:xfrm>
-          <a:prstGeom prst="rect">
-            <a:avLst/>
-          </a:prstGeom>
-        </p:spPr>
-      </p:pic>
-    </p:spTree>
-    <p:extLst>
-      <p:ext uri="{BB962C8B-B14F-4D97-AF65-F5344CB8AC3E}">
-        <p14:creationId xmlns:p14="http://schemas.microsoft.com/office/powerpoint/2010/main" val="421378720"/>
-      </p:ext>
-    </p:extLst>
-  </p:cSld>
-  <p:clrMapOvr>
-    <a:masterClrMapping/>
-  </p:clrMapOvr>
-</p:sld>
-</file>
-
-<file path=ppt/slides/slide29.xml><?xml version="1.0" encoding="utf-8"?>
-<p:sld xmlns:a="http://schemas.openxmlformats.org/drawingml/2006/main" xmlns:r="http://schemas.openxmlformats.org/officeDocument/2006/relationships" xmlns:p="http://schemas.openxmlformats.org/presentationml/2006/main">
-  <p:cSld>
-    <p:spTree>
-      <p:nvGrpSpPr>
-        <p:cNvPr id="1" name=""/>
-        <p:cNvGrpSpPr/>
-        <p:nvPr/>
-      </p:nvGrpSpPr>
-      <p:grpSpPr>
-        <a:xfrm>
-          <a:off x="0" y="0"/>
-          <a:ext cx="0" cy="0"/>
-          <a:chOff x="0" y="0"/>
-          <a:chExt cx="0" cy="0"/>
-        </a:xfrm>
-      </p:grpSpPr>
-      <p:sp>
-        <p:nvSpPr>
-          <p:cNvPr id="2" name="Title 1">
-            <a:extLst>
-              <a:ext uri="{FF2B5EF4-FFF2-40B4-BE49-F238E27FC236}">
-                <a16:creationId xmlns:a16="http://schemas.microsoft.com/office/drawing/2014/main" id="{17BD5C91-DAB1-7FBB-913D-94307751905E}"/>
-              </a:ext>
-            </a:extLst>
-          </p:cNvPr>
-          <p:cNvSpPr>
-            <a:spLocks noGrp="1"/>
-          </p:cNvSpPr>
-          <p:nvPr>
-            <p:ph type="title"/>
-          </p:nvPr>
-        </p:nvSpPr>
-        <p:spPr/>
-        <p:txBody>
-          <a:bodyPr/>
-          <a:lstStyle/>
-          <a:p>
-            <a:endParaRPr lang="en-GB"/>
-          </a:p>
-        </p:txBody>
-      </p:sp>
-      <p:pic>
-        <p:nvPicPr>
-          <p:cNvPr id="5" name="Picture 4">
-            <a:extLst>
-              <a:ext uri="{FF2B5EF4-FFF2-40B4-BE49-F238E27FC236}">
-                <a16:creationId xmlns:a16="http://schemas.microsoft.com/office/drawing/2014/main" id="{2D893F72-E3F8-15FB-AECC-87A573F8324B}"/>
-              </a:ext>
-            </a:extLst>
-          </p:cNvPr>
-          <p:cNvPicPr>
-            <a:picLocks noChangeAspect="1"/>
-          </p:cNvPicPr>
-          <p:nvPr/>
-        </p:nvPicPr>
-        <p:blipFill>
-          <a:blip r:embed="rId2"/>
-          <a:stretch>
-            <a:fillRect/>
-          </a:stretch>
-        </p:blipFill>
-        <p:spPr>
-          <a:xfrm>
-            <a:off x="838200" y="1765300"/>
-            <a:ext cx="4785329" cy="4727575"/>
-          </a:xfrm>
-          <a:prstGeom prst="rect">
-            <a:avLst/>
-          </a:prstGeom>
-        </p:spPr>
-      </p:pic>
-    </p:spTree>
-    <p:extLst>
-      <p:ext uri="{BB962C8B-B14F-4D97-AF65-F5344CB8AC3E}">
-        <p14:creationId xmlns:p14="http://schemas.microsoft.com/office/powerpoint/2010/main" val="1072295273"/>
-      </p:ext>
-    </p:extLst>
-  </p:cSld>
-  <p:clrMapOvr>
-    <a:masterClrMapping/>
-  </p:clrMapOvr>
-</p:sld>
-</file>
-
-<file path=ppt/slides/slide3.xml><?xml version="1.0" encoding="utf-8"?>
-<p:sld xmlns:a="http://schemas.openxmlformats.org/drawingml/2006/main" xmlns:r="http://schemas.openxmlformats.org/officeDocument/2006/relationships" xmlns:p="http://schemas.openxmlformats.org/presentationml/2006/main">
-  <p:cSld>
-    <p:spTree>
-      <p:nvGrpSpPr>
-        <p:cNvPr id="1" name=""/>
-        <p:cNvGrpSpPr/>
-        <p:nvPr/>
-      </p:nvGrpSpPr>
-      <p:grpSpPr>
-        <a:xfrm>
-          <a:off x="0" y="0"/>
-          <a:ext cx="0" cy="0"/>
-          <a:chOff x="0" y="0"/>
-          <a:chExt cx="0" cy="0"/>
-        </a:xfrm>
-      </p:grpSpPr>
-      <p:sp>
-        <p:nvSpPr>
-          <p:cNvPr id="2" name="Title 1">
-            <a:extLst>
-              <a:ext uri="{FF2B5EF4-FFF2-40B4-BE49-F238E27FC236}">
-                <a16:creationId xmlns:a16="http://schemas.microsoft.com/office/drawing/2014/main" id="{41FED174-0F29-0519-4A7D-F626ED8E0B95}"/>
-              </a:ext>
-            </a:extLst>
-          </p:cNvPr>
-          <p:cNvSpPr>
-            <a:spLocks noGrp="1"/>
-          </p:cNvSpPr>
-          <p:nvPr>
-            <p:ph type="title"/>
-          </p:nvPr>
-        </p:nvSpPr>
-        <p:spPr/>
-        <p:txBody>
-          <a:bodyPr/>
-          <a:lstStyle/>
-          <a:p>
-            <a:r>
-              <a:rPr lang="en-GB" dirty="0"/>
-              <a:t>Azure</a:t>
-            </a:r>
-          </a:p>
-        </p:txBody>
-      </p:sp>
-      <p:sp>
-        <p:nvSpPr>
-          <p:cNvPr id="3" name="Content Placeholder 2">
-            <a:extLst>
-              <a:ext uri="{FF2B5EF4-FFF2-40B4-BE49-F238E27FC236}">
-                <a16:creationId xmlns:a16="http://schemas.microsoft.com/office/drawing/2014/main" id="{A59D69EC-AC16-7028-1C0A-B82335C10F0B}"/>
-              </a:ext>
-            </a:extLst>
-          </p:cNvPr>
-          <p:cNvSpPr>
-            <a:spLocks noGrp="1"/>
-          </p:cNvSpPr>
-          <p:nvPr>
-            <p:ph idx="1"/>
-          </p:nvPr>
-        </p:nvSpPr>
-        <p:spPr/>
-        <p:txBody>
-          <a:bodyPr/>
-          <a:lstStyle/>
-          <a:p>
-            <a:r>
-              <a:rPr lang="en-GB" dirty="0"/>
-              <a:t>Go to Azure.com</a:t>
-            </a:r>
-          </a:p>
-          <a:p>
-            <a:r>
-              <a:rPr lang="en-GB" dirty="0"/>
-              <a:t>Click ‘Try Azure for free’</a:t>
-            </a:r>
-          </a:p>
-          <a:p>
-            <a:r>
-              <a:rPr lang="en-GB" dirty="0"/>
-              <a:t>You will need:</a:t>
-            </a:r>
-          </a:p>
-          <a:p>
-            <a:pPr lvl="1"/>
-            <a:r>
-              <a:rPr lang="en-GB" dirty="0"/>
-              <a:t>An email address</a:t>
-            </a:r>
-          </a:p>
-          <a:p>
-            <a:pPr lvl="1"/>
-            <a:r>
-              <a:rPr lang="en-GB" dirty="0"/>
-              <a:t>A mobile phone</a:t>
-            </a:r>
-          </a:p>
-          <a:p>
-            <a:pPr lvl="1"/>
-            <a:r>
-              <a:rPr lang="en-GB" dirty="0"/>
-              <a:t>A credit/debit card – don’t worry you won’t be charged!</a:t>
-            </a:r>
-          </a:p>
-          <a:p>
-            <a:r>
-              <a:rPr lang="en-GB" dirty="0"/>
-              <a:t>Choose United Kingdom or US region</a:t>
-            </a:r>
-          </a:p>
-          <a:p>
-            <a:r>
-              <a:rPr lang="en-GB" dirty="0"/>
-              <a:t>$200 credit / 30 days</a:t>
-            </a:r>
-          </a:p>
-          <a:p>
-            <a:r>
-              <a:rPr lang="en-GB" dirty="0"/>
-              <a:t>Some resources are free longer / permanently</a:t>
-            </a:r>
-          </a:p>
-        </p:txBody>
-      </p:sp>
-    </p:spTree>
-    <p:extLst>
-      <p:ext uri="{BB962C8B-B14F-4D97-AF65-F5344CB8AC3E}">
-        <p14:creationId xmlns:p14="http://schemas.microsoft.com/office/powerpoint/2010/main" val="859955558"/>
-      </p:ext>
-    </p:extLst>
-  </p:cSld>
-  <p:clrMapOvr>
-    <a:masterClrMapping/>
-  </p:clrMapOvr>
-</p:sld>
-</file>
-
-<file path=ppt/slides/slide30.xml><?xml version="1.0" encoding="utf-8"?>
-<p:sld xmlns:a="http://schemas.openxmlformats.org/drawingml/2006/main" xmlns:r="http://schemas.openxmlformats.org/officeDocument/2006/relationships" xmlns:p="http://schemas.openxmlformats.org/presentationml/2006/main">
-  <p:cSld>
-    <p:spTree>
-      <p:nvGrpSpPr>
-        <p:cNvPr id="1" name=""/>
-        <p:cNvGrpSpPr/>
-        <p:nvPr/>
-      </p:nvGrpSpPr>
-      <p:grpSpPr>
-        <a:xfrm>
-          <a:off x="0" y="0"/>
-          <a:ext cx="0" cy="0"/>
-          <a:chOff x="0" y="0"/>
-          <a:chExt cx="0" cy="0"/>
-        </a:xfrm>
-      </p:grpSpPr>
-      <p:sp>
-        <p:nvSpPr>
-          <p:cNvPr id="2" name="Title 1">
-            <a:extLst>
-              <a:ext uri="{FF2B5EF4-FFF2-40B4-BE49-F238E27FC236}">
-                <a16:creationId xmlns:a16="http://schemas.microsoft.com/office/drawing/2014/main" id="{C728E01E-BAF5-6A80-20F1-087955496E37}"/>
-              </a:ext>
-            </a:extLst>
-          </p:cNvPr>
-          <p:cNvSpPr>
-            <a:spLocks noGrp="1"/>
-          </p:cNvSpPr>
-          <p:nvPr>
-            <p:ph type="title"/>
-          </p:nvPr>
-        </p:nvSpPr>
-        <p:spPr>
-          <a:xfrm>
-            <a:off x="838200" y="365125"/>
-            <a:ext cx="10515600" cy="733425"/>
-          </a:xfrm>
-        </p:spPr>
-        <p:txBody>
-          <a:bodyPr/>
-          <a:lstStyle/>
-          <a:p>
-            <a:endParaRPr lang="en-GB" dirty="0"/>
-          </a:p>
-        </p:txBody>
-      </p:sp>
-      <p:pic>
-        <p:nvPicPr>
-          <p:cNvPr id="7" name="Picture 6">
-            <a:extLst>
-              <a:ext uri="{FF2B5EF4-FFF2-40B4-BE49-F238E27FC236}">
-                <a16:creationId xmlns:a16="http://schemas.microsoft.com/office/drawing/2014/main" id="{EDA007C6-36BF-6222-5B1A-03A1BE3F57A1}"/>
-              </a:ext>
-            </a:extLst>
-          </p:cNvPr>
-          <p:cNvPicPr>
-            <a:picLocks noChangeAspect="1"/>
-          </p:cNvPicPr>
-          <p:nvPr/>
-        </p:nvPicPr>
-        <p:blipFill>
-          <a:blip r:embed="rId3"/>
-          <a:stretch>
-            <a:fillRect/>
-          </a:stretch>
-        </p:blipFill>
-        <p:spPr>
-          <a:xfrm>
-            <a:off x="838200" y="1098550"/>
-            <a:ext cx="2711450" cy="5440198"/>
-          </a:xfrm>
-          <a:prstGeom prst="rect">
-            <a:avLst/>
-          </a:prstGeom>
-        </p:spPr>
-      </p:pic>
-    </p:spTree>
-    <p:extLst>
-      <p:ext uri="{BB962C8B-B14F-4D97-AF65-F5344CB8AC3E}">
-        <p14:creationId xmlns:p14="http://schemas.microsoft.com/office/powerpoint/2010/main" val="4274672877"/>
-      </p:ext>
-    </p:extLst>
-  </p:cSld>
-  <p:clrMapOvr>
-    <a:masterClrMapping/>
-  </p:clrMapOvr>
-</p:sld>
-</file>
-
-<file path=ppt/slides/slide31.xml><?xml version="1.0" encoding="utf-8"?>
-<p:sld xmlns:a="http://schemas.openxmlformats.org/drawingml/2006/main" xmlns:r="http://schemas.openxmlformats.org/officeDocument/2006/relationships" xmlns:p="http://schemas.openxmlformats.org/presentationml/2006/main">
-  <p:cSld>
-    <p:spTree>
-      <p:nvGrpSpPr>
-        <p:cNvPr id="1" name=""/>
-        <p:cNvGrpSpPr/>
-        <p:nvPr/>
-      </p:nvGrpSpPr>
-      <p:grpSpPr>
-        <a:xfrm>
-          <a:off x="0" y="0"/>
-          <a:ext cx="0" cy="0"/>
-          <a:chOff x="0" y="0"/>
-          <a:chExt cx="0" cy="0"/>
-        </a:xfrm>
-      </p:grpSpPr>
-      <p:sp>
-        <p:nvSpPr>
-          <p:cNvPr id="2" name="Title 1">
-            <a:extLst>
-              <a:ext uri="{FF2B5EF4-FFF2-40B4-BE49-F238E27FC236}">
-                <a16:creationId xmlns:a16="http://schemas.microsoft.com/office/drawing/2014/main" id="{CC9BC353-C438-5E40-C3FF-618D49D8A61E}"/>
-              </a:ext>
-            </a:extLst>
-          </p:cNvPr>
-          <p:cNvSpPr>
-            <a:spLocks noGrp="1"/>
-          </p:cNvSpPr>
-          <p:nvPr>
-            <p:ph type="title"/>
-          </p:nvPr>
-        </p:nvSpPr>
-        <p:spPr>
-          <a:xfrm>
-            <a:off x="838200" y="365125"/>
-            <a:ext cx="10515600" cy="720725"/>
-          </a:xfrm>
-        </p:spPr>
-        <p:txBody>
-          <a:bodyPr/>
-          <a:lstStyle/>
-          <a:p>
-            <a:endParaRPr lang="en-GB" dirty="0"/>
-          </a:p>
-        </p:txBody>
-      </p:sp>
-      <p:pic>
-        <p:nvPicPr>
-          <p:cNvPr id="5" name="Picture 4">
-            <a:extLst>
-              <a:ext uri="{FF2B5EF4-FFF2-40B4-BE49-F238E27FC236}">
-                <a16:creationId xmlns:a16="http://schemas.microsoft.com/office/drawing/2014/main" id="{98CF9533-BABB-55BB-1DB2-79C1ABB8F663}"/>
-              </a:ext>
-            </a:extLst>
-          </p:cNvPr>
-          <p:cNvPicPr>
-            <a:picLocks noChangeAspect="1"/>
-          </p:cNvPicPr>
-          <p:nvPr/>
-        </p:nvPicPr>
-        <p:blipFill>
-          <a:blip r:embed="rId2"/>
-          <a:stretch>
-            <a:fillRect/>
-          </a:stretch>
-        </p:blipFill>
-        <p:spPr>
-          <a:xfrm>
-            <a:off x="793750" y="1290395"/>
-            <a:ext cx="3886742" cy="3477110"/>
-          </a:xfrm>
-          <a:prstGeom prst="rect">
-            <a:avLst/>
-          </a:prstGeom>
-        </p:spPr>
-      </p:pic>
-      <p:pic>
-        <p:nvPicPr>
-          <p:cNvPr id="7" name="Picture 6">
-            <a:extLst>
-              <a:ext uri="{FF2B5EF4-FFF2-40B4-BE49-F238E27FC236}">
-                <a16:creationId xmlns:a16="http://schemas.microsoft.com/office/drawing/2014/main" id="{1B13D5C5-E8D9-73FE-CFFB-A0B0D2A8EF6A}"/>
-              </a:ext>
-            </a:extLst>
-          </p:cNvPr>
-          <p:cNvPicPr>
-            <a:picLocks noChangeAspect="1"/>
-          </p:cNvPicPr>
-          <p:nvPr/>
-        </p:nvPicPr>
-        <p:blipFill>
-          <a:blip r:embed="rId3"/>
-          <a:stretch>
-            <a:fillRect/>
-          </a:stretch>
-        </p:blipFill>
-        <p:spPr>
-          <a:xfrm>
-            <a:off x="5095613" y="1193157"/>
-            <a:ext cx="4082057" cy="5029200"/>
-          </a:xfrm>
-          <a:prstGeom prst="rect">
-            <a:avLst/>
-          </a:prstGeom>
-        </p:spPr>
-      </p:pic>
-      <p:pic>
-        <p:nvPicPr>
-          <p:cNvPr id="9" name="Picture 8">
-            <a:extLst>
-              <a:ext uri="{FF2B5EF4-FFF2-40B4-BE49-F238E27FC236}">
-                <a16:creationId xmlns:a16="http://schemas.microsoft.com/office/drawing/2014/main" id="{E2E29D80-8472-864F-1A14-6618E05E385A}"/>
-              </a:ext>
-            </a:extLst>
-          </p:cNvPr>
-          <p:cNvPicPr>
-            <a:picLocks noChangeAspect="1"/>
-          </p:cNvPicPr>
-          <p:nvPr/>
-        </p:nvPicPr>
-        <p:blipFill>
-          <a:blip r:embed="rId4"/>
-          <a:stretch>
-            <a:fillRect/>
-          </a:stretch>
-        </p:blipFill>
-        <p:spPr>
-          <a:xfrm>
-            <a:off x="5095613" y="6222357"/>
-            <a:ext cx="3985272" cy="635643"/>
-          </a:xfrm>
-          <a:prstGeom prst="rect">
-            <a:avLst/>
-          </a:prstGeom>
-        </p:spPr>
-      </p:pic>
-    </p:spTree>
-    <p:extLst>
-      <p:ext uri="{BB962C8B-B14F-4D97-AF65-F5344CB8AC3E}">
-        <p14:creationId xmlns:p14="http://schemas.microsoft.com/office/powerpoint/2010/main" val="3875996855"/>
-      </p:ext>
-    </p:extLst>
-  </p:cSld>
-  <p:clrMapOvr>
-    <a:masterClrMapping/>
-  </p:clrMapOvr>
-</p:sld>
-</file>
-
-<file path=ppt/slides/slide32.xml><?xml version="1.0" encoding="utf-8"?>
-<p:sld xmlns:a="http://schemas.openxmlformats.org/drawingml/2006/main" xmlns:r="http://schemas.openxmlformats.org/officeDocument/2006/relationships" xmlns:p="http://schemas.openxmlformats.org/presentationml/2006/main">
-  <p:cSld>
-    <p:spTree>
-      <p:nvGrpSpPr>
-        <p:cNvPr id="1" name=""/>
-        <p:cNvGrpSpPr/>
-        <p:nvPr/>
-      </p:nvGrpSpPr>
-      <p:grpSpPr>
-        <a:xfrm>
-          <a:off x="0" y="0"/>
-          <a:ext cx="0" cy="0"/>
-          <a:chOff x="0" y="0"/>
-          <a:chExt cx="0" cy="0"/>
-        </a:xfrm>
-      </p:grpSpPr>
-      <p:sp>
-        <p:nvSpPr>
-          <p:cNvPr id="2" name="Title 1">
-            <a:extLst>
-              <a:ext uri="{FF2B5EF4-FFF2-40B4-BE49-F238E27FC236}">
-                <a16:creationId xmlns:a16="http://schemas.microsoft.com/office/drawing/2014/main" id="{5AD2B775-94F1-2712-63F2-C63C14F05B7E}"/>
-              </a:ext>
-            </a:extLst>
-          </p:cNvPr>
-          <p:cNvSpPr>
-            <a:spLocks noGrp="1"/>
-          </p:cNvSpPr>
-          <p:nvPr>
-            <p:ph type="title"/>
-          </p:nvPr>
-        </p:nvSpPr>
-        <p:spPr/>
-        <p:txBody>
-          <a:bodyPr/>
-          <a:lstStyle/>
-          <a:p>
-            <a:endParaRPr lang="en-GB"/>
-          </a:p>
-        </p:txBody>
-      </p:sp>
-      <p:pic>
-        <p:nvPicPr>
-          <p:cNvPr id="7" name="Picture 6">
-            <a:extLst>
-              <a:ext uri="{FF2B5EF4-FFF2-40B4-BE49-F238E27FC236}">
-                <a16:creationId xmlns:a16="http://schemas.microsoft.com/office/drawing/2014/main" id="{3B83AA5B-5185-2773-ECE3-5309334D99EA}"/>
-              </a:ext>
-            </a:extLst>
-          </p:cNvPr>
-          <p:cNvPicPr>
-            <a:picLocks noChangeAspect="1"/>
-          </p:cNvPicPr>
-          <p:nvPr/>
-        </p:nvPicPr>
-        <p:blipFill>
-          <a:blip r:embed="rId2"/>
-          <a:stretch>
-            <a:fillRect/>
-          </a:stretch>
-        </p:blipFill>
-        <p:spPr>
-          <a:xfrm>
-            <a:off x="946150" y="1690688"/>
+            <a:off x="1330125" y="907664"/>
             <a:ext cx="7684755" cy="4737847"/>
           </a:xfrm>
           <a:prstGeom prst="rect">
@@ -9245,7 +8419,7 @@
 </p:sld>
 </file>
 
-<file path=ppt/slides/slide33.xml><?xml version="1.0" encoding="utf-8"?>
+<file path=ppt/slides/slide26.xml><?xml version="1.0" encoding="utf-8"?>
 <p:sld xmlns:a="http://schemas.openxmlformats.org/drawingml/2006/main" xmlns:r="http://schemas.openxmlformats.org/officeDocument/2006/relationships" xmlns:p="http://schemas.openxmlformats.org/presentationml/2006/main">
   <p:cSld>
     <p:spTree>
@@ -9360,7 +8534,7 @@
 </p:sld>
 </file>
 
-<file path=ppt/slides/slide34.xml><?xml version="1.0" encoding="utf-8"?>
+<file path=ppt/slides/slide27.xml><?xml version="1.0" encoding="utf-8"?>
 <p:sld xmlns:a="http://schemas.openxmlformats.org/drawingml/2006/main" xmlns:r="http://schemas.openxmlformats.org/officeDocument/2006/relationships" xmlns:p="http://schemas.openxmlformats.org/presentationml/2006/main">
   <p:cSld>
     <p:spTree>
@@ -9445,7 +8619,399 @@
 </p:sld>
 </file>
 
-<file path=ppt/slides/slide35.xml><?xml version="1.0" encoding="utf-8"?>
+<file path=ppt/slides/slide28.xml><?xml version="1.0" encoding="utf-8"?>
+<p:sld xmlns:a="http://schemas.openxmlformats.org/drawingml/2006/main" xmlns:r="http://schemas.openxmlformats.org/officeDocument/2006/relationships" xmlns:p="http://schemas.openxmlformats.org/presentationml/2006/main">
+  <p:cSld>
+    <p:spTree>
+      <p:nvGrpSpPr>
+        <p:cNvPr id="1" name=""/>
+        <p:cNvGrpSpPr/>
+        <p:nvPr/>
+      </p:nvGrpSpPr>
+      <p:grpSpPr>
+        <a:xfrm>
+          <a:off x="0" y="0"/>
+          <a:ext cx="0" cy="0"/>
+          <a:chOff x="0" y="0"/>
+          <a:chExt cx="0" cy="0"/>
+        </a:xfrm>
+      </p:grpSpPr>
+      <p:sp>
+        <p:nvSpPr>
+          <p:cNvPr id="2" name="Title 1">
+            <a:extLst>
+              <a:ext uri="{FF2B5EF4-FFF2-40B4-BE49-F238E27FC236}">
+                <a16:creationId xmlns:a16="http://schemas.microsoft.com/office/drawing/2014/main" id="{1F47DEB6-EF01-3120-24A4-8BBD1FB57578}"/>
+              </a:ext>
+            </a:extLst>
+          </p:cNvPr>
+          <p:cNvSpPr>
+            <a:spLocks noGrp="1"/>
+          </p:cNvSpPr>
+          <p:nvPr>
+            <p:ph type="title"/>
+          </p:nvPr>
+        </p:nvSpPr>
+        <p:spPr/>
+        <p:txBody>
+          <a:bodyPr/>
+          <a:lstStyle/>
+          <a:p>
+            <a:endParaRPr lang="en-GB"/>
+          </a:p>
+        </p:txBody>
+      </p:sp>
+      <p:pic>
+        <p:nvPicPr>
+          <p:cNvPr id="5" name="Picture 4">
+            <a:extLst>
+              <a:ext uri="{FF2B5EF4-FFF2-40B4-BE49-F238E27FC236}">
+                <a16:creationId xmlns:a16="http://schemas.microsoft.com/office/drawing/2014/main" id="{11ECF972-327A-4F97-74A0-05253F85A127}"/>
+              </a:ext>
+            </a:extLst>
+          </p:cNvPr>
+          <p:cNvPicPr>
+            <a:picLocks noChangeAspect="1"/>
+          </p:cNvPicPr>
+          <p:nvPr/>
+        </p:nvPicPr>
+        <p:blipFill>
+          <a:blip r:embed="rId2"/>
+          <a:stretch>
+            <a:fillRect/>
+          </a:stretch>
+        </p:blipFill>
+        <p:spPr>
+          <a:xfrm>
+            <a:off x="838200" y="1790285"/>
+            <a:ext cx="5989552" cy="4572416"/>
+          </a:xfrm>
+          <a:prstGeom prst="rect">
+            <a:avLst/>
+          </a:prstGeom>
+        </p:spPr>
+      </p:pic>
+    </p:spTree>
+    <p:extLst>
+      <p:ext uri="{BB962C8B-B14F-4D97-AF65-F5344CB8AC3E}">
+        <p14:creationId xmlns:p14="http://schemas.microsoft.com/office/powerpoint/2010/main" val="2560391071"/>
+      </p:ext>
+    </p:extLst>
+  </p:cSld>
+  <p:clrMapOvr>
+    <a:masterClrMapping/>
+  </p:clrMapOvr>
+</p:sld>
+</file>
+
+<file path=ppt/slides/slide29.xml><?xml version="1.0" encoding="utf-8"?>
+<p:sld xmlns:a="http://schemas.openxmlformats.org/drawingml/2006/main" xmlns:r="http://schemas.openxmlformats.org/officeDocument/2006/relationships" xmlns:p="http://schemas.openxmlformats.org/presentationml/2006/main">
+  <p:cSld>
+    <p:spTree>
+      <p:nvGrpSpPr>
+        <p:cNvPr id="1" name=""/>
+        <p:cNvGrpSpPr/>
+        <p:nvPr/>
+      </p:nvGrpSpPr>
+      <p:grpSpPr>
+        <a:xfrm>
+          <a:off x="0" y="0"/>
+          <a:ext cx="0" cy="0"/>
+          <a:chOff x="0" y="0"/>
+          <a:chExt cx="0" cy="0"/>
+        </a:xfrm>
+      </p:grpSpPr>
+      <p:sp>
+        <p:nvSpPr>
+          <p:cNvPr id="2" name="Title 1">
+            <a:extLst>
+              <a:ext uri="{FF2B5EF4-FFF2-40B4-BE49-F238E27FC236}">
+                <a16:creationId xmlns:a16="http://schemas.microsoft.com/office/drawing/2014/main" id="{A5996088-943A-36AA-00EC-9B6FEFDCA55D}"/>
+              </a:ext>
+            </a:extLst>
+          </p:cNvPr>
+          <p:cNvSpPr>
+            <a:spLocks noGrp="1"/>
+          </p:cNvSpPr>
+          <p:nvPr>
+            <p:ph type="title"/>
+          </p:nvPr>
+        </p:nvSpPr>
+        <p:spPr/>
+        <p:txBody>
+          <a:bodyPr/>
+          <a:lstStyle/>
+          <a:p>
+            <a:endParaRPr lang="en-GB"/>
+          </a:p>
+        </p:txBody>
+      </p:sp>
+      <p:pic>
+        <p:nvPicPr>
+          <p:cNvPr id="5" name="Picture 4">
+            <a:extLst>
+              <a:ext uri="{FF2B5EF4-FFF2-40B4-BE49-F238E27FC236}">
+                <a16:creationId xmlns:a16="http://schemas.microsoft.com/office/drawing/2014/main" id="{FB1A9C81-B925-8A70-C172-050BACA400F5}"/>
+              </a:ext>
+            </a:extLst>
+          </p:cNvPr>
+          <p:cNvPicPr>
+            <a:picLocks noChangeAspect="1"/>
+          </p:cNvPicPr>
+          <p:nvPr/>
+        </p:nvPicPr>
+        <p:blipFill>
+          <a:blip r:embed="rId2"/>
+          <a:stretch>
+            <a:fillRect/>
+          </a:stretch>
+        </p:blipFill>
+        <p:spPr>
+          <a:xfrm>
+            <a:off x="2453834" y="674299"/>
+            <a:ext cx="6076934" cy="5289877"/>
+          </a:xfrm>
+          <a:prstGeom prst="rect">
+            <a:avLst/>
+          </a:prstGeom>
+        </p:spPr>
+      </p:pic>
+    </p:spTree>
+    <p:extLst>
+      <p:ext uri="{BB962C8B-B14F-4D97-AF65-F5344CB8AC3E}">
+        <p14:creationId xmlns:p14="http://schemas.microsoft.com/office/powerpoint/2010/main" val="3888417168"/>
+      </p:ext>
+    </p:extLst>
+  </p:cSld>
+  <p:clrMapOvr>
+    <a:masterClrMapping/>
+  </p:clrMapOvr>
+</p:sld>
+</file>
+
+<file path=ppt/slides/slide3.xml><?xml version="1.0" encoding="utf-8"?>
+<p:sld xmlns:a="http://schemas.openxmlformats.org/drawingml/2006/main" xmlns:r="http://schemas.openxmlformats.org/officeDocument/2006/relationships" xmlns:p="http://schemas.openxmlformats.org/presentationml/2006/main">
+  <p:cSld>
+    <p:spTree>
+      <p:nvGrpSpPr>
+        <p:cNvPr id="1" name=""/>
+        <p:cNvGrpSpPr/>
+        <p:nvPr/>
+      </p:nvGrpSpPr>
+      <p:grpSpPr>
+        <a:xfrm>
+          <a:off x="0" y="0"/>
+          <a:ext cx="0" cy="0"/>
+          <a:chOff x="0" y="0"/>
+          <a:chExt cx="0" cy="0"/>
+        </a:xfrm>
+      </p:grpSpPr>
+      <p:sp>
+        <p:nvSpPr>
+          <p:cNvPr id="2" name="Title 1">
+            <a:extLst>
+              <a:ext uri="{FF2B5EF4-FFF2-40B4-BE49-F238E27FC236}">
+                <a16:creationId xmlns:a16="http://schemas.microsoft.com/office/drawing/2014/main" id="{41FED174-0F29-0519-4A7D-F626ED8E0B95}"/>
+              </a:ext>
+            </a:extLst>
+          </p:cNvPr>
+          <p:cNvSpPr>
+            <a:spLocks noGrp="1"/>
+          </p:cNvSpPr>
+          <p:nvPr>
+            <p:ph type="title"/>
+          </p:nvPr>
+        </p:nvSpPr>
+        <p:spPr/>
+        <p:txBody>
+          <a:bodyPr/>
+          <a:lstStyle/>
+          <a:p>
+            <a:r>
+              <a:rPr lang="en-GB" dirty="0"/>
+              <a:t>Azure</a:t>
+            </a:r>
+          </a:p>
+        </p:txBody>
+      </p:sp>
+      <p:sp>
+        <p:nvSpPr>
+          <p:cNvPr id="3" name="Content Placeholder 2">
+            <a:extLst>
+              <a:ext uri="{FF2B5EF4-FFF2-40B4-BE49-F238E27FC236}">
+                <a16:creationId xmlns:a16="http://schemas.microsoft.com/office/drawing/2014/main" id="{A59D69EC-AC16-7028-1C0A-B82335C10F0B}"/>
+              </a:ext>
+            </a:extLst>
+          </p:cNvPr>
+          <p:cNvSpPr>
+            <a:spLocks noGrp="1"/>
+          </p:cNvSpPr>
+          <p:nvPr>
+            <p:ph idx="1"/>
+          </p:nvPr>
+        </p:nvSpPr>
+        <p:spPr/>
+        <p:txBody>
+          <a:bodyPr/>
+          <a:lstStyle/>
+          <a:p>
+            <a:r>
+              <a:rPr lang="en-GB" dirty="0"/>
+              <a:t>Go to Azure.com</a:t>
+            </a:r>
+          </a:p>
+          <a:p>
+            <a:r>
+              <a:rPr lang="en-GB" dirty="0"/>
+              <a:t>Click ‘Try Azure for free’</a:t>
+            </a:r>
+          </a:p>
+          <a:p>
+            <a:r>
+              <a:rPr lang="en-GB" dirty="0"/>
+              <a:t>You will need:</a:t>
+            </a:r>
+          </a:p>
+          <a:p>
+            <a:pPr lvl="1"/>
+            <a:r>
+              <a:rPr lang="en-GB" dirty="0"/>
+              <a:t>An email address</a:t>
+            </a:r>
+          </a:p>
+          <a:p>
+            <a:pPr lvl="1"/>
+            <a:r>
+              <a:rPr lang="en-GB" dirty="0"/>
+              <a:t>A mobile phone</a:t>
+            </a:r>
+          </a:p>
+          <a:p>
+            <a:pPr lvl="1"/>
+            <a:r>
+              <a:rPr lang="en-GB" dirty="0"/>
+              <a:t>A credit/debit card – don’t worry you won’t be charged!</a:t>
+            </a:r>
+          </a:p>
+          <a:p>
+            <a:r>
+              <a:rPr lang="en-GB" dirty="0"/>
+              <a:t>Choose United Kingdom or US region</a:t>
+            </a:r>
+          </a:p>
+          <a:p>
+            <a:r>
+              <a:rPr lang="en-GB" dirty="0"/>
+              <a:t>$200 credit / 30 days</a:t>
+            </a:r>
+          </a:p>
+          <a:p>
+            <a:r>
+              <a:rPr lang="en-GB" dirty="0"/>
+              <a:t>Some resources are free longer / permanently</a:t>
+            </a:r>
+          </a:p>
+        </p:txBody>
+      </p:sp>
+    </p:spTree>
+    <p:extLst>
+      <p:ext uri="{BB962C8B-B14F-4D97-AF65-F5344CB8AC3E}">
+        <p14:creationId xmlns:p14="http://schemas.microsoft.com/office/powerpoint/2010/main" val="859955558"/>
+      </p:ext>
+    </p:extLst>
+  </p:cSld>
+  <p:clrMapOvr>
+    <a:masterClrMapping/>
+  </p:clrMapOvr>
+</p:sld>
+</file>
+
+<file path=ppt/slides/slide30.xml><?xml version="1.0" encoding="utf-8"?>
+<p:sld xmlns:a="http://schemas.openxmlformats.org/drawingml/2006/main" xmlns:r="http://schemas.openxmlformats.org/officeDocument/2006/relationships" xmlns:p="http://schemas.openxmlformats.org/presentationml/2006/main">
+  <p:cSld>
+    <p:spTree>
+      <p:nvGrpSpPr>
+        <p:cNvPr id="1" name=""/>
+        <p:cNvGrpSpPr/>
+        <p:nvPr/>
+      </p:nvGrpSpPr>
+      <p:grpSpPr>
+        <a:xfrm>
+          <a:off x="0" y="0"/>
+          <a:ext cx="0" cy="0"/>
+          <a:chOff x="0" y="0"/>
+          <a:chExt cx="0" cy="0"/>
+        </a:xfrm>
+      </p:grpSpPr>
+      <p:sp>
+        <p:nvSpPr>
+          <p:cNvPr id="2" name="Title 1">
+            <a:extLst>
+              <a:ext uri="{FF2B5EF4-FFF2-40B4-BE49-F238E27FC236}">
+                <a16:creationId xmlns:a16="http://schemas.microsoft.com/office/drawing/2014/main" id="{52608B92-6DB7-0E6B-5B32-CD7D5D3FB6F2}"/>
+              </a:ext>
+            </a:extLst>
+          </p:cNvPr>
+          <p:cNvSpPr>
+            <a:spLocks noGrp="1"/>
+          </p:cNvSpPr>
+          <p:nvPr>
+            <p:ph type="title"/>
+          </p:nvPr>
+        </p:nvSpPr>
+        <p:spPr/>
+        <p:txBody>
+          <a:bodyPr/>
+          <a:lstStyle/>
+          <a:p>
+            <a:endParaRPr lang="en-GB"/>
+          </a:p>
+        </p:txBody>
+      </p:sp>
+      <p:pic>
+        <p:nvPicPr>
+          <p:cNvPr id="5" name="Picture 4">
+            <a:extLst>
+              <a:ext uri="{FF2B5EF4-FFF2-40B4-BE49-F238E27FC236}">
+                <a16:creationId xmlns:a16="http://schemas.microsoft.com/office/drawing/2014/main" id="{61339789-8B29-75CD-AFA6-7EC8F667E8AC}"/>
+              </a:ext>
+            </a:extLst>
+          </p:cNvPr>
+          <p:cNvPicPr>
+            <a:picLocks noChangeAspect="1"/>
+          </p:cNvPicPr>
+          <p:nvPr/>
+        </p:nvPicPr>
+        <p:blipFill>
+          <a:blip r:embed="rId2"/>
+          <a:stretch>
+            <a:fillRect/>
+          </a:stretch>
+        </p:blipFill>
+        <p:spPr>
+          <a:xfrm>
+            <a:off x="838200" y="1815599"/>
+            <a:ext cx="5522843" cy="4624957"/>
+          </a:xfrm>
+          <a:prstGeom prst="rect">
+            <a:avLst/>
+          </a:prstGeom>
+        </p:spPr>
+      </p:pic>
+    </p:spTree>
+    <p:extLst>
+      <p:ext uri="{BB962C8B-B14F-4D97-AF65-F5344CB8AC3E}">
+        <p14:creationId xmlns:p14="http://schemas.microsoft.com/office/powerpoint/2010/main" val="3867661675"/>
+      </p:ext>
+    </p:extLst>
+  </p:cSld>
+  <p:clrMapOvr>
+    <a:masterClrMapping/>
+  </p:clrMapOvr>
+</p:sld>
+</file>
+
+<file path=ppt/slides/slide31.xml><?xml version="1.0" encoding="utf-8"?>
 <p:sld xmlns:a="http://schemas.openxmlformats.org/drawingml/2006/main" xmlns:r="http://schemas.openxmlformats.org/officeDocument/2006/relationships" xmlns:p="http://schemas.openxmlformats.org/presentationml/2006/main">
   <p:cSld>
     <p:spTree>
@@ -9530,177 +9096,7 @@
 </p:sld>
 </file>
 
-<file path=ppt/slides/slide36.xml><?xml version="1.0" encoding="utf-8"?>
-<p:sld xmlns:a="http://schemas.openxmlformats.org/drawingml/2006/main" xmlns:r="http://schemas.openxmlformats.org/officeDocument/2006/relationships" xmlns:p="http://schemas.openxmlformats.org/presentationml/2006/main">
-  <p:cSld>
-    <p:spTree>
-      <p:nvGrpSpPr>
-        <p:cNvPr id="1" name=""/>
-        <p:cNvGrpSpPr/>
-        <p:nvPr/>
-      </p:nvGrpSpPr>
-      <p:grpSpPr>
-        <a:xfrm>
-          <a:off x="0" y="0"/>
-          <a:ext cx="0" cy="0"/>
-          <a:chOff x="0" y="0"/>
-          <a:chExt cx="0" cy="0"/>
-        </a:xfrm>
-      </p:grpSpPr>
-      <p:sp>
-        <p:nvSpPr>
-          <p:cNvPr id="2" name="Title 1">
-            <a:extLst>
-              <a:ext uri="{FF2B5EF4-FFF2-40B4-BE49-F238E27FC236}">
-                <a16:creationId xmlns:a16="http://schemas.microsoft.com/office/drawing/2014/main" id="{1F47DEB6-EF01-3120-24A4-8BBD1FB57578}"/>
-              </a:ext>
-            </a:extLst>
-          </p:cNvPr>
-          <p:cNvSpPr>
-            <a:spLocks noGrp="1"/>
-          </p:cNvSpPr>
-          <p:nvPr>
-            <p:ph type="title"/>
-          </p:nvPr>
-        </p:nvSpPr>
-        <p:spPr/>
-        <p:txBody>
-          <a:bodyPr/>
-          <a:lstStyle/>
-          <a:p>
-            <a:endParaRPr lang="en-GB"/>
-          </a:p>
-        </p:txBody>
-      </p:sp>
-      <p:pic>
-        <p:nvPicPr>
-          <p:cNvPr id="5" name="Picture 4">
-            <a:extLst>
-              <a:ext uri="{FF2B5EF4-FFF2-40B4-BE49-F238E27FC236}">
-                <a16:creationId xmlns:a16="http://schemas.microsoft.com/office/drawing/2014/main" id="{11ECF972-327A-4F97-74A0-05253F85A127}"/>
-              </a:ext>
-            </a:extLst>
-          </p:cNvPr>
-          <p:cNvPicPr>
-            <a:picLocks noChangeAspect="1"/>
-          </p:cNvPicPr>
-          <p:nvPr/>
-        </p:nvPicPr>
-        <p:blipFill>
-          <a:blip r:embed="rId2"/>
-          <a:stretch>
-            <a:fillRect/>
-          </a:stretch>
-        </p:blipFill>
-        <p:spPr>
-          <a:xfrm>
-            <a:off x="838200" y="1790285"/>
-            <a:ext cx="5989552" cy="4572416"/>
-          </a:xfrm>
-          <a:prstGeom prst="rect">
-            <a:avLst/>
-          </a:prstGeom>
-        </p:spPr>
-      </p:pic>
-    </p:spTree>
-    <p:extLst>
-      <p:ext uri="{BB962C8B-B14F-4D97-AF65-F5344CB8AC3E}">
-        <p14:creationId xmlns:p14="http://schemas.microsoft.com/office/powerpoint/2010/main" val="2560391071"/>
-      </p:ext>
-    </p:extLst>
-  </p:cSld>
-  <p:clrMapOvr>
-    <a:masterClrMapping/>
-  </p:clrMapOvr>
-</p:sld>
-</file>
-
-<file path=ppt/slides/slide37.xml><?xml version="1.0" encoding="utf-8"?>
-<p:sld xmlns:a="http://schemas.openxmlformats.org/drawingml/2006/main" xmlns:r="http://schemas.openxmlformats.org/officeDocument/2006/relationships" xmlns:p="http://schemas.openxmlformats.org/presentationml/2006/main">
-  <p:cSld>
-    <p:spTree>
-      <p:nvGrpSpPr>
-        <p:cNvPr id="1" name=""/>
-        <p:cNvGrpSpPr/>
-        <p:nvPr/>
-      </p:nvGrpSpPr>
-      <p:grpSpPr>
-        <a:xfrm>
-          <a:off x="0" y="0"/>
-          <a:ext cx="0" cy="0"/>
-          <a:chOff x="0" y="0"/>
-          <a:chExt cx="0" cy="0"/>
-        </a:xfrm>
-      </p:grpSpPr>
-      <p:sp>
-        <p:nvSpPr>
-          <p:cNvPr id="2" name="Title 1">
-            <a:extLst>
-              <a:ext uri="{FF2B5EF4-FFF2-40B4-BE49-F238E27FC236}">
-                <a16:creationId xmlns:a16="http://schemas.microsoft.com/office/drawing/2014/main" id="{52608B92-6DB7-0E6B-5B32-CD7D5D3FB6F2}"/>
-              </a:ext>
-            </a:extLst>
-          </p:cNvPr>
-          <p:cNvSpPr>
-            <a:spLocks noGrp="1"/>
-          </p:cNvSpPr>
-          <p:nvPr>
-            <p:ph type="title"/>
-          </p:nvPr>
-        </p:nvSpPr>
-        <p:spPr/>
-        <p:txBody>
-          <a:bodyPr/>
-          <a:lstStyle/>
-          <a:p>
-            <a:endParaRPr lang="en-GB"/>
-          </a:p>
-        </p:txBody>
-      </p:sp>
-      <p:pic>
-        <p:nvPicPr>
-          <p:cNvPr id="5" name="Picture 4">
-            <a:extLst>
-              <a:ext uri="{FF2B5EF4-FFF2-40B4-BE49-F238E27FC236}">
-                <a16:creationId xmlns:a16="http://schemas.microsoft.com/office/drawing/2014/main" id="{61339789-8B29-75CD-AFA6-7EC8F667E8AC}"/>
-              </a:ext>
-            </a:extLst>
-          </p:cNvPr>
-          <p:cNvPicPr>
-            <a:picLocks noChangeAspect="1"/>
-          </p:cNvPicPr>
-          <p:nvPr/>
-        </p:nvPicPr>
-        <p:blipFill>
-          <a:blip r:embed="rId2"/>
-          <a:stretch>
-            <a:fillRect/>
-          </a:stretch>
-        </p:blipFill>
-        <p:spPr>
-          <a:xfrm>
-            <a:off x="838200" y="1815599"/>
-            <a:ext cx="5522843" cy="4624957"/>
-          </a:xfrm>
-          <a:prstGeom prst="rect">
-            <a:avLst/>
-          </a:prstGeom>
-        </p:spPr>
-      </p:pic>
-    </p:spTree>
-    <p:extLst>
-      <p:ext uri="{BB962C8B-B14F-4D97-AF65-F5344CB8AC3E}">
-        <p14:creationId xmlns:p14="http://schemas.microsoft.com/office/powerpoint/2010/main" val="3867661675"/>
-      </p:ext>
-    </p:extLst>
-  </p:cSld>
-  <p:clrMapOvr>
-    <a:masterClrMapping/>
-  </p:clrMapOvr>
-</p:sld>
-</file>
-
-<file path=ppt/slides/slide38.xml><?xml version="1.0" encoding="utf-8"?>
+<file path=ppt/slides/slide32.xml><?xml version="1.0" encoding="utf-8"?>
 <p:sld xmlns:a="http://schemas.openxmlformats.org/drawingml/2006/main" xmlns:r="http://schemas.openxmlformats.org/officeDocument/2006/relationships" xmlns:p="http://schemas.openxmlformats.org/presentationml/2006/main">
   <p:cSld>
     <p:spTree>
@@ -9790,7 +9186,7 @@
 </p:sld>
 </file>
 
-<file path=ppt/slides/slide39.xml><?xml version="1.0" encoding="utf-8"?>
+<file path=ppt/slides/slide33.xml><?xml version="1.0" encoding="utf-8"?>
 <p:sld xmlns:a="http://schemas.openxmlformats.org/drawingml/2006/main" xmlns:r="http://schemas.openxmlformats.org/officeDocument/2006/relationships" xmlns:p="http://schemas.openxmlformats.org/presentationml/2006/main">
   <p:cSld>
     <p:spTree>
@@ -9875,99 +9271,7 @@
 </p:sld>
 </file>
 
-<file path=ppt/slides/slide4.xml><?xml version="1.0" encoding="utf-8"?>
-<p:sld xmlns:a="http://schemas.openxmlformats.org/drawingml/2006/main" xmlns:r="http://schemas.openxmlformats.org/officeDocument/2006/relationships" xmlns:p="http://schemas.openxmlformats.org/presentationml/2006/main">
-  <p:cSld>
-    <p:spTree>
-      <p:nvGrpSpPr>
-        <p:cNvPr id="1" name=""/>
-        <p:cNvGrpSpPr/>
-        <p:nvPr/>
-      </p:nvGrpSpPr>
-      <p:grpSpPr>
-        <a:xfrm>
-          <a:off x="0" y="0"/>
-          <a:ext cx="0" cy="0"/>
-          <a:chOff x="0" y="0"/>
-          <a:chExt cx="0" cy="0"/>
-        </a:xfrm>
-      </p:grpSpPr>
-      <p:sp>
-        <p:nvSpPr>
-          <p:cNvPr id="2" name="Title 1">
-            <a:extLst>
-              <a:ext uri="{FF2B5EF4-FFF2-40B4-BE49-F238E27FC236}">
-                <a16:creationId xmlns:a16="http://schemas.microsoft.com/office/drawing/2014/main" id="{9831B8CC-CE63-2632-A79B-DF312B723DB2}"/>
-              </a:ext>
-            </a:extLst>
-          </p:cNvPr>
-          <p:cNvSpPr>
-            <a:spLocks noGrp="1"/>
-          </p:cNvSpPr>
-          <p:nvPr>
-            <p:ph type="title"/>
-          </p:nvPr>
-        </p:nvSpPr>
-        <p:spPr/>
-        <p:txBody>
-          <a:bodyPr/>
-          <a:lstStyle/>
-          <a:p>
-            <a:r>
-              <a:rPr lang="en-GB" dirty="0"/>
-              <a:t>VS Code</a:t>
-            </a:r>
-          </a:p>
-        </p:txBody>
-      </p:sp>
-      <p:sp>
-        <p:nvSpPr>
-          <p:cNvPr id="3" name="Content Placeholder 2">
-            <a:extLst>
-              <a:ext uri="{FF2B5EF4-FFF2-40B4-BE49-F238E27FC236}">
-                <a16:creationId xmlns:a16="http://schemas.microsoft.com/office/drawing/2014/main" id="{B5E4477C-CAAB-ABF9-981B-11DA484523CD}"/>
-              </a:ext>
-            </a:extLst>
-          </p:cNvPr>
-          <p:cNvSpPr>
-            <a:spLocks noGrp="1"/>
-          </p:cNvSpPr>
-          <p:nvPr>
-            <p:ph idx="1"/>
-          </p:nvPr>
-        </p:nvSpPr>
-        <p:spPr/>
-        <p:txBody>
-          <a:bodyPr/>
-          <a:lstStyle/>
-          <a:p>
-            <a:r>
-              <a:rPr lang="en-GB" dirty="0"/>
-              <a:t>Free download</a:t>
-            </a:r>
-          </a:p>
-          <a:p>
-            <a:r>
-              <a:rPr lang="en-GB" dirty="0"/>
-              <a:t>Very large number of plug-ins/extensions – most free</a:t>
-            </a:r>
-          </a:p>
-        </p:txBody>
-      </p:sp>
-    </p:spTree>
-    <p:extLst>
-      <p:ext uri="{BB962C8B-B14F-4D97-AF65-F5344CB8AC3E}">
-        <p14:creationId xmlns:p14="http://schemas.microsoft.com/office/powerpoint/2010/main" val="3080502177"/>
-      </p:ext>
-    </p:extLst>
-  </p:cSld>
-  <p:clrMapOvr>
-    <a:masterClrMapping/>
-  </p:clrMapOvr>
-</p:sld>
-</file>
-
-<file path=ppt/slides/slide40.xml><?xml version="1.0" encoding="utf-8"?>
+<file path=ppt/slides/slide34.xml><?xml version="1.0" encoding="utf-8"?>
 <p:sld xmlns:a="http://schemas.openxmlformats.org/drawingml/2006/main" xmlns:r="http://schemas.openxmlformats.org/officeDocument/2006/relationships" xmlns:p="http://schemas.openxmlformats.org/presentationml/2006/main">
   <p:cSld>
     <p:spTree>
@@ -10052,7 +9356,7 @@
 </p:sld>
 </file>
 
-<file path=ppt/slides/slide41.xml><?xml version="1.0" encoding="utf-8"?>
+<file path=ppt/slides/slide35.xml><?xml version="1.0" encoding="utf-8"?>
 <p:sld xmlns:a="http://schemas.openxmlformats.org/drawingml/2006/main" xmlns:r="http://schemas.openxmlformats.org/officeDocument/2006/relationships" xmlns:p="http://schemas.openxmlformats.org/presentationml/2006/main">
   <p:cSld>
     <p:spTree>
@@ -10137,7 +9441,7 @@
 </p:sld>
 </file>
 
-<file path=ppt/slides/slide42.xml><?xml version="1.0" encoding="utf-8"?>
+<file path=ppt/slides/slide36.xml><?xml version="1.0" encoding="utf-8"?>
 <p:sld xmlns:a="http://schemas.openxmlformats.org/drawingml/2006/main" xmlns:r="http://schemas.openxmlformats.org/officeDocument/2006/relationships" xmlns:p="http://schemas.openxmlformats.org/presentationml/2006/main">
   <p:cSld>
     <p:spTree>
@@ -10245,7 +9549,7 @@
 </p:sld>
 </file>
 
-<file path=ppt/slides/slide43.xml><?xml version="1.0" encoding="utf-8"?>
+<file path=ppt/slides/slide37.xml><?xml version="1.0" encoding="utf-8"?>
 <p:sld xmlns:a="http://schemas.openxmlformats.org/drawingml/2006/main" xmlns:r="http://schemas.openxmlformats.org/officeDocument/2006/relationships" xmlns:p="http://schemas.openxmlformats.org/presentationml/2006/main">
   <p:cSld>
     <p:spTree>
@@ -10333,7 +9637,7 @@
 </p:sld>
 </file>
 
-<file path=ppt/slides/slide44.xml><?xml version="1.0" encoding="utf-8"?>
+<file path=ppt/slides/slide38.xml><?xml version="1.0" encoding="utf-8"?>
 <p:sld xmlns:a="http://schemas.openxmlformats.org/drawingml/2006/main" xmlns:r="http://schemas.openxmlformats.org/officeDocument/2006/relationships" xmlns:p="http://schemas.openxmlformats.org/presentationml/2006/main">
   <p:cSld>
     <p:spTree>
@@ -10395,7 +9699,7 @@
 </p:sld>
 </file>
 
-<file path=ppt/slides/slide45.xml><?xml version="1.0" encoding="utf-8"?>
+<file path=ppt/slides/slide39.xml><?xml version="1.0" encoding="utf-8"?>
 <p:sld xmlns:a="http://schemas.openxmlformats.org/drawingml/2006/main" xmlns:r="http://schemas.openxmlformats.org/officeDocument/2006/relationships" xmlns:p="http://schemas.openxmlformats.org/presentationml/2006/main">
   <p:cSld>
     <p:spTree>
@@ -10548,7 +9852,7 @@
 </p:sld>
 </file>
 
-<file path=ppt/slides/slide46.xml><?xml version="1.0" encoding="utf-8"?>
+<file path=ppt/slides/slide4.xml><?xml version="1.0" encoding="utf-8"?>
 <p:sld xmlns:a="http://schemas.openxmlformats.org/drawingml/2006/main" xmlns:r="http://schemas.openxmlformats.org/officeDocument/2006/relationships" xmlns:p="http://schemas.openxmlformats.org/presentationml/2006/main">
   <p:cSld>
     <p:spTree>
@@ -10567,6 +9871,589 @@
       </p:grpSpPr>
       <p:sp>
         <p:nvSpPr>
+          <p:cNvPr id="22" name="Rectangle: Rounded Corners 21">
+            <a:extLst>
+              <a:ext uri="{FF2B5EF4-FFF2-40B4-BE49-F238E27FC236}">
+                <a16:creationId xmlns:a16="http://schemas.microsoft.com/office/drawing/2014/main" id="{2ED40CFA-8D44-1769-8FAB-C91146F46BA5}"/>
+              </a:ext>
+            </a:extLst>
+          </p:cNvPr>
+          <p:cNvSpPr/>
+          <p:nvPr/>
+        </p:nvSpPr>
+        <p:spPr>
+          <a:xfrm>
+            <a:off x="403597" y="2358521"/>
+            <a:ext cx="11186339" cy="3348596"/>
+          </a:xfrm>
+          <a:prstGeom prst="roundRect">
+            <a:avLst/>
+          </a:prstGeom>
+          <a:solidFill>
+            <a:schemeClr val="tx2">
+              <a:lumMod val="10000"/>
+              <a:lumOff val="90000"/>
+            </a:schemeClr>
+          </a:solidFill>
+          <a:ln>
+            <a:prstDash val="sysDot"/>
+          </a:ln>
+        </p:spPr>
+        <p:style>
+          <a:lnRef idx="2">
+            <a:schemeClr val="accent1">
+              <a:shade val="15000"/>
+            </a:schemeClr>
+          </a:lnRef>
+          <a:fillRef idx="1">
+            <a:schemeClr val="accent1"/>
+          </a:fillRef>
+          <a:effectRef idx="0">
+            <a:schemeClr val="accent1"/>
+          </a:effectRef>
+          <a:fontRef idx="minor">
+            <a:schemeClr val="lt1"/>
+          </a:fontRef>
+        </p:style>
+        <p:txBody>
+          <a:bodyPr rtlCol="0" anchor="ctr"/>
+          <a:lstStyle/>
+          <a:p>
+            <a:pPr algn="ctr"/>
+            <a:r>
+              <a:rPr lang="en-GB" dirty="0"/>
+              <a:t>Res</a:t>
+            </a:r>
+          </a:p>
+        </p:txBody>
+      </p:sp>
+      <p:sp>
+        <p:nvSpPr>
+          <p:cNvPr id="2" name="Title 1">
+            <a:extLst>
+              <a:ext uri="{FF2B5EF4-FFF2-40B4-BE49-F238E27FC236}">
+                <a16:creationId xmlns:a16="http://schemas.microsoft.com/office/drawing/2014/main" id="{2C3F64A2-3986-B347-A058-E0F2DBC29E55}"/>
+              </a:ext>
+            </a:extLst>
+          </p:cNvPr>
+          <p:cNvSpPr>
+            <a:spLocks noGrp="1"/>
+          </p:cNvSpPr>
+          <p:nvPr>
+            <p:ph type="title"/>
+          </p:nvPr>
+        </p:nvSpPr>
+        <p:spPr>
+          <a:xfrm>
+            <a:off x="403597" y="724953"/>
+            <a:ext cx="10515600" cy="1325563"/>
+          </a:xfrm>
+        </p:spPr>
+        <p:txBody>
+          <a:bodyPr/>
+          <a:lstStyle/>
+          <a:p>
+            <a:r>
+              <a:rPr lang="en-GB" dirty="0"/>
+              <a:t>Data engineering using your free credits</a:t>
+            </a:r>
+          </a:p>
+        </p:txBody>
+      </p:sp>
+      <p:pic>
+        <p:nvPicPr>
+          <p:cNvPr id="5" name="Graphic 4">
+            <a:extLst>
+              <a:ext uri="{FF2B5EF4-FFF2-40B4-BE49-F238E27FC236}">
+                <a16:creationId xmlns:a16="http://schemas.microsoft.com/office/drawing/2014/main" id="{6109C887-88C2-EB14-3C23-4088C2464EFD}"/>
+              </a:ext>
+            </a:extLst>
+          </p:cNvPr>
+          <p:cNvPicPr>
+            <a:picLocks noChangeAspect="1"/>
+          </p:cNvPicPr>
+          <p:nvPr/>
+        </p:nvPicPr>
+        <p:blipFill>
+          <a:blip r:embed="rId3">
+            <a:extLst>
+              <a:ext uri="{96DAC541-7B7A-43D3-8B79-37D633B846F1}">
+                <asvg:svgBlip xmlns:asvg="http://schemas.microsoft.com/office/drawing/2016/SVG/main" r:embed="rId4"/>
+              </a:ext>
+            </a:extLst>
+          </a:blip>
+          <a:stretch>
+            <a:fillRect/>
+          </a:stretch>
+        </p:blipFill>
+        <p:spPr>
+          <a:xfrm flipH="1">
+            <a:off x="3601203" y="2884583"/>
+            <a:ext cx="1381530" cy="1624515"/>
+          </a:xfrm>
+          <a:prstGeom prst="rect">
+            <a:avLst/>
+          </a:prstGeom>
+        </p:spPr>
+      </p:pic>
+      <p:pic>
+        <p:nvPicPr>
+          <p:cNvPr id="9" name="Graphic 8">
+            <a:extLst>
+              <a:ext uri="{FF2B5EF4-FFF2-40B4-BE49-F238E27FC236}">
+                <a16:creationId xmlns:a16="http://schemas.microsoft.com/office/drawing/2014/main" id="{0AB9DAB6-8B04-09F1-1152-76D099FB0D09}"/>
+              </a:ext>
+            </a:extLst>
+          </p:cNvPr>
+          <p:cNvPicPr>
+            <a:picLocks noChangeAspect="1"/>
+          </p:cNvPicPr>
+          <p:nvPr/>
+        </p:nvPicPr>
+        <p:blipFill>
+          <a:blip r:embed="rId5">
+            <a:extLst>
+              <a:ext uri="{96DAC541-7B7A-43D3-8B79-37D633B846F1}">
+                <asvg:svgBlip xmlns:asvg="http://schemas.microsoft.com/office/drawing/2016/SVG/main" r:embed="rId6"/>
+              </a:ext>
+            </a:extLst>
+          </a:blip>
+          <a:stretch>
+            <a:fillRect/>
+          </a:stretch>
+        </p:blipFill>
+        <p:spPr>
+          <a:xfrm>
+            <a:off x="6598758" y="2881893"/>
+            <a:ext cx="1577794" cy="1624515"/>
+          </a:xfrm>
+          <a:prstGeom prst="rect">
+            <a:avLst/>
+          </a:prstGeom>
+        </p:spPr>
+      </p:pic>
+      <p:pic>
+        <p:nvPicPr>
+          <p:cNvPr id="11" name="Graphic 10">
+            <a:extLst>
+              <a:ext uri="{FF2B5EF4-FFF2-40B4-BE49-F238E27FC236}">
+                <a16:creationId xmlns:a16="http://schemas.microsoft.com/office/drawing/2014/main" id="{B9C4B2FA-2944-D6F9-2824-EF5252AD5A7B}"/>
+              </a:ext>
+            </a:extLst>
+          </p:cNvPr>
+          <p:cNvPicPr>
+            <a:picLocks noChangeAspect="1"/>
+          </p:cNvPicPr>
+          <p:nvPr/>
+        </p:nvPicPr>
+        <p:blipFill>
+          <a:blip r:embed="rId7">
+            <a:extLst>
+              <a:ext uri="{96DAC541-7B7A-43D3-8B79-37D633B846F1}">
+                <asvg:svgBlip xmlns:asvg="http://schemas.microsoft.com/office/drawing/2016/SVG/main" r:embed="rId8"/>
+              </a:ext>
+            </a:extLst>
+          </a:blip>
+          <a:stretch>
+            <a:fillRect/>
+          </a:stretch>
+        </p:blipFill>
+        <p:spPr>
+          <a:xfrm>
+            <a:off x="602064" y="2881893"/>
+            <a:ext cx="1577795" cy="1624516"/>
+          </a:xfrm>
+          <a:prstGeom prst="rect">
+            <a:avLst/>
+          </a:prstGeom>
+        </p:spPr>
+      </p:pic>
+      <p:pic>
+        <p:nvPicPr>
+          <p:cNvPr id="13" name="Graphic 12">
+            <a:extLst>
+              <a:ext uri="{FF2B5EF4-FFF2-40B4-BE49-F238E27FC236}">
+                <a16:creationId xmlns:a16="http://schemas.microsoft.com/office/drawing/2014/main" id="{09D90857-96C6-0E6F-EB6B-44EEBC3A1E1E}"/>
+              </a:ext>
+            </a:extLst>
+          </p:cNvPr>
+          <p:cNvPicPr>
+            <a:picLocks noChangeAspect="1"/>
+          </p:cNvPicPr>
+          <p:nvPr/>
+        </p:nvPicPr>
+        <p:blipFill>
+          <a:blip r:embed="rId9">
+            <a:extLst>
+              <a:ext uri="{96DAC541-7B7A-43D3-8B79-37D633B846F1}">
+                <asvg:svgBlip xmlns:asvg="http://schemas.microsoft.com/office/drawing/2016/SVG/main" r:embed="rId10"/>
+              </a:ext>
+            </a:extLst>
+          </a:blip>
+          <a:stretch>
+            <a:fillRect/>
+          </a:stretch>
+        </p:blipFill>
+        <p:spPr>
+          <a:xfrm>
+            <a:off x="9597896" y="2881893"/>
+            <a:ext cx="1528413" cy="1627205"/>
+          </a:xfrm>
+          <a:prstGeom prst="rect">
+            <a:avLst/>
+          </a:prstGeom>
+        </p:spPr>
+      </p:pic>
+      <p:sp>
+        <p:nvSpPr>
+          <p:cNvPr id="14" name="Arrow: Right 13">
+            <a:extLst>
+              <a:ext uri="{FF2B5EF4-FFF2-40B4-BE49-F238E27FC236}">
+                <a16:creationId xmlns:a16="http://schemas.microsoft.com/office/drawing/2014/main" id="{685295DD-59F1-210A-1870-68C4DB0662F0}"/>
+              </a:ext>
+            </a:extLst>
+          </p:cNvPr>
+          <p:cNvSpPr/>
+          <p:nvPr/>
+        </p:nvSpPr>
+        <p:spPr>
+          <a:xfrm>
+            <a:off x="2393334" y="3574799"/>
+            <a:ext cx="914747" cy="401444"/>
+          </a:xfrm>
+          <a:prstGeom prst="rightArrow">
+            <a:avLst/>
+          </a:prstGeom>
+        </p:spPr>
+        <p:style>
+          <a:lnRef idx="2">
+            <a:schemeClr val="dk1">
+              <a:shade val="15000"/>
+            </a:schemeClr>
+          </a:lnRef>
+          <a:fillRef idx="1">
+            <a:schemeClr val="dk1"/>
+          </a:fillRef>
+          <a:effectRef idx="0">
+            <a:schemeClr val="dk1"/>
+          </a:effectRef>
+          <a:fontRef idx="minor">
+            <a:schemeClr val="lt1"/>
+          </a:fontRef>
+        </p:style>
+        <p:txBody>
+          <a:bodyPr rtlCol="0" anchor="ctr"/>
+          <a:lstStyle/>
+          <a:p>
+            <a:pPr algn="ctr"/>
+            <a:endParaRPr lang="en-GB"/>
+          </a:p>
+        </p:txBody>
+      </p:sp>
+      <p:sp>
+        <p:nvSpPr>
+          <p:cNvPr id="15" name="Arrow: Right 14">
+            <a:extLst>
+              <a:ext uri="{FF2B5EF4-FFF2-40B4-BE49-F238E27FC236}">
+                <a16:creationId xmlns:a16="http://schemas.microsoft.com/office/drawing/2014/main" id="{9431CD41-2611-B00C-AFA6-28080EAA1F86}"/>
+              </a:ext>
+            </a:extLst>
+          </p:cNvPr>
+          <p:cNvSpPr/>
+          <p:nvPr/>
+        </p:nvSpPr>
+        <p:spPr>
+          <a:xfrm>
+            <a:off x="5417518" y="3574799"/>
+            <a:ext cx="914747" cy="401444"/>
+          </a:xfrm>
+          <a:prstGeom prst="rightArrow">
+            <a:avLst/>
+          </a:prstGeom>
+        </p:spPr>
+        <p:style>
+          <a:lnRef idx="2">
+            <a:schemeClr val="dk1">
+              <a:shade val="15000"/>
+            </a:schemeClr>
+          </a:lnRef>
+          <a:fillRef idx="1">
+            <a:schemeClr val="dk1"/>
+          </a:fillRef>
+          <a:effectRef idx="0">
+            <a:schemeClr val="dk1"/>
+          </a:effectRef>
+          <a:fontRef idx="minor">
+            <a:schemeClr val="lt1"/>
+          </a:fontRef>
+        </p:style>
+        <p:txBody>
+          <a:bodyPr rtlCol="0" anchor="ctr"/>
+          <a:lstStyle/>
+          <a:p>
+            <a:pPr algn="ctr"/>
+            <a:endParaRPr lang="en-GB"/>
+          </a:p>
+        </p:txBody>
+      </p:sp>
+      <p:sp>
+        <p:nvSpPr>
+          <p:cNvPr id="16" name="Arrow: Right 15">
+            <a:extLst>
+              <a:ext uri="{FF2B5EF4-FFF2-40B4-BE49-F238E27FC236}">
+                <a16:creationId xmlns:a16="http://schemas.microsoft.com/office/drawing/2014/main" id="{076F5F6E-FAE4-CC02-6124-E7AED170678B}"/>
+              </a:ext>
+            </a:extLst>
+          </p:cNvPr>
+          <p:cNvSpPr/>
+          <p:nvPr/>
+        </p:nvSpPr>
+        <p:spPr>
+          <a:xfrm>
+            <a:off x="8586995" y="3574799"/>
+            <a:ext cx="914747" cy="401444"/>
+          </a:xfrm>
+          <a:prstGeom prst="rightArrow">
+            <a:avLst/>
+          </a:prstGeom>
+        </p:spPr>
+        <p:style>
+          <a:lnRef idx="2">
+            <a:schemeClr val="dk1">
+              <a:shade val="15000"/>
+            </a:schemeClr>
+          </a:lnRef>
+          <a:fillRef idx="1">
+            <a:schemeClr val="dk1"/>
+          </a:fillRef>
+          <a:effectRef idx="0">
+            <a:schemeClr val="dk1"/>
+          </a:effectRef>
+          <a:fontRef idx="minor">
+            <a:schemeClr val="lt1"/>
+          </a:fontRef>
+        </p:style>
+        <p:txBody>
+          <a:bodyPr rtlCol="0" anchor="ctr"/>
+          <a:lstStyle/>
+          <a:p>
+            <a:pPr algn="ctr"/>
+            <a:endParaRPr lang="en-GB"/>
+          </a:p>
+        </p:txBody>
+      </p:sp>
+      <p:sp>
+        <p:nvSpPr>
+          <p:cNvPr id="18" name="TextBox 17">
+            <a:extLst>
+              <a:ext uri="{FF2B5EF4-FFF2-40B4-BE49-F238E27FC236}">
+                <a16:creationId xmlns:a16="http://schemas.microsoft.com/office/drawing/2014/main" id="{201DD4AC-441B-6015-D3E2-379D9EE41BF3}"/>
+              </a:ext>
+            </a:extLst>
+          </p:cNvPr>
+          <p:cNvSpPr txBox="1"/>
+          <p:nvPr/>
+        </p:nvSpPr>
+        <p:spPr>
+          <a:xfrm>
+            <a:off x="3586487" y="4506408"/>
+            <a:ext cx="1528413" cy="369332"/>
+          </a:xfrm>
+          <a:prstGeom prst="rect">
+            <a:avLst/>
+          </a:prstGeom>
+          <a:noFill/>
+        </p:spPr>
+        <p:txBody>
+          <a:bodyPr wrap="square" rtlCol="0">
+            <a:spAutoFit/>
+          </a:bodyPr>
+          <a:lstStyle/>
+          <a:p>
+            <a:r>
+              <a:rPr lang="en-GB" b="1" dirty="0"/>
+              <a:t>Data Factory</a:t>
+            </a:r>
+          </a:p>
+        </p:txBody>
+      </p:sp>
+      <p:sp>
+        <p:nvSpPr>
+          <p:cNvPr id="19" name="TextBox 18">
+            <a:extLst>
+              <a:ext uri="{FF2B5EF4-FFF2-40B4-BE49-F238E27FC236}">
+                <a16:creationId xmlns:a16="http://schemas.microsoft.com/office/drawing/2014/main" id="{78EA7B7C-F71C-664F-1563-4C0E3FC5BF4E}"/>
+              </a:ext>
+            </a:extLst>
+          </p:cNvPr>
+          <p:cNvSpPr txBox="1"/>
+          <p:nvPr/>
+        </p:nvSpPr>
+        <p:spPr>
+          <a:xfrm>
+            <a:off x="666162" y="4506408"/>
+            <a:ext cx="1528413" cy="369332"/>
+          </a:xfrm>
+          <a:prstGeom prst="rect">
+            <a:avLst/>
+          </a:prstGeom>
+          <a:noFill/>
+        </p:spPr>
+        <p:txBody>
+          <a:bodyPr wrap="square" rtlCol="0">
+            <a:spAutoFit/>
+          </a:bodyPr>
+          <a:lstStyle/>
+          <a:p>
+            <a:r>
+              <a:rPr lang="en-GB" b="1" dirty="0"/>
+              <a:t>SQL Server</a:t>
+            </a:r>
+          </a:p>
+        </p:txBody>
+      </p:sp>
+      <p:sp>
+        <p:nvSpPr>
+          <p:cNvPr id="20" name="TextBox 19">
+            <a:extLst>
+              <a:ext uri="{FF2B5EF4-FFF2-40B4-BE49-F238E27FC236}">
+                <a16:creationId xmlns:a16="http://schemas.microsoft.com/office/drawing/2014/main" id="{57C3EB61-02D8-22B4-A835-FE906E8485DF}"/>
+              </a:ext>
+            </a:extLst>
+          </p:cNvPr>
+          <p:cNvSpPr txBox="1"/>
+          <p:nvPr/>
+        </p:nvSpPr>
+        <p:spPr>
+          <a:xfrm>
+            <a:off x="6454864" y="4506408"/>
+            <a:ext cx="1921467" cy="369332"/>
+          </a:xfrm>
+          <a:prstGeom prst="rect">
+            <a:avLst/>
+          </a:prstGeom>
+          <a:noFill/>
+        </p:spPr>
+        <p:txBody>
+          <a:bodyPr wrap="square" rtlCol="0">
+            <a:spAutoFit/>
+          </a:bodyPr>
+          <a:lstStyle/>
+          <a:p>
+            <a:r>
+              <a:rPr lang="en-GB" b="1" dirty="0"/>
+              <a:t>Storage Account</a:t>
+            </a:r>
+          </a:p>
+        </p:txBody>
+      </p:sp>
+      <p:sp>
+        <p:nvSpPr>
+          <p:cNvPr id="21" name="TextBox 20">
+            <a:extLst>
+              <a:ext uri="{FF2B5EF4-FFF2-40B4-BE49-F238E27FC236}">
+                <a16:creationId xmlns:a16="http://schemas.microsoft.com/office/drawing/2014/main" id="{B4A91FB3-82E8-D67F-A21D-09BD2F1FEB5F}"/>
+              </a:ext>
+            </a:extLst>
+          </p:cNvPr>
+          <p:cNvSpPr txBox="1"/>
+          <p:nvPr/>
+        </p:nvSpPr>
+        <p:spPr>
+          <a:xfrm>
+            <a:off x="9701579" y="4506408"/>
+            <a:ext cx="1321045" cy="369332"/>
+          </a:xfrm>
+          <a:prstGeom prst="rect">
+            <a:avLst/>
+          </a:prstGeom>
+          <a:noFill/>
+        </p:spPr>
+        <p:txBody>
+          <a:bodyPr wrap="square" rtlCol="0">
+            <a:spAutoFit/>
+          </a:bodyPr>
+          <a:lstStyle/>
+          <a:p>
+            <a:r>
+              <a:rPr lang="en-GB" b="1" dirty="0"/>
+              <a:t>Databricks</a:t>
+            </a:r>
+          </a:p>
+        </p:txBody>
+      </p:sp>
+      <p:sp>
+        <p:nvSpPr>
+          <p:cNvPr id="23" name="TextBox 22">
+            <a:extLst>
+              <a:ext uri="{FF2B5EF4-FFF2-40B4-BE49-F238E27FC236}">
+                <a16:creationId xmlns:a16="http://schemas.microsoft.com/office/drawing/2014/main" id="{4042F4BC-510E-C5D2-16A6-1DB5967A5727}"/>
+              </a:ext>
+            </a:extLst>
+          </p:cNvPr>
+          <p:cNvSpPr txBox="1"/>
+          <p:nvPr/>
+        </p:nvSpPr>
+        <p:spPr>
+          <a:xfrm>
+            <a:off x="666162" y="5317082"/>
+            <a:ext cx="1463093" cy="307777"/>
+          </a:xfrm>
+          <a:prstGeom prst="rect">
+            <a:avLst/>
+          </a:prstGeom>
+          <a:solidFill>
+            <a:schemeClr val="tx2">
+              <a:lumMod val="10000"/>
+              <a:lumOff val="90000"/>
+            </a:schemeClr>
+          </a:solidFill>
+        </p:spPr>
+        <p:txBody>
+          <a:bodyPr wrap="none" rtlCol="0">
+            <a:spAutoFit/>
+          </a:bodyPr>
+          <a:lstStyle/>
+          <a:p>
+            <a:r>
+              <a:rPr lang="en-GB" sz="1400" b="1" dirty="0"/>
+              <a:t>Resource group</a:t>
+            </a:r>
+          </a:p>
+        </p:txBody>
+      </p:sp>
+    </p:spTree>
+    <p:extLst>
+      <p:ext uri="{BB962C8B-B14F-4D97-AF65-F5344CB8AC3E}">
+        <p14:creationId xmlns:p14="http://schemas.microsoft.com/office/powerpoint/2010/main" val="2059851553"/>
+      </p:ext>
+    </p:extLst>
+  </p:cSld>
+  <p:clrMapOvr>
+    <a:masterClrMapping/>
+  </p:clrMapOvr>
+</p:sld>
+</file>
+
+<file path=ppt/slides/slide40.xml><?xml version="1.0" encoding="utf-8"?>
+<p:sld xmlns:a="http://schemas.openxmlformats.org/drawingml/2006/main" xmlns:r="http://schemas.openxmlformats.org/officeDocument/2006/relationships" xmlns:p="http://schemas.openxmlformats.org/presentationml/2006/main">
+  <p:cSld>
+    <p:spTree>
+      <p:nvGrpSpPr>
+        <p:cNvPr id="1" name=""/>
+        <p:cNvGrpSpPr/>
+        <p:nvPr/>
+      </p:nvGrpSpPr>
+      <p:grpSpPr>
+        <a:xfrm>
+          <a:off x="0" y="0"/>
+          <a:ext cx="0" cy="0"/>
+          <a:chOff x="0" y="0"/>
+          <a:chExt cx="0" cy="0"/>
+        </a:xfrm>
+      </p:grpSpPr>
+      <p:sp>
+        <p:nvSpPr>
           <p:cNvPr id="2" name="Title 1">
             <a:extLst>
               <a:ext uri="{FF2B5EF4-FFF2-40B4-BE49-F238E27FC236}">
@@ -10637,7 +10524,7 @@
 </p:sld>
 </file>
 
-<file path=ppt/slides/slide47.xml><?xml version="1.0" encoding="utf-8"?>
+<file path=ppt/slides/slide41.xml><?xml version="1.0" encoding="utf-8"?>
 <p:sld xmlns:a="http://schemas.openxmlformats.org/drawingml/2006/main" xmlns:r="http://schemas.openxmlformats.org/officeDocument/2006/relationships" xmlns:p="http://schemas.openxmlformats.org/presentationml/2006/main">
   <p:cSld>
     <p:spTree>
@@ -10722,6 +10609,578 @@
 </p:sld>
 </file>
 
+<file path=ppt/slides/slide42.xml><?xml version="1.0" encoding="utf-8"?>
+<p:sld xmlns:a="http://schemas.openxmlformats.org/drawingml/2006/main" xmlns:r="http://schemas.openxmlformats.org/officeDocument/2006/relationships" xmlns:p="http://schemas.openxmlformats.org/presentationml/2006/main">
+  <p:cSld>
+    <p:spTree>
+      <p:nvGrpSpPr>
+        <p:cNvPr id="1" name=""/>
+        <p:cNvGrpSpPr/>
+        <p:nvPr/>
+      </p:nvGrpSpPr>
+      <p:grpSpPr>
+        <a:xfrm>
+          <a:off x="0" y="0"/>
+          <a:ext cx="0" cy="0"/>
+          <a:chOff x="0" y="0"/>
+          <a:chExt cx="0" cy="0"/>
+        </a:xfrm>
+      </p:grpSpPr>
+      <p:sp>
+        <p:nvSpPr>
+          <p:cNvPr id="2" name="Title 1">
+            <a:extLst>
+              <a:ext uri="{FF2B5EF4-FFF2-40B4-BE49-F238E27FC236}">
+                <a16:creationId xmlns:a16="http://schemas.microsoft.com/office/drawing/2014/main" id="{C28F207F-86B4-1AD4-474C-5449AA952C4B}"/>
+              </a:ext>
+            </a:extLst>
+          </p:cNvPr>
+          <p:cNvSpPr>
+            <a:spLocks noGrp="1"/>
+          </p:cNvSpPr>
+          <p:nvPr>
+            <p:ph type="title"/>
+          </p:nvPr>
+        </p:nvSpPr>
+        <p:spPr/>
+        <p:txBody>
+          <a:bodyPr/>
+          <a:lstStyle/>
+          <a:p>
+            <a:r>
+              <a:rPr lang="en-GB" dirty="0"/>
+              <a:t>Follow-up Resources</a:t>
+            </a:r>
+          </a:p>
+        </p:txBody>
+      </p:sp>
+      <p:sp>
+        <p:nvSpPr>
+          <p:cNvPr id="3" name="Content Placeholder 2">
+            <a:extLst>
+              <a:ext uri="{FF2B5EF4-FFF2-40B4-BE49-F238E27FC236}">
+                <a16:creationId xmlns:a16="http://schemas.microsoft.com/office/drawing/2014/main" id="{15D17D37-C8BB-FEFD-88D1-4110C76AEF74}"/>
+              </a:ext>
+            </a:extLst>
+          </p:cNvPr>
+          <p:cNvSpPr>
+            <a:spLocks noGrp="1"/>
+          </p:cNvSpPr>
+          <p:nvPr>
+            <p:ph idx="1"/>
+          </p:nvPr>
+        </p:nvSpPr>
+        <p:spPr/>
+        <p:txBody>
+          <a:bodyPr>
+            <a:normAutofit/>
+          </a:bodyPr>
+          <a:lstStyle/>
+          <a:p>
+            <a:r>
+              <a:rPr lang="en-GB" sz="1800" dirty="0"/>
+              <a:t>Repo: https://github.com/phil-a10/Talks/tree/main/Data%20Engineering%20Using%20Free%20Tools</a:t>
+            </a:r>
+          </a:p>
+          <a:p>
+            <a:r>
+              <a:rPr lang="en-GB" sz="1800" dirty="0"/>
+              <a:t>Microsoft Learn: https://learn.microsoft.com/en-us/training/career-paths/data-engineer</a:t>
+            </a:r>
+          </a:p>
+          <a:p>
+            <a:r>
+              <a:rPr lang="en-GB" sz="1800" dirty="0"/>
+              <a:t>Kimball books</a:t>
+            </a:r>
+          </a:p>
+        </p:txBody>
+      </p:sp>
+    </p:spTree>
+    <p:extLst>
+      <p:ext uri="{BB962C8B-B14F-4D97-AF65-F5344CB8AC3E}">
+        <p14:creationId xmlns:p14="http://schemas.microsoft.com/office/powerpoint/2010/main" val="558925432"/>
+      </p:ext>
+    </p:extLst>
+  </p:cSld>
+  <p:clrMapOvr>
+    <a:masterClrMapping/>
+  </p:clrMapOvr>
+</p:sld>
+</file>
+
+<file path=ppt/slides/slide43.xml><?xml version="1.0" encoding="utf-8"?>
+<p:sld xmlns:a="http://schemas.openxmlformats.org/drawingml/2006/main" xmlns:r="http://schemas.openxmlformats.org/officeDocument/2006/relationships" xmlns:p="http://schemas.openxmlformats.org/presentationml/2006/main">
+  <p:cSld>
+    <p:spTree>
+      <p:nvGrpSpPr>
+        <p:cNvPr id="1" name=""/>
+        <p:cNvGrpSpPr/>
+        <p:nvPr/>
+      </p:nvGrpSpPr>
+      <p:grpSpPr>
+        <a:xfrm>
+          <a:off x="0" y="0"/>
+          <a:ext cx="0" cy="0"/>
+          <a:chOff x="0" y="0"/>
+          <a:chExt cx="0" cy="0"/>
+        </a:xfrm>
+      </p:grpSpPr>
+      <p:sp>
+        <p:nvSpPr>
+          <p:cNvPr id="2" name="Title 1">
+            <a:extLst>
+              <a:ext uri="{FF2B5EF4-FFF2-40B4-BE49-F238E27FC236}">
+                <a16:creationId xmlns:a16="http://schemas.microsoft.com/office/drawing/2014/main" id="{6461F12C-8296-BADA-FD56-149E96554D1E}"/>
+              </a:ext>
+            </a:extLst>
+          </p:cNvPr>
+          <p:cNvSpPr>
+            <a:spLocks noGrp="1"/>
+          </p:cNvSpPr>
+          <p:nvPr>
+            <p:ph type="title"/>
+          </p:nvPr>
+        </p:nvSpPr>
+        <p:spPr>
+          <a:xfrm>
+            <a:off x="838200" y="365125"/>
+            <a:ext cx="10439400" cy="5940425"/>
+          </a:xfrm>
+        </p:spPr>
+        <p:txBody>
+          <a:bodyPr>
+            <a:normAutofit/>
+          </a:bodyPr>
+          <a:lstStyle/>
+          <a:p>
+            <a:pPr algn="ctr"/>
+            <a:r>
+              <a:rPr lang="en-GB" sz="8800" dirty="0"/>
+              <a:t>END</a:t>
+            </a:r>
+          </a:p>
+        </p:txBody>
+      </p:sp>
+    </p:spTree>
+    <p:extLst>
+      <p:ext uri="{BB962C8B-B14F-4D97-AF65-F5344CB8AC3E}">
+        <p14:creationId xmlns:p14="http://schemas.microsoft.com/office/powerpoint/2010/main" val="3703701476"/>
+      </p:ext>
+    </p:extLst>
+  </p:cSld>
+  <p:clrMapOvr>
+    <a:masterClrMapping/>
+  </p:clrMapOvr>
+</p:sld>
+</file>
+
+<file path=ppt/slides/slide44.xml><?xml version="1.0" encoding="utf-8"?>
+<p:sld xmlns:a="http://schemas.openxmlformats.org/drawingml/2006/main" xmlns:r="http://schemas.openxmlformats.org/officeDocument/2006/relationships" xmlns:p="http://schemas.openxmlformats.org/presentationml/2006/main">
+  <p:cSld>
+    <p:spTree>
+      <p:nvGrpSpPr>
+        <p:cNvPr id="1" name=""/>
+        <p:cNvGrpSpPr/>
+        <p:nvPr/>
+      </p:nvGrpSpPr>
+      <p:grpSpPr>
+        <a:xfrm>
+          <a:off x="0" y="0"/>
+          <a:ext cx="0" cy="0"/>
+          <a:chOff x="0" y="0"/>
+          <a:chExt cx="0" cy="0"/>
+        </a:xfrm>
+      </p:grpSpPr>
+      <p:sp>
+        <p:nvSpPr>
+          <p:cNvPr id="2" name="Title 1">
+            <a:extLst>
+              <a:ext uri="{FF2B5EF4-FFF2-40B4-BE49-F238E27FC236}">
+                <a16:creationId xmlns:a16="http://schemas.microsoft.com/office/drawing/2014/main" id="{838AC0F5-5B6B-B939-FA3C-B663E317E445}"/>
+              </a:ext>
+            </a:extLst>
+          </p:cNvPr>
+          <p:cNvSpPr>
+            <a:spLocks noGrp="1"/>
+          </p:cNvSpPr>
+          <p:nvPr>
+            <p:ph type="title"/>
+          </p:nvPr>
+        </p:nvSpPr>
+        <p:spPr/>
+        <p:txBody>
+          <a:bodyPr/>
+          <a:lstStyle/>
+          <a:p>
+            <a:br>
+              <a:rPr lang="en-GB" dirty="0"/>
+            </a:br>
+            <a:r>
+              <a:rPr lang="en-GB" dirty="0"/>
+              <a:t>Azure CLI Demo</a:t>
+            </a:r>
+          </a:p>
+        </p:txBody>
+      </p:sp>
+    </p:spTree>
+    <p:extLst>
+      <p:ext uri="{BB962C8B-B14F-4D97-AF65-F5344CB8AC3E}">
+        <p14:creationId xmlns:p14="http://schemas.microsoft.com/office/powerpoint/2010/main" val="2027303339"/>
+      </p:ext>
+    </p:extLst>
+  </p:cSld>
+  <p:clrMapOvr>
+    <a:masterClrMapping/>
+  </p:clrMapOvr>
+</p:sld>
+</file>
+
+<file path=ppt/slides/slide45.xml><?xml version="1.0" encoding="utf-8"?>
+<p:sld xmlns:a="http://schemas.openxmlformats.org/drawingml/2006/main" xmlns:r="http://schemas.openxmlformats.org/officeDocument/2006/relationships" xmlns:p="http://schemas.openxmlformats.org/presentationml/2006/main">
+  <p:cSld>
+    <p:spTree>
+      <p:nvGrpSpPr>
+        <p:cNvPr id="1" name=""/>
+        <p:cNvGrpSpPr/>
+        <p:nvPr/>
+      </p:nvGrpSpPr>
+      <p:grpSpPr>
+        <a:xfrm>
+          <a:off x="0" y="0"/>
+          <a:ext cx="0" cy="0"/>
+          <a:chOff x="0" y="0"/>
+          <a:chExt cx="0" cy="0"/>
+        </a:xfrm>
+      </p:grpSpPr>
+      <p:sp>
+        <p:nvSpPr>
+          <p:cNvPr id="2" name="Title 1">
+            <a:extLst>
+              <a:ext uri="{FF2B5EF4-FFF2-40B4-BE49-F238E27FC236}">
+                <a16:creationId xmlns:a16="http://schemas.microsoft.com/office/drawing/2014/main" id="{71DE5ED6-49D5-43EE-E52E-844BFD80D4AE}"/>
+              </a:ext>
+            </a:extLst>
+          </p:cNvPr>
+          <p:cNvSpPr>
+            <a:spLocks noGrp="1"/>
+          </p:cNvSpPr>
+          <p:nvPr>
+            <p:ph type="title"/>
+          </p:nvPr>
+        </p:nvSpPr>
+        <p:spPr/>
+        <p:txBody>
+          <a:bodyPr/>
+          <a:lstStyle/>
+          <a:p>
+            <a:r>
+              <a:rPr lang="en-GB" dirty="0"/>
+              <a:t>Create storage account</a:t>
+            </a:r>
+          </a:p>
+        </p:txBody>
+      </p:sp>
+      <p:sp>
+        <p:nvSpPr>
+          <p:cNvPr id="3" name="Content Placeholder 2">
+            <a:extLst>
+              <a:ext uri="{FF2B5EF4-FFF2-40B4-BE49-F238E27FC236}">
+                <a16:creationId xmlns:a16="http://schemas.microsoft.com/office/drawing/2014/main" id="{0813FB62-FE46-CC92-2C0B-3D25E2B93615}"/>
+              </a:ext>
+            </a:extLst>
+          </p:cNvPr>
+          <p:cNvSpPr>
+            <a:spLocks noGrp="1"/>
+          </p:cNvSpPr>
+          <p:nvPr>
+            <p:ph idx="1"/>
+          </p:nvPr>
+        </p:nvSpPr>
+        <p:spPr/>
+        <p:txBody>
+          <a:bodyPr/>
+          <a:lstStyle/>
+          <a:p>
+            <a:r>
+              <a:rPr lang="en-GB" dirty="0"/>
+              <a:t>Create in same region as RG</a:t>
+            </a:r>
+          </a:p>
+          <a:p>
+            <a:r>
+              <a:rPr lang="en-GB" dirty="0"/>
+              <a:t>Primary service is ADLS Gen 2</a:t>
+            </a:r>
+          </a:p>
+          <a:p>
+            <a:r>
+              <a:rPr lang="en-GB" dirty="0"/>
+              <a:t>Primary workload Big Data Analytics</a:t>
+            </a:r>
+          </a:p>
+          <a:p>
+            <a:r>
+              <a:rPr lang="en-GB" dirty="0"/>
+              <a:t>Performance: Standard</a:t>
+            </a:r>
+          </a:p>
+          <a:p>
+            <a:r>
+              <a:rPr lang="en-GB" dirty="0"/>
+              <a:t>Redundancy: LRS</a:t>
+            </a:r>
+          </a:p>
+          <a:p>
+            <a:r>
+              <a:rPr lang="en-GB" dirty="0"/>
+              <a:t>Add container &gt; RAW directory</a:t>
+            </a:r>
+          </a:p>
+        </p:txBody>
+      </p:sp>
+    </p:spTree>
+    <p:extLst>
+      <p:ext uri="{BB962C8B-B14F-4D97-AF65-F5344CB8AC3E}">
+        <p14:creationId xmlns:p14="http://schemas.microsoft.com/office/powerpoint/2010/main" val="2615107740"/>
+      </p:ext>
+    </p:extLst>
+  </p:cSld>
+  <p:clrMapOvr>
+    <a:masterClrMapping/>
+  </p:clrMapOvr>
+</p:sld>
+</file>
+
+<file path=ppt/slides/slide46.xml><?xml version="1.0" encoding="utf-8"?>
+<p:sld xmlns:a="http://schemas.openxmlformats.org/drawingml/2006/main" xmlns:r="http://schemas.openxmlformats.org/officeDocument/2006/relationships" xmlns:p="http://schemas.openxmlformats.org/presentationml/2006/main">
+  <p:cSld>
+    <p:spTree>
+      <p:nvGrpSpPr>
+        <p:cNvPr id="1" name=""/>
+        <p:cNvGrpSpPr/>
+        <p:nvPr/>
+      </p:nvGrpSpPr>
+      <p:grpSpPr>
+        <a:xfrm>
+          <a:off x="0" y="0"/>
+          <a:ext cx="0" cy="0"/>
+          <a:chOff x="0" y="0"/>
+          <a:chExt cx="0" cy="0"/>
+        </a:xfrm>
+      </p:grpSpPr>
+      <p:pic>
+        <p:nvPicPr>
+          <p:cNvPr id="7" name="Picture 6">
+            <a:extLst>
+              <a:ext uri="{FF2B5EF4-FFF2-40B4-BE49-F238E27FC236}">
+                <a16:creationId xmlns:a16="http://schemas.microsoft.com/office/drawing/2014/main" id="{F76B43E2-150F-DC80-8BA0-E8EF77942310}"/>
+              </a:ext>
+            </a:extLst>
+          </p:cNvPr>
+          <p:cNvPicPr>
+            <a:picLocks noChangeAspect="1"/>
+          </p:cNvPicPr>
+          <p:nvPr/>
+        </p:nvPicPr>
+        <p:blipFill>
+          <a:blip r:embed="rId2"/>
+          <a:stretch>
+            <a:fillRect/>
+          </a:stretch>
+        </p:blipFill>
+        <p:spPr>
+          <a:xfrm>
+            <a:off x="804124" y="2390630"/>
+            <a:ext cx="10583752" cy="2076740"/>
+          </a:xfrm>
+          <a:prstGeom prst="rect">
+            <a:avLst/>
+          </a:prstGeom>
+        </p:spPr>
+      </p:pic>
+      <p:sp>
+        <p:nvSpPr>
+          <p:cNvPr id="10" name="Title 1">
+            <a:extLst>
+              <a:ext uri="{FF2B5EF4-FFF2-40B4-BE49-F238E27FC236}">
+                <a16:creationId xmlns:a16="http://schemas.microsoft.com/office/drawing/2014/main" id="{F76196A7-FDB1-76F9-0DAF-649BCDEE61A3}"/>
+              </a:ext>
+            </a:extLst>
+          </p:cNvPr>
+          <p:cNvSpPr txBox="1">
+            <a:spLocks/>
+          </p:cNvSpPr>
+          <p:nvPr/>
+        </p:nvSpPr>
+        <p:spPr>
+          <a:xfrm>
+            <a:off x="804124" y="822325"/>
+            <a:ext cx="10515600" cy="1325563"/>
+          </a:xfrm>
+          <a:prstGeom prst="rect">
+            <a:avLst/>
+          </a:prstGeom>
+        </p:spPr>
+        <p:txBody>
+          <a:bodyPr vert="horz" lIns="91440" tIns="45720" rIns="91440" bIns="45720" rtlCol="0" anchor="ctr">
+            <a:normAutofit/>
+          </a:bodyPr>
+          <a:lstStyle>
+            <a:lvl1pPr algn="l" defTabSz="914400" rtl="0" eaLnBrk="1" latinLnBrk="0" hangingPunct="1">
+              <a:lnSpc>
+                <a:spcPct val="90000"/>
+              </a:lnSpc>
+              <a:spcBef>
+                <a:spcPct val="0"/>
+              </a:spcBef>
+              <a:buNone/>
+              <a:defRPr sz="4400" kern="1200">
+                <a:solidFill>
+                  <a:schemeClr val="tx1"/>
+                </a:solidFill>
+                <a:latin typeface="+mj-lt"/>
+                <a:ea typeface="+mj-ea"/>
+                <a:cs typeface="+mj-cs"/>
+              </a:defRPr>
+            </a:lvl1pPr>
+          </a:lstStyle>
+          <a:p>
+            <a:r>
+              <a:rPr lang="en-GB" dirty="0"/>
+              <a:t>Create storage account</a:t>
+            </a:r>
+          </a:p>
+        </p:txBody>
+      </p:sp>
+      <p:pic>
+        <p:nvPicPr>
+          <p:cNvPr id="12" name="Picture 11">
+            <a:extLst>
+              <a:ext uri="{FF2B5EF4-FFF2-40B4-BE49-F238E27FC236}">
+                <a16:creationId xmlns:a16="http://schemas.microsoft.com/office/drawing/2014/main" id="{89545FC7-CFBB-FEB8-B2C2-A775C4B20B91}"/>
+              </a:ext>
+            </a:extLst>
+          </p:cNvPr>
+          <p:cNvPicPr>
+            <a:picLocks noChangeAspect="1"/>
+          </p:cNvPicPr>
+          <p:nvPr/>
+        </p:nvPicPr>
+        <p:blipFill>
+          <a:blip r:embed="rId3"/>
+          <a:stretch>
+            <a:fillRect/>
+          </a:stretch>
+        </p:blipFill>
+        <p:spPr>
+          <a:xfrm>
+            <a:off x="804124" y="4171874"/>
+            <a:ext cx="8202170" cy="1076475"/>
+          </a:xfrm>
+          <a:prstGeom prst="rect">
+            <a:avLst/>
+          </a:prstGeom>
+        </p:spPr>
+      </p:pic>
+    </p:spTree>
+    <p:extLst>
+      <p:ext uri="{BB962C8B-B14F-4D97-AF65-F5344CB8AC3E}">
+        <p14:creationId xmlns:p14="http://schemas.microsoft.com/office/powerpoint/2010/main" val="2122117740"/>
+      </p:ext>
+    </p:extLst>
+  </p:cSld>
+  <p:clrMapOvr>
+    <a:masterClrMapping/>
+  </p:clrMapOvr>
+</p:sld>
+</file>
+
+<file path=ppt/slides/slide47.xml><?xml version="1.0" encoding="utf-8"?>
+<p:sld xmlns:a="http://schemas.openxmlformats.org/drawingml/2006/main" xmlns:r="http://schemas.openxmlformats.org/officeDocument/2006/relationships" xmlns:p="http://schemas.openxmlformats.org/presentationml/2006/main">
+  <p:cSld>
+    <p:spTree>
+      <p:nvGrpSpPr>
+        <p:cNvPr id="1" name=""/>
+        <p:cNvGrpSpPr/>
+        <p:nvPr/>
+      </p:nvGrpSpPr>
+      <p:grpSpPr>
+        <a:xfrm>
+          <a:off x="0" y="0"/>
+          <a:ext cx="0" cy="0"/>
+          <a:chOff x="0" y="0"/>
+          <a:chExt cx="0" cy="0"/>
+        </a:xfrm>
+      </p:grpSpPr>
+      <p:sp>
+        <p:nvSpPr>
+          <p:cNvPr id="2" name="Title 1">
+            <a:extLst>
+              <a:ext uri="{FF2B5EF4-FFF2-40B4-BE49-F238E27FC236}">
+                <a16:creationId xmlns:a16="http://schemas.microsoft.com/office/drawing/2014/main" id="{3C83975B-EF01-7C43-08F4-D4643AE62A88}"/>
+              </a:ext>
+            </a:extLst>
+          </p:cNvPr>
+          <p:cNvSpPr>
+            <a:spLocks noGrp="1"/>
+          </p:cNvSpPr>
+          <p:nvPr>
+            <p:ph type="title"/>
+          </p:nvPr>
+        </p:nvSpPr>
+        <p:spPr/>
+        <p:txBody>
+          <a:bodyPr/>
+          <a:lstStyle/>
+          <a:p>
+            <a:endParaRPr lang="en-GB" dirty="0"/>
+          </a:p>
+        </p:txBody>
+      </p:sp>
+      <p:pic>
+        <p:nvPicPr>
+          <p:cNvPr id="5" name="Picture 4">
+            <a:extLst>
+              <a:ext uri="{FF2B5EF4-FFF2-40B4-BE49-F238E27FC236}">
+                <a16:creationId xmlns:a16="http://schemas.microsoft.com/office/drawing/2014/main" id="{629AFA2E-500C-8F35-6317-A5C59279B742}"/>
+              </a:ext>
+            </a:extLst>
+          </p:cNvPr>
+          <p:cNvPicPr>
+            <a:picLocks noChangeAspect="1"/>
+          </p:cNvPicPr>
+          <p:nvPr/>
+        </p:nvPicPr>
+        <p:blipFill>
+          <a:blip r:embed="rId2"/>
+          <a:stretch>
+            <a:fillRect/>
+          </a:stretch>
+        </p:blipFill>
+        <p:spPr>
+          <a:xfrm>
+            <a:off x="838200" y="1961321"/>
+            <a:ext cx="6801390" cy="2702439"/>
+          </a:xfrm>
+          <a:prstGeom prst="rect">
+            <a:avLst/>
+          </a:prstGeom>
+        </p:spPr>
+      </p:pic>
+    </p:spTree>
+    <p:extLst>
+      <p:ext uri="{BB962C8B-B14F-4D97-AF65-F5344CB8AC3E}">
+        <p14:creationId xmlns:p14="http://schemas.microsoft.com/office/powerpoint/2010/main" val="448850995"/>
+      </p:ext>
+    </p:extLst>
+  </p:cSld>
+  <p:clrMapOvr>
+    <a:masterClrMapping/>
+  </p:clrMapOvr>
+</p:sld>
+</file>
+
 <file path=ppt/slides/slide48.xml><?xml version="1.0" encoding="utf-8"?>
 <p:sld xmlns:a="http://schemas.openxmlformats.org/drawingml/2006/main" xmlns:r="http://schemas.openxmlformats.org/officeDocument/2006/relationships" xmlns:p="http://schemas.openxmlformats.org/presentationml/2006/main">
   <p:cSld>
@@ -10744,7 +11203,7 @@
           <p:cNvPr id="2" name="Title 1">
             <a:extLst>
               <a:ext uri="{FF2B5EF4-FFF2-40B4-BE49-F238E27FC236}">
-                <a16:creationId xmlns:a16="http://schemas.microsoft.com/office/drawing/2014/main" id="{C28F207F-86B4-1AD4-474C-5449AA952C4B}"/>
+                <a16:creationId xmlns:a16="http://schemas.microsoft.com/office/drawing/2014/main" id="{C3969D66-3483-9BE2-7840-401EA06DCA64}"/>
               </a:ext>
             </a:extLst>
           </p:cNvPr>
@@ -10760,59 +11219,44 @@
           <a:bodyPr/>
           <a:lstStyle/>
           <a:p>
-            <a:r>
-              <a:rPr lang="en-GB" dirty="0"/>
-              <a:t>Follow-up Resources</a:t>
-            </a:r>
-          </a:p>
-        </p:txBody>
-      </p:sp>
-      <p:sp>
-        <p:nvSpPr>
-          <p:cNvPr id="3" name="Content Placeholder 2">
-            <a:extLst>
-              <a:ext uri="{FF2B5EF4-FFF2-40B4-BE49-F238E27FC236}">
-                <a16:creationId xmlns:a16="http://schemas.microsoft.com/office/drawing/2014/main" id="{15D17D37-C8BB-FEFD-88D1-4110C76AEF74}"/>
-              </a:ext>
-            </a:extLst>
-          </p:cNvPr>
-          <p:cNvSpPr>
-            <a:spLocks noGrp="1"/>
-          </p:cNvSpPr>
-          <p:nvPr>
-            <p:ph idx="1"/>
-          </p:nvPr>
-        </p:nvSpPr>
-        <p:spPr/>
-        <p:txBody>
-          <a:bodyPr>
-            <a:normAutofit/>
-          </a:bodyPr>
-          <a:lstStyle/>
-          <a:p>
-            <a:r>
-              <a:rPr lang="en-GB" sz="1800" dirty="0"/>
-              <a:t>Repo: https://github.com/phil-a10/Talks/tree/main/Data%20Engineering%20Using%20Free%20Tools</a:t>
-            </a:r>
-          </a:p>
-          <a:p>
-            <a:r>
-              <a:rPr lang="en-GB" sz="1800" dirty="0"/>
-              <a:t>Microsoft Learn: https://learn.microsoft.com/en-us/training/career-paths/data-engineer</a:t>
-            </a:r>
-          </a:p>
-          <a:p>
-            <a:r>
-              <a:rPr lang="en-GB" sz="1800" dirty="0"/>
-              <a:t>Kimball books</a:t>
-            </a:r>
-          </a:p>
-        </p:txBody>
-      </p:sp>
+            <a:endParaRPr lang="en-GB"/>
+          </a:p>
+        </p:txBody>
+      </p:sp>
+      <p:pic>
+        <p:nvPicPr>
+          <p:cNvPr id="5" name="Picture 4">
+            <a:extLst>
+              <a:ext uri="{FF2B5EF4-FFF2-40B4-BE49-F238E27FC236}">
+                <a16:creationId xmlns:a16="http://schemas.microsoft.com/office/drawing/2014/main" id="{2A36F57A-EBEF-472A-C1FC-9EA3E640B70A}"/>
+              </a:ext>
+            </a:extLst>
+          </p:cNvPr>
+          <p:cNvPicPr>
+            <a:picLocks noChangeAspect="1"/>
+          </p:cNvPicPr>
+          <p:nvPr/>
+        </p:nvPicPr>
+        <p:blipFill>
+          <a:blip r:embed="rId3"/>
+          <a:stretch>
+            <a:fillRect/>
+          </a:stretch>
+        </p:blipFill>
+        <p:spPr>
+          <a:xfrm>
+            <a:off x="838200" y="2042237"/>
+            <a:ext cx="2959252" cy="3187864"/>
+          </a:xfrm>
+          <a:prstGeom prst="rect">
+            <a:avLst/>
+          </a:prstGeom>
+        </p:spPr>
+      </p:pic>
     </p:spTree>
     <p:extLst>
       <p:ext uri="{BB962C8B-B14F-4D97-AF65-F5344CB8AC3E}">
-        <p14:creationId xmlns:p14="http://schemas.microsoft.com/office/powerpoint/2010/main" val="558925432"/>
+        <p14:creationId xmlns:p14="http://schemas.microsoft.com/office/powerpoint/2010/main" val="2682671986"/>
       </p:ext>
     </p:extLst>
   </p:cSld>
@@ -10844,7 +11288,7 @@
           <p:cNvPr id="2" name="Title 1">
             <a:extLst>
               <a:ext uri="{FF2B5EF4-FFF2-40B4-BE49-F238E27FC236}">
-                <a16:creationId xmlns:a16="http://schemas.microsoft.com/office/drawing/2014/main" id="{6461F12C-8296-BADA-FD56-149E96554D1E}"/>
+                <a16:creationId xmlns:a16="http://schemas.microsoft.com/office/drawing/2014/main" id="{D7CAE69D-6CF6-31EC-8A49-0AA2ECC861D8}"/>
               </a:ext>
             </a:extLst>
           </p:cNvPr>
@@ -10855,30 +11299,80 @@
             <p:ph type="title"/>
           </p:nvPr>
         </p:nvSpPr>
+        <p:spPr/>
+        <p:txBody>
+          <a:bodyPr/>
+          <a:lstStyle/>
+          <a:p>
+            <a:r>
+              <a:rPr lang="en-GB" dirty="0"/>
+              <a:t>Create Azure Data Factory</a:t>
+            </a:r>
+          </a:p>
+        </p:txBody>
+      </p:sp>
+      <p:sp>
+        <p:nvSpPr>
+          <p:cNvPr id="3" name="Content Placeholder 2">
+            <a:extLst>
+              <a:ext uri="{FF2B5EF4-FFF2-40B4-BE49-F238E27FC236}">
+                <a16:creationId xmlns:a16="http://schemas.microsoft.com/office/drawing/2014/main" id="{13AEF5C3-2254-AC57-977E-759A7B556F1B}"/>
+              </a:ext>
+            </a:extLst>
+          </p:cNvPr>
+          <p:cNvSpPr>
+            <a:spLocks noGrp="1"/>
+          </p:cNvSpPr>
+          <p:nvPr>
+            <p:ph idx="1"/>
+          </p:nvPr>
+        </p:nvSpPr>
+        <p:spPr/>
+        <p:txBody>
+          <a:bodyPr/>
+          <a:lstStyle/>
+          <a:p>
+            <a:r>
+              <a:rPr lang="en-GB" dirty="0"/>
+              <a:t>Create in same region as RG</a:t>
+            </a:r>
+          </a:p>
+        </p:txBody>
+      </p:sp>
+      <p:pic>
+        <p:nvPicPr>
+          <p:cNvPr id="5" name="Picture 4">
+            <a:extLst>
+              <a:ext uri="{FF2B5EF4-FFF2-40B4-BE49-F238E27FC236}">
+                <a16:creationId xmlns:a16="http://schemas.microsoft.com/office/drawing/2014/main" id="{5B4FE1FE-4962-1974-21AC-63462D0D2ECA}"/>
+              </a:ext>
+            </a:extLst>
+          </p:cNvPr>
+          <p:cNvPicPr>
+            <a:picLocks noChangeAspect="1"/>
+          </p:cNvPicPr>
+          <p:nvPr/>
+        </p:nvPicPr>
+        <p:blipFill>
+          <a:blip r:embed="rId2"/>
+          <a:stretch>
+            <a:fillRect/>
+          </a:stretch>
+        </p:blipFill>
         <p:spPr>
           <a:xfrm>
-            <a:off x="838200" y="365125"/>
-            <a:ext cx="10439400" cy="5940425"/>
+            <a:off x="1780573" y="3105105"/>
+            <a:ext cx="8630854" cy="647790"/>
           </a:xfrm>
+          <a:prstGeom prst="rect">
+            <a:avLst/>
+          </a:prstGeom>
         </p:spPr>
-        <p:txBody>
-          <a:bodyPr>
-            <a:normAutofit/>
-          </a:bodyPr>
-          <a:lstStyle/>
-          <a:p>
-            <a:pPr algn="ctr"/>
-            <a:r>
-              <a:rPr lang="en-GB" sz="8800" dirty="0"/>
-              <a:t>END</a:t>
-            </a:r>
-          </a:p>
-        </p:txBody>
-      </p:sp>
+      </p:pic>
     </p:spTree>
     <p:extLst>
       <p:ext uri="{BB962C8B-B14F-4D97-AF65-F5344CB8AC3E}">
-        <p14:creationId xmlns:p14="http://schemas.microsoft.com/office/powerpoint/2010/main" val="3703701476"/>
+        <p14:creationId xmlns:p14="http://schemas.microsoft.com/office/powerpoint/2010/main" val="247652491"/>
       </p:ext>
     </p:extLst>
   </p:cSld>
@@ -10998,7 +11492,7 @@
           <p:cNvPr id="2" name="Title 1">
             <a:extLst>
               <a:ext uri="{FF2B5EF4-FFF2-40B4-BE49-F238E27FC236}">
-                <a16:creationId xmlns:a16="http://schemas.microsoft.com/office/drawing/2014/main" id="{C3969D66-3483-9BE2-7840-401EA06DCA64}"/>
+                <a16:creationId xmlns:a16="http://schemas.microsoft.com/office/drawing/2014/main" id="{E54C7220-D4E8-C4CE-9F41-17CBBA3E9D1F}"/>
               </a:ext>
             </a:extLst>
           </p:cNvPr>
@@ -11023,7 +11517,37 @@
           <p:cNvPr id="5" name="Picture 4">
             <a:extLst>
               <a:ext uri="{FF2B5EF4-FFF2-40B4-BE49-F238E27FC236}">
-                <a16:creationId xmlns:a16="http://schemas.microsoft.com/office/drawing/2014/main" id="{2A36F57A-EBEF-472A-C1FC-9EA3E640B70A}"/>
+                <a16:creationId xmlns:a16="http://schemas.microsoft.com/office/drawing/2014/main" id="{1DE6EA73-5C07-A441-9C79-2FAF0206876C}"/>
+              </a:ext>
+            </a:extLst>
+          </p:cNvPr>
+          <p:cNvPicPr>
+            <a:picLocks noChangeAspect="1"/>
+          </p:cNvPicPr>
+          <p:nvPr/>
+        </p:nvPicPr>
+        <p:blipFill>
+          <a:blip r:embed="rId2"/>
+          <a:stretch>
+            <a:fillRect/>
+          </a:stretch>
+        </p:blipFill>
+        <p:spPr>
+          <a:xfrm>
+            <a:off x="2197359" y="1549342"/>
+            <a:ext cx="7550538" cy="2235315"/>
+          </a:xfrm>
+          <a:prstGeom prst="rect">
+            <a:avLst/>
+          </a:prstGeom>
+        </p:spPr>
+      </p:pic>
+      <p:pic>
+        <p:nvPicPr>
+          <p:cNvPr id="7" name="Picture 6">
+            <a:extLst>
+              <a:ext uri="{FF2B5EF4-FFF2-40B4-BE49-F238E27FC236}">
+                <a16:creationId xmlns:a16="http://schemas.microsoft.com/office/drawing/2014/main" id="{357DCD06-D3F9-B3E6-6147-8B555688ED76}"/>
               </a:ext>
             </a:extLst>
           </p:cNvPr>
@@ -11040,8 +11564,38 @@
         </p:blipFill>
         <p:spPr>
           <a:xfrm>
-            <a:off x="838200" y="2042237"/>
-            <a:ext cx="2959252" cy="3187864"/>
+            <a:off x="2197359" y="4302102"/>
+            <a:ext cx="2921150" cy="895396"/>
+          </a:xfrm>
+          <a:prstGeom prst="rect">
+            <a:avLst/>
+          </a:prstGeom>
+        </p:spPr>
+      </p:pic>
+      <p:pic>
+        <p:nvPicPr>
+          <p:cNvPr id="9" name="Picture 8">
+            <a:extLst>
+              <a:ext uri="{FF2B5EF4-FFF2-40B4-BE49-F238E27FC236}">
+                <a16:creationId xmlns:a16="http://schemas.microsoft.com/office/drawing/2014/main" id="{C0E1A8B2-FE52-27DA-F7DB-CAD822372C31}"/>
+              </a:ext>
+            </a:extLst>
+          </p:cNvPr>
+          <p:cNvPicPr>
+            <a:picLocks noChangeAspect="1"/>
+          </p:cNvPicPr>
+          <p:nvPr/>
+        </p:nvPicPr>
+        <p:blipFill>
+          <a:blip r:embed="rId4"/>
+          <a:stretch>
+            <a:fillRect/>
+          </a:stretch>
+        </p:blipFill>
+        <p:spPr>
+          <a:xfrm>
+            <a:off x="2197359" y="5714943"/>
+            <a:ext cx="2254366" cy="806491"/>
           </a:xfrm>
           <a:prstGeom prst="rect">
             <a:avLst/>
@@ -11051,7 +11605,7 @@
     </p:spTree>
     <p:extLst>
       <p:ext uri="{BB962C8B-B14F-4D97-AF65-F5344CB8AC3E}">
-        <p14:creationId xmlns:p14="http://schemas.microsoft.com/office/powerpoint/2010/main" val="2682671986"/>
+        <p14:creationId xmlns:p14="http://schemas.microsoft.com/office/powerpoint/2010/main" val="2308371639"/>
       </p:ext>
     </p:extLst>
   </p:cSld>
@@ -11083,7 +11637,7 @@
           <p:cNvPr id="2" name="Title 1">
             <a:extLst>
               <a:ext uri="{FF2B5EF4-FFF2-40B4-BE49-F238E27FC236}">
-                <a16:creationId xmlns:a16="http://schemas.microsoft.com/office/drawing/2014/main" id="{E54C7220-D4E8-C4CE-9F41-17CBBA3E9D1F}"/>
+                <a16:creationId xmlns:a16="http://schemas.microsoft.com/office/drawing/2014/main" id="{12485F72-3D84-4EED-32F6-699CF9A5F075}"/>
               </a:ext>
             </a:extLst>
           </p:cNvPr>
@@ -11108,7 +11662,7 @@
           <p:cNvPr id="5" name="Picture 4">
             <a:extLst>
               <a:ext uri="{FF2B5EF4-FFF2-40B4-BE49-F238E27FC236}">
-                <a16:creationId xmlns:a16="http://schemas.microsoft.com/office/drawing/2014/main" id="{1DE6EA73-5C07-A441-9C79-2FAF0206876C}"/>
+                <a16:creationId xmlns:a16="http://schemas.microsoft.com/office/drawing/2014/main" id="{646C3EE8-194C-9110-9B67-951A4E19A958}"/>
               </a:ext>
             </a:extLst>
           </p:cNvPr>
@@ -11125,78 +11679,70 @@
         </p:blipFill>
         <p:spPr>
           <a:xfrm>
-            <a:off x="2197359" y="1549342"/>
-            <a:ext cx="7550538" cy="2235315"/>
+            <a:off x="838200" y="1906776"/>
+            <a:ext cx="9935962" cy="4210638"/>
           </a:xfrm>
           <a:prstGeom prst="rect">
             <a:avLst/>
           </a:prstGeom>
         </p:spPr>
       </p:pic>
-      <p:pic>
-        <p:nvPicPr>
-          <p:cNvPr id="7" name="Picture 6">
-            <a:extLst>
-              <a:ext uri="{FF2B5EF4-FFF2-40B4-BE49-F238E27FC236}">
-                <a16:creationId xmlns:a16="http://schemas.microsoft.com/office/drawing/2014/main" id="{357DCD06-D3F9-B3E6-6147-8B555688ED76}"/>
-              </a:ext>
-            </a:extLst>
-          </p:cNvPr>
-          <p:cNvPicPr>
-            <a:picLocks noChangeAspect="1"/>
-          </p:cNvPicPr>
+      <p:sp>
+        <p:nvSpPr>
+          <p:cNvPr id="7" name="Rectangle: Rounded Corners 6">
+            <a:extLst>
+              <a:ext uri="{FF2B5EF4-FFF2-40B4-BE49-F238E27FC236}">
+                <a16:creationId xmlns:a16="http://schemas.microsoft.com/office/drawing/2014/main" id="{D4469F5D-E711-E066-D4B2-4EDA12D27FF8}"/>
+              </a:ext>
+            </a:extLst>
+          </p:cNvPr>
+          <p:cNvSpPr/>
           <p:nvPr/>
-        </p:nvPicPr>
-        <p:blipFill>
-          <a:blip r:embed="rId3"/>
-          <a:stretch>
-            <a:fillRect/>
-          </a:stretch>
-        </p:blipFill>
+        </p:nvSpPr>
         <p:spPr>
           <a:xfrm>
-            <a:off x="2197359" y="4302102"/>
-            <a:ext cx="2921150" cy="895396"/>
+            <a:off x="838200" y="3790950"/>
+            <a:ext cx="6851650" cy="1111250"/>
           </a:xfrm>
-          <a:prstGeom prst="rect">
+          <a:prstGeom prst="roundRect">
             <a:avLst/>
           </a:prstGeom>
+          <a:noFill/>
+          <a:ln>
+            <a:solidFill>
+              <a:srgbClr val="FF0000"/>
+            </a:solidFill>
+          </a:ln>
         </p:spPr>
-      </p:pic>
-      <p:pic>
-        <p:nvPicPr>
-          <p:cNvPr id="9" name="Picture 8">
-            <a:extLst>
-              <a:ext uri="{FF2B5EF4-FFF2-40B4-BE49-F238E27FC236}">
-                <a16:creationId xmlns:a16="http://schemas.microsoft.com/office/drawing/2014/main" id="{C0E1A8B2-FE52-27DA-F7DB-CAD822372C31}"/>
-              </a:ext>
-            </a:extLst>
-          </p:cNvPr>
-          <p:cNvPicPr>
-            <a:picLocks noChangeAspect="1"/>
-          </p:cNvPicPr>
-          <p:nvPr/>
-        </p:nvPicPr>
-        <p:blipFill>
-          <a:blip r:embed="rId4"/>
-          <a:stretch>
-            <a:fillRect/>
-          </a:stretch>
-        </p:blipFill>
-        <p:spPr>
-          <a:xfrm>
-            <a:off x="2197359" y="5714943"/>
-            <a:ext cx="2254366" cy="806491"/>
-          </a:xfrm>
-          <a:prstGeom prst="rect">
-            <a:avLst/>
-          </a:prstGeom>
-        </p:spPr>
-      </p:pic>
+        <p:style>
+          <a:lnRef idx="2">
+            <a:schemeClr val="accent1">
+              <a:shade val="15000"/>
+            </a:schemeClr>
+          </a:lnRef>
+          <a:fillRef idx="1">
+            <a:schemeClr val="accent1"/>
+          </a:fillRef>
+          <a:effectRef idx="0">
+            <a:schemeClr val="accent1"/>
+          </a:effectRef>
+          <a:fontRef idx="minor">
+            <a:schemeClr val="lt1"/>
+          </a:fontRef>
+        </p:style>
+        <p:txBody>
+          <a:bodyPr rtlCol="0" anchor="ctr"/>
+          <a:lstStyle/>
+          <a:p>
+            <a:pPr algn="ctr"/>
+            <a:endParaRPr lang="en-GB"/>
+          </a:p>
+        </p:txBody>
+      </p:sp>
     </p:spTree>
     <p:extLst>
       <p:ext uri="{BB962C8B-B14F-4D97-AF65-F5344CB8AC3E}">
-        <p14:creationId xmlns:p14="http://schemas.microsoft.com/office/powerpoint/2010/main" val="2308371639"/>
+        <p14:creationId xmlns:p14="http://schemas.microsoft.com/office/powerpoint/2010/main" val="2157642099"/>
       </p:ext>
     </p:extLst>
   </p:cSld>
@@ -12858,10 +13404,65 @@
           <a:chExt cx="0" cy="0"/>
         </a:xfrm>
       </p:grpSpPr>
+      <p:sp>
+        <p:nvSpPr>
+          <p:cNvPr id="2" name="Title 1">
+            <a:extLst>
+              <a:ext uri="{FF2B5EF4-FFF2-40B4-BE49-F238E27FC236}">
+                <a16:creationId xmlns:a16="http://schemas.microsoft.com/office/drawing/2014/main" id="{21017636-EA3E-8FEF-99A9-52E40CE4CEE3}"/>
+              </a:ext>
+            </a:extLst>
+          </p:cNvPr>
+          <p:cNvSpPr>
+            <a:spLocks noGrp="1"/>
+          </p:cNvSpPr>
+          <p:nvPr>
+            <p:ph type="title"/>
+          </p:nvPr>
+        </p:nvSpPr>
+        <p:spPr/>
+        <p:txBody>
+          <a:bodyPr/>
+          <a:lstStyle/>
+          <a:p>
+            <a:endParaRPr lang="en-GB"/>
+          </a:p>
+        </p:txBody>
+      </p:sp>
+      <p:pic>
+        <p:nvPicPr>
+          <p:cNvPr id="4" name="Picture 3">
+            <a:extLst>
+              <a:ext uri="{FF2B5EF4-FFF2-40B4-BE49-F238E27FC236}">
+                <a16:creationId xmlns:a16="http://schemas.microsoft.com/office/drawing/2014/main" id="{4F69654C-6DA8-2205-4B70-B0177BA26CE7}"/>
+              </a:ext>
+            </a:extLst>
+          </p:cNvPr>
+          <p:cNvPicPr>
+            <a:picLocks noChangeAspect="1"/>
+          </p:cNvPicPr>
+          <p:nvPr/>
+        </p:nvPicPr>
+        <p:blipFill>
+          <a:blip r:embed="rId2"/>
+          <a:stretch>
+            <a:fillRect/>
+          </a:stretch>
+        </p:blipFill>
+        <p:spPr>
+          <a:xfrm>
+            <a:off x="3139923" y="2035103"/>
+            <a:ext cx="5912154" cy="2787793"/>
+          </a:xfrm>
+          <a:prstGeom prst="rect">
+            <a:avLst/>
+          </a:prstGeom>
+        </p:spPr>
+      </p:pic>
     </p:spTree>
     <p:extLst>
       <p:ext uri="{BB962C8B-B14F-4D97-AF65-F5344CB8AC3E}">
-        <p14:creationId xmlns:p14="http://schemas.microsoft.com/office/powerpoint/2010/main" val="226605963"/>
+        <p14:creationId xmlns:p14="http://schemas.microsoft.com/office/powerpoint/2010/main" val="1967800904"/>
       </p:ext>
     </p:extLst>
   </p:cSld>
@@ -12893,7 +13494,7 @@
           <p:cNvPr id="2" name="Title 1">
             <a:extLst>
               <a:ext uri="{FF2B5EF4-FFF2-40B4-BE49-F238E27FC236}">
-                <a16:creationId xmlns:a16="http://schemas.microsoft.com/office/drawing/2014/main" id="{2EA7A9B8-5D1F-EEF7-133A-D74F7FD68BA6}"/>
+                <a16:creationId xmlns:a16="http://schemas.microsoft.com/office/drawing/2014/main" id="{21017636-EA3E-8FEF-99A9-52E40CE4CEE3}"/>
               </a:ext>
             </a:extLst>
           </p:cNvPr>
@@ -12904,48 +13505,56 @@
             <p:ph type="title"/>
           </p:nvPr>
         </p:nvSpPr>
-        <p:spPr/>
-        <p:txBody>
-          <a:bodyPr/>
-          <a:lstStyle/>
-          <a:p>
-            <a:r>
-              <a:rPr lang="en-GB" dirty="0" err="1"/>
-              <a:t>PySpark</a:t>
-            </a:r>
+        <p:spPr>
+          <a:xfrm>
+            <a:off x="838200" y="365125"/>
+            <a:ext cx="9310991" cy="566593"/>
+          </a:xfrm>
+        </p:spPr>
+        <p:txBody>
+          <a:bodyPr>
+            <a:normAutofit fontScale="90000"/>
+          </a:bodyPr>
+          <a:lstStyle/>
+          <a:p>
             <a:endParaRPr lang="en-GB" dirty="0"/>
           </a:p>
         </p:txBody>
       </p:sp>
-      <p:sp>
-        <p:nvSpPr>
-          <p:cNvPr id="3" name="Content Placeholder 2">
-            <a:extLst>
-              <a:ext uri="{FF2B5EF4-FFF2-40B4-BE49-F238E27FC236}">
-                <a16:creationId xmlns:a16="http://schemas.microsoft.com/office/drawing/2014/main" id="{C40C2E14-BFE4-C9DF-C194-89994D9EB591}"/>
-              </a:ext>
-            </a:extLst>
-          </p:cNvPr>
-          <p:cNvSpPr>
-            <a:spLocks noGrp="1"/>
-          </p:cNvSpPr>
-          <p:nvPr>
-            <p:ph idx="1"/>
-          </p:nvPr>
-        </p:nvSpPr>
-        <p:spPr/>
-        <p:txBody>
-          <a:bodyPr/>
-          <a:lstStyle/>
-          <a:p>
-            <a:endParaRPr lang="en-GB" dirty="0"/>
-          </a:p>
-        </p:txBody>
-      </p:sp>
+      <p:pic>
+        <p:nvPicPr>
+          <p:cNvPr id="5" name="Picture 4">
+            <a:extLst>
+              <a:ext uri="{FF2B5EF4-FFF2-40B4-BE49-F238E27FC236}">
+                <a16:creationId xmlns:a16="http://schemas.microsoft.com/office/drawing/2014/main" id="{8F5E4456-8C4D-4A3F-7FEB-51C36B0663E7}"/>
+              </a:ext>
+            </a:extLst>
+          </p:cNvPr>
+          <p:cNvPicPr>
+            <a:picLocks noChangeAspect="1"/>
+          </p:cNvPicPr>
+          <p:nvPr/>
+        </p:nvPicPr>
+        <p:blipFill>
+          <a:blip r:embed="rId2"/>
+          <a:stretch>
+            <a:fillRect/>
+          </a:stretch>
+        </p:blipFill>
+        <p:spPr>
+          <a:xfrm>
+            <a:off x="1906620" y="931718"/>
+            <a:ext cx="8583805" cy="5116791"/>
+          </a:xfrm>
+          <a:prstGeom prst="rect">
+            <a:avLst/>
+          </a:prstGeom>
+        </p:spPr>
+      </p:pic>
     </p:spTree>
     <p:extLst>
       <p:ext uri="{BB962C8B-B14F-4D97-AF65-F5344CB8AC3E}">
-        <p14:creationId xmlns:p14="http://schemas.microsoft.com/office/powerpoint/2010/main" val="317081444"/>
+        <p14:creationId xmlns:p14="http://schemas.microsoft.com/office/powerpoint/2010/main" val="2984621975"/>
       </p:ext>
     </p:extLst>
   </p:cSld>
@@ -13043,6 +13652,120 @@
 </p:sld>
 </file>
 
+<file path=ppt/slides/slide70.xml><?xml version="1.0" encoding="utf-8"?>
+<p:sld xmlns:a="http://schemas.openxmlformats.org/drawingml/2006/main" xmlns:r="http://schemas.openxmlformats.org/officeDocument/2006/relationships" xmlns:p="http://schemas.openxmlformats.org/presentationml/2006/main">
+  <p:cSld>
+    <p:spTree>
+      <p:nvGrpSpPr>
+        <p:cNvPr id="1" name=""/>
+        <p:cNvGrpSpPr/>
+        <p:nvPr/>
+      </p:nvGrpSpPr>
+      <p:grpSpPr>
+        <a:xfrm>
+          <a:off x="0" y="0"/>
+          <a:ext cx="0" cy="0"/>
+          <a:chOff x="0" y="0"/>
+          <a:chExt cx="0" cy="0"/>
+        </a:xfrm>
+      </p:grpSpPr>
+    </p:spTree>
+    <p:extLst>
+      <p:ext uri="{BB962C8B-B14F-4D97-AF65-F5344CB8AC3E}">
+        <p14:creationId xmlns:p14="http://schemas.microsoft.com/office/powerpoint/2010/main" val="226605963"/>
+      </p:ext>
+    </p:extLst>
+  </p:cSld>
+  <p:clrMapOvr>
+    <a:masterClrMapping/>
+  </p:clrMapOvr>
+</p:sld>
+</file>
+
+<file path=ppt/slides/slide71.xml><?xml version="1.0" encoding="utf-8"?>
+<p:sld xmlns:a="http://schemas.openxmlformats.org/drawingml/2006/main" xmlns:r="http://schemas.openxmlformats.org/officeDocument/2006/relationships" xmlns:p="http://schemas.openxmlformats.org/presentationml/2006/main">
+  <p:cSld>
+    <p:spTree>
+      <p:nvGrpSpPr>
+        <p:cNvPr id="1" name=""/>
+        <p:cNvGrpSpPr/>
+        <p:nvPr/>
+      </p:nvGrpSpPr>
+      <p:grpSpPr>
+        <a:xfrm>
+          <a:off x="0" y="0"/>
+          <a:ext cx="0" cy="0"/>
+          <a:chOff x="0" y="0"/>
+          <a:chExt cx="0" cy="0"/>
+        </a:xfrm>
+      </p:grpSpPr>
+      <p:sp>
+        <p:nvSpPr>
+          <p:cNvPr id="2" name="Title 1">
+            <a:extLst>
+              <a:ext uri="{FF2B5EF4-FFF2-40B4-BE49-F238E27FC236}">
+                <a16:creationId xmlns:a16="http://schemas.microsoft.com/office/drawing/2014/main" id="{2EA7A9B8-5D1F-EEF7-133A-D74F7FD68BA6}"/>
+              </a:ext>
+            </a:extLst>
+          </p:cNvPr>
+          <p:cNvSpPr>
+            <a:spLocks noGrp="1"/>
+          </p:cNvSpPr>
+          <p:nvPr>
+            <p:ph type="title"/>
+          </p:nvPr>
+        </p:nvSpPr>
+        <p:spPr/>
+        <p:txBody>
+          <a:bodyPr/>
+          <a:lstStyle/>
+          <a:p>
+            <a:r>
+              <a:rPr lang="en-GB" dirty="0" err="1"/>
+              <a:t>PySpark</a:t>
+            </a:r>
+            <a:endParaRPr lang="en-GB" dirty="0"/>
+          </a:p>
+        </p:txBody>
+      </p:sp>
+      <p:sp>
+        <p:nvSpPr>
+          <p:cNvPr id="3" name="Content Placeholder 2">
+            <a:extLst>
+              <a:ext uri="{FF2B5EF4-FFF2-40B4-BE49-F238E27FC236}">
+                <a16:creationId xmlns:a16="http://schemas.microsoft.com/office/drawing/2014/main" id="{C40C2E14-BFE4-C9DF-C194-89994D9EB591}"/>
+              </a:ext>
+            </a:extLst>
+          </p:cNvPr>
+          <p:cNvSpPr>
+            <a:spLocks noGrp="1"/>
+          </p:cNvSpPr>
+          <p:nvPr>
+            <p:ph idx="1"/>
+          </p:nvPr>
+        </p:nvSpPr>
+        <p:spPr/>
+        <p:txBody>
+          <a:bodyPr/>
+          <a:lstStyle/>
+          <a:p>
+            <a:endParaRPr lang="en-GB" dirty="0"/>
+          </a:p>
+        </p:txBody>
+      </p:sp>
+    </p:spTree>
+    <p:extLst>
+      <p:ext uri="{BB962C8B-B14F-4D97-AF65-F5344CB8AC3E}">
+        <p14:creationId xmlns:p14="http://schemas.microsoft.com/office/powerpoint/2010/main" val="317081444"/>
+      </p:ext>
+    </p:extLst>
+  </p:cSld>
+  <p:clrMapOvr>
+    <a:masterClrMapping/>
+  </p:clrMapOvr>
+</p:sld>
+</file>
+
 <file path=ppt/slides/slide8.xml><?xml version="1.0" encoding="utf-8"?>
 <p:sld xmlns:a="http://schemas.openxmlformats.org/drawingml/2006/main" xmlns:r="http://schemas.openxmlformats.org/officeDocument/2006/relationships" xmlns:p="http://schemas.openxmlformats.org/presentationml/2006/main">
   <p:cSld>
@@ -13065,7 +13788,7 @@
           <p:cNvPr id="2" name="Title 1">
             <a:extLst>
               <a:ext uri="{FF2B5EF4-FFF2-40B4-BE49-F238E27FC236}">
-                <a16:creationId xmlns:a16="http://schemas.microsoft.com/office/drawing/2014/main" id="{838AC0F5-5B6B-B939-FA3C-B663E317E445}"/>
+                <a16:creationId xmlns:a16="http://schemas.microsoft.com/office/drawing/2014/main" id="{9831B8CC-CE63-2632-A79B-DF312B723DB2}"/>
               </a:ext>
             </a:extLst>
           </p:cNvPr>
@@ -13081,99 +13804,51 @@
           <a:bodyPr/>
           <a:lstStyle/>
           <a:p>
-            <a:br>
+            <a:r>
               <a:rPr lang="en-GB" dirty="0"/>
-            </a:br>
+              <a:t>VS Code</a:t>
+            </a:r>
+          </a:p>
+        </p:txBody>
+      </p:sp>
+      <p:sp>
+        <p:nvSpPr>
+          <p:cNvPr id="3" name="Content Placeholder 2">
+            <a:extLst>
+              <a:ext uri="{FF2B5EF4-FFF2-40B4-BE49-F238E27FC236}">
+                <a16:creationId xmlns:a16="http://schemas.microsoft.com/office/drawing/2014/main" id="{B5E4477C-CAAB-ABF9-981B-11DA484523CD}"/>
+              </a:ext>
+            </a:extLst>
+          </p:cNvPr>
+          <p:cNvSpPr>
+            <a:spLocks noGrp="1"/>
+          </p:cNvSpPr>
+          <p:nvPr>
+            <p:ph idx="1"/>
+          </p:nvPr>
+        </p:nvSpPr>
+        <p:spPr/>
+        <p:txBody>
+          <a:bodyPr/>
+          <a:lstStyle/>
+          <a:p>
             <a:r>
               <a:rPr lang="en-GB" dirty="0"/>
-              <a:t>Azure CLI</a:t>
-            </a:r>
-          </a:p>
-        </p:txBody>
-      </p:sp>
-      <p:sp>
-        <p:nvSpPr>
-          <p:cNvPr id="3" name="Content Placeholder 2">
-            <a:extLst>
-              <a:ext uri="{FF2B5EF4-FFF2-40B4-BE49-F238E27FC236}">
-                <a16:creationId xmlns:a16="http://schemas.microsoft.com/office/drawing/2014/main" id="{F8A13E07-A759-E54C-79C1-64A09C31C106}"/>
-              </a:ext>
-            </a:extLst>
-          </p:cNvPr>
-          <p:cNvSpPr>
-            <a:spLocks noGrp="1"/>
-          </p:cNvSpPr>
-          <p:nvPr>
-            <p:ph idx="1"/>
-          </p:nvPr>
-        </p:nvSpPr>
-        <p:spPr/>
-        <p:txBody>
-          <a:bodyPr/>
-          <a:lstStyle/>
+              <a:t>Free download</a:t>
+            </a:r>
+          </a:p>
           <a:p>
             <a:r>
               <a:rPr lang="en-GB" dirty="0"/>
-              <a:t>Install by following links from: </a:t>
-            </a:r>
-            <a:r>
-              <a:rPr lang="en-GB" dirty="0">
-                <a:hlinkClick r:id="rId2"/>
-              </a:rPr>
-              <a:t>https://learn.microsoft.com/en-us/cli/azure/install-azure-cli</a:t>
-            </a:r>
-            <a:endParaRPr lang="en-GB" dirty="0"/>
-          </a:p>
-          <a:p>
-            <a:r>
-              <a:rPr lang="en-GB" dirty="0"/>
-              <a:t>For </a:t>
-            </a:r>
-            <a:r>
-              <a:rPr lang="en-GB" dirty="0" err="1"/>
-              <a:t>VSCode</a:t>
-            </a:r>
-            <a:r>
-              <a:rPr lang="en-GB" dirty="0"/>
-              <a:t>:</a:t>
-            </a:r>
-          </a:p>
-          <a:p>
-            <a:pPr lvl="1"/>
-            <a:r>
-              <a:rPr lang="en-GB" dirty="0"/>
-              <a:t>Azure CLI Tools</a:t>
-            </a:r>
-          </a:p>
-          <a:p>
-            <a:pPr lvl="1"/>
-            <a:r>
-              <a:rPr lang="en-GB" dirty="0"/>
-              <a:t>Azure Developer CLI</a:t>
-            </a:r>
-          </a:p>
-          <a:p>
-            <a:r>
-              <a:rPr lang="en-GB" dirty="0"/>
-              <a:t>CLI will require extensions for some commands</a:t>
-            </a:r>
-          </a:p>
-          <a:p>
-            <a:pPr lvl="1"/>
-            <a:r>
-              <a:rPr lang="en-GB" dirty="0"/>
-              <a:t>Automatically downloaded</a:t>
-            </a:r>
-          </a:p>
-          <a:p>
-            <a:endParaRPr lang="en-GB" dirty="0"/>
+              <a:t>Very large number of plug-ins/extensions – most free</a:t>
+            </a:r>
           </a:p>
         </p:txBody>
       </p:sp>
     </p:spTree>
     <p:extLst>
       <p:ext uri="{BB962C8B-B14F-4D97-AF65-F5344CB8AC3E}">
-        <p14:creationId xmlns:p14="http://schemas.microsoft.com/office/powerpoint/2010/main" val="2113534899"/>
+        <p14:creationId xmlns:p14="http://schemas.microsoft.com/office/powerpoint/2010/main" val="3080502177"/>
       </p:ext>
     </p:extLst>
   </p:cSld>
@@ -13226,15 +13901,81 @@
             </a:br>
             <a:r>
               <a:rPr lang="en-GB" dirty="0"/>
-              <a:t>Azure CLI Demo</a:t>
-            </a:r>
+              <a:t>Azure CLI</a:t>
+            </a:r>
+          </a:p>
+        </p:txBody>
+      </p:sp>
+      <p:sp>
+        <p:nvSpPr>
+          <p:cNvPr id="3" name="Content Placeholder 2">
+            <a:extLst>
+              <a:ext uri="{FF2B5EF4-FFF2-40B4-BE49-F238E27FC236}">
+                <a16:creationId xmlns:a16="http://schemas.microsoft.com/office/drawing/2014/main" id="{F8A13E07-A759-E54C-79C1-64A09C31C106}"/>
+              </a:ext>
+            </a:extLst>
+          </p:cNvPr>
+          <p:cNvSpPr>
+            <a:spLocks noGrp="1"/>
+          </p:cNvSpPr>
+          <p:nvPr>
+            <p:ph idx="1"/>
+          </p:nvPr>
+        </p:nvSpPr>
+        <p:spPr/>
+        <p:txBody>
+          <a:bodyPr/>
+          <a:lstStyle/>
+          <a:p>
+            <a:r>
+              <a:rPr lang="en-GB" dirty="0"/>
+              <a:t>Install by following links from: </a:t>
+            </a:r>
+            <a:r>
+              <a:rPr lang="en-GB" dirty="0">
+                <a:hlinkClick r:id="rId2"/>
+              </a:rPr>
+              <a:t>https://learn.microsoft.com/en-us/cli/azure/install-azure-cli</a:t>
+            </a:r>
+            <a:endParaRPr lang="en-GB" dirty="0"/>
+          </a:p>
+          <a:p>
+            <a:r>
+              <a:rPr lang="en-GB" dirty="0"/>
+              <a:t>For </a:t>
+            </a:r>
+            <a:r>
+              <a:rPr lang="en-GB" dirty="0" err="1"/>
+              <a:t>VSCode</a:t>
+            </a:r>
+            <a:r>
+              <a:rPr lang="en-GB" dirty="0"/>
+              <a:t>:</a:t>
+            </a:r>
+          </a:p>
+          <a:p>
+            <a:pPr lvl="1"/>
+            <a:r>
+              <a:rPr lang="en-GB" dirty="0"/>
+              <a:t>Azure CLI Tools</a:t>
+            </a:r>
+          </a:p>
+          <a:p>
+            <a:pPr lvl="1"/>
+            <a:r>
+              <a:rPr lang="en-GB" dirty="0"/>
+              <a:t>Azure Developer CLI</a:t>
+            </a:r>
+          </a:p>
+          <a:p>
+            <a:endParaRPr lang="en-GB" dirty="0"/>
           </a:p>
         </p:txBody>
       </p:sp>
     </p:spTree>
     <p:extLst>
       <p:ext uri="{BB962C8B-B14F-4D97-AF65-F5344CB8AC3E}">
-        <p14:creationId xmlns:p14="http://schemas.microsoft.com/office/powerpoint/2010/main" val="439281930"/>
+        <p14:creationId xmlns:p14="http://schemas.microsoft.com/office/powerpoint/2010/main" val="2113534899"/>
       </p:ext>
     </p:extLst>
   </p:cSld>

--- a/Data Engineering Using Free Tools/Learn Data Engineering For Free.pptx
+++ b/Data Engineering Using Free Tools/Learn Data Engineering For Free.pptx
@@ -5,46 +5,46 @@
     <p:sldMasterId id="2147483648" r:id="rId1"/>
   </p:sldMasterIdLst>
   <p:notesMasterIdLst>
-    <p:notesMasterId r:id="rId79"/>
+    <p:notesMasterId r:id="rId80"/>
   </p:notesMasterIdLst>
   <p:sldIdLst>
     <p:sldId id="256" r:id="rId2"/>
     <p:sldId id="2147478973" r:id="rId3"/>
     <p:sldId id="325" r:id="rId4"/>
     <p:sldId id="2147478974" r:id="rId5"/>
-    <p:sldId id="2147478979" r:id="rId6"/>
-    <p:sldId id="2147478980" r:id="rId7"/>
-    <p:sldId id="2147478981" r:id="rId8"/>
-    <p:sldId id="308" r:id="rId9"/>
-    <p:sldId id="2147478976" r:id="rId10"/>
-    <p:sldId id="268" r:id="rId11"/>
-    <p:sldId id="265" r:id="rId12"/>
-    <p:sldId id="264" r:id="rId13"/>
-    <p:sldId id="309" r:id="rId14"/>
-    <p:sldId id="275" r:id="rId15"/>
-    <p:sldId id="276" r:id="rId16"/>
-    <p:sldId id="263" r:id="rId17"/>
-    <p:sldId id="313" r:id="rId18"/>
-    <p:sldId id="306" r:id="rId19"/>
-    <p:sldId id="277" r:id="rId20"/>
-    <p:sldId id="278" r:id="rId21"/>
-    <p:sldId id="280" r:id="rId22"/>
-    <p:sldId id="281" r:id="rId23"/>
-    <p:sldId id="283" r:id="rId24"/>
-    <p:sldId id="284" r:id="rId25"/>
-    <p:sldId id="285" r:id="rId26"/>
-    <p:sldId id="289" r:id="rId27"/>
-    <p:sldId id="290" r:id="rId28"/>
-    <p:sldId id="294" r:id="rId29"/>
-    <p:sldId id="286" r:id="rId30"/>
-    <p:sldId id="287" r:id="rId31"/>
-    <p:sldId id="288" r:id="rId32"/>
-    <p:sldId id="2147478975" r:id="rId33"/>
-    <p:sldId id="295" r:id="rId34"/>
-    <p:sldId id="296" r:id="rId35"/>
-    <p:sldId id="297" r:id="rId36"/>
-    <p:sldId id="298" r:id="rId37"/>
-    <p:sldId id="2147478977" r:id="rId38"/>
+    <p:sldId id="2147478982" r:id="rId6"/>
+    <p:sldId id="2147478979" r:id="rId7"/>
+    <p:sldId id="2147478980" r:id="rId8"/>
+    <p:sldId id="2147478981" r:id="rId9"/>
+    <p:sldId id="308" r:id="rId10"/>
+    <p:sldId id="306" r:id="rId11"/>
+    <p:sldId id="2147478976" r:id="rId12"/>
+    <p:sldId id="309" r:id="rId13"/>
+    <p:sldId id="275" r:id="rId14"/>
+    <p:sldId id="276" r:id="rId15"/>
+    <p:sldId id="263" r:id="rId16"/>
+    <p:sldId id="313" r:id="rId17"/>
+    <p:sldId id="277" r:id="rId18"/>
+    <p:sldId id="278" r:id="rId19"/>
+    <p:sldId id="280" r:id="rId20"/>
+    <p:sldId id="281" r:id="rId21"/>
+    <p:sldId id="283" r:id="rId22"/>
+    <p:sldId id="284" r:id="rId23"/>
+    <p:sldId id="285" r:id="rId24"/>
+    <p:sldId id="289" r:id="rId25"/>
+    <p:sldId id="290" r:id="rId26"/>
+    <p:sldId id="294" r:id="rId27"/>
+    <p:sldId id="286" r:id="rId28"/>
+    <p:sldId id="287" r:id="rId29"/>
+    <p:sldId id="288" r:id="rId30"/>
+    <p:sldId id="2147478975" r:id="rId31"/>
+    <p:sldId id="295" r:id="rId32"/>
+    <p:sldId id="296" r:id="rId33"/>
+    <p:sldId id="2147478977" r:id="rId34"/>
+    <p:sldId id="297" r:id="rId35"/>
+    <p:sldId id="298" r:id="rId36"/>
+    <p:sldId id="299" r:id="rId37"/>
+    <p:sldId id="300" r:id="rId38"/>
     <p:sldId id="2147478978" r:id="rId39"/>
     <p:sldId id="257" r:id="rId40"/>
     <p:sldId id="317" r:id="rId41"/>
@@ -54,37 +54,38 @@
     <p:sldId id="318" r:id="rId45"/>
     <p:sldId id="326" r:id="rId46"/>
     <p:sldId id="311" r:id="rId47"/>
-    <p:sldId id="310" r:id="rId48"/>
-    <p:sldId id="261" r:id="rId49"/>
-    <p:sldId id="307" r:id="rId50"/>
-    <p:sldId id="292" r:id="rId51"/>
-    <p:sldId id="321" r:id="rId52"/>
-    <p:sldId id="262" r:id="rId53"/>
-    <p:sldId id="320" r:id="rId54"/>
-    <p:sldId id="258" r:id="rId55"/>
-    <p:sldId id="259" r:id="rId56"/>
-    <p:sldId id="319" r:id="rId57"/>
-    <p:sldId id="322" r:id="rId58"/>
-    <p:sldId id="323" r:id="rId59"/>
-    <p:sldId id="316" r:id="rId60"/>
-    <p:sldId id="301" r:id="rId61"/>
-    <p:sldId id="302" r:id="rId62"/>
-    <p:sldId id="303" r:id="rId63"/>
-    <p:sldId id="304" r:id="rId64"/>
-    <p:sldId id="267" r:id="rId65"/>
-    <p:sldId id="270" r:id="rId66"/>
-    <p:sldId id="266" r:id="rId67"/>
-    <p:sldId id="293" r:id="rId68"/>
-    <p:sldId id="271" r:id="rId69"/>
-    <p:sldId id="272" r:id="rId70"/>
-    <p:sldId id="273" r:id="rId71"/>
-    <p:sldId id="282" r:id="rId72"/>
-    <p:sldId id="291" r:id="rId73"/>
-    <p:sldId id="312" r:id="rId74"/>
-    <p:sldId id="299" r:id="rId75"/>
-    <p:sldId id="300" r:id="rId76"/>
-    <p:sldId id="305" r:id="rId77"/>
-    <p:sldId id="260" r:id="rId78"/>
+    <p:sldId id="268" r:id="rId48"/>
+    <p:sldId id="265" r:id="rId49"/>
+    <p:sldId id="264" r:id="rId50"/>
+    <p:sldId id="310" r:id="rId51"/>
+    <p:sldId id="261" r:id="rId52"/>
+    <p:sldId id="307" r:id="rId53"/>
+    <p:sldId id="292" r:id="rId54"/>
+    <p:sldId id="321" r:id="rId55"/>
+    <p:sldId id="262" r:id="rId56"/>
+    <p:sldId id="320" r:id="rId57"/>
+    <p:sldId id="258" r:id="rId58"/>
+    <p:sldId id="259" r:id="rId59"/>
+    <p:sldId id="319" r:id="rId60"/>
+    <p:sldId id="322" r:id="rId61"/>
+    <p:sldId id="323" r:id="rId62"/>
+    <p:sldId id="316" r:id="rId63"/>
+    <p:sldId id="301" r:id="rId64"/>
+    <p:sldId id="302" r:id="rId65"/>
+    <p:sldId id="303" r:id="rId66"/>
+    <p:sldId id="304" r:id="rId67"/>
+    <p:sldId id="267" r:id="rId68"/>
+    <p:sldId id="270" r:id="rId69"/>
+    <p:sldId id="266" r:id="rId70"/>
+    <p:sldId id="293" r:id="rId71"/>
+    <p:sldId id="271" r:id="rId72"/>
+    <p:sldId id="272" r:id="rId73"/>
+    <p:sldId id="273" r:id="rId74"/>
+    <p:sldId id="282" r:id="rId75"/>
+    <p:sldId id="291" r:id="rId76"/>
+    <p:sldId id="312" r:id="rId77"/>
+    <p:sldId id="305" r:id="rId78"/>
+    <p:sldId id="260" r:id="rId79"/>
   </p:sldIdLst>
   <p:sldSz cx="12192000" cy="6858000"/>
   <p:notesSz cx="6858000" cy="9144000"/>
@@ -281,7 +282,7 @@
           <a:p>
             <a:fld id="{C49D3115-C41D-4930-8EF3-A657CFCC644E}" type="datetimeFigureOut">
               <a:rPr lang="en-GB" smtClean="0"/>
-              <a:t>18/10/2024</a:t>
+              <a:t>19/10/2024</a:t>
             </a:fld>
             <a:endParaRPr lang="en-GB"/>
           </a:p>
@@ -680,6 +681,119 @@
           <a:bodyPr/>
           <a:lstStyle/>
           <a:p>
+            <a:r>
+              <a:rPr lang="en-GB" dirty="0" err="1"/>
+              <a:t>PySpark</a:t>
+            </a:r>
+            <a:r>
+              <a:rPr lang="en-GB" dirty="0"/>
+              <a:t> validation</a:t>
+            </a:r>
+          </a:p>
+          <a:p>
+            <a:r>
+              <a:rPr lang="en-GB" dirty="0"/>
+              <a:t>Web UI</a:t>
+            </a:r>
+          </a:p>
+          <a:p>
+            <a:r>
+              <a:rPr lang="en-GB" dirty="0"/>
+              <a:t>VS Code</a:t>
+            </a:r>
+          </a:p>
+          <a:p>
+            <a:r>
+              <a:rPr lang="en-GB" dirty="0"/>
+              <a:t>	- to run Jupiter notebooks needs </a:t>
+            </a:r>
+            <a:r>
+              <a:rPr lang="en-GB" dirty="0" err="1"/>
+              <a:t>ipykernel</a:t>
+            </a:r>
+            <a:r>
+              <a:rPr lang="en-GB" dirty="0"/>
+              <a:t> installed</a:t>
+            </a:r>
+          </a:p>
+          <a:p>
+            <a:r>
+              <a:rPr lang="en-GB" dirty="0"/>
+              <a:t>	- from </a:t>
+            </a:r>
+            <a:r>
+              <a:rPr lang="en-GB" dirty="0" err="1"/>
+              <a:t>vscode</a:t>
+            </a:r>
+            <a:r>
+              <a:rPr lang="en-GB" dirty="0"/>
+              <a:t> run </a:t>
+            </a:r>
+            <a:r>
+              <a:rPr lang="en-GB" b="1" i="0" dirty="0" err="1">
+                <a:solidFill>
+                  <a:srgbClr val="CD3131"/>
+                </a:solidFill>
+                <a:effectLst/>
+                <a:latin typeface="Consolas" panose="020B0609020204030204" pitchFamily="49" charset="0"/>
+              </a:rPr>
+              <a:t>conda</a:t>
+            </a:r>
+            <a:r>
+              <a:rPr lang="en-GB" b="1" i="0" dirty="0">
+                <a:solidFill>
+                  <a:srgbClr val="CD3131"/>
+                </a:solidFill>
+                <a:effectLst/>
+                <a:latin typeface="Consolas" panose="020B0609020204030204" pitchFamily="49" charset="0"/>
+              </a:rPr>
+              <a:t> install -n </a:t>
+            </a:r>
+            <a:r>
+              <a:rPr lang="en-GB" b="1" i="0" dirty="0" err="1">
+                <a:solidFill>
+                  <a:srgbClr val="CD3131"/>
+                </a:solidFill>
+                <a:effectLst/>
+                <a:latin typeface="Consolas" panose="020B0609020204030204" pitchFamily="49" charset="0"/>
+              </a:rPr>
+              <a:t>dataengforfree_env</a:t>
+            </a:r>
+            <a:r>
+              <a:rPr lang="en-GB" b="1" i="0" dirty="0">
+                <a:solidFill>
+                  <a:srgbClr val="CD3131"/>
+                </a:solidFill>
+                <a:effectLst/>
+                <a:latin typeface="Consolas" panose="020B0609020204030204" pitchFamily="49" charset="0"/>
+              </a:rPr>
+              <a:t> </a:t>
+            </a:r>
+            <a:r>
+              <a:rPr lang="en-GB" b="1" i="0" dirty="0" err="1">
+                <a:solidFill>
+                  <a:srgbClr val="CD3131"/>
+                </a:solidFill>
+                <a:effectLst/>
+                <a:latin typeface="Consolas" panose="020B0609020204030204" pitchFamily="49" charset="0"/>
+              </a:rPr>
+              <a:t>ipykernel</a:t>
+            </a:r>
+            <a:endParaRPr lang="en-GB" dirty="0"/>
+          </a:p>
+          <a:p>
+            <a:r>
+              <a:rPr lang="en-GB" dirty="0"/>
+              <a:t>	- copy python.exe &gt; python3.exe</a:t>
+            </a:r>
+          </a:p>
+          <a:p>
+            <a:r>
+              <a:rPr lang="en-GB" dirty="0"/>
+              <a:t>Visualisation? </a:t>
+            </a:r>
+          </a:p>
+          <a:p>
             <a:endParaRPr lang="en-GB" dirty="0"/>
           </a:p>
         </p:txBody>
@@ -701,7 +815,91 @@
           <a:p>
             <a:fld id="{E7E8E24E-2DA5-414D-9B85-6ED9E2618CC6}" type="slidenum">
               <a:rPr lang="en-GB" smtClean="0"/>
-              <a:t>51</a:t>
+              <a:t>43</a:t>
+            </a:fld>
+            <a:endParaRPr lang="en-GB"/>
+          </a:p>
+        </p:txBody>
+      </p:sp>
+    </p:spTree>
+    <p:extLst>
+      <p:ext uri="{BB962C8B-B14F-4D97-AF65-F5344CB8AC3E}">
+        <p14:creationId xmlns:p14="http://schemas.microsoft.com/office/powerpoint/2010/main" val="400731075"/>
+      </p:ext>
+    </p:extLst>
+  </p:cSld>
+  <p:clrMapOvr>
+    <a:masterClrMapping/>
+  </p:clrMapOvr>
+</p:notes>
+</file>
+
+<file path=ppt/notesSlides/notesSlide11.xml><?xml version="1.0" encoding="utf-8"?>
+<p:notes xmlns:a="http://schemas.openxmlformats.org/drawingml/2006/main" xmlns:r="http://schemas.openxmlformats.org/officeDocument/2006/relationships" xmlns:p="http://schemas.openxmlformats.org/presentationml/2006/main">
+  <p:cSld>
+    <p:spTree>
+      <p:nvGrpSpPr>
+        <p:cNvPr id="1" name=""/>
+        <p:cNvGrpSpPr/>
+        <p:nvPr/>
+      </p:nvGrpSpPr>
+      <p:grpSpPr>
+        <a:xfrm>
+          <a:off x="0" y="0"/>
+          <a:ext cx="0" cy="0"/>
+          <a:chOff x="0" y="0"/>
+          <a:chExt cx="0" cy="0"/>
+        </a:xfrm>
+      </p:grpSpPr>
+      <p:sp>
+        <p:nvSpPr>
+          <p:cNvPr id="2" name="Slide Image Placeholder 1"/>
+          <p:cNvSpPr>
+            <a:spLocks noGrp="1" noRot="1" noChangeAspect="1"/>
+          </p:cNvSpPr>
+          <p:nvPr>
+            <p:ph type="sldImg"/>
+          </p:nvPr>
+        </p:nvSpPr>
+        <p:spPr/>
+      </p:sp>
+      <p:sp>
+        <p:nvSpPr>
+          <p:cNvPr id="3" name="Notes Placeholder 2"/>
+          <p:cNvSpPr>
+            <a:spLocks noGrp="1"/>
+          </p:cNvSpPr>
+          <p:nvPr>
+            <p:ph type="body" idx="1"/>
+          </p:nvPr>
+        </p:nvSpPr>
+        <p:spPr/>
+        <p:txBody>
+          <a:bodyPr/>
+          <a:lstStyle/>
+          <a:p>
+            <a:endParaRPr lang="en-GB" dirty="0"/>
+          </a:p>
+        </p:txBody>
+      </p:sp>
+      <p:sp>
+        <p:nvSpPr>
+          <p:cNvPr id="4" name="Slide Number Placeholder 3"/>
+          <p:cNvSpPr>
+            <a:spLocks noGrp="1"/>
+          </p:cNvSpPr>
+          <p:nvPr>
+            <p:ph type="sldNum" sz="quarter" idx="5"/>
+          </p:nvPr>
+        </p:nvSpPr>
+        <p:spPr/>
+        <p:txBody>
+          <a:bodyPr/>
+          <a:lstStyle/>
+          <a:p>
+            <a:fld id="{E7E8E24E-2DA5-414D-9B85-6ED9E2618CC6}" type="slidenum">
+              <a:rPr lang="en-GB" smtClean="0"/>
+              <a:t>54</a:t>
             </a:fld>
             <a:endParaRPr lang="en-GB"/>
           </a:p>
@@ -878,7 +1076,7 @@
     </p:spTree>
     <p:extLst>
       <p:ext uri="{BB962C8B-B14F-4D97-AF65-F5344CB8AC3E}">
-        <p14:creationId xmlns:p14="http://schemas.microsoft.com/office/powerpoint/2010/main" val="3346946655"/>
+        <p14:creationId xmlns:p14="http://schemas.microsoft.com/office/powerpoint/2010/main" val="1398829631"/>
       </p:ext>
     </p:extLst>
   </p:cSld>
@@ -962,7 +1160,7 @@
     </p:spTree>
     <p:extLst>
       <p:ext uri="{BB962C8B-B14F-4D97-AF65-F5344CB8AC3E}">
-        <p14:creationId xmlns:p14="http://schemas.microsoft.com/office/powerpoint/2010/main" val="758914992"/>
+        <p14:creationId xmlns:p14="http://schemas.microsoft.com/office/powerpoint/2010/main" val="3346946655"/>
       </p:ext>
     </p:extLst>
   </p:cSld>
@@ -1046,7 +1244,7 @@
     </p:spTree>
     <p:extLst>
       <p:ext uri="{BB962C8B-B14F-4D97-AF65-F5344CB8AC3E}">
-        <p14:creationId xmlns:p14="http://schemas.microsoft.com/office/powerpoint/2010/main" val="3343609672"/>
+        <p14:creationId xmlns:p14="http://schemas.microsoft.com/office/powerpoint/2010/main" val="758914992"/>
       </p:ext>
     </p:extLst>
   </p:cSld>
@@ -1121,7 +1319,7 @@
           <a:p>
             <a:fld id="{E7E8E24E-2DA5-414D-9B85-6ED9E2618CC6}" type="slidenum">
               <a:rPr lang="en-GB" smtClean="0"/>
-              <a:t>14</a:t>
+              <a:t>8</a:t>
             </a:fld>
             <a:endParaRPr lang="en-GB"/>
           </a:p>
@@ -1130,7 +1328,7 @@
     </p:spTree>
     <p:extLst>
       <p:ext uri="{BB962C8B-B14F-4D97-AF65-F5344CB8AC3E}">
-        <p14:creationId xmlns:p14="http://schemas.microsoft.com/office/powerpoint/2010/main" val="2609537220"/>
+        <p14:creationId xmlns:p14="http://schemas.microsoft.com/office/powerpoint/2010/main" val="3343609672"/>
       </p:ext>
     </p:extLst>
   </p:cSld>
@@ -1205,7 +1403,7 @@
           <a:p>
             <a:fld id="{E7E8E24E-2DA5-414D-9B85-6ED9E2618CC6}" type="slidenum">
               <a:rPr lang="en-GB" smtClean="0"/>
-              <a:t>15</a:t>
+              <a:t>13</a:t>
             </a:fld>
             <a:endParaRPr lang="en-GB"/>
           </a:p>
@@ -1214,7 +1412,7 @@
     </p:spTree>
     <p:extLst>
       <p:ext uri="{BB962C8B-B14F-4D97-AF65-F5344CB8AC3E}">
-        <p14:creationId xmlns:p14="http://schemas.microsoft.com/office/powerpoint/2010/main" val="1969972243"/>
+        <p14:creationId xmlns:p14="http://schemas.microsoft.com/office/powerpoint/2010/main" val="2609537220"/>
       </p:ext>
     </p:extLst>
   </p:cSld>
@@ -1289,7 +1487,7 @@
           <a:p>
             <a:fld id="{E7E8E24E-2DA5-414D-9B85-6ED9E2618CC6}" type="slidenum">
               <a:rPr lang="en-GB" smtClean="0"/>
-              <a:t>23</a:t>
+              <a:t>14</a:t>
             </a:fld>
             <a:endParaRPr lang="en-GB"/>
           </a:p>
@@ -1298,7 +1496,7 @@
     </p:spTree>
     <p:extLst>
       <p:ext uri="{BB962C8B-B14F-4D97-AF65-F5344CB8AC3E}">
-        <p14:creationId xmlns:p14="http://schemas.microsoft.com/office/powerpoint/2010/main" val="454411347"/>
+        <p14:creationId xmlns:p14="http://schemas.microsoft.com/office/powerpoint/2010/main" val="1969972243"/>
       </p:ext>
     </p:extLst>
   </p:cSld>
@@ -1352,119 +1550,6 @@
           <a:bodyPr/>
           <a:lstStyle/>
           <a:p>
-            <a:r>
-              <a:rPr lang="en-GB" dirty="0" err="1"/>
-              <a:t>PySpark</a:t>
-            </a:r>
-            <a:r>
-              <a:rPr lang="en-GB" dirty="0"/>
-              <a:t> validation</a:t>
-            </a:r>
-          </a:p>
-          <a:p>
-            <a:r>
-              <a:rPr lang="en-GB" dirty="0"/>
-              <a:t>Web UI</a:t>
-            </a:r>
-          </a:p>
-          <a:p>
-            <a:r>
-              <a:rPr lang="en-GB" dirty="0"/>
-              <a:t>VS Code</a:t>
-            </a:r>
-          </a:p>
-          <a:p>
-            <a:r>
-              <a:rPr lang="en-GB" dirty="0"/>
-              <a:t>	- to run Jupiter notebooks needs </a:t>
-            </a:r>
-            <a:r>
-              <a:rPr lang="en-GB" dirty="0" err="1"/>
-              <a:t>ipykernel</a:t>
-            </a:r>
-            <a:r>
-              <a:rPr lang="en-GB" dirty="0"/>
-              <a:t> installed</a:t>
-            </a:r>
-          </a:p>
-          <a:p>
-            <a:r>
-              <a:rPr lang="en-GB" dirty="0"/>
-              <a:t>	- from </a:t>
-            </a:r>
-            <a:r>
-              <a:rPr lang="en-GB" dirty="0" err="1"/>
-              <a:t>vscode</a:t>
-            </a:r>
-            <a:r>
-              <a:rPr lang="en-GB" dirty="0"/>
-              <a:t> run </a:t>
-            </a:r>
-            <a:r>
-              <a:rPr lang="en-GB" b="1" i="0" dirty="0" err="1">
-                <a:solidFill>
-                  <a:srgbClr val="CD3131"/>
-                </a:solidFill>
-                <a:effectLst/>
-                <a:latin typeface="Consolas" panose="020B0609020204030204" pitchFamily="49" charset="0"/>
-              </a:rPr>
-              <a:t>conda</a:t>
-            </a:r>
-            <a:r>
-              <a:rPr lang="en-GB" b="1" i="0" dirty="0">
-                <a:solidFill>
-                  <a:srgbClr val="CD3131"/>
-                </a:solidFill>
-                <a:effectLst/>
-                <a:latin typeface="Consolas" panose="020B0609020204030204" pitchFamily="49" charset="0"/>
-              </a:rPr>
-              <a:t> install -n </a:t>
-            </a:r>
-            <a:r>
-              <a:rPr lang="en-GB" b="1" i="0" dirty="0" err="1">
-                <a:solidFill>
-                  <a:srgbClr val="CD3131"/>
-                </a:solidFill>
-                <a:effectLst/>
-                <a:latin typeface="Consolas" panose="020B0609020204030204" pitchFamily="49" charset="0"/>
-              </a:rPr>
-              <a:t>dataengforfree_env</a:t>
-            </a:r>
-            <a:r>
-              <a:rPr lang="en-GB" b="1" i="0" dirty="0">
-                <a:solidFill>
-                  <a:srgbClr val="CD3131"/>
-                </a:solidFill>
-                <a:effectLst/>
-                <a:latin typeface="Consolas" panose="020B0609020204030204" pitchFamily="49" charset="0"/>
-              </a:rPr>
-              <a:t> </a:t>
-            </a:r>
-            <a:r>
-              <a:rPr lang="en-GB" b="1" i="0" dirty="0" err="1">
-                <a:solidFill>
-                  <a:srgbClr val="CD3131"/>
-                </a:solidFill>
-                <a:effectLst/>
-                <a:latin typeface="Consolas" panose="020B0609020204030204" pitchFamily="49" charset="0"/>
-              </a:rPr>
-              <a:t>ipykernel</a:t>
-            </a:r>
-            <a:endParaRPr lang="en-GB" dirty="0"/>
-          </a:p>
-          <a:p>
-            <a:r>
-              <a:rPr lang="en-GB" dirty="0"/>
-              <a:t>	- copy python.exe &gt; python3.exe</a:t>
-            </a:r>
-          </a:p>
-          <a:p>
-            <a:r>
-              <a:rPr lang="en-GB" dirty="0"/>
-              <a:t>Visualisation? </a:t>
-            </a:r>
-          </a:p>
-          <a:p>
             <a:endParaRPr lang="en-GB" dirty="0"/>
           </a:p>
         </p:txBody>
@@ -1486,7 +1571,7 @@
           <a:p>
             <a:fld id="{E7E8E24E-2DA5-414D-9B85-6ED9E2618CC6}" type="slidenum">
               <a:rPr lang="en-GB" smtClean="0"/>
-              <a:t>43</a:t>
+              <a:t>21</a:t>
             </a:fld>
             <a:endParaRPr lang="en-GB"/>
           </a:p>
@@ -1495,7 +1580,7 @@
     </p:spTree>
     <p:extLst>
       <p:ext uri="{BB962C8B-B14F-4D97-AF65-F5344CB8AC3E}">
-        <p14:creationId xmlns:p14="http://schemas.microsoft.com/office/powerpoint/2010/main" val="400731075"/>
+        <p14:creationId xmlns:p14="http://schemas.microsoft.com/office/powerpoint/2010/main" val="454411347"/>
       </p:ext>
     </p:extLst>
   </p:cSld>
@@ -1654,7 +1739,7 @@
           <a:p>
             <a:fld id="{35275B4F-5DE5-4D53-BD3B-F0C44FE589B2}" type="datetimeFigureOut">
               <a:rPr lang="en-GB" smtClean="0"/>
-              <a:t>18/10/2024</a:t>
+              <a:t>19/10/2024</a:t>
             </a:fld>
             <a:endParaRPr lang="en-GB"/>
           </a:p>
@@ -1854,7 +1939,7 @@
           <a:p>
             <a:fld id="{35275B4F-5DE5-4D53-BD3B-F0C44FE589B2}" type="datetimeFigureOut">
               <a:rPr lang="en-GB" smtClean="0"/>
-              <a:t>18/10/2024</a:t>
+              <a:t>19/10/2024</a:t>
             </a:fld>
             <a:endParaRPr lang="en-GB"/>
           </a:p>
@@ -2064,7 +2149,7 @@
           <a:p>
             <a:fld id="{35275B4F-5DE5-4D53-BD3B-F0C44FE589B2}" type="datetimeFigureOut">
               <a:rPr lang="en-GB" smtClean="0"/>
-              <a:t>18/10/2024</a:t>
+              <a:t>19/10/2024</a:t>
             </a:fld>
             <a:endParaRPr lang="en-GB"/>
           </a:p>
@@ -2798,7 +2883,7 @@
           <a:p>
             <a:fld id="{35275B4F-5DE5-4D53-BD3B-F0C44FE589B2}" type="datetimeFigureOut">
               <a:rPr lang="en-GB" smtClean="0"/>
-              <a:t>18/10/2024</a:t>
+              <a:t>19/10/2024</a:t>
             </a:fld>
             <a:endParaRPr lang="en-GB"/>
           </a:p>
@@ -3074,7 +3159,7 @@
           <a:p>
             <a:fld id="{35275B4F-5DE5-4D53-BD3B-F0C44FE589B2}" type="datetimeFigureOut">
               <a:rPr lang="en-GB" smtClean="0"/>
-              <a:t>18/10/2024</a:t>
+              <a:t>19/10/2024</a:t>
             </a:fld>
             <a:endParaRPr lang="en-GB"/>
           </a:p>
@@ -3342,7 +3427,7 @@
           <a:p>
             <a:fld id="{35275B4F-5DE5-4D53-BD3B-F0C44FE589B2}" type="datetimeFigureOut">
               <a:rPr lang="en-GB" smtClean="0"/>
-              <a:t>18/10/2024</a:t>
+              <a:t>19/10/2024</a:t>
             </a:fld>
             <a:endParaRPr lang="en-GB"/>
           </a:p>
@@ -3757,7 +3842,7 @@
           <a:p>
             <a:fld id="{35275B4F-5DE5-4D53-BD3B-F0C44FE589B2}" type="datetimeFigureOut">
               <a:rPr lang="en-GB" smtClean="0"/>
-              <a:t>18/10/2024</a:t>
+              <a:t>19/10/2024</a:t>
             </a:fld>
             <a:endParaRPr lang="en-GB"/>
           </a:p>
@@ -3899,7 +3984,7 @@
           <a:p>
             <a:fld id="{35275B4F-5DE5-4D53-BD3B-F0C44FE589B2}" type="datetimeFigureOut">
               <a:rPr lang="en-GB" smtClean="0"/>
-              <a:t>18/10/2024</a:t>
+              <a:t>19/10/2024</a:t>
             </a:fld>
             <a:endParaRPr lang="en-GB"/>
           </a:p>
@@ -4012,7 +4097,7 @@
           <a:p>
             <a:fld id="{35275B4F-5DE5-4D53-BD3B-F0C44FE589B2}" type="datetimeFigureOut">
               <a:rPr lang="en-GB" smtClean="0"/>
-              <a:t>18/10/2024</a:t>
+              <a:t>19/10/2024</a:t>
             </a:fld>
             <a:endParaRPr lang="en-GB"/>
           </a:p>
@@ -4325,7 +4410,7 @@
           <a:p>
             <a:fld id="{35275B4F-5DE5-4D53-BD3B-F0C44FE589B2}" type="datetimeFigureOut">
               <a:rPr lang="en-GB" smtClean="0"/>
-              <a:t>18/10/2024</a:t>
+              <a:t>19/10/2024</a:t>
             </a:fld>
             <a:endParaRPr lang="en-GB"/>
           </a:p>
@@ -4614,7 +4699,7 @@
           <a:p>
             <a:fld id="{35275B4F-5DE5-4D53-BD3B-F0C44FE589B2}" type="datetimeFigureOut">
               <a:rPr lang="en-GB" smtClean="0"/>
-              <a:t>18/10/2024</a:t>
+              <a:t>19/10/2024</a:t>
             </a:fld>
             <a:endParaRPr lang="en-GB"/>
           </a:p>
@@ -4857,7 +4942,7 @@
           <a:p>
             <a:fld id="{35275B4F-5DE5-4D53-BD3B-F0C44FE589B2}" type="datetimeFigureOut">
               <a:rPr lang="en-GB" smtClean="0"/>
-              <a:t>18/10/2024</a:t>
+              <a:t>19/10/2024</a:t>
             </a:fld>
             <a:endParaRPr lang="en-GB"/>
           </a:p>
@@ -5360,7 +5445,7 @@
           <p:cNvPr id="2" name="Title 1">
             <a:extLst>
               <a:ext uri="{FF2B5EF4-FFF2-40B4-BE49-F238E27FC236}">
-                <a16:creationId xmlns:a16="http://schemas.microsoft.com/office/drawing/2014/main" id="{2EBA1033-F7AF-622C-4672-4EA84A688521}"/>
+                <a16:creationId xmlns:a16="http://schemas.microsoft.com/office/drawing/2014/main" id="{838AC0F5-5B6B-B939-FA3C-B663E317E445}"/>
               </a:ext>
             </a:extLst>
           </p:cNvPr>
@@ -5376,47 +5461,78 @@
           <a:bodyPr/>
           <a:lstStyle/>
           <a:p>
-            <a:r>
+            <a:br>
               <a:rPr lang="en-GB" dirty="0"/>
-              <a:t>Create Resource Group</a:t>
-            </a:r>
-          </a:p>
-        </p:txBody>
-      </p:sp>
-      <p:pic>
-        <p:nvPicPr>
-          <p:cNvPr id="7" name="Picture 6">
-            <a:extLst>
-              <a:ext uri="{FF2B5EF4-FFF2-40B4-BE49-F238E27FC236}">
-                <a16:creationId xmlns:a16="http://schemas.microsoft.com/office/drawing/2014/main" id="{85B78DA8-A440-E2DB-FCCE-25A29079FCE6}"/>
-              </a:ext>
-            </a:extLst>
-          </p:cNvPr>
-          <p:cNvPicPr>
-            <a:picLocks noChangeAspect="1"/>
-          </p:cNvPicPr>
-          <p:nvPr/>
-        </p:nvPicPr>
-        <p:blipFill>
-          <a:blip r:embed="rId2"/>
-          <a:stretch>
-            <a:fillRect/>
-          </a:stretch>
-        </p:blipFill>
-        <p:spPr>
-          <a:xfrm>
-            <a:off x="2352152" y="2338235"/>
-            <a:ext cx="7487695" cy="2181529"/>
-          </a:xfrm>
-          <a:prstGeom prst="rect">
-            <a:avLst/>
-          </a:prstGeom>
-        </p:spPr>
-      </p:pic>
+            </a:br>
+            <a:r>
+              <a:rPr lang="en-GB" dirty="0"/>
+              <a:t>Azure CLI</a:t>
+            </a:r>
+          </a:p>
+        </p:txBody>
+      </p:sp>
+      <p:sp>
+        <p:nvSpPr>
+          <p:cNvPr id="3" name="Content Placeholder 2">
+            <a:extLst>
+              <a:ext uri="{FF2B5EF4-FFF2-40B4-BE49-F238E27FC236}">
+                <a16:creationId xmlns:a16="http://schemas.microsoft.com/office/drawing/2014/main" id="{F8A13E07-A759-E54C-79C1-64A09C31C106}"/>
+              </a:ext>
+            </a:extLst>
+          </p:cNvPr>
+          <p:cNvSpPr>
+            <a:spLocks noGrp="1"/>
+          </p:cNvSpPr>
+          <p:nvPr>
+            <p:ph idx="1"/>
+          </p:nvPr>
+        </p:nvSpPr>
+        <p:spPr/>
+        <p:txBody>
+          <a:bodyPr/>
+          <a:lstStyle/>
+          <a:p>
+            <a:r>
+              <a:rPr lang="en-GB" dirty="0"/>
+              <a:t>Install by following links from: </a:t>
+            </a:r>
+            <a:r>
+              <a:rPr lang="en-GB" dirty="0">
+                <a:hlinkClick r:id="rId2"/>
+              </a:rPr>
+              <a:t>https://learn.microsoft.com/en-us/cli/azure/install-azure-cli</a:t>
+            </a:r>
+            <a:endParaRPr lang="en-GB" dirty="0"/>
+          </a:p>
+          <a:p>
+            <a:r>
+              <a:rPr lang="en-GB" dirty="0"/>
+              <a:t>For VS Code:</a:t>
+            </a:r>
+          </a:p>
+          <a:p>
+            <a:pPr lvl="1"/>
+            <a:r>
+              <a:rPr lang="en-GB" dirty="0"/>
+              <a:t>Azure CLI Tools</a:t>
+            </a:r>
+          </a:p>
+          <a:p>
+            <a:pPr lvl="1"/>
+            <a:r>
+              <a:rPr lang="en-GB" dirty="0"/>
+              <a:t>Azure Developer CLI</a:t>
+            </a:r>
+          </a:p>
+          <a:p>
+            <a:endParaRPr lang="en-GB" dirty="0"/>
+          </a:p>
+        </p:txBody>
+      </p:sp>
     </p:spTree>
     <p:extLst>
       <p:ext uri="{BB962C8B-B14F-4D97-AF65-F5344CB8AC3E}">
-        <p14:creationId xmlns:p14="http://schemas.microsoft.com/office/powerpoint/2010/main" val="3133356900"/>
+        <p14:creationId xmlns:p14="http://schemas.microsoft.com/office/powerpoint/2010/main" val="2113534899"/>
       </p:ext>
     </p:extLst>
   </p:cSld>
@@ -5448,7 +5564,7 @@
           <p:cNvPr id="2" name="Title 1">
             <a:extLst>
               <a:ext uri="{FF2B5EF4-FFF2-40B4-BE49-F238E27FC236}">
-                <a16:creationId xmlns:a16="http://schemas.microsoft.com/office/drawing/2014/main" id="{81D27BCA-90CC-0536-CB39-B601329304AD}"/>
+                <a16:creationId xmlns:a16="http://schemas.microsoft.com/office/drawing/2014/main" id="{30B94E7B-732E-036D-0857-895EB79EEA97}"/>
               </a:ext>
             </a:extLst>
           </p:cNvPr>
@@ -5466,45 +5582,40 @@
           <a:p>
             <a:r>
               <a:rPr lang="en-GB" dirty="0"/>
-              <a:t>Create Resource Group</a:t>
-            </a:r>
-          </a:p>
-        </p:txBody>
-      </p:sp>
-      <p:pic>
-        <p:nvPicPr>
-          <p:cNvPr id="5" name="Picture 4">
-            <a:extLst>
-              <a:ext uri="{FF2B5EF4-FFF2-40B4-BE49-F238E27FC236}">
-                <a16:creationId xmlns:a16="http://schemas.microsoft.com/office/drawing/2014/main" id="{44630B37-8205-0E86-3CC4-B0A7F6E06CDE}"/>
-              </a:ext>
-            </a:extLst>
-          </p:cNvPr>
-          <p:cNvPicPr>
-            <a:picLocks noChangeAspect="1"/>
-          </p:cNvPicPr>
-          <p:nvPr/>
-        </p:nvPicPr>
-        <p:blipFill>
-          <a:blip r:embed="rId2"/>
-          <a:stretch>
-            <a:fillRect/>
-          </a:stretch>
-        </p:blipFill>
-        <p:spPr>
-          <a:xfrm>
-            <a:off x="952016" y="2142457"/>
-            <a:ext cx="6935168" cy="3620005"/>
-          </a:xfrm>
-          <a:prstGeom prst="rect">
-            <a:avLst/>
-          </a:prstGeom>
-        </p:spPr>
-      </p:pic>
+              <a:t>Azure Portal</a:t>
+            </a:r>
+          </a:p>
+        </p:txBody>
+      </p:sp>
+      <p:sp>
+        <p:nvSpPr>
+          <p:cNvPr id="3" name="Content Placeholder 2">
+            <a:extLst>
+              <a:ext uri="{FF2B5EF4-FFF2-40B4-BE49-F238E27FC236}">
+                <a16:creationId xmlns:a16="http://schemas.microsoft.com/office/drawing/2014/main" id="{76429C0D-BD21-5F1D-2D51-9C8399CE8401}"/>
+              </a:ext>
+            </a:extLst>
+          </p:cNvPr>
+          <p:cNvSpPr>
+            <a:spLocks noGrp="1"/>
+          </p:cNvSpPr>
+          <p:nvPr>
+            <p:ph idx="1"/>
+          </p:nvPr>
+        </p:nvSpPr>
+        <p:spPr/>
+        <p:txBody>
+          <a:bodyPr/>
+          <a:lstStyle/>
+          <a:p>
+            <a:endParaRPr lang="en-GB"/>
+          </a:p>
+        </p:txBody>
+      </p:sp>
     </p:spTree>
     <p:extLst>
       <p:ext uri="{BB962C8B-B14F-4D97-AF65-F5344CB8AC3E}">
-        <p14:creationId xmlns:p14="http://schemas.microsoft.com/office/powerpoint/2010/main" val="295269056"/>
+        <p14:creationId xmlns:p14="http://schemas.microsoft.com/office/powerpoint/2010/main" val="2527285458"/>
       </p:ext>
     </p:extLst>
   </p:cSld>
@@ -5531,40 +5642,12 @@
           <a:chExt cx="0" cy="0"/>
         </a:xfrm>
       </p:grpSpPr>
-      <p:sp>
-        <p:nvSpPr>
-          <p:cNvPr id="2" name="Title 1">
-            <a:extLst>
-              <a:ext uri="{FF2B5EF4-FFF2-40B4-BE49-F238E27FC236}">
-                <a16:creationId xmlns:a16="http://schemas.microsoft.com/office/drawing/2014/main" id="{1B00D034-D02B-7E67-2E92-CAB94BD8B068}"/>
-              </a:ext>
-            </a:extLst>
-          </p:cNvPr>
-          <p:cNvSpPr>
-            <a:spLocks noGrp="1"/>
-          </p:cNvSpPr>
-          <p:nvPr>
-            <p:ph type="title"/>
-          </p:nvPr>
-        </p:nvSpPr>
-        <p:spPr/>
-        <p:txBody>
-          <a:bodyPr/>
-          <a:lstStyle/>
-          <a:p>
-            <a:r>
-              <a:rPr lang="en-GB" dirty="0"/>
-              <a:t>Create Resource Group</a:t>
-            </a:r>
-          </a:p>
-        </p:txBody>
-      </p:sp>
       <p:pic>
         <p:nvPicPr>
-          <p:cNvPr id="5" name="Picture 4">
-            <a:extLst>
-              <a:ext uri="{FF2B5EF4-FFF2-40B4-BE49-F238E27FC236}">
-                <a16:creationId xmlns:a16="http://schemas.microsoft.com/office/drawing/2014/main" id="{F9045B4F-C670-226B-D35C-8E0005E4A7EE}"/>
+          <p:cNvPr id="4" name="Picture 3">
+            <a:extLst>
+              <a:ext uri="{FF2B5EF4-FFF2-40B4-BE49-F238E27FC236}">
+                <a16:creationId xmlns:a16="http://schemas.microsoft.com/office/drawing/2014/main" id="{95878B79-9308-C3D5-CEA8-2F84428D70EE}"/>
               </a:ext>
             </a:extLst>
           </p:cNvPr>
@@ -5581,18 +5664,51 @@
         </p:blipFill>
         <p:spPr>
           <a:xfrm>
-            <a:off x="1030619" y="1448555"/>
-            <a:ext cx="7603172" cy="3872977"/>
+            <a:off x="3300022" y="2147708"/>
+            <a:ext cx="5591955" cy="2562583"/>
           </a:xfrm>
           <a:prstGeom prst="rect">
             <a:avLst/>
           </a:prstGeom>
         </p:spPr>
       </p:pic>
+      <p:sp>
+        <p:nvSpPr>
+          <p:cNvPr id="6" name="Title 1">
+            <a:extLst>
+              <a:ext uri="{FF2B5EF4-FFF2-40B4-BE49-F238E27FC236}">
+                <a16:creationId xmlns:a16="http://schemas.microsoft.com/office/drawing/2014/main" id="{03EE852E-4A7A-F367-9509-616CE2A9626F}"/>
+              </a:ext>
+            </a:extLst>
+          </p:cNvPr>
+          <p:cNvSpPr>
+            <a:spLocks noGrp="1"/>
+          </p:cNvSpPr>
+          <p:nvPr>
+            <p:ph type="title"/>
+          </p:nvPr>
+        </p:nvSpPr>
+        <p:spPr>
+          <a:xfrm>
+            <a:off x="838200" y="365125"/>
+            <a:ext cx="10515600" cy="1325563"/>
+          </a:xfrm>
+        </p:spPr>
+        <p:txBody>
+          <a:bodyPr/>
+          <a:lstStyle/>
+          <a:p>
+            <a:r>
+              <a:rPr lang="en-GB" dirty="0"/>
+              <a:t>Create SQL database</a:t>
+            </a:r>
+          </a:p>
+        </p:txBody>
+      </p:sp>
     </p:spTree>
     <p:extLst>
       <p:ext uri="{BB962C8B-B14F-4D97-AF65-F5344CB8AC3E}">
-        <p14:creationId xmlns:p14="http://schemas.microsoft.com/office/powerpoint/2010/main" val="3090353371"/>
+        <p14:creationId xmlns:p14="http://schemas.microsoft.com/office/powerpoint/2010/main" val="4075518487"/>
       </p:ext>
     </p:extLst>
   </p:cSld>
@@ -5619,12 +5735,46 @@
           <a:chExt cx="0" cy="0"/>
         </a:xfrm>
       </p:grpSpPr>
+      <p:sp>
+        <p:nvSpPr>
+          <p:cNvPr id="6" name="Title 1">
+            <a:extLst>
+              <a:ext uri="{FF2B5EF4-FFF2-40B4-BE49-F238E27FC236}">
+                <a16:creationId xmlns:a16="http://schemas.microsoft.com/office/drawing/2014/main" id="{03EE852E-4A7A-F367-9509-616CE2A9626F}"/>
+              </a:ext>
+            </a:extLst>
+          </p:cNvPr>
+          <p:cNvSpPr>
+            <a:spLocks noGrp="1"/>
+          </p:cNvSpPr>
+          <p:nvPr>
+            <p:ph type="title"/>
+          </p:nvPr>
+        </p:nvSpPr>
+        <p:spPr>
+          <a:xfrm>
+            <a:off x="838200" y="365125"/>
+            <a:ext cx="10515600" cy="1325563"/>
+          </a:xfrm>
+        </p:spPr>
+        <p:txBody>
+          <a:bodyPr/>
+          <a:lstStyle/>
+          <a:p>
+            <a:r>
+              <a:rPr lang="en-GB"/>
+              <a:t>Create SQL database</a:t>
+            </a:r>
+            <a:endParaRPr lang="en-GB" dirty="0"/>
+          </a:p>
+        </p:txBody>
+      </p:sp>
       <p:pic>
         <p:nvPicPr>
-          <p:cNvPr id="4" name="Picture 3">
-            <a:extLst>
-              <a:ext uri="{FF2B5EF4-FFF2-40B4-BE49-F238E27FC236}">
-                <a16:creationId xmlns:a16="http://schemas.microsoft.com/office/drawing/2014/main" id="{95878B79-9308-C3D5-CEA8-2F84428D70EE}"/>
+          <p:cNvPr id="3" name="Picture 2">
+            <a:extLst>
+              <a:ext uri="{FF2B5EF4-FFF2-40B4-BE49-F238E27FC236}">
+                <a16:creationId xmlns:a16="http://schemas.microsoft.com/office/drawing/2014/main" id="{BE1C3196-F371-5063-CABF-B309F4D0E737}"/>
               </a:ext>
             </a:extLst>
           </p:cNvPr>
@@ -5634,58 +5784,53 @@
           <p:nvPr/>
         </p:nvPicPr>
         <p:blipFill>
-          <a:blip r:embed="rId2"/>
-          <a:stretch>
-            <a:fillRect/>
-          </a:stretch>
+          <a:blip r:embed="rId3"/>
+          <a:srcRect t="46517"/>
+          <a:stretch/>
         </p:blipFill>
         <p:spPr>
           <a:xfrm>
-            <a:off x="3300022" y="2147708"/>
-            <a:ext cx="5591955" cy="2562583"/>
+            <a:off x="6388894" y="1799001"/>
+            <a:ext cx="5957086" cy="4044587"/>
           </a:xfrm>
           <a:prstGeom prst="rect">
             <a:avLst/>
           </a:prstGeom>
         </p:spPr>
       </p:pic>
-      <p:sp>
-        <p:nvSpPr>
-          <p:cNvPr id="6" name="Title 1">
-            <a:extLst>
-              <a:ext uri="{FF2B5EF4-FFF2-40B4-BE49-F238E27FC236}">
-                <a16:creationId xmlns:a16="http://schemas.microsoft.com/office/drawing/2014/main" id="{03EE852E-4A7A-F367-9509-616CE2A9626F}"/>
-              </a:ext>
-            </a:extLst>
-          </p:cNvPr>
-          <p:cNvSpPr>
-            <a:spLocks noGrp="1"/>
-          </p:cNvSpPr>
-          <p:nvPr>
-            <p:ph type="title"/>
-          </p:nvPr>
-        </p:nvSpPr>
-        <p:spPr>
-          <a:xfrm>
-            <a:off x="838200" y="365125"/>
-            <a:ext cx="10515600" cy="1325563"/>
-          </a:xfrm>
-        </p:spPr>
-        <p:txBody>
-          <a:bodyPr/>
-          <a:lstStyle/>
-          <a:p>
-            <a:r>
-              <a:rPr lang="en-GB" dirty="0"/>
-              <a:t>Create SQL database</a:t>
-            </a:r>
-          </a:p>
-        </p:txBody>
-      </p:sp>
+      <p:pic>
+        <p:nvPicPr>
+          <p:cNvPr id="2" name="Picture 1">
+            <a:extLst>
+              <a:ext uri="{FF2B5EF4-FFF2-40B4-BE49-F238E27FC236}">
+                <a16:creationId xmlns:a16="http://schemas.microsoft.com/office/drawing/2014/main" id="{4599AA1A-8E2C-D959-33BD-C63F184C7B82}"/>
+              </a:ext>
+            </a:extLst>
+          </p:cNvPr>
+          <p:cNvPicPr>
+            <a:picLocks noChangeAspect="1"/>
+          </p:cNvPicPr>
+          <p:nvPr/>
+        </p:nvPicPr>
+        <p:blipFill>
+          <a:blip r:embed="rId3"/>
+          <a:srcRect l="-404" t="-635" r="404" b="53821"/>
+          <a:stretch/>
+        </p:blipFill>
+        <p:spPr>
+          <a:xfrm>
+            <a:off x="215808" y="1863294"/>
+            <a:ext cx="6048464" cy="3594531"/>
+          </a:xfrm>
+          <a:prstGeom prst="rect">
+            <a:avLst/>
+          </a:prstGeom>
+        </p:spPr>
+      </p:pic>
     </p:spTree>
     <p:extLst>
       <p:ext uri="{BB962C8B-B14F-4D97-AF65-F5344CB8AC3E}">
-        <p14:creationId xmlns:p14="http://schemas.microsoft.com/office/powerpoint/2010/main" val="4075518487"/>
+        <p14:creationId xmlns:p14="http://schemas.microsoft.com/office/powerpoint/2010/main" val="3471944370"/>
       </p:ext>
     </p:extLst>
   </p:cSld>
@@ -5739,18 +5884,19 @@
           <a:lstStyle/>
           <a:p>
             <a:r>
-              <a:rPr lang="en-GB" dirty="0"/>
+              <a:rPr lang="en-GB"/>
               <a:t>Create SQL database</a:t>
             </a:r>
+            <a:endParaRPr lang="en-GB" dirty="0"/>
           </a:p>
         </p:txBody>
       </p:sp>
       <p:pic>
         <p:nvPicPr>
-          <p:cNvPr id="3" name="Picture 2">
-            <a:extLst>
-              <a:ext uri="{FF2B5EF4-FFF2-40B4-BE49-F238E27FC236}">
-                <a16:creationId xmlns:a16="http://schemas.microsoft.com/office/drawing/2014/main" id="{BE1C3196-F371-5063-CABF-B309F4D0E737}"/>
+          <p:cNvPr id="4" name="Picture 3">
+            <a:extLst>
+              <a:ext uri="{FF2B5EF4-FFF2-40B4-BE49-F238E27FC236}">
+                <a16:creationId xmlns:a16="http://schemas.microsoft.com/office/drawing/2014/main" id="{E8DD0994-1E32-E5A0-944F-1FA6E1869158}"/>
               </a:ext>
             </a:extLst>
           </p:cNvPr>
@@ -5761,14 +5907,42 @@
         </p:nvPicPr>
         <p:blipFill>
           <a:blip r:embed="rId3"/>
-          <a:stretch>
-            <a:fillRect/>
-          </a:stretch>
+          <a:srcRect t="46370"/>
+          <a:stretch/>
         </p:blipFill>
         <p:spPr>
           <a:xfrm>
-            <a:off x="5951590" y="192519"/>
-            <a:ext cx="5140480" cy="6525739"/>
+            <a:off x="6869314" y="1690688"/>
+            <a:ext cx="5859347" cy="3677948"/>
+          </a:xfrm>
+          <a:prstGeom prst="rect">
+            <a:avLst/>
+          </a:prstGeom>
+        </p:spPr>
+      </p:pic>
+      <p:pic>
+        <p:nvPicPr>
+          <p:cNvPr id="2" name="Picture 1">
+            <a:extLst>
+              <a:ext uri="{FF2B5EF4-FFF2-40B4-BE49-F238E27FC236}">
+                <a16:creationId xmlns:a16="http://schemas.microsoft.com/office/drawing/2014/main" id="{FDE85F58-24B8-F7CD-86DE-91451D775CAE}"/>
+              </a:ext>
+            </a:extLst>
+          </p:cNvPr>
+          <p:cNvPicPr>
+            <a:picLocks noChangeAspect="1"/>
+          </p:cNvPicPr>
+          <p:nvPr/>
+        </p:nvPicPr>
+        <p:blipFill>
+          <a:blip r:embed="rId3"/>
+          <a:srcRect b="52512"/>
+          <a:stretch/>
+        </p:blipFill>
+        <p:spPr>
+          <a:xfrm>
+            <a:off x="320906" y="2222500"/>
+            <a:ext cx="5859347" cy="3256756"/>
           </a:xfrm>
           <a:prstGeom prst="rect">
             <a:avLst/>
@@ -5778,7 +5952,7 @@
     </p:spTree>
     <p:extLst>
       <p:ext uri="{BB962C8B-B14F-4D97-AF65-F5344CB8AC3E}">
-        <p14:creationId xmlns:p14="http://schemas.microsoft.com/office/powerpoint/2010/main" val="3471944370"/>
+        <p14:creationId xmlns:p14="http://schemas.microsoft.com/office/powerpoint/2010/main" val="2050583529"/>
       </p:ext>
     </p:extLst>
   </p:cSld>
@@ -5807,10 +5981,10 @@
       </p:grpSpPr>
       <p:sp>
         <p:nvSpPr>
-          <p:cNvPr id="6" name="Title 1">
-            <a:extLst>
-              <a:ext uri="{FF2B5EF4-FFF2-40B4-BE49-F238E27FC236}">
-                <a16:creationId xmlns:a16="http://schemas.microsoft.com/office/drawing/2014/main" id="{03EE852E-4A7A-F367-9509-616CE2A9626F}"/>
+          <p:cNvPr id="2" name="Title 1">
+            <a:extLst>
+              <a:ext uri="{FF2B5EF4-FFF2-40B4-BE49-F238E27FC236}">
+                <a16:creationId xmlns:a16="http://schemas.microsoft.com/office/drawing/2014/main" id="{037A2587-6F2E-61D0-F5E0-8A29471A7B94}"/>
               </a:ext>
             </a:extLst>
           </p:cNvPr>
@@ -5821,12 +5995,7 @@
             <p:ph type="title"/>
           </p:nvPr>
         </p:nvSpPr>
-        <p:spPr>
-          <a:xfrm>
-            <a:off x="838200" y="365125"/>
-            <a:ext cx="10515600" cy="1325563"/>
-          </a:xfrm>
-        </p:spPr>
+        <p:spPr/>
         <p:txBody>
           <a:bodyPr/>
           <a:lstStyle/>
@@ -5838,12 +6007,45 @@
           </a:p>
         </p:txBody>
       </p:sp>
+      <p:sp>
+        <p:nvSpPr>
+          <p:cNvPr id="3" name="Content Placeholder 2">
+            <a:extLst>
+              <a:ext uri="{FF2B5EF4-FFF2-40B4-BE49-F238E27FC236}">
+                <a16:creationId xmlns:a16="http://schemas.microsoft.com/office/drawing/2014/main" id="{ECFFEE8A-A0B2-02B7-6CDF-EB48A9501738}"/>
+              </a:ext>
+            </a:extLst>
+          </p:cNvPr>
+          <p:cNvSpPr>
+            <a:spLocks noGrp="1"/>
+          </p:cNvSpPr>
+          <p:nvPr>
+            <p:ph idx="1"/>
+          </p:nvPr>
+        </p:nvSpPr>
+        <p:spPr>
+          <a:xfrm>
+            <a:off x="838199" y="1461190"/>
+            <a:ext cx="10515600" cy="1209123"/>
+          </a:xfrm>
+        </p:spPr>
+        <p:txBody>
+          <a:bodyPr/>
+          <a:lstStyle/>
+          <a:p>
+            <a:r>
+              <a:rPr lang="en-GB" dirty="0"/>
+              <a:t>Add sample data</a:t>
+            </a:r>
+          </a:p>
+        </p:txBody>
+      </p:sp>
       <p:pic>
         <p:nvPicPr>
-          <p:cNvPr id="4" name="Picture 3">
-            <a:extLst>
-              <a:ext uri="{FF2B5EF4-FFF2-40B4-BE49-F238E27FC236}">
-                <a16:creationId xmlns:a16="http://schemas.microsoft.com/office/drawing/2014/main" id="{E8DD0994-1E32-E5A0-944F-1FA6E1869158}"/>
+          <p:cNvPr id="9" name="Picture 8">
+            <a:extLst>
+              <a:ext uri="{FF2B5EF4-FFF2-40B4-BE49-F238E27FC236}">
+                <a16:creationId xmlns:a16="http://schemas.microsoft.com/office/drawing/2014/main" id="{F7D2314A-1B8C-C6BD-10BB-5AAB35CAB631}"/>
               </a:ext>
             </a:extLst>
           </p:cNvPr>
@@ -5853,15 +6055,15 @@
           <p:nvPr/>
         </p:nvPicPr>
         <p:blipFill>
-          <a:blip r:embed="rId3"/>
+          <a:blip r:embed="rId2"/>
           <a:stretch>
             <a:fillRect/>
           </a:stretch>
         </p:blipFill>
         <p:spPr>
           <a:xfrm>
-            <a:off x="5655526" y="171450"/>
-            <a:ext cx="5859347" cy="6858000"/>
+            <a:off x="1604335" y="2206580"/>
+            <a:ext cx="8983329" cy="4591691"/>
           </a:xfrm>
           <a:prstGeom prst="rect">
             <a:avLst/>
@@ -5871,7 +6073,7 @@
     </p:spTree>
     <p:extLst>
       <p:ext uri="{BB962C8B-B14F-4D97-AF65-F5344CB8AC3E}">
-        <p14:creationId xmlns:p14="http://schemas.microsoft.com/office/powerpoint/2010/main" val="2050583529"/>
+        <p14:creationId xmlns:p14="http://schemas.microsoft.com/office/powerpoint/2010/main" val="4190065447"/>
       </p:ext>
     </p:extLst>
   </p:cSld>
@@ -5903,7 +6105,7 @@
           <p:cNvPr id="2" name="Title 1">
             <a:extLst>
               <a:ext uri="{FF2B5EF4-FFF2-40B4-BE49-F238E27FC236}">
-                <a16:creationId xmlns:a16="http://schemas.microsoft.com/office/drawing/2014/main" id="{037A2587-6F2E-61D0-F5E0-8A29471A7B94}"/>
+                <a16:creationId xmlns:a16="http://schemas.microsoft.com/office/drawing/2014/main" id="{12485F72-3D84-4EED-32F6-699CF9A5F075}"/>
               </a:ext>
             </a:extLst>
           </p:cNvPr>
@@ -5914,57 +6116,26 @@
             <p:ph type="title"/>
           </p:nvPr>
         </p:nvSpPr>
-        <p:spPr/>
-        <p:txBody>
-          <a:bodyPr/>
-          <a:lstStyle/>
-          <a:p>
-            <a:r>
-              <a:rPr lang="en-GB" dirty="0"/>
-              <a:t>Create SQL database</a:t>
-            </a:r>
-          </a:p>
-        </p:txBody>
-      </p:sp>
-      <p:sp>
-        <p:nvSpPr>
-          <p:cNvPr id="3" name="Content Placeholder 2">
-            <a:extLst>
-              <a:ext uri="{FF2B5EF4-FFF2-40B4-BE49-F238E27FC236}">
-                <a16:creationId xmlns:a16="http://schemas.microsoft.com/office/drawing/2014/main" id="{ECFFEE8A-A0B2-02B7-6CDF-EB48A9501738}"/>
-              </a:ext>
-            </a:extLst>
-          </p:cNvPr>
-          <p:cNvSpPr>
-            <a:spLocks noGrp="1"/>
-          </p:cNvSpPr>
-          <p:nvPr>
-            <p:ph idx="1"/>
-          </p:nvPr>
-        </p:nvSpPr>
-        <p:spPr>
-          <a:xfrm>
-            <a:off x="838199" y="1461190"/>
-            <a:ext cx="10515600" cy="1209123"/>
-          </a:xfrm>
-        </p:spPr>
-        <p:txBody>
-          <a:bodyPr/>
-          <a:lstStyle/>
-          <a:p>
-            <a:r>
-              <a:rPr lang="en-GB" dirty="0"/>
-              <a:t>Add sample data</a:t>
-            </a:r>
+        <p:spPr>
+          <a:xfrm>
+            <a:off x="838200" y="365125"/>
+            <a:ext cx="9616200" cy="894875"/>
+          </a:xfrm>
+        </p:spPr>
+        <p:txBody>
+          <a:bodyPr/>
+          <a:lstStyle/>
+          <a:p>
+            <a:endParaRPr lang="en-GB"/>
           </a:p>
         </p:txBody>
       </p:sp>
       <p:pic>
         <p:nvPicPr>
-          <p:cNvPr id="9" name="Picture 8">
-            <a:extLst>
-              <a:ext uri="{FF2B5EF4-FFF2-40B4-BE49-F238E27FC236}">
-                <a16:creationId xmlns:a16="http://schemas.microsoft.com/office/drawing/2014/main" id="{F7D2314A-1B8C-C6BD-10BB-5AAB35CAB631}"/>
+          <p:cNvPr id="4" name="Picture 3">
+            <a:extLst>
+              <a:ext uri="{FF2B5EF4-FFF2-40B4-BE49-F238E27FC236}">
+                <a16:creationId xmlns:a16="http://schemas.microsoft.com/office/drawing/2014/main" id="{40139D6D-6F1B-BA21-B499-E6B83E65CACB}"/>
               </a:ext>
             </a:extLst>
           </p:cNvPr>
@@ -5981,8 +6152,8 @@
         </p:blipFill>
         <p:spPr>
           <a:xfrm>
-            <a:off x="1604335" y="2206580"/>
-            <a:ext cx="8983329" cy="4591691"/>
+            <a:off x="838200" y="1412082"/>
+            <a:ext cx="9405938" cy="5218228"/>
           </a:xfrm>
           <a:prstGeom prst="rect">
             <a:avLst/>
@@ -5992,7 +6163,7 @@
     </p:spTree>
     <p:extLst>
       <p:ext uri="{BB962C8B-B14F-4D97-AF65-F5344CB8AC3E}">
-        <p14:creationId xmlns:p14="http://schemas.microsoft.com/office/powerpoint/2010/main" val="4190065447"/>
+        <p14:creationId xmlns:p14="http://schemas.microsoft.com/office/powerpoint/2010/main" val="3973721547"/>
       </p:ext>
     </p:extLst>
   </p:cSld>
@@ -6024,7 +6195,7 @@
           <p:cNvPr id="2" name="Title 1">
             <a:extLst>
               <a:ext uri="{FF2B5EF4-FFF2-40B4-BE49-F238E27FC236}">
-                <a16:creationId xmlns:a16="http://schemas.microsoft.com/office/drawing/2014/main" id="{12485F72-3D84-4EED-32F6-699CF9A5F075}"/>
+                <a16:creationId xmlns:a16="http://schemas.microsoft.com/office/drawing/2014/main" id="{BFAC80B4-447D-E463-8661-F82BB0566396}"/>
               </a:ext>
             </a:extLst>
           </p:cNvPr>
@@ -6038,23 +6209,23 @@
         <p:spPr>
           <a:xfrm>
             <a:off x="838200" y="365125"/>
-            <a:ext cx="9616200" cy="894875"/>
-          </a:xfrm>
-        </p:spPr>
-        <p:txBody>
-          <a:bodyPr/>
-          <a:lstStyle/>
-          <a:p>
-            <a:endParaRPr lang="en-GB"/>
+            <a:ext cx="10515600" cy="911225"/>
+          </a:xfrm>
+        </p:spPr>
+        <p:txBody>
+          <a:bodyPr/>
+          <a:lstStyle/>
+          <a:p>
+            <a:endParaRPr lang="en-GB" dirty="0"/>
           </a:p>
         </p:txBody>
       </p:sp>
       <p:pic>
         <p:nvPicPr>
-          <p:cNvPr id="4" name="Picture 3">
-            <a:extLst>
-              <a:ext uri="{FF2B5EF4-FFF2-40B4-BE49-F238E27FC236}">
-                <a16:creationId xmlns:a16="http://schemas.microsoft.com/office/drawing/2014/main" id="{40139D6D-6F1B-BA21-B499-E6B83E65CACB}"/>
+          <p:cNvPr id="5" name="Picture 4">
+            <a:extLst>
+              <a:ext uri="{FF2B5EF4-FFF2-40B4-BE49-F238E27FC236}">
+                <a16:creationId xmlns:a16="http://schemas.microsoft.com/office/drawing/2014/main" id="{201CED20-40B3-81D8-3E22-C3ED7D00E0AA}"/>
               </a:ext>
             </a:extLst>
           </p:cNvPr>
@@ -6071,8 +6242,38 @@
         </p:blipFill>
         <p:spPr>
           <a:xfrm>
-            <a:off x="838200" y="1690688"/>
-            <a:ext cx="8844000" cy="4906476"/>
+            <a:off x="838200" y="1461845"/>
+            <a:ext cx="6232082" cy="2316405"/>
+          </a:xfrm>
+          <a:prstGeom prst="rect">
+            <a:avLst/>
+          </a:prstGeom>
+        </p:spPr>
+      </p:pic>
+      <p:pic>
+        <p:nvPicPr>
+          <p:cNvPr id="7" name="Picture 6">
+            <a:extLst>
+              <a:ext uri="{FF2B5EF4-FFF2-40B4-BE49-F238E27FC236}">
+                <a16:creationId xmlns:a16="http://schemas.microsoft.com/office/drawing/2014/main" id="{F4C98D34-33BF-17A3-51E1-241C734185DA}"/>
+              </a:ext>
+            </a:extLst>
+          </p:cNvPr>
+          <p:cNvPicPr>
+            <a:picLocks noChangeAspect="1"/>
+          </p:cNvPicPr>
+          <p:nvPr/>
+        </p:nvPicPr>
+        <p:blipFill>
+          <a:blip r:embed="rId3"/>
+          <a:stretch>
+            <a:fillRect/>
+          </a:stretch>
+        </p:blipFill>
+        <p:spPr>
+          <a:xfrm>
+            <a:off x="838200" y="4136867"/>
+            <a:ext cx="6232082" cy="1868055"/>
           </a:xfrm>
           <a:prstGeom prst="rect">
             <a:avLst/>
@@ -6082,7 +6283,7 @@
     </p:spTree>
     <p:extLst>
       <p:ext uri="{BB962C8B-B14F-4D97-AF65-F5344CB8AC3E}">
-        <p14:creationId xmlns:p14="http://schemas.microsoft.com/office/powerpoint/2010/main" val="3973721547"/>
+        <p14:creationId xmlns:p14="http://schemas.microsoft.com/office/powerpoint/2010/main" val="2078073998"/>
       </p:ext>
     </p:extLst>
   </p:cSld>
@@ -6114,7 +6315,7 @@
           <p:cNvPr id="2" name="Title 1">
             <a:extLst>
               <a:ext uri="{FF2B5EF4-FFF2-40B4-BE49-F238E27FC236}">
-                <a16:creationId xmlns:a16="http://schemas.microsoft.com/office/drawing/2014/main" id="{838AC0F5-5B6B-B939-FA3C-B663E317E445}"/>
+                <a16:creationId xmlns:a16="http://schemas.microsoft.com/office/drawing/2014/main" id="{18E77E9E-521E-D666-1172-EA04863A7EE5}"/>
               </a:ext>
             </a:extLst>
           </p:cNvPr>
@@ -6130,78 +6331,44 @@
           <a:bodyPr/>
           <a:lstStyle/>
           <a:p>
-            <a:br>
-              <a:rPr lang="en-GB" dirty="0"/>
-            </a:br>
-            <a:r>
-              <a:rPr lang="en-GB" dirty="0"/>
-              <a:t>Azure CLI</a:t>
-            </a:r>
-          </a:p>
-        </p:txBody>
-      </p:sp>
-      <p:sp>
-        <p:nvSpPr>
-          <p:cNvPr id="3" name="Content Placeholder 2">
-            <a:extLst>
-              <a:ext uri="{FF2B5EF4-FFF2-40B4-BE49-F238E27FC236}">
-                <a16:creationId xmlns:a16="http://schemas.microsoft.com/office/drawing/2014/main" id="{F8A13E07-A759-E54C-79C1-64A09C31C106}"/>
-              </a:ext>
-            </a:extLst>
-          </p:cNvPr>
-          <p:cNvSpPr>
-            <a:spLocks noGrp="1"/>
-          </p:cNvSpPr>
-          <p:nvPr>
-            <p:ph idx="1"/>
-          </p:nvPr>
-        </p:nvSpPr>
-        <p:spPr/>
-        <p:txBody>
-          <a:bodyPr/>
-          <a:lstStyle/>
-          <a:p>
-            <a:r>
-              <a:rPr lang="en-GB" dirty="0"/>
-              <a:t>Install by following links from: </a:t>
-            </a:r>
-            <a:r>
-              <a:rPr lang="en-GB" dirty="0">
-                <a:hlinkClick r:id="rId2"/>
-              </a:rPr>
-              <a:t>https://learn.microsoft.com/en-us/cli/azure/install-azure-cli</a:t>
-            </a:r>
-            <a:endParaRPr lang="en-GB" dirty="0"/>
-          </a:p>
-          <a:p>
-            <a:r>
-              <a:rPr lang="en-GB" dirty="0"/>
-              <a:t>For VS Code:</a:t>
-            </a:r>
-          </a:p>
-          <a:p>
-            <a:pPr lvl="1"/>
-            <a:r>
-              <a:rPr lang="en-GB" dirty="0"/>
-              <a:t>Azure CLI Tools</a:t>
-            </a:r>
-          </a:p>
-          <a:p>
-            <a:pPr lvl="1"/>
-            <a:r>
-              <a:rPr lang="en-GB" dirty="0"/>
-              <a:t>Azure Developer CLI</a:t>
-            </a:r>
-          </a:p>
-          <a:p>
-            <a:endParaRPr lang="en-GB" dirty="0"/>
-          </a:p>
-        </p:txBody>
-      </p:sp>
+            <a:endParaRPr lang="en-GB"/>
+          </a:p>
+        </p:txBody>
+      </p:sp>
+      <p:pic>
+        <p:nvPicPr>
+          <p:cNvPr id="5" name="Picture 4">
+            <a:extLst>
+              <a:ext uri="{FF2B5EF4-FFF2-40B4-BE49-F238E27FC236}">
+                <a16:creationId xmlns:a16="http://schemas.microsoft.com/office/drawing/2014/main" id="{7F29A0FD-412A-4FF6-269A-9279CA60F87E}"/>
+              </a:ext>
+            </a:extLst>
+          </p:cNvPr>
+          <p:cNvPicPr>
+            <a:picLocks noChangeAspect="1"/>
+          </p:cNvPicPr>
+          <p:nvPr/>
+        </p:nvPicPr>
+        <p:blipFill>
+          <a:blip r:embed="rId2"/>
+          <a:stretch>
+            <a:fillRect/>
+          </a:stretch>
+        </p:blipFill>
+        <p:spPr>
+          <a:xfrm>
+            <a:off x="838200" y="1861257"/>
+            <a:ext cx="7687645" cy="3135485"/>
+          </a:xfrm>
+          <a:prstGeom prst="rect">
+            <a:avLst/>
+          </a:prstGeom>
+        </p:spPr>
+      </p:pic>
     </p:spTree>
     <p:extLst>
       <p:ext uri="{BB962C8B-B14F-4D97-AF65-F5344CB8AC3E}">
-        <p14:creationId xmlns:p14="http://schemas.microsoft.com/office/powerpoint/2010/main" val="2113534899"/>
+        <p14:creationId xmlns:p14="http://schemas.microsoft.com/office/powerpoint/2010/main" val="1708826250"/>
       </p:ext>
     </p:extLst>
   </p:cSld>
@@ -6233,7 +6400,7 @@
           <p:cNvPr id="2" name="Title 1">
             <a:extLst>
               <a:ext uri="{FF2B5EF4-FFF2-40B4-BE49-F238E27FC236}">
-                <a16:creationId xmlns:a16="http://schemas.microsoft.com/office/drawing/2014/main" id="{BFAC80B4-447D-E463-8661-F82BB0566396}"/>
+                <a16:creationId xmlns:a16="http://schemas.microsoft.com/office/drawing/2014/main" id="{F34501D7-A5A1-B14C-9DF8-33D23D87D92F}"/>
               </a:ext>
             </a:extLst>
           </p:cNvPr>
@@ -6244,26 +6411,21 @@
             <p:ph type="title"/>
           </p:nvPr>
         </p:nvSpPr>
-        <p:spPr>
-          <a:xfrm>
-            <a:off x="838200" y="365125"/>
-            <a:ext cx="10515600" cy="911225"/>
-          </a:xfrm>
-        </p:spPr>
-        <p:txBody>
-          <a:bodyPr/>
-          <a:lstStyle/>
-          <a:p>
-            <a:endParaRPr lang="en-GB" dirty="0"/>
+        <p:spPr/>
+        <p:txBody>
+          <a:bodyPr/>
+          <a:lstStyle/>
+          <a:p>
+            <a:endParaRPr lang="en-GB"/>
           </a:p>
         </p:txBody>
       </p:sp>
       <p:pic>
         <p:nvPicPr>
-          <p:cNvPr id="5" name="Picture 4">
-            <a:extLst>
-              <a:ext uri="{FF2B5EF4-FFF2-40B4-BE49-F238E27FC236}">
-                <a16:creationId xmlns:a16="http://schemas.microsoft.com/office/drawing/2014/main" id="{201CED20-40B3-81D8-3E22-C3ED7D00E0AA}"/>
+          <p:cNvPr id="7" name="Picture 6">
+            <a:extLst>
+              <a:ext uri="{FF2B5EF4-FFF2-40B4-BE49-F238E27FC236}">
+                <a16:creationId xmlns:a16="http://schemas.microsoft.com/office/drawing/2014/main" id="{EA47DFE6-D2F8-294E-C3D2-1D0F0F663C9E}"/>
               </a:ext>
             </a:extLst>
           </p:cNvPr>
@@ -6280,38 +6442,8 @@
         </p:blipFill>
         <p:spPr>
           <a:xfrm>
-            <a:off x="838200" y="1461845"/>
-            <a:ext cx="6232082" cy="2316405"/>
-          </a:xfrm>
-          <a:prstGeom prst="rect">
-            <a:avLst/>
-          </a:prstGeom>
-        </p:spPr>
-      </p:pic>
-      <p:pic>
-        <p:nvPicPr>
-          <p:cNvPr id="7" name="Picture 6">
-            <a:extLst>
-              <a:ext uri="{FF2B5EF4-FFF2-40B4-BE49-F238E27FC236}">
-                <a16:creationId xmlns:a16="http://schemas.microsoft.com/office/drawing/2014/main" id="{F4C98D34-33BF-17A3-51E1-241C734185DA}"/>
-              </a:ext>
-            </a:extLst>
-          </p:cNvPr>
-          <p:cNvPicPr>
-            <a:picLocks noChangeAspect="1"/>
-          </p:cNvPicPr>
-          <p:nvPr/>
-        </p:nvPicPr>
-        <p:blipFill>
-          <a:blip r:embed="rId3"/>
-          <a:stretch>
-            <a:fillRect/>
-          </a:stretch>
-        </p:blipFill>
-        <p:spPr>
-          <a:xfrm>
-            <a:off x="838200" y="4136867"/>
-            <a:ext cx="6232082" cy="1868055"/>
+            <a:off x="838200" y="1901595"/>
+            <a:ext cx="4620270" cy="3296110"/>
           </a:xfrm>
           <a:prstGeom prst="rect">
             <a:avLst/>
@@ -6321,7 +6453,7 @@
     </p:spTree>
     <p:extLst>
       <p:ext uri="{BB962C8B-B14F-4D97-AF65-F5344CB8AC3E}">
-        <p14:creationId xmlns:p14="http://schemas.microsoft.com/office/powerpoint/2010/main" val="2078073998"/>
+        <p14:creationId xmlns:p14="http://schemas.microsoft.com/office/powerpoint/2010/main" val="416867598"/>
       </p:ext>
     </p:extLst>
   </p:cSld>
@@ -6557,7 +6689,7 @@
           <p:cNvPr id="2" name="Title 1">
             <a:extLst>
               <a:ext uri="{FF2B5EF4-FFF2-40B4-BE49-F238E27FC236}">
-                <a16:creationId xmlns:a16="http://schemas.microsoft.com/office/drawing/2014/main" id="{18E77E9E-521E-D666-1172-EA04863A7EE5}"/>
+                <a16:creationId xmlns:a16="http://schemas.microsoft.com/office/drawing/2014/main" id="{17BD5C91-DAB1-7FBB-913D-94307751905E}"/>
               </a:ext>
             </a:extLst>
           </p:cNvPr>
@@ -6582,7 +6714,7 @@
           <p:cNvPr id="5" name="Picture 4">
             <a:extLst>
               <a:ext uri="{FF2B5EF4-FFF2-40B4-BE49-F238E27FC236}">
-                <a16:creationId xmlns:a16="http://schemas.microsoft.com/office/drawing/2014/main" id="{7F29A0FD-412A-4FF6-269A-9279CA60F87E}"/>
+                <a16:creationId xmlns:a16="http://schemas.microsoft.com/office/drawing/2014/main" id="{2D893F72-E3F8-15FB-AECC-87A573F8324B}"/>
               </a:ext>
             </a:extLst>
           </p:cNvPr>
@@ -6599,8 +6731,8 @@
         </p:blipFill>
         <p:spPr>
           <a:xfrm>
-            <a:off x="838200" y="1861257"/>
-            <a:ext cx="7687645" cy="3135485"/>
+            <a:off x="838200" y="1765300"/>
+            <a:ext cx="4785329" cy="4727575"/>
           </a:xfrm>
           <a:prstGeom prst="rect">
             <a:avLst/>
@@ -6610,7 +6742,7 @@
     </p:spTree>
     <p:extLst>
       <p:ext uri="{BB962C8B-B14F-4D97-AF65-F5344CB8AC3E}">
-        <p14:creationId xmlns:p14="http://schemas.microsoft.com/office/powerpoint/2010/main" val="1708826250"/>
+        <p14:creationId xmlns:p14="http://schemas.microsoft.com/office/powerpoint/2010/main" val="584242794"/>
       </p:ext>
     </p:extLst>
   </p:cSld>
@@ -6642,7 +6774,7 @@
           <p:cNvPr id="2" name="Title 1">
             <a:extLst>
               <a:ext uri="{FF2B5EF4-FFF2-40B4-BE49-F238E27FC236}">
-                <a16:creationId xmlns:a16="http://schemas.microsoft.com/office/drawing/2014/main" id="{F34501D7-A5A1-B14C-9DF8-33D23D87D92F}"/>
+                <a16:creationId xmlns:a16="http://schemas.microsoft.com/office/drawing/2014/main" id="{C728E01E-BAF5-6A80-20F1-087955496E37}"/>
               </a:ext>
             </a:extLst>
           </p:cNvPr>
@@ -6653,12 +6785,17 @@
             <p:ph type="title"/>
           </p:nvPr>
         </p:nvSpPr>
-        <p:spPr/>
-        <p:txBody>
-          <a:bodyPr/>
-          <a:lstStyle/>
-          <a:p>
-            <a:endParaRPr lang="en-GB"/>
+        <p:spPr>
+          <a:xfrm>
+            <a:off x="838200" y="365125"/>
+            <a:ext cx="10515600" cy="733425"/>
+          </a:xfrm>
+        </p:spPr>
+        <p:txBody>
+          <a:bodyPr/>
+          <a:lstStyle/>
+          <a:p>
+            <a:endParaRPr lang="en-GB" dirty="0"/>
           </a:p>
         </p:txBody>
       </p:sp>
@@ -6667,7 +6804,7 @@
           <p:cNvPr id="7" name="Picture 6">
             <a:extLst>
               <a:ext uri="{FF2B5EF4-FFF2-40B4-BE49-F238E27FC236}">
-                <a16:creationId xmlns:a16="http://schemas.microsoft.com/office/drawing/2014/main" id="{EA47DFE6-D2F8-294E-C3D2-1D0F0F663C9E}"/>
+                <a16:creationId xmlns:a16="http://schemas.microsoft.com/office/drawing/2014/main" id="{EDA007C6-36BF-6222-5B1A-03A1BE3F57A1}"/>
               </a:ext>
             </a:extLst>
           </p:cNvPr>
@@ -6677,15 +6814,15 @@
           <p:nvPr/>
         </p:nvPicPr>
         <p:blipFill>
-          <a:blip r:embed="rId2"/>
+          <a:blip r:embed="rId3"/>
           <a:stretch>
             <a:fillRect/>
           </a:stretch>
         </p:blipFill>
         <p:spPr>
           <a:xfrm>
-            <a:off x="838200" y="1901595"/>
-            <a:ext cx="4620270" cy="3296110"/>
+            <a:off x="838200" y="1098550"/>
+            <a:ext cx="2711450" cy="5440198"/>
           </a:xfrm>
           <a:prstGeom prst="rect">
             <a:avLst/>
@@ -6695,7 +6832,7 @@
     </p:spTree>
     <p:extLst>
       <p:ext uri="{BB962C8B-B14F-4D97-AF65-F5344CB8AC3E}">
-        <p14:creationId xmlns:p14="http://schemas.microsoft.com/office/powerpoint/2010/main" val="416867598"/>
+        <p14:creationId xmlns:p14="http://schemas.microsoft.com/office/powerpoint/2010/main" val="1843512060"/>
       </p:ext>
     </p:extLst>
   </p:cSld>
@@ -6727,7 +6864,7 @@
           <p:cNvPr id="2" name="Title 1">
             <a:extLst>
               <a:ext uri="{FF2B5EF4-FFF2-40B4-BE49-F238E27FC236}">
-                <a16:creationId xmlns:a16="http://schemas.microsoft.com/office/drawing/2014/main" id="{17BD5C91-DAB1-7FBB-913D-94307751905E}"/>
+                <a16:creationId xmlns:a16="http://schemas.microsoft.com/office/drawing/2014/main" id="{7B0F8EF9-2F8A-D280-EAA2-35BAC51A2A4E}"/>
               </a:ext>
             </a:extLst>
           </p:cNvPr>
@@ -6752,7 +6889,7 @@
           <p:cNvPr id="5" name="Picture 4">
             <a:extLst>
               <a:ext uri="{FF2B5EF4-FFF2-40B4-BE49-F238E27FC236}">
-                <a16:creationId xmlns:a16="http://schemas.microsoft.com/office/drawing/2014/main" id="{2D893F72-E3F8-15FB-AECC-87A573F8324B}"/>
+                <a16:creationId xmlns:a16="http://schemas.microsoft.com/office/drawing/2014/main" id="{E42CB9A0-0A1D-2247-2FB8-AB5F4B227001}"/>
               </a:ext>
             </a:extLst>
           </p:cNvPr>
@@ -6769,8 +6906,38 @@
         </p:blipFill>
         <p:spPr>
           <a:xfrm>
-            <a:off x="838200" y="1765300"/>
-            <a:ext cx="4785329" cy="4727575"/>
+            <a:off x="838200" y="1833324"/>
+            <a:ext cx="3448531" cy="3419952"/>
+          </a:xfrm>
+          <a:prstGeom prst="rect">
+            <a:avLst/>
+          </a:prstGeom>
+        </p:spPr>
+      </p:pic>
+      <p:pic>
+        <p:nvPicPr>
+          <p:cNvPr id="7" name="Picture 6">
+            <a:extLst>
+              <a:ext uri="{FF2B5EF4-FFF2-40B4-BE49-F238E27FC236}">
+                <a16:creationId xmlns:a16="http://schemas.microsoft.com/office/drawing/2014/main" id="{22FBDBA8-7F16-79C5-84FF-B4B16E5DB3DB}"/>
+              </a:ext>
+            </a:extLst>
+          </p:cNvPr>
+          <p:cNvPicPr>
+            <a:picLocks noChangeAspect="1"/>
+          </p:cNvPicPr>
+          <p:nvPr/>
+        </p:nvPicPr>
+        <p:blipFill>
+          <a:blip r:embed="rId3"/>
+          <a:stretch>
+            <a:fillRect/>
+          </a:stretch>
+        </p:blipFill>
+        <p:spPr>
+          <a:xfrm>
+            <a:off x="5063397" y="1833324"/>
+            <a:ext cx="3790680" cy="4951789"/>
           </a:xfrm>
           <a:prstGeom prst="rect">
             <a:avLst/>
@@ -6780,7 +6947,7 @@
     </p:spTree>
     <p:extLst>
       <p:ext uri="{BB962C8B-B14F-4D97-AF65-F5344CB8AC3E}">
-        <p14:creationId xmlns:p14="http://schemas.microsoft.com/office/powerpoint/2010/main" val="584242794"/>
+        <p14:creationId xmlns:p14="http://schemas.microsoft.com/office/powerpoint/2010/main" val="497924248"/>
       </p:ext>
     </p:extLst>
   </p:cSld>
@@ -6812,7 +6979,7 @@
           <p:cNvPr id="2" name="Title 1">
             <a:extLst>
               <a:ext uri="{FF2B5EF4-FFF2-40B4-BE49-F238E27FC236}">
-                <a16:creationId xmlns:a16="http://schemas.microsoft.com/office/drawing/2014/main" id="{C728E01E-BAF5-6A80-20F1-087955496E37}"/>
+                <a16:creationId xmlns:a16="http://schemas.microsoft.com/office/drawing/2014/main" id="{BADBA536-C8EA-CDEE-0412-CCBD65C8D699}"/>
               </a:ext>
             </a:extLst>
           </p:cNvPr>
@@ -6823,26 +6990,21 @@
             <p:ph type="title"/>
           </p:nvPr>
         </p:nvSpPr>
-        <p:spPr>
-          <a:xfrm>
-            <a:off x="838200" y="365125"/>
-            <a:ext cx="10515600" cy="733425"/>
-          </a:xfrm>
-        </p:spPr>
-        <p:txBody>
-          <a:bodyPr/>
-          <a:lstStyle/>
-          <a:p>
-            <a:endParaRPr lang="en-GB" dirty="0"/>
+        <p:spPr/>
+        <p:txBody>
+          <a:bodyPr/>
+          <a:lstStyle/>
+          <a:p>
+            <a:endParaRPr lang="en-GB"/>
           </a:p>
         </p:txBody>
       </p:sp>
       <p:pic>
         <p:nvPicPr>
-          <p:cNvPr id="7" name="Picture 6">
-            <a:extLst>
-              <a:ext uri="{FF2B5EF4-FFF2-40B4-BE49-F238E27FC236}">
-                <a16:creationId xmlns:a16="http://schemas.microsoft.com/office/drawing/2014/main" id="{EDA007C6-36BF-6222-5B1A-03A1BE3F57A1}"/>
+          <p:cNvPr id="5" name="Picture 4">
+            <a:extLst>
+              <a:ext uri="{FF2B5EF4-FFF2-40B4-BE49-F238E27FC236}">
+                <a16:creationId xmlns:a16="http://schemas.microsoft.com/office/drawing/2014/main" id="{E3EE5837-9DE7-1C2A-DF3F-960FA55EC81F}"/>
               </a:ext>
             </a:extLst>
           </p:cNvPr>
@@ -6852,15 +7014,15 @@
           <p:nvPr/>
         </p:nvPicPr>
         <p:blipFill>
-          <a:blip r:embed="rId3"/>
+          <a:blip r:embed="rId2"/>
           <a:stretch>
             <a:fillRect/>
           </a:stretch>
         </p:blipFill>
         <p:spPr>
           <a:xfrm>
-            <a:off x="838200" y="1098550"/>
-            <a:ext cx="2711450" cy="5440198"/>
+            <a:off x="838200" y="1957174"/>
+            <a:ext cx="5534797" cy="3057952"/>
           </a:xfrm>
           <a:prstGeom prst="rect">
             <a:avLst/>
@@ -6870,7 +7032,7 @@
     </p:spTree>
     <p:extLst>
       <p:ext uri="{BB962C8B-B14F-4D97-AF65-F5344CB8AC3E}">
-        <p14:creationId xmlns:p14="http://schemas.microsoft.com/office/powerpoint/2010/main" val="1843512060"/>
+        <p14:creationId xmlns:p14="http://schemas.microsoft.com/office/powerpoint/2010/main" val="711803047"/>
       </p:ext>
     </p:extLst>
   </p:cSld>
@@ -6902,7 +7064,7 @@
           <p:cNvPr id="2" name="Title 1">
             <a:extLst>
               <a:ext uri="{FF2B5EF4-FFF2-40B4-BE49-F238E27FC236}">
-                <a16:creationId xmlns:a16="http://schemas.microsoft.com/office/drawing/2014/main" id="{7B0F8EF9-2F8A-D280-EAA2-35BAC51A2A4E}"/>
+                <a16:creationId xmlns:a16="http://schemas.microsoft.com/office/drawing/2014/main" id="{CC9BC353-C438-5E40-C3FF-618D49D8A61E}"/>
               </a:ext>
             </a:extLst>
           </p:cNvPr>
@@ -6913,12 +7075,17 @@
             <p:ph type="title"/>
           </p:nvPr>
         </p:nvSpPr>
-        <p:spPr/>
-        <p:txBody>
-          <a:bodyPr/>
-          <a:lstStyle/>
-          <a:p>
-            <a:endParaRPr lang="en-GB"/>
+        <p:spPr>
+          <a:xfrm>
+            <a:off x="838200" y="365125"/>
+            <a:ext cx="10515600" cy="720725"/>
+          </a:xfrm>
+        </p:spPr>
+        <p:txBody>
+          <a:bodyPr/>
+          <a:lstStyle/>
+          <a:p>
+            <a:endParaRPr lang="en-GB" dirty="0"/>
           </a:p>
         </p:txBody>
       </p:sp>
@@ -6927,7 +7094,7 @@
           <p:cNvPr id="5" name="Picture 4">
             <a:extLst>
               <a:ext uri="{FF2B5EF4-FFF2-40B4-BE49-F238E27FC236}">
-                <a16:creationId xmlns:a16="http://schemas.microsoft.com/office/drawing/2014/main" id="{E42CB9A0-0A1D-2247-2FB8-AB5F4B227001}"/>
+                <a16:creationId xmlns:a16="http://schemas.microsoft.com/office/drawing/2014/main" id="{98CF9533-BABB-55BB-1DB2-79C1ABB8F663}"/>
               </a:ext>
             </a:extLst>
           </p:cNvPr>
@@ -6944,8 +7111,8 @@
         </p:blipFill>
         <p:spPr>
           <a:xfrm>
-            <a:off x="838200" y="1833324"/>
-            <a:ext cx="3448531" cy="3419952"/>
+            <a:off x="793750" y="1290395"/>
+            <a:ext cx="3886742" cy="3477110"/>
           </a:xfrm>
           <a:prstGeom prst="rect">
             <a:avLst/>
@@ -6957,7 +7124,7 @@
           <p:cNvPr id="7" name="Picture 6">
             <a:extLst>
               <a:ext uri="{FF2B5EF4-FFF2-40B4-BE49-F238E27FC236}">
-                <a16:creationId xmlns:a16="http://schemas.microsoft.com/office/drawing/2014/main" id="{22FBDBA8-7F16-79C5-84FF-B4B16E5DB3DB}"/>
+                <a16:creationId xmlns:a16="http://schemas.microsoft.com/office/drawing/2014/main" id="{1B13D5C5-E8D9-73FE-CFFB-A0B0D2A8EF6A}"/>
               </a:ext>
             </a:extLst>
           </p:cNvPr>
@@ -6974,8 +7141,38 @@
         </p:blipFill>
         <p:spPr>
           <a:xfrm>
-            <a:off x="5063397" y="1833324"/>
-            <a:ext cx="3790680" cy="4951789"/>
+            <a:off x="5095613" y="1193157"/>
+            <a:ext cx="4082057" cy="5029200"/>
+          </a:xfrm>
+          <a:prstGeom prst="rect">
+            <a:avLst/>
+          </a:prstGeom>
+        </p:spPr>
+      </p:pic>
+      <p:pic>
+        <p:nvPicPr>
+          <p:cNvPr id="9" name="Picture 8">
+            <a:extLst>
+              <a:ext uri="{FF2B5EF4-FFF2-40B4-BE49-F238E27FC236}">
+                <a16:creationId xmlns:a16="http://schemas.microsoft.com/office/drawing/2014/main" id="{E2E29D80-8472-864F-1A14-6618E05E385A}"/>
+              </a:ext>
+            </a:extLst>
+          </p:cNvPr>
+          <p:cNvPicPr>
+            <a:picLocks noChangeAspect="1"/>
+          </p:cNvPicPr>
+          <p:nvPr/>
+        </p:nvPicPr>
+        <p:blipFill>
+          <a:blip r:embed="rId4"/>
+          <a:stretch>
+            <a:fillRect/>
+          </a:stretch>
+        </p:blipFill>
+        <p:spPr>
+          <a:xfrm>
+            <a:off x="5095613" y="6222357"/>
+            <a:ext cx="3985272" cy="635643"/>
           </a:xfrm>
           <a:prstGeom prst="rect">
             <a:avLst/>
@@ -6985,7 +7182,7 @@
     </p:spTree>
     <p:extLst>
       <p:ext uri="{BB962C8B-B14F-4D97-AF65-F5344CB8AC3E}">
-        <p14:creationId xmlns:p14="http://schemas.microsoft.com/office/powerpoint/2010/main" val="497924248"/>
+        <p14:creationId xmlns:p14="http://schemas.microsoft.com/office/powerpoint/2010/main" val="3875996855"/>
       </p:ext>
     </p:extLst>
   </p:cSld>
@@ -7017,7 +7214,7 @@
           <p:cNvPr id="2" name="Title 1">
             <a:extLst>
               <a:ext uri="{FF2B5EF4-FFF2-40B4-BE49-F238E27FC236}">
-                <a16:creationId xmlns:a16="http://schemas.microsoft.com/office/drawing/2014/main" id="{BADBA536-C8EA-CDEE-0412-CCBD65C8D699}"/>
+                <a16:creationId xmlns:a16="http://schemas.microsoft.com/office/drawing/2014/main" id="{A9BC8783-6E9D-F9AF-AB14-9E9E3094A2C0}"/>
               </a:ext>
             </a:extLst>
           </p:cNvPr>
@@ -7028,12 +7225,17 @@
             <p:ph type="title"/>
           </p:nvPr>
         </p:nvSpPr>
-        <p:spPr/>
-        <p:txBody>
-          <a:bodyPr/>
-          <a:lstStyle/>
-          <a:p>
-            <a:endParaRPr lang="en-GB"/>
+        <p:spPr>
+          <a:xfrm>
+            <a:off x="838200" y="365126"/>
+            <a:ext cx="9913883" cy="742436"/>
+          </a:xfrm>
+        </p:spPr>
+        <p:txBody>
+          <a:bodyPr/>
+          <a:lstStyle/>
+          <a:p>
+            <a:endParaRPr lang="en-GB" dirty="0"/>
           </a:p>
         </p:txBody>
       </p:sp>
@@ -7042,7 +7244,7 @@
           <p:cNvPr id="5" name="Picture 4">
             <a:extLst>
               <a:ext uri="{FF2B5EF4-FFF2-40B4-BE49-F238E27FC236}">
-                <a16:creationId xmlns:a16="http://schemas.microsoft.com/office/drawing/2014/main" id="{E3EE5837-9DE7-1C2A-DF3F-960FA55EC81F}"/>
+                <a16:creationId xmlns:a16="http://schemas.microsoft.com/office/drawing/2014/main" id="{B325228D-734D-34AB-D4A0-E0F5BD95DCAD}"/>
               </a:ext>
             </a:extLst>
           </p:cNvPr>
@@ -7059,8 +7261,38 @@
         </p:blipFill>
         <p:spPr>
           <a:xfrm>
-            <a:off x="838200" y="1957174"/>
-            <a:ext cx="5534797" cy="3057952"/>
+            <a:off x="838200" y="2150805"/>
+            <a:ext cx="3991532" cy="3686689"/>
+          </a:xfrm>
+          <a:prstGeom prst="rect">
+            <a:avLst/>
+          </a:prstGeom>
+        </p:spPr>
+      </p:pic>
+      <p:pic>
+        <p:nvPicPr>
+          <p:cNvPr id="7" name="Picture 6">
+            <a:extLst>
+              <a:ext uri="{FF2B5EF4-FFF2-40B4-BE49-F238E27FC236}">
+                <a16:creationId xmlns:a16="http://schemas.microsoft.com/office/drawing/2014/main" id="{287A7ABC-D1AE-E170-A2A6-6470EE734A0D}"/>
+              </a:ext>
+            </a:extLst>
+          </p:cNvPr>
+          <p:cNvPicPr>
+            <a:picLocks noChangeAspect="1"/>
+          </p:cNvPicPr>
+          <p:nvPr/>
+        </p:nvPicPr>
+        <p:blipFill>
+          <a:blip r:embed="rId3"/>
+          <a:stretch>
+            <a:fillRect/>
+          </a:stretch>
+        </p:blipFill>
+        <p:spPr>
+          <a:xfrm>
+            <a:off x="5879816" y="1107561"/>
+            <a:ext cx="1695515" cy="5586608"/>
           </a:xfrm>
           <a:prstGeom prst="rect">
             <a:avLst/>
@@ -7070,7 +7302,7 @@
     </p:spTree>
     <p:extLst>
       <p:ext uri="{BB962C8B-B14F-4D97-AF65-F5344CB8AC3E}">
-        <p14:creationId xmlns:p14="http://schemas.microsoft.com/office/powerpoint/2010/main" val="711803047"/>
+        <p14:creationId xmlns:p14="http://schemas.microsoft.com/office/powerpoint/2010/main" val="2631230412"/>
       </p:ext>
     </p:extLst>
   </p:cSld>
@@ -7102,7 +7334,7 @@
           <p:cNvPr id="2" name="Title 1">
             <a:extLst>
               <a:ext uri="{FF2B5EF4-FFF2-40B4-BE49-F238E27FC236}">
-                <a16:creationId xmlns:a16="http://schemas.microsoft.com/office/drawing/2014/main" id="{CC9BC353-C438-5E40-C3FF-618D49D8A61E}"/>
+                <a16:creationId xmlns:a16="http://schemas.microsoft.com/office/drawing/2014/main" id="{5AD2B775-94F1-2712-63F2-C63C14F05B7E}"/>
               </a:ext>
             </a:extLst>
           </p:cNvPr>
@@ -7113,12 +7345,7 @@
             <p:ph type="title"/>
           </p:nvPr>
         </p:nvSpPr>
-        <p:spPr>
-          <a:xfrm>
-            <a:off x="838200" y="365125"/>
-            <a:ext cx="10515600" cy="720725"/>
-          </a:xfrm>
-        </p:spPr>
+        <p:spPr/>
         <p:txBody>
           <a:bodyPr/>
           <a:lstStyle/>
@@ -7129,10 +7356,10 @@
       </p:sp>
       <p:pic>
         <p:nvPicPr>
-          <p:cNvPr id="5" name="Picture 4">
-            <a:extLst>
-              <a:ext uri="{FF2B5EF4-FFF2-40B4-BE49-F238E27FC236}">
-                <a16:creationId xmlns:a16="http://schemas.microsoft.com/office/drawing/2014/main" id="{98CF9533-BABB-55BB-1DB2-79C1ABB8F663}"/>
+          <p:cNvPr id="7" name="Picture 6">
+            <a:extLst>
+              <a:ext uri="{FF2B5EF4-FFF2-40B4-BE49-F238E27FC236}">
+                <a16:creationId xmlns:a16="http://schemas.microsoft.com/office/drawing/2014/main" id="{3B83AA5B-5185-2773-ECE3-5309334D99EA}"/>
               </a:ext>
             </a:extLst>
           </p:cNvPr>
@@ -7149,78 +7376,70 @@
         </p:blipFill>
         <p:spPr>
           <a:xfrm>
-            <a:off x="793750" y="1290395"/>
-            <a:ext cx="3886742" cy="3477110"/>
+            <a:off x="1330125" y="907664"/>
+            <a:ext cx="7684755" cy="4737847"/>
           </a:xfrm>
           <a:prstGeom prst="rect">
             <a:avLst/>
           </a:prstGeom>
         </p:spPr>
       </p:pic>
-      <p:pic>
-        <p:nvPicPr>
-          <p:cNvPr id="7" name="Picture 6">
-            <a:extLst>
-              <a:ext uri="{FF2B5EF4-FFF2-40B4-BE49-F238E27FC236}">
-                <a16:creationId xmlns:a16="http://schemas.microsoft.com/office/drawing/2014/main" id="{1B13D5C5-E8D9-73FE-CFFB-A0B0D2A8EF6A}"/>
-              </a:ext>
-            </a:extLst>
-          </p:cNvPr>
-          <p:cNvPicPr>
-            <a:picLocks noChangeAspect="1"/>
-          </p:cNvPicPr>
+      <p:sp>
+        <p:nvSpPr>
+          <p:cNvPr id="3" name="Rectangle: Rounded Corners 2">
+            <a:extLst>
+              <a:ext uri="{FF2B5EF4-FFF2-40B4-BE49-F238E27FC236}">
+                <a16:creationId xmlns:a16="http://schemas.microsoft.com/office/drawing/2014/main" id="{B73F5F1D-A7AF-AA06-273E-623F9C555775}"/>
+              </a:ext>
+            </a:extLst>
+          </p:cNvPr>
+          <p:cNvSpPr/>
           <p:nvPr/>
-        </p:nvPicPr>
-        <p:blipFill>
-          <a:blip r:embed="rId3"/>
-          <a:stretch>
-            <a:fillRect/>
-          </a:stretch>
-        </p:blipFill>
-        <p:spPr>
-          <a:xfrm>
-            <a:off x="5095613" y="1193157"/>
-            <a:ext cx="4082057" cy="5029200"/>
-          </a:xfrm>
-          <a:prstGeom prst="rect">
+        </p:nvSpPr>
+        <p:spPr>
+          <a:xfrm>
+            <a:off x="3054927" y="4973782"/>
+            <a:ext cx="3470564" cy="401782"/>
+          </a:xfrm>
+          <a:prstGeom prst="roundRect">
             <a:avLst/>
           </a:prstGeom>
-        </p:spPr>
-      </p:pic>
-      <p:pic>
-        <p:nvPicPr>
-          <p:cNvPr id="9" name="Picture 8">
-            <a:extLst>
-              <a:ext uri="{FF2B5EF4-FFF2-40B4-BE49-F238E27FC236}">
-                <a16:creationId xmlns:a16="http://schemas.microsoft.com/office/drawing/2014/main" id="{E2E29D80-8472-864F-1A14-6618E05E385A}"/>
-              </a:ext>
-            </a:extLst>
-          </p:cNvPr>
-          <p:cNvPicPr>
-            <a:picLocks noChangeAspect="1"/>
-          </p:cNvPicPr>
-          <p:nvPr/>
-        </p:nvPicPr>
-        <p:blipFill>
-          <a:blip r:embed="rId4"/>
-          <a:stretch>
-            <a:fillRect/>
-          </a:stretch>
-        </p:blipFill>
-        <p:spPr>
-          <a:xfrm>
-            <a:off x="5095613" y="6222357"/>
-            <a:ext cx="3985272" cy="635643"/>
-          </a:xfrm>
-          <a:prstGeom prst="rect">
-            <a:avLst/>
-          </a:prstGeom>
-        </p:spPr>
-      </p:pic>
+          <a:noFill/>
+          <a:ln>
+            <a:solidFill>
+              <a:srgbClr val="FF0000"/>
+            </a:solidFill>
+          </a:ln>
+        </p:spPr>
+        <p:style>
+          <a:lnRef idx="2">
+            <a:schemeClr val="accent1">
+              <a:shade val="15000"/>
+            </a:schemeClr>
+          </a:lnRef>
+          <a:fillRef idx="1">
+            <a:schemeClr val="accent1"/>
+          </a:fillRef>
+          <a:effectRef idx="0">
+            <a:schemeClr val="accent1"/>
+          </a:effectRef>
+          <a:fontRef idx="minor">
+            <a:schemeClr val="lt1"/>
+          </a:fontRef>
+        </p:style>
+        <p:txBody>
+          <a:bodyPr rtlCol="0" anchor="ctr"/>
+          <a:lstStyle/>
+          <a:p>
+            <a:pPr algn="ctr"/>
+            <a:endParaRPr lang="en-GB"/>
+          </a:p>
+        </p:txBody>
+      </p:sp>
     </p:spTree>
     <p:extLst>
       <p:ext uri="{BB962C8B-B14F-4D97-AF65-F5344CB8AC3E}">
-        <p14:creationId xmlns:p14="http://schemas.microsoft.com/office/powerpoint/2010/main" val="3875996855"/>
+        <p14:creationId xmlns:p14="http://schemas.microsoft.com/office/powerpoint/2010/main" val="1093725443"/>
       </p:ext>
     </p:extLst>
   </p:cSld>
@@ -7252,7 +7471,7 @@
           <p:cNvPr id="2" name="Title 1">
             <a:extLst>
               <a:ext uri="{FF2B5EF4-FFF2-40B4-BE49-F238E27FC236}">
-                <a16:creationId xmlns:a16="http://schemas.microsoft.com/office/drawing/2014/main" id="{A9BC8783-6E9D-F9AF-AB14-9E9E3094A2C0}"/>
+                <a16:creationId xmlns:a16="http://schemas.microsoft.com/office/drawing/2014/main" id="{6DE57C0E-E6ED-0C5C-8A08-3A79DC12E791}"/>
               </a:ext>
             </a:extLst>
           </p:cNvPr>
@@ -7263,17 +7482,12 @@
             <p:ph type="title"/>
           </p:nvPr>
         </p:nvSpPr>
-        <p:spPr>
-          <a:xfrm>
-            <a:off x="838200" y="365126"/>
-            <a:ext cx="9913883" cy="742436"/>
-          </a:xfrm>
-        </p:spPr>
-        <p:txBody>
-          <a:bodyPr/>
-          <a:lstStyle/>
-          <a:p>
-            <a:endParaRPr lang="en-GB" dirty="0"/>
+        <p:spPr/>
+        <p:txBody>
+          <a:bodyPr/>
+          <a:lstStyle/>
+          <a:p>
+            <a:endParaRPr lang="en-GB"/>
           </a:p>
         </p:txBody>
       </p:sp>
@@ -7282,7 +7496,7 @@
           <p:cNvPr id="5" name="Picture 4">
             <a:extLst>
               <a:ext uri="{FF2B5EF4-FFF2-40B4-BE49-F238E27FC236}">
-                <a16:creationId xmlns:a16="http://schemas.microsoft.com/office/drawing/2014/main" id="{B325228D-734D-34AB-D4A0-E0F5BD95DCAD}"/>
+                <a16:creationId xmlns:a16="http://schemas.microsoft.com/office/drawing/2014/main" id="{4E9E29CB-43C5-F6D1-3EB0-E21010287988}"/>
               </a:ext>
             </a:extLst>
           </p:cNvPr>
@@ -7299,8 +7513,8 @@
         </p:blipFill>
         <p:spPr>
           <a:xfrm>
-            <a:off x="838200" y="2150805"/>
-            <a:ext cx="3991532" cy="3686689"/>
+            <a:off x="838200" y="1927008"/>
+            <a:ext cx="4534533" cy="3105583"/>
           </a:xfrm>
           <a:prstGeom prst="rect">
             <a:avLst/>
@@ -7309,10 +7523,10 @@
       </p:pic>
       <p:pic>
         <p:nvPicPr>
-          <p:cNvPr id="7" name="Picture 6">
-            <a:extLst>
-              <a:ext uri="{FF2B5EF4-FFF2-40B4-BE49-F238E27FC236}">
-                <a16:creationId xmlns:a16="http://schemas.microsoft.com/office/drawing/2014/main" id="{287A7ABC-D1AE-E170-A2A6-6470EE734A0D}"/>
+          <p:cNvPr id="9" name="Picture 8">
+            <a:extLst>
+              <a:ext uri="{FF2B5EF4-FFF2-40B4-BE49-F238E27FC236}">
+                <a16:creationId xmlns:a16="http://schemas.microsoft.com/office/drawing/2014/main" id="{E05F283C-C78D-A7F1-4AA5-5C3C0BD0ABB2}"/>
               </a:ext>
             </a:extLst>
           </p:cNvPr>
@@ -7329,8 +7543,8 @@
         </p:blipFill>
         <p:spPr>
           <a:xfrm>
-            <a:off x="5879816" y="1107561"/>
-            <a:ext cx="1695515" cy="5586608"/>
+            <a:off x="5773505" y="1927008"/>
+            <a:ext cx="3324689" cy="2991267"/>
           </a:xfrm>
           <a:prstGeom prst="rect">
             <a:avLst/>
@@ -7340,7 +7554,7 @@
     </p:spTree>
     <p:extLst>
       <p:ext uri="{BB962C8B-B14F-4D97-AF65-F5344CB8AC3E}">
-        <p14:creationId xmlns:p14="http://schemas.microsoft.com/office/powerpoint/2010/main" val="2631230412"/>
+        <p14:creationId xmlns:p14="http://schemas.microsoft.com/office/powerpoint/2010/main" val="1176878744"/>
       </p:ext>
     </p:extLst>
   </p:cSld>
@@ -7372,7 +7586,7 @@
           <p:cNvPr id="2" name="Title 1">
             <a:extLst>
               <a:ext uri="{FF2B5EF4-FFF2-40B4-BE49-F238E27FC236}">
-                <a16:creationId xmlns:a16="http://schemas.microsoft.com/office/drawing/2014/main" id="{5AD2B775-94F1-2712-63F2-C63C14F05B7E}"/>
+                <a16:creationId xmlns:a16="http://schemas.microsoft.com/office/drawing/2014/main" id="{01098F21-15EF-C2B8-A81B-F04DD58828E6}"/>
               </a:ext>
             </a:extLst>
           </p:cNvPr>
@@ -7388,7 +7602,7 @@
           <a:bodyPr/>
           <a:lstStyle/>
           <a:p>
-            <a:endParaRPr lang="en-GB" dirty="0"/>
+            <a:endParaRPr lang="en-GB"/>
           </a:p>
         </p:txBody>
       </p:sp>
@@ -7397,7 +7611,7 @@
           <p:cNvPr id="7" name="Picture 6">
             <a:extLst>
               <a:ext uri="{FF2B5EF4-FFF2-40B4-BE49-F238E27FC236}">
-                <a16:creationId xmlns:a16="http://schemas.microsoft.com/office/drawing/2014/main" id="{3B83AA5B-5185-2773-ECE3-5309334D99EA}"/>
+                <a16:creationId xmlns:a16="http://schemas.microsoft.com/office/drawing/2014/main" id="{F96E66AB-08F9-1B4E-D669-B5E75AED9749}"/>
               </a:ext>
             </a:extLst>
           </p:cNvPr>
@@ -7414,70 +7628,18 @@
         </p:blipFill>
         <p:spPr>
           <a:xfrm>
-            <a:off x="1330125" y="907664"/>
-            <a:ext cx="7684755" cy="4737847"/>
+            <a:off x="735365" y="1919077"/>
+            <a:ext cx="7792537" cy="3019846"/>
           </a:xfrm>
           <a:prstGeom prst="rect">
             <a:avLst/>
           </a:prstGeom>
         </p:spPr>
       </p:pic>
-      <p:sp>
-        <p:nvSpPr>
-          <p:cNvPr id="3" name="Rectangle: Rounded Corners 2">
-            <a:extLst>
-              <a:ext uri="{FF2B5EF4-FFF2-40B4-BE49-F238E27FC236}">
-                <a16:creationId xmlns:a16="http://schemas.microsoft.com/office/drawing/2014/main" id="{B73F5F1D-A7AF-AA06-273E-623F9C555775}"/>
-              </a:ext>
-            </a:extLst>
-          </p:cNvPr>
-          <p:cNvSpPr/>
-          <p:nvPr/>
-        </p:nvSpPr>
-        <p:spPr>
-          <a:xfrm>
-            <a:off x="3054927" y="4973782"/>
-            <a:ext cx="3470564" cy="401782"/>
-          </a:xfrm>
-          <a:prstGeom prst="roundRect">
-            <a:avLst/>
-          </a:prstGeom>
-          <a:noFill/>
-          <a:ln>
-            <a:solidFill>
-              <a:srgbClr val="FF0000"/>
-            </a:solidFill>
-          </a:ln>
-        </p:spPr>
-        <p:style>
-          <a:lnRef idx="2">
-            <a:schemeClr val="accent1">
-              <a:shade val="15000"/>
-            </a:schemeClr>
-          </a:lnRef>
-          <a:fillRef idx="1">
-            <a:schemeClr val="accent1"/>
-          </a:fillRef>
-          <a:effectRef idx="0">
-            <a:schemeClr val="accent1"/>
-          </a:effectRef>
-          <a:fontRef idx="minor">
-            <a:schemeClr val="lt1"/>
-          </a:fontRef>
-        </p:style>
-        <p:txBody>
-          <a:bodyPr rtlCol="0" anchor="ctr"/>
-          <a:lstStyle/>
-          <a:p>
-            <a:pPr algn="ctr"/>
-            <a:endParaRPr lang="en-GB"/>
-          </a:p>
-        </p:txBody>
-      </p:sp>
     </p:spTree>
     <p:extLst>
       <p:ext uri="{BB962C8B-B14F-4D97-AF65-F5344CB8AC3E}">
-        <p14:creationId xmlns:p14="http://schemas.microsoft.com/office/powerpoint/2010/main" val="1093725443"/>
+        <p14:creationId xmlns:p14="http://schemas.microsoft.com/office/powerpoint/2010/main" val="790943487"/>
       </p:ext>
     </p:extLst>
   </p:cSld>
@@ -7509,7 +7671,7 @@
           <p:cNvPr id="2" name="Title 1">
             <a:extLst>
               <a:ext uri="{FF2B5EF4-FFF2-40B4-BE49-F238E27FC236}">
-                <a16:creationId xmlns:a16="http://schemas.microsoft.com/office/drawing/2014/main" id="{6DE57C0E-E6ED-0C5C-8A08-3A79DC12E791}"/>
+                <a16:creationId xmlns:a16="http://schemas.microsoft.com/office/drawing/2014/main" id="{1F47DEB6-EF01-3120-24A4-8BBD1FB57578}"/>
               </a:ext>
             </a:extLst>
           </p:cNvPr>
@@ -7534,7 +7696,7 @@
           <p:cNvPr id="5" name="Picture 4">
             <a:extLst>
               <a:ext uri="{FF2B5EF4-FFF2-40B4-BE49-F238E27FC236}">
-                <a16:creationId xmlns:a16="http://schemas.microsoft.com/office/drawing/2014/main" id="{4E9E29CB-43C5-F6D1-3EB0-E21010287988}"/>
+                <a16:creationId xmlns:a16="http://schemas.microsoft.com/office/drawing/2014/main" id="{11ECF972-327A-4F97-74A0-05253F85A127}"/>
               </a:ext>
             </a:extLst>
           </p:cNvPr>
@@ -7551,38 +7713,8 @@
         </p:blipFill>
         <p:spPr>
           <a:xfrm>
-            <a:off x="838200" y="1927008"/>
-            <a:ext cx="4534533" cy="3105583"/>
-          </a:xfrm>
-          <a:prstGeom prst="rect">
-            <a:avLst/>
-          </a:prstGeom>
-        </p:spPr>
-      </p:pic>
-      <p:pic>
-        <p:nvPicPr>
-          <p:cNvPr id="9" name="Picture 8">
-            <a:extLst>
-              <a:ext uri="{FF2B5EF4-FFF2-40B4-BE49-F238E27FC236}">
-                <a16:creationId xmlns:a16="http://schemas.microsoft.com/office/drawing/2014/main" id="{E05F283C-C78D-A7F1-4AA5-5C3C0BD0ABB2}"/>
-              </a:ext>
-            </a:extLst>
-          </p:cNvPr>
-          <p:cNvPicPr>
-            <a:picLocks noChangeAspect="1"/>
-          </p:cNvPicPr>
-          <p:nvPr/>
-        </p:nvPicPr>
-        <p:blipFill>
-          <a:blip r:embed="rId3"/>
-          <a:stretch>
-            <a:fillRect/>
-          </a:stretch>
-        </p:blipFill>
-        <p:spPr>
-          <a:xfrm>
-            <a:off x="5773505" y="1927008"/>
-            <a:ext cx="3324689" cy="2991267"/>
+            <a:off x="838200" y="1790285"/>
+            <a:ext cx="5989552" cy="4572416"/>
           </a:xfrm>
           <a:prstGeom prst="rect">
             <a:avLst/>
@@ -7592,7 +7724,7 @@
     </p:spTree>
     <p:extLst>
       <p:ext uri="{BB962C8B-B14F-4D97-AF65-F5344CB8AC3E}">
-        <p14:creationId xmlns:p14="http://schemas.microsoft.com/office/powerpoint/2010/main" val="1176878744"/>
+        <p14:creationId xmlns:p14="http://schemas.microsoft.com/office/powerpoint/2010/main" val="2560391071"/>
       </p:ext>
     </p:extLst>
   </p:cSld>
@@ -7761,7 +7893,7 @@
           <p:cNvPr id="2" name="Title 1">
             <a:extLst>
               <a:ext uri="{FF2B5EF4-FFF2-40B4-BE49-F238E27FC236}">
-                <a16:creationId xmlns:a16="http://schemas.microsoft.com/office/drawing/2014/main" id="{01098F21-15EF-C2B8-A81B-F04DD58828E6}"/>
+                <a16:creationId xmlns:a16="http://schemas.microsoft.com/office/drawing/2014/main" id="{A5996088-943A-36AA-00EC-9B6FEFDCA55D}"/>
               </a:ext>
             </a:extLst>
           </p:cNvPr>
@@ -7783,10 +7915,10 @@
       </p:sp>
       <p:pic>
         <p:nvPicPr>
-          <p:cNvPr id="7" name="Picture 6">
-            <a:extLst>
-              <a:ext uri="{FF2B5EF4-FFF2-40B4-BE49-F238E27FC236}">
-                <a16:creationId xmlns:a16="http://schemas.microsoft.com/office/drawing/2014/main" id="{F96E66AB-08F9-1B4E-D669-B5E75AED9749}"/>
+          <p:cNvPr id="5" name="Picture 4">
+            <a:extLst>
+              <a:ext uri="{FF2B5EF4-FFF2-40B4-BE49-F238E27FC236}">
+                <a16:creationId xmlns:a16="http://schemas.microsoft.com/office/drawing/2014/main" id="{FB1A9C81-B925-8A70-C172-050BACA400F5}"/>
               </a:ext>
             </a:extLst>
           </p:cNvPr>
@@ -7803,8 +7935,8 @@
         </p:blipFill>
         <p:spPr>
           <a:xfrm>
-            <a:off x="735365" y="1919077"/>
-            <a:ext cx="7792537" cy="3019846"/>
+            <a:off x="2453834" y="674299"/>
+            <a:ext cx="6076934" cy="5289877"/>
           </a:xfrm>
           <a:prstGeom prst="rect">
             <a:avLst/>
@@ -7814,7 +7946,7 @@
     </p:spTree>
     <p:extLst>
       <p:ext uri="{BB962C8B-B14F-4D97-AF65-F5344CB8AC3E}">
-        <p14:creationId xmlns:p14="http://schemas.microsoft.com/office/powerpoint/2010/main" val="790943487"/>
+        <p14:creationId xmlns:p14="http://schemas.microsoft.com/office/powerpoint/2010/main" val="3888417168"/>
       </p:ext>
     </p:extLst>
   </p:cSld>
@@ -7846,7 +7978,7 @@
           <p:cNvPr id="2" name="Title 1">
             <a:extLst>
               <a:ext uri="{FF2B5EF4-FFF2-40B4-BE49-F238E27FC236}">
-                <a16:creationId xmlns:a16="http://schemas.microsoft.com/office/drawing/2014/main" id="{1F47DEB6-EF01-3120-24A4-8BBD1FB57578}"/>
+                <a16:creationId xmlns:a16="http://schemas.microsoft.com/office/drawing/2014/main" id="{52608B92-6DB7-0E6B-5B32-CD7D5D3FB6F2}"/>
               </a:ext>
             </a:extLst>
           </p:cNvPr>
@@ -7871,7 +8003,7 @@
           <p:cNvPr id="5" name="Picture 4">
             <a:extLst>
               <a:ext uri="{FF2B5EF4-FFF2-40B4-BE49-F238E27FC236}">
-                <a16:creationId xmlns:a16="http://schemas.microsoft.com/office/drawing/2014/main" id="{11ECF972-327A-4F97-74A0-05253F85A127}"/>
+                <a16:creationId xmlns:a16="http://schemas.microsoft.com/office/drawing/2014/main" id="{61339789-8B29-75CD-AFA6-7EC8F667E8AC}"/>
               </a:ext>
             </a:extLst>
           </p:cNvPr>
@@ -7888,8 +8020,8 @@
         </p:blipFill>
         <p:spPr>
           <a:xfrm>
-            <a:off x="838200" y="1790285"/>
-            <a:ext cx="5989552" cy="4572416"/>
+            <a:off x="838200" y="1815599"/>
+            <a:ext cx="5522843" cy="4624957"/>
           </a:xfrm>
           <a:prstGeom prst="rect">
             <a:avLst/>
@@ -7899,7 +8031,7 @@
     </p:spTree>
     <p:extLst>
       <p:ext uri="{BB962C8B-B14F-4D97-AF65-F5344CB8AC3E}">
-        <p14:creationId xmlns:p14="http://schemas.microsoft.com/office/powerpoint/2010/main" val="2560391071"/>
+        <p14:creationId xmlns:p14="http://schemas.microsoft.com/office/powerpoint/2010/main" val="3867661675"/>
       </p:ext>
     </p:extLst>
   </p:cSld>
@@ -7931,7 +8063,7 @@
           <p:cNvPr id="2" name="Title 1">
             <a:extLst>
               <a:ext uri="{FF2B5EF4-FFF2-40B4-BE49-F238E27FC236}">
-                <a16:creationId xmlns:a16="http://schemas.microsoft.com/office/drawing/2014/main" id="{A5996088-943A-36AA-00EC-9B6FEFDCA55D}"/>
+                <a16:creationId xmlns:a16="http://schemas.microsoft.com/office/drawing/2014/main" id="{B6BC1C70-057F-734E-9C24-C01B4041B371}"/>
               </a:ext>
             </a:extLst>
           </p:cNvPr>
@@ -7956,7 +8088,7 @@
           <p:cNvPr id="5" name="Picture 4">
             <a:extLst>
               <a:ext uri="{FF2B5EF4-FFF2-40B4-BE49-F238E27FC236}">
-                <a16:creationId xmlns:a16="http://schemas.microsoft.com/office/drawing/2014/main" id="{FB1A9C81-B925-8A70-C172-050BACA400F5}"/>
+                <a16:creationId xmlns:a16="http://schemas.microsoft.com/office/drawing/2014/main" id="{2DA5FC5E-D499-8485-A95C-FDE0C63A4EAA}"/>
               </a:ext>
             </a:extLst>
           </p:cNvPr>
@@ -7973,8 +8105,8 @@
         </p:blipFill>
         <p:spPr>
           <a:xfrm>
-            <a:off x="2453834" y="674299"/>
-            <a:ext cx="6076934" cy="5289877"/>
+            <a:off x="838200" y="2003216"/>
+            <a:ext cx="7925906" cy="2991267"/>
           </a:xfrm>
           <a:prstGeom prst="rect">
             <a:avLst/>
@@ -7984,7 +8116,7 @@
     </p:spTree>
     <p:extLst>
       <p:ext uri="{BB962C8B-B14F-4D97-AF65-F5344CB8AC3E}">
-        <p14:creationId xmlns:p14="http://schemas.microsoft.com/office/powerpoint/2010/main" val="3888417168"/>
+        <p14:creationId xmlns:p14="http://schemas.microsoft.com/office/powerpoint/2010/main" val="1872683396"/>
       </p:ext>
     </p:extLst>
   </p:cSld>
@@ -8016,7 +8148,7 @@
           <p:cNvPr id="2" name="Title 1">
             <a:extLst>
               <a:ext uri="{FF2B5EF4-FFF2-40B4-BE49-F238E27FC236}">
-                <a16:creationId xmlns:a16="http://schemas.microsoft.com/office/drawing/2014/main" id="{52608B92-6DB7-0E6B-5B32-CD7D5D3FB6F2}"/>
+                <a16:creationId xmlns:a16="http://schemas.microsoft.com/office/drawing/2014/main" id="{0C1FC5F5-5771-0A0D-EC7C-7CB1040693EE}"/>
               </a:ext>
             </a:extLst>
           </p:cNvPr>
@@ -8032,44 +8164,17 @@
           <a:bodyPr/>
           <a:lstStyle/>
           <a:p>
-            <a:endParaRPr lang="en-GB"/>
-          </a:p>
-        </p:txBody>
-      </p:sp>
-      <p:pic>
-        <p:nvPicPr>
-          <p:cNvPr id="5" name="Picture 4">
-            <a:extLst>
-              <a:ext uri="{FF2B5EF4-FFF2-40B4-BE49-F238E27FC236}">
-                <a16:creationId xmlns:a16="http://schemas.microsoft.com/office/drawing/2014/main" id="{61339789-8B29-75CD-AFA6-7EC8F667E8AC}"/>
-              </a:ext>
-            </a:extLst>
-          </p:cNvPr>
-          <p:cNvPicPr>
-            <a:picLocks noChangeAspect="1"/>
-          </p:cNvPicPr>
-          <p:nvPr/>
-        </p:nvPicPr>
-        <p:blipFill>
-          <a:blip r:embed="rId2"/>
-          <a:stretch>
-            <a:fillRect/>
-          </a:stretch>
-        </p:blipFill>
-        <p:spPr>
-          <a:xfrm>
-            <a:off x="838200" y="1815599"/>
-            <a:ext cx="5522843" cy="4624957"/>
-          </a:xfrm>
-          <a:prstGeom prst="rect">
-            <a:avLst/>
-          </a:prstGeom>
-        </p:spPr>
-      </p:pic>
+            <a:r>
+              <a:rPr lang="en-GB" dirty="0"/>
+              <a:t>Azure CLI Part II</a:t>
+            </a:r>
+          </a:p>
+        </p:txBody>
+      </p:sp>
     </p:spTree>
     <p:extLst>
       <p:ext uri="{BB962C8B-B14F-4D97-AF65-F5344CB8AC3E}">
-        <p14:creationId xmlns:p14="http://schemas.microsoft.com/office/powerpoint/2010/main" val="3867661675"/>
+        <p14:creationId xmlns:p14="http://schemas.microsoft.com/office/powerpoint/2010/main" val="2385523187"/>
       </p:ext>
     </p:extLst>
   </p:cSld>
@@ -8096,37 +8201,12 @@
           <a:chExt cx="0" cy="0"/>
         </a:xfrm>
       </p:grpSpPr>
-      <p:sp>
-        <p:nvSpPr>
-          <p:cNvPr id="2" name="Title 1">
-            <a:extLst>
-              <a:ext uri="{FF2B5EF4-FFF2-40B4-BE49-F238E27FC236}">
-                <a16:creationId xmlns:a16="http://schemas.microsoft.com/office/drawing/2014/main" id="{B6BC1C70-057F-734E-9C24-C01B4041B371}"/>
-              </a:ext>
-            </a:extLst>
-          </p:cNvPr>
-          <p:cNvSpPr>
-            <a:spLocks noGrp="1"/>
-          </p:cNvSpPr>
-          <p:nvPr>
-            <p:ph type="title"/>
-          </p:nvPr>
-        </p:nvSpPr>
-        <p:spPr/>
-        <p:txBody>
-          <a:bodyPr/>
-          <a:lstStyle/>
-          <a:p>
-            <a:endParaRPr lang="en-GB"/>
-          </a:p>
-        </p:txBody>
-      </p:sp>
       <p:pic>
         <p:nvPicPr>
-          <p:cNvPr id="5" name="Picture 4">
-            <a:extLst>
-              <a:ext uri="{FF2B5EF4-FFF2-40B4-BE49-F238E27FC236}">
-                <a16:creationId xmlns:a16="http://schemas.microsoft.com/office/drawing/2014/main" id="{2DA5FC5E-D499-8485-A95C-FDE0C63A4EAA}"/>
+          <p:cNvPr id="4" name="Picture 3">
+            <a:extLst>
+              <a:ext uri="{FF2B5EF4-FFF2-40B4-BE49-F238E27FC236}">
+                <a16:creationId xmlns:a16="http://schemas.microsoft.com/office/drawing/2014/main" id="{C620F762-982D-B558-D5F3-56E373D721E2}"/>
               </a:ext>
             </a:extLst>
           </p:cNvPr>
@@ -8143,8 +8223,38 @@
         </p:blipFill>
         <p:spPr>
           <a:xfrm>
-            <a:off x="838200" y="2003216"/>
-            <a:ext cx="7925906" cy="2991267"/>
+            <a:off x="769961" y="746801"/>
+            <a:ext cx="6125430" cy="4667901"/>
+          </a:xfrm>
+          <a:prstGeom prst="rect">
+            <a:avLst/>
+          </a:prstGeom>
+        </p:spPr>
+      </p:pic>
+      <p:pic>
+        <p:nvPicPr>
+          <p:cNvPr id="7" name="Picture 6">
+            <a:extLst>
+              <a:ext uri="{FF2B5EF4-FFF2-40B4-BE49-F238E27FC236}">
+                <a16:creationId xmlns:a16="http://schemas.microsoft.com/office/drawing/2014/main" id="{96010772-6395-544A-4139-63C997FE9452}"/>
+              </a:ext>
+            </a:extLst>
+          </p:cNvPr>
+          <p:cNvPicPr>
+            <a:picLocks noChangeAspect="1"/>
+          </p:cNvPicPr>
+          <p:nvPr/>
+        </p:nvPicPr>
+        <p:blipFill>
+          <a:blip r:embed="rId3"/>
+          <a:stretch>
+            <a:fillRect/>
+          </a:stretch>
+        </p:blipFill>
+        <p:spPr>
+          <a:xfrm>
+            <a:off x="830447" y="5763488"/>
+            <a:ext cx="4143953" cy="695422"/>
           </a:xfrm>
           <a:prstGeom prst="rect">
             <a:avLst/>
@@ -8154,7 +8264,7 @@
     </p:spTree>
     <p:extLst>
       <p:ext uri="{BB962C8B-B14F-4D97-AF65-F5344CB8AC3E}">
-        <p14:creationId xmlns:p14="http://schemas.microsoft.com/office/powerpoint/2010/main" val="1872683396"/>
+        <p14:creationId xmlns:p14="http://schemas.microsoft.com/office/powerpoint/2010/main" val="643992851"/>
       </p:ext>
     </p:extLst>
   </p:cSld>
@@ -8181,12 +8291,37 @@
           <a:chExt cx="0" cy="0"/>
         </a:xfrm>
       </p:grpSpPr>
+      <p:sp>
+        <p:nvSpPr>
+          <p:cNvPr id="2" name="Title 1">
+            <a:extLst>
+              <a:ext uri="{FF2B5EF4-FFF2-40B4-BE49-F238E27FC236}">
+                <a16:creationId xmlns:a16="http://schemas.microsoft.com/office/drawing/2014/main" id="{DCD86764-00F4-6C9A-2130-D553A9C0F19A}"/>
+              </a:ext>
+            </a:extLst>
+          </p:cNvPr>
+          <p:cNvSpPr>
+            <a:spLocks noGrp="1"/>
+          </p:cNvSpPr>
+          <p:nvPr>
+            <p:ph type="title"/>
+          </p:nvPr>
+        </p:nvSpPr>
+        <p:spPr/>
+        <p:txBody>
+          <a:bodyPr/>
+          <a:lstStyle/>
+          <a:p>
+            <a:endParaRPr lang="en-GB"/>
+          </a:p>
+        </p:txBody>
+      </p:sp>
       <p:pic>
         <p:nvPicPr>
-          <p:cNvPr id="4" name="Picture 3">
-            <a:extLst>
-              <a:ext uri="{FF2B5EF4-FFF2-40B4-BE49-F238E27FC236}">
-                <a16:creationId xmlns:a16="http://schemas.microsoft.com/office/drawing/2014/main" id="{C620F762-982D-B558-D5F3-56E373D721E2}"/>
+          <p:cNvPr id="5" name="Picture 4">
+            <a:extLst>
+              <a:ext uri="{FF2B5EF4-FFF2-40B4-BE49-F238E27FC236}">
+                <a16:creationId xmlns:a16="http://schemas.microsoft.com/office/drawing/2014/main" id="{01F14550-5C09-F373-F95E-3C987FFBF0B3}"/>
               </a:ext>
             </a:extLst>
           </p:cNvPr>
@@ -8203,38 +8338,8 @@
         </p:blipFill>
         <p:spPr>
           <a:xfrm>
-            <a:off x="769961" y="746801"/>
-            <a:ext cx="6125430" cy="4667901"/>
-          </a:xfrm>
-          <a:prstGeom prst="rect">
-            <a:avLst/>
-          </a:prstGeom>
-        </p:spPr>
-      </p:pic>
-      <p:pic>
-        <p:nvPicPr>
-          <p:cNvPr id="7" name="Picture 6">
-            <a:extLst>
-              <a:ext uri="{FF2B5EF4-FFF2-40B4-BE49-F238E27FC236}">
-                <a16:creationId xmlns:a16="http://schemas.microsoft.com/office/drawing/2014/main" id="{96010772-6395-544A-4139-63C997FE9452}"/>
-              </a:ext>
-            </a:extLst>
-          </p:cNvPr>
-          <p:cNvPicPr>
-            <a:picLocks noChangeAspect="1"/>
-          </p:cNvPicPr>
-          <p:nvPr/>
-        </p:nvPicPr>
-        <p:blipFill>
-          <a:blip r:embed="rId3"/>
-          <a:stretch>
-            <a:fillRect/>
-          </a:stretch>
-        </p:blipFill>
-        <p:spPr>
-          <a:xfrm>
-            <a:off x="830447" y="5763488"/>
-            <a:ext cx="4143953" cy="695422"/>
+            <a:off x="2458156" y="2101572"/>
+            <a:ext cx="6064562" cy="4229317"/>
           </a:xfrm>
           <a:prstGeom prst="rect">
             <a:avLst/>
@@ -8244,7 +8349,7 @@
     </p:spTree>
     <p:extLst>
       <p:ext uri="{BB962C8B-B14F-4D97-AF65-F5344CB8AC3E}">
-        <p14:creationId xmlns:p14="http://schemas.microsoft.com/office/powerpoint/2010/main" val="643992851"/>
+        <p14:creationId xmlns:p14="http://schemas.microsoft.com/office/powerpoint/2010/main" val="703544363"/>
       </p:ext>
     </p:extLst>
   </p:cSld>
@@ -8298,10 +8403,10 @@
       </p:sp>
       <p:pic>
         <p:nvPicPr>
-          <p:cNvPr id="5" name="Picture 4">
-            <a:extLst>
-              <a:ext uri="{FF2B5EF4-FFF2-40B4-BE49-F238E27FC236}">
-                <a16:creationId xmlns:a16="http://schemas.microsoft.com/office/drawing/2014/main" id="{01F14550-5C09-F373-F95E-3C987FFBF0B3}"/>
+          <p:cNvPr id="6" name="Picture 5">
+            <a:extLst>
+              <a:ext uri="{FF2B5EF4-FFF2-40B4-BE49-F238E27FC236}">
+                <a16:creationId xmlns:a16="http://schemas.microsoft.com/office/drawing/2014/main" id="{47C005FD-6EF0-7A3C-6393-F6C7EBDD05A8}"/>
               </a:ext>
             </a:extLst>
           </p:cNvPr>
@@ -8318,8 +8423,8 @@
         </p:blipFill>
         <p:spPr>
           <a:xfrm>
-            <a:off x="2458156" y="2101572"/>
-            <a:ext cx="6064562" cy="4229317"/>
+            <a:off x="371181" y="958723"/>
+            <a:ext cx="11449638" cy="4940554"/>
           </a:xfrm>
           <a:prstGeom prst="rect">
             <a:avLst/>
@@ -8329,7 +8434,7 @@
     </p:spTree>
     <p:extLst>
       <p:ext uri="{BB962C8B-B14F-4D97-AF65-F5344CB8AC3E}">
-        <p14:creationId xmlns:p14="http://schemas.microsoft.com/office/powerpoint/2010/main" val="703544363"/>
+        <p14:creationId xmlns:p14="http://schemas.microsoft.com/office/powerpoint/2010/main" val="1148709734"/>
       </p:ext>
     </p:extLst>
   </p:cSld>
@@ -8361,7 +8466,7 @@
           <p:cNvPr id="2" name="Title 1">
             <a:extLst>
               <a:ext uri="{FF2B5EF4-FFF2-40B4-BE49-F238E27FC236}">
-                <a16:creationId xmlns:a16="http://schemas.microsoft.com/office/drawing/2014/main" id="{0C1FC5F5-5771-0A0D-EC7C-7CB1040693EE}"/>
+                <a16:creationId xmlns:a16="http://schemas.microsoft.com/office/drawing/2014/main" id="{DCD86764-00F4-6C9A-2130-D553A9C0F19A}"/>
               </a:ext>
             </a:extLst>
           </p:cNvPr>
@@ -8377,17 +8482,44 @@
           <a:bodyPr/>
           <a:lstStyle/>
           <a:p>
-            <a:r>
-              <a:rPr lang="en-GB" dirty="0"/>
-              <a:t>Azure CLI Part II</a:t>
-            </a:r>
-          </a:p>
-        </p:txBody>
-      </p:sp>
+            <a:endParaRPr lang="en-GB"/>
+          </a:p>
+        </p:txBody>
+      </p:sp>
+      <p:pic>
+        <p:nvPicPr>
+          <p:cNvPr id="4" name="Picture 3">
+            <a:extLst>
+              <a:ext uri="{FF2B5EF4-FFF2-40B4-BE49-F238E27FC236}">
+                <a16:creationId xmlns:a16="http://schemas.microsoft.com/office/drawing/2014/main" id="{1228FCC1-0C76-DB22-35FF-1D59981CB3E8}"/>
+              </a:ext>
+            </a:extLst>
+          </p:cNvPr>
+          <p:cNvPicPr>
+            <a:picLocks noChangeAspect="1"/>
+          </p:cNvPicPr>
+          <p:nvPr/>
+        </p:nvPicPr>
+        <p:blipFill>
+          <a:blip r:embed="rId2"/>
+          <a:stretch>
+            <a:fillRect/>
+          </a:stretch>
+        </p:blipFill>
+        <p:spPr>
+          <a:xfrm>
+            <a:off x="838200" y="2026892"/>
+            <a:ext cx="3968954" cy="2101958"/>
+          </a:xfrm>
+          <a:prstGeom prst="rect">
+            <a:avLst/>
+          </a:prstGeom>
+        </p:spPr>
+      </p:pic>
     </p:spTree>
     <p:extLst>
       <p:ext uri="{BB962C8B-B14F-4D97-AF65-F5344CB8AC3E}">
-        <p14:creationId xmlns:p14="http://schemas.microsoft.com/office/powerpoint/2010/main" val="2385523187"/>
+        <p14:creationId xmlns:p14="http://schemas.microsoft.com/office/powerpoint/2010/main" val="3458813072"/>
       </p:ext>
     </p:extLst>
   </p:cSld>
@@ -8437,7 +8569,7 @@
           <a:p>
             <a:r>
               <a:rPr lang="en-GB" dirty="0"/>
-              <a:t>Databricks</a:t>
+              <a:t>Databricks Demo</a:t>
             </a:r>
           </a:p>
         </p:txBody>
@@ -8664,77 +8796,6 @@
             <a:r>
               <a:rPr lang="en-GB" dirty="0"/>
               <a:t>Data engineering using your free credits</a:t>
-            </a:r>
-          </a:p>
-        </p:txBody>
-      </p:sp>
-      <p:pic>
-        <p:nvPicPr>
-          <p:cNvPr id="11" name="Graphic 10">
-            <a:extLst>
-              <a:ext uri="{FF2B5EF4-FFF2-40B4-BE49-F238E27FC236}">
-                <a16:creationId xmlns:a16="http://schemas.microsoft.com/office/drawing/2014/main" id="{B9C4B2FA-2944-D6F9-2824-EF5252AD5A7B}"/>
-              </a:ext>
-            </a:extLst>
-          </p:cNvPr>
-          <p:cNvPicPr>
-            <a:picLocks noChangeAspect="1"/>
-          </p:cNvPicPr>
-          <p:nvPr/>
-        </p:nvPicPr>
-        <p:blipFill>
-          <a:blip r:embed="rId3">
-            <a:extLst>
-              <a:ext uri="{96DAC541-7B7A-43D3-8B79-37D633B846F1}">
-                <asvg:svgBlip xmlns:asvg="http://schemas.microsoft.com/office/drawing/2016/SVG/main" r:embed="rId4"/>
-              </a:ext>
-            </a:extLst>
-          </a:blip>
-          <a:stretch>
-            <a:fillRect/>
-          </a:stretch>
-        </p:blipFill>
-        <p:spPr>
-          <a:xfrm>
-            <a:off x="602064" y="2881893"/>
-            <a:ext cx="1577795" cy="1624516"/>
-          </a:xfrm>
-          <a:prstGeom prst="rect">
-            <a:avLst/>
-          </a:prstGeom>
-        </p:spPr>
-      </p:pic>
-      <p:sp>
-        <p:nvSpPr>
-          <p:cNvPr id="19" name="TextBox 18">
-            <a:extLst>
-              <a:ext uri="{FF2B5EF4-FFF2-40B4-BE49-F238E27FC236}">
-                <a16:creationId xmlns:a16="http://schemas.microsoft.com/office/drawing/2014/main" id="{78EA7B7C-F71C-664F-1563-4C0E3FC5BF4E}"/>
-              </a:ext>
-            </a:extLst>
-          </p:cNvPr>
-          <p:cNvSpPr txBox="1"/>
-          <p:nvPr/>
-        </p:nvSpPr>
-        <p:spPr>
-          <a:xfrm>
-            <a:off x="666162" y="4506408"/>
-            <a:ext cx="1528413" cy="369332"/>
-          </a:xfrm>
-          <a:prstGeom prst="rect">
-            <a:avLst/>
-          </a:prstGeom>
-          <a:noFill/>
-        </p:spPr>
-        <p:txBody>
-          <a:bodyPr wrap="square" rtlCol="0">
-            <a:spAutoFit/>
-          </a:bodyPr>
-          <a:lstStyle/>
-          <a:p>
-            <a:r>
-              <a:rPr lang="en-GB" b="1" dirty="0"/>
-              <a:t>SQL Server</a:t>
             </a:r>
           </a:p>
         </p:txBody>
@@ -9482,7 +9543,7 @@
           <p:cNvPr id="2" name="Title 1">
             <a:extLst>
               <a:ext uri="{FF2B5EF4-FFF2-40B4-BE49-F238E27FC236}">
-                <a16:creationId xmlns:a16="http://schemas.microsoft.com/office/drawing/2014/main" id="{838AC0F5-5B6B-B939-FA3C-B663E317E445}"/>
+                <a16:creationId xmlns:a16="http://schemas.microsoft.com/office/drawing/2014/main" id="{2EBA1033-F7AF-622C-4672-4EA84A688521}"/>
               </a:ext>
             </a:extLst>
           </p:cNvPr>
@@ -9498,20 +9559,47 @@
           <a:bodyPr/>
           <a:lstStyle/>
           <a:p>
-            <a:br>
+            <a:r>
               <a:rPr lang="en-GB" dirty="0"/>
-            </a:br>
-            <a:r>
-              <a:rPr lang="en-GB" dirty="0"/>
-              <a:t>Azure CLI Demo</a:t>
-            </a:r>
-          </a:p>
-        </p:txBody>
-      </p:sp>
+              <a:t>Create Resource Group</a:t>
+            </a:r>
+          </a:p>
+        </p:txBody>
+      </p:sp>
+      <p:pic>
+        <p:nvPicPr>
+          <p:cNvPr id="7" name="Picture 6">
+            <a:extLst>
+              <a:ext uri="{FF2B5EF4-FFF2-40B4-BE49-F238E27FC236}">
+                <a16:creationId xmlns:a16="http://schemas.microsoft.com/office/drawing/2014/main" id="{85B78DA8-A440-E2DB-FCCE-25A29079FCE6}"/>
+              </a:ext>
+            </a:extLst>
+          </p:cNvPr>
+          <p:cNvPicPr>
+            <a:picLocks noChangeAspect="1"/>
+          </p:cNvPicPr>
+          <p:nvPr/>
+        </p:nvPicPr>
+        <p:blipFill>
+          <a:blip r:embed="rId2"/>
+          <a:stretch>
+            <a:fillRect/>
+          </a:stretch>
+        </p:blipFill>
+        <p:spPr>
+          <a:xfrm>
+            <a:off x="2352152" y="2338235"/>
+            <a:ext cx="7487695" cy="2181529"/>
+          </a:xfrm>
+          <a:prstGeom prst="rect">
+            <a:avLst/>
+          </a:prstGeom>
+        </p:spPr>
+      </p:pic>
     </p:spTree>
     <p:extLst>
       <p:ext uri="{BB962C8B-B14F-4D97-AF65-F5344CB8AC3E}">
-        <p14:creationId xmlns:p14="http://schemas.microsoft.com/office/powerpoint/2010/main" val="2027303339"/>
+        <p14:creationId xmlns:p14="http://schemas.microsoft.com/office/powerpoint/2010/main" val="1728335916"/>
       </p:ext>
     </p:extLst>
   </p:cSld>
@@ -9543,7 +9631,7 @@
           <p:cNvPr id="2" name="Title 1">
             <a:extLst>
               <a:ext uri="{FF2B5EF4-FFF2-40B4-BE49-F238E27FC236}">
-                <a16:creationId xmlns:a16="http://schemas.microsoft.com/office/drawing/2014/main" id="{71DE5ED6-49D5-43EE-E52E-844BFD80D4AE}"/>
+                <a16:creationId xmlns:a16="http://schemas.microsoft.com/office/drawing/2014/main" id="{81D27BCA-90CC-0536-CB39-B601329304AD}"/>
               </a:ext>
             </a:extLst>
           </p:cNvPr>
@@ -9561,73 +9649,45 @@
           <a:p>
             <a:r>
               <a:rPr lang="en-GB" dirty="0"/>
-              <a:t>Create storage account</a:t>
-            </a:r>
-          </a:p>
-        </p:txBody>
-      </p:sp>
-      <p:sp>
-        <p:nvSpPr>
-          <p:cNvPr id="3" name="Content Placeholder 2">
-            <a:extLst>
-              <a:ext uri="{FF2B5EF4-FFF2-40B4-BE49-F238E27FC236}">
-                <a16:creationId xmlns:a16="http://schemas.microsoft.com/office/drawing/2014/main" id="{0813FB62-FE46-CC92-2C0B-3D25E2B93615}"/>
-              </a:ext>
-            </a:extLst>
-          </p:cNvPr>
-          <p:cNvSpPr>
-            <a:spLocks noGrp="1"/>
-          </p:cNvSpPr>
-          <p:nvPr>
-            <p:ph idx="1"/>
-          </p:nvPr>
-        </p:nvSpPr>
-        <p:spPr/>
-        <p:txBody>
-          <a:bodyPr/>
-          <a:lstStyle/>
-          <a:p>
-            <a:r>
-              <a:rPr lang="en-GB" dirty="0"/>
-              <a:t>Create in same region as RG</a:t>
-            </a:r>
-          </a:p>
-          <a:p>
-            <a:r>
-              <a:rPr lang="en-GB" dirty="0"/>
-              <a:t>Primary service is ADLS Gen 2</a:t>
-            </a:r>
-          </a:p>
-          <a:p>
-            <a:r>
-              <a:rPr lang="en-GB" dirty="0"/>
-              <a:t>Primary workload Big Data Analytics</a:t>
-            </a:r>
-          </a:p>
-          <a:p>
-            <a:r>
-              <a:rPr lang="en-GB" dirty="0"/>
-              <a:t>Performance: Standard</a:t>
-            </a:r>
-          </a:p>
-          <a:p>
-            <a:r>
-              <a:rPr lang="en-GB" dirty="0"/>
-              <a:t>Redundancy: LRS</a:t>
-            </a:r>
-          </a:p>
-          <a:p>
-            <a:r>
-              <a:rPr lang="en-GB" dirty="0"/>
-              <a:t>Add container &gt; RAW directory</a:t>
-            </a:r>
-          </a:p>
-        </p:txBody>
-      </p:sp>
+              <a:t>Create Resource Group</a:t>
+            </a:r>
+          </a:p>
+        </p:txBody>
+      </p:sp>
+      <p:pic>
+        <p:nvPicPr>
+          <p:cNvPr id="5" name="Picture 4">
+            <a:extLst>
+              <a:ext uri="{FF2B5EF4-FFF2-40B4-BE49-F238E27FC236}">
+                <a16:creationId xmlns:a16="http://schemas.microsoft.com/office/drawing/2014/main" id="{44630B37-8205-0E86-3CC4-B0A7F6E06CDE}"/>
+              </a:ext>
+            </a:extLst>
+          </p:cNvPr>
+          <p:cNvPicPr>
+            <a:picLocks noChangeAspect="1"/>
+          </p:cNvPicPr>
+          <p:nvPr/>
+        </p:nvPicPr>
+        <p:blipFill>
+          <a:blip r:embed="rId2"/>
+          <a:stretch>
+            <a:fillRect/>
+          </a:stretch>
+        </p:blipFill>
+        <p:spPr>
+          <a:xfrm>
+            <a:off x="952016" y="2142457"/>
+            <a:ext cx="6935168" cy="3620005"/>
+          </a:xfrm>
+          <a:prstGeom prst="rect">
+            <a:avLst/>
+          </a:prstGeom>
+        </p:spPr>
+      </p:pic>
     </p:spTree>
     <p:extLst>
       <p:ext uri="{BB962C8B-B14F-4D97-AF65-F5344CB8AC3E}">
-        <p14:creationId xmlns:p14="http://schemas.microsoft.com/office/powerpoint/2010/main" val="2615107740"/>
+        <p14:creationId xmlns:p14="http://schemas.microsoft.com/office/powerpoint/2010/main" val="3651254359"/>
       </p:ext>
     </p:extLst>
   </p:cSld>
@@ -9654,12 +9714,40 @@
           <a:chExt cx="0" cy="0"/>
         </a:xfrm>
       </p:grpSpPr>
+      <p:sp>
+        <p:nvSpPr>
+          <p:cNvPr id="2" name="Title 1">
+            <a:extLst>
+              <a:ext uri="{FF2B5EF4-FFF2-40B4-BE49-F238E27FC236}">
+                <a16:creationId xmlns:a16="http://schemas.microsoft.com/office/drawing/2014/main" id="{1B00D034-D02B-7E67-2E92-CAB94BD8B068}"/>
+              </a:ext>
+            </a:extLst>
+          </p:cNvPr>
+          <p:cNvSpPr>
+            <a:spLocks noGrp="1"/>
+          </p:cNvSpPr>
+          <p:nvPr>
+            <p:ph type="title"/>
+          </p:nvPr>
+        </p:nvSpPr>
+        <p:spPr/>
+        <p:txBody>
+          <a:bodyPr/>
+          <a:lstStyle/>
+          <a:p>
+            <a:r>
+              <a:rPr lang="en-GB" dirty="0"/>
+              <a:t>Create Resource Group</a:t>
+            </a:r>
+          </a:p>
+        </p:txBody>
+      </p:sp>
       <p:pic>
         <p:nvPicPr>
-          <p:cNvPr id="7" name="Picture 6">
-            <a:extLst>
-              <a:ext uri="{FF2B5EF4-FFF2-40B4-BE49-F238E27FC236}">
-                <a16:creationId xmlns:a16="http://schemas.microsoft.com/office/drawing/2014/main" id="{F76B43E2-150F-DC80-8BA0-E8EF77942310}"/>
+          <p:cNvPr id="5" name="Picture 4">
+            <a:extLst>
+              <a:ext uri="{FF2B5EF4-FFF2-40B4-BE49-F238E27FC236}">
+                <a16:creationId xmlns:a16="http://schemas.microsoft.com/office/drawing/2014/main" id="{F9045B4F-C670-226B-D35C-8E0005E4A7EE}"/>
               </a:ext>
             </a:extLst>
           </p:cNvPr>
@@ -9676,92 +9764,8 @@
         </p:blipFill>
         <p:spPr>
           <a:xfrm>
-            <a:off x="804124" y="2390630"/>
-            <a:ext cx="10583752" cy="2076740"/>
-          </a:xfrm>
-          <a:prstGeom prst="rect">
-            <a:avLst/>
-          </a:prstGeom>
-        </p:spPr>
-      </p:pic>
-      <p:sp>
-        <p:nvSpPr>
-          <p:cNvPr id="10" name="Title 1">
-            <a:extLst>
-              <a:ext uri="{FF2B5EF4-FFF2-40B4-BE49-F238E27FC236}">
-                <a16:creationId xmlns:a16="http://schemas.microsoft.com/office/drawing/2014/main" id="{F76196A7-FDB1-76F9-0DAF-649BCDEE61A3}"/>
-              </a:ext>
-            </a:extLst>
-          </p:cNvPr>
-          <p:cNvSpPr txBox="1">
-            <a:spLocks/>
-          </p:cNvSpPr>
-          <p:nvPr/>
-        </p:nvSpPr>
-        <p:spPr>
-          <a:xfrm>
-            <a:off x="804124" y="822325"/>
-            <a:ext cx="10515600" cy="1325563"/>
-          </a:xfrm>
-          <a:prstGeom prst="rect">
-            <a:avLst/>
-          </a:prstGeom>
-        </p:spPr>
-        <p:txBody>
-          <a:bodyPr vert="horz" lIns="91440" tIns="45720" rIns="91440" bIns="45720" rtlCol="0" anchor="ctr">
-            <a:normAutofit/>
-          </a:bodyPr>
-          <a:lstStyle>
-            <a:lvl1pPr algn="l" defTabSz="914400" rtl="0" eaLnBrk="1" latinLnBrk="0" hangingPunct="1">
-              <a:lnSpc>
-                <a:spcPct val="90000"/>
-              </a:lnSpc>
-              <a:spcBef>
-                <a:spcPct val="0"/>
-              </a:spcBef>
-              <a:buNone/>
-              <a:defRPr sz="4400" kern="1200">
-                <a:solidFill>
-                  <a:schemeClr val="tx1"/>
-                </a:solidFill>
-                <a:latin typeface="+mj-lt"/>
-                <a:ea typeface="+mj-ea"/>
-                <a:cs typeface="+mj-cs"/>
-              </a:defRPr>
-            </a:lvl1pPr>
-          </a:lstStyle>
-          <a:p>
-            <a:r>
-              <a:rPr lang="en-GB" dirty="0"/>
-              <a:t>Create storage account</a:t>
-            </a:r>
-          </a:p>
-        </p:txBody>
-      </p:sp>
-      <p:pic>
-        <p:nvPicPr>
-          <p:cNvPr id="12" name="Picture 11">
-            <a:extLst>
-              <a:ext uri="{FF2B5EF4-FFF2-40B4-BE49-F238E27FC236}">
-                <a16:creationId xmlns:a16="http://schemas.microsoft.com/office/drawing/2014/main" id="{89545FC7-CFBB-FEB8-B2C2-A775C4B20B91}"/>
-              </a:ext>
-            </a:extLst>
-          </p:cNvPr>
-          <p:cNvPicPr>
-            <a:picLocks noChangeAspect="1"/>
-          </p:cNvPicPr>
-          <p:nvPr/>
-        </p:nvPicPr>
-        <p:blipFill>
-          <a:blip r:embed="rId3"/>
-          <a:stretch>
-            <a:fillRect/>
-          </a:stretch>
-        </p:blipFill>
-        <p:spPr>
-          <a:xfrm>
-            <a:off x="804124" y="4171874"/>
-            <a:ext cx="8202170" cy="1076475"/>
+            <a:off x="1030619" y="1448555"/>
+            <a:ext cx="7603172" cy="3872977"/>
           </a:xfrm>
           <a:prstGeom prst="rect">
             <a:avLst/>
@@ -9771,7 +9775,7 @@
     </p:spTree>
     <p:extLst>
       <p:ext uri="{BB962C8B-B14F-4D97-AF65-F5344CB8AC3E}">
-        <p14:creationId xmlns:p14="http://schemas.microsoft.com/office/powerpoint/2010/main" val="2122117740"/>
+        <p14:creationId xmlns:p14="http://schemas.microsoft.com/office/powerpoint/2010/main" val="2156354560"/>
       </p:ext>
     </p:extLst>
   </p:cSld>
@@ -9888,10 +9892,10 @@
       </p:sp>
       <p:pic>
         <p:nvPicPr>
-          <p:cNvPr id="5" name="Graphic 4">
-            <a:extLst>
-              <a:ext uri="{FF2B5EF4-FFF2-40B4-BE49-F238E27FC236}">
-                <a16:creationId xmlns:a16="http://schemas.microsoft.com/office/drawing/2014/main" id="{6109C887-88C2-EB14-3C23-4088C2464EFD}"/>
+          <p:cNvPr id="11" name="Graphic 10">
+            <a:extLst>
+              <a:ext uri="{FF2B5EF4-FFF2-40B4-BE49-F238E27FC236}">
+                <a16:creationId xmlns:a16="http://schemas.microsoft.com/office/drawing/2014/main" id="{B9C4B2FA-2944-D6F9-2824-EF5252AD5A7B}"/>
               </a:ext>
             </a:extLst>
           </p:cNvPr>
@@ -9913,132 +9917,15 @@
           </a:stretch>
         </p:blipFill>
         <p:spPr>
-          <a:xfrm flipH="1">
-            <a:off x="3601203" y="2884583"/>
-            <a:ext cx="1381530" cy="1624515"/>
+          <a:xfrm>
+            <a:off x="602064" y="2881893"/>
+            <a:ext cx="1577795" cy="1624516"/>
           </a:xfrm>
           <a:prstGeom prst="rect">
             <a:avLst/>
           </a:prstGeom>
         </p:spPr>
       </p:pic>
-      <p:pic>
-        <p:nvPicPr>
-          <p:cNvPr id="11" name="Graphic 10">
-            <a:extLst>
-              <a:ext uri="{FF2B5EF4-FFF2-40B4-BE49-F238E27FC236}">
-                <a16:creationId xmlns:a16="http://schemas.microsoft.com/office/drawing/2014/main" id="{B9C4B2FA-2944-D6F9-2824-EF5252AD5A7B}"/>
-              </a:ext>
-            </a:extLst>
-          </p:cNvPr>
-          <p:cNvPicPr>
-            <a:picLocks noChangeAspect="1"/>
-          </p:cNvPicPr>
-          <p:nvPr/>
-        </p:nvPicPr>
-        <p:blipFill>
-          <a:blip r:embed="rId5">
-            <a:extLst>
-              <a:ext uri="{96DAC541-7B7A-43D3-8B79-37D633B846F1}">
-                <asvg:svgBlip xmlns:asvg="http://schemas.microsoft.com/office/drawing/2016/SVG/main" r:embed="rId6"/>
-              </a:ext>
-            </a:extLst>
-          </a:blip>
-          <a:stretch>
-            <a:fillRect/>
-          </a:stretch>
-        </p:blipFill>
-        <p:spPr>
-          <a:xfrm>
-            <a:off x="602064" y="2881893"/>
-            <a:ext cx="1577795" cy="1624516"/>
-          </a:xfrm>
-          <a:prstGeom prst="rect">
-            <a:avLst/>
-          </a:prstGeom>
-        </p:spPr>
-      </p:pic>
-      <p:sp>
-        <p:nvSpPr>
-          <p:cNvPr id="14" name="Arrow: Right 13">
-            <a:extLst>
-              <a:ext uri="{FF2B5EF4-FFF2-40B4-BE49-F238E27FC236}">
-                <a16:creationId xmlns:a16="http://schemas.microsoft.com/office/drawing/2014/main" id="{685295DD-59F1-210A-1870-68C4DB0662F0}"/>
-              </a:ext>
-            </a:extLst>
-          </p:cNvPr>
-          <p:cNvSpPr/>
-          <p:nvPr/>
-        </p:nvSpPr>
-        <p:spPr>
-          <a:xfrm>
-            <a:off x="2393334" y="3574799"/>
-            <a:ext cx="914747" cy="401444"/>
-          </a:xfrm>
-          <a:prstGeom prst="rightArrow">
-            <a:avLst/>
-          </a:prstGeom>
-        </p:spPr>
-        <p:style>
-          <a:lnRef idx="2">
-            <a:schemeClr val="dk1">
-              <a:shade val="15000"/>
-            </a:schemeClr>
-          </a:lnRef>
-          <a:fillRef idx="1">
-            <a:schemeClr val="dk1"/>
-          </a:fillRef>
-          <a:effectRef idx="0">
-            <a:schemeClr val="dk1"/>
-          </a:effectRef>
-          <a:fontRef idx="minor">
-            <a:schemeClr val="lt1"/>
-          </a:fontRef>
-        </p:style>
-        <p:txBody>
-          <a:bodyPr rtlCol="0" anchor="ctr"/>
-          <a:lstStyle/>
-          <a:p>
-            <a:pPr algn="ctr"/>
-            <a:endParaRPr lang="en-GB"/>
-          </a:p>
-        </p:txBody>
-      </p:sp>
-      <p:sp>
-        <p:nvSpPr>
-          <p:cNvPr id="18" name="TextBox 17">
-            <a:extLst>
-              <a:ext uri="{FF2B5EF4-FFF2-40B4-BE49-F238E27FC236}">
-                <a16:creationId xmlns:a16="http://schemas.microsoft.com/office/drawing/2014/main" id="{201DD4AC-441B-6015-D3E2-379D9EE41BF3}"/>
-              </a:ext>
-            </a:extLst>
-          </p:cNvPr>
-          <p:cNvSpPr txBox="1"/>
-          <p:nvPr/>
-        </p:nvSpPr>
-        <p:spPr>
-          <a:xfrm>
-            <a:off x="3586487" y="4506408"/>
-            <a:ext cx="1528413" cy="369332"/>
-          </a:xfrm>
-          <a:prstGeom prst="rect">
-            <a:avLst/>
-          </a:prstGeom>
-          <a:noFill/>
-        </p:spPr>
-        <p:txBody>
-          <a:bodyPr wrap="square" rtlCol="0">
-            <a:spAutoFit/>
-          </a:bodyPr>
-          <a:lstStyle/>
-          <a:p>
-            <a:r>
-              <a:rPr lang="en-GB" b="1" dirty="0"/>
-              <a:t>Data Factory</a:t>
-            </a:r>
-          </a:p>
-        </p:txBody>
-      </p:sp>
       <p:sp>
         <p:nvSpPr>
           <p:cNvPr id="19" name="TextBox 18">
@@ -10117,7 +10004,7 @@
     </p:spTree>
     <p:extLst>
       <p:ext uri="{BB962C8B-B14F-4D97-AF65-F5344CB8AC3E}">
-        <p14:creationId xmlns:p14="http://schemas.microsoft.com/office/powerpoint/2010/main" val="881930865"/>
+        <p14:creationId xmlns:p14="http://schemas.microsoft.com/office/powerpoint/2010/main" val="1909254250"/>
       </p:ext>
     </p:extLst>
   </p:cSld>
@@ -10149,7 +10036,7 @@
           <p:cNvPr id="2" name="Title 1">
             <a:extLst>
               <a:ext uri="{FF2B5EF4-FFF2-40B4-BE49-F238E27FC236}">
-                <a16:creationId xmlns:a16="http://schemas.microsoft.com/office/drawing/2014/main" id="{3C83975B-EF01-7C43-08F4-D4643AE62A88}"/>
+                <a16:creationId xmlns:a16="http://schemas.microsoft.com/office/drawing/2014/main" id="{838AC0F5-5B6B-B939-FA3C-B663E317E445}"/>
               </a:ext>
             </a:extLst>
           </p:cNvPr>
@@ -10165,44 +10052,20 @@
           <a:bodyPr/>
           <a:lstStyle/>
           <a:p>
-            <a:endParaRPr lang="en-GB" dirty="0"/>
-          </a:p>
-        </p:txBody>
-      </p:sp>
-      <p:pic>
-        <p:nvPicPr>
-          <p:cNvPr id="5" name="Picture 4">
-            <a:extLst>
-              <a:ext uri="{FF2B5EF4-FFF2-40B4-BE49-F238E27FC236}">
-                <a16:creationId xmlns:a16="http://schemas.microsoft.com/office/drawing/2014/main" id="{629AFA2E-500C-8F35-6317-A5C59279B742}"/>
-              </a:ext>
-            </a:extLst>
-          </p:cNvPr>
-          <p:cNvPicPr>
-            <a:picLocks noChangeAspect="1"/>
-          </p:cNvPicPr>
-          <p:nvPr/>
-        </p:nvPicPr>
-        <p:blipFill>
-          <a:blip r:embed="rId2"/>
-          <a:stretch>
-            <a:fillRect/>
-          </a:stretch>
-        </p:blipFill>
-        <p:spPr>
-          <a:xfrm>
-            <a:off x="838200" y="1961321"/>
-            <a:ext cx="6801390" cy="2702439"/>
-          </a:xfrm>
-          <a:prstGeom prst="rect">
-            <a:avLst/>
-          </a:prstGeom>
-        </p:spPr>
-      </p:pic>
+            <a:br>
+              <a:rPr lang="en-GB" dirty="0"/>
+            </a:br>
+            <a:r>
+              <a:rPr lang="en-GB" dirty="0"/>
+              <a:t>Azure CLI Demo</a:t>
+            </a:r>
+          </a:p>
+        </p:txBody>
+      </p:sp>
     </p:spTree>
     <p:extLst>
       <p:ext uri="{BB962C8B-B14F-4D97-AF65-F5344CB8AC3E}">
-        <p14:creationId xmlns:p14="http://schemas.microsoft.com/office/powerpoint/2010/main" val="448850995"/>
+        <p14:creationId xmlns:p14="http://schemas.microsoft.com/office/powerpoint/2010/main" val="2027303339"/>
       </p:ext>
     </p:extLst>
   </p:cSld>
@@ -10234,7 +10097,7 @@
           <p:cNvPr id="2" name="Title 1">
             <a:extLst>
               <a:ext uri="{FF2B5EF4-FFF2-40B4-BE49-F238E27FC236}">
-                <a16:creationId xmlns:a16="http://schemas.microsoft.com/office/drawing/2014/main" id="{C3969D66-3483-9BE2-7840-401EA06DCA64}"/>
+                <a16:creationId xmlns:a16="http://schemas.microsoft.com/office/drawing/2014/main" id="{71DE5ED6-49D5-43EE-E52E-844BFD80D4AE}"/>
               </a:ext>
             </a:extLst>
           </p:cNvPr>
@@ -10250,44 +10113,75 @@
           <a:bodyPr/>
           <a:lstStyle/>
           <a:p>
-            <a:endParaRPr lang="en-GB"/>
-          </a:p>
-        </p:txBody>
-      </p:sp>
-      <p:pic>
-        <p:nvPicPr>
-          <p:cNvPr id="5" name="Picture 4">
-            <a:extLst>
-              <a:ext uri="{FF2B5EF4-FFF2-40B4-BE49-F238E27FC236}">
-                <a16:creationId xmlns:a16="http://schemas.microsoft.com/office/drawing/2014/main" id="{2A36F57A-EBEF-472A-C1FC-9EA3E640B70A}"/>
-              </a:ext>
-            </a:extLst>
-          </p:cNvPr>
-          <p:cNvPicPr>
-            <a:picLocks noChangeAspect="1"/>
-          </p:cNvPicPr>
-          <p:nvPr/>
-        </p:nvPicPr>
-        <p:blipFill>
-          <a:blip r:embed="rId3"/>
-          <a:stretch>
-            <a:fillRect/>
-          </a:stretch>
-        </p:blipFill>
-        <p:spPr>
-          <a:xfrm>
-            <a:off x="838200" y="2042237"/>
-            <a:ext cx="2959252" cy="3187864"/>
-          </a:xfrm>
-          <a:prstGeom prst="rect">
-            <a:avLst/>
-          </a:prstGeom>
-        </p:spPr>
-      </p:pic>
+            <a:r>
+              <a:rPr lang="en-GB" dirty="0"/>
+              <a:t>Create storage account</a:t>
+            </a:r>
+          </a:p>
+        </p:txBody>
+      </p:sp>
+      <p:sp>
+        <p:nvSpPr>
+          <p:cNvPr id="3" name="Content Placeholder 2">
+            <a:extLst>
+              <a:ext uri="{FF2B5EF4-FFF2-40B4-BE49-F238E27FC236}">
+                <a16:creationId xmlns:a16="http://schemas.microsoft.com/office/drawing/2014/main" id="{0813FB62-FE46-CC92-2C0B-3D25E2B93615}"/>
+              </a:ext>
+            </a:extLst>
+          </p:cNvPr>
+          <p:cNvSpPr>
+            <a:spLocks noGrp="1"/>
+          </p:cNvSpPr>
+          <p:nvPr>
+            <p:ph idx="1"/>
+          </p:nvPr>
+        </p:nvSpPr>
+        <p:spPr/>
+        <p:txBody>
+          <a:bodyPr/>
+          <a:lstStyle/>
+          <a:p>
+            <a:r>
+              <a:rPr lang="en-GB" dirty="0"/>
+              <a:t>Create in same region as RG</a:t>
+            </a:r>
+          </a:p>
+          <a:p>
+            <a:r>
+              <a:rPr lang="en-GB" dirty="0"/>
+              <a:t>Primary service is ADLS Gen 2</a:t>
+            </a:r>
+          </a:p>
+          <a:p>
+            <a:r>
+              <a:rPr lang="en-GB" dirty="0"/>
+              <a:t>Primary workload Big Data Analytics</a:t>
+            </a:r>
+          </a:p>
+          <a:p>
+            <a:r>
+              <a:rPr lang="en-GB" dirty="0"/>
+              <a:t>Performance: Standard</a:t>
+            </a:r>
+          </a:p>
+          <a:p>
+            <a:r>
+              <a:rPr lang="en-GB" dirty="0"/>
+              <a:t>Redundancy: LRS</a:t>
+            </a:r>
+          </a:p>
+          <a:p>
+            <a:r>
+              <a:rPr lang="en-GB" dirty="0"/>
+              <a:t>Add container &gt; RAW directory</a:t>
+            </a:r>
+          </a:p>
+        </p:txBody>
+      </p:sp>
     </p:spTree>
     <p:extLst>
       <p:ext uri="{BB962C8B-B14F-4D97-AF65-F5344CB8AC3E}">
-        <p14:creationId xmlns:p14="http://schemas.microsoft.com/office/powerpoint/2010/main" val="2682671986"/>
+        <p14:creationId xmlns:p14="http://schemas.microsoft.com/office/powerpoint/2010/main" val="2615107740"/>
       </p:ext>
     </p:extLst>
   </p:cSld>
@@ -10314,68 +10208,12 @@
           <a:chExt cx="0" cy="0"/>
         </a:xfrm>
       </p:grpSpPr>
-      <p:sp>
-        <p:nvSpPr>
-          <p:cNvPr id="2" name="Title 1">
-            <a:extLst>
-              <a:ext uri="{FF2B5EF4-FFF2-40B4-BE49-F238E27FC236}">
-                <a16:creationId xmlns:a16="http://schemas.microsoft.com/office/drawing/2014/main" id="{D7CAE69D-6CF6-31EC-8A49-0AA2ECC861D8}"/>
-              </a:ext>
-            </a:extLst>
-          </p:cNvPr>
-          <p:cNvSpPr>
-            <a:spLocks noGrp="1"/>
-          </p:cNvSpPr>
-          <p:nvPr>
-            <p:ph type="title"/>
-          </p:nvPr>
-        </p:nvSpPr>
-        <p:spPr/>
-        <p:txBody>
-          <a:bodyPr/>
-          <a:lstStyle/>
-          <a:p>
-            <a:r>
-              <a:rPr lang="en-GB" dirty="0"/>
-              <a:t>Create Azure Data Factory</a:t>
-            </a:r>
-          </a:p>
-        </p:txBody>
-      </p:sp>
-      <p:sp>
-        <p:nvSpPr>
-          <p:cNvPr id="3" name="Content Placeholder 2">
-            <a:extLst>
-              <a:ext uri="{FF2B5EF4-FFF2-40B4-BE49-F238E27FC236}">
-                <a16:creationId xmlns:a16="http://schemas.microsoft.com/office/drawing/2014/main" id="{13AEF5C3-2254-AC57-977E-759A7B556F1B}"/>
-              </a:ext>
-            </a:extLst>
-          </p:cNvPr>
-          <p:cNvSpPr>
-            <a:spLocks noGrp="1"/>
-          </p:cNvSpPr>
-          <p:nvPr>
-            <p:ph idx="1"/>
-          </p:nvPr>
-        </p:nvSpPr>
-        <p:spPr/>
-        <p:txBody>
-          <a:bodyPr/>
-          <a:lstStyle/>
-          <a:p>
-            <a:r>
-              <a:rPr lang="en-GB" dirty="0"/>
-              <a:t>Create in same region as RG</a:t>
-            </a:r>
-          </a:p>
-        </p:txBody>
-      </p:sp>
       <p:pic>
         <p:nvPicPr>
-          <p:cNvPr id="5" name="Picture 4">
-            <a:extLst>
-              <a:ext uri="{FF2B5EF4-FFF2-40B4-BE49-F238E27FC236}">
-                <a16:creationId xmlns:a16="http://schemas.microsoft.com/office/drawing/2014/main" id="{5B4FE1FE-4962-1974-21AC-63462D0D2ECA}"/>
+          <p:cNvPr id="7" name="Picture 6">
+            <a:extLst>
+              <a:ext uri="{FF2B5EF4-FFF2-40B4-BE49-F238E27FC236}">
+                <a16:creationId xmlns:a16="http://schemas.microsoft.com/office/drawing/2014/main" id="{F76B43E2-150F-DC80-8BA0-E8EF77942310}"/>
               </a:ext>
             </a:extLst>
           </p:cNvPr>
@@ -10392,8 +10230,92 @@
         </p:blipFill>
         <p:spPr>
           <a:xfrm>
-            <a:off x="1780573" y="3105105"/>
-            <a:ext cx="8630854" cy="647790"/>
+            <a:off x="804124" y="2390630"/>
+            <a:ext cx="10583752" cy="2076740"/>
+          </a:xfrm>
+          <a:prstGeom prst="rect">
+            <a:avLst/>
+          </a:prstGeom>
+        </p:spPr>
+      </p:pic>
+      <p:sp>
+        <p:nvSpPr>
+          <p:cNvPr id="10" name="Title 1">
+            <a:extLst>
+              <a:ext uri="{FF2B5EF4-FFF2-40B4-BE49-F238E27FC236}">
+                <a16:creationId xmlns:a16="http://schemas.microsoft.com/office/drawing/2014/main" id="{F76196A7-FDB1-76F9-0DAF-649BCDEE61A3}"/>
+              </a:ext>
+            </a:extLst>
+          </p:cNvPr>
+          <p:cNvSpPr txBox="1">
+            <a:spLocks/>
+          </p:cNvSpPr>
+          <p:nvPr/>
+        </p:nvSpPr>
+        <p:spPr>
+          <a:xfrm>
+            <a:off x="804124" y="822325"/>
+            <a:ext cx="10515600" cy="1325563"/>
+          </a:xfrm>
+          <a:prstGeom prst="rect">
+            <a:avLst/>
+          </a:prstGeom>
+        </p:spPr>
+        <p:txBody>
+          <a:bodyPr vert="horz" lIns="91440" tIns="45720" rIns="91440" bIns="45720" rtlCol="0" anchor="ctr">
+            <a:normAutofit/>
+          </a:bodyPr>
+          <a:lstStyle>
+            <a:lvl1pPr algn="l" defTabSz="914400" rtl="0" eaLnBrk="1" latinLnBrk="0" hangingPunct="1">
+              <a:lnSpc>
+                <a:spcPct val="90000"/>
+              </a:lnSpc>
+              <a:spcBef>
+                <a:spcPct val="0"/>
+              </a:spcBef>
+              <a:buNone/>
+              <a:defRPr sz="4400" kern="1200">
+                <a:solidFill>
+                  <a:schemeClr val="tx1"/>
+                </a:solidFill>
+                <a:latin typeface="+mj-lt"/>
+                <a:ea typeface="+mj-ea"/>
+                <a:cs typeface="+mj-cs"/>
+              </a:defRPr>
+            </a:lvl1pPr>
+          </a:lstStyle>
+          <a:p>
+            <a:r>
+              <a:rPr lang="en-GB" dirty="0"/>
+              <a:t>Create storage account</a:t>
+            </a:r>
+          </a:p>
+        </p:txBody>
+      </p:sp>
+      <p:pic>
+        <p:nvPicPr>
+          <p:cNvPr id="12" name="Picture 11">
+            <a:extLst>
+              <a:ext uri="{FF2B5EF4-FFF2-40B4-BE49-F238E27FC236}">
+                <a16:creationId xmlns:a16="http://schemas.microsoft.com/office/drawing/2014/main" id="{89545FC7-CFBB-FEB8-B2C2-A775C4B20B91}"/>
+              </a:ext>
+            </a:extLst>
+          </p:cNvPr>
+          <p:cNvPicPr>
+            <a:picLocks noChangeAspect="1"/>
+          </p:cNvPicPr>
+          <p:nvPr/>
+        </p:nvPicPr>
+        <p:blipFill>
+          <a:blip r:embed="rId3"/>
+          <a:stretch>
+            <a:fillRect/>
+          </a:stretch>
+        </p:blipFill>
+        <p:spPr>
+          <a:xfrm>
+            <a:off x="804124" y="4171874"/>
+            <a:ext cx="8202170" cy="1076475"/>
           </a:xfrm>
           <a:prstGeom prst="rect">
             <a:avLst/>
@@ -10403,7 +10325,7 @@
     </p:spTree>
     <p:extLst>
       <p:ext uri="{BB962C8B-B14F-4D97-AF65-F5344CB8AC3E}">
-        <p14:creationId xmlns:p14="http://schemas.microsoft.com/office/powerpoint/2010/main" val="247652491"/>
+        <p14:creationId xmlns:p14="http://schemas.microsoft.com/office/powerpoint/2010/main" val="2122117740"/>
       </p:ext>
     </p:extLst>
   </p:cSld>
@@ -10435,7 +10357,7 @@
           <p:cNvPr id="2" name="Title 1">
             <a:extLst>
               <a:ext uri="{FF2B5EF4-FFF2-40B4-BE49-F238E27FC236}">
-                <a16:creationId xmlns:a16="http://schemas.microsoft.com/office/drawing/2014/main" id="{E54C7220-D4E8-C4CE-9F41-17CBBA3E9D1F}"/>
+                <a16:creationId xmlns:a16="http://schemas.microsoft.com/office/drawing/2014/main" id="{3C83975B-EF01-7C43-08F4-D4643AE62A88}"/>
               </a:ext>
             </a:extLst>
           </p:cNvPr>
@@ -10451,7 +10373,7 @@
           <a:bodyPr/>
           <a:lstStyle/>
           <a:p>
-            <a:endParaRPr lang="en-GB"/>
+            <a:endParaRPr lang="en-GB" dirty="0"/>
           </a:p>
         </p:txBody>
       </p:sp>
@@ -10460,7 +10382,7 @@
           <p:cNvPr id="5" name="Picture 4">
             <a:extLst>
               <a:ext uri="{FF2B5EF4-FFF2-40B4-BE49-F238E27FC236}">
-                <a16:creationId xmlns:a16="http://schemas.microsoft.com/office/drawing/2014/main" id="{1DE6EA73-5C07-A441-9C79-2FAF0206876C}"/>
+                <a16:creationId xmlns:a16="http://schemas.microsoft.com/office/drawing/2014/main" id="{629AFA2E-500C-8F35-6317-A5C59279B742}"/>
               </a:ext>
             </a:extLst>
           </p:cNvPr>
@@ -10477,68 +10399,8 @@
         </p:blipFill>
         <p:spPr>
           <a:xfrm>
-            <a:off x="2197359" y="1549342"/>
-            <a:ext cx="7550538" cy="2235315"/>
-          </a:xfrm>
-          <a:prstGeom prst="rect">
-            <a:avLst/>
-          </a:prstGeom>
-        </p:spPr>
-      </p:pic>
-      <p:pic>
-        <p:nvPicPr>
-          <p:cNvPr id="7" name="Picture 6">
-            <a:extLst>
-              <a:ext uri="{FF2B5EF4-FFF2-40B4-BE49-F238E27FC236}">
-                <a16:creationId xmlns:a16="http://schemas.microsoft.com/office/drawing/2014/main" id="{357DCD06-D3F9-B3E6-6147-8B555688ED76}"/>
-              </a:ext>
-            </a:extLst>
-          </p:cNvPr>
-          <p:cNvPicPr>
-            <a:picLocks noChangeAspect="1"/>
-          </p:cNvPicPr>
-          <p:nvPr/>
-        </p:nvPicPr>
-        <p:blipFill>
-          <a:blip r:embed="rId3"/>
-          <a:stretch>
-            <a:fillRect/>
-          </a:stretch>
-        </p:blipFill>
-        <p:spPr>
-          <a:xfrm>
-            <a:off x="2197359" y="4302102"/>
-            <a:ext cx="2921150" cy="895396"/>
-          </a:xfrm>
-          <a:prstGeom prst="rect">
-            <a:avLst/>
-          </a:prstGeom>
-        </p:spPr>
-      </p:pic>
-      <p:pic>
-        <p:nvPicPr>
-          <p:cNvPr id="9" name="Picture 8">
-            <a:extLst>
-              <a:ext uri="{FF2B5EF4-FFF2-40B4-BE49-F238E27FC236}">
-                <a16:creationId xmlns:a16="http://schemas.microsoft.com/office/drawing/2014/main" id="{C0E1A8B2-FE52-27DA-F7DB-CAD822372C31}"/>
-              </a:ext>
-            </a:extLst>
-          </p:cNvPr>
-          <p:cNvPicPr>
-            <a:picLocks noChangeAspect="1"/>
-          </p:cNvPicPr>
-          <p:nvPr/>
-        </p:nvPicPr>
-        <p:blipFill>
-          <a:blip r:embed="rId4"/>
-          <a:stretch>
-            <a:fillRect/>
-          </a:stretch>
-        </p:blipFill>
-        <p:spPr>
-          <a:xfrm>
-            <a:off x="2197359" y="5714943"/>
-            <a:ext cx="2254366" cy="806491"/>
+            <a:off x="838200" y="1961321"/>
+            <a:ext cx="6801390" cy="2702439"/>
           </a:xfrm>
           <a:prstGeom prst="rect">
             <a:avLst/>
@@ -10548,7 +10410,7 @@
     </p:spTree>
     <p:extLst>
       <p:ext uri="{BB962C8B-B14F-4D97-AF65-F5344CB8AC3E}">
-        <p14:creationId xmlns:p14="http://schemas.microsoft.com/office/powerpoint/2010/main" val="2308371639"/>
+        <p14:creationId xmlns:p14="http://schemas.microsoft.com/office/powerpoint/2010/main" val="448850995"/>
       </p:ext>
     </p:extLst>
   </p:cSld>
@@ -10580,7 +10442,7 @@
           <p:cNvPr id="2" name="Title 1">
             <a:extLst>
               <a:ext uri="{FF2B5EF4-FFF2-40B4-BE49-F238E27FC236}">
-                <a16:creationId xmlns:a16="http://schemas.microsoft.com/office/drawing/2014/main" id="{17E4CBBF-6487-8E96-192F-A817DFB10918}"/>
+                <a16:creationId xmlns:a16="http://schemas.microsoft.com/office/drawing/2014/main" id="{C3969D66-3483-9BE2-7840-401EA06DCA64}"/>
               </a:ext>
             </a:extLst>
           </p:cNvPr>
@@ -10596,69 +10458,44 @@
           <a:bodyPr/>
           <a:lstStyle/>
           <a:p>
-            <a:r>
-              <a:rPr lang="en-GB" dirty="0"/>
-              <a:t>Data &amp; Databases</a:t>
-            </a:r>
-          </a:p>
-        </p:txBody>
-      </p:sp>
-      <p:sp>
-        <p:nvSpPr>
-          <p:cNvPr id="3" name="Content Placeholder 2">
-            <a:extLst>
-              <a:ext uri="{FF2B5EF4-FFF2-40B4-BE49-F238E27FC236}">
-                <a16:creationId xmlns:a16="http://schemas.microsoft.com/office/drawing/2014/main" id="{4EA3B715-9AC1-E540-E1D0-85781B1B6F2D}"/>
-              </a:ext>
-            </a:extLst>
-          </p:cNvPr>
-          <p:cNvSpPr>
-            <a:spLocks noGrp="1"/>
-          </p:cNvSpPr>
-          <p:nvPr>
-            <p:ph idx="1"/>
-          </p:nvPr>
-        </p:nvSpPr>
-        <p:spPr/>
-        <p:txBody>
-          <a:bodyPr/>
-          <a:lstStyle/>
-          <a:p>
-            <a:r>
-              <a:rPr lang="en-GB" dirty="0"/>
-              <a:t>Concepts to Learn: Data types, databases (SQL and NoSQL), data structures.</a:t>
-            </a:r>
-          </a:p>
-          <a:p>
-            <a:endParaRPr lang="en-GB" dirty="0"/>
-          </a:p>
-          <a:p>
-            <a:r>
-              <a:rPr lang="en-GB" dirty="0"/>
-              <a:t>Tools/Resources:</a:t>
-            </a:r>
-          </a:p>
-          <a:p>
-            <a:r>
-              <a:rPr lang="en-GB" dirty="0"/>
-              <a:t>Azure SQL Database - free tier available</a:t>
-            </a:r>
-          </a:p>
-          <a:p>
-            <a:r>
-              <a:rPr lang="en-GB" dirty="0"/>
-              <a:t>Cosmos DB: Explore NoSQL databases with a limited free tier on Azure.</a:t>
-            </a:r>
-          </a:p>
-          <a:p>
-            <a:endParaRPr lang="en-GB" dirty="0"/>
-          </a:p>
-        </p:txBody>
-      </p:sp>
+            <a:endParaRPr lang="en-GB"/>
+          </a:p>
+        </p:txBody>
+      </p:sp>
+      <p:pic>
+        <p:nvPicPr>
+          <p:cNvPr id="5" name="Picture 4">
+            <a:extLst>
+              <a:ext uri="{FF2B5EF4-FFF2-40B4-BE49-F238E27FC236}">
+                <a16:creationId xmlns:a16="http://schemas.microsoft.com/office/drawing/2014/main" id="{2A36F57A-EBEF-472A-C1FC-9EA3E640B70A}"/>
+              </a:ext>
+            </a:extLst>
+          </p:cNvPr>
+          <p:cNvPicPr>
+            <a:picLocks noChangeAspect="1"/>
+          </p:cNvPicPr>
+          <p:nvPr/>
+        </p:nvPicPr>
+        <p:blipFill>
+          <a:blip r:embed="rId3"/>
+          <a:stretch>
+            <a:fillRect/>
+          </a:stretch>
+        </p:blipFill>
+        <p:spPr>
+          <a:xfrm>
+            <a:off x="838200" y="2042237"/>
+            <a:ext cx="2959252" cy="3187864"/>
+          </a:xfrm>
+          <a:prstGeom prst="rect">
+            <a:avLst/>
+          </a:prstGeom>
+        </p:spPr>
+      </p:pic>
     </p:spTree>
     <p:extLst>
       <p:ext uri="{BB962C8B-B14F-4D97-AF65-F5344CB8AC3E}">
-        <p14:creationId xmlns:p14="http://schemas.microsoft.com/office/powerpoint/2010/main" val="4098208133"/>
+        <p14:creationId xmlns:p14="http://schemas.microsoft.com/office/powerpoint/2010/main" val="2682671986"/>
       </p:ext>
     </p:extLst>
   </p:cSld>
@@ -10690,7 +10527,7 @@
           <p:cNvPr id="2" name="Title 1">
             <a:extLst>
               <a:ext uri="{FF2B5EF4-FFF2-40B4-BE49-F238E27FC236}">
-                <a16:creationId xmlns:a16="http://schemas.microsoft.com/office/drawing/2014/main" id="{12485F72-3D84-4EED-32F6-699CF9A5F075}"/>
+                <a16:creationId xmlns:a16="http://schemas.microsoft.com/office/drawing/2014/main" id="{D7CAE69D-6CF6-31EC-8A49-0AA2ECC861D8}"/>
               </a:ext>
             </a:extLst>
           </p:cNvPr>
@@ -10706,7 +10543,38 @@
           <a:bodyPr/>
           <a:lstStyle/>
           <a:p>
-            <a:endParaRPr lang="en-GB"/>
+            <a:r>
+              <a:rPr lang="en-GB" dirty="0"/>
+              <a:t>Create Azure Data Factory</a:t>
+            </a:r>
+          </a:p>
+        </p:txBody>
+      </p:sp>
+      <p:sp>
+        <p:nvSpPr>
+          <p:cNvPr id="3" name="Content Placeholder 2">
+            <a:extLst>
+              <a:ext uri="{FF2B5EF4-FFF2-40B4-BE49-F238E27FC236}">
+                <a16:creationId xmlns:a16="http://schemas.microsoft.com/office/drawing/2014/main" id="{13AEF5C3-2254-AC57-977E-759A7B556F1B}"/>
+              </a:ext>
+            </a:extLst>
+          </p:cNvPr>
+          <p:cNvSpPr>
+            <a:spLocks noGrp="1"/>
+          </p:cNvSpPr>
+          <p:nvPr>
+            <p:ph idx="1"/>
+          </p:nvPr>
+        </p:nvSpPr>
+        <p:spPr/>
+        <p:txBody>
+          <a:bodyPr/>
+          <a:lstStyle/>
+          <a:p>
+            <a:r>
+              <a:rPr lang="en-GB" dirty="0"/>
+              <a:t>Create in same region as RG</a:t>
+            </a:r>
           </a:p>
         </p:txBody>
       </p:sp>
@@ -10715,7 +10583,7 @@
           <p:cNvPr id="5" name="Picture 4">
             <a:extLst>
               <a:ext uri="{FF2B5EF4-FFF2-40B4-BE49-F238E27FC236}">
-                <a16:creationId xmlns:a16="http://schemas.microsoft.com/office/drawing/2014/main" id="{646C3EE8-194C-9110-9B67-951A4E19A958}"/>
+                <a16:creationId xmlns:a16="http://schemas.microsoft.com/office/drawing/2014/main" id="{5B4FE1FE-4962-1974-21AC-63462D0D2ECA}"/>
               </a:ext>
             </a:extLst>
           </p:cNvPr>
@@ -10732,70 +10600,18 @@
         </p:blipFill>
         <p:spPr>
           <a:xfrm>
-            <a:off x="838200" y="1906776"/>
-            <a:ext cx="9935962" cy="4210638"/>
+            <a:off x="1780573" y="3105105"/>
+            <a:ext cx="8630854" cy="647790"/>
           </a:xfrm>
           <a:prstGeom prst="rect">
             <a:avLst/>
           </a:prstGeom>
         </p:spPr>
       </p:pic>
-      <p:sp>
-        <p:nvSpPr>
-          <p:cNvPr id="7" name="Rectangle: Rounded Corners 6">
-            <a:extLst>
-              <a:ext uri="{FF2B5EF4-FFF2-40B4-BE49-F238E27FC236}">
-                <a16:creationId xmlns:a16="http://schemas.microsoft.com/office/drawing/2014/main" id="{D4469F5D-E711-E066-D4B2-4EDA12D27FF8}"/>
-              </a:ext>
-            </a:extLst>
-          </p:cNvPr>
-          <p:cNvSpPr/>
-          <p:nvPr/>
-        </p:nvSpPr>
-        <p:spPr>
-          <a:xfrm>
-            <a:off x="838200" y="3790950"/>
-            <a:ext cx="6851650" cy="1111250"/>
-          </a:xfrm>
-          <a:prstGeom prst="roundRect">
-            <a:avLst/>
-          </a:prstGeom>
-          <a:noFill/>
-          <a:ln>
-            <a:solidFill>
-              <a:srgbClr val="FF0000"/>
-            </a:solidFill>
-          </a:ln>
-        </p:spPr>
-        <p:style>
-          <a:lnRef idx="2">
-            <a:schemeClr val="accent1">
-              <a:shade val="15000"/>
-            </a:schemeClr>
-          </a:lnRef>
-          <a:fillRef idx="1">
-            <a:schemeClr val="accent1"/>
-          </a:fillRef>
-          <a:effectRef idx="0">
-            <a:schemeClr val="accent1"/>
-          </a:effectRef>
-          <a:fontRef idx="minor">
-            <a:schemeClr val="lt1"/>
-          </a:fontRef>
-        </p:style>
-        <p:txBody>
-          <a:bodyPr rtlCol="0" anchor="ctr"/>
-          <a:lstStyle/>
-          <a:p>
-            <a:pPr algn="ctr"/>
-            <a:endParaRPr lang="en-GB"/>
-          </a:p>
-        </p:txBody>
-      </p:sp>
     </p:spTree>
     <p:extLst>
       <p:ext uri="{BB962C8B-B14F-4D97-AF65-F5344CB8AC3E}">
-        <p14:creationId xmlns:p14="http://schemas.microsoft.com/office/powerpoint/2010/main" val="2157642099"/>
+        <p14:creationId xmlns:p14="http://schemas.microsoft.com/office/powerpoint/2010/main" val="247652491"/>
       </p:ext>
     </p:extLst>
   </p:cSld>
@@ -10827,7 +10643,7 @@
           <p:cNvPr id="2" name="Title 1">
             <a:extLst>
               <a:ext uri="{FF2B5EF4-FFF2-40B4-BE49-F238E27FC236}">
-                <a16:creationId xmlns:a16="http://schemas.microsoft.com/office/drawing/2014/main" id="{721D1864-1AA2-D6DD-A480-FBC15302FDFD}"/>
+                <a16:creationId xmlns:a16="http://schemas.microsoft.com/office/drawing/2014/main" id="{E54C7220-D4E8-C4CE-9F41-17CBBA3E9D1F}"/>
               </a:ext>
             </a:extLst>
           </p:cNvPr>
@@ -10843,10 +10659,7 @@
           <a:bodyPr/>
           <a:lstStyle/>
           <a:p>
-            <a:r>
-              <a:rPr lang="en-GB" dirty="0"/>
-              <a:t>SQL Express!</a:t>
-            </a:r>
+            <a:endParaRPr lang="en-GB"/>
           </a:p>
         </p:txBody>
       </p:sp>
@@ -10855,7 +10668,7 @@
           <p:cNvPr id="5" name="Picture 4">
             <a:extLst>
               <a:ext uri="{FF2B5EF4-FFF2-40B4-BE49-F238E27FC236}">
-                <a16:creationId xmlns:a16="http://schemas.microsoft.com/office/drawing/2014/main" id="{448D210F-2791-BB01-3E4C-209625B18617}"/>
+                <a16:creationId xmlns:a16="http://schemas.microsoft.com/office/drawing/2014/main" id="{1DE6EA73-5C07-A441-9C79-2FAF0206876C}"/>
               </a:ext>
             </a:extLst>
           </p:cNvPr>
@@ -10872,53 +10685,78 @@
         </p:blipFill>
         <p:spPr>
           <a:xfrm>
-            <a:off x="838200" y="2620727"/>
-            <a:ext cx="7525137" cy="2076557"/>
+            <a:off x="2197359" y="1549342"/>
+            <a:ext cx="7550538" cy="2235315"/>
           </a:xfrm>
           <a:prstGeom prst="rect">
             <a:avLst/>
           </a:prstGeom>
         </p:spPr>
       </p:pic>
-      <p:sp>
-        <p:nvSpPr>
-          <p:cNvPr id="7" name="TextBox 6">
-            <a:extLst>
-              <a:ext uri="{FF2B5EF4-FFF2-40B4-BE49-F238E27FC236}">
-                <a16:creationId xmlns:a16="http://schemas.microsoft.com/office/drawing/2014/main" id="{C2A7AA09-D58C-3AA6-7B91-08BDBC8B6CF0}"/>
-              </a:ext>
-            </a:extLst>
-          </p:cNvPr>
-          <p:cNvSpPr txBox="1"/>
+      <p:pic>
+        <p:nvPicPr>
+          <p:cNvPr id="7" name="Picture 6">
+            <a:extLst>
+              <a:ext uri="{FF2B5EF4-FFF2-40B4-BE49-F238E27FC236}">
+                <a16:creationId xmlns:a16="http://schemas.microsoft.com/office/drawing/2014/main" id="{357DCD06-D3F9-B3E6-6147-8B555688ED76}"/>
+              </a:ext>
+            </a:extLst>
+          </p:cNvPr>
+          <p:cNvPicPr>
+            <a:picLocks noChangeAspect="1"/>
+          </p:cNvPicPr>
           <p:nvPr/>
-        </p:nvSpPr>
-        <p:spPr>
-          <a:xfrm>
-            <a:off x="838200" y="1791385"/>
-            <a:ext cx="9296787" cy="369332"/>
+        </p:nvPicPr>
+        <p:blipFill>
+          <a:blip r:embed="rId3"/>
+          <a:stretch>
+            <a:fillRect/>
+          </a:stretch>
+        </p:blipFill>
+        <p:spPr>
+          <a:xfrm>
+            <a:off x="2197359" y="4302102"/>
+            <a:ext cx="2921150" cy="895396"/>
           </a:xfrm>
           <a:prstGeom prst="rect">
             <a:avLst/>
           </a:prstGeom>
-          <a:noFill/>
-        </p:spPr>
-        <p:txBody>
-          <a:bodyPr wrap="square">
-            <a:spAutoFit/>
-          </a:bodyPr>
-          <a:lstStyle/>
-          <a:p>
-            <a:r>
-              <a:rPr lang="en-GB" dirty="0"/>
-              <a:t>https://www.microsoft.com/en-us/download/details.aspx?id=104781&amp;lc=1033</a:t>
-            </a:r>
-          </a:p>
-        </p:txBody>
-      </p:sp>
+        </p:spPr>
+      </p:pic>
+      <p:pic>
+        <p:nvPicPr>
+          <p:cNvPr id="9" name="Picture 8">
+            <a:extLst>
+              <a:ext uri="{FF2B5EF4-FFF2-40B4-BE49-F238E27FC236}">
+                <a16:creationId xmlns:a16="http://schemas.microsoft.com/office/drawing/2014/main" id="{C0E1A8B2-FE52-27DA-F7DB-CAD822372C31}"/>
+              </a:ext>
+            </a:extLst>
+          </p:cNvPr>
+          <p:cNvPicPr>
+            <a:picLocks noChangeAspect="1"/>
+          </p:cNvPicPr>
+          <p:nvPr/>
+        </p:nvPicPr>
+        <p:blipFill>
+          <a:blip r:embed="rId4"/>
+          <a:stretch>
+            <a:fillRect/>
+          </a:stretch>
+        </p:blipFill>
+        <p:spPr>
+          <a:xfrm>
+            <a:off x="2197359" y="5714943"/>
+            <a:ext cx="2254366" cy="806491"/>
+          </a:xfrm>
+          <a:prstGeom prst="rect">
+            <a:avLst/>
+          </a:prstGeom>
+        </p:spPr>
+      </p:pic>
     </p:spTree>
     <p:extLst>
       <p:ext uri="{BB962C8B-B14F-4D97-AF65-F5344CB8AC3E}">
-        <p14:creationId xmlns:p14="http://schemas.microsoft.com/office/powerpoint/2010/main" val="309386999"/>
+        <p14:creationId xmlns:p14="http://schemas.microsoft.com/office/powerpoint/2010/main" val="2308371639"/>
       </p:ext>
     </p:extLst>
   </p:cSld>
@@ -10950,7 +10788,7 @@
           <p:cNvPr id="2" name="Title 1">
             <a:extLst>
               <a:ext uri="{FF2B5EF4-FFF2-40B4-BE49-F238E27FC236}">
-                <a16:creationId xmlns:a16="http://schemas.microsoft.com/office/drawing/2014/main" id="{F9730C1D-834B-610B-0E29-AE24F94D4143}"/>
+                <a16:creationId xmlns:a16="http://schemas.microsoft.com/office/drawing/2014/main" id="{17E4CBBF-6487-8E96-192F-A817DFB10918}"/>
               </a:ext>
             </a:extLst>
           </p:cNvPr>
@@ -10966,44 +10804,69 @@
           <a:bodyPr/>
           <a:lstStyle/>
           <a:p>
-            <a:endParaRPr lang="en-GB"/>
-          </a:p>
-        </p:txBody>
-      </p:sp>
-      <p:pic>
-        <p:nvPicPr>
-          <p:cNvPr id="7" name="Picture 6">
-            <a:extLst>
-              <a:ext uri="{FF2B5EF4-FFF2-40B4-BE49-F238E27FC236}">
-                <a16:creationId xmlns:a16="http://schemas.microsoft.com/office/drawing/2014/main" id="{84D8D550-260F-0F03-0F0E-8FB1893DB52E}"/>
-              </a:ext>
-            </a:extLst>
-          </p:cNvPr>
-          <p:cNvPicPr>
-            <a:picLocks noChangeAspect="1"/>
-          </p:cNvPicPr>
-          <p:nvPr/>
-        </p:nvPicPr>
-        <p:blipFill>
-          <a:blip r:embed="rId2"/>
-          <a:stretch>
-            <a:fillRect/>
-          </a:stretch>
-        </p:blipFill>
-        <p:spPr>
-          <a:xfrm>
-            <a:off x="3685605" y="1366482"/>
-            <a:ext cx="4559534" cy="5010407"/>
-          </a:xfrm>
-          <a:prstGeom prst="rect">
-            <a:avLst/>
-          </a:prstGeom>
-        </p:spPr>
-      </p:pic>
+            <a:r>
+              <a:rPr lang="en-GB" dirty="0"/>
+              <a:t>Data &amp; Databases</a:t>
+            </a:r>
+          </a:p>
+        </p:txBody>
+      </p:sp>
+      <p:sp>
+        <p:nvSpPr>
+          <p:cNvPr id="3" name="Content Placeholder 2">
+            <a:extLst>
+              <a:ext uri="{FF2B5EF4-FFF2-40B4-BE49-F238E27FC236}">
+                <a16:creationId xmlns:a16="http://schemas.microsoft.com/office/drawing/2014/main" id="{4EA3B715-9AC1-E540-E1D0-85781B1B6F2D}"/>
+              </a:ext>
+            </a:extLst>
+          </p:cNvPr>
+          <p:cNvSpPr>
+            <a:spLocks noGrp="1"/>
+          </p:cNvSpPr>
+          <p:nvPr>
+            <p:ph idx="1"/>
+          </p:nvPr>
+        </p:nvSpPr>
+        <p:spPr/>
+        <p:txBody>
+          <a:bodyPr/>
+          <a:lstStyle/>
+          <a:p>
+            <a:r>
+              <a:rPr lang="en-GB" dirty="0"/>
+              <a:t>Concepts to Learn: Data types, databases (SQL and NoSQL), data structures.</a:t>
+            </a:r>
+          </a:p>
+          <a:p>
+            <a:endParaRPr lang="en-GB" dirty="0"/>
+          </a:p>
+          <a:p>
+            <a:r>
+              <a:rPr lang="en-GB" dirty="0"/>
+              <a:t>Tools/Resources:</a:t>
+            </a:r>
+          </a:p>
+          <a:p>
+            <a:r>
+              <a:rPr lang="en-GB" dirty="0"/>
+              <a:t>Azure SQL Database - free tier available</a:t>
+            </a:r>
+          </a:p>
+          <a:p>
+            <a:r>
+              <a:rPr lang="en-GB" dirty="0"/>
+              <a:t>Cosmos DB: Explore NoSQL databases with a limited free tier on Azure.</a:t>
+            </a:r>
+          </a:p>
+          <a:p>
+            <a:endParaRPr lang="en-GB" dirty="0"/>
+          </a:p>
+        </p:txBody>
+      </p:sp>
     </p:spTree>
     <p:extLst>
       <p:ext uri="{BB962C8B-B14F-4D97-AF65-F5344CB8AC3E}">
-        <p14:creationId xmlns:p14="http://schemas.microsoft.com/office/powerpoint/2010/main" val="3024344180"/>
+        <p14:creationId xmlns:p14="http://schemas.microsoft.com/office/powerpoint/2010/main" val="4098208133"/>
       </p:ext>
     </p:extLst>
   </p:cSld>
@@ -11035,7 +10898,7 @@
           <p:cNvPr id="2" name="Title 1">
             <a:extLst>
               <a:ext uri="{FF2B5EF4-FFF2-40B4-BE49-F238E27FC236}">
-                <a16:creationId xmlns:a16="http://schemas.microsoft.com/office/drawing/2014/main" id="{E4048C8B-7E17-501E-E69D-E0441C9CC7E9}"/>
+                <a16:creationId xmlns:a16="http://schemas.microsoft.com/office/drawing/2014/main" id="{12485F72-3D84-4EED-32F6-699CF9A5F075}"/>
               </a:ext>
             </a:extLst>
           </p:cNvPr>
@@ -11055,49 +10918,92 @@
           </a:p>
         </p:txBody>
       </p:sp>
-      <p:sp>
-        <p:nvSpPr>
-          <p:cNvPr id="3" name="Content Placeholder 2">
-            <a:extLst>
-              <a:ext uri="{FF2B5EF4-FFF2-40B4-BE49-F238E27FC236}">
-                <a16:creationId xmlns:a16="http://schemas.microsoft.com/office/drawing/2014/main" id="{06C03778-3C7D-68FE-3C89-CE3F1EFD313F}"/>
-              </a:ext>
-            </a:extLst>
-          </p:cNvPr>
-          <p:cNvSpPr>
-            <a:spLocks noGrp="1"/>
-          </p:cNvSpPr>
-          <p:nvPr>
-            <p:ph idx="1"/>
-          </p:nvPr>
-        </p:nvSpPr>
-        <p:spPr/>
-        <p:txBody>
-          <a:bodyPr/>
-          <a:lstStyle/>
-          <a:p>
-            <a:r>
-              <a:rPr lang="en-GB" dirty="0"/>
-              <a:t>Download JDBC driver</a:t>
-            </a:r>
-            <a:r>
-              <a:rPr lang="en-GB"/>
-              <a:t>: https://repo1.maven.org/maven2/com/microsoft/azure/spark-mssql-connector_2.12/1.2.0/spark-mssql-connector_2.12-1.2.0.jar</a:t>
-            </a:r>
-            <a:endParaRPr lang="en-GB" dirty="0"/>
-          </a:p>
-          <a:p>
-            <a:r>
-              <a:rPr lang="en-GB" dirty="0"/>
-              <a:t>Copy jar file to anaconda jars folder</a:t>
-            </a:r>
+      <p:pic>
+        <p:nvPicPr>
+          <p:cNvPr id="5" name="Picture 4">
+            <a:extLst>
+              <a:ext uri="{FF2B5EF4-FFF2-40B4-BE49-F238E27FC236}">
+                <a16:creationId xmlns:a16="http://schemas.microsoft.com/office/drawing/2014/main" id="{646C3EE8-194C-9110-9B67-951A4E19A958}"/>
+              </a:ext>
+            </a:extLst>
+          </p:cNvPr>
+          <p:cNvPicPr>
+            <a:picLocks noChangeAspect="1"/>
+          </p:cNvPicPr>
+          <p:nvPr/>
+        </p:nvPicPr>
+        <p:blipFill>
+          <a:blip r:embed="rId2"/>
+          <a:stretch>
+            <a:fillRect/>
+          </a:stretch>
+        </p:blipFill>
+        <p:spPr>
+          <a:xfrm>
+            <a:off x="838200" y="1906776"/>
+            <a:ext cx="9935962" cy="4210638"/>
+          </a:xfrm>
+          <a:prstGeom prst="rect">
+            <a:avLst/>
+          </a:prstGeom>
+        </p:spPr>
+      </p:pic>
+      <p:sp>
+        <p:nvSpPr>
+          <p:cNvPr id="7" name="Rectangle: Rounded Corners 6">
+            <a:extLst>
+              <a:ext uri="{FF2B5EF4-FFF2-40B4-BE49-F238E27FC236}">
+                <a16:creationId xmlns:a16="http://schemas.microsoft.com/office/drawing/2014/main" id="{D4469F5D-E711-E066-D4B2-4EDA12D27FF8}"/>
+              </a:ext>
+            </a:extLst>
+          </p:cNvPr>
+          <p:cNvSpPr/>
+          <p:nvPr/>
+        </p:nvSpPr>
+        <p:spPr>
+          <a:xfrm>
+            <a:off x="838200" y="3790950"/>
+            <a:ext cx="6851650" cy="1111250"/>
+          </a:xfrm>
+          <a:prstGeom prst="roundRect">
+            <a:avLst/>
+          </a:prstGeom>
+          <a:noFill/>
+          <a:ln>
+            <a:solidFill>
+              <a:srgbClr val="FF0000"/>
+            </a:solidFill>
+          </a:ln>
+        </p:spPr>
+        <p:style>
+          <a:lnRef idx="2">
+            <a:schemeClr val="accent1">
+              <a:shade val="15000"/>
+            </a:schemeClr>
+          </a:lnRef>
+          <a:fillRef idx="1">
+            <a:schemeClr val="accent1"/>
+          </a:fillRef>
+          <a:effectRef idx="0">
+            <a:schemeClr val="accent1"/>
+          </a:effectRef>
+          <a:fontRef idx="minor">
+            <a:schemeClr val="lt1"/>
+          </a:fontRef>
+        </p:style>
+        <p:txBody>
+          <a:bodyPr rtlCol="0" anchor="ctr"/>
+          <a:lstStyle/>
+          <a:p>
+            <a:pPr algn="ctr"/>
+            <a:endParaRPr lang="en-GB"/>
           </a:p>
         </p:txBody>
       </p:sp>
     </p:spTree>
     <p:extLst>
       <p:ext uri="{BB962C8B-B14F-4D97-AF65-F5344CB8AC3E}">
-        <p14:creationId xmlns:p14="http://schemas.microsoft.com/office/powerpoint/2010/main" val="4018909052"/>
+        <p14:creationId xmlns:p14="http://schemas.microsoft.com/office/powerpoint/2010/main" val="2157642099"/>
       </p:ext>
     </p:extLst>
   </p:cSld>
@@ -11129,7 +11035,7 @@
           <p:cNvPr id="2" name="Title 1">
             <a:extLst>
               <a:ext uri="{FF2B5EF4-FFF2-40B4-BE49-F238E27FC236}">
-                <a16:creationId xmlns:a16="http://schemas.microsoft.com/office/drawing/2014/main" id="{DCD86764-00F4-6C9A-2130-D553A9C0F19A}"/>
+                <a16:creationId xmlns:a16="http://schemas.microsoft.com/office/drawing/2014/main" id="{721D1864-1AA2-D6DD-A480-FBC15302FDFD}"/>
               </a:ext>
             </a:extLst>
           </p:cNvPr>
@@ -11147,13 +11053,8 @@
           <a:p>
             <a:r>
               <a:rPr lang="en-GB" dirty="0"/>
-              <a:t>Python pre-</a:t>
-            </a:r>
-            <a:r>
-              <a:rPr lang="en-GB" dirty="0" err="1"/>
-              <a:t>reqs</a:t>
-            </a:r>
-            <a:endParaRPr lang="en-GB" dirty="0"/>
+              <a:t>SQL Express!</a:t>
+            </a:r>
           </a:p>
         </p:txBody>
       </p:sp>
@@ -11162,7 +11063,7 @@
           <p:cNvPr id="5" name="Picture 4">
             <a:extLst>
               <a:ext uri="{FF2B5EF4-FFF2-40B4-BE49-F238E27FC236}">
-                <a16:creationId xmlns:a16="http://schemas.microsoft.com/office/drawing/2014/main" id="{C663F566-F2F6-4996-C066-E71C1013515E}"/>
+                <a16:creationId xmlns:a16="http://schemas.microsoft.com/office/drawing/2014/main" id="{448D210F-2791-BB01-3E4C-209625B18617}"/>
               </a:ext>
             </a:extLst>
           </p:cNvPr>
@@ -11179,48 +11080,53 @@
         </p:blipFill>
         <p:spPr>
           <a:xfrm>
-            <a:off x="838200" y="1431753"/>
-            <a:ext cx="9392961" cy="2457793"/>
+            <a:off x="838200" y="2620727"/>
+            <a:ext cx="7525137" cy="2076557"/>
           </a:xfrm>
           <a:prstGeom prst="rect">
             <a:avLst/>
           </a:prstGeom>
         </p:spPr>
       </p:pic>
-      <p:pic>
-        <p:nvPicPr>
-          <p:cNvPr id="8" name="Picture 7">
-            <a:extLst>
-              <a:ext uri="{FF2B5EF4-FFF2-40B4-BE49-F238E27FC236}">
-                <a16:creationId xmlns:a16="http://schemas.microsoft.com/office/drawing/2014/main" id="{0DA08BAC-BAA2-E123-3A0B-E202C41AC238}"/>
-              </a:ext>
-            </a:extLst>
-          </p:cNvPr>
-          <p:cNvPicPr>
-            <a:picLocks noChangeAspect="1"/>
-          </p:cNvPicPr>
+      <p:sp>
+        <p:nvSpPr>
+          <p:cNvPr id="7" name="TextBox 6">
+            <a:extLst>
+              <a:ext uri="{FF2B5EF4-FFF2-40B4-BE49-F238E27FC236}">
+                <a16:creationId xmlns:a16="http://schemas.microsoft.com/office/drawing/2014/main" id="{C2A7AA09-D58C-3AA6-7B91-08BDBC8B6CF0}"/>
+              </a:ext>
+            </a:extLst>
+          </p:cNvPr>
+          <p:cNvSpPr txBox="1"/>
           <p:nvPr/>
-        </p:nvPicPr>
-        <p:blipFill>
-          <a:blip r:embed="rId3"/>
-          <a:stretch>
-            <a:fillRect/>
-          </a:stretch>
-        </p:blipFill>
-        <p:spPr>
-          <a:xfrm>
-            <a:off x="838200" y="4217883"/>
-            <a:ext cx="4934639" cy="1476581"/>
+        </p:nvSpPr>
+        <p:spPr>
+          <a:xfrm>
+            <a:off x="838200" y="1791385"/>
+            <a:ext cx="9296787" cy="369332"/>
           </a:xfrm>
           <a:prstGeom prst="rect">
             <a:avLst/>
           </a:prstGeom>
-        </p:spPr>
-      </p:pic>
+          <a:noFill/>
+        </p:spPr>
+        <p:txBody>
+          <a:bodyPr wrap="square">
+            <a:spAutoFit/>
+          </a:bodyPr>
+          <a:lstStyle/>
+          <a:p>
+            <a:r>
+              <a:rPr lang="en-GB" dirty="0"/>
+              <a:t>https://www.microsoft.com/en-us/download/details.aspx?id=104781&amp;lc=1033</a:t>
+            </a:r>
+          </a:p>
+        </p:txBody>
+      </p:sp>
     </p:spTree>
     <p:extLst>
       <p:ext uri="{BB962C8B-B14F-4D97-AF65-F5344CB8AC3E}">
-        <p14:creationId xmlns:p14="http://schemas.microsoft.com/office/powerpoint/2010/main" val="2091675727"/>
+        <p14:creationId xmlns:p14="http://schemas.microsoft.com/office/powerpoint/2010/main" val="309386999"/>
       </p:ext>
     </p:extLst>
   </p:cSld>
@@ -11373,10 +11279,10 @@
       </p:pic>
       <p:pic>
         <p:nvPicPr>
-          <p:cNvPr id="9" name="Graphic 8">
-            <a:extLst>
-              <a:ext uri="{FF2B5EF4-FFF2-40B4-BE49-F238E27FC236}">
-                <a16:creationId xmlns:a16="http://schemas.microsoft.com/office/drawing/2014/main" id="{0AB9DAB6-8B04-09F1-1152-76D099FB0D09}"/>
+          <p:cNvPr id="11" name="Graphic 10">
+            <a:extLst>
+              <a:ext uri="{FF2B5EF4-FFF2-40B4-BE49-F238E27FC236}">
+                <a16:creationId xmlns:a16="http://schemas.microsoft.com/office/drawing/2014/main" id="{B9C4B2FA-2944-D6F9-2824-EF5252AD5A7B}"/>
               </a:ext>
             </a:extLst>
           </p:cNvPr>
@@ -11390,42 +11296,6 @@
             <a:extLst>
               <a:ext uri="{96DAC541-7B7A-43D3-8B79-37D633B846F1}">
                 <asvg:svgBlip xmlns:asvg="http://schemas.microsoft.com/office/drawing/2016/SVG/main" r:embed="rId6"/>
-              </a:ext>
-            </a:extLst>
-          </a:blip>
-          <a:stretch>
-            <a:fillRect/>
-          </a:stretch>
-        </p:blipFill>
-        <p:spPr>
-          <a:xfrm>
-            <a:off x="6598758" y="2881893"/>
-            <a:ext cx="1577794" cy="1624515"/>
-          </a:xfrm>
-          <a:prstGeom prst="rect">
-            <a:avLst/>
-          </a:prstGeom>
-        </p:spPr>
-      </p:pic>
-      <p:pic>
-        <p:nvPicPr>
-          <p:cNvPr id="11" name="Graphic 10">
-            <a:extLst>
-              <a:ext uri="{FF2B5EF4-FFF2-40B4-BE49-F238E27FC236}">
-                <a16:creationId xmlns:a16="http://schemas.microsoft.com/office/drawing/2014/main" id="{B9C4B2FA-2944-D6F9-2824-EF5252AD5A7B}"/>
-              </a:ext>
-            </a:extLst>
-          </p:cNvPr>
-          <p:cNvPicPr>
-            <a:picLocks noChangeAspect="1"/>
-          </p:cNvPicPr>
-          <p:nvPr/>
-        </p:nvPicPr>
-        <p:blipFill>
-          <a:blip r:embed="rId7">
-            <a:extLst>
-              <a:ext uri="{96DAC541-7B7A-43D3-8B79-37D633B846F1}">
-                <asvg:svgBlip xmlns:asvg="http://schemas.microsoft.com/office/drawing/2016/SVG/main" r:embed="rId8"/>
               </a:ext>
             </a:extLst>
           </a:blip>
@@ -11491,52 +11361,6 @@
       </p:sp>
       <p:sp>
         <p:nvSpPr>
-          <p:cNvPr id="15" name="Arrow: Right 14">
-            <a:extLst>
-              <a:ext uri="{FF2B5EF4-FFF2-40B4-BE49-F238E27FC236}">
-                <a16:creationId xmlns:a16="http://schemas.microsoft.com/office/drawing/2014/main" id="{9431CD41-2611-B00C-AFA6-28080EAA1F86}"/>
-              </a:ext>
-            </a:extLst>
-          </p:cNvPr>
-          <p:cNvSpPr/>
-          <p:nvPr/>
-        </p:nvSpPr>
-        <p:spPr>
-          <a:xfrm>
-            <a:off x="5417518" y="3574799"/>
-            <a:ext cx="914747" cy="401444"/>
-          </a:xfrm>
-          <a:prstGeom prst="rightArrow">
-            <a:avLst/>
-          </a:prstGeom>
-        </p:spPr>
-        <p:style>
-          <a:lnRef idx="2">
-            <a:schemeClr val="dk1">
-              <a:shade val="15000"/>
-            </a:schemeClr>
-          </a:lnRef>
-          <a:fillRef idx="1">
-            <a:schemeClr val="dk1"/>
-          </a:fillRef>
-          <a:effectRef idx="0">
-            <a:schemeClr val="dk1"/>
-          </a:effectRef>
-          <a:fontRef idx="minor">
-            <a:schemeClr val="lt1"/>
-          </a:fontRef>
-        </p:style>
-        <p:txBody>
-          <a:bodyPr rtlCol="0" anchor="ctr"/>
-          <a:lstStyle/>
-          <a:p>
-            <a:pPr algn="ctr"/>
-            <a:endParaRPr lang="en-GB"/>
-          </a:p>
-        </p:txBody>
-      </p:sp>
-      <p:sp>
-        <p:nvSpPr>
           <p:cNvPr id="18" name="TextBox 17">
             <a:extLst>
               <a:ext uri="{FF2B5EF4-FFF2-40B4-BE49-F238E27FC236}">
@@ -11601,41 +11425,6 @@
             <a:r>
               <a:rPr lang="en-GB" b="1" dirty="0"/>
               <a:t>SQL Server</a:t>
-            </a:r>
-          </a:p>
-        </p:txBody>
-      </p:sp>
-      <p:sp>
-        <p:nvSpPr>
-          <p:cNvPr id="20" name="TextBox 19">
-            <a:extLst>
-              <a:ext uri="{FF2B5EF4-FFF2-40B4-BE49-F238E27FC236}">
-                <a16:creationId xmlns:a16="http://schemas.microsoft.com/office/drawing/2014/main" id="{57C3EB61-02D8-22B4-A835-FE906E8485DF}"/>
-              </a:ext>
-            </a:extLst>
-          </p:cNvPr>
-          <p:cNvSpPr txBox="1"/>
-          <p:nvPr/>
-        </p:nvSpPr>
-        <p:spPr>
-          <a:xfrm>
-            <a:off x="6454864" y="4506408"/>
-            <a:ext cx="1921467" cy="369332"/>
-          </a:xfrm>
-          <a:prstGeom prst="rect">
-            <a:avLst/>
-          </a:prstGeom>
-          <a:noFill/>
-        </p:spPr>
-        <p:txBody>
-          <a:bodyPr wrap="square" rtlCol="0">
-            <a:spAutoFit/>
-          </a:bodyPr>
-          <a:lstStyle/>
-          <a:p>
-            <a:r>
-              <a:rPr lang="en-GB" b="1" dirty="0"/>
-              <a:t>Storage Account</a:t>
             </a:r>
           </a:p>
         </p:txBody>
@@ -11683,7 +11472,7 @@
     </p:spTree>
     <p:extLst>
       <p:ext uri="{BB962C8B-B14F-4D97-AF65-F5344CB8AC3E}">
-        <p14:creationId xmlns:p14="http://schemas.microsoft.com/office/powerpoint/2010/main" val="740570513"/>
+        <p14:creationId xmlns:p14="http://schemas.microsoft.com/office/powerpoint/2010/main" val="881930865"/>
       </p:ext>
     </p:extLst>
   </p:cSld>
@@ -11715,7 +11504,7 @@
           <p:cNvPr id="2" name="Title 1">
             <a:extLst>
               <a:ext uri="{FF2B5EF4-FFF2-40B4-BE49-F238E27FC236}">
-                <a16:creationId xmlns:a16="http://schemas.microsoft.com/office/drawing/2014/main" id="{DCD86764-00F4-6C9A-2130-D553A9C0F19A}"/>
+                <a16:creationId xmlns:a16="http://schemas.microsoft.com/office/drawing/2014/main" id="{F9730C1D-834B-610B-0E29-AE24F94D4143}"/>
               </a:ext>
             </a:extLst>
           </p:cNvPr>
@@ -11737,10 +11526,10 @@
       </p:sp>
       <p:pic>
         <p:nvPicPr>
-          <p:cNvPr id="4" name="Picture 3">
-            <a:extLst>
-              <a:ext uri="{FF2B5EF4-FFF2-40B4-BE49-F238E27FC236}">
-                <a16:creationId xmlns:a16="http://schemas.microsoft.com/office/drawing/2014/main" id="{20F3E66B-E246-EFCB-FFBE-25044944C469}"/>
+          <p:cNvPr id="7" name="Picture 6">
+            <a:extLst>
+              <a:ext uri="{FF2B5EF4-FFF2-40B4-BE49-F238E27FC236}">
+                <a16:creationId xmlns:a16="http://schemas.microsoft.com/office/drawing/2014/main" id="{84D8D550-260F-0F03-0F0E-8FB1893DB52E}"/>
               </a:ext>
             </a:extLst>
           </p:cNvPr>
@@ -11757,38 +11546,8 @@
         </p:blipFill>
         <p:spPr>
           <a:xfrm>
-            <a:off x="838200" y="1242558"/>
-            <a:ext cx="4959605" cy="1517728"/>
-          </a:xfrm>
-          <a:prstGeom prst="rect">
-            <a:avLst/>
-          </a:prstGeom>
-        </p:spPr>
-      </p:pic>
-      <p:pic>
-        <p:nvPicPr>
-          <p:cNvPr id="7" name="Picture 6">
-            <a:extLst>
-              <a:ext uri="{FF2B5EF4-FFF2-40B4-BE49-F238E27FC236}">
-                <a16:creationId xmlns:a16="http://schemas.microsoft.com/office/drawing/2014/main" id="{A96C8C96-A6EA-2AE6-661D-FA50CC4E8CDA}"/>
-              </a:ext>
-            </a:extLst>
-          </p:cNvPr>
-          <p:cNvPicPr>
-            <a:picLocks noChangeAspect="1"/>
-          </p:cNvPicPr>
-          <p:nvPr/>
-        </p:nvPicPr>
-        <p:blipFill>
-          <a:blip r:embed="rId3"/>
-          <a:stretch>
-            <a:fillRect/>
-          </a:stretch>
-        </p:blipFill>
-        <p:spPr>
-          <a:xfrm>
-            <a:off x="6394197" y="1242558"/>
-            <a:ext cx="4511991" cy="5250317"/>
+            <a:off x="3685605" y="1366482"/>
+            <a:ext cx="4559534" cy="5010407"/>
           </a:xfrm>
           <a:prstGeom prst="rect">
             <a:avLst/>
@@ -11798,7 +11557,7 @@
     </p:spTree>
     <p:extLst>
       <p:ext uri="{BB962C8B-B14F-4D97-AF65-F5344CB8AC3E}">
-        <p14:creationId xmlns:p14="http://schemas.microsoft.com/office/powerpoint/2010/main" val="17736079"/>
+        <p14:creationId xmlns:p14="http://schemas.microsoft.com/office/powerpoint/2010/main" val="3024344180"/>
       </p:ext>
     </p:extLst>
   </p:cSld>
@@ -11825,70 +11584,74 @@
           <a:chExt cx="0" cy="0"/>
         </a:xfrm>
       </p:grpSpPr>
-      <p:pic>
-        <p:nvPicPr>
-          <p:cNvPr id="8" name="Picture 7">
-            <a:extLst>
-              <a:ext uri="{FF2B5EF4-FFF2-40B4-BE49-F238E27FC236}">
-                <a16:creationId xmlns:a16="http://schemas.microsoft.com/office/drawing/2014/main" id="{267E26B0-ADE5-2D5A-201D-E7974C1FE8C8}"/>
-              </a:ext>
-            </a:extLst>
-          </p:cNvPr>
-          <p:cNvPicPr>
-            <a:picLocks noChangeAspect="1"/>
-          </p:cNvPicPr>
-          <p:nvPr/>
-        </p:nvPicPr>
-        <p:blipFill>
-          <a:blip r:embed="rId2"/>
-          <a:stretch>
-            <a:fillRect/>
-          </a:stretch>
-        </p:blipFill>
-        <p:spPr>
-          <a:xfrm>
-            <a:off x="497406" y="502516"/>
-            <a:ext cx="6401129" cy="5550185"/>
-          </a:xfrm>
-          <a:prstGeom prst="rect">
-            <a:avLst/>
-          </a:prstGeom>
-        </p:spPr>
-      </p:pic>
-      <p:pic>
-        <p:nvPicPr>
-          <p:cNvPr id="9" name="Picture 8">
-            <a:extLst>
-              <a:ext uri="{FF2B5EF4-FFF2-40B4-BE49-F238E27FC236}">
-                <a16:creationId xmlns:a16="http://schemas.microsoft.com/office/drawing/2014/main" id="{159E5FD2-985E-7690-3E2A-435134F3B0FE}"/>
-              </a:ext>
-            </a:extLst>
-          </p:cNvPr>
-          <p:cNvPicPr>
-            <a:picLocks noChangeAspect="1"/>
-          </p:cNvPicPr>
-          <p:nvPr/>
-        </p:nvPicPr>
-        <p:blipFill>
-          <a:blip r:embed="rId3"/>
-          <a:stretch>
-            <a:fillRect/>
-          </a:stretch>
-        </p:blipFill>
-        <p:spPr>
-          <a:xfrm>
-            <a:off x="7205188" y="923852"/>
-            <a:ext cx="4915153" cy="2006703"/>
-          </a:xfrm>
-          <a:prstGeom prst="rect">
-            <a:avLst/>
-          </a:prstGeom>
-        </p:spPr>
-      </p:pic>
+      <p:sp>
+        <p:nvSpPr>
+          <p:cNvPr id="2" name="Title 1">
+            <a:extLst>
+              <a:ext uri="{FF2B5EF4-FFF2-40B4-BE49-F238E27FC236}">
+                <a16:creationId xmlns:a16="http://schemas.microsoft.com/office/drawing/2014/main" id="{E4048C8B-7E17-501E-E69D-E0441C9CC7E9}"/>
+              </a:ext>
+            </a:extLst>
+          </p:cNvPr>
+          <p:cNvSpPr>
+            <a:spLocks noGrp="1"/>
+          </p:cNvSpPr>
+          <p:nvPr>
+            <p:ph type="title"/>
+          </p:nvPr>
+        </p:nvSpPr>
+        <p:spPr/>
+        <p:txBody>
+          <a:bodyPr/>
+          <a:lstStyle/>
+          <a:p>
+            <a:endParaRPr lang="en-GB"/>
+          </a:p>
+        </p:txBody>
+      </p:sp>
+      <p:sp>
+        <p:nvSpPr>
+          <p:cNvPr id="3" name="Content Placeholder 2">
+            <a:extLst>
+              <a:ext uri="{FF2B5EF4-FFF2-40B4-BE49-F238E27FC236}">
+                <a16:creationId xmlns:a16="http://schemas.microsoft.com/office/drawing/2014/main" id="{06C03778-3C7D-68FE-3C89-CE3F1EFD313F}"/>
+              </a:ext>
+            </a:extLst>
+          </p:cNvPr>
+          <p:cNvSpPr>
+            <a:spLocks noGrp="1"/>
+          </p:cNvSpPr>
+          <p:nvPr>
+            <p:ph idx="1"/>
+          </p:nvPr>
+        </p:nvSpPr>
+        <p:spPr/>
+        <p:txBody>
+          <a:bodyPr/>
+          <a:lstStyle/>
+          <a:p>
+            <a:r>
+              <a:rPr lang="en-GB" dirty="0"/>
+              <a:t>Download JDBC driver</a:t>
+            </a:r>
+            <a:r>
+              <a:rPr lang="en-GB"/>
+              <a:t>: https://repo1.maven.org/maven2/com/microsoft/azure/spark-mssql-connector_2.12/1.2.0/spark-mssql-connector_2.12-1.2.0.jar</a:t>
+            </a:r>
+            <a:endParaRPr lang="en-GB" dirty="0"/>
+          </a:p>
+          <a:p>
+            <a:r>
+              <a:rPr lang="en-GB" dirty="0"/>
+              <a:t>Copy jar file to anaconda jars folder</a:t>
+            </a:r>
+          </a:p>
+        </p:txBody>
+      </p:sp>
     </p:spTree>
     <p:extLst>
       <p:ext uri="{BB962C8B-B14F-4D97-AF65-F5344CB8AC3E}">
-        <p14:creationId xmlns:p14="http://schemas.microsoft.com/office/powerpoint/2010/main" val="3790276932"/>
+        <p14:creationId xmlns:p14="http://schemas.microsoft.com/office/powerpoint/2010/main" val="4018909052"/>
       </p:ext>
     </p:extLst>
   </p:cSld>
@@ -11915,12 +11678,45 @@
           <a:chExt cx="0" cy="0"/>
         </a:xfrm>
       </p:grpSpPr>
+      <p:sp>
+        <p:nvSpPr>
+          <p:cNvPr id="2" name="Title 1">
+            <a:extLst>
+              <a:ext uri="{FF2B5EF4-FFF2-40B4-BE49-F238E27FC236}">
+                <a16:creationId xmlns:a16="http://schemas.microsoft.com/office/drawing/2014/main" id="{DCD86764-00F4-6C9A-2130-D553A9C0F19A}"/>
+              </a:ext>
+            </a:extLst>
+          </p:cNvPr>
+          <p:cNvSpPr>
+            <a:spLocks noGrp="1"/>
+          </p:cNvSpPr>
+          <p:nvPr>
+            <p:ph type="title"/>
+          </p:nvPr>
+        </p:nvSpPr>
+        <p:spPr/>
+        <p:txBody>
+          <a:bodyPr/>
+          <a:lstStyle/>
+          <a:p>
+            <a:r>
+              <a:rPr lang="en-GB" dirty="0"/>
+              <a:t>Python pre-</a:t>
+            </a:r>
+            <a:r>
+              <a:rPr lang="en-GB" dirty="0" err="1"/>
+              <a:t>reqs</a:t>
+            </a:r>
+            <a:endParaRPr lang="en-GB" dirty="0"/>
+          </a:p>
+        </p:txBody>
+      </p:sp>
       <p:pic>
         <p:nvPicPr>
           <p:cNvPr id="5" name="Picture 4">
             <a:extLst>
               <a:ext uri="{FF2B5EF4-FFF2-40B4-BE49-F238E27FC236}">
-                <a16:creationId xmlns:a16="http://schemas.microsoft.com/office/drawing/2014/main" id="{D89C5F76-DE95-EF62-4BC4-CD0A02BDAAB6}"/>
+                <a16:creationId xmlns:a16="http://schemas.microsoft.com/office/drawing/2014/main" id="{C663F566-F2F6-4996-C066-E71C1013515E}"/>
               </a:ext>
             </a:extLst>
           </p:cNvPr>
@@ -11937,8 +11733,8 @@
         </p:blipFill>
         <p:spPr>
           <a:xfrm>
-            <a:off x="564587" y="761453"/>
-            <a:ext cx="4680191" cy="3264068"/>
+            <a:off x="838200" y="1431753"/>
+            <a:ext cx="9392961" cy="2457793"/>
           </a:xfrm>
           <a:prstGeom prst="rect">
             <a:avLst/>
@@ -11947,10 +11743,10 @@
       </p:pic>
       <p:pic>
         <p:nvPicPr>
-          <p:cNvPr id="7" name="Picture 6">
-            <a:extLst>
-              <a:ext uri="{FF2B5EF4-FFF2-40B4-BE49-F238E27FC236}">
-                <a16:creationId xmlns:a16="http://schemas.microsoft.com/office/drawing/2014/main" id="{FE67BB66-D68E-91FC-1442-E45607E8A920}"/>
+          <p:cNvPr id="8" name="Picture 7">
+            <a:extLst>
+              <a:ext uri="{FF2B5EF4-FFF2-40B4-BE49-F238E27FC236}">
+                <a16:creationId xmlns:a16="http://schemas.microsoft.com/office/drawing/2014/main" id="{0DA08BAC-BAA2-E123-3A0B-E202C41AC238}"/>
               </a:ext>
             </a:extLst>
           </p:cNvPr>
@@ -11967,8 +11763,8 @@
         </p:blipFill>
         <p:spPr>
           <a:xfrm>
-            <a:off x="6858335" y="889174"/>
-            <a:ext cx="2508379" cy="3892750"/>
+            <a:off x="838200" y="4217883"/>
+            <a:ext cx="4934639" cy="1476581"/>
           </a:xfrm>
           <a:prstGeom prst="rect">
             <a:avLst/>
@@ -11978,7 +11774,7 @@
     </p:spTree>
     <p:extLst>
       <p:ext uri="{BB962C8B-B14F-4D97-AF65-F5344CB8AC3E}">
-        <p14:creationId xmlns:p14="http://schemas.microsoft.com/office/powerpoint/2010/main" val="1708038266"/>
+        <p14:creationId xmlns:p14="http://schemas.microsoft.com/office/powerpoint/2010/main" val="2091675727"/>
       </p:ext>
     </p:extLst>
   </p:cSld>
@@ -12005,12 +11801,37 @@
           <a:chExt cx="0" cy="0"/>
         </a:xfrm>
       </p:grpSpPr>
+      <p:sp>
+        <p:nvSpPr>
+          <p:cNvPr id="2" name="Title 1">
+            <a:extLst>
+              <a:ext uri="{FF2B5EF4-FFF2-40B4-BE49-F238E27FC236}">
+                <a16:creationId xmlns:a16="http://schemas.microsoft.com/office/drawing/2014/main" id="{DCD86764-00F4-6C9A-2130-D553A9C0F19A}"/>
+              </a:ext>
+            </a:extLst>
+          </p:cNvPr>
+          <p:cNvSpPr>
+            <a:spLocks noGrp="1"/>
+          </p:cNvSpPr>
+          <p:nvPr>
+            <p:ph type="title"/>
+          </p:nvPr>
+        </p:nvSpPr>
+        <p:spPr/>
+        <p:txBody>
+          <a:bodyPr/>
+          <a:lstStyle/>
+          <a:p>
+            <a:endParaRPr lang="en-GB"/>
+          </a:p>
+        </p:txBody>
+      </p:sp>
       <p:pic>
         <p:nvPicPr>
-          <p:cNvPr id="5" name="Picture 4">
-            <a:extLst>
-              <a:ext uri="{FF2B5EF4-FFF2-40B4-BE49-F238E27FC236}">
-                <a16:creationId xmlns:a16="http://schemas.microsoft.com/office/drawing/2014/main" id="{BC909FB5-6F06-559F-6D56-11877CAEF8ED}"/>
+          <p:cNvPr id="4" name="Picture 3">
+            <a:extLst>
+              <a:ext uri="{FF2B5EF4-FFF2-40B4-BE49-F238E27FC236}">
+                <a16:creationId xmlns:a16="http://schemas.microsoft.com/office/drawing/2014/main" id="{20F3E66B-E246-EFCB-FFBE-25044944C469}"/>
               </a:ext>
             </a:extLst>
           </p:cNvPr>
@@ -12027,8 +11848,38 @@
         </p:blipFill>
         <p:spPr>
           <a:xfrm>
-            <a:off x="645176" y="794450"/>
-            <a:ext cx="9036514" cy="3016405"/>
+            <a:off x="838200" y="1242558"/>
+            <a:ext cx="4959605" cy="1517728"/>
+          </a:xfrm>
+          <a:prstGeom prst="rect">
+            <a:avLst/>
+          </a:prstGeom>
+        </p:spPr>
+      </p:pic>
+      <p:pic>
+        <p:nvPicPr>
+          <p:cNvPr id="7" name="Picture 6">
+            <a:extLst>
+              <a:ext uri="{FF2B5EF4-FFF2-40B4-BE49-F238E27FC236}">
+                <a16:creationId xmlns:a16="http://schemas.microsoft.com/office/drawing/2014/main" id="{A96C8C96-A6EA-2AE6-661D-FA50CC4E8CDA}"/>
+              </a:ext>
+            </a:extLst>
+          </p:cNvPr>
+          <p:cNvPicPr>
+            <a:picLocks noChangeAspect="1"/>
+          </p:cNvPicPr>
+          <p:nvPr/>
+        </p:nvPicPr>
+        <p:blipFill>
+          <a:blip r:embed="rId3"/>
+          <a:stretch>
+            <a:fillRect/>
+          </a:stretch>
+        </p:blipFill>
+        <p:spPr>
+          <a:xfrm>
+            <a:off x="6394197" y="1242558"/>
+            <a:ext cx="4511991" cy="5250317"/>
           </a:xfrm>
           <a:prstGeom prst="rect">
             <a:avLst/>
@@ -12038,7 +11889,7 @@
     </p:spTree>
     <p:extLst>
       <p:ext uri="{BB962C8B-B14F-4D97-AF65-F5344CB8AC3E}">
-        <p14:creationId xmlns:p14="http://schemas.microsoft.com/office/powerpoint/2010/main" val="3243554057"/>
+        <p14:creationId xmlns:p14="http://schemas.microsoft.com/office/powerpoint/2010/main" val="17736079"/>
       </p:ext>
     </p:extLst>
   </p:cSld>
@@ -12065,40 +11916,12 @@
           <a:chExt cx="0" cy="0"/>
         </a:xfrm>
       </p:grpSpPr>
-      <p:sp>
-        <p:nvSpPr>
-          <p:cNvPr id="2" name="Title 1">
-            <a:extLst>
-              <a:ext uri="{FF2B5EF4-FFF2-40B4-BE49-F238E27FC236}">
-                <a16:creationId xmlns:a16="http://schemas.microsoft.com/office/drawing/2014/main" id="{71DE5ED6-49D5-43EE-E52E-844BFD80D4AE}"/>
-              </a:ext>
-            </a:extLst>
-          </p:cNvPr>
-          <p:cNvSpPr>
-            <a:spLocks noGrp="1"/>
-          </p:cNvSpPr>
-          <p:nvPr>
-            <p:ph type="title"/>
-          </p:nvPr>
-        </p:nvSpPr>
-        <p:spPr/>
-        <p:txBody>
-          <a:bodyPr/>
-          <a:lstStyle/>
-          <a:p>
-            <a:r>
-              <a:rPr lang="en-GB" dirty="0"/>
-              <a:t>Create storage account</a:t>
-            </a:r>
-          </a:p>
-        </p:txBody>
-      </p:sp>
       <p:pic>
         <p:nvPicPr>
-          <p:cNvPr id="11" name="Picture 10">
-            <a:extLst>
-              <a:ext uri="{FF2B5EF4-FFF2-40B4-BE49-F238E27FC236}">
-                <a16:creationId xmlns:a16="http://schemas.microsoft.com/office/drawing/2014/main" id="{3268972B-32A1-31B9-A481-6C95F1501AAC}"/>
+          <p:cNvPr id="8" name="Picture 7">
+            <a:extLst>
+              <a:ext uri="{FF2B5EF4-FFF2-40B4-BE49-F238E27FC236}">
+                <a16:creationId xmlns:a16="http://schemas.microsoft.com/office/drawing/2014/main" id="{267E26B0-ADE5-2D5A-201D-E7974C1FE8C8}"/>
               </a:ext>
             </a:extLst>
           </p:cNvPr>
@@ -12115,8 +11938,38 @@
         </p:blipFill>
         <p:spPr>
           <a:xfrm>
-            <a:off x="2676047" y="2109603"/>
-            <a:ext cx="6839905" cy="2638793"/>
+            <a:off x="497406" y="502516"/>
+            <a:ext cx="6401129" cy="5550185"/>
+          </a:xfrm>
+          <a:prstGeom prst="rect">
+            <a:avLst/>
+          </a:prstGeom>
+        </p:spPr>
+      </p:pic>
+      <p:pic>
+        <p:nvPicPr>
+          <p:cNvPr id="9" name="Picture 8">
+            <a:extLst>
+              <a:ext uri="{FF2B5EF4-FFF2-40B4-BE49-F238E27FC236}">
+                <a16:creationId xmlns:a16="http://schemas.microsoft.com/office/drawing/2014/main" id="{159E5FD2-985E-7690-3E2A-435134F3B0FE}"/>
+              </a:ext>
+            </a:extLst>
+          </p:cNvPr>
+          <p:cNvPicPr>
+            <a:picLocks noChangeAspect="1"/>
+          </p:cNvPicPr>
+          <p:nvPr/>
+        </p:nvPicPr>
+        <p:blipFill>
+          <a:blip r:embed="rId3"/>
+          <a:stretch>
+            <a:fillRect/>
+          </a:stretch>
+        </p:blipFill>
+        <p:spPr>
+          <a:xfrm>
+            <a:off x="7205188" y="923852"/>
+            <a:ext cx="4915153" cy="2006703"/>
           </a:xfrm>
           <a:prstGeom prst="rect">
             <a:avLst/>
@@ -12126,7 +11979,7 @@
     </p:spTree>
     <p:extLst>
       <p:ext uri="{BB962C8B-B14F-4D97-AF65-F5344CB8AC3E}">
-        <p14:creationId xmlns:p14="http://schemas.microsoft.com/office/powerpoint/2010/main" val="164542091"/>
+        <p14:creationId xmlns:p14="http://schemas.microsoft.com/office/powerpoint/2010/main" val="3790276932"/>
       </p:ext>
     </p:extLst>
   </p:cSld>
@@ -12153,45 +12006,12 @@
           <a:chExt cx="0" cy="0"/>
         </a:xfrm>
       </p:grpSpPr>
-      <p:sp>
-        <p:nvSpPr>
-          <p:cNvPr id="2" name="Title 1">
-            <a:extLst>
-              <a:ext uri="{FF2B5EF4-FFF2-40B4-BE49-F238E27FC236}">
-                <a16:creationId xmlns:a16="http://schemas.microsoft.com/office/drawing/2014/main" id="{71DE5ED6-49D5-43EE-E52E-844BFD80D4AE}"/>
-              </a:ext>
-            </a:extLst>
-          </p:cNvPr>
-          <p:cNvSpPr>
-            <a:spLocks noGrp="1"/>
-          </p:cNvSpPr>
-          <p:nvPr>
-            <p:ph type="title"/>
-          </p:nvPr>
-        </p:nvSpPr>
-        <p:spPr>
-          <a:xfrm>
-            <a:off x="493644" y="0"/>
-            <a:ext cx="10515600" cy="993913"/>
-          </a:xfrm>
-        </p:spPr>
-        <p:txBody>
-          <a:bodyPr/>
-          <a:lstStyle/>
-          <a:p>
-            <a:r>
-              <a:rPr lang="en-GB" dirty="0"/>
-              <a:t>Create storage account</a:t>
-            </a:r>
-          </a:p>
-        </p:txBody>
-      </p:sp>
       <p:pic>
         <p:nvPicPr>
-          <p:cNvPr id="4" name="Picture 3">
-            <a:extLst>
-              <a:ext uri="{FF2B5EF4-FFF2-40B4-BE49-F238E27FC236}">
-                <a16:creationId xmlns:a16="http://schemas.microsoft.com/office/drawing/2014/main" id="{4AA5BF6B-C24C-1D45-3336-F3EA65CFDD5B}"/>
+          <p:cNvPr id="5" name="Picture 4">
+            <a:extLst>
+              <a:ext uri="{FF2B5EF4-FFF2-40B4-BE49-F238E27FC236}">
+                <a16:creationId xmlns:a16="http://schemas.microsoft.com/office/drawing/2014/main" id="{D89C5F76-DE95-EF62-4BC4-CD0A02BDAAB6}"/>
               </a:ext>
             </a:extLst>
           </p:cNvPr>
@@ -12208,8 +12028,38 @@
         </p:blipFill>
         <p:spPr>
           <a:xfrm>
-            <a:off x="2948782" y="1139688"/>
-            <a:ext cx="5248404" cy="5718312"/>
+            <a:off x="564587" y="761453"/>
+            <a:ext cx="4680191" cy="3264068"/>
+          </a:xfrm>
+          <a:prstGeom prst="rect">
+            <a:avLst/>
+          </a:prstGeom>
+        </p:spPr>
+      </p:pic>
+      <p:pic>
+        <p:nvPicPr>
+          <p:cNvPr id="7" name="Picture 6">
+            <a:extLst>
+              <a:ext uri="{FF2B5EF4-FFF2-40B4-BE49-F238E27FC236}">
+                <a16:creationId xmlns:a16="http://schemas.microsoft.com/office/drawing/2014/main" id="{FE67BB66-D68E-91FC-1442-E45607E8A920}"/>
+              </a:ext>
+            </a:extLst>
+          </p:cNvPr>
+          <p:cNvPicPr>
+            <a:picLocks noChangeAspect="1"/>
+          </p:cNvPicPr>
+          <p:nvPr/>
+        </p:nvPicPr>
+        <p:blipFill>
+          <a:blip r:embed="rId3"/>
+          <a:stretch>
+            <a:fillRect/>
+          </a:stretch>
+        </p:blipFill>
+        <p:spPr>
+          <a:xfrm>
+            <a:off x="6858335" y="889174"/>
+            <a:ext cx="2508379" cy="3892750"/>
           </a:xfrm>
           <a:prstGeom prst="rect">
             <a:avLst/>
@@ -12219,7 +12069,7 @@
     </p:spTree>
     <p:extLst>
       <p:ext uri="{BB962C8B-B14F-4D97-AF65-F5344CB8AC3E}">
-        <p14:creationId xmlns:p14="http://schemas.microsoft.com/office/powerpoint/2010/main" val="2560816649"/>
+        <p14:creationId xmlns:p14="http://schemas.microsoft.com/office/powerpoint/2010/main" val="1708038266"/>
       </p:ext>
     </p:extLst>
   </p:cSld>
@@ -12246,49 +12096,19 @@
           <a:chExt cx="0" cy="0"/>
         </a:xfrm>
       </p:grpSpPr>
-      <p:sp>
-        <p:nvSpPr>
-          <p:cNvPr id="2" name="Title 1">
-            <a:extLst>
-              <a:ext uri="{FF2B5EF4-FFF2-40B4-BE49-F238E27FC236}">
-                <a16:creationId xmlns:a16="http://schemas.microsoft.com/office/drawing/2014/main" id="{D98458D0-E1F0-10C1-6C5E-8B96093F9386}"/>
-              </a:ext>
-            </a:extLst>
-          </p:cNvPr>
-          <p:cNvSpPr>
-            <a:spLocks noGrp="1"/>
-          </p:cNvSpPr>
-          <p:nvPr>
-            <p:ph type="title"/>
-          </p:nvPr>
-        </p:nvSpPr>
-        <p:spPr/>
-        <p:txBody>
-          <a:bodyPr/>
-          <a:lstStyle/>
-          <a:p>
-            <a:r>
-              <a:rPr lang="en-GB" dirty="0"/>
-              <a:t>Create storage account</a:t>
-            </a:r>
-          </a:p>
-        </p:txBody>
-      </p:sp>
       <p:pic>
         <p:nvPicPr>
-          <p:cNvPr id="5" name="Content Placeholder 4">
-            <a:extLst>
-              <a:ext uri="{FF2B5EF4-FFF2-40B4-BE49-F238E27FC236}">
-                <a16:creationId xmlns:a16="http://schemas.microsoft.com/office/drawing/2014/main" id="{124BE7D9-AF93-EE5B-E2E6-9F33994C2CCD}"/>
+          <p:cNvPr id="5" name="Picture 4">
+            <a:extLst>
+              <a:ext uri="{FF2B5EF4-FFF2-40B4-BE49-F238E27FC236}">
+                <a16:creationId xmlns:a16="http://schemas.microsoft.com/office/drawing/2014/main" id="{BC909FB5-6F06-559F-6D56-11877CAEF8ED}"/>
               </a:ext>
             </a:extLst>
           </p:cNvPr>
           <p:cNvPicPr>
-            <a:picLocks noGrp="1" noChangeAspect="1"/>
+            <a:picLocks noChangeAspect="1"/>
           </p:cNvPicPr>
-          <p:nvPr>
-            <p:ph idx="1"/>
-          </p:nvPr>
+          <p:nvPr/>
         </p:nvPicPr>
         <p:blipFill>
           <a:blip r:embed="rId2"/>
@@ -12298,15 +12118,18 @@
         </p:blipFill>
         <p:spPr>
           <a:xfrm>
-            <a:off x="4043010" y="1825625"/>
-            <a:ext cx="4105980" cy="4351338"/>
-          </a:xfrm>
+            <a:off x="645176" y="794450"/>
+            <a:ext cx="9036514" cy="3016405"/>
+          </a:xfrm>
+          <a:prstGeom prst="rect">
+            <a:avLst/>
+          </a:prstGeom>
         </p:spPr>
       </p:pic>
     </p:spTree>
     <p:extLst>
       <p:ext uri="{BB962C8B-B14F-4D97-AF65-F5344CB8AC3E}">
-        <p14:creationId xmlns:p14="http://schemas.microsoft.com/office/powerpoint/2010/main" val="1089022972"/>
+        <p14:creationId xmlns:p14="http://schemas.microsoft.com/office/powerpoint/2010/main" val="3243554057"/>
       </p:ext>
     </p:extLst>
   </p:cSld>
@@ -12338,7 +12161,7 @@
           <p:cNvPr id="2" name="Title 1">
             <a:extLst>
               <a:ext uri="{FF2B5EF4-FFF2-40B4-BE49-F238E27FC236}">
-                <a16:creationId xmlns:a16="http://schemas.microsoft.com/office/drawing/2014/main" id="{A9855EB4-231A-B2BB-23D8-C79A11CF751E}"/>
+                <a16:creationId xmlns:a16="http://schemas.microsoft.com/office/drawing/2014/main" id="{71DE5ED6-49D5-43EE-E52E-844BFD80D4AE}"/>
               </a:ext>
             </a:extLst>
           </p:cNvPr>
@@ -12354,16 +12177,19 @@
           <a:bodyPr/>
           <a:lstStyle/>
           <a:p>
-            <a:endParaRPr lang="en-GB"/>
+            <a:r>
+              <a:rPr lang="en-GB" dirty="0"/>
+              <a:t>Create storage account</a:t>
+            </a:r>
           </a:p>
         </p:txBody>
       </p:sp>
       <p:pic>
         <p:nvPicPr>
-          <p:cNvPr id="5" name="Picture 4">
-            <a:extLst>
-              <a:ext uri="{FF2B5EF4-FFF2-40B4-BE49-F238E27FC236}">
-                <a16:creationId xmlns:a16="http://schemas.microsoft.com/office/drawing/2014/main" id="{089D11D6-27A8-3832-4579-600DF8174797}"/>
+          <p:cNvPr id="11" name="Picture 10">
+            <a:extLst>
+              <a:ext uri="{FF2B5EF4-FFF2-40B4-BE49-F238E27FC236}">
+                <a16:creationId xmlns:a16="http://schemas.microsoft.com/office/drawing/2014/main" id="{3268972B-32A1-31B9-A481-6C95F1501AAC}"/>
               </a:ext>
             </a:extLst>
           </p:cNvPr>
@@ -12380,38 +12206,8 @@
         </p:blipFill>
         <p:spPr>
           <a:xfrm>
-            <a:off x="838200" y="1341107"/>
-            <a:ext cx="4039164" cy="4734586"/>
-          </a:xfrm>
-          <a:prstGeom prst="rect">
-            <a:avLst/>
-          </a:prstGeom>
-        </p:spPr>
-      </p:pic>
-      <p:pic>
-        <p:nvPicPr>
-          <p:cNvPr id="7" name="Picture 6">
-            <a:extLst>
-              <a:ext uri="{FF2B5EF4-FFF2-40B4-BE49-F238E27FC236}">
-                <a16:creationId xmlns:a16="http://schemas.microsoft.com/office/drawing/2014/main" id="{E549190D-56FB-0FD9-281C-B653ECB693F8}"/>
-              </a:ext>
-            </a:extLst>
-          </p:cNvPr>
-          <p:cNvPicPr>
-            <a:picLocks noChangeAspect="1"/>
-          </p:cNvPicPr>
-          <p:nvPr/>
-        </p:nvPicPr>
-        <p:blipFill>
-          <a:blip r:embed="rId3"/>
-          <a:stretch>
-            <a:fillRect/>
-          </a:stretch>
-        </p:blipFill>
-        <p:spPr>
-          <a:xfrm>
-            <a:off x="5154318" y="1341107"/>
-            <a:ext cx="4220164" cy="2448267"/>
+            <a:off x="2676047" y="2109603"/>
+            <a:ext cx="6839905" cy="2638793"/>
           </a:xfrm>
           <a:prstGeom prst="rect">
             <a:avLst/>
@@ -12421,7 +12217,7 @@
     </p:spTree>
     <p:extLst>
       <p:ext uri="{BB962C8B-B14F-4D97-AF65-F5344CB8AC3E}">
-        <p14:creationId xmlns:p14="http://schemas.microsoft.com/office/powerpoint/2010/main" val="3413111184"/>
+        <p14:creationId xmlns:p14="http://schemas.microsoft.com/office/powerpoint/2010/main" val="164542091"/>
       </p:ext>
     </p:extLst>
   </p:cSld>
@@ -12453,7 +12249,7 @@
           <p:cNvPr id="2" name="Title 1">
             <a:extLst>
               <a:ext uri="{FF2B5EF4-FFF2-40B4-BE49-F238E27FC236}">
-                <a16:creationId xmlns:a16="http://schemas.microsoft.com/office/drawing/2014/main" id="{4B8040E2-6B5A-FA8B-4D52-723252A920C1}"/>
+                <a16:creationId xmlns:a16="http://schemas.microsoft.com/office/drawing/2014/main" id="{71DE5ED6-49D5-43EE-E52E-844BFD80D4AE}"/>
               </a:ext>
             </a:extLst>
           </p:cNvPr>
@@ -12464,24 +12260,29 @@
             <p:ph type="title"/>
           </p:nvPr>
         </p:nvSpPr>
-        <p:spPr/>
+        <p:spPr>
+          <a:xfrm>
+            <a:off x="493644" y="0"/>
+            <a:ext cx="10515600" cy="993913"/>
+          </a:xfrm>
+        </p:spPr>
         <p:txBody>
           <a:bodyPr/>
           <a:lstStyle/>
           <a:p>
             <a:r>
               <a:rPr lang="en-GB" dirty="0"/>
-              <a:t>Create Azure Data Factory (ADF)</a:t>
+              <a:t>Create storage account</a:t>
             </a:r>
           </a:p>
         </p:txBody>
       </p:sp>
       <p:pic>
         <p:nvPicPr>
-          <p:cNvPr id="7" name="Picture 6">
-            <a:extLst>
-              <a:ext uri="{FF2B5EF4-FFF2-40B4-BE49-F238E27FC236}">
-                <a16:creationId xmlns:a16="http://schemas.microsoft.com/office/drawing/2014/main" id="{16BAAA67-2AB1-6738-A98A-DB6F55F1E904}"/>
+          <p:cNvPr id="4" name="Picture 3">
+            <a:extLst>
+              <a:ext uri="{FF2B5EF4-FFF2-40B4-BE49-F238E27FC236}">
+                <a16:creationId xmlns:a16="http://schemas.microsoft.com/office/drawing/2014/main" id="{4AA5BF6B-C24C-1D45-3336-F3EA65CFDD5B}"/>
               </a:ext>
             </a:extLst>
           </p:cNvPr>
@@ -12498,38 +12299,8 @@
         </p:blipFill>
         <p:spPr>
           <a:xfrm>
-            <a:off x="1567992" y="2066735"/>
-            <a:ext cx="6554115" cy="2724530"/>
-          </a:xfrm>
-          <a:prstGeom prst="rect">
-            <a:avLst/>
-          </a:prstGeom>
-        </p:spPr>
-      </p:pic>
-      <p:pic>
-        <p:nvPicPr>
-          <p:cNvPr id="9" name="Picture 8">
-            <a:extLst>
-              <a:ext uri="{FF2B5EF4-FFF2-40B4-BE49-F238E27FC236}">
-                <a16:creationId xmlns:a16="http://schemas.microsoft.com/office/drawing/2014/main" id="{E73A28CD-647B-8CCC-361C-593CEC1732D5}"/>
-              </a:ext>
-            </a:extLst>
-          </p:cNvPr>
-          <p:cNvPicPr>
-            <a:picLocks noChangeAspect="1"/>
-          </p:cNvPicPr>
-          <p:nvPr/>
-        </p:nvPicPr>
-        <p:blipFill>
-          <a:blip r:embed="rId3"/>
-          <a:stretch>
-            <a:fillRect/>
-          </a:stretch>
-        </p:blipFill>
-        <p:spPr>
-          <a:xfrm>
-            <a:off x="4466997" y="2219156"/>
-            <a:ext cx="3258005" cy="2419688"/>
+            <a:off x="2948782" y="1139688"/>
+            <a:ext cx="5248404" cy="5718312"/>
           </a:xfrm>
           <a:prstGeom prst="rect">
             <a:avLst/>
@@ -12539,7 +12310,7 @@
     </p:spTree>
     <p:extLst>
       <p:ext uri="{BB962C8B-B14F-4D97-AF65-F5344CB8AC3E}">
-        <p14:creationId xmlns:p14="http://schemas.microsoft.com/office/powerpoint/2010/main" val="2761438542"/>
+        <p14:creationId xmlns:p14="http://schemas.microsoft.com/office/powerpoint/2010/main" val="2560816649"/>
       </p:ext>
     </p:extLst>
   </p:cSld>
@@ -12571,7 +12342,7 @@
           <p:cNvPr id="2" name="Title 1">
             <a:extLst>
               <a:ext uri="{FF2B5EF4-FFF2-40B4-BE49-F238E27FC236}">
-                <a16:creationId xmlns:a16="http://schemas.microsoft.com/office/drawing/2014/main" id="{4B8040E2-6B5A-FA8B-4D52-723252A920C1}"/>
+                <a16:creationId xmlns:a16="http://schemas.microsoft.com/office/drawing/2014/main" id="{D98458D0-E1F0-10C1-6C5E-8B96093F9386}"/>
               </a:ext>
             </a:extLst>
           </p:cNvPr>
@@ -12589,24 +12360,26 @@
           <a:p>
             <a:r>
               <a:rPr lang="en-GB" dirty="0"/>
-              <a:t>Create Azure Data Factory (ADF)</a:t>
+              <a:t>Create storage account</a:t>
             </a:r>
           </a:p>
         </p:txBody>
       </p:sp>
       <p:pic>
         <p:nvPicPr>
-          <p:cNvPr id="9" name="Picture 8">
-            <a:extLst>
-              <a:ext uri="{FF2B5EF4-FFF2-40B4-BE49-F238E27FC236}">
-                <a16:creationId xmlns:a16="http://schemas.microsoft.com/office/drawing/2014/main" id="{E73A28CD-647B-8CCC-361C-593CEC1732D5}"/>
+          <p:cNvPr id="5" name="Content Placeholder 4">
+            <a:extLst>
+              <a:ext uri="{FF2B5EF4-FFF2-40B4-BE49-F238E27FC236}">
+                <a16:creationId xmlns:a16="http://schemas.microsoft.com/office/drawing/2014/main" id="{124BE7D9-AF93-EE5B-E2E6-9F33994C2CCD}"/>
               </a:ext>
             </a:extLst>
           </p:cNvPr>
           <p:cNvPicPr>
-            <a:picLocks noChangeAspect="1"/>
+            <a:picLocks noGrp="1" noChangeAspect="1"/>
           </p:cNvPicPr>
-          <p:nvPr/>
+          <p:nvPr>
+            <p:ph idx="1"/>
+          </p:nvPr>
         </p:nvPicPr>
         <p:blipFill>
           <a:blip r:embed="rId2"/>
@@ -12616,18 +12389,15 @@
         </p:blipFill>
         <p:spPr>
           <a:xfrm>
-            <a:off x="2301647" y="2219156"/>
-            <a:ext cx="3258005" cy="2419688"/>
-          </a:xfrm>
-          <a:prstGeom prst="rect">
-            <a:avLst/>
-          </a:prstGeom>
+            <a:off x="4043010" y="1825625"/>
+            <a:ext cx="4105980" cy="4351338"/>
+          </a:xfrm>
         </p:spPr>
       </p:pic>
     </p:spTree>
     <p:extLst>
       <p:ext uri="{BB962C8B-B14F-4D97-AF65-F5344CB8AC3E}">
-        <p14:creationId xmlns:p14="http://schemas.microsoft.com/office/powerpoint/2010/main" val="444765943"/>
+        <p14:creationId xmlns:p14="http://schemas.microsoft.com/office/powerpoint/2010/main" val="1089022972"/>
       </p:ext>
     </p:extLst>
   </p:cSld>
@@ -12705,10 +12475,7 @@
           <a:lstStyle/>
           <a:p>
             <a:pPr algn="ctr"/>
-            <a:r>
-              <a:rPr lang="en-GB" dirty="0"/>
-              <a:t>Res</a:t>
-            </a:r>
+            <a:endParaRPr lang="en-GB" dirty="0"/>
           </a:p>
         </p:txBody>
       </p:sp>
@@ -12847,42 +12614,6 @@
           <a:xfrm>
             <a:off x="602064" y="2881893"/>
             <a:ext cx="1577795" cy="1624516"/>
-          </a:xfrm>
-          <a:prstGeom prst="rect">
-            <a:avLst/>
-          </a:prstGeom>
-        </p:spPr>
-      </p:pic>
-      <p:pic>
-        <p:nvPicPr>
-          <p:cNvPr id="13" name="Graphic 12">
-            <a:extLst>
-              <a:ext uri="{FF2B5EF4-FFF2-40B4-BE49-F238E27FC236}">
-                <a16:creationId xmlns:a16="http://schemas.microsoft.com/office/drawing/2014/main" id="{09D90857-96C6-0E6F-EB6B-44EEBC3A1E1E}"/>
-              </a:ext>
-            </a:extLst>
-          </p:cNvPr>
-          <p:cNvPicPr>
-            <a:picLocks noChangeAspect="1"/>
-          </p:cNvPicPr>
-          <p:nvPr/>
-        </p:nvPicPr>
-        <p:blipFill>
-          <a:blip r:embed="rId9">
-            <a:extLst>
-              <a:ext uri="{96DAC541-7B7A-43D3-8B79-37D633B846F1}">
-                <asvg:svgBlip xmlns:asvg="http://schemas.microsoft.com/office/drawing/2016/SVG/main" r:embed="rId10"/>
-              </a:ext>
-            </a:extLst>
-          </a:blip>
-          <a:stretch>
-            <a:fillRect/>
-          </a:stretch>
-        </p:blipFill>
-        <p:spPr>
-          <a:xfrm>
-            <a:off x="9597896" y="2881893"/>
-            <a:ext cx="1528413" cy="1627205"/>
           </a:xfrm>
           <a:prstGeom prst="rect">
             <a:avLst/>
@@ -12983,52 +12714,6 @@
       </p:sp>
       <p:sp>
         <p:nvSpPr>
-          <p:cNvPr id="16" name="Arrow: Right 15">
-            <a:extLst>
-              <a:ext uri="{FF2B5EF4-FFF2-40B4-BE49-F238E27FC236}">
-                <a16:creationId xmlns:a16="http://schemas.microsoft.com/office/drawing/2014/main" id="{076F5F6E-FAE4-CC02-6124-E7AED170678B}"/>
-              </a:ext>
-            </a:extLst>
-          </p:cNvPr>
-          <p:cNvSpPr/>
-          <p:nvPr/>
-        </p:nvSpPr>
-        <p:spPr>
-          <a:xfrm>
-            <a:off x="8586995" y="3574799"/>
-            <a:ext cx="914747" cy="401444"/>
-          </a:xfrm>
-          <a:prstGeom prst="rightArrow">
-            <a:avLst/>
-          </a:prstGeom>
-        </p:spPr>
-        <p:style>
-          <a:lnRef idx="2">
-            <a:schemeClr val="dk1">
-              <a:shade val="15000"/>
-            </a:schemeClr>
-          </a:lnRef>
-          <a:fillRef idx="1">
-            <a:schemeClr val="dk1"/>
-          </a:fillRef>
-          <a:effectRef idx="0">
-            <a:schemeClr val="dk1"/>
-          </a:effectRef>
-          <a:fontRef idx="minor">
-            <a:schemeClr val="lt1"/>
-          </a:fontRef>
-        </p:style>
-        <p:txBody>
-          <a:bodyPr rtlCol="0" anchor="ctr"/>
-          <a:lstStyle/>
-          <a:p>
-            <a:pPr algn="ctr"/>
-            <a:endParaRPr lang="en-GB"/>
-          </a:p>
-        </p:txBody>
-      </p:sp>
-      <p:sp>
-        <p:nvSpPr>
           <p:cNvPr id="18" name="TextBox 17">
             <a:extLst>
               <a:ext uri="{FF2B5EF4-FFF2-40B4-BE49-F238E27FC236}">
@@ -13128,41 +12813,6 @@
             <a:r>
               <a:rPr lang="en-GB" b="1" dirty="0"/>
               <a:t>Storage Account</a:t>
-            </a:r>
-          </a:p>
-        </p:txBody>
-      </p:sp>
-      <p:sp>
-        <p:nvSpPr>
-          <p:cNvPr id="21" name="TextBox 20">
-            <a:extLst>
-              <a:ext uri="{FF2B5EF4-FFF2-40B4-BE49-F238E27FC236}">
-                <a16:creationId xmlns:a16="http://schemas.microsoft.com/office/drawing/2014/main" id="{B4A91FB3-82E8-D67F-A21D-09BD2F1FEB5F}"/>
-              </a:ext>
-            </a:extLst>
-          </p:cNvPr>
-          <p:cNvSpPr txBox="1"/>
-          <p:nvPr/>
-        </p:nvSpPr>
-        <p:spPr>
-          <a:xfrm>
-            <a:off x="9701579" y="4506408"/>
-            <a:ext cx="1321045" cy="369332"/>
-          </a:xfrm>
-          <a:prstGeom prst="rect">
-            <a:avLst/>
-          </a:prstGeom>
-          <a:noFill/>
-        </p:spPr>
-        <p:txBody>
-          <a:bodyPr wrap="square" rtlCol="0">
-            <a:spAutoFit/>
-          </a:bodyPr>
-          <a:lstStyle/>
-          <a:p>
-            <a:r>
-              <a:rPr lang="en-GB" b="1" dirty="0"/>
-              <a:t>Databricks</a:t>
             </a:r>
           </a:p>
         </p:txBody>
@@ -13210,7 +12860,7 @@
     </p:spTree>
     <p:extLst>
       <p:ext uri="{BB962C8B-B14F-4D97-AF65-F5344CB8AC3E}">
-        <p14:creationId xmlns:p14="http://schemas.microsoft.com/office/powerpoint/2010/main" val="1889225161"/>
+        <p14:creationId xmlns:p14="http://schemas.microsoft.com/office/powerpoint/2010/main" val="740570513"/>
       </p:ext>
     </p:extLst>
   </p:cSld>
@@ -13242,7 +12892,7 @@
           <p:cNvPr id="2" name="Title 1">
             <a:extLst>
               <a:ext uri="{FF2B5EF4-FFF2-40B4-BE49-F238E27FC236}">
-                <a16:creationId xmlns:a16="http://schemas.microsoft.com/office/drawing/2014/main" id="{4B8040E2-6B5A-FA8B-4D52-723252A920C1}"/>
+                <a16:creationId xmlns:a16="http://schemas.microsoft.com/office/drawing/2014/main" id="{A9855EB4-231A-B2BB-23D8-C79A11CF751E}"/>
               </a:ext>
             </a:extLst>
           </p:cNvPr>
@@ -13258,19 +12908,16 @@
           <a:bodyPr/>
           <a:lstStyle/>
           <a:p>
-            <a:r>
-              <a:rPr lang="en-GB" dirty="0"/>
-              <a:t>Create Azure Data Factory (ADF)</a:t>
-            </a:r>
+            <a:endParaRPr lang="en-GB"/>
           </a:p>
         </p:txBody>
       </p:sp>
       <p:pic>
         <p:nvPicPr>
-          <p:cNvPr id="6" name="Picture 5">
-            <a:extLst>
-              <a:ext uri="{FF2B5EF4-FFF2-40B4-BE49-F238E27FC236}">
-                <a16:creationId xmlns:a16="http://schemas.microsoft.com/office/drawing/2014/main" id="{A3EE72BE-7E6D-0EB3-68E3-15226B7C0E10}"/>
+          <p:cNvPr id="5" name="Picture 4">
+            <a:extLst>
+              <a:ext uri="{FF2B5EF4-FFF2-40B4-BE49-F238E27FC236}">
+                <a16:creationId xmlns:a16="http://schemas.microsoft.com/office/drawing/2014/main" id="{089D11D6-27A8-3832-4579-600DF8174797}"/>
               </a:ext>
             </a:extLst>
           </p:cNvPr>
@@ -13287,8 +12934,38 @@
         </p:blipFill>
         <p:spPr>
           <a:xfrm>
-            <a:off x="2330450" y="1241679"/>
-            <a:ext cx="5939310" cy="5103964"/>
+            <a:off x="838200" y="1341107"/>
+            <a:ext cx="4039164" cy="4734586"/>
+          </a:xfrm>
+          <a:prstGeom prst="rect">
+            <a:avLst/>
+          </a:prstGeom>
+        </p:spPr>
+      </p:pic>
+      <p:pic>
+        <p:nvPicPr>
+          <p:cNvPr id="7" name="Picture 6">
+            <a:extLst>
+              <a:ext uri="{FF2B5EF4-FFF2-40B4-BE49-F238E27FC236}">
+                <a16:creationId xmlns:a16="http://schemas.microsoft.com/office/drawing/2014/main" id="{E549190D-56FB-0FD9-281C-B653ECB693F8}"/>
+              </a:ext>
+            </a:extLst>
+          </p:cNvPr>
+          <p:cNvPicPr>
+            <a:picLocks noChangeAspect="1"/>
+          </p:cNvPicPr>
+          <p:nvPr/>
+        </p:nvPicPr>
+        <p:blipFill>
+          <a:blip r:embed="rId3"/>
+          <a:stretch>
+            <a:fillRect/>
+          </a:stretch>
+        </p:blipFill>
+        <p:spPr>
+          <a:xfrm>
+            <a:off x="5154318" y="1341107"/>
+            <a:ext cx="4220164" cy="2448267"/>
           </a:xfrm>
           <a:prstGeom prst="rect">
             <a:avLst/>
@@ -13298,7 +12975,7 @@
     </p:spTree>
     <p:extLst>
       <p:ext uri="{BB962C8B-B14F-4D97-AF65-F5344CB8AC3E}">
-        <p14:creationId xmlns:p14="http://schemas.microsoft.com/office/powerpoint/2010/main" val="120758956"/>
+        <p14:creationId xmlns:p14="http://schemas.microsoft.com/office/powerpoint/2010/main" val="3413111184"/>
       </p:ext>
     </p:extLst>
   </p:cSld>
@@ -13330,7 +13007,7 @@
           <p:cNvPr id="2" name="Title 1">
             <a:extLst>
               <a:ext uri="{FF2B5EF4-FFF2-40B4-BE49-F238E27FC236}">
-                <a16:creationId xmlns:a16="http://schemas.microsoft.com/office/drawing/2014/main" id="{767D3F27-60C0-A37F-763F-F30EC96BFF76}"/>
+                <a16:creationId xmlns:a16="http://schemas.microsoft.com/office/drawing/2014/main" id="{4B8040E2-6B5A-FA8B-4D52-723252A920C1}"/>
               </a:ext>
             </a:extLst>
           </p:cNvPr>
@@ -13341,17 +13018,15 @@
             <p:ph type="title"/>
           </p:nvPr>
         </p:nvSpPr>
-        <p:spPr>
-          <a:xfrm>
-            <a:off x="838200" y="365126"/>
-            <a:ext cx="10101470" cy="1092614"/>
-          </a:xfrm>
-        </p:spPr>
-        <p:txBody>
-          <a:bodyPr/>
-          <a:lstStyle/>
-          <a:p>
-            <a:endParaRPr lang="en-GB" dirty="0"/>
+        <p:spPr/>
+        <p:txBody>
+          <a:bodyPr/>
+          <a:lstStyle/>
+          <a:p>
+            <a:r>
+              <a:rPr lang="en-GB" dirty="0"/>
+              <a:t>Create Azure Data Factory (ADF)</a:t>
+            </a:r>
           </a:p>
         </p:txBody>
       </p:sp>
@@ -13360,7 +13035,7 @@
           <p:cNvPr id="7" name="Picture 6">
             <a:extLst>
               <a:ext uri="{FF2B5EF4-FFF2-40B4-BE49-F238E27FC236}">
-                <a16:creationId xmlns:a16="http://schemas.microsoft.com/office/drawing/2014/main" id="{63363270-92B1-CA00-235B-6F5FBFBB4DA7}"/>
+                <a16:creationId xmlns:a16="http://schemas.microsoft.com/office/drawing/2014/main" id="{16BAAA67-2AB1-6738-A98A-DB6F55F1E904}"/>
               </a:ext>
             </a:extLst>
           </p:cNvPr>
@@ -13377,8 +13052,38 @@
         </p:blipFill>
         <p:spPr>
           <a:xfrm>
-            <a:off x="838200" y="1603639"/>
-            <a:ext cx="6207345" cy="5108588"/>
+            <a:off x="1567992" y="2066735"/>
+            <a:ext cx="6554115" cy="2724530"/>
+          </a:xfrm>
+          <a:prstGeom prst="rect">
+            <a:avLst/>
+          </a:prstGeom>
+        </p:spPr>
+      </p:pic>
+      <p:pic>
+        <p:nvPicPr>
+          <p:cNvPr id="9" name="Picture 8">
+            <a:extLst>
+              <a:ext uri="{FF2B5EF4-FFF2-40B4-BE49-F238E27FC236}">
+                <a16:creationId xmlns:a16="http://schemas.microsoft.com/office/drawing/2014/main" id="{E73A28CD-647B-8CCC-361C-593CEC1732D5}"/>
+              </a:ext>
+            </a:extLst>
+          </p:cNvPr>
+          <p:cNvPicPr>
+            <a:picLocks noChangeAspect="1"/>
+          </p:cNvPicPr>
+          <p:nvPr/>
+        </p:nvPicPr>
+        <p:blipFill>
+          <a:blip r:embed="rId3"/>
+          <a:stretch>
+            <a:fillRect/>
+          </a:stretch>
+        </p:blipFill>
+        <p:spPr>
+          <a:xfrm>
+            <a:off x="4466997" y="2219156"/>
+            <a:ext cx="3258005" cy="2419688"/>
           </a:xfrm>
           <a:prstGeom prst="rect">
             <a:avLst/>
@@ -13388,7 +13093,7 @@
     </p:spTree>
     <p:extLst>
       <p:ext uri="{BB962C8B-B14F-4D97-AF65-F5344CB8AC3E}">
-        <p14:creationId xmlns:p14="http://schemas.microsoft.com/office/powerpoint/2010/main" val="12475657"/>
+        <p14:creationId xmlns:p14="http://schemas.microsoft.com/office/powerpoint/2010/main" val="2761438542"/>
       </p:ext>
     </p:extLst>
   </p:cSld>
@@ -13420,7 +13125,7 @@
           <p:cNvPr id="2" name="Title 1">
             <a:extLst>
               <a:ext uri="{FF2B5EF4-FFF2-40B4-BE49-F238E27FC236}">
-                <a16:creationId xmlns:a16="http://schemas.microsoft.com/office/drawing/2014/main" id="{21017636-EA3E-8FEF-99A9-52E40CE4CEE3}"/>
+                <a16:creationId xmlns:a16="http://schemas.microsoft.com/office/drawing/2014/main" id="{4B8040E2-6B5A-FA8B-4D52-723252A920C1}"/>
               </a:ext>
             </a:extLst>
           </p:cNvPr>
@@ -13436,16 +13141,19 @@
           <a:bodyPr/>
           <a:lstStyle/>
           <a:p>
-            <a:endParaRPr lang="en-GB"/>
+            <a:r>
+              <a:rPr lang="en-GB" dirty="0"/>
+              <a:t>Create Azure Data Factory (ADF)</a:t>
+            </a:r>
           </a:p>
         </p:txBody>
       </p:sp>
       <p:pic>
         <p:nvPicPr>
-          <p:cNvPr id="4" name="Picture 3">
-            <a:extLst>
-              <a:ext uri="{FF2B5EF4-FFF2-40B4-BE49-F238E27FC236}">
-                <a16:creationId xmlns:a16="http://schemas.microsoft.com/office/drawing/2014/main" id="{4F69654C-6DA8-2205-4B70-B0177BA26CE7}"/>
+          <p:cNvPr id="9" name="Picture 8">
+            <a:extLst>
+              <a:ext uri="{FF2B5EF4-FFF2-40B4-BE49-F238E27FC236}">
+                <a16:creationId xmlns:a16="http://schemas.microsoft.com/office/drawing/2014/main" id="{E73A28CD-647B-8CCC-361C-593CEC1732D5}"/>
               </a:ext>
             </a:extLst>
           </p:cNvPr>
@@ -13462,8 +13170,8 @@
         </p:blipFill>
         <p:spPr>
           <a:xfrm>
-            <a:off x="3139923" y="2035103"/>
-            <a:ext cx="5912154" cy="2787793"/>
+            <a:off x="2301647" y="2219156"/>
+            <a:ext cx="3258005" cy="2419688"/>
           </a:xfrm>
           <a:prstGeom prst="rect">
             <a:avLst/>
@@ -13473,7 +13181,7 @@
     </p:spTree>
     <p:extLst>
       <p:ext uri="{BB962C8B-B14F-4D97-AF65-F5344CB8AC3E}">
-        <p14:creationId xmlns:p14="http://schemas.microsoft.com/office/powerpoint/2010/main" val="1967800904"/>
+        <p14:creationId xmlns:p14="http://schemas.microsoft.com/office/powerpoint/2010/main" val="444765943"/>
       </p:ext>
     </p:extLst>
   </p:cSld>
@@ -13505,7 +13213,7 @@
           <p:cNvPr id="2" name="Title 1">
             <a:extLst>
               <a:ext uri="{FF2B5EF4-FFF2-40B4-BE49-F238E27FC236}">
-                <a16:creationId xmlns:a16="http://schemas.microsoft.com/office/drawing/2014/main" id="{21017636-EA3E-8FEF-99A9-52E40CE4CEE3}"/>
+                <a16:creationId xmlns:a16="http://schemas.microsoft.com/office/drawing/2014/main" id="{4B8040E2-6B5A-FA8B-4D52-723252A920C1}"/>
               </a:ext>
             </a:extLst>
           </p:cNvPr>
@@ -13516,28 +13224,24 @@
             <p:ph type="title"/>
           </p:nvPr>
         </p:nvSpPr>
-        <p:spPr>
-          <a:xfrm>
-            <a:off x="838200" y="365125"/>
-            <a:ext cx="9310991" cy="566593"/>
-          </a:xfrm>
-        </p:spPr>
-        <p:txBody>
-          <a:bodyPr>
-            <a:normAutofit fontScale="90000"/>
-          </a:bodyPr>
-          <a:lstStyle/>
-          <a:p>
-            <a:endParaRPr lang="en-GB" dirty="0"/>
+        <p:spPr/>
+        <p:txBody>
+          <a:bodyPr/>
+          <a:lstStyle/>
+          <a:p>
+            <a:r>
+              <a:rPr lang="en-GB" dirty="0"/>
+              <a:t>Create Azure Data Factory (ADF)</a:t>
+            </a:r>
           </a:p>
         </p:txBody>
       </p:sp>
       <p:pic>
         <p:nvPicPr>
-          <p:cNvPr id="5" name="Picture 4">
-            <a:extLst>
-              <a:ext uri="{FF2B5EF4-FFF2-40B4-BE49-F238E27FC236}">
-                <a16:creationId xmlns:a16="http://schemas.microsoft.com/office/drawing/2014/main" id="{8F5E4456-8C4D-4A3F-7FEB-51C36B0663E7}"/>
+          <p:cNvPr id="6" name="Picture 5">
+            <a:extLst>
+              <a:ext uri="{FF2B5EF4-FFF2-40B4-BE49-F238E27FC236}">
+                <a16:creationId xmlns:a16="http://schemas.microsoft.com/office/drawing/2014/main" id="{A3EE72BE-7E6D-0EB3-68E3-15226B7C0E10}"/>
               </a:ext>
             </a:extLst>
           </p:cNvPr>
@@ -13554,8 +13258,8 @@
         </p:blipFill>
         <p:spPr>
           <a:xfrm>
-            <a:off x="1906620" y="931718"/>
-            <a:ext cx="8583805" cy="5116791"/>
+            <a:off x="2330450" y="1241679"/>
+            <a:ext cx="5939310" cy="5103964"/>
           </a:xfrm>
           <a:prstGeom prst="rect">
             <a:avLst/>
@@ -13565,7 +13269,7 @@
     </p:spTree>
     <p:extLst>
       <p:ext uri="{BB962C8B-B14F-4D97-AF65-F5344CB8AC3E}">
-        <p14:creationId xmlns:p14="http://schemas.microsoft.com/office/powerpoint/2010/main" val="2984621975"/>
+        <p14:creationId xmlns:p14="http://schemas.microsoft.com/office/powerpoint/2010/main" val="120758956"/>
       </p:ext>
     </p:extLst>
   </p:cSld>
@@ -13597,7 +13301,7 @@
           <p:cNvPr id="2" name="Title 1">
             <a:extLst>
               <a:ext uri="{FF2B5EF4-FFF2-40B4-BE49-F238E27FC236}">
-                <a16:creationId xmlns:a16="http://schemas.microsoft.com/office/drawing/2014/main" id="{DCD86764-00F4-6C9A-2130-D553A9C0F19A}"/>
+                <a16:creationId xmlns:a16="http://schemas.microsoft.com/office/drawing/2014/main" id="{767D3F27-60C0-A37F-763F-F30EC96BFF76}"/>
               </a:ext>
             </a:extLst>
           </p:cNvPr>
@@ -13608,21 +13312,26 @@
             <p:ph type="title"/>
           </p:nvPr>
         </p:nvSpPr>
-        <p:spPr/>
-        <p:txBody>
-          <a:bodyPr/>
-          <a:lstStyle/>
-          <a:p>
-            <a:endParaRPr lang="en-GB"/>
+        <p:spPr>
+          <a:xfrm>
+            <a:off x="838200" y="365126"/>
+            <a:ext cx="10101470" cy="1092614"/>
+          </a:xfrm>
+        </p:spPr>
+        <p:txBody>
+          <a:bodyPr/>
+          <a:lstStyle/>
+          <a:p>
+            <a:endParaRPr lang="en-GB" dirty="0"/>
           </a:p>
         </p:txBody>
       </p:sp>
       <p:pic>
         <p:nvPicPr>
-          <p:cNvPr id="6" name="Picture 5">
-            <a:extLst>
-              <a:ext uri="{FF2B5EF4-FFF2-40B4-BE49-F238E27FC236}">
-                <a16:creationId xmlns:a16="http://schemas.microsoft.com/office/drawing/2014/main" id="{47C005FD-6EF0-7A3C-6393-F6C7EBDD05A8}"/>
+          <p:cNvPr id="7" name="Picture 6">
+            <a:extLst>
+              <a:ext uri="{FF2B5EF4-FFF2-40B4-BE49-F238E27FC236}">
+                <a16:creationId xmlns:a16="http://schemas.microsoft.com/office/drawing/2014/main" id="{63363270-92B1-CA00-235B-6F5FBFBB4DA7}"/>
               </a:ext>
             </a:extLst>
           </p:cNvPr>
@@ -13639,8 +13348,8 @@
         </p:blipFill>
         <p:spPr>
           <a:xfrm>
-            <a:off x="371181" y="958723"/>
-            <a:ext cx="11449638" cy="4940554"/>
+            <a:off x="838200" y="1603639"/>
+            <a:ext cx="6207345" cy="5108588"/>
           </a:xfrm>
           <a:prstGeom prst="rect">
             <a:avLst/>
@@ -13650,7 +13359,7 @@
     </p:spTree>
     <p:extLst>
       <p:ext uri="{BB962C8B-B14F-4D97-AF65-F5344CB8AC3E}">
-        <p14:creationId xmlns:p14="http://schemas.microsoft.com/office/powerpoint/2010/main" val="1482287949"/>
+        <p14:creationId xmlns:p14="http://schemas.microsoft.com/office/powerpoint/2010/main" val="12475657"/>
       </p:ext>
     </p:extLst>
   </p:cSld>
@@ -13682,7 +13391,7 @@
           <p:cNvPr id="2" name="Title 1">
             <a:extLst>
               <a:ext uri="{FF2B5EF4-FFF2-40B4-BE49-F238E27FC236}">
-                <a16:creationId xmlns:a16="http://schemas.microsoft.com/office/drawing/2014/main" id="{DCD86764-00F4-6C9A-2130-D553A9C0F19A}"/>
+                <a16:creationId xmlns:a16="http://schemas.microsoft.com/office/drawing/2014/main" id="{21017636-EA3E-8FEF-99A9-52E40CE4CEE3}"/>
               </a:ext>
             </a:extLst>
           </p:cNvPr>
@@ -13707,7 +13416,7 @@
           <p:cNvPr id="4" name="Picture 3">
             <a:extLst>
               <a:ext uri="{FF2B5EF4-FFF2-40B4-BE49-F238E27FC236}">
-                <a16:creationId xmlns:a16="http://schemas.microsoft.com/office/drawing/2014/main" id="{1228FCC1-0C76-DB22-35FF-1D59981CB3E8}"/>
+                <a16:creationId xmlns:a16="http://schemas.microsoft.com/office/drawing/2014/main" id="{4F69654C-6DA8-2205-4B70-B0177BA26CE7}"/>
               </a:ext>
             </a:extLst>
           </p:cNvPr>
@@ -13724,8 +13433,8 @@
         </p:blipFill>
         <p:spPr>
           <a:xfrm>
-            <a:off x="838200" y="2026892"/>
-            <a:ext cx="3968954" cy="2101958"/>
+            <a:off x="3139923" y="2035103"/>
+            <a:ext cx="5912154" cy="2787793"/>
           </a:xfrm>
           <a:prstGeom prst="rect">
             <a:avLst/>
@@ -13735,7 +13444,7 @@
     </p:spTree>
     <p:extLst>
       <p:ext uri="{BB962C8B-B14F-4D97-AF65-F5344CB8AC3E}">
-        <p14:creationId xmlns:p14="http://schemas.microsoft.com/office/powerpoint/2010/main" val="3503579048"/>
+        <p14:creationId xmlns:p14="http://schemas.microsoft.com/office/powerpoint/2010/main" val="1967800904"/>
       </p:ext>
     </p:extLst>
   </p:cSld>
@@ -13746,6 +13455,98 @@
 </file>
 
 <file path=ppt/slides/slide76.xml><?xml version="1.0" encoding="utf-8"?>
+<p:sld xmlns:a="http://schemas.openxmlformats.org/drawingml/2006/main" xmlns:r="http://schemas.openxmlformats.org/officeDocument/2006/relationships" xmlns:p="http://schemas.openxmlformats.org/presentationml/2006/main">
+  <p:cSld>
+    <p:spTree>
+      <p:nvGrpSpPr>
+        <p:cNvPr id="1" name=""/>
+        <p:cNvGrpSpPr/>
+        <p:nvPr/>
+      </p:nvGrpSpPr>
+      <p:grpSpPr>
+        <a:xfrm>
+          <a:off x="0" y="0"/>
+          <a:ext cx="0" cy="0"/>
+          <a:chOff x="0" y="0"/>
+          <a:chExt cx="0" cy="0"/>
+        </a:xfrm>
+      </p:grpSpPr>
+      <p:sp>
+        <p:nvSpPr>
+          <p:cNvPr id="2" name="Title 1">
+            <a:extLst>
+              <a:ext uri="{FF2B5EF4-FFF2-40B4-BE49-F238E27FC236}">
+                <a16:creationId xmlns:a16="http://schemas.microsoft.com/office/drawing/2014/main" id="{21017636-EA3E-8FEF-99A9-52E40CE4CEE3}"/>
+              </a:ext>
+            </a:extLst>
+          </p:cNvPr>
+          <p:cNvSpPr>
+            <a:spLocks noGrp="1"/>
+          </p:cNvSpPr>
+          <p:nvPr>
+            <p:ph type="title"/>
+          </p:nvPr>
+        </p:nvSpPr>
+        <p:spPr>
+          <a:xfrm>
+            <a:off x="838200" y="365125"/>
+            <a:ext cx="9310991" cy="566593"/>
+          </a:xfrm>
+        </p:spPr>
+        <p:txBody>
+          <a:bodyPr>
+            <a:normAutofit fontScale="90000"/>
+          </a:bodyPr>
+          <a:lstStyle/>
+          <a:p>
+            <a:endParaRPr lang="en-GB" dirty="0"/>
+          </a:p>
+        </p:txBody>
+      </p:sp>
+      <p:pic>
+        <p:nvPicPr>
+          <p:cNvPr id="5" name="Picture 4">
+            <a:extLst>
+              <a:ext uri="{FF2B5EF4-FFF2-40B4-BE49-F238E27FC236}">
+                <a16:creationId xmlns:a16="http://schemas.microsoft.com/office/drawing/2014/main" id="{8F5E4456-8C4D-4A3F-7FEB-51C36B0663E7}"/>
+              </a:ext>
+            </a:extLst>
+          </p:cNvPr>
+          <p:cNvPicPr>
+            <a:picLocks noChangeAspect="1"/>
+          </p:cNvPicPr>
+          <p:nvPr/>
+        </p:nvPicPr>
+        <p:blipFill>
+          <a:blip r:embed="rId2"/>
+          <a:stretch>
+            <a:fillRect/>
+          </a:stretch>
+        </p:blipFill>
+        <p:spPr>
+          <a:xfrm>
+            <a:off x="1906620" y="931718"/>
+            <a:ext cx="8583805" cy="5116791"/>
+          </a:xfrm>
+          <a:prstGeom prst="rect">
+            <a:avLst/>
+          </a:prstGeom>
+        </p:spPr>
+      </p:pic>
+    </p:spTree>
+    <p:extLst>
+      <p:ext uri="{BB962C8B-B14F-4D97-AF65-F5344CB8AC3E}">
+        <p14:creationId xmlns:p14="http://schemas.microsoft.com/office/powerpoint/2010/main" val="2984621975"/>
+      </p:ext>
+    </p:extLst>
+  </p:cSld>
+  <p:clrMapOvr>
+    <a:masterClrMapping/>
+  </p:clrMapOvr>
+</p:sld>
+</file>
+
+<file path=ppt/slides/slide77.xml><?xml version="1.0" encoding="utf-8"?>
 <p:sld xmlns:a="http://schemas.openxmlformats.org/drawingml/2006/main" xmlns:r="http://schemas.openxmlformats.org/officeDocument/2006/relationships" xmlns:p="http://schemas.openxmlformats.org/presentationml/2006/main">
   <p:cSld>
     <p:spTree>
@@ -13775,7 +13576,7 @@
 </p:sld>
 </file>
 
-<file path=ppt/slides/slide77.xml><?xml version="1.0" encoding="utf-8"?>
+<file path=ppt/slides/slide78.xml><?xml version="1.0" encoding="utf-8"?>
 <p:sld xmlns:a="http://schemas.openxmlformats.org/drawingml/2006/main" xmlns:r="http://schemas.openxmlformats.org/officeDocument/2006/relationships" xmlns:p="http://schemas.openxmlformats.org/presentationml/2006/main">
   <p:cSld>
     <p:spTree>
@@ -13878,10 +13679,68 @@
       </p:grpSpPr>
       <p:sp>
         <p:nvSpPr>
+          <p:cNvPr id="22" name="Rectangle: Rounded Corners 21">
+            <a:extLst>
+              <a:ext uri="{FF2B5EF4-FFF2-40B4-BE49-F238E27FC236}">
+                <a16:creationId xmlns:a16="http://schemas.microsoft.com/office/drawing/2014/main" id="{2ED40CFA-8D44-1769-8FAB-C91146F46BA5}"/>
+              </a:ext>
+            </a:extLst>
+          </p:cNvPr>
+          <p:cNvSpPr/>
+          <p:nvPr/>
+        </p:nvSpPr>
+        <p:spPr>
+          <a:xfrm>
+            <a:off x="403597" y="2358521"/>
+            <a:ext cx="11186339" cy="3348596"/>
+          </a:xfrm>
+          <a:prstGeom prst="roundRect">
+            <a:avLst/>
+          </a:prstGeom>
+          <a:solidFill>
+            <a:schemeClr val="tx2">
+              <a:lumMod val="10000"/>
+              <a:lumOff val="90000"/>
+            </a:schemeClr>
+          </a:solidFill>
+          <a:ln>
+            <a:prstDash val="sysDot"/>
+          </a:ln>
+        </p:spPr>
+        <p:style>
+          <a:lnRef idx="2">
+            <a:schemeClr val="accent1">
+              <a:shade val="15000"/>
+            </a:schemeClr>
+          </a:lnRef>
+          <a:fillRef idx="1">
+            <a:schemeClr val="accent1"/>
+          </a:fillRef>
+          <a:effectRef idx="0">
+            <a:schemeClr val="accent1"/>
+          </a:effectRef>
+          <a:fontRef idx="minor">
+            <a:schemeClr val="lt1"/>
+          </a:fontRef>
+        </p:style>
+        <p:txBody>
+          <a:bodyPr rtlCol="0" anchor="ctr"/>
+          <a:lstStyle/>
+          <a:p>
+            <a:pPr algn="ctr"/>
+            <a:r>
+              <a:rPr lang="en-GB" dirty="0"/>
+              <a:t>Res</a:t>
+            </a:r>
+          </a:p>
+        </p:txBody>
+      </p:sp>
+      <p:sp>
+        <p:nvSpPr>
           <p:cNvPr id="2" name="Title 1">
             <a:extLst>
               <a:ext uri="{FF2B5EF4-FFF2-40B4-BE49-F238E27FC236}">
-                <a16:creationId xmlns:a16="http://schemas.microsoft.com/office/drawing/2014/main" id="{9831B8CC-CE63-2632-A79B-DF312B723DB2}"/>
+                <a16:creationId xmlns:a16="http://schemas.microsoft.com/office/drawing/2014/main" id="{2C3F64A2-3986-B347-A058-E0F2DBC29E55}"/>
               </a:ext>
             </a:extLst>
           </p:cNvPr>
@@ -13892,48 +13751,481 @@
             <p:ph type="title"/>
           </p:nvPr>
         </p:nvSpPr>
-        <p:spPr/>
+        <p:spPr>
+          <a:xfrm>
+            <a:off x="403597" y="724953"/>
+            <a:ext cx="10515600" cy="1325563"/>
+          </a:xfrm>
+        </p:spPr>
         <p:txBody>
           <a:bodyPr/>
           <a:lstStyle/>
           <a:p>
             <a:r>
               <a:rPr lang="en-GB" dirty="0"/>
-              <a:t>VS Code</a:t>
-            </a:r>
-          </a:p>
-        </p:txBody>
-      </p:sp>
-      <p:sp>
-        <p:nvSpPr>
-          <p:cNvPr id="3" name="Content Placeholder 2">
-            <a:extLst>
-              <a:ext uri="{FF2B5EF4-FFF2-40B4-BE49-F238E27FC236}">
-                <a16:creationId xmlns:a16="http://schemas.microsoft.com/office/drawing/2014/main" id="{B5E4477C-CAAB-ABF9-981B-11DA484523CD}"/>
-              </a:ext>
-            </a:extLst>
-          </p:cNvPr>
-          <p:cNvSpPr>
-            <a:spLocks noGrp="1"/>
-          </p:cNvSpPr>
-          <p:nvPr>
-            <p:ph idx="1"/>
-          </p:nvPr>
-        </p:nvSpPr>
-        <p:spPr/>
-        <p:txBody>
-          <a:bodyPr/>
-          <a:lstStyle/>
-          <a:p>
-            <a:r>
-              <a:rPr lang="en-GB" dirty="0"/>
-              <a:t>Free download</a:t>
-            </a:r>
-          </a:p>
-          <a:p>
-            <a:r>
-              <a:rPr lang="en-GB" dirty="0"/>
-              <a:t>Very large number of plug-ins/extensions – most free</a:t>
+              <a:t>Data engineering using your free credits</a:t>
+            </a:r>
+          </a:p>
+        </p:txBody>
+      </p:sp>
+      <p:pic>
+        <p:nvPicPr>
+          <p:cNvPr id="5" name="Graphic 4">
+            <a:extLst>
+              <a:ext uri="{FF2B5EF4-FFF2-40B4-BE49-F238E27FC236}">
+                <a16:creationId xmlns:a16="http://schemas.microsoft.com/office/drawing/2014/main" id="{6109C887-88C2-EB14-3C23-4088C2464EFD}"/>
+              </a:ext>
+            </a:extLst>
+          </p:cNvPr>
+          <p:cNvPicPr>
+            <a:picLocks noChangeAspect="1"/>
+          </p:cNvPicPr>
+          <p:nvPr/>
+        </p:nvPicPr>
+        <p:blipFill>
+          <a:blip r:embed="rId3">
+            <a:extLst>
+              <a:ext uri="{96DAC541-7B7A-43D3-8B79-37D633B846F1}">
+                <asvg:svgBlip xmlns:asvg="http://schemas.microsoft.com/office/drawing/2016/SVG/main" r:embed="rId4"/>
+              </a:ext>
+            </a:extLst>
+          </a:blip>
+          <a:stretch>
+            <a:fillRect/>
+          </a:stretch>
+        </p:blipFill>
+        <p:spPr>
+          <a:xfrm flipH="1">
+            <a:off x="3601203" y="2884583"/>
+            <a:ext cx="1381530" cy="1624515"/>
+          </a:xfrm>
+          <a:prstGeom prst="rect">
+            <a:avLst/>
+          </a:prstGeom>
+        </p:spPr>
+      </p:pic>
+      <p:pic>
+        <p:nvPicPr>
+          <p:cNvPr id="9" name="Graphic 8">
+            <a:extLst>
+              <a:ext uri="{FF2B5EF4-FFF2-40B4-BE49-F238E27FC236}">
+                <a16:creationId xmlns:a16="http://schemas.microsoft.com/office/drawing/2014/main" id="{0AB9DAB6-8B04-09F1-1152-76D099FB0D09}"/>
+              </a:ext>
+            </a:extLst>
+          </p:cNvPr>
+          <p:cNvPicPr>
+            <a:picLocks noChangeAspect="1"/>
+          </p:cNvPicPr>
+          <p:nvPr/>
+        </p:nvPicPr>
+        <p:blipFill>
+          <a:blip r:embed="rId5">
+            <a:extLst>
+              <a:ext uri="{96DAC541-7B7A-43D3-8B79-37D633B846F1}">
+                <asvg:svgBlip xmlns:asvg="http://schemas.microsoft.com/office/drawing/2016/SVG/main" r:embed="rId6"/>
+              </a:ext>
+            </a:extLst>
+          </a:blip>
+          <a:stretch>
+            <a:fillRect/>
+          </a:stretch>
+        </p:blipFill>
+        <p:spPr>
+          <a:xfrm>
+            <a:off x="6598758" y="2881893"/>
+            <a:ext cx="1577794" cy="1624515"/>
+          </a:xfrm>
+          <a:prstGeom prst="rect">
+            <a:avLst/>
+          </a:prstGeom>
+        </p:spPr>
+      </p:pic>
+      <p:pic>
+        <p:nvPicPr>
+          <p:cNvPr id="11" name="Graphic 10">
+            <a:extLst>
+              <a:ext uri="{FF2B5EF4-FFF2-40B4-BE49-F238E27FC236}">
+                <a16:creationId xmlns:a16="http://schemas.microsoft.com/office/drawing/2014/main" id="{B9C4B2FA-2944-D6F9-2824-EF5252AD5A7B}"/>
+              </a:ext>
+            </a:extLst>
+          </p:cNvPr>
+          <p:cNvPicPr>
+            <a:picLocks noChangeAspect="1"/>
+          </p:cNvPicPr>
+          <p:nvPr/>
+        </p:nvPicPr>
+        <p:blipFill>
+          <a:blip r:embed="rId7">
+            <a:extLst>
+              <a:ext uri="{96DAC541-7B7A-43D3-8B79-37D633B846F1}">
+                <asvg:svgBlip xmlns:asvg="http://schemas.microsoft.com/office/drawing/2016/SVG/main" r:embed="rId8"/>
+              </a:ext>
+            </a:extLst>
+          </a:blip>
+          <a:stretch>
+            <a:fillRect/>
+          </a:stretch>
+        </p:blipFill>
+        <p:spPr>
+          <a:xfrm>
+            <a:off x="602064" y="2881893"/>
+            <a:ext cx="1577795" cy="1624516"/>
+          </a:xfrm>
+          <a:prstGeom prst="rect">
+            <a:avLst/>
+          </a:prstGeom>
+        </p:spPr>
+      </p:pic>
+      <p:pic>
+        <p:nvPicPr>
+          <p:cNvPr id="13" name="Graphic 12">
+            <a:extLst>
+              <a:ext uri="{FF2B5EF4-FFF2-40B4-BE49-F238E27FC236}">
+                <a16:creationId xmlns:a16="http://schemas.microsoft.com/office/drawing/2014/main" id="{09D90857-96C6-0E6F-EB6B-44EEBC3A1E1E}"/>
+              </a:ext>
+            </a:extLst>
+          </p:cNvPr>
+          <p:cNvPicPr>
+            <a:picLocks noChangeAspect="1"/>
+          </p:cNvPicPr>
+          <p:nvPr/>
+        </p:nvPicPr>
+        <p:blipFill>
+          <a:blip r:embed="rId9">
+            <a:extLst>
+              <a:ext uri="{96DAC541-7B7A-43D3-8B79-37D633B846F1}">
+                <asvg:svgBlip xmlns:asvg="http://schemas.microsoft.com/office/drawing/2016/SVG/main" r:embed="rId10"/>
+              </a:ext>
+            </a:extLst>
+          </a:blip>
+          <a:stretch>
+            <a:fillRect/>
+          </a:stretch>
+        </p:blipFill>
+        <p:spPr>
+          <a:xfrm>
+            <a:off x="9597896" y="2881893"/>
+            <a:ext cx="1528413" cy="1627205"/>
+          </a:xfrm>
+          <a:prstGeom prst="rect">
+            <a:avLst/>
+          </a:prstGeom>
+        </p:spPr>
+      </p:pic>
+      <p:sp>
+        <p:nvSpPr>
+          <p:cNvPr id="14" name="Arrow: Right 13">
+            <a:extLst>
+              <a:ext uri="{FF2B5EF4-FFF2-40B4-BE49-F238E27FC236}">
+                <a16:creationId xmlns:a16="http://schemas.microsoft.com/office/drawing/2014/main" id="{685295DD-59F1-210A-1870-68C4DB0662F0}"/>
+              </a:ext>
+            </a:extLst>
+          </p:cNvPr>
+          <p:cNvSpPr/>
+          <p:nvPr/>
+        </p:nvSpPr>
+        <p:spPr>
+          <a:xfrm>
+            <a:off x="2393334" y="3574799"/>
+            <a:ext cx="914747" cy="401444"/>
+          </a:xfrm>
+          <a:prstGeom prst="rightArrow">
+            <a:avLst/>
+          </a:prstGeom>
+        </p:spPr>
+        <p:style>
+          <a:lnRef idx="2">
+            <a:schemeClr val="dk1">
+              <a:shade val="15000"/>
+            </a:schemeClr>
+          </a:lnRef>
+          <a:fillRef idx="1">
+            <a:schemeClr val="dk1"/>
+          </a:fillRef>
+          <a:effectRef idx="0">
+            <a:schemeClr val="dk1"/>
+          </a:effectRef>
+          <a:fontRef idx="minor">
+            <a:schemeClr val="lt1"/>
+          </a:fontRef>
+        </p:style>
+        <p:txBody>
+          <a:bodyPr rtlCol="0" anchor="ctr"/>
+          <a:lstStyle/>
+          <a:p>
+            <a:pPr algn="ctr"/>
+            <a:endParaRPr lang="en-GB"/>
+          </a:p>
+        </p:txBody>
+      </p:sp>
+      <p:sp>
+        <p:nvSpPr>
+          <p:cNvPr id="15" name="Arrow: Right 14">
+            <a:extLst>
+              <a:ext uri="{FF2B5EF4-FFF2-40B4-BE49-F238E27FC236}">
+                <a16:creationId xmlns:a16="http://schemas.microsoft.com/office/drawing/2014/main" id="{9431CD41-2611-B00C-AFA6-28080EAA1F86}"/>
+              </a:ext>
+            </a:extLst>
+          </p:cNvPr>
+          <p:cNvSpPr/>
+          <p:nvPr/>
+        </p:nvSpPr>
+        <p:spPr>
+          <a:xfrm>
+            <a:off x="5417518" y="3574799"/>
+            <a:ext cx="914747" cy="401444"/>
+          </a:xfrm>
+          <a:prstGeom prst="rightArrow">
+            <a:avLst/>
+          </a:prstGeom>
+        </p:spPr>
+        <p:style>
+          <a:lnRef idx="2">
+            <a:schemeClr val="dk1">
+              <a:shade val="15000"/>
+            </a:schemeClr>
+          </a:lnRef>
+          <a:fillRef idx="1">
+            <a:schemeClr val="dk1"/>
+          </a:fillRef>
+          <a:effectRef idx="0">
+            <a:schemeClr val="dk1"/>
+          </a:effectRef>
+          <a:fontRef idx="minor">
+            <a:schemeClr val="lt1"/>
+          </a:fontRef>
+        </p:style>
+        <p:txBody>
+          <a:bodyPr rtlCol="0" anchor="ctr"/>
+          <a:lstStyle/>
+          <a:p>
+            <a:pPr algn="ctr"/>
+            <a:endParaRPr lang="en-GB"/>
+          </a:p>
+        </p:txBody>
+      </p:sp>
+      <p:sp>
+        <p:nvSpPr>
+          <p:cNvPr id="16" name="Arrow: Right 15">
+            <a:extLst>
+              <a:ext uri="{FF2B5EF4-FFF2-40B4-BE49-F238E27FC236}">
+                <a16:creationId xmlns:a16="http://schemas.microsoft.com/office/drawing/2014/main" id="{076F5F6E-FAE4-CC02-6124-E7AED170678B}"/>
+              </a:ext>
+            </a:extLst>
+          </p:cNvPr>
+          <p:cNvSpPr/>
+          <p:nvPr/>
+        </p:nvSpPr>
+        <p:spPr>
+          <a:xfrm>
+            <a:off x="8586995" y="3574799"/>
+            <a:ext cx="914747" cy="401444"/>
+          </a:xfrm>
+          <a:prstGeom prst="rightArrow">
+            <a:avLst/>
+          </a:prstGeom>
+        </p:spPr>
+        <p:style>
+          <a:lnRef idx="2">
+            <a:schemeClr val="dk1">
+              <a:shade val="15000"/>
+            </a:schemeClr>
+          </a:lnRef>
+          <a:fillRef idx="1">
+            <a:schemeClr val="dk1"/>
+          </a:fillRef>
+          <a:effectRef idx="0">
+            <a:schemeClr val="dk1"/>
+          </a:effectRef>
+          <a:fontRef idx="minor">
+            <a:schemeClr val="lt1"/>
+          </a:fontRef>
+        </p:style>
+        <p:txBody>
+          <a:bodyPr rtlCol="0" anchor="ctr"/>
+          <a:lstStyle/>
+          <a:p>
+            <a:pPr algn="ctr"/>
+            <a:endParaRPr lang="en-GB"/>
+          </a:p>
+        </p:txBody>
+      </p:sp>
+      <p:sp>
+        <p:nvSpPr>
+          <p:cNvPr id="18" name="TextBox 17">
+            <a:extLst>
+              <a:ext uri="{FF2B5EF4-FFF2-40B4-BE49-F238E27FC236}">
+                <a16:creationId xmlns:a16="http://schemas.microsoft.com/office/drawing/2014/main" id="{201DD4AC-441B-6015-D3E2-379D9EE41BF3}"/>
+              </a:ext>
+            </a:extLst>
+          </p:cNvPr>
+          <p:cNvSpPr txBox="1"/>
+          <p:nvPr/>
+        </p:nvSpPr>
+        <p:spPr>
+          <a:xfrm>
+            <a:off x="3586487" y="4506408"/>
+            <a:ext cx="1528413" cy="369332"/>
+          </a:xfrm>
+          <a:prstGeom prst="rect">
+            <a:avLst/>
+          </a:prstGeom>
+          <a:noFill/>
+        </p:spPr>
+        <p:txBody>
+          <a:bodyPr wrap="square" rtlCol="0">
+            <a:spAutoFit/>
+          </a:bodyPr>
+          <a:lstStyle/>
+          <a:p>
+            <a:r>
+              <a:rPr lang="en-GB" b="1" dirty="0"/>
+              <a:t>Data Factory</a:t>
+            </a:r>
+          </a:p>
+        </p:txBody>
+      </p:sp>
+      <p:sp>
+        <p:nvSpPr>
+          <p:cNvPr id="19" name="TextBox 18">
+            <a:extLst>
+              <a:ext uri="{FF2B5EF4-FFF2-40B4-BE49-F238E27FC236}">
+                <a16:creationId xmlns:a16="http://schemas.microsoft.com/office/drawing/2014/main" id="{78EA7B7C-F71C-664F-1563-4C0E3FC5BF4E}"/>
+              </a:ext>
+            </a:extLst>
+          </p:cNvPr>
+          <p:cNvSpPr txBox="1"/>
+          <p:nvPr/>
+        </p:nvSpPr>
+        <p:spPr>
+          <a:xfrm>
+            <a:off x="666162" y="4506408"/>
+            <a:ext cx="1528413" cy="369332"/>
+          </a:xfrm>
+          <a:prstGeom prst="rect">
+            <a:avLst/>
+          </a:prstGeom>
+          <a:noFill/>
+        </p:spPr>
+        <p:txBody>
+          <a:bodyPr wrap="square" rtlCol="0">
+            <a:spAutoFit/>
+          </a:bodyPr>
+          <a:lstStyle/>
+          <a:p>
+            <a:r>
+              <a:rPr lang="en-GB" b="1" dirty="0"/>
+              <a:t>SQL Server</a:t>
+            </a:r>
+          </a:p>
+        </p:txBody>
+      </p:sp>
+      <p:sp>
+        <p:nvSpPr>
+          <p:cNvPr id="20" name="TextBox 19">
+            <a:extLst>
+              <a:ext uri="{FF2B5EF4-FFF2-40B4-BE49-F238E27FC236}">
+                <a16:creationId xmlns:a16="http://schemas.microsoft.com/office/drawing/2014/main" id="{57C3EB61-02D8-22B4-A835-FE906E8485DF}"/>
+              </a:ext>
+            </a:extLst>
+          </p:cNvPr>
+          <p:cNvSpPr txBox="1"/>
+          <p:nvPr/>
+        </p:nvSpPr>
+        <p:spPr>
+          <a:xfrm>
+            <a:off x="6454864" y="4506408"/>
+            <a:ext cx="1921467" cy="369332"/>
+          </a:xfrm>
+          <a:prstGeom prst="rect">
+            <a:avLst/>
+          </a:prstGeom>
+          <a:noFill/>
+        </p:spPr>
+        <p:txBody>
+          <a:bodyPr wrap="square" rtlCol="0">
+            <a:spAutoFit/>
+          </a:bodyPr>
+          <a:lstStyle/>
+          <a:p>
+            <a:r>
+              <a:rPr lang="en-GB" b="1" dirty="0"/>
+              <a:t>Storage Account</a:t>
+            </a:r>
+          </a:p>
+        </p:txBody>
+      </p:sp>
+      <p:sp>
+        <p:nvSpPr>
+          <p:cNvPr id="21" name="TextBox 20">
+            <a:extLst>
+              <a:ext uri="{FF2B5EF4-FFF2-40B4-BE49-F238E27FC236}">
+                <a16:creationId xmlns:a16="http://schemas.microsoft.com/office/drawing/2014/main" id="{B4A91FB3-82E8-D67F-A21D-09BD2F1FEB5F}"/>
+              </a:ext>
+            </a:extLst>
+          </p:cNvPr>
+          <p:cNvSpPr txBox="1"/>
+          <p:nvPr/>
+        </p:nvSpPr>
+        <p:spPr>
+          <a:xfrm>
+            <a:off x="9701579" y="4506408"/>
+            <a:ext cx="1321045" cy="369332"/>
+          </a:xfrm>
+          <a:prstGeom prst="rect">
+            <a:avLst/>
+          </a:prstGeom>
+          <a:noFill/>
+        </p:spPr>
+        <p:txBody>
+          <a:bodyPr wrap="square" rtlCol="0">
+            <a:spAutoFit/>
+          </a:bodyPr>
+          <a:lstStyle/>
+          <a:p>
+            <a:r>
+              <a:rPr lang="en-GB" b="1" dirty="0"/>
+              <a:t>Databricks</a:t>
+            </a:r>
+          </a:p>
+        </p:txBody>
+      </p:sp>
+      <p:sp>
+        <p:nvSpPr>
+          <p:cNvPr id="23" name="TextBox 22">
+            <a:extLst>
+              <a:ext uri="{FF2B5EF4-FFF2-40B4-BE49-F238E27FC236}">
+                <a16:creationId xmlns:a16="http://schemas.microsoft.com/office/drawing/2014/main" id="{4042F4BC-510E-C5D2-16A6-1DB5967A5727}"/>
+              </a:ext>
+            </a:extLst>
+          </p:cNvPr>
+          <p:cNvSpPr txBox="1"/>
+          <p:nvPr/>
+        </p:nvSpPr>
+        <p:spPr>
+          <a:xfrm>
+            <a:off x="666162" y="5317082"/>
+            <a:ext cx="1463093" cy="307777"/>
+          </a:xfrm>
+          <a:prstGeom prst="rect">
+            <a:avLst/>
+          </a:prstGeom>
+          <a:solidFill>
+            <a:schemeClr val="tx2">
+              <a:lumMod val="10000"/>
+              <a:lumOff val="90000"/>
+            </a:schemeClr>
+          </a:solidFill>
+        </p:spPr>
+        <p:txBody>
+          <a:bodyPr wrap="none" rtlCol="0">
+            <a:spAutoFit/>
+          </a:bodyPr>
+          <a:lstStyle/>
+          <a:p>
+            <a:r>
+              <a:rPr lang="en-GB" sz="1400" b="1" dirty="0"/>
+              <a:t>Resource group</a:t>
             </a:r>
           </a:p>
         </p:txBody>
@@ -13941,7 +14233,7 @@
     </p:spTree>
     <p:extLst>
       <p:ext uri="{BB962C8B-B14F-4D97-AF65-F5344CB8AC3E}">
-        <p14:creationId xmlns:p14="http://schemas.microsoft.com/office/powerpoint/2010/main" val="3080502177"/>
+        <p14:creationId xmlns:p14="http://schemas.microsoft.com/office/powerpoint/2010/main" val="1889225161"/>
       </p:ext>
     </p:extLst>
   </p:cSld>
@@ -13973,7 +14265,7 @@
           <p:cNvPr id="2" name="Title 1">
             <a:extLst>
               <a:ext uri="{FF2B5EF4-FFF2-40B4-BE49-F238E27FC236}">
-                <a16:creationId xmlns:a16="http://schemas.microsoft.com/office/drawing/2014/main" id="{30B94E7B-732E-036D-0857-895EB79EEA97}"/>
+                <a16:creationId xmlns:a16="http://schemas.microsoft.com/office/drawing/2014/main" id="{9831B8CC-CE63-2632-A79B-DF312B723DB2}"/>
               </a:ext>
             </a:extLst>
           </p:cNvPr>
@@ -13991,7 +14283,7 @@
           <a:p>
             <a:r>
               <a:rPr lang="en-GB" dirty="0"/>
-              <a:t>Azure Portal</a:t>
+              <a:t>VS Code</a:t>
             </a:r>
           </a:p>
         </p:txBody>
@@ -14001,7 +14293,7 @@
           <p:cNvPr id="3" name="Content Placeholder 2">
             <a:extLst>
               <a:ext uri="{FF2B5EF4-FFF2-40B4-BE49-F238E27FC236}">
-                <a16:creationId xmlns:a16="http://schemas.microsoft.com/office/drawing/2014/main" id="{76429C0D-BD21-5F1D-2D51-9C8399CE8401}"/>
+                <a16:creationId xmlns:a16="http://schemas.microsoft.com/office/drawing/2014/main" id="{B5E4477C-CAAB-ABF9-981B-11DA484523CD}"/>
               </a:ext>
             </a:extLst>
           </p:cNvPr>
@@ -14017,14 +14309,23 @@
           <a:bodyPr/>
           <a:lstStyle/>
           <a:p>
-            <a:endParaRPr lang="en-GB"/>
+            <a:r>
+              <a:rPr lang="en-GB" dirty="0"/>
+              <a:t>Free download</a:t>
+            </a:r>
+          </a:p>
+          <a:p>
+            <a:r>
+              <a:rPr lang="en-GB" dirty="0"/>
+              <a:t>Very large number of plug-ins/extensions – most free</a:t>
+            </a:r>
           </a:p>
         </p:txBody>
       </p:sp>
     </p:spTree>
     <p:extLst>
       <p:ext uri="{BB962C8B-B14F-4D97-AF65-F5344CB8AC3E}">
-        <p14:creationId xmlns:p14="http://schemas.microsoft.com/office/powerpoint/2010/main" val="2527285458"/>
+        <p14:creationId xmlns:p14="http://schemas.microsoft.com/office/powerpoint/2010/main" val="3080502177"/>
       </p:ext>
     </p:extLst>
   </p:cSld>

--- a/Data Engineering Using Free Tools/Learn Data Engineering For Free.pptx
+++ b/Data Engineering Using Free Tools/Learn Data Engineering For Free.pptx
@@ -5,7 +5,7 @@
     <p:sldMasterId id="2147483648" r:id="rId1"/>
   </p:sldMasterIdLst>
   <p:notesMasterIdLst>
-    <p:notesMasterId r:id="rId80"/>
+    <p:notesMasterId r:id="rId93"/>
   </p:notesMasterIdLst>
   <p:sldIdLst>
     <p:sldId id="256" r:id="rId2"/>
@@ -46,46 +46,59 @@
     <p:sldId id="299" r:id="rId37"/>
     <p:sldId id="300" r:id="rId38"/>
     <p:sldId id="2147478978" r:id="rId39"/>
-    <p:sldId id="257" r:id="rId40"/>
-    <p:sldId id="317" r:id="rId41"/>
-    <p:sldId id="324" r:id="rId42"/>
-    <p:sldId id="314" r:id="rId43"/>
-    <p:sldId id="315" r:id="rId44"/>
-    <p:sldId id="318" r:id="rId45"/>
-    <p:sldId id="326" r:id="rId46"/>
-    <p:sldId id="311" r:id="rId47"/>
-    <p:sldId id="268" r:id="rId48"/>
-    <p:sldId id="265" r:id="rId49"/>
-    <p:sldId id="264" r:id="rId50"/>
-    <p:sldId id="310" r:id="rId51"/>
-    <p:sldId id="261" r:id="rId52"/>
-    <p:sldId id="307" r:id="rId53"/>
-    <p:sldId id="292" r:id="rId54"/>
-    <p:sldId id="321" r:id="rId55"/>
-    <p:sldId id="262" r:id="rId56"/>
-    <p:sldId id="320" r:id="rId57"/>
-    <p:sldId id="258" r:id="rId58"/>
-    <p:sldId id="259" r:id="rId59"/>
-    <p:sldId id="319" r:id="rId60"/>
-    <p:sldId id="322" r:id="rId61"/>
-    <p:sldId id="323" r:id="rId62"/>
-    <p:sldId id="316" r:id="rId63"/>
-    <p:sldId id="301" r:id="rId64"/>
-    <p:sldId id="302" r:id="rId65"/>
-    <p:sldId id="303" r:id="rId66"/>
-    <p:sldId id="304" r:id="rId67"/>
-    <p:sldId id="267" r:id="rId68"/>
-    <p:sldId id="270" r:id="rId69"/>
-    <p:sldId id="266" r:id="rId70"/>
-    <p:sldId id="293" r:id="rId71"/>
-    <p:sldId id="271" r:id="rId72"/>
-    <p:sldId id="272" r:id="rId73"/>
-    <p:sldId id="273" r:id="rId74"/>
-    <p:sldId id="282" r:id="rId75"/>
-    <p:sldId id="291" r:id="rId76"/>
-    <p:sldId id="312" r:id="rId77"/>
-    <p:sldId id="305" r:id="rId78"/>
-    <p:sldId id="260" r:id="rId79"/>
+    <p:sldId id="2147478987" r:id="rId40"/>
+    <p:sldId id="257" r:id="rId41"/>
+    <p:sldId id="2147478983" r:id="rId42"/>
+    <p:sldId id="2147478984" r:id="rId43"/>
+    <p:sldId id="2147478985" r:id="rId44"/>
+    <p:sldId id="2147478986" r:id="rId45"/>
+    <p:sldId id="317" r:id="rId46"/>
+    <p:sldId id="324" r:id="rId47"/>
+    <p:sldId id="2147478988" r:id="rId48"/>
+    <p:sldId id="2147478994" r:id="rId49"/>
+    <p:sldId id="2147478989" r:id="rId50"/>
+    <p:sldId id="2147478990" r:id="rId51"/>
+    <p:sldId id="2147478991" r:id="rId52"/>
+    <p:sldId id="2147478992" r:id="rId53"/>
+    <p:sldId id="2147478993" r:id="rId54"/>
+    <p:sldId id="314" r:id="rId55"/>
+    <p:sldId id="315" r:id="rId56"/>
+    <p:sldId id="2147478995" r:id="rId57"/>
+    <p:sldId id="318" r:id="rId58"/>
+    <p:sldId id="326" r:id="rId59"/>
+    <p:sldId id="311" r:id="rId60"/>
+    <p:sldId id="268" r:id="rId61"/>
+    <p:sldId id="265" r:id="rId62"/>
+    <p:sldId id="264" r:id="rId63"/>
+    <p:sldId id="310" r:id="rId64"/>
+    <p:sldId id="261" r:id="rId65"/>
+    <p:sldId id="307" r:id="rId66"/>
+    <p:sldId id="292" r:id="rId67"/>
+    <p:sldId id="321" r:id="rId68"/>
+    <p:sldId id="262" r:id="rId69"/>
+    <p:sldId id="320" r:id="rId70"/>
+    <p:sldId id="258" r:id="rId71"/>
+    <p:sldId id="259" r:id="rId72"/>
+    <p:sldId id="319" r:id="rId73"/>
+    <p:sldId id="322" r:id="rId74"/>
+    <p:sldId id="323" r:id="rId75"/>
+    <p:sldId id="316" r:id="rId76"/>
+    <p:sldId id="301" r:id="rId77"/>
+    <p:sldId id="302" r:id="rId78"/>
+    <p:sldId id="303" r:id="rId79"/>
+    <p:sldId id="304" r:id="rId80"/>
+    <p:sldId id="267" r:id="rId81"/>
+    <p:sldId id="270" r:id="rId82"/>
+    <p:sldId id="266" r:id="rId83"/>
+    <p:sldId id="293" r:id="rId84"/>
+    <p:sldId id="271" r:id="rId85"/>
+    <p:sldId id="272" r:id="rId86"/>
+    <p:sldId id="273" r:id="rId87"/>
+    <p:sldId id="282" r:id="rId88"/>
+    <p:sldId id="291" r:id="rId89"/>
+    <p:sldId id="312" r:id="rId90"/>
+    <p:sldId id="305" r:id="rId91"/>
+    <p:sldId id="260" r:id="rId92"/>
   </p:sldIdLst>
   <p:sldSz cx="12192000" cy="6858000"/>
   <p:notesSz cx="6858000" cy="9144000"/>
@@ -815,7 +828,7 @@
           <a:p>
             <a:fld id="{E7E8E24E-2DA5-414D-9B85-6ED9E2618CC6}" type="slidenum">
               <a:rPr lang="en-GB" smtClean="0"/>
-              <a:t>43</a:t>
+              <a:t>55</a:t>
             </a:fld>
             <a:endParaRPr lang="en-GB"/>
           </a:p>
@@ -878,6 +891,119 @@
           <a:bodyPr/>
           <a:lstStyle/>
           <a:p>
+            <a:r>
+              <a:rPr lang="en-GB" dirty="0" err="1"/>
+              <a:t>PySpark</a:t>
+            </a:r>
+            <a:r>
+              <a:rPr lang="en-GB" dirty="0"/>
+              <a:t> validation</a:t>
+            </a:r>
+          </a:p>
+          <a:p>
+            <a:r>
+              <a:rPr lang="en-GB" dirty="0"/>
+              <a:t>Web UI</a:t>
+            </a:r>
+          </a:p>
+          <a:p>
+            <a:r>
+              <a:rPr lang="en-GB" dirty="0"/>
+              <a:t>VS Code</a:t>
+            </a:r>
+          </a:p>
+          <a:p>
+            <a:r>
+              <a:rPr lang="en-GB" dirty="0"/>
+              <a:t>	- to run Jupiter notebooks needs </a:t>
+            </a:r>
+            <a:r>
+              <a:rPr lang="en-GB" dirty="0" err="1"/>
+              <a:t>ipykernel</a:t>
+            </a:r>
+            <a:r>
+              <a:rPr lang="en-GB" dirty="0"/>
+              <a:t> installed</a:t>
+            </a:r>
+          </a:p>
+          <a:p>
+            <a:r>
+              <a:rPr lang="en-GB" dirty="0"/>
+              <a:t>	- from </a:t>
+            </a:r>
+            <a:r>
+              <a:rPr lang="en-GB" dirty="0" err="1"/>
+              <a:t>vscode</a:t>
+            </a:r>
+            <a:r>
+              <a:rPr lang="en-GB" dirty="0"/>
+              <a:t> run </a:t>
+            </a:r>
+            <a:r>
+              <a:rPr lang="en-GB" b="1" i="0" dirty="0" err="1">
+                <a:solidFill>
+                  <a:srgbClr val="CD3131"/>
+                </a:solidFill>
+                <a:effectLst/>
+                <a:latin typeface="Consolas" panose="020B0609020204030204" pitchFamily="49" charset="0"/>
+              </a:rPr>
+              <a:t>conda</a:t>
+            </a:r>
+            <a:r>
+              <a:rPr lang="en-GB" b="1" i="0" dirty="0">
+                <a:solidFill>
+                  <a:srgbClr val="CD3131"/>
+                </a:solidFill>
+                <a:effectLst/>
+                <a:latin typeface="Consolas" panose="020B0609020204030204" pitchFamily="49" charset="0"/>
+              </a:rPr>
+              <a:t> install -n </a:t>
+            </a:r>
+            <a:r>
+              <a:rPr lang="en-GB" b="1" i="0" dirty="0" err="1">
+                <a:solidFill>
+                  <a:srgbClr val="CD3131"/>
+                </a:solidFill>
+                <a:effectLst/>
+                <a:latin typeface="Consolas" panose="020B0609020204030204" pitchFamily="49" charset="0"/>
+              </a:rPr>
+              <a:t>dataengforfree_env</a:t>
+            </a:r>
+            <a:r>
+              <a:rPr lang="en-GB" b="1" i="0" dirty="0">
+                <a:solidFill>
+                  <a:srgbClr val="CD3131"/>
+                </a:solidFill>
+                <a:effectLst/>
+                <a:latin typeface="Consolas" panose="020B0609020204030204" pitchFamily="49" charset="0"/>
+              </a:rPr>
+              <a:t> </a:t>
+            </a:r>
+            <a:r>
+              <a:rPr lang="en-GB" b="1" i="0" dirty="0" err="1">
+                <a:solidFill>
+                  <a:srgbClr val="CD3131"/>
+                </a:solidFill>
+                <a:effectLst/>
+                <a:latin typeface="Consolas" panose="020B0609020204030204" pitchFamily="49" charset="0"/>
+              </a:rPr>
+              <a:t>ipykernel</a:t>
+            </a:r>
+            <a:endParaRPr lang="en-GB" dirty="0"/>
+          </a:p>
+          <a:p>
+            <a:r>
+              <a:rPr lang="en-GB" dirty="0"/>
+              <a:t>	- copy python.exe &gt; python3.exe</a:t>
+            </a:r>
+          </a:p>
+          <a:p>
+            <a:r>
+              <a:rPr lang="en-GB" dirty="0"/>
+              <a:t>Visualisation? </a:t>
+            </a:r>
+          </a:p>
+          <a:p>
             <a:endParaRPr lang="en-GB" dirty="0"/>
           </a:p>
         </p:txBody>
@@ -899,7 +1025,91 @@
           <a:p>
             <a:fld id="{E7E8E24E-2DA5-414D-9B85-6ED9E2618CC6}" type="slidenum">
               <a:rPr lang="en-GB" smtClean="0"/>
-              <a:t>54</a:t>
+              <a:t>56</a:t>
+            </a:fld>
+            <a:endParaRPr lang="en-GB"/>
+          </a:p>
+        </p:txBody>
+      </p:sp>
+    </p:spTree>
+    <p:extLst>
+      <p:ext uri="{BB962C8B-B14F-4D97-AF65-F5344CB8AC3E}">
+        <p14:creationId xmlns:p14="http://schemas.microsoft.com/office/powerpoint/2010/main" val="391382152"/>
+      </p:ext>
+    </p:extLst>
+  </p:cSld>
+  <p:clrMapOvr>
+    <a:masterClrMapping/>
+  </p:clrMapOvr>
+</p:notes>
+</file>
+
+<file path=ppt/notesSlides/notesSlide12.xml><?xml version="1.0" encoding="utf-8"?>
+<p:notes xmlns:a="http://schemas.openxmlformats.org/drawingml/2006/main" xmlns:r="http://schemas.openxmlformats.org/officeDocument/2006/relationships" xmlns:p="http://schemas.openxmlformats.org/presentationml/2006/main">
+  <p:cSld>
+    <p:spTree>
+      <p:nvGrpSpPr>
+        <p:cNvPr id="1" name=""/>
+        <p:cNvGrpSpPr/>
+        <p:nvPr/>
+      </p:nvGrpSpPr>
+      <p:grpSpPr>
+        <a:xfrm>
+          <a:off x="0" y="0"/>
+          <a:ext cx="0" cy="0"/>
+          <a:chOff x="0" y="0"/>
+          <a:chExt cx="0" cy="0"/>
+        </a:xfrm>
+      </p:grpSpPr>
+      <p:sp>
+        <p:nvSpPr>
+          <p:cNvPr id="2" name="Slide Image Placeholder 1"/>
+          <p:cNvSpPr>
+            <a:spLocks noGrp="1" noRot="1" noChangeAspect="1"/>
+          </p:cNvSpPr>
+          <p:nvPr>
+            <p:ph type="sldImg"/>
+          </p:nvPr>
+        </p:nvSpPr>
+        <p:spPr/>
+      </p:sp>
+      <p:sp>
+        <p:nvSpPr>
+          <p:cNvPr id="3" name="Notes Placeholder 2"/>
+          <p:cNvSpPr>
+            <a:spLocks noGrp="1"/>
+          </p:cNvSpPr>
+          <p:nvPr>
+            <p:ph type="body" idx="1"/>
+          </p:nvPr>
+        </p:nvSpPr>
+        <p:spPr/>
+        <p:txBody>
+          <a:bodyPr/>
+          <a:lstStyle/>
+          <a:p>
+            <a:endParaRPr lang="en-GB" dirty="0"/>
+          </a:p>
+        </p:txBody>
+      </p:sp>
+      <p:sp>
+        <p:nvSpPr>
+          <p:cNvPr id="4" name="Slide Number Placeholder 3"/>
+          <p:cNvSpPr>
+            <a:spLocks noGrp="1"/>
+          </p:cNvSpPr>
+          <p:nvPr>
+            <p:ph type="sldNum" sz="quarter" idx="5"/>
+          </p:nvPr>
+        </p:nvSpPr>
+        <p:spPr/>
+        <p:txBody>
+          <a:bodyPr/>
+          <a:lstStyle/>
+          <a:p>
+            <a:fld id="{E7E8E24E-2DA5-414D-9B85-6ED9E2618CC6}" type="slidenum">
+              <a:rPr lang="en-GB" smtClean="0"/>
+              <a:t>67</a:t>
             </a:fld>
             <a:endParaRPr lang="en-GB"/>
           </a:p>
@@ -8609,7 +8819,7 @@
           <p:cNvPr id="2" name="Title 1">
             <a:extLst>
               <a:ext uri="{FF2B5EF4-FFF2-40B4-BE49-F238E27FC236}">
-                <a16:creationId xmlns:a16="http://schemas.microsoft.com/office/drawing/2014/main" id="{A5469F7B-5F47-517F-D218-DF1E89BBB790}"/>
+                <a16:creationId xmlns:a16="http://schemas.microsoft.com/office/drawing/2014/main" id="{110FF417-2FB7-D6B9-9675-527AE5C3A86D}"/>
               </a:ext>
             </a:extLst>
           </p:cNvPr>
@@ -8627,7 +8837,7 @@
           <a:p>
             <a:r>
               <a:rPr lang="en-GB" dirty="0"/>
-              <a:t>Python</a:t>
+              <a:t>Data Engineering locally</a:t>
             </a:r>
           </a:p>
         </p:txBody>
@@ -8637,7 +8847,7 @@
           <p:cNvPr id="3" name="Content Placeholder 2">
             <a:extLst>
               <a:ext uri="{FF2B5EF4-FFF2-40B4-BE49-F238E27FC236}">
-                <a16:creationId xmlns:a16="http://schemas.microsoft.com/office/drawing/2014/main" id="{D887FE72-3475-5DF9-893F-927B7A1BBC5F}"/>
+                <a16:creationId xmlns:a16="http://schemas.microsoft.com/office/drawing/2014/main" id="{32368EF4-624E-13C2-EB9D-1F6DE8576389}"/>
               </a:ext>
             </a:extLst>
           </p:cNvPr>
@@ -8650,42 +8860,17 @@
         </p:nvSpPr>
         <p:spPr/>
         <p:txBody>
-          <a:bodyPr>
-            <a:normAutofit/>
-          </a:bodyPr>
-          <a:lstStyle/>
-          <a:p>
-            <a:r>
-              <a:rPr lang="en-GB" dirty="0"/>
-              <a:t>Use Anaconda</a:t>
-            </a:r>
-          </a:p>
-          <a:p>
-            <a:r>
-              <a:rPr lang="en-GB" dirty="0"/>
-              <a:t>Use </a:t>
-            </a:r>
-            <a:r>
-              <a:rPr lang="en-GB" dirty="0" err="1"/>
-              <a:t>conda</a:t>
-            </a:r>
-            <a:r>
-              <a:rPr lang="en-GB" dirty="0"/>
-              <a:t> to create environment</a:t>
-            </a:r>
-          </a:p>
-          <a:p>
-            <a:r>
-              <a:rPr lang="en-GB" dirty="0"/>
-              <a:t>Might need to enable Long Paths</a:t>
-            </a:r>
+          <a:bodyPr/>
+          <a:lstStyle/>
+          <a:p>
+            <a:endParaRPr lang="en-GB"/>
           </a:p>
         </p:txBody>
       </p:sp>
     </p:spTree>
     <p:extLst>
       <p:ext uri="{BB962C8B-B14F-4D97-AF65-F5344CB8AC3E}">
-        <p14:creationId xmlns:p14="http://schemas.microsoft.com/office/powerpoint/2010/main" val="3256889448"/>
+        <p14:creationId xmlns:p14="http://schemas.microsoft.com/office/powerpoint/2010/main" val="2370275210"/>
       </p:ext>
     </p:extLst>
   </p:cSld>
@@ -8875,7 +9060,7 @@
           <p:cNvPr id="2" name="Title 1">
             <a:extLst>
               <a:ext uri="{FF2B5EF4-FFF2-40B4-BE49-F238E27FC236}">
-                <a16:creationId xmlns:a16="http://schemas.microsoft.com/office/drawing/2014/main" id="{A46B4437-F99E-881D-8C11-C63B2CC3EA49}"/>
+                <a16:creationId xmlns:a16="http://schemas.microsoft.com/office/drawing/2014/main" id="{A5469F7B-5F47-517F-D218-DF1E89BBB790}"/>
               </a:ext>
             </a:extLst>
           </p:cNvPr>
@@ -8893,45 +9078,45 @@
           <a:p>
             <a:r>
               <a:rPr lang="en-GB" dirty="0"/>
-              <a:t>Anaconda install</a:t>
-            </a:r>
-          </a:p>
-        </p:txBody>
-      </p:sp>
-      <p:pic>
-        <p:nvPicPr>
-          <p:cNvPr id="5" name="Picture 4">
-            <a:extLst>
-              <a:ext uri="{FF2B5EF4-FFF2-40B4-BE49-F238E27FC236}">
-                <a16:creationId xmlns:a16="http://schemas.microsoft.com/office/drawing/2014/main" id="{3E636616-F386-FFD4-F9FB-6B28F76C082E}"/>
-              </a:ext>
-            </a:extLst>
-          </p:cNvPr>
-          <p:cNvPicPr>
-            <a:picLocks noChangeAspect="1"/>
-          </p:cNvPicPr>
-          <p:nvPr/>
-        </p:nvPicPr>
-        <p:blipFill>
-          <a:blip r:embed="rId2"/>
-          <a:stretch>
-            <a:fillRect/>
-          </a:stretch>
-        </p:blipFill>
-        <p:spPr>
-          <a:xfrm>
-            <a:off x="1701475" y="2249242"/>
-            <a:ext cx="4648849" cy="3515216"/>
-          </a:xfrm>
-          <a:prstGeom prst="rect">
-            <a:avLst/>
-          </a:prstGeom>
-        </p:spPr>
-      </p:pic>
+              <a:t>Python</a:t>
+            </a:r>
+          </a:p>
+        </p:txBody>
+      </p:sp>
+      <p:sp>
+        <p:nvSpPr>
+          <p:cNvPr id="3" name="Content Placeholder 2">
+            <a:extLst>
+              <a:ext uri="{FF2B5EF4-FFF2-40B4-BE49-F238E27FC236}">
+                <a16:creationId xmlns:a16="http://schemas.microsoft.com/office/drawing/2014/main" id="{D887FE72-3475-5DF9-893F-927B7A1BBC5F}"/>
+              </a:ext>
+            </a:extLst>
+          </p:cNvPr>
+          <p:cNvSpPr>
+            <a:spLocks noGrp="1"/>
+          </p:cNvSpPr>
+          <p:nvPr>
+            <p:ph idx="1"/>
+          </p:nvPr>
+        </p:nvSpPr>
+        <p:spPr/>
+        <p:txBody>
+          <a:bodyPr>
+            <a:normAutofit/>
+          </a:bodyPr>
+          <a:lstStyle/>
+          <a:p>
+            <a:r>
+              <a:rPr lang="en-GB" dirty="0"/>
+              <a:t>What is Python?</a:t>
+            </a:r>
+          </a:p>
+        </p:txBody>
+      </p:sp>
     </p:spTree>
     <p:extLst>
       <p:ext uri="{BB962C8B-B14F-4D97-AF65-F5344CB8AC3E}">
-        <p14:creationId xmlns:p14="http://schemas.microsoft.com/office/powerpoint/2010/main" val="1102189768"/>
+        <p14:creationId xmlns:p14="http://schemas.microsoft.com/office/powerpoint/2010/main" val="3256889448"/>
       </p:ext>
     </p:extLst>
   </p:cSld>
@@ -8963,7 +9148,7 @@
           <p:cNvPr id="2" name="Title 1">
             <a:extLst>
               <a:ext uri="{FF2B5EF4-FFF2-40B4-BE49-F238E27FC236}">
-                <a16:creationId xmlns:a16="http://schemas.microsoft.com/office/drawing/2014/main" id="{08BA6218-7C2E-0654-E7FF-890943A38659}"/>
+                <a16:creationId xmlns:a16="http://schemas.microsoft.com/office/drawing/2014/main" id="{A5469F7B-5F47-517F-D218-DF1E89BBB790}"/>
               </a:ext>
             </a:extLst>
           </p:cNvPr>
@@ -8980,12 +9165,44 @@
           <a:lstStyle/>
           <a:p>
             <a:r>
-              <a:rPr lang="en-GB" dirty="0" err="1"/>
-              <a:t>Conda</a:t>
-            </a:r>
-            <a:r>
               <a:rPr lang="en-GB" dirty="0"/>
-              <a:t> demo</a:t>
+              <a:t>Python</a:t>
+            </a:r>
+          </a:p>
+        </p:txBody>
+      </p:sp>
+      <p:sp>
+        <p:nvSpPr>
+          <p:cNvPr id="3" name="Content Placeholder 2">
+            <a:extLst>
+              <a:ext uri="{FF2B5EF4-FFF2-40B4-BE49-F238E27FC236}">
+                <a16:creationId xmlns:a16="http://schemas.microsoft.com/office/drawing/2014/main" id="{D887FE72-3475-5DF9-893F-927B7A1BBC5F}"/>
+              </a:ext>
+            </a:extLst>
+          </p:cNvPr>
+          <p:cNvSpPr>
+            <a:spLocks noGrp="1"/>
+          </p:cNvSpPr>
+          <p:nvPr>
+            <p:ph idx="1"/>
+          </p:nvPr>
+        </p:nvSpPr>
+        <p:spPr/>
+        <p:txBody>
+          <a:bodyPr>
+            <a:normAutofit/>
+          </a:bodyPr>
+          <a:lstStyle/>
+          <a:p>
+            <a:r>
+              <a:rPr lang="en-GB" dirty="0"/>
+              <a:t>What is Python?</a:t>
+            </a:r>
+          </a:p>
+          <a:p>
+            <a:r>
+              <a:rPr lang="en-GB" dirty="0"/>
+              <a:t>Use Anaconda</a:t>
             </a:r>
           </a:p>
         </p:txBody>
@@ -8993,7 +9210,7 @@
     </p:spTree>
     <p:extLst>
       <p:ext uri="{BB962C8B-B14F-4D97-AF65-F5344CB8AC3E}">
-        <p14:creationId xmlns:p14="http://schemas.microsoft.com/office/powerpoint/2010/main" val="349260128"/>
+        <p14:creationId xmlns:p14="http://schemas.microsoft.com/office/powerpoint/2010/main" val="3189253810"/>
       </p:ext>
     </p:extLst>
   </p:cSld>
@@ -9042,12 +9259,8 @@
           <a:lstStyle/>
           <a:p>
             <a:r>
-              <a:rPr lang="en-GB" dirty="0" err="1"/>
-              <a:t>PySpark</a:t>
-            </a:r>
-            <a:r>
               <a:rPr lang="en-GB" dirty="0"/>
-              <a:t> Pre-requisites</a:t>
+              <a:t>Python</a:t>
             </a:r>
           </a:p>
         </p:txBody>
@@ -9077,76 +9290,35 @@
           <a:p>
             <a:r>
               <a:rPr lang="en-GB" dirty="0"/>
-              <a:t>Install Java (not v 21)</a:t>
+              <a:t>What is Python?</a:t>
             </a:r>
           </a:p>
           <a:p>
             <a:r>
               <a:rPr lang="en-GB" dirty="0"/>
-              <a:t>Set paths</a:t>
-            </a:r>
-          </a:p>
-          <a:p>
-            <a:pPr lvl="1"/>
+              <a:t>Use Anaconda</a:t>
+            </a:r>
+          </a:p>
+          <a:p>
             <a:r>
               <a:rPr lang="en-GB" dirty="0"/>
-              <a:t>JAVA_HOME</a:t>
-            </a:r>
-          </a:p>
-          <a:p>
-            <a:pPr lvl="1"/>
+              <a:t>Use </a:t>
+            </a:r>
+            <a:r>
+              <a:rPr lang="en-GB" dirty="0" err="1"/>
+              <a:t>conda</a:t>
+            </a:r>
             <a:r>
               <a:rPr lang="en-GB" dirty="0"/>
-              <a:t>PATH</a:t>
-            </a:r>
-          </a:p>
-          <a:p>
-            <a:pPr lvl="1"/>
-            <a:endParaRPr lang="en-GB" dirty="0"/>
-          </a:p>
-          <a:p>
-            <a:r>
-              <a:rPr lang="en-GB" dirty="0"/>
-              <a:t>Install Apache Spark</a:t>
-            </a:r>
-          </a:p>
-          <a:p>
-            <a:r>
-              <a:rPr lang="en-GB" dirty="0"/>
-              <a:t>Install winutils.exe</a:t>
-            </a:r>
-          </a:p>
-          <a:p>
-            <a:r>
-              <a:rPr lang="en-GB" dirty="0"/>
-              <a:t>Create virtual environment</a:t>
-            </a:r>
-          </a:p>
-          <a:p>
-            <a:r>
-              <a:rPr lang="en-GB" dirty="0"/>
-              <a:t>Instructions: </a:t>
-            </a:r>
-            <a:r>
-              <a:rPr lang="en-GB" dirty="0">
-                <a:hlinkClick r:id="rId2"/>
-              </a:rPr>
-              <a:t>https://sparkbyexamples.com/pyspark-tutorial/</a:t>
-            </a:r>
-            <a:endParaRPr lang="en-GB" dirty="0"/>
-          </a:p>
-          <a:p>
-            <a:pPr marL="0" indent="0">
-              <a:buNone/>
-            </a:pPr>
-            <a:endParaRPr lang="en-GB" dirty="0"/>
+              <a:t> to create environment</a:t>
+            </a:r>
           </a:p>
         </p:txBody>
       </p:sp>
     </p:spTree>
     <p:extLst>
       <p:ext uri="{BB962C8B-B14F-4D97-AF65-F5344CB8AC3E}">
-        <p14:creationId xmlns:p14="http://schemas.microsoft.com/office/powerpoint/2010/main" val="662787998"/>
+        <p14:creationId xmlns:p14="http://schemas.microsoft.com/office/powerpoint/2010/main" val="1192849603"/>
       </p:ext>
     </p:extLst>
   </p:cSld>
@@ -9195,12 +9367,8 @@
           <a:lstStyle/>
           <a:p>
             <a:r>
-              <a:rPr lang="en-GB" dirty="0" err="1"/>
-              <a:t>PySpark</a:t>
-            </a:r>
-            <a:r>
               <a:rPr lang="en-GB" dirty="0"/>
-              <a:t> Demo</a:t>
+              <a:t>Python</a:t>
             </a:r>
           </a:p>
         </p:txBody>
@@ -9228,14 +9396,43 @@
           </a:bodyPr>
           <a:lstStyle/>
           <a:p>
-            <a:endParaRPr lang="en-GB" dirty="0"/>
+            <a:r>
+              <a:rPr lang="en-GB" dirty="0"/>
+              <a:t>What is Python?</a:t>
+            </a:r>
+          </a:p>
+          <a:p>
+            <a:r>
+              <a:rPr lang="en-GB" dirty="0"/>
+              <a:t>Use Anaconda</a:t>
+            </a:r>
+          </a:p>
+          <a:p>
+            <a:r>
+              <a:rPr lang="en-GB" dirty="0"/>
+              <a:t>Use </a:t>
+            </a:r>
+            <a:r>
+              <a:rPr lang="en-GB" dirty="0" err="1"/>
+              <a:t>conda</a:t>
+            </a:r>
+            <a:r>
+              <a:rPr lang="en-GB" dirty="0"/>
+              <a:t> to create environment</a:t>
+            </a:r>
+          </a:p>
+          <a:p>
+            <a:r>
+              <a:rPr lang="en-GB" dirty="0"/>
+              <a:t>Might need to enable Long Paths</a:t>
+            </a:r>
           </a:p>
         </p:txBody>
       </p:sp>
     </p:spTree>
     <p:extLst>
       <p:ext uri="{BB962C8B-B14F-4D97-AF65-F5344CB8AC3E}">
-        <p14:creationId xmlns:p14="http://schemas.microsoft.com/office/powerpoint/2010/main" val="3082836330"/>
+        <p14:creationId xmlns:p14="http://schemas.microsoft.com/office/powerpoint/2010/main" val="3295685083"/>
       </p:ext>
     </p:extLst>
   </p:cSld>
@@ -9267,7 +9464,7 @@
           <p:cNvPr id="2" name="Title 1">
             <a:extLst>
               <a:ext uri="{FF2B5EF4-FFF2-40B4-BE49-F238E27FC236}">
-                <a16:creationId xmlns:a16="http://schemas.microsoft.com/office/drawing/2014/main" id="{E44CED87-DE61-C816-A3B2-E63F5185A2FF}"/>
+                <a16:creationId xmlns:a16="http://schemas.microsoft.com/office/drawing/2014/main" id="{A5469F7B-5F47-517F-D218-DF1E89BBB790}"/>
               </a:ext>
             </a:extLst>
           </p:cNvPr>
@@ -9283,44 +9480,73 @@
           <a:bodyPr/>
           <a:lstStyle/>
           <a:p>
-            <a:endParaRPr lang="en-GB"/>
-          </a:p>
-        </p:txBody>
-      </p:sp>
-      <p:pic>
-        <p:nvPicPr>
-          <p:cNvPr id="5" name="Picture 4">
-            <a:extLst>
-              <a:ext uri="{FF2B5EF4-FFF2-40B4-BE49-F238E27FC236}">
-                <a16:creationId xmlns:a16="http://schemas.microsoft.com/office/drawing/2014/main" id="{BBCCA8A9-2EA6-13E9-862D-2FC11BA269AD}"/>
-              </a:ext>
-            </a:extLst>
-          </p:cNvPr>
-          <p:cNvPicPr>
-            <a:picLocks noChangeAspect="1"/>
-          </p:cNvPicPr>
-          <p:nvPr/>
-        </p:nvPicPr>
-        <p:blipFill>
-          <a:blip r:embed="rId2"/>
-          <a:stretch>
-            <a:fillRect/>
-          </a:stretch>
-        </p:blipFill>
-        <p:spPr>
-          <a:xfrm>
-            <a:off x="1207931" y="2120132"/>
-            <a:ext cx="4239217" cy="1819529"/>
-          </a:xfrm>
-          <a:prstGeom prst="rect">
-            <a:avLst/>
-          </a:prstGeom>
-        </p:spPr>
-      </p:pic>
+            <a:r>
+              <a:rPr lang="en-GB" dirty="0"/>
+              <a:t>Python</a:t>
+            </a:r>
+          </a:p>
+        </p:txBody>
+      </p:sp>
+      <p:sp>
+        <p:nvSpPr>
+          <p:cNvPr id="3" name="Content Placeholder 2">
+            <a:extLst>
+              <a:ext uri="{FF2B5EF4-FFF2-40B4-BE49-F238E27FC236}">
+                <a16:creationId xmlns:a16="http://schemas.microsoft.com/office/drawing/2014/main" id="{D887FE72-3475-5DF9-893F-927B7A1BBC5F}"/>
+              </a:ext>
+            </a:extLst>
+          </p:cNvPr>
+          <p:cNvSpPr>
+            <a:spLocks noGrp="1"/>
+          </p:cNvSpPr>
+          <p:nvPr>
+            <p:ph idx="1"/>
+          </p:nvPr>
+        </p:nvSpPr>
+        <p:spPr/>
+        <p:txBody>
+          <a:bodyPr>
+            <a:normAutofit/>
+          </a:bodyPr>
+          <a:lstStyle/>
+          <a:p>
+            <a:r>
+              <a:rPr lang="en-GB" dirty="0"/>
+              <a:t>What is Python?</a:t>
+            </a:r>
+          </a:p>
+          <a:p>
+            <a:r>
+              <a:rPr lang="en-GB" dirty="0"/>
+              <a:t>Use Anaconda</a:t>
+            </a:r>
+          </a:p>
+          <a:p>
+            <a:r>
+              <a:rPr lang="en-GB" dirty="0"/>
+              <a:t>Use </a:t>
+            </a:r>
+            <a:r>
+              <a:rPr lang="en-GB" dirty="0" err="1"/>
+              <a:t>conda</a:t>
+            </a:r>
+            <a:r>
+              <a:rPr lang="en-GB" dirty="0"/>
+              <a:t> to create environment</a:t>
+            </a:r>
+          </a:p>
+          <a:p>
+            <a:r>
+              <a:rPr lang="en-GB" dirty="0"/>
+              <a:t>Might need to enable Long Paths</a:t>
+            </a:r>
+          </a:p>
+        </p:txBody>
+      </p:sp>
     </p:spTree>
     <p:extLst>
       <p:ext uri="{BB962C8B-B14F-4D97-AF65-F5344CB8AC3E}">
-        <p14:creationId xmlns:p14="http://schemas.microsoft.com/office/powerpoint/2010/main" val="1601142253"/>
+        <p14:creationId xmlns:p14="http://schemas.microsoft.com/office/powerpoint/2010/main" val="4008849992"/>
       </p:ext>
     </p:extLst>
   </p:cSld>
@@ -9352,7 +9578,7 @@
           <p:cNvPr id="2" name="Title 1">
             <a:extLst>
               <a:ext uri="{FF2B5EF4-FFF2-40B4-BE49-F238E27FC236}">
-                <a16:creationId xmlns:a16="http://schemas.microsoft.com/office/drawing/2014/main" id="{C28F207F-86B4-1AD4-474C-5449AA952C4B}"/>
+                <a16:creationId xmlns:a16="http://schemas.microsoft.com/office/drawing/2014/main" id="{A46B4437-F99E-881D-8C11-C63B2CC3EA49}"/>
               </a:ext>
             </a:extLst>
           </p:cNvPr>
@@ -9370,82 +9596,45 @@
           <a:p>
             <a:r>
               <a:rPr lang="en-GB" dirty="0"/>
-              <a:t>Follow-up Resources</a:t>
-            </a:r>
-          </a:p>
-        </p:txBody>
-      </p:sp>
-      <p:sp>
-        <p:nvSpPr>
-          <p:cNvPr id="3" name="Content Placeholder 2">
-            <a:extLst>
-              <a:ext uri="{FF2B5EF4-FFF2-40B4-BE49-F238E27FC236}">
-                <a16:creationId xmlns:a16="http://schemas.microsoft.com/office/drawing/2014/main" id="{15D17D37-C8BB-FEFD-88D1-4110C76AEF74}"/>
-              </a:ext>
-            </a:extLst>
-          </p:cNvPr>
-          <p:cNvSpPr>
-            <a:spLocks noGrp="1"/>
-          </p:cNvSpPr>
-          <p:nvPr>
-            <p:ph idx="1"/>
-          </p:nvPr>
-        </p:nvSpPr>
-        <p:spPr/>
-        <p:txBody>
-          <a:bodyPr>
-            <a:normAutofit/>
-          </a:bodyPr>
-          <a:lstStyle/>
-          <a:p>
-            <a:r>
-              <a:rPr lang="en-GB" sz="1800" dirty="0"/>
-              <a:t>Repo: https://github.com/phil-a10/Talks/tree/main/Data%20Engineering%20Using%20Free%20Tools</a:t>
-            </a:r>
-          </a:p>
-          <a:p>
-            <a:r>
-              <a:rPr lang="en-GB" sz="1800" dirty="0"/>
-              <a:t>Microsoft Learn: https://learn.microsoft.com/en-us/training/career-paths/data-engineer</a:t>
-            </a:r>
-          </a:p>
-          <a:p>
-            <a:r>
-              <a:rPr lang="en-GB" sz="1800" dirty="0"/>
-              <a:t>Kimball books</a:t>
-            </a:r>
-          </a:p>
-          <a:p>
-            <a:endParaRPr lang="en-GB" sz="1800" dirty="0"/>
-          </a:p>
-          <a:p>
-            <a:pPr marL="0" indent="0">
-              <a:buNone/>
-            </a:pPr>
-            <a:r>
-              <a:rPr lang="en-GB" sz="1800" dirty="0"/>
-              <a:t>Downloads</a:t>
-            </a:r>
-          </a:p>
-          <a:p>
-            <a:r>
-              <a:rPr lang="en-GB" sz="1800" dirty="0"/>
-              <a:t>Azure CLI: </a:t>
-            </a:r>
-            <a:r>
-              <a:rPr lang="en-GB" sz="1800" dirty="0">
-                <a:hlinkClick r:id="rId2"/>
-              </a:rPr>
-              <a:t>https://learn.microsoft.com/en-us/cli/azure/install-azure-cli</a:t>
-            </a:r>
-            <a:endParaRPr lang="en-GB" sz="1800" dirty="0"/>
-          </a:p>
-        </p:txBody>
-      </p:sp>
+              <a:t>Anaconda install</a:t>
+            </a:r>
+          </a:p>
+        </p:txBody>
+      </p:sp>
+      <p:pic>
+        <p:nvPicPr>
+          <p:cNvPr id="5" name="Picture 4">
+            <a:extLst>
+              <a:ext uri="{FF2B5EF4-FFF2-40B4-BE49-F238E27FC236}">
+                <a16:creationId xmlns:a16="http://schemas.microsoft.com/office/drawing/2014/main" id="{3E636616-F386-FFD4-F9FB-6B28F76C082E}"/>
+              </a:ext>
+            </a:extLst>
+          </p:cNvPr>
+          <p:cNvPicPr>
+            <a:picLocks noChangeAspect="1"/>
+          </p:cNvPicPr>
+          <p:nvPr/>
+        </p:nvPicPr>
+        <p:blipFill>
+          <a:blip r:embed="rId2"/>
+          <a:stretch>
+            <a:fillRect/>
+          </a:stretch>
+        </p:blipFill>
+        <p:spPr>
+          <a:xfrm>
+            <a:off x="1701475" y="2249242"/>
+            <a:ext cx="4648849" cy="3515216"/>
+          </a:xfrm>
+          <a:prstGeom prst="rect">
+            <a:avLst/>
+          </a:prstGeom>
+        </p:spPr>
+      </p:pic>
     </p:spTree>
     <p:extLst>
       <p:ext uri="{BB962C8B-B14F-4D97-AF65-F5344CB8AC3E}">
-        <p14:creationId xmlns:p14="http://schemas.microsoft.com/office/powerpoint/2010/main" val="558925432"/>
+        <p14:creationId xmlns:p14="http://schemas.microsoft.com/office/powerpoint/2010/main" val="1102189768"/>
       </p:ext>
     </p:extLst>
   </p:cSld>
@@ -9477,7 +9666,7 @@
           <p:cNvPr id="2" name="Title 1">
             <a:extLst>
               <a:ext uri="{FF2B5EF4-FFF2-40B4-BE49-F238E27FC236}">
-                <a16:creationId xmlns:a16="http://schemas.microsoft.com/office/drawing/2014/main" id="{6461F12C-8296-BADA-FD56-149E96554D1E}"/>
+                <a16:creationId xmlns:a16="http://schemas.microsoft.com/office/drawing/2014/main" id="{08BA6218-7C2E-0654-E7FF-890943A38659}"/>
               </a:ext>
             </a:extLst>
           </p:cNvPr>
@@ -9488,22 +9677,18 @@
             <p:ph type="title"/>
           </p:nvPr>
         </p:nvSpPr>
-        <p:spPr>
-          <a:xfrm>
-            <a:off x="838200" y="365125"/>
-            <a:ext cx="10439400" cy="5940425"/>
-          </a:xfrm>
-        </p:spPr>
-        <p:txBody>
-          <a:bodyPr>
-            <a:normAutofit/>
-          </a:bodyPr>
-          <a:lstStyle/>
-          <a:p>
-            <a:pPr algn="ctr"/>
-            <a:r>
-              <a:rPr lang="en-GB" sz="8800" dirty="0"/>
-              <a:t>END</a:t>
+        <p:spPr/>
+        <p:txBody>
+          <a:bodyPr/>
+          <a:lstStyle/>
+          <a:p>
+            <a:r>
+              <a:rPr lang="en-GB" dirty="0" err="1"/>
+              <a:t>Conda</a:t>
+            </a:r>
+            <a:r>
+              <a:rPr lang="en-GB" dirty="0"/>
+              <a:t> demo</a:t>
             </a:r>
           </a:p>
         </p:txBody>
@@ -9511,7 +9696,7 @@
     </p:spTree>
     <p:extLst>
       <p:ext uri="{BB962C8B-B14F-4D97-AF65-F5344CB8AC3E}">
-        <p14:creationId xmlns:p14="http://schemas.microsoft.com/office/powerpoint/2010/main" val="3703701476"/>
+        <p14:creationId xmlns:p14="http://schemas.microsoft.com/office/powerpoint/2010/main" val="349260128"/>
       </p:ext>
     </p:extLst>
   </p:cSld>
@@ -9543,7 +9728,7 @@
           <p:cNvPr id="2" name="Title 1">
             <a:extLst>
               <a:ext uri="{FF2B5EF4-FFF2-40B4-BE49-F238E27FC236}">
-                <a16:creationId xmlns:a16="http://schemas.microsoft.com/office/drawing/2014/main" id="{2EBA1033-F7AF-622C-4672-4EA84A688521}"/>
+                <a16:creationId xmlns:a16="http://schemas.microsoft.com/office/drawing/2014/main" id="{A5469F7B-5F47-517F-D218-DF1E89BBB790}"/>
               </a:ext>
             </a:extLst>
           </p:cNvPr>
@@ -9561,45 +9746,50 @@
           <a:p>
             <a:r>
               <a:rPr lang="en-GB" dirty="0"/>
-              <a:t>Create Resource Group</a:t>
-            </a:r>
-          </a:p>
-        </p:txBody>
-      </p:sp>
-      <p:pic>
-        <p:nvPicPr>
-          <p:cNvPr id="7" name="Picture 6">
-            <a:extLst>
-              <a:ext uri="{FF2B5EF4-FFF2-40B4-BE49-F238E27FC236}">
-                <a16:creationId xmlns:a16="http://schemas.microsoft.com/office/drawing/2014/main" id="{85B78DA8-A440-E2DB-FCCE-25A29079FCE6}"/>
-              </a:ext>
-            </a:extLst>
-          </p:cNvPr>
-          <p:cNvPicPr>
-            <a:picLocks noChangeAspect="1"/>
-          </p:cNvPicPr>
-          <p:nvPr/>
-        </p:nvPicPr>
-        <p:blipFill>
-          <a:blip r:embed="rId2"/>
-          <a:stretch>
-            <a:fillRect/>
-          </a:stretch>
-        </p:blipFill>
+              <a:t>Apache Spark</a:t>
+            </a:r>
+          </a:p>
+        </p:txBody>
+      </p:sp>
+      <p:sp>
+        <p:nvSpPr>
+          <p:cNvPr id="3" name="Content Placeholder 2">
+            <a:extLst>
+              <a:ext uri="{FF2B5EF4-FFF2-40B4-BE49-F238E27FC236}">
+                <a16:creationId xmlns:a16="http://schemas.microsoft.com/office/drawing/2014/main" id="{D887FE72-3475-5DF9-893F-927B7A1BBC5F}"/>
+              </a:ext>
+            </a:extLst>
+          </p:cNvPr>
+          <p:cNvSpPr>
+            <a:spLocks noGrp="1"/>
+          </p:cNvSpPr>
+          <p:nvPr>
+            <p:ph idx="1"/>
+          </p:nvPr>
+        </p:nvSpPr>
         <p:spPr>
           <a:xfrm>
-            <a:off x="2352152" y="2338235"/>
-            <a:ext cx="7487695" cy="2181529"/>
-          </a:xfrm>
-          <a:prstGeom prst="rect">
-            <a:avLst/>
-          </a:prstGeom>
-        </p:spPr>
-      </p:pic>
+            <a:off x="838200" y="1832552"/>
+            <a:ext cx="10515600" cy="4351338"/>
+          </a:xfrm>
+        </p:spPr>
+        <p:txBody>
+          <a:bodyPr>
+            <a:normAutofit/>
+          </a:bodyPr>
+          <a:lstStyle/>
+          <a:p>
+            <a:r>
+              <a:rPr lang="en-GB" dirty="0"/>
+              <a:t>Spark</a:t>
+            </a:r>
+          </a:p>
+        </p:txBody>
+      </p:sp>
     </p:spTree>
     <p:extLst>
       <p:ext uri="{BB962C8B-B14F-4D97-AF65-F5344CB8AC3E}">
-        <p14:creationId xmlns:p14="http://schemas.microsoft.com/office/powerpoint/2010/main" val="1728335916"/>
+        <p14:creationId xmlns:p14="http://schemas.microsoft.com/office/powerpoint/2010/main" val="1604381613"/>
       </p:ext>
     </p:extLst>
   </p:cSld>
@@ -9631,7 +9821,7 @@
           <p:cNvPr id="2" name="Title 1">
             <a:extLst>
               <a:ext uri="{FF2B5EF4-FFF2-40B4-BE49-F238E27FC236}">
-                <a16:creationId xmlns:a16="http://schemas.microsoft.com/office/drawing/2014/main" id="{81D27BCA-90CC-0536-CB39-B601329304AD}"/>
+                <a16:creationId xmlns:a16="http://schemas.microsoft.com/office/drawing/2014/main" id="{A5469F7B-5F47-517F-D218-DF1E89BBB790}"/>
               </a:ext>
             </a:extLst>
           </p:cNvPr>
@@ -9649,45 +9839,52 @@
           <a:p>
             <a:r>
               <a:rPr lang="en-GB" dirty="0"/>
-              <a:t>Create Resource Group</a:t>
-            </a:r>
-          </a:p>
-        </p:txBody>
-      </p:sp>
-      <p:pic>
-        <p:nvPicPr>
-          <p:cNvPr id="5" name="Picture 4">
-            <a:extLst>
-              <a:ext uri="{FF2B5EF4-FFF2-40B4-BE49-F238E27FC236}">
-                <a16:creationId xmlns:a16="http://schemas.microsoft.com/office/drawing/2014/main" id="{44630B37-8205-0E86-3CC4-B0A7F6E06CDE}"/>
-              </a:ext>
-            </a:extLst>
-          </p:cNvPr>
-          <p:cNvPicPr>
-            <a:picLocks noChangeAspect="1"/>
-          </p:cNvPicPr>
-          <p:nvPr/>
-        </p:nvPicPr>
-        <p:blipFill>
-          <a:blip r:embed="rId2"/>
-          <a:stretch>
-            <a:fillRect/>
-          </a:stretch>
-        </p:blipFill>
-        <p:spPr>
-          <a:xfrm>
-            <a:off x="952016" y="2142457"/>
-            <a:ext cx="6935168" cy="3620005"/>
-          </a:xfrm>
-          <a:prstGeom prst="rect">
-            <a:avLst/>
-          </a:prstGeom>
-        </p:spPr>
-      </p:pic>
+              <a:t>Apache Spark</a:t>
+            </a:r>
+          </a:p>
+        </p:txBody>
+      </p:sp>
+      <p:sp>
+        <p:nvSpPr>
+          <p:cNvPr id="3" name="Content Placeholder 2">
+            <a:extLst>
+              <a:ext uri="{FF2B5EF4-FFF2-40B4-BE49-F238E27FC236}">
+                <a16:creationId xmlns:a16="http://schemas.microsoft.com/office/drawing/2014/main" id="{D887FE72-3475-5DF9-893F-927B7A1BBC5F}"/>
+              </a:ext>
+            </a:extLst>
+          </p:cNvPr>
+          <p:cNvSpPr>
+            <a:spLocks noGrp="1"/>
+          </p:cNvSpPr>
+          <p:nvPr>
+            <p:ph idx="1"/>
+          </p:nvPr>
+        </p:nvSpPr>
+        <p:spPr/>
+        <p:txBody>
+          <a:bodyPr>
+            <a:normAutofit/>
+          </a:bodyPr>
+          <a:lstStyle/>
+          <a:p>
+            <a:r>
+              <a:rPr lang="en-GB" dirty="0"/>
+              <a:t>Spark</a:t>
+            </a:r>
+          </a:p>
+          <a:p>
+            <a:r>
+              <a:rPr lang="en-GB" dirty="0" err="1"/>
+              <a:t>PySpark</a:t>
+            </a:r>
+            <a:endParaRPr lang="en-GB" dirty="0"/>
+          </a:p>
+        </p:txBody>
+      </p:sp>
     </p:spTree>
     <p:extLst>
       <p:ext uri="{BB962C8B-B14F-4D97-AF65-F5344CB8AC3E}">
-        <p14:creationId xmlns:p14="http://schemas.microsoft.com/office/powerpoint/2010/main" val="3651254359"/>
+        <p14:creationId xmlns:p14="http://schemas.microsoft.com/office/powerpoint/2010/main" val="782176038"/>
       </p:ext>
     </p:extLst>
   </p:cSld>
@@ -9719,7 +9916,7 @@
           <p:cNvPr id="2" name="Title 1">
             <a:extLst>
               <a:ext uri="{FF2B5EF4-FFF2-40B4-BE49-F238E27FC236}">
-                <a16:creationId xmlns:a16="http://schemas.microsoft.com/office/drawing/2014/main" id="{1B00D034-D02B-7E67-2E92-CAB94BD8B068}"/>
+                <a16:creationId xmlns:a16="http://schemas.microsoft.com/office/drawing/2014/main" id="{A5469F7B-5F47-517F-D218-DF1E89BBB790}"/>
               </a:ext>
             </a:extLst>
           </p:cNvPr>
@@ -9736,46 +9933,50 @@
           <a:lstStyle/>
           <a:p>
             <a:r>
+              <a:rPr lang="en-GB" dirty="0" err="1"/>
+              <a:t>PySpark</a:t>
+            </a:r>
+            <a:r>
               <a:rPr lang="en-GB" dirty="0"/>
-              <a:t>Create Resource Group</a:t>
-            </a:r>
-          </a:p>
-        </p:txBody>
-      </p:sp>
-      <p:pic>
-        <p:nvPicPr>
-          <p:cNvPr id="5" name="Picture 4">
-            <a:extLst>
-              <a:ext uri="{FF2B5EF4-FFF2-40B4-BE49-F238E27FC236}">
-                <a16:creationId xmlns:a16="http://schemas.microsoft.com/office/drawing/2014/main" id="{F9045B4F-C670-226B-D35C-8E0005E4A7EE}"/>
-              </a:ext>
-            </a:extLst>
-          </p:cNvPr>
-          <p:cNvPicPr>
-            <a:picLocks noChangeAspect="1"/>
-          </p:cNvPicPr>
-          <p:nvPr/>
-        </p:nvPicPr>
-        <p:blipFill>
-          <a:blip r:embed="rId2"/>
-          <a:stretch>
-            <a:fillRect/>
-          </a:stretch>
-        </p:blipFill>
-        <p:spPr>
-          <a:xfrm>
-            <a:off x="1030619" y="1448555"/>
-            <a:ext cx="7603172" cy="3872977"/>
-          </a:xfrm>
-          <a:prstGeom prst="rect">
-            <a:avLst/>
-          </a:prstGeom>
-        </p:spPr>
-      </p:pic>
+              <a:t> Pre-requisites</a:t>
+            </a:r>
+          </a:p>
+        </p:txBody>
+      </p:sp>
+      <p:sp>
+        <p:nvSpPr>
+          <p:cNvPr id="3" name="Content Placeholder 2">
+            <a:extLst>
+              <a:ext uri="{FF2B5EF4-FFF2-40B4-BE49-F238E27FC236}">
+                <a16:creationId xmlns:a16="http://schemas.microsoft.com/office/drawing/2014/main" id="{D887FE72-3475-5DF9-893F-927B7A1BBC5F}"/>
+              </a:ext>
+            </a:extLst>
+          </p:cNvPr>
+          <p:cNvSpPr>
+            <a:spLocks noGrp="1"/>
+          </p:cNvSpPr>
+          <p:nvPr>
+            <p:ph idx="1"/>
+          </p:nvPr>
+        </p:nvSpPr>
+        <p:spPr/>
+        <p:txBody>
+          <a:bodyPr>
+            <a:normAutofit/>
+          </a:bodyPr>
+          <a:lstStyle/>
+          <a:p>
+            <a:r>
+              <a:rPr lang="en-GB" dirty="0"/>
+              <a:t>Install Java v17</a:t>
+            </a:r>
+          </a:p>
+        </p:txBody>
+      </p:sp>
     </p:spTree>
     <p:extLst>
       <p:ext uri="{BB962C8B-B14F-4D97-AF65-F5344CB8AC3E}">
-        <p14:creationId xmlns:p14="http://schemas.microsoft.com/office/powerpoint/2010/main" val="2156354560"/>
+        <p14:creationId xmlns:p14="http://schemas.microsoft.com/office/powerpoint/2010/main" val="562248584"/>
       </p:ext>
     </p:extLst>
   </p:cSld>
@@ -10036,7 +10237,7 @@
           <p:cNvPr id="2" name="Title 1">
             <a:extLst>
               <a:ext uri="{FF2B5EF4-FFF2-40B4-BE49-F238E27FC236}">
-                <a16:creationId xmlns:a16="http://schemas.microsoft.com/office/drawing/2014/main" id="{838AC0F5-5B6B-B939-FA3C-B663E317E445}"/>
+                <a16:creationId xmlns:a16="http://schemas.microsoft.com/office/drawing/2014/main" id="{A5469F7B-5F47-517F-D218-DF1E89BBB790}"/>
               </a:ext>
             </a:extLst>
           </p:cNvPr>
@@ -10052,20 +10253,81 @@
           <a:bodyPr/>
           <a:lstStyle/>
           <a:p>
-            <a:br>
+            <a:r>
+              <a:rPr lang="en-GB" dirty="0" err="1"/>
+              <a:t>PySpark</a:t>
+            </a:r>
+            <a:r>
               <a:rPr lang="en-GB" dirty="0"/>
-            </a:br>
+              <a:t> Pre-requisites</a:t>
+            </a:r>
+          </a:p>
+        </p:txBody>
+      </p:sp>
+      <p:sp>
+        <p:nvSpPr>
+          <p:cNvPr id="3" name="Content Placeholder 2">
+            <a:extLst>
+              <a:ext uri="{FF2B5EF4-FFF2-40B4-BE49-F238E27FC236}">
+                <a16:creationId xmlns:a16="http://schemas.microsoft.com/office/drawing/2014/main" id="{D887FE72-3475-5DF9-893F-927B7A1BBC5F}"/>
+              </a:ext>
+            </a:extLst>
+          </p:cNvPr>
+          <p:cNvSpPr>
+            <a:spLocks noGrp="1"/>
+          </p:cNvSpPr>
+          <p:nvPr>
+            <p:ph idx="1"/>
+          </p:nvPr>
+        </p:nvSpPr>
+        <p:spPr/>
+        <p:txBody>
+          <a:bodyPr>
+            <a:normAutofit/>
+          </a:bodyPr>
+          <a:lstStyle/>
+          <a:p>
             <a:r>
               <a:rPr lang="en-GB" dirty="0"/>
-              <a:t>Azure CLI Demo</a:t>
-            </a:r>
+              <a:t>Install Java v17</a:t>
+            </a:r>
+          </a:p>
+          <a:p>
+            <a:r>
+              <a:rPr lang="en-GB" dirty="0"/>
+              <a:t>Set paths in environment variables</a:t>
+            </a:r>
+          </a:p>
+          <a:p>
+            <a:pPr lvl="1"/>
+            <a:r>
+              <a:rPr lang="en-GB" dirty="0"/>
+              <a:t>JAVA_HOME</a:t>
+            </a:r>
+          </a:p>
+          <a:p>
+            <a:pPr lvl="1"/>
+            <a:r>
+              <a:rPr lang="en-GB" dirty="0"/>
+              <a:t>PATH</a:t>
+            </a:r>
+          </a:p>
+          <a:p>
+            <a:pPr lvl="1"/>
+            <a:endParaRPr lang="en-GB" dirty="0"/>
+          </a:p>
+          <a:p>
+            <a:pPr marL="0" indent="0">
+              <a:buNone/>
+            </a:pPr>
+            <a:endParaRPr lang="en-GB" dirty="0"/>
           </a:p>
         </p:txBody>
       </p:sp>
     </p:spTree>
     <p:extLst>
       <p:ext uri="{BB962C8B-B14F-4D97-AF65-F5344CB8AC3E}">
-        <p14:creationId xmlns:p14="http://schemas.microsoft.com/office/powerpoint/2010/main" val="2027303339"/>
+        <p14:creationId xmlns:p14="http://schemas.microsoft.com/office/powerpoint/2010/main" val="2213960410"/>
       </p:ext>
     </p:extLst>
   </p:cSld>
@@ -10097,7 +10359,7 @@
           <p:cNvPr id="2" name="Title 1">
             <a:extLst>
               <a:ext uri="{FF2B5EF4-FFF2-40B4-BE49-F238E27FC236}">
-                <a16:creationId xmlns:a16="http://schemas.microsoft.com/office/drawing/2014/main" id="{71DE5ED6-49D5-43EE-E52E-844BFD80D4AE}"/>
+                <a16:creationId xmlns:a16="http://schemas.microsoft.com/office/drawing/2014/main" id="{A5469F7B-5F47-517F-D218-DF1E89BBB790}"/>
               </a:ext>
             </a:extLst>
           </p:cNvPr>
@@ -10114,8 +10376,12 @@
           <a:lstStyle/>
           <a:p>
             <a:r>
+              <a:rPr lang="en-GB" dirty="0" err="1"/>
+              <a:t>PySpark</a:t>
+            </a:r>
+            <a:r>
               <a:rPr lang="en-GB" dirty="0"/>
-              <a:t>Create storage account</a:t>
+              <a:t> Pre-requisites</a:t>
             </a:r>
           </a:p>
         </p:txBody>
@@ -10125,7 +10391,7 @@
           <p:cNvPr id="3" name="Content Placeholder 2">
             <a:extLst>
               <a:ext uri="{FF2B5EF4-FFF2-40B4-BE49-F238E27FC236}">
-                <a16:creationId xmlns:a16="http://schemas.microsoft.com/office/drawing/2014/main" id="{0813FB62-FE46-CC92-2C0B-3D25E2B93615}"/>
+                <a16:creationId xmlns:a16="http://schemas.microsoft.com/office/drawing/2014/main" id="{D887FE72-3475-5DF9-893F-927B7A1BBC5F}"/>
               </a:ext>
             </a:extLst>
           </p:cNvPr>
@@ -10138,50 +10404,58 @@
         </p:nvSpPr>
         <p:spPr/>
         <p:txBody>
-          <a:bodyPr/>
+          <a:bodyPr>
+            <a:normAutofit/>
+          </a:bodyPr>
           <a:lstStyle/>
           <a:p>
             <a:r>
               <a:rPr lang="en-GB" dirty="0"/>
-              <a:t>Create in same region as RG</a:t>
+              <a:t>Install Java v17</a:t>
             </a:r>
           </a:p>
           <a:p>
             <a:r>
               <a:rPr lang="en-GB" dirty="0"/>
-              <a:t>Primary service is ADLS Gen 2</a:t>
-            </a:r>
-          </a:p>
-          <a:p>
+              <a:t>Set paths in environment variables</a:t>
+            </a:r>
+          </a:p>
+          <a:p>
+            <a:pPr lvl="1"/>
             <a:r>
               <a:rPr lang="en-GB" dirty="0"/>
-              <a:t>Primary workload Big Data Analytics</a:t>
-            </a:r>
-          </a:p>
-          <a:p>
+              <a:t>JAVA_HOME</a:t>
+            </a:r>
+          </a:p>
+          <a:p>
+            <a:pPr lvl="1"/>
             <a:r>
               <a:rPr lang="en-GB" dirty="0"/>
-              <a:t>Performance: Standard</a:t>
-            </a:r>
+              <a:t>PATH</a:t>
+            </a:r>
+          </a:p>
+          <a:p>
+            <a:pPr lvl="1"/>
+            <a:endParaRPr lang="en-GB" dirty="0"/>
           </a:p>
           <a:p>
             <a:r>
               <a:rPr lang="en-GB" dirty="0"/>
-              <a:t>Redundancy: LRS</a:t>
-            </a:r>
-          </a:p>
-          <a:p>
-            <a:r>
-              <a:rPr lang="en-GB" dirty="0"/>
-              <a:t>Add container &gt; RAW directory</a:t>
-            </a:r>
+              <a:t>Install Apache Spark</a:t>
+            </a:r>
+          </a:p>
+          <a:p>
+            <a:pPr marL="0" indent="0">
+              <a:buNone/>
+            </a:pPr>
+            <a:endParaRPr lang="en-GB" dirty="0"/>
           </a:p>
         </p:txBody>
       </p:sp>
     </p:spTree>
     <p:extLst>
       <p:ext uri="{BB962C8B-B14F-4D97-AF65-F5344CB8AC3E}">
-        <p14:creationId xmlns:p14="http://schemas.microsoft.com/office/powerpoint/2010/main" val="2615107740"/>
+        <p14:creationId xmlns:p14="http://schemas.microsoft.com/office/powerpoint/2010/main" val="1390051510"/>
       </p:ext>
     </p:extLst>
   </p:cSld>
@@ -10208,124 +10482,114 @@
           <a:chExt cx="0" cy="0"/>
         </a:xfrm>
       </p:grpSpPr>
-      <p:pic>
-        <p:nvPicPr>
-          <p:cNvPr id="7" name="Picture 6">
-            <a:extLst>
-              <a:ext uri="{FF2B5EF4-FFF2-40B4-BE49-F238E27FC236}">
-                <a16:creationId xmlns:a16="http://schemas.microsoft.com/office/drawing/2014/main" id="{F76B43E2-150F-DC80-8BA0-E8EF77942310}"/>
-              </a:ext>
-            </a:extLst>
-          </p:cNvPr>
-          <p:cNvPicPr>
-            <a:picLocks noChangeAspect="1"/>
-          </p:cNvPicPr>
-          <p:nvPr/>
-        </p:nvPicPr>
-        <p:blipFill>
-          <a:blip r:embed="rId2"/>
-          <a:stretch>
-            <a:fillRect/>
-          </a:stretch>
-        </p:blipFill>
-        <p:spPr>
-          <a:xfrm>
-            <a:off x="804124" y="2390630"/>
-            <a:ext cx="10583752" cy="2076740"/>
-          </a:xfrm>
-          <a:prstGeom prst="rect">
-            <a:avLst/>
-          </a:prstGeom>
-        </p:spPr>
-      </p:pic>
-      <p:sp>
-        <p:nvSpPr>
-          <p:cNvPr id="10" name="Title 1">
-            <a:extLst>
-              <a:ext uri="{FF2B5EF4-FFF2-40B4-BE49-F238E27FC236}">
-                <a16:creationId xmlns:a16="http://schemas.microsoft.com/office/drawing/2014/main" id="{F76196A7-FDB1-76F9-0DAF-649BCDEE61A3}"/>
-              </a:ext>
-            </a:extLst>
-          </p:cNvPr>
-          <p:cNvSpPr txBox="1">
-            <a:spLocks/>
-          </p:cNvSpPr>
-          <p:nvPr/>
-        </p:nvSpPr>
-        <p:spPr>
-          <a:xfrm>
-            <a:off x="804124" y="822325"/>
-            <a:ext cx="10515600" cy="1325563"/>
-          </a:xfrm>
-          <a:prstGeom prst="rect">
-            <a:avLst/>
-          </a:prstGeom>
-        </p:spPr>
-        <p:txBody>
-          <a:bodyPr vert="horz" lIns="91440" tIns="45720" rIns="91440" bIns="45720" rtlCol="0" anchor="ctr">
+      <p:sp>
+        <p:nvSpPr>
+          <p:cNvPr id="2" name="Title 1">
+            <a:extLst>
+              <a:ext uri="{FF2B5EF4-FFF2-40B4-BE49-F238E27FC236}">
+                <a16:creationId xmlns:a16="http://schemas.microsoft.com/office/drawing/2014/main" id="{A5469F7B-5F47-517F-D218-DF1E89BBB790}"/>
+              </a:ext>
+            </a:extLst>
+          </p:cNvPr>
+          <p:cNvSpPr>
+            <a:spLocks noGrp="1"/>
+          </p:cNvSpPr>
+          <p:nvPr>
+            <p:ph type="title"/>
+          </p:nvPr>
+        </p:nvSpPr>
+        <p:spPr/>
+        <p:txBody>
+          <a:bodyPr/>
+          <a:lstStyle/>
+          <a:p>
+            <a:r>
+              <a:rPr lang="en-GB" dirty="0" err="1"/>
+              <a:t>PySpark</a:t>
+            </a:r>
+            <a:r>
+              <a:rPr lang="en-GB" dirty="0"/>
+              <a:t> Pre-requisites</a:t>
+            </a:r>
+          </a:p>
+        </p:txBody>
+      </p:sp>
+      <p:sp>
+        <p:nvSpPr>
+          <p:cNvPr id="3" name="Content Placeholder 2">
+            <a:extLst>
+              <a:ext uri="{FF2B5EF4-FFF2-40B4-BE49-F238E27FC236}">
+                <a16:creationId xmlns:a16="http://schemas.microsoft.com/office/drawing/2014/main" id="{D887FE72-3475-5DF9-893F-927B7A1BBC5F}"/>
+              </a:ext>
+            </a:extLst>
+          </p:cNvPr>
+          <p:cNvSpPr>
+            <a:spLocks noGrp="1"/>
+          </p:cNvSpPr>
+          <p:nvPr>
+            <p:ph idx="1"/>
+          </p:nvPr>
+        </p:nvSpPr>
+        <p:spPr/>
+        <p:txBody>
+          <a:bodyPr>
             <a:normAutofit/>
           </a:bodyPr>
-          <a:lstStyle>
-            <a:lvl1pPr algn="l" defTabSz="914400" rtl="0" eaLnBrk="1" latinLnBrk="0" hangingPunct="1">
-              <a:lnSpc>
-                <a:spcPct val="90000"/>
-              </a:lnSpc>
-              <a:spcBef>
-                <a:spcPct val="0"/>
-              </a:spcBef>
+          <a:lstStyle/>
+          <a:p>
+            <a:r>
+              <a:rPr lang="en-GB" dirty="0"/>
+              <a:t>Install Java v17</a:t>
+            </a:r>
+          </a:p>
+          <a:p>
+            <a:r>
+              <a:rPr lang="en-GB" dirty="0"/>
+              <a:t>Set paths in environment variables</a:t>
+            </a:r>
+          </a:p>
+          <a:p>
+            <a:pPr lvl="1"/>
+            <a:r>
+              <a:rPr lang="en-GB" dirty="0"/>
+              <a:t>JAVA_HOME</a:t>
+            </a:r>
+          </a:p>
+          <a:p>
+            <a:pPr lvl="1"/>
+            <a:r>
+              <a:rPr lang="en-GB" dirty="0"/>
+              <a:t>PATH</a:t>
+            </a:r>
+          </a:p>
+          <a:p>
+            <a:pPr lvl="1"/>
+            <a:endParaRPr lang="en-GB" dirty="0"/>
+          </a:p>
+          <a:p>
+            <a:r>
+              <a:rPr lang="en-GB" dirty="0"/>
+              <a:t>Install Apache Spark</a:t>
+            </a:r>
+          </a:p>
+          <a:p>
+            <a:r>
+              <a:rPr lang="en-GB" dirty="0"/>
+              <a:t>Install winutils.exe</a:t>
+            </a:r>
+          </a:p>
+          <a:p>
+            <a:pPr marL="0" indent="0">
               <a:buNone/>
-              <a:defRPr sz="4400" kern="1200">
-                <a:solidFill>
-                  <a:schemeClr val="tx1"/>
-                </a:solidFill>
-                <a:latin typeface="+mj-lt"/>
-                <a:ea typeface="+mj-ea"/>
-                <a:cs typeface="+mj-cs"/>
-              </a:defRPr>
-            </a:lvl1pPr>
-          </a:lstStyle>
-          <a:p>
-            <a:r>
-              <a:rPr lang="en-GB" dirty="0"/>
-              <a:t>Create storage account</a:t>
-            </a:r>
-          </a:p>
-        </p:txBody>
-      </p:sp>
-      <p:pic>
-        <p:nvPicPr>
-          <p:cNvPr id="12" name="Picture 11">
-            <a:extLst>
-              <a:ext uri="{FF2B5EF4-FFF2-40B4-BE49-F238E27FC236}">
-                <a16:creationId xmlns:a16="http://schemas.microsoft.com/office/drawing/2014/main" id="{89545FC7-CFBB-FEB8-B2C2-A775C4B20B91}"/>
-              </a:ext>
-            </a:extLst>
-          </p:cNvPr>
-          <p:cNvPicPr>
-            <a:picLocks noChangeAspect="1"/>
-          </p:cNvPicPr>
-          <p:nvPr/>
-        </p:nvPicPr>
-        <p:blipFill>
-          <a:blip r:embed="rId3"/>
-          <a:stretch>
-            <a:fillRect/>
-          </a:stretch>
-        </p:blipFill>
-        <p:spPr>
-          <a:xfrm>
-            <a:off x="804124" y="4171874"/>
-            <a:ext cx="8202170" cy="1076475"/>
-          </a:xfrm>
-          <a:prstGeom prst="rect">
-            <a:avLst/>
-          </a:prstGeom>
-        </p:spPr>
-      </p:pic>
+            </a:pPr>
+            <a:endParaRPr lang="en-GB" dirty="0"/>
+          </a:p>
+        </p:txBody>
+      </p:sp>
     </p:spTree>
     <p:extLst>
       <p:ext uri="{BB962C8B-B14F-4D97-AF65-F5344CB8AC3E}">
-        <p14:creationId xmlns:p14="http://schemas.microsoft.com/office/powerpoint/2010/main" val="2122117740"/>
+        <p14:creationId xmlns:p14="http://schemas.microsoft.com/office/powerpoint/2010/main" val="2072838467"/>
       </p:ext>
     </p:extLst>
   </p:cSld>
@@ -10357,7 +10621,7 @@
           <p:cNvPr id="2" name="Title 1">
             <a:extLst>
               <a:ext uri="{FF2B5EF4-FFF2-40B4-BE49-F238E27FC236}">
-                <a16:creationId xmlns:a16="http://schemas.microsoft.com/office/drawing/2014/main" id="{3C83975B-EF01-7C43-08F4-D4643AE62A88}"/>
+                <a16:creationId xmlns:a16="http://schemas.microsoft.com/office/drawing/2014/main" id="{A5469F7B-5F47-517F-D218-DF1E89BBB790}"/>
               </a:ext>
             </a:extLst>
           </p:cNvPr>
@@ -10373,44 +10637,99 @@
           <a:bodyPr/>
           <a:lstStyle/>
           <a:p>
+            <a:r>
+              <a:rPr lang="en-GB" dirty="0" err="1"/>
+              <a:t>PySpark</a:t>
+            </a:r>
+            <a:r>
+              <a:rPr lang="en-GB" dirty="0"/>
+              <a:t> Pre-requisites</a:t>
+            </a:r>
+          </a:p>
+        </p:txBody>
+      </p:sp>
+      <p:sp>
+        <p:nvSpPr>
+          <p:cNvPr id="3" name="Content Placeholder 2">
+            <a:extLst>
+              <a:ext uri="{FF2B5EF4-FFF2-40B4-BE49-F238E27FC236}">
+                <a16:creationId xmlns:a16="http://schemas.microsoft.com/office/drawing/2014/main" id="{D887FE72-3475-5DF9-893F-927B7A1BBC5F}"/>
+              </a:ext>
+            </a:extLst>
+          </p:cNvPr>
+          <p:cNvSpPr>
+            <a:spLocks noGrp="1"/>
+          </p:cNvSpPr>
+          <p:nvPr>
+            <p:ph idx="1"/>
+          </p:nvPr>
+        </p:nvSpPr>
+        <p:spPr/>
+        <p:txBody>
+          <a:bodyPr>
+            <a:normAutofit/>
+          </a:bodyPr>
+          <a:lstStyle/>
+          <a:p>
+            <a:r>
+              <a:rPr lang="en-GB" dirty="0"/>
+              <a:t>Install Java v17</a:t>
+            </a:r>
+          </a:p>
+          <a:p>
+            <a:r>
+              <a:rPr lang="en-GB" dirty="0"/>
+              <a:t>Set paths in environment variables</a:t>
+            </a:r>
+          </a:p>
+          <a:p>
+            <a:pPr lvl="1"/>
+            <a:r>
+              <a:rPr lang="en-GB" dirty="0"/>
+              <a:t>JAVA_HOME</a:t>
+            </a:r>
+          </a:p>
+          <a:p>
+            <a:pPr lvl="1"/>
+            <a:r>
+              <a:rPr lang="en-GB" dirty="0"/>
+              <a:t>PATH</a:t>
+            </a:r>
+          </a:p>
+          <a:p>
+            <a:pPr lvl="1"/>
             <a:endParaRPr lang="en-GB" dirty="0"/>
           </a:p>
-        </p:txBody>
-      </p:sp>
-      <p:pic>
-        <p:nvPicPr>
-          <p:cNvPr id="5" name="Picture 4">
-            <a:extLst>
-              <a:ext uri="{FF2B5EF4-FFF2-40B4-BE49-F238E27FC236}">
-                <a16:creationId xmlns:a16="http://schemas.microsoft.com/office/drawing/2014/main" id="{629AFA2E-500C-8F35-6317-A5C59279B742}"/>
-              </a:ext>
-            </a:extLst>
-          </p:cNvPr>
-          <p:cNvPicPr>
-            <a:picLocks noChangeAspect="1"/>
-          </p:cNvPicPr>
-          <p:nvPr/>
-        </p:nvPicPr>
-        <p:blipFill>
-          <a:blip r:embed="rId2"/>
-          <a:stretch>
-            <a:fillRect/>
-          </a:stretch>
-        </p:blipFill>
-        <p:spPr>
-          <a:xfrm>
-            <a:off x="838200" y="1961321"/>
-            <a:ext cx="6801390" cy="2702439"/>
-          </a:xfrm>
-          <a:prstGeom prst="rect">
-            <a:avLst/>
-          </a:prstGeom>
-        </p:spPr>
-      </p:pic>
+          <a:p>
+            <a:r>
+              <a:rPr lang="en-GB" dirty="0"/>
+              <a:t>Install Apache Spark</a:t>
+            </a:r>
+          </a:p>
+          <a:p>
+            <a:r>
+              <a:rPr lang="en-GB" dirty="0"/>
+              <a:t>Install winutils.exe</a:t>
+            </a:r>
+          </a:p>
+          <a:p>
+            <a:r>
+              <a:rPr lang="en-GB" dirty="0"/>
+              <a:t>Create virtual environment</a:t>
+            </a:r>
+          </a:p>
+          <a:p>
+            <a:pPr marL="0" indent="0">
+              <a:buNone/>
+            </a:pPr>
+            <a:endParaRPr lang="en-GB" dirty="0"/>
+          </a:p>
+        </p:txBody>
+      </p:sp>
     </p:spTree>
     <p:extLst>
       <p:ext uri="{BB962C8B-B14F-4D97-AF65-F5344CB8AC3E}">
-        <p14:creationId xmlns:p14="http://schemas.microsoft.com/office/powerpoint/2010/main" val="448850995"/>
+        <p14:creationId xmlns:p14="http://schemas.microsoft.com/office/powerpoint/2010/main" val="338238132"/>
       </p:ext>
     </p:extLst>
   </p:cSld>
@@ -10442,7 +10761,7 @@
           <p:cNvPr id="2" name="Title 1">
             <a:extLst>
               <a:ext uri="{FF2B5EF4-FFF2-40B4-BE49-F238E27FC236}">
-                <a16:creationId xmlns:a16="http://schemas.microsoft.com/office/drawing/2014/main" id="{C3969D66-3483-9BE2-7840-401EA06DCA64}"/>
+                <a16:creationId xmlns:a16="http://schemas.microsoft.com/office/drawing/2014/main" id="{A5469F7B-5F47-517F-D218-DF1E89BBB790}"/>
               </a:ext>
             </a:extLst>
           </p:cNvPr>
@@ -10458,44 +10777,112 @@
           <a:bodyPr/>
           <a:lstStyle/>
           <a:p>
-            <a:endParaRPr lang="en-GB"/>
-          </a:p>
-        </p:txBody>
-      </p:sp>
-      <p:pic>
-        <p:nvPicPr>
-          <p:cNvPr id="5" name="Picture 4">
-            <a:extLst>
-              <a:ext uri="{FF2B5EF4-FFF2-40B4-BE49-F238E27FC236}">
-                <a16:creationId xmlns:a16="http://schemas.microsoft.com/office/drawing/2014/main" id="{2A36F57A-EBEF-472A-C1FC-9EA3E640B70A}"/>
-              </a:ext>
-            </a:extLst>
-          </p:cNvPr>
-          <p:cNvPicPr>
-            <a:picLocks noChangeAspect="1"/>
-          </p:cNvPicPr>
-          <p:nvPr/>
-        </p:nvPicPr>
-        <p:blipFill>
-          <a:blip r:embed="rId3"/>
-          <a:stretch>
-            <a:fillRect/>
-          </a:stretch>
-        </p:blipFill>
-        <p:spPr>
-          <a:xfrm>
-            <a:off x="838200" y="2042237"/>
-            <a:ext cx="2959252" cy="3187864"/>
-          </a:xfrm>
-          <a:prstGeom prst="rect">
-            <a:avLst/>
-          </a:prstGeom>
-        </p:spPr>
-      </p:pic>
+            <a:r>
+              <a:rPr lang="en-GB" dirty="0" err="1"/>
+              <a:t>PySpark</a:t>
+            </a:r>
+            <a:r>
+              <a:rPr lang="en-GB" dirty="0"/>
+              <a:t> Pre-requisites</a:t>
+            </a:r>
+          </a:p>
+        </p:txBody>
+      </p:sp>
+      <p:sp>
+        <p:nvSpPr>
+          <p:cNvPr id="3" name="Content Placeholder 2">
+            <a:extLst>
+              <a:ext uri="{FF2B5EF4-FFF2-40B4-BE49-F238E27FC236}">
+                <a16:creationId xmlns:a16="http://schemas.microsoft.com/office/drawing/2014/main" id="{D887FE72-3475-5DF9-893F-927B7A1BBC5F}"/>
+              </a:ext>
+            </a:extLst>
+          </p:cNvPr>
+          <p:cNvSpPr>
+            <a:spLocks noGrp="1"/>
+          </p:cNvSpPr>
+          <p:nvPr>
+            <p:ph idx="1"/>
+          </p:nvPr>
+        </p:nvSpPr>
+        <p:spPr/>
+        <p:txBody>
+          <a:bodyPr>
+            <a:normAutofit/>
+          </a:bodyPr>
+          <a:lstStyle/>
+          <a:p>
+            <a:r>
+              <a:rPr lang="en-GB" dirty="0"/>
+              <a:t>Install Java v17</a:t>
+            </a:r>
+          </a:p>
+          <a:p>
+            <a:r>
+              <a:rPr lang="en-GB" dirty="0"/>
+              <a:t>Set paths in environment variables</a:t>
+            </a:r>
+          </a:p>
+          <a:p>
+            <a:pPr lvl="1"/>
+            <a:r>
+              <a:rPr lang="en-GB" dirty="0"/>
+              <a:t>JAVA_HOME</a:t>
+            </a:r>
+          </a:p>
+          <a:p>
+            <a:pPr lvl="1"/>
+            <a:r>
+              <a:rPr lang="en-GB" dirty="0"/>
+              <a:t>PATH</a:t>
+            </a:r>
+          </a:p>
+          <a:p>
+            <a:pPr lvl="1"/>
+            <a:endParaRPr lang="en-GB" dirty="0"/>
+          </a:p>
+          <a:p>
+            <a:r>
+              <a:rPr lang="en-GB" dirty="0"/>
+              <a:t>Install Apache Spark v3.5.3</a:t>
+            </a:r>
+          </a:p>
+          <a:p>
+            <a:r>
+              <a:rPr lang="en-GB" dirty="0"/>
+              <a:t>Install winutils.exe</a:t>
+            </a:r>
+          </a:p>
+          <a:p>
+            <a:r>
+              <a:rPr lang="en-GB" dirty="0"/>
+              <a:t>Create virtual environment</a:t>
+            </a:r>
+          </a:p>
+          <a:p>
+            <a:r>
+              <a:rPr lang="en-GB" dirty="0"/>
+              <a:t>Instructions: </a:t>
+            </a:r>
+            <a:r>
+              <a:rPr lang="en-GB" dirty="0">
+                <a:hlinkClick r:id="rId2"/>
+              </a:rPr>
+              <a:t>https://sparkbyexamples.com/pyspark-tutorial/</a:t>
+            </a:r>
+            <a:endParaRPr lang="en-GB" dirty="0"/>
+          </a:p>
+          <a:p>
+            <a:pPr marL="0" indent="0">
+              <a:buNone/>
+            </a:pPr>
+            <a:endParaRPr lang="en-GB" dirty="0"/>
+          </a:p>
+        </p:txBody>
+      </p:sp>
     </p:spTree>
     <p:extLst>
       <p:ext uri="{BB962C8B-B14F-4D97-AF65-F5344CB8AC3E}">
-        <p14:creationId xmlns:p14="http://schemas.microsoft.com/office/powerpoint/2010/main" val="2682671986"/>
+        <p14:creationId xmlns:p14="http://schemas.microsoft.com/office/powerpoint/2010/main" val="662787998"/>
       </p:ext>
     </p:extLst>
   </p:cSld>
@@ -10527,7 +10914,7 @@
           <p:cNvPr id="2" name="Title 1">
             <a:extLst>
               <a:ext uri="{FF2B5EF4-FFF2-40B4-BE49-F238E27FC236}">
-                <a16:creationId xmlns:a16="http://schemas.microsoft.com/office/drawing/2014/main" id="{D7CAE69D-6CF6-31EC-8A49-0AA2ECC861D8}"/>
+                <a16:creationId xmlns:a16="http://schemas.microsoft.com/office/drawing/2014/main" id="{A5469F7B-5F47-517F-D218-DF1E89BBB790}"/>
               </a:ext>
             </a:extLst>
           </p:cNvPr>
@@ -10544,8 +10931,12 @@
           <a:lstStyle/>
           <a:p>
             <a:r>
+              <a:rPr lang="en-GB" dirty="0" err="1"/>
+              <a:t>PySpark</a:t>
+            </a:r>
+            <a:r>
               <a:rPr lang="en-GB" dirty="0"/>
-              <a:t>Create Azure Data Factory</a:t>
+              <a:t> Demo</a:t>
             </a:r>
           </a:p>
         </p:txBody>
@@ -10555,7 +10946,7 @@
           <p:cNvPr id="3" name="Content Placeholder 2">
             <a:extLst>
               <a:ext uri="{FF2B5EF4-FFF2-40B4-BE49-F238E27FC236}">
-                <a16:creationId xmlns:a16="http://schemas.microsoft.com/office/drawing/2014/main" id="{13AEF5C3-2254-AC57-977E-759A7B556F1B}"/>
+                <a16:creationId xmlns:a16="http://schemas.microsoft.com/office/drawing/2014/main" id="{D887FE72-3475-5DF9-893F-927B7A1BBC5F}"/>
               </a:ext>
             </a:extLst>
           </p:cNvPr>
@@ -10568,50 +10959,22 @@
         </p:nvSpPr>
         <p:spPr/>
         <p:txBody>
-          <a:bodyPr/>
+          <a:bodyPr>
+            <a:normAutofit/>
+          </a:bodyPr>
           <a:lstStyle/>
           <a:p>
             <a:r>
               <a:rPr lang="en-GB" dirty="0"/>
-              <a:t>Create in same region as RG</a:t>
-            </a:r>
-          </a:p>
-        </p:txBody>
-      </p:sp>
-      <p:pic>
-        <p:nvPicPr>
-          <p:cNvPr id="5" name="Picture 4">
-            <a:extLst>
-              <a:ext uri="{FF2B5EF4-FFF2-40B4-BE49-F238E27FC236}">
-                <a16:creationId xmlns:a16="http://schemas.microsoft.com/office/drawing/2014/main" id="{5B4FE1FE-4962-1974-21AC-63462D0D2ECA}"/>
-              </a:ext>
-            </a:extLst>
-          </p:cNvPr>
-          <p:cNvPicPr>
-            <a:picLocks noChangeAspect="1"/>
-          </p:cNvPicPr>
-          <p:nvPr/>
-        </p:nvPicPr>
-        <p:blipFill>
-          <a:blip r:embed="rId2"/>
-          <a:stretch>
-            <a:fillRect/>
-          </a:stretch>
-        </p:blipFill>
-        <p:spPr>
-          <a:xfrm>
-            <a:off x="1780573" y="3105105"/>
-            <a:ext cx="8630854" cy="647790"/>
-          </a:xfrm>
-          <a:prstGeom prst="rect">
-            <a:avLst/>
-          </a:prstGeom>
-        </p:spPr>
-      </p:pic>
+              <a:t>Uses VS Code</a:t>
+            </a:r>
+          </a:p>
+        </p:txBody>
+      </p:sp>
     </p:spTree>
     <p:extLst>
       <p:ext uri="{BB962C8B-B14F-4D97-AF65-F5344CB8AC3E}">
-        <p14:creationId xmlns:p14="http://schemas.microsoft.com/office/powerpoint/2010/main" val="247652491"/>
+        <p14:creationId xmlns:p14="http://schemas.microsoft.com/office/powerpoint/2010/main" val="3082836330"/>
       </p:ext>
     </p:extLst>
   </p:cSld>
@@ -10643,7 +11006,7 @@
           <p:cNvPr id="2" name="Title 1">
             <a:extLst>
               <a:ext uri="{FF2B5EF4-FFF2-40B4-BE49-F238E27FC236}">
-                <a16:creationId xmlns:a16="http://schemas.microsoft.com/office/drawing/2014/main" id="{E54C7220-D4E8-C4CE-9F41-17CBBA3E9D1F}"/>
+                <a16:creationId xmlns:a16="http://schemas.microsoft.com/office/drawing/2014/main" id="{A5469F7B-5F47-517F-D218-DF1E89BBB790}"/>
               </a:ext>
             </a:extLst>
           </p:cNvPr>
@@ -10659,104 +11022,114 @@
           <a:bodyPr/>
           <a:lstStyle/>
           <a:p>
-            <a:endParaRPr lang="en-GB"/>
-          </a:p>
-        </p:txBody>
-      </p:sp>
-      <p:pic>
-        <p:nvPicPr>
-          <p:cNvPr id="5" name="Picture 4">
-            <a:extLst>
-              <a:ext uri="{FF2B5EF4-FFF2-40B4-BE49-F238E27FC236}">
-                <a16:creationId xmlns:a16="http://schemas.microsoft.com/office/drawing/2014/main" id="{1DE6EA73-5C07-A441-9C79-2FAF0206876C}"/>
-              </a:ext>
-            </a:extLst>
-          </p:cNvPr>
-          <p:cNvPicPr>
-            <a:picLocks noChangeAspect="1"/>
-          </p:cNvPicPr>
-          <p:nvPr/>
-        </p:nvPicPr>
-        <p:blipFill>
-          <a:blip r:embed="rId2"/>
-          <a:stretch>
-            <a:fillRect/>
-          </a:stretch>
-        </p:blipFill>
-        <p:spPr>
-          <a:xfrm>
-            <a:off x="2197359" y="1549342"/>
-            <a:ext cx="7550538" cy="2235315"/>
-          </a:xfrm>
-          <a:prstGeom prst="rect">
-            <a:avLst/>
-          </a:prstGeom>
-        </p:spPr>
-      </p:pic>
-      <p:pic>
-        <p:nvPicPr>
-          <p:cNvPr id="7" name="Picture 6">
-            <a:extLst>
-              <a:ext uri="{FF2B5EF4-FFF2-40B4-BE49-F238E27FC236}">
-                <a16:creationId xmlns:a16="http://schemas.microsoft.com/office/drawing/2014/main" id="{357DCD06-D3F9-B3E6-6147-8B555688ED76}"/>
-              </a:ext>
-            </a:extLst>
-          </p:cNvPr>
-          <p:cNvPicPr>
-            <a:picLocks noChangeAspect="1"/>
-          </p:cNvPicPr>
-          <p:nvPr/>
-        </p:nvPicPr>
-        <p:blipFill>
-          <a:blip r:embed="rId3"/>
-          <a:stretch>
-            <a:fillRect/>
-          </a:stretch>
-        </p:blipFill>
-        <p:spPr>
-          <a:xfrm>
-            <a:off x="2197359" y="4302102"/>
-            <a:ext cx="2921150" cy="895396"/>
-          </a:xfrm>
-          <a:prstGeom prst="rect">
-            <a:avLst/>
-          </a:prstGeom>
-        </p:spPr>
-      </p:pic>
-      <p:pic>
-        <p:nvPicPr>
-          <p:cNvPr id="9" name="Picture 8">
-            <a:extLst>
-              <a:ext uri="{FF2B5EF4-FFF2-40B4-BE49-F238E27FC236}">
-                <a16:creationId xmlns:a16="http://schemas.microsoft.com/office/drawing/2014/main" id="{C0E1A8B2-FE52-27DA-F7DB-CAD822372C31}"/>
-              </a:ext>
-            </a:extLst>
-          </p:cNvPr>
-          <p:cNvPicPr>
-            <a:picLocks noChangeAspect="1"/>
-          </p:cNvPicPr>
-          <p:nvPr/>
-        </p:nvPicPr>
-        <p:blipFill>
-          <a:blip r:embed="rId4"/>
-          <a:stretch>
-            <a:fillRect/>
-          </a:stretch>
-        </p:blipFill>
-        <p:spPr>
-          <a:xfrm>
-            <a:off x="2197359" y="5714943"/>
-            <a:ext cx="2254366" cy="806491"/>
-          </a:xfrm>
-          <a:prstGeom prst="rect">
-            <a:avLst/>
-          </a:prstGeom>
-        </p:spPr>
-      </p:pic>
+            <a:r>
+              <a:rPr lang="en-GB" dirty="0" err="1"/>
+              <a:t>PySpark</a:t>
+            </a:r>
+            <a:r>
+              <a:rPr lang="en-GB" dirty="0"/>
+              <a:t> Demo</a:t>
+            </a:r>
+          </a:p>
+        </p:txBody>
+      </p:sp>
+      <p:sp>
+        <p:nvSpPr>
+          <p:cNvPr id="3" name="Content Placeholder 2">
+            <a:extLst>
+              <a:ext uri="{FF2B5EF4-FFF2-40B4-BE49-F238E27FC236}">
+                <a16:creationId xmlns:a16="http://schemas.microsoft.com/office/drawing/2014/main" id="{D887FE72-3475-5DF9-893F-927B7A1BBC5F}"/>
+              </a:ext>
+            </a:extLst>
+          </p:cNvPr>
+          <p:cNvSpPr>
+            <a:spLocks noGrp="1"/>
+          </p:cNvSpPr>
+          <p:nvPr>
+            <p:ph idx="1"/>
+          </p:nvPr>
+        </p:nvSpPr>
+        <p:spPr/>
+        <p:txBody>
+          <a:bodyPr>
+            <a:normAutofit/>
+          </a:bodyPr>
+          <a:lstStyle/>
+          <a:p>
+            <a:r>
+              <a:rPr lang="en-GB" dirty="0"/>
+              <a:t>Uses VS Code</a:t>
+            </a:r>
+          </a:p>
+          <a:p>
+            <a:r>
+              <a:rPr lang="en-GB" dirty="0"/>
+              <a:t>Needs </a:t>
+            </a:r>
+            <a:r>
+              <a:rPr lang="en-GB" dirty="0" err="1"/>
+              <a:t>Jupyter</a:t>
+            </a:r>
+            <a:r>
+              <a:rPr lang="en-GB" dirty="0"/>
+              <a:t> package installed</a:t>
+            </a:r>
+          </a:p>
+          <a:p>
+            <a:pPr marL="457200" lvl="1" indent="0">
+              <a:buNone/>
+            </a:pPr>
+            <a:r>
+              <a:rPr lang="en-GB" dirty="0" err="1">
+                <a:latin typeface="Consolas" panose="020B0609020204030204" pitchFamily="49" charset="0"/>
+              </a:rPr>
+              <a:t>conda</a:t>
+            </a:r>
+            <a:r>
+              <a:rPr lang="en-GB" dirty="0">
+                <a:latin typeface="Consolas" panose="020B0609020204030204" pitchFamily="49" charset="0"/>
+              </a:rPr>
+              <a:t> install </a:t>
+            </a:r>
+            <a:r>
+              <a:rPr lang="en-GB" dirty="0" err="1">
+                <a:latin typeface="Consolas" panose="020B0609020204030204" pitchFamily="49" charset="0"/>
+              </a:rPr>
+              <a:t>jupyter</a:t>
+            </a:r>
+            <a:endParaRPr lang="en-GB" dirty="0">
+              <a:latin typeface="Consolas" panose="020B0609020204030204" pitchFamily="49" charset="0"/>
+            </a:endParaRPr>
+          </a:p>
+          <a:p>
+            <a:pPr marL="457200" lvl="1" indent="0">
+              <a:buNone/>
+            </a:pPr>
+            <a:r>
+              <a:rPr lang="en-GB" dirty="0">
+                <a:latin typeface="Consolas" panose="020B0609020204030204" pitchFamily="49" charset="0"/>
+              </a:rPr>
+              <a:t>pip install </a:t>
+            </a:r>
+            <a:r>
+              <a:rPr lang="en-GB" dirty="0" err="1">
+                <a:latin typeface="Consolas" panose="020B0609020204030204" pitchFamily="49" charset="0"/>
+              </a:rPr>
+              <a:t>jupyter</a:t>
+            </a:r>
+            <a:endParaRPr lang="en-GB" dirty="0">
+              <a:latin typeface="Consolas" panose="020B0609020204030204" pitchFamily="49" charset="0"/>
+            </a:endParaRPr>
+          </a:p>
+          <a:p>
+            <a:endParaRPr lang="en-GB" dirty="0"/>
+          </a:p>
+        </p:txBody>
+      </p:sp>
     </p:spTree>
     <p:extLst>
       <p:ext uri="{BB962C8B-B14F-4D97-AF65-F5344CB8AC3E}">
-        <p14:creationId xmlns:p14="http://schemas.microsoft.com/office/powerpoint/2010/main" val="2308371639"/>
+        <p14:creationId xmlns:p14="http://schemas.microsoft.com/office/powerpoint/2010/main" val="3780954523"/>
       </p:ext>
     </p:extLst>
   </p:cSld>
@@ -10788,7 +11161,7 @@
           <p:cNvPr id="2" name="Title 1">
             <a:extLst>
               <a:ext uri="{FF2B5EF4-FFF2-40B4-BE49-F238E27FC236}">
-                <a16:creationId xmlns:a16="http://schemas.microsoft.com/office/drawing/2014/main" id="{17E4CBBF-6487-8E96-192F-A817DFB10918}"/>
+                <a16:creationId xmlns:a16="http://schemas.microsoft.com/office/drawing/2014/main" id="{E44CED87-DE61-C816-A3B2-E63F5185A2FF}"/>
               </a:ext>
             </a:extLst>
           </p:cNvPr>
@@ -10804,69 +11177,44 @@
           <a:bodyPr/>
           <a:lstStyle/>
           <a:p>
-            <a:r>
-              <a:rPr lang="en-GB" dirty="0"/>
-              <a:t>Data &amp; Databases</a:t>
-            </a:r>
-          </a:p>
-        </p:txBody>
-      </p:sp>
-      <p:sp>
-        <p:nvSpPr>
-          <p:cNvPr id="3" name="Content Placeholder 2">
-            <a:extLst>
-              <a:ext uri="{FF2B5EF4-FFF2-40B4-BE49-F238E27FC236}">
-                <a16:creationId xmlns:a16="http://schemas.microsoft.com/office/drawing/2014/main" id="{4EA3B715-9AC1-E540-E1D0-85781B1B6F2D}"/>
-              </a:ext>
-            </a:extLst>
-          </p:cNvPr>
-          <p:cNvSpPr>
-            <a:spLocks noGrp="1"/>
-          </p:cNvSpPr>
-          <p:nvPr>
-            <p:ph idx="1"/>
-          </p:nvPr>
-        </p:nvSpPr>
-        <p:spPr/>
-        <p:txBody>
-          <a:bodyPr/>
-          <a:lstStyle/>
-          <a:p>
-            <a:r>
-              <a:rPr lang="en-GB" dirty="0"/>
-              <a:t>Concepts to Learn: Data types, databases (SQL and NoSQL), data structures.</a:t>
-            </a:r>
-          </a:p>
-          <a:p>
-            <a:endParaRPr lang="en-GB" dirty="0"/>
-          </a:p>
-          <a:p>
-            <a:r>
-              <a:rPr lang="en-GB" dirty="0"/>
-              <a:t>Tools/Resources:</a:t>
-            </a:r>
-          </a:p>
-          <a:p>
-            <a:r>
-              <a:rPr lang="en-GB" dirty="0"/>
-              <a:t>Azure SQL Database - free tier available</a:t>
-            </a:r>
-          </a:p>
-          <a:p>
-            <a:r>
-              <a:rPr lang="en-GB" dirty="0"/>
-              <a:t>Cosmos DB: Explore NoSQL databases with a limited free tier on Azure.</a:t>
-            </a:r>
-          </a:p>
-          <a:p>
-            <a:endParaRPr lang="en-GB" dirty="0"/>
-          </a:p>
-        </p:txBody>
-      </p:sp>
+            <a:endParaRPr lang="en-GB"/>
+          </a:p>
+        </p:txBody>
+      </p:sp>
+      <p:pic>
+        <p:nvPicPr>
+          <p:cNvPr id="5" name="Picture 4">
+            <a:extLst>
+              <a:ext uri="{FF2B5EF4-FFF2-40B4-BE49-F238E27FC236}">
+                <a16:creationId xmlns:a16="http://schemas.microsoft.com/office/drawing/2014/main" id="{BBCCA8A9-2EA6-13E9-862D-2FC11BA269AD}"/>
+              </a:ext>
+            </a:extLst>
+          </p:cNvPr>
+          <p:cNvPicPr>
+            <a:picLocks noChangeAspect="1"/>
+          </p:cNvPicPr>
+          <p:nvPr/>
+        </p:nvPicPr>
+        <p:blipFill>
+          <a:blip r:embed="rId2"/>
+          <a:stretch>
+            <a:fillRect/>
+          </a:stretch>
+        </p:blipFill>
+        <p:spPr>
+          <a:xfrm>
+            <a:off x="1207931" y="2120132"/>
+            <a:ext cx="4239217" cy="1819529"/>
+          </a:xfrm>
+          <a:prstGeom prst="rect">
+            <a:avLst/>
+          </a:prstGeom>
+        </p:spPr>
+      </p:pic>
     </p:spTree>
     <p:extLst>
       <p:ext uri="{BB962C8B-B14F-4D97-AF65-F5344CB8AC3E}">
-        <p14:creationId xmlns:p14="http://schemas.microsoft.com/office/powerpoint/2010/main" val="4098208133"/>
+        <p14:creationId xmlns:p14="http://schemas.microsoft.com/office/powerpoint/2010/main" val="1601142253"/>
       </p:ext>
     </p:extLst>
   </p:cSld>
@@ -10898,7 +11246,7 @@
           <p:cNvPr id="2" name="Title 1">
             <a:extLst>
               <a:ext uri="{FF2B5EF4-FFF2-40B4-BE49-F238E27FC236}">
-                <a16:creationId xmlns:a16="http://schemas.microsoft.com/office/drawing/2014/main" id="{12485F72-3D84-4EED-32F6-699CF9A5F075}"/>
+                <a16:creationId xmlns:a16="http://schemas.microsoft.com/office/drawing/2014/main" id="{C28F207F-86B4-1AD4-474C-5449AA952C4B}"/>
               </a:ext>
             </a:extLst>
           </p:cNvPr>
@@ -10914,96 +11262,136 @@
           <a:bodyPr/>
           <a:lstStyle/>
           <a:p>
-            <a:endParaRPr lang="en-GB"/>
-          </a:p>
-        </p:txBody>
-      </p:sp>
-      <p:pic>
-        <p:nvPicPr>
-          <p:cNvPr id="5" name="Picture 4">
-            <a:extLst>
-              <a:ext uri="{FF2B5EF4-FFF2-40B4-BE49-F238E27FC236}">
-                <a16:creationId xmlns:a16="http://schemas.microsoft.com/office/drawing/2014/main" id="{646C3EE8-194C-9110-9B67-951A4E19A958}"/>
-              </a:ext>
-            </a:extLst>
-          </p:cNvPr>
-          <p:cNvPicPr>
-            <a:picLocks noChangeAspect="1"/>
-          </p:cNvPicPr>
-          <p:nvPr/>
-        </p:nvPicPr>
-        <p:blipFill>
-          <a:blip r:embed="rId2"/>
-          <a:stretch>
-            <a:fillRect/>
-          </a:stretch>
-        </p:blipFill>
-        <p:spPr>
-          <a:xfrm>
-            <a:off x="838200" y="1906776"/>
-            <a:ext cx="9935962" cy="4210638"/>
-          </a:xfrm>
-          <a:prstGeom prst="rect">
-            <a:avLst/>
-          </a:prstGeom>
-        </p:spPr>
-      </p:pic>
-      <p:sp>
-        <p:nvSpPr>
-          <p:cNvPr id="7" name="Rectangle: Rounded Corners 6">
-            <a:extLst>
-              <a:ext uri="{FF2B5EF4-FFF2-40B4-BE49-F238E27FC236}">
-                <a16:creationId xmlns:a16="http://schemas.microsoft.com/office/drawing/2014/main" id="{D4469F5D-E711-E066-D4B2-4EDA12D27FF8}"/>
-              </a:ext>
-            </a:extLst>
-          </p:cNvPr>
-          <p:cNvSpPr/>
-          <p:nvPr/>
-        </p:nvSpPr>
-        <p:spPr>
-          <a:xfrm>
-            <a:off x="838200" y="3790950"/>
-            <a:ext cx="6851650" cy="1111250"/>
-          </a:xfrm>
-          <a:prstGeom prst="roundRect">
-            <a:avLst/>
-          </a:prstGeom>
-          <a:noFill/>
-          <a:ln>
-            <a:solidFill>
-              <a:srgbClr val="FF0000"/>
-            </a:solidFill>
-          </a:ln>
-        </p:spPr>
-        <p:style>
-          <a:lnRef idx="2">
-            <a:schemeClr val="accent1">
-              <a:shade val="15000"/>
-            </a:schemeClr>
-          </a:lnRef>
-          <a:fillRef idx="1">
-            <a:schemeClr val="accent1"/>
-          </a:fillRef>
-          <a:effectRef idx="0">
-            <a:schemeClr val="accent1"/>
-          </a:effectRef>
-          <a:fontRef idx="minor">
-            <a:schemeClr val="lt1"/>
-          </a:fontRef>
-        </p:style>
-        <p:txBody>
-          <a:bodyPr rtlCol="0" anchor="ctr"/>
-          <a:lstStyle/>
-          <a:p>
-            <a:pPr algn="ctr"/>
-            <a:endParaRPr lang="en-GB"/>
+            <a:r>
+              <a:rPr lang="en-GB" dirty="0"/>
+              <a:t>Follow-up Resources</a:t>
+            </a:r>
+          </a:p>
+        </p:txBody>
+      </p:sp>
+      <p:sp>
+        <p:nvSpPr>
+          <p:cNvPr id="3" name="Content Placeholder 2">
+            <a:extLst>
+              <a:ext uri="{FF2B5EF4-FFF2-40B4-BE49-F238E27FC236}">
+                <a16:creationId xmlns:a16="http://schemas.microsoft.com/office/drawing/2014/main" id="{15D17D37-C8BB-FEFD-88D1-4110C76AEF74}"/>
+              </a:ext>
+            </a:extLst>
+          </p:cNvPr>
+          <p:cNvSpPr>
+            <a:spLocks noGrp="1"/>
+          </p:cNvSpPr>
+          <p:nvPr>
+            <p:ph idx="1"/>
+          </p:nvPr>
+        </p:nvSpPr>
+        <p:spPr/>
+        <p:txBody>
+          <a:bodyPr>
+            <a:normAutofit/>
+          </a:bodyPr>
+          <a:lstStyle/>
+          <a:p>
+            <a:r>
+              <a:rPr lang="en-GB" sz="1800" dirty="0"/>
+              <a:t>Repo: https://github.com/phil-a10/Talks/tree/main/Data%20Engineering%20Using%20Free%20Tools</a:t>
+            </a:r>
+          </a:p>
+          <a:p>
+            <a:r>
+              <a:rPr lang="en-GB" sz="1800" dirty="0"/>
+              <a:t>Microsoft Learn: https://learn.microsoft.com/en-us/training/career-paths/data-engineer</a:t>
+            </a:r>
+          </a:p>
+          <a:p>
+            <a:r>
+              <a:rPr lang="en-GB" sz="1800" dirty="0" err="1"/>
+              <a:t>PySpark</a:t>
+            </a:r>
+            <a:r>
+              <a:rPr lang="en-GB" sz="1800" dirty="0"/>
+              <a:t> instructions: </a:t>
+            </a:r>
+            <a:r>
+              <a:rPr lang="en-GB" sz="1800" dirty="0">
+                <a:hlinkClick r:id="rId2"/>
+              </a:rPr>
+              <a:t>https://sparkbyexamples.com/pyspark-tutorial/</a:t>
+            </a:r>
+            <a:endParaRPr lang="en-GB" sz="1800" dirty="0"/>
+          </a:p>
+          <a:p>
+            <a:r>
+              <a:rPr lang="en-GB" sz="1800" dirty="0"/>
+              <a:t>Kimball: </a:t>
+            </a:r>
+            <a:r>
+              <a:rPr lang="en-GB" sz="1800" dirty="0">
+                <a:hlinkClick r:id="rId3"/>
+              </a:rPr>
+              <a:t>https://www.kimballgroup.com/</a:t>
+            </a:r>
+            <a:endParaRPr lang="en-GB" sz="1800" dirty="0"/>
+          </a:p>
+          <a:p>
+            <a:endParaRPr lang="en-GB" sz="1800" dirty="0"/>
+          </a:p>
+          <a:p>
+            <a:pPr marL="0" indent="0">
+              <a:buNone/>
+            </a:pPr>
+            <a:r>
+              <a:rPr lang="en-GB" sz="1800" dirty="0"/>
+              <a:t>Downloads</a:t>
+            </a:r>
+          </a:p>
+          <a:p>
+            <a:r>
+              <a:rPr lang="en-GB" sz="1800" dirty="0"/>
+              <a:t>Azure CLI: </a:t>
+            </a:r>
+            <a:r>
+              <a:rPr lang="en-GB" sz="1800" dirty="0">
+                <a:hlinkClick r:id="rId4"/>
+              </a:rPr>
+              <a:t>https://learn.microsoft.com/en-us/cli/azure/install-azure-cli</a:t>
+            </a:r>
+            <a:endParaRPr lang="en-GB" sz="1800" dirty="0"/>
+          </a:p>
+          <a:p>
+            <a:r>
+              <a:rPr lang="en-GB" sz="1800" dirty="0"/>
+              <a:t>VS Code</a:t>
+            </a:r>
+          </a:p>
+          <a:p>
+            <a:r>
+              <a:rPr lang="en-GB" sz="1800" dirty="0"/>
+              <a:t>Java</a:t>
+            </a:r>
+          </a:p>
+          <a:p>
+            <a:r>
+              <a:rPr lang="en-GB" sz="1800" dirty="0"/>
+              <a:t>Apache Spark</a:t>
+            </a:r>
+          </a:p>
+          <a:p>
+            <a:r>
+              <a:rPr lang="en-GB" sz="1800" dirty="0" err="1"/>
+              <a:t>Winutils</a:t>
+            </a:r>
+            <a:endParaRPr lang="en-GB" sz="1800" dirty="0"/>
+          </a:p>
+          <a:p>
+            <a:endParaRPr lang="en-GB" sz="1800" dirty="0"/>
           </a:p>
         </p:txBody>
       </p:sp>
     </p:spTree>
     <p:extLst>
       <p:ext uri="{BB962C8B-B14F-4D97-AF65-F5344CB8AC3E}">
-        <p14:creationId xmlns:p14="http://schemas.microsoft.com/office/powerpoint/2010/main" val="2157642099"/>
+        <p14:creationId xmlns:p14="http://schemas.microsoft.com/office/powerpoint/2010/main" val="558925432"/>
       </p:ext>
     </p:extLst>
   </p:cSld>
@@ -11035,7 +11423,7 @@
           <p:cNvPr id="2" name="Title 1">
             <a:extLst>
               <a:ext uri="{FF2B5EF4-FFF2-40B4-BE49-F238E27FC236}">
-                <a16:creationId xmlns:a16="http://schemas.microsoft.com/office/drawing/2014/main" id="{721D1864-1AA2-D6DD-A480-FBC15302FDFD}"/>
+                <a16:creationId xmlns:a16="http://schemas.microsoft.com/office/drawing/2014/main" id="{6461F12C-8296-BADA-FD56-149E96554D1E}"/>
               </a:ext>
             </a:extLst>
           </p:cNvPr>
@@ -11046,79 +11434,22 @@
             <p:ph type="title"/>
           </p:nvPr>
         </p:nvSpPr>
-        <p:spPr/>
-        <p:txBody>
-          <a:bodyPr/>
-          <a:lstStyle/>
-          <a:p>
-            <a:r>
-              <a:rPr lang="en-GB" dirty="0"/>
-              <a:t>SQL Express!</a:t>
-            </a:r>
-          </a:p>
-        </p:txBody>
-      </p:sp>
-      <p:pic>
-        <p:nvPicPr>
-          <p:cNvPr id="5" name="Picture 4">
-            <a:extLst>
-              <a:ext uri="{FF2B5EF4-FFF2-40B4-BE49-F238E27FC236}">
-                <a16:creationId xmlns:a16="http://schemas.microsoft.com/office/drawing/2014/main" id="{448D210F-2791-BB01-3E4C-209625B18617}"/>
-              </a:ext>
-            </a:extLst>
-          </p:cNvPr>
-          <p:cNvPicPr>
-            <a:picLocks noChangeAspect="1"/>
-          </p:cNvPicPr>
-          <p:nvPr/>
-        </p:nvPicPr>
-        <p:blipFill>
-          <a:blip r:embed="rId2"/>
-          <a:stretch>
-            <a:fillRect/>
-          </a:stretch>
-        </p:blipFill>
         <p:spPr>
           <a:xfrm>
-            <a:off x="838200" y="2620727"/>
-            <a:ext cx="7525137" cy="2076557"/>
-          </a:xfrm>
-          <a:prstGeom prst="rect">
-            <a:avLst/>
-          </a:prstGeom>
-        </p:spPr>
-      </p:pic>
-      <p:sp>
-        <p:nvSpPr>
-          <p:cNvPr id="7" name="TextBox 6">
-            <a:extLst>
-              <a:ext uri="{FF2B5EF4-FFF2-40B4-BE49-F238E27FC236}">
-                <a16:creationId xmlns:a16="http://schemas.microsoft.com/office/drawing/2014/main" id="{C2A7AA09-D58C-3AA6-7B91-08BDBC8B6CF0}"/>
-              </a:ext>
-            </a:extLst>
-          </p:cNvPr>
-          <p:cNvSpPr txBox="1"/>
-          <p:nvPr/>
-        </p:nvSpPr>
-        <p:spPr>
-          <a:xfrm>
-            <a:off x="838200" y="1791385"/>
-            <a:ext cx="9296787" cy="369332"/>
-          </a:xfrm>
-          <a:prstGeom prst="rect">
-            <a:avLst/>
-          </a:prstGeom>
-          <a:noFill/>
-        </p:spPr>
-        <p:txBody>
-          <a:bodyPr wrap="square">
-            <a:spAutoFit/>
+            <a:off x="838200" y="365125"/>
+            <a:ext cx="10439400" cy="5940425"/>
+          </a:xfrm>
+        </p:spPr>
+        <p:txBody>
+          <a:bodyPr>
+            <a:normAutofit/>
           </a:bodyPr>
           <a:lstStyle/>
           <a:p>
-            <a:r>
-              <a:rPr lang="en-GB" dirty="0"/>
-              <a:t>https://www.microsoft.com/en-us/download/details.aspx?id=104781&amp;lc=1033</a:t>
+            <a:pPr algn="ctr"/>
+            <a:r>
+              <a:rPr lang="en-GB" sz="8800" dirty="0"/>
+              <a:t>END</a:t>
             </a:r>
           </a:p>
         </p:txBody>
@@ -11126,7 +11457,7 @@
     </p:spTree>
     <p:extLst>
       <p:ext uri="{BB962C8B-B14F-4D97-AF65-F5344CB8AC3E}">
-        <p14:creationId xmlns:p14="http://schemas.microsoft.com/office/powerpoint/2010/main" val="309386999"/>
+        <p14:creationId xmlns:p14="http://schemas.microsoft.com/office/powerpoint/2010/main" val="3703701476"/>
       </p:ext>
     </p:extLst>
   </p:cSld>
@@ -11504,7 +11835,7 @@
           <p:cNvPr id="2" name="Title 1">
             <a:extLst>
               <a:ext uri="{FF2B5EF4-FFF2-40B4-BE49-F238E27FC236}">
-                <a16:creationId xmlns:a16="http://schemas.microsoft.com/office/drawing/2014/main" id="{F9730C1D-834B-610B-0E29-AE24F94D4143}"/>
+                <a16:creationId xmlns:a16="http://schemas.microsoft.com/office/drawing/2014/main" id="{2EBA1033-F7AF-622C-4672-4EA84A688521}"/>
               </a:ext>
             </a:extLst>
           </p:cNvPr>
@@ -11520,7 +11851,10 @@
           <a:bodyPr/>
           <a:lstStyle/>
           <a:p>
-            <a:endParaRPr lang="en-GB"/>
+            <a:r>
+              <a:rPr lang="en-GB" dirty="0"/>
+              <a:t>Create Resource Group</a:t>
+            </a:r>
           </a:p>
         </p:txBody>
       </p:sp>
@@ -11529,7 +11863,7 @@
           <p:cNvPr id="7" name="Picture 6">
             <a:extLst>
               <a:ext uri="{FF2B5EF4-FFF2-40B4-BE49-F238E27FC236}">
-                <a16:creationId xmlns:a16="http://schemas.microsoft.com/office/drawing/2014/main" id="{84D8D550-260F-0F03-0F0E-8FB1893DB52E}"/>
+                <a16:creationId xmlns:a16="http://schemas.microsoft.com/office/drawing/2014/main" id="{85B78DA8-A440-E2DB-FCCE-25A29079FCE6}"/>
               </a:ext>
             </a:extLst>
           </p:cNvPr>
@@ -11546,8 +11880,8 @@
         </p:blipFill>
         <p:spPr>
           <a:xfrm>
-            <a:off x="3685605" y="1366482"/>
-            <a:ext cx="4559534" cy="5010407"/>
+            <a:off x="2352152" y="2338235"/>
+            <a:ext cx="7487695" cy="2181529"/>
           </a:xfrm>
           <a:prstGeom prst="rect">
             <a:avLst/>
@@ -11557,7 +11891,7 @@
     </p:spTree>
     <p:extLst>
       <p:ext uri="{BB962C8B-B14F-4D97-AF65-F5344CB8AC3E}">
-        <p14:creationId xmlns:p14="http://schemas.microsoft.com/office/powerpoint/2010/main" val="3024344180"/>
+        <p14:creationId xmlns:p14="http://schemas.microsoft.com/office/powerpoint/2010/main" val="1728335916"/>
       </p:ext>
     </p:extLst>
   </p:cSld>
@@ -11589,7 +11923,7 @@
           <p:cNvPr id="2" name="Title 1">
             <a:extLst>
               <a:ext uri="{FF2B5EF4-FFF2-40B4-BE49-F238E27FC236}">
-                <a16:creationId xmlns:a16="http://schemas.microsoft.com/office/drawing/2014/main" id="{E4048C8B-7E17-501E-E69D-E0441C9CC7E9}"/>
+                <a16:creationId xmlns:a16="http://schemas.microsoft.com/office/drawing/2014/main" id="{81D27BCA-90CC-0536-CB39-B601329304AD}"/>
               </a:ext>
             </a:extLst>
           </p:cNvPr>
@@ -11605,53 +11939,47 @@
           <a:bodyPr/>
           <a:lstStyle/>
           <a:p>
-            <a:endParaRPr lang="en-GB"/>
-          </a:p>
-        </p:txBody>
-      </p:sp>
-      <p:sp>
-        <p:nvSpPr>
-          <p:cNvPr id="3" name="Content Placeholder 2">
-            <a:extLst>
-              <a:ext uri="{FF2B5EF4-FFF2-40B4-BE49-F238E27FC236}">
-                <a16:creationId xmlns:a16="http://schemas.microsoft.com/office/drawing/2014/main" id="{06C03778-3C7D-68FE-3C89-CE3F1EFD313F}"/>
-              </a:ext>
-            </a:extLst>
-          </p:cNvPr>
-          <p:cNvSpPr>
-            <a:spLocks noGrp="1"/>
-          </p:cNvSpPr>
-          <p:nvPr>
-            <p:ph idx="1"/>
-          </p:nvPr>
-        </p:nvSpPr>
-        <p:spPr/>
-        <p:txBody>
-          <a:bodyPr/>
-          <a:lstStyle/>
-          <a:p>
             <a:r>
               <a:rPr lang="en-GB" dirty="0"/>
-              <a:t>Download JDBC driver</a:t>
-            </a:r>
-            <a:r>
-              <a:rPr lang="en-GB"/>
-              <a:t>: https://repo1.maven.org/maven2/com/microsoft/azure/spark-mssql-connector_2.12/1.2.0/spark-mssql-connector_2.12-1.2.0.jar</a:t>
-            </a:r>
-            <a:endParaRPr lang="en-GB" dirty="0"/>
-          </a:p>
-          <a:p>
-            <a:r>
-              <a:rPr lang="en-GB" dirty="0"/>
-              <a:t>Copy jar file to anaconda jars folder</a:t>
-            </a:r>
-          </a:p>
-        </p:txBody>
-      </p:sp>
+              <a:t>Create Resource Group</a:t>
+            </a:r>
+          </a:p>
+        </p:txBody>
+      </p:sp>
+      <p:pic>
+        <p:nvPicPr>
+          <p:cNvPr id="5" name="Picture 4">
+            <a:extLst>
+              <a:ext uri="{FF2B5EF4-FFF2-40B4-BE49-F238E27FC236}">
+                <a16:creationId xmlns:a16="http://schemas.microsoft.com/office/drawing/2014/main" id="{44630B37-8205-0E86-3CC4-B0A7F6E06CDE}"/>
+              </a:ext>
+            </a:extLst>
+          </p:cNvPr>
+          <p:cNvPicPr>
+            <a:picLocks noChangeAspect="1"/>
+          </p:cNvPicPr>
+          <p:nvPr/>
+        </p:nvPicPr>
+        <p:blipFill>
+          <a:blip r:embed="rId2"/>
+          <a:stretch>
+            <a:fillRect/>
+          </a:stretch>
+        </p:blipFill>
+        <p:spPr>
+          <a:xfrm>
+            <a:off x="952016" y="2142457"/>
+            <a:ext cx="6935168" cy="3620005"/>
+          </a:xfrm>
+          <a:prstGeom prst="rect">
+            <a:avLst/>
+          </a:prstGeom>
+        </p:spPr>
+      </p:pic>
     </p:spTree>
     <p:extLst>
       <p:ext uri="{BB962C8B-B14F-4D97-AF65-F5344CB8AC3E}">
-        <p14:creationId xmlns:p14="http://schemas.microsoft.com/office/powerpoint/2010/main" val="4018909052"/>
+        <p14:creationId xmlns:p14="http://schemas.microsoft.com/office/powerpoint/2010/main" val="3651254359"/>
       </p:ext>
     </p:extLst>
   </p:cSld>
@@ -11683,7 +12011,7 @@
           <p:cNvPr id="2" name="Title 1">
             <a:extLst>
               <a:ext uri="{FF2B5EF4-FFF2-40B4-BE49-F238E27FC236}">
-                <a16:creationId xmlns:a16="http://schemas.microsoft.com/office/drawing/2014/main" id="{DCD86764-00F4-6C9A-2130-D553A9C0F19A}"/>
+                <a16:creationId xmlns:a16="http://schemas.microsoft.com/office/drawing/2014/main" id="{1B00D034-D02B-7E67-2E92-CAB94BD8B068}"/>
               </a:ext>
             </a:extLst>
           </p:cNvPr>
@@ -11701,13 +12029,8 @@
           <a:p>
             <a:r>
               <a:rPr lang="en-GB" dirty="0"/>
-              <a:t>Python pre-</a:t>
-            </a:r>
-            <a:r>
-              <a:rPr lang="en-GB" dirty="0" err="1"/>
-              <a:t>reqs</a:t>
-            </a:r>
-            <a:endParaRPr lang="en-GB" dirty="0"/>
+              <a:t>Create Resource Group</a:t>
+            </a:r>
           </a:p>
         </p:txBody>
       </p:sp>
@@ -11716,7 +12039,7 @@
           <p:cNvPr id="5" name="Picture 4">
             <a:extLst>
               <a:ext uri="{FF2B5EF4-FFF2-40B4-BE49-F238E27FC236}">
-                <a16:creationId xmlns:a16="http://schemas.microsoft.com/office/drawing/2014/main" id="{C663F566-F2F6-4996-C066-E71C1013515E}"/>
+                <a16:creationId xmlns:a16="http://schemas.microsoft.com/office/drawing/2014/main" id="{F9045B4F-C670-226B-D35C-8E0005E4A7EE}"/>
               </a:ext>
             </a:extLst>
           </p:cNvPr>
@@ -11733,38 +12056,8 @@
         </p:blipFill>
         <p:spPr>
           <a:xfrm>
-            <a:off x="838200" y="1431753"/>
-            <a:ext cx="9392961" cy="2457793"/>
-          </a:xfrm>
-          <a:prstGeom prst="rect">
-            <a:avLst/>
-          </a:prstGeom>
-        </p:spPr>
-      </p:pic>
-      <p:pic>
-        <p:nvPicPr>
-          <p:cNvPr id="8" name="Picture 7">
-            <a:extLst>
-              <a:ext uri="{FF2B5EF4-FFF2-40B4-BE49-F238E27FC236}">
-                <a16:creationId xmlns:a16="http://schemas.microsoft.com/office/drawing/2014/main" id="{0DA08BAC-BAA2-E123-3A0B-E202C41AC238}"/>
-              </a:ext>
-            </a:extLst>
-          </p:cNvPr>
-          <p:cNvPicPr>
-            <a:picLocks noChangeAspect="1"/>
-          </p:cNvPicPr>
-          <p:nvPr/>
-        </p:nvPicPr>
-        <p:blipFill>
-          <a:blip r:embed="rId3"/>
-          <a:stretch>
-            <a:fillRect/>
-          </a:stretch>
-        </p:blipFill>
-        <p:spPr>
-          <a:xfrm>
-            <a:off x="838200" y="4217883"/>
-            <a:ext cx="4934639" cy="1476581"/>
+            <a:off x="1030619" y="1448555"/>
+            <a:ext cx="7603172" cy="3872977"/>
           </a:xfrm>
           <a:prstGeom prst="rect">
             <a:avLst/>
@@ -11774,7 +12067,7 @@
     </p:spTree>
     <p:extLst>
       <p:ext uri="{BB962C8B-B14F-4D97-AF65-F5344CB8AC3E}">
-        <p14:creationId xmlns:p14="http://schemas.microsoft.com/office/powerpoint/2010/main" val="2091675727"/>
+        <p14:creationId xmlns:p14="http://schemas.microsoft.com/office/powerpoint/2010/main" val="2156354560"/>
       </p:ext>
     </p:extLst>
   </p:cSld>
@@ -11806,7 +12099,7 @@
           <p:cNvPr id="2" name="Title 1">
             <a:extLst>
               <a:ext uri="{FF2B5EF4-FFF2-40B4-BE49-F238E27FC236}">
-                <a16:creationId xmlns:a16="http://schemas.microsoft.com/office/drawing/2014/main" id="{DCD86764-00F4-6C9A-2130-D553A9C0F19A}"/>
+                <a16:creationId xmlns:a16="http://schemas.microsoft.com/office/drawing/2014/main" id="{838AC0F5-5B6B-B939-FA3C-B663E317E445}"/>
               </a:ext>
             </a:extLst>
           </p:cNvPr>
@@ -11822,74 +12115,20 @@
           <a:bodyPr/>
           <a:lstStyle/>
           <a:p>
-            <a:endParaRPr lang="en-GB"/>
-          </a:p>
-        </p:txBody>
-      </p:sp>
-      <p:pic>
-        <p:nvPicPr>
-          <p:cNvPr id="4" name="Picture 3">
-            <a:extLst>
-              <a:ext uri="{FF2B5EF4-FFF2-40B4-BE49-F238E27FC236}">
-                <a16:creationId xmlns:a16="http://schemas.microsoft.com/office/drawing/2014/main" id="{20F3E66B-E246-EFCB-FFBE-25044944C469}"/>
-              </a:ext>
-            </a:extLst>
-          </p:cNvPr>
-          <p:cNvPicPr>
-            <a:picLocks noChangeAspect="1"/>
-          </p:cNvPicPr>
-          <p:nvPr/>
-        </p:nvPicPr>
-        <p:blipFill>
-          <a:blip r:embed="rId2"/>
-          <a:stretch>
-            <a:fillRect/>
-          </a:stretch>
-        </p:blipFill>
-        <p:spPr>
-          <a:xfrm>
-            <a:off x="838200" y="1242558"/>
-            <a:ext cx="4959605" cy="1517728"/>
-          </a:xfrm>
-          <a:prstGeom prst="rect">
-            <a:avLst/>
-          </a:prstGeom>
-        </p:spPr>
-      </p:pic>
-      <p:pic>
-        <p:nvPicPr>
-          <p:cNvPr id="7" name="Picture 6">
-            <a:extLst>
-              <a:ext uri="{FF2B5EF4-FFF2-40B4-BE49-F238E27FC236}">
-                <a16:creationId xmlns:a16="http://schemas.microsoft.com/office/drawing/2014/main" id="{A96C8C96-A6EA-2AE6-661D-FA50CC4E8CDA}"/>
-              </a:ext>
-            </a:extLst>
-          </p:cNvPr>
-          <p:cNvPicPr>
-            <a:picLocks noChangeAspect="1"/>
-          </p:cNvPicPr>
-          <p:nvPr/>
-        </p:nvPicPr>
-        <p:blipFill>
-          <a:blip r:embed="rId3"/>
-          <a:stretch>
-            <a:fillRect/>
-          </a:stretch>
-        </p:blipFill>
-        <p:spPr>
-          <a:xfrm>
-            <a:off x="6394197" y="1242558"/>
-            <a:ext cx="4511991" cy="5250317"/>
-          </a:xfrm>
-          <a:prstGeom prst="rect">
-            <a:avLst/>
-          </a:prstGeom>
-        </p:spPr>
-      </p:pic>
+            <a:br>
+              <a:rPr lang="en-GB" dirty="0"/>
+            </a:br>
+            <a:r>
+              <a:rPr lang="en-GB" dirty="0"/>
+              <a:t>Azure CLI Demo</a:t>
+            </a:r>
+          </a:p>
+        </p:txBody>
+      </p:sp>
     </p:spTree>
     <p:extLst>
       <p:ext uri="{BB962C8B-B14F-4D97-AF65-F5344CB8AC3E}">
-        <p14:creationId xmlns:p14="http://schemas.microsoft.com/office/powerpoint/2010/main" val="17736079"/>
+        <p14:creationId xmlns:p14="http://schemas.microsoft.com/office/powerpoint/2010/main" val="2027303339"/>
       </p:ext>
     </p:extLst>
   </p:cSld>
@@ -11916,70 +12155,96 @@
           <a:chExt cx="0" cy="0"/>
         </a:xfrm>
       </p:grpSpPr>
-      <p:pic>
-        <p:nvPicPr>
-          <p:cNvPr id="8" name="Picture 7">
-            <a:extLst>
-              <a:ext uri="{FF2B5EF4-FFF2-40B4-BE49-F238E27FC236}">
-                <a16:creationId xmlns:a16="http://schemas.microsoft.com/office/drawing/2014/main" id="{267E26B0-ADE5-2D5A-201D-E7974C1FE8C8}"/>
-              </a:ext>
-            </a:extLst>
-          </p:cNvPr>
-          <p:cNvPicPr>
-            <a:picLocks noChangeAspect="1"/>
-          </p:cNvPicPr>
-          <p:nvPr/>
-        </p:nvPicPr>
-        <p:blipFill>
-          <a:blip r:embed="rId2"/>
-          <a:stretch>
-            <a:fillRect/>
-          </a:stretch>
-        </p:blipFill>
-        <p:spPr>
-          <a:xfrm>
-            <a:off x="497406" y="502516"/>
-            <a:ext cx="6401129" cy="5550185"/>
-          </a:xfrm>
-          <a:prstGeom prst="rect">
-            <a:avLst/>
-          </a:prstGeom>
-        </p:spPr>
-      </p:pic>
-      <p:pic>
-        <p:nvPicPr>
-          <p:cNvPr id="9" name="Picture 8">
-            <a:extLst>
-              <a:ext uri="{FF2B5EF4-FFF2-40B4-BE49-F238E27FC236}">
-                <a16:creationId xmlns:a16="http://schemas.microsoft.com/office/drawing/2014/main" id="{159E5FD2-985E-7690-3E2A-435134F3B0FE}"/>
-              </a:ext>
-            </a:extLst>
-          </p:cNvPr>
-          <p:cNvPicPr>
-            <a:picLocks noChangeAspect="1"/>
-          </p:cNvPicPr>
-          <p:nvPr/>
-        </p:nvPicPr>
-        <p:blipFill>
-          <a:blip r:embed="rId3"/>
-          <a:stretch>
-            <a:fillRect/>
-          </a:stretch>
-        </p:blipFill>
-        <p:spPr>
-          <a:xfrm>
-            <a:off x="7205188" y="923852"/>
-            <a:ext cx="4915153" cy="2006703"/>
-          </a:xfrm>
-          <a:prstGeom prst="rect">
-            <a:avLst/>
-          </a:prstGeom>
-        </p:spPr>
-      </p:pic>
+      <p:sp>
+        <p:nvSpPr>
+          <p:cNvPr id="2" name="Title 1">
+            <a:extLst>
+              <a:ext uri="{FF2B5EF4-FFF2-40B4-BE49-F238E27FC236}">
+                <a16:creationId xmlns:a16="http://schemas.microsoft.com/office/drawing/2014/main" id="{71DE5ED6-49D5-43EE-E52E-844BFD80D4AE}"/>
+              </a:ext>
+            </a:extLst>
+          </p:cNvPr>
+          <p:cNvSpPr>
+            <a:spLocks noGrp="1"/>
+          </p:cNvSpPr>
+          <p:nvPr>
+            <p:ph type="title"/>
+          </p:nvPr>
+        </p:nvSpPr>
+        <p:spPr/>
+        <p:txBody>
+          <a:bodyPr/>
+          <a:lstStyle/>
+          <a:p>
+            <a:r>
+              <a:rPr lang="en-GB" dirty="0"/>
+              <a:t>Create storage account</a:t>
+            </a:r>
+          </a:p>
+        </p:txBody>
+      </p:sp>
+      <p:sp>
+        <p:nvSpPr>
+          <p:cNvPr id="3" name="Content Placeholder 2">
+            <a:extLst>
+              <a:ext uri="{FF2B5EF4-FFF2-40B4-BE49-F238E27FC236}">
+                <a16:creationId xmlns:a16="http://schemas.microsoft.com/office/drawing/2014/main" id="{0813FB62-FE46-CC92-2C0B-3D25E2B93615}"/>
+              </a:ext>
+            </a:extLst>
+          </p:cNvPr>
+          <p:cNvSpPr>
+            <a:spLocks noGrp="1"/>
+          </p:cNvSpPr>
+          <p:nvPr>
+            <p:ph idx="1"/>
+          </p:nvPr>
+        </p:nvSpPr>
+        <p:spPr/>
+        <p:txBody>
+          <a:bodyPr/>
+          <a:lstStyle/>
+          <a:p>
+            <a:r>
+              <a:rPr lang="en-GB" dirty="0"/>
+              <a:t>Create in same region as RG</a:t>
+            </a:r>
+          </a:p>
+          <a:p>
+            <a:r>
+              <a:rPr lang="en-GB" dirty="0"/>
+              <a:t>Primary service is ADLS Gen 2</a:t>
+            </a:r>
+          </a:p>
+          <a:p>
+            <a:r>
+              <a:rPr lang="en-GB" dirty="0"/>
+              <a:t>Primary workload Big Data Analytics</a:t>
+            </a:r>
+          </a:p>
+          <a:p>
+            <a:r>
+              <a:rPr lang="en-GB" dirty="0"/>
+              <a:t>Performance: Standard</a:t>
+            </a:r>
+          </a:p>
+          <a:p>
+            <a:r>
+              <a:rPr lang="en-GB" dirty="0"/>
+              <a:t>Redundancy: LRS</a:t>
+            </a:r>
+          </a:p>
+          <a:p>
+            <a:r>
+              <a:rPr lang="en-GB" dirty="0"/>
+              <a:t>Add container &gt; RAW directory</a:t>
+            </a:r>
+          </a:p>
+        </p:txBody>
+      </p:sp>
     </p:spTree>
     <p:extLst>
       <p:ext uri="{BB962C8B-B14F-4D97-AF65-F5344CB8AC3E}">
-        <p14:creationId xmlns:p14="http://schemas.microsoft.com/office/powerpoint/2010/main" val="3790276932"/>
+        <p14:creationId xmlns:p14="http://schemas.microsoft.com/office/powerpoint/2010/main" val="2615107740"/>
       </p:ext>
     </p:extLst>
   </p:cSld>
@@ -12008,10 +12273,10 @@
       </p:grpSpPr>
       <p:pic>
         <p:nvPicPr>
-          <p:cNvPr id="5" name="Picture 4">
-            <a:extLst>
-              <a:ext uri="{FF2B5EF4-FFF2-40B4-BE49-F238E27FC236}">
-                <a16:creationId xmlns:a16="http://schemas.microsoft.com/office/drawing/2014/main" id="{D89C5F76-DE95-EF62-4BC4-CD0A02BDAAB6}"/>
+          <p:cNvPr id="7" name="Picture 6">
+            <a:extLst>
+              <a:ext uri="{FF2B5EF4-FFF2-40B4-BE49-F238E27FC236}">
+                <a16:creationId xmlns:a16="http://schemas.microsoft.com/office/drawing/2014/main" id="{F76B43E2-150F-DC80-8BA0-E8EF77942310}"/>
               </a:ext>
             </a:extLst>
           </p:cNvPr>
@@ -12028,20 +12293,74 @@
         </p:blipFill>
         <p:spPr>
           <a:xfrm>
-            <a:off x="564587" y="761453"/>
-            <a:ext cx="4680191" cy="3264068"/>
+            <a:off x="804124" y="2390630"/>
+            <a:ext cx="10583752" cy="2076740"/>
           </a:xfrm>
           <a:prstGeom prst="rect">
             <a:avLst/>
           </a:prstGeom>
         </p:spPr>
       </p:pic>
+      <p:sp>
+        <p:nvSpPr>
+          <p:cNvPr id="10" name="Title 1">
+            <a:extLst>
+              <a:ext uri="{FF2B5EF4-FFF2-40B4-BE49-F238E27FC236}">
+                <a16:creationId xmlns:a16="http://schemas.microsoft.com/office/drawing/2014/main" id="{F76196A7-FDB1-76F9-0DAF-649BCDEE61A3}"/>
+              </a:ext>
+            </a:extLst>
+          </p:cNvPr>
+          <p:cNvSpPr txBox="1">
+            <a:spLocks/>
+          </p:cNvSpPr>
+          <p:nvPr/>
+        </p:nvSpPr>
+        <p:spPr>
+          <a:xfrm>
+            <a:off x="804124" y="822325"/>
+            <a:ext cx="10515600" cy="1325563"/>
+          </a:xfrm>
+          <a:prstGeom prst="rect">
+            <a:avLst/>
+          </a:prstGeom>
+        </p:spPr>
+        <p:txBody>
+          <a:bodyPr vert="horz" lIns="91440" tIns="45720" rIns="91440" bIns="45720" rtlCol="0" anchor="ctr">
+            <a:normAutofit/>
+          </a:bodyPr>
+          <a:lstStyle>
+            <a:lvl1pPr algn="l" defTabSz="914400" rtl="0" eaLnBrk="1" latinLnBrk="0" hangingPunct="1">
+              <a:lnSpc>
+                <a:spcPct val="90000"/>
+              </a:lnSpc>
+              <a:spcBef>
+                <a:spcPct val="0"/>
+              </a:spcBef>
+              <a:buNone/>
+              <a:defRPr sz="4400" kern="1200">
+                <a:solidFill>
+                  <a:schemeClr val="tx1"/>
+                </a:solidFill>
+                <a:latin typeface="+mj-lt"/>
+                <a:ea typeface="+mj-ea"/>
+                <a:cs typeface="+mj-cs"/>
+              </a:defRPr>
+            </a:lvl1pPr>
+          </a:lstStyle>
+          <a:p>
+            <a:r>
+              <a:rPr lang="en-GB" dirty="0"/>
+              <a:t>Create storage account</a:t>
+            </a:r>
+          </a:p>
+        </p:txBody>
+      </p:sp>
       <p:pic>
         <p:nvPicPr>
-          <p:cNvPr id="7" name="Picture 6">
-            <a:extLst>
-              <a:ext uri="{FF2B5EF4-FFF2-40B4-BE49-F238E27FC236}">
-                <a16:creationId xmlns:a16="http://schemas.microsoft.com/office/drawing/2014/main" id="{FE67BB66-D68E-91FC-1442-E45607E8A920}"/>
+          <p:cNvPr id="12" name="Picture 11">
+            <a:extLst>
+              <a:ext uri="{FF2B5EF4-FFF2-40B4-BE49-F238E27FC236}">
+                <a16:creationId xmlns:a16="http://schemas.microsoft.com/office/drawing/2014/main" id="{89545FC7-CFBB-FEB8-B2C2-A775C4B20B91}"/>
               </a:ext>
             </a:extLst>
           </p:cNvPr>
@@ -12058,8 +12377,8 @@
         </p:blipFill>
         <p:spPr>
           <a:xfrm>
-            <a:off x="6858335" y="889174"/>
-            <a:ext cx="2508379" cy="3892750"/>
+            <a:off x="804124" y="4171874"/>
+            <a:ext cx="8202170" cy="1076475"/>
           </a:xfrm>
           <a:prstGeom prst="rect">
             <a:avLst/>
@@ -12069,7 +12388,7 @@
     </p:spTree>
     <p:extLst>
       <p:ext uri="{BB962C8B-B14F-4D97-AF65-F5344CB8AC3E}">
-        <p14:creationId xmlns:p14="http://schemas.microsoft.com/office/powerpoint/2010/main" val="1708038266"/>
+        <p14:creationId xmlns:p14="http://schemas.microsoft.com/office/powerpoint/2010/main" val="2122117740"/>
       </p:ext>
     </p:extLst>
   </p:cSld>
@@ -12096,12 +12415,37 @@
           <a:chExt cx="0" cy="0"/>
         </a:xfrm>
       </p:grpSpPr>
+      <p:sp>
+        <p:nvSpPr>
+          <p:cNvPr id="2" name="Title 1">
+            <a:extLst>
+              <a:ext uri="{FF2B5EF4-FFF2-40B4-BE49-F238E27FC236}">
+                <a16:creationId xmlns:a16="http://schemas.microsoft.com/office/drawing/2014/main" id="{3C83975B-EF01-7C43-08F4-D4643AE62A88}"/>
+              </a:ext>
+            </a:extLst>
+          </p:cNvPr>
+          <p:cNvSpPr>
+            <a:spLocks noGrp="1"/>
+          </p:cNvSpPr>
+          <p:nvPr>
+            <p:ph type="title"/>
+          </p:nvPr>
+        </p:nvSpPr>
+        <p:spPr/>
+        <p:txBody>
+          <a:bodyPr/>
+          <a:lstStyle/>
+          <a:p>
+            <a:endParaRPr lang="en-GB" dirty="0"/>
+          </a:p>
+        </p:txBody>
+      </p:sp>
       <p:pic>
         <p:nvPicPr>
           <p:cNvPr id="5" name="Picture 4">
             <a:extLst>
               <a:ext uri="{FF2B5EF4-FFF2-40B4-BE49-F238E27FC236}">
-                <a16:creationId xmlns:a16="http://schemas.microsoft.com/office/drawing/2014/main" id="{BC909FB5-6F06-559F-6D56-11877CAEF8ED}"/>
+                <a16:creationId xmlns:a16="http://schemas.microsoft.com/office/drawing/2014/main" id="{629AFA2E-500C-8F35-6317-A5C59279B742}"/>
               </a:ext>
             </a:extLst>
           </p:cNvPr>
@@ -12118,8 +12462,8 @@
         </p:blipFill>
         <p:spPr>
           <a:xfrm>
-            <a:off x="645176" y="794450"/>
-            <a:ext cx="9036514" cy="3016405"/>
+            <a:off x="838200" y="1961321"/>
+            <a:ext cx="6801390" cy="2702439"/>
           </a:xfrm>
           <a:prstGeom prst="rect">
             <a:avLst/>
@@ -12129,7 +12473,7 @@
     </p:spTree>
     <p:extLst>
       <p:ext uri="{BB962C8B-B14F-4D97-AF65-F5344CB8AC3E}">
-        <p14:creationId xmlns:p14="http://schemas.microsoft.com/office/powerpoint/2010/main" val="3243554057"/>
+        <p14:creationId xmlns:p14="http://schemas.microsoft.com/office/powerpoint/2010/main" val="448850995"/>
       </p:ext>
     </p:extLst>
   </p:cSld>
@@ -12161,7 +12505,7 @@
           <p:cNvPr id="2" name="Title 1">
             <a:extLst>
               <a:ext uri="{FF2B5EF4-FFF2-40B4-BE49-F238E27FC236}">
-                <a16:creationId xmlns:a16="http://schemas.microsoft.com/office/drawing/2014/main" id="{71DE5ED6-49D5-43EE-E52E-844BFD80D4AE}"/>
+                <a16:creationId xmlns:a16="http://schemas.microsoft.com/office/drawing/2014/main" id="{C3969D66-3483-9BE2-7840-401EA06DCA64}"/>
               </a:ext>
             </a:extLst>
           </p:cNvPr>
@@ -12177,19 +12521,16 @@
           <a:bodyPr/>
           <a:lstStyle/>
           <a:p>
-            <a:r>
-              <a:rPr lang="en-GB" dirty="0"/>
-              <a:t>Create storage account</a:t>
-            </a:r>
+            <a:endParaRPr lang="en-GB"/>
           </a:p>
         </p:txBody>
       </p:sp>
       <p:pic>
         <p:nvPicPr>
-          <p:cNvPr id="11" name="Picture 10">
-            <a:extLst>
-              <a:ext uri="{FF2B5EF4-FFF2-40B4-BE49-F238E27FC236}">
-                <a16:creationId xmlns:a16="http://schemas.microsoft.com/office/drawing/2014/main" id="{3268972B-32A1-31B9-A481-6C95F1501AAC}"/>
+          <p:cNvPr id="5" name="Picture 4">
+            <a:extLst>
+              <a:ext uri="{FF2B5EF4-FFF2-40B4-BE49-F238E27FC236}">
+                <a16:creationId xmlns:a16="http://schemas.microsoft.com/office/drawing/2014/main" id="{2A36F57A-EBEF-472A-C1FC-9EA3E640B70A}"/>
               </a:ext>
             </a:extLst>
           </p:cNvPr>
@@ -12199,15 +12540,15 @@
           <p:nvPr/>
         </p:nvPicPr>
         <p:blipFill>
-          <a:blip r:embed="rId2"/>
+          <a:blip r:embed="rId3"/>
           <a:stretch>
             <a:fillRect/>
           </a:stretch>
         </p:blipFill>
         <p:spPr>
           <a:xfrm>
-            <a:off x="2676047" y="2109603"/>
-            <a:ext cx="6839905" cy="2638793"/>
+            <a:off x="838200" y="2042237"/>
+            <a:ext cx="2959252" cy="3187864"/>
           </a:xfrm>
           <a:prstGeom prst="rect">
             <a:avLst/>
@@ -12217,7 +12558,7 @@
     </p:spTree>
     <p:extLst>
       <p:ext uri="{BB962C8B-B14F-4D97-AF65-F5344CB8AC3E}">
-        <p14:creationId xmlns:p14="http://schemas.microsoft.com/office/powerpoint/2010/main" val="164542091"/>
+        <p14:creationId xmlns:p14="http://schemas.microsoft.com/office/powerpoint/2010/main" val="2682671986"/>
       </p:ext>
     </p:extLst>
   </p:cSld>
@@ -12249,7 +12590,7 @@
           <p:cNvPr id="2" name="Title 1">
             <a:extLst>
               <a:ext uri="{FF2B5EF4-FFF2-40B4-BE49-F238E27FC236}">
-                <a16:creationId xmlns:a16="http://schemas.microsoft.com/office/drawing/2014/main" id="{71DE5ED6-49D5-43EE-E52E-844BFD80D4AE}"/>
+                <a16:creationId xmlns:a16="http://schemas.microsoft.com/office/drawing/2014/main" id="{D7CAE69D-6CF6-31EC-8A49-0AA2ECC861D8}"/>
               </a:ext>
             </a:extLst>
           </p:cNvPr>
@@ -12260,29 +12601,52 @@
             <p:ph type="title"/>
           </p:nvPr>
         </p:nvSpPr>
-        <p:spPr>
-          <a:xfrm>
-            <a:off x="493644" y="0"/>
-            <a:ext cx="10515600" cy="993913"/>
-          </a:xfrm>
-        </p:spPr>
+        <p:spPr/>
         <p:txBody>
           <a:bodyPr/>
           <a:lstStyle/>
           <a:p>
             <a:r>
               <a:rPr lang="en-GB" dirty="0"/>
-              <a:t>Create storage account</a:t>
+              <a:t>Create Azure Data Factory</a:t>
+            </a:r>
+          </a:p>
+        </p:txBody>
+      </p:sp>
+      <p:sp>
+        <p:nvSpPr>
+          <p:cNvPr id="3" name="Content Placeholder 2">
+            <a:extLst>
+              <a:ext uri="{FF2B5EF4-FFF2-40B4-BE49-F238E27FC236}">
+                <a16:creationId xmlns:a16="http://schemas.microsoft.com/office/drawing/2014/main" id="{13AEF5C3-2254-AC57-977E-759A7B556F1B}"/>
+              </a:ext>
+            </a:extLst>
+          </p:cNvPr>
+          <p:cNvSpPr>
+            <a:spLocks noGrp="1"/>
+          </p:cNvSpPr>
+          <p:nvPr>
+            <p:ph idx="1"/>
+          </p:nvPr>
+        </p:nvSpPr>
+        <p:spPr/>
+        <p:txBody>
+          <a:bodyPr/>
+          <a:lstStyle/>
+          <a:p>
+            <a:r>
+              <a:rPr lang="en-GB" dirty="0"/>
+              <a:t>Create in same region as RG</a:t>
             </a:r>
           </a:p>
         </p:txBody>
       </p:sp>
       <p:pic>
         <p:nvPicPr>
-          <p:cNvPr id="4" name="Picture 3">
-            <a:extLst>
-              <a:ext uri="{FF2B5EF4-FFF2-40B4-BE49-F238E27FC236}">
-                <a16:creationId xmlns:a16="http://schemas.microsoft.com/office/drawing/2014/main" id="{4AA5BF6B-C24C-1D45-3336-F3EA65CFDD5B}"/>
+          <p:cNvPr id="5" name="Picture 4">
+            <a:extLst>
+              <a:ext uri="{FF2B5EF4-FFF2-40B4-BE49-F238E27FC236}">
+                <a16:creationId xmlns:a16="http://schemas.microsoft.com/office/drawing/2014/main" id="{5B4FE1FE-4962-1974-21AC-63462D0D2ECA}"/>
               </a:ext>
             </a:extLst>
           </p:cNvPr>
@@ -12299,8 +12663,8 @@
         </p:blipFill>
         <p:spPr>
           <a:xfrm>
-            <a:off x="2948782" y="1139688"/>
-            <a:ext cx="5248404" cy="5718312"/>
+            <a:off x="1780573" y="3105105"/>
+            <a:ext cx="8630854" cy="647790"/>
           </a:xfrm>
           <a:prstGeom prst="rect">
             <a:avLst/>
@@ -12310,7 +12674,7 @@
     </p:spTree>
     <p:extLst>
       <p:ext uri="{BB962C8B-B14F-4D97-AF65-F5344CB8AC3E}">
-        <p14:creationId xmlns:p14="http://schemas.microsoft.com/office/powerpoint/2010/main" val="2560816649"/>
+        <p14:creationId xmlns:p14="http://schemas.microsoft.com/office/powerpoint/2010/main" val="247652491"/>
       </p:ext>
     </p:extLst>
   </p:cSld>
@@ -12342,7 +12706,7 @@
           <p:cNvPr id="2" name="Title 1">
             <a:extLst>
               <a:ext uri="{FF2B5EF4-FFF2-40B4-BE49-F238E27FC236}">
-                <a16:creationId xmlns:a16="http://schemas.microsoft.com/office/drawing/2014/main" id="{D98458D0-E1F0-10C1-6C5E-8B96093F9386}"/>
+                <a16:creationId xmlns:a16="http://schemas.microsoft.com/office/drawing/2014/main" id="{E54C7220-D4E8-C4CE-9F41-17CBBA3E9D1F}"/>
               </a:ext>
             </a:extLst>
           </p:cNvPr>
@@ -12358,28 +12722,23 @@
           <a:bodyPr/>
           <a:lstStyle/>
           <a:p>
-            <a:r>
-              <a:rPr lang="en-GB" dirty="0"/>
-              <a:t>Create storage account</a:t>
-            </a:r>
+            <a:endParaRPr lang="en-GB"/>
           </a:p>
         </p:txBody>
       </p:sp>
       <p:pic>
         <p:nvPicPr>
-          <p:cNvPr id="5" name="Content Placeholder 4">
-            <a:extLst>
-              <a:ext uri="{FF2B5EF4-FFF2-40B4-BE49-F238E27FC236}">
-                <a16:creationId xmlns:a16="http://schemas.microsoft.com/office/drawing/2014/main" id="{124BE7D9-AF93-EE5B-E2E6-9F33994C2CCD}"/>
+          <p:cNvPr id="5" name="Picture 4">
+            <a:extLst>
+              <a:ext uri="{FF2B5EF4-FFF2-40B4-BE49-F238E27FC236}">
+                <a16:creationId xmlns:a16="http://schemas.microsoft.com/office/drawing/2014/main" id="{1DE6EA73-5C07-A441-9C79-2FAF0206876C}"/>
               </a:ext>
             </a:extLst>
           </p:cNvPr>
           <p:cNvPicPr>
-            <a:picLocks noGrp="1" noChangeAspect="1"/>
+            <a:picLocks noChangeAspect="1"/>
           </p:cNvPicPr>
-          <p:nvPr>
-            <p:ph idx="1"/>
-          </p:nvPr>
+          <p:nvPr/>
         </p:nvPicPr>
         <p:blipFill>
           <a:blip r:embed="rId2"/>
@@ -12389,15 +12748,78 @@
         </p:blipFill>
         <p:spPr>
           <a:xfrm>
-            <a:off x="4043010" y="1825625"/>
-            <a:ext cx="4105980" cy="4351338"/>
-          </a:xfrm>
+            <a:off x="2197359" y="1549342"/>
+            <a:ext cx="7550538" cy="2235315"/>
+          </a:xfrm>
+          <a:prstGeom prst="rect">
+            <a:avLst/>
+          </a:prstGeom>
+        </p:spPr>
+      </p:pic>
+      <p:pic>
+        <p:nvPicPr>
+          <p:cNvPr id="7" name="Picture 6">
+            <a:extLst>
+              <a:ext uri="{FF2B5EF4-FFF2-40B4-BE49-F238E27FC236}">
+                <a16:creationId xmlns:a16="http://schemas.microsoft.com/office/drawing/2014/main" id="{357DCD06-D3F9-B3E6-6147-8B555688ED76}"/>
+              </a:ext>
+            </a:extLst>
+          </p:cNvPr>
+          <p:cNvPicPr>
+            <a:picLocks noChangeAspect="1"/>
+          </p:cNvPicPr>
+          <p:nvPr/>
+        </p:nvPicPr>
+        <p:blipFill>
+          <a:blip r:embed="rId3"/>
+          <a:stretch>
+            <a:fillRect/>
+          </a:stretch>
+        </p:blipFill>
+        <p:spPr>
+          <a:xfrm>
+            <a:off x="2197359" y="4302102"/>
+            <a:ext cx="2921150" cy="895396"/>
+          </a:xfrm>
+          <a:prstGeom prst="rect">
+            <a:avLst/>
+          </a:prstGeom>
+        </p:spPr>
+      </p:pic>
+      <p:pic>
+        <p:nvPicPr>
+          <p:cNvPr id="9" name="Picture 8">
+            <a:extLst>
+              <a:ext uri="{FF2B5EF4-FFF2-40B4-BE49-F238E27FC236}">
+                <a16:creationId xmlns:a16="http://schemas.microsoft.com/office/drawing/2014/main" id="{C0E1A8B2-FE52-27DA-F7DB-CAD822372C31}"/>
+              </a:ext>
+            </a:extLst>
+          </p:cNvPr>
+          <p:cNvPicPr>
+            <a:picLocks noChangeAspect="1"/>
+          </p:cNvPicPr>
+          <p:nvPr/>
+        </p:nvPicPr>
+        <p:blipFill>
+          <a:blip r:embed="rId4"/>
+          <a:stretch>
+            <a:fillRect/>
+          </a:stretch>
+        </p:blipFill>
+        <p:spPr>
+          <a:xfrm>
+            <a:off x="2197359" y="5714943"/>
+            <a:ext cx="2254366" cy="806491"/>
+          </a:xfrm>
+          <a:prstGeom prst="rect">
+            <a:avLst/>
+          </a:prstGeom>
         </p:spPr>
       </p:pic>
     </p:spTree>
     <p:extLst>
       <p:ext uri="{BB962C8B-B14F-4D97-AF65-F5344CB8AC3E}">
-        <p14:creationId xmlns:p14="http://schemas.microsoft.com/office/powerpoint/2010/main" val="1089022972"/>
+        <p14:creationId xmlns:p14="http://schemas.microsoft.com/office/powerpoint/2010/main" val="2308371639"/>
       </p:ext>
     </p:extLst>
   </p:cSld>
@@ -12892,7 +13314,7 @@
           <p:cNvPr id="2" name="Title 1">
             <a:extLst>
               <a:ext uri="{FF2B5EF4-FFF2-40B4-BE49-F238E27FC236}">
-                <a16:creationId xmlns:a16="http://schemas.microsoft.com/office/drawing/2014/main" id="{A9855EB4-231A-B2BB-23D8-C79A11CF751E}"/>
+                <a16:creationId xmlns:a16="http://schemas.microsoft.com/office/drawing/2014/main" id="{17E4CBBF-6487-8E96-192F-A817DFB10918}"/>
               </a:ext>
             </a:extLst>
           </p:cNvPr>
@@ -12908,74 +13330,69 @@
           <a:bodyPr/>
           <a:lstStyle/>
           <a:p>
-            <a:endParaRPr lang="en-GB"/>
-          </a:p>
-        </p:txBody>
-      </p:sp>
-      <p:pic>
-        <p:nvPicPr>
-          <p:cNvPr id="5" name="Picture 4">
-            <a:extLst>
-              <a:ext uri="{FF2B5EF4-FFF2-40B4-BE49-F238E27FC236}">
-                <a16:creationId xmlns:a16="http://schemas.microsoft.com/office/drawing/2014/main" id="{089D11D6-27A8-3832-4579-600DF8174797}"/>
-              </a:ext>
-            </a:extLst>
-          </p:cNvPr>
-          <p:cNvPicPr>
-            <a:picLocks noChangeAspect="1"/>
-          </p:cNvPicPr>
-          <p:nvPr/>
-        </p:nvPicPr>
-        <p:blipFill>
-          <a:blip r:embed="rId2"/>
-          <a:stretch>
-            <a:fillRect/>
-          </a:stretch>
-        </p:blipFill>
-        <p:spPr>
-          <a:xfrm>
-            <a:off x="838200" y="1341107"/>
-            <a:ext cx="4039164" cy="4734586"/>
-          </a:xfrm>
-          <a:prstGeom prst="rect">
-            <a:avLst/>
-          </a:prstGeom>
-        </p:spPr>
-      </p:pic>
-      <p:pic>
-        <p:nvPicPr>
-          <p:cNvPr id="7" name="Picture 6">
-            <a:extLst>
-              <a:ext uri="{FF2B5EF4-FFF2-40B4-BE49-F238E27FC236}">
-                <a16:creationId xmlns:a16="http://schemas.microsoft.com/office/drawing/2014/main" id="{E549190D-56FB-0FD9-281C-B653ECB693F8}"/>
-              </a:ext>
-            </a:extLst>
-          </p:cNvPr>
-          <p:cNvPicPr>
-            <a:picLocks noChangeAspect="1"/>
-          </p:cNvPicPr>
-          <p:nvPr/>
-        </p:nvPicPr>
-        <p:blipFill>
-          <a:blip r:embed="rId3"/>
-          <a:stretch>
-            <a:fillRect/>
-          </a:stretch>
-        </p:blipFill>
-        <p:spPr>
-          <a:xfrm>
-            <a:off x="5154318" y="1341107"/>
-            <a:ext cx="4220164" cy="2448267"/>
-          </a:xfrm>
-          <a:prstGeom prst="rect">
-            <a:avLst/>
-          </a:prstGeom>
-        </p:spPr>
-      </p:pic>
+            <a:r>
+              <a:rPr lang="en-GB" dirty="0"/>
+              <a:t>Data &amp; Databases</a:t>
+            </a:r>
+          </a:p>
+        </p:txBody>
+      </p:sp>
+      <p:sp>
+        <p:nvSpPr>
+          <p:cNvPr id="3" name="Content Placeholder 2">
+            <a:extLst>
+              <a:ext uri="{FF2B5EF4-FFF2-40B4-BE49-F238E27FC236}">
+                <a16:creationId xmlns:a16="http://schemas.microsoft.com/office/drawing/2014/main" id="{4EA3B715-9AC1-E540-E1D0-85781B1B6F2D}"/>
+              </a:ext>
+            </a:extLst>
+          </p:cNvPr>
+          <p:cNvSpPr>
+            <a:spLocks noGrp="1"/>
+          </p:cNvSpPr>
+          <p:nvPr>
+            <p:ph idx="1"/>
+          </p:nvPr>
+        </p:nvSpPr>
+        <p:spPr/>
+        <p:txBody>
+          <a:bodyPr/>
+          <a:lstStyle/>
+          <a:p>
+            <a:r>
+              <a:rPr lang="en-GB" dirty="0"/>
+              <a:t>Concepts to Learn: Data types, databases (SQL and NoSQL), data structures.</a:t>
+            </a:r>
+          </a:p>
+          <a:p>
+            <a:endParaRPr lang="en-GB" dirty="0"/>
+          </a:p>
+          <a:p>
+            <a:r>
+              <a:rPr lang="en-GB" dirty="0"/>
+              <a:t>Tools/Resources:</a:t>
+            </a:r>
+          </a:p>
+          <a:p>
+            <a:r>
+              <a:rPr lang="en-GB" dirty="0"/>
+              <a:t>Azure SQL Database - free tier available</a:t>
+            </a:r>
+          </a:p>
+          <a:p>
+            <a:r>
+              <a:rPr lang="en-GB" dirty="0"/>
+              <a:t>Cosmos DB: Explore NoSQL databases with a limited free tier on Azure.</a:t>
+            </a:r>
+          </a:p>
+          <a:p>
+            <a:endParaRPr lang="en-GB" dirty="0"/>
+          </a:p>
+        </p:txBody>
+      </p:sp>
     </p:spTree>
     <p:extLst>
       <p:ext uri="{BB962C8B-B14F-4D97-AF65-F5344CB8AC3E}">
-        <p14:creationId xmlns:p14="http://schemas.microsoft.com/office/powerpoint/2010/main" val="3413111184"/>
+        <p14:creationId xmlns:p14="http://schemas.microsoft.com/office/powerpoint/2010/main" val="4098208133"/>
       </p:ext>
     </p:extLst>
   </p:cSld>
@@ -13007,7 +13424,7 @@
           <p:cNvPr id="2" name="Title 1">
             <a:extLst>
               <a:ext uri="{FF2B5EF4-FFF2-40B4-BE49-F238E27FC236}">
-                <a16:creationId xmlns:a16="http://schemas.microsoft.com/office/drawing/2014/main" id="{4B8040E2-6B5A-FA8B-4D52-723252A920C1}"/>
+                <a16:creationId xmlns:a16="http://schemas.microsoft.com/office/drawing/2014/main" id="{12485F72-3D84-4EED-32F6-699CF9A5F075}"/>
               </a:ext>
             </a:extLst>
           </p:cNvPr>
@@ -13023,19 +13440,16 @@
           <a:bodyPr/>
           <a:lstStyle/>
           <a:p>
-            <a:r>
-              <a:rPr lang="en-GB" dirty="0"/>
-              <a:t>Create Azure Data Factory (ADF)</a:t>
-            </a:r>
+            <a:endParaRPr lang="en-GB"/>
           </a:p>
         </p:txBody>
       </p:sp>
       <p:pic>
         <p:nvPicPr>
-          <p:cNvPr id="7" name="Picture 6">
-            <a:extLst>
-              <a:ext uri="{FF2B5EF4-FFF2-40B4-BE49-F238E27FC236}">
-                <a16:creationId xmlns:a16="http://schemas.microsoft.com/office/drawing/2014/main" id="{16BAAA67-2AB1-6738-A98A-DB6F55F1E904}"/>
+          <p:cNvPr id="5" name="Picture 4">
+            <a:extLst>
+              <a:ext uri="{FF2B5EF4-FFF2-40B4-BE49-F238E27FC236}">
+                <a16:creationId xmlns:a16="http://schemas.microsoft.com/office/drawing/2014/main" id="{646C3EE8-194C-9110-9B67-951A4E19A958}"/>
               </a:ext>
             </a:extLst>
           </p:cNvPr>
@@ -13052,48 +13466,70 @@
         </p:blipFill>
         <p:spPr>
           <a:xfrm>
-            <a:off x="1567992" y="2066735"/>
-            <a:ext cx="6554115" cy="2724530"/>
+            <a:off x="838200" y="1906776"/>
+            <a:ext cx="9935962" cy="4210638"/>
           </a:xfrm>
           <a:prstGeom prst="rect">
             <a:avLst/>
           </a:prstGeom>
         </p:spPr>
       </p:pic>
-      <p:pic>
-        <p:nvPicPr>
-          <p:cNvPr id="9" name="Picture 8">
-            <a:extLst>
-              <a:ext uri="{FF2B5EF4-FFF2-40B4-BE49-F238E27FC236}">
-                <a16:creationId xmlns:a16="http://schemas.microsoft.com/office/drawing/2014/main" id="{E73A28CD-647B-8CCC-361C-593CEC1732D5}"/>
-              </a:ext>
-            </a:extLst>
-          </p:cNvPr>
-          <p:cNvPicPr>
-            <a:picLocks noChangeAspect="1"/>
-          </p:cNvPicPr>
+      <p:sp>
+        <p:nvSpPr>
+          <p:cNvPr id="7" name="Rectangle: Rounded Corners 6">
+            <a:extLst>
+              <a:ext uri="{FF2B5EF4-FFF2-40B4-BE49-F238E27FC236}">
+                <a16:creationId xmlns:a16="http://schemas.microsoft.com/office/drawing/2014/main" id="{D4469F5D-E711-E066-D4B2-4EDA12D27FF8}"/>
+              </a:ext>
+            </a:extLst>
+          </p:cNvPr>
+          <p:cNvSpPr/>
           <p:nvPr/>
-        </p:nvPicPr>
-        <p:blipFill>
-          <a:blip r:embed="rId3"/>
-          <a:stretch>
-            <a:fillRect/>
-          </a:stretch>
-        </p:blipFill>
+        </p:nvSpPr>
         <p:spPr>
           <a:xfrm>
-            <a:off x="4466997" y="2219156"/>
-            <a:ext cx="3258005" cy="2419688"/>
-          </a:xfrm>
-          <a:prstGeom prst="rect">
+            <a:off x="838200" y="3790950"/>
+            <a:ext cx="6851650" cy="1111250"/>
+          </a:xfrm>
+          <a:prstGeom prst="roundRect">
             <a:avLst/>
           </a:prstGeom>
-        </p:spPr>
-      </p:pic>
+          <a:noFill/>
+          <a:ln>
+            <a:solidFill>
+              <a:srgbClr val="FF0000"/>
+            </a:solidFill>
+          </a:ln>
+        </p:spPr>
+        <p:style>
+          <a:lnRef idx="2">
+            <a:schemeClr val="accent1">
+              <a:shade val="15000"/>
+            </a:schemeClr>
+          </a:lnRef>
+          <a:fillRef idx="1">
+            <a:schemeClr val="accent1"/>
+          </a:fillRef>
+          <a:effectRef idx="0">
+            <a:schemeClr val="accent1"/>
+          </a:effectRef>
+          <a:fontRef idx="minor">
+            <a:schemeClr val="lt1"/>
+          </a:fontRef>
+        </p:style>
+        <p:txBody>
+          <a:bodyPr rtlCol="0" anchor="ctr"/>
+          <a:lstStyle/>
+          <a:p>
+            <a:pPr algn="ctr"/>
+            <a:endParaRPr lang="en-GB"/>
+          </a:p>
+        </p:txBody>
+      </p:sp>
     </p:spTree>
     <p:extLst>
       <p:ext uri="{BB962C8B-B14F-4D97-AF65-F5344CB8AC3E}">
-        <p14:creationId xmlns:p14="http://schemas.microsoft.com/office/powerpoint/2010/main" val="2761438542"/>
+        <p14:creationId xmlns:p14="http://schemas.microsoft.com/office/powerpoint/2010/main" val="2157642099"/>
       </p:ext>
     </p:extLst>
   </p:cSld>
@@ -13125,7 +13561,7 @@
           <p:cNvPr id="2" name="Title 1">
             <a:extLst>
               <a:ext uri="{FF2B5EF4-FFF2-40B4-BE49-F238E27FC236}">
-                <a16:creationId xmlns:a16="http://schemas.microsoft.com/office/drawing/2014/main" id="{4B8040E2-6B5A-FA8B-4D52-723252A920C1}"/>
+                <a16:creationId xmlns:a16="http://schemas.microsoft.com/office/drawing/2014/main" id="{721D1864-1AA2-D6DD-A480-FBC15302FDFD}"/>
               </a:ext>
             </a:extLst>
           </p:cNvPr>
@@ -13143,17 +13579,17 @@
           <a:p>
             <a:r>
               <a:rPr lang="en-GB" dirty="0"/>
-              <a:t>Create Azure Data Factory (ADF)</a:t>
+              <a:t>SQL Express!</a:t>
             </a:r>
           </a:p>
         </p:txBody>
       </p:sp>
       <p:pic>
         <p:nvPicPr>
-          <p:cNvPr id="9" name="Picture 8">
-            <a:extLst>
-              <a:ext uri="{FF2B5EF4-FFF2-40B4-BE49-F238E27FC236}">
-                <a16:creationId xmlns:a16="http://schemas.microsoft.com/office/drawing/2014/main" id="{E73A28CD-647B-8CCC-361C-593CEC1732D5}"/>
+          <p:cNvPr id="5" name="Picture 4">
+            <a:extLst>
+              <a:ext uri="{FF2B5EF4-FFF2-40B4-BE49-F238E27FC236}">
+                <a16:creationId xmlns:a16="http://schemas.microsoft.com/office/drawing/2014/main" id="{448D210F-2791-BB01-3E4C-209625B18617}"/>
               </a:ext>
             </a:extLst>
           </p:cNvPr>
@@ -13170,18 +13606,53 @@
         </p:blipFill>
         <p:spPr>
           <a:xfrm>
-            <a:off x="2301647" y="2219156"/>
-            <a:ext cx="3258005" cy="2419688"/>
+            <a:off x="838200" y="2620727"/>
+            <a:ext cx="7525137" cy="2076557"/>
           </a:xfrm>
           <a:prstGeom prst="rect">
             <a:avLst/>
           </a:prstGeom>
         </p:spPr>
       </p:pic>
+      <p:sp>
+        <p:nvSpPr>
+          <p:cNvPr id="7" name="TextBox 6">
+            <a:extLst>
+              <a:ext uri="{FF2B5EF4-FFF2-40B4-BE49-F238E27FC236}">
+                <a16:creationId xmlns:a16="http://schemas.microsoft.com/office/drawing/2014/main" id="{C2A7AA09-D58C-3AA6-7B91-08BDBC8B6CF0}"/>
+              </a:ext>
+            </a:extLst>
+          </p:cNvPr>
+          <p:cNvSpPr txBox="1"/>
+          <p:nvPr/>
+        </p:nvSpPr>
+        <p:spPr>
+          <a:xfrm>
+            <a:off x="838200" y="1791385"/>
+            <a:ext cx="9296787" cy="369332"/>
+          </a:xfrm>
+          <a:prstGeom prst="rect">
+            <a:avLst/>
+          </a:prstGeom>
+          <a:noFill/>
+        </p:spPr>
+        <p:txBody>
+          <a:bodyPr wrap="square">
+            <a:spAutoFit/>
+          </a:bodyPr>
+          <a:lstStyle/>
+          <a:p>
+            <a:r>
+              <a:rPr lang="en-GB" dirty="0"/>
+              <a:t>https://www.microsoft.com/en-us/download/details.aspx?id=104781&amp;lc=1033</a:t>
+            </a:r>
+          </a:p>
+        </p:txBody>
+      </p:sp>
     </p:spTree>
     <p:extLst>
       <p:ext uri="{BB962C8B-B14F-4D97-AF65-F5344CB8AC3E}">
-        <p14:creationId xmlns:p14="http://schemas.microsoft.com/office/powerpoint/2010/main" val="444765943"/>
+        <p14:creationId xmlns:p14="http://schemas.microsoft.com/office/powerpoint/2010/main" val="309386999"/>
       </p:ext>
     </p:extLst>
   </p:cSld>
@@ -13213,7 +13684,7 @@
           <p:cNvPr id="2" name="Title 1">
             <a:extLst>
               <a:ext uri="{FF2B5EF4-FFF2-40B4-BE49-F238E27FC236}">
-                <a16:creationId xmlns:a16="http://schemas.microsoft.com/office/drawing/2014/main" id="{4B8040E2-6B5A-FA8B-4D52-723252A920C1}"/>
+                <a16:creationId xmlns:a16="http://schemas.microsoft.com/office/drawing/2014/main" id="{F9730C1D-834B-610B-0E29-AE24F94D4143}"/>
               </a:ext>
             </a:extLst>
           </p:cNvPr>
@@ -13229,19 +13700,16 @@
           <a:bodyPr/>
           <a:lstStyle/>
           <a:p>
-            <a:r>
-              <a:rPr lang="en-GB" dirty="0"/>
-              <a:t>Create Azure Data Factory (ADF)</a:t>
-            </a:r>
+            <a:endParaRPr lang="en-GB"/>
           </a:p>
         </p:txBody>
       </p:sp>
       <p:pic>
         <p:nvPicPr>
-          <p:cNvPr id="6" name="Picture 5">
-            <a:extLst>
-              <a:ext uri="{FF2B5EF4-FFF2-40B4-BE49-F238E27FC236}">
-                <a16:creationId xmlns:a16="http://schemas.microsoft.com/office/drawing/2014/main" id="{A3EE72BE-7E6D-0EB3-68E3-15226B7C0E10}"/>
+          <p:cNvPr id="7" name="Picture 6">
+            <a:extLst>
+              <a:ext uri="{FF2B5EF4-FFF2-40B4-BE49-F238E27FC236}">
+                <a16:creationId xmlns:a16="http://schemas.microsoft.com/office/drawing/2014/main" id="{84D8D550-260F-0F03-0F0E-8FB1893DB52E}"/>
               </a:ext>
             </a:extLst>
           </p:cNvPr>
@@ -13258,8 +13726,8 @@
         </p:blipFill>
         <p:spPr>
           <a:xfrm>
-            <a:off x="2330450" y="1241679"/>
-            <a:ext cx="5939310" cy="5103964"/>
+            <a:off x="3685605" y="1366482"/>
+            <a:ext cx="4559534" cy="5010407"/>
           </a:xfrm>
           <a:prstGeom prst="rect">
             <a:avLst/>
@@ -13269,7 +13737,7 @@
     </p:spTree>
     <p:extLst>
       <p:ext uri="{BB962C8B-B14F-4D97-AF65-F5344CB8AC3E}">
-        <p14:creationId xmlns:p14="http://schemas.microsoft.com/office/powerpoint/2010/main" val="120758956"/>
+        <p14:creationId xmlns:p14="http://schemas.microsoft.com/office/powerpoint/2010/main" val="3024344180"/>
       </p:ext>
     </p:extLst>
   </p:cSld>
@@ -13301,7 +13769,7 @@
           <p:cNvPr id="2" name="Title 1">
             <a:extLst>
               <a:ext uri="{FF2B5EF4-FFF2-40B4-BE49-F238E27FC236}">
-                <a16:creationId xmlns:a16="http://schemas.microsoft.com/office/drawing/2014/main" id="{767D3F27-60C0-A37F-763F-F30EC96BFF76}"/>
+                <a16:creationId xmlns:a16="http://schemas.microsoft.com/office/drawing/2014/main" id="{E4048C8B-7E17-501E-E69D-E0441C9CC7E9}"/>
               </a:ext>
             </a:extLst>
           </p:cNvPr>
@@ -13312,54 +13780,58 @@
             <p:ph type="title"/>
           </p:nvPr>
         </p:nvSpPr>
-        <p:spPr>
-          <a:xfrm>
-            <a:off x="838200" y="365126"/>
-            <a:ext cx="10101470" cy="1092614"/>
-          </a:xfrm>
-        </p:spPr>
-        <p:txBody>
-          <a:bodyPr/>
-          <a:lstStyle/>
-          <a:p>
+        <p:spPr/>
+        <p:txBody>
+          <a:bodyPr/>
+          <a:lstStyle/>
+          <a:p>
+            <a:endParaRPr lang="en-GB"/>
+          </a:p>
+        </p:txBody>
+      </p:sp>
+      <p:sp>
+        <p:nvSpPr>
+          <p:cNvPr id="3" name="Content Placeholder 2">
+            <a:extLst>
+              <a:ext uri="{FF2B5EF4-FFF2-40B4-BE49-F238E27FC236}">
+                <a16:creationId xmlns:a16="http://schemas.microsoft.com/office/drawing/2014/main" id="{06C03778-3C7D-68FE-3C89-CE3F1EFD313F}"/>
+              </a:ext>
+            </a:extLst>
+          </p:cNvPr>
+          <p:cNvSpPr>
+            <a:spLocks noGrp="1"/>
+          </p:cNvSpPr>
+          <p:nvPr>
+            <p:ph idx="1"/>
+          </p:nvPr>
+        </p:nvSpPr>
+        <p:spPr/>
+        <p:txBody>
+          <a:bodyPr/>
+          <a:lstStyle/>
+          <a:p>
+            <a:r>
+              <a:rPr lang="en-GB" dirty="0"/>
+              <a:t>Download JDBC driver</a:t>
+            </a:r>
+            <a:r>
+              <a:rPr lang="en-GB"/>
+              <a:t>: https://repo1.maven.org/maven2/com/microsoft/azure/spark-mssql-connector_2.12/1.2.0/spark-mssql-connector_2.12-1.2.0.jar</a:t>
+            </a:r>
             <a:endParaRPr lang="en-GB" dirty="0"/>
           </a:p>
-        </p:txBody>
-      </p:sp>
-      <p:pic>
-        <p:nvPicPr>
-          <p:cNvPr id="7" name="Picture 6">
-            <a:extLst>
-              <a:ext uri="{FF2B5EF4-FFF2-40B4-BE49-F238E27FC236}">
-                <a16:creationId xmlns:a16="http://schemas.microsoft.com/office/drawing/2014/main" id="{63363270-92B1-CA00-235B-6F5FBFBB4DA7}"/>
-              </a:ext>
-            </a:extLst>
-          </p:cNvPr>
-          <p:cNvPicPr>
-            <a:picLocks noChangeAspect="1"/>
-          </p:cNvPicPr>
-          <p:nvPr/>
-        </p:nvPicPr>
-        <p:blipFill>
-          <a:blip r:embed="rId2"/>
-          <a:stretch>
-            <a:fillRect/>
-          </a:stretch>
-        </p:blipFill>
-        <p:spPr>
-          <a:xfrm>
-            <a:off x="838200" y="1603639"/>
-            <a:ext cx="6207345" cy="5108588"/>
-          </a:xfrm>
-          <a:prstGeom prst="rect">
-            <a:avLst/>
-          </a:prstGeom>
-        </p:spPr>
-      </p:pic>
+          <a:p>
+            <a:r>
+              <a:rPr lang="en-GB" dirty="0"/>
+              <a:t>Copy jar file to anaconda jars folder</a:t>
+            </a:r>
+          </a:p>
+        </p:txBody>
+      </p:sp>
     </p:spTree>
     <p:extLst>
       <p:ext uri="{BB962C8B-B14F-4D97-AF65-F5344CB8AC3E}">
-        <p14:creationId xmlns:p14="http://schemas.microsoft.com/office/powerpoint/2010/main" val="12475657"/>
+        <p14:creationId xmlns:p14="http://schemas.microsoft.com/office/powerpoint/2010/main" val="4018909052"/>
       </p:ext>
     </p:extLst>
   </p:cSld>
@@ -13391,7 +13863,7 @@
           <p:cNvPr id="2" name="Title 1">
             <a:extLst>
               <a:ext uri="{FF2B5EF4-FFF2-40B4-BE49-F238E27FC236}">
-                <a16:creationId xmlns:a16="http://schemas.microsoft.com/office/drawing/2014/main" id="{21017636-EA3E-8FEF-99A9-52E40CE4CEE3}"/>
+                <a16:creationId xmlns:a16="http://schemas.microsoft.com/office/drawing/2014/main" id="{DCD86764-00F4-6C9A-2130-D553A9C0F19A}"/>
               </a:ext>
             </a:extLst>
           </p:cNvPr>
@@ -13407,16 +13879,24 @@
           <a:bodyPr/>
           <a:lstStyle/>
           <a:p>
-            <a:endParaRPr lang="en-GB"/>
+            <a:r>
+              <a:rPr lang="en-GB" dirty="0"/>
+              <a:t>Python pre-</a:t>
+            </a:r>
+            <a:r>
+              <a:rPr lang="en-GB" dirty="0" err="1"/>
+              <a:t>reqs</a:t>
+            </a:r>
+            <a:endParaRPr lang="en-GB" dirty="0"/>
           </a:p>
         </p:txBody>
       </p:sp>
       <p:pic>
         <p:nvPicPr>
-          <p:cNvPr id="4" name="Picture 3">
-            <a:extLst>
-              <a:ext uri="{FF2B5EF4-FFF2-40B4-BE49-F238E27FC236}">
-                <a16:creationId xmlns:a16="http://schemas.microsoft.com/office/drawing/2014/main" id="{4F69654C-6DA8-2205-4B70-B0177BA26CE7}"/>
+          <p:cNvPr id="5" name="Picture 4">
+            <a:extLst>
+              <a:ext uri="{FF2B5EF4-FFF2-40B4-BE49-F238E27FC236}">
+                <a16:creationId xmlns:a16="http://schemas.microsoft.com/office/drawing/2014/main" id="{C663F566-F2F6-4996-C066-E71C1013515E}"/>
               </a:ext>
             </a:extLst>
           </p:cNvPr>
@@ -13433,8 +13913,38 @@
         </p:blipFill>
         <p:spPr>
           <a:xfrm>
-            <a:off x="3139923" y="2035103"/>
-            <a:ext cx="5912154" cy="2787793"/>
+            <a:off x="838200" y="1431753"/>
+            <a:ext cx="9392961" cy="2457793"/>
+          </a:xfrm>
+          <a:prstGeom prst="rect">
+            <a:avLst/>
+          </a:prstGeom>
+        </p:spPr>
+      </p:pic>
+      <p:pic>
+        <p:nvPicPr>
+          <p:cNvPr id="8" name="Picture 7">
+            <a:extLst>
+              <a:ext uri="{FF2B5EF4-FFF2-40B4-BE49-F238E27FC236}">
+                <a16:creationId xmlns:a16="http://schemas.microsoft.com/office/drawing/2014/main" id="{0DA08BAC-BAA2-E123-3A0B-E202C41AC238}"/>
+              </a:ext>
+            </a:extLst>
+          </p:cNvPr>
+          <p:cNvPicPr>
+            <a:picLocks noChangeAspect="1"/>
+          </p:cNvPicPr>
+          <p:nvPr/>
+        </p:nvPicPr>
+        <p:blipFill>
+          <a:blip r:embed="rId3"/>
+          <a:stretch>
+            <a:fillRect/>
+          </a:stretch>
+        </p:blipFill>
+        <p:spPr>
+          <a:xfrm>
+            <a:off x="838200" y="4217883"/>
+            <a:ext cx="4934639" cy="1476581"/>
           </a:xfrm>
           <a:prstGeom prst="rect">
             <a:avLst/>
@@ -13444,7 +13954,7 @@
     </p:spTree>
     <p:extLst>
       <p:ext uri="{BB962C8B-B14F-4D97-AF65-F5344CB8AC3E}">
-        <p14:creationId xmlns:p14="http://schemas.microsoft.com/office/powerpoint/2010/main" val="1967800904"/>
+        <p14:creationId xmlns:p14="http://schemas.microsoft.com/office/powerpoint/2010/main" val="2091675727"/>
       </p:ext>
     </p:extLst>
   </p:cSld>
@@ -13476,6 +13986,1796 @@
           <p:cNvPr id="2" name="Title 1">
             <a:extLst>
               <a:ext uri="{FF2B5EF4-FFF2-40B4-BE49-F238E27FC236}">
+                <a16:creationId xmlns:a16="http://schemas.microsoft.com/office/drawing/2014/main" id="{DCD86764-00F4-6C9A-2130-D553A9C0F19A}"/>
+              </a:ext>
+            </a:extLst>
+          </p:cNvPr>
+          <p:cNvSpPr>
+            <a:spLocks noGrp="1"/>
+          </p:cNvSpPr>
+          <p:nvPr>
+            <p:ph type="title"/>
+          </p:nvPr>
+        </p:nvSpPr>
+        <p:spPr/>
+        <p:txBody>
+          <a:bodyPr/>
+          <a:lstStyle/>
+          <a:p>
+            <a:endParaRPr lang="en-GB"/>
+          </a:p>
+        </p:txBody>
+      </p:sp>
+      <p:pic>
+        <p:nvPicPr>
+          <p:cNvPr id="4" name="Picture 3">
+            <a:extLst>
+              <a:ext uri="{FF2B5EF4-FFF2-40B4-BE49-F238E27FC236}">
+                <a16:creationId xmlns:a16="http://schemas.microsoft.com/office/drawing/2014/main" id="{20F3E66B-E246-EFCB-FFBE-25044944C469}"/>
+              </a:ext>
+            </a:extLst>
+          </p:cNvPr>
+          <p:cNvPicPr>
+            <a:picLocks noChangeAspect="1"/>
+          </p:cNvPicPr>
+          <p:nvPr/>
+        </p:nvPicPr>
+        <p:blipFill>
+          <a:blip r:embed="rId2"/>
+          <a:stretch>
+            <a:fillRect/>
+          </a:stretch>
+        </p:blipFill>
+        <p:spPr>
+          <a:xfrm>
+            <a:off x="838200" y="1242558"/>
+            <a:ext cx="4959605" cy="1517728"/>
+          </a:xfrm>
+          <a:prstGeom prst="rect">
+            <a:avLst/>
+          </a:prstGeom>
+        </p:spPr>
+      </p:pic>
+      <p:pic>
+        <p:nvPicPr>
+          <p:cNvPr id="7" name="Picture 6">
+            <a:extLst>
+              <a:ext uri="{FF2B5EF4-FFF2-40B4-BE49-F238E27FC236}">
+                <a16:creationId xmlns:a16="http://schemas.microsoft.com/office/drawing/2014/main" id="{A96C8C96-A6EA-2AE6-661D-FA50CC4E8CDA}"/>
+              </a:ext>
+            </a:extLst>
+          </p:cNvPr>
+          <p:cNvPicPr>
+            <a:picLocks noChangeAspect="1"/>
+          </p:cNvPicPr>
+          <p:nvPr/>
+        </p:nvPicPr>
+        <p:blipFill>
+          <a:blip r:embed="rId3"/>
+          <a:stretch>
+            <a:fillRect/>
+          </a:stretch>
+        </p:blipFill>
+        <p:spPr>
+          <a:xfrm>
+            <a:off x="6394197" y="1242558"/>
+            <a:ext cx="4511991" cy="5250317"/>
+          </a:xfrm>
+          <a:prstGeom prst="rect">
+            <a:avLst/>
+          </a:prstGeom>
+        </p:spPr>
+      </p:pic>
+    </p:spTree>
+    <p:extLst>
+      <p:ext uri="{BB962C8B-B14F-4D97-AF65-F5344CB8AC3E}">
+        <p14:creationId xmlns:p14="http://schemas.microsoft.com/office/powerpoint/2010/main" val="17736079"/>
+      </p:ext>
+    </p:extLst>
+  </p:cSld>
+  <p:clrMapOvr>
+    <a:masterClrMapping/>
+  </p:clrMapOvr>
+</p:sld>
+</file>
+
+<file path=ppt/slides/slide77.xml><?xml version="1.0" encoding="utf-8"?>
+<p:sld xmlns:a="http://schemas.openxmlformats.org/drawingml/2006/main" xmlns:r="http://schemas.openxmlformats.org/officeDocument/2006/relationships" xmlns:p="http://schemas.openxmlformats.org/presentationml/2006/main">
+  <p:cSld>
+    <p:spTree>
+      <p:nvGrpSpPr>
+        <p:cNvPr id="1" name=""/>
+        <p:cNvGrpSpPr/>
+        <p:nvPr/>
+      </p:nvGrpSpPr>
+      <p:grpSpPr>
+        <a:xfrm>
+          <a:off x="0" y="0"/>
+          <a:ext cx="0" cy="0"/>
+          <a:chOff x="0" y="0"/>
+          <a:chExt cx="0" cy="0"/>
+        </a:xfrm>
+      </p:grpSpPr>
+      <p:pic>
+        <p:nvPicPr>
+          <p:cNvPr id="8" name="Picture 7">
+            <a:extLst>
+              <a:ext uri="{FF2B5EF4-FFF2-40B4-BE49-F238E27FC236}">
+                <a16:creationId xmlns:a16="http://schemas.microsoft.com/office/drawing/2014/main" id="{267E26B0-ADE5-2D5A-201D-E7974C1FE8C8}"/>
+              </a:ext>
+            </a:extLst>
+          </p:cNvPr>
+          <p:cNvPicPr>
+            <a:picLocks noChangeAspect="1"/>
+          </p:cNvPicPr>
+          <p:nvPr/>
+        </p:nvPicPr>
+        <p:blipFill>
+          <a:blip r:embed="rId2"/>
+          <a:stretch>
+            <a:fillRect/>
+          </a:stretch>
+        </p:blipFill>
+        <p:spPr>
+          <a:xfrm>
+            <a:off x="497406" y="502516"/>
+            <a:ext cx="6401129" cy="5550185"/>
+          </a:xfrm>
+          <a:prstGeom prst="rect">
+            <a:avLst/>
+          </a:prstGeom>
+        </p:spPr>
+      </p:pic>
+      <p:pic>
+        <p:nvPicPr>
+          <p:cNvPr id="9" name="Picture 8">
+            <a:extLst>
+              <a:ext uri="{FF2B5EF4-FFF2-40B4-BE49-F238E27FC236}">
+                <a16:creationId xmlns:a16="http://schemas.microsoft.com/office/drawing/2014/main" id="{159E5FD2-985E-7690-3E2A-435134F3B0FE}"/>
+              </a:ext>
+            </a:extLst>
+          </p:cNvPr>
+          <p:cNvPicPr>
+            <a:picLocks noChangeAspect="1"/>
+          </p:cNvPicPr>
+          <p:nvPr/>
+        </p:nvPicPr>
+        <p:blipFill>
+          <a:blip r:embed="rId3"/>
+          <a:stretch>
+            <a:fillRect/>
+          </a:stretch>
+        </p:blipFill>
+        <p:spPr>
+          <a:xfrm>
+            <a:off x="7205188" y="923852"/>
+            <a:ext cx="4915153" cy="2006703"/>
+          </a:xfrm>
+          <a:prstGeom prst="rect">
+            <a:avLst/>
+          </a:prstGeom>
+        </p:spPr>
+      </p:pic>
+    </p:spTree>
+    <p:extLst>
+      <p:ext uri="{BB962C8B-B14F-4D97-AF65-F5344CB8AC3E}">
+        <p14:creationId xmlns:p14="http://schemas.microsoft.com/office/powerpoint/2010/main" val="3790276932"/>
+      </p:ext>
+    </p:extLst>
+  </p:cSld>
+  <p:clrMapOvr>
+    <a:masterClrMapping/>
+  </p:clrMapOvr>
+</p:sld>
+</file>
+
+<file path=ppt/slides/slide78.xml><?xml version="1.0" encoding="utf-8"?>
+<p:sld xmlns:a="http://schemas.openxmlformats.org/drawingml/2006/main" xmlns:r="http://schemas.openxmlformats.org/officeDocument/2006/relationships" xmlns:p="http://schemas.openxmlformats.org/presentationml/2006/main">
+  <p:cSld>
+    <p:spTree>
+      <p:nvGrpSpPr>
+        <p:cNvPr id="1" name=""/>
+        <p:cNvGrpSpPr/>
+        <p:nvPr/>
+      </p:nvGrpSpPr>
+      <p:grpSpPr>
+        <a:xfrm>
+          <a:off x="0" y="0"/>
+          <a:ext cx="0" cy="0"/>
+          <a:chOff x="0" y="0"/>
+          <a:chExt cx="0" cy="0"/>
+        </a:xfrm>
+      </p:grpSpPr>
+      <p:pic>
+        <p:nvPicPr>
+          <p:cNvPr id="5" name="Picture 4">
+            <a:extLst>
+              <a:ext uri="{FF2B5EF4-FFF2-40B4-BE49-F238E27FC236}">
+                <a16:creationId xmlns:a16="http://schemas.microsoft.com/office/drawing/2014/main" id="{D89C5F76-DE95-EF62-4BC4-CD0A02BDAAB6}"/>
+              </a:ext>
+            </a:extLst>
+          </p:cNvPr>
+          <p:cNvPicPr>
+            <a:picLocks noChangeAspect="1"/>
+          </p:cNvPicPr>
+          <p:nvPr/>
+        </p:nvPicPr>
+        <p:blipFill>
+          <a:blip r:embed="rId2"/>
+          <a:stretch>
+            <a:fillRect/>
+          </a:stretch>
+        </p:blipFill>
+        <p:spPr>
+          <a:xfrm>
+            <a:off x="564587" y="761453"/>
+            <a:ext cx="4680191" cy="3264068"/>
+          </a:xfrm>
+          <a:prstGeom prst="rect">
+            <a:avLst/>
+          </a:prstGeom>
+        </p:spPr>
+      </p:pic>
+      <p:pic>
+        <p:nvPicPr>
+          <p:cNvPr id="7" name="Picture 6">
+            <a:extLst>
+              <a:ext uri="{FF2B5EF4-FFF2-40B4-BE49-F238E27FC236}">
+                <a16:creationId xmlns:a16="http://schemas.microsoft.com/office/drawing/2014/main" id="{FE67BB66-D68E-91FC-1442-E45607E8A920}"/>
+              </a:ext>
+            </a:extLst>
+          </p:cNvPr>
+          <p:cNvPicPr>
+            <a:picLocks noChangeAspect="1"/>
+          </p:cNvPicPr>
+          <p:nvPr/>
+        </p:nvPicPr>
+        <p:blipFill>
+          <a:blip r:embed="rId3"/>
+          <a:stretch>
+            <a:fillRect/>
+          </a:stretch>
+        </p:blipFill>
+        <p:spPr>
+          <a:xfrm>
+            <a:off x="6858335" y="889174"/>
+            <a:ext cx="2508379" cy="3892750"/>
+          </a:xfrm>
+          <a:prstGeom prst="rect">
+            <a:avLst/>
+          </a:prstGeom>
+        </p:spPr>
+      </p:pic>
+    </p:spTree>
+    <p:extLst>
+      <p:ext uri="{BB962C8B-B14F-4D97-AF65-F5344CB8AC3E}">
+        <p14:creationId xmlns:p14="http://schemas.microsoft.com/office/powerpoint/2010/main" val="1708038266"/>
+      </p:ext>
+    </p:extLst>
+  </p:cSld>
+  <p:clrMapOvr>
+    <a:masterClrMapping/>
+  </p:clrMapOvr>
+</p:sld>
+</file>
+
+<file path=ppt/slides/slide79.xml><?xml version="1.0" encoding="utf-8"?>
+<p:sld xmlns:a="http://schemas.openxmlformats.org/drawingml/2006/main" xmlns:r="http://schemas.openxmlformats.org/officeDocument/2006/relationships" xmlns:p="http://schemas.openxmlformats.org/presentationml/2006/main">
+  <p:cSld>
+    <p:spTree>
+      <p:nvGrpSpPr>
+        <p:cNvPr id="1" name=""/>
+        <p:cNvGrpSpPr/>
+        <p:nvPr/>
+      </p:nvGrpSpPr>
+      <p:grpSpPr>
+        <a:xfrm>
+          <a:off x="0" y="0"/>
+          <a:ext cx="0" cy="0"/>
+          <a:chOff x="0" y="0"/>
+          <a:chExt cx="0" cy="0"/>
+        </a:xfrm>
+      </p:grpSpPr>
+      <p:pic>
+        <p:nvPicPr>
+          <p:cNvPr id="5" name="Picture 4">
+            <a:extLst>
+              <a:ext uri="{FF2B5EF4-FFF2-40B4-BE49-F238E27FC236}">
+                <a16:creationId xmlns:a16="http://schemas.microsoft.com/office/drawing/2014/main" id="{BC909FB5-6F06-559F-6D56-11877CAEF8ED}"/>
+              </a:ext>
+            </a:extLst>
+          </p:cNvPr>
+          <p:cNvPicPr>
+            <a:picLocks noChangeAspect="1"/>
+          </p:cNvPicPr>
+          <p:nvPr/>
+        </p:nvPicPr>
+        <p:blipFill>
+          <a:blip r:embed="rId2"/>
+          <a:stretch>
+            <a:fillRect/>
+          </a:stretch>
+        </p:blipFill>
+        <p:spPr>
+          <a:xfrm>
+            <a:off x="645176" y="794450"/>
+            <a:ext cx="9036514" cy="3016405"/>
+          </a:xfrm>
+          <a:prstGeom prst="rect">
+            <a:avLst/>
+          </a:prstGeom>
+        </p:spPr>
+      </p:pic>
+    </p:spTree>
+    <p:extLst>
+      <p:ext uri="{BB962C8B-B14F-4D97-AF65-F5344CB8AC3E}">
+        <p14:creationId xmlns:p14="http://schemas.microsoft.com/office/powerpoint/2010/main" val="3243554057"/>
+      </p:ext>
+    </p:extLst>
+  </p:cSld>
+  <p:clrMapOvr>
+    <a:masterClrMapping/>
+  </p:clrMapOvr>
+</p:sld>
+</file>
+
+<file path=ppt/slides/slide8.xml><?xml version="1.0" encoding="utf-8"?>
+<p:sld xmlns:a="http://schemas.openxmlformats.org/drawingml/2006/main" xmlns:r="http://schemas.openxmlformats.org/officeDocument/2006/relationships" xmlns:p="http://schemas.openxmlformats.org/presentationml/2006/main">
+  <p:cSld>
+    <p:spTree>
+      <p:nvGrpSpPr>
+        <p:cNvPr id="1" name=""/>
+        <p:cNvGrpSpPr/>
+        <p:nvPr/>
+      </p:nvGrpSpPr>
+      <p:grpSpPr>
+        <a:xfrm>
+          <a:off x="0" y="0"/>
+          <a:ext cx="0" cy="0"/>
+          <a:chOff x="0" y="0"/>
+          <a:chExt cx="0" cy="0"/>
+        </a:xfrm>
+      </p:grpSpPr>
+      <p:sp>
+        <p:nvSpPr>
+          <p:cNvPr id="22" name="Rectangle: Rounded Corners 21">
+            <a:extLst>
+              <a:ext uri="{FF2B5EF4-FFF2-40B4-BE49-F238E27FC236}">
+                <a16:creationId xmlns:a16="http://schemas.microsoft.com/office/drawing/2014/main" id="{2ED40CFA-8D44-1769-8FAB-C91146F46BA5}"/>
+              </a:ext>
+            </a:extLst>
+          </p:cNvPr>
+          <p:cNvSpPr/>
+          <p:nvPr/>
+        </p:nvSpPr>
+        <p:spPr>
+          <a:xfrm>
+            <a:off x="403597" y="2358521"/>
+            <a:ext cx="11186339" cy="3348596"/>
+          </a:xfrm>
+          <a:prstGeom prst="roundRect">
+            <a:avLst/>
+          </a:prstGeom>
+          <a:solidFill>
+            <a:schemeClr val="tx2">
+              <a:lumMod val="10000"/>
+              <a:lumOff val="90000"/>
+            </a:schemeClr>
+          </a:solidFill>
+          <a:ln>
+            <a:prstDash val="sysDot"/>
+          </a:ln>
+        </p:spPr>
+        <p:style>
+          <a:lnRef idx="2">
+            <a:schemeClr val="accent1">
+              <a:shade val="15000"/>
+            </a:schemeClr>
+          </a:lnRef>
+          <a:fillRef idx="1">
+            <a:schemeClr val="accent1"/>
+          </a:fillRef>
+          <a:effectRef idx="0">
+            <a:schemeClr val="accent1"/>
+          </a:effectRef>
+          <a:fontRef idx="minor">
+            <a:schemeClr val="lt1"/>
+          </a:fontRef>
+        </p:style>
+        <p:txBody>
+          <a:bodyPr rtlCol="0" anchor="ctr"/>
+          <a:lstStyle/>
+          <a:p>
+            <a:pPr algn="ctr"/>
+            <a:r>
+              <a:rPr lang="en-GB" dirty="0"/>
+              <a:t>Res</a:t>
+            </a:r>
+          </a:p>
+        </p:txBody>
+      </p:sp>
+      <p:sp>
+        <p:nvSpPr>
+          <p:cNvPr id="2" name="Title 1">
+            <a:extLst>
+              <a:ext uri="{FF2B5EF4-FFF2-40B4-BE49-F238E27FC236}">
+                <a16:creationId xmlns:a16="http://schemas.microsoft.com/office/drawing/2014/main" id="{2C3F64A2-3986-B347-A058-E0F2DBC29E55}"/>
+              </a:ext>
+            </a:extLst>
+          </p:cNvPr>
+          <p:cNvSpPr>
+            <a:spLocks noGrp="1"/>
+          </p:cNvSpPr>
+          <p:nvPr>
+            <p:ph type="title"/>
+          </p:nvPr>
+        </p:nvSpPr>
+        <p:spPr>
+          <a:xfrm>
+            <a:off x="403597" y="724953"/>
+            <a:ext cx="10515600" cy="1325563"/>
+          </a:xfrm>
+        </p:spPr>
+        <p:txBody>
+          <a:bodyPr/>
+          <a:lstStyle/>
+          <a:p>
+            <a:r>
+              <a:rPr lang="en-GB" dirty="0"/>
+              <a:t>Data engineering using your free credits</a:t>
+            </a:r>
+          </a:p>
+        </p:txBody>
+      </p:sp>
+      <p:pic>
+        <p:nvPicPr>
+          <p:cNvPr id="5" name="Graphic 4">
+            <a:extLst>
+              <a:ext uri="{FF2B5EF4-FFF2-40B4-BE49-F238E27FC236}">
+                <a16:creationId xmlns:a16="http://schemas.microsoft.com/office/drawing/2014/main" id="{6109C887-88C2-EB14-3C23-4088C2464EFD}"/>
+              </a:ext>
+            </a:extLst>
+          </p:cNvPr>
+          <p:cNvPicPr>
+            <a:picLocks noChangeAspect="1"/>
+          </p:cNvPicPr>
+          <p:nvPr/>
+        </p:nvPicPr>
+        <p:blipFill>
+          <a:blip r:embed="rId3">
+            <a:extLst>
+              <a:ext uri="{96DAC541-7B7A-43D3-8B79-37D633B846F1}">
+                <asvg:svgBlip xmlns:asvg="http://schemas.microsoft.com/office/drawing/2016/SVG/main" r:embed="rId4"/>
+              </a:ext>
+            </a:extLst>
+          </a:blip>
+          <a:stretch>
+            <a:fillRect/>
+          </a:stretch>
+        </p:blipFill>
+        <p:spPr>
+          <a:xfrm flipH="1">
+            <a:off x="3601203" y="2884583"/>
+            <a:ext cx="1381530" cy="1624515"/>
+          </a:xfrm>
+          <a:prstGeom prst="rect">
+            <a:avLst/>
+          </a:prstGeom>
+        </p:spPr>
+      </p:pic>
+      <p:pic>
+        <p:nvPicPr>
+          <p:cNvPr id="9" name="Graphic 8">
+            <a:extLst>
+              <a:ext uri="{FF2B5EF4-FFF2-40B4-BE49-F238E27FC236}">
+                <a16:creationId xmlns:a16="http://schemas.microsoft.com/office/drawing/2014/main" id="{0AB9DAB6-8B04-09F1-1152-76D099FB0D09}"/>
+              </a:ext>
+            </a:extLst>
+          </p:cNvPr>
+          <p:cNvPicPr>
+            <a:picLocks noChangeAspect="1"/>
+          </p:cNvPicPr>
+          <p:nvPr/>
+        </p:nvPicPr>
+        <p:blipFill>
+          <a:blip r:embed="rId5">
+            <a:extLst>
+              <a:ext uri="{96DAC541-7B7A-43D3-8B79-37D633B846F1}">
+                <asvg:svgBlip xmlns:asvg="http://schemas.microsoft.com/office/drawing/2016/SVG/main" r:embed="rId6"/>
+              </a:ext>
+            </a:extLst>
+          </a:blip>
+          <a:stretch>
+            <a:fillRect/>
+          </a:stretch>
+        </p:blipFill>
+        <p:spPr>
+          <a:xfrm>
+            <a:off x="6598758" y="2881893"/>
+            <a:ext cx="1577794" cy="1624515"/>
+          </a:xfrm>
+          <a:prstGeom prst="rect">
+            <a:avLst/>
+          </a:prstGeom>
+        </p:spPr>
+      </p:pic>
+      <p:pic>
+        <p:nvPicPr>
+          <p:cNvPr id="11" name="Graphic 10">
+            <a:extLst>
+              <a:ext uri="{FF2B5EF4-FFF2-40B4-BE49-F238E27FC236}">
+                <a16:creationId xmlns:a16="http://schemas.microsoft.com/office/drawing/2014/main" id="{B9C4B2FA-2944-D6F9-2824-EF5252AD5A7B}"/>
+              </a:ext>
+            </a:extLst>
+          </p:cNvPr>
+          <p:cNvPicPr>
+            <a:picLocks noChangeAspect="1"/>
+          </p:cNvPicPr>
+          <p:nvPr/>
+        </p:nvPicPr>
+        <p:blipFill>
+          <a:blip r:embed="rId7">
+            <a:extLst>
+              <a:ext uri="{96DAC541-7B7A-43D3-8B79-37D633B846F1}">
+                <asvg:svgBlip xmlns:asvg="http://schemas.microsoft.com/office/drawing/2016/SVG/main" r:embed="rId8"/>
+              </a:ext>
+            </a:extLst>
+          </a:blip>
+          <a:stretch>
+            <a:fillRect/>
+          </a:stretch>
+        </p:blipFill>
+        <p:spPr>
+          <a:xfrm>
+            <a:off x="602064" y="2881893"/>
+            <a:ext cx="1577795" cy="1624516"/>
+          </a:xfrm>
+          <a:prstGeom prst="rect">
+            <a:avLst/>
+          </a:prstGeom>
+        </p:spPr>
+      </p:pic>
+      <p:pic>
+        <p:nvPicPr>
+          <p:cNvPr id="13" name="Graphic 12">
+            <a:extLst>
+              <a:ext uri="{FF2B5EF4-FFF2-40B4-BE49-F238E27FC236}">
+                <a16:creationId xmlns:a16="http://schemas.microsoft.com/office/drawing/2014/main" id="{09D90857-96C6-0E6F-EB6B-44EEBC3A1E1E}"/>
+              </a:ext>
+            </a:extLst>
+          </p:cNvPr>
+          <p:cNvPicPr>
+            <a:picLocks noChangeAspect="1"/>
+          </p:cNvPicPr>
+          <p:nvPr/>
+        </p:nvPicPr>
+        <p:blipFill>
+          <a:blip r:embed="rId9">
+            <a:extLst>
+              <a:ext uri="{96DAC541-7B7A-43D3-8B79-37D633B846F1}">
+                <asvg:svgBlip xmlns:asvg="http://schemas.microsoft.com/office/drawing/2016/SVG/main" r:embed="rId10"/>
+              </a:ext>
+            </a:extLst>
+          </a:blip>
+          <a:stretch>
+            <a:fillRect/>
+          </a:stretch>
+        </p:blipFill>
+        <p:spPr>
+          <a:xfrm>
+            <a:off x="9597896" y="2881893"/>
+            <a:ext cx="1528413" cy="1627205"/>
+          </a:xfrm>
+          <a:prstGeom prst="rect">
+            <a:avLst/>
+          </a:prstGeom>
+        </p:spPr>
+      </p:pic>
+      <p:sp>
+        <p:nvSpPr>
+          <p:cNvPr id="14" name="Arrow: Right 13">
+            <a:extLst>
+              <a:ext uri="{FF2B5EF4-FFF2-40B4-BE49-F238E27FC236}">
+                <a16:creationId xmlns:a16="http://schemas.microsoft.com/office/drawing/2014/main" id="{685295DD-59F1-210A-1870-68C4DB0662F0}"/>
+              </a:ext>
+            </a:extLst>
+          </p:cNvPr>
+          <p:cNvSpPr/>
+          <p:nvPr/>
+        </p:nvSpPr>
+        <p:spPr>
+          <a:xfrm>
+            <a:off x="2393334" y="3574799"/>
+            <a:ext cx="914747" cy="401444"/>
+          </a:xfrm>
+          <a:prstGeom prst="rightArrow">
+            <a:avLst/>
+          </a:prstGeom>
+        </p:spPr>
+        <p:style>
+          <a:lnRef idx="2">
+            <a:schemeClr val="dk1">
+              <a:shade val="15000"/>
+            </a:schemeClr>
+          </a:lnRef>
+          <a:fillRef idx="1">
+            <a:schemeClr val="dk1"/>
+          </a:fillRef>
+          <a:effectRef idx="0">
+            <a:schemeClr val="dk1"/>
+          </a:effectRef>
+          <a:fontRef idx="minor">
+            <a:schemeClr val="lt1"/>
+          </a:fontRef>
+        </p:style>
+        <p:txBody>
+          <a:bodyPr rtlCol="0" anchor="ctr"/>
+          <a:lstStyle/>
+          <a:p>
+            <a:pPr algn="ctr"/>
+            <a:endParaRPr lang="en-GB"/>
+          </a:p>
+        </p:txBody>
+      </p:sp>
+      <p:sp>
+        <p:nvSpPr>
+          <p:cNvPr id="15" name="Arrow: Right 14">
+            <a:extLst>
+              <a:ext uri="{FF2B5EF4-FFF2-40B4-BE49-F238E27FC236}">
+                <a16:creationId xmlns:a16="http://schemas.microsoft.com/office/drawing/2014/main" id="{9431CD41-2611-B00C-AFA6-28080EAA1F86}"/>
+              </a:ext>
+            </a:extLst>
+          </p:cNvPr>
+          <p:cNvSpPr/>
+          <p:nvPr/>
+        </p:nvSpPr>
+        <p:spPr>
+          <a:xfrm>
+            <a:off x="5417518" y="3574799"/>
+            <a:ext cx="914747" cy="401444"/>
+          </a:xfrm>
+          <a:prstGeom prst="rightArrow">
+            <a:avLst/>
+          </a:prstGeom>
+        </p:spPr>
+        <p:style>
+          <a:lnRef idx="2">
+            <a:schemeClr val="dk1">
+              <a:shade val="15000"/>
+            </a:schemeClr>
+          </a:lnRef>
+          <a:fillRef idx="1">
+            <a:schemeClr val="dk1"/>
+          </a:fillRef>
+          <a:effectRef idx="0">
+            <a:schemeClr val="dk1"/>
+          </a:effectRef>
+          <a:fontRef idx="minor">
+            <a:schemeClr val="lt1"/>
+          </a:fontRef>
+        </p:style>
+        <p:txBody>
+          <a:bodyPr rtlCol="0" anchor="ctr"/>
+          <a:lstStyle/>
+          <a:p>
+            <a:pPr algn="ctr"/>
+            <a:endParaRPr lang="en-GB"/>
+          </a:p>
+        </p:txBody>
+      </p:sp>
+      <p:sp>
+        <p:nvSpPr>
+          <p:cNvPr id="16" name="Arrow: Right 15">
+            <a:extLst>
+              <a:ext uri="{FF2B5EF4-FFF2-40B4-BE49-F238E27FC236}">
+                <a16:creationId xmlns:a16="http://schemas.microsoft.com/office/drawing/2014/main" id="{076F5F6E-FAE4-CC02-6124-E7AED170678B}"/>
+              </a:ext>
+            </a:extLst>
+          </p:cNvPr>
+          <p:cNvSpPr/>
+          <p:nvPr/>
+        </p:nvSpPr>
+        <p:spPr>
+          <a:xfrm>
+            <a:off x="8586995" y="3574799"/>
+            <a:ext cx="914747" cy="401444"/>
+          </a:xfrm>
+          <a:prstGeom prst="rightArrow">
+            <a:avLst/>
+          </a:prstGeom>
+        </p:spPr>
+        <p:style>
+          <a:lnRef idx="2">
+            <a:schemeClr val="dk1">
+              <a:shade val="15000"/>
+            </a:schemeClr>
+          </a:lnRef>
+          <a:fillRef idx="1">
+            <a:schemeClr val="dk1"/>
+          </a:fillRef>
+          <a:effectRef idx="0">
+            <a:schemeClr val="dk1"/>
+          </a:effectRef>
+          <a:fontRef idx="minor">
+            <a:schemeClr val="lt1"/>
+          </a:fontRef>
+        </p:style>
+        <p:txBody>
+          <a:bodyPr rtlCol="0" anchor="ctr"/>
+          <a:lstStyle/>
+          <a:p>
+            <a:pPr algn="ctr"/>
+            <a:endParaRPr lang="en-GB"/>
+          </a:p>
+        </p:txBody>
+      </p:sp>
+      <p:sp>
+        <p:nvSpPr>
+          <p:cNvPr id="18" name="TextBox 17">
+            <a:extLst>
+              <a:ext uri="{FF2B5EF4-FFF2-40B4-BE49-F238E27FC236}">
+                <a16:creationId xmlns:a16="http://schemas.microsoft.com/office/drawing/2014/main" id="{201DD4AC-441B-6015-D3E2-379D9EE41BF3}"/>
+              </a:ext>
+            </a:extLst>
+          </p:cNvPr>
+          <p:cNvSpPr txBox="1"/>
+          <p:nvPr/>
+        </p:nvSpPr>
+        <p:spPr>
+          <a:xfrm>
+            <a:off x="3586487" y="4506408"/>
+            <a:ext cx="1528413" cy="369332"/>
+          </a:xfrm>
+          <a:prstGeom prst="rect">
+            <a:avLst/>
+          </a:prstGeom>
+          <a:noFill/>
+        </p:spPr>
+        <p:txBody>
+          <a:bodyPr wrap="square" rtlCol="0">
+            <a:spAutoFit/>
+          </a:bodyPr>
+          <a:lstStyle/>
+          <a:p>
+            <a:r>
+              <a:rPr lang="en-GB" b="1" dirty="0"/>
+              <a:t>Data Factory</a:t>
+            </a:r>
+          </a:p>
+        </p:txBody>
+      </p:sp>
+      <p:sp>
+        <p:nvSpPr>
+          <p:cNvPr id="19" name="TextBox 18">
+            <a:extLst>
+              <a:ext uri="{FF2B5EF4-FFF2-40B4-BE49-F238E27FC236}">
+                <a16:creationId xmlns:a16="http://schemas.microsoft.com/office/drawing/2014/main" id="{78EA7B7C-F71C-664F-1563-4C0E3FC5BF4E}"/>
+              </a:ext>
+            </a:extLst>
+          </p:cNvPr>
+          <p:cNvSpPr txBox="1"/>
+          <p:nvPr/>
+        </p:nvSpPr>
+        <p:spPr>
+          <a:xfrm>
+            <a:off x="666162" y="4506408"/>
+            <a:ext cx="1528413" cy="369332"/>
+          </a:xfrm>
+          <a:prstGeom prst="rect">
+            <a:avLst/>
+          </a:prstGeom>
+          <a:noFill/>
+        </p:spPr>
+        <p:txBody>
+          <a:bodyPr wrap="square" rtlCol="0">
+            <a:spAutoFit/>
+          </a:bodyPr>
+          <a:lstStyle/>
+          <a:p>
+            <a:r>
+              <a:rPr lang="en-GB" b="1" dirty="0"/>
+              <a:t>SQL Server</a:t>
+            </a:r>
+          </a:p>
+        </p:txBody>
+      </p:sp>
+      <p:sp>
+        <p:nvSpPr>
+          <p:cNvPr id="20" name="TextBox 19">
+            <a:extLst>
+              <a:ext uri="{FF2B5EF4-FFF2-40B4-BE49-F238E27FC236}">
+                <a16:creationId xmlns:a16="http://schemas.microsoft.com/office/drawing/2014/main" id="{57C3EB61-02D8-22B4-A835-FE906E8485DF}"/>
+              </a:ext>
+            </a:extLst>
+          </p:cNvPr>
+          <p:cNvSpPr txBox="1"/>
+          <p:nvPr/>
+        </p:nvSpPr>
+        <p:spPr>
+          <a:xfrm>
+            <a:off x="6454864" y="4506408"/>
+            <a:ext cx="1921467" cy="369332"/>
+          </a:xfrm>
+          <a:prstGeom prst="rect">
+            <a:avLst/>
+          </a:prstGeom>
+          <a:noFill/>
+        </p:spPr>
+        <p:txBody>
+          <a:bodyPr wrap="square" rtlCol="0">
+            <a:spAutoFit/>
+          </a:bodyPr>
+          <a:lstStyle/>
+          <a:p>
+            <a:r>
+              <a:rPr lang="en-GB" b="1" dirty="0"/>
+              <a:t>Storage Account</a:t>
+            </a:r>
+          </a:p>
+        </p:txBody>
+      </p:sp>
+      <p:sp>
+        <p:nvSpPr>
+          <p:cNvPr id="21" name="TextBox 20">
+            <a:extLst>
+              <a:ext uri="{FF2B5EF4-FFF2-40B4-BE49-F238E27FC236}">
+                <a16:creationId xmlns:a16="http://schemas.microsoft.com/office/drawing/2014/main" id="{B4A91FB3-82E8-D67F-A21D-09BD2F1FEB5F}"/>
+              </a:ext>
+            </a:extLst>
+          </p:cNvPr>
+          <p:cNvSpPr txBox="1"/>
+          <p:nvPr/>
+        </p:nvSpPr>
+        <p:spPr>
+          <a:xfrm>
+            <a:off x="9701579" y="4506408"/>
+            <a:ext cx="1321045" cy="369332"/>
+          </a:xfrm>
+          <a:prstGeom prst="rect">
+            <a:avLst/>
+          </a:prstGeom>
+          <a:noFill/>
+        </p:spPr>
+        <p:txBody>
+          <a:bodyPr wrap="square" rtlCol="0">
+            <a:spAutoFit/>
+          </a:bodyPr>
+          <a:lstStyle/>
+          <a:p>
+            <a:r>
+              <a:rPr lang="en-GB" b="1" dirty="0"/>
+              <a:t>Databricks</a:t>
+            </a:r>
+          </a:p>
+        </p:txBody>
+      </p:sp>
+      <p:sp>
+        <p:nvSpPr>
+          <p:cNvPr id="23" name="TextBox 22">
+            <a:extLst>
+              <a:ext uri="{FF2B5EF4-FFF2-40B4-BE49-F238E27FC236}">
+                <a16:creationId xmlns:a16="http://schemas.microsoft.com/office/drawing/2014/main" id="{4042F4BC-510E-C5D2-16A6-1DB5967A5727}"/>
+              </a:ext>
+            </a:extLst>
+          </p:cNvPr>
+          <p:cNvSpPr txBox="1"/>
+          <p:nvPr/>
+        </p:nvSpPr>
+        <p:spPr>
+          <a:xfrm>
+            <a:off x="666162" y="5317082"/>
+            <a:ext cx="1463093" cy="307777"/>
+          </a:xfrm>
+          <a:prstGeom prst="rect">
+            <a:avLst/>
+          </a:prstGeom>
+          <a:solidFill>
+            <a:schemeClr val="tx2">
+              <a:lumMod val="10000"/>
+              <a:lumOff val="90000"/>
+            </a:schemeClr>
+          </a:solidFill>
+        </p:spPr>
+        <p:txBody>
+          <a:bodyPr wrap="none" rtlCol="0">
+            <a:spAutoFit/>
+          </a:bodyPr>
+          <a:lstStyle/>
+          <a:p>
+            <a:r>
+              <a:rPr lang="en-GB" sz="1400" b="1" dirty="0"/>
+              <a:t>Resource group</a:t>
+            </a:r>
+          </a:p>
+        </p:txBody>
+      </p:sp>
+    </p:spTree>
+    <p:extLst>
+      <p:ext uri="{BB962C8B-B14F-4D97-AF65-F5344CB8AC3E}">
+        <p14:creationId xmlns:p14="http://schemas.microsoft.com/office/powerpoint/2010/main" val="1889225161"/>
+      </p:ext>
+    </p:extLst>
+  </p:cSld>
+  <p:clrMapOvr>
+    <a:masterClrMapping/>
+  </p:clrMapOvr>
+</p:sld>
+</file>
+
+<file path=ppt/slides/slide80.xml><?xml version="1.0" encoding="utf-8"?>
+<p:sld xmlns:a="http://schemas.openxmlformats.org/drawingml/2006/main" xmlns:r="http://schemas.openxmlformats.org/officeDocument/2006/relationships" xmlns:p="http://schemas.openxmlformats.org/presentationml/2006/main">
+  <p:cSld>
+    <p:spTree>
+      <p:nvGrpSpPr>
+        <p:cNvPr id="1" name=""/>
+        <p:cNvGrpSpPr/>
+        <p:nvPr/>
+      </p:nvGrpSpPr>
+      <p:grpSpPr>
+        <a:xfrm>
+          <a:off x="0" y="0"/>
+          <a:ext cx="0" cy="0"/>
+          <a:chOff x="0" y="0"/>
+          <a:chExt cx="0" cy="0"/>
+        </a:xfrm>
+      </p:grpSpPr>
+      <p:sp>
+        <p:nvSpPr>
+          <p:cNvPr id="2" name="Title 1">
+            <a:extLst>
+              <a:ext uri="{FF2B5EF4-FFF2-40B4-BE49-F238E27FC236}">
+                <a16:creationId xmlns:a16="http://schemas.microsoft.com/office/drawing/2014/main" id="{71DE5ED6-49D5-43EE-E52E-844BFD80D4AE}"/>
+              </a:ext>
+            </a:extLst>
+          </p:cNvPr>
+          <p:cNvSpPr>
+            <a:spLocks noGrp="1"/>
+          </p:cNvSpPr>
+          <p:nvPr>
+            <p:ph type="title"/>
+          </p:nvPr>
+        </p:nvSpPr>
+        <p:spPr/>
+        <p:txBody>
+          <a:bodyPr/>
+          <a:lstStyle/>
+          <a:p>
+            <a:r>
+              <a:rPr lang="en-GB" dirty="0"/>
+              <a:t>Create storage account</a:t>
+            </a:r>
+          </a:p>
+        </p:txBody>
+      </p:sp>
+      <p:pic>
+        <p:nvPicPr>
+          <p:cNvPr id="11" name="Picture 10">
+            <a:extLst>
+              <a:ext uri="{FF2B5EF4-FFF2-40B4-BE49-F238E27FC236}">
+                <a16:creationId xmlns:a16="http://schemas.microsoft.com/office/drawing/2014/main" id="{3268972B-32A1-31B9-A481-6C95F1501AAC}"/>
+              </a:ext>
+            </a:extLst>
+          </p:cNvPr>
+          <p:cNvPicPr>
+            <a:picLocks noChangeAspect="1"/>
+          </p:cNvPicPr>
+          <p:nvPr/>
+        </p:nvPicPr>
+        <p:blipFill>
+          <a:blip r:embed="rId2"/>
+          <a:stretch>
+            <a:fillRect/>
+          </a:stretch>
+        </p:blipFill>
+        <p:spPr>
+          <a:xfrm>
+            <a:off x="2676047" y="2109603"/>
+            <a:ext cx="6839905" cy="2638793"/>
+          </a:xfrm>
+          <a:prstGeom prst="rect">
+            <a:avLst/>
+          </a:prstGeom>
+        </p:spPr>
+      </p:pic>
+    </p:spTree>
+    <p:extLst>
+      <p:ext uri="{BB962C8B-B14F-4D97-AF65-F5344CB8AC3E}">
+        <p14:creationId xmlns:p14="http://schemas.microsoft.com/office/powerpoint/2010/main" val="164542091"/>
+      </p:ext>
+    </p:extLst>
+  </p:cSld>
+  <p:clrMapOvr>
+    <a:masterClrMapping/>
+  </p:clrMapOvr>
+</p:sld>
+</file>
+
+<file path=ppt/slides/slide81.xml><?xml version="1.0" encoding="utf-8"?>
+<p:sld xmlns:a="http://schemas.openxmlformats.org/drawingml/2006/main" xmlns:r="http://schemas.openxmlformats.org/officeDocument/2006/relationships" xmlns:p="http://schemas.openxmlformats.org/presentationml/2006/main">
+  <p:cSld>
+    <p:spTree>
+      <p:nvGrpSpPr>
+        <p:cNvPr id="1" name=""/>
+        <p:cNvGrpSpPr/>
+        <p:nvPr/>
+      </p:nvGrpSpPr>
+      <p:grpSpPr>
+        <a:xfrm>
+          <a:off x="0" y="0"/>
+          <a:ext cx="0" cy="0"/>
+          <a:chOff x="0" y="0"/>
+          <a:chExt cx="0" cy="0"/>
+        </a:xfrm>
+      </p:grpSpPr>
+      <p:sp>
+        <p:nvSpPr>
+          <p:cNvPr id="2" name="Title 1">
+            <a:extLst>
+              <a:ext uri="{FF2B5EF4-FFF2-40B4-BE49-F238E27FC236}">
+                <a16:creationId xmlns:a16="http://schemas.microsoft.com/office/drawing/2014/main" id="{71DE5ED6-49D5-43EE-E52E-844BFD80D4AE}"/>
+              </a:ext>
+            </a:extLst>
+          </p:cNvPr>
+          <p:cNvSpPr>
+            <a:spLocks noGrp="1"/>
+          </p:cNvSpPr>
+          <p:nvPr>
+            <p:ph type="title"/>
+          </p:nvPr>
+        </p:nvSpPr>
+        <p:spPr>
+          <a:xfrm>
+            <a:off x="493644" y="0"/>
+            <a:ext cx="10515600" cy="993913"/>
+          </a:xfrm>
+        </p:spPr>
+        <p:txBody>
+          <a:bodyPr/>
+          <a:lstStyle/>
+          <a:p>
+            <a:r>
+              <a:rPr lang="en-GB" dirty="0"/>
+              <a:t>Create storage account</a:t>
+            </a:r>
+          </a:p>
+        </p:txBody>
+      </p:sp>
+      <p:pic>
+        <p:nvPicPr>
+          <p:cNvPr id="4" name="Picture 3">
+            <a:extLst>
+              <a:ext uri="{FF2B5EF4-FFF2-40B4-BE49-F238E27FC236}">
+                <a16:creationId xmlns:a16="http://schemas.microsoft.com/office/drawing/2014/main" id="{4AA5BF6B-C24C-1D45-3336-F3EA65CFDD5B}"/>
+              </a:ext>
+            </a:extLst>
+          </p:cNvPr>
+          <p:cNvPicPr>
+            <a:picLocks noChangeAspect="1"/>
+          </p:cNvPicPr>
+          <p:nvPr/>
+        </p:nvPicPr>
+        <p:blipFill>
+          <a:blip r:embed="rId2"/>
+          <a:stretch>
+            <a:fillRect/>
+          </a:stretch>
+        </p:blipFill>
+        <p:spPr>
+          <a:xfrm>
+            <a:off x="2948782" y="1139688"/>
+            <a:ext cx="5248404" cy="5718312"/>
+          </a:xfrm>
+          <a:prstGeom prst="rect">
+            <a:avLst/>
+          </a:prstGeom>
+        </p:spPr>
+      </p:pic>
+    </p:spTree>
+    <p:extLst>
+      <p:ext uri="{BB962C8B-B14F-4D97-AF65-F5344CB8AC3E}">
+        <p14:creationId xmlns:p14="http://schemas.microsoft.com/office/powerpoint/2010/main" val="2560816649"/>
+      </p:ext>
+    </p:extLst>
+  </p:cSld>
+  <p:clrMapOvr>
+    <a:masterClrMapping/>
+  </p:clrMapOvr>
+</p:sld>
+</file>
+
+<file path=ppt/slides/slide82.xml><?xml version="1.0" encoding="utf-8"?>
+<p:sld xmlns:a="http://schemas.openxmlformats.org/drawingml/2006/main" xmlns:r="http://schemas.openxmlformats.org/officeDocument/2006/relationships" xmlns:p="http://schemas.openxmlformats.org/presentationml/2006/main">
+  <p:cSld>
+    <p:spTree>
+      <p:nvGrpSpPr>
+        <p:cNvPr id="1" name=""/>
+        <p:cNvGrpSpPr/>
+        <p:nvPr/>
+      </p:nvGrpSpPr>
+      <p:grpSpPr>
+        <a:xfrm>
+          <a:off x="0" y="0"/>
+          <a:ext cx="0" cy="0"/>
+          <a:chOff x="0" y="0"/>
+          <a:chExt cx="0" cy="0"/>
+        </a:xfrm>
+      </p:grpSpPr>
+      <p:sp>
+        <p:nvSpPr>
+          <p:cNvPr id="2" name="Title 1">
+            <a:extLst>
+              <a:ext uri="{FF2B5EF4-FFF2-40B4-BE49-F238E27FC236}">
+                <a16:creationId xmlns:a16="http://schemas.microsoft.com/office/drawing/2014/main" id="{D98458D0-E1F0-10C1-6C5E-8B96093F9386}"/>
+              </a:ext>
+            </a:extLst>
+          </p:cNvPr>
+          <p:cNvSpPr>
+            <a:spLocks noGrp="1"/>
+          </p:cNvSpPr>
+          <p:nvPr>
+            <p:ph type="title"/>
+          </p:nvPr>
+        </p:nvSpPr>
+        <p:spPr/>
+        <p:txBody>
+          <a:bodyPr/>
+          <a:lstStyle/>
+          <a:p>
+            <a:r>
+              <a:rPr lang="en-GB" dirty="0"/>
+              <a:t>Create storage account</a:t>
+            </a:r>
+          </a:p>
+        </p:txBody>
+      </p:sp>
+      <p:pic>
+        <p:nvPicPr>
+          <p:cNvPr id="5" name="Content Placeholder 4">
+            <a:extLst>
+              <a:ext uri="{FF2B5EF4-FFF2-40B4-BE49-F238E27FC236}">
+                <a16:creationId xmlns:a16="http://schemas.microsoft.com/office/drawing/2014/main" id="{124BE7D9-AF93-EE5B-E2E6-9F33994C2CCD}"/>
+              </a:ext>
+            </a:extLst>
+          </p:cNvPr>
+          <p:cNvPicPr>
+            <a:picLocks noGrp="1" noChangeAspect="1"/>
+          </p:cNvPicPr>
+          <p:nvPr>
+            <p:ph idx="1"/>
+          </p:nvPr>
+        </p:nvPicPr>
+        <p:blipFill>
+          <a:blip r:embed="rId2"/>
+          <a:stretch>
+            <a:fillRect/>
+          </a:stretch>
+        </p:blipFill>
+        <p:spPr>
+          <a:xfrm>
+            <a:off x="4043010" y="1825625"/>
+            <a:ext cx="4105980" cy="4351338"/>
+          </a:xfrm>
+        </p:spPr>
+      </p:pic>
+    </p:spTree>
+    <p:extLst>
+      <p:ext uri="{BB962C8B-B14F-4D97-AF65-F5344CB8AC3E}">
+        <p14:creationId xmlns:p14="http://schemas.microsoft.com/office/powerpoint/2010/main" val="1089022972"/>
+      </p:ext>
+    </p:extLst>
+  </p:cSld>
+  <p:clrMapOvr>
+    <a:masterClrMapping/>
+  </p:clrMapOvr>
+</p:sld>
+</file>
+
+<file path=ppt/slides/slide83.xml><?xml version="1.0" encoding="utf-8"?>
+<p:sld xmlns:a="http://schemas.openxmlformats.org/drawingml/2006/main" xmlns:r="http://schemas.openxmlformats.org/officeDocument/2006/relationships" xmlns:p="http://schemas.openxmlformats.org/presentationml/2006/main">
+  <p:cSld>
+    <p:spTree>
+      <p:nvGrpSpPr>
+        <p:cNvPr id="1" name=""/>
+        <p:cNvGrpSpPr/>
+        <p:nvPr/>
+      </p:nvGrpSpPr>
+      <p:grpSpPr>
+        <a:xfrm>
+          <a:off x="0" y="0"/>
+          <a:ext cx="0" cy="0"/>
+          <a:chOff x="0" y="0"/>
+          <a:chExt cx="0" cy="0"/>
+        </a:xfrm>
+      </p:grpSpPr>
+      <p:sp>
+        <p:nvSpPr>
+          <p:cNvPr id="2" name="Title 1">
+            <a:extLst>
+              <a:ext uri="{FF2B5EF4-FFF2-40B4-BE49-F238E27FC236}">
+                <a16:creationId xmlns:a16="http://schemas.microsoft.com/office/drawing/2014/main" id="{A9855EB4-231A-B2BB-23D8-C79A11CF751E}"/>
+              </a:ext>
+            </a:extLst>
+          </p:cNvPr>
+          <p:cNvSpPr>
+            <a:spLocks noGrp="1"/>
+          </p:cNvSpPr>
+          <p:nvPr>
+            <p:ph type="title"/>
+          </p:nvPr>
+        </p:nvSpPr>
+        <p:spPr/>
+        <p:txBody>
+          <a:bodyPr/>
+          <a:lstStyle/>
+          <a:p>
+            <a:endParaRPr lang="en-GB"/>
+          </a:p>
+        </p:txBody>
+      </p:sp>
+      <p:pic>
+        <p:nvPicPr>
+          <p:cNvPr id="5" name="Picture 4">
+            <a:extLst>
+              <a:ext uri="{FF2B5EF4-FFF2-40B4-BE49-F238E27FC236}">
+                <a16:creationId xmlns:a16="http://schemas.microsoft.com/office/drawing/2014/main" id="{089D11D6-27A8-3832-4579-600DF8174797}"/>
+              </a:ext>
+            </a:extLst>
+          </p:cNvPr>
+          <p:cNvPicPr>
+            <a:picLocks noChangeAspect="1"/>
+          </p:cNvPicPr>
+          <p:nvPr/>
+        </p:nvPicPr>
+        <p:blipFill>
+          <a:blip r:embed="rId2"/>
+          <a:stretch>
+            <a:fillRect/>
+          </a:stretch>
+        </p:blipFill>
+        <p:spPr>
+          <a:xfrm>
+            <a:off x="838200" y="1341107"/>
+            <a:ext cx="4039164" cy="4734586"/>
+          </a:xfrm>
+          <a:prstGeom prst="rect">
+            <a:avLst/>
+          </a:prstGeom>
+        </p:spPr>
+      </p:pic>
+      <p:pic>
+        <p:nvPicPr>
+          <p:cNvPr id="7" name="Picture 6">
+            <a:extLst>
+              <a:ext uri="{FF2B5EF4-FFF2-40B4-BE49-F238E27FC236}">
+                <a16:creationId xmlns:a16="http://schemas.microsoft.com/office/drawing/2014/main" id="{E549190D-56FB-0FD9-281C-B653ECB693F8}"/>
+              </a:ext>
+            </a:extLst>
+          </p:cNvPr>
+          <p:cNvPicPr>
+            <a:picLocks noChangeAspect="1"/>
+          </p:cNvPicPr>
+          <p:nvPr/>
+        </p:nvPicPr>
+        <p:blipFill>
+          <a:blip r:embed="rId3"/>
+          <a:stretch>
+            <a:fillRect/>
+          </a:stretch>
+        </p:blipFill>
+        <p:spPr>
+          <a:xfrm>
+            <a:off x="5154318" y="1341107"/>
+            <a:ext cx="4220164" cy="2448267"/>
+          </a:xfrm>
+          <a:prstGeom prst="rect">
+            <a:avLst/>
+          </a:prstGeom>
+        </p:spPr>
+      </p:pic>
+    </p:spTree>
+    <p:extLst>
+      <p:ext uri="{BB962C8B-B14F-4D97-AF65-F5344CB8AC3E}">
+        <p14:creationId xmlns:p14="http://schemas.microsoft.com/office/powerpoint/2010/main" val="3413111184"/>
+      </p:ext>
+    </p:extLst>
+  </p:cSld>
+  <p:clrMapOvr>
+    <a:masterClrMapping/>
+  </p:clrMapOvr>
+</p:sld>
+</file>
+
+<file path=ppt/slides/slide84.xml><?xml version="1.0" encoding="utf-8"?>
+<p:sld xmlns:a="http://schemas.openxmlformats.org/drawingml/2006/main" xmlns:r="http://schemas.openxmlformats.org/officeDocument/2006/relationships" xmlns:p="http://schemas.openxmlformats.org/presentationml/2006/main">
+  <p:cSld>
+    <p:spTree>
+      <p:nvGrpSpPr>
+        <p:cNvPr id="1" name=""/>
+        <p:cNvGrpSpPr/>
+        <p:nvPr/>
+      </p:nvGrpSpPr>
+      <p:grpSpPr>
+        <a:xfrm>
+          <a:off x="0" y="0"/>
+          <a:ext cx="0" cy="0"/>
+          <a:chOff x="0" y="0"/>
+          <a:chExt cx="0" cy="0"/>
+        </a:xfrm>
+      </p:grpSpPr>
+      <p:sp>
+        <p:nvSpPr>
+          <p:cNvPr id="2" name="Title 1">
+            <a:extLst>
+              <a:ext uri="{FF2B5EF4-FFF2-40B4-BE49-F238E27FC236}">
+                <a16:creationId xmlns:a16="http://schemas.microsoft.com/office/drawing/2014/main" id="{4B8040E2-6B5A-FA8B-4D52-723252A920C1}"/>
+              </a:ext>
+            </a:extLst>
+          </p:cNvPr>
+          <p:cNvSpPr>
+            <a:spLocks noGrp="1"/>
+          </p:cNvSpPr>
+          <p:nvPr>
+            <p:ph type="title"/>
+          </p:nvPr>
+        </p:nvSpPr>
+        <p:spPr/>
+        <p:txBody>
+          <a:bodyPr/>
+          <a:lstStyle/>
+          <a:p>
+            <a:r>
+              <a:rPr lang="en-GB" dirty="0"/>
+              <a:t>Create Azure Data Factory (ADF)</a:t>
+            </a:r>
+          </a:p>
+        </p:txBody>
+      </p:sp>
+      <p:pic>
+        <p:nvPicPr>
+          <p:cNvPr id="7" name="Picture 6">
+            <a:extLst>
+              <a:ext uri="{FF2B5EF4-FFF2-40B4-BE49-F238E27FC236}">
+                <a16:creationId xmlns:a16="http://schemas.microsoft.com/office/drawing/2014/main" id="{16BAAA67-2AB1-6738-A98A-DB6F55F1E904}"/>
+              </a:ext>
+            </a:extLst>
+          </p:cNvPr>
+          <p:cNvPicPr>
+            <a:picLocks noChangeAspect="1"/>
+          </p:cNvPicPr>
+          <p:nvPr/>
+        </p:nvPicPr>
+        <p:blipFill>
+          <a:blip r:embed="rId2"/>
+          <a:stretch>
+            <a:fillRect/>
+          </a:stretch>
+        </p:blipFill>
+        <p:spPr>
+          <a:xfrm>
+            <a:off x="1567992" y="2066735"/>
+            <a:ext cx="6554115" cy="2724530"/>
+          </a:xfrm>
+          <a:prstGeom prst="rect">
+            <a:avLst/>
+          </a:prstGeom>
+        </p:spPr>
+      </p:pic>
+      <p:pic>
+        <p:nvPicPr>
+          <p:cNvPr id="9" name="Picture 8">
+            <a:extLst>
+              <a:ext uri="{FF2B5EF4-FFF2-40B4-BE49-F238E27FC236}">
+                <a16:creationId xmlns:a16="http://schemas.microsoft.com/office/drawing/2014/main" id="{E73A28CD-647B-8CCC-361C-593CEC1732D5}"/>
+              </a:ext>
+            </a:extLst>
+          </p:cNvPr>
+          <p:cNvPicPr>
+            <a:picLocks noChangeAspect="1"/>
+          </p:cNvPicPr>
+          <p:nvPr/>
+        </p:nvPicPr>
+        <p:blipFill>
+          <a:blip r:embed="rId3"/>
+          <a:stretch>
+            <a:fillRect/>
+          </a:stretch>
+        </p:blipFill>
+        <p:spPr>
+          <a:xfrm>
+            <a:off x="4466997" y="2219156"/>
+            <a:ext cx="3258005" cy="2419688"/>
+          </a:xfrm>
+          <a:prstGeom prst="rect">
+            <a:avLst/>
+          </a:prstGeom>
+        </p:spPr>
+      </p:pic>
+    </p:spTree>
+    <p:extLst>
+      <p:ext uri="{BB962C8B-B14F-4D97-AF65-F5344CB8AC3E}">
+        <p14:creationId xmlns:p14="http://schemas.microsoft.com/office/powerpoint/2010/main" val="2761438542"/>
+      </p:ext>
+    </p:extLst>
+  </p:cSld>
+  <p:clrMapOvr>
+    <a:masterClrMapping/>
+  </p:clrMapOvr>
+</p:sld>
+</file>
+
+<file path=ppt/slides/slide85.xml><?xml version="1.0" encoding="utf-8"?>
+<p:sld xmlns:a="http://schemas.openxmlformats.org/drawingml/2006/main" xmlns:r="http://schemas.openxmlformats.org/officeDocument/2006/relationships" xmlns:p="http://schemas.openxmlformats.org/presentationml/2006/main">
+  <p:cSld>
+    <p:spTree>
+      <p:nvGrpSpPr>
+        <p:cNvPr id="1" name=""/>
+        <p:cNvGrpSpPr/>
+        <p:nvPr/>
+      </p:nvGrpSpPr>
+      <p:grpSpPr>
+        <a:xfrm>
+          <a:off x="0" y="0"/>
+          <a:ext cx="0" cy="0"/>
+          <a:chOff x="0" y="0"/>
+          <a:chExt cx="0" cy="0"/>
+        </a:xfrm>
+      </p:grpSpPr>
+      <p:sp>
+        <p:nvSpPr>
+          <p:cNvPr id="2" name="Title 1">
+            <a:extLst>
+              <a:ext uri="{FF2B5EF4-FFF2-40B4-BE49-F238E27FC236}">
+                <a16:creationId xmlns:a16="http://schemas.microsoft.com/office/drawing/2014/main" id="{4B8040E2-6B5A-FA8B-4D52-723252A920C1}"/>
+              </a:ext>
+            </a:extLst>
+          </p:cNvPr>
+          <p:cNvSpPr>
+            <a:spLocks noGrp="1"/>
+          </p:cNvSpPr>
+          <p:nvPr>
+            <p:ph type="title"/>
+          </p:nvPr>
+        </p:nvSpPr>
+        <p:spPr/>
+        <p:txBody>
+          <a:bodyPr/>
+          <a:lstStyle/>
+          <a:p>
+            <a:r>
+              <a:rPr lang="en-GB" dirty="0"/>
+              <a:t>Create Azure Data Factory (ADF)</a:t>
+            </a:r>
+          </a:p>
+        </p:txBody>
+      </p:sp>
+      <p:pic>
+        <p:nvPicPr>
+          <p:cNvPr id="9" name="Picture 8">
+            <a:extLst>
+              <a:ext uri="{FF2B5EF4-FFF2-40B4-BE49-F238E27FC236}">
+                <a16:creationId xmlns:a16="http://schemas.microsoft.com/office/drawing/2014/main" id="{E73A28CD-647B-8CCC-361C-593CEC1732D5}"/>
+              </a:ext>
+            </a:extLst>
+          </p:cNvPr>
+          <p:cNvPicPr>
+            <a:picLocks noChangeAspect="1"/>
+          </p:cNvPicPr>
+          <p:nvPr/>
+        </p:nvPicPr>
+        <p:blipFill>
+          <a:blip r:embed="rId2"/>
+          <a:stretch>
+            <a:fillRect/>
+          </a:stretch>
+        </p:blipFill>
+        <p:spPr>
+          <a:xfrm>
+            <a:off x="2301647" y="2219156"/>
+            <a:ext cx="3258005" cy="2419688"/>
+          </a:xfrm>
+          <a:prstGeom prst="rect">
+            <a:avLst/>
+          </a:prstGeom>
+        </p:spPr>
+      </p:pic>
+    </p:spTree>
+    <p:extLst>
+      <p:ext uri="{BB962C8B-B14F-4D97-AF65-F5344CB8AC3E}">
+        <p14:creationId xmlns:p14="http://schemas.microsoft.com/office/powerpoint/2010/main" val="444765943"/>
+      </p:ext>
+    </p:extLst>
+  </p:cSld>
+  <p:clrMapOvr>
+    <a:masterClrMapping/>
+  </p:clrMapOvr>
+</p:sld>
+</file>
+
+<file path=ppt/slides/slide86.xml><?xml version="1.0" encoding="utf-8"?>
+<p:sld xmlns:a="http://schemas.openxmlformats.org/drawingml/2006/main" xmlns:r="http://schemas.openxmlformats.org/officeDocument/2006/relationships" xmlns:p="http://schemas.openxmlformats.org/presentationml/2006/main">
+  <p:cSld>
+    <p:spTree>
+      <p:nvGrpSpPr>
+        <p:cNvPr id="1" name=""/>
+        <p:cNvGrpSpPr/>
+        <p:nvPr/>
+      </p:nvGrpSpPr>
+      <p:grpSpPr>
+        <a:xfrm>
+          <a:off x="0" y="0"/>
+          <a:ext cx="0" cy="0"/>
+          <a:chOff x="0" y="0"/>
+          <a:chExt cx="0" cy="0"/>
+        </a:xfrm>
+      </p:grpSpPr>
+      <p:sp>
+        <p:nvSpPr>
+          <p:cNvPr id="2" name="Title 1">
+            <a:extLst>
+              <a:ext uri="{FF2B5EF4-FFF2-40B4-BE49-F238E27FC236}">
+                <a16:creationId xmlns:a16="http://schemas.microsoft.com/office/drawing/2014/main" id="{4B8040E2-6B5A-FA8B-4D52-723252A920C1}"/>
+              </a:ext>
+            </a:extLst>
+          </p:cNvPr>
+          <p:cNvSpPr>
+            <a:spLocks noGrp="1"/>
+          </p:cNvSpPr>
+          <p:nvPr>
+            <p:ph type="title"/>
+          </p:nvPr>
+        </p:nvSpPr>
+        <p:spPr/>
+        <p:txBody>
+          <a:bodyPr/>
+          <a:lstStyle/>
+          <a:p>
+            <a:r>
+              <a:rPr lang="en-GB" dirty="0"/>
+              <a:t>Create Azure Data Factory (ADF)</a:t>
+            </a:r>
+          </a:p>
+        </p:txBody>
+      </p:sp>
+      <p:pic>
+        <p:nvPicPr>
+          <p:cNvPr id="6" name="Picture 5">
+            <a:extLst>
+              <a:ext uri="{FF2B5EF4-FFF2-40B4-BE49-F238E27FC236}">
+                <a16:creationId xmlns:a16="http://schemas.microsoft.com/office/drawing/2014/main" id="{A3EE72BE-7E6D-0EB3-68E3-15226B7C0E10}"/>
+              </a:ext>
+            </a:extLst>
+          </p:cNvPr>
+          <p:cNvPicPr>
+            <a:picLocks noChangeAspect="1"/>
+          </p:cNvPicPr>
+          <p:nvPr/>
+        </p:nvPicPr>
+        <p:blipFill>
+          <a:blip r:embed="rId2"/>
+          <a:stretch>
+            <a:fillRect/>
+          </a:stretch>
+        </p:blipFill>
+        <p:spPr>
+          <a:xfrm>
+            <a:off x="2330450" y="1241679"/>
+            <a:ext cx="5939310" cy="5103964"/>
+          </a:xfrm>
+          <a:prstGeom prst="rect">
+            <a:avLst/>
+          </a:prstGeom>
+        </p:spPr>
+      </p:pic>
+    </p:spTree>
+    <p:extLst>
+      <p:ext uri="{BB962C8B-B14F-4D97-AF65-F5344CB8AC3E}">
+        <p14:creationId xmlns:p14="http://schemas.microsoft.com/office/powerpoint/2010/main" val="120758956"/>
+      </p:ext>
+    </p:extLst>
+  </p:cSld>
+  <p:clrMapOvr>
+    <a:masterClrMapping/>
+  </p:clrMapOvr>
+</p:sld>
+</file>
+
+<file path=ppt/slides/slide87.xml><?xml version="1.0" encoding="utf-8"?>
+<p:sld xmlns:a="http://schemas.openxmlformats.org/drawingml/2006/main" xmlns:r="http://schemas.openxmlformats.org/officeDocument/2006/relationships" xmlns:p="http://schemas.openxmlformats.org/presentationml/2006/main">
+  <p:cSld>
+    <p:spTree>
+      <p:nvGrpSpPr>
+        <p:cNvPr id="1" name=""/>
+        <p:cNvGrpSpPr/>
+        <p:nvPr/>
+      </p:nvGrpSpPr>
+      <p:grpSpPr>
+        <a:xfrm>
+          <a:off x="0" y="0"/>
+          <a:ext cx="0" cy="0"/>
+          <a:chOff x="0" y="0"/>
+          <a:chExt cx="0" cy="0"/>
+        </a:xfrm>
+      </p:grpSpPr>
+      <p:sp>
+        <p:nvSpPr>
+          <p:cNvPr id="2" name="Title 1">
+            <a:extLst>
+              <a:ext uri="{FF2B5EF4-FFF2-40B4-BE49-F238E27FC236}">
+                <a16:creationId xmlns:a16="http://schemas.microsoft.com/office/drawing/2014/main" id="{767D3F27-60C0-A37F-763F-F30EC96BFF76}"/>
+              </a:ext>
+            </a:extLst>
+          </p:cNvPr>
+          <p:cNvSpPr>
+            <a:spLocks noGrp="1"/>
+          </p:cNvSpPr>
+          <p:nvPr>
+            <p:ph type="title"/>
+          </p:nvPr>
+        </p:nvSpPr>
+        <p:spPr>
+          <a:xfrm>
+            <a:off x="838200" y="365126"/>
+            <a:ext cx="10101470" cy="1092614"/>
+          </a:xfrm>
+        </p:spPr>
+        <p:txBody>
+          <a:bodyPr/>
+          <a:lstStyle/>
+          <a:p>
+            <a:endParaRPr lang="en-GB" dirty="0"/>
+          </a:p>
+        </p:txBody>
+      </p:sp>
+      <p:pic>
+        <p:nvPicPr>
+          <p:cNvPr id="7" name="Picture 6">
+            <a:extLst>
+              <a:ext uri="{FF2B5EF4-FFF2-40B4-BE49-F238E27FC236}">
+                <a16:creationId xmlns:a16="http://schemas.microsoft.com/office/drawing/2014/main" id="{63363270-92B1-CA00-235B-6F5FBFBB4DA7}"/>
+              </a:ext>
+            </a:extLst>
+          </p:cNvPr>
+          <p:cNvPicPr>
+            <a:picLocks noChangeAspect="1"/>
+          </p:cNvPicPr>
+          <p:nvPr/>
+        </p:nvPicPr>
+        <p:blipFill>
+          <a:blip r:embed="rId2"/>
+          <a:stretch>
+            <a:fillRect/>
+          </a:stretch>
+        </p:blipFill>
+        <p:spPr>
+          <a:xfrm>
+            <a:off x="838200" y="1603639"/>
+            <a:ext cx="6207345" cy="5108588"/>
+          </a:xfrm>
+          <a:prstGeom prst="rect">
+            <a:avLst/>
+          </a:prstGeom>
+        </p:spPr>
+      </p:pic>
+    </p:spTree>
+    <p:extLst>
+      <p:ext uri="{BB962C8B-B14F-4D97-AF65-F5344CB8AC3E}">
+        <p14:creationId xmlns:p14="http://schemas.microsoft.com/office/powerpoint/2010/main" val="12475657"/>
+      </p:ext>
+    </p:extLst>
+  </p:cSld>
+  <p:clrMapOvr>
+    <a:masterClrMapping/>
+  </p:clrMapOvr>
+</p:sld>
+</file>
+
+<file path=ppt/slides/slide88.xml><?xml version="1.0" encoding="utf-8"?>
+<p:sld xmlns:a="http://schemas.openxmlformats.org/drawingml/2006/main" xmlns:r="http://schemas.openxmlformats.org/officeDocument/2006/relationships" xmlns:p="http://schemas.openxmlformats.org/presentationml/2006/main">
+  <p:cSld>
+    <p:spTree>
+      <p:nvGrpSpPr>
+        <p:cNvPr id="1" name=""/>
+        <p:cNvGrpSpPr/>
+        <p:nvPr/>
+      </p:nvGrpSpPr>
+      <p:grpSpPr>
+        <a:xfrm>
+          <a:off x="0" y="0"/>
+          <a:ext cx="0" cy="0"/>
+          <a:chOff x="0" y="0"/>
+          <a:chExt cx="0" cy="0"/>
+        </a:xfrm>
+      </p:grpSpPr>
+      <p:sp>
+        <p:nvSpPr>
+          <p:cNvPr id="2" name="Title 1">
+            <a:extLst>
+              <a:ext uri="{FF2B5EF4-FFF2-40B4-BE49-F238E27FC236}">
+                <a16:creationId xmlns:a16="http://schemas.microsoft.com/office/drawing/2014/main" id="{21017636-EA3E-8FEF-99A9-52E40CE4CEE3}"/>
+              </a:ext>
+            </a:extLst>
+          </p:cNvPr>
+          <p:cNvSpPr>
+            <a:spLocks noGrp="1"/>
+          </p:cNvSpPr>
+          <p:nvPr>
+            <p:ph type="title"/>
+          </p:nvPr>
+        </p:nvSpPr>
+        <p:spPr/>
+        <p:txBody>
+          <a:bodyPr/>
+          <a:lstStyle/>
+          <a:p>
+            <a:endParaRPr lang="en-GB"/>
+          </a:p>
+        </p:txBody>
+      </p:sp>
+      <p:pic>
+        <p:nvPicPr>
+          <p:cNvPr id="4" name="Picture 3">
+            <a:extLst>
+              <a:ext uri="{FF2B5EF4-FFF2-40B4-BE49-F238E27FC236}">
+                <a16:creationId xmlns:a16="http://schemas.microsoft.com/office/drawing/2014/main" id="{4F69654C-6DA8-2205-4B70-B0177BA26CE7}"/>
+              </a:ext>
+            </a:extLst>
+          </p:cNvPr>
+          <p:cNvPicPr>
+            <a:picLocks noChangeAspect="1"/>
+          </p:cNvPicPr>
+          <p:nvPr/>
+        </p:nvPicPr>
+        <p:blipFill>
+          <a:blip r:embed="rId2"/>
+          <a:stretch>
+            <a:fillRect/>
+          </a:stretch>
+        </p:blipFill>
+        <p:spPr>
+          <a:xfrm>
+            <a:off x="3139923" y="2035103"/>
+            <a:ext cx="5912154" cy="2787793"/>
+          </a:xfrm>
+          <a:prstGeom prst="rect">
+            <a:avLst/>
+          </a:prstGeom>
+        </p:spPr>
+      </p:pic>
+    </p:spTree>
+    <p:extLst>
+      <p:ext uri="{BB962C8B-B14F-4D97-AF65-F5344CB8AC3E}">
+        <p14:creationId xmlns:p14="http://schemas.microsoft.com/office/powerpoint/2010/main" val="1967800904"/>
+      </p:ext>
+    </p:extLst>
+  </p:cSld>
+  <p:clrMapOvr>
+    <a:masterClrMapping/>
+  </p:clrMapOvr>
+</p:sld>
+</file>
+
+<file path=ppt/slides/slide89.xml><?xml version="1.0" encoding="utf-8"?>
+<p:sld xmlns:a="http://schemas.openxmlformats.org/drawingml/2006/main" xmlns:r="http://schemas.openxmlformats.org/officeDocument/2006/relationships" xmlns:p="http://schemas.openxmlformats.org/presentationml/2006/main">
+  <p:cSld>
+    <p:spTree>
+      <p:nvGrpSpPr>
+        <p:cNvPr id="1" name=""/>
+        <p:cNvGrpSpPr/>
+        <p:nvPr/>
+      </p:nvGrpSpPr>
+      <p:grpSpPr>
+        <a:xfrm>
+          <a:off x="0" y="0"/>
+          <a:ext cx="0" cy="0"/>
+          <a:chOff x="0" y="0"/>
+          <a:chExt cx="0" cy="0"/>
+        </a:xfrm>
+      </p:grpSpPr>
+      <p:sp>
+        <p:nvSpPr>
+          <p:cNvPr id="2" name="Title 1">
+            <a:extLst>
+              <a:ext uri="{FF2B5EF4-FFF2-40B4-BE49-F238E27FC236}">
                 <a16:creationId xmlns:a16="http://schemas.microsoft.com/office/drawing/2014/main" id="{21017636-EA3E-8FEF-99A9-52E40CE4CEE3}"/>
               </a:ext>
             </a:extLst>
@@ -13546,7 +15846,99 @@
 </p:sld>
 </file>
 
-<file path=ppt/slides/slide77.xml><?xml version="1.0" encoding="utf-8"?>
+<file path=ppt/slides/slide9.xml><?xml version="1.0" encoding="utf-8"?>
+<p:sld xmlns:a="http://schemas.openxmlformats.org/drawingml/2006/main" xmlns:r="http://schemas.openxmlformats.org/officeDocument/2006/relationships" xmlns:p="http://schemas.openxmlformats.org/presentationml/2006/main">
+  <p:cSld>
+    <p:spTree>
+      <p:nvGrpSpPr>
+        <p:cNvPr id="1" name=""/>
+        <p:cNvGrpSpPr/>
+        <p:nvPr/>
+      </p:nvGrpSpPr>
+      <p:grpSpPr>
+        <a:xfrm>
+          <a:off x="0" y="0"/>
+          <a:ext cx="0" cy="0"/>
+          <a:chOff x="0" y="0"/>
+          <a:chExt cx="0" cy="0"/>
+        </a:xfrm>
+      </p:grpSpPr>
+      <p:sp>
+        <p:nvSpPr>
+          <p:cNvPr id="2" name="Title 1">
+            <a:extLst>
+              <a:ext uri="{FF2B5EF4-FFF2-40B4-BE49-F238E27FC236}">
+                <a16:creationId xmlns:a16="http://schemas.microsoft.com/office/drawing/2014/main" id="{9831B8CC-CE63-2632-A79B-DF312B723DB2}"/>
+              </a:ext>
+            </a:extLst>
+          </p:cNvPr>
+          <p:cNvSpPr>
+            <a:spLocks noGrp="1"/>
+          </p:cNvSpPr>
+          <p:nvPr>
+            <p:ph type="title"/>
+          </p:nvPr>
+        </p:nvSpPr>
+        <p:spPr/>
+        <p:txBody>
+          <a:bodyPr/>
+          <a:lstStyle/>
+          <a:p>
+            <a:r>
+              <a:rPr lang="en-GB" dirty="0"/>
+              <a:t>VS Code</a:t>
+            </a:r>
+          </a:p>
+        </p:txBody>
+      </p:sp>
+      <p:sp>
+        <p:nvSpPr>
+          <p:cNvPr id="3" name="Content Placeholder 2">
+            <a:extLst>
+              <a:ext uri="{FF2B5EF4-FFF2-40B4-BE49-F238E27FC236}">
+                <a16:creationId xmlns:a16="http://schemas.microsoft.com/office/drawing/2014/main" id="{B5E4477C-CAAB-ABF9-981B-11DA484523CD}"/>
+              </a:ext>
+            </a:extLst>
+          </p:cNvPr>
+          <p:cNvSpPr>
+            <a:spLocks noGrp="1"/>
+          </p:cNvSpPr>
+          <p:nvPr>
+            <p:ph idx="1"/>
+          </p:nvPr>
+        </p:nvSpPr>
+        <p:spPr/>
+        <p:txBody>
+          <a:bodyPr/>
+          <a:lstStyle/>
+          <a:p>
+            <a:r>
+              <a:rPr lang="en-GB" dirty="0"/>
+              <a:t>Free download</a:t>
+            </a:r>
+          </a:p>
+          <a:p>
+            <a:r>
+              <a:rPr lang="en-GB" dirty="0"/>
+              <a:t>Very large number of plug-ins/extensions – most free</a:t>
+            </a:r>
+          </a:p>
+        </p:txBody>
+      </p:sp>
+    </p:spTree>
+    <p:extLst>
+      <p:ext uri="{BB962C8B-B14F-4D97-AF65-F5344CB8AC3E}">
+        <p14:creationId xmlns:p14="http://schemas.microsoft.com/office/powerpoint/2010/main" val="3080502177"/>
+      </p:ext>
+    </p:extLst>
+  </p:cSld>
+  <p:clrMapOvr>
+    <a:masterClrMapping/>
+  </p:clrMapOvr>
+</p:sld>
+</file>
+
+<file path=ppt/slides/slide90.xml><?xml version="1.0" encoding="utf-8"?>
 <p:sld xmlns:a="http://schemas.openxmlformats.org/drawingml/2006/main" xmlns:r="http://schemas.openxmlformats.org/officeDocument/2006/relationships" xmlns:p="http://schemas.openxmlformats.org/presentationml/2006/main">
   <p:cSld>
     <p:spTree>
@@ -13576,7 +15968,7 @@
 </p:sld>
 </file>
 
-<file path=ppt/slides/slide78.xml><?xml version="1.0" encoding="utf-8"?>
+<file path=ppt/slides/slide91.xml><?xml version="1.0" encoding="utf-8"?>
 <p:sld xmlns:a="http://schemas.openxmlformats.org/drawingml/2006/main" xmlns:r="http://schemas.openxmlformats.org/officeDocument/2006/relationships" xmlns:p="http://schemas.openxmlformats.org/presentationml/2006/main">
   <p:cSld>
     <p:spTree>
@@ -13651,681 +16043,6 @@
     <p:extLst>
       <p:ext uri="{BB962C8B-B14F-4D97-AF65-F5344CB8AC3E}">
         <p14:creationId xmlns:p14="http://schemas.microsoft.com/office/powerpoint/2010/main" val="317081444"/>
-      </p:ext>
-    </p:extLst>
-  </p:cSld>
-  <p:clrMapOvr>
-    <a:masterClrMapping/>
-  </p:clrMapOvr>
-</p:sld>
-</file>
-
-<file path=ppt/slides/slide8.xml><?xml version="1.0" encoding="utf-8"?>
-<p:sld xmlns:a="http://schemas.openxmlformats.org/drawingml/2006/main" xmlns:r="http://schemas.openxmlformats.org/officeDocument/2006/relationships" xmlns:p="http://schemas.openxmlformats.org/presentationml/2006/main">
-  <p:cSld>
-    <p:spTree>
-      <p:nvGrpSpPr>
-        <p:cNvPr id="1" name=""/>
-        <p:cNvGrpSpPr/>
-        <p:nvPr/>
-      </p:nvGrpSpPr>
-      <p:grpSpPr>
-        <a:xfrm>
-          <a:off x="0" y="0"/>
-          <a:ext cx="0" cy="0"/>
-          <a:chOff x="0" y="0"/>
-          <a:chExt cx="0" cy="0"/>
-        </a:xfrm>
-      </p:grpSpPr>
-      <p:sp>
-        <p:nvSpPr>
-          <p:cNvPr id="22" name="Rectangle: Rounded Corners 21">
-            <a:extLst>
-              <a:ext uri="{FF2B5EF4-FFF2-40B4-BE49-F238E27FC236}">
-                <a16:creationId xmlns:a16="http://schemas.microsoft.com/office/drawing/2014/main" id="{2ED40CFA-8D44-1769-8FAB-C91146F46BA5}"/>
-              </a:ext>
-            </a:extLst>
-          </p:cNvPr>
-          <p:cNvSpPr/>
-          <p:nvPr/>
-        </p:nvSpPr>
-        <p:spPr>
-          <a:xfrm>
-            <a:off x="403597" y="2358521"/>
-            <a:ext cx="11186339" cy="3348596"/>
-          </a:xfrm>
-          <a:prstGeom prst="roundRect">
-            <a:avLst/>
-          </a:prstGeom>
-          <a:solidFill>
-            <a:schemeClr val="tx2">
-              <a:lumMod val="10000"/>
-              <a:lumOff val="90000"/>
-            </a:schemeClr>
-          </a:solidFill>
-          <a:ln>
-            <a:prstDash val="sysDot"/>
-          </a:ln>
-        </p:spPr>
-        <p:style>
-          <a:lnRef idx="2">
-            <a:schemeClr val="accent1">
-              <a:shade val="15000"/>
-            </a:schemeClr>
-          </a:lnRef>
-          <a:fillRef idx="1">
-            <a:schemeClr val="accent1"/>
-          </a:fillRef>
-          <a:effectRef idx="0">
-            <a:schemeClr val="accent1"/>
-          </a:effectRef>
-          <a:fontRef idx="minor">
-            <a:schemeClr val="lt1"/>
-          </a:fontRef>
-        </p:style>
-        <p:txBody>
-          <a:bodyPr rtlCol="0" anchor="ctr"/>
-          <a:lstStyle/>
-          <a:p>
-            <a:pPr algn="ctr"/>
-            <a:r>
-              <a:rPr lang="en-GB" dirty="0"/>
-              <a:t>Res</a:t>
-            </a:r>
-          </a:p>
-        </p:txBody>
-      </p:sp>
-      <p:sp>
-        <p:nvSpPr>
-          <p:cNvPr id="2" name="Title 1">
-            <a:extLst>
-              <a:ext uri="{FF2B5EF4-FFF2-40B4-BE49-F238E27FC236}">
-                <a16:creationId xmlns:a16="http://schemas.microsoft.com/office/drawing/2014/main" id="{2C3F64A2-3986-B347-A058-E0F2DBC29E55}"/>
-              </a:ext>
-            </a:extLst>
-          </p:cNvPr>
-          <p:cNvSpPr>
-            <a:spLocks noGrp="1"/>
-          </p:cNvSpPr>
-          <p:nvPr>
-            <p:ph type="title"/>
-          </p:nvPr>
-        </p:nvSpPr>
-        <p:spPr>
-          <a:xfrm>
-            <a:off x="403597" y="724953"/>
-            <a:ext cx="10515600" cy="1325563"/>
-          </a:xfrm>
-        </p:spPr>
-        <p:txBody>
-          <a:bodyPr/>
-          <a:lstStyle/>
-          <a:p>
-            <a:r>
-              <a:rPr lang="en-GB" dirty="0"/>
-              <a:t>Data engineering using your free credits</a:t>
-            </a:r>
-          </a:p>
-        </p:txBody>
-      </p:sp>
-      <p:pic>
-        <p:nvPicPr>
-          <p:cNvPr id="5" name="Graphic 4">
-            <a:extLst>
-              <a:ext uri="{FF2B5EF4-FFF2-40B4-BE49-F238E27FC236}">
-                <a16:creationId xmlns:a16="http://schemas.microsoft.com/office/drawing/2014/main" id="{6109C887-88C2-EB14-3C23-4088C2464EFD}"/>
-              </a:ext>
-            </a:extLst>
-          </p:cNvPr>
-          <p:cNvPicPr>
-            <a:picLocks noChangeAspect="1"/>
-          </p:cNvPicPr>
-          <p:nvPr/>
-        </p:nvPicPr>
-        <p:blipFill>
-          <a:blip r:embed="rId3">
-            <a:extLst>
-              <a:ext uri="{96DAC541-7B7A-43D3-8B79-37D633B846F1}">
-                <asvg:svgBlip xmlns:asvg="http://schemas.microsoft.com/office/drawing/2016/SVG/main" r:embed="rId4"/>
-              </a:ext>
-            </a:extLst>
-          </a:blip>
-          <a:stretch>
-            <a:fillRect/>
-          </a:stretch>
-        </p:blipFill>
-        <p:spPr>
-          <a:xfrm flipH="1">
-            <a:off x="3601203" y="2884583"/>
-            <a:ext cx="1381530" cy="1624515"/>
-          </a:xfrm>
-          <a:prstGeom prst="rect">
-            <a:avLst/>
-          </a:prstGeom>
-        </p:spPr>
-      </p:pic>
-      <p:pic>
-        <p:nvPicPr>
-          <p:cNvPr id="9" name="Graphic 8">
-            <a:extLst>
-              <a:ext uri="{FF2B5EF4-FFF2-40B4-BE49-F238E27FC236}">
-                <a16:creationId xmlns:a16="http://schemas.microsoft.com/office/drawing/2014/main" id="{0AB9DAB6-8B04-09F1-1152-76D099FB0D09}"/>
-              </a:ext>
-            </a:extLst>
-          </p:cNvPr>
-          <p:cNvPicPr>
-            <a:picLocks noChangeAspect="1"/>
-          </p:cNvPicPr>
-          <p:nvPr/>
-        </p:nvPicPr>
-        <p:blipFill>
-          <a:blip r:embed="rId5">
-            <a:extLst>
-              <a:ext uri="{96DAC541-7B7A-43D3-8B79-37D633B846F1}">
-                <asvg:svgBlip xmlns:asvg="http://schemas.microsoft.com/office/drawing/2016/SVG/main" r:embed="rId6"/>
-              </a:ext>
-            </a:extLst>
-          </a:blip>
-          <a:stretch>
-            <a:fillRect/>
-          </a:stretch>
-        </p:blipFill>
-        <p:spPr>
-          <a:xfrm>
-            <a:off x="6598758" y="2881893"/>
-            <a:ext cx="1577794" cy="1624515"/>
-          </a:xfrm>
-          <a:prstGeom prst="rect">
-            <a:avLst/>
-          </a:prstGeom>
-        </p:spPr>
-      </p:pic>
-      <p:pic>
-        <p:nvPicPr>
-          <p:cNvPr id="11" name="Graphic 10">
-            <a:extLst>
-              <a:ext uri="{FF2B5EF4-FFF2-40B4-BE49-F238E27FC236}">
-                <a16:creationId xmlns:a16="http://schemas.microsoft.com/office/drawing/2014/main" id="{B9C4B2FA-2944-D6F9-2824-EF5252AD5A7B}"/>
-              </a:ext>
-            </a:extLst>
-          </p:cNvPr>
-          <p:cNvPicPr>
-            <a:picLocks noChangeAspect="1"/>
-          </p:cNvPicPr>
-          <p:nvPr/>
-        </p:nvPicPr>
-        <p:blipFill>
-          <a:blip r:embed="rId7">
-            <a:extLst>
-              <a:ext uri="{96DAC541-7B7A-43D3-8B79-37D633B846F1}">
-                <asvg:svgBlip xmlns:asvg="http://schemas.microsoft.com/office/drawing/2016/SVG/main" r:embed="rId8"/>
-              </a:ext>
-            </a:extLst>
-          </a:blip>
-          <a:stretch>
-            <a:fillRect/>
-          </a:stretch>
-        </p:blipFill>
-        <p:spPr>
-          <a:xfrm>
-            <a:off x="602064" y="2881893"/>
-            <a:ext cx="1577795" cy="1624516"/>
-          </a:xfrm>
-          <a:prstGeom prst="rect">
-            <a:avLst/>
-          </a:prstGeom>
-        </p:spPr>
-      </p:pic>
-      <p:pic>
-        <p:nvPicPr>
-          <p:cNvPr id="13" name="Graphic 12">
-            <a:extLst>
-              <a:ext uri="{FF2B5EF4-FFF2-40B4-BE49-F238E27FC236}">
-                <a16:creationId xmlns:a16="http://schemas.microsoft.com/office/drawing/2014/main" id="{09D90857-96C6-0E6F-EB6B-44EEBC3A1E1E}"/>
-              </a:ext>
-            </a:extLst>
-          </p:cNvPr>
-          <p:cNvPicPr>
-            <a:picLocks noChangeAspect="1"/>
-          </p:cNvPicPr>
-          <p:nvPr/>
-        </p:nvPicPr>
-        <p:blipFill>
-          <a:blip r:embed="rId9">
-            <a:extLst>
-              <a:ext uri="{96DAC541-7B7A-43D3-8B79-37D633B846F1}">
-                <asvg:svgBlip xmlns:asvg="http://schemas.microsoft.com/office/drawing/2016/SVG/main" r:embed="rId10"/>
-              </a:ext>
-            </a:extLst>
-          </a:blip>
-          <a:stretch>
-            <a:fillRect/>
-          </a:stretch>
-        </p:blipFill>
-        <p:spPr>
-          <a:xfrm>
-            <a:off x="9597896" y="2881893"/>
-            <a:ext cx="1528413" cy="1627205"/>
-          </a:xfrm>
-          <a:prstGeom prst="rect">
-            <a:avLst/>
-          </a:prstGeom>
-        </p:spPr>
-      </p:pic>
-      <p:sp>
-        <p:nvSpPr>
-          <p:cNvPr id="14" name="Arrow: Right 13">
-            <a:extLst>
-              <a:ext uri="{FF2B5EF4-FFF2-40B4-BE49-F238E27FC236}">
-                <a16:creationId xmlns:a16="http://schemas.microsoft.com/office/drawing/2014/main" id="{685295DD-59F1-210A-1870-68C4DB0662F0}"/>
-              </a:ext>
-            </a:extLst>
-          </p:cNvPr>
-          <p:cNvSpPr/>
-          <p:nvPr/>
-        </p:nvSpPr>
-        <p:spPr>
-          <a:xfrm>
-            <a:off x="2393334" y="3574799"/>
-            <a:ext cx="914747" cy="401444"/>
-          </a:xfrm>
-          <a:prstGeom prst="rightArrow">
-            <a:avLst/>
-          </a:prstGeom>
-        </p:spPr>
-        <p:style>
-          <a:lnRef idx="2">
-            <a:schemeClr val="dk1">
-              <a:shade val="15000"/>
-            </a:schemeClr>
-          </a:lnRef>
-          <a:fillRef idx="1">
-            <a:schemeClr val="dk1"/>
-          </a:fillRef>
-          <a:effectRef idx="0">
-            <a:schemeClr val="dk1"/>
-          </a:effectRef>
-          <a:fontRef idx="minor">
-            <a:schemeClr val="lt1"/>
-          </a:fontRef>
-        </p:style>
-        <p:txBody>
-          <a:bodyPr rtlCol="0" anchor="ctr"/>
-          <a:lstStyle/>
-          <a:p>
-            <a:pPr algn="ctr"/>
-            <a:endParaRPr lang="en-GB"/>
-          </a:p>
-        </p:txBody>
-      </p:sp>
-      <p:sp>
-        <p:nvSpPr>
-          <p:cNvPr id="15" name="Arrow: Right 14">
-            <a:extLst>
-              <a:ext uri="{FF2B5EF4-FFF2-40B4-BE49-F238E27FC236}">
-                <a16:creationId xmlns:a16="http://schemas.microsoft.com/office/drawing/2014/main" id="{9431CD41-2611-B00C-AFA6-28080EAA1F86}"/>
-              </a:ext>
-            </a:extLst>
-          </p:cNvPr>
-          <p:cNvSpPr/>
-          <p:nvPr/>
-        </p:nvSpPr>
-        <p:spPr>
-          <a:xfrm>
-            <a:off x="5417518" y="3574799"/>
-            <a:ext cx="914747" cy="401444"/>
-          </a:xfrm>
-          <a:prstGeom prst="rightArrow">
-            <a:avLst/>
-          </a:prstGeom>
-        </p:spPr>
-        <p:style>
-          <a:lnRef idx="2">
-            <a:schemeClr val="dk1">
-              <a:shade val="15000"/>
-            </a:schemeClr>
-          </a:lnRef>
-          <a:fillRef idx="1">
-            <a:schemeClr val="dk1"/>
-          </a:fillRef>
-          <a:effectRef idx="0">
-            <a:schemeClr val="dk1"/>
-          </a:effectRef>
-          <a:fontRef idx="minor">
-            <a:schemeClr val="lt1"/>
-          </a:fontRef>
-        </p:style>
-        <p:txBody>
-          <a:bodyPr rtlCol="0" anchor="ctr"/>
-          <a:lstStyle/>
-          <a:p>
-            <a:pPr algn="ctr"/>
-            <a:endParaRPr lang="en-GB"/>
-          </a:p>
-        </p:txBody>
-      </p:sp>
-      <p:sp>
-        <p:nvSpPr>
-          <p:cNvPr id="16" name="Arrow: Right 15">
-            <a:extLst>
-              <a:ext uri="{FF2B5EF4-FFF2-40B4-BE49-F238E27FC236}">
-                <a16:creationId xmlns:a16="http://schemas.microsoft.com/office/drawing/2014/main" id="{076F5F6E-FAE4-CC02-6124-E7AED170678B}"/>
-              </a:ext>
-            </a:extLst>
-          </p:cNvPr>
-          <p:cNvSpPr/>
-          <p:nvPr/>
-        </p:nvSpPr>
-        <p:spPr>
-          <a:xfrm>
-            <a:off x="8586995" y="3574799"/>
-            <a:ext cx="914747" cy="401444"/>
-          </a:xfrm>
-          <a:prstGeom prst="rightArrow">
-            <a:avLst/>
-          </a:prstGeom>
-        </p:spPr>
-        <p:style>
-          <a:lnRef idx="2">
-            <a:schemeClr val="dk1">
-              <a:shade val="15000"/>
-            </a:schemeClr>
-          </a:lnRef>
-          <a:fillRef idx="1">
-            <a:schemeClr val="dk1"/>
-          </a:fillRef>
-          <a:effectRef idx="0">
-            <a:schemeClr val="dk1"/>
-          </a:effectRef>
-          <a:fontRef idx="minor">
-            <a:schemeClr val="lt1"/>
-          </a:fontRef>
-        </p:style>
-        <p:txBody>
-          <a:bodyPr rtlCol="0" anchor="ctr"/>
-          <a:lstStyle/>
-          <a:p>
-            <a:pPr algn="ctr"/>
-            <a:endParaRPr lang="en-GB"/>
-          </a:p>
-        </p:txBody>
-      </p:sp>
-      <p:sp>
-        <p:nvSpPr>
-          <p:cNvPr id="18" name="TextBox 17">
-            <a:extLst>
-              <a:ext uri="{FF2B5EF4-FFF2-40B4-BE49-F238E27FC236}">
-                <a16:creationId xmlns:a16="http://schemas.microsoft.com/office/drawing/2014/main" id="{201DD4AC-441B-6015-D3E2-379D9EE41BF3}"/>
-              </a:ext>
-            </a:extLst>
-          </p:cNvPr>
-          <p:cNvSpPr txBox="1"/>
-          <p:nvPr/>
-        </p:nvSpPr>
-        <p:spPr>
-          <a:xfrm>
-            <a:off x="3586487" y="4506408"/>
-            <a:ext cx="1528413" cy="369332"/>
-          </a:xfrm>
-          <a:prstGeom prst="rect">
-            <a:avLst/>
-          </a:prstGeom>
-          <a:noFill/>
-        </p:spPr>
-        <p:txBody>
-          <a:bodyPr wrap="square" rtlCol="0">
-            <a:spAutoFit/>
-          </a:bodyPr>
-          <a:lstStyle/>
-          <a:p>
-            <a:r>
-              <a:rPr lang="en-GB" b="1" dirty="0"/>
-              <a:t>Data Factory</a:t>
-            </a:r>
-          </a:p>
-        </p:txBody>
-      </p:sp>
-      <p:sp>
-        <p:nvSpPr>
-          <p:cNvPr id="19" name="TextBox 18">
-            <a:extLst>
-              <a:ext uri="{FF2B5EF4-FFF2-40B4-BE49-F238E27FC236}">
-                <a16:creationId xmlns:a16="http://schemas.microsoft.com/office/drawing/2014/main" id="{78EA7B7C-F71C-664F-1563-4C0E3FC5BF4E}"/>
-              </a:ext>
-            </a:extLst>
-          </p:cNvPr>
-          <p:cNvSpPr txBox="1"/>
-          <p:nvPr/>
-        </p:nvSpPr>
-        <p:spPr>
-          <a:xfrm>
-            <a:off x="666162" y="4506408"/>
-            <a:ext cx="1528413" cy="369332"/>
-          </a:xfrm>
-          <a:prstGeom prst="rect">
-            <a:avLst/>
-          </a:prstGeom>
-          <a:noFill/>
-        </p:spPr>
-        <p:txBody>
-          <a:bodyPr wrap="square" rtlCol="0">
-            <a:spAutoFit/>
-          </a:bodyPr>
-          <a:lstStyle/>
-          <a:p>
-            <a:r>
-              <a:rPr lang="en-GB" b="1" dirty="0"/>
-              <a:t>SQL Server</a:t>
-            </a:r>
-          </a:p>
-        </p:txBody>
-      </p:sp>
-      <p:sp>
-        <p:nvSpPr>
-          <p:cNvPr id="20" name="TextBox 19">
-            <a:extLst>
-              <a:ext uri="{FF2B5EF4-FFF2-40B4-BE49-F238E27FC236}">
-                <a16:creationId xmlns:a16="http://schemas.microsoft.com/office/drawing/2014/main" id="{57C3EB61-02D8-22B4-A835-FE906E8485DF}"/>
-              </a:ext>
-            </a:extLst>
-          </p:cNvPr>
-          <p:cNvSpPr txBox="1"/>
-          <p:nvPr/>
-        </p:nvSpPr>
-        <p:spPr>
-          <a:xfrm>
-            <a:off x="6454864" y="4506408"/>
-            <a:ext cx="1921467" cy="369332"/>
-          </a:xfrm>
-          <a:prstGeom prst="rect">
-            <a:avLst/>
-          </a:prstGeom>
-          <a:noFill/>
-        </p:spPr>
-        <p:txBody>
-          <a:bodyPr wrap="square" rtlCol="0">
-            <a:spAutoFit/>
-          </a:bodyPr>
-          <a:lstStyle/>
-          <a:p>
-            <a:r>
-              <a:rPr lang="en-GB" b="1" dirty="0"/>
-              <a:t>Storage Account</a:t>
-            </a:r>
-          </a:p>
-        </p:txBody>
-      </p:sp>
-      <p:sp>
-        <p:nvSpPr>
-          <p:cNvPr id="21" name="TextBox 20">
-            <a:extLst>
-              <a:ext uri="{FF2B5EF4-FFF2-40B4-BE49-F238E27FC236}">
-                <a16:creationId xmlns:a16="http://schemas.microsoft.com/office/drawing/2014/main" id="{B4A91FB3-82E8-D67F-A21D-09BD2F1FEB5F}"/>
-              </a:ext>
-            </a:extLst>
-          </p:cNvPr>
-          <p:cNvSpPr txBox="1"/>
-          <p:nvPr/>
-        </p:nvSpPr>
-        <p:spPr>
-          <a:xfrm>
-            <a:off x="9701579" y="4506408"/>
-            <a:ext cx="1321045" cy="369332"/>
-          </a:xfrm>
-          <a:prstGeom prst="rect">
-            <a:avLst/>
-          </a:prstGeom>
-          <a:noFill/>
-        </p:spPr>
-        <p:txBody>
-          <a:bodyPr wrap="square" rtlCol="0">
-            <a:spAutoFit/>
-          </a:bodyPr>
-          <a:lstStyle/>
-          <a:p>
-            <a:r>
-              <a:rPr lang="en-GB" b="1" dirty="0"/>
-              <a:t>Databricks</a:t>
-            </a:r>
-          </a:p>
-        </p:txBody>
-      </p:sp>
-      <p:sp>
-        <p:nvSpPr>
-          <p:cNvPr id="23" name="TextBox 22">
-            <a:extLst>
-              <a:ext uri="{FF2B5EF4-FFF2-40B4-BE49-F238E27FC236}">
-                <a16:creationId xmlns:a16="http://schemas.microsoft.com/office/drawing/2014/main" id="{4042F4BC-510E-C5D2-16A6-1DB5967A5727}"/>
-              </a:ext>
-            </a:extLst>
-          </p:cNvPr>
-          <p:cNvSpPr txBox="1"/>
-          <p:nvPr/>
-        </p:nvSpPr>
-        <p:spPr>
-          <a:xfrm>
-            <a:off x="666162" y="5317082"/>
-            <a:ext cx="1463093" cy="307777"/>
-          </a:xfrm>
-          <a:prstGeom prst="rect">
-            <a:avLst/>
-          </a:prstGeom>
-          <a:solidFill>
-            <a:schemeClr val="tx2">
-              <a:lumMod val="10000"/>
-              <a:lumOff val="90000"/>
-            </a:schemeClr>
-          </a:solidFill>
-        </p:spPr>
-        <p:txBody>
-          <a:bodyPr wrap="none" rtlCol="0">
-            <a:spAutoFit/>
-          </a:bodyPr>
-          <a:lstStyle/>
-          <a:p>
-            <a:r>
-              <a:rPr lang="en-GB" sz="1400" b="1" dirty="0"/>
-              <a:t>Resource group</a:t>
-            </a:r>
-          </a:p>
-        </p:txBody>
-      </p:sp>
-    </p:spTree>
-    <p:extLst>
-      <p:ext uri="{BB962C8B-B14F-4D97-AF65-F5344CB8AC3E}">
-        <p14:creationId xmlns:p14="http://schemas.microsoft.com/office/powerpoint/2010/main" val="1889225161"/>
-      </p:ext>
-    </p:extLst>
-  </p:cSld>
-  <p:clrMapOvr>
-    <a:masterClrMapping/>
-  </p:clrMapOvr>
-</p:sld>
-</file>
-
-<file path=ppt/slides/slide9.xml><?xml version="1.0" encoding="utf-8"?>
-<p:sld xmlns:a="http://schemas.openxmlformats.org/drawingml/2006/main" xmlns:r="http://schemas.openxmlformats.org/officeDocument/2006/relationships" xmlns:p="http://schemas.openxmlformats.org/presentationml/2006/main">
-  <p:cSld>
-    <p:spTree>
-      <p:nvGrpSpPr>
-        <p:cNvPr id="1" name=""/>
-        <p:cNvGrpSpPr/>
-        <p:nvPr/>
-      </p:nvGrpSpPr>
-      <p:grpSpPr>
-        <a:xfrm>
-          <a:off x="0" y="0"/>
-          <a:ext cx="0" cy="0"/>
-          <a:chOff x="0" y="0"/>
-          <a:chExt cx="0" cy="0"/>
-        </a:xfrm>
-      </p:grpSpPr>
-      <p:sp>
-        <p:nvSpPr>
-          <p:cNvPr id="2" name="Title 1">
-            <a:extLst>
-              <a:ext uri="{FF2B5EF4-FFF2-40B4-BE49-F238E27FC236}">
-                <a16:creationId xmlns:a16="http://schemas.microsoft.com/office/drawing/2014/main" id="{9831B8CC-CE63-2632-A79B-DF312B723DB2}"/>
-              </a:ext>
-            </a:extLst>
-          </p:cNvPr>
-          <p:cNvSpPr>
-            <a:spLocks noGrp="1"/>
-          </p:cNvSpPr>
-          <p:nvPr>
-            <p:ph type="title"/>
-          </p:nvPr>
-        </p:nvSpPr>
-        <p:spPr/>
-        <p:txBody>
-          <a:bodyPr/>
-          <a:lstStyle/>
-          <a:p>
-            <a:r>
-              <a:rPr lang="en-GB" dirty="0"/>
-              <a:t>VS Code</a:t>
-            </a:r>
-          </a:p>
-        </p:txBody>
-      </p:sp>
-      <p:sp>
-        <p:nvSpPr>
-          <p:cNvPr id="3" name="Content Placeholder 2">
-            <a:extLst>
-              <a:ext uri="{FF2B5EF4-FFF2-40B4-BE49-F238E27FC236}">
-                <a16:creationId xmlns:a16="http://schemas.microsoft.com/office/drawing/2014/main" id="{B5E4477C-CAAB-ABF9-981B-11DA484523CD}"/>
-              </a:ext>
-            </a:extLst>
-          </p:cNvPr>
-          <p:cNvSpPr>
-            <a:spLocks noGrp="1"/>
-          </p:cNvSpPr>
-          <p:nvPr>
-            <p:ph idx="1"/>
-          </p:nvPr>
-        </p:nvSpPr>
-        <p:spPr/>
-        <p:txBody>
-          <a:bodyPr/>
-          <a:lstStyle/>
-          <a:p>
-            <a:r>
-              <a:rPr lang="en-GB" dirty="0"/>
-              <a:t>Free download</a:t>
-            </a:r>
-          </a:p>
-          <a:p>
-            <a:r>
-              <a:rPr lang="en-GB" dirty="0"/>
-              <a:t>Very large number of plug-ins/extensions – most free</a:t>
-            </a:r>
-          </a:p>
-        </p:txBody>
-      </p:sp>
-    </p:spTree>
-    <p:extLst>
-      <p:ext uri="{BB962C8B-B14F-4D97-AF65-F5344CB8AC3E}">
-        <p14:creationId xmlns:p14="http://schemas.microsoft.com/office/powerpoint/2010/main" val="3080502177"/>
       </p:ext>
     </p:extLst>
   </p:cSld>

--- a/Data Engineering Using Free Tools/Learn Data Engineering For Free.pptx
+++ b/Data Engineering Using Free Tools/Learn Data Engineering For Free.pptx
@@ -367,8 +367,11 @@
     </a:lvl9pPr>
   </p:defaultTextStyle>
   <p:extLst>
+    <p:ext uri="{EFAFB233-063F-42B5-8137-9DF3F51BA10A}">
+      <p15:sldGuideLst xmlns:p15="http://schemas.microsoft.com/office/powerpoint/2012/main"/>
+    </p:ext>
     <p:ext uri="GoogleSlidesCustomDataVersion2">
-      <go:slidesCustomData xmlns:go="http://customooxmlschemas.google.com/" xmlns:ahyp="http://schemas.microsoft.com/office/drawing/2018/hyperlinkcolor" xmlns:p15="http://schemas.microsoft.com/office/powerpoint/2012/main" xmlns:p14="http://schemas.microsoft.com/office/powerpoint/2010/main" xmlns:com="http://schemas.openxmlformats.org/drawingml/2006/compatibility" xmlns:pvml="urn:schemas-microsoft-com:office:powerpoint" xmlns:v="urn:schemas-microsoft-com:vml" xmlns:o="urn:schemas-microsoft-com:office:office" xmlns:dgm="http://schemas.openxmlformats.org/drawingml/2006/diagram" xmlns:c="http://schemas.openxmlformats.org/drawingml/2006/chart" xmlns:mv="urn:schemas-microsoft-com:mac:vml" xmlns:mc="http://schemas.openxmlformats.org/markup-compatibility/2006" xmlns="" r:id="rId121" roundtripDataSignature="AMtx7mjfBPD4zcRyFOakZxj0Wu5uQHlzcQ=="/>
+      <go:slidesCustomData xmlns="" xmlns:mc="http://schemas.openxmlformats.org/markup-compatibility/2006" xmlns:mv="urn:schemas-microsoft-com:mac:vml" xmlns:c="http://schemas.openxmlformats.org/drawingml/2006/chart" xmlns:dgm="http://schemas.openxmlformats.org/drawingml/2006/diagram" xmlns:o="urn:schemas-microsoft-com:office:office" xmlns:v="urn:schemas-microsoft-com:vml" xmlns:pvml="urn:schemas-microsoft-com:office:powerpoint" xmlns:com="http://schemas.openxmlformats.org/drawingml/2006/compatibility" xmlns:p14="http://schemas.microsoft.com/office/powerpoint/2010/main" xmlns:p15="http://schemas.microsoft.com/office/powerpoint/2012/main" xmlns:ahyp="http://schemas.microsoft.com/office/drawing/2018/hyperlinkcolor" xmlns:go="http://customooxmlschemas.google.com/" r:id="rId121" roundtripDataSignature="AMtx7mjfBPD4zcRyFOakZxj0Wu5uQHlzcQ=="/>
     </p:ext>
   </p:extLst>
 </p:presentation>
@@ -28275,56 +28278,6 @@
       </p:sp>
       <p:sp>
         <p:nvSpPr>
-          <p:cNvPr id="195" name="Google Shape;195;g30ccb334bf1_0_120"/>
-          <p:cNvSpPr txBox="1"/>
-          <p:nvPr/>
-        </p:nvSpPr>
-        <p:spPr>
-          <a:xfrm>
-            <a:off x="9701579" y="4506408"/>
-            <a:ext cx="1320900" cy="646500"/>
-          </a:xfrm>
-          <a:prstGeom prst="rect">
-            <a:avLst/>
-          </a:prstGeom>
-          <a:noFill/>
-          <a:ln>
-            <a:noFill/>
-          </a:ln>
-        </p:spPr>
-        <p:txBody>
-          <a:bodyPr spcFirstLastPara="1" wrap="square" lIns="91425" tIns="45700" rIns="91425" bIns="45700" anchor="t" anchorCtr="0">
-            <a:spAutoFit/>
-          </a:bodyPr>
-          <a:lstStyle/>
-          <a:p>
-            <a:pPr marL="0" marR="0" lvl="0" indent="0" algn="l" rtl="0">
-              <a:spcBef>
-                <a:spcPts val="0"/>
-              </a:spcBef>
-              <a:spcAft>
-                <a:spcPts val="0"/>
-              </a:spcAft>
-              <a:buNone/>
-            </a:pPr>
-            <a:r>
-              <a:rPr lang="en-GB" sz="1800" b="1">
-                <a:solidFill>
-                  <a:schemeClr val="dk1"/>
-                </a:solidFill>
-                <a:latin typeface="Arial"/>
-                <a:ea typeface="Arial"/>
-                <a:cs typeface="Arial"/>
-                <a:sym typeface="Arial"/>
-              </a:rPr>
-              <a:t>Databricks</a:t>
-            </a:r>
-            <a:endParaRPr/>
-          </a:p>
-        </p:txBody>
-      </p:sp>
-      <p:sp>
-        <p:nvSpPr>
           <p:cNvPr id="196" name="Google Shape;196;g30ccb334bf1_0_120"/>
           <p:cNvSpPr txBox="1"/>
           <p:nvPr/>
@@ -30649,11 +30602,11 @@
               <a:buChar char="•"/>
             </a:pPr>
             <a:r>
-              <a:rPr lang="en-GB"/>
+              <a:rPr lang="en-GB" dirty="0"/>
               <a:t>Install by following links from: </a:t>
             </a:r>
             <a:r>
-              <a:rPr lang="en-GB">
+              <a:rPr lang="en-GB" dirty="0">
                 <a:solidFill>
                   <a:schemeClr val="hlink"/>
                 </a:solidFill>
@@ -30664,7 +30617,7 @@
               </a:rPr>
               <a:t>https://learn.microsoft.com/en-us/cli/azure/install-azure-cli</a:t>
             </a:r>
-            <a:endParaRPr/>
+            <a:endParaRPr dirty="0"/>
           </a:p>
           <a:p>
             <a:pPr marL="228600" lvl="0" indent="-228600" algn="l" rtl="0">
@@ -30684,10 +30637,10 @@
               <a:buChar char="•"/>
             </a:pPr>
             <a:r>
-              <a:rPr lang="en-GB"/>
-              <a:t>For VS Code:</a:t>
+              <a:rPr lang="en-GB" dirty="0"/>
+              <a:t>VS Code extensions:</a:t>
             </a:r>
-            <a:endParaRPr/>
+            <a:endParaRPr dirty="0"/>
           </a:p>
           <a:p>
             <a:pPr marL="685800" lvl="1" indent="-228600" algn="l" rtl="0">
@@ -30707,10 +30660,10 @@
               <a:buChar char="•"/>
             </a:pPr>
             <a:r>
-              <a:rPr lang="en-GB"/>
+              <a:rPr lang="en-GB" dirty="0"/>
               <a:t>Azure CLI Tools</a:t>
             </a:r>
-            <a:endParaRPr/>
+            <a:endParaRPr dirty="0"/>
           </a:p>
           <a:p>
             <a:pPr marL="685800" lvl="1" indent="-228600" algn="l" rtl="0">
@@ -30730,10 +30683,10 @@
               <a:buChar char="•"/>
             </a:pPr>
             <a:r>
-              <a:rPr lang="en-GB"/>
+              <a:rPr lang="en-GB" dirty="0"/>
               <a:t>Azure Developer CLI</a:t>
             </a:r>
-            <a:endParaRPr/>
+            <a:endParaRPr dirty="0"/>
           </a:p>
           <a:p>
             <a:pPr marL="228600" lvl="0" indent="-50800" algn="l" rtl="0">
@@ -30752,7 +30705,7 @@
               <a:buSzPts val="2800"/>
               <a:buNone/>
             </a:pPr>
-            <a:endParaRPr/>
+            <a:endParaRPr dirty="0"/>
           </a:p>
         </p:txBody>
       </p:sp>

--- a/Data Engineering Using Free Tools/Learn Data Engineering For Free.pptx
+++ b/Data Engineering Using Free Tools/Learn Data Engineering For Free.pptx
@@ -5,7 +5,7 @@
     <p:sldMasterId id="2147483648" r:id="rId1"/>
   </p:sldMasterIdLst>
   <p:notesMasterIdLst>
-    <p:notesMasterId r:id="rId114"/>
+    <p:notesMasterId r:id="rId112"/>
   </p:notesMasterIdLst>
   <p:sldIdLst>
     <p:sldId id="256" r:id="rId2"/>
@@ -59,82 +59,80 @@
     <p:sldId id="300" r:id="rId50"/>
     <p:sldId id="301" r:id="rId51"/>
     <p:sldId id="302" r:id="rId52"/>
-    <p:sldId id="303" r:id="rId53"/>
-    <p:sldId id="304" r:id="rId54"/>
-    <p:sldId id="305" r:id="rId55"/>
-    <p:sldId id="306" r:id="rId56"/>
-    <p:sldId id="307" r:id="rId57"/>
-    <p:sldId id="308" r:id="rId58"/>
-    <p:sldId id="309" r:id="rId59"/>
-    <p:sldId id="310" r:id="rId60"/>
-    <p:sldId id="311" r:id="rId61"/>
-    <p:sldId id="312" r:id="rId62"/>
-    <p:sldId id="313" r:id="rId63"/>
-    <p:sldId id="314" r:id="rId64"/>
-    <p:sldId id="315" r:id="rId65"/>
-    <p:sldId id="316" r:id="rId66"/>
-    <p:sldId id="317" r:id="rId67"/>
-    <p:sldId id="318" r:id="rId68"/>
-    <p:sldId id="319" r:id="rId69"/>
-    <p:sldId id="320" r:id="rId70"/>
-    <p:sldId id="321" r:id="rId71"/>
-    <p:sldId id="322" r:id="rId72"/>
-    <p:sldId id="323" r:id="rId73"/>
-    <p:sldId id="324" r:id="rId74"/>
-    <p:sldId id="325" r:id="rId75"/>
-    <p:sldId id="326" r:id="rId76"/>
-    <p:sldId id="327" r:id="rId77"/>
-    <p:sldId id="328" r:id="rId78"/>
-    <p:sldId id="329" r:id="rId79"/>
-    <p:sldId id="330" r:id="rId80"/>
-    <p:sldId id="331" r:id="rId81"/>
-    <p:sldId id="332" r:id="rId82"/>
-    <p:sldId id="333" r:id="rId83"/>
-    <p:sldId id="334" r:id="rId84"/>
-    <p:sldId id="335" r:id="rId85"/>
-    <p:sldId id="336" r:id="rId86"/>
-    <p:sldId id="337" r:id="rId87"/>
-    <p:sldId id="338" r:id="rId88"/>
-    <p:sldId id="339" r:id="rId89"/>
-    <p:sldId id="340" r:id="rId90"/>
-    <p:sldId id="341" r:id="rId91"/>
-    <p:sldId id="342" r:id="rId92"/>
-    <p:sldId id="343" r:id="rId93"/>
-    <p:sldId id="344" r:id="rId94"/>
-    <p:sldId id="345" r:id="rId95"/>
-    <p:sldId id="346" r:id="rId96"/>
-    <p:sldId id="347" r:id="rId97"/>
-    <p:sldId id="348" r:id="rId98"/>
-    <p:sldId id="349" r:id="rId99"/>
-    <p:sldId id="350" r:id="rId100"/>
-    <p:sldId id="351" r:id="rId101"/>
-    <p:sldId id="352" r:id="rId102"/>
-    <p:sldId id="353" r:id="rId103"/>
-    <p:sldId id="354" r:id="rId104"/>
-    <p:sldId id="355" r:id="rId105"/>
-    <p:sldId id="356" r:id="rId106"/>
-    <p:sldId id="357" r:id="rId107"/>
-    <p:sldId id="358" r:id="rId108"/>
-    <p:sldId id="359" r:id="rId109"/>
-    <p:sldId id="360" r:id="rId110"/>
-    <p:sldId id="361" r:id="rId111"/>
-    <p:sldId id="362" r:id="rId112"/>
-    <p:sldId id="363" r:id="rId113"/>
+    <p:sldId id="304" r:id="rId53"/>
+    <p:sldId id="305" r:id="rId54"/>
+    <p:sldId id="306" r:id="rId55"/>
+    <p:sldId id="307" r:id="rId56"/>
+    <p:sldId id="308" r:id="rId57"/>
+    <p:sldId id="309" r:id="rId58"/>
+    <p:sldId id="310" r:id="rId59"/>
+    <p:sldId id="311" r:id="rId60"/>
+    <p:sldId id="312" r:id="rId61"/>
+    <p:sldId id="313" r:id="rId62"/>
+    <p:sldId id="314" r:id="rId63"/>
+    <p:sldId id="315" r:id="rId64"/>
+    <p:sldId id="317" r:id="rId65"/>
+    <p:sldId id="318" r:id="rId66"/>
+    <p:sldId id="319" r:id="rId67"/>
+    <p:sldId id="320" r:id="rId68"/>
+    <p:sldId id="321" r:id="rId69"/>
+    <p:sldId id="322" r:id="rId70"/>
+    <p:sldId id="323" r:id="rId71"/>
+    <p:sldId id="324" r:id="rId72"/>
+    <p:sldId id="325" r:id="rId73"/>
+    <p:sldId id="326" r:id="rId74"/>
+    <p:sldId id="327" r:id="rId75"/>
+    <p:sldId id="328" r:id="rId76"/>
+    <p:sldId id="329" r:id="rId77"/>
+    <p:sldId id="330" r:id="rId78"/>
+    <p:sldId id="331" r:id="rId79"/>
+    <p:sldId id="332" r:id="rId80"/>
+    <p:sldId id="333" r:id="rId81"/>
+    <p:sldId id="334" r:id="rId82"/>
+    <p:sldId id="335" r:id="rId83"/>
+    <p:sldId id="336" r:id="rId84"/>
+    <p:sldId id="337" r:id="rId85"/>
+    <p:sldId id="338" r:id="rId86"/>
+    <p:sldId id="339" r:id="rId87"/>
+    <p:sldId id="340" r:id="rId88"/>
+    <p:sldId id="341" r:id="rId89"/>
+    <p:sldId id="342" r:id="rId90"/>
+    <p:sldId id="343" r:id="rId91"/>
+    <p:sldId id="344" r:id="rId92"/>
+    <p:sldId id="345" r:id="rId93"/>
+    <p:sldId id="346" r:id="rId94"/>
+    <p:sldId id="347" r:id="rId95"/>
+    <p:sldId id="348" r:id="rId96"/>
+    <p:sldId id="349" r:id="rId97"/>
+    <p:sldId id="350" r:id="rId98"/>
+    <p:sldId id="351" r:id="rId99"/>
+    <p:sldId id="352" r:id="rId100"/>
+    <p:sldId id="353" r:id="rId101"/>
+    <p:sldId id="354" r:id="rId102"/>
+    <p:sldId id="355" r:id="rId103"/>
+    <p:sldId id="356" r:id="rId104"/>
+    <p:sldId id="357" r:id="rId105"/>
+    <p:sldId id="358" r:id="rId106"/>
+    <p:sldId id="359" r:id="rId107"/>
+    <p:sldId id="360" r:id="rId108"/>
+    <p:sldId id="361" r:id="rId109"/>
+    <p:sldId id="362" r:id="rId110"/>
+    <p:sldId id="363" r:id="rId111"/>
   </p:sldIdLst>
   <p:sldSz cx="12192000" cy="6858000"/>
   <p:notesSz cx="6858000" cy="9144000"/>
   <p:embeddedFontLst>
     <p:embeddedFont>
       <p:font typeface="Consolas" panose="020B0609020204030204" pitchFamily="49" charset="0"/>
-      <p:regular r:id="rId115"/>
-      <p:bold r:id="rId116"/>
-      <p:italic r:id="rId117"/>
-      <p:boldItalic r:id="rId118"/>
+      <p:regular r:id="rId113"/>
+      <p:bold r:id="rId114"/>
+      <p:italic r:id="rId115"/>
+      <p:boldItalic r:id="rId116"/>
     </p:embeddedFont>
     <p:embeddedFont>
       <p:font typeface="Play" panose="020B0604020202020204" charset="0"/>
-      <p:regular r:id="rId119"/>
-      <p:bold r:id="rId120"/>
+      <p:regular r:id="rId117"/>
+      <p:bold r:id="rId118"/>
     </p:embeddedFont>
   </p:embeddedFontLst>
   <p:defaultTextStyle>
@@ -1847,7 +1845,7 @@
   <p:cSld>
     <p:spTree>
       <p:nvGrpSpPr>
-        <p:cNvPr id="1" name="Shape 721"/>
+        <p:cNvPr id="1" name="Shape 732"/>
         <p:cNvGrpSpPr/>
         <p:nvPr/>
       </p:nvGrpSpPr>
@@ -1861,7 +1859,7 @@
       </p:grpSpPr>
       <p:sp>
         <p:nvSpPr>
-          <p:cNvPr id="722" name="Google Shape;722;g30ccb334bf1_0_549:notes"/>
+          <p:cNvPr id="733" name="Google Shape;733;g30ccb334bf1_0_558:notes"/>
           <p:cNvSpPr txBox="1">
             <a:spLocks noGrp="1"/>
           </p:cNvSpPr>
@@ -1899,7 +1897,7 @@
       </p:sp>
       <p:sp>
         <p:nvSpPr>
-          <p:cNvPr id="723" name="Google Shape;723;g30ccb334bf1_0_549:notes"/>
+          <p:cNvPr id="734" name="Google Shape;734;g30ccb334bf1_0_558:notes"/>
           <p:cNvSpPr>
             <a:spLocks noGrp="1" noRot="1" noChangeAspect="1"/>
           </p:cNvSpPr>
@@ -1951,7 +1949,7 @@
   <p:cSld>
     <p:spTree>
       <p:nvGrpSpPr>
-        <p:cNvPr id="1" name="Shape 726"/>
+        <p:cNvPr id="1" name="Shape 738"/>
         <p:cNvGrpSpPr/>
         <p:nvPr/>
       </p:nvGrpSpPr>
@@ -1965,7 +1963,7 @@
       </p:grpSpPr>
       <p:sp>
         <p:nvSpPr>
-          <p:cNvPr id="727" name="Google Shape;727;g30ccb334bf1_0_553:notes"/>
+          <p:cNvPr id="739" name="Google Shape;739;g30ccb334bf1_0_563:notes"/>
           <p:cNvSpPr txBox="1">
             <a:spLocks noGrp="1"/>
           </p:cNvSpPr>
@@ -2003,7 +2001,7 @@
       </p:sp>
       <p:sp>
         <p:nvSpPr>
-          <p:cNvPr id="728" name="Google Shape;728;g30ccb334bf1_0_553:notes"/>
+          <p:cNvPr id="740" name="Google Shape;740;g30ccb334bf1_0_563:notes"/>
           <p:cNvSpPr>
             <a:spLocks noGrp="1" noRot="1" noChangeAspect="1"/>
           </p:cNvSpPr>
@@ -2055,7 +2053,7 @@
   <p:cSld>
     <p:spTree>
       <p:nvGrpSpPr>
-        <p:cNvPr id="1" name="Shape 732"/>
+        <p:cNvPr id="1" name="Shape 744"/>
         <p:cNvGrpSpPr/>
         <p:nvPr/>
       </p:nvGrpSpPr>
@@ -2069,7 +2067,7 @@
       </p:grpSpPr>
       <p:sp>
         <p:nvSpPr>
-          <p:cNvPr id="733" name="Google Shape;733;g30ccb334bf1_0_558:notes"/>
+          <p:cNvPr id="745" name="Google Shape;745;g30ccb334bf1_0_568:notes"/>
           <p:cNvSpPr txBox="1">
             <a:spLocks noGrp="1"/>
           </p:cNvSpPr>
@@ -2107,7 +2105,7 @@
       </p:sp>
       <p:sp>
         <p:nvSpPr>
-          <p:cNvPr id="734" name="Google Shape;734;g30ccb334bf1_0_558:notes"/>
+          <p:cNvPr id="746" name="Google Shape;746;g30ccb334bf1_0_568:notes"/>
           <p:cNvSpPr>
             <a:spLocks noGrp="1" noRot="1" noChangeAspect="1"/>
           </p:cNvSpPr>
@@ -2159,7 +2157,7 @@
   <p:cSld>
     <p:spTree>
       <p:nvGrpSpPr>
-        <p:cNvPr id="1" name="Shape 738"/>
+        <p:cNvPr id="1" name="Shape 751"/>
         <p:cNvGrpSpPr/>
         <p:nvPr/>
       </p:nvGrpSpPr>
@@ -2173,7 +2171,7 @@
       </p:grpSpPr>
       <p:sp>
         <p:nvSpPr>
-          <p:cNvPr id="739" name="Google Shape;739;g30ccb334bf1_0_563:notes"/>
+          <p:cNvPr id="752" name="Google Shape;752;g30ccb334bf1_0_574:notes"/>
           <p:cNvSpPr txBox="1">
             <a:spLocks noGrp="1"/>
           </p:cNvSpPr>
@@ -2211,7 +2209,7 @@
       </p:sp>
       <p:sp>
         <p:nvSpPr>
-          <p:cNvPr id="740" name="Google Shape;740;g30ccb334bf1_0_563:notes"/>
+          <p:cNvPr id="753" name="Google Shape;753;g30ccb334bf1_0_574:notes"/>
           <p:cNvSpPr>
             <a:spLocks noGrp="1" noRot="1" noChangeAspect="1"/>
           </p:cNvSpPr>
@@ -2263,7 +2261,7 @@
   <p:cSld>
     <p:spTree>
       <p:nvGrpSpPr>
-        <p:cNvPr id="1" name="Shape 744"/>
+        <p:cNvPr id="1" name="Shape 758"/>
         <p:cNvGrpSpPr/>
         <p:nvPr/>
       </p:nvGrpSpPr>
@@ -2277,7 +2275,7 @@
       </p:grpSpPr>
       <p:sp>
         <p:nvSpPr>
-          <p:cNvPr id="745" name="Google Shape;745;g30ccb334bf1_0_568:notes"/>
+          <p:cNvPr id="759" name="Google Shape;759;g30ccb334bf1_0_580:notes"/>
           <p:cNvSpPr txBox="1">
             <a:spLocks noGrp="1"/>
           </p:cNvSpPr>
@@ -2315,7 +2313,7 @@
       </p:sp>
       <p:sp>
         <p:nvSpPr>
-          <p:cNvPr id="746" name="Google Shape;746;g30ccb334bf1_0_568:notes"/>
+          <p:cNvPr id="760" name="Google Shape;760;g30ccb334bf1_0_580:notes"/>
           <p:cNvSpPr>
             <a:spLocks noGrp="1" noRot="1" noChangeAspect="1"/>
           </p:cNvSpPr>
@@ -2367,7 +2365,7 @@
   <p:cSld>
     <p:spTree>
       <p:nvGrpSpPr>
-        <p:cNvPr id="1" name="Shape 751"/>
+        <p:cNvPr id="1" name="Shape 764"/>
         <p:cNvGrpSpPr/>
         <p:nvPr/>
       </p:nvGrpSpPr>
@@ -2381,7 +2379,7 @@
       </p:grpSpPr>
       <p:sp>
         <p:nvSpPr>
-          <p:cNvPr id="752" name="Google Shape;752;g30ccb334bf1_0_574:notes"/>
+          <p:cNvPr id="765" name="Google Shape;765;g30ccb334bf1_0_585:notes"/>
           <p:cNvSpPr txBox="1">
             <a:spLocks noGrp="1"/>
           </p:cNvSpPr>
@@ -2419,7 +2417,7 @@
       </p:sp>
       <p:sp>
         <p:nvSpPr>
-          <p:cNvPr id="753" name="Google Shape;753;g30ccb334bf1_0_574:notes"/>
+          <p:cNvPr id="766" name="Google Shape;766;g30ccb334bf1_0_585:notes"/>
           <p:cNvSpPr>
             <a:spLocks noGrp="1" noRot="1" noChangeAspect="1"/>
           </p:cNvSpPr>
@@ -2471,7 +2469,7 @@
   <p:cSld>
     <p:spTree>
       <p:nvGrpSpPr>
-        <p:cNvPr id="1" name="Shape 758"/>
+        <p:cNvPr id="1" name="Shape 770"/>
         <p:cNvGrpSpPr/>
         <p:nvPr/>
       </p:nvGrpSpPr>
@@ -2485,7 +2483,7 @@
       </p:grpSpPr>
       <p:sp>
         <p:nvSpPr>
-          <p:cNvPr id="759" name="Google Shape;759;g30ccb334bf1_0_580:notes"/>
+          <p:cNvPr id="771" name="Google Shape;771;g30ccb334bf1_0_590:notes"/>
           <p:cNvSpPr txBox="1">
             <a:spLocks noGrp="1"/>
           </p:cNvSpPr>
@@ -2523,7 +2521,7 @@
       </p:sp>
       <p:sp>
         <p:nvSpPr>
-          <p:cNvPr id="760" name="Google Shape;760;g30ccb334bf1_0_580:notes"/>
+          <p:cNvPr id="772" name="Google Shape;772;g30ccb334bf1_0_590:notes"/>
           <p:cNvSpPr>
             <a:spLocks noGrp="1" noRot="1" noChangeAspect="1"/>
           </p:cNvSpPr>
@@ -2575,7 +2573,7 @@
   <p:cSld>
     <p:spTree>
       <p:nvGrpSpPr>
-        <p:cNvPr id="1" name="Shape 764"/>
+        <p:cNvPr id="1" name="Shape 775"/>
         <p:cNvGrpSpPr/>
         <p:nvPr/>
       </p:nvGrpSpPr>
@@ -2589,7 +2587,7 @@
       </p:grpSpPr>
       <p:sp>
         <p:nvSpPr>
-          <p:cNvPr id="765" name="Google Shape;765;g30ccb334bf1_0_585:notes"/>
+          <p:cNvPr id="776" name="Google Shape;776;g30ccb334bf1_0_595:notes"/>
           <p:cNvSpPr txBox="1">
             <a:spLocks noGrp="1"/>
           </p:cNvSpPr>
@@ -2627,7 +2625,7 @@
       </p:sp>
       <p:sp>
         <p:nvSpPr>
-          <p:cNvPr id="766" name="Google Shape;766;g30ccb334bf1_0_585:notes"/>
+          <p:cNvPr id="777" name="Google Shape;777;g30ccb334bf1_0_595:notes"/>
           <p:cNvSpPr>
             <a:spLocks noGrp="1" noRot="1" noChangeAspect="1"/>
           </p:cNvSpPr>
@@ -2679,7 +2677,7 @@
   <p:cSld>
     <p:spTree>
       <p:nvGrpSpPr>
-        <p:cNvPr id="1" name="Shape 770"/>
+        <p:cNvPr id="1" name="Shape 780"/>
         <p:cNvGrpSpPr/>
         <p:nvPr/>
       </p:nvGrpSpPr>
@@ -2693,7 +2691,7 @@
       </p:grpSpPr>
       <p:sp>
         <p:nvSpPr>
-          <p:cNvPr id="771" name="Google Shape;771;g30ccb334bf1_0_590:notes"/>
+          <p:cNvPr id="781" name="Google Shape;781;g30ccb334bf1_0_600:notes"/>
           <p:cNvSpPr txBox="1">
             <a:spLocks noGrp="1"/>
           </p:cNvSpPr>
@@ -2731,7 +2729,7 @@
       </p:sp>
       <p:sp>
         <p:nvSpPr>
-          <p:cNvPr id="772" name="Google Shape;772;g30ccb334bf1_0_590:notes"/>
+          <p:cNvPr id="782" name="Google Shape;782;g30ccb334bf1_0_600:notes"/>
           <p:cNvSpPr>
             <a:spLocks noGrp="1" noRot="1" noChangeAspect="1"/>
           </p:cNvSpPr>
@@ -2783,7 +2781,7 @@
   <p:cSld>
     <p:spTree>
       <p:nvGrpSpPr>
-        <p:cNvPr id="1" name="Shape 775"/>
+        <p:cNvPr id="1" name="Shape 785"/>
         <p:cNvGrpSpPr/>
         <p:nvPr/>
       </p:nvGrpSpPr>
@@ -2797,7 +2795,7 @@
       </p:grpSpPr>
       <p:sp>
         <p:nvSpPr>
-          <p:cNvPr id="776" name="Google Shape;776;g30ccb334bf1_0_595:notes"/>
+          <p:cNvPr id="786" name="Google Shape;786;g30ccb334bf1_0_605:notes"/>
           <p:cNvSpPr txBox="1">
             <a:spLocks noGrp="1"/>
           </p:cNvSpPr>
@@ -2835,7 +2833,7 @@
       </p:sp>
       <p:sp>
         <p:nvSpPr>
-          <p:cNvPr id="777" name="Google Shape;777;g30ccb334bf1_0_595:notes"/>
+          <p:cNvPr id="787" name="Google Shape;787;g30ccb334bf1_0_605:notes"/>
           <p:cNvSpPr>
             <a:spLocks noGrp="1" noRot="1" noChangeAspect="1"/>
           </p:cNvSpPr>
@@ -3055,214 +3053,6 @@
   <p:cSld>
     <p:spTree>
       <p:nvGrpSpPr>
-        <p:cNvPr id="1" name="Shape 780"/>
-        <p:cNvGrpSpPr/>
-        <p:nvPr/>
-      </p:nvGrpSpPr>
-      <p:grpSpPr>
-        <a:xfrm>
-          <a:off x="0" y="0"/>
-          <a:ext cx="0" cy="0"/>
-          <a:chOff x="0" y="0"/>
-          <a:chExt cx="0" cy="0"/>
-        </a:xfrm>
-      </p:grpSpPr>
-      <p:sp>
-        <p:nvSpPr>
-          <p:cNvPr id="781" name="Google Shape;781;g30ccb334bf1_0_600:notes"/>
-          <p:cNvSpPr txBox="1">
-            <a:spLocks noGrp="1"/>
-          </p:cNvSpPr>
-          <p:nvPr>
-            <p:ph type="body" idx="1"/>
-          </p:nvPr>
-        </p:nvSpPr>
-        <p:spPr>
-          <a:xfrm>
-            <a:off x="685800" y="4400550"/>
-            <a:ext cx="5486400" cy="3600600"/>
-          </a:xfrm>
-          <a:prstGeom prst="rect">
-            <a:avLst/>
-          </a:prstGeom>
-        </p:spPr>
-        <p:txBody>
-          <a:bodyPr spcFirstLastPara="1" wrap="square" lIns="91425" tIns="45700" rIns="91425" bIns="45700" anchor="t" anchorCtr="0">
-            <a:noAutofit/>
-          </a:bodyPr>
-          <a:lstStyle/>
-          <a:p>
-            <a:pPr marL="0" lvl="0" indent="0" algn="l" rtl="0">
-              <a:spcBef>
-                <a:spcPts val="0"/>
-              </a:spcBef>
-              <a:spcAft>
-                <a:spcPts val="0"/>
-              </a:spcAft>
-              <a:buNone/>
-            </a:pPr>
-            <a:endParaRPr/>
-          </a:p>
-        </p:txBody>
-      </p:sp>
-      <p:sp>
-        <p:nvSpPr>
-          <p:cNvPr id="782" name="Google Shape;782;g30ccb334bf1_0_600:notes"/>
-          <p:cNvSpPr>
-            <a:spLocks noGrp="1" noRot="1" noChangeAspect="1"/>
-          </p:cNvSpPr>
-          <p:nvPr>
-            <p:ph type="sldImg" idx="2"/>
-          </p:nvPr>
-        </p:nvSpPr>
-        <p:spPr>
-          <a:xfrm>
-            <a:off x="685800" y="1143000"/>
-            <a:ext cx="5486400" cy="3086100"/>
-          </a:xfrm>
-          <a:custGeom>
-            <a:avLst/>
-            <a:gdLst/>
-            <a:ahLst/>
-            <a:cxnLst/>
-            <a:rect l="l" t="t" r="r" b="b"/>
-            <a:pathLst>
-              <a:path w="120000" h="120000" extrusionOk="0">
-                <a:moveTo>
-                  <a:pt x="0" y="0"/>
-                </a:moveTo>
-                <a:lnTo>
-                  <a:pt x="120000" y="0"/>
-                </a:lnTo>
-                <a:lnTo>
-                  <a:pt x="120000" y="120000"/>
-                </a:lnTo>
-                <a:lnTo>
-                  <a:pt x="0" y="120000"/>
-                </a:lnTo>
-                <a:close/>
-              </a:path>
-            </a:pathLst>
-          </a:custGeom>
-        </p:spPr>
-      </p:sp>
-    </p:spTree>
-  </p:cSld>
-  <p:clrMapOvr>
-    <a:masterClrMapping/>
-  </p:clrMapOvr>
-</p:notes>
-</file>
-
-<file path=ppt/notesSlides/notesSlide111.xml><?xml version="1.0" encoding="utf-8"?>
-<p:notes xmlns:a="http://schemas.openxmlformats.org/drawingml/2006/main" xmlns:r="http://schemas.openxmlformats.org/officeDocument/2006/relationships" xmlns:p="http://schemas.openxmlformats.org/presentationml/2006/main" showMasterSp="0" showMasterPhAnim="0">
-  <p:cSld>
-    <p:spTree>
-      <p:nvGrpSpPr>
-        <p:cNvPr id="1" name="Shape 785"/>
-        <p:cNvGrpSpPr/>
-        <p:nvPr/>
-      </p:nvGrpSpPr>
-      <p:grpSpPr>
-        <a:xfrm>
-          <a:off x="0" y="0"/>
-          <a:ext cx="0" cy="0"/>
-          <a:chOff x="0" y="0"/>
-          <a:chExt cx="0" cy="0"/>
-        </a:xfrm>
-      </p:grpSpPr>
-      <p:sp>
-        <p:nvSpPr>
-          <p:cNvPr id="786" name="Google Shape;786;g30ccb334bf1_0_605:notes"/>
-          <p:cNvSpPr txBox="1">
-            <a:spLocks noGrp="1"/>
-          </p:cNvSpPr>
-          <p:nvPr>
-            <p:ph type="body" idx="1"/>
-          </p:nvPr>
-        </p:nvSpPr>
-        <p:spPr>
-          <a:xfrm>
-            <a:off x="685800" y="4400550"/>
-            <a:ext cx="5486400" cy="3600600"/>
-          </a:xfrm>
-          <a:prstGeom prst="rect">
-            <a:avLst/>
-          </a:prstGeom>
-        </p:spPr>
-        <p:txBody>
-          <a:bodyPr spcFirstLastPara="1" wrap="square" lIns="91425" tIns="45700" rIns="91425" bIns="45700" anchor="t" anchorCtr="0">
-            <a:noAutofit/>
-          </a:bodyPr>
-          <a:lstStyle/>
-          <a:p>
-            <a:pPr marL="0" lvl="0" indent="0" algn="l" rtl="0">
-              <a:spcBef>
-                <a:spcPts val="0"/>
-              </a:spcBef>
-              <a:spcAft>
-                <a:spcPts val="0"/>
-              </a:spcAft>
-              <a:buNone/>
-            </a:pPr>
-            <a:endParaRPr/>
-          </a:p>
-        </p:txBody>
-      </p:sp>
-      <p:sp>
-        <p:nvSpPr>
-          <p:cNvPr id="787" name="Google Shape;787;g30ccb334bf1_0_605:notes"/>
-          <p:cNvSpPr>
-            <a:spLocks noGrp="1" noRot="1" noChangeAspect="1"/>
-          </p:cNvSpPr>
-          <p:nvPr>
-            <p:ph type="sldImg" idx="2"/>
-          </p:nvPr>
-        </p:nvSpPr>
-        <p:spPr>
-          <a:xfrm>
-            <a:off x="685800" y="1143000"/>
-            <a:ext cx="5486400" cy="3086100"/>
-          </a:xfrm>
-          <a:custGeom>
-            <a:avLst/>
-            <a:gdLst/>
-            <a:ahLst/>
-            <a:cxnLst/>
-            <a:rect l="l" t="t" r="r" b="b"/>
-            <a:pathLst>
-              <a:path w="120000" h="120000" extrusionOk="0">
-                <a:moveTo>
-                  <a:pt x="0" y="0"/>
-                </a:moveTo>
-                <a:lnTo>
-                  <a:pt x="120000" y="0"/>
-                </a:lnTo>
-                <a:lnTo>
-                  <a:pt x="120000" y="120000"/>
-                </a:lnTo>
-                <a:lnTo>
-                  <a:pt x="0" y="120000"/>
-                </a:lnTo>
-                <a:close/>
-              </a:path>
-            </a:pathLst>
-          </a:custGeom>
-        </p:spPr>
-      </p:sp>
-    </p:spTree>
-  </p:cSld>
-  <p:clrMapOvr>
-    <a:masterClrMapping/>
-  </p:clrMapOvr>
-</p:notes>
-</file>
-
-<file path=ppt/notesSlides/notesSlide112.xml><?xml version="1.0" encoding="utf-8"?>
-<p:notes xmlns:a="http://schemas.openxmlformats.org/drawingml/2006/main" xmlns:r="http://schemas.openxmlformats.org/officeDocument/2006/relationships" xmlns:p="http://schemas.openxmlformats.org/presentationml/2006/main" showMasterSp="0" showMasterPhAnim="0">
-  <p:cSld>
-    <p:spTree>
-      <p:nvGrpSpPr>
         <p:cNvPr id="1" name="Shape 789"/>
         <p:cNvGrpSpPr/>
         <p:nvPr/>
@@ -8447,7 +8237,7 @@
   <p:cSld>
     <p:spTree>
       <p:nvGrpSpPr>
-        <p:cNvPr id="1" name="Shape 418"/>
+        <p:cNvPr id="1" name="Shape 424"/>
         <p:cNvGrpSpPr/>
         <p:nvPr/>
       </p:nvGrpSpPr>
@@ -8461,7 +8251,7 @@
       </p:grpSpPr>
       <p:sp>
         <p:nvSpPr>
-          <p:cNvPr id="419" name="Google Shape;419;g30ccb334bf1_0_312:notes"/>
+          <p:cNvPr id="425" name="Google Shape;425;g30ccb334bf1_0_317:notes"/>
           <p:cNvSpPr txBox="1">
             <a:spLocks noGrp="1"/>
           </p:cNvSpPr>
@@ -8499,7 +8289,7 @@
       </p:sp>
       <p:sp>
         <p:nvSpPr>
-          <p:cNvPr id="420" name="Google Shape;420;g30ccb334bf1_0_312:notes"/>
+          <p:cNvPr id="426" name="Google Shape;426;g30ccb334bf1_0_317:notes"/>
           <p:cNvSpPr>
             <a:spLocks noGrp="1" noRot="1" noChangeAspect="1"/>
           </p:cNvSpPr>
@@ -8551,7 +8341,7 @@
   <p:cSld>
     <p:spTree>
       <p:nvGrpSpPr>
-        <p:cNvPr id="1" name="Shape 424"/>
+        <p:cNvPr id="1" name="Shape 430"/>
         <p:cNvGrpSpPr/>
         <p:nvPr/>
       </p:nvGrpSpPr>
@@ -8565,7 +8355,7 @@
       </p:grpSpPr>
       <p:sp>
         <p:nvSpPr>
-          <p:cNvPr id="425" name="Google Shape;425;g30ccb334bf1_0_317:notes"/>
+          <p:cNvPr id="431" name="Google Shape;431;g30ccb334bf1_0_322:notes"/>
           <p:cNvSpPr txBox="1">
             <a:spLocks noGrp="1"/>
           </p:cNvSpPr>
@@ -8603,7 +8393,7 @@
       </p:sp>
       <p:sp>
         <p:nvSpPr>
-          <p:cNvPr id="426" name="Google Shape;426;g30ccb334bf1_0_317:notes"/>
+          <p:cNvPr id="432" name="Google Shape;432;g30ccb334bf1_0_322:notes"/>
           <p:cNvSpPr>
             <a:spLocks noGrp="1" noRot="1" noChangeAspect="1"/>
           </p:cNvSpPr>
@@ -8655,7 +8445,7 @@
   <p:cSld>
     <p:spTree>
       <p:nvGrpSpPr>
-        <p:cNvPr id="1" name="Shape 430"/>
+        <p:cNvPr id="1" name="Shape 435"/>
         <p:cNvGrpSpPr/>
         <p:nvPr/>
       </p:nvGrpSpPr>
@@ -8669,7 +8459,7 @@
       </p:grpSpPr>
       <p:sp>
         <p:nvSpPr>
-          <p:cNvPr id="431" name="Google Shape;431;g30ccb334bf1_0_322:notes"/>
+          <p:cNvPr id="436" name="Google Shape;436;g30ccb334bf1_0_326:notes"/>
           <p:cNvSpPr txBox="1">
             <a:spLocks noGrp="1"/>
           </p:cNvSpPr>
@@ -8707,7 +8497,7 @@
       </p:sp>
       <p:sp>
         <p:nvSpPr>
-          <p:cNvPr id="432" name="Google Shape;432;g30ccb334bf1_0_322:notes"/>
+          <p:cNvPr id="437" name="Google Shape;437;g30ccb334bf1_0_326:notes"/>
           <p:cNvSpPr>
             <a:spLocks noGrp="1" noRot="1" noChangeAspect="1"/>
           </p:cNvSpPr>
@@ -8759,7 +8549,7 @@
   <p:cSld>
     <p:spTree>
       <p:nvGrpSpPr>
-        <p:cNvPr id="1" name="Shape 435"/>
+        <p:cNvPr id="1" name="Shape 441"/>
         <p:cNvGrpSpPr/>
         <p:nvPr/>
       </p:nvGrpSpPr>
@@ -8773,7 +8563,7 @@
       </p:grpSpPr>
       <p:sp>
         <p:nvSpPr>
-          <p:cNvPr id="436" name="Google Shape;436;g30ccb334bf1_0_326:notes"/>
+          <p:cNvPr id="442" name="Google Shape;442;g30ccb334bf1_0_331:notes"/>
           <p:cNvSpPr txBox="1">
             <a:spLocks noGrp="1"/>
           </p:cNvSpPr>
@@ -8811,7 +8601,7 @@
       </p:sp>
       <p:sp>
         <p:nvSpPr>
-          <p:cNvPr id="437" name="Google Shape;437;g30ccb334bf1_0_326:notes"/>
+          <p:cNvPr id="443" name="Google Shape;443;g30ccb334bf1_0_331:notes"/>
           <p:cNvSpPr>
             <a:spLocks noGrp="1" noRot="1" noChangeAspect="1"/>
           </p:cNvSpPr>
@@ -8863,7 +8653,7 @@
   <p:cSld>
     <p:spTree>
       <p:nvGrpSpPr>
-        <p:cNvPr id="1" name="Shape 441"/>
+        <p:cNvPr id="1" name="Shape 447"/>
         <p:cNvGrpSpPr/>
         <p:nvPr/>
       </p:nvGrpSpPr>
@@ -8877,7 +8667,7 @@
       </p:grpSpPr>
       <p:sp>
         <p:nvSpPr>
-          <p:cNvPr id="442" name="Google Shape;442;g30ccb334bf1_0_331:notes"/>
+          <p:cNvPr id="448" name="Google Shape;448;g30ccb334bf1_0_336:notes"/>
           <p:cNvSpPr txBox="1">
             <a:spLocks noGrp="1"/>
           </p:cNvSpPr>
@@ -8915,7 +8705,7 @@
       </p:sp>
       <p:sp>
         <p:nvSpPr>
-          <p:cNvPr id="443" name="Google Shape;443;g30ccb334bf1_0_331:notes"/>
+          <p:cNvPr id="449" name="Google Shape;449;g30ccb334bf1_0_336:notes"/>
           <p:cNvSpPr>
             <a:spLocks noGrp="1" noRot="1" noChangeAspect="1"/>
           </p:cNvSpPr>
@@ -8967,7 +8757,7 @@
   <p:cSld>
     <p:spTree>
       <p:nvGrpSpPr>
-        <p:cNvPr id="1" name="Shape 447"/>
+        <p:cNvPr id="1" name="Shape 453"/>
         <p:cNvGrpSpPr/>
         <p:nvPr/>
       </p:nvGrpSpPr>
@@ -8981,7 +8771,7 @@
       </p:grpSpPr>
       <p:sp>
         <p:nvSpPr>
-          <p:cNvPr id="448" name="Google Shape;448;g30ccb334bf1_0_336:notes"/>
+          <p:cNvPr id="454" name="Google Shape;454;g30ccb334bf1_0_341:notes"/>
           <p:cNvSpPr txBox="1">
             <a:spLocks noGrp="1"/>
           </p:cNvSpPr>
@@ -9019,7 +8809,7 @@
       </p:sp>
       <p:sp>
         <p:nvSpPr>
-          <p:cNvPr id="449" name="Google Shape;449;g30ccb334bf1_0_336:notes"/>
+          <p:cNvPr id="455" name="Google Shape;455;g30ccb334bf1_0_341:notes"/>
           <p:cNvSpPr>
             <a:spLocks noGrp="1" noRot="1" noChangeAspect="1"/>
           </p:cNvSpPr>
@@ -9071,7 +8861,7 @@
   <p:cSld>
     <p:spTree>
       <p:nvGrpSpPr>
-        <p:cNvPr id="1" name="Shape 453"/>
+        <p:cNvPr id="1" name="Shape 459"/>
         <p:cNvGrpSpPr/>
         <p:nvPr/>
       </p:nvGrpSpPr>
@@ -9085,7 +8875,7 @@
       </p:grpSpPr>
       <p:sp>
         <p:nvSpPr>
-          <p:cNvPr id="454" name="Google Shape;454;g30ccb334bf1_0_341:notes"/>
+          <p:cNvPr id="460" name="Google Shape;460;g30ccb334bf1_0_346:notes"/>
           <p:cNvSpPr txBox="1">
             <a:spLocks noGrp="1"/>
           </p:cNvSpPr>
@@ -9123,7 +8913,7 @@
       </p:sp>
       <p:sp>
         <p:nvSpPr>
-          <p:cNvPr id="455" name="Google Shape;455;g30ccb334bf1_0_341:notes"/>
+          <p:cNvPr id="461" name="Google Shape;461;g30ccb334bf1_0_346:notes"/>
           <p:cNvSpPr>
             <a:spLocks noGrp="1" noRot="1" noChangeAspect="1"/>
           </p:cNvSpPr>
@@ -9175,7 +8965,7 @@
   <p:cSld>
     <p:spTree>
       <p:nvGrpSpPr>
-        <p:cNvPr id="1" name="Shape 459"/>
+        <p:cNvPr id="1" name="Shape 465"/>
         <p:cNvGrpSpPr/>
         <p:nvPr/>
       </p:nvGrpSpPr>
@@ -9189,7 +8979,7 @@
       </p:grpSpPr>
       <p:sp>
         <p:nvSpPr>
-          <p:cNvPr id="460" name="Google Shape;460;g30ccb334bf1_0_346:notes"/>
+          <p:cNvPr id="466" name="Google Shape;466;g30ccb334bf1_0_351:notes"/>
           <p:cNvSpPr txBox="1">
             <a:spLocks noGrp="1"/>
           </p:cNvSpPr>
@@ -9227,7 +9017,7 @@
       </p:sp>
       <p:sp>
         <p:nvSpPr>
-          <p:cNvPr id="461" name="Google Shape;461;g30ccb334bf1_0_346:notes"/>
+          <p:cNvPr id="467" name="Google Shape;467;g30ccb334bf1_0_351:notes"/>
           <p:cNvSpPr>
             <a:spLocks noGrp="1" noRot="1" noChangeAspect="1"/>
           </p:cNvSpPr>
@@ -9383,7 +9173,7 @@
   <p:cSld>
     <p:spTree>
       <p:nvGrpSpPr>
-        <p:cNvPr id="1" name="Shape 465"/>
+        <p:cNvPr id="1" name="Shape 471"/>
         <p:cNvGrpSpPr/>
         <p:nvPr/>
       </p:nvGrpSpPr>
@@ -9397,7 +9187,7 @@
       </p:grpSpPr>
       <p:sp>
         <p:nvSpPr>
-          <p:cNvPr id="466" name="Google Shape;466;g30ccb334bf1_0_351:notes"/>
+          <p:cNvPr id="472" name="Google Shape;472;g30ccb334bf1_0_356:notes"/>
           <p:cNvSpPr txBox="1">
             <a:spLocks noGrp="1"/>
           </p:cNvSpPr>
@@ -9435,7 +9225,7 @@
       </p:sp>
       <p:sp>
         <p:nvSpPr>
-          <p:cNvPr id="467" name="Google Shape;467;g30ccb334bf1_0_351:notes"/>
+          <p:cNvPr id="473" name="Google Shape;473;g30ccb334bf1_0_356:notes"/>
           <p:cNvSpPr>
             <a:spLocks noGrp="1" noRot="1" noChangeAspect="1"/>
           </p:cNvSpPr>
@@ -9487,7 +9277,7 @@
   <p:cSld>
     <p:spTree>
       <p:nvGrpSpPr>
-        <p:cNvPr id="1" name="Shape 471"/>
+        <p:cNvPr id="1" name="Shape 477"/>
         <p:cNvGrpSpPr/>
         <p:nvPr/>
       </p:nvGrpSpPr>
@@ -9501,7 +9291,7 @@
       </p:grpSpPr>
       <p:sp>
         <p:nvSpPr>
-          <p:cNvPr id="472" name="Google Shape;472;g30ccb334bf1_0_356:notes"/>
+          <p:cNvPr id="478" name="Google Shape;478;g30ccb334bf1_0_361:notes"/>
           <p:cNvSpPr txBox="1">
             <a:spLocks noGrp="1"/>
           </p:cNvSpPr>
@@ -9539,7 +9329,7 @@
       </p:sp>
       <p:sp>
         <p:nvSpPr>
-          <p:cNvPr id="473" name="Google Shape;473;g30ccb334bf1_0_356:notes"/>
+          <p:cNvPr id="479" name="Google Shape;479;g30ccb334bf1_0_361:notes"/>
           <p:cNvSpPr>
             <a:spLocks noGrp="1" noRot="1" noChangeAspect="1"/>
           </p:cNvSpPr>
@@ -9587,110 +9377,6 @@
 </file>
 
 <file path=ppt/notesSlides/notesSlide62.xml><?xml version="1.0" encoding="utf-8"?>
-<p:notes xmlns:a="http://schemas.openxmlformats.org/drawingml/2006/main" xmlns:r="http://schemas.openxmlformats.org/officeDocument/2006/relationships" xmlns:p="http://schemas.openxmlformats.org/presentationml/2006/main" showMasterSp="0" showMasterPhAnim="0">
-  <p:cSld>
-    <p:spTree>
-      <p:nvGrpSpPr>
-        <p:cNvPr id="1" name="Shape 477"/>
-        <p:cNvGrpSpPr/>
-        <p:nvPr/>
-      </p:nvGrpSpPr>
-      <p:grpSpPr>
-        <a:xfrm>
-          <a:off x="0" y="0"/>
-          <a:ext cx="0" cy="0"/>
-          <a:chOff x="0" y="0"/>
-          <a:chExt cx="0" cy="0"/>
-        </a:xfrm>
-      </p:grpSpPr>
-      <p:sp>
-        <p:nvSpPr>
-          <p:cNvPr id="478" name="Google Shape;478;g30ccb334bf1_0_361:notes"/>
-          <p:cNvSpPr txBox="1">
-            <a:spLocks noGrp="1"/>
-          </p:cNvSpPr>
-          <p:nvPr>
-            <p:ph type="body" idx="1"/>
-          </p:nvPr>
-        </p:nvSpPr>
-        <p:spPr>
-          <a:xfrm>
-            <a:off x="685800" y="4400550"/>
-            <a:ext cx="5486400" cy="3600600"/>
-          </a:xfrm>
-          <a:prstGeom prst="rect">
-            <a:avLst/>
-          </a:prstGeom>
-        </p:spPr>
-        <p:txBody>
-          <a:bodyPr spcFirstLastPara="1" wrap="square" lIns="91425" tIns="45700" rIns="91425" bIns="45700" anchor="t" anchorCtr="0">
-            <a:noAutofit/>
-          </a:bodyPr>
-          <a:lstStyle/>
-          <a:p>
-            <a:pPr marL="0" lvl="0" indent="0" algn="l" rtl="0">
-              <a:spcBef>
-                <a:spcPts val="0"/>
-              </a:spcBef>
-              <a:spcAft>
-                <a:spcPts val="0"/>
-              </a:spcAft>
-              <a:buNone/>
-            </a:pPr>
-            <a:endParaRPr/>
-          </a:p>
-        </p:txBody>
-      </p:sp>
-      <p:sp>
-        <p:nvSpPr>
-          <p:cNvPr id="479" name="Google Shape;479;g30ccb334bf1_0_361:notes"/>
-          <p:cNvSpPr>
-            <a:spLocks noGrp="1" noRot="1" noChangeAspect="1"/>
-          </p:cNvSpPr>
-          <p:nvPr>
-            <p:ph type="sldImg" idx="2"/>
-          </p:nvPr>
-        </p:nvSpPr>
-        <p:spPr>
-          <a:xfrm>
-            <a:off x="685800" y="1143000"/>
-            <a:ext cx="5486400" cy="3086100"/>
-          </a:xfrm>
-          <a:custGeom>
-            <a:avLst/>
-            <a:gdLst/>
-            <a:ahLst/>
-            <a:cxnLst/>
-            <a:rect l="l" t="t" r="r" b="b"/>
-            <a:pathLst>
-              <a:path w="120000" h="120000" extrusionOk="0">
-                <a:moveTo>
-                  <a:pt x="0" y="0"/>
-                </a:moveTo>
-                <a:lnTo>
-                  <a:pt x="120000" y="0"/>
-                </a:lnTo>
-                <a:lnTo>
-                  <a:pt x="120000" y="120000"/>
-                </a:lnTo>
-                <a:lnTo>
-                  <a:pt x="0" y="120000"/>
-                </a:lnTo>
-                <a:close/>
-              </a:path>
-            </a:pathLst>
-          </a:custGeom>
-        </p:spPr>
-      </p:sp>
-    </p:spTree>
-  </p:cSld>
-  <p:clrMapOvr>
-    <a:masterClrMapping/>
-  </p:clrMapOvr>
-</p:notes>
-</file>
-
-<file path=ppt/notesSlides/notesSlide63.xml><?xml version="1.0" encoding="utf-8"?>
 <p:notes xmlns:a="http://schemas.openxmlformats.org/drawingml/2006/main" xmlns:r="http://schemas.openxmlformats.org/officeDocument/2006/relationships" xmlns:p="http://schemas.openxmlformats.org/presentationml/2006/main" showMasterSp="0" showMasterPhAnim="0">
   <p:cSld>
     <p:spTree>
@@ -9964,7 +9650,7 @@
             </a:pPr>
             <a:fld id="{00000000-1234-1234-1234-123412341234}" type="slidenum">
               <a:rPr lang="en-GB"/>
-              <a:t>63</a:t>
+              <a:t>62</a:t>
             </a:fld>
             <a:endParaRPr/>
           </a:p>
@@ -9978,7 +9664,7 @@
 </p:notes>
 </file>
 
-<file path=ppt/notesSlides/notesSlide64.xml><?xml version="1.0" encoding="utf-8"?>
+<file path=ppt/notesSlides/notesSlide63.xml><?xml version="1.0" encoding="utf-8"?>
 <p:notes xmlns:a="http://schemas.openxmlformats.org/drawingml/2006/main" xmlns:r="http://schemas.openxmlformats.org/officeDocument/2006/relationships" xmlns:p="http://schemas.openxmlformats.org/presentationml/2006/main" showMasterSp="0" showMasterPhAnim="0">
   <p:cSld>
     <p:spTree>
@@ -10252,7 +9938,7 @@
             </a:pPr>
             <a:fld id="{00000000-1234-1234-1234-123412341234}" type="slidenum">
               <a:rPr lang="en-GB"/>
-              <a:t>64</a:t>
+              <a:t>63</a:t>
             </a:fld>
             <a:endParaRPr/>
           </a:p>
@@ -10266,12 +9952,12 @@
 </p:notes>
 </file>
 
-<file path=ppt/notesSlides/notesSlide65.xml><?xml version="1.0" encoding="utf-8"?>
+<file path=ppt/notesSlides/notesSlide64.xml><?xml version="1.0" encoding="utf-8"?>
 <p:notes xmlns:a="http://schemas.openxmlformats.org/drawingml/2006/main" xmlns:r="http://schemas.openxmlformats.org/officeDocument/2006/relationships" xmlns:p="http://schemas.openxmlformats.org/presentationml/2006/main" showMasterSp="0" showMasterPhAnim="0">
   <p:cSld>
     <p:spTree>
       <p:nvGrpSpPr>
-        <p:cNvPr id="1" name="Shape 497"/>
+        <p:cNvPr id="1" name="Shape 502"/>
         <p:cNvGrpSpPr/>
         <p:nvPr/>
       </p:nvGrpSpPr>
@@ -10285,45 +9971,7 @@
       </p:grpSpPr>
       <p:sp>
         <p:nvSpPr>
-          <p:cNvPr id="498" name="Google Shape;498;g30ccb334bf1_0_378:notes"/>
-          <p:cNvSpPr txBox="1">
-            <a:spLocks noGrp="1"/>
-          </p:cNvSpPr>
-          <p:nvPr>
-            <p:ph type="body" idx="1"/>
-          </p:nvPr>
-        </p:nvSpPr>
-        <p:spPr>
-          <a:xfrm>
-            <a:off x="685800" y="4400550"/>
-            <a:ext cx="5486400" cy="3600600"/>
-          </a:xfrm>
-          <a:prstGeom prst="rect">
-            <a:avLst/>
-          </a:prstGeom>
-        </p:spPr>
-        <p:txBody>
-          <a:bodyPr spcFirstLastPara="1" wrap="square" lIns="91425" tIns="45700" rIns="91425" bIns="45700" anchor="t" anchorCtr="0">
-            <a:noAutofit/>
-          </a:bodyPr>
-          <a:lstStyle/>
-          <a:p>
-            <a:pPr marL="0" lvl="0" indent="0" algn="l" rtl="0">
-              <a:spcBef>
-                <a:spcPts val="0"/>
-              </a:spcBef>
-              <a:spcAft>
-                <a:spcPts val="0"/>
-              </a:spcAft>
-              <a:buNone/>
-            </a:pPr>
-            <a:endParaRPr/>
-          </a:p>
-        </p:txBody>
-      </p:sp>
-      <p:sp>
-        <p:nvSpPr>
-          <p:cNvPr id="499" name="Google Shape;499;g30ccb334bf1_0_378:notes"/>
+          <p:cNvPr id="503" name="Google Shape;503;g30ccb334bf1_0_697:notes"/>
           <p:cNvSpPr>
             <a:spLocks noGrp="1" noRot="1" noChangeAspect="1"/>
           </p:cNvSpPr>
@@ -10362,6 +10010,90 @@
           </a:custGeom>
         </p:spPr>
       </p:sp>
+      <p:sp>
+        <p:nvSpPr>
+          <p:cNvPr id="504" name="Google Shape;504;g30ccb334bf1_0_697:notes"/>
+          <p:cNvSpPr txBox="1">
+            <a:spLocks noGrp="1"/>
+          </p:cNvSpPr>
+          <p:nvPr>
+            <p:ph type="body" idx="1"/>
+          </p:nvPr>
+        </p:nvSpPr>
+        <p:spPr>
+          <a:xfrm>
+            <a:off x="685800" y="4400550"/>
+            <a:ext cx="5486400" cy="3600600"/>
+          </a:xfrm>
+          <a:prstGeom prst="rect">
+            <a:avLst/>
+          </a:prstGeom>
+        </p:spPr>
+        <p:txBody>
+          <a:bodyPr spcFirstLastPara="1" wrap="square" lIns="91425" tIns="45700" rIns="91425" bIns="45700" anchor="t" anchorCtr="0">
+            <a:noAutofit/>
+          </a:bodyPr>
+          <a:lstStyle/>
+          <a:p>
+            <a:pPr marL="0" lvl="0" indent="0" algn="l" rtl="0">
+              <a:spcBef>
+                <a:spcPts val="0"/>
+              </a:spcBef>
+              <a:spcAft>
+                <a:spcPts val="0"/>
+              </a:spcAft>
+              <a:buNone/>
+            </a:pPr>
+            <a:endParaRPr/>
+          </a:p>
+        </p:txBody>
+      </p:sp>
+      <p:sp>
+        <p:nvSpPr>
+          <p:cNvPr id="505" name="Google Shape;505;g30ccb334bf1_0_697:notes"/>
+          <p:cNvSpPr txBox="1">
+            <a:spLocks noGrp="1"/>
+          </p:cNvSpPr>
+          <p:nvPr>
+            <p:ph type="sldNum" idx="12"/>
+          </p:nvPr>
+        </p:nvSpPr>
+        <p:spPr>
+          <a:xfrm>
+            <a:off x="3884613" y="8685213"/>
+            <a:ext cx="2971800" cy="458700"/>
+          </a:xfrm>
+          <a:prstGeom prst="rect">
+            <a:avLst/>
+          </a:prstGeom>
+        </p:spPr>
+        <p:txBody>
+          <a:bodyPr spcFirstLastPara="1" wrap="square" lIns="91425" tIns="45700" rIns="91425" bIns="45700" anchor="b" anchorCtr="0">
+            <a:noAutofit/>
+          </a:bodyPr>
+          <a:lstStyle/>
+          <a:p>
+            <a:pPr marL="0" lvl="0" indent="0" algn="r" rtl="0">
+              <a:spcBef>
+                <a:spcPts val="0"/>
+              </a:spcBef>
+              <a:spcAft>
+                <a:spcPts val="0"/>
+              </a:spcAft>
+              <a:buClr>
+                <a:srgbClr val="000000"/>
+              </a:buClr>
+              <a:buFont typeface="Arial"/>
+              <a:buNone/>
+            </a:pPr>
+            <a:fld id="{00000000-1234-1234-1234-123412341234}" type="slidenum">
+              <a:rPr lang="en-GB"/>
+              <a:t>64</a:t>
+            </a:fld>
+            <a:endParaRPr/>
+          </a:p>
+        </p:txBody>
+      </p:sp>
     </p:spTree>
   </p:cSld>
   <p:clrMapOvr>
@@ -10370,12 +10102,12 @@
 </p:notes>
 </file>
 
-<file path=ppt/notesSlides/notesSlide66.xml><?xml version="1.0" encoding="utf-8"?>
+<file path=ppt/notesSlides/notesSlide65.xml><?xml version="1.0" encoding="utf-8"?>
 <p:notes xmlns:a="http://schemas.openxmlformats.org/drawingml/2006/main" xmlns:r="http://schemas.openxmlformats.org/officeDocument/2006/relationships" xmlns:p="http://schemas.openxmlformats.org/presentationml/2006/main" showMasterSp="0" showMasterPhAnim="0">
   <p:cSld>
     <p:spTree>
       <p:nvGrpSpPr>
-        <p:cNvPr id="1" name="Shape 502"/>
+        <p:cNvPr id="1" name="Shape 509"/>
         <p:cNvGrpSpPr/>
         <p:nvPr/>
       </p:nvGrpSpPr>
@@ -10389,7 +10121,7 @@
       </p:grpSpPr>
       <p:sp>
         <p:nvSpPr>
-          <p:cNvPr id="503" name="Google Shape;503;g30ccb334bf1_0_697:notes"/>
+          <p:cNvPr id="510" name="Google Shape;510;g30ccb334bf1_0_703:notes"/>
           <p:cNvSpPr>
             <a:spLocks noGrp="1" noRot="1" noChangeAspect="1"/>
           </p:cNvSpPr>
@@ -10430,7 +10162,7 @@
       </p:sp>
       <p:sp>
         <p:nvSpPr>
-          <p:cNvPr id="504" name="Google Shape;504;g30ccb334bf1_0_697:notes"/>
+          <p:cNvPr id="511" name="Google Shape;511;g30ccb334bf1_0_703:notes"/>
           <p:cNvSpPr txBox="1">
             <a:spLocks noGrp="1"/>
           </p:cNvSpPr>
@@ -10468,7 +10200,7 @@
       </p:sp>
       <p:sp>
         <p:nvSpPr>
-          <p:cNvPr id="505" name="Google Shape;505;g30ccb334bf1_0_697:notes"/>
+          <p:cNvPr id="512" name="Google Shape;512;g30ccb334bf1_0_703:notes"/>
           <p:cNvSpPr txBox="1">
             <a:spLocks noGrp="1"/>
           </p:cNvSpPr>
@@ -10506,7 +10238,7 @@
             </a:pPr>
             <a:fld id="{00000000-1234-1234-1234-123412341234}" type="slidenum">
               <a:rPr lang="en-GB"/>
-              <a:t>66</a:t>
+              <a:t>65</a:t>
             </a:fld>
             <a:endParaRPr/>
           </a:p>
@@ -10520,12 +10252,12 @@
 </p:notes>
 </file>
 
-<file path=ppt/notesSlides/notesSlide67.xml><?xml version="1.0" encoding="utf-8"?>
+<file path=ppt/notesSlides/notesSlide66.xml><?xml version="1.0" encoding="utf-8"?>
 <p:notes xmlns:a="http://schemas.openxmlformats.org/drawingml/2006/main" xmlns:r="http://schemas.openxmlformats.org/officeDocument/2006/relationships" xmlns:p="http://schemas.openxmlformats.org/presentationml/2006/main" showMasterSp="0" showMasterPhAnim="0">
   <p:cSld>
     <p:spTree>
       <p:nvGrpSpPr>
-        <p:cNvPr id="1" name="Shape 509"/>
+        <p:cNvPr id="1" name="Shape 516"/>
         <p:cNvGrpSpPr/>
         <p:nvPr/>
       </p:nvGrpSpPr>
@@ -10539,7 +10271,45 @@
       </p:grpSpPr>
       <p:sp>
         <p:nvSpPr>
-          <p:cNvPr id="510" name="Google Shape;510;g30ccb334bf1_0_703:notes"/>
+          <p:cNvPr id="517" name="Google Shape;517;g30ccb334bf1_0_383:notes"/>
+          <p:cNvSpPr txBox="1">
+            <a:spLocks noGrp="1"/>
+          </p:cNvSpPr>
+          <p:nvPr>
+            <p:ph type="body" idx="1"/>
+          </p:nvPr>
+        </p:nvSpPr>
+        <p:spPr>
+          <a:xfrm>
+            <a:off x="685800" y="4400550"/>
+            <a:ext cx="5486400" cy="3600600"/>
+          </a:xfrm>
+          <a:prstGeom prst="rect">
+            <a:avLst/>
+          </a:prstGeom>
+        </p:spPr>
+        <p:txBody>
+          <a:bodyPr spcFirstLastPara="1" wrap="square" lIns="91425" tIns="45700" rIns="91425" bIns="45700" anchor="t" anchorCtr="0">
+            <a:noAutofit/>
+          </a:bodyPr>
+          <a:lstStyle/>
+          <a:p>
+            <a:pPr marL="0" lvl="0" indent="0" algn="l" rtl="0">
+              <a:spcBef>
+                <a:spcPts val="0"/>
+              </a:spcBef>
+              <a:spcAft>
+                <a:spcPts val="0"/>
+              </a:spcAft>
+              <a:buNone/>
+            </a:pPr>
+            <a:endParaRPr/>
+          </a:p>
+        </p:txBody>
+      </p:sp>
+      <p:sp>
+        <p:nvSpPr>
+          <p:cNvPr id="518" name="Google Shape;518;g30ccb334bf1_0_383:notes"/>
           <p:cNvSpPr>
             <a:spLocks noGrp="1" noRot="1" noChangeAspect="1"/>
           </p:cNvSpPr>
@@ -10578,90 +10348,6 @@
           </a:custGeom>
         </p:spPr>
       </p:sp>
-      <p:sp>
-        <p:nvSpPr>
-          <p:cNvPr id="511" name="Google Shape;511;g30ccb334bf1_0_703:notes"/>
-          <p:cNvSpPr txBox="1">
-            <a:spLocks noGrp="1"/>
-          </p:cNvSpPr>
-          <p:nvPr>
-            <p:ph type="body" idx="1"/>
-          </p:nvPr>
-        </p:nvSpPr>
-        <p:spPr>
-          <a:xfrm>
-            <a:off x="685800" y="4400550"/>
-            <a:ext cx="5486400" cy="3600600"/>
-          </a:xfrm>
-          <a:prstGeom prst="rect">
-            <a:avLst/>
-          </a:prstGeom>
-        </p:spPr>
-        <p:txBody>
-          <a:bodyPr spcFirstLastPara="1" wrap="square" lIns="91425" tIns="45700" rIns="91425" bIns="45700" anchor="t" anchorCtr="0">
-            <a:noAutofit/>
-          </a:bodyPr>
-          <a:lstStyle/>
-          <a:p>
-            <a:pPr marL="0" lvl="0" indent="0" algn="l" rtl="0">
-              <a:spcBef>
-                <a:spcPts val="0"/>
-              </a:spcBef>
-              <a:spcAft>
-                <a:spcPts val="0"/>
-              </a:spcAft>
-              <a:buNone/>
-            </a:pPr>
-            <a:endParaRPr/>
-          </a:p>
-        </p:txBody>
-      </p:sp>
-      <p:sp>
-        <p:nvSpPr>
-          <p:cNvPr id="512" name="Google Shape;512;g30ccb334bf1_0_703:notes"/>
-          <p:cNvSpPr txBox="1">
-            <a:spLocks noGrp="1"/>
-          </p:cNvSpPr>
-          <p:nvPr>
-            <p:ph type="sldNum" idx="12"/>
-          </p:nvPr>
-        </p:nvSpPr>
-        <p:spPr>
-          <a:xfrm>
-            <a:off x="3884613" y="8685213"/>
-            <a:ext cx="2971800" cy="458700"/>
-          </a:xfrm>
-          <a:prstGeom prst="rect">
-            <a:avLst/>
-          </a:prstGeom>
-        </p:spPr>
-        <p:txBody>
-          <a:bodyPr spcFirstLastPara="1" wrap="square" lIns="91425" tIns="45700" rIns="91425" bIns="45700" anchor="b" anchorCtr="0">
-            <a:noAutofit/>
-          </a:bodyPr>
-          <a:lstStyle/>
-          <a:p>
-            <a:pPr marL="0" lvl="0" indent="0" algn="r" rtl="0">
-              <a:spcBef>
-                <a:spcPts val="0"/>
-              </a:spcBef>
-              <a:spcAft>
-                <a:spcPts val="0"/>
-              </a:spcAft>
-              <a:buClr>
-                <a:srgbClr val="000000"/>
-              </a:buClr>
-              <a:buFont typeface="Arial"/>
-              <a:buNone/>
-            </a:pPr>
-            <a:fld id="{00000000-1234-1234-1234-123412341234}" type="slidenum">
-              <a:rPr lang="en-GB"/>
-              <a:t>67</a:t>
-            </a:fld>
-            <a:endParaRPr/>
-          </a:p>
-        </p:txBody>
-      </p:sp>
     </p:spTree>
   </p:cSld>
   <p:clrMapOvr>
@@ -10670,12 +10356,12 @@
 </p:notes>
 </file>
 
-<file path=ppt/notesSlides/notesSlide68.xml><?xml version="1.0" encoding="utf-8"?>
+<file path=ppt/notesSlides/notesSlide67.xml><?xml version="1.0" encoding="utf-8"?>
 <p:notes xmlns:a="http://schemas.openxmlformats.org/drawingml/2006/main" xmlns:r="http://schemas.openxmlformats.org/officeDocument/2006/relationships" xmlns:p="http://schemas.openxmlformats.org/presentationml/2006/main" showMasterSp="0" showMasterPhAnim="0">
   <p:cSld>
     <p:spTree>
       <p:nvGrpSpPr>
-        <p:cNvPr id="1" name="Shape 516"/>
+        <p:cNvPr id="1" name="Shape 522"/>
         <p:cNvGrpSpPr/>
         <p:nvPr/>
       </p:nvGrpSpPr>
@@ -10689,45 +10375,7 @@
       </p:grpSpPr>
       <p:sp>
         <p:nvSpPr>
-          <p:cNvPr id="517" name="Google Shape;517;g30ccb334bf1_0_383:notes"/>
-          <p:cNvSpPr txBox="1">
-            <a:spLocks noGrp="1"/>
-          </p:cNvSpPr>
-          <p:nvPr>
-            <p:ph type="body" idx="1"/>
-          </p:nvPr>
-        </p:nvSpPr>
-        <p:spPr>
-          <a:xfrm>
-            <a:off x="685800" y="4400550"/>
-            <a:ext cx="5486400" cy="3600600"/>
-          </a:xfrm>
-          <a:prstGeom prst="rect">
-            <a:avLst/>
-          </a:prstGeom>
-        </p:spPr>
-        <p:txBody>
-          <a:bodyPr spcFirstLastPara="1" wrap="square" lIns="91425" tIns="45700" rIns="91425" bIns="45700" anchor="t" anchorCtr="0">
-            <a:noAutofit/>
-          </a:bodyPr>
-          <a:lstStyle/>
-          <a:p>
-            <a:pPr marL="0" lvl="0" indent="0" algn="l" rtl="0">
-              <a:spcBef>
-                <a:spcPts val="0"/>
-              </a:spcBef>
-              <a:spcAft>
-                <a:spcPts val="0"/>
-              </a:spcAft>
-              <a:buNone/>
-            </a:pPr>
-            <a:endParaRPr/>
-          </a:p>
-        </p:txBody>
-      </p:sp>
-      <p:sp>
-        <p:nvSpPr>
-          <p:cNvPr id="518" name="Google Shape;518;g30ccb334bf1_0_383:notes"/>
+          <p:cNvPr id="523" name="Google Shape;523;g30ca2a6fcdd_1_12:notes"/>
           <p:cNvSpPr>
             <a:spLocks noGrp="1" noRot="1" noChangeAspect="1"/>
           </p:cNvSpPr>
@@ -10766,6 +10414,90 @@
           </a:custGeom>
         </p:spPr>
       </p:sp>
+      <p:sp>
+        <p:nvSpPr>
+          <p:cNvPr id="524" name="Google Shape;524;g30ca2a6fcdd_1_12:notes"/>
+          <p:cNvSpPr txBox="1">
+            <a:spLocks noGrp="1"/>
+          </p:cNvSpPr>
+          <p:nvPr>
+            <p:ph type="body" idx="1"/>
+          </p:nvPr>
+        </p:nvSpPr>
+        <p:spPr>
+          <a:xfrm>
+            <a:off x="685800" y="4400550"/>
+            <a:ext cx="5486400" cy="3600600"/>
+          </a:xfrm>
+          <a:prstGeom prst="rect">
+            <a:avLst/>
+          </a:prstGeom>
+        </p:spPr>
+        <p:txBody>
+          <a:bodyPr spcFirstLastPara="1" wrap="square" lIns="91425" tIns="45700" rIns="91425" bIns="45700" anchor="t" anchorCtr="0">
+            <a:noAutofit/>
+          </a:bodyPr>
+          <a:lstStyle/>
+          <a:p>
+            <a:pPr marL="0" lvl="0" indent="0" algn="l" rtl="0">
+              <a:spcBef>
+                <a:spcPts val="0"/>
+              </a:spcBef>
+              <a:spcAft>
+                <a:spcPts val="0"/>
+              </a:spcAft>
+              <a:buNone/>
+            </a:pPr>
+            <a:endParaRPr/>
+          </a:p>
+        </p:txBody>
+      </p:sp>
+      <p:sp>
+        <p:nvSpPr>
+          <p:cNvPr id="525" name="Google Shape;525;g30ca2a6fcdd_1_12:notes"/>
+          <p:cNvSpPr txBox="1">
+            <a:spLocks noGrp="1"/>
+          </p:cNvSpPr>
+          <p:nvPr>
+            <p:ph type="sldNum" idx="12"/>
+          </p:nvPr>
+        </p:nvSpPr>
+        <p:spPr>
+          <a:xfrm>
+            <a:off x="3884613" y="8685213"/>
+            <a:ext cx="2971800" cy="458700"/>
+          </a:xfrm>
+          <a:prstGeom prst="rect">
+            <a:avLst/>
+          </a:prstGeom>
+        </p:spPr>
+        <p:txBody>
+          <a:bodyPr spcFirstLastPara="1" wrap="square" lIns="91425" tIns="45700" rIns="91425" bIns="45700" anchor="b" anchorCtr="0">
+            <a:noAutofit/>
+          </a:bodyPr>
+          <a:lstStyle/>
+          <a:p>
+            <a:pPr marL="0" lvl="0" indent="0" algn="r" rtl="0">
+              <a:spcBef>
+                <a:spcPts val="0"/>
+              </a:spcBef>
+              <a:spcAft>
+                <a:spcPts val="0"/>
+              </a:spcAft>
+              <a:buClr>
+                <a:srgbClr val="000000"/>
+              </a:buClr>
+              <a:buFont typeface="Arial"/>
+              <a:buNone/>
+            </a:pPr>
+            <a:fld id="{00000000-1234-1234-1234-123412341234}" type="slidenum">
+              <a:rPr lang="en-GB"/>
+              <a:t>67</a:t>
+            </a:fld>
+            <a:endParaRPr/>
+          </a:p>
+        </p:txBody>
+      </p:sp>
     </p:spTree>
   </p:cSld>
   <p:clrMapOvr>
@@ -10774,12 +10506,12 @@
 </p:notes>
 </file>
 
-<file path=ppt/notesSlides/notesSlide69.xml><?xml version="1.0" encoding="utf-8"?>
+<file path=ppt/notesSlides/notesSlide68.xml><?xml version="1.0" encoding="utf-8"?>
 <p:notes xmlns:a="http://schemas.openxmlformats.org/drawingml/2006/main" xmlns:r="http://schemas.openxmlformats.org/officeDocument/2006/relationships" xmlns:p="http://schemas.openxmlformats.org/presentationml/2006/main" showMasterSp="0" showMasterPhAnim="0">
   <p:cSld>
     <p:spTree>
       <p:nvGrpSpPr>
-        <p:cNvPr id="1" name="Shape 522"/>
+        <p:cNvPr id="1" name="Shape 530"/>
         <p:cNvGrpSpPr/>
         <p:nvPr/>
       </p:nvGrpSpPr>
@@ -10793,7 +10525,45 @@
       </p:grpSpPr>
       <p:sp>
         <p:nvSpPr>
-          <p:cNvPr id="523" name="Google Shape;523;g30ca2a6fcdd_1_12:notes"/>
+          <p:cNvPr id="531" name="Google Shape;531;g30ccb334bf1_0_388:notes"/>
+          <p:cNvSpPr txBox="1">
+            <a:spLocks noGrp="1"/>
+          </p:cNvSpPr>
+          <p:nvPr>
+            <p:ph type="body" idx="1"/>
+          </p:nvPr>
+        </p:nvSpPr>
+        <p:spPr>
+          <a:xfrm>
+            <a:off x="685800" y="4400550"/>
+            <a:ext cx="5486400" cy="3600600"/>
+          </a:xfrm>
+          <a:prstGeom prst="rect">
+            <a:avLst/>
+          </a:prstGeom>
+        </p:spPr>
+        <p:txBody>
+          <a:bodyPr spcFirstLastPara="1" wrap="square" lIns="91425" tIns="45700" rIns="91425" bIns="45700" anchor="t" anchorCtr="0">
+            <a:noAutofit/>
+          </a:bodyPr>
+          <a:lstStyle/>
+          <a:p>
+            <a:pPr marL="0" lvl="0" indent="0" algn="l" rtl="0">
+              <a:spcBef>
+                <a:spcPts val="0"/>
+              </a:spcBef>
+              <a:spcAft>
+                <a:spcPts val="0"/>
+              </a:spcAft>
+              <a:buNone/>
+            </a:pPr>
+            <a:endParaRPr/>
+          </a:p>
+        </p:txBody>
+      </p:sp>
+      <p:sp>
+        <p:nvSpPr>
+          <p:cNvPr id="532" name="Google Shape;532;g30ccb334bf1_0_388:notes"/>
           <p:cNvSpPr>
             <a:spLocks noGrp="1" noRot="1" noChangeAspect="1"/>
           </p:cNvSpPr>
@@ -10832,9 +10602,34 @@
           </a:custGeom>
         </p:spPr>
       </p:sp>
-      <p:sp>
-        <p:nvSpPr>
-          <p:cNvPr id="524" name="Google Shape;524;g30ca2a6fcdd_1_12:notes"/>
+    </p:spTree>
+  </p:cSld>
+  <p:clrMapOvr>
+    <a:masterClrMapping/>
+  </p:clrMapOvr>
+</p:notes>
+</file>
+
+<file path=ppt/notesSlides/notesSlide69.xml><?xml version="1.0" encoding="utf-8"?>
+<p:notes xmlns:a="http://schemas.openxmlformats.org/drawingml/2006/main" xmlns:r="http://schemas.openxmlformats.org/officeDocument/2006/relationships" xmlns:p="http://schemas.openxmlformats.org/presentationml/2006/main" showMasterSp="0" showMasterPhAnim="0">
+  <p:cSld>
+    <p:spTree>
+      <p:nvGrpSpPr>
+        <p:cNvPr id="1" name="Shape 535"/>
+        <p:cNvGrpSpPr/>
+        <p:nvPr/>
+      </p:nvGrpSpPr>
+      <p:grpSpPr>
+        <a:xfrm>
+          <a:off x="0" y="0"/>
+          <a:ext cx="0" cy="0"/>
+          <a:chOff x="0" y="0"/>
+          <a:chExt cx="0" cy="0"/>
+        </a:xfrm>
+      </p:grpSpPr>
+      <p:sp>
+        <p:nvSpPr>
+          <p:cNvPr id="536" name="Google Shape;536;g30ccb334bf1_0_392:notes"/>
           <p:cNvSpPr txBox="1">
             <a:spLocks noGrp="1"/>
           </p:cNvSpPr>
@@ -10872,49 +10667,44 @@
       </p:sp>
       <p:sp>
         <p:nvSpPr>
-          <p:cNvPr id="525" name="Google Shape;525;g30ca2a6fcdd_1_12:notes"/>
-          <p:cNvSpPr txBox="1">
-            <a:spLocks noGrp="1"/>
-          </p:cNvSpPr>
-          <p:nvPr>
-            <p:ph type="sldNum" idx="12"/>
-          </p:nvPr>
-        </p:nvSpPr>
-        <p:spPr>
-          <a:xfrm>
-            <a:off x="3884613" y="8685213"/>
-            <a:ext cx="2971800" cy="458700"/>
-          </a:xfrm>
-          <a:prstGeom prst="rect">
-            <a:avLst/>
-          </a:prstGeom>
-        </p:spPr>
-        <p:txBody>
-          <a:bodyPr spcFirstLastPara="1" wrap="square" lIns="91425" tIns="45700" rIns="91425" bIns="45700" anchor="b" anchorCtr="0">
-            <a:noAutofit/>
-          </a:bodyPr>
-          <a:lstStyle/>
-          <a:p>
-            <a:pPr marL="0" lvl="0" indent="0" algn="r" rtl="0">
-              <a:spcBef>
-                <a:spcPts val="0"/>
-              </a:spcBef>
-              <a:spcAft>
-                <a:spcPts val="0"/>
-              </a:spcAft>
-              <a:buClr>
-                <a:srgbClr val="000000"/>
-              </a:buClr>
-              <a:buFont typeface="Arial"/>
-              <a:buNone/>
-            </a:pPr>
-            <a:fld id="{00000000-1234-1234-1234-123412341234}" type="slidenum">
-              <a:rPr lang="en-GB"/>
-              <a:t>69</a:t>
-            </a:fld>
-            <a:endParaRPr/>
-          </a:p>
-        </p:txBody>
+          <p:cNvPr id="537" name="Google Shape;537;g30ccb334bf1_0_392:notes"/>
+          <p:cNvSpPr>
+            <a:spLocks noGrp="1" noRot="1" noChangeAspect="1"/>
+          </p:cNvSpPr>
+          <p:nvPr>
+            <p:ph type="sldImg" idx="2"/>
+          </p:nvPr>
+        </p:nvSpPr>
+        <p:spPr>
+          <a:xfrm>
+            <a:off x="685800" y="1143000"/>
+            <a:ext cx="5486400" cy="3086100"/>
+          </a:xfrm>
+          <a:custGeom>
+            <a:avLst/>
+            <a:gdLst/>
+            <a:ahLst/>
+            <a:cxnLst/>
+            <a:rect l="l" t="t" r="r" b="b"/>
+            <a:pathLst>
+              <a:path w="120000" h="120000" extrusionOk="0">
+                <a:moveTo>
+                  <a:pt x="0" y="0"/>
+                </a:moveTo>
+                <a:lnTo>
+                  <a:pt x="120000" y="0"/>
+                </a:lnTo>
+                <a:lnTo>
+                  <a:pt x="120000" y="120000"/>
+                </a:lnTo>
+                <a:lnTo>
+                  <a:pt x="0" y="120000"/>
+                </a:lnTo>
+                <a:close/>
+              </a:path>
+            </a:pathLst>
+          </a:custGeom>
+        </p:spPr>
       </p:sp>
     </p:spTree>
   </p:cSld>
@@ -11079,7 +10869,7 @@
   <p:cSld>
     <p:spTree>
       <p:nvGrpSpPr>
-        <p:cNvPr id="1" name="Shape 530"/>
+        <p:cNvPr id="1" name="Shape 541"/>
         <p:cNvGrpSpPr/>
         <p:nvPr/>
       </p:nvGrpSpPr>
@@ -11093,7 +10883,7 @@
       </p:grpSpPr>
       <p:sp>
         <p:nvSpPr>
-          <p:cNvPr id="531" name="Google Shape;531;g30ccb334bf1_0_388:notes"/>
+          <p:cNvPr id="542" name="Google Shape;542;g30ccb334bf1_0_397:notes"/>
           <p:cNvSpPr txBox="1">
             <a:spLocks noGrp="1"/>
           </p:cNvSpPr>
@@ -11131,7 +10921,7 @@
       </p:sp>
       <p:sp>
         <p:nvSpPr>
-          <p:cNvPr id="532" name="Google Shape;532;g30ccb334bf1_0_388:notes"/>
+          <p:cNvPr id="543" name="Google Shape;543;g30ccb334bf1_0_397:notes"/>
           <p:cNvSpPr>
             <a:spLocks noGrp="1" noRot="1" noChangeAspect="1"/>
           </p:cNvSpPr>
@@ -11183,7 +10973,7 @@
   <p:cSld>
     <p:spTree>
       <p:nvGrpSpPr>
-        <p:cNvPr id="1" name="Shape 535"/>
+        <p:cNvPr id="1" name="Shape 547"/>
         <p:cNvGrpSpPr/>
         <p:nvPr/>
       </p:nvGrpSpPr>
@@ -11197,7 +10987,7 @@
       </p:grpSpPr>
       <p:sp>
         <p:nvSpPr>
-          <p:cNvPr id="536" name="Google Shape;536;g30ccb334bf1_0_392:notes"/>
+          <p:cNvPr id="548" name="Google Shape;548;g30ccb334bf1_0_402:notes"/>
           <p:cNvSpPr txBox="1">
             <a:spLocks noGrp="1"/>
           </p:cNvSpPr>
@@ -11235,7 +11025,7 @@
       </p:sp>
       <p:sp>
         <p:nvSpPr>
-          <p:cNvPr id="537" name="Google Shape;537;g30ccb334bf1_0_392:notes"/>
+          <p:cNvPr id="549" name="Google Shape;549;g30ccb334bf1_0_402:notes"/>
           <p:cNvSpPr>
             <a:spLocks noGrp="1" noRot="1" noChangeAspect="1"/>
           </p:cNvSpPr>
@@ -11283,214 +11073,6 @@
 </file>
 
 <file path=ppt/notesSlides/notesSlide72.xml><?xml version="1.0" encoding="utf-8"?>
-<p:notes xmlns:a="http://schemas.openxmlformats.org/drawingml/2006/main" xmlns:r="http://schemas.openxmlformats.org/officeDocument/2006/relationships" xmlns:p="http://schemas.openxmlformats.org/presentationml/2006/main" showMasterSp="0" showMasterPhAnim="0">
-  <p:cSld>
-    <p:spTree>
-      <p:nvGrpSpPr>
-        <p:cNvPr id="1" name="Shape 541"/>
-        <p:cNvGrpSpPr/>
-        <p:nvPr/>
-      </p:nvGrpSpPr>
-      <p:grpSpPr>
-        <a:xfrm>
-          <a:off x="0" y="0"/>
-          <a:ext cx="0" cy="0"/>
-          <a:chOff x="0" y="0"/>
-          <a:chExt cx="0" cy="0"/>
-        </a:xfrm>
-      </p:grpSpPr>
-      <p:sp>
-        <p:nvSpPr>
-          <p:cNvPr id="542" name="Google Shape;542;g30ccb334bf1_0_397:notes"/>
-          <p:cNvSpPr txBox="1">
-            <a:spLocks noGrp="1"/>
-          </p:cNvSpPr>
-          <p:nvPr>
-            <p:ph type="body" idx="1"/>
-          </p:nvPr>
-        </p:nvSpPr>
-        <p:spPr>
-          <a:xfrm>
-            <a:off x="685800" y="4400550"/>
-            <a:ext cx="5486400" cy="3600600"/>
-          </a:xfrm>
-          <a:prstGeom prst="rect">
-            <a:avLst/>
-          </a:prstGeom>
-        </p:spPr>
-        <p:txBody>
-          <a:bodyPr spcFirstLastPara="1" wrap="square" lIns="91425" tIns="45700" rIns="91425" bIns="45700" anchor="t" anchorCtr="0">
-            <a:noAutofit/>
-          </a:bodyPr>
-          <a:lstStyle/>
-          <a:p>
-            <a:pPr marL="0" lvl="0" indent="0" algn="l" rtl="0">
-              <a:spcBef>
-                <a:spcPts val="0"/>
-              </a:spcBef>
-              <a:spcAft>
-                <a:spcPts val="0"/>
-              </a:spcAft>
-              <a:buNone/>
-            </a:pPr>
-            <a:endParaRPr/>
-          </a:p>
-        </p:txBody>
-      </p:sp>
-      <p:sp>
-        <p:nvSpPr>
-          <p:cNvPr id="543" name="Google Shape;543;g30ccb334bf1_0_397:notes"/>
-          <p:cNvSpPr>
-            <a:spLocks noGrp="1" noRot="1" noChangeAspect="1"/>
-          </p:cNvSpPr>
-          <p:nvPr>
-            <p:ph type="sldImg" idx="2"/>
-          </p:nvPr>
-        </p:nvSpPr>
-        <p:spPr>
-          <a:xfrm>
-            <a:off x="685800" y="1143000"/>
-            <a:ext cx="5486400" cy="3086100"/>
-          </a:xfrm>
-          <a:custGeom>
-            <a:avLst/>
-            <a:gdLst/>
-            <a:ahLst/>
-            <a:cxnLst/>
-            <a:rect l="l" t="t" r="r" b="b"/>
-            <a:pathLst>
-              <a:path w="120000" h="120000" extrusionOk="0">
-                <a:moveTo>
-                  <a:pt x="0" y="0"/>
-                </a:moveTo>
-                <a:lnTo>
-                  <a:pt x="120000" y="0"/>
-                </a:lnTo>
-                <a:lnTo>
-                  <a:pt x="120000" y="120000"/>
-                </a:lnTo>
-                <a:lnTo>
-                  <a:pt x="0" y="120000"/>
-                </a:lnTo>
-                <a:close/>
-              </a:path>
-            </a:pathLst>
-          </a:custGeom>
-        </p:spPr>
-      </p:sp>
-    </p:spTree>
-  </p:cSld>
-  <p:clrMapOvr>
-    <a:masterClrMapping/>
-  </p:clrMapOvr>
-</p:notes>
-</file>
-
-<file path=ppt/notesSlides/notesSlide73.xml><?xml version="1.0" encoding="utf-8"?>
-<p:notes xmlns:a="http://schemas.openxmlformats.org/drawingml/2006/main" xmlns:r="http://schemas.openxmlformats.org/officeDocument/2006/relationships" xmlns:p="http://schemas.openxmlformats.org/presentationml/2006/main" showMasterSp="0" showMasterPhAnim="0">
-  <p:cSld>
-    <p:spTree>
-      <p:nvGrpSpPr>
-        <p:cNvPr id="1" name="Shape 547"/>
-        <p:cNvGrpSpPr/>
-        <p:nvPr/>
-      </p:nvGrpSpPr>
-      <p:grpSpPr>
-        <a:xfrm>
-          <a:off x="0" y="0"/>
-          <a:ext cx="0" cy="0"/>
-          <a:chOff x="0" y="0"/>
-          <a:chExt cx="0" cy="0"/>
-        </a:xfrm>
-      </p:grpSpPr>
-      <p:sp>
-        <p:nvSpPr>
-          <p:cNvPr id="548" name="Google Shape;548;g30ccb334bf1_0_402:notes"/>
-          <p:cNvSpPr txBox="1">
-            <a:spLocks noGrp="1"/>
-          </p:cNvSpPr>
-          <p:nvPr>
-            <p:ph type="body" idx="1"/>
-          </p:nvPr>
-        </p:nvSpPr>
-        <p:spPr>
-          <a:xfrm>
-            <a:off x="685800" y="4400550"/>
-            <a:ext cx="5486400" cy="3600600"/>
-          </a:xfrm>
-          <a:prstGeom prst="rect">
-            <a:avLst/>
-          </a:prstGeom>
-        </p:spPr>
-        <p:txBody>
-          <a:bodyPr spcFirstLastPara="1" wrap="square" lIns="91425" tIns="45700" rIns="91425" bIns="45700" anchor="t" anchorCtr="0">
-            <a:noAutofit/>
-          </a:bodyPr>
-          <a:lstStyle/>
-          <a:p>
-            <a:pPr marL="0" lvl="0" indent="0" algn="l" rtl="0">
-              <a:spcBef>
-                <a:spcPts val="0"/>
-              </a:spcBef>
-              <a:spcAft>
-                <a:spcPts val="0"/>
-              </a:spcAft>
-              <a:buNone/>
-            </a:pPr>
-            <a:endParaRPr/>
-          </a:p>
-        </p:txBody>
-      </p:sp>
-      <p:sp>
-        <p:nvSpPr>
-          <p:cNvPr id="549" name="Google Shape;549;g30ccb334bf1_0_402:notes"/>
-          <p:cNvSpPr>
-            <a:spLocks noGrp="1" noRot="1" noChangeAspect="1"/>
-          </p:cNvSpPr>
-          <p:nvPr>
-            <p:ph type="sldImg" idx="2"/>
-          </p:nvPr>
-        </p:nvSpPr>
-        <p:spPr>
-          <a:xfrm>
-            <a:off x="685800" y="1143000"/>
-            <a:ext cx="5486400" cy="3086100"/>
-          </a:xfrm>
-          <a:custGeom>
-            <a:avLst/>
-            <a:gdLst/>
-            <a:ahLst/>
-            <a:cxnLst/>
-            <a:rect l="l" t="t" r="r" b="b"/>
-            <a:pathLst>
-              <a:path w="120000" h="120000" extrusionOk="0">
-                <a:moveTo>
-                  <a:pt x="0" y="0"/>
-                </a:moveTo>
-                <a:lnTo>
-                  <a:pt x="120000" y="0"/>
-                </a:lnTo>
-                <a:lnTo>
-                  <a:pt x="120000" y="120000"/>
-                </a:lnTo>
-                <a:lnTo>
-                  <a:pt x="0" y="120000"/>
-                </a:lnTo>
-                <a:close/>
-              </a:path>
-            </a:pathLst>
-          </a:custGeom>
-        </p:spPr>
-      </p:sp>
-    </p:spTree>
-  </p:cSld>
-  <p:clrMapOvr>
-    <a:masterClrMapping/>
-  </p:clrMapOvr>
-</p:notes>
-</file>
-
-<file path=ppt/notesSlides/notesSlide74.xml><?xml version="1.0" encoding="utf-8"?>
 <p:notes xmlns:a="http://schemas.openxmlformats.org/drawingml/2006/main" xmlns:r="http://schemas.openxmlformats.org/officeDocument/2006/relationships" xmlns:p="http://schemas.openxmlformats.org/presentationml/2006/main" showMasterSp="0" showMasterPhAnim="0">
   <p:cSld>
     <p:spTree>
@@ -11640,7 +11222,7 @@
             </a:pPr>
             <a:fld id="{00000000-1234-1234-1234-123412341234}" type="slidenum">
               <a:rPr lang="en-GB"/>
-              <a:t>74</a:t>
+              <a:t>72</a:t>
             </a:fld>
             <a:endParaRPr/>
           </a:p>
@@ -11654,7 +11236,7 @@
 </p:notes>
 </file>
 
-<file path=ppt/notesSlides/notesSlide75.xml><?xml version="1.0" encoding="utf-8"?>
+<file path=ppt/notesSlides/notesSlide73.xml><?xml version="1.0" encoding="utf-8"?>
 <p:notes xmlns:a="http://schemas.openxmlformats.org/drawingml/2006/main" xmlns:r="http://schemas.openxmlformats.org/officeDocument/2006/relationships" xmlns:p="http://schemas.openxmlformats.org/presentationml/2006/main" showMasterSp="0" showMasterPhAnim="0">
   <p:cSld>
     <p:spTree>
@@ -11804,7 +11386,7 @@
             </a:pPr>
             <a:fld id="{00000000-1234-1234-1234-123412341234}" type="slidenum">
               <a:rPr lang="en-GB"/>
-              <a:t>75</a:t>
+              <a:t>73</a:t>
             </a:fld>
             <a:endParaRPr/>
           </a:p>
@@ -11818,7 +11400,7 @@
 </p:notes>
 </file>
 
-<file path=ppt/notesSlides/notesSlide76.xml><?xml version="1.0" encoding="utf-8"?>
+<file path=ppt/notesSlides/notesSlide74.xml><?xml version="1.0" encoding="utf-8"?>
 <p:notes xmlns:a="http://schemas.openxmlformats.org/drawingml/2006/main" xmlns:r="http://schemas.openxmlformats.org/officeDocument/2006/relationships" xmlns:p="http://schemas.openxmlformats.org/presentationml/2006/main" showMasterSp="0" showMasterPhAnim="0">
   <p:cSld>
     <p:spTree>
@@ -11922,7 +11504,7 @@
 </p:notes>
 </file>
 
-<file path=ppt/notesSlides/notesSlide77.xml><?xml version="1.0" encoding="utf-8"?>
+<file path=ppt/notesSlides/notesSlide75.xml><?xml version="1.0" encoding="utf-8"?>
 <p:notes xmlns:a="http://schemas.openxmlformats.org/drawingml/2006/main" xmlns:r="http://schemas.openxmlformats.org/officeDocument/2006/relationships" xmlns:p="http://schemas.openxmlformats.org/presentationml/2006/main" showMasterSp="0" showMasterPhAnim="0">
   <p:cSld>
     <p:spTree>
@@ -12026,7 +11608,7 @@
 </p:notes>
 </file>
 
-<file path=ppt/notesSlides/notesSlide78.xml><?xml version="1.0" encoding="utf-8"?>
+<file path=ppt/notesSlides/notesSlide76.xml><?xml version="1.0" encoding="utf-8"?>
 <p:notes xmlns:a="http://schemas.openxmlformats.org/drawingml/2006/main" xmlns:r="http://schemas.openxmlformats.org/officeDocument/2006/relationships" xmlns:p="http://schemas.openxmlformats.org/presentationml/2006/main" showMasterSp="0" showMasterPhAnim="0">
   <p:cSld>
     <p:spTree>
@@ -12130,7 +11712,7 @@
 </p:notes>
 </file>
 
-<file path=ppt/notesSlides/notesSlide79.xml><?xml version="1.0" encoding="utf-8"?>
+<file path=ppt/notesSlides/notesSlide77.xml><?xml version="1.0" encoding="utf-8"?>
 <p:notes xmlns:a="http://schemas.openxmlformats.org/drawingml/2006/main" xmlns:r="http://schemas.openxmlformats.org/officeDocument/2006/relationships" xmlns:p="http://schemas.openxmlformats.org/presentationml/2006/main" showMasterSp="0" showMasterPhAnim="0">
   <p:cSld>
     <p:spTree>
@@ -12188,6 +11770,214 @@
       <p:sp>
         <p:nvSpPr>
           <p:cNvPr id="590" name="Google Shape;590;g30ccb334bf1_0_437:notes"/>
+          <p:cNvSpPr>
+            <a:spLocks noGrp="1" noRot="1" noChangeAspect="1"/>
+          </p:cNvSpPr>
+          <p:nvPr>
+            <p:ph type="sldImg" idx="2"/>
+          </p:nvPr>
+        </p:nvSpPr>
+        <p:spPr>
+          <a:xfrm>
+            <a:off x="685800" y="1143000"/>
+            <a:ext cx="5486400" cy="3086100"/>
+          </a:xfrm>
+          <a:custGeom>
+            <a:avLst/>
+            <a:gdLst/>
+            <a:ahLst/>
+            <a:cxnLst/>
+            <a:rect l="l" t="t" r="r" b="b"/>
+            <a:pathLst>
+              <a:path w="120000" h="120000" extrusionOk="0">
+                <a:moveTo>
+                  <a:pt x="0" y="0"/>
+                </a:moveTo>
+                <a:lnTo>
+                  <a:pt x="120000" y="0"/>
+                </a:lnTo>
+                <a:lnTo>
+                  <a:pt x="120000" y="120000"/>
+                </a:lnTo>
+                <a:lnTo>
+                  <a:pt x="0" y="120000"/>
+                </a:lnTo>
+                <a:close/>
+              </a:path>
+            </a:pathLst>
+          </a:custGeom>
+        </p:spPr>
+      </p:sp>
+    </p:spTree>
+  </p:cSld>
+  <p:clrMapOvr>
+    <a:masterClrMapping/>
+  </p:clrMapOvr>
+</p:notes>
+</file>
+
+<file path=ppt/notesSlides/notesSlide78.xml><?xml version="1.0" encoding="utf-8"?>
+<p:notes xmlns:a="http://schemas.openxmlformats.org/drawingml/2006/main" xmlns:r="http://schemas.openxmlformats.org/officeDocument/2006/relationships" xmlns:p="http://schemas.openxmlformats.org/presentationml/2006/main" showMasterSp="0" showMasterPhAnim="0">
+  <p:cSld>
+    <p:spTree>
+      <p:nvGrpSpPr>
+        <p:cNvPr id="1" name="Shape 593"/>
+        <p:cNvGrpSpPr/>
+        <p:nvPr/>
+      </p:nvGrpSpPr>
+      <p:grpSpPr>
+        <a:xfrm>
+          <a:off x="0" y="0"/>
+          <a:ext cx="0" cy="0"/>
+          <a:chOff x="0" y="0"/>
+          <a:chExt cx="0" cy="0"/>
+        </a:xfrm>
+      </p:grpSpPr>
+      <p:sp>
+        <p:nvSpPr>
+          <p:cNvPr id="594" name="Google Shape;594;g30ccb334bf1_0_441:notes"/>
+          <p:cNvSpPr txBox="1">
+            <a:spLocks noGrp="1"/>
+          </p:cNvSpPr>
+          <p:nvPr>
+            <p:ph type="body" idx="1"/>
+          </p:nvPr>
+        </p:nvSpPr>
+        <p:spPr>
+          <a:xfrm>
+            <a:off x="685800" y="4400550"/>
+            <a:ext cx="5486400" cy="3600600"/>
+          </a:xfrm>
+          <a:prstGeom prst="rect">
+            <a:avLst/>
+          </a:prstGeom>
+        </p:spPr>
+        <p:txBody>
+          <a:bodyPr spcFirstLastPara="1" wrap="square" lIns="91425" tIns="45700" rIns="91425" bIns="45700" anchor="t" anchorCtr="0">
+            <a:noAutofit/>
+          </a:bodyPr>
+          <a:lstStyle/>
+          <a:p>
+            <a:pPr marL="0" lvl="0" indent="0" algn="l" rtl="0">
+              <a:spcBef>
+                <a:spcPts val="0"/>
+              </a:spcBef>
+              <a:spcAft>
+                <a:spcPts val="0"/>
+              </a:spcAft>
+              <a:buNone/>
+            </a:pPr>
+            <a:endParaRPr/>
+          </a:p>
+        </p:txBody>
+      </p:sp>
+      <p:sp>
+        <p:nvSpPr>
+          <p:cNvPr id="595" name="Google Shape;595;g30ccb334bf1_0_441:notes"/>
+          <p:cNvSpPr>
+            <a:spLocks noGrp="1" noRot="1" noChangeAspect="1"/>
+          </p:cNvSpPr>
+          <p:nvPr>
+            <p:ph type="sldImg" idx="2"/>
+          </p:nvPr>
+        </p:nvSpPr>
+        <p:spPr>
+          <a:xfrm>
+            <a:off x="685800" y="1143000"/>
+            <a:ext cx="5486400" cy="3086100"/>
+          </a:xfrm>
+          <a:custGeom>
+            <a:avLst/>
+            <a:gdLst/>
+            <a:ahLst/>
+            <a:cxnLst/>
+            <a:rect l="l" t="t" r="r" b="b"/>
+            <a:pathLst>
+              <a:path w="120000" h="120000" extrusionOk="0">
+                <a:moveTo>
+                  <a:pt x="0" y="0"/>
+                </a:moveTo>
+                <a:lnTo>
+                  <a:pt x="120000" y="0"/>
+                </a:lnTo>
+                <a:lnTo>
+                  <a:pt x="120000" y="120000"/>
+                </a:lnTo>
+                <a:lnTo>
+                  <a:pt x="0" y="120000"/>
+                </a:lnTo>
+                <a:close/>
+              </a:path>
+            </a:pathLst>
+          </a:custGeom>
+        </p:spPr>
+      </p:sp>
+    </p:spTree>
+  </p:cSld>
+  <p:clrMapOvr>
+    <a:masterClrMapping/>
+  </p:clrMapOvr>
+</p:notes>
+</file>
+
+<file path=ppt/notesSlides/notesSlide79.xml><?xml version="1.0" encoding="utf-8"?>
+<p:notes xmlns:a="http://schemas.openxmlformats.org/drawingml/2006/main" xmlns:r="http://schemas.openxmlformats.org/officeDocument/2006/relationships" xmlns:p="http://schemas.openxmlformats.org/presentationml/2006/main" showMasterSp="0" showMasterPhAnim="0">
+  <p:cSld>
+    <p:spTree>
+      <p:nvGrpSpPr>
+        <p:cNvPr id="1" name="Shape 599"/>
+        <p:cNvGrpSpPr/>
+        <p:nvPr/>
+      </p:nvGrpSpPr>
+      <p:grpSpPr>
+        <a:xfrm>
+          <a:off x="0" y="0"/>
+          <a:ext cx="0" cy="0"/>
+          <a:chOff x="0" y="0"/>
+          <a:chExt cx="0" cy="0"/>
+        </a:xfrm>
+      </p:grpSpPr>
+      <p:sp>
+        <p:nvSpPr>
+          <p:cNvPr id="600" name="Google Shape;600;g30ccb334bf1_0_446:notes"/>
+          <p:cNvSpPr txBox="1">
+            <a:spLocks noGrp="1"/>
+          </p:cNvSpPr>
+          <p:nvPr>
+            <p:ph type="body" idx="1"/>
+          </p:nvPr>
+        </p:nvSpPr>
+        <p:spPr>
+          <a:xfrm>
+            <a:off x="685800" y="4400550"/>
+            <a:ext cx="5486400" cy="3600600"/>
+          </a:xfrm>
+          <a:prstGeom prst="rect">
+            <a:avLst/>
+          </a:prstGeom>
+        </p:spPr>
+        <p:txBody>
+          <a:bodyPr spcFirstLastPara="1" wrap="square" lIns="91425" tIns="45700" rIns="91425" bIns="45700" anchor="t" anchorCtr="0">
+            <a:noAutofit/>
+          </a:bodyPr>
+          <a:lstStyle/>
+          <a:p>
+            <a:pPr marL="0" lvl="0" indent="0" algn="l" rtl="0">
+              <a:spcBef>
+                <a:spcPts val="0"/>
+              </a:spcBef>
+              <a:spcAft>
+                <a:spcPts val="0"/>
+              </a:spcAft>
+              <a:buNone/>
+            </a:pPr>
+            <a:endParaRPr/>
+          </a:p>
+        </p:txBody>
+      </p:sp>
+      <p:sp>
+        <p:nvSpPr>
+          <p:cNvPr id="601" name="Google Shape;601;g30ccb334bf1_0_446:notes"/>
           <p:cNvSpPr>
             <a:spLocks noGrp="1" noRot="1" noChangeAspect="1"/>
           </p:cNvSpPr>
@@ -12389,7 +12179,7 @@
   <p:cSld>
     <p:spTree>
       <p:nvGrpSpPr>
-        <p:cNvPr id="1" name="Shape 593"/>
+        <p:cNvPr id="1" name="Shape 606"/>
         <p:cNvGrpSpPr/>
         <p:nvPr/>
       </p:nvGrpSpPr>
@@ -12403,7 +12193,7 @@
       </p:grpSpPr>
       <p:sp>
         <p:nvSpPr>
-          <p:cNvPr id="594" name="Google Shape;594;g30ccb334bf1_0_441:notes"/>
+          <p:cNvPr id="607" name="Google Shape;607;g30ccb334bf1_0_452:notes"/>
           <p:cNvSpPr txBox="1">
             <a:spLocks noGrp="1"/>
           </p:cNvSpPr>
@@ -12441,7 +12231,7 @@
       </p:sp>
       <p:sp>
         <p:nvSpPr>
-          <p:cNvPr id="595" name="Google Shape;595;g30ccb334bf1_0_441:notes"/>
+          <p:cNvPr id="608" name="Google Shape;608;g30ccb334bf1_0_452:notes"/>
           <p:cNvSpPr>
             <a:spLocks noGrp="1" noRot="1" noChangeAspect="1"/>
           </p:cNvSpPr>
@@ -12489,214 +12279,6 @@
 </file>
 
 <file path=ppt/notesSlides/notesSlide81.xml><?xml version="1.0" encoding="utf-8"?>
-<p:notes xmlns:a="http://schemas.openxmlformats.org/drawingml/2006/main" xmlns:r="http://schemas.openxmlformats.org/officeDocument/2006/relationships" xmlns:p="http://schemas.openxmlformats.org/presentationml/2006/main" showMasterSp="0" showMasterPhAnim="0">
-  <p:cSld>
-    <p:spTree>
-      <p:nvGrpSpPr>
-        <p:cNvPr id="1" name="Shape 599"/>
-        <p:cNvGrpSpPr/>
-        <p:nvPr/>
-      </p:nvGrpSpPr>
-      <p:grpSpPr>
-        <a:xfrm>
-          <a:off x="0" y="0"/>
-          <a:ext cx="0" cy="0"/>
-          <a:chOff x="0" y="0"/>
-          <a:chExt cx="0" cy="0"/>
-        </a:xfrm>
-      </p:grpSpPr>
-      <p:sp>
-        <p:nvSpPr>
-          <p:cNvPr id="600" name="Google Shape;600;g30ccb334bf1_0_446:notes"/>
-          <p:cNvSpPr txBox="1">
-            <a:spLocks noGrp="1"/>
-          </p:cNvSpPr>
-          <p:nvPr>
-            <p:ph type="body" idx="1"/>
-          </p:nvPr>
-        </p:nvSpPr>
-        <p:spPr>
-          <a:xfrm>
-            <a:off x="685800" y="4400550"/>
-            <a:ext cx="5486400" cy="3600600"/>
-          </a:xfrm>
-          <a:prstGeom prst="rect">
-            <a:avLst/>
-          </a:prstGeom>
-        </p:spPr>
-        <p:txBody>
-          <a:bodyPr spcFirstLastPara="1" wrap="square" lIns="91425" tIns="45700" rIns="91425" bIns="45700" anchor="t" anchorCtr="0">
-            <a:noAutofit/>
-          </a:bodyPr>
-          <a:lstStyle/>
-          <a:p>
-            <a:pPr marL="0" lvl="0" indent="0" algn="l" rtl="0">
-              <a:spcBef>
-                <a:spcPts val="0"/>
-              </a:spcBef>
-              <a:spcAft>
-                <a:spcPts val="0"/>
-              </a:spcAft>
-              <a:buNone/>
-            </a:pPr>
-            <a:endParaRPr/>
-          </a:p>
-        </p:txBody>
-      </p:sp>
-      <p:sp>
-        <p:nvSpPr>
-          <p:cNvPr id="601" name="Google Shape;601;g30ccb334bf1_0_446:notes"/>
-          <p:cNvSpPr>
-            <a:spLocks noGrp="1" noRot="1" noChangeAspect="1"/>
-          </p:cNvSpPr>
-          <p:nvPr>
-            <p:ph type="sldImg" idx="2"/>
-          </p:nvPr>
-        </p:nvSpPr>
-        <p:spPr>
-          <a:xfrm>
-            <a:off x="685800" y="1143000"/>
-            <a:ext cx="5486400" cy="3086100"/>
-          </a:xfrm>
-          <a:custGeom>
-            <a:avLst/>
-            <a:gdLst/>
-            <a:ahLst/>
-            <a:cxnLst/>
-            <a:rect l="l" t="t" r="r" b="b"/>
-            <a:pathLst>
-              <a:path w="120000" h="120000" extrusionOk="0">
-                <a:moveTo>
-                  <a:pt x="0" y="0"/>
-                </a:moveTo>
-                <a:lnTo>
-                  <a:pt x="120000" y="0"/>
-                </a:lnTo>
-                <a:lnTo>
-                  <a:pt x="120000" y="120000"/>
-                </a:lnTo>
-                <a:lnTo>
-                  <a:pt x="0" y="120000"/>
-                </a:lnTo>
-                <a:close/>
-              </a:path>
-            </a:pathLst>
-          </a:custGeom>
-        </p:spPr>
-      </p:sp>
-    </p:spTree>
-  </p:cSld>
-  <p:clrMapOvr>
-    <a:masterClrMapping/>
-  </p:clrMapOvr>
-</p:notes>
-</file>
-
-<file path=ppt/notesSlides/notesSlide82.xml><?xml version="1.0" encoding="utf-8"?>
-<p:notes xmlns:a="http://schemas.openxmlformats.org/drawingml/2006/main" xmlns:r="http://schemas.openxmlformats.org/officeDocument/2006/relationships" xmlns:p="http://schemas.openxmlformats.org/presentationml/2006/main" showMasterSp="0" showMasterPhAnim="0">
-  <p:cSld>
-    <p:spTree>
-      <p:nvGrpSpPr>
-        <p:cNvPr id="1" name="Shape 606"/>
-        <p:cNvGrpSpPr/>
-        <p:nvPr/>
-      </p:nvGrpSpPr>
-      <p:grpSpPr>
-        <a:xfrm>
-          <a:off x="0" y="0"/>
-          <a:ext cx="0" cy="0"/>
-          <a:chOff x="0" y="0"/>
-          <a:chExt cx="0" cy="0"/>
-        </a:xfrm>
-      </p:grpSpPr>
-      <p:sp>
-        <p:nvSpPr>
-          <p:cNvPr id="607" name="Google Shape;607;g30ccb334bf1_0_452:notes"/>
-          <p:cNvSpPr txBox="1">
-            <a:spLocks noGrp="1"/>
-          </p:cNvSpPr>
-          <p:nvPr>
-            <p:ph type="body" idx="1"/>
-          </p:nvPr>
-        </p:nvSpPr>
-        <p:spPr>
-          <a:xfrm>
-            <a:off x="685800" y="4400550"/>
-            <a:ext cx="5486400" cy="3600600"/>
-          </a:xfrm>
-          <a:prstGeom prst="rect">
-            <a:avLst/>
-          </a:prstGeom>
-        </p:spPr>
-        <p:txBody>
-          <a:bodyPr spcFirstLastPara="1" wrap="square" lIns="91425" tIns="45700" rIns="91425" bIns="45700" anchor="t" anchorCtr="0">
-            <a:noAutofit/>
-          </a:bodyPr>
-          <a:lstStyle/>
-          <a:p>
-            <a:pPr marL="0" lvl="0" indent="0" algn="l" rtl="0">
-              <a:spcBef>
-                <a:spcPts val="0"/>
-              </a:spcBef>
-              <a:spcAft>
-                <a:spcPts val="0"/>
-              </a:spcAft>
-              <a:buNone/>
-            </a:pPr>
-            <a:endParaRPr/>
-          </a:p>
-        </p:txBody>
-      </p:sp>
-      <p:sp>
-        <p:nvSpPr>
-          <p:cNvPr id="608" name="Google Shape;608;g30ccb334bf1_0_452:notes"/>
-          <p:cNvSpPr>
-            <a:spLocks noGrp="1" noRot="1" noChangeAspect="1"/>
-          </p:cNvSpPr>
-          <p:nvPr>
-            <p:ph type="sldImg" idx="2"/>
-          </p:nvPr>
-        </p:nvSpPr>
-        <p:spPr>
-          <a:xfrm>
-            <a:off x="685800" y="1143000"/>
-            <a:ext cx="5486400" cy="3086100"/>
-          </a:xfrm>
-          <a:custGeom>
-            <a:avLst/>
-            <a:gdLst/>
-            <a:ahLst/>
-            <a:cxnLst/>
-            <a:rect l="l" t="t" r="r" b="b"/>
-            <a:pathLst>
-              <a:path w="120000" h="120000" extrusionOk="0">
-                <a:moveTo>
-                  <a:pt x="0" y="0"/>
-                </a:moveTo>
-                <a:lnTo>
-                  <a:pt x="120000" y="0"/>
-                </a:lnTo>
-                <a:lnTo>
-                  <a:pt x="120000" y="120000"/>
-                </a:lnTo>
-                <a:lnTo>
-                  <a:pt x="0" y="120000"/>
-                </a:lnTo>
-                <a:close/>
-              </a:path>
-            </a:pathLst>
-          </a:custGeom>
-        </p:spPr>
-      </p:sp>
-    </p:spTree>
-  </p:cSld>
-  <p:clrMapOvr>
-    <a:masterClrMapping/>
-  </p:clrMapOvr>
-</p:notes>
-</file>
-
-<file path=ppt/notesSlides/notesSlide83.xml><?xml version="1.0" encoding="utf-8"?>
 <p:notes xmlns:a="http://schemas.openxmlformats.org/drawingml/2006/main" xmlns:r="http://schemas.openxmlformats.org/officeDocument/2006/relationships" xmlns:p="http://schemas.openxmlformats.org/presentationml/2006/main" showMasterSp="0" showMasterPhAnim="0">
   <p:cSld>
     <p:spTree>
@@ -12846,7 +12428,7 @@
             </a:pPr>
             <a:fld id="{00000000-1234-1234-1234-123412341234}" type="slidenum">
               <a:rPr lang="en-GB"/>
-              <a:t>83</a:t>
+              <a:t>81</a:t>
             </a:fld>
             <a:endParaRPr/>
           </a:p>
@@ -12860,7 +12442,7 @@
 </p:notes>
 </file>
 
-<file path=ppt/notesSlides/notesSlide84.xml><?xml version="1.0" encoding="utf-8"?>
+<file path=ppt/notesSlides/notesSlide82.xml><?xml version="1.0" encoding="utf-8"?>
 <p:notes xmlns:a="http://schemas.openxmlformats.org/drawingml/2006/main" xmlns:r="http://schemas.openxmlformats.org/officeDocument/2006/relationships" xmlns:p="http://schemas.openxmlformats.org/presentationml/2006/main" showMasterSp="0" showMasterPhAnim="0">
   <p:cSld>
     <p:spTree>
@@ -12964,7 +12546,7 @@
 </p:notes>
 </file>
 
-<file path=ppt/notesSlides/notesSlide85.xml><?xml version="1.0" encoding="utf-8"?>
+<file path=ppt/notesSlides/notesSlide83.xml><?xml version="1.0" encoding="utf-8"?>
 <p:notes xmlns:a="http://schemas.openxmlformats.org/drawingml/2006/main" xmlns:r="http://schemas.openxmlformats.org/officeDocument/2006/relationships" xmlns:p="http://schemas.openxmlformats.org/presentationml/2006/main" showMasterSp="0" showMasterPhAnim="0">
   <p:cSld>
     <p:spTree>
@@ -13068,7 +12650,7 @@
 </p:notes>
 </file>
 
-<file path=ppt/notesSlides/notesSlide86.xml><?xml version="1.0" encoding="utf-8"?>
+<file path=ppt/notesSlides/notesSlide84.xml><?xml version="1.0" encoding="utf-8"?>
 <p:notes xmlns:a="http://schemas.openxmlformats.org/drawingml/2006/main" xmlns:r="http://schemas.openxmlformats.org/officeDocument/2006/relationships" xmlns:p="http://schemas.openxmlformats.org/presentationml/2006/main" showMasterSp="0" showMasterPhAnim="0">
   <p:cSld>
     <p:spTree>
@@ -13172,7 +12754,7 @@
 </p:notes>
 </file>
 
-<file path=ppt/notesSlides/notesSlide87.xml><?xml version="1.0" encoding="utf-8"?>
+<file path=ppt/notesSlides/notesSlide85.xml><?xml version="1.0" encoding="utf-8"?>
 <p:notes xmlns:a="http://schemas.openxmlformats.org/drawingml/2006/main" xmlns:r="http://schemas.openxmlformats.org/officeDocument/2006/relationships" xmlns:p="http://schemas.openxmlformats.org/presentationml/2006/main" showMasterSp="0" showMasterPhAnim="0">
   <p:cSld>
     <p:spTree>
@@ -13276,7 +12858,7 @@
 </p:notes>
 </file>
 
-<file path=ppt/notesSlides/notesSlide88.xml><?xml version="1.0" encoding="utf-8"?>
+<file path=ppt/notesSlides/notesSlide86.xml><?xml version="1.0" encoding="utf-8"?>
 <p:notes xmlns:a="http://schemas.openxmlformats.org/drawingml/2006/main" xmlns:r="http://schemas.openxmlformats.org/officeDocument/2006/relationships" xmlns:p="http://schemas.openxmlformats.org/presentationml/2006/main" showMasterSp="0" showMasterPhAnim="0">
   <p:cSld>
     <p:spTree>
@@ -13380,7 +12962,7 @@
 </p:notes>
 </file>
 
-<file path=ppt/notesSlides/notesSlide89.xml><?xml version="1.0" encoding="utf-8"?>
+<file path=ppt/notesSlides/notesSlide87.xml><?xml version="1.0" encoding="utf-8"?>
 <p:notes xmlns:a="http://schemas.openxmlformats.org/drawingml/2006/main" xmlns:r="http://schemas.openxmlformats.org/officeDocument/2006/relationships" xmlns:p="http://schemas.openxmlformats.org/presentationml/2006/main" showMasterSp="0" showMasterPhAnim="0">
   <p:cSld>
     <p:spTree>
@@ -13438,6 +13020,214 @@
       <p:sp>
         <p:nvSpPr>
           <p:cNvPr id="655" name="Google Shape;655;g30ccb334bf1_0_492:notes"/>
+          <p:cNvSpPr>
+            <a:spLocks noGrp="1" noRot="1" noChangeAspect="1"/>
+          </p:cNvSpPr>
+          <p:nvPr>
+            <p:ph type="sldImg" idx="2"/>
+          </p:nvPr>
+        </p:nvSpPr>
+        <p:spPr>
+          <a:xfrm>
+            <a:off x="685800" y="1143000"/>
+            <a:ext cx="5486400" cy="3086100"/>
+          </a:xfrm>
+          <a:custGeom>
+            <a:avLst/>
+            <a:gdLst/>
+            <a:ahLst/>
+            <a:cxnLst/>
+            <a:rect l="l" t="t" r="r" b="b"/>
+            <a:pathLst>
+              <a:path w="120000" h="120000" extrusionOk="0">
+                <a:moveTo>
+                  <a:pt x="0" y="0"/>
+                </a:moveTo>
+                <a:lnTo>
+                  <a:pt x="120000" y="0"/>
+                </a:lnTo>
+                <a:lnTo>
+                  <a:pt x="120000" y="120000"/>
+                </a:lnTo>
+                <a:lnTo>
+                  <a:pt x="0" y="120000"/>
+                </a:lnTo>
+                <a:close/>
+              </a:path>
+            </a:pathLst>
+          </a:custGeom>
+        </p:spPr>
+      </p:sp>
+    </p:spTree>
+  </p:cSld>
+  <p:clrMapOvr>
+    <a:masterClrMapping/>
+  </p:clrMapOvr>
+</p:notes>
+</file>
+
+<file path=ppt/notesSlides/notesSlide88.xml><?xml version="1.0" encoding="utf-8"?>
+<p:notes xmlns:a="http://schemas.openxmlformats.org/drawingml/2006/main" xmlns:r="http://schemas.openxmlformats.org/officeDocument/2006/relationships" xmlns:p="http://schemas.openxmlformats.org/presentationml/2006/main" showMasterSp="0" showMasterPhAnim="0">
+  <p:cSld>
+    <p:spTree>
+      <p:nvGrpSpPr>
+        <p:cNvPr id="1" name="Shape 660"/>
+        <p:cNvGrpSpPr/>
+        <p:nvPr/>
+      </p:nvGrpSpPr>
+      <p:grpSpPr>
+        <a:xfrm>
+          <a:off x="0" y="0"/>
+          <a:ext cx="0" cy="0"/>
+          <a:chOff x="0" y="0"/>
+          <a:chExt cx="0" cy="0"/>
+        </a:xfrm>
+      </p:grpSpPr>
+      <p:sp>
+        <p:nvSpPr>
+          <p:cNvPr id="661" name="Google Shape;661;g30ccb334bf1_0_498:notes"/>
+          <p:cNvSpPr txBox="1">
+            <a:spLocks noGrp="1"/>
+          </p:cNvSpPr>
+          <p:nvPr>
+            <p:ph type="body" idx="1"/>
+          </p:nvPr>
+        </p:nvSpPr>
+        <p:spPr>
+          <a:xfrm>
+            <a:off x="685800" y="4400550"/>
+            <a:ext cx="5486400" cy="3600600"/>
+          </a:xfrm>
+          <a:prstGeom prst="rect">
+            <a:avLst/>
+          </a:prstGeom>
+        </p:spPr>
+        <p:txBody>
+          <a:bodyPr spcFirstLastPara="1" wrap="square" lIns="91425" tIns="45700" rIns="91425" bIns="45700" anchor="t" anchorCtr="0">
+            <a:noAutofit/>
+          </a:bodyPr>
+          <a:lstStyle/>
+          <a:p>
+            <a:pPr marL="0" lvl="0" indent="0" algn="l" rtl="0">
+              <a:spcBef>
+                <a:spcPts val="0"/>
+              </a:spcBef>
+              <a:spcAft>
+                <a:spcPts val="0"/>
+              </a:spcAft>
+              <a:buNone/>
+            </a:pPr>
+            <a:endParaRPr/>
+          </a:p>
+        </p:txBody>
+      </p:sp>
+      <p:sp>
+        <p:nvSpPr>
+          <p:cNvPr id="662" name="Google Shape;662;g30ccb334bf1_0_498:notes"/>
+          <p:cNvSpPr>
+            <a:spLocks noGrp="1" noRot="1" noChangeAspect="1"/>
+          </p:cNvSpPr>
+          <p:nvPr>
+            <p:ph type="sldImg" idx="2"/>
+          </p:nvPr>
+        </p:nvSpPr>
+        <p:spPr>
+          <a:xfrm>
+            <a:off x="685800" y="1143000"/>
+            <a:ext cx="5486400" cy="3086100"/>
+          </a:xfrm>
+          <a:custGeom>
+            <a:avLst/>
+            <a:gdLst/>
+            <a:ahLst/>
+            <a:cxnLst/>
+            <a:rect l="l" t="t" r="r" b="b"/>
+            <a:pathLst>
+              <a:path w="120000" h="120000" extrusionOk="0">
+                <a:moveTo>
+                  <a:pt x="0" y="0"/>
+                </a:moveTo>
+                <a:lnTo>
+                  <a:pt x="120000" y="0"/>
+                </a:lnTo>
+                <a:lnTo>
+                  <a:pt x="120000" y="120000"/>
+                </a:lnTo>
+                <a:lnTo>
+                  <a:pt x="0" y="120000"/>
+                </a:lnTo>
+                <a:close/>
+              </a:path>
+            </a:pathLst>
+          </a:custGeom>
+        </p:spPr>
+      </p:sp>
+    </p:spTree>
+  </p:cSld>
+  <p:clrMapOvr>
+    <a:masterClrMapping/>
+  </p:clrMapOvr>
+</p:notes>
+</file>
+
+<file path=ppt/notesSlides/notesSlide89.xml><?xml version="1.0" encoding="utf-8"?>
+<p:notes xmlns:a="http://schemas.openxmlformats.org/drawingml/2006/main" xmlns:r="http://schemas.openxmlformats.org/officeDocument/2006/relationships" xmlns:p="http://schemas.openxmlformats.org/presentationml/2006/main" showMasterSp="0" showMasterPhAnim="0">
+  <p:cSld>
+    <p:spTree>
+      <p:nvGrpSpPr>
+        <p:cNvPr id="1" name="Shape 666"/>
+        <p:cNvGrpSpPr/>
+        <p:nvPr/>
+      </p:nvGrpSpPr>
+      <p:grpSpPr>
+        <a:xfrm>
+          <a:off x="0" y="0"/>
+          <a:ext cx="0" cy="0"/>
+          <a:chOff x="0" y="0"/>
+          <a:chExt cx="0" cy="0"/>
+        </a:xfrm>
+      </p:grpSpPr>
+      <p:sp>
+        <p:nvSpPr>
+          <p:cNvPr id="667" name="Google Shape;667;g30ccb334bf1_0_503:notes"/>
+          <p:cNvSpPr txBox="1">
+            <a:spLocks noGrp="1"/>
+          </p:cNvSpPr>
+          <p:nvPr>
+            <p:ph type="body" idx="1"/>
+          </p:nvPr>
+        </p:nvSpPr>
+        <p:spPr>
+          <a:xfrm>
+            <a:off x="685800" y="4400550"/>
+            <a:ext cx="5486400" cy="3600600"/>
+          </a:xfrm>
+          <a:prstGeom prst="rect">
+            <a:avLst/>
+          </a:prstGeom>
+        </p:spPr>
+        <p:txBody>
+          <a:bodyPr spcFirstLastPara="1" wrap="square" lIns="91425" tIns="45700" rIns="91425" bIns="45700" anchor="t" anchorCtr="0">
+            <a:noAutofit/>
+          </a:bodyPr>
+          <a:lstStyle/>
+          <a:p>
+            <a:pPr marL="0" lvl="0" indent="0" algn="l" rtl="0">
+              <a:spcBef>
+                <a:spcPts val="0"/>
+              </a:spcBef>
+              <a:spcAft>
+                <a:spcPts val="0"/>
+              </a:spcAft>
+              <a:buNone/>
+            </a:pPr>
+            <a:endParaRPr/>
+          </a:p>
+        </p:txBody>
+      </p:sp>
+      <p:sp>
+        <p:nvSpPr>
+          <p:cNvPr id="668" name="Google Shape;668;g30ccb334bf1_0_503:notes"/>
           <p:cNvSpPr>
             <a:spLocks noGrp="1" noRot="1" noChangeAspect="1"/>
           </p:cNvSpPr>
@@ -13639,7 +13429,7 @@
   <p:cSld>
     <p:spTree>
       <p:nvGrpSpPr>
-        <p:cNvPr id="1" name="Shape 660"/>
+        <p:cNvPr id="1" name="Shape 672"/>
         <p:cNvGrpSpPr/>
         <p:nvPr/>
       </p:nvGrpSpPr>
@@ -13653,7 +13443,7 @@
       </p:grpSpPr>
       <p:sp>
         <p:nvSpPr>
-          <p:cNvPr id="661" name="Google Shape;661;g30ccb334bf1_0_498:notes"/>
+          <p:cNvPr id="673" name="Google Shape;673;g30ccb334bf1_0_508:notes"/>
           <p:cNvSpPr txBox="1">
             <a:spLocks noGrp="1"/>
           </p:cNvSpPr>
@@ -13691,7 +13481,7 @@
       </p:sp>
       <p:sp>
         <p:nvSpPr>
-          <p:cNvPr id="662" name="Google Shape;662;g30ccb334bf1_0_498:notes"/>
+          <p:cNvPr id="674" name="Google Shape;674;g30ccb334bf1_0_508:notes"/>
           <p:cNvSpPr>
             <a:spLocks noGrp="1" noRot="1" noChangeAspect="1"/>
           </p:cNvSpPr>
@@ -13743,7 +13533,7 @@
   <p:cSld>
     <p:spTree>
       <p:nvGrpSpPr>
-        <p:cNvPr id="1" name="Shape 666"/>
+        <p:cNvPr id="1" name="Shape 679"/>
         <p:cNvGrpSpPr/>
         <p:nvPr/>
       </p:nvGrpSpPr>
@@ -13757,7 +13547,7 @@
       </p:grpSpPr>
       <p:sp>
         <p:nvSpPr>
-          <p:cNvPr id="667" name="Google Shape;667;g30ccb334bf1_0_503:notes"/>
+          <p:cNvPr id="680" name="Google Shape;680;g30ccb334bf1_0_514:notes"/>
           <p:cNvSpPr txBox="1">
             <a:spLocks noGrp="1"/>
           </p:cNvSpPr>
@@ -13795,7 +13585,7 @@
       </p:sp>
       <p:sp>
         <p:nvSpPr>
-          <p:cNvPr id="668" name="Google Shape;668;g30ccb334bf1_0_503:notes"/>
+          <p:cNvPr id="681" name="Google Shape;681;g30ccb334bf1_0_514:notes"/>
           <p:cNvSpPr>
             <a:spLocks noGrp="1" noRot="1" noChangeAspect="1"/>
           </p:cNvSpPr>
@@ -13847,7 +13637,7 @@
   <p:cSld>
     <p:spTree>
       <p:nvGrpSpPr>
-        <p:cNvPr id="1" name="Shape 672"/>
+        <p:cNvPr id="1" name="Shape 686"/>
         <p:cNvGrpSpPr/>
         <p:nvPr/>
       </p:nvGrpSpPr>
@@ -13861,7 +13651,7 @@
       </p:grpSpPr>
       <p:sp>
         <p:nvSpPr>
-          <p:cNvPr id="673" name="Google Shape;673;g30ccb334bf1_0_508:notes"/>
+          <p:cNvPr id="687" name="Google Shape;687;g30ccb334bf1_0_520:notes"/>
           <p:cNvSpPr txBox="1">
             <a:spLocks noGrp="1"/>
           </p:cNvSpPr>
@@ -13899,7 +13689,7 @@
       </p:sp>
       <p:sp>
         <p:nvSpPr>
-          <p:cNvPr id="674" name="Google Shape;674;g30ccb334bf1_0_508:notes"/>
+          <p:cNvPr id="688" name="Google Shape;688;g30ccb334bf1_0_520:notes"/>
           <p:cNvSpPr>
             <a:spLocks noGrp="1" noRot="1" noChangeAspect="1"/>
           </p:cNvSpPr>
@@ -13951,7 +13741,7 @@
   <p:cSld>
     <p:spTree>
       <p:nvGrpSpPr>
-        <p:cNvPr id="1" name="Shape 679"/>
+        <p:cNvPr id="1" name="Shape 692"/>
         <p:cNvGrpSpPr/>
         <p:nvPr/>
       </p:nvGrpSpPr>
@@ -13965,7 +13755,7 @@
       </p:grpSpPr>
       <p:sp>
         <p:nvSpPr>
-          <p:cNvPr id="680" name="Google Shape;680;g30ccb334bf1_0_514:notes"/>
+          <p:cNvPr id="693" name="Google Shape;693;g30ccb334bf1_0_525:notes"/>
           <p:cNvSpPr txBox="1">
             <a:spLocks noGrp="1"/>
           </p:cNvSpPr>
@@ -14003,7 +13793,7 @@
       </p:sp>
       <p:sp>
         <p:nvSpPr>
-          <p:cNvPr id="681" name="Google Shape;681;g30ccb334bf1_0_514:notes"/>
+          <p:cNvPr id="694" name="Google Shape;694;g30ccb334bf1_0_525:notes"/>
           <p:cNvSpPr>
             <a:spLocks noGrp="1" noRot="1" noChangeAspect="1"/>
           </p:cNvSpPr>
@@ -14055,7 +13845,7 @@
   <p:cSld>
     <p:spTree>
       <p:nvGrpSpPr>
-        <p:cNvPr id="1" name="Shape 686"/>
+        <p:cNvPr id="1" name="Shape 698"/>
         <p:cNvGrpSpPr/>
         <p:nvPr/>
       </p:nvGrpSpPr>
@@ -14069,7 +13859,7 @@
       </p:grpSpPr>
       <p:sp>
         <p:nvSpPr>
-          <p:cNvPr id="687" name="Google Shape;687;g30ccb334bf1_0_520:notes"/>
+          <p:cNvPr id="699" name="Google Shape;699;g30ccb334bf1_0_530:notes"/>
           <p:cNvSpPr txBox="1">
             <a:spLocks noGrp="1"/>
           </p:cNvSpPr>
@@ -14107,7 +13897,7 @@
       </p:sp>
       <p:sp>
         <p:nvSpPr>
-          <p:cNvPr id="688" name="Google Shape;688;g30ccb334bf1_0_520:notes"/>
+          <p:cNvPr id="700" name="Google Shape;700;g30ccb334bf1_0_530:notes"/>
           <p:cNvSpPr>
             <a:spLocks noGrp="1" noRot="1" noChangeAspect="1"/>
           </p:cNvSpPr>
@@ -14159,7 +13949,7 @@
   <p:cSld>
     <p:spTree>
       <p:nvGrpSpPr>
-        <p:cNvPr id="1" name="Shape 692"/>
+        <p:cNvPr id="1" name="Shape 703"/>
         <p:cNvGrpSpPr/>
         <p:nvPr/>
       </p:nvGrpSpPr>
@@ -14173,7 +13963,7 @@
       </p:grpSpPr>
       <p:sp>
         <p:nvSpPr>
-          <p:cNvPr id="693" name="Google Shape;693;g30ccb334bf1_0_525:notes"/>
+          <p:cNvPr id="704" name="Google Shape;704;g30ccb334bf1_0_534:notes"/>
           <p:cNvSpPr txBox="1">
             <a:spLocks noGrp="1"/>
           </p:cNvSpPr>
@@ -14211,7 +14001,7 @@
       </p:sp>
       <p:sp>
         <p:nvSpPr>
-          <p:cNvPr id="694" name="Google Shape;694;g30ccb334bf1_0_525:notes"/>
+          <p:cNvPr id="705" name="Google Shape;705;g30ccb334bf1_0_534:notes"/>
           <p:cNvSpPr>
             <a:spLocks noGrp="1" noRot="1" noChangeAspect="1"/>
           </p:cNvSpPr>
@@ -14259,214 +14049,6 @@
 </file>
 
 <file path=ppt/notesSlides/notesSlide96.xml><?xml version="1.0" encoding="utf-8"?>
-<p:notes xmlns:a="http://schemas.openxmlformats.org/drawingml/2006/main" xmlns:r="http://schemas.openxmlformats.org/officeDocument/2006/relationships" xmlns:p="http://schemas.openxmlformats.org/presentationml/2006/main" showMasterSp="0" showMasterPhAnim="0">
-  <p:cSld>
-    <p:spTree>
-      <p:nvGrpSpPr>
-        <p:cNvPr id="1" name="Shape 698"/>
-        <p:cNvGrpSpPr/>
-        <p:nvPr/>
-      </p:nvGrpSpPr>
-      <p:grpSpPr>
-        <a:xfrm>
-          <a:off x="0" y="0"/>
-          <a:ext cx="0" cy="0"/>
-          <a:chOff x="0" y="0"/>
-          <a:chExt cx="0" cy="0"/>
-        </a:xfrm>
-      </p:grpSpPr>
-      <p:sp>
-        <p:nvSpPr>
-          <p:cNvPr id="699" name="Google Shape;699;g30ccb334bf1_0_530:notes"/>
-          <p:cNvSpPr txBox="1">
-            <a:spLocks noGrp="1"/>
-          </p:cNvSpPr>
-          <p:nvPr>
-            <p:ph type="body" idx="1"/>
-          </p:nvPr>
-        </p:nvSpPr>
-        <p:spPr>
-          <a:xfrm>
-            <a:off x="685800" y="4400550"/>
-            <a:ext cx="5486400" cy="3600600"/>
-          </a:xfrm>
-          <a:prstGeom prst="rect">
-            <a:avLst/>
-          </a:prstGeom>
-        </p:spPr>
-        <p:txBody>
-          <a:bodyPr spcFirstLastPara="1" wrap="square" lIns="91425" tIns="45700" rIns="91425" bIns="45700" anchor="t" anchorCtr="0">
-            <a:noAutofit/>
-          </a:bodyPr>
-          <a:lstStyle/>
-          <a:p>
-            <a:pPr marL="0" lvl="0" indent="0" algn="l" rtl="0">
-              <a:spcBef>
-                <a:spcPts val="0"/>
-              </a:spcBef>
-              <a:spcAft>
-                <a:spcPts val="0"/>
-              </a:spcAft>
-              <a:buNone/>
-            </a:pPr>
-            <a:endParaRPr/>
-          </a:p>
-        </p:txBody>
-      </p:sp>
-      <p:sp>
-        <p:nvSpPr>
-          <p:cNvPr id="700" name="Google Shape;700;g30ccb334bf1_0_530:notes"/>
-          <p:cNvSpPr>
-            <a:spLocks noGrp="1" noRot="1" noChangeAspect="1"/>
-          </p:cNvSpPr>
-          <p:nvPr>
-            <p:ph type="sldImg" idx="2"/>
-          </p:nvPr>
-        </p:nvSpPr>
-        <p:spPr>
-          <a:xfrm>
-            <a:off x="685800" y="1143000"/>
-            <a:ext cx="5486400" cy="3086100"/>
-          </a:xfrm>
-          <a:custGeom>
-            <a:avLst/>
-            <a:gdLst/>
-            <a:ahLst/>
-            <a:cxnLst/>
-            <a:rect l="l" t="t" r="r" b="b"/>
-            <a:pathLst>
-              <a:path w="120000" h="120000" extrusionOk="0">
-                <a:moveTo>
-                  <a:pt x="0" y="0"/>
-                </a:moveTo>
-                <a:lnTo>
-                  <a:pt x="120000" y="0"/>
-                </a:lnTo>
-                <a:lnTo>
-                  <a:pt x="120000" y="120000"/>
-                </a:lnTo>
-                <a:lnTo>
-                  <a:pt x="0" y="120000"/>
-                </a:lnTo>
-                <a:close/>
-              </a:path>
-            </a:pathLst>
-          </a:custGeom>
-        </p:spPr>
-      </p:sp>
-    </p:spTree>
-  </p:cSld>
-  <p:clrMapOvr>
-    <a:masterClrMapping/>
-  </p:clrMapOvr>
-</p:notes>
-</file>
-
-<file path=ppt/notesSlides/notesSlide97.xml><?xml version="1.0" encoding="utf-8"?>
-<p:notes xmlns:a="http://schemas.openxmlformats.org/drawingml/2006/main" xmlns:r="http://schemas.openxmlformats.org/officeDocument/2006/relationships" xmlns:p="http://schemas.openxmlformats.org/presentationml/2006/main" showMasterSp="0" showMasterPhAnim="0">
-  <p:cSld>
-    <p:spTree>
-      <p:nvGrpSpPr>
-        <p:cNvPr id="1" name="Shape 703"/>
-        <p:cNvGrpSpPr/>
-        <p:nvPr/>
-      </p:nvGrpSpPr>
-      <p:grpSpPr>
-        <a:xfrm>
-          <a:off x="0" y="0"/>
-          <a:ext cx="0" cy="0"/>
-          <a:chOff x="0" y="0"/>
-          <a:chExt cx="0" cy="0"/>
-        </a:xfrm>
-      </p:grpSpPr>
-      <p:sp>
-        <p:nvSpPr>
-          <p:cNvPr id="704" name="Google Shape;704;g30ccb334bf1_0_534:notes"/>
-          <p:cNvSpPr txBox="1">
-            <a:spLocks noGrp="1"/>
-          </p:cNvSpPr>
-          <p:nvPr>
-            <p:ph type="body" idx="1"/>
-          </p:nvPr>
-        </p:nvSpPr>
-        <p:spPr>
-          <a:xfrm>
-            <a:off x="685800" y="4400550"/>
-            <a:ext cx="5486400" cy="3600600"/>
-          </a:xfrm>
-          <a:prstGeom prst="rect">
-            <a:avLst/>
-          </a:prstGeom>
-        </p:spPr>
-        <p:txBody>
-          <a:bodyPr spcFirstLastPara="1" wrap="square" lIns="91425" tIns="45700" rIns="91425" bIns="45700" anchor="t" anchorCtr="0">
-            <a:noAutofit/>
-          </a:bodyPr>
-          <a:lstStyle/>
-          <a:p>
-            <a:pPr marL="0" lvl="0" indent="0" algn="l" rtl="0">
-              <a:spcBef>
-                <a:spcPts val="0"/>
-              </a:spcBef>
-              <a:spcAft>
-                <a:spcPts val="0"/>
-              </a:spcAft>
-              <a:buNone/>
-            </a:pPr>
-            <a:endParaRPr/>
-          </a:p>
-        </p:txBody>
-      </p:sp>
-      <p:sp>
-        <p:nvSpPr>
-          <p:cNvPr id="705" name="Google Shape;705;g30ccb334bf1_0_534:notes"/>
-          <p:cNvSpPr>
-            <a:spLocks noGrp="1" noRot="1" noChangeAspect="1"/>
-          </p:cNvSpPr>
-          <p:nvPr>
-            <p:ph type="sldImg" idx="2"/>
-          </p:nvPr>
-        </p:nvSpPr>
-        <p:spPr>
-          <a:xfrm>
-            <a:off x="685800" y="1143000"/>
-            <a:ext cx="5486400" cy="3086100"/>
-          </a:xfrm>
-          <a:custGeom>
-            <a:avLst/>
-            <a:gdLst/>
-            <a:ahLst/>
-            <a:cxnLst/>
-            <a:rect l="l" t="t" r="r" b="b"/>
-            <a:pathLst>
-              <a:path w="120000" h="120000" extrusionOk="0">
-                <a:moveTo>
-                  <a:pt x="0" y="0"/>
-                </a:moveTo>
-                <a:lnTo>
-                  <a:pt x="120000" y="0"/>
-                </a:lnTo>
-                <a:lnTo>
-                  <a:pt x="120000" y="120000"/>
-                </a:lnTo>
-                <a:lnTo>
-                  <a:pt x="0" y="120000"/>
-                </a:lnTo>
-                <a:close/>
-              </a:path>
-            </a:pathLst>
-          </a:custGeom>
-        </p:spPr>
-      </p:sp>
-    </p:spTree>
-  </p:cSld>
-  <p:clrMapOvr>
-    <a:masterClrMapping/>
-  </p:clrMapOvr>
-</p:notes>
-</file>
-
-<file path=ppt/notesSlides/notesSlide98.xml><?xml version="1.0" encoding="utf-8"?>
 <p:notes xmlns:a="http://schemas.openxmlformats.org/drawingml/2006/main" xmlns:r="http://schemas.openxmlformats.org/officeDocument/2006/relationships" xmlns:p="http://schemas.openxmlformats.org/presentationml/2006/main" showMasterSp="0" showMasterPhAnim="0">
   <p:cSld>
     <p:spTree>
@@ -14616,7 +14198,7 @@
             </a:pPr>
             <a:fld id="{00000000-1234-1234-1234-123412341234}" type="slidenum">
               <a:rPr lang="en-GB"/>
-              <a:t>98</a:t>
+              <a:t>96</a:t>
             </a:fld>
             <a:endParaRPr/>
           </a:p>
@@ -14630,7 +14212,7 @@
 </p:notes>
 </file>
 
-<file path=ppt/notesSlides/notesSlide99.xml><?xml version="1.0" encoding="utf-8"?>
+<file path=ppt/notesSlides/notesSlide97.xml><?xml version="1.0" encoding="utf-8"?>
 <p:notes xmlns:a="http://schemas.openxmlformats.org/drawingml/2006/main" xmlns:r="http://schemas.openxmlformats.org/officeDocument/2006/relationships" xmlns:p="http://schemas.openxmlformats.org/presentationml/2006/main" showMasterSp="0" showMasterPhAnim="0">
   <p:cSld>
     <p:spTree>
@@ -14688,6 +14270,214 @@
       <p:sp>
         <p:nvSpPr>
           <p:cNvPr id="717" name="Google Shape;717;g30ccb334bf1_0_544:notes"/>
+          <p:cNvSpPr>
+            <a:spLocks noGrp="1" noRot="1" noChangeAspect="1"/>
+          </p:cNvSpPr>
+          <p:nvPr>
+            <p:ph type="sldImg" idx="2"/>
+          </p:nvPr>
+        </p:nvSpPr>
+        <p:spPr>
+          <a:xfrm>
+            <a:off x="685800" y="1143000"/>
+            <a:ext cx="5486400" cy="3086100"/>
+          </a:xfrm>
+          <a:custGeom>
+            <a:avLst/>
+            <a:gdLst/>
+            <a:ahLst/>
+            <a:cxnLst/>
+            <a:rect l="l" t="t" r="r" b="b"/>
+            <a:pathLst>
+              <a:path w="120000" h="120000" extrusionOk="0">
+                <a:moveTo>
+                  <a:pt x="0" y="0"/>
+                </a:moveTo>
+                <a:lnTo>
+                  <a:pt x="120000" y="0"/>
+                </a:lnTo>
+                <a:lnTo>
+                  <a:pt x="120000" y="120000"/>
+                </a:lnTo>
+                <a:lnTo>
+                  <a:pt x="0" y="120000"/>
+                </a:lnTo>
+                <a:close/>
+              </a:path>
+            </a:pathLst>
+          </a:custGeom>
+        </p:spPr>
+      </p:sp>
+    </p:spTree>
+  </p:cSld>
+  <p:clrMapOvr>
+    <a:masterClrMapping/>
+  </p:clrMapOvr>
+</p:notes>
+</file>
+
+<file path=ppt/notesSlides/notesSlide98.xml><?xml version="1.0" encoding="utf-8"?>
+<p:notes xmlns:a="http://schemas.openxmlformats.org/drawingml/2006/main" xmlns:r="http://schemas.openxmlformats.org/officeDocument/2006/relationships" xmlns:p="http://schemas.openxmlformats.org/presentationml/2006/main" showMasterSp="0" showMasterPhAnim="0">
+  <p:cSld>
+    <p:spTree>
+      <p:nvGrpSpPr>
+        <p:cNvPr id="1" name="Shape 721"/>
+        <p:cNvGrpSpPr/>
+        <p:nvPr/>
+      </p:nvGrpSpPr>
+      <p:grpSpPr>
+        <a:xfrm>
+          <a:off x="0" y="0"/>
+          <a:ext cx="0" cy="0"/>
+          <a:chOff x="0" y="0"/>
+          <a:chExt cx="0" cy="0"/>
+        </a:xfrm>
+      </p:grpSpPr>
+      <p:sp>
+        <p:nvSpPr>
+          <p:cNvPr id="722" name="Google Shape;722;g30ccb334bf1_0_549:notes"/>
+          <p:cNvSpPr txBox="1">
+            <a:spLocks noGrp="1"/>
+          </p:cNvSpPr>
+          <p:nvPr>
+            <p:ph type="body" idx="1"/>
+          </p:nvPr>
+        </p:nvSpPr>
+        <p:spPr>
+          <a:xfrm>
+            <a:off x="685800" y="4400550"/>
+            <a:ext cx="5486400" cy="3600600"/>
+          </a:xfrm>
+          <a:prstGeom prst="rect">
+            <a:avLst/>
+          </a:prstGeom>
+        </p:spPr>
+        <p:txBody>
+          <a:bodyPr spcFirstLastPara="1" wrap="square" lIns="91425" tIns="45700" rIns="91425" bIns="45700" anchor="t" anchorCtr="0">
+            <a:noAutofit/>
+          </a:bodyPr>
+          <a:lstStyle/>
+          <a:p>
+            <a:pPr marL="0" lvl="0" indent="0" algn="l" rtl="0">
+              <a:spcBef>
+                <a:spcPts val="0"/>
+              </a:spcBef>
+              <a:spcAft>
+                <a:spcPts val="0"/>
+              </a:spcAft>
+              <a:buNone/>
+            </a:pPr>
+            <a:endParaRPr/>
+          </a:p>
+        </p:txBody>
+      </p:sp>
+      <p:sp>
+        <p:nvSpPr>
+          <p:cNvPr id="723" name="Google Shape;723;g30ccb334bf1_0_549:notes"/>
+          <p:cNvSpPr>
+            <a:spLocks noGrp="1" noRot="1" noChangeAspect="1"/>
+          </p:cNvSpPr>
+          <p:nvPr>
+            <p:ph type="sldImg" idx="2"/>
+          </p:nvPr>
+        </p:nvSpPr>
+        <p:spPr>
+          <a:xfrm>
+            <a:off x="685800" y="1143000"/>
+            <a:ext cx="5486400" cy="3086100"/>
+          </a:xfrm>
+          <a:custGeom>
+            <a:avLst/>
+            <a:gdLst/>
+            <a:ahLst/>
+            <a:cxnLst/>
+            <a:rect l="l" t="t" r="r" b="b"/>
+            <a:pathLst>
+              <a:path w="120000" h="120000" extrusionOk="0">
+                <a:moveTo>
+                  <a:pt x="0" y="0"/>
+                </a:moveTo>
+                <a:lnTo>
+                  <a:pt x="120000" y="0"/>
+                </a:lnTo>
+                <a:lnTo>
+                  <a:pt x="120000" y="120000"/>
+                </a:lnTo>
+                <a:lnTo>
+                  <a:pt x="0" y="120000"/>
+                </a:lnTo>
+                <a:close/>
+              </a:path>
+            </a:pathLst>
+          </a:custGeom>
+        </p:spPr>
+      </p:sp>
+    </p:spTree>
+  </p:cSld>
+  <p:clrMapOvr>
+    <a:masterClrMapping/>
+  </p:clrMapOvr>
+</p:notes>
+</file>
+
+<file path=ppt/notesSlides/notesSlide99.xml><?xml version="1.0" encoding="utf-8"?>
+<p:notes xmlns:a="http://schemas.openxmlformats.org/drawingml/2006/main" xmlns:r="http://schemas.openxmlformats.org/officeDocument/2006/relationships" xmlns:p="http://schemas.openxmlformats.org/presentationml/2006/main" showMasterSp="0" showMasterPhAnim="0">
+  <p:cSld>
+    <p:spTree>
+      <p:nvGrpSpPr>
+        <p:cNvPr id="1" name="Shape 726"/>
+        <p:cNvGrpSpPr/>
+        <p:nvPr/>
+      </p:nvGrpSpPr>
+      <p:grpSpPr>
+        <a:xfrm>
+          <a:off x="0" y="0"/>
+          <a:ext cx="0" cy="0"/>
+          <a:chOff x="0" y="0"/>
+          <a:chExt cx="0" cy="0"/>
+        </a:xfrm>
+      </p:grpSpPr>
+      <p:sp>
+        <p:nvSpPr>
+          <p:cNvPr id="727" name="Google Shape;727;g30ccb334bf1_0_553:notes"/>
+          <p:cNvSpPr txBox="1">
+            <a:spLocks noGrp="1"/>
+          </p:cNvSpPr>
+          <p:nvPr>
+            <p:ph type="body" idx="1"/>
+          </p:nvPr>
+        </p:nvSpPr>
+        <p:spPr>
+          <a:xfrm>
+            <a:off x="685800" y="4400550"/>
+            <a:ext cx="5486400" cy="3600600"/>
+          </a:xfrm>
+          <a:prstGeom prst="rect">
+            <a:avLst/>
+          </a:prstGeom>
+        </p:spPr>
+        <p:txBody>
+          <a:bodyPr spcFirstLastPara="1" wrap="square" lIns="91425" tIns="45700" rIns="91425" bIns="45700" anchor="t" anchorCtr="0">
+            <a:noAutofit/>
+          </a:bodyPr>
+          <a:lstStyle/>
+          <a:p>
+            <a:pPr marL="0" lvl="0" indent="0" algn="l" rtl="0">
+              <a:spcBef>
+                <a:spcPts val="0"/>
+              </a:spcBef>
+              <a:spcAft>
+                <a:spcPts val="0"/>
+              </a:spcAft>
+              <a:buNone/>
+            </a:pPr>
+            <a:endParaRPr/>
+          </a:p>
+        </p:txBody>
+      </p:sp>
+      <p:sp>
+        <p:nvSpPr>
+          <p:cNvPr id="728" name="Google Shape;728;g30ccb334bf1_0_553:notes"/>
           <p:cNvSpPr>
             <a:spLocks noGrp="1" noRot="1" noChangeAspect="1"/>
           </p:cNvSpPr>
@@ -26496,164 +26286,6 @@
   <p:cSld>
     <p:spTree>
       <p:nvGrpSpPr>
-        <p:cNvPr id="1" name="Shape 724"/>
-        <p:cNvGrpSpPr/>
-        <p:nvPr/>
-      </p:nvGrpSpPr>
-      <p:grpSpPr>
-        <a:xfrm>
-          <a:off x="0" y="0"/>
-          <a:ext cx="0" cy="0"/>
-          <a:chOff x="0" y="0"/>
-          <a:chExt cx="0" cy="0"/>
-        </a:xfrm>
-      </p:grpSpPr>
-      <p:pic>
-        <p:nvPicPr>
-          <p:cNvPr id="725" name="Google Shape;725;g30ccb334bf1_0_549"/>
-          <p:cNvPicPr preferRelativeResize="0"/>
-          <p:nvPr/>
-        </p:nvPicPr>
-        <p:blipFill rotWithShape="1">
-          <a:blip r:embed="rId3">
-            <a:alphaModFix/>
-          </a:blip>
-          <a:srcRect/>
-          <a:stretch/>
-        </p:blipFill>
-        <p:spPr>
-          <a:xfrm>
-            <a:off x="838200" y="861237"/>
-            <a:ext cx="9429854" cy="5209954"/>
-          </a:xfrm>
-          <a:prstGeom prst="rect">
-            <a:avLst/>
-          </a:prstGeom>
-          <a:noFill/>
-          <a:ln>
-            <a:noFill/>
-          </a:ln>
-        </p:spPr>
-      </p:pic>
-    </p:spTree>
-  </p:cSld>
-  <p:clrMapOvr>
-    <a:masterClrMapping/>
-  </p:clrMapOvr>
-</p:sld>
-</file>
-
-<file path=ppt/slides/slide101.xml><?xml version="1.0" encoding="utf-8"?>
-<p:sld xmlns:a="http://schemas.openxmlformats.org/drawingml/2006/main" xmlns:r="http://schemas.openxmlformats.org/officeDocument/2006/relationships" xmlns:p="http://schemas.openxmlformats.org/presentationml/2006/main">
-  <p:cSld>
-    <p:spTree>
-      <p:nvGrpSpPr>
-        <p:cNvPr id="1" name="Shape 729"/>
-        <p:cNvGrpSpPr/>
-        <p:nvPr/>
-      </p:nvGrpSpPr>
-      <p:grpSpPr>
-        <a:xfrm>
-          <a:off x="0" y="0"/>
-          <a:ext cx="0" cy="0"/>
-          <a:chOff x="0" y="0"/>
-          <a:chExt cx="0" cy="0"/>
-        </a:xfrm>
-      </p:grpSpPr>
-      <p:sp>
-        <p:nvSpPr>
-          <p:cNvPr id="730" name="Google Shape;730;g30ccb334bf1_0_553"/>
-          <p:cNvSpPr txBox="1">
-            <a:spLocks noGrp="1"/>
-          </p:cNvSpPr>
-          <p:nvPr>
-            <p:ph type="title"/>
-          </p:nvPr>
-        </p:nvSpPr>
-        <p:spPr>
-          <a:xfrm>
-            <a:off x="838200" y="365125"/>
-            <a:ext cx="10515600" cy="1325700"/>
-          </a:xfrm>
-          <a:prstGeom prst="rect">
-            <a:avLst/>
-          </a:prstGeom>
-          <a:noFill/>
-          <a:ln>
-            <a:noFill/>
-          </a:ln>
-        </p:spPr>
-        <p:txBody>
-          <a:bodyPr spcFirstLastPara="1" wrap="square" lIns="91425" tIns="45700" rIns="91425" bIns="45700" anchor="ctr" anchorCtr="0">
-            <a:normAutofit/>
-          </a:bodyPr>
-          <a:lstStyle/>
-          <a:p>
-            <a:pPr marL="0" lvl="0" indent="0" algn="l" rtl="0">
-              <a:lnSpc>
-                <a:spcPct val="90000"/>
-              </a:lnSpc>
-              <a:spcBef>
-                <a:spcPts val="0"/>
-              </a:spcBef>
-              <a:spcAft>
-                <a:spcPts val="0"/>
-              </a:spcAft>
-              <a:buClr>
-                <a:schemeClr val="dk1"/>
-              </a:buClr>
-              <a:buSzPts val="4400"/>
-              <a:buFont typeface="Play"/>
-              <a:buNone/>
-            </a:pPr>
-            <a:r>
-              <a:rPr lang="en-GB"/>
-              <a:t>Create storage account</a:t>
-            </a:r>
-            <a:endParaRPr/>
-          </a:p>
-        </p:txBody>
-      </p:sp>
-      <p:pic>
-        <p:nvPicPr>
-          <p:cNvPr id="731" name="Google Shape;731;g30ccb334bf1_0_553"/>
-          <p:cNvPicPr preferRelativeResize="0"/>
-          <p:nvPr/>
-        </p:nvPicPr>
-        <p:blipFill rotWithShape="1">
-          <a:blip r:embed="rId3">
-            <a:alphaModFix/>
-          </a:blip>
-          <a:srcRect/>
-          <a:stretch/>
-        </p:blipFill>
-        <p:spPr>
-          <a:xfrm>
-            <a:off x="2676047" y="2109603"/>
-            <a:ext cx="6839905" cy="2638793"/>
-          </a:xfrm>
-          <a:prstGeom prst="rect">
-            <a:avLst/>
-          </a:prstGeom>
-          <a:noFill/>
-          <a:ln>
-            <a:noFill/>
-          </a:ln>
-        </p:spPr>
-      </p:pic>
-    </p:spTree>
-  </p:cSld>
-  <p:clrMapOvr>
-    <a:masterClrMapping/>
-  </p:clrMapOvr>
-</p:sld>
-</file>
-
-<file path=ppt/slides/slide102.xml><?xml version="1.0" encoding="utf-8"?>
-<p:sld xmlns:a="http://schemas.openxmlformats.org/drawingml/2006/main" xmlns:r="http://schemas.openxmlformats.org/officeDocument/2006/relationships" xmlns:p="http://schemas.openxmlformats.org/presentationml/2006/main">
-  <p:cSld>
-    <p:spTree>
-      <p:nvGrpSpPr>
         <p:cNvPr id="1" name="Shape 735"/>
         <p:cNvGrpSpPr/>
         <p:nvPr/>
@@ -26755,7 +26387,7 @@
 </p:sld>
 </file>
 
-<file path=ppt/slides/slide103.xml><?xml version="1.0" encoding="utf-8"?>
+<file path=ppt/slides/slide101.xml><?xml version="1.0" encoding="utf-8"?>
 <p:sld xmlns:a="http://schemas.openxmlformats.org/drawingml/2006/main" xmlns:r="http://schemas.openxmlformats.org/officeDocument/2006/relationships" xmlns:p="http://schemas.openxmlformats.org/presentationml/2006/main">
   <p:cSld>
     <p:spTree>
@@ -26865,7 +26497,7 @@
 </p:sld>
 </file>
 
-<file path=ppt/slides/slide104.xml><?xml version="1.0" encoding="utf-8"?>
+<file path=ppt/slides/slide102.xml><?xml version="1.0" encoding="utf-8"?>
 <p:sld xmlns:a="http://schemas.openxmlformats.org/drawingml/2006/main" xmlns:r="http://schemas.openxmlformats.org/officeDocument/2006/relationships" xmlns:p="http://schemas.openxmlformats.org/presentationml/2006/main">
   <p:cSld>
     <p:spTree>
@@ -26959,7 +26591,7 @@
 </p:sld>
 </file>
 
-<file path=ppt/slides/slide105.xml><?xml version="1.0" encoding="utf-8"?>
+<file path=ppt/slides/slide103.xml><?xml version="1.0" encoding="utf-8"?>
 <p:sld xmlns:a="http://schemas.openxmlformats.org/drawingml/2006/main" xmlns:r="http://schemas.openxmlformats.org/officeDocument/2006/relationships" xmlns:p="http://schemas.openxmlformats.org/presentationml/2006/main">
   <p:cSld>
     <p:spTree>
@@ -27092,7 +26724,7 @@
 </p:sld>
 </file>
 
-<file path=ppt/slides/slide106.xml><?xml version="1.0" encoding="utf-8"?>
+<file path=ppt/slides/slide104.xml><?xml version="1.0" encoding="utf-8"?>
 <p:sld xmlns:a="http://schemas.openxmlformats.org/drawingml/2006/main" xmlns:r="http://schemas.openxmlformats.org/officeDocument/2006/relationships" xmlns:p="http://schemas.openxmlformats.org/presentationml/2006/main">
   <p:cSld>
     <p:spTree>
@@ -27198,7 +26830,7 @@
 </p:sld>
 </file>
 
-<file path=ppt/slides/slide107.xml><?xml version="1.0" encoding="utf-8"?>
+<file path=ppt/slides/slide105.xml><?xml version="1.0" encoding="utf-8"?>
 <p:sld xmlns:a="http://schemas.openxmlformats.org/drawingml/2006/main" xmlns:r="http://schemas.openxmlformats.org/officeDocument/2006/relationships" xmlns:p="http://schemas.openxmlformats.org/presentationml/2006/main">
   <p:cSld>
     <p:spTree>
@@ -27304,7 +26936,7 @@
 </p:sld>
 </file>
 
-<file path=ppt/slides/slide108.xml><?xml version="1.0" encoding="utf-8"?>
+<file path=ppt/slides/slide106.xml><?xml version="1.0" encoding="utf-8"?>
 <p:sld xmlns:a="http://schemas.openxmlformats.org/drawingml/2006/main" xmlns:r="http://schemas.openxmlformats.org/officeDocument/2006/relationships" xmlns:p="http://schemas.openxmlformats.org/presentationml/2006/main">
   <p:cSld>
     <p:spTree>
@@ -27356,7 +26988,7 @@
 </p:sld>
 </file>
 
-<file path=ppt/slides/slide109.xml><?xml version="1.0" encoding="utf-8"?>
+<file path=ppt/slides/slide107.xml><?xml version="1.0" encoding="utf-8"?>
 <p:sld xmlns:a="http://schemas.openxmlformats.org/drawingml/2006/main" xmlns:r="http://schemas.openxmlformats.org/officeDocument/2006/relationships" xmlns:p="http://schemas.openxmlformats.org/presentationml/2006/main">
   <p:cSld>
     <p:spTree>
@@ -27408,194 +27040,7 @@
 </p:sld>
 </file>
 
-<file path=ppt/slides/slide11.xml><?xml version="1.0" encoding="utf-8"?>
-<p:sld xmlns:a="http://schemas.openxmlformats.org/drawingml/2006/main" xmlns:r="http://schemas.openxmlformats.org/officeDocument/2006/relationships" xmlns:p="http://schemas.openxmlformats.org/presentationml/2006/main">
-  <p:cSld>
-    <p:spTree>
-      <p:nvGrpSpPr>
-        <p:cNvPr id="1" name="Shape 171"/>
-        <p:cNvGrpSpPr/>
-        <p:nvPr/>
-      </p:nvGrpSpPr>
-      <p:grpSpPr>
-        <a:xfrm>
-          <a:off x="0" y="0"/>
-          <a:ext cx="0" cy="0"/>
-          <a:chOff x="0" y="0"/>
-          <a:chExt cx="0" cy="0"/>
-        </a:xfrm>
-      </p:grpSpPr>
-      <p:sp>
-        <p:nvSpPr>
-          <p:cNvPr id="172" name="Google Shape;172;g30ccb334bf1_0_104"/>
-          <p:cNvSpPr/>
-          <p:nvPr/>
-        </p:nvSpPr>
-        <p:spPr>
-          <a:xfrm>
-            <a:off x="403597" y="2358521"/>
-            <a:ext cx="11186400" cy="3348600"/>
-          </a:xfrm>
-          <a:prstGeom prst="roundRect">
-            <a:avLst>
-              <a:gd name="adj" fmla="val 16667"/>
-            </a:avLst>
-          </a:prstGeom>
-          <a:solidFill>
-            <a:srgbClr val="D9E5F8"/>
-          </a:solidFill>
-          <a:ln w="19050" cap="flat" cmpd="sng">
-            <a:solidFill>
-              <a:srgbClr val="082836"/>
-            </a:solidFill>
-            <a:prstDash val="dot"/>
-            <a:miter lim="800000"/>
-            <a:headEnd type="none" w="sm" len="sm"/>
-            <a:tailEnd type="none" w="sm" len="sm"/>
-          </a:ln>
-        </p:spPr>
-        <p:txBody>
-          <a:bodyPr spcFirstLastPara="1" wrap="square" lIns="91425" tIns="45700" rIns="91425" bIns="45700" anchor="ctr" anchorCtr="0">
-            <a:noAutofit/>
-          </a:bodyPr>
-          <a:lstStyle/>
-          <a:p>
-            <a:pPr marL="0" marR="0" lvl="0" indent="0" algn="ctr" rtl="0">
-              <a:spcBef>
-                <a:spcPts val="0"/>
-              </a:spcBef>
-              <a:spcAft>
-                <a:spcPts val="0"/>
-              </a:spcAft>
-              <a:buNone/>
-            </a:pPr>
-            <a:endParaRPr sz="1800">
-              <a:solidFill>
-                <a:schemeClr val="lt1"/>
-              </a:solidFill>
-              <a:latin typeface="Arial"/>
-              <a:ea typeface="Arial"/>
-              <a:cs typeface="Arial"/>
-              <a:sym typeface="Arial"/>
-            </a:endParaRPr>
-          </a:p>
-        </p:txBody>
-      </p:sp>
-      <p:sp>
-        <p:nvSpPr>
-          <p:cNvPr id="173" name="Google Shape;173;g30ccb334bf1_0_104"/>
-          <p:cNvSpPr txBox="1">
-            <a:spLocks noGrp="1"/>
-          </p:cNvSpPr>
-          <p:nvPr>
-            <p:ph type="title"/>
-          </p:nvPr>
-        </p:nvSpPr>
-        <p:spPr>
-          <a:xfrm>
-            <a:off x="403597" y="724953"/>
-            <a:ext cx="10515600" cy="1325700"/>
-          </a:xfrm>
-          <a:prstGeom prst="rect">
-            <a:avLst/>
-          </a:prstGeom>
-          <a:noFill/>
-          <a:ln>
-            <a:noFill/>
-          </a:ln>
-        </p:spPr>
-        <p:txBody>
-          <a:bodyPr spcFirstLastPara="1" wrap="square" lIns="91425" tIns="45700" rIns="91425" bIns="45700" anchor="ctr" anchorCtr="0">
-            <a:normAutofit/>
-          </a:bodyPr>
-          <a:lstStyle/>
-          <a:p>
-            <a:pPr marL="0" lvl="0" indent="0" algn="l" rtl="0">
-              <a:lnSpc>
-                <a:spcPct val="90000"/>
-              </a:lnSpc>
-              <a:spcBef>
-                <a:spcPts val="0"/>
-              </a:spcBef>
-              <a:spcAft>
-                <a:spcPts val="0"/>
-              </a:spcAft>
-              <a:buClr>
-                <a:schemeClr val="dk1"/>
-              </a:buClr>
-              <a:buSzPts val="4400"/>
-              <a:buFont typeface="Play"/>
-              <a:buNone/>
-            </a:pPr>
-            <a:r>
-              <a:rPr lang="en-GB"/>
-              <a:t>Data engineering using your free credits</a:t>
-            </a:r>
-            <a:endParaRPr/>
-          </a:p>
-        </p:txBody>
-      </p:sp>
-      <p:sp>
-        <p:nvSpPr>
-          <p:cNvPr id="174" name="Google Shape;174;g30ccb334bf1_0_104"/>
-          <p:cNvSpPr txBox="1"/>
-          <p:nvPr/>
-        </p:nvSpPr>
-        <p:spPr>
-          <a:xfrm>
-            <a:off x="666162" y="5088482"/>
-            <a:ext cx="1463100" cy="523200"/>
-          </a:xfrm>
-          <a:prstGeom prst="rect">
-            <a:avLst/>
-          </a:prstGeom>
-          <a:solidFill>
-            <a:srgbClr val="D9E5F8"/>
-          </a:solidFill>
-          <a:ln>
-            <a:noFill/>
-          </a:ln>
-        </p:spPr>
-        <p:txBody>
-          <a:bodyPr spcFirstLastPara="1" wrap="square" lIns="91425" tIns="45700" rIns="91425" bIns="45700" anchor="t" anchorCtr="0">
-            <a:spAutoFit/>
-          </a:bodyPr>
-          <a:lstStyle/>
-          <a:p>
-            <a:pPr marL="0" marR="0" lvl="0" indent="0" algn="l" rtl="0">
-              <a:spcBef>
-                <a:spcPts val="0"/>
-              </a:spcBef>
-              <a:spcAft>
-                <a:spcPts val="0"/>
-              </a:spcAft>
-              <a:buNone/>
-            </a:pPr>
-            <a:r>
-              <a:rPr lang="en-GB" sz="1400" b="1">
-                <a:solidFill>
-                  <a:schemeClr val="dk1"/>
-                </a:solidFill>
-                <a:latin typeface="Arial"/>
-                <a:ea typeface="Arial"/>
-                <a:cs typeface="Arial"/>
-                <a:sym typeface="Arial"/>
-              </a:rPr>
-              <a:t>Resource group</a:t>
-            </a:r>
-            <a:endParaRPr/>
-          </a:p>
-        </p:txBody>
-      </p:sp>
-    </p:spTree>
-  </p:cSld>
-  <p:clrMapOvr>
-    <a:masterClrMapping/>
-  </p:clrMapOvr>
-</p:sld>
-</file>
-
-<file path=ppt/slides/slide110.xml><?xml version="1.0" encoding="utf-8"?>
+<file path=ppt/slides/slide108.xml><?xml version="1.0" encoding="utf-8"?>
 <p:sld xmlns:a="http://schemas.openxmlformats.org/drawingml/2006/main" xmlns:r="http://schemas.openxmlformats.org/officeDocument/2006/relationships" xmlns:p="http://schemas.openxmlformats.org/presentationml/2006/main">
   <p:cSld>
     <p:spTree>
@@ -27647,7 +27092,7 @@
 </p:sld>
 </file>
 
-<file path=ppt/slides/slide111.xml><?xml version="1.0" encoding="utf-8"?>
+<file path=ppt/slides/slide109.xml><?xml version="1.0" encoding="utf-8"?>
 <p:sld xmlns:a="http://schemas.openxmlformats.org/drawingml/2006/main" xmlns:r="http://schemas.openxmlformats.org/officeDocument/2006/relationships" xmlns:p="http://schemas.openxmlformats.org/presentationml/2006/main">
   <p:cSld>
     <p:spTree>
@@ -27672,7 +27117,194 @@
 </p:sld>
 </file>
 
-<file path=ppt/slides/slide112.xml><?xml version="1.0" encoding="utf-8"?>
+<file path=ppt/slides/slide11.xml><?xml version="1.0" encoding="utf-8"?>
+<p:sld xmlns:a="http://schemas.openxmlformats.org/drawingml/2006/main" xmlns:r="http://schemas.openxmlformats.org/officeDocument/2006/relationships" xmlns:p="http://schemas.openxmlformats.org/presentationml/2006/main">
+  <p:cSld>
+    <p:spTree>
+      <p:nvGrpSpPr>
+        <p:cNvPr id="1" name="Shape 171"/>
+        <p:cNvGrpSpPr/>
+        <p:nvPr/>
+      </p:nvGrpSpPr>
+      <p:grpSpPr>
+        <a:xfrm>
+          <a:off x="0" y="0"/>
+          <a:ext cx="0" cy="0"/>
+          <a:chOff x="0" y="0"/>
+          <a:chExt cx="0" cy="0"/>
+        </a:xfrm>
+      </p:grpSpPr>
+      <p:sp>
+        <p:nvSpPr>
+          <p:cNvPr id="172" name="Google Shape;172;g30ccb334bf1_0_104"/>
+          <p:cNvSpPr/>
+          <p:nvPr/>
+        </p:nvSpPr>
+        <p:spPr>
+          <a:xfrm>
+            <a:off x="403597" y="2358521"/>
+            <a:ext cx="11186400" cy="3348600"/>
+          </a:xfrm>
+          <a:prstGeom prst="roundRect">
+            <a:avLst>
+              <a:gd name="adj" fmla="val 16667"/>
+            </a:avLst>
+          </a:prstGeom>
+          <a:solidFill>
+            <a:srgbClr val="D9E5F8"/>
+          </a:solidFill>
+          <a:ln w="19050" cap="flat" cmpd="sng">
+            <a:solidFill>
+              <a:srgbClr val="082836"/>
+            </a:solidFill>
+            <a:prstDash val="dot"/>
+            <a:miter lim="800000"/>
+            <a:headEnd type="none" w="sm" len="sm"/>
+            <a:tailEnd type="none" w="sm" len="sm"/>
+          </a:ln>
+        </p:spPr>
+        <p:txBody>
+          <a:bodyPr spcFirstLastPara="1" wrap="square" lIns="91425" tIns="45700" rIns="91425" bIns="45700" anchor="ctr" anchorCtr="0">
+            <a:noAutofit/>
+          </a:bodyPr>
+          <a:lstStyle/>
+          <a:p>
+            <a:pPr marL="0" marR="0" lvl="0" indent="0" algn="ctr" rtl="0">
+              <a:spcBef>
+                <a:spcPts val="0"/>
+              </a:spcBef>
+              <a:spcAft>
+                <a:spcPts val="0"/>
+              </a:spcAft>
+              <a:buNone/>
+            </a:pPr>
+            <a:endParaRPr sz="1800">
+              <a:solidFill>
+                <a:schemeClr val="lt1"/>
+              </a:solidFill>
+              <a:latin typeface="Arial"/>
+              <a:ea typeface="Arial"/>
+              <a:cs typeface="Arial"/>
+              <a:sym typeface="Arial"/>
+            </a:endParaRPr>
+          </a:p>
+        </p:txBody>
+      </p:sp>
+      <p:sp>
+        <p:nvSpPr>
+          <p:cNvPr id="173" name="Google Shape;173;g30ccb334bf1_0_104"/>
+          <p:cNvSpPr txBox="1">
+            <a:spLocks noGrp="1"/>
+          </p:cNvSpPr>
+          <p:nvPr>
+            <p:ph type="title"/>
+          </p:nvPr>
+        </p:nvSpPr>
+        <p:spPr>
+          <a:xfrm>
+            <a:off x="403597" y="724953"/>
+            <a:ext cx="10515600" cy="1325700"/>
+          </a:xfrm>
+          <a:prstGeom prst="rect">
+            <a:avLst/>
+          </a:prstGeom>
+          <a:noFill/>
+          <a:ln>
+            <a:noFill/>
+          </a:ln>
+        </p:spPr>
+        <p:txBody>
+          <a:bodyPr spcFirstLastPara="1" wrap="square" lIns="91425" tIns="45700" rIns="91425" bIns="45700" anchor="ctr" anchorCtr="0">
+            <a:normAutofit/>
+          </a:bodyPr>
+          <a:lstStyle/>
+          <a:p>
+            <a:pPr marL="0" lvl="0" indent="0" algn="l" rtl="0">
+              <a:lnSpc>
+                <a:spcPct val="90000"/>
+              </a:lnSpc>
+              <a:spcBef>
+                <a:spcPts val="0"/>
+              </a:spcBef>
+              <a:spcAft>
+                <a:spcPts val="0"/>
+              </a:spcAft>
+              <a:buClr>
+                <a:schemeClr val="dk1"/>
+              </a:buClr>
+              <a:buSzPts val="4400"/>
+              <a:buFont typeface="Play"/>
+              <a:buNone/>
+            </a:pPr>
+            <a:r>
+              <a:rPr lang="en-GB"/>
+              <a:t>Data engineering using your free credits</a:t>
+            </a:r>
+            <a:endParaRPr/>
+          </a:p>
+        </p:txBody>
+      </p:sp>
+      <p:sp>
+        <p:nvSpPr>
+          <p:cNvPr id="174" name="Google Shape;174;g30ccb334bf1_0_104"/>
+          <p:cNvSpPr txBox="1"/>
+          <p:nvPr/>
+        </p:nvSpPr>
+        <p:spPr>
+          <a:xfrm>
+            <a:off x="666162" y="5088482"/>
+            <a:ext cx="1463100" cy="523200"/>
+          </a:xfrm>
+          <a:prstGeom prst="rect">
+            <a:avLst/>
+          </a:prstGeom>
+          <a:solidFill>
+            <a:srgbClr val="D9E5F8"/>
+          </a:solidFill>
+          <a:ln>
+            <a:noFill/>
+          </a:ln>
+        </p:spPr>
+        <p:txBody>
+          <a:bodyPr spcFirstLastPara="1" wrap="square" lIns="91425" tIns="45700" rIns="91425" bIns="45700" anchor="t" anchorCtr="0">
+            <a:spAutoFit/>
+          </a:bodyPr>
+          <a:lstStyle/>
+          <a:p>
+            <a:pPr marL="0" marR="0" lvl="0" indent="0" algn="l" rtl="0">
+              <a:spcBef>
+                <a:spcPts val="0"/>
+              </a:spcBef>
+              <a:spcAft>
+                <a:spcPts val="0"/>
+              </a:spcAft>
+              <a:buNone/>
+            </a:pPr>
+            <a:r>
+              <a:rPr lang="en-GB" sz="1400" b="1">
+                <a:solidFill>
+                  <a:schemeClr val="dk1"/>
+                </a:solidFill>
+                <a:latin typeface="Arial"/>
+                <a:ea typeface="Arial"/>
+                <a:cs typeface="Arial"/>
+                <a:sym typeface="Arial"/>
+              </a:rPr>
+              <a:t>Resource group</a:t>
+            </a:r>
+            <a:endParaRPr/>
+          </a:p>
+        </p:txBody>
+      </p:sp>
+    </p:spTree>
+  </p:cSld>
+  <p:clrMapOvr>
+    <a:masterClrMapping/>
+  </p:clrMapOvr>
+</p:sld>
+</file>
+
+<file path=ppt/slides/slide110.xml><?xml version="1.0" encoding="utf-8"?>
 <p:sld xmlns:a="http://schemas.openxmlformats.org/drawingml/2006/main" xmlns:r="http://schemas.openxmlformats.org/officeDocument/2006/relationships" xmlns:p="http://schemas.openxmlformats.org/presentationml/2006/main">
   <p:cSld>
     <p:spTree>
@@ -31184,10 +30816,10 @@
         </p:nvGrpSpPr>
         <p:grpSpPr>
           <a:xfrm>
-            <a:off x="714312" y="1291589"/>
-            <a:ext cx="10763377" cy="4274821"/>
+            <a:off x="142812" y="1291589"/>
+            <a:ext cx="10863389" cy="4274822"/>
             <a:chOff x="552820" y="716280"/>
-            <a:chExt cx="10763377" cy="4274821"/>
+            <a:chExt cx="10863389" cy="4274822"/>
           </a:xfrm>
         </p:grpSpPr>
         <p:pic>
@@ -31232,7 +30864,7 @@
           </p:blipFill>
           <p:spPr>
             <a:xfrm>
-              <a:off x="6150176" y="716280"/>
+              <a:off x="6250188" y="716281"/>
               <a:ext cx="5166021" cy="4274821"/>
             </a:xfrm>
             <a:prstGeom prst="rect">
@@ -33967,207 +33599,6 @@
   <p:cSld>
     <p:spTree>
       <p:nvGrpSpPr>
-        <p:cNvPr id="1" name="Shape 421"/>
-        <p:cNvGrpSpPr/>
-        <p:nvPr/>
-      </p:nvGrpSpPr>
-      <p:grpSpPr>
-        <a:xfrm>
-          <a:off x="0" y="0"/>
-          <a:ext cx="0" cy="0"/>
-          <a:chOff x="0" y="0"/>
-          <a:chExt cx="0" cy="0"/>
-        </a:xfrm>
-      </p:grpSpPr>
-      <p:sp>
-        <p:nvSpPr>
-          <p:cNvPr id="422" name="Google Shape;422;g30ccb334bf1_0_312"/>
-          <p:cNvSpPr txBox="1">
-            <a:spLocks noGrp="1"/>
-          </p:cNvSpPr>
-          <p:nvPr>
-            <p:ph type="title"/>
-          </p:nvPr>
-        </p:nvSpPr>
-        <p:spPr>
-          <a:xfrm>
-            <a:off x="838200" y="365125"/>
-            <a:ext cx="10515600" cy="1325700"/>
-          </a:xfrm>
-          <a:prstGeom prst="rect">
-            <a:avLst/>
-          </a:prstGeom>
-          <a:noFill/>
-          <a:ln>
-            <a:noFill/>
-          </a:ln>
-        </p:spPr>
-        <p:txBody>
-          <a:bodyPr spcFirstLastPara="1" wrap="square" lIns="91425" tIns="45700" rIns="91425" bIns="45700" anchor="ctr" anchorCtr="0">
-            <a:normAutofit/>
-          </a:bodyPr>
-          <a:lstStyle/>
-          <a:p>
-            <a:pPr marL="0" lvl="0" indent="0" algn="l" rtl="0">
-              <a:lnSpc>
-                <a:spcPct val="90000"/>
-              </a:lnSpc>
-              <a:spcBef>
-                <a:spcPts val="0"/>
-              </a:spcBef>
-              <a:spcAft>
-                <a:spcPts val="0"/>
-              </a:spcAft>
-              <a:buClr>
-                <a:schemeClr val="dk1"/>
-              </a:buClr>
-              <a:buSzPts val="4400"/>
-              <a:buFont typeface="Play"/>
-              <a:buNone/>
-            </a:pPr>
-            <a:r>
-              <a:rPr lang="en-GB"/>
-              <a:t>Python</a:t>
-            </a:r>
-            <a:endParaRPr/>
-          </a:p>
-        </p:txBody>
-      </p:sp>
-      <p:sp>
-        <p:nvSpPr>
-          <p:cNvPr id="423" name="Google Shape;423;g30ccb334bf1_0_312"/>
-          <p:cNvSpPr txBox="1">
-            <a:spLocks noGrp="1"/>
-          </p:cNvSpPr>
-          <p:nvPr>
-            <p:ph type="body" idx="1"/>
-          </p:nvPr>
-        </p:nvSpPr>
-        <p:spPr>
-          <a:xfrm>
-            <a:off x="838200" y="1825625"/>
-            <a:ext cx="10515600" cy="4351200"/>
-          </a:xfrm>
-          <a:prstGeom prst="rect">
-            <a:avLst/>
-          </a:prstGeom>
-          <a:noFill/>
-          <a:ln>
-            <a:noFill/>
-          </a:ln>
-        </p:spPr>
-        <p:txBody>
-          <a:bodyPr spcFirstLastPara="1" wrap="square" lIns="91425" tIns="45700" rIns="91425" bIns="45700" anchor="t" anchorCtr="0">
-            <a:normAutofit/>
-          </a:bodyPr>
-          <a:lstStyle/>
-          <a:p>
-            <a:pPr marL="228600" lvl="0" indent="-228600" algn="l" rtl="0">
-              <a:lnSpc>
-                <a:spcPct val="90000"/>
-              </a:lnSpc>
-              <a:spcBef>
-                <a:spcPts val="0"/>
-              </a:spcBef>
-              <a:spcAft>
-                <a:spcPts val="0"/>
-              </a:spcAft>
-              <a:buClr>
-                <a:schemeClr val="dk1"/>
-              </a:buClr>
-              <a:buSzPts val="2800"/>
-              <a:buChar char="•"/>
-            </a:pPr>
-            <a:r>
-              <a:rPr lang="en-GB"/>
-              <a:t>What is Python?</a:t>
-            </a:r>
-            <a:endParaRPr/>
-          </a:p>
-          <a:p>
-            <a:pPr marL="228600" lvl="0" indent="-228600" algn="l" rtl="0">
-              <a:lnSpc>
-                <a:spcPct val="90000"/>
-              </a:lnSpc>
-              <a:spcBef>
-                <a:spcPts val="1000"/>
-              </a:spcBef>
-              <a:spcAft>
-                <a:spcPts val="0"/>
-              </a:spcAft>
-              <a:buClr>
-                <a:schemeClr val="dk1"/>
-              </a:buClr>
-              <a:buSzPts val="2800"/>
-              <a:buChar char="•"/>
-            </a:pPr>
-            <a:r>
-              <a:rPr lang="en-GB"/>
-              <a:t>Use Anaconda</a:t>
-            </a:r>
-            <a:endParaRPr/>
-          </a:p>
-          <a:p>
-            <a:pPr marL="228600" lvl="0" indent="-228600" algn="l" rtl="0">
-              <a:lnSpc>
-                <a:spcPct val="90000"/>
-              </a:lnSpc>
-              <a:spcBef>
-                <a:spcPts val="1000"/>
-              </a:spcBef>
-              <a:spcAft>
-                <a:spcPts val="0"/>
-              </a:spcAft>
-              <a:buClr>
-                <a:schemeClr val="dk1"/>
-              </a:buClr>
-              <a:buSzPts val="2800"/>
-              <a:buChar char="•"/>
-            </a:pPr>
-            <a:r>
-              <a:rPr lang="en-GB"/>
-              <a:t>Use conda to create environment</a:t>
-            </a:r>
-            <a:endParaRPr/>
-          </a:p>
-          <a:p>
-            <a:pPr marL="228600" lvl="0" indent="-228600" algn="l" rtl="0">
-              <a:lnSpc>
-                <a:spcPct val="90000"/>
-              </a:lnSpc>
-              <a:spcBef>
-                <a:spcPts val="1000"/>
-              </a:spcBef>
-              <a:spcAft>
-                <a:spcPts val="0"/>
-              </a:spcAft>
-              <a:buClr>
-                <a:schemeClr val="dk1"/>
-              </a:buClr>
-              <a:buSzPts val="2800"/>
-              <a:buChar char="•"/>
-            </a:pPr>
-            <a:r>
-              <a:rPr lang="en-GB"/>
-              <a:t>Might need to enable Long Paths</a:t>
-            </a:r>
-            <a:endParaRPr/>
-          </a:p>
-        </p:txBody>
-      </p:sp>
-    </p:spTree>
-  </p:cSld>
-  <p:clrMapOvr>
-    <a:masterClrMapping/>
-  </p:clrMapOvr>
-</p:sld>
-</file>
-
-<file path=ppt/slides/slide53.xml><?xml version="1.0" encoding="utf-8"?>
-<p:sld xmlns:a="http://schemas.openxmlformats.org/drawingml/2006/main" xmlns:r="http://schemas.openxmlformats.org/officeDocument/2006/relationships" xmlns:p="http://schemas.openxmlformats.org/presentationml/2006/main">
-  <p:cSld>
-    <p:spTree>
-      <p:nvGrpSpPr>
         <p:cNvPr id="1" name="Shape 427"/>
         <p:cNvGrpSpPr/>
         <p:nvPr/>
@@ -34269,7 +33700,7 @@
 </p:sld>
 </file>
 
-<file path=ppt/slides/slide54.xml><?xml version="1.0" encoding="utf-8"?>
+<file path=ppt/slides/slide53.xml><?xml version="1.0" encoding="utf-8"?>
 <p:sld xmlns:a="http://schemas.openxmlformats.org/drawingml/2006/main" xmlns:r="http://schemas.openxmlformats.org/officeDocument/2006/relationships" xmlns:p="http://schemas.openxmlformats.org/presentationml/2006/main">
   <p:cSld>
     <p:spTree>
@@ -34348,7 +33779,7 @@
 </p:sld>
 </file>
 
-<file path=ppt/slides/slide55.xml><?xml version="1.0" encoding="utf-8"?>
+<file path=ppt/slides/slide54.xml><?xml version="1.0" encoding="utf-8"?>
 <p:sld xmlns:a="http://schemas.openxmlformats.org/drawingml/2006/main" xmlns:r="http://schemas.openxmlformats.org/officeDocument/2006/relationships" xmlns:p="http://schemas.openxmlformats.org/presentationml/2006/main">
   <p:cSld>
     <p:spTree>
@@ -34480,7 +33911,7 @@
 </p:sld>
 </file>
 
-<file path=ppt/slides/slide56.xml><?xml version="1.0" encoding="utf-8"?>
+<file path=ppt/slides/slide55.xml><?xml version="1.0" encoding="utf-8"?>
 <p:sld xmlns:a="http://schemas.openxmlformats.org/drawingml/2006/main" xmlns:r="http://schemas.openxmlformats.org/officeDocument/2006/relationships" xmlns:p="http://schemas.openxmlformats.org/presentationml/2006/main">
   <p:cSld>
     <p:spTree>
@@ -34635,7 +34066,7 @@
 </p:sld>
 </file>
 
-<file path=ppt/slides/slide57.xml><?xml version="1.0" encoding="utf-8"?>
+<file path=ppt/slides/slide56.xml><?xml version="1.0" encoding="utf-8"?>
 <p:sld xmlns:a="http://schemas.openxmlformats.org/drawingml/2006/main" xmlns:r="http://schemas.openxmlformats.org/officeDocument/2006/relationships" xmlns:p="http://schemas.openxmlformats.org/presentationml/2006/main">
   <p:cSld>
     <p:spTree>
@@ -34767,7 +34198,7 @@
 </p:sld>
 </file>
 
-<file path=ppt/slides/slide58.xml><?xml version="1.0" encoding="utf-8"?>
+<file path=ppt/slides/slide57.xml><?xml version="1.0" encoding="utf-8"?>
 <p:sld xmlns:a="http://schemas.openxmlformats.org/drawingml/2006/main" xmlns:r="http://schemas.openxmlformats.org/officeDocument/2006/relationships" xmlns:p="http://schemas.openxmlformats.org/presentationml/2006/main">
   <p:cSld>
     <p:spTree>
@@ -35006,7 +34437,7 @@
 </p:sld>
 </file>
 
-<file path=ppt/slides/slide59.xml><?xml version="1.0" encoding="utf-8"?>
+<file path=ppt/slides/slide58.xml><?xml version="1.0" encoding="utf-8"?>
 <p:sld xmlns:a="http://schemas.openxmlformats.org/drawingml/2006/main" xmlns:r="http://schemas.openxmlformats.org/officeDocument/2006/relationships" xmlns:p="http://schemas.openxmlformats.org/presentationml/2006/main">
   <p:cSld>
     <p:spTree>
@@ -35236,6 +34667,291 @@
             <a:r>
               <a:rPr lang="en-GB"/>
               <a:t>Install Apache Spark</a:t>
+            </a:r>
+            <a:endParaRPr/>
+          </a:p>
+          <a:p>
+            <a:pPr marL="0" lvl="0" indent="0" algn="l" rtl="0">
+              <a:lnSpc>
+                <a:spcPct val="90000"/>
+              </a:lnSpc>
+              <a:spcBef>
+                <a:spcPts val="1000"/>
+              </a:spcBef>
+              <a:spcAft>
+                <a:spcPts val="0"/>
+              </a:spcAft>
+              <a:buClr>
+                <a:schemeClr val="dk1"/>
+              </a:buClr>
+              <a:buSzPts val="2800"/>
+              <a:buNone/>
+            </a:pPr>
+            <a:endParaRPr/>
+          </a:p>
+        </p:txBody>
+      </p:sp>
+    </p:spTree>
+  </p:cSld>
+  <p:clrMapOvr>
+    <a:masterClrMapping/>
+  </p:clrMapOvr>
+</p:sld>
+</file>
+
+<file path=ppt/slides/slide59.xml><?xml version="1.0" encoding="utf-8"?>
+<p:sld xmlns:a="http://schemas.openxmlformats.org/drawingml/2006/main" xmlns:r="http://schemas.openxmlformats.org/officeDocument/2006/relationships" xmlns:p="http://schemas.openxmlformats.org/presentationml/2006/main">
+  <p:cSld>
+    <p:spTree>
+      <p:nvGrpSpPr>
+        <p:cNvPr id="1" name="Shape 468"/>
+        <p:cNvGrpSpPr/>
+        <p:nvPr/>
+      </p:nvGrpSpPr>
+      <p:grpSpPr>
+        <a:xfrm>
+          <a:off x="0" y="0"/>
+          <a:ext cx="0" cy="0"/>
+          <a:chOff x="0" y="0"/>
+          <a:chExt cx="0" cy="0"/>
+        </a:xfrm>
+      </p:grpSpPr>
+      <p:sp>
+        <p:nvSpPr>
+          <p:cNvPr id="469" name="Google Shape;469;g30ccb334bf1_0_351"/>
+          <p:cNvSpPr txBox="1">
+            <a:spLocks noGrp="1"/>
+          </p:cNvSpPr>
+          <p:nvPr>
+            <p:ph type="title"/>
+          </p:nvPr>
+        </p:nvSpPr>
+        <p:spPr>
+          <a:xfrm>
+            <a:off x="838200" y="365125"/>
+            <a:ext cx="10515600" cy="1325700"/>
+          </a:xfrm>
+          <a:prstGeom prst="rect">
+            <a:avLst/>
+          </a:prstGeom>
+          <a:noFill/>
+          <a:ln>
+            <a:noFill/>
+          </a:ln>
+        </p:spPr>
+        <p:txBody>
+          <a:bodyPr spcFirstLastPara="1" wrap="square" lIns="91425" tIns="45700" rIns="91425" bIns="45700" anchor="ctr" anchorCtr="0">
+            <a:normAutofit/>
+          </a:bodyPr>
+          <a:lstStyle/>
+          <a:p>
+            <a:pPr marL="0" lvl="0" indent="0" algn="l" rtl="0">
+              <a:lnSpc>
+                <a:spcPct val="90000"/>
+              </a:lnSpc>
+              <a:spcBef>
+                <a:spcPts val="0"/>
+              </a:spcBef>
+              <a:spcAft>
+                <a:spcPts val="0"/>
+              </a:spcAft>
+              <a:buClr>
+                <a:schemeClr val="dk1"/>
+              </a:buClr>
+              <a:buSzPts val="4400"/>
+              <a:buFont typeface="Play"/>
+              <a:buNone/>
+            </a:pPr>
+            <a:r>
+              <a:rPr lang="en-GB"/>
+              <a:t>PySpark Pre-requisites</a:t>
+            </a:r>
+            <a:endParaRPr/>
+          </a:p>
+        </p:txBody>
+      </p:sp>
+      <p:sp>
+        <p:nvSpPr>
+          <p:cNvPr id="470" name="Google Shape;470;g30ccb334bf1_0_351"/>
+          <p:cNvSpPr txBox="1">
+            <a:spLocks noGrp="1"/>
+          </p:cNvSpPr>
+          <p:nvPr>
+            <p:ph type="body" idx="1"/>
+          </p:nvPr>
+        </p:nvSpPr>
+        <p:spPr>
+          <a:xfrm>
+            <a:off x="838200" y="1825625"/>
+            <a:ext cx="10515600" cy="4351200"/>
+          </a:xfrm>
+          <a:prstGeom prst="rect">
+            <a:avLst/>
+          </a:prstGeom>
+          <a:noFill/>
+          <a:ln>
+            <a:noFill/>
+          </a:ln>
+        </p:spPr>
+        <p:txBody>
+          <a:bodyPr spcFirstLastPara="1" wrap="square" lIns="91425" tIns="45700" rIns="91425" bIns="45700" anchor="t" anchorCtr="0">
+            <a:normAutofit/>
+          </a:bodyPr>
+          <a:lstStyle/>
+          <a:p>
+            <a:pPr marL="228600" lvl="0" indent="-228600" algn="l" rtl="0">
+              <a:lnSpc>
+                <a:spcPct val="90000"/>
+              </a:lnSpc>
+              <a:spcBef>
+                <a:spcPts val="0"/>
+              </a:spcBef>
+              <a:spcAft>
+                <a:spcPts val="0"/>
+              </a:spcAft>
+              <a:buClr>
+                <a:schemeClr val="dk1"/>
+              </a:buClr>
+              <a:buSzPts val="2800"/>
+              <a:buChar char="•"/>
+            </a:pPr>
+            <a:r>
+              <a:rPr lang="en-GB"/>
+              <a:t>Install Java v17</a:t>
+            </a:r>
+            <a:endParaRPr/>
+          </a:p>
+          <a:p>
+            <a:pPr marL="228600" lvl="0" indent="-228600" algn="l" rtl="0">
+              <a:lnSpc>
+                <a:spcPct val="90000"/>
+              </a:lnSpc>
+              <a:spcBef>
+                <a:spcPts val="1000"/>
+              </a:spcBef>
+              <a:spcAft>
+                <a:spcPts val="0"/>
+              </a:spcAft>
+              <a:buClr>
+                <a:schemeClr val="dk1"/>
+              </a:buClr>
+              <a:buSzPts val="2800"/>
+              <a:buChar char="•"/>
+            </a:pPr>
+            <a:r>
+              <a:rPr lang="en-GB"/>
+              <a:t>Set paths in environment variables</a:t>
+            </a:r>
+            <a:endParaRPr/>
+          </a:p>
+          <a:p>
+            <a:pPr marL="685800" lvl="1" indent="-228600" algn="l" rtl="0">
+              <a:lnSpc>
+                <a:spcPct val="90000"/>
+              </a:lnSpc>
+              <a:spcBef>
+                <a:spcPts val="500"/>
+              </a:spcBef>
+              <a:spcAft>
+                <a:spcPts val="0"/>
+              </a:spcAft>
+              <a:buClr>
+                <a:schemeClr val="dk1"/>
+              </a:buClr>
+              <a:buSzPts val="2400"/>
+              <a:buChar char="•"/>
+            </a:pPr>
+            <a:r>
+              <a:rPr lang="en-GB"/>
+              <a:t>JAVA_HOME</a:t>
+            </a:r>
+            <a:endParaRPr/>
+          </a:p>
+          <a:p>
+            <a:pPr marL="685800" lvl="1" indent="-228600" algn="l" rtl="0">
+              <a:lnSpc>
+                <a:spcPct val="90000"/>
+              </a:lnSpc>
+              <a:spcBef>
+                <a:spcPts val="500"/>
+              </a:spcBef>
+              <a:spcAft>
+                <a:spcPts val="0"/>
+              </a:spcAft>
+              <a:buClr>
+                <a:schemeClr val="dk1"/>
+              </a:buClr>
+              <a:buSzPts val="2400"/>
+              <a:buChar char="•"/>
+            </a:pPr>
+            <a:r>
+              <a:rPr lang="en-GB"/>
+              <a:t>PATH</a:t>
+            </a:r>
+            <a:endParaRPr/>
+          </a:p>
+          <a:p>
+            <a:pPr marL="685800" lvl="1" indent="-76200" algn="l" rtl="0">
+              <a:lnSpc>
+                <a:spcPct val="90000"/>
+              </a:lnSpc>
+              <a:spcBef>
+                <a:spcPts val="500"/>
+              </a:spcBef>
+              <a:spcAft>
+                <a:spcPts val="0"/>
+              </a:spcAft>
+              <a:buClr>
+                <a:schemeClr val="dk1"/>
+              </a:buClr>
+              <a:buSzPts val="2400"/>
+              <a:buNone/>
+            </a:pPr>
+            <a:endParaRPr/>
+          </a:p>
+          <a:p>
+            <a:pPr marL="228600" lvl="0" indent="-228600" algn="l" rtl="0">
+              <a:lnSpc>
+                <a:spcPct val="90000"/>
+              </a:lnSpc>
+              <a:spcBef>
+                <a:spcPts val="1000"/>
+              </a:spcBef>
+              <a:spcAft>
+                <a:spcPts val="0"/>
+              </a:spcAft>
+              <a:buClr>
+                <a:schemeClr val="dk1"/>
+              </a:buClr>
+              <a:buSzPts val="2800"/>
+              <a:buChar char="•"/>
+            </a:pPr>
+            <a:r>
+              <a:rPr lang="en-GB"/>
+              <a:t>Install Apache Spark</a:t>
+            </a:r>
+            <a:endParaRPr/>
+          </a:p>
+          <a:p>
+            <a:pPr marL="228600" lvl="0" indent="-228600" algn="l" rtl="0">
+              <a:lnSpc>
+                <a:spcPct val="90000"/>
+              </a:lnSpc>
+              <a:spcBef>
+                <a:spcPts val="1000"/>
+              </a:spcBef>
+              <a:spcAft>
+                <a:spcPts val="0"/>
+              </a:spcAft>
+              <a:buClr>
+                <a:schemeClr val="dk1"/>
+              </a:buClr>
+              <a:buSzPts val="2800"/>
+              <a:buChar char="•"/>
+            </a:pPr>
+            <a:r>
+              <a:rPr lang="en-GB"/>
+              <a:t>Install winutils.exe</a:t>
             </a:r>
             <a:endParaRPr/>
           </a:p>
@@ -35572,291 +35288,6 @@
   <p:cSld>
     <p:spTree>
       <p:nvGrpSpPr>
-        <p:cNvPr id="1" name="Shape 468"/>
-        <p:cNvGrpSpPr/>
-        <p:nvPr/>
-      </p:nvGrpSpPr>
-      <p:grpSpPr>
-        <a:xfrm>
-          <a:off x="0" y="0"/>
-          <a:ext cx="0" cy="0"/>
-          <a:chOff x="0" y="0"/>
-          <a:chExt cx="0" cy="0"/>
-        </a:xfrm>
-      </p:grpSpPr>
-      <p:sp>
-        <p:nvSpPr>
-          <p:cNvPr id="469" name="Google Shape;469;g30ccb334bf1_0_351"/>
-          <p:cNvSpPr txBox="1">
-            <a:spLocks noGrp="1"/>
-          </p:cNvSpPr>
-          <p:nvPr>
-            <p:ph type="title"/>
-          </p:nvPr>
-        </p:nvSpPr>
-        <p:spPr>
-          <a:xfrm>
-            <a:off x="838200" y="365125"/>
-            <a:ext cx="10515600" cy="1325700"/>
-          </a:xfrm>
-          <a:prstGeom prst="rect">
-            <a:avLst/>
-          </a:prstGeom>
-          <a:noFill/>
-          <a:ln>
-            <a:noFill/>
-          </a:ln>
-        </p:spPr>
-        <p:txBody>
-          <a:bodyPr spcFirstLastPara="1" wrap="square" lIns="91425" tIns="45700" rIns="91425" bIns="45700" anchor="ctr" anchorCtr="0">
-            <a:normAutofit/>
-          </a:bodyPr>
-          <a:lstStyle/>
-          <a:p>
-            <a:pPr marL="0" lvl="0" indent="0" algn="l" rtl="0">
-              <a:lnSpc>
-                <a:spcPct val="90000"/>
-              </a:lnSpc>
-              <a:spcBef>
-                <a:spcPts val="0"/>
-              </a:spcBef>
-              <a:spcAft>
-                <a:spcPts val="0"/>
-              </a:spcAft>
-              <a:buClr>
-                <a:schemeClr val="dk1"/>
-              </a:buClr>
-              <a:buSzPts val="4400"/>
-              <a:buFont typeface="Play"/>
-              <a:buNone/>
-            </a:pPr>
-            <a:r>
-              <a:rPr lang="en-GB"/>
-              <a:t>PySpark Pre-requisites</a:t>
-            </a:r>
-            <a:endParaRPr/>
-          </a:p>
-        </p:txBody>
-      </p:sp>
-      <p:sp>
-        <p:nvSpPr>
-          <p:cNvPr id="470" name="Google Shape;470;g30ccb334bf1_0_351"/>
-          <p:cNvSpPr txBox="1">
-            <a:spLocks noGrp="1"/>
-          </p:cNvSpPr>
-          <p:nvPr>
-            <p:ph type="body" idx="1"/>
-          </p:nvPr>
-        </p:nvSpPr>
-        <p:spPr>
-          <a:xfrm>
-            <a:off x="838200" y="1825625"/>
-            <a:ext cx="10515600" cy="4351200"/>
-          </a:xfrm>
-          <a:prstGeom prst="rect">
-            <a:avLst/>
-          </a:prstGeom>
-          <a:noFill/>
-          <a:ln>
-            <a:noFill/>
-          </a:ln>
-        </p:spPr>
-        <p:txBody>
-          <a:bodyPr spcFirstLastPara="1" wrap="square" lIns="91425" tIns="45700" rIns="91425" bIns="45700" anchor="t" anchorCtr="0">
-            <a:normAutofit/>
-          </a:bodyPr>
-          <a:lstStyle/>
-          <a:p>
-            <a:pPr marL="228600" lvl="0" indent="-228600" algn="l" rtl="0">
-              <a:lnSpc>
-                <a:spcPct val="90000"/>
-              </a:lnSpc>
-              <a:spcBef>
-                <a:spcPts val="0"/>
-              </a:spcBef>
-              <a:spcAft>
-                <a:spcPts val="0"/>
-              </a:spcAft>
-              <a:buClr>
-                <a:schemeClr val="dk1"/>
-              </a:buClr>
-              <a:buSzPts val="2800"/>
-              <a:buChar char="•"/>
-            </a:pPr>
-            <a:r>
-              <a:rPr lang="en-GB"/>
-              <a:t>Install Java v17</a:t>
-            </a:r>
-            <a:endParaRPr/>
-          </a:p>
-          <a:p>
-            <a:pPr marL="228600" lvl="0" indent="-228600" algn="l" rtl="0">
-              <a:lnSpc>
-                <a:spcPct val="90000"/>
-              </a:lnSpc>
-              <a:spcBef>
-                <a:spcPts val="1000"/>
-              </a:spcBef>
-              <a:spcAft>
-                <a:spcPts val="0"/>
-              </a:spcAft>
-              <a:buClr>
-                <a:schemeClr val="dk1"/>
-              </a:buClr>
-              <a:buSzPts val="2800"/>
-              <a:buChar char="•"/>
-            </a:pPr>
-            <a:r>
-              <a:rPr lang="en-GB"/>
-              <a:t>Set paths in environment variables</a:t>
-            </a:r>
-            <a:endParaRPr/>
-          </a:p>
-          <a:p>
-            <a:pPr marL="685800" lvl="1" indent="-228600" algn="l" rtl="0">
-              <a:lnSpc>
-                <a:spcPct val="90000"/>
-              </a:lnSpc>
-              <a:spcBef>
-                <a:spcPts val="500"/>
-              </a:spcBef>
-              <a:spcAft>
-                <a:spcPts val="0"/>
-              </a:spcAft>
-              <a:buClr>
-                <a:schemeClr val="dk1"/>
-              </a:buClr>
-              <a:buSzPts val="2400"/>
-              <a:buChar char="•"/>
-            </a:pPr>
-            <a:r>
-              <a:rPr lang="en-GB"/>
-              <a:t>JAVA_HOME</a:t>
-            </a:r>
-            <a:endParaRPr/>
-          </a:p>
-          <a:p>
-            <a:pPr marL="685800" lvl="1" indent="-228600" algn="l" rtl="0">
-              <a:lnSpc>
-                <a:spcPct val="90000"/>
-              </a:lnSpc>
-              <a:spcBef>
-                <a:spcPts val="500"/>
-              </a:spcBef>
-              <a:spcAft>
-                <a:spcPts val="0"/>
-              </a:spcAft>
-              <a:buClr>
-                <a:schemeClr val="dk1"/>
-              </a:buClr>
-              <a:buSzPts val="2400"/>
-              <a:buChar char="•"/>
-            </a:pPr>
-            <a:r>
-              <a:rPr lang="en-GB"/>
-              <a:t>PATH</a:t>
-            </a:r>
-            <a:endParaRPr/>
-          </a:p>
-          <a:p>
-            <a:pPr marL="685800" lvl="1" indent="-76200" algn="l" rtl="0">
-              <a:lnSpc>
-                <a:spcPct val="90000"/>
-              </a:lnSpc>
-              <a:spcBef>
-                <a:spcPts val="500"/>
-              </a:spcBef>
-              <a:spcAft>
-                <a:spcPts val="0"/>
-              </a:spcAft>
-              <a:buClr>
-                <a:schemeClr val="dk1"/>
-              </a:buClr>
-              <a:buSzPts val="2400"/>
-              <a:buNone/>
-            </a:pPr>
-            <a:endParaRPr/>
-          </a:p>
-          <a:p>
-            <a:pPr marL="228600" lvl="0" indent="-228600" algn="l" rtl="0">
-              <a:lnSpc>
-                <a:spcPct val="90000"/>
-              </a:lnSpc>
-              <a:spcBef>
-                <a:spcPts val="1000"/>
-              </a:spcBef>
-              <a:spcAft>
-                <a:spcPts val="0"/>
-              </a:spcAft>
-              <a:buClr>
-                <a:schemeClr val="dk1"/>
-              </a:buClr>
-              <a:buSzPts val="2800"/>
-              <a:buChar char="•"/>
-            </a:pPr>
-            <a:r>
-              <a:rPr lang="en-GB"/>
-              <a:t>Install Apache Spark</a:t>
-            </a:r>
-            <a:endParaRPr/>
-          </a:p>
-          <a:p>
-            <a:pPr marL="228600" lvl="0" indent="-228600" algn="l" rtl="0">
-              <a:lnSpc>
-                <a:spcPct val="90000"/>
-              </a:lnSpc>
-              <a:spcBef>
-                <a:spcPts val="1000"/>
-              </a:spcBef>
-              <a:spcAft>
-                <a:spcPts val="0"/>
-              </a:spcAft>
-              <a:buClr>
-                <a:schemeClr val="dk1"/>
-              </a:buClr>
-              <a:buSzPts val="2800"/>
-              <a:buChar char="•"/>
-            </a:pPr>
-            <a:r>
-              <a:rPr lang="en-GB"/>
-              <a:t>Install winutils.exe</a:t>
-            </a:r>
-            <a:endParaRPr/>
-          </a:p>
-          <a:p>
-            <a:pPr marL="0" lvl="0" indent="0" algn="l" rtl="0">
-              <a:lnSpc>
-                <a:spcPct val="90000"/>
-              </a:lnSpc>
-              <a:spcBef>
-                <a:spcPts val="1000"/>
-              </a:spcBef>
-              <a:spcAft>
-                <a:spcPts val="0"/>
-              </a:spcAft>
-              <a:buClr>
-                <a:schemeClr val="dk1"/>
-              </a:buClr>
-              <a:buSzPts val="2800"/>
-              <a:buNone/>
-            </a:pPr>
-            <a:endParaRPr/>
-          </a:p>
-        </p:txBody>
-      </p:sp>
-    </p:spTree>
-  </p:cSld>
-  <p:clrMapOvr>
-    <a:masterClrMapping/>
-  </p:clrMapOvr>
-</p:sld>
-</file>
-
-<file path=ppt/slides/slide61.xml><?xml version="1.0" encoding="utf-8"?>
-<p:sld xmlns:a="http://schemas.openxmlformats.org/drawingml/2006/main" xmlns:r="http://schemas.openxmlformats.org/officeDocument/2006/relationships" xmlns:p="http://schemas.openxmlformats.org/presentationml/2006/main">
-  <p:cSld>
-    <p:spTree>
-      <p:nvGrpSpPr>
         <p:cNvPr id="1" name="Shape 474"/>
         <p:cNvGrpSpPr/>
         <p:nvPr/>
@@ -36160,7 +35591,7 @@
 </p:sld>
 </file>
 
-<file path=ppt/slides/slide62.xml><?xml version="1.0" encoding="utf-8"?>
+<file path=ppt/slides/slide61.xml><?xml version="1.0" encoding="utf-8"?>
 <p:sld xmlns:a="http://schemas.openxmlformats.org/drawingml/2006/main" xmlns:r="http://schemas.openxmlformats.org/officeDocument/2006/relationships" xmlns:p="http://schemas.openxmlformats.org/presentationml/2006/main">
   <p:cSld>
     <p:spTree>
@@ -36503,7 +35934,7 @@
 </p:sld>
 </file>
 
-<file path=ppt/slides/slide63.xml><?xml version="1.0" encoding="utf-8"?>
+<file path=ppt/slides/slide62.xml><?xml version="1.0" encoding="utf-8"?>
 <p:sld xmlns:a="http://schemas.openxmlformats.org/drawingml/2006/main" xmlns:r="http://schemas.openxmlformats.org/officeDocument/2006/relationships" xmlns:p="http://schemas.openxmlformats.org/presentationml/2006/main">
   <p:cSld>
     <p:spTree>
@@ -36635,7 +36066,7 @@
 </p:sld>
 </file>
 
-<file path=ppt/slides/slide64.xml><?xml version="1.0" encoding="utf-8"?>
+<file path=ppt/slides/slide63.xml><?xml version="1.0" encoding="utf-8"?>
 <p:sld xmlns:a="http://schemas.openxmlformats.org/drawingml/2006/main" xmlns:r="http://schemas.openxmlformats.org/officeDocument/2006/relationships" xmlns:p="http://schemas.openxmlformats.org/presentationml/2006/main">
   <p:cSld>
     <p:spTree>
@@ -36879,59 +36310,7 @@
 </p:sld>
 </file>
 
-<file path=ppt/slides/slide65.xml><?xml version="1.0" encoding="utf-8"?>
-<p:sld xmlns:a="http://schemas.openxmlformats.org/drawingml/2006/main" xmlns:r="http://schemas.openxmlformats.org/officeDocument/2006/relationships" xmlns:p="http://schemas.openxmlformats.org/presentationml/2006/main">
-  <p:cSld>
-    <p:spTree>
-      <p:nvGrpSpPr>
-        <p:cNvPr id="1" name="Shape 500"/>
-        <p:cNvGrpSpPr/>
-        <p:nvPr/>
-      </p:nvGrpSpPr>
-      <p:grpSpPr>
-        <a:xfrm>
-          <a:off x="0" y="0"/>
-          <a:ext cx="0" cy="0"/>
-          <a:chOff x="0" y="0"/>
-          <a:chExt cx="0" cy="0"/>
-        </a:xfrm>
-      </p:grpSpPr>
-      <p:pic>
-        <p:nvPicPr>
-          <p:cNvPr id="501" name="Google Shape;501;g30ccb334bf1_0_378"/>
-          <p:cNvPicPr preferRelativeResize="0"/>
-          <p:nvPr/>
-        </p:nvPicPr>
-        <p:blipFill rotWithShape="1">
-          <a:blip r:embed="rId3">
-            <a:alphaModFix/>
-          </a:blip>
-          <a:srcRect/>
-          <a:stretch/>
-        </p:blipFill>
-        <p:spPr>
-          <a:xfrm>
-            <a:off x="1207931" y="2120132"/>
-            <a:ext cx="4239217" cy="1819529"/>
-          </a:xfrm>
-          <a:prstGeom prst="rect">
-            <a:avLst/>
-          </a:prstGeom>
-          <a:noFill/>
-          <a:ln>
-            <a:noFill/>
-          </a:ln>
-        </p:spPr>
-      </p:pic>
-    </p:spTree>
-  </p:cSld>
-  <p:clrMapOvr>
-    <a:masterClrMapping/>
-  </p:clrMapOvr>
-</p:sld>
-</file>
-
-<file path=ppt/slides/slide66.xml><?xml version="1.0" encoding="utf-8"?>
+<file path=ppt/slides/slide64.xml><?xml version="1.0" encoding="utf-8"?>
 <p:sld xmlns:a="http://schemas.openxmlformats.org/drawingml/2006/main" xmlns:r="http://schemas.openxmlformats.org/officeDocument/2006/relationships" xmlns:p="http://schemas.openxmlformats.org/presentationml/2006/main">
   <p:cSld>
     <p:spTree>
@@ -37160,7 +36539,7 @@
 </p:sld>
 </file>
 
-<file path=ppt/slides/slide67.xml><?xml version="1.0" encoding="utf-8"?>
+<file path=ppt/slides/slide65.xml><?xml version="1.0" encoding="utf-8"?>
 <p:sld xmlns:a="http://schemas.openxmlformats.org/drawingml/2006/main" xmlns:r="http://schemas.openxmlformats.org/officeDocument/2006/relationships" xmlns:p="http://schemas.openxmlformats.org/presentationml/2006/main">
   <p:cSld>
     <p:spTree>
@@ -37387,7 +36766,7 @@
 </p:sld>
 </file>
 
-<file path=ppt/slides/slide68.xml><?xml version="1.0" encoding="utf-8"?>
+<file path=ppt/slides/slide66.xml><?xml version="1.0" encoding="utf-8"?>
 <p:sld xmlns:a="http://schemas.openxmlformats.org/drawingml/2006/main" xmlns:r="http://schemas.openxmlformats.org/officeDocument/2006/relationships" xmlns:p="http://schemas.openxmlformats.org/presentationml/2006/main">
   <p:cSld>
     <p:spTree>
@@ -37853,7 +37232,7 @@
 </p:sld>
 </file>
 
-<file path=ppt/slides/slide69.xml><?xml version="1.0" encoding="utf-8"?>
+<file path=ppt/slides/slide67.xml><?xml version="1.0" encoding="utf-8"?>
 <p:sld xmlns:a="http://schemas.openxmlformats.org/drawingml/2006/main" xmlns:r="http://schemas.openxmlformats.org/officeDocument/2006/relationships" xmlns:p="http://schemas.openxmlformats.org/presentationml/2006/main">
   <p:cSld>
     <p:spTree>
@@ -38099,6 +37478,215 @@
           <a:xfrm>
             <a:off x="6828400" y="1509267"/>
             <a:ext cx="4286250" cy="4286250"/>
+          </a:xfrm>
+          <a:prstGeom prst="rect">
+            <a:avLst/>
+          </a:prstGeom>
+          <a:noFill/>
+          <a:ln>
+            <a:noFill/>
+          </a:ln>
+        </p:spPr>
+      </p:pic>
+    </p:spTree>
+  </p:cSld>
+  <p:clrMapOvr>
+    <a:masterClrMapping/>
+  </p:clrMapOvr>
+</p:sld>
+</file>
+
+<file path=ppt/slides/slide68.xml><?xml version="1.0" encoding="utf-8"?>
+<p:sld xmlns:a="http://schemas.openxmlformats.org/drawingml/2006/main" xmlns:r="http://schemas.openxmlformats.org/officeDocument/2006/relationships" xmlns:p="http://schemas.openxmlformats.org/presentationml/2006/main">
+  <p:cSld>
+    <p:spTree>
+      <p:nvGrpSpPr>
+        <p:cNvPr id="1" name="Shape 533"/>
+        <p:cNvGrpSpPr/>
+        <p:nvPr/>
+      </p:nvGrpSpPr>
+      <p:grpSpPr>
+        <a:xfrm>
+          <a:off x="0" y="0"/>
+          <a:ext cx="0" cy="0"/>
+          <a:chOff x="0" y="0"/>
+          <a:chExt cx="0" cy="0"/>
+        </a:xfrm>
+      </p:grpSpPr>
+      <p:sp>
+        <p:nvSpPr>
+          <p:cNvPr id="534" name="Google Shape;534;g30ccb334bf1_0_388"/>
+          <p:cNvSpPr txBox="1">
+            <a:spLocks noGrp="1"/>
+          </p:cNvSpPr>
+          <p:nvPr>
+            <p:ph type="title"/>
+          </p:nvPr>
+        </p:nvSpPr>
+        <p:spPr>
+          <a:xfrm>
+            <a:off x="838200" y="365125"/>
+            <a:ext cx="10439400" cy="5940300"/>
+          </a:xfrm>
+          <a:prstGeom prst="rect">
+            <a:avLst/>
+          </a:prstGeom>
+          <a:noFill/>
+          <a:ln>
+            <a:noFill/>
+          </a:ln>
+        </p:spPr>
+        <p:txBody>
+          <a:bodyPr spcFirstLastPara="1" wrap="square" lIns="91425" tIns="45700" rIns="91425" bIns="45700" anchor="ctr" anchorCtr="0">
+            <a:normAutofit/>
+          </a:bodyPr>
+          <a:lstStyle/>
+          <a:p>
+            <a:pPr marL="0" lvl="0" indent="0" algn="ctr" rtl="0">
+              <a:lnSpc>
+                <a:spcPct val="90000"/>
+              </a:lnSpc>
+              <a:spcBef>
+                <a:spcPts val="0"/>
+              </a:spcBef>
+              <a:spcAft>
+                <a:spcPts val="0"/>
+              </a:spcAft>
+              <a:buClr>
+                <a:schemeClr val="dk1"/>
+              </a:buClr>
+              <a:buSzPts val="8800"/>
+              <a:buFont typeface="Play"/>
+              <a:buNone/>
+            </a:pPr>
+            <a:r>
+              <a:rPr lang="en-GB" sz="8800"/>
+              <a:t>END</a:t>
+            </a:r>
+            <a:endParaRPr sz="8800"/>
+          </a:p>
+          <a:p>
+            <a:pPr marL="0" lvl="0" indent="0" algn="ctr" rtl="0">
+              <a:lnSpc>
+                <a:spcPct val="90000"/>
+              </a:lnSpc>
+              <a:spcBef>
+                <a:spcPts val="0"/>
+              </a:spcBef>
+              <a:spcAft>
+                <a:spcPts val="0"/>
+              </a:spcAft>
+              <a:buClr>
+                <a:schemeClr val="dk1"/>
+              </a:buClr>
+              <a:buSzPts val="8800"/>
+              <a:buFont typeface="Play"/>
+              <a:buNone/>
+            </a:pPr>
+            <a:r>
+              <a:rPr lang="en-GB" sz="2400"/>
+              <a:t>(Slides cut from in-person talk follow…)</a:t>
+            </a:r>
+            <a:endParaRPr sz="2400"/>
+          </a:p>
+        </p:txBody>
+      </p:sp>
+    </p:spTree>
+  </p:cSld>
+  <p:clrMapOvr>
+    <a:masterClrMapping/>
+  </p:clrMapOvr>
+</p:sld>
+</file>
+
+<file path=ppt/slides/slide69.xml><?xml version="1.0" encoding="utf-8"?>
+<p:sld xmlns:a="http://schemas.openxmlformats.org/drawingml/2006/main" xmlns:r="http://schemas.openxmlformats.org/officeDocument/2006/relationships" xmlns:p="http://schemas.openxmlformats.org/presentationml/2006/main">
+  <p:cSld>
+    <p:spTree>
+      <p:nvGrpSpPr>
+        <p:cNvPr id="1" name="Shape 538"/>
+        <p:cNvGrpSpPr/>
+        <p:nvPr/>
+      </p:nvGrpSpPr>
+      <p:grpSpPr>
+        <a:xfrm>
+          <a:off x="0" y="0"/>
+          <a:ext cx="0" cy="0"/>
+          <a:chOff x="0" y="0"/>
+          <a:chExt cx="0" cy="0"/>
+        </a:xfrm>
+      </p:grpSpPr>
+      <p:sp>
+        <p:nvSpPr>
+          <p:cNvPr id="539" name="Google Shape;539;g30ccb334bf1_0_392"/>
+          <p:cNvSpPr txBox="1">
+            <a:spLocks noGrp="1"/>
+          </p:cNvSpPr>
+          <p:nvPr>
+            <p:ph type="title"/>
+          </p:nvPr>
+        </p:nvSpPr>
+        <p:spPr>
+          <a:xfrm>
+            <a:off x="838200" y="365125"/>
+            <a:ext cx="10515600" cy="1325700"/>
+          </a:xfrm>
+          <a:prstGeom prst="rect">
+            <a:avLst/>
+          </a:prstGeom>
+          <a:noFill/>
+          <a:ln>
+            <a:noFill/>
+          </a:ln>
+        </p:spPr>
+        <p:txBody>
+          <a:bodyPr spcFirstLastPara="1" wrap="square" lIns="91425" tIns="45700" rIns="91425" bIns="45700" anchor="ctr" anchorCtr="0">
+            <a:normAutofit/>
+          </a:bodyPr>
+          <a:lstStyle/>
+          <a:p>
+            <a:pPr marL="0" lvl="0" indent="0" algn="l" rtl="0">
+              <a:lnSpc>
+                <a:spcPct val="90000"/>
+              </a:lnSpc>
+              <a:spcBef>
+                <a:spcPts val="0"/>
+              </a:spcBef>
+              <a:spcAft>
+                <a:spcPts val="0"/>
+              </a:spcAft>
+              <a:buClr>
+                <a:schemeClr val="dk1"/>
+              </a:buClr>
+              <a:buSzPts val="4400"/>
+              <a:buFont typeface="Play"/>
+              <a:buNone/>
+            </a:pPr>
+            <a:r>
+              <a:rPr lang="en-GB"/>
+              <a:t>Create Resource Group</a:t>
+            </a:r>
+            <a:endParaRPr/>
+          </a:p>
+        </p:txBody>
+      </p:sp>
+      <p:pic>
+        <p:nvPicPr>
+          <p:cNvPr id="540" name="Google Shape;540;g30ccb334bf1_0_392"/>
+          <p:cNvPicPr preferRelativeResize="0"/>
+          <p:nvPr/>
+        </p:nvPicPr>
+        <p:blipFill rotWithShape="1">
+          <a:blip r:embed="rId3">
+            <a:alphaModFix/>
+          </a:blip>
+          <a:srcRect/>
+          <a:stretch/>
+        </p:blipFill>
+        <p:spPr>
+          <a:xfrm>
+            <a:off x="2352152" y="2338235"/>
+            <a:ext cx="7487695" cy="2181529"/>
           </a:xfrm>
           <a:prstGeom prst="rect">
             <a:avLst/>
@@ -38323,215 +37911,6 @@
   <p:cSld>
     <p:spTree>
       <p:nvGrpSpPr>
-        <p:cNvPr id="1" name="Shape 533"/>
-        <p:cNvGrpSpPr/>
-        <p:nvPr/>
-      </p:nvGrpSpPr>
-      <p:grpSpPr>
-        <a:xfrm>
-          <a:off x="0" y="0"/>
-          <a:ext cx="0" cy="0"/>
-          <a:chOff x="0" y="0"/>
-          <a:chExt cx="0" cy="0"/>
-        </a:xfrm>
-      </p:grpSpPr>
-      <p:sp>
-        <p:nvSpPr>
-          <p:cNvPr id="534" name="Google Shape;534;g30ccb334bf1_0_388"/>
-          <p:cNvSpPr txBox="1">
-            <a:spLocks noGrp="1"/>
-          </p:cNvSpPr>
-          <p:nvPr>
-            <p:ph type="title"/>
-          </p:nvPr>
-        </p:nvSpPr>
-        <p:spPr>
-          <a:xfrm>
-            <a:off x="838200" y="365125"/>
-            <a:ext cx="10439400" cy="5940300"/>
-          </a:xfrm>
-          <a:prstGeom prst="rect">
-            <a:avLst/>
-          </a:prstGeom>
-          <a:noFill/>
-          <a:ln>
-            <a:noFill/>
-          </a:ln>
-        </p:spPr>
-        <p:txBody>
-          <a:bodyPr spcFirstLastPara="1" wrap="square" lIns="91425" tIns="45700" rIns="91425" bIns="45700" anchor="ctr" anchorCtr="0">
-            <a:normAutofit/>
-          </a:bodyPr>
-          <a:lstStyle/>
-          <a:p>
-            <a:pPr marL="0" lvl="0" indent="0" algn="ctr" rtl="0">
-              <a:lnSpc>
-                <a:spcPct val="90000"/>
-              </a:lnSpc>
-              <a:spcBef>
-                <a:spcPts val="0"/>
-              </a:spcBef>
-              <a:spcAft>
-                <a:spcPts val="0"/>
-              </a:spcAft>
-              <a:buClr>
-                <a:schemeClr val="dk1"/>
-              </a:buClr>
-              <a:buSzPts val="8800"/>
-              <a:buFont typeface="Play"/>
-              <a:buNone/>
-            </a:pPr>
-            <a:r>
-              <a:rPr lang="en-GB" sz="8800"/>
-              <a:t>END</a:t>
-            </a:r>
-            <a:endParaRPr sz="8800"/>
-          </a:p>
-          <a:p>
-            <a:pPr marL="0" lvl="0" indent="0" algn="ctr" rtl="0">
-              <a:lnSpc>
-                <a:spcPct val="90000"/>
-              </a:lnSpc>
-              <a:spcBef>
-                <a:spcPts val="0"/>
-              </a:spcBef>
-              <a:spcAft>
-                <a:spcPts val="0"/>
-              </a:spcAft>
-              <a:buClr>
-                <a:schemeClr val="dk1"/>
-              </a:buClr>
-              <a:buSzPts val="8800"/>
-              <a:buFont typeface="Play"/>
-              <a:buNone/>
-            </a:pPr>
-            <a:r>
-              <a:rPr lang="en-GB" sz="2400"/>
-              <a:t>(Slides cut from in-person talk follow…)</a:t>
-            </a:r>
-            <a:endParaRPr sz="2400"/>
-          </a:p>
-        </p:txBody>
-      </p:sp>
-    </p:spTree>
-  </p:cSld>
-  <p:clrMapOvr>
-    <a:masterClrMapping/>
-  </p:clrMapOvr>
-</p:sld>
-</file>
-
-<file path=ppt/slides/slide71.xml><?xml version="1.0" encoding="utf-8"?>
-<p:sld xmlns:a="http://schemas.openxmlformats.org/drawingml/2006/main" xmlns:r="http://schemas.openxmlformats.org/officeDocument/2006/relationships" xmlns:p="http://schemas.openxmlformats.org/presentationml/2006/main">
-  <p:cSld>
-    <p:spTree>
-      <p:nvGrpSpPr>
-        <p:cNvPr id="1" name="Shape 538"/>
-        <p:cNvGrpSpPr/>
-        <p:nvPr/>
-      </p:nvGrpSpPr>
-      <p:grpSpPr>
-        <a:xfrm>
-          <a:off x="0" y="0"/>
-          <a:ext cx="0" cy="0"/>
-          <a:chOff x="0" y="0"/>
-          <a:chExt cx="0" cy="0"/>
-        </a:xfrm>
-      </p:grpSpPr>
-      <p:sp>
-        <p:nvSpPr>
-          <p:cNvPr id="539" name="Google Shape;539;g30ccb334bf1_0_392"/>
-          <p:cNvSpPr txBox="1">
-            <a:spLocks noGrp="1"/>
-          </p:cNvSpPr>
-          <p:nvPr>
-            <p:ph type="title"/>
-          </p:nvPr>
-        </p:nvSpPr>
-        <p:spPr>
-          <a:xfrm>
-            <a:off x="838200" y="365125"/>
-            <a:ext cx="10515600" cy="1325700"/>
-          </a:xfrm>
-          <a:prstGeom prst="rect">
-            <a:avLst/>
-          </a:prstGeom>
-          <a:noFill/>
-          <a:ln>
-            <a:noFill/>
-          </a:ln>
-        </p:spPr>
-        <p:txBody>
-          <a:bodyPr spcFirstLastPara="1" wrap="square" lIns="91425" tIns="45700" rIns="91425" bIns="45700" anchor="ctr" anchorCtr="0">
-            <a:normAutofit/>
-          </a:bodyPr>
-          <a:lstStyle/>
-          <a:p>
-            <a:pPr marL="0" lvl="0" indent="0" algn="l" rtl="0">
-              <a:lnSpc>
-                <a:spcPct val="90000"/>
-              </a:lnSpc>
-              <a:spcBef>
-                <a:spcPts val="0"/>
-              </a:spcBef>
-              <a:spcAft>
-                <a:spcPts val="0"/>
-              </a:spcAft>
-              <a:buClr>
-                <a:schemeClr val="dk1"/>
-              </a:buClr>
-              <a:buSzPts val="4400"/>
-              <a:buFont typeface="Play"/>
-              <a:buNone/>
-            </a:pPr>
-            <a:r>
-              <a:rPr lang="en-GB"/>
-              <a:t>Create Resource Group</a:t>
-            </a:r>
-            <a:endParaRPr/>
-          </a:p>
-        </p:txBody>
-      </p:sp>
-      <p:pic>
-        <p:nvPicPr>
-          <p:cNvPr id="540" name="Google Shape;540;g30ccb334bf1_0_392"/>
-          <p:cNvPicPr preferRelativeResize="0"/>
-          <p:nvPr/>
-        </p:nvPicPr>
-        <p:blipFill rotWithShape="1">
-          <a:blip r:embed="rId3">
-            <a:alphaModFix/>
-          </a:blip>
-          <a:srcRect/>
-          <a:stretch/>
-        </p:blipFill>
-        <p:spPr>
-          <a:xfrm>
-            <a:off x="2352152" y="2338235"/>
-            <a:ext cx="7487695" cy="2181529"/>
-          </a:xfrm>
-          <a:prstGeom prst="rect">
-            <a:avLst/>
-          </a:prstGeom>
-          <a:noFill/>
-          <a:ln>
-            <a:noFill/>
-          </a:ln>
-        </p:spPr>
-      </p:pic>
-    </p:spTree>
-  </p:cSld>
-  <p:clrMapOvr>
-    <a:masterClrMapping/>
-  </p:clrMapOvr>
-</p:sld>
-</file>
-
-<file path=ppt/slides/slide72.xml><?xml version="1.0" encoding="utf-8"?>
-<p:sld xmlns:a="http://schemas.openxmlformats.org/drawingml/2006/main" xmlns:r="http://schemas.openxmlformats.org/officeDocument/2006/relationships" xmlns:p="http://schemas.openxmlformats.org/presentationml/2006/main">
-  <p:cSld>
-    <p:spTree>
-      <p:nvGrpSpPr>
         <p:cNvPr id="1" name="Shape 544"/>
         <p:cNvGrpSpPr/>
         <p:nvPr/>
@@ -38633,7 +38012,7 @@
 </p:sld>
 </file>
 
-<file path=ppt/slides/slide73.xml><?xml version="1.0" encoding="utf-8"?>
+<file path=ppt/slides/slide71.xml><?xml version="1.0" encoding="utf-8"?>
 <p:sld xmlns:a="http://schemas.openxmlformats.org/drawingml/2006/main" xmlns:r="http://schemas.openxmlformats.org/officeDocument/2006/relationships" xmlns:p="http://schemas.openxmlformats.org/presentationml/2006/main">
   <p:cSld>
     <p:spTree>
@@ -38739,7 +38118,7 @@
 </p:sld>
 </file>
 
-<file path=ppt/slides/slide74.xml><?xml version="1.0" encoding="utf-8"?>
+<file path=ppt/slides/slide72.xml><?xml version="1.0" encoding="utf-8"?>
 <p:sld xmlns:a="http://schemas.openxmlformats.org/drawingml/2006/main" xmlns:r="http://schemas.openxmlformats.org/officeDocument/2006/relationships" xmlns:p="http://schemas.openxmlformats.org/presentationml/2006/main">
   <p:cSld>
     <p:spTree>
@@ -38872,7 +38251,7 @@
 </p:sld>
 </file>
 
-<file path=ppt/slides/slide75.xml><?xml version="1.0" encoding="utf-8"?>
+<file path=ppt/slides/slide73.xml><?xml version="1.0" encoding="utf-8"?>
 <p:sld xmlns:a="http://schemas.openxmlformats.org/drawingml/2006/main" xmlns:r="http://schemas.openxmlformats.org/officeDocument/2006/relationships" xmlns:p="http://schemas.openxmlformats.org/presentationml/2006/main">
   <p:cSld>
     <p:spTree>
@@ -39005,7 +38384,7 @@
 </p:sld>
 </file>
 
-<file path=ppt/slides/slide76.xml><?xml version="1.0" encoding="utf-8"?>
+<file path=ppt/slides/slide74.xml><?xml version="1.0" encoding="utf-8"?>
 <p:sld xmlns:a="http://schemas.openxmlformats.org/drawingml/2006/main" xmlns:r="http://schemas.openxmlformats.org/officeDocument/2006/relationships" xmlns:p="http://schemas.openxmlformats.org/presentationml/2006/main">
   <p:cSld>
     <p:spTree>
@@ -39164,7 +38543,7 @@
 </p:sld>
 </file>
 
-<file path=ppt/slides/slide77.xml><?xml version="1.0" encoding="utf-8"?>
+<file path=ppt/slides/slide75.xml><?xml version="1.0" encoding="utf-8"?>
 <p:sld xmlns:a="http://schemas.openxmlformats.org/drawingml/2006/main" xmlns:r="http://schemas.openxmlformats.org/officeDocument/2006/relationships" xmlns:p="http://schemas.openxmlformats.org/presentationml/2006/main">
   <p:cSld>
     <p:spTree>
@@ -39270,7 +38649,7 @@
 </p:sld>
 </file>
 
-<file path=ppt/slides/slide78.xml><?xml version="1.0" encoding="utf-8"?>
+<file path=ppt/slides/slide76.xml><?xml version="1.0" encoding="utf-8"?>
 <p:sld xmlns:a="http://schemas.openxmlformats.org/drawingml/2006/main" xmlns:r="http://schemas.openxmlformats.org/officeDocument/2006/relationships" xmlns:p="http://schemas.openxmlformats.org/presentationml/2006/main">
   <p:cSld>
     <p:spTree>
@@ -39376,7 +38755,7 @@
 </p:sld>
 </file>
 
-<file path=ppt/slides/slide79.xml><?xml version="1.0" encoding="utf-8"?>
+<file path=ppt/slides/slide77.xml><?xml version="1.0" encoding="utf-8"?>
 <p:sld xmlns:a="http://schemas.openxmlformats.org/drawingml/2006/main" xmlns:r="http://schemas.openxmlformats.org/officeDocument/2006/relationships" xmlns:p="http://schemas.openxmlformats.org/presentationml/2006/main">
   <p:cSld>
     <p:spTree>
@@ -39458,274 +38837,7 @@
 </p:sld>
 </file>
 
-<file path=ppt/slides/slide8.xml><?xml version="1.0" encoding="utf-8"?>
-<p:sld xmlns:a="http://schemas.openxmlformats.org/drawingml/2006/main" xmlns:r="http://schemas.openxmlformats.org/officeDocument/2006/relationships" xmlns:p="http://schemas.openxmlformats.org/presentationml/2006/main">
-  <p:cSld>
-    <p:spTree>
-      <p:nvGrpSpPr>
-        <p:cNvPr id="1" name="Shape 150"/>
-        <p:cNvGrpSpPr/>
-        <p:nvPr/>
-      </p:nvGrpSpPr>
-      <p:grpSpPr>
-        <a:xfrm>
-          <a:off x="0" y="0"/>
-          <a:ext cx="0" cy="0"/>
-          <a:chOff x="0" y="0"/>
-          <a:chExt cx="0" cy="0"/>
-        </a:xfrm>
-      </p:grpSpPr>
-      <p:sp>
-        <p:nvSpPr>
-          <p:cNvPr id="151" name="Google Shape;151;g303d0b7e714_1_0"/>
-          <p:cNvSpPr txBox="1">
-            <a:spLocks noGrp="1"/>
-          </p:cNvSpPr>
-          <p:nvPr>
-            <p:ph type="title"/>
-          </p:nvPr>
-        </p:nvSpPr>
-        <p:spPr>
-          <a:xfrm>
-            <a:off x="415600" y="593367"/>
-            <a:ext cx="11360700" cy="763500"/>
-          </a:xfrm>
-          <a:prstGeom prst="rect">
-            <a:avLst/>
-          </a:prstGeom>
-        </p:spPr>
-        <p:txBody>
-          <a:bodyPr spcFirstLastPara="1" wrap="square" lIns="91425" tIns="45700" rIns="91425" bIns="45700" anchor="ctr" anchorCtr="0">
-            <a:normAutofit/>
-          </a:bodyPr>
-          <a:lstStyle/>
-          <a:p>
-            <a:pPr marL="0" lvl="0" indent="0" algn="l" rtl="0">
-              <a:spcBef>
-                <a:spcPts val="0"/>
-              </a:spcBef>
-              <a:spcAft>
-                <a:spcPts val="0"/>
-              </a:spcAft>
-              <a:buNone/>
-            </a:pPr>
-            <a:r>
-              <a:rPr lang="en-GB"/>
-              <a:t>Scope</a:t>
-            </a:r>
-            <a:endParaRPr/>
-          </a:p>
-        </p:txBody>
-      </p:sp>
-      <p:sp>
-        <p:nvSpPr>
-          <p:cNvPr id="152" name="Google Shape;152;g303d0b7e714_1_0"/>
-          <p:cNvSpPr txBox="1">
-            <a:spLocks noGrp="1"/>
-          </p:cNvSpPr>
-          <p:nvPr>
-            <p:ph type="body" idx="1"/>
-          </p:nvPr>
-        </p:nvSpPr>
-        <p:spPr>
-          <a:xfrm>
-            <a:off x="415600" y="1536633"/>
-            <a:ext cx="11360700" cy="4555200"/>
-          </a:xfrm>
-          <a:prstGeom prst="rect">
-            <a:avLst/>
-          </a:prstGeom>
-        </p:spPr>
-        <p:txBody>
-          <a:bodyPr spcFirstLastPara="1" wrap="square" lIns="91425" tIns="45700" rIns="91425" bIns="45700" anchor="t" anchorCtr="0">
-            <a:normAutofit fontScale="77500" lnSpcReduction="20000"/>
-          </a:bodyPr>
-          <a:lstStyle/>
-          <a:p>
-            <a:pPr marL="0" lvl="0" indent="0" algn="l" rtl="0">
-              <a:spcBef>
-                <a:spcPts val="1000"/>
-              </a:spcBef>
-              <a:spcAft>
-                <a:spcPts val="0"/>
-              </a:spcAft>
-              <a:buNone/>
-            </a:pPr>
-            <a:r>
-              <a:rPr lang="en-GB" b="1"/>
-              <a:t>Supporting tools</a:t>
-            </a:r>
-            <a:endParaRPr b="1"/>
-          </a:p>
-          <a:p>
-            <a:pPr marL="457200" lvl="0" indent="-366395" algn="l" rtl="0">
-              <a:spcBef>
-                <a:spcPts val="1000"/>
-              </a:spcBef>
-              <a:spcAft>
-                <a:spcPts val="0"/>
-              </a:spcAft>
-              <a:buSzPct val="100000"/>
-              <a:buChar char="•"/>
-            </a:pPr>
-            <a:r>
-              <a:rPr lang="en-GB"/>
-              <a:t>Code editing</a:t>
-            </a:r>
-            <a:endParaRPr/>
-          </a:p>
-          <a:p>
-            <a:pPr marL="457200" lvl="0" indent="-366395" algn="l" rtl="0">
-              <a:spcBef>
-                <a:spcPts val="0"/>
-              </a:spcBef>
-              <a:spcAft>
-                <a:spcPts val="0"/>
-              </a:spcAft>
-              <a:buSzPct val="100000"/>
-              <a:buChar char="•"/>
-            </a:pPr>
-            <a:r>
-              <a:rPr lang="en-GB"/>
-              <a:t>Database Access</a:t>
-            </a:r>
-            <a:endParaRPr/>
-          </a:p>
-          <a:p>
-            <a:pPr marL="0" lvl="0" indent="0" algn="l" rtl="0">
-              <a:spcBef>
-                <a:spcPts val="1000"/>
-              </a:spcBef>
-              <a:spcAft>
-                <a:spcPts val="0"/>
-              </a:spcAft>
-              <a:buNone/>
-            </a:pPr>
-            <a:endParaRPr/>
-          </a:p>
-          <a:p>
-            <a:pPr marL="0" lvl="0" indent="0" algn="l" rtl="0">
-              <a:spcBef>
-                <a:spcPts val="1000"/>
-              </a:spcBef>
-              <a:spcAft>
-                <a:spcPts val="0"/>
-              </a:spcAft>
-              <a:buNone/>
-            </a:pPr>
-            <a:r>
-              <a:rPr lang="en-GB" b="1"/>
-              <a:t>Cloud overview</a:t>
-            </a:r>
-            <a:endParaRPr b="1"/>
-          </a:p>
-          <a:p>
-            <a:pPr marL="457200" lvl="0" indent="-366395" algn="l" rtl="0">
-              <a:spcBef>
-                <a:spcPts val="1000"/>
-              </a:spcBef>
-              <a:spcAft>
-                <a:spcPts val="0"/>
-              </a:spcAft>
-              <a:buSzPct val="100000"/>
-              <a:buChar char="•"/>
-            </a:pPr>
-            <a:r>
-              <a:rPr lang="en-GB"/>
-              <a:t>Environment setup pointers</a:t>
-            </a:r>
-            <a:endParaRPr/>
-          </a:p>
-          <a:p>
-            <a:pPr marL="457200" lvl="0" indent="-366395" algn="l" rtl="0">
-              <a:spcBef>
-                <a:spcPts val="0"/>
-              </a:spcBef>
-              <a:spcAft>
-                <a:spcPts val="0"/>
-              </a:spcAft>
-              <a:buSzPct val="100000"/>
-              <a:buChar char="•"/>
-            </a:pPr>
-            <a:r>
-              <a:rPr lang="en-GB"/>
-              <a:t>Working with some data (acquire, manipulate, present)</a:t>
-            </a:r>
-            <a:endParaRPr/>
-          </a:p>
-          <a:p>
-            <a:pPr marL="0" lvl="0" indent="0" algn="l" rtl="0">
-              <a:spcBef>
-                <a:spcPts val="1000"/>
-              </a:spcBef>
-              <a:spcAft>
-                <a:spcPts val="0"/>
-              </a:spcAft>
-              <a:buNone/>
-            </a:pPr>
-            <a:endParaRPr/>
-          </a:p>
-          <a:p>
-            <a:pPr marL="0" lvl="0" indent="0" algn="l" rtl="0">
-              <a:spcBef>
-                <a:spcPts val="1000"/>
-              </a:spcBef>
-              <a:spcAft>
-                <a:spcPts val="0"/>
-              </a:spcAft>
-              <a:buNone/>
-            </a:pPr>
-            <a:r>
-              <a:rPr lang="en-GB" b="1"/>
-              <a:t>Offline</a:t>
-            </a:r>
-            <a:endParaRPr b="1"/>
-          </a:p>
-          <a:p>
-            <a:pPr marL="457200" lvl="0" indent="-366395" algn="l" rtl="0">
-              <a:spcBef>
-                <a:spcPts val="1000"/>
-              </a:spcBef>
-              <a:spcAft>
-                <a:spcPts val="0"/>
-              </a:spcAft>
-              <a:buSzPct val="100000"/>
-              <a:buChar char="•"/>
-            </a:pPr>
-            <a:r>
-              <a:rPr lang="en-GB"/>
-              <a:t>Running a local database &amp; Python/PySpark environment</a:t>
-            </a:r>
-            <a:endParaRPr/>
-          </a:p>
-          <a:p>
-            <a:pPr marL="457200" lvl="0" indent="-366395" algn="l" rtl="0">
-              <a:spcBef>
-                <a:spcPts val="0"/>
-              </a:spcBef>
-              <a:spcAft>
-                <a:spcPts val="0"/>
-              </a:spcAft>
-              <a:buSzPct val="100000"/>
-              <a:buChar char="•"/>
-            </a:pPr>
-            <a:r>
-              <a:rPr lang="en-GB"/>
-              <a:t>Working with some data (acquire, manipulate, present)</a:t>
-            </a:r>
-            <a:endParaRPr/>
-          </a:p>
-        </p:txBody>
-      </p:sp>
-    </p:spTree>
-  </p:cSld>
-  <p:clrMapOvr>
-    <a:masterClrMapping/>
-  </p:clrMapOvr>
-</p:sld>
-</file>
-
-<file path=ppt/slides/slide80.xml><?xml version="1.0" encoding="utf-8"?>
+<file path=ppt/slides/slide78.xml><?xml version="1.0" encoding="utf-8"?>
 <p:sld xmlns:a="http://schemas.openxmlformats.org/drawingml/2006/main" xmlns:r="http://schemas.openxmlformats.org/officeDocument/2006/relationships" xmlns:p="http://schemas.openxmlformats.org/presentationml/2006/main">
   <p:cSld>
     <p:spTree>
@@ -39972,7 +39084,7 @@
 </p:sld>
 </file>
 
-<file path=ppt/slides/slide81.xml><?xml version="1.0" encoding="utf-8"?>
+<file path=ppt/slides/slide79.xml><?xml version="1.0" encoding="utf-8"?>
 <p:sld xmlns:a="http://schemas.openxmlformats.org/drawingml/2006/main" xmlns:r="http://schemas.openxmlformats.org/officeDocument/2006/relationships" xmlns:p="http://schemas.openxmlformats.org/presentationml/2006/main">
   <p:cSld>
     <p:spTree>
@@ -40109,7 +39221,274 @@
 </p:sld>
 </file>
 
-<file path=ppt/slides/slide82.xml><?xml version="1.0" encoding="utf-8"?>
+<file path=ppt/slides/slide8.xml><?xml version="1.0" encoding="utf-8"?>
+<p:sld xmlns:a="http://schemas.openxmlformats.org/drawingml/2006/main" xmlns:r="http://schemas.openxmlformats.org/officeDocument/2006/relationships" xmlns:p="http://schemas.openxmlformats.org/presentationml/2006/main">
+  <p:cSld>
+    <p:spTree>
+      <p:nvGrpSpPr>
+        <p:cNvPr id="1" name="Shape 150"/>
+        <p:cNvGrpSpPr/>
+        <p:nvPr/>
+      </p:nvGrpSpPr>
+      <p:grpSpPr>
+        <a:xfrm>
+          <a:off x="0" y="0"/>
+          <a:ext cx="0" cy="0"/>
+          <a:chOff x="0" y="0"/>
+          <a:chExt cx="0" cy="0"/>
+        </a:xfrm>
+      </p:grpSpPr>
+      <p:sp>
+        <p:nvSpPr>
+          <p:cNvPr id="151" name="Google Shape;151;g303d0b7e714_1_0"/>
+          <p:cNvSpPr txBox="1">
+            <a:spLocks noGrp="1"/>
+          </p:cNvSpPr>
+          <p:nvPr>
+            <p:ph type="title"/>
+          </p:nvPr>
+        </p:nvSpPr>
+        <p:spPr>
+          <a:xfrm>
+            <a:off x="415600" y="593367"/>
+            <a:ext cx="11360700" cy="763500"/>
+          </a:xfrm>
+          <a:prstGeom prst="rect">
+            <a:avLst/>
+          </a:prstGeom>
+        </p:spPr>
+        <p:txBody>
+          <a:bodyPr spcFirstLastPara="1" wrap="square" lIns="91425" tIns="45700" rIns="91425" bIns="45700" anchor="ctr" anchorCtr="0">
+            <a:normAutofit/>
+          </a:bodyPr>
+          <a:lstStyle/>
+          <a:p>
+            <a:pPr marL="0" lvl="0" indent="0" algn="l" rtl="0">
+              <a:spcBef>
+                <a:spcPts val="0"/>
+              </a:spcBef>
+              <a:spcAft>
+                <a:spcPts val="0"/>
+              </a:spcAft>
+              <a:buNone/>
+            </a:pPr>
+            <a:r>
+              <a:rPr lang="en-GB"/>
+              <a:t>Scope</a:t>
+            </a:r>
+            <a:endParaRPr/>
+          </a:p>
+        </p:txBody>
+      </p:sp>
+      <p:sp>
+        <p:nvSpPr>
+          <p:cNvPr id="152" name="Google Shape;152;g303d0b7e714_1_0"/>
+          <p:cNvSpPr txBox="1">
+            <a:spLocks noGrp="1"/>
+          </p:cNvSpPr>
+          <p:nvPr>
+            <p:ph type="body" idx="1"/>
+          </p:nvPr>
+        </p:nvSpPr>
+        <p:spPr>
+          <a:xfrm>
+            <a:off x="415600" y="1536633"/>
+            <a:ext cx="11360700" cy="4555200"/>
+          </a:xfrm>
+          <a:prstGeom prst="rect">
+            <a:avLst/>
+          </a:prstGeom>
+        </p:spPr>
+        <p:txBody>
+          <a:bodyPr spcFirstLastPara="1" wrap="square" lIns="91425" tIns="45700" rIns="91425" bIns="45700" anchor="t" anchorCtr="0">
+            <a:normAutofit fontScale="77500" lnSpcReduction="20000"/>
+          </a:bodyPr>
+          <a:lstStyle/>
+          <a:p>
+            <a:pPr marL="0" lvl="0" indent="0" algn="l" rtl="0">
+              <a:spcBef>
+                <a:spcPts val="1000"/>
+              </a:spcBef>
+              <a:spcAft>
+                <a:spcPts val="0"/>
+              </a:spcAft>
+              <a:buNone/>
+            </a:pPr>
+            <a:r>
+              <a:rPr lang="en-GB" b="1"/>
+              <a:t>Supporting tools</a:t>
+            </a:r>
+            <a:endParaRPr b="1"/>
+          </a:p>
+          <a:p>
+            <a:pPr marL="457200" lvl="0" indent="-366395" algn="l" rtl="0">
+              <a:spcBef>
+                <a:spcPts val="1000"/>
+              </a:spcBef>
+              <a:spcAft>
+                <a:spcPts val="0"/>
+              </a:spcAft>
+              <a:buSzPct val="100000"/>
+              <a:buChar char="•"/>
+            </a:pPr>
+            <a:r>
+              <a:rPr lang="en-GB"/>
+              <a:t>Code editing</a:t>
+            </a:r>
+            <a:endParaRPr/>
+          </a:p>
+          <a:p>
+            <a:pPr marL="457200" lvl="0" indent="-366395" algn="l" rtl="0">
+              <a:spcBef>
+                <a:spcPts val="0"/>
+              </a:spcBef>
+              <a:spcAft>
+                <a:spcPts val="0"/>
+              </a:spcAft>
+              <a:buSzPct val="100000"/>
+              <a:buChar char="•"/>
+            </a:pPr>
+            <a:r>
+              <a:rPr lang="en-GB"/>
+              <a:t>Database Access</a:t>
+            </a:r>
+            <a:endParaRPr/>
+          </a:p>
+          <a:p>
+            <a:pPr marL="0" lvl="0" indent="0" algn="l" rtl="0">
+              <a:spcBef>
+                <a:spcPts val="1000"/>
+              </a:spcBef>
+              <a:spcAft>
+                <a:spcPts val="0"/>
+              </a:spcAft>
+              <a:buNone/>
+            </a:pPr>
+            <a:endParaRPr/>
+          </a:p>
+          <a:p>
+            <a:pPr marL="0" lvl="0" indent="0" algn="l" rtl="0">
+              <a:spcBef>
+                <a:spcPts val="1000"/>
+              </a:spcBef>
+              <a:spcAft>
+                <a:spcPts val="0"/>
+              </a:spcAft>
+              <a:buNone/>
+            </a:pPr>
+            <a:r>
+              <a:rPr lang="en-GB" b="1"/>
+              <a:t>Cloud overview</a:t>
+            </a:r>
+            <a:endParaRPr b="1"/>
+          </a:p>
+          <a:p>
+            <a:pPr marL="457200" lvl="0" indent="-366395" algn="l" rtl="0">
+              <a:spcBef>
+                <a:spcPts val="1000"/>
+              </a:spcBef>
+              <a:spcAft>
+                <a:spcPts val="0"/>
+              </a:spcAft>
+              <a:buSzPct val="100000"/>
+              <a:buChar char="•"/>
+            </a:pPr>
+            <a:r>
+              <a:rPr lang="en-GB"/>
+              <a:t>Environment setup pointers</a:t>
+            </a:r>
+            <a:endParaRPr/>
+          </a:p>
+          <a:p>
+            <a:pPr marL="457200" lvl="0" indent="-366395" algn="l" rtl="0">
+              <a:spcBef>
+                <a:spcPts val="0"/>
+              </a:spcBef>
+              <a:spcAft>
+                <a:spcPts val="0"/>
+              </a:spcAft>
+              <a:buSzPct val="100000"/>
+              <a:buChar char="•"/>
+            </a:pPr>
+            <a:r>
+              <a:rPr lang="en-GB"/>
+              <a:t>Working with some data (acquire, manipulate, present)</a:t>
+            </a:r>
+            <a:endParaRPr/>
+          </a:p>
+          <a:p>
+            <a:pPr marL="0" lvl="0" indent="0" algn="l" rtl="0">
+              <a:spcBef>
+                <a:spcPts val="1000"/>
+              </a:spcBef>
+              <a:spcAft>
+                <a:spcPts val="0"/>
+              </a:spcAft>
+              <a:buNone/>
+            </a:pPr>
+            <a:endParaRPr/>
+          </a:p>
+          <a:p>
+            <a:pPr marL="0" lvl="0" indent="0" algn="l" rtl="0">
+              <a:spcBef>
+                <a:spcPts val="1000"/>
+              </a:spcBef>
+              <a:spcAft>
+                <a:spcPts val="0"/>
+              </a:spcAft>
+              <a:buNone/>
+            </a:pPr>
+            <a:r>
+              <a:rPr lang="en-GB" b="1"/>
+              <a:t>Offline</a:t>
+            </a:r>
+            <a:endParaRPr b="1"/>
+          </a:p>
+          <a:p>
+            <a:pPr marL="457200" lvl="0" indent="-366395" algn="l" rtl="0">
+              <a:spcBef>
+                <a:spcPts val="1000"/>
+              </a:spcBef>
+              <a:spcAft>
+                <a:spcPts val="0"/>
+              </a:spcAft>
+              <a:buSzPct val="100000"/>
+              <a:buChar char="•"/>
+            </a:pPr>
+            <a:r>
+              <a:rPr lang="en-GB"/>
+              <a:t>Running a local database &amp; Python/PySpark environment</a:t>
+            </a:r>
+            <a:endParaRPr/>
+          </a:p>
+          <a:p>
+            <a:pPr marL="457200" lvl="0" indent="-366395" algn="l" rtl="0">
+              <a:spcBef>
+                <a:spcPts val="0"/>
+              </a:spcBef>
+              <a:spcAft>
+                <a:spcPts val="0"/>
+              </a:spcAft>
+              <a:buSzPct val="100000"/>
+              <a:buChar char="•"/>
+            </a:pPr>
+            <a:r>
+              <a:rPr lang="en-GB"/>
+              <a:t>Working with some data (acquire, manipulate, present)</a:t>
+            </a:r>
+            <a:endParaRPr/>
+          </a:p>
+        </p:txBody>
+      </p:sp>
+    </p:spTree>
+  </p:cSld>
+  <p:clrMapOvr>
+    <a:masterClrMapping/>
+  </p:clrMapOvr>
+</p:sld>
+</file>
+
+<file path=ppt/slides/slide80.xml><?xml version="1.0" encoding="utf-8"?>
 <p:sld xmlns:a="http://schemas.openxmlformats.org/drawingml/2006/main" xmlns:r="http://schemas.openxmlformats.org/officeDocument/2006/relationships" xmlns:p="http://schemas.openxmlformats.org/presentationml/2006/main">
   <p:cSld>
     <p:spTree>
@@ -40211,7 +39590,7 @@
 </p:sld>
 </file>
 
-<file path=ppt/slides/slide83.xml><?xml version="1.0" encoding="utf-8"?>
+<file path=ppt/slides/slide81.xml><?xml version="1.0" encoding="utf-8"?>
 <p:sld xmlns:a="http://schemas.openxmlformats.org/drawingml/2006/main" xmlns:r="http://schemas.openxmlformats.org/officeDocument/2006/relationships" xmlns:p="http://schemas.openxmlformats.org/presentationml/2006/main">
   <p:cSld>
     <p:spTree>
@@ -40313,7 +39692,7 @@
 </p:sld>
 </file>
 
-<file path=ppt/slides/slide84.xml><?xml version="1.0" encoding="utf-8"?>
+<file path=ppt/slides/slide82.xml><?xml version="1.0" encoding="utf-8"?>
 <p:sld xmlns:a="http://schemas.openxmlformats.org/drawingml/2006/main" xmlns:r="http://schemas.openxmlformats.org/officeDocument/2006/relationships" xmlns:p="http://schemas.openxmlformats.org/presentationml/2006/main">
   <p:cSld>
     <p:spTree>
@@ -40472,7 +39851,7 @@
 </p:sld>
 </file>
 
-<file path=ppt/slides/slide85.xml><?xml version="1.0" encoding="utf-8"?>
+<file path=ppt/slides/slide83.xml><?xml version="1.0" encoding="utf-8"?>
 <p:sld xmlns:a="http://schemas.openxmlformats.org/drawingml/2006/main" xmlns:r="http://schemas.openxmlformats.org/officeDocument/2006/relationships" xmlns:p="http://schemas.openxmlformats.org/presentationml/2006/main">
   <p:cSld>
     <p:spTree>
@@ -40574,7 +39953,7 @@
 </p:sld>
 </file>
 
-<file path=ppt/slides/slide86.xml><?xml version="1.0" encoding="utf-8"?>
+<file path=ppt/slides/slide84.xml><?xml version="1.0" encoding="utf-8"?>
 <p:sld xmlns:a="http://schemas.openxmlformats.org/drawingml/2006/main" xmlns:r="http://schemas.openxmlformats.org/officeDocument/2006/relationships" xmlns:p="http://schemas.openxmlformats.org/presentationml/2006/main">
   <p:cSld>
     <p:spTree>
@@ -40730,7 +40109,7 @@
 </p:sld>
 </file>
 
-<file path=ppt/slides/slide87.xml><?xml version="1.0" encoding="utf-8"?>
+<file path=ppt/slides/slide85.xml><?xml version="1.0" encoding="utf-8"?>
 <p:sld xmlns:a="http://schemas.openxmlformats.org/drawingml/2006/main" xmlns:r="http://schemas.openxmlformats.org/officeDocument/2006/relationships" xmlns:p="http://schemas.openxmlformats.org/presentationml/2006/main">
   <p:cSld>
     <p:spTree>
@@ -40969,7 +40348,7 @@
 </p:sld>
 </file>
 
-<file path=ppt/slides/slide88.xml><?xml version="1.0" encoding="utf-8"?>
+<file path=ppt/slides/slide86.xml><?xml version="1.0" encoding="utf-8"?>
 <p:sld xmlns:a="http://schemas.openxmlformats.org/drawingml/2006/main" xmlns:r="http://schemas.openxmlformats.org/officeDocument/2006/relationships" xmlns:p="http://schemas.openxmlformats.org/presentationml/2006/main">
   <p:cSld>
     <p:spTree>
@@ -41125,7 +40504,7 @@
 </p:sld>
 </file>
 
-<file path=ppt/slides/slide89.xml><?xml version="1.0" encoding="utf-8"?>
+<file path=ppt/slides/slide87.xml><?xml version="1.0" encoding="utf-8"?>
 <p:sld xmlns:a="http://schemas.openxmlformats.org/drawingml/2006/main" xmlns:r="http://schemas.openxmlformats.org/officeDocument/2006/relationships" xmlns:p="http://schemas.openxmlformats.org/presentationml/2006/main">
   <p:cSld>
     <p:spTree>
@@ -41268,6 +40647,259 @@
                 <a:sym typeface="Arial"/>
               </a:rPr>
               <a:t>https://www.microsoft.com/en-us/download/details.aspx?id=104781&amp;lc=1033</a:t>
+            </a:r>
+            <a:endParaRPr/>
+          </a:p>
+        </p:txBody>
+      </p:sp>
+    </p:spTree>
+  </p:cSld>
+  <p:clrMapOvr>
+    <a:masterClrMapping/>
+  </p:clrMapOvr>
+</p:sld>
+</file>
+
+<file path=ppt/slides/slide88.xml><?xml version="1.0" encoding="utf-8"?>
+<p:sld xmlns:a="http://schemas.openxmlformats.org/drawingml/2006/main" xmlns:r="http://schemas.openxmlformats.org/officeDocument/2006/relationships" xmlns:p="http://schemas.openxmlformats.org/presentationml/2006/main">
+  <p:cSld>
+    <p:spTree>
+      <p:nvGrpSpPr>
+        <p:cNvPr id="1" name="Shape 663"/>
+        <p:cNvGrpSpPr/>
+        <p:nvPr/>
+      </p:nvGrpSpPr>
+      <p:grpSpPr>
+        <a:xfrm>
+          <a:off x="0" y="0"/>
+          <a:ext cx="0" cy="0"/>
+          <a:chOff x="0" y="0"/>
+          <a:chExt cx="0" cy="0"/>
+        </a:xfrm>
+      </p:grpSpPr>
+      <p:sp>
+        <p:nvSpPr>
+          <p:cNvPr id="664" name="Google Shape;664;g30ccb334bf1_0_498"/>
+          <p:cNvSpPr txBox="1">
+            <a:spLocks noGrp="1"/>
+          </p:cNvSpPr>
+          <p:nvPr>
+            <p:ph type="title"/>
+          </p:nvPr>
+        </p:nvSpPr>
+        <p:spPr>
+          <a:xfrm>
+            <a:off x="838200" y="365125"/>
+            <a:ext cx="10515600" cy="1325700"/>
+          </a:xfrm>
+          <a:prstGeom prst="rect">
+            <a:avLst/>
+          </a:prstGeom>
+          <a:noFill/>
+          <a:ln>
+            <a:noFill/>
+          </a:ln>
+        </p:spPr>
+        <p:txBody>
+          <a:bodyPr spcFirstLastPara="1" wrap="square" lIns="91425" tIns="45700" rIns="91425" bIns="45700" anchor="ctr" anchorCtr="0">
+            <a:normAutofit/>
+          </a:bodyPr>
+          <a:lstStyle/>
+          <a:p>
+            <a:pPr marL="0" lvl="0" indent="0" algn="l" rtl="0">
+              <a:lnSpc>
+                <a:spcPct val="90000"/>
+              </a:lnSpc>
+              <a:spcBef>
+                <a:spcPts val="0"/>
+              </a:spcBef>
+              <a:spcAft>
+                <a:spcPts val="0"/>
+              </a:spcAft>
+              <a:buClr>
+                <a:schemeClr val="dk1"/>
+              </a:buClr>
+              <a:buSzPts val="4400"/>
+              <a:buFont typeface="Play"/>
+              <a:buNone/>
+            </a:pPr>
+            <a:endParaRPr/>
+          </a:p>
+        </p:txBody>
+      </p:sp>
+      <p:pic>
+        <p:nvPicPr>
+          <p:cNvPr id="665" name="Google Shape;665;g30ccb334bf1_0_498"/>
+          <p:cNvPicPr preferRelativeResize="0"/>
+          <p:nvPr/>
+        </p:nvPicPr>
+        <p:blipFill rotWithShape="1">
+          <a:blip r:embed="rId3">
+            <a:alphaModFix/>
+          </a:blip>
+          <a:srcRect/>
+          <a:stretch/>
+        </p:blipFill>
+        <p:spPr>
+          <a:xfrm>
+            <a:off x="3685605" y="1366482"/>
+            <a:ext cx="4559533" cy="5010406"/>
+          </a:xfrm>
+          <a:prstGeom prst="rect">
+            <a:avLst/>
+          </a:prstGeom>
+          <a:noFill/>
+          <a:ln>
+            <a:noFill/>
+          </a:ln>
+        </p:spPr>
+      </p:pic>
+    </p:spTree>
+  </p:cSld>
+  <p:clrMapOvr>
+    <a:masterClrMapping/>
+  </p:clrMapOvr>
+</p:sld>
+</file>
+
+<file path=ppt/slides/slide89.xml><?xml version="1.0" encoding="utf-8"?>
+<p:sld xmlns:a="http://schemas.openxmlformats.org/drawingml/2006/main" xmlns:r="http://schemas.openxmlformats.org/officeDocument/2006/relationships" xmlns:p="http://schemas.openxmlformats.org/presentationml/2006/main">
+  <p:cSld>
+    <p:spTree>
+      <p:nvGrpSpPr>
+        <p:cNvPr id="1" name="Shape 669"/>
+        <p:cNvGrpSpPr/>
+        <p:nvPr/>
+      </p:nvGrpSpPr>
+      <p:grpSpPr>
+        <a:xfrm>
+          <a:off x="0" y="0"/>
+          <a:ext cx="0" cy="0"/>
+          <a:chOff x="0" y="0"/>
+          <a:chExt cx="0" cy="0"/>
+        </a:xfrm>
+      </p:grpSpPr>
+      <p:sp>
+        <p:nvSpPr>
+          <p:cNvPr id="670" name="Google Shape;670;g30ccb334bf1_0_503"/>
+          <p:cNvSpPr txBox="1">
+            <a:spLocks noGrp="1"/>
+          </p:cNvSpPr>
+          <p:nvPr>
+            <p:ph type="title"/>
+          </p:nvPr>
+        </p:nvSpPr>
+        <p:spPr>
+          <a:xfrm>
+            <a:off x="838200" y="365125"/>
+            <a:ext cx="10515600" cy="1325700"/>
+          </a:xfrm>
+          <a:prstGeom prst="rect">
+            <a:avLst/>
+          </a:prstGeom>
+          <a:noFill/>
+          <a:ln>
+            <a:noFill/>
+          </a:ln>
+        </p:spPr>
+        <p:txBody>
+          <a:bodyPr spcFirstLastPara="1" wrap="square" lIns="91425" tIns="45700" rIns="91425" bIns="45700" anchor="ctr" anchorCtr="0">
+            <a:normAutofit/>
+          </a:bodyPr>
+          <a:lstStyle/>
+          <a:p>
+            <a:pPr marL="0" lvl="0" indent="0" algn="l" rtl="0">
+              <a:lnSpc>
+                <a:spcPct val="90000"/>
+              </a:lnSpc>
+              <a:spcBef>
+                <a:spcPts val="0"/>
+              </a:spcBef>
+              <a:spcAft>
+                <a:spcPts val="0"/>
+              </a:spcAft>
+              <a:buClr>
+                <a:schemeClr val="dk1"/>
+              </a:buClr>
+              <a:buSzPts val="4400"/>
+              <a:buFont typeface="Play"/>
+              <a:buNone/>
+            </a:pPr>
+            <a:endParaRPr/>
+          </a:p>
+        </p:txBody>
+      </p:sp>
+      <p:sp>
+        <p:nvSpPr>
+          <p:cNvPr id="671" name="Google Shape;671;g30ccb334bf1_0_503"/>
+          <p:cNvSpPr txBox="1">
+            <a:spLocks noGrp="1"/>
+          </p:cNvSpPr>
+          <p:nvPr>
+            <p:ph type="body" idx="1"/>
+          </p:nvPr>
+        </p:nvSpPr>
+        <p:spPr>
+          <a:xfrm>
+            <a:off x="838200" y="1825625"/>
+            <a:ext cx="10515600" cy="4351200"/>
+          </a:xfrm>
+          <a:prstGeom prst="rect">
+            <a:avLst/>
+          </a:prstGeom>
+          <a:noFill/>
+          <a:ln>
+            <a:noFill/>
+          </a:ln>
+        </p:spPr>
+        <p:txBody>
+          <a:bodyPr spcFirstLastPara="1" wrap="square" lIns="91425" tIns="45700" rIns="91425" bIns="45700" anchor="t" anchorCtr="0">
+            <a:normAutofit/>
+          </a:bodyPr>
+          <a:lstStyle/>
+          <a:p>
+            <a:pPr marL="228600" lvl="0" indent="-228600" algn="l" rtl="0">
+              <a:lnSpc>
+                <a:spcPct val="90000"/>
+              </a:lnSpc>
+              <a:spcBef>
+                <a:spcPts val="0"/>
+              </a:spcBef>
+              <a:spcAft>
+                <a:spcPts val="0"/>
+              </a:spcAft>
+              <a:buClr>
+                <a:schemeClr val="dk1"/>
+              </a:buClr>
+              <a:buSzPts val="2800"/>
+              <a:buChar char="•"/>
+            </a:pPr>
+            <a:r>
+              <a:rPr lang="en-GB"/>
+              <a:t>Download JDBC driver: https://repo1.maven.org/maven2/com/microsoft/azure/spark-mssql-connector_2.12/1.2.0/spark-mssql-connector_2.12-1.2.0.jar</a:t>
+            </a:r>
+            <a:endParaRPr/>
+          </a:p>
+          <a:p>
+            <a:pPr marL="228600" lvl="0" indent="-228600" algn="l" rtl="0">
+              <a:lnSpc>
+                <a:spcPct val="90000"/>
+              </a:lnSpc>
+              <a:spcBef>
+                <a:spcPts val="1000"/>
+              </a:spcBef>
+              <a:spcAft>
+                <a:spcPts val="0"/>
+              </a:spcAft>
+              <a:buClr>
+                <a:schemeClr val="dk1"/>
+              </a:buClr>
+              <a:buSzPts val="2800"/>
+              <a:buChar char="•"/>
+            </a:pPr>
+            <a:r>
+              <a:rPr lang="en-GB"/>
+              <a:t>Copy jar file to anaconda jars folder</a:t>
             </a:r>
             <a:endParaRPr/>
           </a:p>
@@ -41427,259 +41059,6 @@
   <p:cSld>
     <p:spTree>
       <p:nvGrpSpPr>
-        <p:cNvPr id="1" name="Shape 663"/>
-        <p:cNvGrpSpPr/>
-        <p:nvPr/>
-      </p:nvGrpSpPr>
-      <p:grpSpPr>
-        <a:xfrm>
-          <a:off x="0" y="0"/>
-          <a:ext cx="0" cy="0"/>
-          <a:chOff x="0" y="0"/>
-          <a:chExt cx="0" cy="0"/>
-        </a:xfrm>
-      </p:grpSpPr>
-      <p:sp>
-        <p:nvSpPr>
-          <p:cNvPr id="664" name="Google Shape;664;g30ccb334bf1_0_498"/>
-          <p:cNvSpPr txBox="1">
-            <a:spLocks noGrp="1"/>
-          </p:cNvSpPr>
-          <p:nvPr>
-            <p:ph type="title"/>
-          </p:nvPr>
-        </p:nvSpPr>
-        <p:spPr>
-          <a:xfrm>
-            <a:off x="838200" y="365125"/>
-            <a:ext cx="10515600" cy="1325700"/>
-          </a:xfrm>
-          <a:prstGeom prst="rect">
-            <a:avLst/>
-          </a:prstGeom>
-          <a:noFill/>
-          <a:ln>
-            <a:noFill/>
-          </a:ln>
-        </p:spPr>
-        <p:txBody>
-          <a:bodyPr spcFirstLastPara="1" wrap="square" lIns="91425" tIns="45700" rIns="91425" bIns="45700" anchor="ctr" anchorCtr="0">
-            <a:normAutofit/>
-          </a:bodyPr>
-          <a:lstStyle/>
-          <a:p>
-            <a:pPr marL="0" lvl="0" indent="0" algn="l" rtl="0">
-              <a:lnSpc>
-                <a:spcPct val="90000"/>
-              </a:lnSpc>
-              <a:spcBef>
-                <a:spcPts val="0"/>
-              </a:spcBef>
-              <a:spcAft>
-                <a:spcPts val="0"/>
-              </a:spcAft>
-              <a:buClr>
-                <a:schemeClr val="dk1"/>
-              </a:buClr>
-              <a:buSzPts val="4400"/>
-              <a:buFont typeface="Play"/>
-              <a:buNone/>
-            </a:pPr>
-            <a:endParaRPr/>
-          </a:p>
-        </p:txBody>
-      </p:sp>
-      <p:pic>
-        <p:nvPicPr>
-          <p:cNvPr id="665" name="Google Shape;665;g30ccb334bf1_0_498"/>
-          <p:cNvPicPr preferRelativeResize="0"/>
-          <p:nvPr/>
-        </p:nvPicPr>
-        <p:blipFill rotWithShape="1">
-          <a:blip r:embed="rId3">
-            <a:alphaModFix/>
-          </a:blip>
-          <a:srcRect/>
-          <a:stretch/>
-        </p:blipFill>
-        <p:spPr>
-          <a:xfrm>
-            <a:off x="3685605" y="1366482"/>
-            <a:ext cx="4559533" cy="5010406"/>
-          </a:xfrm>
-          <a:prstGeom prst="rect">
-            <a:avLst/>
-          </a:prstGeom>
-          <a:noFill/>
-          <a:ln>
-            <a:noFill/>
-          </a:ln>
-        </p:spPr>
-      </p:pic>
-    </p:spTree>
-  </p:cSld>
-  <p:clrMapOvr>
-    <a:masterClrMapping/>
-  </p:clrMapOvr>
-</p:sld>
-</file>
-
-<file path=ppt/slides/slide91.xml><?xml version="1.0" encoding="utf-8"?>
-<p:sld xmlns:a="http://schemas.openxmlformats.org/drawingml/2006/main" xmlns:r="http://schemas.openxmlformats.org/officeDocument/2006/relationships" xmlns:p="http://schemas.openxmlformats.org/presentationml/2006/main">
-  <p:cSld>
-    <p:spTree>
-      <p:nvGrpSpPr>
-        <p:cNvPr id="1" name="Shape 669"/>
-        <p:cNvGrpSpPr/>
-        <p:nvPr/>
-      </p:nvGrpSpPr>
-      <p:grpSpPr>
-        <a:xfrm>
-          <a:off x="0" y="0"/>
-          <a:ext cx="0" cy="0"/>
-          <a:chOff x="0" y="0"/>
-          <a:chExt cx="0" cy="0"/>
-        </a:xfrm>
-      </p:grpSpPr>
-      <p:sp>
-        <p:nvSpPr>
-          <p:cNvPr id="670" name="Google Shape;670;g30ccb334bf1_0_503"/>
-          <p:cNvSpPr txBox="1">
-            <a:spLocks noGrp="1"/>
-          </p:cNvSpPr>
-          <p:nvPr>
-            <p:ph type="title"/>
-          </p:nvPr>
-        </p:nvSpPr>
-        <p:spPr>
-          <a:xfrm>
-            <a:off x="838200" y="365125"/>
-            <a:ext cx="10515600" cy="1325700"/>
-          </a:xfrm>
-          <a:prstGeom prst="rect">
-            <a:avLst/>
-          </a:prstGeom>
-          <a:noFill/>
-          <a:ln>
-            <a:noFill/>
-          </a:ln>
-        </p:spPr>
-        <p:txBody>
-          <a:bodyPr spcFirstLastPara="1" wrap="square" lIns="91425" tIns="45700" rIns="91425" bIns="45700" anchor="ctr" anchorCtr="0">
-            <a:normAutofit/>
-          </a:bodyPr>
-          <a:lstStyle/>
-          <a:p>
-            <a:pPr marL="0" lvl="0" indent="0" algn="l" rtl="0">
-              <a:lnSpc>
-                <a:spcPct val="90000"/>
-              </a:lnSpc>
-              <a:spcBef>
-                <a:spcPts val="0"/>
-              </a:spcBef>
-              <a:spcAft>
-                <a:spcPts val="0"/>
-              </a:spcAft>
-              <a:buClr>
-                <a:schemeClr val="dk1"/>
-              </a:buClr>
-              <a:buSzPts val="4400"/>
-              <a:buFont typeface="Play"/>
-              <a:buNone/>
-            </a:pPr>
-            <a:endParaRPr/>
-          </a:p>
-        </p:txBody>
-      </p:sp>
-      <p:sp>
-        <p:nvSpPr>
-          <p:cNvPr id="671" name="Google Shape;671;g30ccb334bf1_0_503"/>
-          <p:cNvSpPr txBox="1">
-            <a:spLocks noGrp="1"/>
-          </p:cNvSpPr>
-          <p:nvPr>
-            <p:ph type="body" idx="1"/>
-          </p:nvPr>
-        </p:nvSpPr>
-        <p:spPr>
-          <a:xfrm>
-            <a:off x="838200" y="1825625"/>
-            <a:ext cx="10515600" cy="4351200"/>
-          </a:xfrm>
-          <a:prstGeom prst="rect">
-            <a:avLst/>
-          </a:prstGeom>
-          <a:noFill/>
-          <a:ln>
-            <a:noFill/>
-          </a:ln>
-        </p:spPr>
-        <p:txBody>
-          <a:bodyPr spcFirstLastPara="1" wrap="square" lIns="91425" tIns="45700" rIns="91425" bIns="45700" anchor="t" anchorCtr="0">
-            <a:normAutofit/>
-          </a:bodyPr>
-          <a:lstStyle/>
-          <a:p>
-            <a:pPr marL="228600" lvl="0" indent="-228600" algn="l" rtl="0">
-              <a:lnSpc>
-                <a:spcPct val="90000"/>
-              </a:lnSpc>
-              <a:spcBef>
-                <a:spcPts val="0"/>
-              </a:spcBef>
-              <a:spcAft>
-                <a:spcPts val="0"/>
-              </a:spcAft>
-              <a:buClr>
-                <a:schemeClr val="dk1"/>
-              </a:buClr>
-              <a:buSzPts val="2800"/>
-              <a:buChar char="•"/>
-            </a:pPr>
-            <a:r>
-              <a:rPr lang="en-GB"/>
-              <a:t>Download JDBC driver: https://repo1.maven.org/maven2/com/microsoft/azure/spark-mssql-connector_2.12/1.2.0/spark-mssql-connector_2.12-1.2.0.jar</a:t>
-            </a:r>
-            <a:endParaRPr/>
-          </a:p>
-          <a:p>
-            <a:pPr marL="228600" lvl="0" indent="-228600" algn="l" rtl="0">
-              <a:lnSpc>
-                <a:spcPct val="90000"/>
-              </a:lnSpc>
-              <a:spcBef>
-                <a:spcPts val="1000"/>
-              </a:spcBef>
-              <a:spcAft>
-                <a:spcPts val="0"/>
-              </a:spcAft>
-              <a:buClr>
-                <a:schemeClr val="dk1"/>
-              </a:buClr>
-              <a:buSzPts val="2800"/>
-              <a:buChar char="•"/>
-            </a:pPr>
-            <a:r>
-              <a:rPr lang="en-GB"/>
-              <a:t>Copy jar file to anaconda jars folder</a:t>
-            </a:r>
-            <a:endParaRPr/>
-          </a:p>
-        </p:txBody>
-      </p:sp>
-    </p:spTree>
-  </p:cSld>
-  <p:clrMapOvr>
-    <a:masterClrMapping/>
-  </p:clrMapOvr>
-</p:sld>
-</file>
-
-<file path=ppt/slides/slide92.xml><?xml version="1.0" encoding="utf-8"?>
-<p:sld xmlns:a="http://schemas.openxmlformats.org/drawingml/2006/main" xmlns:r="http://schemas.openxmlformats.org/officeDocument/2006/relationships" xmlns:p="http://schemas.openxmlformats.org/presentationml/2006/main">
-  <p:cSld>
-    <p:spTree>
-      <p:nvGrpSpPr>
         <p:cNvPr id="1" name="Shape 675"/>
         <p:cNvGrpSpPr/>
         <p:nvPr/>
@@ -41808,7 +41187,7 @@
 </p:sld>
 </file>
 
-<file path=ppt/slides/slide93.xml><?xml version="1.0" encoding="utf-8"?>
+<file path=ppt/slides/slide91.xml><?xml version="1.0" encoding="utf-8"?>
 <p:sld xmlns:a="http://schemas.openxmlformats.org/drawingml/2006/main" xmlns:r="http://schemas.openxmlformats.org/officeDocument/2006/relationships" xmlns:p="http://schemas.openxmlformats.org/presentationml/2006/main">
   <p:cSld>
     <p:spTree>
@@ -41937,7 +41316,7 @@
 </p:sld>
 </file>
 
-<file path=ppt/slides/slide94.xml><?xml version="1.0" encoding="utf-8"?>
+<file path=ppt/slides/slide92.xml><?xml version="1.0" encoding="utf-8"?>
 <p:sld xmlns:a="http://schemas.openxmlformats.org/drawingml/2006/main" xmlns:r="http://schemas.openxmlformats.org/officeDocument/2006/relationships" xmlns:p="http://schemas.openxmlformats.org/presentationml/2006/main">
   <p:cSld>
     <p:spTree>
@@ -42016,7 +41395,7 @@
 </p:sld>
 </file>
 
-<file path=ppt/slides/slide95.xml><?xml version="1.0" encoding="utf-8"?>
+<file path=ppt/slides/slide93.xml><?xml version="1.0" encoding="utf-8"?>
 <p:sld xmlns:a="http://schemas.openxmlformats.org/drawingml/2006/main" xmlns:r="http://schemas.openxmlformats.org/officeDocument/2006/relationships" xmlns:p="http://schemas.openxmlformats.org/presentationml/2006/main">
   <p:cSld>
     <p:spTree>
@@ -42095,7 +41474,7 @@
 </p:sld>
 </file>
 
-<file path=ppt/slides/slide96.xml><?xml version="1.0" encoding="utf-8"?>
+<file path=ppt/slides/slide94.xml><?xml version="1.0" encoding="utf-8"?>
 <p:sld xmlns:a="http://schemas.openxmlformats.org/drawingml/2006/main" xmlns:r="http://schemas.openxmlformats.org/officeDocument/2006/relationships" xmlns:p="http://schemas.openxmlformats.org/presentationml/2006/main">
   <p:cSld>
     <p:spTree>
@@ -42147,7 +41526,7 @@
 </p:sld>
 </file>
 
-<file path=ppt/slides/slide97.xml><?xml version="1.0" encoding="utf-8"?>
+<file path=ppt/slides/slide95.xml><?xml version="1.0" encoding="utf-8"?>
 <p:sld xmlns:a="http://schemas.openxmlformats.org/drawingml/2006/main" xmlns:r="http://schemas.openxmlformats.org/officeDocument/2006/relationships" xmlns:p="http://schemas.openxmlformats.org/presentationml/2006/main">
   <p:cSld>
     <p:spTree>
@@ -42199,7 +41578,7 @@
 </p:sld>
 </file>
 
-<file path=ppt/slides/slide98.xml><?xml version="1.0" encoding="utf-8"?>
+<file path=ppt/slides/slide96.xml><?xml version="1.0" encoding="utf-8"?>
 <p:sld xmlns:a="http://schemas.openxmlformats.org/drawingml/2006/main" xmlns:r="http://schemas.openxmlformats.org/officeDocument/2006/relationships" xmlns:p="http://schemas.openxmlformats.org/presentationml/2006/main">
   <p:cSld>
     <p:spTree>
@@ -42278,7 +41657,7 @@
 </p:sld>
 </file>
 
-<file path=ppt/slides/slide99.xml><?xml version="1.0" encoding="utf-8"?>
+<file path=ppt/slides/slide97.xml><?xml version="1.0" encoding="utf-8"?>
 <p:sld xmlns:a="http://schemas.openxmlformats.org/drawingml/2006/main" xmlns:r="http://schemas.openxmlformats.org/officeDocument/2006/relationships" xmlns:p="http://schemas.openxmlformats.org/presentationml/2006/main">
   <p:cSld>
     <p:spTree>
@@ -42339,6 +41718,164 @@
           <a:xfrm>
             <a:off x="5595025" y="740873"/>
             <a:ext cx="4293254" cy="5608306"/>
+          </a:xfrm>
+          <a:prstGeom prst="rect">
+            <a:avLst/>
+          </a:prstGeom>
+          <a:noFill/>
+          <a:ln>
+            <a:noFill/>
+          </a:ln>
+        </p:spPr>
+      </p:pic>
+    </p:spTree>
+  </p:cSld>
+  <p:clrMapOvr>
+    <a:masterClrMapping/>
+  </p:clrMapOvr>
+</p:sld>
+</file>
+
+<file path=ppt/slides/slide98.xml><?xml version="1.0" encoding="utf-8"?>
+<p:sld xmlns:a="http://schemas.openxmlformats.org/drawingml/2006/main" xmlns:r="http://schemas.openxmlformats.org/officeDocument/2006/relationships" xmlns:p="http://schemas.openxmlformats.org/presentationml/2006/main">
+  <p:cSld>
+    <p:spTree>
+      <p:nvGrpSpPr>
+        <p:cNvPr id="1" name="Shape 724"/>
+        <p:cNvGrpSpPr/>
+        <p:nvPr/>
+      </p:nvGrpSpPr>
+      <p:grpSpPr>
+        <a:xfrm>
+          <a:off x="0" y="0"/>
+          <a:ext cx="0" cy="0"/>
+          <a:chOff x="0" y="0"/>
+          <a:chExt cx="0" cy="0"/>
+        </a:xfrm>
+      </p:grpSpPr>
+      <p:pic>
+        <p:nvPicPr>
+          <p:cNvPr id="725" name="Google Shape;725;g30ccb334bf1_0_549"/>
+          <p:cNvPicPr preferRelativeResize="0"/>
+          <p:nvPr/>
+        </p:nvPicPr>
+        <p:blipFill rotWithShape="1">
+          <a:blip r:embed="rId3">
+            <a:alphaModFix/>
+          </a:blip>
+          <a:srcRect/>
+          <a:stretch/>
+        </p:blipFill>
+        <p:spPr>
+          <a:xfrm>
+            <a:off x="838200" y="861237"/>
+            <a:ext cx="9429854" cy="5209954"/>
+          </a:xfrm>
+          <a:prstGeom prst="rect">
+            <a:avLst/>
+          </a:prstGeom>
+          <a:noFill/>
+          <a:ln>
+            <a:noFill/>
+          </a:ln>
+        </p:spPr>
+      </p:pic>
+    </p:spTree>
+  </p:cSld>
+  <p:clrMapOvr>
+    <a:masterClrMapping/>
+  </p:clrMapOvr>
+</p:sld>
+</file>
+
+<file path=ppt/slides/slide99.xml><?xml version="1.0" encoding="utf-8"?>
+<p:sld xmlns:a="http://schemas.openxmlformats.org/drawingml/2006/main" xmlns:r="http://schemas.openxmlformats.org/officeDocument/2006/relationships" xmlns:p="http://schemas.openxmlformats.org/presentationml/2006/main">
+  <p:cSld>
+    <p:spTree>
+      <p:nvGrpSpPr>
+        <p:cNvPr id="1" name="Shape 729"/>
+        <p:cNvGrpSpPr/>
+        <p:nvPr/>
+      </p:nvGrpSpPr>
+      <p:grpSpPr>
+        <a:xfrm>
+          <a:off x="0" y="0"/>
+          <a:ext cx="0" cy="0"/>
+          <a:chOff x="0" y="0"/>
+          <a:chExt cx="0" cy="0"/>
+        </a:xfrm>
+      </p:grpSpPr>
+      <p:sp>
+        <p:nvSpPr>
+          <p:cNvPr id="730" name="Google Shape;730;g30ccb334bf1_0_553"/>
+          <p:cNvSpPr txBox="1">
+            <a:spLocks noGrp="1"/>
+          </p:cNvSpPr>
+          <p:nvPr>
+            <p:ph type="title"/>
+          </p:nvPr>
+        </p:nvSpPr>
+        <p:spPr>
+          <a:xfrm>
+            <a:off x="838200" y="365125"/>
+            <a:ext cx="10515600" cy="1325700"/>
+          </a:xfrm>
+          <a:prstGeom prst="rect">
+            <a:avLst/>
+          </a:prstGeom>
+          <a:noFill/>
+          <a:ln>
+            <a:noFill/>
+          </a:ln>
+        </p:spPr>
+        <p:txBody>
+          <a:bodyPr spcFirstLastPara="1" wrap="square" lIns="91425" tIns="45700" rIns="91425" bIns="45700" anchor="ctr" anchorCtr="0">
+            <a:normAutofit/>
+          </a:bodyPr>
+          <a:lstStyle/>
+          <a:p>
+            <a:pPr marL="0" lvl="0" indent="0" algn="l" rtl="0">
+              <a:lnSpc>
+                <a:spcPct val="90000"/>
+              </a:lnSpc>
+              <a:spcBef>
+                <a:spcPts val="0"/>
+              </a:spcBef>
+              <a:spcAft>
+                <a:spcPts val="0"/>
+              </a:spcAft>
+              <a:buClr>
+                <a:schemeClr val="dk1"/>
+              </a:buClr>
+              <a:buSzPts val="4400"/>
+              <a:buFont typeface="Play"/>
+              <a:buNone/>
+            </a:pPr>
+            <a:r>
+              <a:rPr lang="en-GB"/>
+              <a:t>Create storage account</a:t>
+            </a:r>
+            <a:endParaRPr/>
+          </a:p>
+        </p:txBody>
+      </p:sp>
+      <p:pic>
+        <p:nvPicPr>
+          <p:cNvPr id="731" name="Google Shape;731;g30ccb334bf1_0_553"/>
+          <p:cNvPicPr preferRelativeResize="0"/>
+          <p:nvPr/>
+        </p:nvPicPr>
+        <p:blipFill rotWithShape="1">
+          <a:blip r:embed="rId3">
+            <a:alphaModFix/>
+          </a:blip>
+          <a:srcRect/>
+          <a:stretch/>
+        </p:blipFill>
+        <p:spPr>
+          <a:xfrm>
+            <a:off x="2676047" y="2109603"/>
+            <a:ext cx="6839905" cy="2638793"/>
           </a:xfrm>
           <a:prstGeom prst="rect">
             <a:avLst/>

--- a/Data Engineering Using Free Tools/Learn Data Engineering For Free.pptx
+++ b/Data Engineering Using Free Tools/Learn Data Engineering For Free.pptx
@@ -373,7 +373,7 @@
       <p15:sldGuideLst xmlns:p15="http://schemas.microsoft.com/office/powerpoint/2012/main"/>
     </p:ext>
     <p:ext uri="GoogleSlidesCustomDataVersion2">
-      <go:slidesCustomData xmlns="" xmlns:mc="http://schemas.openxmlformats.org/markup-compatibility/2006" xmlns:mv="urn:schemas-microsoft-com:mac:vml" xmlns:c="http://schemas.openxmlformats.org/drawingml/2006/chart" xmlns:dgm="http://schemas.openxmlformats.org/drawingml/2006/diagram" xmlns:o="urn:schemas-microsoft-com:office:office" xmlns:v="urn:schemas-microsoft-com:vml" xmlns:pvml="urn:schemas-microsoft-com:office:powerpoint" xmlns:com="http://schemas.openxmlformats.org/drawingml/2006/compatibility" xmlns:p14="http://schemas.microsoft.com/office/powerpoint/2010/main" xmlns:p15="http://schemas.microsoft.com/office/powerpoint/2012/main" xmlns:ahyp="http://schemas.microsoft.com/office/drawing/2018/hyperlinkcolor" xmlns:go="http://customooxmlschemas.google.com/" r:id="rId123" roundtripDataSignature="AMtx7mjfBPD4zcRyFOakZxj0Wu5uQHlzcQ=="/>
+      <go:slidesCustomData xmlns:go="http://customooxmlschemas.google.com/" xmlns:ahyp="http://schemas.microsoft.com/office/drawing/2018/hyperlinkcolor" xmlns:p15="http://schemas.microsoft.com/office/powerpoint/2012/main" xmlns:p14="http://schemas.microsoft.com/office/powerpoint/2010/main" xmlns:com="http://schemas.openxmlformats.org/drawingml/2006/compatibility" xmlns:pvml="urn:schemas-microsoft-com:office:powerpoint" xmlns:v="urn:schemas-microsoft-com:vml" xmlns:o="urn:schemas-microsoft-com:office:office" xmlns:dgm="http://schemas.openxmlformats.org/drawingml/2006/diagram" xmlns:c="http://schemas.openxmlformats.org/drawingml/2006/chart" xmlns:mv="urn:schemas-microsoft-com:mac:vml" xmlns:mc="http://schemas.openxmlformats.org/markup-compatibility/2006" xmlns="" r:id="rId123" roundtripDataSignature="AMtx7mjfBPD4zcRyFOakZxj0Wu5uQHlzcQ=="/>
     </p:ext>
   </p:extLst>
 </p:presentation>
@@ -35642,7 +35642,7 @@
         </p:blipFill>
         <p:spPr>
           <a:xfrm>
-            <a:off x="6454473" y="1343849"/>
+            <a:off x="6454387" y="956327"/>
             <a:ext cx="3685308" cy="4063504"/>
           </a:xfrm>
           <a:prstGeom prst="rect">
@@ -35718,7 +35718,7 @@
         </p:nvSpPr>
         <p:spPr>
           <a:xfrm>
-            <a:off x="1243316" y="1343849"/>
+            <a:off x="1243314" y="911877"/>
             <a:ext cx="4494300" cy="638700"/>
           </a:xfrm>
           <a:prstGeom prst="rect">
@@ -35752,10 +35752,10 @@
               <a:buNone/>
             </a:pPr>
             <a:r>
-              <a:rPr lang="en-GB"/>
+              <a:rPr lang="en-GB" dirty="0"/>
               <a:t>Phil Austin</a:t>
             </a:r>
-            <a:endParaRPr/>
+            <a:endParaRPr dirty="0"/>
           </a:p>
         </p:txBody>
       </p:sp>
@@ -35771,7 +35771,7 @@
         </p:nvSpPr>
         <p:spPr>
           <a:xfrm>
-            <a:off x="1243315" y="1982652"/>
+            <a:off x="1243314" y="1391182"/>
             <a:ext cx="4494300" cy="428700"/>
           </a:xfrm>
           <a:prstGeom prst="rect">
@@ -35805,10 +35805,10 @@
               <a:buNone/>
             </a:pPr>
             <a:r>
-              <a:rPr lang="en-GB"/>
+              <a:rPr lang="en-GB" dirty="0"/>
               <a:t>Senior Consultant</a:t>
             </a:r>
-            <a:endParaRPr/>
+            <a:endParaRPr dirty="0"/>
           </a:p>
         </p:txBody>
       </p:sp>
@@ -35894,6 +35894,592 @@
               <a:t>Data &amp; AI</a:t>
             </a:r>
             <a:endParaRPr/>
+          </a:p>
+        </p:txBody>
+      </p:sp>
+      <p:sp>
+        <p:nvSpPr>
+          <p:cNvPr id="2" name="Google Shape;136;g30ccb334bf1_0_6">
+            <a:extLst>
+              <a:ext uri="{FF2B5EF4-FFF2-40B4-BE49-F238E27FC236}">
+                <a16:creationId xmlns:a16="http://schemas.microsoft.com/office/drawing/2014/main" id="{C1BBE2EF-04B5-85C2-DE0F-2015A859E3DE}"/>
+              </a:ext>
+            </a:extLst>
+          </p:cNvPr>
+          <p:cNvSpPr txBox="1">
+            <a:spLocks/>
+          </p:cNvSpPr>
+          <p:nvPr/>
+        </p:nvSpPr>
+        <p:spPr>
+          <a:xfrm>
+            <a:off x="1243314" y="1755114"/>
+            <a:ext cx="4494300" cy="428700"/>
+          </a:xfrm>
+          <a:prstGeom prst="rect">
+            <a:avLst/>
+          </a:prstGeom>
+          <a:noFill/>
+          <a:ln>
+            <a:noFill/>
+          </a:ln>
+        </p:spPr>
+        <p:txBody>
+          <a:bodyPr spcFirstLastPara="1" wrap="square" lIns="91425" tIns="45700" rIns="91425" bIns="45700" anchor="t" anchorCtr="0">
+            <a:normAutofit/>
+          </a:bodyPr>
+          <a:lstStyle>
+            <a:defPPr marR="0" lvl="0" algn="l" rtl="0">
+              <a:lnSpc>
+                <a:spcPct val="100000"/>
+              </a:lnSpc>
+              <a:spcBef>
+                <a:spcPts val="0"/>
+              </a:spcBef>
+              <a:spcAft>
+                <a:spcPts val="0"/>
+              </a:spcAft>
+            </a:defPPr>
+            <a:lvl1pPr marL="457200" marR="0" lvl="0" indent="-355600" algn="l" rtl="0">
+              <a:lnSpc>
+                <a:spcPct val="90000"/>
+              </a:lnSpc>
+              <a:spcBef>
+                <a:spcPts val="1000"/>
+              </a:spcBef>
+              <a:spcAft>
+                <a:spcPts val="0"/>
+              </a:spcAft>
+              <a:buClr>
+                <a:schemeClr val="lt2"/>
+              </a:buClr>
+              <a:buSzPts val="2000"/>
+              <a:buFont typeface="Arial"/>
+              <a:buChar char="•"/>
+              <a:defRPr sz="2000" b="0" i="0" u="none" strike="noStrike" cap="none">
+                <a:solidFill>
+                  <a:schemeClr val="lt2"/>
+                </a:solidFill>
+                <a:latin typeface="Arial"/>
+                <a:ea typeface="Arial"/>
+                <a:cs typeface="Arial"/>
+                <a:sym typeface="Arial"/>
+              </a:defRPr>
+            </a:lvl1pPr>
+            <a:lvl2pPr marL="914400" marR="0" lvl="1" indent="-482600" algn="l" rtl="0">
+              <a:lnSpc>
+                <a:spcPct val="90000"/>
+              </a:lnSpc>
+              <a:spcBef>
+                <a:spcPts val="500"/>
+              </a:spcBef>
+              <a:spcAft>
+                <a:spcPts val="0"/>
+              </a:spcAft>
+              <a:buClr>
+                <a:schemeClr val="lt2"/>
+              </a:buClr>
+              <a:buSzPts val="4000"/>
+              <a:buFont typeface="Arial"/>
+              <a:buChar char="•"/>
+              <a:defRPr sz="4000" b="0" i="0" u="none" strike="noStrike" cap="none">
+                <a:solidFill>
+                  <a:schemeClr val="lt2"/>
+                </a:solidFill>
+                <a:latin typeface="Arial"/>
+                <a:ea typeface="Arial"/>
+                <a:cs typeface="Arial"/>
+                <a:sym typeface="Arial"/>
+              </a:defRPr>
+            </a:lvl2pPr>
+            <a:lvl3pPr marL="1371600" marR="0" lvl="2" indent="-482600" algn="l" rtl="0">
+              <a:lnSpc>
+                <a:spcPct val="90000"/>
+              </a:lnSpc>
+              <a:spcBef>
+                <a:spcPts val="500"/>
+              </a:spcBef>
+              <a:spcAft>
+                <a:spcPts val="0"/>
+              </a:spcAft>
+              <a:buClr>
+                <a:schemeClr val="lt2"/>
+              </a:buClr>
+              <a:buSzPts val="4000"/>
+              <a:buFont typeface="Arial"/>
+              <a:buChar char="•"/>
+              <a:defRPr sz="4000" b="0" i="0" u="none" strike="noStrike" cap="none">
+                <a:solidFill>
+                  <a:schemeClr val="lt2"/>
+                </a:solidFill>
+                <a:latin typeface="Arial"/>
+                <a:ea typeface="Arial"/>
+                <a:cs typeface="Arial"/>
+                <a:sym typeface="Arial"/>
+              </a:defRPr>
+            </a:lvl3pPr>
+            <a:lvl4pPr marL="1828800" marR="0" lvl="3" indent="-482600" algn="l" rtl="0">
+              <a:lnSpc>
+                <a:spcPct val="90000"/>
+              </a:lnSpc>
+              <a:spcBef>
+                <a:spcPts val="500"/>
+              </a:spcBef>
+              <a:spcAft>
+                <a:spcPts val="0"/>
+              </a:spcAft>
+              <a:buClr>
+                <a:schemeClr val="lt2"/>
+              </a:buClr>
+              <a:buSzPts val="4000"/>
+              <a:buFont typeface="Arial"/>
+              <a:buChar char="•"/>
+              <a:defRPr sz="4000" b="0" i="0" u="none" strike="noStrike" cap="none">
+                <a:solidFill>
+                  <a:schemeClr val="lt2"/>
+                </a:solidFill>
+                <a:latin typeface="Arial"/>
+                <a:ea typeface="Arial"/>
+                <a:cs typeface="Arial"/>
+                <a:sym typeface="Arial"/>
+              </a:defRPr>
+            </a:lvl4pPr>
+            <a:lvl5pPr marL="2286000" marR="0" lvl="4" indent="-482600" algn="l" rtl="0">
+              <a:lnSpc>
+                <a:spcPct val="90000"/>
+              </a:lnSpc>
+              <a:spcBef>
+                <a:spcPts val="500"/>
+              </a:spcBef>
+              <a:spcAft>
+                <a:spcPts val="0"/>
+              </a:spcAft>
+              <a:buClr>
+                <a:schemeClr val="lt2"/>
+              </a:buClr>
+              <a:buSzPts val="4000"/>
+              <a:buFont typeface="Arial"/>
+              <a:buChar char="•"/>
+              <a:defRPr sz="4000" b="0" i="0" u="none" strike="noStrike" cap="none">
+                <a:solidFill>
+                  <a:schemeClr val="lt2"/>
+                </a:solidFill>
+                <a:latin typeface="Arial"/>
+                <a:ea typeface="Arial"/>
+                <a:cs typeface="Arial"/>
+                <a:sym typeface="Arial"/>
+              </a:defRPr>
+            </a:lvl5pPr>
+            <a:lvl6pPr marL="2743200" marR="0" lvl="5" indent="-342900" algn="l" rtl="0">
+              <a:lnSpc>
+                <a:spcPct val="90000"/>
+              </a:lnSpc>
+              <a:spcBef>
+                <a:spcPts val="500"/>
+              </a:spcBef>
+              <a:spcAft>
+                <a:spcPts val="0"/>
+              </a:spcAft>
+              <a:buClr>
+                <a:schemeClr val="dk1"/>
+              </a:buClr>
+              <a:buSzPts val="1800"/>
+              <a:buFont typeface="Arial"/>
+              <a:buChar char="•"/>
+              <a:defRPr sz="1800" b="0" i="0" u="none" strike="noStrike" cap="none">
+                <a:solidFill>
+                  <a:srgbClr val="CFE2F3"/>
+                </a:solidFill>
+                <a:latin typeface="Arial"/>
+                <a:ea typeface="Arial"/>
+                <a:cs typeface="Arial"/>
+                <a:sym typeface="Arial"/>
+              </a:defRPr>
+            </a:lvl6pPr>
+            <a:lvl7pPr marL="3200400" marR="0" lvl="6" indent="-342900" algn="l" rtl="0">
+              <a:lnSpc>
+                <a:spcPct val="90000"/>
+              </a:lnSpc>
+              <a:spcBef>
+                <a:spcPts val="500"/>
+              </a:spcBef>
+              <a:spcAft>
+                <a:spcPts val="0"/>
+              </a:spcAft>
+              <a:buClr>
+                <a:schemeClr val="dk1"/>
+              </a:buClr>
+              <a:buSzPts val="1800"/>
+              <a:buFont typeface="Arial"/>
+              <a:buChar char="•"/>
+              <a:defRPr sz="1800" b="0" i="0" u="none" strike="noStrike" cap="none">
+                <a:solidFill>
+                  <a:srgbClr val="CFE2F3"/>
+                </a:solidFill>
+                <a:latin typeface="Arial"/>
+                <a:ea typeface="Arial"/>
+                <a:cs typeface="Arial"/>
+                <a:sym typeface="Arial"/>
+              </a:defRPr>
+            </a:lvl7pPr>
+            <a:lvl8pPr marL="3657600" marR="0" lvl="7" indent="-342900" algn="l" rtl="0">
+              <a:lnSpc>
+                <a:spcPct val="90000"/>
+              </a:lnSpc>
+              <a:spcBef>
+                <a:spcPts val="500"/>
+              </a:spcBef>
+              <a:spcAft>
+                <a:spcPts val="0"/>
+              </a:spcAft>
+              <a:buClr>
+                <a:schemeClr val="dk1"/>
+              </a:buClr>
+              <a:buSzPts val="1800"/>
+              <a:buFont typeface="Arial"/>
+              <a:buChar char="•"/>
+              <a:defRPr sz="1800" b="0" i="0" u="none" strike="noStrike" cap="none">
+                <a:solidFill>
+                  <a:srgbClr val="CFE2F3"/>
+                </a:solidFill>
+                <a:latin typeface="Arial"/>
+                <a:ea typeface="Arial"/>
+                <a:cs typeface="Arial"/>
+                <a:sym typeface="Arial"/>
+              </a:defRPr>
+            </a:lvl8pPr>
+            <a:lvl9pPr marL="4114800" marR="0" lvl="8" indent="-342900" algn="l" rtl="0">
+              <a:lnSpc>
+                <a:spcPct val="90000"/>
+              </a:lnSpc>
+              <a:spcBef>
+                <a:spcPts val="500"/>
+              </a:spcBef>
+              <a:spcAft>
+                <a:spcPts val="0"/>
+              </a:spcAft>
+              <a:buClr>
+                <a:schemeClr val="dk1"/>
+              </a:buClr>
+              <a:buSzPts val="1800"/>
+              <a:buFont typeface="Arial"/>
+              <a:buChar char="•"/>
+              <a:defRPr sz="1800" b="0" i="0" u="none" strike="noStrike" cap="none">
+                <a:solidFill>
+                  <a:srgbClr val="CFE2F3"/>
+                </a:solidFill>
+                <a:latin typeface="Arial"/>
+                <a:ea typeface="Arial"/>
+                <a:cs typeface="Arial"/>
+                <a:sym typeface="Arial"/>
+              </a:defRPr>
+            </a:lvl9pPr>
+          </a:lstStyle>
+          <a:p>
+            <a:pPr marL="0" indent="0">
+              <a:spcBef>
+                <a:spcPts val="0"/>
+              </a:spcBef>
+              <a:buFont typeface="Arial"/>
+              <a:buNone/>
+            </a:pPr>
+            <a:r>
+              <a:rPr lang="en-GB" dirty="0"/>
+              <a:t>Phil.Austin@telefonicatech.uk</a:t>
+            </a:r>
+          </a:p>
+        </p:txBody>
+      </p:sp>
+      <p:sp>
+        <p:nvSpPr>
+          <p:cNvPr id="3" name="Google Shape;136;g30ccb334bf1_0_6">
+            <a:extLst>
+              <a:ext uri="{FF2B5EF4-FFF2-40B4-BE49-F238E27FC236}">
+                <a16:creationId xmlns:a16="http://schemas.microsoft.com/office/drawing/2014/main" id="{C74BFC0A-C522-B4D8-6A68-2C3668E01742}"/>
+              </a:ext>
+            </a:extLst>
+          </p:cNvPr>
+          <p:cNvSpPr txBox="1">
+            <a:spLocks/>
+          </p:cNvSpPr>
+          <p:nvPr/>
+        </p:nvSpPr>
+        <p:spPr>
+          <a:xfrm>
+            <a:off x="1243314" y="2044220"/>
+            <a:ext cx="4494300" cy="428700"/>
+          </a:xfrm>
+          <a:prstGeom prst="rect">
+            <a:avLst/>
+          </a:prstGeom>
+          <a:noFill/>
+          <a:ln>
+            <a:noFill/>
+          </a:ln>
+        </p:spPr>
+        <p:txBody>
+          <a:bodyPr spcFirstLastPara="1" wrap="square" lIns="91425" tIns="45700" rIns="91425" bIns="45700" anchor="t" anchorCtr="0">
+            <a:normAutofit/>
+          </a:bodyPr>
+          <a:lstStyle>
+            <a:defPPr marR="0" lvl="0" algn="l" rtl="0">
+              <a:lnSpc>
+                <a:spcPct val="100000"/>
+              </a:lnSpc>
+              <a:spcBef>
+                <a:spcPts val="0"/>
+              </a:spcBef>
+              <a:spcAft>
+                <a:spcPts val="0"/>
+              </a:spcAft>
+            </a:defPPr>
+            <a:lvl1pPr marL="457200" marR="0" lvl="0" indent="-355600" algn="l" rtl="0">
+              <a:lnSpc>
+                <a:spcPct val="90000"/>
+              </a:lnSpc>
+              <a:spcBef>
+                <a:spcPts val="1000"/>
+              </a:spcBef>
+              <a:spcAft>
+                <a:spcPts val="0"/>
+              </a:spcAft>
+              <a:buClr>
+                <a:schemeClr val="lt2"/>
+              </a:buClr>
+              <a:buSzPts val="2000"/>
+              <a:buFont typeface="Arial"/>
+              <a:buChar char="•"/>
+              <a:defRPr sz="2000" b="0" i="0" u="none" strike="noStrike" cap="none">
+                <a:solidFill>
+                  <a:schemeClr val="lt2"/>
+                </a:solidFill>
+                <a:latin typeface="Arial"/>
+                <a:ea typeface="Arial"/>
+                <a:cs typeface="Arial"/>
+                <a:sym typeface="Arial"/>
+              </a:defRPr>
+            </a:lvl1pPr>
+            <a:lvl2pPr marL="914400" marR="0" lvl="1" indent="-482600" algn="l" rtl="0">
+              <a:lnSpc>
+                <a:spcPct val="90000"/>
+              </a:lnSpc>
+              <a:spcBef>
+                <a:spcPts val="500"/>
+              </a:spcBef>
+              <a:spcAft>
+                <a:spcPts val="0"/>
+              </a:spcAft>
+              <a:buClr>
+                <a:schemeClr val="lt2"/>
+              </a:buClr>
+              <a:buSzPts val="4000"/>
+              <a:buFont typeface="Arial"/>
+              <a:buChar char="•"/>
+              <a:defRPr sz="4000" b="0" i="0" u="none" strike="noStrike" cap="none">
+                <a:solidFill>
+                  <a:schemeClr val="lt2"/>
+                </a:solidFill>
+                <a:latin typeface="Arial"/>
+                <a:ea typeface="Arial"/>
+                <a:cs typeface="Arial"/>
+                <a:sym typeface="Arial"/>
+              </a:defRPr>
+            </a:lvl2pPr>
+            <a:lvl3pPr marL="1371600" marR="0" lvl="2" indent="-482600" algn="l" rtl="0">
+              <a:lnSpc>
+                <a:spcPct val="90000"/>
+              </a:lnSpc>
+              <a:spcBef>
+                <a:spcPts val="500"/>
+              </a:spcBef>
+              <a:spcAft>
+                <a:spcPts val="0"/>
+              </a:spcAft>
+              <a:buClr>
+                <a:schemeClr val="lt2"/>
+              </a:buClr>
+              <a:buSzPts val="4000"/>
+              <a:buFont typeface="Arial"/>
+              <a:buChar char="•"/>
+              <a:defRPr sz="4000" b="0" i="0" u="none" strike="noStrike" cap="none">
+                <a:solidFill>
+                  <a:schemeClr val="lt2"/>
+                </a:solidFill>
+                <a:latin typeface="Arial"/>
+                <a:ea typeface="Arial"/>
+                <a:cs typeface="Arial"/>
+                <a:sym typeface="Arial"/>
+              </a:defRPr>
+            </a:lvl3pPr>
+            <a:lvl4pPr marL="1828800" marR="0" lvl="3" indent="-482600" algn="l" rtl="0">
+              <a:lnSpc>
+                <a:spcPct val="90000"/>
+              </a:lnSpc>
+              <a:spcBef>
+                <a:spcPts val="500"/>
+              </a:spcBef>
+              <a:spcAft>
+                <a:spcPts val="0"/>
+              </a:spcAft>
+              <a:buClr>
+                <a:schemeClr val="lt2"/>
+              </a:buClr>
+              <a:buSzPts val="4000"/>
+              <a:buFont typeface="Arial"/>
+              <a:buChar char="•"/>
+              <a:defRPr sz="4000" b="0" i="0" u="none" strike="noStrike" cap="none">
+                <a:solidFill>
+                  <a:schemeClr val="lt2"/>
+                </a:solidFill>
+                <a:latin typeface="Arial"/>
+                <a:ea typeface="Arial"/>
+                <a:cs typeface="Arial"/>
+                <a:sym typeface="Arial"/>
+              </a:defRPr>
+            </a:lvl4pPr>
+            <a:lvl5pPr marL="2286000" marR="0" lvl="4" indent="-482600" algn="l" rtl="0">
+              <a:lnSpc>
+                <a:spcPct val="90000"/>
+              </a:lnSpc>
+              <a:spcBef>
+                <a:spcPts val="500"/>
+              </a:spcBef>
+              <a:spcAft>
+                <a:spcPts val="0"/>
+              </a:spcAft>
+              <a:buClr>
+                <a:schemeClr val="lt2"/>
+              </a:buClr>
+              <a:buSzPts val="4000"/>
+              <a:buFont typeface="Arial"/>
+              <a:buChar char="•"/>
+              <a:defRPr sz="4000" b="0" i="0" u="none" strike="noStrike" cap="none">
+                <a:solidFill>
+                  <a:schemeClr val="lt2"/>
+                </a:solidFill>
+                <a:latin typeface="Arial"/>
+                <a:ea typeface="Arial"/>
+                <a:cs typeface="Arial"/>
+                <a:sym typeface="Arial"/>
+              </a:defRPr>
+            </a:lvl5pPr>
+            <a:lvl6pPr marL="2743200" marR="0" lvl="5" indent="-342900" algn="l" rtl="0">
+              <a:lnSpc>
+                <a:spcPct val="90000"/>
+              </a:lnSpc>
+              <a:spcBef>
+                <a:spcPts val="500"/>
+              </a:spcBef>
+              <a:spcAft>
+                <a:spcPts val="0"/>
+              </a:spcAft>
+              <a:buClr>
+                <a:schemeClr val="dk1"/>
+              </a:buClr>
+              <a:buSzPts val="1800"/>
+              <a:buFont typeface="Arial"/>
+              <a:buChar char="•"/>
+              <a:defRPr sz="1800" b="0" i="0" u="none" strike="noStrike" cap="none">
+                <a:solidFill>
+                  <a:srgbClr val="CFE2F3"/>
+                </a:solidFill>
+                <a:latin typeface="Arial"/>
+                <a:ea typeface="Arial"/>
+                <a:cs typeface="Arial"/>
+                <a:sym typeface="Arial"/>
+              </a:defRPr>
+            </a:lvl6pPr>
+            <a:lvl7pPr marL="3200400" marR="0" lvl="6" indent="-342900" algn="l" rtl="0">
+              <a:lnSpc>
+                <a:spcPct val="90000"/>
+              </a:lnSpc>
+              <a:spcBef>
+                <a:spcPts val="500"/>
+              </a:spcBef>
+              <a:spcAft>
+                <a:spcPts val="0"/>
+              </a:spcAft>
+              <a:buClr>
+                <a:schemeClr val="dk1"/>
+              </a:buClr>
+              <a:buSzPts val="1800"/>
+              <a:buFont typeface="Arial"/>
+              <a:buChar char="•"/>
+              <a:defRPr sz="1800" b="0" i="0" u="none" strike="noStrike" cap="none">
+                <a:solidFill>
+                  <a:srgbClr val="CFE2F3"/>
+                </a:solidFill>
+                <a:latin typeface="Arial"/>
+                <a:ea typeface="Arial"/>
+                <a:cs typeface="Arial"/>
+                <a:sym typeface="Arial"/>
+              </a:defRPr>
+            </a:lvl7pPr>
+            <a:lvl8pPr marL="3657600" marR="0" lvl="7" indent="-342900" algn="l" rtl="0">
+              <a:lnSpc>
+                <a:spcPct val="90000"/>
+              </a:lnSpc>
+              <a:spcBef>
+                <a:spcPts val="500"/>
+              </a:spcBef>
+              <a:spcAft>
+                <a:spcPts val="0"/>
+              </a:spcAft>
+              <a:buClr>
+                <a:schemeClr val="dk1"/>
+              </a:buClr>
+              <a:buSzPts val="1800"/>
+              <a:buFont typeface="Arial"/>
+              <a:buChar char="•"/>
+              <a:defRPr sz="1800" b="0" i="0" u="none" strike="noStrike" cap="none">
+                <a:solidFill>
+                  <a:srgbClr val="CFE2F3"/>
+                </a:solidFill>
+                <a:latin typeface="Arial"/>
+                <a:ea typeface="Arial"/>
+                <a:cs typeface="Arial"/>
+                <a:sym typeface="Arial"/>
+              </a:defRPr>
+            </a:lvl8pPr>
+            <a:lvl9pPr marL="4114800" marR="0" lvl="8" indent="-342900" algn="l" rtl="0">
+              <a:lnSpc>
+                <a:spcPct val="90000"/>
+              </a:lnSpc>
+              <a:spcBef>
+                <a:spcPts val="500"/>
+              </a:spcBef>
+              <a:spcAft>
+                <a:spcPts val="0"/>
+              </a:spcAft>
+              <a:buClr>
+                <a:schemeClr val="dk1"/>
+              </a:buClr>
+              <a:buSzPts val="1800"/>
+              <a:buFont typeface="Arial"/>
+              <a:buChar char="•"/>
+              <a:defRPr sz="1800" b="0" i="0" u="none" strike="noStrike" cap="none">
+                <a:solidFill>
+                  <a:srgbClr val="CFE2F3"/>
+                </a:solidFill>
+                <a:latin typeface="Arial"/>
+                <a:ea typeface="Arial"/>
+                <a:cs typeface="Arial"/>
+                <a:sym typeface="Arial"/>
+              </a:defRPr>
+            </a:lvl9pPr>
+          </a:lstStyle>
+          <a:p>
+            <a:pPr marL="0" indent="0">
+              <a:spcBef>
+                <a:spcPts val="0"/>
+              </a:spcBef>
+              <a:buFont typeface="Arial"/>
+              <a:buNone/>
+            </a:pPr>
+            <a:r>
+              <a:rPr lang="en-GB" dirty="0"/>
+              <a:t>linkedin.com/in/phila10</a:t>
+            </a:r>
           </a:p>
         </p:txBody>
       </p:sp>
